--- a/doc/Project_structure_notes.pptx
+++ b/doc/Project_structure_notes.pptx
@@ -5,25 +5,38 @@
     <p:sldMasterId id="2147483702" r:id="rId1"/>
   </p:sldMasterIdLst>
   <p:notesMasterIdLst>
-    <p:notesMasterId r:id="rId18"/>
+    <p:notesMasterId r:id="rId31"/>
   </p:notesMasterIdLst>
   <p:sldIdLst>
     <p:sldId id="256" r:id="rId2"/>
     <p:sldId id="272" r:id="rId3"/>
     <p:sldId id="267" r:id="rId4"/>
     <p:sldId id="266" r:id="rId5"/>
-    <p:sldId id="260" r:id="rId6"/>
-    <p:sldId id="275" r:id="rId7"/>
-    <p:sldId id="261" r:id="rId8"/>
-    <p:sldId id="273" r:id="rId9"/>
-    <p:sldId id="274" r:id="rId10"/>
-    <p:sldId id="271" r:id="rId11"/>
-    <p:sldId id="269" r:id="rId12"/>
-    <p:sldId id="263" r:id="rId13"/>
-    <p:sldId id="258" r:id="rId14"/>
-    <p:sldId id="270" r:id="rId15"/>
-    <p:sldId id="257" r:id="rId16"/>
-    <p:sldId id="268" r:id="rId17"/>
+    <p:sldId id="285" r:id="rId6"/>
+    <p:sldId id="260" r:id="rId7"/>
+    <p:sldId id="275" r:id="rId8"/>
+    <p:sldId id="261" r:id="rId9"/>
+    <p:sldId id="273" r:id="rId10"/>
+    <p:sldId id="274" r:id="rId11"/>
+    <p:sldId id="271" r:id="rId12"/>
+    <p:sldId id="276" r:id="rId13"/>
+    <p:sldId id="280" r:id="rId14"/>
+    <p:sldId id="281" r:id="rId15"/>
+    <p:sldId id="282" r:id="rId16"/>
+    <p:sldId id="283" r:id="rId17"/>
+    <p:sldId id="286" r:id="rId18"/>
+    <p:sldId id="288" r:id="rId19"/>
+    <p:sldId id="287" r:id="rId20"/>
+    <p:sldId id="277" r:id="rId21"/>
+    <p:sldId id="279" r:id="rId22"/>
+    <p:sldId id="278" r:id="rId23"/>
+    <p:sldId id="269" r:id="rId24"/>
+    <p:sldId id="263" r:id="rId25"/>
+    <p:sldId id="258" r:id="rId26"/>
+    <p:sldId id="270" r:id="rId27"/>
+    <p:sldId id="284" r:id="rId28"/>
+    <p:sldId id="257" r:id="rId29"/>
+    <p:sldId id="268" r:id="rId30"/>
   </p:sldIdLst>
   <p:sldSz cx="12192000" cy="6858000"/>
   <p:notesSz cx="6858000" cy="9144000"/>
@@ -123,6 +136,63 @@
     </a:lvl9pPr>
   </p:defaultTextStyle>
   <p:extLst>
+    <p:ext uri="{521415D9-36F7-43E2-AB2F-B90AF26B5E84}">
+      <p14:sectionLst xmlns:p14="http://schemas.microsoft.com/office/powerpoint/2010/main">
+        <p14:section name="Default Section" id="{CF08D6A4-8942-489C-BD56-87CE9B237A54}">
+          <p14:sldIdLst>
+            <p14:sldId id="256"/>
+          </p14:sldIdLst>
+        </p14:section>
+        <p14:section name="project management" id="{3EDC1F3D-5E79-4EDB-9A00-B68094202876}">
+          <p14:sldIdLst>
+            <p14:sldId id="272"/>
+            <p14:sldId id="267"/>
+            <p14:sldId id="266"/>
+            <p14:sldId id="285"/>
+          </p14:sldIdLst>
+        </p14:section>
+        <p14:section name="background" id="{734442C7-9DFA-4163-AB0C-F6E41907FEF9}">
+          <p14:sldIdLst>
+            <p14:sldId id="260"/>
+            <p14:sldId id="275"/>
+            <p14:sldId id="261"/>
+            <p14:sldId id="273"/>
+            <p14:sldId id="274"/>
+            <p14:sldId id="271"/>
+            <p14:sldId id="276"/>
+          </p14:sldIdLst>
+        </p14:section>
+        <p14:section name="leaky pre-processing" id="{F8E6AF8F-3C53-41C9-8FE5-0CD2B05328EF}">
+          <p14:sldIdLst>
+            <p14:sldId id="280"/>
+            <p14:sldId id="281"/>
+            <p14:sldId id="282"/>
+            <p14:sldId id="283"/>
+            <p14:sldId id="286"/>
+            <p14:sldId id="288"/>
+          </p14:sldIdLst>
+        </p14:section>
+        <p14:section name="pre-processing after data split" id="{956FAA02-4F2B-4384-873F-9E12E914F225}">
+          <p14:sldIdLst>
+            <p14:sldId id="287"/>
+          </p14:sldIdLst>
+        </p14:section>
+        <p14:section name="Notes" id="{BD5F37D2-34EC-4962-982B-3F5187946EDA}">
+          <p14:sldIdLst>
+            <p14:sldId id="277"/>
+            <p14:sldId id="279"/>
+            <p14:sldId id="278"/>
+            <p14:sldId id="269"/>
+            <p14:sldId id="263"/>
+            <p14:sldId id="258"/>
+            <p14:sldId id="270"/>
+            <p14:sldId id="284"/>
+            <p14:sldId id="257"/>
+            <p14:sldId id="268"/>
+          </p14:sldIdLst>
+        </p14:section>
+      </p14:sectionLst>
+    </p:ext>
     <p:ext uri="{EFAFB233-063F-42B5-8137-9DF3F51BA10A}">
       <p15:sldGuideLst xmlns:p15="http://schemas.microsoft.com/office/powerpoint/2012/main"/>
     </p:ext>
@@ -7114,7 +7184,7 @@
           <a:p>
             <a:fld id="{0D3712C0-BD94-4EDD-81B8-404EF18DF498}" type="datetimeFigureOut">
               <a:rPr lang="en-US" smtClean="0"/>
-              <a:t>2/21/2022</a:t>
+              <a:t>4/11/2022</a:t>
             </a:fld>
             <a:endParaRPr lang="en-US"/>
           </a:p>
@@ -7569,7 +7639,7 @@
           <a:p>
             <a:fld id="{843A20DD-8926-4B91-8D72-D1DC7F5C31EF}" type="datetime1">
               <a:rPr lang="en-US" smtClean="0"/>
-              <a:t>2/21/2022</a:t>
+              <a:t>4/11/2022</a:t>
             </a:fld>
             <a:endParaRPr lang="en-US" dirty="0"/>
           </a:p>
@@ -7912,7 +7982,7 @@
           <a:p>
             <a:fld id="{D2DD2B10-BCB9-40E5-8141-F17001376370}" type="datetime1">
               <a:rPr lang="en-US" smtClean="0"/>
-              <a:t>2/21/2022</a:t>
+              <a:t>4/11/2022</a:t>
             </a:fld>
             <a:endParaRPr lang="en-US" dirty="0"/>
           </a:p>
@@ -8318,7 +8388,7 @@
           <a:p>
             <a:fld id="{927FFA6D-4E8C-437E-BCA1-3CF73EB8B252}" type="datetime1">
               <a:rPr lang="en-US" smtClean="0"/>
-              <a:t>2/21/2022</a:t>
+              <a:t>4/11/2022</a:t>
             </a:fld>
             <a:endParaRPr lang="en-US" dirty="0"/>
           </a:p>
@@ -8659,7 +8729,7 @@
           <a:p>
             <a:fld id="{A2C7F92B-2A35-4C09-8346-C40AAA997302}" type="datetime1">
               <a:rPr lang="en-US" smtClean="0"/>
-              <a:t>2/21/2022</a:t>
+              <a:t>4/11/2022</a:t>
             </a:fld>
             <a:endParaRPr lang="en-US" dirty="0"/>
           </a:p>
@@ -8985,7 +9055,7 @@
           <a:p>
             <a:fld id="{A2C7F92B-2A35-4C09-8346-C40AAA997302}" type="datetime1">
               <a:rPr lang="en-US" smtClean="0"/>
-              <a:t>2/21/2022</a:t>
+              <a:t>4/11/2022</a:t>
             </a:fld>
             <a:endParaRPr lang="en-US" dirty="0"/>
           </a:p>
@@ -9387,7 +9457,7 @@
           <a:p>
             <a:fld id="{A2C7F92B-2A35-4C09-8346-C40AAA997302}" type="datetime1">
               <a:rPr lang="en-US" smtClean="0"/>
-              <a:t>2/21/2022</a:t>
+              <a:t>4/11/2022</a:t>
             </a:fld>
             <a:endParaRPr lang="en-US" dirty="0"/>
           </a:p>
@@ -9650,7 +9720,7 @@
           <a:p>
             <a:fld id="{8A427DC1-41D9-41ED-AAB7-DF919DFB0B7D}" type="datetime1">
               <a:rPr lang="en-US" smtClean="0"/>
-              <a:t>2/21/2022</a:t>
+              <a:t>4/11/2022</a:t>
             </a:fld>
             <a:endParaRPr lang="en-US" dirty="0"/>
           </a:p>
@@ -9917,7 +9987,7 @@
           <a:p>
             <a:fld id="{49530F64-B6F9-41E5-8499-9B56B7F93996}" type="datetime1">
               <a:rPr lang="en-US" smtClean="0"/>
-              <a:t>2/21/2022</a:t>
+              <a:t>4/11/2022</a:t>
             </a:fld>
             <a:endParaRPr lang="en-US" dirty="0"/>
           </a:p>
@@ -10188,7 +10258,7 @@
             <a:fld id="{36D18B76-5E8B-4456-8722-FC5B14B0F354}" type="datetime1">
               <a:rPr lang="en-US" smtClean="0"/>
               <a:pPr/>
-              <a:t>2/21/2022</a:t>
+              <a:t>4/11/2022</a:t>
             </a:fld>
             <a:endParaRPr lang="en-US" dirty="0"/>
           </a:p>
@@ -10526,7 +10596,7 @@
           <a:p>
             <a:fld id="{3E914A3D-A565-477F-8682-1AE6EFE36557}" type="datetime1">
               <a:rPr lang="en-US" smtClean="0"/>
-              <a:t>2/21/2022</a:t>
+              <a:t>4/11/2022</a:t>
             </a:fld>
             <a:endParaRPr lang="en-US" dirty="0"/>
           </a:p>
@@ -10854,7 +10924,7 @@
           <a:p>
             <a:fld id="{D45A6A21-0914-4A46-BCF1-163E9A00E688}" type="datetime1">
               <a:rPr lang="en-US" smtClean="0"/>
-              <a:t>2/21/2022</a:t>
+              <a:t>4/11/2022</a:t>
             </a:fld>
             <a:endParaRPr lang="en-US" dirty="0"/>
           </a:p>
@@ -11316,7 +11386,7 @@
           <a:p>
             <a:fld id="{6BDD7FCB-B1A7-4982-8C8B-674E644B14B0}" type="datetime1">
               <a:rPr lang="en-US" smtClean="0"/>
-              <a:t>2/21/2022</a:t>
+              <a:t>4/11/2022</a:t>
             </a:fld>
             <a:endParaRPr lang="en-US" dirty="0"/>
           </a:p>
@@ -11536,7 +11606,7 @@
             <a:fld id="{4C731089-17FC-4C04-87B1-2157F67F0117}" type="datetime1">
               <a:rPr lang="en-US" smtClean="0"/>
               <a:pPr/>
-              <a:t>2/21/2022</a:t>
+              <a:t>4/11/2022</a:t>
             </a:fld>
             <a:endParaRPr lang="en-US" dirty="0"/>
           </a:p>
@@ -11722,7 +11792,7 @@
           <a:p>
             <a:fld id="{1278D66F-D6E5-4434-B311-7DA25CA81F5A}" type="datetime1">
               <a:rPr lang="en-US" smtClean="0"/>
-              <a:t>2/21/2022</a:t>
+              <a:t>4/11/2022</a:t>
             </a:fld>
             <a:endParaRPr lang="en-US" dirty="0"/>
           </a:p>
@@ -12060,7 +12130,7 @@
           <a:p>
             <a:fld id="{2253374B-0B0C-42C0-A0DF-1550CE3AA116}" type="datetime1">
               <a:rPr lang="en-US" smtClean="0"/>
-              <a:t>2/21/2022</a:t>
+              <a:t>4/11/2022</a:t>
             </a:fld>
             <a:endParaRPr lang="en-US" dirty="0"/>
           </a:p>
@@ -12410,7 +12480,7 @@
           <a:p>
             <a:fld id="{F589A7BC-DDDD-4FB0-A8E7-5046A2EF84B8}" type="datetime1">
               <a:rPr lang="en-US" smtClean="0"/>
-              <a:t>2/21/2022</a:t>
+              <a:t>4/11/2022</a:t>
             </a:fld>
             <a:endParaRPr lang="en-US" dirty="0"/>
           </a:p>
@@ -14532,7 +14602,7 @@
           <a:p>
             <a:fld id="{A2C7F92B-2A35-4C09-8346-C40AAA997302}" type="datetime1">
               <a:rPr lang="en-US" smtClean="0"/>
-              <a:t>2/21/2022</a:t>
+              <a:t>4/11/2022</a:t>
             </a:fld>
             <a:endParaRPr lang="en-US" dirty="0"/>
           </a:p>
@@ -15150,7 +15220,7 @@
           <a:p>
             <a:fld id="{EFFFF5E6-438B-4B86-AF1B-DB82D6C33C1C}" type="datetime1">
               <a:rPr lang="en-US" smtClean="0"/>
-              <a:t>2/21/2022</a:t>
+              <a:t>4/11/2022</a:t>
             </a:fld>
             <a:endParaRPr lang="en-US" dirty="0"/>
           </a:p>
@@ -15247,6 +15317,228 @@
       </p:grpSpPr>
       <p:sp>
         <p:nvSpPr>
+          <p:cNvPr id="16" name="Title 15">
+            <a:extLst>
+              <a:ext uri="{FF2B5EF4-FFF2-40B4-BE49-F238E27FC236}">
+                <a16:creationId xmlns:a16="http://schemas.microsoft.com/office/drawing/2014/main" id="{BFD68236-2DF3-4941-ABB4-93B649770EEF}"/>
+              </a:ext>
+            </a:extLst>
+          </p:cNvPr>
+          <p:cNvSpPr>
+            <a:spLocks noGrp="1"/>
+          </p:cNvSpPr>
+          <p:nvPr>
+            <p:ph type="title"/>
+          </p:nvPr>
+        </p:nvSpPr>
+        <p:spPr>
+          <a:xfrm>
+            <a:off x="1640156" y="613274"/>
+            <a:ext cx="8911687" cy="1280890"/>
+          </a:xfrm>
+        </p:spPr>
+        <p:txBody>
+          <a:bodyPr/>
+          <a:lstStyle/>
+          <a:p>
+            <a:r>
+              <a:rPr lang="de-DE" b="1" i="1" dirty="0"/>
+              <a:t>CoDaCoRe</a:t>
+            </a:r>
+            <a:endParaRPr lang="en-US" b="1" i="1" dirty="0"/>
+          </a:p>
+        </p:txBody>
+      </p:sp>
+      <p:sp>
+        <p:nvSpPr>
+          <p:cNvPr id="8" name="Slide Number Placeholder 7">
+            <a:extLst>
+              <a:ext uri="{FF2B5EF4-FFF2-40B4-BE49-F238E27FC236}">
+                <a16:creationId xmlns:a16="http://schemas.microsoft.com/office/drawing/2014/main" id="{0EDD2C64-4C29-4476-ABF6-96B082C0E166}"/>
+              </a:ext>
+            </a:extLst>
+          </p:cNvPr>
+          <p:cNvSpPr>
+            <a:spLocks noGrp="1"/>
+          </p:cNvSpPr>
+          <p:nvPr>
+            <p:ph type="sldNum" sz="quarter" idx="12"/>
+          </p:nvPr>
+        </p:nvSpPr>
+        <p:spPr/>
+        <p:txBody>
+          <a:bodyPr/>
+          <a:lstStyle/>
+          <a:p>
+            <a:fld id="{D57F1E4F-1CFF-5643-939E-217C01CDF565}" type="slidenum">
+              <a:rPr lang="en-US" smtClean="0"/>
+              <a:pPr/>
+              <a:t>10</a:t>
+            </a:fld>
+            <a:endParaRPr lang="en-US" dirty="0"/>
+          </a:p>
+        </p:txBody>
+      </p:sp>
+      <p:sp>
+        <p:nvSpPr>
+          <p:cNvPr id="17" name="TextBox 16">
+            <a:extLst>
+              <a:ext uri="{FF2B5EF4-FFF2-40B4-BE49-F238E27FC236}">
+                <a16:creationId xmlns:a16="http://schemas.microsoft.com/office/drawing/2014/main" id="{391BB8BD-AFC8-43A6-801D-D06E61729BAE}"/>
+              </a:ext>
+            </a:extLst>
+          </p:cNvPr>
+          <p:cNvSpPr txBox="1"/>
+          <p:nvPr/>
+        </p:nvSpPr>
+        <p:spPr>
+          <a:xfrm>
+            <a:off x="1694844" y="1229380"/>
+            <a:ext cx="1788736" cy="300082"/>
+          </a:xfrm>
+          <a:prstGeom prst="rect">
+            <a:avLst/>
+          </a:prstGeom>
+          <a:noFill/>
+        </p:spPr>
+        <p:txBody>
+          <a:bodyPr wrap="square" rtlCol="0">
+            <a:spAutoFit/>
+          </a:bodyPr>
+          <a:lstStyle/>
+          <a:p>
+            <a:r>
+              <a:rPr lang="de-DE" sz="1350" dirty="0"/>
+              <a:t>Stand: 22.01.22</a:t>
+            </a:r>
+            <a:endParaRPr lang="en-US" sz="1350" dirty="0"/>
+          </a:p>
+        </p:txBody>
+      </p:sp>
+      <p:pic>
+        <p:nvPicPr>
+          <p:cNvPr id="5" name="Picture 4">
+            <a:extLst>
+              <a:ext uri="{FF2B5EF4-FFF2-40B4-BE49-F238E27FC236}">
+                <a16:creationId xmlns:a16="http://schemas.microsoft.com/office/drawing/2014/main" id="{3F380F45-35B2-4D81-96B0-1E4153265EBE}"/>
+              </a:ext>
+            </a:extLst>
+          </p:cNvPr>
+          <p:cNvPicPr>
+            <a:picLocks noChangeAspect="1"/>
+          </p:cNvPicPr>
+          <p:nvPr/>
+        </p:nvPicPr>
+        <p:blipFill>
+          <a:blip r:embed="rId2"/>
+          <a:stretch>
+            <a:fillRect/>
+          </a:stretch>
+        </p:blipFill>
+        <p:spPr>
+          <a:xfrm>
+            <a:off x="1640156" y="1722983"/>
+            <a:ext cx="6760556" cy="1574574"/>
+          </a:xfrm>
+          <a:prstGeom prst="rect">
+            <a:avLst/>
+          </a:prstGeom>
+        </p:spPr>
+      </p:pic>
+      <p:sp>
+        <p:nvSpPr>
+          <p:cNvPr id="6" name="TextBox 5">
+            <a:extLst>
+              <a:ext uri="{FF2B5EF4-FFF2-40B4-BE49-F238E27FC236}">
+                <a16:creationId xmlns:a16="http://schemas.microsoft.com/office/drawing/2014/main" id="{EA9B85E4-5F40-42A5-94B4-D3D1B2909239}"/>
+              </a:ext>
+            </a:extLst>
+          </p:cNvPr>
+          <p:cNvSpPr txBox="1"/>
+          <p:nvPr/>
+        </p:nvSpPr>
+        <p:spPr>
+          <a:xfrm>
+            <a:off x="2679405" y="3429000"/>
+            <a:ext cx="7210679" cy="1477328"/>
+          </a:xfrm>
+          <a:prstGeom prst="rect">
+            <a:avLst/>
+          </a:prstGeom>
+          <a:noFill/>
+        </p:spPr>
+        <p:txBody>
+          <a:bodyPr wrap="square" rtlCol="0">
+            <a:spAutoFit/>
+          </a:bodyPr>
+          <a:lstStyle/>
+          <a:p>
+            <a:r>
+              <a:rPr lang="de-DE" dirty="0"/>
+              <a:t>First thoughts:</a:t>
+            </a:r>
+          </a:p>
+          <a:p>
+            <a:pPr marL="285750" indent="-285750">
+              <a:buFontTx/>
+              <a:buChar char="-"/>
+            </a:pPr>
+            <a:r>
+              <a:rPr lang="de-DE" dirty="0"/>
+              <a:t>Example showed imputation by +1 </a:t>
+            </a:r>
+          </a:p>
+          <a:p>
+            <a:pPr marL="285750" indent="-285750">
+              <a:buFontTx/>
+              <a:buChar char="-"/>
+            </a:pPr>
+            <a:r>
+              <a:rPr lang="de-DE" dirty="0"/>
+              <a:t>Logratio type is ILR or SLR (balances or amalgamation) -&gt; comparison questionable?</a:t>
+            </a:r>
+          </a:p>
+          <a:p>
+            <a:pPr marL="285750" indent="-285750">
+              <a:buFontTx/>
+              <a:buChar char="-"/>
+            </a:pPr>
+            <a:endParaRPr lang="de-DE" dirty="0"/>
+          </a:p>
+        </p:txBody>
+      </p:sp>
+    </p:spTree>
+    <p:extLst>
+      <p:ext uri="{BB962C8B-B14F-4D97-AF65-F5344CB8AC3E}">
+        <p14:creationId xmlns:p14="http://schemas.microsoft.com/office/powerpoint/2010/main" val="3994840978"/>
+      </p:ext>
+    </p:extLst>
+  </p:cSld>
+  <p:clrMapOvr>
+    <a:masterClrMapping/>
+  </p:clrMapOvr>
+</p:sld>
+</file>
+
+<file path=ppt/slides/slide11.xml><?xml version="1.0" encoding="utf-8"?>
+<p:sld xmlns:a="http://schemas.openxmlformats.org/drawingml/2006/main" xmlns:r="http://schemas.openxmlformats.org/officeDocument/2006/relationships" xmlns:p="http://schemas.openxmlformats.org/presentationml/2006/main">
+  <p:cSld>
+    <p:spTree>
+      <p:nvGrpSpPr>
+        <p:cNvPr id="1" name=""/>
+        <p:cNvGrpSpPr/>
+        <p:nvPr/>
+      </p:nvGrpSpPr>
+      <p:grpSpPr>
+        <a:xfrm>
+          <a:off x="0" y="0"/>
+          <a:ext cx="0" cy="0"/>
+          <a:chOff x="0" y="0"/>
+          <a:chExt cx="0" cy="0"/>
+        </a:xfrm>
+      </p:grpSpPr>
+      <p:sp>
+        <p:nvSpPr>
           <p:cNvPr id="2" name="Title 1">
             <a:extLst>
               <a:ext uri="{FF2B5EF4-FFF2-40B4-BE49-F238E27FC236}">
@@ -15298,7 +15590,7 @@
             <a:fld id="{36D18B76-5E8B-4456-8722-FC5B14B0F354}" type="datetime1">
               <a:rPr lang="en-US" smtClean="0"/>
               <a:pPr/>
-              <a:t>2/21/2022</a:t>
+              <a:t>4/11/2022</a:t>
             </a:fld>
             <a:endParaRPr lang="en-US" dirty="0"/>
           </a:p>
@@ -15357,7 +15649,7 @@
             <a:fld id="{D57F1E4F-1CFF-5643-939E-217C01CDF565}" type="slidenum">
               <a:rPr lang="en-US" smtClean="0"/>
               <a:pPr/>
-              <a:t>10</a:t>
+              <a:t>11</a:t>
             </a:fld>
             <a:endParaRPr lang="en-US" dirty="0"/>
           </a:p>
@@ -15997,7 +16289,7 @@
             </a:p>
             <a:p>
               <a:r>
-                <a:rPr lang="de-DE" sz="1200" dirty="0"/>
+                <a:rPr lang="de-DE" sz="1200" strike="sngStrike" dirty="0"/>
                 <a:t>Linear Discriminant Analysis (LDA)</a:t>
               </a:r>
             </a:p>
@@ -16188,7 +16480,15 @@
             <a:p>
               <a:r>
                 <a:rPr lang="de-DE" sz="1200" dirty="0"/>
-                <a:t>10-fold stratified nested cross-validation</a:t>
+                <a:t>10-fold stratified </a:t>
+              </a:r>
+              <a:r>
+                <a:rPr lang="de-DE" sz="1200" strike="sngStrike" dirty="0"/>
+                <a:t>nested </a:t>
+              </a:r>
+              <a:r>
+                <a:rPr lang="de-DE" sz="1200" dirty="0"/>
+                <a:t>cross-validation</a:t>
               </a:r>
             </a:p>
           </p:txBody>
@@ -16243,232 +16543,12 @@
           </p:txBody>
         </p:sp>
       </p:grpSp>
-    </p:spTree>
-    <p:extLst>
-      <p:ext uri="{BB962C8B-B14F-4D97-AF65-F5344CB8AC3E}">
-        <p14:creationId xmlns:p14="http://schemas.microsoft.com/office/powerpoint/2010/main" val="3962706958"/>
-      </p:ext>
-    </p:extLst>
-  </p:cSld>
-  <p:clrMapOvr>
-    <a:masterClrMapping/>
-  </p:clrMapOvr>
-</p:sld>
-</file>
-
-<file path=ppt/slides/slide11.xml><?xml version="1.0" encoding="utf-8"?>
-<p:sld xmlns:a="http://schemas.openxmlformats.org/drawingml/2006/main" xmlns:r="http://schemas.openxmlformats.org/officeDocument/2006/relationships" xmlns:p="http://schemas.openxmlformats.org/presentationml/2006/main">
-  <p:cSld>
-    <p:spTree>
-      <p:nvGrpSpPr>
-        <p:cNvPr id="1" name=""/>
-        <p:cNvGrpSpPr/>
-        <p:nvPr/>
-      </p:nvGrpSpPr>
-      <p:grpSpPr>
-        <a:xfrm>
-          <a:off x="0" y="0"/>
-          <a:ext cx="0" cy="0"/>
-          <a:chOff x="0" y="0"/>
-          <a:chExt cx="0" cy="0"/>
-        </a:xfrm>
-      </p:grpSpPr>
-      <p:sp>
-        <p:nvSpPr>
-          <p:cNvPr id="2" name="Title 1">
+      <p:sp>
+        <p:nvSpPr>
+          <p:cNvPr id="10" name="TextBox 9">
             <a:extLst>
               <a:ext uri="{FF2B5EF4-FFF2-40B4-BE49-F238E27FC236}">
-                <a16:creationId xmlns:a16="http://schemas.microsoft.com/office/drawing/2014/main" id="{169D9D37-B637-4D74-BB75-639D51A491FB}"/>
-              </a:ext>
-            </a:extLst>
-          </p:cNvPr>
-          <p:cNvSpPr>
-            <a:spLocks noGrp="1"/>
-          </p:cNvSpPr>
-          <p:nvPr>
-            <p:ph type="title"/>
-          </p:nvPr>
-        </p:nvSpPr>
-        <p:spPr>
-          <a:xfrm>
-            <a:off x="1640156" y="628124"/>
-            <a:ext cx="8911687" cy="1280890"/>
-          </a:xfrm>
-        </p:spPr>
-        <p:txBody>
-          <a:bodyPr/>
-          <a:lstStyle/>
-          <a:p>
-            <a:r>
-              <a:rPr lang="de-DE" b="1" dirty="0"/>
-              <a:t>Data set</a:t>
-            </a:r>
-            <a:endParaRPr lang="en-US" b="1" dirty="0"/>
-          </a:p>
-        </p:txBody>
-      </p:sp>
-      <p:sp>
-        <p:nvSpPr>
-          <p:cNvPr id="3" name="Content Placeholder 2">
-            <a:extLst>
-              <a:ext uri="{FF2B5EF4-FFF2-40B4-BE49-F238E27FC236}">
-                <a16:creationId xmlns:a16="http://schemas.microsoft.com/office/drawing/2014/main" id="{D4D56813-9DF8-4D28-B156-1DE48E95DBC2}"/>
-              </a:ext>
-            </a:extLst>
-          </p:cNvPr>
-          <p:cNvSpPr>
-            <a:spLocks noGrp="1"/>
-          </p:cNvSpPr>
-          <p:nvPr>
-            <p:ph idx="1"/>
-          </p:nvPr>
-        </p:nvSpPr>
-        <p:spPr>
-          <a:xfrm>
-            <a:off x="2592495" y="1317171"/>
-            <a:ext cx="8915400" cy="4369465"/>
-          </a:xfrm>
-        </p:spPr>
-        <p:txBody>
-          <a:bodyPr>
-            <a:normAutofit/>
-          </a:bodyPr>
-          <a:lstStyle/>
-          <a:p>
-            <a:r>
-              <a:rPr lang="de-DE" dirty="0"/>
-              <a:t>Compare what Thomas P. Quinn uses (13 datasets) and take out from estonian biobank</a:t>
-            </a:r>
-          </a:p>
-          <a:p>
-            <a:r>
-              <a:rPr lang="de-DE" dirty="0"/>
-              <a:t> prediction/classification tasks</a:t>
-            </a:r>
-          </a:p>
-          <a:p>
-            <a:r>
-              <a:rPr lang="de-DE" dirty="0"/>
-              <a:t>One with continuous and one with discrete variables</a:t>
-            </a:r>
-          </a:p>
-          <a:p>
-            <a:r>
-              <a:rPr lang="de-DE" dirty="0"/>
-              <a:t>one with high correlation and one with low to microbiomes</a:t>
-            </a:r>
-          </a:p>
-          <a:p>
-            <a:r>
-              <a:rPr lang="de-DE" dirty="0"/>
-              <a:t>one small and one large data set</a:t>
-            </a:r>
-          </a:p>
-          <a:p>
-            <a:r>
-              <a:rPr lang="de-DE" dirty="0"/>
-              <a:t>EstMB, colorectal cancer, PCOS</a:t>
-            </a:r>
-          </a:p>
-          <a:p>
-            <a:endParaRPr lang="de-DE" dirty="0"/>
-          </a:p>
-        </p:txBody>
-      </p:sp>
-      <p:sp>
-        <p:nvSpPr>
-          <p:cNvPr id="4" name="Date Placeholder 3">
-            <a:extLst>
-              <a:ext uri="{FF2B5EF4-FFF2-40B4-BE49-F238E27FC236}">
-                <a16:creationId xmlns:a16="http://schemas.microsoft.com/office/drawing/2014/main" id="{D53DB4F4-84EC-4588-88E6-8D8519D6A1E8}"/>
-              </a:ext>
-            </a:extLst>
-          </p:cNvPr>
-          <p:cNvSpPr>
-            <a:spLocks noGrp="1"/>
-          </p:cNvSpPr>
-          <p:nvPr>
-            <p:ph type="dt" sz="half" idx="10"/>
-          </p:nvPr>
-        </p:nvSpPr>
-        <p:spPr/>
-        <p:txBody>
-          <a:bodyPr/>
-          <a:lstStyle/>
-          <a:p>
-            <a:fld id="{5A2DBB50-F561-45B0-9BE5-95A455D2CD8B}" type="datetime1">
-              <a:rPr lang="en-US" smtClean="0"/>
-              <a:t>2/21/2022</a:t>
-            </a:fld>
-            <a:endParaRPr lang="en-US" dirty="0"/>
-          </a:p>
-        </p:txBody>
-      </p:sp>
-      <p:sp>
-        <p:nvSpPr>
-          <p:cNvPr id="5" name="Footer Placeholder 4">
-            <a:extLst>
-              <a:ext uri="{FF2B5EF4-FFF2-40B4-BE49-F238E27FC236}">
-                <a16:creationId xmlns:a16="http://schemas.microsoft.com/office/drawing/2014/main" id="{A7F3346A-3F24-484B-A6D3-55D66520C917}"/>
-              </a:ext>
-            </a:extLst>
-          </p:cNvPr>
-          <p:cNvSpPr>
-            <a:spLocks noGrp="1"/>
-          </p:cNvSpPr>
-          <p:nvPr>
-            <p:ph type="ftr" sz="quarter" idx="11"/>
-          </p:nvPr>
-        </p:nvSpPr>
-        <p:spPr/>
-        <p:txBody>
-          <a:bodyPr/>
-          <a:lstStyle/>
-          <a:p>
-            <a:r>
-              <a:rPr lang="en-US"/>
-              <a:t>jennifer.neumaier@t-online.de</a:t>
-            </a:r>
-            <a:endParaRPr lang="en-US" dirty="0"/>
-          </a:p>
-        </p:txBody>
-      </p:sp>
-      <p:sp>
-        <p:nvSpPr>
-          <p:cNvPr id="6" name="Slide Number Placeholder 5">
-            <a:extLst>
-              <a:ext uri="{FF2B5EF4-FFF2-40B4-BE49-F238E27FC236}">
-                <a16:creationId xmlns:a16="http://schemas.microsoft.com/office/drawing/2014/main" id="{C4B3B4A6-E708-4F88-8CA2-BDE8FCF0C0AC}"/>
-              </a:ext>
-            </a:extLst>
-          </p:cNvPr>
-          <p:cNvSpPr>
-            <a:spLocks noGrp="1"/>
-          </p:cNvSpPr>
-          <p:nvPr>
-            <p:ph type="sldNum" sz="quarter" idx="12"/>
-          </p:nvPr>
-        </p:nvSpPr>
-        <p:spPr/>
-        <p:txBody>
-          <a:bodyPr/>
-          <a:lstStyle/>
-          <a:p>
-            <a:fld id="{D57F1E4F-1CFF-5643-939E-217C01CDF565}" type="slidenum">
-              <a:rPr lang="en-US" smtClean="0"/>
-              <a:pPr/>
-              <a:t>11</a:t>
-            </a:fld>
-            <a:endParaRPr lang="en-US" dirty="0"/>
-          </a:p>
-        </p:txBody>
-      </p:sp>
-      <p:sp>
-        <p:nvSpPr>
-          <p:cNvPr id="8" name="TextBox 7">
-            <a:extLst>
-              <a:ext uri="{FF2B5EF4-FFF2-40B4-BE49-F238E27FC236}">
-                <a16:creationId xmlns:a16="http://schemas.microsoft.com/office/drawing/2014/main" id="{6A373959-7937-4239-AAA7-0B90CAF1A620}"/>
+                <a16:creationId xmlns:a16="http://schemas.microsoft.com/office/drawing/2014/main" id="{33BA7A27-1719-40BF-AFC4-A09400B9C3D4}"/>
               </a:ext>
             </a:extLst>
           </p:cNvPr>
@@ -16476,30 +16556,81 @@
           <p:nvPr/>
         </p:nvSpPr>
         <p:spPr>
-          <a:xfrm>
-            <a:off x="2260283" y="4487322"/>
-            <a:ext cx="6097904" cy="923330"/>
+          <a:xfrm rot="1413409">
+            <a:off x="10436173" y="3164721"/>
+            <a:ext cx="2099746" cy="646331"/>
           </a:xfrm>
           <a:prstGeom prst="rect">
             <a:avLst/>
           </a:prstGeom>
-          <a:noFill/>
+          <a:solidFill>
+            <a:schemeClr val="bg1"/>
+          </a:solidFill>
+          <a:ln>
+            <a:solidFill>
+              <a:schemeClr val="tx1"/>
+            </a:solidFill>
+          </a:ln>
         </p:spPr>
         <p:txBody>
-          <a:bodyPr wrap="square">
+          <a:bodyPr wrap="square" rtlCol="0">
             <a:spAutoFit/>
           </a:bodyPr>
           <a:lstStyle/>
           <a:p>
             <a:r>
-              <a:rPr lang="de-DE" b="1" dirty="0"/>
-              <a:t>CRC data set preparation and models:</a:t>
-            </a:r>
-          </a:p>
-          <a:p>
-            <a:r>
-              <a:rPr lang="de-DE" dirty="0"/>
-              <a:t>https://github.com/zellerlab/crc_meta/blob/master/src/prepare_data.R</a:t>
+              <a:rPr lang="de-DE" sz="1200" dirty="0">
+                <a:solidFill>
+                  <a:srgbClr val="FF0000"/>
+                </a:solidFill>
+              </a:rPr>
+              <a:t>Use of mikropml advantageous -&gt; uses repeated CV</a:t>
+            </a:r>
+          </a:p>
+        </p:txBody>
+      </p:sp>
+      <p:sp>
+        <p:nvSpPr>
+          <p:cNvPr id="28" name="TextBox 27">
+            <a:extLst>
+              <a:ext uri="{FF2B5EF4-FFF2-40B4-BE49-F238E27FC236}">
+                <a16:creationId xmlns:a16="http://schemas.microsoft.com/office/drawing/2014/main" id="{4E46F372-AF43-41A8-BBB9-582A050D56E4}"/>
+              </a:ext>
+            </a:extLst>
+          </p:cNvPr>
+          <p:cNvSpPr txBox="1"/>
+          <p:nvPr/>
+        </p:nvSpPr>
+        <p:spPr>
+          <a:xfrm>
+            <a:off x="10023103" y="5383831"/>
+            <a:ext cx="2459519" cy="830997"/>
+          </a:xfrm>
+          <a:prstGeom prst="rect">
+            <a:avLst/>
+          </a:prstGeom>
+          <a:solidFill>
+            <a:schemeClr val="bg1"/>
+          </a:solidFill>
+          <a:ln>
+            <a:solidFill>
+              <a:schemeClr val="tx1"/>
+            </a:solidFill>
+          </a:ln>
+        </p:spPr>
+        <p:txBody>
+          <a:bodyPr wrap="square" rtlCol="0">
+            <a:spAutoFit/>
+          </a:bodyPr>
+          <a:lstStyle/>
+          <a:p>
+            <a:r>
+              <a:rPr lang="de-DE" sz="1200" dirty="0">
+                <a:solidFill>
+                  <a:srgbClr val="FF0000"/>
+                </a:solidFill>
+              </a:rPr>
+              <a:t>Use of mikropml advantageous -&gt; only has glmnet and xgboost -&gt; for now sticking to those</a:t>
             </a:r>
           </a:p>
         </p:txBody>
@@ -16507,7 +16638,7 @@
     </p:spTree>
     <p:extLst>
       <p:ext uri="{BB962C8B-B14F-4D97-AF65-F5344CB8AC3E}">
-        <p14:creationId xmlns:p14="http://schemas.microsoft.com/office/powerpoint/2010/main" val="4097922265"/>
+        <p14:creationId xmlns:p14="http://schemas.microsoft.com/office/powerpoint/2010/main" val="3962706958"/>
       </p:ext>
     </p:extLst>
   </p:cSld>
@@ -16539,6 +16670,3944 @@
           <p:cNvPr id="2" name="Title 1">
             <a:extLst>
               <a:ext uri="{FF2B5EF4-FFF2-40B4-BE49-F238E27FC236}">
+                <a16:creationId xmlns:a16="http://schemas.microsoft.com/office/drawing/2014/main" id="{6806FBA4-537C-4226-9D3A-758C7B787D79}"/>
+              </a:ext>
+            </a:extLst>
+          </p:cNvPr>
+          <p:cNvSpPr>
+            <a:spLocks noGrp="1"/>
+          </p:cNvSpPr>
+          <p:nvPr>
+            <p:ph type="title"/>
+          </p:nvPr>
+        </p:nvSpPr>
+        <p:spPr/>
+        <p:txBody>
+          <a:bodyPr/>
+          <a:lstStyle/>
+          <a:p>
+            <a:r>
+              <a:rPr lang="de-DE" b="1" dirty="0"/>
+              <a:t>Pipeline</a:t>
+            </a:r>
+            <a:endParaRPr lang="en-US" b="1" dirty="0"/>
+          </a:p>
+        </p:txBody>
+      </p:sp>
+      <p:sp>
+        <p:nvSpPr>
+          <p:cNvPr id="4" name="Date Placeholder 3">
+            <a:extLst>
+              <a:ext uri="{FF2B5EF4-FFF2-40B4-BE49-F238E27FC236}">
+                <a16:creationId xmlns:a16="http://schemas.microsoft.com/office/drawing/2014/main" id="{CB80E8F9-06EE-48B5-9BB6-B7A9D47999A6}"/>
+              </a:ext>
+            </a:extLst>
+          </p:cNvPr>
+          <p:cNvSpPr>
+            <a:spLocks noGrp="1"/>
+          </p:cNvSpPr>
+          <p:nvPr>
+            <p:ph type="dt" sz="half" idx="10"/>
+          </p:nvPr>
+        </p:nvSpPr>
+        <p:spPr/>
+        <p:txBody>
+          <a:bodyPr/>
+          <a:lstStyle/>
+          <a:p>
+            <a:fld id="{36D18B76-5E8B-4456-8722-FC5B14B0F354}" type="datetime1">
+              <a:rPr lang="en-US" smtClean="0"/>
+              <a:pPr/>
+              <a:t>4/11/2022</a:t>
+            </a:fld>
+            <a:endParaRPr lang="en-US" dirty="0"/>
+          </a:p>
+        </p:txBody>
+      </p:sp>
+      <p:sp>
+        <p:nvSpPr>
+          <p:cNvPr id="5" name="Footer Placeholder 4">
+            <a:extLst>
+              <a:ext uri="{FF2B5EF4-FFF2-40B4-BE49-F238E27FC236}">
+                <a16:creationId xmlns:a16="http://schemas.microsoft.com/office/drawing/2014/main" id="{707C4F70-832A-416B-9491-EE86347B2812}"/>
+              </a:ext>
+            </a:extLst>
+          </p:cNvPr>
+          <p:cNvSpPr>
+            <a:spLocks noGrp="1"/>
+          </p:cNvSpPr>
+          <p:nvPr>
+            <p:ph type="ftr" sz="quarter" idx="11"/>
+          </p:nvPr>
+        </p:nvSpPr>
+        <p:spPr/>
+        <p:txBody>
+          <a:bodyPr/>
+          <a:lstStyle/>
+          <a:p>
+            <a:r>
+              <a:rPr lang="en-US"/>
+              <a:t>jennifer.neumaier@t-online.de</a:t>
+            </a:r>
+            <a:endParaRPr lang="en-US" dirty="0"/>
+          </a:p>
+        </p:txBody>
+      </p:sp>
+      <p:sp>
+        <p:nvSpPr>
+          <p:cNvPr id="6" name="Slide Number Placeholder 5">
+            <a:extLst>
+              <a:ext uri="{FF2B5EF4-FFF2-40B4-BE49-F238E27FC236}">
+                <a16:creationId xmlns:a16="http://schemas.microsoft.com/office/drawing/2014/main" id="{1028CB34-29B5-49CB-99E4-E945C3D78896}"/>
+              </a:ext>
+            </a:extLst>
+          </p:cNvPr>
+          <p:cNvSpPr>
+            <a:spLocks noGrp="1"/>
+          </p:cNvSpPr>
+          <p:nvPr>
+            <p:ph type="sldNum" sz="quarter" idx="12"/>
+          </p:nvPr>
+        </p:nvSpPr>
+        <p:spPr/>
+        <p:txBody>
+          <a:bodyPr/>
+          <a:lstStyle/>
+          <a:p>
+            <a:fld id="{D57F1E4F-1CFF-5643-939E-217C01CDF565}" type="slidenum">
+              <a:rPr lang="en-US" smtClean="0"/>
+              <a:pPr/>
+              <a:t>12</a:t>
+            </a:fld>
+            <a:endParaRPr lang="en-US" dirty="0"/>
+          </a:p>
+        </p:txBody>
+      </p:sp>
+      <p:sp>
+        <p:nvSpPr>
+          <p:cNvPr id="3" name="Rectangle 2">
+            <a:extLst>
+              <a:ext uri="{FF2B5EF4-FFF2-40B4-BE49-F238E27FC236}">
+                <a16:creationId xmlns:a16="http://schemas.microsoft.com/office/drawing/2014/main" id="{620AD768-A59A-470B-9377-790E03FF084D}"/>
+              </a:ext>
+            </a:extLst>
+          </p:cNvPr>
+          <p:cNvSpPr/>
+          <p:nvPr/>
+        </p:nvSpPr>
+        <p:spPr>
+          <a:xfrm>
+            <a:off x="4306186" y="467833"/>
+            <a:ext cx="6836735" cy="5358809"/>
+          </a:xfrm>
+          <a:prstGeom prst="rect">
+            <a:avLst/>
+          </a:prstGeom>
+        </p:spPr>
+        <p:style>
+          <a:lnRef idx="2">
+            <a:schemeClr val="accent1">
+              <a:shade val="50000"/>
+            </a:schemeClr>
+          </a:lnRef>
+          <a:fillRef idx="1">
+            <a:schemeClr val="accent1"/>
+          </a:fillRef>
+          <a:effectRef idx="0">
+            <a:schemeClr val="accent1"/>
+          </a:effectRef>
+          <a:fontRef idx="minor">
+            <a:schemeClr val="lt1"/>
+          </a:fontRef>
+        </p:style>
+        <p:txBody>
+          <a:bodyPr rtlCol="0" anchor="ctr"/>
+          <a:lstStyle/>
+          <a:p>
+            <a:pPr algn="ctr"/>
+            <a:endParaRPr lang="de-DE"/>
+          </a:p>
+        </p:txBody>
+      </p:sp>
+      <p:sp>
+        <p:nvSpPr>
+          <p:cNvPr id="8" name="TextBox 7">
+            <a:extLst>
+              <a:ext uri="{FF2B5EF4-FFF2-40B4-BE49-F238E27FC236}">
+                <a16:creationId xmlns:a16="http://schemas.microsoft.com/office/drawing/2014/main" id="{55611667-AD1D-471D-A4C9-274318F03281}"/>
+              </a:ext>
+            </a:extLst>
+          </p:cNvPr>
+          <p:cNvSpPr txBox="1"/>
+          <p:nvPr/>
+        </p:nvSpPr>
+        <p:spPr>
+          <a:xfrm>
+            <a:off x="1175081" y="2782112"/>
+            <a:ext cx="1414131" cy="400110"/>
+          </a:xfrm>
+          <a:prstGeom prst="rect">
+            <a:avLst/>
+          </a:prstGeom>
+          <a:noFill/>
+        </p:spPr>
+        <p:txBody>
+          <a:bodyPr wrap="square" rtlCol="0">
+            <a:spAutoFit/>
+          </a:bodyPr>
+          <a:lstStyle/>
+          <a:p>
+            <a:r>
+              <a:rPr lang="de-DE" sz="2000" b="1" dirty="0"/>
+              <a:t>Dataset</a:t>
+            </a:r>
+          </a:p>
+        </p:txBody>
+      </p:sp>
+      <p:sp>
+        <p:nvSpPr>
+          <p:cNvPr id="9" name="Arrow: Right 8">
+            <a:extLst>
+              <a:ext uri="{FF2B5EF4-FFF2-40B4-BE49-F238E27FC236}">
+                <a16:creationId xmlns:a16="http://schemas.microsoft.com/office/drawing/2014/main" id="{D261F977-FCCB-4A80-AC8F-4B6D7797EEB1}"/>
+              </a:ext>
+            </a:extLst>
+          </p:cNvPr>
+          <p:cNvSpPr/>
+          <p:nvPr/>
+        </p:nvSpPr>
+        <p:spPr>
+          <a:xfrm>
+            <a:off x="2690038" y="2782112"/>
+            <a:ext cx="1297172" cy="365125"/>
+          </a:xfrm>
+          <a:prstGeom prst="rightArrow">
+            <a:avLst/>
+          </a:prstGeom>
+        </p:spPr>
+        <p:style>
+          <a:lnRef idx="2">
+            <a:schemeClr val="accent1">
+              <a:shade val="50000"/>
+            </a:schemeClr>
+          </a:lnRef>
+          <a:fillRef idx="1">
+            <a:schemeClr val="accent1"/>
+          </a:fillRef>
+          <a:effectRef idx="0">
+            <a:schemeClr val="accent1"/>
+          </a:effectRef>
+          <a:fontRef idx="minor">
+            <a:schemeClr val="lt1"/>
+          </a:fontRef>
+        </p:style>
+        <p:txBody>
+          <a:bodyPr rtlCol="0" anchor="ctr"/>
+          <a:lstStyle/>
+          <a:p>
+            <a:pPr algn="ctr"/>
+            <a:endParaRPr lang="de-DE"/>
+          </a:p>
+        </p:txBody>
+      </p:sp>
+      <p:sp>
+        <p:nvSpPr>
+          <p:cNvPr id="27" name="Rectangle 26">
+            <a:extLst>
+              <a:ext uri="{FF2B5EF4-FFF2-40B4-BE49-F238E27FC236}">
+                <a16:creationId xmlns:a16="http://schemas.microsoft.com/office/drawing/2014/main" id="{87FFBF1C-6685-403E-B773-8642460D6EB2}"/>
+              </a:ext>
+            </a:extLst>
+          </p:cNvPr>
+          <p:cNvSpPr/>
+          <p:nvPr/>
+        </p:nvSpPr>
+        <p:spPr>
+          <a:xfrm>
+            <a:off x="5007935" y="1853646"/>
+            <a:ext cx="5872485" cy="3749712"/>
+          </a:xfrm>
+          <a:prstGeom prst="rect">
+            <a:avLst/>
+          </a:prstGeom>
+        </p:spPr>
+        <p:style>
+          <a:lnRef idx="2">
+            <a:schemeClr val="accent2">
+              <a:shade val="50000"/>
+            </a:schemeClr>
+          </a:lnRef>
+          <a:fillRef idx="1">
+            <a:schemeClr val="accent2"/>
+          </a:fillRef>
+          <a:effectRef idx="0">
+            <a:schemeClr val="accent2"/>
+          </a:effectRef>
+          <a:fontRef idx="minor">
+            <a:schemeClr val="lt1"/>
+          </a:fontRef>
+        </p:style>
+        <p:txBody>
+          <a:bodyPr rtlCol="0" anchor="ctr"/>
+          <a:lstStyle/>
+          <a:p>
+            <a:pPr algn="ctr"/>
+            <a:endParaRPr lang="de-DE"/>
+          </a:p>
+        </p:txBody>
+      </p:sp>
+      <p:sp>
+        <p:nvSpPr>
+          <p:cNvPr id="28" name="Rectangle 27">
+            <a:extLst>
+              <a:ext uri="{FF2B5EF4-FFF2-40B4-BE49-F238E27FC236}">
+                <a16:creationId xmlns:a16="http://schemas.microsoft.com/office/drawing/2014/main" id="{13181884-8B04-4FF4-B76B-68A48EE191A4}"/>
+              </a:ext>
+            </a:extLst>
+          </p:cNvPr>
+          <p:cNvSpPr/>
+          <p:nvPr/>
+        </p:nvSpPr>
+        <p:spPr>
+          <a:xfrm>
+            <a:off x="5911212" y="2817772"/>
+            <a:ext cx="4729792" cy="2508963"/>
+          </a:xfrm>
+          <a:prstGeom prst="rect">
+            <a:avLst/>
+          </a:prstGeom>
+        </p:spPr>
+        <p:style>
+          <a:lnRef idx="2">
+            <a:schemeClr val="accent3">
+              <a:shade val="50000"/>
+            </a:schemeClr>
+          </a:lnRef>
+          <a:fillRef idx="1">
+            <a:schemeClr val="accent3"/>
+          </a:fillRef>
+          <a:effectRef idx="0">
+            <a:schemeClr val="accent3"/>
+          </a:effectRef>
+          <a:fontRef idx="minor">
+            <a:schemeClr val="lt1"/>
+          </a:fontRef>
+        </p:style>
+        <p:txBody>
+          <a:bodyPr rtlCol="0" anchor="ctr"/>
+          <a:lstStyle/>
+          <a:p>
+            <a:pPr algn="ctr"/>
+            <a:endParaRPr lang="de-DE"/>
+          </a:p>
+        </p:txBody>
+      </p:sp>
+      <p:sp>
+        <p:nvSpPr>
+          <p:cNvPr id="30" name="TextBox 29">
+            <a:extLst>
+              <a:ext uri="{FF2B5EF4-FFF2-40B4-BE49-F238E27FC236}">
+                <a16:creationId xmlns:a16="http://schemas.microsoft.com/office/drawing/2014/main" id="{C094F691-7C4F-4392-B69F-E8A30F3A96C2}"/>
+              </a:ext>
+            </a:extLst>
+          </p:cNvPr>
+          <p:cNvSpPr txBox="1"/>
+          <p:nvPr/>
+        </p:nvSpPr>
+        <p:spPr>
+          <a:xfrm>
+            <a:off x="4322136" y="526956"/>
+            <a:ext cx="2876106" cy="400110"/>
+          </a:xfrm>
+          <a:prstGeom prst="rect">
+            <a:avLst/>
+          </a:prstGeom>
+          <a:noFill/>
+        </p:spPr>
+        <p:txBody>
+          <a:bodyPr wrap="square" rtlCol="0">
+            <a:spAutoFit/>
+          </a:bodyPr>
+          <a:lstStyle/>
+          <a:p>
+            <a:r>
+              <a:rPr lang="de-DE" sz="2000" b="1" dirty="0"/>
+              <a:t>Transformation</a:t>
+            </a:r>
+          </a:p>
+        </p:txBody>
+      </p:sp>
+      <p:sp>
+        <p:nvSpPr>
+          <p:cNvPr id="10" name="TextBox 9">
+            <a:extLst>
+              <a:ext uri="{FF2B5EF4-FFF2-40B4-BE49-F238E27FC236}">
+                <a16:creationId xmlns:a16="http://schemas.microsoft.com/office/drawing/2014/main" id="{C2A2E94E-3446-49B2-A5CD-BECC77DA3C69}"/>
+              </a:ext>
+            </a:extLst>
+          </p:cNvPr>
+          <p:cNvSpPr txBox="1"/>
+          <p:nvPr/>
+        </p:nvSpPr>
+        <p:spPr>
+          <a:xfrm>
+            <a:off x="4322136" y="954155"/>
+            <a:ext cx="6717119" cy="369332"/>
+          </a:xfrm>
+          <a:prstGeom prst="rect">
+            <a:avLst/>
+          </a:prstGeom>
+          <a:noFill/>
+        </p:spPr>
+        <p:txBody>
+          <a:bodyPr wrap="square" rtlCol="0">
+            <a:spAutoFit/>
+          </a:bodyPr>
+          <a:lstStyle/>
+          <a:p>
+            <a:r>
+              <a:rPr lang="de-DE" dirty="0"/>
+              <a:t>TSS(), ALR_optimal(), ALR_worst(), ALR_random(), CLR()</a:t>
+            </a:r>
+          </a:p>
+        </p:txBody>
+      </p:sp>
+      <p:sp>
+        <p:nvSpPr>
+          <p:cNvPr id="32" name="TextBox 31">
+            <a:extLst>
+              <a:ext uri="{FF2B5EF4-FFF2-40B4-BE49-F238E27FC236}">
+                <a16:creationId xmlns:a16="http://schemas.microsoft.com/office/drawing/2014/main" id="{B250C6A0-1926-4046-BC27-DFA2FE1A9C1C}"/>
+              </a:ext>
+            </a:extLst>
+          </p:cNvPr>
+          <p:cNvSpPr txBox="1"/>
+          <p:nvPr/>
+        </p:nvSpPr>
+        <p:spPr>
+          <a:xfrm>
+            <a:off x="5031202" y="2212828"/>
+            <a:ext cx="6297787" cy="369332"/>
+          </a:xfrm>
+          <a:prstGeom prst="rect">
+            <a:avLst/>
+          </a:prstGeom>
+          <a:noFill/>
+        </p:spPr>
+        <p:txBody>
+          <a:bodyPr wrap="square" rtlCol="0">
+            <a:spAutoFit/>
+          </a:bodyPr>
+          <a:lstStyle/>
+          <a:p>
+            <a:r>
+              <a:rPr lang="de-DE" dirty="0"/>
+              <a:t>Initial split of data, k-folds = 5</a:t>
+            </a:r>
+          </a:p>
+        </p:txBody>
+      </p:sp>
+      <p:sp>
+        <p:nvSpPr>
+          <p:cNvPr id="33" name="TextBox 32">
+            <a:extLst>
+              <a:ext uri="{FF2B5EF4-FFF2-40B4-BE49-F238E27FC236}">
+                <a16:creationId xmlns:a16="http://schemas.microsoft.com/office/drawing/2014/main" id="{04A0A2DE-16AF-4170-ACB4-FD4746EBB9F5}"/>
+              </a:ext>
+            </a:extLst>
+          </p:cNvPr>
+          <p:cNvSpPr txBox="1"/>
+          <p:nvPr/>
+        </p:nvSpPr>
+        <p:spPr>
+          <a:xfrm>
+            <a:off x="5007935" y="1858865"/>
+            <a:ext cx="2876106" cy="400110"/>
+          </a:xfrm>
+          <a:prstGeom prst="rect">
+            <a:avLst/>
+          </a:prstGeom>
+          <a:noFill/>
+        </p:spPr>
+        <p:txBody>
+          <a:bodyPr wrap="square" rtlCol="0">
+            <a:spAutoFit/>
+          </a:bodyPr>
+          <a:lstStyle/>
+          <a:p>
+            <a:r>
+              <a:rPr lang="de-DE" sz="2000" b="1" dirty="0"/>
+              <a:t>Cross-Validation 1</a:t>
+            </a:r>
+          </a:p>
+        </p:txBody>
+      </p:sp>
+      <p:sp>
+        <p:nvSpPr>
+          <p:cNvPr id="34" name="Rectangle 33">
+            <a:extLst>
+              <a:ext uri="{FF2B5EF4-FFF2-40B4-BE49-F238E27FC236}">
+                <a16:creationId xmlns:a16="http://schemas.microsoft.com/office/drawing/2014/main" id="{30B02149-0C4C-44EE-88C0-C3ADB582BF80}"/>
+              </a:ext>
+            </a:extLst>
+          </p:cNvPr>
+          <p:cNvSpPr/>
+          <p:nvPr/>
+        </p:nvSpPr>
+        <p:spPr>
+          <a:xfrm>
+            <a:off x="11438976" y="1435395"/>
+            <a:ext cx="1506048" cy="1226288"/>
+          </a:xfrm>
+          <a:prstGeom prst="rect">
+            <a:avLst/>
+          </a:prstGeom>
+        </p:spPr>
+        <p:style>
+          <a:lnRef idx="2">
+            <a:schemeClr val="accent2">
+              <a:shade val="50000"/>
+            </a:schemeClr>
+          </a:lnRef>
+          <a:fillRef idx="1">
+            <a:schemeClr val="accent2"/>
+          </a:fillRef>
+          <a:effectRef idx="0">
+            <a:schemeClr val="accent2"/>
+          </a:effectRef>
+          <a:fontRef idx="minor">
+            <a:schemeClr val="lt1"/>
+          </a:fontRef>
+        </p:style>
+        <p:txBody>
+          <a:bodyPr rtlCol="0" anchor="ctr"/>
+          <a:lstStyle/>
+          <a:p>
+            <a:pPr algn="ctr"/>
+            <a:endParaRPr lang="de-DE"/>
+          </a:p>
+        </p:txBody>
+      </p:sp>
+      <p:sp>
+        <p:nvSpPr>
+          <p:cNvPr id="36" name="TextBox 35">
+            <a:extLst>
+              <a:ext uri="{FF2B5EF4-FFF2-40B4-BE49-F238E27FC236}">
+                <a16:creationId xmlns:a16="http://schemas.microsoft.com/office/drawing/2014/main" id="{489770FC-6936-4E84-9E60-791E4AEA651A}"/>
+              </a:ext>
+            </a:extLst>
+          </p:cNvPr>
+          <p:cNvSpPr txBox="1"/>
+          <p:nvPr/>
+        </p:nvSpPr>
+        <p:spPr>
+          <a:xfrm>
+            <a:off x="11634614" y="1793808"/>
+            <a:ext cx="1310410" cy="400110"/>
+          </a:xfrm>
+          <a:prstGeom prst="rect">
+            <a:avLst/>
+          </a:prstGeom>
+          <a:noFill/>
+        </p:spPr>
+        <p:txBody>
+          <a:bodyPr wrap="square" rtlCol="0">
+            <a:spAutoFit/>
+          </a:bodyPr>
+          <a:lstStyle/>
+          <a:p>
+            <a:r>
+              <a:rPr lang="de-DE" sz="2000" b="1" dirty="0"/>
+              <a:t>Test set</a:t>
+            </a:r>
+          </a:p>
+        </p:txBody>
+      </p:sp>
+      <p:sp>
+        <p:nvSpPr>
+          <p:cNvPr id="37" name="TextBox 36">
+            <a:extLst>
+              <a:ext uri="{FF2B5EF4-FFF2-40B4-BE49-F238E27FC236}">
+                <a16:creationId xmlns:a16="http://schemas.microsoft.com/office/drawing/2014/main" id="{8277B8AC-608F-404F-910C-FF6C16EE64B0}"/>
+              </a:ext>
+            </a:extLst>
+          </p:cNvPr>
+          <p:cNvSpPr txBox="1"/>
+          <p:nvPr/>
+        </p:nvSpPr>
+        <p:spPr>
+          <a:xfrm>
+            <a:off x="5975007" y="2848150"/>
+            <a:ext cx="4327451" cy="400110"/>
+          </a:xfrm>
+          <a:prstGeom prst="rect">
+            <a:avLst/>
+          </a:prstGeom>
+          <a:noFill/>
+        </p:spPr>
+        <p:txBody>
+          <a:bodyPr wrap="square" rtlCol="0">
+            <a:spAutoFit/>
+          </a:bodyPr>
+          <a:lstStyle/>
+          <a:p>
+            <a:r>
+              <a:rPr lang="de-DE" sz="2000" b="1" dirty="0"/>
+              <a:t>Cross-Validation 2 + Models</a:t>
+            </a:r>
+          </a:p>
+        </p:txBody>
+      </p:sp>
+      <p:sp>
+        <p:nvSpPr>
+          <p:cNvPr id="38" name="TextBox 37">
+            <a:extLst>
+              <a:ext uri="{FF2B5EF4-FFF2-40B4-BE49-F238E27FC236}">
+                <a16:creationId xmlns:a16="http://schemas.microsoft.com/office/drawing/2014/main" id="{D3629AE7-8DD7-46F5-8B1A-937532D154CC}"/>
+              </a:ext>
+            </a:extLst>
+          </p:cNvPr>
+          <p:cNvSpPr txBox="1"/>
+          <p:nvPr/>
+        </p:nvSpPr>
+        <p:spPr>
+          <a:xfrm>
+            <a:off x="6020686" y="3268321"/>
+            <a:ext cx="4081857" cy="2031325"/>
+          </a:xfrm>
+          <a:prstGeom prst="rect">
+            <a:avLst/>
+          </a:prstGeom>
+          <a:noFill/>
+        </p:spPr>
+        <p:txBody>
+          <a:bodyPr wrap="square" rtlCol="0">
+            <a:spAutoFit/>
+          </a:bodyPr>
+          <a:lstStyle/>
+          <a:p>
+            <a:r>
+              <a:rPr lang="de-DE" dirty="0"/>
+              <a:t>K-folds = 5</a:t>
+            </a:r>
+          </a:p>
+          <a:p>
+            <a:endParaRPr lang="de-DE" dirty="0"/>
+          </a:p>
+          <a:p>
+            <a:r>
+              <a:rPr lang="de-DE" dirty="0"/>
+              <a:t>cv.selbal</a:t>
+            </a:r>
+          </a:p>
+          <a:p>
+            <a:r>
+              <a:rPr lang="de-DE" dirty="0"/>
+              <a:t>cv.codacore</a:t>
+            </a:r>
+          </a:p>
+          <a:p>
+            <a:r>
+              <a:rPr lang="de-DE" dirty="0"/>
+              <a:t>ENET</a:t>
+            </a:r>
+          </a:p>
+          <a:p>
+            <a:r>
+              <a:rPr lang="de-DE" dirty="0"/>
+              <a:t>LDA</a:t>
+            </a:r>
+          </a:p>
+          <a:p>
+            <a:r>
+              <a:rPr lang="de-DE" dirty="0"/>
+              <a:t>XGBoots</a:t>
+            </a:r>
+          </a:p>
+        </p:txBody>
+      </p:sp>
+      <p:sp>
+        <p:nvSpPr>
+          <p:cNvPr id="44" name="Rectangle 43">
+            <a:extLst>
+              <a:ext uri="{FF2B5EF4-FFF2-40B4-BE49-F238E27FC236}">
+                <a16:creationId xmlns:a16="http://schemas.microsoft.com/office/drawing/2014/main" id="{18DF47F0-180B-4ECD-9EC5-0FAD8F6AD0D9}"/>
+              </a:ext>
+            </a:extLst>
+          </p:cNvPr>
+          <p:cNvSpPr/>
+          <p:nvPr/>
+        </p:nvSpPr>
+        <p:spPr>
+          <a:xfrm>
+            <a:off x="11438976" y="4282913"/>
+            <a:ext cx="1519166" cy="1379759"/>
+          </a:xfrm>
+          <a:prstGeom prst="rect">
+            <a:avLst/>
+          </a:prstGeom>
+        </p:spPr>
+        <p:style>
+          <a:lnRef idx="2">
+            <a:schemeClr val="accent3">
+              <a:shade val="50000"/>
+            </a:schemeClr>
+          </a:lnRef>
+          <a:fillRef idx="1">
+            <a:schemeClr val="accent3"/>
+          </a:fillRef>
+          <a:effectRef idx="0">
+            <a:schemeClr val="accent3"/>
+          </a:effectRef>
+          <a:fontRef idx="minor">
+            <a:schemeClr val="lt1"/>
+          </a:fontRef>
+        </p:style>
+        <p:txBody>
+          <a:bodyPr rtlCol="0" anchor="ctr"/>
+          <a:lstStyle/>
+          <a:p>
+            <a:pPr algn="ctr"/>
+            <a:endParaRPr lang="de-DE"/>
+          </a:p>
+        </p:txBody>
+      </p:sp>
+      <p:sp>
+        <p:nvSpPr>
+          <p:cNvPr id="48" name="TextBox 47">
+            <a:extLst>
+              <a:ext uri="{FF2B5EF4-FFF2-40B4-BE49-F238E27FC236}">
+                <a16:creationId xmlns:a16="http://schemas.microsoft.com/office/drawing/2014/main" id="{F446927C-78DF-451F-890D-477AC52B8676}"/>
+              </a:ext>
+            </a:extLst>
+          </p:cNvPr>
+          <p:cNvSpPr txBox="1"/>
+          <p:nvPr/>
+        </p:nvSpPr>
+        <p:spPr>
+          <a:xfrm>
+            <a:off x="11518374" y="4605618"/>
+            <a:ext cx="1391575" cy="707886"/>
+          </a:xfrm>
+          <a:prstGeom prst="rect">
+            <a:avLst/>
+          </a:prstGeom>
+          <a:noFill/>
+        </p:spPr>
+        <p:txBody>
+          <a:bodyPr wrap="square" rtlCol="0">
+            <a:spAutoFit/>
+          </a:bodyPr>
+          <a:lstStyle/>
+          <a:p>
+            <a:r>
+              <a:rPr lang="de-DE" sz="2000" b="1" dirty="0"/>
+              <a:t>5x Model accuracy</a:t>
+            </a:r>
+          </a:p>
+        </p:txBody>
+      </p:sp>
+      <p:sp>
+        <p:nvSpPr>
+          <p:cNvPr id="49" name="Arrow: Right 48">
+            <a:extLst>
+              <a:ext uri="{FF2B5EF4-FFF2-40B4-BE49-F238E27FC236}">
+                <a16:creationId xmlns:a16="http://schemas.microsoft.com/office/drawing/2014/main" id="{8DF1C14D-4124-4C1E-8065-E84C82426493}"/>
+              </a:ext>
+            </a:extLst>
+          </p:cNvPr>
+          <p:cNvSpPr/>
+          <p:nvPr/>
+        </p:nvSpPr>
+        <p:spPr>
+          <a:xfrm rot="5400000">
+            <a:off x="11543413" y="3283797"/>
+            <a:ext cx="1297172" cy="365125"/>
+          </a:xfrm>
+          <a:prstGeom prst="rightArrow">
+            <a:avLst/>
+          </a:prstGeom>
+        </p:spPr>
+        <p:style>
+          <a:lnRef idx="2">
+            <a:schemeClr val="accent1">
+              <a:shade val="50000"/>
+            </a:schemeClr>
+          </a:lnRef>
+          <a:fillRef idx="1">
+            <a:schemeClr val="accent1"/>
+          </a:fillRef>
+          <a:effectRef idx="0">
+            <a:schemeClr val="accent1"/>
+          </a:effectRef>
+          <a:fontRef idx="minor">
+            <a:schemeClr val="lt1"/>
+          </a:fontRef>
+        </p:style>
+        <p:txBody>
+          <a:bodyPr rtlCol="0" anchor="ctr"/>
+          <a:lstStyle/>
+          <a:p>
+            <a:pPr algn="ctr"/>
+            <a:endParaRPr lang="de-DE"/>
+          </a:p>
+        </p:txBody>
+      </p:sp>
+      <p:sp>
+        <p:nvSpPr>
+          <p:cNvPr id="14" name="Arrow: Curved Down 13">
+            <a:extLst>
+              <a:ext uri="{FF2B5EF4-FFF2-40B4-BE49-F238E27FC236}">
+                <a16:creationId xmlns:a16="http://schemas.microsoft.com/office/drawing/2014/main" id="{E03AA2E6-2D0B-42B5-8D5D-71BCA72B5FFD}"/>
+              </a:ext>
+            </a:extLst>
+          </p:cNvPr>
+          <p:cNvSpPr/>
+          <p:nvPr/>
+        </p:nvSpPr>
+        <p:spPr>
+          <a:xfrm rot="19742778">
+            <a:off x="10119539" y="872366"/>
+            <a:ext cx="1839432" cy="813793"/>
+          </a:xfrm>
+          <a:prstGeom prst="curvedDownArrow">
+            <a:avLst/>
+          </a:prstGeom>
+        </p:spPr>
+        <p:style>
+          <a:lnRef idx="2">
+            <a:schemeClr val="accent2">
+              <a:shade val="50000"/>
+            </a:schemeClr>
+          </a:lnRef>
+          <a:fillRef idx="1">
+            <a:schemeClr val="accent2"/>
+          </a:fillRef>
+          <a:effectRef idx="0">
+            <a:schemeClr val="accent2"/>
+          </a:effectRef>
+          <a:fontRef idx="minor">
+            <a:schemeClr val="lt1"/>
+          </a:fontRef>
+        </p:style>
+        <p:txBody>
+          <a:bodyPr rtlCol="0" anchor="ctr"/>
+          <a:lstStyle/>
+          <a:p>
+            <a:pPr algn="ctr"/>
+            <a:endParaRPr lang="de-DE">
+              <a:solidFill>
+                <a:schemeClr val="tx1"/>
+              </a:solidFill>
+            </a:endParaRPr>
+          </a:p>
+        </p:txBody>
+      </p:sp>
+      <p:sp>
+        <p:nvSpPr>
+          <p:cNvPr id="51" name="Arrow: Curved Down 50">
+            <a:extLst>
+              <a:ext uri="{FF2B5EF4-FFF2-40B4-BE49-F238E27FC236}">
+                <a16:creationId xmlns:a16="http://schemas.microsoft.com/office/drawing/2014/main" id="{69FBA25F-FDEA-4F5E-B8F3-D6052EF6FDF8}"/>
+              </a:ext>
+            </a:extLst>
+          </p:cNvPr>
+          <p:cNvSpPr/>
+          <p:nvPr/>
+        </p:nvSpPr>
+        <p:spPr>
+          <a:xfrm rot="19287333">
+            <a:off x="9943675" y="3792887"/>
+            <a:ext cx="1839432" cy="813793"/>
+          </a:xfrm>
+          <a:prstGeom prst="curvedDownArrow">
+            <a:avLst/>
+          </a:prstGeom>
+        </p:spPr>
+        <p:style>
+          <a:lnRef idx="2">
+            <a:schemeClr val="accent3">
+              <a:shade val="50000"/>
+            </a:schemeClr>
+          </a:lnRef>
+          <a:fillRef idx="1">
+            <a:schemeClr val="accent3"/>
+          </a:fillRef>
+          <a:effectRef idx="0">
+            <a:schemeClr val="accent3"/>
+          </a:effectRef>
+          <a:fontRef idx="minor">
+            <a:schemeClr val="lt1"/>
+          </a:fontRef>
+        </p:style>
+        <p:txBody>
+          <a:bodyPr rtlCol="0" anchor="ctr"/>
+          <a:lstStyle/>
+          <a:p>
+            <a:pPr algn="ctr"/>
+            <a:endParaRPr lang="de-DE">
+              <a:solidFill>
+                <a:schemeClr val="tx1"/>
+              </a:solidFill>
+            </a:endParaRPr>
+          </a:p>
+        </p:txBody>
+      </p:sp>
+      <p:sp>
+        <p:nvSpPr>
+          <p:cNvPr id="15" name="Oval 14">
+            <a:extLst>
+              <a:ext uri="{FF2B5EF4-FFF2-40B4-BE49-F238E27FC236}">
+                <a16:creationId xmlns:a16="http://schemas.microsoft.com/office/drawing/2014/main" id="{0ABD0FA6-70C3-4752-ABA9-C68A18300A59}"/>
+              </a:ext>
+            </a:extLst>
+          </p:cNvPr>
+          <p:cNvSpPr/>
+          <p:nvPr/>
+        </p:nvSpPr>
+        <p:spPr>
+          <a:xfrm>
+            <a:off x="3732028" y="148856"/>
+            <a:ext cx="9654363" cy="6351977"/>
+          </a:xfrm>
+          <a:prstGeom prst="ellipse">
+            <a:avLst/>
+          </a:prstGeom>
+          <a:noFill/>
+          <a:ln w="38100">
+            <a:solidFill>
+              <a:srgbClr val="7030A0"/>
+            </a:solidFill>
+          </a:ln>
+        </p:spPr>
+        <p:style>
+          <a:lnRef idx="2">
+            <a:schemeClr val="accent1">
+              <a:shade val="50000"/>
+            </a:schemeClr>
+          </a:lnRef>
+          <a:fillRef idx="1">
+            <a:schemeClr val="accent1"/>
+          </a:fillRef>
+          <a:effectRef idx="0">
+            <a:schemeClr val="accent1"/>
+          </a:effectRef>
+          <a:fontRef idx="minor">
+            <a:schemeClr val="lt1"/>
+          </a:fontRef>
+        </p:style>
+        <p:txBody>
+          <a:bodyPr rtlCol="0" anchor="ctr"/>
+          <a:lstStyle/>
+          <a:p>
+            <a:pPr algn="ctr"/>
+            <a:endParaRPr lang="de-DE"/>
+          </a:p>
+        </p:txBody>
+      </p:sp>
+      <p:sp>
+        <p:nvSpPr>
+          <p:cNvPr id="16" name="TextBox 15">
+            <a:extLst>
+              <a:ext uri="{FF2B5EF4-FFF2-40B4-BE49-F238E27FC236}">
+                <a16:creationId xmlns:a16="http://schemas.microsoft.com/office/drawing/2014/main" id="{46B392D2-B354-448B-990C-3B9E3DA5C747}"/>
+              </a:ext>
+            </a:extLst>
+          </p:cNvPr>
+          <p:cNvSpPr txBox="1"/>
+          <p:nvPr/>
+        </p:nvSpPr>
+        <p:spPr>
+          <a:xfrm>
+            <a:off x="2743537" y="4984935"/>
+            <a:ext cx="2204249" cy="923330"/>
+          </a:xfrm>
+          <a:prstGeom prst="rect">
+            <a:avLst/>
+          </a:prstGeom>
+          <a:noFill/>
+        </p:spPr>
+        <p:txBody>
+          <a:bodyPr wrap="square" rtlCol="0">
+            <a:spAutoFit/>
+          </a:bodyPr>
+          <a:lstStyle/>
+          <a:p>
+            <a:r>
+              <a:rPr lang="de-DE" b="1" dirty="0">
+                <a:solidFill>
+                  <a:srgbClr val="7030A0"/>
+                </a:solidFill>
+              </a:rPr>
+              <a:t>Repeat 10x to observe statistical fluctuations</a:t>
+            </a:r>
+          </a:p>
+        </p:txBody>
+      </p:sp>
+      <p:sp>
+        <p:nvSpPr>
+          <p:cNvPr id="7" name="TextBox 6">
+            <a:extLst>
+              <a:ext uri="{FF2B5EF4-FFF2-40B4-BE49-F238E27FC236}">
+                <a16:creationId xmlns:a16="http://schemas.microsoft.com/office/drawing/2014/main" id="{236F2CFA-5B65-49D8-82B7-87D8FD3D698C}"/>
+              </a:ext>
+            </a:extLst>
+          </p:cNvPr>
+          <p:cNvSpPr txBox="1"/>
+          <p:nvPr/>
+        </p:nvSpPr>
+        <p:spPr>
+          <a:xfrm rot="1525523">
+            <a:off x="8501597" y="2003123"/>
+            <a:ext cx="3033375" cy="1477328"/>
+          </a:xfrm>
+          <a:prstGeom prst="rect">
+            <a:avLst/>
+          </a:prstGeom>
+          <a:solidFill>
+            <a:schemeClr val="bg1"/>
+          </a:solidFill>
+          <a:ln>
+            <a:solidFill>
+              <a:schemeClr val="tx1"/>
+            </a:solidFill>
+          </a:ln>
+        </p:spPr>
+        <p:txBody>
+          <a:bodyPr wrap="square" rtlCol="0">
+            <a:spAutoFit/>
+          </a:bodyPr>
+          <a:lstStyle/>
+          <a:p>
+            <a:r>
+              <a:rPr lang="de-DE" b="1" dirty="0">
+                <a:solidFill>
+                  <a:srgbClr val="FF0000"/>
+                </a:solidFill>
+              </a:rPr>
+              <a:t>Procedure (besides transformation) has been implemented by mikropml -&gt; very easy to use!</a:t>
+            </a:r>
+          </a:p>
+        </p:txBody>
+      </p:sp>
+    </p:spTree>
+    <p:extLst>
+      <p:ext uri="{BB962C8B-B14F-4D97-AF65-F5344CB8AC3E}">
+        <p14:creationId xmlns:p14="http://schemas.microsoft.com/office/powerpoint/2010/main" val="2408751703"/>
+      </p:ext>
+    </p:extLst>
+  </p:cSld>
+  <p:clrMapOvr>
+    <a:masterClrMapping/>
+  </p:clrMapOvr>
+</p:sld>
+</file>
+
+<file path=ppt/slides/slide13.xml><?xml version="1.0" encoding="utf-8"?>
+<p:sld xmlns:a="http://schemas.openxmlformats.org/drawingml/2006/main" xmlns:r="http://schemas.openxmlformats.org/officeDocument/2006/relationships" xmlns:p="http://schemas.openxmlformats.org/presentationml/2006/main">
+  <p:cSld>
+    <p:spTree>
+      <p:nvGrpSpPr>
+        <p:cNvPr id="1" name=""/>
+        <p:cNvGrpSpPr/>
+        <p:nvPr/>
+      </p:nvGrpSpPr>
+      <p:grpSpPr>
+        <a:xfrm>
+          <a:off x="0" y="0"/>
+          <a:ext cx="0" cy="0"/>
+          <a:chOff x="0" y="0"/>
+          <a:chExt cx="0" cy="0"/>
+        </a:xfrm>
+      </p:grpSpPr>
+      <p:sp>
+        <p:nvSpPr>
+          <p:cNvPr id="2" name="Title 1">
+            <a:extLst>
+              <a:ext uri="{FF2B5EF4-FFF2-40B4-BE49-F238E27FC236}">
+                <a16:creationId xmlns:a16="http://schemas.microsoft.com/office/drawing/2014/main" id="{6806FBA4-537C-4226-9D3A-758C7B787D79}"/>
+              </a:ext>
+            </a:extLst>
+          </p:cNvPr>
+          <p:cNvSpPr>
+            <a:spLocks noGrp="1"/>
+          </p:cNvSpPr>
+          <p:nvPr>
+            <p:ph type="title"/>
+          </p:nvPr>
+        </p:nvSpPr>
+        <p:spPr/>
+        <p:txBody>
+          <a:bodyPr/>
+          <a:lstStyle/>
+          <a:p>
+            <a:r>
+              <a:rPr lang="de-DE" b="1" dirty="0"/>
+              <a:t>PCOS</a:t>
+            </a:r>
+            <a:endParaRPr lang="en-US" b="1" dirty="0"/>
+          </a:p>
+        </p:txBody>
+      </p:sp>
+      <p:sp>
+        <p:nvSpPr>
+          <p:cNvPr id="5" name="Footer Placeholder 4">
+            <a:extLst>
+              <a:ext uri="{FF2B5EF4-FFF2-40B4-BE49-F238E27FC236}">
+                <a16:creationId xmlns:a16="http://schemas.microsoft.com/office/drawing/2014/main" id="{707C4F70-832A-416B-9491-EE86347B2812}"/>
+              </a:ext>
+            </a:extLst>
+          </p:cNvPr>
+          <p:cNvSpPr>
+            <a:spLocks noGrp="1"/>
+          </p:cNvSpPr>
+          <p:nvPr>
+            <p:ph type="ftr" sz="quarter" idx="11"/>
+          </p:nvPr>
+        </p:nvSpPr>
+        <p:spPr/>
+        <p:txBody>
+          <a:bodyPr/>
+          <a:lstStyle/>
+          <a:p>
+            <a:r>
+              <a:rPr lang="en-US"/>
+              <a:t>jennifer.neumaier@t-online.de</a:t>
+            </a:r>
+            <a:endParaRPr lang="en-US" dirty="0"/>
+          </a:p>
+        </p:txBody>
+      </p:sp>
+      <p:sp>
+        <p:nvSpPr>
+          <p:cNvPr id="6" name="Slide Number Placeholder 5">
+            <a:extLst>
+              <a:ext uri="{FF2B5EF4-FFF2-40B4-BE49-F238E27FC236}">
+                <a16:creationId xmlns:a16="http://schemas.microsoft.com/office/drawing/2014/main" id="{1028CB34-29B5-49CB-99E4-E945C3D78896}"/>
+              </a:ext>
+            </a:extLst>
+          </p:cNvPr>
+          <p:cNvSpPr>
+            <a:spLocks noGrp="1"/>
+          </p:cNvSpPr>
+          <p:nvPr>
+            <p:ph type="sldNum" sz="quarter" idx="12"/>
+          </p:nvPr>
+        </p:nvSpPr>
+        <p:spPr/>
+        <p:txBody>
+          <a:bodyPr/>
+          <a:lstStyle/>
+          <a:p>
+            <a:fld id="{D57F1E4F-1CFF-5643-939E-217C01CDF565}" type="slidenum">
+              <a:rPr lang="en-US" smtClean="0"/>
+              <a:pPr/>
+              <a:t>13</a:t>
+            </a:fld>
+            <a:endParaRPr lang="en-US" dirty="0"/>
+          </a:p>
+        </p:txBody>
+      </p:sp>
+      <p:pic>
+        <p:nvPicPr>
+          <p:cNvPr id="4" name="Picture 3" descr="Chart, box and whisker chart&#10;&#10;Description automatically generated">
+            <a:extLst>
+              <a:ext uri="{FF2B5EF4-FFF2-40B4-BE49-F238E27FC236}">
+                <a16:creationId xmlns:a16="http://schemas.microsoft.com/office/drawing/2014/main" id="{BE1FF6D1-EFDE-43D4-AFA3-CEAC077BE210}"/>
+              </a:ext>
+            </a:extLst>
+          </p:cNvPr>
+          <p:cNvPicPr>
+            <a:picLocks noChangeAspect="1"/>
+          </p:cNvPicPr>
+          <p:nvPr/>
+        </p:nvPicPr>
+        <p:blipFill>
+          <a:blip r:embed="rId2"/>
+          <a:stretch>
+            <a:fillRect/>
+          </a:stretch>
+        </p:blipFill>
+        <p:spPr>
+          <a:xfrm>
+            <a:off x="4575360" y="127474"/>
+            <a:ext cx="7435702" cy="6373459"/>
+          </a:xfrm>
+          <a:prstGeom prst="rect">
+            <a:avLst/>
+          </a:prstGeom>
+          <a:ln>
+            <a:solidFill>
+              <a:schemeClr val="tx1"/>
+            </a:solidFill>
+          </a:ln>
+        </p:spPr>
+      </p:pic>
+      <p:sp>
+        <p:nvSpPr>
+          <p:cNvPr id="3" name="TextBox 2">
+            <a:extLst>
+              <a:ext uri="{FF2B5EF4-FFF2-40B4-BE49-F238E27FC236}">
+                <a16:creationId xmlns:a16="http://schemas.microsoft.com/office/drawing/2014/main" id="{61AE25D7-95DA-46A1-BB80-CA9B840A7BB2}"/>
+              </a:ext>
+            </a:extLst>
+          </p:cNvPr>
+          <p:cNvSpPr txBox="1"/>
+          <p:nvPr/>
+        </p:nvSpPr>
+        <p:spPr>
+          <a:xfrm>
+            <a:off x="2009553" y="1375345"/>
+            <a:ext cx="2339163" cy="923330"/>
+          </a:xfrm>
+          <a:prstGeom prst="rect">
+            <a:avLst/>
+          </a:prstGeom>
+          <a:noFill/>
+        </p:spPr>
+        <p:txBody>
+          <a:bodyPr wrap="square" rtlCol="0">
+            <a:spAutoFit/>
+          </a:bodyPr>
+          <a:lstStyle/>
+          <a:p>
+            <a:r>
+              <a:rPr lang="de-DE" i="1" dirty="0"/>
+              <a:t>K-folds: 5</a:t>
+            </a:r>
+          </a:p>
+          <a:p>
+            <a:r>
+              <a:rPr lang="de-DE" i="1" dirty="0"/>
+              <a:t>CV_times: 10</a:t>
+            </a:r>
+          </a:p>
+          <a:p>
+            <a:endParaRPr lang="de-DE" i="1" dirty="0"/>
+          </a:p>
+        </p:txBody>
+      </p:sp>
+    </p:spTree>
+    <p:extLst>
+      <p:ext uri="{BB962C8B-B14F-4D97-AF65-F5344CB8AC3E}">
+        <p14:creationId xmlns:p14="http://schemas.microsoft.com/office/powerpoint/2010/main" val="3198846508"/>
+      </p:ext>
+    </p:extLst>
+  </p:cSld>
+  <p:clrMapOvr>
+    <a:masterClrMapping/>
+  </p:clrMapOvr>
+</p:sld>
+</file>
+
+<file path=ppt/slides/slide14.xml><?xml version="1.0" encoding="utf-8"?>
+<p:sld xmlns:a="http://schemas.openxmlformats.org/drawingml/2006/main" xmlns:r="http://schemas.openxmlformats.org/officeDocument/2006/relationships" xmlns:p="http://schemas.openxmlformats.org/presentationml/2006/main">
+  <p:cSld>
+    <p:spTree>
+      <p:nvGrpSpPr>
+        <p:cNvPr id="1" name=""/>
+        <p:cNvGrpSpPr/>
+        <p:nvPr/>
+      </p:nvGrpSpPr>
+      <p:grpSpPr>
+        <a:xfrm>
+          <a:off x="0" y="0"/>
+          <a:ext cx="0" cy="0"/>
+          <a:chOff x="0" y="0"/>
+          <a:chExt cx="0" cy="0"/>
+        </a:xfrm>
+      </p:grpSpPr>
+      <p:sp>
+        <p:nvSpPr>
+          <p:cNvPr id="2" name="Title 1">
+            <a:extLst>
+              <a:ext uri="{FF2B5EF4-FFF2-40B4-BE49-F238E27FC236}">
+                <a16:creationId xmlns:a16="http://schemas.microsoft.com/office/drawing/2014/main" id="{6806FBA4-537C-4226-9D3A-758C7B787D79}"/>
+              </a:ext>
+            </a:extLst>
+          </p:cNvPr>
+          <p:cNvSpPr>
+            <a:spLocks noGrp="1"/>
+          </p:cNvSpPr>
+          <p:nvPr>
+            <p:ph type="title"/>
+          </p:nvPr>
+        </p:nvSpPr>
+        <p:spPr/>
+        <p:txBody>
+          <a:bodyPr/>
+          <a:lstStyle/>
+          <a:p>
+            <a:r>
+              <a:rPr lang="de-DE" b="1" dirty="0"/>
+              <a:t>PCOS</a:t>
+            </a:r>
+            <a:endParaRPr lang="en-US" b="1" dirty="0"/>
+          </a:p>
+        </p:txBody>
+      </p:sp>
+      <p:sp>
+        <p:nvSpPr>
+          <p:cNvPr id="5" name="Footer Placeholder 4">
+            <a:extLst>
+              <a:ext uri="{FF2B5EF4-FFF2-40B4-BE49-F238E27FC236}">
+                <a16:creationId xmlns:a16="http://schemas.microsoft.com/office/drawing/2014/main" id="{707C4F70-832A-416B-9491-EE86347B2812}"/>
+              </a:ext>
+            </a:extLst>
+          </p:cNvPr>
+          <p:cNvSpPr>
+            <a:spLocks noGrp="1"/>
+          </p:cNvSpPr>
+          <p:nvPr>
+            <p:ph type="ftr" sz="quarter" idx="11"/>
+          </p:nvPr>
+        </p:nvSpPr>
+        <p:spPr/>
+        <p:txBody>
+          <a:bodyPr/>
+          <a:lstStyle/>
+          <a:p>
+            <a:r>
+              <a:rPr lang="en-US"/>
+              <a:t>jennifer.neumaier@t-online.de</a:t>
+            </a:r>
+            <a:endParaRPr lang="en-US" dirty="0"/>
+          </a:p>
+        </p:txBody>
+      </p:sp>
+      <p:sp>
+        <p:nvSpPr>
+          <p:cNvPr id="6" name="Slide Number Placeholder 5">
+            <a:extLst>
+              <a:ext uri="{FF2B5EF4-FFF2-40B4-BE49-F238E27FC236}">
+                <a16:creationId xmlns:a16="http://schemas.microsoft.com/office/drawing/2014/main" id="{1028CB34-29B5-49CB-99E4-E945C3D78896}"/>
+              </a:ext>
+            </a:extLst>
+          </p:cNvPr>
+          <p:cNvSpPr>
+            <a:spLocks noGrp="1"/>
+          </p:cNvSpPr>
+          <p:nvPr>
+            <p:ph type="sldNum" sz="quarter" idx="12"/>
+          </p:nvPr>
+        </p:nvSpPr>
+        <p:spPr/>
+        <p:txBody>
+          <a:bodyPr/>
+          <a:lstStyle/>
+          <a:p>
+            <a:fld id="{D57F1E4F-1CFF-5643-939E-217C01CDF565}" type="slidenum">
+              <a:rPr lang="en-US" smtClean="0"/>
+              <a:pPr/>
+              <a:t>14</a:t>
+            </a:fld>
+            <a:endParaRPr lang="en-US" dirty="0"/>
+          </a:p>
+        </p:txBody>
+      </p:sp>
+      <p:sp>
+        <p:nvSpPr>
+          <p:cNvPr id="3" name="TextBox 2">
+            <a:extLst>
+              <a:ext uri="{FF2B5EF4-FFF2-40B4-BE49-F238E27FC236}">
+                <a16:creationId xmlns:a16="http://schemas.microsoft.com/office/drawing/2014/main" id="{61AE25D7-95DA-46A1-BB80-CA9B840A7BB2}"/>
+              </a:ext>
+            </a:extLst>
+          </p:cNvPr>
+          <p:cNvSpPr txBox="1"/>
+          <p:nvPr/>
+        </p:nvSpPr>
+        <p:spPr>
+          <a:xfrm>
+            <a:off x="2009553" y="1375345"/>
+            <a:ext cx="2339163" cy="923330"/>
+          </a:xfrm>
+          <a:prstGeom prst="rect">
+            <a:avLst/>
+          </a:prstGeom>
+          <a:noFill/>
+        </p:spPr>
+        <p:txBody>
+          <a:bodyPr wrap="square" rtlCol="0">
+            <a:spAutoFit/>
+          </a:bodyPr>
+          <a:lstStyle/>
+          <a:p>
+            <a:r>
+              <a:rPr lang="de-DE" i="1" dirty="0"/>
+              <a:t>K-folds: 5</a:t>
+            </a:r>
+          </a:p>
+          <a:p>
+            <a:r>
+              <a:rPr lang="de-DE" i="1" dirty="0"/>
+              <a:t>CV_times: 10</a:t>
+            </a:r>
+          </a:p>
+          <a:p>
+            <a:endParaRPr lang="de-DE" i="1" dirty="0"/>
+          </a:p>
+        </p:txBody>
+      </p:sp>
+      <p:pic>
+        <p:nvPicPr>
+          <p:cNvPr id="8" name="Picture 7" descr="Chart, box and whisker chart&#10;&#10;Description automatically generated">
+            <a:extLst>
+              <a:ext uri="{FF2B5EF4-FFF2-40B4-BE49-F238E27FC236}">
+                <a16:creationId xmlns:a16="http://schemas.microsoft.com/office/drawing/2014/main" id="{78F5F10E-4D5E-41FF-8736-02952C34D931}"/>
+              </a:ext>
+            </a:extLst>
+          </p:cNvPr>
+          <p:cNvPicPr>
+            <a:picLocks noChangeAspect="1"/>
+          </p:cNvPicPr>
+          <p:nvPr/>
+        </p:nvPicPr>
+        <p:blipFill>
+          <a:blip r:embed="rId2"/>
+          <a:stretch>
+            <a:fillRect/>
+          </a:stretch>
+        </p:blipFill>
+        <p:spPr>
+          <a:xfrm>
+            <a:off x="4718113" y="248303"/>
+            <a:ext cx="6978502" cy="5981573"/>
+          </a:xfrm>
+          <a:prstGeom prst="rect">
+            <a:avLst/>
+          </a:prstGeom>
+          <a:ln>
+            <a:solidFill>
+              <a:schemeClr val="tx1"/>
+            </a:solidFill>
+          </a:ln>
+        </p:spPr>
+      </p:pic>
+    </p:spTree>
+    <p:extLst>
+      <p:ext uri="{BB962C8B-B14F-4D97-AF65-F5344CB8AC3E}">
+        <p14:creationId xmlns:p14="http://schemas.microsoft.com/office/powerpoint/2010/main" val="2610177762"/>
+      </p:ext>
+    </p:extLst>
+  </p:cSld>
+  <p:clrMapOvr>
+    <a:masterClrMapping/>
+  </p:clrMapOvr>
+</p:sld>
+</file>
+
+<file path=ppt/slides/slide15.xml><?xml version="1.0" encoding="utf-8"?>
+<p:sld xmlns:a="http://schemas.openxmlformats.org/drawingml/2006/main" xmlns:r="http://schemas.openxmlformats.org/officeDocument/2006/relationships" xmlns:p="http://schemas.openxmlformats.org/presentationml/2006/main">
+  <p:cSld>
+    <p:spTree>
+      <p:nvGrpSpPr>
+        <p:cNvPr id="1" name=""/>
+        <p:cNvGrpSpPr/>
+        <p:nvPr/>
+      </p:nvGrpSpPr>
+      <p:grpSpPr>
+        <a:xfrm>
+          <a:off x="0" y="0"/>
+          <a:ext cx="0" cy="0"/>
+          <a:chOff x="0" y="0"/>
+          <a:chExt cx="0" cy="0"/>
+        </a:xfrm>
+      </p:grpSpPr>
+      <p:sp>
+        <p:nvSpPr>
+          <p:cNvPr id="2" name="Title 1">
+            <a:extLst>
+              <a:ext uri="{FF2B5EF4-FFF2-40B4-BE49-F238E27FC236}">
+                <a16:creationId xmlns:a16="http://schemas.microsoft.com/office/drawing/2014/main" id="{6806FBA4-537C-4226-9D3A-758C7B787D79}"/>
+              </a:ext>
+            </a:extLst>
+          </p:cNvPr>
+          <p:cNvSpPr>
+            <a:spLocks noGrp="1"/>
+          </p:cNvSpPr>
+          <p:nvPr>
+            <p:ph type="title"/>
+          </p:nvPr>
+        </p:nvSpPr>
+        <p:spPr/>
+        <p:txBody>
+          <a:bodyPr/>
+          <a:lstStyle/>
+          <a:p>
+            <a:r>
+              <a:rPr lang="de-DE" b="1" dirty="0"/>
+              <a:t>PCOS</a:t>
+            </a:r>
+            <a:endParaRPr lang="en-US" b="1" dirty="0"/>
+          </a:p>
+        </p:txBody>
+      </p:sp>
+      <p:sp>
+        <p:nvSpPr>
+          <p:cNvPr id="5" name="Footer Placeholder 4">
+            <a:extLst>
+              <a:ext uri="{FF2B5EF4-FFF2-40B4-BE49-F238E27FC236}">
+                <a16:creationId xmlns:a16="http://schemas.microsoft.com/office/drawing/2014/main" id="{707C4F70-832A-416B-9491-EE86347B2812}"/>
+              </a:ext>
+            </a:extLst>
+          </p:cNvPr>
+          <p:cNvSpPr>
+            <a:spLocks noGrp="1"/>
+          </p:cNvSpPr>
+          <p:nvPr>
+            <p:ph type="ftr" sz="quarter" idx="11"/>
+          </p:nvPr>
+        </p:nvSpPr>
+        <p:spPr/>
+        <p:txBody>
+          <a:bodyPr/>
+          <a:lstStyle/>
+          <a:p>
+            <a:r>
+              <a:rPr lang="en-US"/>
+              <a:t>jennifer.neumaier@t-online.de</a:t>
+            </a:r>
+            <a:endParaRPr lang="en-US" dirty="0"/>
+          </a:p>
+        </p:txBody>
+      </p:sp>
+      <p:sp>
+        <p:nvSpPr>
+          <p:cNvPr id="6" name="Slide Number Placeholder 5">
+            <a:extLst>
+              <a:ext uri="{FF2B5EF4-FFF2-40B4-BE49-F238E27FC236}">
+                <a16:creationId xmlns:a16="http://schemas.microsoft.com/office/drawing/2014/main" id="{1028CB34-29B5-49CB-99E4-E945C3D78896}"/>
+              </a:ext>
+            </a:extLst>
+          </p:cNvPr>
+          <p:cNvSpPr>
+            <a:spLocks noGrp="1"/>
+          </p:cNvSpPr>
+          <p:nvPr>
+            <p:ph type="sldNum" sz="quarter" idx="12"/>
+          </p:nvPr>
+        </p:nvSpPr>
+        <p:spPr/>
+        <p:txBody>
+          <a:bodyPr/>
+          <a:lstStyle/>
+          <a:p>
+            <a:fld id="{D57F1E4F-1CFF-5643-939E-217C01CDF565}" type="slidenum">
+              <a:rPr lang="en-US" smtClean="0"/>
+              <a:pPr/>
+              <a:t>15</a:t>
+            </a:fld>
+            <a:endParaRPr lang="en-US" dirty="0"/>
+          </a:p>
+        </p:txBody>
+      </p:sp>
+      <p:pic>
+        <p:nvPicPr>
+          <p:cNvPr id="7" name="Picture 6" descr="Chart, scatter chart&#10;&#10;Description automatically generated">
+            <a:extLst>
+              <a:ext uri="{FF2B5EF4-FFF2-40B4-BE49-F238E27FC236}">
+                <a16:creationId xmlns:a16="http://schemas.microsoft.com/office/drawing/2014/main" id="{E6E733B7-10DE-408D-8F12-152459D7AB31}"/>
+              </a:ext>
+            </a:extLst>
+          </p:cNvPr>
+          <p:cNvPicPr>
+            <a:picLocks noChangeAspect="1"/>
+          </p:cNvPicPr>
+          <p:nvPr/>
+        </p:nvPicPr>
+        <p:blipFill>
+          <a:blip r:embed="rId2"/>
+          <a:stretch>
+            <a:fillRect/>
+          </a:stretch>
+        </p:blipFill>
+        <p:spPr>
+          <a:xfrm>
+            <a:off x="4582633" y="273291"/>
+            <a:ext cx="7265582" cy="6227642"/>
+          </a:xfrm>
+          <a:prstGeom prst="rect">
+            <a:avLst/>
+          </a:prstGeom>
+          <a:ln>
+            <a:solidFill>
+              <a:schemeClr val="tx1"/>
+            </a:solidFill>
+          </a:ln>
+        </p:spPr>
+      </p:pic>
+    </p:spTree>
+    <p:extLst>
+      <p:ext uri="{BB962C8B-B14F-4D97-AF65-F5344CB8AC3E}">
+        <p14:creationId xmlns:p14="http://schemas.microsoft.com/office/powerpoint/2010/main" val="2003380940"/>
+      </p:ext>
+    </p:extLst>
+  </p:cSld>
+  <p:clrMapOvr>
+    <a:masterClrMapping/>
+  </p:clrMapOvr>
+</p:sld>
+</file>
+
+<file path=ppt/slides/slide16.xml><?xml version="1.0" encoding="utf-8"?>
+<p:sld xmlns:a="http://schemas.openxmlformats.org/drawingml/2006/main" xmlns:r="http://schemas.openxmlformats.org/officeDocument/2006/relationships" xmlns:p="http://schemas.openxmlformats.org/presentationml/2006/main">
+  <p:cSld>
+    <p:spTree>
+      <p:nvGrpSpPr>
+        <p:cNvPr id="1" name=""/>
+        <p:cNvGrpSpPr/>
+        <p:nvPr/>
+      </p:nvGrpSpPr>
+      <p:grpSpPr>
+        <a:xfrm>
+          <a:off x="0" y="0"/>
+          <a:ext cx="0" cy="0"/>
+          <a:chOff x="0" y="0"/>
+          <a:chExt cx="0" cy="0"/>
+        </a:xfrm>
+      </p:grpSpPr>
+      <p:sp>
+        <p:nvSpPr>
+          <p:cNvPr id="2" name="Title 1">
+            <a:extLst>
+              <a:ext uri="{FF2B5EF4-FFF2-40B4-BE49-F238E27FC236}">
+                <a16:creationId xmlns:a16="http://schemas.microsoft.com/office/drawing/2014/main" id="{6806FBA4-537C-4226-9D3A-758C7B787D79}"/>
+              </a:ext>
+            </a:extLst>
+          </p:cNvPr>
+          <p:cNvSpPr>
+            <a:spLocks noGrp="1"/>
+          </p:cNvSpPr>
+          <p:nvPr>
+            <p:ph type="title"/>
+          </p:nvPr>
+        </p:nvSpPr>
+        <p:spPr/>
+        <p:txBody>
+          <a:bodyPr/>
+          <a:lstStyle/>
+          <a:p>
+            <a:r>
+              <a:rPr lang="de-DE" b="1" dirty="0"/>
+              <a:t>PCOS</a:t>
+            </a:r>
+            <a:endParaRPr lang="en-US" b="1" dirty="0"/>
+          </a:p>
+        </p:txBody>
+      </p:sp>
+      <p:sp>
+        <p:nvSpPr>
+          <p:cNvPr id="5" name="Footer Placeholder 4">
+            <a:extLst>
+              <a:ext uri="{FF2B5EF4-FFF2-40B4-BE49-F238E27FC236}">
+                <a16:creationId xmlns:a16="http://schemas.microsoft.com/office/drawing/2014/main" id="{707C4F70-832A-416B-9491-EE86347B2812}"/>
+              </a:ext>
+            </a:extLst>
+          </p:cNvPr>
+          <p:cNvSpPr>
+            <a:spLocks noGrp="1"/>
+          </p:cNvSpPr>
+          <p:nvPr>
+            <p:ph type="ftr" sz="quarter" idx="11"/>
+          </p:nvPr>
+        </p:nvSpPr>
+        <p:spPr/>
+        <p:txBody>
+          <a:bodyPr/>
+          <a:lstStyle/>
+          <a:p>
+            <a:r>
+              <a:rPr lang="en-US"/>
+              <a:t>jennifer.neumaier@t-online.de</a:t>
+            </a:r>
+            <a:endParaRPr lang="en-US" dirty="0"/>
+          </a:p>
+        </p:txBody>
+      </p:sp>
+      <p:sp>
+        <p:nvSpPr>
+          <p:cNvPr id="6" name="Slide Number Placeholder 5">
+            <a:extLst>
+              <a:ext uri="{FF2B5EF4-FFF2-40B4-BE49-F238E27FC236}">
+                <a16:creationId xmlns:a16="http://schemas.microsoft.com/office/drawing/2014/main" id="{1028CB34-29B5-49CB-99E4-E945C3D78896}"/>
+              </a:ext>
+            </a:extLst>
+          </p:cNvPr>
+          <p:cNvSpPr>
+            <a:spLocks noGrp="1"/>
+          </p:cNvSpPr>
+          <p:nvPr>
+            <p:ph type="sldNum" sz="quarter" idx="12"/>
+          </p:nvPr>
+        </p:nvSpPr>
+        <p:spPr/>
+        <p:txBody>
+          <a:bodyPr/>
+          <a:lstStyle/>
+          <a:p>
+            <a:fld id="{D57F1E4F-1CFF-5643-939E-217C01CDF565}" type="slidenum">
+              <a:rPr lang="en-US" smtClean="0"/>
+              <a:pPr/>
+              <a:t>16</a:t>
+            </a:fld>
+            <a:endParaRPr lang="en-US" dirty="0"/>
+          </a:p>
+        </p:txBody>
+      </p:sp>
+      <p:sp>
+        <p:nvSpPr>
+          <p:cNvPr id="8" name="TextBox 7">
+            <a:extLst>
+              <a:ext uri="{FF2B5EF4-FFF2-40B4-BE49-F238E27FC236}">
+                <a16:creationId xmlns:a16="http://schemas.microsoft.com/office/drawing/2014/main" id="{F240E3D7-5107-4E67-BC35-608141D14CAD}"/>
+              </a:ext>
+            </a:extLst>
+          </p:cNvPr>
+          <p:cNvSpPr txBox="1"/>
+          <p:nvPr/>
+        </p:nvSpPr>
+        <p:spPr>
+          <a:xfrm>
+            <a:off x="7160325" y="1218828"/>
+            <a:ext cx="3041345" cy="369332"/>
+          </a:xfrm>
+          <a:prstGeom prst="rect">
+            <a:avLst/>
+          </a:prstGeom>
+          <a:noFill/>
+        </p:spPr>
+        <p:txBody>
+          <a:bodyPr wrap="square" rtlCol="0">
+            <a:spAutoFit/>
+          </a:bodyPr>
+          <a:lstStyle/>
+          <a:p>
+            <a:r>
+              <a:rPr lang="de-DE" i="1" dirty="0"/>
+              <a:t>50% abundance filter</a:t>
+            </a:r>
+          </a:p>
+        </p:txBody>
+      </p:sp>
+      <p:pic>
+        <p:nvPicPr>
+          <p:cNvPr id="9" name="Picture 8">
+            <a:extLst>
+              <a:ext uri="{FF2B5EF4-FFF2-40B4-BE49-F238E27FC236}">
+                <a16:creationId xmlns:a16="http://schemas.microsoft.com/office/drawing/2014/main" id="{FCF22B55-8BD9-40FF-B0F0-6C056877F1A0}"/>
+              </a:ext>
+            </a:extLst>
+          </p:cNvPr>
+          <p:cNvPicPr>
+            <a:picLocks noChangeAspect="1"/>
+          </p:cNvPicPr>
+          <p:nvPr/>
+        </p:nvPicPr>
+        <p:blipFill>
+          <a:blip r:embed="rId2"/>
+          <a:stretch>
+            <a:fillRect/>
+          </a:stretch>
+        </p:blipFill>
+        <p:spPr>
+          <a:xfrm>
+            <a:off x="1311579" y="1685986"/>
+            <a:ext cx="4830087" cy="4384232"/>
+          </a:xfrm>
+          <a:prstGeom prst="rect">
+            <a:avLst/>
+          </a:prstGeom>
+          <a:ln>
+            <a:solidFill>
+              <a:schemeClr val="tx1"/>
+            </a:solidFill>
+          </a:ln>
+        </p:spPr>
+      </p:pic>
+      <p:sp>
+        <p:nvSpPr>
+          <p:cNvPr id="10" name="TextBox 9">
+            <a:extLst>
+              <a:ext uri="{FF2B5EF4-FFF2-40B4-BE49-F238E27FC236}">
+                <a16:creationId xmlns:a16="http://schemas.microsoft.com/office/drawing/2014/main" id="{8392C14E-81CC-4697-9FED-98666E3E140C}"/>
+              </a:ext>
+            </a:extLst>
+          </p:cNvPr>
+          <p:cNvSpPr txBox="1"/>
+          <p:nvPr/>
+        </p:nvSpPr>
+        <p:spPr>
+          <a:xfrm>
+            <a:off x="1311579" y="1236793"/>
+            <a:ext cx="3285894" cy="369332"/>
+          </a:xfrm>
+          <a:prstGeom prst="rect">
+            <a:avLst/>
+          </a:prstGeom>
+          <a:noFill/>
+        </p:spPr>
+        <p:txBody>
+          <a:bodyPr wrap="square" rtlCol="0">
+            <a:spAutoFit/>
+          </a:bodyPr>
+          <a:lstStyle/>
+          <a:p>
+            <a:r>
+              <a:rPr lang="de-DE" i="1" dirty="0"/>
+              <a:t>10% abundance filter</a:t>
+            </a:r>
+          </a:p>
+        </p:txBody>
+      </p:sp>
+      <p:sp>
+        <p:nvSpPr>
+          <p:cNvPr id="12" name="TextBox 11">
+            <a:extLst>
+              <a:ext uri="{FF2B5EF4-FFF2-40B4-BE49-F238E27FC236}">
+                <a16:creationId xmlns:a16="http://schemas.microsoft.com/office/drawing/2014/main" id="{288AC56F-7FF0-4533-BE08-D9D0CBADF699}"/>
+              </a:ext>
+            </a:extLst>
+          </p:cNvPr>
+          <p:cNvSpPr txBox="1"/>
+          <p:nvPr/>
+        </p:nvSpPr>
+        <p:spPr>
+          <a:xfrm>
+            <a:off x="1443370" y="6141301"/>
+            <a:ext cx="5170081" cy="369332"/>
+          </a:xfrm>
+          <a:prstGeom prst="rect">
+            <a:avLst/>
+          </a:prstGeom>
+          <a:noFill/>
+        </p:spPr>
+        <p:txBody>
+          <a:bodyPr wrap="square">
+            <a:spAutoFit/>
+          </a:bodyPr>
+          <a:lstStyle/>
+          <a:p>
+            <a:r>
+              <a:rPr lang="de-DE" dirty="0"/>
+              <a:t>Codacore: 393 524 555 580 643 683 773</a:t>
+            </a:r>
+          </a:p>
+        </p:txBody>
+      </p:sp>
+      <p:pic>
+        <p:nvPicPr>
+          <p:cNvPr id="14" name="Picture 13">
+            <a:extLst>
+              <a:ext uri="{FF2B5EF4-FFF2-40B4-BE49-F238E27FC236}">
+                <a16:creationId xmlns:a16="http://schemas.microsoft.com/office/drawing/2014/main" id="{218C7568-4BDE-4A1C-9B45-94C3057BE8C7}"/>
+              </a:ext>
+            </a:extLst>
+          </p:cNvPr>
+          <p:cNvPicPr>
+            <a:picLocks noChangeAspect="1"/>
+          </p:cNvPicPr>
+          <p:nvPr/>
+        </p:nvPicPr>
+        <p:blipFill>
+          <a:blip r:embed="rId3"/>
+          <a:stretch>
+            <a:fillRect/>
+          </a:stretch>
+        </p:blipFill>
+        <p:spPr>
+          <a:xfrm>
+            <a:off x="7006422" y="1685986"/>
+            <a:ext cx="4581967" cy="4326797"/>
+          </a:xfrm>
+          <a:prstGeom prst="rect">
+            <a:avLst/>
+          </a:prstGeom>
+          <a:ln>
+            <a:solidFill>
+              <a:schemeClr val="tx1"/>
+            </a:solidFill>
+          </a:ln>
+        </p:spPr>
+      </p:pic>
+      <p:sp>
+        <p:nvSpPr>
+          <p:cNvPr id="16" name="TextBox 15">
+            <a:extLst>
+              <a:ext uri="{FF2B5EF4-FFF2-40B4-BE49-F238E27FC236}">
+                <a16:creationId xmlns:a16="http://schemas.microsoft.com/office/drawing/2014/main" id="{69A5AB35-2F3A-44EB-B871-C79AD654FD72}"/>
+              </a:ext>
+            </a:extLst>
+          </p:cNvPr>
+          <p:cNvSpPr txBox="1"/>
+          <p:nvPr/>
+        </p:nvSpPr>
+        <p:spPr>
+          <a:xfrm>
+            <a:off x="7160325" y="6110609"/>
+            <a:ext cx="4110187" cy="369332"/>
+          </a:xfrm>
+          <a:prstGeom prst="rect">
+            <a:avLst/>
+          </a:prstGeom>
+          <a:noFill/>
+        </p:spPr>
+        <p:txBody>
+          <a:bodyPr wrap="square">
+            <a:spAutoFit/>
+          </a:bodyPr>
+          <a:lstStyle/>
+          <a:p>
+            <a:r>
+              <a:rPr lang="de-DE" dirty="0"/>
+              <a:t>Codacore: 10  50  57  89 112</a:t>
+            </a:r>
+          </a:p>
+        </p:txBody>
+      </p:sp>
+      <p:sp>
+        <p:nvSpPr>
+          <p:cNvPr id="18" name="TextBox 17">
+            <a:extLst>
+              <a:ext uri="{FF2B5EF4-FFF2-40B4-BE49-F238E27FC236}">
+                <a16:creationId xmlns:a16="http://schemas.microsoft.com/office/drawing/2014/main" id="{365BFE79-A002-4591-982D-3650D78F1331}"/>
+              </a:ext>
+            </a:extLst>
+          </p:cNvPr>
+          <p:cNvSpPr txBox="1"/>
+          <p:nvPr/>
+        </p:nvSpPr>
+        <p:spPr>
+          <a:xfrm>
+            <a:off x="7170256" y="6418300"/>
+            <a:ext cx="3381587" cy="369332"/>
+          </a:xfrm>
+          <a:prstGeom prst="rect">
+            <a:avLst/>
+          </a:prstGeom>
+          <a:noFill/>
+        </p:spPr>
+        <p:txBody>
+          <a:bodyPr wrap="square">
+            <a:spAutoFit/>
+          </a:bodyPr>
+          <a:lstStyle/>
+          <a:p>
+            <a:r>
+              <a:rPr lang="de-DE" dirty="0"/>
+              <a:t>FINDALR: 10 14 16 40 44</a:t>
+            </a:r>
+          </a:p>
+        </p:txBody>
+      </p:sp>
+      <p:sp>
+        <p:nvSpPr>
+          <p:cNvPr id="20" name="TextBox 19">
+            <a:extLst>
+              <a:ext uri="{FF2B5EF4-FFF2-40B4-BE49-F238E27FC236}">
+                <a16:creationId xmlns:a16="http://schemas.microsoft.com/office/drawing/2014/main" id="{22254814-BF1C-4689-8274-18E03FB947D4}"/>
+              </a:ext>
+            </a:extLst>
+          </p:cNvPr>
+          <p:cNvSpPr txBox="1"/>
+          <p:nvPr/>
+        </p:nvSpPr>
+        <p:spPr>
+          <a:xfrm>
+            <a:off x="1466343" y="6462630"/>
+            <a:ext cx="3408426" cy="369332"/>
+          </a:xfrm>
+          <a:prstGeom prst="rect">
+            <a:avLst/>
+          </a:prstGeom>
+          <a:noFill/>
+        </p:spPr>
+        <p:txBody>
+          <a:bodyPr wrap="square">
+            <a:spAutoFit/>
+          </a:bodyPr>
+          <a:lstStyle/>
+          <a:p>
+            <a:r>
+              <a:rPr lang="de-DE" dirty="0"/>
+              <a:t>FINDALR: 10  14  52  64 509</a:t>
+            </a:r>
+          </a:p>
+        </p:txBody>
+      </p:sp>
+    </p:spTree>
+    <p:extLst>
+      <p:ext uri="{BB962C8B-B14F-4D97-AF65-F5344CB8AC3E}">
+        <p14:creationId xmlns:p14="http://schemas.microsoft.com/office/powerpoint/2010/main" val="732719581"/>
+      </p:ext>
+    </p:extLst>
+  </p:cSld>
+  <p:clrMapOvr>
+    <a:masterClrMapping/>
+  </p:clrMapOvr>
+</p:sld>
+</file>
+
+<file path=ppt/slides/slide17.xml><?xml version="1.0" encoding="utf-8"?>
+<p:sld xmlns:a="http://schemas.openxmlformats.org/drawingml/2006/main" xmlns:r="http://schemas.openxmlformats.org/officeDocument/2006/relationships" xmlns:p="http://schemas.openxmlformats.org/presentationml/2006/main">
+  <p:cSld>
+    <p:spTree>
+      <p:nvGrpSpPr>
+        <p:cNvPr id="1" name=""/>
+        <p:cNvGrpSpPr/>
+        <p:nvPr/>
+      </p:nvGrpSpPr>
+      <p:grpSpPr>
+        <a:xfrm>
+          <a:off x="0" y="0"/>
+          <a:ext cx="0" cy="0"/>
+          <a:chOff x="0" y="0"/>
+          <a:chExt cx="0" cy="0"/>
+        </a:xfrm>
+      </p:grpSpPr>
+      <p:sp>
+        <p:nvSpPr>
+          <p:cNvPr id="2" name="Title 1">
+            <a:extLst>
+              <a:ext uri="{FF2B5EF4-FFF2-40B4-BE49-F238E27FC236}">
+                <a16:creationId xmlns:a16="http://schemas.microsoft.com/office/drawing/2014/main" id="{6806FBA4-537C-4226-9D3A-758C7B787D79}"/>
+              </a:ext>
+            </a:extLst>
+          </p:cNvPr>
+          <p:cNvSpPr>
+            <a:spLocks noGrp="1"/>
+          </p:cNvSpPr>
+          <p:nvPr>
+            <p:ph type="title"/>
+          </p:nvPr>
+        </p:nvSpPr>
+        <p:spPr/>
+        <p:txBody>
+          <a:bodyPr>
+            <a:normAutofit/>
+          </a:bodyPr>
+          <a:lstStyle/>
+          <a:p>
+            <a:r>
+              <a:rPr lang="de-DE" sz="3200" b="1" dirty="0"/>
+              <a:t>PCOS classification and same initial split</a:t>
+            </a:r>
+            <a:endParaRPr lang="en-US" sz="3200" b="1" dirty="0"/>
+          </a:p>
+        </p:txBody>
+      </p:sp>
+      <p:sp>
+        <p:nvSpPr>
+          <p:cNvPr id="5" name="Footer Placeholder 4">
+            <a:extLst>
+              <a:ext uri="{FF2B5EF4-FFF2-40B4-BE49-F238E27FC236}">
+                <a16:creationId xmlns:a16="http://schemas.microsoft.com/office/drawing/2014/main" id="{707C4F70-832A-416B-9491-EE86347B2812}"/>
+              </a:ext>
+            </a:extLst>
+          </p:cNvPr>
+          <p:cNvSpPr>
+            <a:spLocks noGrp="1"/>
+          </p:cNvSpPr>
+          <p:nvPr>
+            <p:ph type="ftr" sz="quarter" idx="11"/>
+          </p:nvPr>
+        </p:nvSpPr>
+        <p:spPr/>
+        <p:txBody>
+          <a:bodyPr/>
+          <a:lstStyle/>
+          <a:p>
+            <a:r>
+              <a:rPr lang="en-US"/>
+              <a:t>jennifer.neumaier@t-online.de</a:t>
+            </a:r>
+            <a:endParaRPr lang="en-US" dirty="0"/>
+          </a:p>
+        </p:txBody>
+      </p:sp>
+      <p:sp>
+        <p:nvSpPr>
+          <p:cNvPr id="6" name="Slide Number Placeholder 5">
+            <a:extLst>
+              <a:ext uri="{FF2B5EF4-FFF2-40B4-BE49-F238E27FC236}">
+                <a16:creationId xmlns:a16="http://schemas.microsoft.com/office/drawing/2014/main" id="{1028CB34-29B5-49CB-99E4-E945C3D78896}"/>
+              </a:ext>
+            </a:extLst>
+          </p:cNvPr>
+          <p:cNvSpPr>
+            <a:spLocks noGrp="1"/>
+          </p:cNvSpPr>
+          <p:nvPr>
+            <p:ph type="sldNum" sz="quarter" idx="12"/>
+          </p:nvPr>
+        </p:nvSpPr>
+        <p:spPr/>
+        <p:txBody>
+          <a:bodyPr/>
+          <a:lstStyle/>
+          <a:p>
+            <a:fld id="{D57F1E4F-1CFF-5643-939E-217C01CDF565}" type="slidenum">
+              <a:rPr lang="en-US" smtClean="0"/>
+              <a:pPr/>
+              <a:t>17</a:t>
+            </a:fld>
+            <a:endParaRPr lang="en-US" dirty="0"/>
+          </a:p>
+        </p:txBody>
+      </p:sp>
+      <p:pic>
+        <p:nvPicPr>
+          <p:cNvPr id="4" name="Picture 3" descr="Chart, waterfall chart&#10;&#10;Description automatically generated">
+            <a:extLst>
+              <a:ext uri="{FF2B5EF4-FFF2-40B4-BE49-F238E27FC236}">
+                <a16:creationId xmlns:a16="http://schemas.microsoft.com/office/drawing/2014/main" id="{C3A6AC56-832C-4791-9A1D-AEB11862F986}"/>
+              </a:ext>
+            </a:extLst>
+          </p:cNvPr>
+          <p:cNvPicPr>
+            <a:picLocks noChangeAspect="1"/>
+          </p:cNvPicPr>
+          <p:nvPr/>
+        </p:nvPicPr>
+        <p:blipFill>
+          <a:blip r:embed="rId2"/>
+          <a:stretch>
+            <a:fillRect/>
+          </a:stretch>
+        </p:blipFill>
+        <p:spPr>
+          <a:xfrm>
+            <a:off x="6314150" y="1397132"/>
+            <a:ext cx="5741443" cy="4921237"/>
+          </a:xfrm>
+          <a:prstGeom prst="rect">
+            <a:avLst/>
+          </a:prstGeom>
+          <a:ln>
+            <a:solidFill>
+              <a:schemeClr val="tx1"/>
+            </a:solidFill>
+          </a:ln>
+        </p:spPr>
+      </p:pic>
+      <p:pic>
+        <p:nvPicPr>
+          <p:cNvPr id="11" name="Picture 10" descr="Chart, box and whisker chart&#10;&#10;Description automatically generated">
+            <a:extLst>
+              <a:ext uri="{FF2B5EF4-FFF2-40B4-BE49-F238E27FC236}">
+                <a16:creationId xmlns:a16="http://schemas.microsoft.com/office/drawing/2014/main" id="{9484F83E-5812-45BD-83BB-3A78DCE4FE6A}"/>
+              </a:ext>
+            </a:extLst>
+          </p:cNvPr>
+          <p:cNvPicPr>
+            <a:picLocks noChangeAspect="1"/>
+          </p:cNvPicPr>
+          <p:nvPr/>
+        </p:nvPicPr>
+        <p:blipFill>
+          <a:blip r:embed="rId3"/>
+          <a:stretch>
+            <a:fillRect/>
+          </a:stretch>
+        </p:blipFill>
+        <p:spPr>
+          <a:xfrm>
+            <a:off x="408418" y="1397132"/>
+            <a:ext cx="5741443" cy="4921237"/>
+          </a:xfrm>
+          <a:prstGeom prst="rect">
+            <a:avLst/>
+          </a:prstGeom>
+          <a:ln>
+            <a:solidFill>
+              <a:schemeClr val="tx1"/>
+            </a:solidFill>
+          </a:ln>
+        </p:spPr>
+      </p:pic>
+    </p:spTree>
+    <p:extLst>
+      <p:ext uri="{BB962C8B-B14F-4D97-AF65-F5344CB8AC3E}">
+        <p14:creationId xmlns:p14="http://schemas.microsoft.com/office/powerpoint/2010/main" val="3657398111"/>
+      </p:ext>
+    </p:extLst>
+  </p:cSld>
+  <p:clrMapOvr>
+    <a:masterClrMapping/>
+  </p:clrMapOvr>
+</p:sld>
+</file>
+
+<file path=ppt/slides/slide18.xml><?xml version="1.0" encoding="utf-8"?>
+<p:sld xmlns:a="http://schemas.openxmlformats.org/drawingml/2006/main" xmlns:r="http://schemas.openxmlformats.org/officeDocument/2006/relationships" xmlns:p="http://schemas.openxmlformats.org/presentationml/2006/main">
+  <p:cSld>
+    <p:spTree>
+      <p:nvGrpSpPr>
+        <p:cNvPr id="1" name=""/>
+        <p:cNvGrpSpPr/>
+        <p:nvPr/>
+      </p:nvGrpSpPr>
+      <p:grpSpPr>
+        <a:xfrm>
+          <a:off x="0" y="0"/>
+          <a:ext cx="0" cy="0"/>
+          <a:chOff x="0" y="0"/>
+          <a:chExt cx="0" cy="0"/>
+        </a:xfrm>
+      </p:grpSpPr>
+      <p:sp>
+        <p:nvSpPr>
+          <p:cNvPr id="2" name="Title 1">
+            <a:extLst>
+              <a:ext uri="{FF2B5EF4-FFF2-40B4-BE49-F238E27FC236}">
+                <a16:creationId xmlns:a16="http://schemas.microsoft.com/office/drawing/2014/main" id="{6806FBA4-537C-4226-9D3A-758C7B787D79}"/>
+              </a:ext>
+            </a:extLst>
+          </p:cNvPr>
+          <p:cNvSpPr>
+            <a:spLocks noGrp="1"/>
+          </p:cNvSpPr>
+          <p:nvPr>
+            <p:ph type="title"/>
+          </p:nvPr>
+        </p:nvSpPr>
+        <p:spPr/>
+        <p:txBody>
+          <a:bodyPr>
+            <a:normAutofit/>
+          </a:bodyPr>
+          <a:lstStyle/>
+          <a:p>
+            <a:r>
+              <a:rPr lang="de-DE" sz="3200" b="1" dirty="0"/>
+              <a:t>CRC classification and same initial split</a:t>
+            </a:r>
+            <a:endParaRPr lang="en-US" sz="3200" b="1" dirty="0"/>
+          </a:p>
+        </p:txBody>
+      </p:sp>
+      <p:sp>
+        <p:nvSpPr>
+          <p:cNvPr id="5" name="Footer Placeholder 4">
+            <a:extLst>
+              <a:ext uri="{FF2B5EF4-FFF2-40B4-BE49-F238E27FC236}">
+                <a16:creationId xmlns:a16="http://schemas.microsoft.com/office/drawing/2014/main" id="{707C4F70-832A-416B-9491-EE86347B2812}"/>
+              </a:ext>
+            </a:extLst>
+          </p:cNvPr>
+          <p:cNvSpPr>
+            <a:spLocks noGrp="1"/>
+          </p:cNvSpPr>
+          <p:nvPr>
+            <p:ph type="ftr" sz="quarter" idx="11"/>
+          </p:nvPr>
+        </p:nvSpPr>
+        <p:spPr/>
+        <p:txBody>
+          <a:bodyPr/>
+          <a:lstStyle/>
+          <a:p>
+            <a:r>
+              <a:rPr lang="en-US"/>
+              <a:t>jennifer.neumaier@t-online.de</a:t>
+            </a:r>
+            <a:endParaRPr lang="en-US" dirty="0"/>
+          </a:p>
+        </p:txBody>
+      </p:sp>
+      <p:sp>
+        <p:nvSpPr>
+          <p:cNvPr id="6" name="Slide Number Placeholder 5">
+            <a:extLst>
+              <a:ext uri="{FF2B5EF4-FFF2-40B4-BE49-F238E27FC236}">
+                <a16:creationId xmlns:a16="http://schemas.microsoft.com/office/drawing/2014/main" id="{1028CB34-29B5-49CB-99E4-E945C3D78896}"/>
+              </a:ext>
+            </a:extLst>
+          </p:cNvPr>
+          <p:cNvSpPr>
+            <a:spLocks noGrp="1"/>
+          </p:cNvSpPr>
+          <p:nvPr>
+            <p:ph type="sldNum" sz="quarter" idx="12"/>
+          </p:nvPr>
+        </p:nvSpPr>
+        <p:spPr/>
+        <p:txBody>
+          <a:bodyPr/>
+          <a:lstStyle/>
+          <a:p>
+            <a:fld id="{D57F1E4F-1CFF-5643-939E-217C01CDF565}" type="slidenum">
+              <a:rPr lang="en-US" smtClean="0"/>
+              <a:pPr/>
+              <a:t>18</a:t>
+            </a:fld>
+            <a:endParaRPr lang="en-US" dirty="0"/>
+          </a:p>
+        </p:txBody>
+      </p:sp>
+      <p:pic>
+        <p:nvPicPr>
+          <p:cNvPr id="7" name="Picture 6" descr="Chart, scatter chart&#10;&#10;Description automatically generated">
+            <a:extLst>
+              <a:ext uri="{FF2B5EF4-FFF2-40B4-BE49-F238E27FC236}">
+                <a16:creationId xmlns:a16="http://schemas.microsoft.com/office/drawing/2014/main" id="{90C8CEC4-BD3E-431E-A55D-770B9106D74C}"/>
+              </a:ext>
+            </a:extLst>
+          </p:cNvPr>
+          <p:cNvPicPr>
+            <a:picLocks noChangeAspect="1"/>
+          </p:cNvPicPr>
+          <p:nvPr/>
+        </p:nvPicPr>
+        <p:blipFill>
+          <a:blip r:embed="rId2"/>
+          <a:stretch>
+            <a:fillRect/>
+          </a:stretch>
+        </p:blipFill>
+        <p:spPr>
+          <a:xfrm>
+            <a:off x="6230544" y="1509823"/>
+            <a:ext cx="5822962" cy="4991110"/>
+          </a:xfrm>
+          <a:prstGeom prst="rect">
+            <a:avLst/>
+          </a:prstGeom>
+          <a:ln>
+            <a:solidFill>
+              <a:schemeClr val="tx1"/>
+            </a:solidFill>
+          </a:ln>
+        </p:spPr>
+      </p:pic>
+      <p:pic>
+        <p:nvPicPr>
+          <p:cNvPr id="9" name="Picture 8" descr="Chart, box and whisker chart&#10;&#10;Description automatically generated">
+            <a:extLst>
+              <a:ext uri="{FF2B5EF4-FFF2-40B4-BE49-F238E27FC236}">
+                <a16:creationId xmlns:a16="http://schemas.microsoft.com/office/drawing/2014/main" id="{6FA6BF7F-3916-45B9-AB94-6160AF4F30AE}"/>
+              </a:ext>
+            </a:extLst>
+          </p:cNvPr>
+          <p:cNvPicPr>
+            <a:picLocks noChangeAspect="1"/>
+          </p:cNvPicPr>
+          <p:nvPr/>
+        </p:nvPicPr>
+        <p:blipFill>
+          <a:blip r:embed="rId3"/>
+          <a:stretch>
+            <a:fillRect/>
+          </a:stretch>
+        </p:blipFill>
+        <p:spPr>
+          <a:xfrm>
+            <a:off x="273037" y="1509823"/>
+            <a:ext cx="5822962" cy="4991110"/>
+          </a:xfrm>
+          <a:prstGeom prst="rect">
+            <a:avLst/>
+          </a:prstGeom>
+          <a:ln>
+            <a:solidFill>
+              <a:schemeClr val="tx1"/>
+            </a:solidFill>
+          </a:ln>
+        </p:spPr>
+      </p:pic>
+      <p:sp>
+        <p:nvSpPr>
+          <p:cNvPr id="10" name="TextBox 9">
+            <a:extLst>
+              <a:ext uri="{FF2B5EF4-FFF2-40B4-BE49-F238E27FC236}">
+                <a16:creationId xmlns:a16="http://schemas.microsoft.com/office/drawing/2014/main" id="{E58478DF-F55C-4045-95C1-11F014038F0C}"/>
+              </a:ext>
+            </a:extLst>
+          </p:cNvPr>
+          <p:cNvSpPr txBox="1"/>
+          <p:nvPr/>
+        </p:nvSpPr>
+        <p:spPr>
+          <a:xfrm>
+            <a:off x="10069032" y="49376"/>
+            <a:ext cx="2229293" cy="646331"/>
+          </a:xfrm>
+          <a:prstGeom prst="rect">
+            <a:avLst/>
+          </a:prstGeom>
+          <a:noFill/>
+        </p:spPr>
+        <p:txBody>
+          <a:bodyPr wrap="square" rtlCol="0">
+            <a:spAutoFit/>
+          </a:bodyPr>
+          <a:lstStyle/>
+          <a:p>
+            <a:r>
+              <a:rPr lang="de-DE" b="1" i="1" dirty="0"/>
+              <a:t>Not predicted on holdout set!</a:t>
+            </a:r>
+          </a:p>
+        </p:txBody>
+      </p:sp>
+    </p:spTree>
+    <p:extLst>
+      <p:ext uri="{BB962C8B-B14F-4D97-AF65-F5344CB8AC3E}">
+        <p14:creationId xmlns:p14="http://schemas.microsoft.com/office/powerpoint/2010/main" val="4181335705"/>
+      </p:ext>
+    </p:extLst>
+  </p:cSld>
+  <p:clrMapOvr>
+    <a:masterClrMapping/>
+  </p:clrMapOvr>
+</p:sld>
+</file>
+
+<file path=ppt/slides/slide19.xml><?xml version="1.0" encoding="utf-8"?>
+<p:sld xmlns:a="http://schemas.openxmlformats.org/drawingml/2006/main" xmlns:r="http://schemas.openxmlformats.org/officeDocument/2006/relationships" xmlns:p="http://schemas.openxmlformats.org/presentationml/2006/main">
+  <p:cSld>
+    <p:spTree>
+      <p:nvGrpSpPr>
+        <p:cNvPr id="1" name=""/>
+        <p:cNvGrpSpPr/>
+        <p:nvPr/>
+      </p:nvGrpSpPr>
+      <p:grpSpPr>
+        <a:xfrm>
+          <a:off x="0" y="0"/>
+          <a:ext cx="0" cy="0"/>
+          <a:chOff x="0" y="0"/>
+          <a:chExt cx="0" cy="0"/>
+        </a:xfrm>
+      </p:grpSpPr>
+      <p:sp>
+        <p:nvSpPr>
+          <p:cNvPr id="2" name="Title 1">
+            <a:extLst>
+              <a:ext uri="{FF2B5EF4-FFF2-40B4-BE49-F238E27FC236}">
+                <a16:creationId xmlns:a16="http://schemas.microsoft.com/office/drawing/2014/main" id="{9E3B19D4-5A1D-406E-B958-814E7EF3FD6A}"/>
+              </a:ext>
+            </a:extLst>
+          </p:cNvPr>
+          <p:cNvSpPr>
+            <a:spLocks noGrp="1"/>
+          </p:cNvSpPr>
+          <p:nvPr>
+            <p:ph type="title"/>
+          </p:nvPr>
+        </p:nvSpPr>
+        <p:spPr/>
+        <p:txBody>
+          <a:bodyPr/>
+          <a:lstStyle/>
+          <a:p>
+            <a:endParaRPr lang="de-DE"/>
+          </a:p>
+        </p:txBody>
+      </p:sp>
+      <p:sp>
+        <p:nvSpPr>
+          <p:cNvPr id="3" name="Content Placeholder 2">
+            <a:extLst>
+              <a:ext uri="{FF2B5EF4-FFF2-40B4-BE49-F238E27FC236}">
+                <a16:creationId xmlns:a16="http://schemas.microsoft.com/office/drawing/2014/main" id="{90FB7A1B-E35E-4452-96E2-08351A6B1551}"/>
+              </a:ext>
+            </a:extLst>
+          </p:cNvPr>
+          <p:cNvSpPr>
+            <a:spLocks noGrp="1"/>
+          </p:cNvSpPr>
+          <p:nvPr>
+            <p:ph idx="1"/>
+          </p:nvPr>
+        </p:nvSpPr>
+        <p:spPr/>
+        <p:txBody>
+          <a:bodyPr/>
+          <a:lstStyle/>
+          <a:p>
+            <a:endParaRPr lang="de-DE"/>
+          </a:p>
+        </p:txBody>
+      </p:sp>
+      <p:sp>
+        <p:nvSpPr>
+          <p:cNvPr id="4" name="Date Placeholder 3">
+            <a:extLst>
+              <a:ext uri="{FF2B5EF4-FFF2-40B4-BE49-F238E27FC236}">
+                <a16:creationId xmlns:a16="http://schemas.microsoft.com/office/drawing/2014/main" id="{141E5E42-2681-4EA2-85B1-A8E0A6002AF6}"/>
+              </a:ext>
+            </a:extLst>
+          </p:cNvPr>
+          <p:cNvSpPr>
+            <a:spLocks noGrp="1"/>
+          </p:cNvSpPr>
+          <p:nvPr>
+            <p:ph type="dt" sz="half" idx="10"/>
+          </p:nvPr>
+        </p:nvSpPr>
+        <p:spPr/>
+        <p:txBody>
+          <a:bodyPr/>
+          <a:lstStyle/>
+          <a:p>
+            <a:fld id="{36D18B76-5E8B-4456-8722-FC5B14B0F354}" type="datetime1">
+              <a:rPr lang="en-US" smtClean="0"/>
+              <a:pPr/>
+              <a:t>4/11/2022</a:t>
+            </a:fld>
+            <a:endParaRPr lang="en-US" dirty="0"/>
+          </a:p>
+        </p:txBody>
+      </p:sp>
+      <p:sp>
+        <p:nvSpPr>
+          <p:cNvPr id="5" name="Footer Placeholder 4">
+            <a:extLst>
+              <a:ext uri="{FF2B5EF4-FFF2-40B4-BE49-F238E27FC236}">
+                <a16:creationId xmlns:a16="http://schemas.microsoft.com/office/drawing/2014/main" id="{2315BB62-8156-474E-9E28-A89D9E5B341D}"/>
+              </a:ext>
+            </a:extLst>
+          </p:cNvPr>
+          <p:cNvSpPr>
+            <a:spLocks noGrp="1"/>
+          </p:cNvSpPr>
+          <p:nvPr>
+            <p:ph type="ftr" sz="quarter" idx="11"/>
+          </p:nvPr>
+        </p:nvSpPr>
+        <p:spPr/>
+        <p:txBody>
+          <a:bodyPr/>
+          <a:lstStyle/>
+          <a:p>
+            <a:r>
+              <a:rPr lang="en-US"/>
+              <a:t>jennifer.neumaier@t-online.de</a:t>
+            </a:r>
+            <a:endParaRPr lang="en-US" dirty="0"/>
+          </a:p>
+        </p:txBody>
+      </p:sp>
+      <p:sp>
+        <p:nvSpPr>
+          <p:cNvPr id="6" name="Slide Number Placeholder 5">
+            <a:extLst>
+              <a:ext uri="{FF2B5EF4-FFF2-40B4-BE49-F238E27FC236}">
+                <a16:creationId xmlns:a16="http://schemas.microsoft.com/office/drawing/2014/main" id="{8EF6D8D9-6050-456A-84A5-BD279209F1F0}"/>
+              </a:ext>
+            </a:extLst>
+          </p:cNvPr>
+          <p:cNvSpPr>
+            <a:spLocks noGrp="1"/>
+          </p:cNvSpPr>
+          <p:nvPr>
+            <p:ph type="sldNum" sz="quarter" idx="12"/>
+          </p:nvPr>
+        </p:nvSpPr>
+        <p:spPr/>
+        <p:txBody>
+          <a:bodyPr/>
+          <a:lstStyle/>
+          <a:p>
+            <a:fld id="{D57F1E4F-1CFF-5643-939E-217C01CDF565}" type="slidenum">
+              <a:rPr lang="en-US" smtClean="0"/>
+              <a:pPr/>
+              <a:t>19</a:t>
+            </a:fld>
+            <a:endParaRPr lang="en-US" dirty="0"/>
+          </a:p>
+        </p:txBody>
+      </p:sp>
+    </p:spTree>
+    <p:extLst>
+      <p:ext uri="{BB962C8B-B14F-4D97-AF65-F5344CB8AC3E}">
+        <p14:creationId xmlns:p14="http://schemas.microsoft.com/office/powerpoint/2010/main" val="2383704318"/>
+      </p:ext>
+    </p:extLst>
+  </p:cSld>
+  <p:clrMapOvr>
+    <a:masterClrMapping/>
+  </p:clrMapOvr>
+</p:sld>
+</file>
+
+<file path=ppt/slides/slide2.xml><?xml version="1.0" encoding="utf-8"?>
+<p:sld xmlns:a="http://schemas.openxmlformats.org/drawingml/2006/main" xmlns:r="http://schemas.openxmlformats.org/officeDocument/2006/relationships" xmlns:p="http://schemas.openxmlformats.org/presentationml/2006/main">
+  <p:cSld>
+    <p:spTree>
+      <p:nvGrpSpPr>
+        <p:cNvPr id="1" name=""/>
+        <p:cNvGrpSpPr/>
+        <p:nvPr/>
+      </p:nvGrpSpPr>
+      <p:grpSpPr>
+        <a:xfrm>
+          <a:off x="0" y="0"/>
+          <a:ext cx="0" cy="0"/>
+          <a:chOff x="0" y="0"/>
+          <a:chExt cx="0" cy="0"/>
+        </a:xfrm>
+      </p:grpSpPr>
+      <p:sp>
+        <p:nvSpPr>
+          <p:cNvPr id="7" name="Title 6">
+            <a:extLst>
+              <a:ext uri="{FF2B5EF4-FFF2-40B4-BE49-F238E27FC236}">
+                <a16:creationId xmlns:a16="http://schemas.microsoft.com/office/drawing/2014/main" id="{097F2DA0-82A3-49C5-A952-4C41FC7A8B0D}"/>
+              </a:ext>
+            </a:extLst>
+          </p:cNvPr>
+          <p:cNvSpPr>
+            <a:spLocks noGrp="1"/>
+          </p:cNvSpPr>
+          <p:nvPr>
+            <p:ph type="title"/>
+          </p:nvPr>
+        </p:nvSpPr>
+        <p:spPr/>
+        <p:txBody>
+          <a:bodyPr/>
+          <a:lstStyle/>
+          <a:p>
+            <a:r>
+              <a:rPr lang="de-DE" b="1" dirty="0"/>
+              <a:t>Goals</a:t>
+            </a:r>
+            <a:endParaRPr lang="en-US" b="1" dirty="0"/>
+          </a:p>
+        </p:txBody>
+      </p:sp>
+      <p:sp>
+        <p:nvSpPr>
+          <p:cNvPr id="2" name="Date Placeholder 1">
+            <a:extLst>
+              <a:ext uri="{FF2B5EF4-FFF2-40B4-BE49-F238E27FC236}">
+                <a16:creationId xmlns:a16="http://schemas.microsoft.com/office/drawing/2014/main" id="{021C34A8-38CB-4F99-BD0A-21BB12003EDD}"/>
+              </a:ext>
+            </a:extLst>
+          </p:cNvPr>
+          <p:cNvSpPr>
+            <a:spLocks noGrp="1"/>
+          </p:cNvSpPr>
+          <p:nvPr>
+            <p:ph type="dt" sz="half" idx="10"/>
+          </p:nvPr>
+        </p:nvSpPr>
+        <p:spPr/>
+        <p:txBody>
+          <a:bodyPr/>
+          <a:lstStyle/>
+          <a:p>
+            <a:fld id="{1278D66F-D6E5-4434-B311-7DA25CA81F5A}" type="datetime1">
+              <a:rPr lang="en-US" smtClean="0"/>
+              <a:t>4/11/2022</a:t>
+            </a:fld>
+            <a:endParaRPr lang="en-US" dirty="0"/>
+          </a:p>
+        </p:txBody>
+      </p:sp>
+      <p:sp>
+        <p:nvSpPr>
+          <p:cNvPr id="3" name="Footer Placeholder 2">
+            <a:extLst>
+              <a:ext uri="{FF2B5EF4-FFF2-40B4-BE49-F238E27FC236}">
+                <a16:creationId xmlns:a16="http://schemas.microsoft.com/office/drawing/2014/main" id="{1438E154-BA79-4A10-8450-061DB6E4741C}"/>
+              </a:ext>
+            </a:extLst>
+          </p:cNvPr>
+          <p:cNvSpPr>
+            <a:spLocks noGrp="1"/>
+          </p:cNvSpPr>
+          <p:nvPr>
+            <p:ph type="ftr" sz="quarter" idx="11"/>
+          </p:nvPr>
+        </p:nvSpPr>
+        <p:spPr/>
+        <p:txBody>
+          <a:bodyPr/>
+          <a:lstStyle/>
+          <a:p>
+            <a:r>
+              <a:rPr lang="en-US"/>
+              <a:t>jennifer.neumaier@t-online.de</a:t>
+            </a:r>
+            <a:endParaRPr lang="en-US" dirty="0"/>
+          </a:p>
+        </p:txBody>
+      </p:sp>
+      <p:sp>
+        <p:nvSpPr>
+          <p:cNvPr id="4" name="Slide Number Placeholder 3">
+            <a:extLst>
+              <a:ext uri="{FF2B5EF4-FFF2-40B4-BE49-F238E27FC236}">
+                <a16:creationId xmlns:a16="http://schemas.microsoft.com/office/drawing/2014/main" id="{AA4FC915-1ED9-4611-8B0F-C8AB3E2F7277}"/>
+              </a:ext>
+            </a:extLst>
+          </p:cNvPr>
+          <p:cNvSpPr>
+            <a:spLocks noGrp="1"/>
+          </p:cNvSpPr>
+          <p:nvPr>
+            <p:ph type="sldNum" sz="quarter" idx="12"/>
+          </p:nvPr>
+        </p:nvSpPr>
+        <p:spPr/>
+        <p:txBody>
+          <a:bodyPr/>
+          <a:lstStyle/>
+          <a:p>
+            <a:fld id="{D57F1E4F-1CFF-5643-939E-217C01CDF565}" type="slidenum">
+              <a:rPr lang="en-US" smtClean="0"/>
+              <a:pPr/>
+              <a:t>2</a:t>
+            </a:fld>
+            <a:endParaRPr lang="en-US" dirty="0"/>
+          </a:p>
+        </p:txBody>
+      </p:sp>
+      <p:graphicFrame>
+        <p:nvGraphicFramePr>
+          <p:cNvPr id="5" name="Diagram 4">
+            <a:extLst>
+              <a:ext uri="{FF2B5EF4-FFF2-40B4-BE49-F238E27FC236}">
+                <a16:creationId xmlns:a16="http://schemas.microsoft.com/office/drawing/2014/main" id="{F3220D42-CE5E-491B-98FD-975C2BE57521}"/>
+              </a:ext>
+            </a:extLst>
+          </p:cNvPr>
+          <p:cNvGraphicFramePr/>
+          <p:nvPr>
+            <p:extLst>
+              <p:ext uri="{D42A27DB-BD31-4B8C-83A1-F6EECF244321}">
+                <p14:modId xmlns:p14="http://schemas.microsoft.com/office/powerpoint/2010/main" val="2946467629"/>
+              </p:ext>
+            </p:extLst>
+          </p:nvPr>
+        </p:nvGraphicFramePr>
+        <p:xfrm>
+          <a:off x="2423843" y="724958"/>
+          <a:ext cx="8128000" cy="5418667"/>
+        </p:xfrm>
+        <a:graphic>
+          <a:graphicData uri="http://schemas.openxmlformats.org/drawingml/2006/diagram">
+            <dgm:relIds xmlns:dgm="http://schemas.openxmlformats.org/drawingml/2006/diagram" xmlns:r="http://schemas.openxmlformats.org/officeDocument/2006/relationships" r:dm="rId2" r:lo="rId3" r:qs="rId4" r:cs="rId5"/>
+          </a:graphicData>
+        </a:graphic>
+      </p:graphicFrame>
+    </p:spTree>
+    <p:extLst>
+      <p:ext uri="{BB962C8B-B14F-4D97-AF65-F5344CB8AC3E}">
+        <p14:creationId xmlns:p14="http://schemas.microsoft.com/office/powerpoint/2010/main" val="2392951674"/>
+      </p:ext>
+    </p:extLst>
+  </p:cSld>
+  <p:clrMapOvr>
+    <a:masterClrMapping/>
+  </p:clrMapOvr>
+</p:sld>
+</file>
+
+<file path=ppt/slides/slide20.xml><?xml version="1.0" encoding="utf-8"?>
+<p:sld xmlns:a="http://schemas.openxmlformats.org/drawingml/2006/main" xmlns:r="http://schemas.openxmlformats.org/officeDocument/2006/relationships" xmlns:p="http://schemas.openxmlformats.org/presentationml/2006/main">
+  <p:cSld>
+    <p:spTree>
+      <p:nvGrpSpPr>
+        <p:cNvPr id="1" name=""/>
+        <p:cNvGrpSpPr/>
+        <p:nvPr/>
+      </p:nvGrpSpPr>
+      <p:grpSpPr>
+        <a:xfrm>
+          <a:off x="0" y="0"/>
+          <a:ext cx="0" cy="0"/>
+          <a:chOff x="0" y="0"/>
+          <a:chExt cx="0" cy="0"/>
+        </a:xfrm>
+      </p:grpSpPr>
+      <p:sp>
+        <p:nvSpPr>
+          <p:cNvPr id="2" name="Title 1">
+            <a:extLst>
+              <a:ext uri="{FF2B5EF4-FFF2-40B4-BE49-F238E27FC236}">
+                <a16:creationId xmlns:a16="http://schemas.microsoft.com/office/drawing/2014/main" id="{6806FBA4-537C-4226-9D3A-758C7B787D79}"/>
+              </a:ext>
+            </a:extLst>
+          </p:cNvPr>
+          <p:cNvSpPr>
+            <a:spLocks noGrp="1"/>
+          </p:cNvSpPr>
+          <p:nvPr>
+            <p:ph type="title"/>
+          </p:nvPr>
+        </p:nvSpPr>
+        <p:spPr/>
+        <p:txBody>
+          <a:bodyPr/>
+          <a:lstStyle/>
+          <a:p>
+            <a:r>
+              <a:rPr lang="de-DE" b="1" dirty="0"/>
+              <a:t>Pre-Processing</a:t>
+            </a:r>
+            <a:endParaRPr lang="en-US" b="1" dirty="0"/>
+          </a:p>
+        </p:txBody>
+      </p:sp>
+      <p:sp>
+        <p:nvSpPr>
+          <p:cNvPr id="5" name="Footer Placeholder 4">
+            <a:extLst>
+              <a:ext uri="{FF2B5EF4-FFF2-40B4-BE49-F238E27FC236}">
+                <a16:creationId xmlns:a16="http://schemas.microsoft.com/office/drawing/2014/main" id="{707C4F70-832A-416B-9491-EE86347B2812}"/>
+              </a:ext>
+            </a:extLst>
+          </p:cNvPr>
+          <p:cNvSpPr>
+            <a:spLocks noGrp="1"/>
+          </p:cNvSpPr>
+          <p:nvPr>
+            <p:ph type="ftr" sz="quarter" idx="11"/>
+          </p:nvPr>
+        </p:nvSpPr>
+        <p:spPr/>
+        <p:txBody>
+          <a:bodyPr/>
+          <a:lstStyle/>
+          <a:p>
+            <a:r>
+              <a:rPr lang="en-US"/>
+              <a:t>jennifer.neumaier@t-online.de</a:t>
+            </a:r>
+            <a:endParaRPr lang="en-US" dirty="0"/>
+          </a:p>
+        </p:txBody>
+      </p:sp>
+      <p:sp>
+        <p:nvSpPr>
+          <p:cNvPr id="6" name="Slide Number Placeholder 5">
+            <a:extLst>
+              <a:ext uri="{FF2B5EF4-FFF2-40B4-BE49-F238E27FC236}">
+                <a16:creationId xmlns:a16="http://schemas.microsoft.com/office/drawing/2014/main" id="{1028CB34-29B5-49CB-99E4-E945C3D78896}"/>
+              </a:ext>
+            </a:extLst>
+          </p:cNvPr>
+          <p:cNvSpPr>
+            <a:spLocks noGrp="1"/>
+          </p:cNvSpPr>
+          <p:nvPr>
+            <p:ph type="sldNum" sz="quarter" idx="12"/>
+          </p:nvPr>
+        </p:nvSpPr>
+        <p:spPr/>
+        <p:txBody>
+          <a:bodyPr/>
+          <a:lstStyle/>
+          <a:p>
+            <a:fld id="{D57F1E4F-1CFF-5643-939E-217C01CDF565}" type="slidenum">
+              <a:rPr lang="en-US" smtClean="0"/>
+              <a:pPr/>
+              <a:t>20</a:t>
+            </a:fld>
+            <a:endParaRPr lang="en-US" dirty="0"/>
+          </a:p>
+        </p:txBody>
+      </p:sp>
+      <p:sp>
+        <p:nvSpPr>
+          <p:cNvPr id="26" name="TextBox 25">
+            <a:extLst>
+              <a:ext uri="{FF2B5EF4-FFF2-40B4-BE49-F238E27FC236}">
+                <a16:creationId xmlns:a16="http://schemas.microsoft.com/office/drawing/2014/main" id="{CC7BEBFF-3D20-441C-B1B2-0CE34904FDE4}"/>
+              </a:ext>
+            </a:extLst>
+          </p:cNvPr>
+          <p:cNvSpPr txBox="1"/>
+          <p:nvPr/>
+        </p:nvSpPr>
+        <p:spPr>
+          <a:xfrm>
+            <a:off x="1698819" y="1152907"/>
+            <a:ext cx="3654858" cy="400110"/>
+          </a:xfrm>
+          <a:prstGeom prst="rect">
+            <a:avLst/>
+          </a:prstGeom>
+          <a:noFill/>
+        </p:spPr>
+        <p:txBody>
+          <a:bodyPr wrap="square" rtlCol="0">
+            <a:spAutoFit/>
+          </a:bodyPr>
+          <a:lstStyle/>
+          <a:p>
+            <a:r>
+              <a:rPr lang="de-DE" sz="2000" i="1" dirty="0"/>
+              <a:t>Problems and Notes</a:t>
+            </a:r>
+          </a:p>
+        </p:txBody>
+      </p:sp>
+      <p:sp>
+        <p:nvSpPr>
+          <p:cNvPr id="7" name="TextBox 6">
+            <a:extLst>
+              <a:ext uri="{FF2B5EF4-FFF2-40B4-BE49-F238E27FC236}">
+                <a16:creationId xmlns:a16="http://schemas.microsoft.com/office/drawing/2014/main" id="{B43BF96F-7A11-4087-9B01-CF6AACD20E04}"/>
+              </a:ext>
+            </a:extLst>
+          </p:cNvPr>
+          <p:cNvSpPr txBox="1"/>
+          <p:nvPr/>
+        </p:nvSpPr>
+        <p:spPr>
+          <a:xfrm>
+            <a:off x="1698819" y="1834296"/>
+            <a:ext cx="7102549" cy="1754326"/>
+          </a:xfrm>
+          <a:prstGeom prst="rect">
+            <a:avLst/>
+          </a:prstGeom>
+          <a:noFill/>
+        </p:spPr>
+        <p:txBody>
+          <a:bodyPr wrap="square" rtlCol="0">
+            <a:spAutoFit/>
+          </a:bodyPr>
+          <a:lstStyle/>
+          <a:p>
+            <a:r>
+              <a:rPr lang="de-DE" u="sng" dirty="0"/>
+              <a:t>CRC</a:t>
+            </a:r>
+            <a:r>
+              <a:rPr lang="de-DE" dirty="0"/>
+              <a:t>:</a:t>
+            </a:r>
+          </a:p>
+          <a:p>
+            <a:pPr marL="285750" indent="-285750">
+              <a:buFontTx/>
+              <a:buChar char="-"/>
+            </a:pPr>
+            <a:r>
+              <a:rPr lang="de-DE" dirty="0"/>
+              <a:t>128 rows removed due to NA in BMI</a:t>
+            </a:r>
+          </a:p>
+          <a:p>
+            <a:pPr marL="285750" indent="-285750">
+              <a:buFontTx/>
+              <a:buChar char="-"/>
+            </a:pPr>
+            <a:r>
+              <a:rPr lang="de-DE" dirty="0"/>
+              <a:t>DE saved separately as holdout </a:t>
+            </a:r>
+          </a:p>
+          <a:p>
+            <a:pPr marL="285750" indent="-285750">
+              <a:buFontTx/>
+              <a:buChar char="-"/>
+            </a:pPr>
+            <a:r>
+              <a:rPr lang="de-DE" dirty="0"/>
+              <a:t>All tests were done with country sets: USA, China, Austria, France</a:t>
+            </a:r>
+          </a:p>
+          <a:p>
+            <a:pPr marL="285750" indent="-285750">
+              <a:buFontTx/>
+              <a:buChar char="-"/>
+            </a:pPr>
+            <a:endParaRPr lang="de-DE" dirty="0"/>
+          </a:p>
+        </p:txBody>
+      </p:sp>
+      <p:sp>
+        <p:nvSpPr>
+          <p:cNvPr id="29" name="TextBox 28">
+            <a:extLst>
+              <a:ext uri="{FF2B5EF4-FFF2-40B4-BE49-F238E27FC236}">
+                <a16:creationId xmlns:a16="http://schemas.microsoft.com/office/drawing/2014/main" id="{FD214281-F802-4F96-A098-F69D765E4AFA}"/>
+              </a:ext>
+            </a:extLst>
+          </p:cNvPr>
+          <p:cNvSpPr txBox="1"/>
+          <p:nvPr/>
+        </p:nvSpPr>
+        <p:spPr>
+          <a:xfrm>
+            <a:off x="6199935" y="93132"/>
+            <a:ext cx="6097772" cy="1815882"/>
+          </a:xfrm>
+          <a:prstGeom prst="rect">
+            <a:avLst/>
+          </a:prstGeom>
+          <a:noFill/>
+        </p:spPr>
+        <p:txBody>
+          <a:bodyPr wrap="square">
+            <a:spAutoFit/>
+          </a:bodyPr>
+          <a:lstStyle/>
+          <a:p>
+            <a:r>
+              <a:rPr lang="de-DE" sz="1400" u="sng" dirty="0"/>
+              <a:t>Imputation</a:t>
+            </a:r>
+            <a:r>
+              <a:rPr lang="de-DE" sz="1400" dirty="0"/>
+              <a:t>:</a:t>
+            </a:r>
+          </a:p>
+          <a:p>
+            <a:pPr marL="285750" indent="-285750">
+              <a:buFontTx/>
+              <a:buChar char="-"/>
+            </a:pPr>
+            <a:r>
+              <a:rPr lang="de-DE" sz="1400" dirty="0"/>
+              <a:t>mbImpute needs phylogenetic tree -&gt; ignored for now </a:t>
+            </a:r>
+          </a:p>
+          <a:p>
+            <a:pPr marL="285750" indent="-285750">
+              <a:buFontTx/>
+              <a:buChar char="-"/>
+            </a:pPr>
+            <a:r>
+              <a:rPr lang="de-DE" sz="1400" dirty="0"/>
+              <a:t>EstMB dataset: pseudocount inserts decimal values between 0 and 1</a:t>
+            </a:r>
+          </a:p>
+          <a:p>
+            <a:pPr marL="742950" lvl="1" indent="-285750">
+              <a:buFontTx/>
+              <a:buChar char="-"/>
+            </a:pPr>
+            <a:r>
+              <a:rPr lang="de-DE" sz="1400" dirty="0"/>
+              <a:t>Solution for now: all these values were rounded up to 1</a:t>
+            </a:r>
+          </a:p>
+          <a:p>
+            <a:pPr marL="742950" lvl="1" indent="-285750">
+              <a:buFontTx/>
+              <a:buChar char="-"/>
+            </a:pPr>
+            <a:r>
+              <a:rPr lang="de-DE" sz="1400" dirty="0"/>
+              <a:t>Possibly in a later run keep decimal values, because some papers suggest sensitivity to pseudocount in machine learning models </a:t>
+            </a:r>
+          </a:p>
+        </p:txBody>
+      </p:sp>
+      <p:sp>
+        <p:nvSpPr>
+          <p:cNvPr id="8" name="TextBox 7">
+            <a:extLst>
+              <a:ext uri="{FF2B5EF4-FFF2-40B4-BE49-F238E27FC236}">
+                <a16:creationId xmlns:a16="http://schemas.microsoft.com/office/drawing/2014/main" id="{20ADFB58-875E-4AAE-BDAE-D861E7F9DC27}"/>
+              </a:ext>
+            </a:extLst>
+          </p:cNvPr>
+          <p:cNvSpPr txBox="1"/>
+          <p:nvPr/>
+        </p:nvSpPr>
+        <p:spPr>
+          <a:xfrm>
+            <a:off x="1720971" y="3408432"/>
+            <a:ext cx="7102549" cy="1200329"/>
+          </a:xfrm>
+          <a:prstGeom prst="rect">
+            <a:avLst/>
+          </a:prstGeom>
+          <a:noFill/>
+        </p:spPr>
+        <p:txBody>
+          <a:bodyPr wrap="square" rtlCol="0">
+            <a:spAutoFit/>
+          </a:bodyPr>
+          <a:lstStyle/>
+          <a:p>
+            <a:r>
+              <a:rPr lang="de-DE" u="sng" dirty="0"/>
+              <a:t>PCOS</a:t>
+            </a:r>
+            <a:r>
+              <a:rPr lang="de-DE" dirty="0"/>
+              <a:t>:</a:t>
+            </a:r>
+          </a:p>
+          <a:p>
+            <a:pPr marL="285750" indent="-285750">
+              <a:buFontTx/>
+              <a:buChar char="-"/>
+            </a:pPr>
+            <a:r>
+              <a:rPr lang="de-DE" dirty="0"/>
+              <a:t>6 rows removed in abundance table because they were not included in metadata</a:t>
+            </a:r>
+          </a:p>
+          <a:p>
+            <a:pPr marL="285750" indent="-285750">
+              <a:buFontTx/>
+              <a:buChar char="-"/>
+            </a:pPr>
+            <a:endParaRPr lang="de-DE" dirty="0"/>
+          </a:p>
+        </p:txBody>
+      </p:sp>
+      <p:sp>
+        <p:nvSpPr>
+          <p:cNvPr id="9" name="TextBox 8">
+            <a:extLst>
+              <a:ext uri="{FF2B5EF4-FFF2-40B4-BE49-F238E27FC236}">
+                <a16:creationId xmlns:a16="http://schemas.microsoft.com/office/drawing/2014/main" id="{C84548D0-C361-4108-B284-1351D54B8DFD}"/>
+              </a:ext>
+            </a:extLst>
+          </p:cNvPr>
+          <p:cNvSpPr txBox="1"/>
+          <p:nvPr/>
+        </p:nvSpPr>
+        <p:spPr>
+          <a:xfrm>
+            <a:off x="1720971" y="4717667"/>
+            <a:ext cx="7102549" cy="1200329"/>
+          </a:xfrm>
+          <a:prstGeom prst="rect">
+            <a:avLst/>
+          </a:prstGeom>
+          <a:noFill/>
+        </p:spPr>
+        <p:txBody>
+          <a:bodyPr wrap="square" rtlCol="0">
+            <a:spAutoFit/>
+          </a:bodyPr>
+          <a:lstStyle/>
+          <a:p>
+            <a:r>
+              <a:rPr lang="de-DE" u="sng" dirty="0"/>
+              <a:t>EstMB</a:t>
+            </a:r>
+            <a:r>
+              <a:rPr lang="de-DE" dirty="0"/>
+              <a:t>:</a:t>
+            </a:r>
+          </a:p>
+          <a:p>
+            <a:pPr marL="285750" indent="-285750">
+              <a:buFontTx/>
+              <a:buChar char="-"/>
+            </a:pPr>
+            <a:r>
+              <a:rPr lang="de-DE" dirty="0"/>
+              <a:t>6 rows removed in abundance table because they were not included in metadata</a:t>
+            </a:r>
+          </a:p>
+          <a:p>
+            <a:pPr marL="285750" indent="-285750">
+              <a:buFontTx/>
+              <a:buChar char="-"/>
+            </a:pPr>
+            <a:endParaRPr lang="de-DE" dirty="0"/>
+          </a:p>
+        </p:txBody>
+      </p:sp>
+    </p:spTree>
+    <p:extLst>
+      <p:ext uri="{BB962C8B-B14F-4D97-AF65-F5344CB8AC3E}">
+        <p14:creationId xmlns:p14="http://schemas.microsoft.com/office/powerpoint/2010/main" val="3215538767"/>
+      </p:ext>
+    </p:extLst>
+  </p:cSld>
+  <p:clrMapOvr>
+    <a:masterClrMapping/>
+  </p:clrMapOvr>
+</p:sld>
+</file>
+
+<file path=ppt/slides/slide21.xml><?xml version="1.0" encoding="utf-8"?>
+<p:sld xmlns:a="http://schemas.openxmlformats.org/drawingml/2006/main" xmlns:r="http://schemas.openxmlformats.org/officeDocument/2006/relationships" xmlns:p="http://schemas.openxmlformats.org/presentationml/2006/main">
+  <p:cSld>
+    <p:spTree>
+      <p:nvGrpSpPr>
+        <p:cNvPr id="1" name=""/>
+        <p:cNvGrpSpPr/>
+        <p:nvPr/>
+      </p:nvGrpSpPr>
+      <p:grpSpPr>
+        <a:xfrm>
+          <a:off x="0" y="0"/>
+          <a:ext cx="0" cy="0"/>
+          <a:chOff x="0" y="0"/>
+          <a:chExt cx="0" cy="0"/>
+        </a:xfrm>
+      </p:grpSpPr>
+      <p:sp>
+        <p:nvSpPr>
+          <p:cNvPr id="2" name="Title 1">
+            <a:extLst>
+              <a:ext uri="{FF2B5EF4-FFF2-40B4-BE49-F238E27FC236}">
+                <a16:creationId xmlns:a16="http://schemas.microsoft.com/office/drawing/2014/main" id="{6806FBA4-537C-4226-9D3A-758C7B787D79}"/>
+              </a:ext>
+            </a:extLst>
+          </p:cNvPr>
+          <p:cNvSpPr>
+            <a:spLocks noGrp="1"/>
+          </p:cNvSpPr>
+          <p:nvPr>
+            <p:ph type="title"/>
+          </p:nvPr>
+        </p:nvSpPr>
+        <p:spPr/>
+        <p:txBody>
+          <a:bodyPr/>
+          <a:lstStyle/>
+          <a:p>
+            <a:r>
+              <a:rPr lang="de-DE" b="1" dirty="0"/>
+              <a:t>Transformations</a:t>
+            </a:r>
+            <a:endParaRPr lang="en-US" b="1" dirty="0"/>
+          </a:p>
+        </p:txBody>
+      </p:sp>
+      <p:sp>
+        <p:nvSpPr>
+          <p:cNvPr id="5" name="Footer Placeholder 4">
+            <a:extLst>
+              <a:ext uri="{FF2B5EF4-FFF2-40B4-BE49-F238E27FC236}">
+                <a16:creationId xmlns:a16="http://schemas.microsoft.com/office/drawing/2014/main" id="{707C4F70-832A-416B-9491-EE86347B2812}"/>
+              </a:ext>
+            </a:extLst>
+          </p:cNvPr>
+          <p:cNvSpPr>
+            <a:spLocks noGrp="1"/>
+          </p:cNvSpPr>
+          <p:nvPr>
+            <p:ph type="ftr" sz="quarter" idx="11"/>
+          </p:nvPr>
+        </p:nvSpPr>
+        <p:spPr/>
+        <p:txBody>
+          <a:bodyPr/>
+          <a:lstStyle/>
+          <a:p>
+            <a:r>
+              <a:rPr lang="en-US" dirty="0"/>
+              <a:t>jennifer.neumaier@t-online.de</a:t>
+            </a:r>
+          </a:p>
+        </p:txBody>
+      </p:sp>
+      <p:sp>
+        <p:nvSpPr>
+          <p:cNvPr id="6" name="Slide Number Placeholder 5">
+            <a:extLst>
+              <a:ext uri="{FF2B5EF4-FFF2-40B4-BE49-F238E27FC236}">
+                <a16:creationId xmlns:a16="http://schemas.microsoft.com/office/drawing/2014/main" id="{1028CB34-29B5-49CB-99E4-E945C3D78896}"/>
+              </a:ext>
+            </a:extLst>
+          </p:cNvPr>
+          <p:cNvSpPr>
+            <a:spLocks noGrp="1"/>
+          </p:cNvSpPr>
+          <p:nvPr>
+            <p:ph type="sldNum" sz="quarter" idx="12"/>
+          </p:nvPr>
+        </p:nvSpPr>
+        <p:spPr/>
+        <p:txBody>
+          <a:bodyPr/>
+          <a:lstStyle/>
+          <a:p>
+            <a:fld id="{D57F1E4F-1CFF-5643-939E-217C01CDF565}" type="slidenum">
+              <a:rPr lang="en-US" smtClean="0"/>
+              <a:pPr/>
+              <a:t>21</a:t>
+            </a:fld>
+            <a:endParaRPr lang="en-US" dirty="0"/>
+          </a:p>
+        </p:txBody>
+      </p:sp>
+      <p:sp>
+        <p:nvSpPr>
+          <p:cNvPr id="26" name="TextBox 25">
+            <a:extLst>
+              <a:ext uri="{FF2B5EF4-FFF2-40B4-BE49-F238E27FC236}">
+                <a16:creationId xmlns:a16="http://schemas.microsoft.com/office/drawing/2014/main" id="{CC7BEBFF-3D20-441C-B1B2-0CE34904FDE4}"/>
+              </a:ext>
+            </a:extLst>
+          </p:cNvPr>
+          <p:cNvSpPr txBox="1"/>
+          <p:nvPr/>
+        </p:nvSpPr>
+        <p:spPr>
+          <a:xfrm>
+            <a:off x="1698819" y="1152907"/>
+            <a:ext cx="3654858" cy="400110"/>
+          </a:xfrm>
+          <a:prstGeom prst="rect">
+            <a:avLst/>
+          </a:prstGeom>
+          <a:noFill/>
+        </p:spPr>
+        <p:txBody>
+          <a:bodyPr wrap="square" rtlCol="0">
+            <a:spAutoFit/>
+          </a:bodyPr>
+          <a:lstStyle/>
+          <a:p>
+            <a:r>
+              <a:rPr lang="de-DE" sz="2000" i="1" dirty="0"/>
+              <a:t>Problems and Notes</a:t>
+            </a:r>
+          </a:p>
+        </p:txBody>
+      </p:sp>
+      <p:sp>
+        <p:nvSpPr>
+          <p:cNvPr id="7" name="TextBox 6">
+            <a:extLst>
+              <a:ext uri="{FF2B5EF4-FFF2-40B4-BE49-F238E27FC236}">
+                <a16:creationId xmlns:a16="http://schemas.microsoft.com/office/drawing/2014/main" id="{B43BF96F-7A11-4087-9B01-CF6AACD20E04}"/>
+              </a:ext>
+            </a:extLst>
+          </p:cNvPr>
+          <p:cNvSpPr txBox="1"/>
+          <p:nvPr/>
+        </p:nvSpPr>
+        <p:spPr>
+          <a:xfrm>
+            <a:off x="2589212" y="1742696"/>
+            <a:ext cx="7102549" cy="1477328"/>
+          </a:xfrm>
+          <a:prstGeom prst="rect">
+            <a:avLst/>
+          </a:prstGeom>
+          <a:noFill/>
+        </p:spPr>
+        <p:txBody>
+          <a:bodyPr wrap="square" rtlCol="0">
+            <a:spAutoFit/>
+          </a:bodyPr>
+          <a:lstStyle/>
+          <a:p>
+            <a:r>
+              <a:rPr lang="de-DE" u="sng" dirty="0"/>
+              <a:t>CLR/ALR</a:t>
+            </a:r>
+            <a:r>
+              <a:rPr lang="de-DE" dirty="0"/>
+              <a:t>:</a:t>
+            </a:r>
+          </a:p>
+          <a:p>
+            <a:pPr marL="285750" indent="-285750">
+              <a:buFontTx/>
+              <a:buChar char="-"/>
+            </a:pPr>
+            <a:r>
+              <a:rPr lang="de-DE" dirty="0"/>
+              <a:t>What to do with LR.wt?</a:t>
+            </a:r>
+          </a:p>
+          <a:p>
+            <a:pPr marL="285750" indent="-285750">
+              <a:buFontTx/>
+              <a:buChar char="-"/>
+            </a:pPr>
+            <a:r>
+              <a:rPr lang="de-DE" dirty="0"/>
+              <a:t>What to do with part.names and part.wt?</a:t>
+            </a:r>
+          </a:p>
+          <a:p>
+            <a:pPr marL="285750" indent="-285750">
+              <a:buFontTx/>
+              <a:buChar char="-"/>
+            </a:pPr>
+            <a:r>
+              <a:rPr lang="de-DE" dirty="0"/>
+              <a:t>Column names ALR?</a:t>
+            </a:r>
+          </a:p>
+          <a:p>
+            <a:endParaRPr lang="de-DE" dirty="0"/>
+          </a:p>
+        </p:txBody>
+      </p:sp>
+      <p:sp>
+        <p:nvSpPr>
+          <p:cNvPr id="8" name="TextBox 7">
+            <a:extLst>
+              <a:ext uri="{FF2B5EF4-FFF2-40B4-BE49-F238E27FC236}">
+                <a16:creationId xmlns:a16="http://schemas.microsoft.com/office/drawing/2014/main" id="{42B7B4AF-462B-468E-AAF9-0BB332281A81}"/>
+              </a:ext>
+            </a:extLst>
+          </p:cNvPr>
+          <p:cNvSpPr txBox="1"/>
+          <p:nvPr/>
+        </p:nvSpPr>
+        <p:spPr>
+          <a:xfrm>
+            <a:off x="2589212" y="3278973"/>
+            <a:ext cx="7102549" cy="923330"/>
+          </a:xfrm>
+          <a:prstGeom prst="rect">
+            <a:avLst/>
+          </a:prstGeom>
+          <a:noFill/>
+        </p:spPr>
+        <p:txBody>
+          <a:bodyPr wrap="square" rtlCol="0">
+            <a:spAutoFit/>
+          </a:bodyPr>
+          <a:lstStyle/>
+          <a:p>
+            <a:r>
+              <a:rPr lang="de-DE" u="sng" dirty="0"/>
+              <a:t>EstMB:</a:t>
+            </a:r>
+            <a:endParaRPr lang="de-DE" dirty="0"/>
+          </a:p>
+          <a:p>
+            <a:pPr marL="285750" indent="-285750">
+              <a:buFontTx/>
+              <a:buChar char="-"/>
+            </a:pPr>
+            <a:r>
+              <a:rPr lang="de-DE" dirty="0"/>
+              <a:t>Needs a lot of time for ALR -&gt; solved in HPC?</a:t>
+            </a:r>
+          </a:p>
+          <a:p>
+            <a:endParaRPr lang="de-DE" dirty="0"/>
+          </a:p>
+        </p:txBody>
+      </p:sp>
+    </p:spTree>
+    <p:extLst>
+      <p:ext uri="{BB962C8B-B14F-4D97-AF65-F5344CB8AC3E}">
+        <p14:creationId xmlns:p14="http://schemas.microsoft.com/office/powerpoint/2010/main" val="3441935650"/>
+      </p:ext>
+    </p:extLst>
+  </p:cSld>
+  <p:clrMapOvr>
+    <a:masterClrMapping/>
+  </p:clrMapOvr>
+</p:sld>
+</file>
+
+<file path=ppt/slides/slide22.xml><?xml version="1.0" encoding="utf-8"?>
+<p:sld xmlns:a="http://schemas.openxmlformats.org/drawingml/2006/main" xmlns:r="http://schemas.openxmlformats.org/officeDocument/2006/relationships" xmlns:p="http://schemas.openxmlformats.org/presentationml/2006/main">
+  <p:cSld>
+    <p:spTree>
+      <p:nvGrpSpPr>
+        <p:cNvPr id="1" name=""/>
+        <p:cNvGrpSpPr/>
+        <p:nvPr/>
+      </p:nvGrpSpPr>
+      <p:grpSpPr>
+        <a:xfrm>
+          <a:off x="0" y="0"/>
+          <a:ext cx="0" cy="0"/>
+          <a:chOff x="0" y="0"/>
+          <a:chExt cx="0" cy="0"/>
+        </a:xfrm>
+      </p:grpSpPr>
+      <p:sp>
+        <p:nvSpPr>
+          <p:cNvPr id="2" name="Title 1">
+            <a:extLst>
+              <a:ext uri="{FF2B5EF4-FFF2-40B4-BE49-F238E27FC236}">
+                <a16:creationId xmlns:a16="http://schemas.microsoft.com/office/drawing/2014/main" id="{6806FBA4-537C-4226-9D3A-758C7B787D79}"/>
+              </a:ext>
+            </a:extLst>
+          </p:cNvPr>
+          <p:cNvSpPr>
+            <a:spLocks noGrp="1"/>
+          </p:cNvSpPr>
+          <p:nvPr>
+            <p:ph type="title"/>
+          </p:nvPr>
+        </p:nvSpPr>
+        <p:spPr/>
+        <p:txBody>
+          <a:bodyPr/>
+          <a:lstStyle/>
+          <a:p>
+            <a:r>
+              <a:rPr lang="de-DE" b="1" dirty="0"/>
+              <a:t>Hierarchy dimensionality reduction</a:t>
+            </a:r>
+            <a:endParaRPr lang="en-US" b="1" dirty="0"/>
+          </a:p>
+        </p:txBody>
+      </p:sp>
+      <p:sp>
+        <p:nvSpPr>
+          <p:cNvPr id="5" name="Footer Placeholder 4">
+            <a:extLst>
+              <a:ext uri="{FF2B5EF4-FFF2-40B4-BE49-F238E27FC236}">
+                <a16:creationId xmlns:a16="http://schemas.microsoft.com/office/drawing/2014/main" id="{707C4F70-832A-416B-9491-EE86347B2812}"/>
+              </a:ext>
+            </a:extLst>
+          </p:cNvPr>
+          <p:cNvSpPr>
+            <a:spLocks noGrp="1"/>
+          </p:cNvSpPr>
+          <p:nvPr>
+            <p:ph type="ftr" sz="quarter" idx="11"/>
+          </p:nvPr>
+        </p:nvSpPr>
+        <p:spPr/>
+        <p:txBody>
+          <a:bodyPr/>
+          <a:lstStyle/>
+          <a:p>
+            <a:r>
+              <a:rPr lang="en-US"/>
+              <a:t>jennifer.neumaier@t-online.de</a:t>
+            </a:r>
+            <a:endParaRPr lang="en-US" dirty="0"/>
+          </a:p>
+        </p:txBody>
+      </p:sp>
+      <p:sp>
+        <p:nvSpPr>
+          <p:cNvPr id="6" name="Slide Number Placeholder 5">
+            <a:extLst>
+              <a:ext uri="{FF2B5EF4-FFF2-40B4-BE49-F238E27FC236}">
+                <a16:creationId xmlns:a16="http://schemas.microsoft.com/office/drawing/2014/main" id="{1028CB34-29B5-49CB-99E4-E945C3D78896}"/>
+              </a:ext>
+            </a:extLst>
+          </p:cNvPr>
+          <p:cNvSpPr>
+            <a:spLocks noGrp="1"/>
+          </p:cNvSpPr>
+          <p:nvPr>
+            <p:ph type="sldNum" sz="quarter" idx="12"/>
+          </p:nvPr>
+        </p:nvSpPr>
+        <p:spPr/>
+        <p:txBody>
+          <a:bodyPr/>
+          <a:lstStyle/>
+          <a:p>
+            <a:fld id="{D57F1E4F-1CFF-5643-939E-217C01CDF565}" type="slidenum">
+              <a:rPr lang="en-US" smtClean="0"/>
+              <a:pPr/>
+              <a:t>22</a:t>
+            </a:fld>
+            <a:endParaRPr lang="en-US" dirty="0"/>
+          </a:p>
+        </p:txBody>
+      </p:sp>
+      <p:sp>
+        <p:nvSpPr>
+          <p:cNvPr id="26" name="TextBox 25">
+            <a:extLst>
+              <a:ext uri="{FF2B5EF4-FFF2-40B4-BE49-F238E27FC236}">
+                <a16:creationId xmlns:a16="http://schemas.microsoft.com/office/drawing/2014/main" id="{CC7BEBFF-3D20-441C-B1B2-0CE34904FDE4}"/>
+              </a:ext>
+            </a:extLst>
+          </p:cNvPr>
+          <p:cNvSpPr txBox="1"/>
+          <p:nvPr/>
+        </p:nvSpPr>
+        <p:spPr>
+          <a:xfrm>
+            <a:off x="1698819" y="1152907"/>
+            <a:ext cx="3654858" cy="400110"/>
+          </a:xfrm>
+          <a:prstGeom prst="rect">
+            <a:avLst/>
+          </a:prstGeom>
+          <a:noFill/>
+        </p:spPr>
+        <p:txBody>
+          <a:bodyPr wrap="square" rtlCol="0">
+            <a:spAutoFit/>
+          </a:bodyPr>
+          <a:lstStyle/>
+          <a:p>
+            <a:r>
+              <a:rPr lang="de-DE" sz="2000" i="1" dirty="0"/>
+              <a:t>Problems and Notes</a:t>
+            </a:r>
+          </a:p>
+        </p:txBody>
+      </p:sp>
+      <p:sp>
+        <p:nvSpPr>
+          <p:cNvPr id="7" name="TextBox 6">
+            <a:extLst>
+              <a:ext uri="{FF2B5EF4-FFF2-40B4-BE49-F238E27FC236}">
+                <a16:creationId xmlns:a16="http://schemas.microsoft.com/office/drawing/2014/main" id="{B43BF96F-7A11-4087-9B01-CF6AACD20E04}"/>
+              </a:ext>
+            </a:extLst>
+          </p:cNvPr>
+          <p:cNvSpPr txBox="1"/>
+          <p:nvPr/>
+        </p:nvSpPr>
+        <p:spPr>
+          <a:xfrm>
+            <a:off x="2589212" y="1742696"/>
+            <a:ext cx="7102549" cy="1754326"/>
+          </a:xfrm>
+          <a:prstGeom prst="rect">
+            <a:avLst/>
+          </a:prstGeom>
+          <a:noFill/>
+        </p:spPr>
+        <p:txBody>
+          <a:bodyPr wrap="square" rtlCol="0">
+            <a:spAutoFit/>
+          </a:bodyPr>
+          <a:lstStyle/>
+          <a:p>
+            <a:r>
+              <a:rPr lang="de-DE" u="sng" dirty="0"/>
+              <a:t>PCA</a:t>
+            </a:r>
+            <a:r>
+              <a:rPr lang="de-DE" dirty="0"/>
+              <a:t>:</a:t>
+            </a:r>
+          </a:p>
+          <a:p>
+            <a:pPr marL="285750" indent="-285750">
+              <a:buFontTx/>
+              <a:buChar char="-"/>
+            </a:pPr>
+            <a:r>
+              <a:rPr lang="de-DE" dirty="0"/>
+              <a:t>Microbiome Preprocessing Machine Learning Pipeline (2021)</a:t>
+            </a:r>
+          </a:p>
+          <a:p>
+            <a:pPr marL="285750" indent="-285750">
+              <a:buFontTx/>
+              <a:buChar char="-"/>
+            </a:pPr>
+            <a:r>
+              <a:rPr lang="de-DE" dirty="0"/>
+              <a:t>Proposes to use PCA as hierarchy reduction </a:t>
+            </a:r>
+          </a:p>
+          <a:p>
+            <a:pPr marL="285750" indent="-285750">
+              <a:buFontTx/>
+              <a:buChar char="-"/>
+            </a:pPr>
+            <a:r>
+              <a:rPr lang="de-DE" dirty="0"/>
+              <a:t>Families can be clustered and genus is not necessary</a:t>
+            </a:r>
+          </a:p>
+          <a:p>
+            <a:endParaRPr lang="de-DE" dirty="0"/>
+          </a:p>
+        </p:txBody>
+      </p:sp>
+    </p:spTree>
+    <p:extLst>
+      <p:ext uri="{BB962C8B-B14F-4D97-AF65-F5344CB8AC3E}">
+        <p14:creationId xmlns:p14="http://schemas.microsoft.com/office/powerpoint/2010/main" val="2182919606"/>
+      </p:ext>
+    </p:extLst>
+  </p:cSld>
+  <p:clrMapOvr>
+    <a:masterClrMapping/>
+  </p:clrMapOvr>
+</p:sld>
+</file>
+
+<file path=ppt/slides/slide23.xml><?xml version="1.0" encoding="utf-8"?>
+<p:sld xmlns:a="http://schemas.openxmlformats.org/drawingml/2006/main" xmlns:r="http://schemas.openxmlformats.org/officeDocument/2006/relationships" xmlns:p="http://schemas.openxmlformats.org/presentationml/2006/main">
+  <p:cSld>
+    <p:spTree>
+      <p:nvGrpSpPr>
+        <p:cNvPr id="1" name=""/>
+        <p:cNvGrpSpPr/>
+        <p:nvPr/>
+      </p:nvGrpSpPr>
+      <p:grpSpPr>
+        <a:xfrm>
+          <a:off x="0" y="0"/>
+          <a:ext cx="0" cy="0"/>
+          <a:chOff x="0" y="0"/>
+          <a:chExt cx="0" cy="0"/>
+        </a:xfrm>
+      </p:grpSpPr>
+      <p:sp>
+        <p:nvSpPr>
+          <p:cNvPr id="2" name="Title 1">
+            <a:extLst>
+              <a:ext uri="{FF2B5EF4-FFF2-40B4-BE49-F238E27FC236}">
+                <a16:creationId xmlns:a16="http://schemas.microsoft.com/office/drawing/2014/main" id="{169D9D37-B637-4D74-BB75-639D51A491FB}"/>
+              </a:ext>
+            </a:extLst>
+          </p:cNvPr>
+          <p:cNvSpPr>
+            <a:spLocks noGrp="1"/>
+          </p:cNvSpPr>
+          <p:nvPr>
+            <p:ph type="title"/>
+          </p:nvPr>
+        </p:nvSpPr>
+        <p:spPr>
+          <a:xfrm>
+            <a:off x="1640156" y="628124"/>
+            <a:ext cx="8911687" cy="1280890"/>
+          </a:xfrm>
+        </p:spPr>
+        <p:txBody>
+          <a:bodyPr/>
+          <a:lstStyle/>
+          <a:p>
+            <a:r>
+              <a:rPr lang="de-DE" b="1" dirty="0"/>
+              <a:t>Data set</a:t>
+            </a:r>
+            <a:endParaRPr lang="en-US" b="1" dirty="0"/>
+          </a:p>
+        </p:txBody>
+      </p:sp>
+      <p:sp>
+        <p:nvSpPr>
+          <p:cNvPr id="3" name="Content Placeholder 2">
+            <a:extLst>
+              <a:ext uri="{FF2B5EF4-FFF2-40B4-BE49-F238E27FC236}">
+                <a16:creationId xmlns:a16="http://schemas.microsoft.com/office/drawing/2014/main" id="{D4D56813-9DF8-4D28-B156-1DE48E95DBC2}"/>
+              </a:ext>
+            </a:extLst>
+          </p:cNvPr>
+          <p:cNvSpPr>
+            <a:spLocks noGrp="1"/>
+          </p:cNvSpPr>
+          <p:nvPr>
+            <p:ph idx="1"/>
+          </p:nvPr>
+        </p:nvSpPr>
+        <p:spPr>
+          <a:xfrm>
+            <a:off x="2592495" y="1317171"/>
+            <a:ext cx="8915400" cy="4369465"/>
+          </a:xfrm>
+        </p:spPr>
+        <p:txBody>
+          <a:bodyPr>
+            <a:normAutofit/>
+          </a:bodyPr>
+          <a:lstStyle/>
+          <a:p>
+            <a:r>
+              <a:rPr lang="de-DE" dirty="0"/>
+              <a:t>Compare what Thomas P. Quinn uses (13 datasets) and take out from estonian biobank</a:t>
+            </a:r>
+          </a:p>
+          <a:p>
+            <a:r>
+              <a:rPr lang="de-DE" dirty="0"/>
+              <a:t> prediction/classification tasks</a:t>
+            </a:r>
+          </a:p>
+          <a:p>
+            <a:r>
+              <a:rPr lang="de-DE" dirty="0"/>
+              <a:t>One with continuous and one with discrete variables</a:t>
+            </a:r>
+          </a:p>
+          <a:p>
+            <a:r>
+              <a:rPr lang="de-DE" dirty="0"/>
+              <a:t>one with high correlation and one with low to microbiomes</a:t>
+            </a:r>
+          </a:p>
+          <a:p>
+            <a:r>
+              <a:rPr lang="de-DE" dirty="0"/>
+              <a:t>one small and one large data set</a:t>
+            </a:r>
+          </a:p>
+          <a:p>
+            <a:r>
+              <a:rPr lang="de-DE" dirty="0"/>
+              <a:t>EstMB, colorectal cancer, PCOS</a:t>
+            </a:r>
+          </a:p>
+          <a:p>
+            <a:endParaRPr lang="de-DE" dirty="0"/>
+          </a:p>
+        </p:txBody>
+      </p:sp>
+      <p:sp>
+        <p:nvSpPr>
+          <p:cNvPr id="4" name="Date Placeholder 3">
+            <a:extLst>
+              <a:ext uri="{FF2B5EF4-FFF2-40B4-BE49-F238E27FC236}">
+                <a16:creationId xmlns:a16="http://schemas.microsoft.com/office/drawing/2014/main" id="{D53DB4F4-84EC-4588-88E6-8D8519D6A1E8}"/>
+              </a:ext>
+            </a:extLst>
+          </p:cNvPr>
+          <p:cNvSpPr>
+            <a:spLocks noGrp="1"/>
+          </p:cNvSpPr>
+          <p:nvPr>
+            <p:ph type="dt" sz="half" idx="10"/>
+          </p:nvPr>
+        </p:nvSpPr>
+        <p:spPr/>
+        <p:txBody>
+          <a:bodyPr/>
+          <a:lstStyle/>
+          <a:p>
+            <a:fld id="{5A2DBB50-F561-45B0-9BE5-95A455D2CD8B}" type="datetime1">
+              <a:rPr lang="en-US" smtClean="0"/>
+              <a:t>4/11/2022</a:t>
+            </a:fld>
+            <a:endParaRPr lang="en-US" dirty="0"/>
+          </a:p>
+        </p:txBody>
+      </p:sp>
+      <p:sp>
+        <p:nvSpPr>
+          <p:cNvPr id="5" name="Footer Placeholder 4">
+            <a:extLst>
+              <a:ext uri="{FF2B5EF4-FFF2-40B4-BE49-F238E27FC236}">
+                <a16:creationId xmlns:a16="http://schemas.microsoft.com/office/drawing/2014/main" id="{A7F3346A-3F24-484B-A6D3-55D66520C917}"/>
+              </a:ext>
+            </a:extLst>
+          </p:cNvPr>
+          <p:cNvSpPr>
+            <a:spLocks noGrp="1"/>
+          </p:cNvSpPr>
+          <p:nvPr>
+            <p:ph type="ftr" sz="quarter" idx="11"/>
+          </p:nvPr>
+        </p:nvSpPr>
+        <p:spPr/>
+        <p:txBody>
+          <a:bodyPr/>
+          <a:lstStyle/>
+          <a:p>
+            <a:r>
+              <a:rPr lang="en-US"/>
+              <a:t>jennifer.neumaier@t-online.de</a:t>
+            </a:r>
+            <a:endParaRPr lang="en-US" dirty="0"/>
+          </a:p>
+        </p:txBody>
+      </p:sp>
+      <p:sp>
+        <p:nvSpPr>
+          <p:cNvPr id="6" name="Slide Number Placeholder 5">
+            <a:extLst>
+              <a:ext uri="{FF2B5EF4-FFF2-40B4-BE49-F238E27FC236}">
+                <a16:creationId xmlns:a16="http://schemas.microsoft.com/office/drawing/2014/main" id="{C4B3B4A6-E708-4F88-8CA2-BDE8FCF0C0AC}"/>
+              </a:ext>
+            </a:extLst>
+          </p:cNvPr>
+          <p:cNvSpPr>
+            <a:spLocks noGrp="1"/>
+          </p:cNvSpPr>
+          <p:nvPr>
+            <p:ph type="sldNum" sz="quarter" idx="12"/>
+          </p:nvPr>
+        </p:nvSpPr>
+        <p:spPr/>
+        <p:txBody>
+          <a:bodyPr/>
+          <a:lstStyle/>
+          <a:p>
+            <a:fld id="{D57F1E4F-1CFF-5643-939E-217C01CDF565}" type="slidenum">
+              <a:rPr lang="en-US" smtClean="0"/>
+              <a:pPr/>
+              <a:t>23</a:t>
+            </a:fld>
+            <a:endParaRPr lang="en-US" dirty="0"/>
+          </a:p>
+        </p:txBody>
+      </p:sp>
+      <p:sp>
+        <p:nvSpPr>
+          <p:cNvPr id="8" name="TextBox 7">
+            <a:extLst>
+              <a:ext uri="{FF2B5EF4-FFF2-40B4-BE49-F238E27FC236}">
+                <a16:creationId xmlns:a16="http://schemas.microsoft.com/office/drawing/2014/main" id="{6A373959-7937-4239-AAA7-0B90CAF1A620}"/>
+              </a:ext>
+            </a:extLst>
+          </p:cNvPr>
+          <p:cNvSpPr txBox="1"/>
+          <p:nvPr/>
+        </p:nvSpPr>
+        <p:spPr>
+          <a:xfrm>
+            <a:off x="2260283" y="4487322"/>
+            <a:ext cx="6097904" cy="923330"/>
+          </a:xfrm>
+          <a:prstGeom prst="rect">
+            <a:avLst/>
+          </a:prstGeom>
+          <a:noFill/>
+        </p:spPr>
+        <p:txBody>
+          <a:bodyPr wrap="square">
+            <a:spAutoFit/>
+          </a:bodyPr>
+          <a:lstStyle/>
+          <a:p>
+            <a:r>
+              <a:rPr lang="de-DE" b="1" dirty="0"/>
+              <a:t>CRC data set preparation and models:</a:t>
+            </a:r>
+          </a:p>
+          <a:p>
+            <a:r>
+              <a:rPr lang="de-DE" dirty="0"/>
+              <a:t>https://github.com/zellerlab/crc_meta/blob/master/src/prepare_data.R</a:t>
+            </a:r>
+          </a:p>
+        </p:txBody>
+      </p:sp>
+    </p:spTree>
+    <p:extLst>
+      <p:ext uri="{BB962C8B-B14F-4D97-AF65-F5344CB8AC3E}">
+        <p14:creationId xmlns:p14="http://schemas.microsoft.com/office/powerpoint/2010/main" val="4097922265"/>
+      </p:ext>
+    </p:extLst>
+  </p:cSld>
+  <p:clrMapOvr>
+    <a:masterClrMapping/>
+  </p:clrMapOvr>
+</p:sld>
+</file>
+
+<file path=ppt/slides/slide24.xml><?xml version="1.0" encoding="utf-8"?>
+<p:sld xmlns:a="http://schemas.openxmlformats.org/drawingml/2006/main" xmlns:r="http://schemas.openxmlformats.org/officeDocument/2006/relationships" xmlns:p="http://schemas.openxmlformats.org/presentationml/2006/main">
+  <p:cSld>
+    <p:spTree>
+      <p:nvGrpSpPr>
+        <p:cNvPr id="1" name=""/>
+        <p:cNvGrpSpPr/>
+        <p:nvPr/>
+      </p:nvGrpSpPr>
+      <p:grpSpPr>
+        <a:xfrm>
+          <a:off x="0" y="0"/>
+          <a:ext cx="0" cy="0"/>
+          <a:chOff x="0" y="0"/>
+          <a:chExt cx="0" cy="0"/>
+        </a:xfrm>
+      </p:grpSpPr>
+      <p:sp>
+        <p:nvSpPr>
+          <p:cNvPr id="2" name="Title 1">
+            <a:extLst>
+              <a:ext uri="{FF2B5EF4-FFF2-40B4-BE49-F238E27FC236}">
                 <a16:creationId xmlns:a16="http://schemas.microsoft.com/office/drawing/2014/main" id="{150EAB59-F93C-4B56-AD7E-A9B5BD800221}"/>
               </a:ext>
             </a:extLst>
@@ -16591,7 +20660,7 @@
           <a:p>
             <a:fld id="{BDD716FE-4A5D-4A13-A8EE-37F9C34BE666}" type="datetime1">
               <a:rPr lang="en-US" smtClean="0"/>
-              <a:t>2/21/2022</a:t>
+              <a:t>4/11/2022</a:t>
             </a:fld>
             <a:endParaRPr lang="en-US" dirty="0"/>
           </a:p>
@@ -16650,7 +20719,7 @@
             <a:fld id="{D57F1E4F-1CFF-5643-939E-217C01CDF565}" type="slidenum">
               <a:rPr lang="en-US" smtClean="0"/>
               <a:pPr/>
-              <a:t>12</a:t>
+              <a:t>24</a:t>
             </a:fld>
             <a:endParaRPr lang="en-US" dirty="0"/>
           </a:p>
@@ -16759,7 +20828,7 @@
 </p:sld>
 </file>
 
-<file path=ppt/slides/slide13.xml><?xml version="1.0" encoding="utf-8"?>
+<file path=ppt/slides/slide25.xml><?xml version="1.0" encoding="utf-8"?>
 <p:sld xmlns:a="http://schemas.openxmlformats.org/drawingml/2006/main" xmlns:r="http://schemas.openxmlformats.org/officeDocument/2006/relationships" xmlns:p="http://schemas.openxmlformats.org/presentationml/2006/main">
   <p:cSld>
     <p:spTree>
@@ -16833,13 +20902,13 @@
           <a:p>
             <a:r>
               <a:rPr lang="de-DE" dirty="0"/>
-              <a:t>Understanding simplex space</a:t>
+              <a:t>Microbial features are not independent </a:t>
             </a:r>
           </a:p>
           <a:p>
             <a:r>
               <a:rPr lang="de-DE" dirty="0"/>
-              <a:t>Understanding the characteristics of log-ratios</a:t>
+              <a:t>Some microbial features are found in correlation!</a:t>
             </a:r>
           </a:p>
         </p:txBody>
@@ -16867,7 +20936,7 @@
           <a:p>
             <a:fld id="{5A2DBB50-F561-45B0-9BE5-95A455D2CD8B}" type="datetime1">
               <a:rPr lang="en-US" smtClean="0"/>
-              <a:t>2/21/2022</a:t>
+              <a:t>4/11/2022</a:t>
             </a:fld>
             <a:endParaRPr lang="en-US" dirty="0"/>
           </a:p>
@@ -16926,7 +20995,7 @@
             <a:fld id="{D57F1E4F-1CFF-5643-939E-217C01CDF565}" type="slidenum">
               <a:rPr lang="en-US" smtClean="0"/>
               <a:pPr/>
-              <a:t>13</a:t>
+              <a:t>25</a:t>
             </a:fld>
             <a:endParaRPr lang="en-US" dirty="0"/>
           </a:p>
@@ -16945,7 +21014,7 @@
 </p:sld>
 </file>
 
-<file path=ppt/slides/slide14.xml><?xml version="1.0" encoding="utf-8"?>
+<file path=ppt/slides/slide26.xml><?xml version="1.0" encoding="utf-8"?>
 <p:sld xmlns:a="http://schemas.openxmlformats.org/drawingml/2006/main" xmlns:r="http://schemas.openxmlformats.org/officeDocument/2006/relationships" xmlns:p="http://schemas.openxmlformats.org/presentationml/2006/main">
   <p:cSld>
     <p:spTree>
@@ -17075,7 +21144,7 @@
           <a:p>
             <a:fld id="{5A2DBB50-F561-45B0-9BE5-95A455D2CD8B}" type="datetime1">
               <a:rPr lang="en-US" smtClean="0"/>
-              <a:t>2/21/2022</a:t>
+              <a:t>4/11/2022</a:t>
             </a:fld>
             <a:endParaRPr lang="en-US" dirty="0"/>
           </a:p>
@@ -17134,7 +21203,7 @@
             <a:fld id="{D57F1E4F-1CFF-5643-939E-217C01CDF565}" type="slidenum">
               <a:rPr lang="en-US" smtClean="0"/>
               <a:pPr/>
-              <a:t>14</a:t>
+              <a:t>26</a:t>
             </a:fld>
             <a:endParaRPr lang="en-US" dirty="0"/>
           </a:p>
@@ -17153,7 +21222,7 @@
 </p:sld>
 </file>
 
-<file path=ppt/slides/slide15.xml><?xml version="1.0" encoding="utf-8"?>
+<file path=ppt/slides/slide27.xml><?xml version="1.0" encoding="utf-8"?>
 <p:sld xmlns:a="http://schemas.openxmlformats.org/drawingml/2006/main" xmlns:r="http://schemas.openxmlformats.org/officeDocument/2006/relationships" xmlns:p="http://schemas.openxmlformats.org/presentationml/2006/main">
   <p:cSld>
     <p:spTree>
@@ -17175,6 +21244,254 @@
           <p:cNvPr id="2" name="Title 1">
             <a:extLst>
               <a:ext uri="{FF2B5EF4-FFF2-40B4-BE49-F238E27FC236}">
+                <a16:creationId xmlns:a16="http://schemas.microsoft.com/office/drawing/2014/main" id="{D63F1953-0627-4313-9F69-D3CE525D057A}"/>
+              </a:ext>
+            </a:extLst>
+          </p:cNvPr>
+          <p:cNvSpPr>
+            <a:spLocks noGrp="1"/>
+          </p:cNvSpPr>
+          <p:nvPr>
+            <p:ph type="title"/>
+          </p:nvPr>
+        </p:nvSpPr>
+        <p:spPr/>
+        <p:txBody>
+          <a:bodyPr/>
+          <a:lstStyle/>
+          <a:p>
+            <a:r>
+              <a:rPr lang="de-DE" b="1" dirty="0"/>
+              <a:t>Notes: 01.04. meeting</a:t>
+            </a:r>
+          </a:p>
+        </p:txBody>
+      </p:sp>
+      <p:sp>
+        <p:nvSpPr>
+          <p:cNvPr id="3" name="Content Placeholder 2">
+            <a:extLst>
+              <a:ext uri="{FF2B5EF4-FFF2-40B4-BE49-F238E27FC236}">
+                <a16:creationId xmlns:a16="http://schemas.microsoft.com/office/drawing/2014/main" id="{10F6F84D-370D-481F-BDA8-9BEF48EC1F3D}"/>
+              </a:ext>
+            </a:extLst>
+          </p:cNvPr>
+          <p:cNvSpPr>
+            <a:spLocks noGrp="1"/>
+          </p:cNvSpPr>
+          <p:nvPr>
+            <p:ph idx="1"/>
+          </p:nvPr>
+        </p:nvSpPr>
+        <p:spPr/>
+        <p:txBody>
+          <a:bodyPr/>
+          <a:lstStyle/>
+          <a:p>
+            <a:r>
+              <a:rPr lang="de-DE" dirty="0"/>
+              <a:t>Pipeline:</a:t>
+            </a:r>
+          </a:p>
+          <a:p>
+            <a:pPr lvl="1"/>
+            <a:r>
+              <a:rPr lang="de-DE" dirty="0"/>
+              <a:t>Test models and codacore on the same training&amp;test split (and set seed)</a:t>
+            </a:r>
+          </a:p>
+          <a:p>
+            <a:pPr lvl="1"/>
+            <a:r>
+              <a:rPr lang="de-DE" dirty="0"/>
+              <a:t>Take out training and test split from run_ml?</a:t>
+            </a:r>
+          </a:p>
+          <a:p>
+            <a:pPr lvl="1"/>
+            <a:r>
+              <a:rPr lang="de-DE" dirty="0"/>
+              <a:t>K_folds and CV_folds don‘t have to be the same for every data set</a:t>
+            </a:r>
+          </a:p>
+          <a:p>
+            <a:pPr lvl="1"/>
+            <a:r>
+              <a:rPr lang="de-DE" dirty="0"/>
+              <a:t>Time comparison?</a:t>
+            </a:r>
+          </a:p>
+          <a:p>
+            <a:r>
+              <a:rPr lang="de-DE" dirty="0"/>
+              <a:t>CRC:</a:t>
+            </a:r>
+          </a:p>
+          <a:p>
+            <a:pPr lvl="1"/>
+            <a:r>
+              <a:rPr lang="de-DE" dirty="0"/>
+              <a:t>Keep one country cohorts for extra validation </a:t>
+            </a:r>
+          </a:p>
+          <a:p>
+            <a:pPr lvl="1"/>
+            <a:r>
+              <a:rPr lang="de-DE" dirty="0"/>
+              <a:t>BMI as outcome_column for continuous</a:t>
+            </a:r>
+          </a:p>
+          <a:p>
+            <a:pPr lvl="1"/>
+            <a:r>
+              <a:rPr lang="de-DE" dirty="0"/>
+              <a:t>GROUP for classification </a:t>
+            </a:r>
+          </a:p>
+          <a:p>
+            <a:pPr marL="457200" lvl="1" indent="0">
+              <a:buNone/>
+            </a:pPr>
+            <a:endParaRPr lang="de-DE" dirty="0"/>
+          </a:p>
+          <a:p>
+            <a:pPr lvl="1"/>
+            <a:endParaRPr lang="de-DE" dirty="0"/>
+          </a:p>
+          <a:p>
+            <a:pPr lvl="1"/>
+            <a:endParaRPr lang="de-DE" dirty="0"/>
+          </a:p>
+          <a:p>
+            <a:pPr lvl="1"/>
+            <a:endParaRPr lang="de-DE" dirty="0"/>
+          </a:p>
+        </p:txBody>
+      </p:sp>
+      <p:sp>
+        <p:nvSpPr>
+          <p:cNvPr id="4" name="Date Placeholder 3">
+            <a:extLst>
+              <a:ext uri="{FF2B5EF4-FFF2-40B4-BE49-F238E27FC236}">
+                <a16:creationId xmlns:a16="http://schemas.microsoft.com/office/drawing/2014/main" id="{DBF0C8DB-9090-4B20-AED9-6E2044F98AC2}"/>
+              </a:ext>
+            </a:extLst>
+          </p:cNvPr>
+          <p:cNvSpPr>
+            <a:spLocks noGrp="1"/>
+          </p:cNvSpPr>
+          <p:nvPr>
+            <p:ph type="dt" sz="half" idx="10"/>
+          </p:nvPr>
+        </p:nvSpPr>
+        <p:spPr/>
+        <p:txBody>
+          <a:bodyPr/>
+          <a:lstStyle/>
+          <a:p>
+            <a:fld id="{36D18B76-5E8B-4456-8722-FC5B14B0F354}" type="datetime1">
+              <a:rPr lang="en-US" smtClean="0"/>
+              <a:pPr/>
+              <a:t>4/11/2022</a:t>
+            </a:fld>
+            <a:endParaRPr lang="en-US" dirty="0"/>
+          </a:p>
+        </p:txBody>
+      </p:sp>
+      <p:sp>
+        <p:nvSpPr>
+          <p:cNvPr id="5" name="Footer Placeholder 4">
+            <a:extLst>
+              <a:ext uri="{FF2B5EF4-FFF2-40B4-BE49-F238E27FC236}">
+                <a16:creationId xmlns:a16="http://schemas.microsoft.com/office/drawing/2014/main" id="{DA6DF03D-2B74-42A5-8C31-B3A7B6D53ABB}"/>
+              </a:ext>
+            </a:extLst>
+          </p:cNvPr>
+          <p:cNvSpPr>
+            <a:spLocks noGrp="1"/>
+          </p:cNvSpPr>
+          <p:nvPr>
+            <p:ph type="ftr" sz="quarter" idx="11"/>
+          </p:nvPr>
+        </p:nvSpPr>
+        <p:spPr/>
+        <p:txBody>
+          <a:bodyPr/>
+          <a:lstStyle/>
+          <a:p>
+            <a:r>
+              <a:rPr lang="en-US"/>
+              <a:t>jennifer.neumaier@t-online.de</a:t>
+            </a:r>
+            <a:endParaRPr lang="en-US" dirty="0"/>
+          </a:p>
+        </p:txBody>
+      </p:sp>
+      <p:sp>
+        <p:nvSpPr>
+          <p:cNvPr id="6" name="Slide Number Placeholder 5">
+            <a:extLst>
+              <a:ext uri="{FF2B5EF4-FFF2-40B4-BE49-F238E27FC236}">
+                <a16:creationId xmlns:a16="http://schemas.microsoft.com/office/drawing/2014/main" id="{EB397826-F4D6-4DDE-B171-FF032CD952B6}"/>
+              </a:ext>
+            </a:extLst>
+          </p:cNvPr>
+          <p:cNvSpPr>
+            <a:spLocks noGrp="1"/>
+          </p:cNvSpPr>
+          <p:nvPr>
+            <p:ph type="sldNum" sz="quarter" idx="12"/>
+          </p:nvPr>
+        </p:nvSpPr>
+        <p:spPr/>
+        <p:txBody>
+          <a:bodyPr/>
+          <a:lstStyle/>
+          <a:p>
+            <a:fld id="{D57F1E4F-1CFF-5643-939E-217C01CDF565}" type="slidenum">
+              <a:rPr lang="en-US" smtClean="0"/>
+              <a:pPr/>
+              <a:t>27</a:t>
+            </a:fld>
+            <a:endParaRPr lang="en-US" dirty="0"/>
+          </a:p>
+        </p:txBody>
+      </p:sp>
+    </p:spTree>
+    <p:extLst>
+      <p:ext uri="{BB962C8B-B14F-4D97-AF65-F5344CB8AC3E}">
+        <p14:creationId xmlns:p14="http://schemas.microsoft.com/office/powerpoint/2010/main" val="1848759324"/>
+      </p:ext>
+    </p:extLst>
+  </p:cSld>
+  <p:clrMapOvr>
+    <a:masterClrMapping/>
+  </p:clrMapOvr>
+</p:sld>
+</file>
+
+<file path=ppt/slides/slide28.xml><?xml version="1.0" encoding="utf-8"?>
+<p:sld xmlns:a="http://schemas.openxmlformats.org/drawingml/2006/main" xmlns:r="http://schemas.openxmlformats.org/officeDocument/2006/relationships" xmlns:p="http://schemas.openxmlformats.org/presentationml/2006/main">
+  <p:cSld>
+    <p:spTree>
+      <p:nvGrpSpPr>
+        <p:cNvPr id="1" name=""/>
+        <p:cNvGrpSpPr/>
+        <p:nvPr/>
+      </p:nvGrpSpPr>
+      <p:grpSpPr>
+        <a:xfrm>
+          <a:off x="0" y="0"/>
+          <a:ext cx="0" cy="0"/>
+          <a:chOff x="0" y="0"/>
+          <a:chExt cx="0" cy="0"/>
+        </a:xfrm>
+      </p:grpSpPr>
+      <p:sp>
+        <p:nvSpPr>
+          <p:cNvPr id="2" name="Title 1">
+            <a:extLst>
+              <a:ext uri="{FF2B5EF4-FFF2-40B4-BE49-F238E27FC236}">
                 <a16:creationId xmlns:a16="http://schemas.microsoft.com/office/drawing/2014/main" id="{B0A21C35-E073-46BF-B8BA-AD632020DA6A}"/>
               </a:ext>
             </a:extLst>
@@ -17279,7 +21596,7 @@
           <a:p>
             <a:fld id="{93673764-947C-4E64-9BD5-474B9E9D9329}" type="datetime1">
               <a:rPr lang="en-US" smtClean="0"/>
-              <a:t>2/21/2022</a:t>
+              <a:t>4/11/2022</a:t>
             </a:fld>
             <a:endParaRPr lang="en-US" dirty="0"/>
           </a:p>
@@ -17338,7 +21655,7 @@
             <a:fld id="{D57F1E4F-1CFF-5643-939E-217C01CDF565}" type="slidenum">
               <a:rPr lang="en-US" smtClean="0"/>
               <a:pPr/>
-              <a:t>15</a:t>
+              <a:t>28</a:t>
             </a:fld>
             <a:endParaRPr lang="en-US" dirty="0"/>
           </a:p>
@@ -17357,7 +21674,7 @@
 </p:sld>
 </file>
 
-<file path=ppt/slides/slide16.xml><?xml version="1.0" encoding="utf-8"?>
+<file path=ppt/slides/slide29.xml><?xml version="1.0" encoding="utf-8"?>
 <p:sld xmlns:a="http://schemas.openxmlformats.org/drawingml/2006/main" xmlns:r="http://schemas.openxmlformats.org/officeDocument/2006/relationships" xmlns:p="http://schemas.openxmlformats.org/presentationml/2006/main">
   <p:cSld>
     <p:spTree>
@@ -17724,7 +22041,7 @@
           <a:p>
             <a:fld id="{524BA6AA-761D-44D9-9696-AC66CE044BF5}" type="datetime1">
               <a:rPr lang="en-US" smtClean="0"/>
-              <a:t>2/21/2022</a:t>
+              <a:t>4/11/2022</a:t>
             </a:fld>
             <a:endParaRPr lang="en-US" dirty="0"/>
           </a:p>
@@ -17782,7 +22099,7 @@
             <a:fld id="{D57F1E4F-1CFF-5643-939E-217C01CDF565}" type="slidenum">
               <a:rPr lang="en-US" smtClean="0"/>
               <a:pPr/>
-              <a:t>16</a:t>
+              <a:t>29</a:t>
             </a:fld>
             <a:endParaRPr lang="en-US" dirty="0"/>
           </a:p>
@@ -17792,181 +22109,6 @@
     <p:extLst>
       <p:ext uri="{BB962C8B-B14F-4D97-AF65-F5344CB8AC3E}">
         <p14:creationId xmlns:p14="http://schemas.microsoft.com/office/powerpoint/2010/main" val="1870852049"/>
-      </p:ext>
-    </p:extLst>
-  </p:cSld>
-  <p:clrMapOvr>
-    <a:masterClrMapping/>
-  </p:clrMapOvr>
-</p:sld>
-</file>
-
-<file path=ppt/slides/slide2.xml><?xml version="1.0" encoding="utf-8"?>
-<p:sld xmlns:a="http://schemas.openxmlformats.org/drawingml/2006/main" xmlns:r="http://schemas.openxmlformats.org/officeDocument/2006/relationships" xmlns:p="http://schemas.openxmlformats.org/presentationml/2006/main">
-  <p:cSld>
-    <p:spTree>
-      <p:nvGrpSpPr>
-        <p:cNvPr id="1" name=""/>
-        <p:cNvGrpSpPr/>
-        <p:nvPr/>
-      </p:nvGrpSpPr>
-      <p:grpSpPr>
-        <a:xfrm>
-          <a:off x="0" y="0"/>
-          <a:ext cx="0" cy="0"/>
-          <a:chOff x="0" y="0"/>
-          <a:chExt cx="0" cy="0"/>
-        </a:xfrm>
-      </p:grpSpPr>
-      <p:sp>
-        <p:nvSpPr>
-          <p:cNvPr id="7" name="Title 6">
-            <a:extLst>
-              <a:ext uri="{FF2B5EF4-FFF2-40B4-BE49-F238E27FC236}">
-                <a16:creationId xmlns:a16="http://schemas.microsoft.com/office/drawing/2014/main" id="{097F2DA0-82A3-49C5-A952-4C41FC7A8B0D}"/>
-              </a:ext>
-            </a:extLst>
-          </p:cNvPr>
-          <p:cNvSpPr>
-            <a:spLocks noGrp="1"/>
-          </p:cNvSpPr>
-          <p:nvPr>
-            <p:ph type="title"/>
-          </p:nvPr>
-        </p:nvSpPr>
-        <p:spPr/>
-        <p:txBody>
-          <a:bodyPr/>
-          <a:lstStyle/>
-          <a:p>
-            <a:r>
-              <a:rPr lang="de-DE" b="1" dirty="0"/>
-              <a:t>Goals</a:t>
-            </a:r>
-            <a:endParaRPr lang="en-US" b="1" dirty="0"/>
-          </a:p>
-        </p:txBody>
-      </p:sp>
-      <p:sp>
-        <p:nvSpPr>
-          <p:cNvPr id="2" name="Date Placeholder 1">
-            <a:extLst>
-              <a:ext uri="{FF2B5EF4-FFF2-40B4-BE49-F238E27FC236}">
-                <a16:creationId xmlns:a16="http://schemas.microsoft.com/office/drawing/2014/main" id="{021C34A8-38CB-4F99-BD0A-21BB12003EDD}"/>
-              </a:ext>
-            </a:extLst>
-          </p:cNvPr>
-          <p:cNvSpPr>
-            <a:spLocks noGrp="1"/>
-          </p:cNvSpPr>
-          <p:nvPr>
-            <p:ph type="dt" sz="half" idx="10"/>
-          </p:nvPr>
-        </p:nvSpPr>
-        <p:spPr/>
-        <p:txBody>
-          <a:bodyPr/>
-          <a:lstStyle/>
-          <a:p>
-            <a:fld id="{1278D66F-D6E5-4434-B311-7DA25CA81F5A}" type="datetime1">
-              <a:rPr lang="en-US" smtClean="0"/>
-              <a:t>2/21/2022</a:t>
-            </a:fld>
-            <a:endParaRPr lang="en-US" dirty="0"/>
-          </a:p>
-        </p:txBody>
-      </p:sp>
-      <p:sp>
-        <p:nvSpPr>
-          <p:cNvPr id="3" name="Footer Placeholder 2">
-            <a:extLst>
-              <a:ext uri="{FF2B5EF4-FFF2-40B4-BE49-F238E27FC236}">
-                <a16:creationId xmlns:a16="http://schemas.microsoft.com/office/drawing/2014/main" id="{1438E154-BA79-4A10-8450-061DB6E4741C}"/>
-              </a:ext>
-            </a:extLst>
-          </p:cNvPr>
-          <p:cNvSpPr>
-            <a:spLocks noGrp="1"/>
-          </p:cNvSpPr>
-          <p:nvPr>
-            <p:ph type="ftr" sz="quarter" idx="11"/>
-          </p:nvPr>
-        </p:nvSpPr>
-        <p:spPr/>
-        <p:txBody>
-          <a:bodyPr/>
-          <a:lstStyle/>
-          <a:p>
-            <a:r>
-              <a:rPr lang="en-US"/>
-              <a:t>jennifer.neumaier@t-online.de</a:t>
-            </a:r>
-            <a:endParaRPr lang="en-US" dirty="0"/>
-          </a:p>
-        </p:txBody>
-      </p:sp>
-      <p:sp>
-        <p:nvSpPr>
-          <p:cNvPr id="4" name="Slide Number Placeholder 3">
-            <a:extLst>
-              <a:ext uri="{FF2B5EF4-FFF2-40B4-BE49-F238E27FC236}">
-                <a16:creationId xmlns:a16="http://schemas.microsoft.com/office/drawing/2014/main" id="{AA4FC915-1ED9-4611-8B0F-C8AB3E2F7277}"/>
-              </a:ext>
-            </a:extLst>
-          </p:cNvPr>
-          <p:cNvSpPr>
-            <a:spLocks noGrp="1"/>
-          </p:cNvSpPr>
-          <p:nvPr>
-            <p:ph type="sldNum" sz="quarter" idx="12"/>
-          </p:nvPr>
-        </p:nvSpPr>
-        <p:spPr/>
-        <p:txBody>
-          <a:bodyPr/>
-          <a:lstStyle/>
-          <a:p>
-            <a:fld id="{D57F1E4F-1CFF-5643-939E-217C01CDF565}" type="slidenum">
-              <a:rPr lang="en-US" smtClean="0"/>
-              <a:pPr/>
-              <a:t>2</a:t>
-            </a:fld>
-            <a:endParaRPr lang="en-US" dirty="0"/>
-          </a:p>
-        </p:txBody>
-      </p:sp>
-      <p:graphicFrame>
-        <p:nvGraphicFramePr>
-          <p:cNvPr id="5" name="Diagram 4">
-            <a:extLst>
-              <a:ext uri="{FF2B5EF4-FFF2-40B4-BE49-F238E27FC236}">
-                <a16:creationId xmlns:a16="http://schemas.microsoft.com/office/drawing/2014/main" id="{F3220D42-CE5E-491B-98FD-975C2BE57521}"/>
-              </a:ext>
-            </a:extLst>
-          </p:cNvPr>
-          <p:cNvGraphicFramePr/>
-          <p:nvPr>
-            <p:extLst>
-              <p:ext uri="{D42A27DB-BD31-4B8C-83A1-F6EECF244321}">
-                <p14:modId xmlns:p14="http://schemas.microsoft.com/office/powerpoint/2010/main" val="2946467629"/>
-              </p:ext>
-            </p:extLst>
-          </p:nvPr>
-        </p:nvGraphicFramePr>
-        <p:xfrm>
-          <a:off x="2423843" y="724958"/>
-          <a:ext cx="8128000" cy="5418667"/>
-        </p:xfrm>
-        <a:graphic>
-          <a:graphicData uri="http://schemas.openxmlformats.org/drawingml/2006/diagram">
-            <dgm:relIds xmlns:dgm="http://schemas.openxmlformats.org/drawingml/2006/diagram" xmlns:r="http://schemas.openxmlformats.org/officeDocument/2006/relationships" r:dm="rId2" r:lo="rId3" r:qs="rId4" r:cs="rId5"/>
-          </a:graphicData>
-        </a:graphic>
-      </p:graphicFrame>
-    </p:spTree>
-    <p:extLst>
-      <p:ext uri="{BB962C8B-B14F-4D97-AF65-F5344CB8AC3E}">
-        <p14:creationId xmlns:p14="http://schemas.microsoft.com/office/powerpoint/2010/main" val="2392951674"/>
       </p:ext>
     </p:extLst>
   </p:cSld>
@@ -18050,7 +22192,7 @@
           <a:p>
             <a:fld id="{BCCEB706-B4FB-4DF7-BDF7-514AEA7F06D0}" type="datetime1">
               <a:rPr lang="en-US" smtClean="0"/>
-              <a:t>2/21/2022</a:t>
+              <a:t>4/11/2022</a:t>
             </a:fld>
             <a:endParaRPr lang="en-US" dirty="0"/>
           </a:p>
@@ -19762,7 +23904,7 @@
           <a:p>
             <a:r>
               <a:rPr lang="de-DE" sz="1350" dirty="0"/>
-              <a:t>Stand: 22.01.22</a:t>
+              <a:t>Stand: 31.03.22</a:t>
             </a:r>
             <a:endParaRPr lang="en-US" sz="1350" dirty="0"/>
           </a:p>
@@ -20549,45 +24691,6 @@
       </p:pic>
       <p:pic>
         <p:nvPicPr>
-          <p:cNvPr id="60" name="Graphic 59" descr="Checkmark with solid fill">
-            <a:extLst>
-              <a:ext uri="{FF2B5EF4-FFF2-40B4-BE49-F238E27FC236}">
-                <a16:creationId xmlns:a16="http://schemas.microsoft.com/office/drawing/2014/main" id="{A887ED38-762A-4826-8E50-BC5043FD21F1}"/>
-              </a:ext>
-            </a:extLst>
-          </p:cNvPr>
-          <p:cNvPicPr>
-            <a:picLocks noChangeAspect="1"/>
-          </p:cNvPicPr>
-          <p:nvPr/>
-        </p:nvPicPr>
-        <p:blipFill>
-          <a:blip r:embed="rId25">
-            <a:extLst>
-              <a:ext uri="{28A0092B-C50C-407E-A947-70E740481C1C}">
-                <a14:useLocalDpi xmlns:a14="http://schemas.microsoft.com/office/drawing/2010/main" val="0"/>
-              </a:ext>
-              <a:ext uri="{96DAC541-7B7A-43D3-8B79-37D633B846F1}">
-                <asvg:svgBlip xmlns:asvg="http://schemas.microsoft.com/office/drawing/2016/SVG/main" r:embed="rId26"/>
-              </a:ext>
-            </a:extLst>
-          </a:blip>
-          <a:stretch>
-            <a:fillRect/>
-          </a:stretch>
-        </p:blipFill>
-        <p:spPr>
-          <a:xfrm>
-            <a:off x="8012852" y="3572682"/>
-            <a:ext cx="307151" cy="307151"/>
-          </a:xfrm>
-          <a:prstGeom prst="rect">
-            <a:avLst/>
-          </a:prstGeom>
-        </p:spPr>
-      </p:pic>
-      <p:pic>
-        <p:nvPicPr>
           <p:cNvPr id="61" name="Graphic 60" descr="Checkmark with solid fill">
             <a:extLst>
               <a:ext uri="{FF2B5EF4-FFF2-40B4-BE49-F238E27FC236}">
@@ -20625,6 +24728,151 @@
           </a:prstGeom>
         </p:spPr>
       </p:pic>
+      <p:pic>
+        <p:nvPicPr>
+          <p:cNvPr id="34" name="Graphic 33" descr="Close with solid fill">
+            <a:extLst>
+              <a:ext uri="{FF2B5EF4-FFF2-40B4-BE49-F238E27FC236}">
+                <a16:creationId xmlns:a16="http://schemas.microsoft.com/office/drawing/2014/main" id="{E98B86D3-2AAA-4120-99D3-797D3A150331}"/>
+              </a:ext>
+            </a:extLst>
+          </p:cNvPr>
+          <p:cNvPicPr>
+            <a:picLocks noChangeAspect="1"/>
+          </p:cNvPicPr>
+          <p:nvPr/>
+        </p:nvPicPr>
+        <p:blipFill>
+          <a:blip r:embed="rId27">
+            <a:extLst>
+              <a:ext uri="{96DAC541-7B7A-43D3-8B79-37D633B846F1}">
+                <asvg:svgBlip xmlns:asvg="http://schemas.microsoft.com/office/drawing/2016/SVG/main" r:embed="rId28"/>
+              </a:ext>
+            </a:extLst>
+          </a:blip>
+          <a:stretch>
+            <a:fillRect/>
+          </a:stretch>
+        </p:blipFill>
+        <p:spPr>
+          <a:xfrm>
+            <a:off x="7975047" y="3532546"/>
+            <a:ext cx="382761" cy="382761"/>
+          </a:xfrm>
+          <a:prstGeom prst="rect">
+            <a:avLst/>
+          </a:prstGeom>
+        </p:spPr>
+      </p:pic>
+      <p:sp>
+        <p:nvSpPr>
+          <p:cNvPr id="35" name="TextBox 34">
+            <a:extLst>
+              <a:ext uri="{FF2B5EF4-FFF2-40B4-BE49-F238E27FC236}">
+                <a16:creationId xmlns:a16="http://schemas.microsoft.com/office/drawing/2014/main" id="{5596008F-3F97-464D-A5A5-0D17959ACABC}"/>
+              </a:ext>
+            </a:extLst>
+          </p:cNvPr>
+          <p:cNvSpPr txBox="1"/>
+          <p:nvPr/>
+        </p:nvSpPr>
+        <p:spPr>
+          <a:xfrm>
+            <a:off x="8792220" y="453820"/>
+            <a:ext cx="3293435" cy="307777"/>
+          </a:xfrm>
+          <a:prstGeom prst="rect">
+            <a:avLst/>
+          </a:prstGeom>
+          <a:noFill/>
+        </p:spPr>
+        <p:txBody>
+          <a:bodyPr wrap="square" rtlCol="0">
+            <a:spAutoFit/>
+          </a:bodyPr>
+          <a:lstStyle/>
+          <a:p>
+            <a:r>
+              <a:rPr lang="de-DE" sz="1400" i="1" dirty="0"/>
+              <a:t>*Good pipeling exists with mikropml</a:t>
+            </a:r>
+          </a:p>
+        </p:txBody>
+      </p:sp>
+      <p:sp>
+        <p:nvSpPr>
+          <p:cNvPr id="64" name="TextBox 63">
+            <a:extLst>
+              <a:ext uri="{FF2B5EF4-FFF2-40B4-BE49-F238E27FC236}">
+                <a16:creationId xmlns:a16="http://schemas.microsoft.com/office/drawing/2014/main" id="{839BB22B-C82B-4BA1-BA74-FC15E3ECF079}"/>
+              </a:ext>
+            </a:extLst>
+          </p:cNvPr>
+          <p:cNvSpPr txBox="1"/>
+          <p:nvPr/>
+        </p:nvSpPr>
+        <p:spPr>
+          <a:xfrm>
+            <a:off x="8155403" y="3378657"/>
+            <a:ext cx="308113" cy="307777"/>
+          </a:xfrm>
+          <a:prstGeom prst="rect">
+            <a:avLst/>
+          </a:prstGeom>
+          <a:noFill/>
+        </p:spPr>
+        <p:txBody>
+          <a:bodyPr wrap="square" rtlCol="0">
+            <a:spAutoFit/>
+          </a:bodyPr>
+          <a:lstStyle/>
+          <a:p>
+            <a:r>
+              <a:rPr lang="de-DE" sz="1400" i="1" dirty="0"/>
+              <a:t>*</a:t>
+            </a:r>
+          </a:p>
+        </p:txBody>
+      </p:sp>
+      <p:pic>
+        <p:nvPicPr>
+          <p:cNvPr id="65" name="Graphic 64" descr="Checkmark with solid fill">
+            <a:extLst>
+              <a:ext uri="{FF2B5EF4-FFF2-40B4-BE49-F238E27FC236}">
+                <a16:creationId xmlns:a16="http://schemas.microsoft.com/office/drawing/2014/main" id="{C52E629F-A72D-4237-BE87-494E938BDE6A}"/>
+              </a:ext>
+            </a:extLst>
+          </p:cNvPr>
+          <p:cNvPicPr>
+            <a:picLocks noChangeAspect="1"/>
+          </p:cNvPicPr>
+          <p:nvPr/>
+        </p:nvPicPr>
+        <p:blipFill>
+          <a:blip r:embed="rId25">
+            <a:extLst>
+              <a:ext uri="{28A0092B-C50C-407E-A947-70E740481C1C}">
+                <a14:useLocalDpi xmlns:a14="http://schemas.microsoft.com/office/drawing/2010/main" val="0"/>
+              </a:ext>
+              <a:ext uri="{96DAC541-7B7A-43D3-8B79-37D633B846F1}">
+                <asvg:svgBlip xmlns:asvg="http://schemas.microsoft.com/office/drawing/2016/SVG/main" r:embed="rId26"/>
+              </a:ext>
+            </a:extLst>
+          </a:blip>
+          <a:stretch>
+            <a:fillRect/>
+          </a:stretch>
+        </p:blipFill>
+        <p:spPr>
+          <a:xfrm>
+            <a:off x="5850237" y="4043735"/>
+            <a:ext cx="307151" cy="307151"/>
+          </a:xfrm>
+          <a:prstGeom prst="rect">
+            <a:avLst/>
+          </a:prstGeom>
+        </p:spPr>
+      </p:pic>
     </p:spTree>
     <p:extLst>
       <p:ext uri="{BB962C8B-B14F-4D97-AF65-F5344CB8AC3E}">
@@ -20685,7 +24933,7 @@
           <a:p>
             <a:r>
               <a:rPr lang="de-DE" sz="1350" dirty="0"/>
-              <a:t>Stand: 14.02.22</a:t>
+              <a:t>Stand: 31.03.22</a:t>
             </a:r>
             <a:endParaRPr lang="en-US" sz="1350" dirty="0"/>
           </a:p>
@@ -20748,7 +24996,7 @@
           <a:p>
             <a:fld id="{7BB4AFEC-4BE7-4504-8846-4BF0CCFD9721}" type="datetime1">
               <a:rPr lang="en-US" smtClean="0"/>
-              <a:t>2/21/2022</a:t>
+              <a:t>4/11/2022</a:t>
             </a:fld>
             <a:endParaRPr lang="en-US" dirty="0"/>
           </a:p>
@@ -20815,10 +25063,10 @@
       </p:sp>
       <p:pic>
         <p:nvPicPr>
-          <p:cNvPr id="8" name="Picture 7">
+          <p:cNvPr id="7" name="Picture 6">
             <a:extLst>
               <a:ext uri="{FF2B5EF4-FFF2-40B4-BE49-F238E27FC236}">
-                <a16:creationId xmlns:a16="http://schemas.microsoft.com/office/drawing/2014/main" id="{38E636D1-857D-409D-8956-4E97FFA7D12B}"/>
+                <a16:creationId xmlns:a16="http://schemas.microsoft.com/office/drawing/2014/main" id="{0F2C4512-AA65-48E7-8ECD-C1D03FB41B82}"/>
               </a:ext>
             </a:extLst>
           </p:cNvPr>
@@ -20835,8 +25083,8 @@
         </p:blipFill>
         <p:spPr>
           <a:xfrm>
-            <a:off x="228600" y="1985712"/>
-            <a:ext cx="11734800" cy="3855720"/>
+            <a:off x="191162" y="1793352"/>
+            <a:ext cx="11932920" cy="4221480"/>
           </a:xfrm>
           <a:prstGeom prst="rect">
             <a:avLst/>
@@ -20878,6 +25126,223 @@
           <p:cNvPr id="2" name="Title 1">
             <a:extLst>
               <a:ext uri="{FF2B5EF4-FFF2-40B4-BE49-F238E27FC236}">
+                <a16:creationId xmlns:a16="http://schemas.microsoft.com/office/drawing/2014/main" id="{1C7E1F4F-614D-4C18-ACED-3D5E4C496F28}"/>
+              </a:ext>
+            </a:extLst>
+          </p:cNvPr>
+          <p:cNvSpPr>
+            <a:spLocks noGrp="1"/>
+          </p:cNvSpPr>
+          <p:nvPr>
+            <p:ph type="title"/>
+          </p:nvPr>
+        </p:nvSpPr>
+        <p:spPr/>
+        <p:txBody>
+          <a:bodyPr/>
+          <a:lstStyle/>
+          <a:p>
+            <a:r>
+              <a:rPr lang="de-DE" dirty="0"/>
+              <a:t>HPC</a:t>
+            </a:r>
+          </a:p>
+        </p:txBody>
+      </p:sp>
+      <p:sp>
+        <p:nvSpPr>
+          <p:cNvPr id="4" name="Date Placeholder 3">
+            <a:extLst>
+              <a:ext uri="{FF2B5EF4-FFF2-40B4-BE49-F238E27FC236}">
+                <a16:creationId xmlns:a16="http://schemas.microsoft.com/office/drawing/2014/main" id="{B604F1FA-59A5-4B2B-870B-F4C974AC844C}"/>
+              </a:ext>
+            </a:extLst>
+          </p:cNvPr>
+          <p:cNvSpPr>
+            <a:spLocks noGrp="1"/>
+          </p:cNvSpPr>
+          <p:nvPr>
+            <p:ph type="dt" sz="half" idx="10"/>
+          </p:nvPr>
+        </p:nvSpPr>
+        <p:spPr/>
+        <p:txBody>
+          <a:bodyPr/>
+          <a:lstStyle/>
+          <a:p>
+            <a:fld id="{36D18B76-5E8B-4456-8722-FC5B14B0F354}" type="datetime1">
+              <a:rPr lang="en-US" smtClean="0"/>
+              <a:pPr/>
+              <a:t>4/11/2022</a:t>
+            </a:fld>
+            <a:endParaRPr lang="en-US" dirty="0"/>
+          </a:p>
+        </p:txBody>
+      </p:sp>
+      <p:sp>
+        <p:nvSpPr>
+          <p:cNvPr id="5" name="Footer Placeholder 4">
+            <a:extLst>
+              <a:ext uri="{FF2B5EF4-FFF2-40B4-BE49-F238E27FC236}">
+                <a16:creationId xmlns:a16="http://schemas.microsoft.com/office/drawing/2014/main" id="{EB64835F-39C0-45A5-8592-92AD5349505F}"/>
+              </a:ext>
+            </a:extLst>
+          </p:cNvPr>
+          <p:cNvSpPr>
+            <a:spLocks noGrp="1"/>
+          </p:cNvSpPr>
+          <p:nvPr>
+            <p:ph type="ftr" sz="quarter" idx="11"/>
+          </p:nvPr>
+        </p:nvSpPr>
+        <p:spPr/>
+        <p:txBody>
+          <a:bodyPr/>
+          <a:lstStyle/>
+          <a:p>
+            <a:r>
+              <a:rPr lang="en-US"/>
+              <a:t>jennifer.neumaier@t-online.de</a:t>
+            </a:r>
+            <a:endParaRPr lang="en-US" dirty="0"/>
+          </a:p>
+        </p:txBody>
+      </p:sp>
+      <p:sp>
+        <p:nvSpPr>
+          <p:cNvPr id="6" name="Slide Number Placeholder 5">
+            <a:extLst>
+              <a:ext uri="{FF2B5EF4-FFF2-40B4-BE49-F238E27FC236}">
+                <a16:creationId xmlns:a16="http://schemas.microsoft.com/office/drawing/2014/main" id="{62407CFC-DB8A-42F0-A4D2-7FA59992E0BB}"/>
+              </a:ext>
+            </a:extLst>
+          </p:cNvPr>
+          <p:cNvSpPr>
+            <a:spLocks noGrp="1"/>
+          </p:cNvSpPr>
+          <p:nvPr>
+            <p:ph type="sldNum" sz="quarter" idx="12"/>
+          </p:nvPr>
+        </p:nvSpPr>
+        <p:spPr/>
+        <p:txBody>
+          <a:bodyPr/>
+          <a:lstStyle/>
+          <a:p>
+            <a:fld id="{D57F1E4F-1CFF-5643-939E-217C01CDF565}" type="slidenum">
+              <a:rPr lang="en-US" smtClean="0"/>
+              <a:pPr/>
+              <a:t>5</a:t>
+            </a:fld>
+            <a:endParaRPr lang="en-US" dirty="0"/>
+          </a:p>
+        </p:txBody>
+      </p:sp>
+      <p:pic>
+        <p:nvPicPr>
+          <p:cNvPr id="8" name="Picture 7" descr="Graphical user interface, application&#10;&#10;Description automatically generated">
+            <a:extLst>
+              <a:ext uri="{FF2B5EF4-FFF2-40B4-BE49-F238E27FC236}">
+                <a16:creationId xmlns:a16="http://schemas.microsoft.com/office/drawing/2014/main" id="{BF55820F-4F3E-41C8-8DC6-59EA5560A852}"/>
+              </a:ext>
+            </a:extLst>
+          </p:cNvPr>
+          <p:cNvPicPr>
+            <a:picLocks noChangeAspect="1"/>
+          </p:cNvPicPr>
+          <p:nvPr/>
+        </p:nvPicPr>
+        <p:blipFill rotWithShape="1">
+          <a:blip r:embed="rId2"/>
+          <a:srcRect t="1597" r="1534"/>
+          <a:stretch/>
+        </p:blipFill>
+        <p:spPr>
+          <a:xfrm>
+            <a:off x="6709770" y="787782"/>
+            <a:ext cx="5288340" cy="5155765"/>
+          </a:xfrm>
+          <a:prstGeom prst="rect">
+            <a:avLst/>
+          </a:prstGeom>
+        </p:spPr>
+      </p:pic>
+      <p:sp>
+        <p:nvSpPr>
+          <p:cNvPr id="10" name="TextBox 9">
+            <a:extLst>
+              <a:ext uri="{FF2B5EF4-FFF2-40B4-BE49-F238E27FC236}">
+                <a16:creationId xmlns:a16="http://schemas.microsoft.com/office/drawing/2014/main" id="{E300D398-D659-49DC-9CBD-3F46ABA42A43}"/>
+              </a:ext>
+            </a:extLst>
+          </p:cNvPr>
+          <p:cNvSpPr txBox="1"/>
+          <p:nvPr/>
+        </p:nvSpPr>
+        <p:spPr>
+          <a:xfrm>
+            <a:off x="1935480" y="2036605"/>
+            <a:ext cx="4521496" cy="923330"/>
+          </a:xfrm>
+          <a:prstGeom prst="rect">
+            <a:avLst/>
+          </a:prstGeom>
+          <a:noFill/>
+        </p:spPr>
+        <p:txBody>
+          <a:bodyPr wrap="square">
+            <a:spAutoFit/>
+          </a:bodyPr>
+          <a:lstStyle/>
+          <a:p>
+            <a:r>
+              <a:rPr lang="de-DE" dirty="0"/>
+              <a:t>VPN:</a:t>
+            </a:r>
+          </a:p>
+          <a:p>
+            <a:r>
+              <a:rPr lang="de-DE" i="1" dirty="0"/>
+              <a:t>https://wiki.ut.ee/pages/viewpage.action?pageId=17105590</a:t>
+            </a:r>
+          </a:p>
+        </p:txBody>
+      </p:sp>
+    </p:spTree>
+    <p:extLst>
+      <p:ext uri="{BB962C8B-B14F-4D97-AF65-F5344CB8AC3E}">
+        <p14:creationId xmlns:p14="http://schemas.microsoft.com/office/powerpoint/2010/main" val="1284101835"/>
+      </p:ext>
+    </p:extLst>
+  </p:cSld>
+  <p:clrMapOvr>
+    <a:masterClrMapping/>
+  </p:clrMapOvr>
+</p:sld>
+</file>
+
+<file path=ppt/slides/slide6.xml><?xml version="1.0" encoding="utf-8"?>
+<p:sld xmlns:a="http://schemas.openxmlformats.org/drawingml/2006/main" xmlns:r="http://schemas.openxmlformats.org/officeDocument/2006/relationships" xmlns:p="http://schemas.openxmlformats.org/presentationml/2006/main">
+  <p:cSld>
+    <p:spTree>
+      <p:nvGrpSpPr>
+        <p:cNvPr id="1" name=""/>
+        <p:cNvGrpSpPr/>
+        <p:nvPr/>
+      </p:nvGrpSpPr>
+      <p:grpSpPr>
+        <a:xfrm>
+          <a:off x="0" y="0"/>
+          <a:ext cx="0" cy="0"/>
+          <a:chOff x="0" y="0"/>
+          <a:chExt cx="0" cy="0"/>
+        </a:xfrm>
+      </p:grpSpPr>
+      <p:sp>
+        <p:nvSpPr>
+          <p:cNvPr id="2" name="Title 1">
+            <a:extLst>
+              <a:ext uri="{FF2B5EF4-FFF2-40B4-BE49-F238E27FC236}">
                 <a16:creationId xmlns:a16="http://schemas.microsoft.com/office/drawing/2014/main" id="{150EAB59-F93C-4B56-AD7E-A9B5BD800221}"/>
               </a:ext>
             </a:extLst>
@@ -20930,7 +25395,7 @@
           <a:p>
             <a:fld id="{1F2A6BD5-D000-45AE-BE81-365EBD12526C}" type="datetime1">
               <a:rPr lang="en-US" smtClean="0"/>
-              <a:t>2/21/2022</a:t>
+              <a:t>4/11/2022</a:t>
             </a:fld>
             <a:endParaRPr lang="en-US" dirty="0"/>
           </a:p>
@@ -20989,7 +25454,7 @@
             <a:fld id="{D57F1E4F-1CFF-5643-939E-217C01CDF565}" type="slidenum">
               <a:rPr lang="en-US" smtClean="0"/>
               <a:pPr/>
-              <a:t>5</a:t>
+              <a:t>6</a:t>
             </a:fld>
             <a:endParaRPr lang="en-US" dirty="0"/>
           </a:p>
@@ -21119,189 +25584,6 @@
 </p:sld>
 </file>
 
-<file path=ppt/slides/slide6.xml><?xml version="1.0" encoding="utf-8"?>
-<p:sld xmlns:a="http://schemas.openxmlformats.org/drawingml/2006/main" xmlns:r="http://schemas.openxmlformats.org/officeDocument/2006/relationships" xmlns:p="http://schemas.openxmlformats.org/presentationml/2006/main">
-  <p:cSld>
-    <p:spTree>
-      <p:nvGrpSpPr>
-        <p:cNvPr id="1" name=""/>
-        <p:cNvGrpSpPr/>
-        <p:nvPr/>
-      </p:nvGrpSpPr>
-      <p:grpSpPr>
-        <a:xfrm>
-          <a:off x="0" y="0"/>
-          <a:ext cx="0" cy="0"/>
-          <a:chOff x="0" y="0"/>
-          <a:chExt cx="0" cy="0"/>
-        </a:xfrm>
-      </p:grpSpPr>
-      <p:sp>
-        <p:nvSpPr>
-          <p:cNvPr id="16" name="Title 15">
-            <a:extLst>
-              <a:ext uri="{FF2B5EF4-FFF2-40B4-BE49-F238E27FC236}">
-                <a16:creationId xmlns:a16="http://schemas.microsoft.com/office/drawing/2014/main" id="{BFD68236-2DF3-4941-ABB4-93B649770EEF}"/>
-              </a:ext>
-            </a:extLst>
-          </p:cNvPr>
-          <p:cNvSpPr>
-            <a:spLocks noGrp="1"/>
-          </p:cNvSpPr>
-          <p:nvPr>
-            <p:ph type="title"/>
-          </p:nvPr>
-        </p:nvSpPr>
-        <p:spPr>
-          <a:xfrm>
-            <a:off x="1640156" y="613274"/>
-            <a:ext cx="8911687" cy="1280890"/>
-          </a:xfrm>
-        </p:spPr>
-        <p:txBody>
-          <a:bodyPr/>
-          <a:lstStyle/>
-          <a:p>
-            <a:r>
-              <a:rPr lang="de-DE" b="1" dirty="0"/>
-              <a:t>Log-Ratio Transformations</a:t>
-            </a:r>
-            <a:endParaRPr lang="en-US" b="1" dirty="0"/>
-          </a:p>
-        </p:txBody>
-      </p:sp>
-      <p:sp>
-        <p:nvSpPr>
-          <p:cNvPr id="8" name="Slide Number Placeholder 7">
-            <a:extLst>
-              <a:ext uri="{FF2B5EF4-FFF2-40B4-BE49-F238E27FC236}">
-                <a16:creationId xmlns:a16="http://schemas.microsoft.com/office/drawing/2014/main" id="{0EDD2C64-4C29-4476-ABF6-96B082C0E166}"/>
-              </a:ext>
-            </a:extLst>
-          </p:cNvPr>
-          <p:cNvSpPr>
-            <a:spLocks noGrp="1"/>
-          </p:cNvSpPr>
-          <p:nvPr>
-            <p:ph type="sldNum" sz="quarter" idx="12"/>
-          </p:nvPr>
-        </p:nvSpPr>
-        <p:spPr/>
-        <p:txBody>
-          <a:bodyPr/>
-          <a:lstStyle/>
-          <a:p>
-            <a:fld id="{D57F1E4F-1CFF-5643-939E-217C01CDF565}" type="slidenum">
-              <a:rPr lang="en-US" smtClean="0"/>
-              <a:pPr/>
-              <a:t>6</a:t>
-            </a:fld>
-            <a:endParaRPr lang="en-US" dirty="0"/>
-          </a:p>
-        </p:txBody>
-      </p:sp>
-      <p:sp>
-        <p:nvSpPr>
-          <p:cNvPr id="17" name="TextBox 16">
-            <a:extLst>
-              <a:ext uri="{FF2B5EF4-FFF2-40B4-BE49-F238E27FC236}">
-                <a16:creationId xmlns:a16="http://schemas.microsoft.com/office/drawing/2014/main" id="{391BB8BD-AFC8-43A6-801D-D06E61729BAE}"/>
-              </a:ext>
-            </a:extLst>
-          </p:cNvPr>
-          <p:cNvSpPr txBox="1"/>
-          <p:nvPr/>
-        </p:nvSpPr>
-        <p:spPr>
-          <a:xfrm>
-            <a:off x="1694844" y="1229380"/>
-            <a:ext cx="1788736" cy="300082"/>
-          </a:xfrm>
-          <a:prstGeom prst="rect">
-            <a:avLst/>
-          </a:prstGeom>
-          <a:noFill/>
-        </p:spPr>
-        <p:txBody>
-          <a:bodyPr wrap="square" rtlCol="0">
-            <a:spAutoFit/>
-          </a:bodyPr>
-          <a:lstStyle/>
-          <a:p>
-            <a:r>
-              <a:rPr lang="de-DE" sz="1350" dirty="0"/>
-              <a:t>Stand: 22.01.22</a:t>
-            </a:r>
-            <a:endParaRPr lang="en-US" sz="1350" dirty="0"/>
-          </a:p>
-        </p:txBody>
-      </p:sp>
-      <p:sp>
-        <p:nvSpPr>
-          <p:cNvPr id="5" name="TextBox 4">
-            <a:extLst>
-              <a:ext uri="{FF2B5EF4-FFF2-40B4-BE49-F238E27FC236}">
-                <a16:creationId xmlns:a16="http://schemas.microsoft.com/office/drawing/2014/main" id="{3433A140-A782-4B43-8154-51F77E0557E9}"/>
-              </a:ext>
-            </a:extLst>
-          </p:cNvPr>
-          <p:cNvSpPr txBox="1"/>
-          <p:nvPr/>
-        </p:nvSpPr>
-        <p:spPr>
-          <a:xfrm>
-            <a:off x="1694844" y="1529462"/>
-            <a:ext cx="4962075" cy="1477328"/>
-          </a:xfrm>
-          <a:prstGeom prst="rect">
-            <a:avLst/>
-          </a:prstGeom>
-          <a:noFill/>
-        </p:spPr>
-        <p:txBody>
-          <a:bodyPr wrap="square" rtlCol="0">
-            <a:spAutoFit/>
-          </a:bodyPr>
-          <a:lstStyle/>
-          <a:p>
-            <a:r>
-              <a:rPr lang="de-DE" dirty="0"/>
-              <a:t>Which ones exist</a:t>
-            </a:r>
-          </a:p>
-          <a:p>
-            <a:r>
-              <a:rPr lang="de-DE" dirty="0"/>
-              <a:t>Characteristics</a:t>
-            </a:r>
-          </a:p>
-          <a:p>
-            <a:r>
-              <a:rPr lang="de-DE" dirty="0"/>
-              <a:t>What are they doing?</a:t>
-            </a:r>
-          </a:p>
-          <a:p>
-            <a:r>
-              <a:rPr lang="de-DE" dirty="0"/>
-              <a:t>Q: do they improve machine learning performances?</a:t>
-            </a:r>
-          </a:p>
-        </p:txBody>
-      </p:sp>
-    </p:spTree>
-    <p:extLst>
-      <p:ext uri="{BB962C8B-B14F-4D97-AF65-F5344CB8AC3E}">
-        <p14:creationId xmlns:p14="http://schemas.microsoft.com/office/powerpoint/2010/main" val="1591942023"/>
-      </p:ext>
-    </p:extLst>
-  </p:cSld>
-  <p:clrMapOvr>
-    <a:masterClrMapping/>
-  </p:clrMapOvr>
-</p:sld>
-</file>
-
 <file path=ppt/slides/slide7.xml><?xml version="1.0" encoding="utf-8"?>
 <p:sld xmlns:a="http://schemas.openxmlformats.org/drawingml/2006/main" xmlns:r="http://schemas.openxmlformats.org/officeDocument/2006/relationships" xmlns:p="http://schemas.openxmlformats.org/presentationml/2006/main">
   <p:cSld>
@@ -21321,10 +25603,10 @@
       </p:grpSpPr>
       <p:sp>
         <p:nvSpPr>
-          <p:cNvPr id="2" name="Title 1">
+          <p:cNvPr id="16" name="Title 15">
             <a:extLst>
               <a:ext uri="{FF2B5EF4-FFF2-40B4-BE49-F238E27FC236}">
-                <a16:creationId xmlns:a16="http://schemas.microsoft.com/office/drawing/2014/main" id="{150EAB59-F93C-4B56-AD7E-A9B5BD800221}"/>
+                <a16:creationId xmlns:a16="http://schemas.microsoft.com/office/drawing/2014/main" id="{BFD68236-2DF3-4941-ABB4-93B649770EEF}"/>
               </a:ext>
             </a:extLst>
           </p:cNvPr>
@@ -21337,7 +25619,7 @@
         </p:nvSpPr>
         <p:spPr>
           <a:xfrm>
-            <a:off x="1702488" y="604117"/>
+            <a:off x="1640156" y="613274"/>
             <a:ext cx="8911687" cy="1280890"/>
           </a:xfrm>
         </p:spPr>
@@ -21347,7 +25629,7 @@
           <a:p>
             <a:r>
               <a:rPr lang="de-DE" b="1" dirty="0"/>
-              <a:t>Machine Learning Approaches</a:t>
+              <a:t>Log-Ratio Transformations</a:t>
             </a:r>
             <a:endParaRPr lang="en-US" b="1" dirty="0"/>
           </a:p>
@@ -21355,68 +25637,10 @@
       </p:sp>
       <p:sp>
         <p:nvSpPr>
-          <p:cNvPr id="3" name="Date Placeholder 2">
+          <p:cNvPr id="8" name="Slide Number Placeholder 7">
             <a:extLst>
               <a:ext uri="{FF2B5EF4-FFF2-40B4-BE49-F238E27FC236}">
-                <a16:creationId xmlns:a16="http://schemas.microsoft.com/office/drawing/2014/main" id="{D5C56A3D-FA67-4204-8A9D-9717BD9645BD}"/>
-              </a:ext>
-            </a:extLst>
-          </p:cNvPr>
-          <p:cNvSpPr>
-            <a:spLocks noGrp="1"/>
-          </p:cNvSpPr>
-          <p:nvPr>
-            <p:ph type="dt" sz="half" idx="10"/>
-          </p:nvPr>
-        </p:nvSpPr>
-        <p:spPr/>
-        <p:txBody>
-          <a:bodyPr/>
-          <a:lstStyle/>
-          <a:p>
-            <a:fld id="{A70B3D3E-FC47-4E47-BC37-6E33025EDD36}" type="datetime1">
-              <a:rPr lang="en-US" smtClean="0"/>
-              <a:t>2/21/2022</a:t>
-            </a:fld>
-            <a:endParaRPr lang="en-US" dirty="0"/>
-          </a:p>
-        </p:txBody>
-      </p:sp>
-      <p:sp>
-        <p:nvSpPr>
-          <p:cNvPr id="5" name="Footer Placeholder 4">
-            <a:extLst>
-              <a:ext uri="{FF2B5EF4-FFF2-40B4-BE49-F238E27FC236}">
-                <a16:creationId xmlns:a16="http://schemas.microsoft.com/office/drawing/2014/main" id="{A2C4EC76-6B75-4A77-8E51-985F9C51AC6B}"/>
-              </a:ext>
-            </a:extLst>
-          </p:cNvPr>
-          <p:cNvSpPr>
-            <a:spLocks noGrp="1"/>
-          </p:cNvSpPr>
-          <p:nvPr>
-            <p:ph type="ftr" sz="quarter" idx="11"/>
-          </p:nvPr>
-        </p:nvSpPr>
-        <p:spPr/>
-        <p:txBody>
-          <a:bodyPr/>
-          <a:lstStyle/>
-          <a:p>
-            <a:r>
-              <a:rPr lang="en-US"/>
-              <a:t>jennifer.neumaier@t-online.de</a:t>
-            </a:r>
-            <a:endParaRPr lang="en-US" dirty="0"/>
-          </a:p>
-        </p:txBody>
-      </p:sp>
-      <p:sp>
-        <p:nvSpPr>
-          <p:cNvPr id="7" name="Slide Number Placeholder 6">
-            <a:extLst>
-              <a:ext uri="{FF2B5EF4-FFF2-40B4-BE49-F238E27FC236}">
-                <a16:creationId xmlns:a16="http://schemas.microsoft.com/office/drawing/2014/main" id="{B8DBAC31-7442-4B6D-A796-BB5AC9873882}"/>
+                <a16:creationId xmlns:a16="http://schemas.microsoft.com/office/drawing/2014/main" id="{0EDD2C64-4C29-4476-ABF6-96B082C0E166}"/>
               </a:ext>
             </a:extLst>
           </p:cNvPr>
@@ -21443,10 +25667,10 @@
       </p:sp>
       <p:sp>
         <p:nvSpPr>
-          <p:cNvPr id="12" name="TextBox 11">
+          <p:cNvPr id="17" name="TextBox 16">
             <a:extLst>
               <a:ext uri="{FF2B5EF4-FFF2-40B4-BE49-F238E27FC236}">
-                <a16:creationId xmlns:a16="http://schemas.microsoft.com/office/drawing/2014/main" id="{71496869-E982-4C1B-84BB-B581D8B02E19}"/>
+                <a16:creationId xmlns:a16="http://schemas.microsoft.com/office/drawing/2014/main" id="{391BB8BD-AFC8-43A6-801D-D06E61729BAE}"/>
               </a:ext>
             </a:extLst>
           </p:cNvPr>
@@ -21455,8 +25679,8 @@
         </p:nvSpPr>
         <p:spPr>
           <a:xfrm>
-            <a:off x="1702488" y="1412504"/>
-            <a:ext cx="4962075" cy="646331"/>
+            <a:off x="1694844" y="1229380"/>
+            <a:ext cx="1788736" cy="300082"/>
           </a:xfrm>
           <a:prstGeom prst="rect">
             <a:avLst/>
@@ -21470,14 +25694,62 @@
           <a:lstStyle/>
           <a:p>
             <a:r>
+              <a:rPr lang="de-DE" sz="1350" dirty="0"/>
+              <a:t>Stand: 22.01.22</a:t>
+            </a:r>
+            <a:endParaRPr lang="en-US" sz="1350" dirty="0"/>
+          </a:p>
+        </p:txBody>
+      </p:sp>
+      <p:sp>
+        <p:nvSpPr>
+          <p:cNvPr id="5" name="TextBox 4">
+            <a:extLst>
+              <a:ext uri="{FF2B5EF4-FFF2-40B4-BE49-F238E27FC236}">
+                <a16:creationId xmlns:a16="http://schemas.microsoft.com/office/drawing/2014/main" id="{3433A140-A782-4B43-8154-51F77E0557E9}"/>
+              </a:ext>
+            </a:extLst>
+          </p:cNvPr>
+          <p:cNvSpPr txBox="1"/>
+          <p:nvPr/>
+        </p:nvSpPr>
+        <p:spPr>
+          <a:xfrm>
+            <a:off x="1694844" y="1529462"/>
+            <a:ext cx="4962075" cy="1477328"/>
+          </a:xfrm>
+          <a:prstGeom prst="rect">
+            <a:avLst/>
+          </a:prstGeom>
+          <a:noFill/>
+        </p:spPr>
+        <p:txBody>
+          <a:bodyPr wrap="square" rtlCol="0">
+            <a:spAutoFit/>
+          </a:bodyPr>
+          <a:lstStyle/>
+          <a:p>
+            <a:r>
               <a:rPr lang="de-DE" dirty="0"/>
-              <a:t>Which ones do we use</a:t>
+              <a:t>Which ones exist</a:t>
             </a:r>
           </a:p>
           <a:p>
             <a:r>
               <a:rPr lang="de-DE" dirty="0"/>
-              <a:t>How do they work?</a:t>
+              <a:t>Characteristics</a:t>
+            </a:r>
+          </a:p>
+          <a:p>
+            <a:r>
+              <a:rPr lang="de-DE" dirty="0"/>
+              <a:t>What are they doing?</a:t>
+            </a:r>
+          </a:p>
+          <a:p>
+            <a:r>
+              <a:rPr lang="de-DE" dirty="0"/>
+              <a:t>Q: do they improve machine learning performances?</a:t>
             </a:r>
           </a:p>
         </p:txBody>
@@ -21485,7 +25757,7 @@
     </p:spTree>
     <p:extLst>
       <p:ext uri="{BB962C8B-B14F-4D97-AF65-F5344CB8AC3E}">
-        <p14:creationId xmlns:p14="http://schemas.microsoft.com/office/powerpoint/2010/main" val="3413697882"/>
+        <p14:creationId xmlns:p14="http://schemas.microsoft.com/office/powerpoint/2010/main" val="1591942023"/>
       </p:ext>
     </p:extLst>
   </p:cSld>
@@ -21514,6 +25786,199 @@
       </p:grpSpPr>
       <p:sp>
         <p:nvSpPr>
+          <p:cNvPr id="2" name="Title 1">
+            <a:extLst>
+              <a:ext uri="{FF2B5EF4-FFF2-40B4-BE49-F238E27FC236}">
+                <a16:creationId xmlns:a16="http://schemas.microsoft.com/office/drawing/2014/main" id="{150EAB59-F93C-4B56-AD7E-A9B5BD800221}"/>
+              </a:ext>
+            </a:extLst>
+          </p:cNvPr>
+          <p:cNvSpPr>
+            <a:spLocks noGrp="1"/>
+          </p:cNvSpPr>
+          <p:nvPr>
+            <p:ph type="title"/>
+          </p:nvPr>
+        </p:nvSpPr>
+        <p:spPr>
+          <a:xfrm>
+            <a:off x="1702488" y="604117"/>
+            <a:ext cx="8911687" cy="1280890"/>
+          </a:xfrm>
+        </p:spPr>
+        <p:txBody>
+          <a:bodyPr/>
+          <a:lstStyle/>
+          <a:p>
+            <a:r>
+              <a:rPr lang="de-DE" b="1" dirty="0"/>
+              <a:t>Machine Learning Approaches</a:t>
+            </a:r>
+            <a:endParaRPr lang="en-US" b="1" dirty="0"/>
+          </a:p>
+        </p:txBody>
+      </p:sp>
+      <p:sp>
+        <p:nvSpPr>
+          <p:cNvPr id="3" name="Date Placeholder 2">
+            <a:extLst>
+              <a:ext uri="{FF2B5EF4-FFF2-40B4-BE49-F238E27FC236}">
+                <a16:creationId xmlns:a16="http://schemas.microsoft.com/office/drawing/2014/main" id="{D5C56A3D-FA67-4204-8A9D-9717BD9645BD}"/>
+              </a:ext>
+            </a:extLst>
+          </p:cNvPr>
+          <p:cNvSpPr>
+            <a:spLocks noGrp="1"/>
+          </p:cNvSpPr>
+          <p:nvPr>
+            <p:ph type="dt" sz="half" idx="10"/>
+          </p:nvPr>
+        </p:nvSpPr>
+        <p:spPr/>
+        <p:txBody>
+          <a:bodyPr/>
+          <a:lstStyle/>
+          <a:p>
+            <a:fld id="{A70B3D3E-FC47-4E47-BC37-6E33025EDD36}" type="datetime1">
+              <a:rPr lang="en-US" smtClean="0"/>
+              <a:t>4/11/2022</a:t>
+            </a:fld>
+            <a:endParaRPr lang="en-US" dirty="0"/>
+          </a:p>
+        </p:txBody>
+      </p:sp>
+      <p:sp>
+        <p:nvSpPr>
+          <p:cNvPr id="5" name="Footer Placeholder 4">
+            <a:extLst>
+              <a:ext uri="{FF2B5EF4-FFF2-40B4-BE49-F238E27FC236}">
+                <a16:creationId xmlns:a16="http://schemas.microsoft.com/office/drawing/2014/main" id="{A2C4EC76-6B75-4A77-8E51-985F9C51AC6B}"/>
+              </a:ext>
+            </a:extLst>
+          </p:cNvPr>
+          <p:cNvSpPr>
+            <a:spLocks noGrp="1"/>
+          </p:cNvSpPr>
+          <p:nvPr>
+            <p:ph type="ftr" sz="quarter" idx="11"/>
+          </p:nvPr>
+        </p:nvSpPr>
+        <p:spPr/>
+        <p:txBody>
+          <a:bodyPr/>
+          <a:lstStyle/>
+          <a:p>
+            <a:r>
+              <a:rPr lang="en-US"/>
+              <a:t>jennifer.neumaier@t-online.de</a:t>
+            </a:r>
+            <a:endParaRPr lang="en-US" dirty="0"/>
+          </a:p>
+        </p:txBody>
+      </p:sp>
+      <p:sp>
+        <p:nvSpPr>
+          <p:cNvPr id="7" name="Slide Number Placeholder 6">
+            <a:extLst>
+              <a:ext uri="{FF2B5EF4-FFF2-40B4-BE49-F238E27FC236}">
+                <a16:creationId xmlns:a16="http://schemas.microsoft.com/office/drawing/2014/main" id="{B8DBAC31-7442-4B6D-A796-BB5AC9873882}"/>
+              </a:ext>
+            </a:extLst>
+          </p:cNvPr>
+          <p:cNvSpPr>
+            <a:spLocks noGrp="1"/>
+          </p:cNvSpPr>
+          <p:nvPr>
+            <p:ph type="sldNum" sz="quarter" idx="12"/>
+          </p:nvPr>
+        </p:nvSpPr>
+        <p:spPr/>
+        <p:txBody>
+          <a:bodyPr/>
+          <a:lstStyle/>
+          <a:p>
+            <a:fld id="{D57F1E4F-1CFF-5643-939E-217C01CDF565}" type="slidenum">
+              <a:rPr lang="en-US" smtClean="0"/>
+              <a:pPr/>
+              <a:t>8</a:t>
+            </a:fld>
+            <a:endParaRPr lang="en-US" dirty="0"/>
+          </a:p>
+        </p:txBody>
+      </p:sp>
+      <p:sp>
+        <p:nvSpPr>
+          <p:cNvPr id="12" name="TextBox 11">
+            <a:extLst>
+              <a:ext uri="{FF2B5EF4-FFF2-40B4-BE49-F238E27FC236}">
+                <a16:creationId xmlns:a16="http://schemas.microsoft.com/office/drawing/2014/main" id="{71496869-E982-4C1B-84BB-B581D8B02E19}"/>
+              </a:ext>
+            </a:extLst>
+          </p:cNvPr>
+          <p:cNvSpPr txBox="1"/>
+          <p:nvPr/>
+        </p:nvSpPr>
+        <p:spPr>
+          <a:xfrm>
+            <a:off x="1702488" y="1412504"/>
+            <a:ext cx="4962075" cy="646331"/>
+          </a:xfrm>
+          <a:prstGeom prst="rect">
+            <a:avLst/>
+          </a:prstGeom>
+          <a:noFill/>
+        </p:spPr>
+        <p:txBody>
+          <a:bodyPr wrap="square" rtlCol="0">
+            <a:spAutoFit/>
+          </a:bodyPr>
+          <a:lstStyle/>
+          <a:p>
+            <a:r>
+              <a:rPr lang="de-DE" dirty="0"/>
+              <a:t>Which ones do we use</a:t>
+            </a:r>
+          </a:p>
+          <a:p>
+            <a:r>
+              <a:rPr lang="de-DE" dirty="0"/>
+              <a:t>How do they work?</a:t>
+            </a:r>
+          </a:p>
+        </p:txBody>
+      </p:sp>
+    </p:spTree>
+    <p:extLst>
+      <p:ext uri="{BB962C8B-B14F-4D97-AF65-F5344CB8AC3E}">
+        <p14:creationId xmlns:p14="http://schemas.microsoft.com/office/powerpoint/2010/main" val="3413697882"/>
+      </p:ext>
+    </p:extLst>
+  </p:cSld>
+  <p:clrMapOvr>
+    <a:masterClrMapping/>
+  </p:clrMapOvr>
+</p:sld>
+</file>
+
+<file path=ppt/slides/slide9.xml><?xml version="1.0" encoding="utf-8"?>
+<p:sld xmlns:a="http://schemas.openxmlformats.org/drawingml/2006/main" xmlns:r="http://schemas.openxmlformats.org/officeDocument/2006/relationships" xmlns:p="http://schemas.openxmlformats.org/presentationml/2006/main">
+  <p:cSld>
+    <p:spTree>
+      <p:nvGrpSpPr>
+        <p:cNvPr id="1" name=""/>
+        <p:cNvGrpSpPr/>
+        <p:nvPr/>
+      </p:nvGrpSpPr>
+      <p:grpSpPr>
+        <a:xfrm>
+          <a:off x="0" y="0"/>
+          <a:ext cx="0" cy="0"/>
+          <a:chOff x="0" y="0"/>
+          <a:chExt cx="0" cy="0"/>
+        </a:xfrm>
+      </p:grpSpPr>
+      <p:sp>
+        <p:nvSpPr>
           <p:cNvPr id="16" name="Title 15">
             <a:extLst>
               <a:ext uri="{FF2B5EF4-FFF2-40B4-BE49-F238E27FC236}">
@@ -21570,7 +26035,7 @@
             <a:fld id="{D57F1E4F-1CFF-5643-939E-217C01CDF565}" type="slidenum">
               <a:rPr lang="en-US" smtClean="0"/>
               <a:pPr/>
-              <a:t>8</a:t>
+              <a:t>9</a:t>
             </a:fld>
             <a:endParaRPr lang="en-US" dirty="0"/>
           </a:p>
@@ -21642,106 +26107,12 @@
           </a:prstGeom>
         </p:spPr>
       </p:pic>
-    </p:spTree>
-    <p:extLst>
-      <p:ext uri="{BB962C8B-B14F-4D97-AF65-F5344CB8AC3E}">
-        <p14:creationId xmlns:p14="http://schemas.microsoft.com/office/powerpoint/2010/main" val="4182655764"/>
-      </p:ext>
-    </p:extLst>
-  </p:cSld>
-  <p:clrMapOvr>
-    <a:masterClrMapping/>
-  </p:clrMapOvr>
-</p:sld>
-</file>
-
-<file path=ppt/slides/slide9.xml><?xml version="1.0" encoding="utf-8"?>
-<p:sld xmlns:a="http://schemas.openxmlformats.org/drawingml/2006/main" xmlns:r="http://schemas.openxmlformats.org/officeDocument/2006/relationships" xmlns:p="http://schemas.openxmlformats.org/presentationml/2006/main">
-  <p:cSld>
-    <p:spTree>
-      <p:nvGrpSpPr>
-        <p:cNvPr id="1" name=""/>
-        <p:cNvGrpSpPr/>
-        <p:nvPr/>
-      </p:nvGrpSpPr>
-      <p:grpSpPr>
-        <a:xfrm>
-          <a:off x="0" y="0"/>
-          <a:ext cx="0" cy="0"/>
-          <a:chOff x="0" y="0"/>
-          <a:chExt cx="0" cy="0"/>
-        </a:xfrm>
-      </p:grpSpPr>
-      <p:sp>
-        <p:nvSpPr>
-          <p:cNvPr id="16" name="Title 15">
+      <p:sp>
+        <p:nvSpPr>
+          <p:cNvPr id="2" name="TextBox 1">
             <a:extLst>
               <a:ext uri="{FF2B5EF4-FFF2-40B4-BE49-F238E27FC236}">
-                <a16:creationId xmlns:a16="http://schemas.microsoft.com/office/drawing/2014/main" id="{BFD68236-2DF3-4941-ABB4-93B649770EEF}"/>
-              </a:ext>
-            </a:extLst>
-          </p:cNvPr>
-          <p:cNvSpPr>
-            <a:spLocks noGrp="1"/>
-          </p:cNvSpPr>
-          <p:nvPr>
-            <p:ph type="title"/>
-          </p:nvPr>
-        </p:nvSpPr>
-        <p:spPr>
-          <a:xfrm>
-            <a:off x="1640156" y="613274"/>
-            <a:ext cx="8911687" cy="1280890"/>
-          </a:xfrm>
-        </p:spPr>
-        <p:txBody>
-          <a:bodyPr/>
-          <a:lstStyle/>
-          <a:p>
-            <a:r>
-              <a:rPr lang="de-DE" b="1" i="1" dirty="0"/>
-              <a:t>CoDaCoRe</a:t>
-            </a:r>
-            <a:endParaRPr lang="en-US" b="1" i="1" dirty="0"/>
-          </a:p>
-        </p:txBody>
-      </p:sp>
-      <p:sp>
-        <p:nvSpPr>
-          <p:cNvPr id="8" name="Slide Number Placeholder 7">
-            <a:extLst>
-              <a:ext uri="{FF2B5EF4-FFF2-40B4-BE49-F238E27FC236}">
-                <a16:creationId xmlns:a16="http://schemas.microsoft.com/office/drawing/2014/main" id="{0EDD2C64-4C29-4476-ABF6-96B082C0E166}"/>
-              </a:ext>
-            </a:extLst>
-          </p:cNvPr>
-          <p:cNvSpPr>
-            <a:spLocks noGrp="1"/>
-          </p:cNvSpPr>
-          <p:nvPr>
-            <p:ph type="sldNum" sz="quarter" idx="12"/>
-          </p:nvPr>
-        </p:nvSpPr>
-        <p:spPr/>
-        <p:txBody>
-          <a:bodyPr/>
-          <a:lstStyle/>
-          <a:p>
-            <a:fld id="{D57F1E4F-1CFF-5643-939E-217C01CDF565}" type="slidenum">
-              <a:rPr lang="en-US" smtClean="0"/>
-              <a:pPr/>
-              <a:t>9</a:t>
-            </a:fld>
-            <a:endParaRPr lang="en-US" dirty="0"/>
-          </a:p>
-        </p:txBody>
-      </p:sp>
-      <p:sp>
-        <p:nvSpPr>
-          <p:cNvPr id="17" name="TextBox 16">
-            <a:extLst>
-              <a:ext uri="{FF2B5EF4-FFF2-40B4-BE49-F238E27FC236}">
-                <a16:creationId xmlns:a16="http://schemas.microsoft.com/office/drawing/2014/main" id="{391BB8BD-AFC8-43A6-801D-D06E61729BAE}"/>
+                <a16:creationId xmlns:a16="http://schemas.microsoft.com/office/drawing/2014/main" id="{5CA71858-F2F5-47D7-A96C-350DD764A8F1}"/>
               </a:ext>
             </a:extLst>
           </p:cNvPr>
@@ -21750,8 +26121,8 @@
         </p:nvSpPr>
         <p:spPr>
           <a:xfrm>
-            <a:off x="1694844" y="1229380"/>
-            <a:ext cx="1788736" cy="300082"/>
+            <a:off x="2679405" y="3429000"/>
+            <a:ext cx="7210679" cy="2308324"/>
           </a:xfrm>
           <a:prstGeom prst="rect">
             <a:avLst/>
@@ -21765,47 +26136,56 @@
           <a:lstStyle/>
           <a:p>
             <a:r>
-              <a:rPr lang="de-DE" sz="1350" dirty="0"/>
-              <a:t>Stand: 22.01.22</a:t>
-            </a:r>
-            <a:endParaRPr lang="en-US" sz="1350" dirty="0"/>
-          </a:p>
-        </p:txBody>
-      </p:sp>
-      <p:pic>
-        <p:nvPicPr>
-          <p:cNvPr id="5" name="Picture 4">
-            <a:extLst>
-              <a:ext uri="{FF2B5EF4-FFF2-40B4-BE49-F238E27FC236}">
-                <a16:creationId xmlns:a16="http://schemas.microsoft.com/office/drawing/2014/main" id="{3F380F45-35B2-4D81-96B0-1E4153265EBE}"/>
-              </a:ext>
-            </a:extLst>
-          </p:cNvPr>
-          <p:cNvPicPr>
-            <a:picLocks noChangeAspect="1"/>
-          </p:cNvPicPr>
-          <p:nvPr/>
-        </p:nvPicPr>
-        <p:blipFill>
-          <a:blip r:embed="rId2"/>
-          <a:stretch>
-            <a:fillRect/>
-          </a:stretch>
-        </p:blipFill>
-        <p:spPr>
-          <a:xfrm>
-            <a:off x="1640156" y="1722983"/>
-            <a:ext cx="6760556" cy="1574574"/>
-          </a:xfrm>
-          <a:prstGeom prst="rect">
-            <a:avLst/>
-          </a:prstGeom>
-        </p:spPr>
-      </p:pic>
+              <a:rPr lang="de-DE" dirty="0"/>
+              <a:t>First thoughts:</a:t>
+            </a:r>
+          </a:p>
+          <a:p>
+            <a:pPr marL="285750" indent="-285750">
+              <a:buFontTx/>
+              <a:buChar char="-"/>
+            </a:pPr>
+            <a:r>
+              <a:rPr lang="de-DE" dirty="0"/>
+              <a:t>Imputes itself -&gt; no control over it</a:t>
+            </a:r>
+          </a:p>
+          <a:p>
+            <a:pPr marL="285750" indent="-285750">
+              <a:buFontTx/>
+              <a:buChar char="-"/>
+            </a:pPr>
+            <a:r>
+              <a:rPr lang="de-DE" dirty="0"/>
+              <a:t>Cannot handle negative values -&gt; cannot feed it transformed values (or not without adding an extra scaling step)</a:t>
+            </a:r>
+          </a:p>
+          <a:p>
+            <a:pPr marL="285750" indent="-285750">
+              <a:buFontTx/>
+              <a:buChar char="-"/>
+            </a:pPr>
+            <a:r>
+              <a:rPr lang="de-DE" dirty="0"/>
+              <a:t>Classes need to be converted to binary</a:t>
+            </a:r>
+          </a:p>
+          <a:p>
+            <a:pPr marL="285750" indent="-285750">
+              <a:buFontTx/>
+              <a:buChar char="-"/>
+            </a:pPr>
+            <a:r>
+              <a:rPr lang="de-DE" dirty="0"/>
+              <a:t>Takes a long time to process -&gt; a lot longer than glmnet (exact time measurement?)</a:t>
+            </a:r>
+          </a:p>
+        </p:txBody>
+      </p:sp>
     </p:spTree>
     <p:extLst>
       <p:ext uri="{BB962C8B-B14F-4D97-AF65-F5344CB8AC3E}">
-        <p14:creationId xmlns:p14="http://schemas.microsoft.com/office/powerpoint/2010/main" val="3994840978"/>
+        <p14:creationId xmlns:p14="http://schemas.microsoft.com/office/powerpoint/2010/main" val="4182655764"/>
       </p:ext>
     </p:extLst>
   </p:cSld>

--- a/doc/Project_structure_notes.pptx
+++ b/doc/Project_structure_notes.pptx
@@ -5,7 +5,7 @@
     <p:sldMasterId id="2147483702" r:id="rId1"/>
   </p:sldMasterIdLst>
   <p:notesMasterIdLst>
-    <p:notesMasterId r:id="rId31"/>
+    <p:notesMasterId r:id="rId32"/>
   </p:notesMasterIdLst>
   <p:sldIdLst>
     <p:sldId id="256" r:id="rId2"/>
@@ -24,19 +24,20 @@
     <p:sldId id="281" r:id="rId15"/>
     <p:sldId id="282" r:id="rId16"/>
     <p:sldId id="283" r:id="rId17"/>
-    <p:sldId id="286" r:id="rId18"/>
-    <p:sldId id="288" r:id="rId19"/>
-    <p:sldId id="287" r:id="rId20"/>
-    <p:sldId id="277" r:id="rId21"/>
-    <p:sldId id="279" r:id="rId22"/>
-    <p:sldId id="278" r:id="rId23"/>
-    <p:sldId id="269" r:id="rId24"/>
-    <p:sldId id="263" r:id="rId25"/>
-    <p:sldId id="258" r:id="rId26"/>
-    <p:sldId id="270" r:id="rId27"/>
-    <p:sldId id="284" r:id="rId28"/>
-    <p:sldId id="257" r:id="rId29"/>
-    <p:sldId id="268" r:id="rId30"/>
+    <p:sldId id="290" r:id="rId18"/>
+    <p:sldId id="286" r:id="rId19"/>
+    <p:sldId id="288" r:id="rId20"/>
+    <p:sldId id="289" r:id="rId21"/>
+    <p:sldId id="277" r:id="rId22"/>
+    <p:sldId id="279" r:id="rId23"/>
+    <p:sldId id="278" r:id="rId24"/>
+    <p:sldId id="269" r:id="rId25"/>
+    <p:sldId id="263" r:id="rId26"/>
+    <p:sldId id="258" r:id="rId27"/>
+    <p:sldId id="270" r:id="rId28"/>
+    <p:sldId id="284" r:id="rId29"/>
+    <p:sldId id="257" r:id="rId30"/>
+    <p:sldId id="268" r:id="rId31"/>
   </p:sldIdLst>
   <p:sldSz cx="12192000" cy="6858000"/>
   <p:notesSz cx="6858000" cy="9144000"/>
@@ -162,19 +163,16 @@
             <p14:sldId id="276"/>
           </p14:sldIdLst>
         </p14:section>
-        <p14:section name="leaky pre-processing" id="{F8E6AF8F-3C53-41C9-8FE5-0CD2B05328EF}">
+        <p14:section name="model comparison" id="{F8E6AF8F-3C53-41C9-8FE5-0CD2B05328EF}">
           <p14:sldIdLst>
             <p14:sldId id="280"/>
             <p14:sldId id="281"/>
             <p14:sldId id="282"/>
             <p14:sldId id="283"/>
+            <p14:sldId id="290"/>
             <p14:sldId id="286"/>
             <p14:sldId id="288"/>
-          </p14:sldIdLst>
-        </p14:section>
-        <p14:section name="pre-processing after data split" id="{956FAA02-4F2B-4384-873F-9E12E914F225}">
-          <p14:sldIdLst>
-            <p14:sldId id="287"/>
+            <p14:sldId id="289"/>
           </p14:sldIdLst>
         </p14:section>
         <p14:section name="Notes" id="{BD5F37D2-34EC-4962-982B-3F5187946EDA}">
@@ -7184,7 +7182,7 @@
           <a:p>
             <a:fld id="{0D3712C0-BD94-4EDD-81B8-404EF18DF498}" type="datetimeFigureOut">
               <a:rPr lang="en-US" smtClean="0"/>
-              <a:t>4/11/2022</a:t>
+              <a:t>4/14/2022</a:t>
             </a:fld>
             <a:endParaRPr lang="en-US"/>
           </a:p>
@@ -7639,7 +7637,7 @@
           <a:p>
             <a:fld id="{843A20DD-8926-4B91-8D72-D1DC7F5C31EF}" type="datetime1">
               <a:rPr lang="en-US" smtClean="0"/>
-              <a:t>4/11/2022</a:t>
+              <a:t>4/14/2022</a:t>
             </a:fld>
             <a:endParaRPr lang="en-US" dirty="0"/>
           </a:p>
@@ -7982,7 +7980,7 @@
           <a:p>
             <a:fld id="{D2DD2B10-BCB9-40E5-8141-F17001376370}" type="datetime1">
               <a:rPr lang="en-US" smtClean="0"/>
-              <a:t>4/11/2022</a:t>
+              <a:t>4/14/2022</a:t>
             </a:fld>
             <a:endParaRPr lang="en-US" dirty="0"/>
           </a:p>
@@ -8388,7 +8386,7 @@
           <a:p>
             <a:fld id="{927FFA6D-4E8C-437E-BCA1-3CF73EB8B252}" type="datetime1">
               <a:rPr lang="en-US" smtClean="0"/>
-              <a:t>4/11/2022</a:t>
+              <a:t>4/14/2022</a:t>
             </a:fld>
             <a:endParaRPr lang="en-US" dirty="0"/>
           </a:p>
@@ -8729,7 +8727,7 @@
           <a:p>
             <a:fld id="{A2C7F92B-2A35-4C09-8346-C40AAA997302}" type="datetime1">
               <a:rPr lang="en-US" smtClean="0"/>
-              <a:t>4/11/2022</a:t>
+              <a:t>4/14/2022</a:t>
             </a:fld>
             <a:endParaRPr lang="en-US" dirty="0"/>
           </a:p>
@@ -9055,7 +9053,7 @@
           <a:p>
             <a:fld id="{A2C7F92B-2A35-4C09-8346-C40AAA997302}" type="datetime1">
               <a:rPr lang="en-US" smtClean="0"/>
-              <a:t>4/11/2022</a:t>
+              <a:t>4/14/2022</a:t>
             </a:fld>
             <a:endParaRPr lang="en-US" dirty="0"/>
           </a:p>
@@ -9457,7 +9455,7 @@
           <a:p>
             <a:fld id="{A2C7F92B-2A35-4C09-8346-C40AAA997302}" type="datetime1">
               <a:rPr lang="en-US" smtClean="0"/>
-              <a:t>4/11/2022</a:t>
+              <a:t>4/14/2022</a:t>
             </a:fld>
             <a:endParaRPr lang="en-US" dirty="0"/>
           </a:p>
@@ -9720,7 +9718,7 @@
           <a:p>
             <a:fld id="{8A427DC1-41D9-41ED-AAB7-DF919DFB0B7D}" type="datetime1">
               <a:rPr lang="en-US" smtClean="0"/>
-              <a:t>4/11/2022</a:t>
+              <a:t>4/14/2022</a:t>
             </a:fld>
             <a:endParaRPr lang="en-US" dirty="0"/>
           </a:p>
@@ -9987,7 +9985,7 @@
           <a:p>
             <a:fld id="{49530F64-B6F9-41E5-8499-9B56B7F93996}" type="datetime1">
               <a:rPr lang="en-US" smtClean="0"/>
-              <a:t>4/11/2022</a:t>
+              <a:t>4/14/2022</a:t>
             </a:fld>
             <a:endParaRPr lang="en-US" dirty="0"/>
           </a:p>
@@ -10258,7 +10256,7 @@
             <a:fld id="{36D18B76-5E8B-4456-8722-FC5B14B0F354}" type="datetime1">
               <a:rPr lang="en-US" smtClean="0"/>
               <a:pPr/>
-              <a:t>4/11/2022</a:t>
+              <a:t>4/14/2022</a:t>
             </a:fld>
             <a:endParaRPr lang="en-US" dirty="0"/>
           </a:p>
@@ -10596,7 +10594,7 @@
           <a:p>
             <a:fld id="{3E914A3D-A565-477F-8682-1AE6EFE36557}" type="datetime1">
               <a:rPr lang="en-US" smtClean="0"/>
-              <a:t>4/11/2022</a:t>
+              <a:t>4/14/2022</a:t>
             </a:fld>
             <a:endParaRPr lang="en-US" dirty="0"/>
           </a:p>
@@ -10924,7 +10922,7 @@
           <a:p>
             <a:fld id="{D45A6A21-0914-4A46-BCF1-163E9A00E688}" type="datetime1">
               <a:rPr lang="en-US" smtClean="0"/>
-              <a:t>4/11/2022</a:t>
+              <a:t>4/14/2022</a:t>
             </a:fld>
             <a:endParaRPr lang="en-US" dirty="0"/>
           </a:p>
@@ -11386,7 +11384,7 @@
           <a:p>
             <a:fld id="{6BDD7FCB-B1A7-4982-8C8B-674E644B14B0}" type="datetime1">
               <a:rPr lang="en-US" smtClean="0"/>
-              <a:t>4/11/2022</a:t>
+              <a:t>4/14/2022</a:t>
             </a:fld>
             <a:endParaRPr lang="en-US" dirty="0"/>
           </a:p>
@@ -11606,7 +11604,7 @@
             <a:fld id="{4C731089-17FC-4C04-87B1-2157F67F0117}" type="datetime1">
               <a:rPr lang="en-US" smtClean="0"/>
               <a:pPr/>
-              <a:t>4/11/2022</a:t>
+              <a:t>4/14/2022</a:t>
             </a:fld>
             <a:endParaRPr lang="en-US" dirty="0"/>
           </a:p>
@@ -11792,7 +11790,7 @@
           <a:p>
             <a:fld id="{1278D66F-D6E5-4434-B311-7DA25CA81F5A}" type="datetime1">
               <a:rPr lang="en-US" smtClean="0"/>
-              <a:t>4/11/2022</a:t>
+              <a:t>4/14/2022</a:t>
             </a:fld>
             <a:endParaRPr lang="en-US" dirty="0"/>
           </a:p>
@@ -12130,7 +12128,7 @@
           <a:p>
             <a:fld id="{2253374B-0B0C-42C0-A0DF-1550CE3AA116}" type="datetime1">
               <a:rPr lang="en-US" smtClean="0"/>
-              <a:t>4/11/2022</a:t>
+              <a:t>4/14/2022</a:t>
             </a:fld>
             <a:endParaRPr lang="en-US" dirty="0"/>
           </a:p>
@@ -12480,7 +12478,7 @@
           <a:p>
             <a:fld id="{F589A7BC-DDDD-4FB0-A8E7-5046A2EF84B8}" type="datetime1">
               <a:rPr lang="en-US" smtClean="0"/>
-              <a:t>4/11/2022</a:t>
+              <a:t>4/14/2022</a:t>
             </a:fld>
             <a:endParaRPr lang="en-US" dirty="0"/>
           </a:p>
@@ -14602,7 +14600,7 @@
           <a:p>
             <a:fld id="{A2C7F92B-2A35-4C09-8346-C40AAA997302}" type="datetime1">
               <a:rPr lang="en-US" smtClean="0"/>
-              <a:t>4/11/2022</a:t>
+              <a:t>4/14/2022</a:t>
             </a:fld>
             <a:endParaRPr lang="en-US" dirty="0"/>
           </a:p>
@@ -15220,7 +15218,7 @@
           <a:p>
             <a:fld id="{EFFFF5E6-438B-4B86-AF1B-DB82D6C33C1C}" type="datetime1">
               <a:rPr lang="en-US" smtClean="0"/>
-              <a:t>4/11/2022</a:t>
+              <a:t>4/14/2022</a:t>
             </a:fld>
             <a:endParaRPr lang="en-US" dirty="0"/>
           </a:p>
@@ -15590,7 +15588,7 @@
             <a:fld id="{36D18B76-5E8B-4456-8722-FC5B14B0F354}" type="datetime1">
               <a:rPr lang="en-US" smtClean="0"/>
               <a:pPr/>
-              <a:t>4/11/2022</a:t>
+              <a:t>4/14/2022</a:t>
             </a:fld>
             <a:endParaRPr lang="en-US" dirty="0"/>
           </a:p>
@@ -16718,7 +16716,7 @@
             <a:fld id="{36D18B76-5E8B-4456-8722-FC5B14B0F354}" type="datetime1">
               <a:rPr lang="en-US" smtClean="0"/>
               <a:pPr/>
-              <a:t>4/11/2022</a:t>
+              <a:t>4/14/2022</a:t>
             </a:fld>
             <a:endParaRPr lang="en-US" dirty="0"/>
           </a:p>
@@ -18690,38 +18688,9 @@
           <a:p>
             <a:r>
               <a:rPr lang="de-DE" sz="3200" b="1" dirty="0"/>
-              <a:t>PCOS classification and same initial split</a:t>
+              <a:t>mikropml</a:t>
             </a:r>
             <a:endParaRPr lang="en-US" sz="3200" b="1" dirty="0"/>
-          </a:p>
-        </p:txBody>
-      </p:sp>
-      <p:sp>
-        <p:nvSpPr>
-          <p:cNvPr id="5" name="Footer Placeholder 4">
-            <a:extLst>
-              <a:ext uri="{FF2B5EF4-FFF2-40B4-BE49-F238E27FC236}">
-                <a16:creationId xmlns:a16="http://schemas.microsoft.com/office/drawing/2014/main" id="{707C4F70-832A-416B-9491-EE86347B2812}"/>
-              </a:ext>
-            </a:extLst>
-          </p:cNvPr>
-          <p:cNvSpPr>
-            <a:spLocks noGrp="1"/>
-          </p:cNvSpPr>
-          <p:nvPr>
-            <p:ph type="ftr" sz="quarter" idx="11"/>
-          </p:nvPr>
-        </p:nvSpPr>
-        <p:spPr/>
-        <p:txBody>
-          <a:bodyPr/>
-          <a:lstStyle/>
-          <a:p>
-            <a:r>
-              <a:rPr lang="en-US"/>
-              <a:t>jennifer.neumaier@t-online.de</a:t>
-            </a:r>
-            <a:endParaRPr lang="en-US" dirty="0"/>
           </a:p>
         </p:txBody>
       </p:sp>
@@ -18755,80 +18724,195 @@
           </a:p>
         </p:txBody>
       </p:sp>
-      <p:pic>
-        <p:nvPicPr>
-          <p:cNvPr id="4" name="Picture 3" descr="Chart, waterfall chart&#10;&#10;Description automatically generated">
+      <p:sp>
+        <p:nvSpPr>
+          <p:cNvPr id="8" name="TextBox 7">
             <a:extLst>
               <a:ext uri="{FF2B5EF4-FFF2-40B4-BE49-F238E27FC236}">
-                <a16:creationId xmlns:a16="http://schemas.microsoft.com/office/drawing/2014/main" id="{C3A6AC56-832C-4791-9A1D-AEB11862F986}"/>
+                <a16:creationId xmlns:a16="http://schemas.microsoft.com/office/drawing/2014/main" id="{C9FAD4F5-81D5-4890-8BB5-F06C93EDD254}"/>
               </a:ext>
             </a:extLst>
           </p:cNvPr>
-          <p:cNvPicPr>
-            <a:picLocks noChangeAspect="1"/>
-          </p:cNvPicPr>
+          <p:cNvSpPr txBox="1"/>
           <p:nvPr/>
-        </p:nvPicPr>
-        <p:blipFill>
-          <a:blip r:embed="rId2"/>
-          <a:stretch>
-            <a:fillRect/>
-          </a:stretch>
-        </p:blipFill>
+        </p:nvSpPr>
         <p:spPr>
           <a:xfrm>
-            <a:off x="6314150" y="1397132"/>
-            <a:ext cx="5741443" cy="4921237"/>
+            <a:off x="1392866" y="1268569"/>
+            <a:ext cx="8753253" cy="5509200"/>
           </a:xfrm>
           <a:prstGeom prst="rect">
             <a:avLst/>
           </a:prstGeom>
-          <a:ln>
-            <a:solidFill>
-              <a:schemeClr val="tx1"/>
-            </a:solidFill>
-          </a:ln>
+          <a:noFill/>
         </p:spPr>
-      </p:pic>
-      <p:pic>
-        <p:nvPicPr>
-          <p:cNvPr id="11" name="Picture 10" descr="Chart, box and whisker chart&#10;&#10;Description automatically generated">
-            <a:extLst>
-              <a:ext uri="{FF2B5EF4-FFF2-40B4-BE49-F238E27FC236}">
-                <a16:creationId xmlns:a16="http://schemas.microsoft.com/office/drawing/2014/main" id="{9484F83E-5812-45BD-83BB-3A78DCE4FE6A}"/>
-              </a:ext>
-            </a:extLst>
-          </p:cNvPr>
-          <p:cNvPicPr>
-            <a:picLocks noChangeAspect="1"/>
-          </p:cNvPicPr>
-          <p:nvPr/>
-        </p:nvPicPr>
-        <p:blipFill>
-          <a:blip r:embed="rId3"/>
-          <a:stretch>
-            <a:fillRect/>
-          </a:stretch>
-        </p:blipFill>
-        <p:spPr>
-          <a:xfrm>
-            <a:off x="408418" y="1397132"/>
-            <a:ext cx="5741443" cy="4921237"/>
-          </a:xfrm>
-          <a:prstGeom prst="rect">
-            <a:avLst/>
-          </a:prstGeom>
-          <a:ln>
-            <a:solidFill>
-              <a:schemeClr val="tx1"/>
-            </a:solidFill>
-          </a:ln>
-        </p:spPr>
-      </p:pic>
+        <p:txBody>
+          <a:bodyPr wrap="square">
+            <a:spAutoFit/>
+          </a:bodyPr>
+          <a:lstStyle/>
+          <a:p>
+            <a:r>
+              <a:rPr lang="de-DE" sz="1100" dirty="0"/>
+              <a:t>Testing out mikropml as it already has a function run_ml() that incorporates nested cross-validation for several standard supervised machine learning models:</a:t>
+            </a:r>
+          </a:p>
+          <a:p>
+            <a:endParaRPr lang="de-DE" sz="1100" dirty="0"/>
+          </a:p>
+          <a:p>
+            <a:r>
+              <a:rPr lang="de-DE" sz="1100" dirty="0"/>
+              <a:t>    Logistic/multiclass/linear regression ("glmnet")</a:t>
+            </a:r>
+          </a:p>
+          <a:p>
+            <a:r>
+              <a:rPr lang="de-DE" sz="1100" dirty="0"/>
+              <a:t>    Random forest ("rf")</a:t>
+            </a:r>
+          </a:p>
+          <a:p>
+            <a:r>
+              <a:rPr lang="de-DE" sz="1100" dirty="0"/>
+              <a:t>    Decision tree ("rpart2")</a:t>
+            </a:r>
+          </a:p>
+          <a:p>
+            <a:r>
+              <a:rPr lang="de-DE" sz="1100" dirty="0"/>
+              <a:t>    Support vector machine with a radial basis kernel ("svmRadial")</a:t>
+            </a:r>
+          </a:p>
+          <a:p>
+            <a:r>
+              <a:rPr lang="de-DE" sz="1100" dirty="0"/>
+              <a:t>    xgboost ("xgbTree")</a:t>
+            </a:r>
+          </a:p>
+          <a:p>
+            <a:endParaRPr lang="de-DE" sz="1100" dirty="0"/>
+          </a:p>
+          <a:p>
+            <a:r>
+              <a:rPr lang="de-DE" sz="1100" dirty="0"/>
+              <a:t>Test it here for linear regression and xgboost.</a:t>
+            </a:r>
+          </a:p>
+          <a:p>
+            <a:r>
+              <a:rPr lang="de-DE" sz="1100" dirty="0"/>
+              <a:t>Function run_ml has several parameters:</a:t>
+            </a:r>
+          </a:p>
+          <a:p>
+            <a:r>
+              <a:rPr lang="de-DE" sz="1100" dirty="0"/>
+              <a:t>           dataset,</a:t>
+            </a:r>
+          </a:p>
+          <a:p>
+            <a:r>
+              <a:rPr lang="de-DE" sz="1100" dirty="0"/>
+              <a:t>           method,</a:t>
+            </a:r>
+          </a:p>
+          <a:p>
+            <a:r>
+              <a:rPr lang="de-DE" sz="1100" dirty="0"/>
+              <a:t>           outcome_colname = NULL, (standardized the first column)</a:t>
+            </a:r>
+          </a:p>
+          <a:p>
+            <a:r>
+              <a:rPr lang="de-DE" sz="1100" dirty="0"/>
+              <a:t>           hyperparameters = NULL,</a:t>
+            </a:r>
+          </a:p>
+          <a:p>
+            <a:r>
+              <a:rPr lang="de-DE" sz="1100" dirty="0"/>
+              <a:t>           find_feature_importance = FALSE, (`TRUE` is recommended if you would like to identify features important for predicting your                                                outcome, but it is resource-intensive.</a:t>
+            </a:r>
+          </a:p>
+          <a:p>
+            <a:r>
+              <a:rPr lang="de-DE" sz="1100" dirty="0"/>
+              <a:t>           calculate_performance = TRUE,</a:t>
+            </a:r>
+          </a:p>
+          <a:p>
+            <a:r>
+              <a:rPr lang="de-DE" sz="1100" dirty="0"/>
+              <a:t>           kfold = 5, (standard at 5)</a:t>
+            </a:r>
+          </a:p>
+          <a:p>
+            <a:r>
+              <a:rPr lang="de-DE" sz="1100" dirty="0"/>
+              <a:t>           cv_times = 100, (standard at 100)</a:t>
+            </a:r>
+          </a:p>
+          <a:p>
+            <a:r>
+              <a:rPr lang="de-DE" sz="1100" dirty="0"/>
+              <a:t>           cross_val = NULL, (cross_val a custom cross-validation scheme from `caret::trainControl()` (default: `NULL`, uses `kfold` cross                              validation repeated `cv_times`). `kfold` and `cv_times` are ignored if the user provides a custom                                          cross-validation scheme.)</a:t>
+            </a:r>
+          </a:p>
+          <a:p>
+            <a:r>
+              <a:rPr lang="de-DE" sz="1100" dirty="0"/>
+              <a:t>           training_frac = 0.8, (standard at 0.8)</a:t>
+            </a:r>
+          </a:p>
+          <a:p>
+            <a:r>
+              <a:rPr lang="de-DE" sz="1100" dirty="0"/>
+              <a:t>           perf_metric_function = NULL,</a:t>
+            </a:r>
+          </a:p>
+          <a:p>
+            <a:r>
+              <a:rPr lang="de-DE" sz="1100" dirty="0"/>
+              <a:t>           perf_metric_name = NULL,</a:t>
+            </a:r>
+          </a:p>
+          <a:p>
+            <a:r>
+              <a:rPr lang="de-DE" sz="1100" dirty="0"/>
+              <a:t>           groups = NULL,</a:t>
+            </a:r>
+          </a:p>
+          <a:p>
+            <a:r>
+              <a:rPr lang="de-DE" sz="1100" dirty="0"/>
+              <a:t>           group_partitions = NULL,</a:t>
+            </a:r>
+          </a:p>
+          <a:p>
+            <a:r>
+              <a:rPr lang="de-DE" sz="1100" dirty="0"/>
+              <a:t>           corr_thresh = 1,</a:t>
+            </a:r>
+          </a:p>
+          <a:p>
+            <a:r>
+              <a:rPr lang="de-DE" sz="1100" dirty="0"/>
+              <a:t>           ntree = 1000, (For random forest, how many trees to use (default: `1000`). Caret doesn't allow this hyperparameter to be tuned)</a:t>
+            </a:r>
+          </a:p>
+          <a:p>
+            <a:r>
+              <a:rPr lang="de-DE" sz="1100" dirty="0"/>
+              <a:t>           seed = NA (set seed for reproducibility)</a:t>
+            </a:r>
+          </a:p>
+        </p:txBody>
+      </p:sp>
     </p:spTree>
     <p:extLst>
       <p:ext uri="{BB962C8B-B14F-4D97-AF65-F5344CB8AC3E}">
-        <p14:creationId xmlns:p14="http://schemas.microsoft.com/office/powerpoint/2010/main" val="3657398111"/>
+        <p14:creationId xmlns:p14="http://schemas.microsoft.com/office/powerpoint/2010/main" val="3541464901"/>
       </p:ext>
     </p:extLst>
   </p:cSld>
@@ -18880,7 +18964,7 @@
           <a:p>
             <a:r>
               <a:rPr lang="de-DE" sz="3200" b="1" dirty="0"/>
-              <a:t>CRC classification and same initial split</a:t>
+              <a:t>PCOS classification and same initial split</a:t>
             </a:r>
             <a:endParaRPr lang="en-US" sz="3200" b="1" dirty="0"/>
           </a:p>
@@ -18947,10 +19031,10 @@
       </p:sp>
       <p:pic>
         <p:nvPicPr>
-          <p:cNvPr id="7" name="Picture 6" descr="Chart, scatter chart&#10;&#10;Description automatically generated">
+          <p:cNvPr id="4" name="Picture 3" descr="Chart, waterfall chart&#10;&#10;Description automatically generated">
             <a:extLst>
               <a:ext uri="{FF2B5EF4-FFF2-40B4-BE49-F238E27FC236}">
-                <a16:creationId xmlns:a16="http://schemas.microsoft.com/office/drawing/2014/main" id="{90C8CEC4-BD3E-431E-A55D-770B9106D74C}"/>
+                <a16:creationId xmlns:a16="http://schemas.microsoft.com/office/drawing/2014/main" id="{C3A6AC56-832C-4791-9A1D-AEB11862F986}"/>
               </a:ext>
             </a:extLst>
           </p:cNvPr>
@@ -18967,8 +19051,8 @@
         </p:blipFill>
         <p:spPr>
           <a:xfrm>
-            <a:off x="6230544" y="1509823"/>
-            <a:ext cx="5822962" cy="4991110"/>
+            <a:off x="6237566" y="1470510"/>
+            <a:ext cx="5865492" cy="5027565"/>
           </a:xfrm>
           <a:prstGeom prst="rect">
             <a:avLst/>
@@ -18982,10 +19066,10 @@
       </p:pic>
       <p:pic>
         <p:nvPicPr>
-          <p:cNvPr id="9" name="Picture 8" descr="Chart, box and whisker chart&#10;&#10;Description automatically generated">
+          <p:cNvPr id="9" name="Picture 8" descr="Chart&#10;&#10;Description automatically generated">
             <a:extLst>
               <a:ext uri="{FF2B5EF4-FFF2-40B4-BE49-F238E27FC236}">
-                <a16:creationId xmlns:a16="http://schemas.microsoft.com/office/drawing/2014/main" id="{6FA6BF7F-3916-45B9-AB94-6160AF4F30AE}"/>
+                <a16:creationId xmlns:a16="http://schemas.microsoft.com/office/drawing/2014/main" id="{30F11F0D-5A4A-4425-ABC4-42C9D909F07C}"/>
               </a:ext>
             </a:extLst>
           </p:cNvPr>
@@ -19002,8 +19086,8 @@
         </p:blipFill>
         <p:spPr>
           <a:xfrm>
-            <a:off x="273037" y="1509823"/>
-            <a:ext cx="5822962" cy="4991110"/>
+            <a:off x="237896" y="1470511"/>
+            <a:ext cx="5865492" cy="5027565"/>
           </a:xfrm>
           <a:prstGeom prst="rect">
             <a:avLst/>
@@ -19017,10 +19101,10 @@
       </p:pic>
       <p:sp>
         <p:nvSpPr>
-          <p:cNvPr id="10" name="TextBox 9">
+          <p:cNvPr id="12" name="TextBox 11">
             <a:extLst>
               <a:ext uri="{FF2B5EF4-FFF2-40B4-BE49-F238E27FC236}">
-                <a16:creationId xmlns:a16="http://schemas.microsoft.com/office/drawing/2014/main" id="{E58478DF-F55C-4045-95C1-11F014038F0C}"/>
+                <a16:creationId xmlns:a16="http://schemas.microsoft.com/office/drawing/2014/main" id="{8A352F63-CBAF-409D-9E4C-C8DAE86B8E86}"/>
               </a:ext>
             </a:extLst>
           </p:cNvPr>
@@ -19028,14 +19112,21 @@
           <p:nvPr/>
         </p:nvSpPr>
         <p:spPr>
-          <a:xfrm>
-            <a:off x="10069032" y="49376"/>
-            <a:ext cx="2229293" cy="646331"/>
+          <a:xfrm rot="365251">
+            <a:off x="8610369" y="326117"/>
+            <a:ext cx="3710763" cy="923330"/>
           </a:xfrm>
           <a:prstGeom prst="rect">
             <a:avLst/>
           </a:prstGeom>
-          <a:noFill/>
+          <a:solidFill>
+            <a:schemeClr val="bg1"/>
+          </a:solidFill>
+          <a:ln>
+            <a:solidFill>
+              <a:schemeClr val="tx1"/>
+            </a:solidFill>
+          </a:ln>
         </p:spPr>
         <p:txBody>
           <a:bodyPr wrap="square" rtlCol="0">
@@ -19043,9 +19134,14 @@
           </a:bodyPr>
           <a:lstStyle/>
           <a:p>
-            <a:r>
-              <a:rPr lang="de-DE" b="1" i="1" dirty="0"/>
-              <a:t>Not predicted on holdout set!</a:t>
+            <a:pPr algn="ctr"/>
+            <a:r>
+              <a:rPr lang="de-DE" b="1" dirty="0">
+                <a:solidFill>
+                  <a:srgbClr val="FF0000"/>
+                </a:solidFill>
+              </a:rPr>
+              <a:t>Make format nicer (like codacore and with nicer headlines)</a:t>
             </a:r>
           </a:p>
         </p:txBody>
@@ -19053,7 +19149,7 @@
     </p:spTree>
     <p:extLst>
       <p:ext uri="{BB962C8B-B14F-4D97-AF65-F5344CB8AC3E}">
-        <p14:creationId xmlns:p14="http://schemas.microsoft.com/office/powerpoint/2010/main" val="4181335705"/>
+        <p14:creationId xmlns:p14="http://schemas.microsoft.com/office/powerpoint/2010/main" val="3657398111"/>
       </p:ext>
     </p:extLst>
   </p:cSld>
@@ -19085,7 +19181,7 @@
           <p:cNvPr id="2" name="Title 1">
             <a:extLst>
               <a:ext uri="{FF2B5EF4-FFF2-40B4-BE49-F238E27FC236}">
-                <a16:creationId xmlns:a16="http://schemas.microsoft.com/office/drawing/2014/main" id="{9E3B19D4-5A1D-406E-B958-814E7EF3FD6A}"/>
+                <a16:creationId xmlns:a16="http://schemas.microsoft.com/office/drawing/2014/main" id="{6806FBA4-537C-4226-9D3A-758C7B787D79}"/>
               </a:ext>
             </a:extLst>
           </p:cNvPr>
@@ -19098,65 +19194,16 @@
         </p:nvSpPr>
         <p:spPr/>
         <p:txBody>
-          <a:bodyPr/>
+          <a:bodyPr>
+            <a:normAutofit/>
+          </a:bodyPr>
           <a:lstStyle/>
           <a:p>
-            <a:endParaRPr lang="de-DE"/>
-          </a:p>
-        </p:txBody>
-      </p:sp>
-      <p:sp>
-        <p:nvSpPr>
-          <p:cNvPr id="3" name="Content Placeholder 2">
-            <a:extLst>
-              <a:ext uri="{FF2B5EF4-FFF2-40B4-BE49-F238E27FC236}">
-                <a16:creationId xmlns:a16="http://schemas.microsoft.com/office/drawing/2014/main" id="{90FB7A1B-E35E-4452-96E2-08351A6B1551}"/>
-              </a:ext>
-            </a:extLst>
-          </p:cNvPr>
-          <p:cNvSpPr>
-            <a:spLocks noGrp="1"/>
-          </p:cNvSpPr>
-          <p:nvPr>
-            <p:ph idx="1"/>
-          </p:nvPr>
-        </p:nvSpPr>
-        <p:spPr/>
-        <p:txBody>
-          <a:bodyPr/>
-          <a:lstStyle/>
-          <a:p>
-            <a:endParaRPr lang="de-DE"/>
-          </a:p>
-        </p:txBody>
-      </p:sp>
-      <p:sp>
-        <p:nvSpPr>
-          <p:cNvPr id="4" name="Date Placeholder 3">
-            <a:extLst>
-              <a:ext uri="{FF2B5EF4-FFF2-40B4-BE49-F238E27FC236}">
-                <a16:creationId xmlns:a16="http://schemas.microsoft.com/office/drawing/2014/main" id="{141E5E42-2681-4EA2-85B1-A8E0A6002AF6}"/>
-              </a:ext>
-            </a:extLst>
-          </p:cNvPr>
-          <p:cNvSpPr>
-            <a:spLocks noGrp="1"/>
-          </p:cNvSpPr>
-          <p:nvPr>
-            <p:ph type="dt" sz="half" idx="10"/>
-          </p:nvPr>
-        </p:nvSpPr>
-        <p:spPr/>
-        <p:txBody>
-          <a:bodyPr/>
-          <a:lstStyle/>
-          <a:p>
-            <a:fld id="{36D18B76-5E8B-4456-8722-FC5B14B0F354}" type="datetime1">
-              <a:rPr lang="en-US" smtClean="0"/>
-              <a:pPr/>
-              <a:t>4/11/2022</a:t>
-            </a:fld>
-            <a:endParaRPr lang="en-US" dirty="0"/>
+            <a:r>
+              <a:rPr lang="de-DE" sz="3200" b="1" dirty="0"/>
+              <a:t>CRC classification and same initial split</a:t>
+            </a:r>
+            <a:endParaRPr lang="en-US" sz="3200" b="1" dirty="0"/>
           </a:p>
         </p:txBody>
       </p:sp>
@@ -19165,7 +19212,7 @@
           <p:cNvPr id="5" name="Footer Placeholder 4">
             <a:extLst>
               <a:ext uri="{FF2B5EF4-FFF2-40B4-BE49-F238E27FC236}">
-                <a16:creationId xmlns:a16="http://schemas.microsoft.com/office/drawing/2014/main" id="{2315BB62-8156-474E-9E28-A89D9E5B341D}"/>
+                <a16:creationId xmlns:a16="http://schemas.microsoft.com/office/drawing/2014/main" id="{707C4F70-832A-416B-9491-EE86347B2812}"/>
               </a:ext>
             </a:extLst>
           </p:cNvPr>
@@ -19194,7 +19241,7 @@
           <p:cNvPr id="6" name="Slide Number Placeholder 5">
             <a:extLst>
               <a:ext uri="{FF2B5EF4-FFF2-40B4-BE49-F238E27FC236}">
-                <a16:creationId xmlns:a16="http://schemas.microsoft.com/office/drawing/2014/main" id="{8EF6D8D9-6050-456A-84A5-BD279209F1F0}"/>
+                <a16:creationId xmlns:a16="http://schemas.microsoft.com/office/drawing/2014/main" id="{1028CB34-29B5-49CB-99E4-E945C3D78896}"/>
               </a:ext>
             </a:extLst>
           </p:cNvPr>
@@ -19219,10 +19266,121 @@
           </a:p>
         </p:txBody>
       </p:sp>
+      <p:sp>
+        <p:nvSpPr>
+          <p:cNvPr id="10" name="TextBox 9">
+            <a:extLst>
+              <a:ext uri="{FF2B5EF4-FFF2-40B4-BE49-F238E27FC236}">
+                <a16:creationId xmlns:a16="http://schemas.microsoft.com/office/drawing/2014/main" id="{E58478DF-F55C-4045-95C1-11F014038F0C}"/>
+              </a:ext>
+            </a:extLst>
+          </p:cNvPr>
+          <p:cNvSpPr txBox="1"/>
+          <p:nvPr/>
+        </p:nvSpPr>
+        <p:spPr>
+          <a:xfrm>
+            <a:off x="9988317" y="36342"/>
+            <a:ext cx="2229293" cy="1200329"/>
+          </a:xfrm>
+          <a:prstGeom prst="rect">
+            <a:avLst/>
+          </a:prstGeom>
+          <a:noFill/>
+        </p:spPr>
+        <p:txBody>
+          <a:bodyPr wrap="square" rtlCol="0">
+            <a:spAutoFit/>
+          </a:bodyPr>
+          <a:lstStyle/>
+          <a:p>
+            <a:r>
+              <a:rPr lang="de-DE" b="1" i="1" dirty="0"/>
+              <a:t>Holdout set not included and</a:t>
+            </a:r>
+          </a:p>
+          <a:p>
+            <a:r>
+              <a:rPr lang="de-DE" b="1" i="1" dirty="0"/>
+              <a:t>NOT predicted on holdout set!</a:t>
+            </a:r>
+          </a:p>
+        </p:txBody>
+      </p:sp>
+      <p:pic>
+        <p:nvPicPr>
+          <p:cNvPr id="4" name="Picture 3" descr="Chart, scatter chart&#10;&#10;Description automatically generated">
+            <a:extLst>
+              <a:ext uri="{FF2B5EF4-FFF2-40B4-BE49-F238E27FC236}">
+                <a16:creationId xmlns:a16="http://schemas.microsoft.com/office/drawing/2014/main" id="{ED3CFC10-13CA-4A85-945A-33BF36F1BDC1}"/>
+              </a:ext>
+            </a:extLst>
+          </p:cNvPr>
+          <p:cNvPicPr>
+            <a:picLocks noChangeAspect="1"/>
+          </p:cNvPicPr>
+          <p:nvPr/>
+        </p:nvPicPr>
+        <p:blipFill>
+          <a:blip r:embed="rId2"/>
+          <a:stretch>
+            <a:fillRect/>
+          </a:stretch>
+        </p:blipFill>
+        <p:spPr>
+          <a:xfrm>
+            <a:off x="6235778" y="1509823"/>
+            <a:ext cx="5822962" cy="4991110"/>
+          </a:xfrm>
+          <a:prstGeom prst="rect">
+            <a:avLst/>
+          </a:prstGeom>
+          <a:ln>
+            <a:solidFill>
+              <a:schemeClr val="tx1"/>
+            </a:solidFill>
+          </a:ln>
+        </p:spPr>
+      </p:pic>
+      <p:pic>
+        <p:nvPicPr>
+          <p:cNvPr id="8" name="Picture 7" descr="Chart, waterfall chart&#10;&#10;Description automatically generated">
+            <a:extLst>
+              <a:ext uri="{FF2B5EF4-FFF2-40B4-BE49-F238E27FC236}">
+                <a16:creationId xmlns:a16="http://schemas.microsoft.com/office/drawing/2014/main" id="{AE651018-3AC3-485E-97EC-CF3439912A0A}"/>
+              </a:ext>
+            </a:extLst>
+          </p:cNvPr>
+          <p:cNvPicPr>
+            <a:picLocks noChangeAspect="1"/>
+          </p:cNvPicPr>
+          <p:nvPr/>
+        </p:nvPicPr>
+        <p:blipFill>
+          <a:blip r:embed="rId3"/>
+          <a:stretch>
+            <a:fillRect/>
+          </a:stretch>
+        </p:blipFill>
+        <p:spPr>
+          <a:xfrm>
+            <a:off x="298265" y="1509823"/>
+            <a:ext cx="5822963" cy="4991111"/>
+          </a:xfrm>
+          <a:prstGeom prst="rect">
+            <a:avLst/>
+          </a:prstGeom>
+          <a:ln>
+            <a:solidFill>
+              <a:schemeClr val="tx1"/>
+            </a:solidFill>
+          </a:ln>
+        </p:spPr>
+      </p:pic>
     </p:spTree>
     <p:extLst>
       <p:ext uri="{BB962C8B-B14F-4D97-AF65-F5344CB8AC3E}">
-        <p14:creationId xmlns:p14="http://schemas.microsoft.com/office/powerpoint/2010/main" val="2383704318"/>
+        <p14:creationId xmlns:p14="http://schemas.microsoft.com/office/powerpoint/2010/main" val="4181335705"/>
       </p:ext>
     </p:extLst>
   </p:cSld>
@@ -19301,7 +19459,7 @@
           <a:p>
             <a:fld id="{1278D66F-D6E5-4434-B311-7DA25CA81F5A}" type="datetime1">
               <a:rPr lang="en-US" smtClean="0"/>
-              <a:t>4/11/2022</a:t>
+              <a:t>4/14/2022</a:t>
             </a:fld>
             <a:endParaRPr lang="en-US" dirty="0"/>
           </a:p>
@@ -19442,14 +19600,16 @@
         </p:nvSpPr>
         <p:spPr/>
         <p:txBody>
-          <a:bodyPr/>
+          <a:bodyPr>
+            <a:normAutofit/>
+          </a:bodyPr>
           <a:lstStyle/>
           <a:p>
             <a:r>
-              <a:rPr lang="de-DE" b="1" dirty="0"/>
-              <a:t>Pre-Processing</a:t>
-            </a:r>
-            <a:endParaRPr lang="en-US" b="1" dirty="0"/>
+              <a:rPr lang="de-DE" sz="3200" b="1" dirty="0"/>
+              <a:t>CRC classification and same initial split</a:t>
+            </a:r>
+            <a:endParaRPr lang="en-US" sz="3200" b="1" dirty="0"/>
           </a:p>
         </p:txBody>
       </p:sp>
@@ -19514,10 +19674,10 @@
       </p:sp>
       <p:sp>
         <p:nvSpPr>
-          <p:cNvPr id="26" name="TextBox 25">
+          <p:cNvPr id="8" name="TextBox 7">
             <a:extLst>
               <a:ext uri="{FF2B5EF4-FFF2-40B4-BE49-F238E27FC236}">
-                <a16:creationId xmlns:a16="http://schemas.microsoft.com/office/drawing/2014/main" id="{CC7BEBFF-3D20-441C-B1B2-0CE34904FDE4}"/>
+                <a16:creationId xmlns:a16="http://schemas.microsoft.com/office/drawing/2014/main" id="{C6036ADC-6479-46F9-BC8D-F76F4CA20E1B}"/>
               </a:ext>
             </a:extLst>
           </p:cNvPr>
@@ -19526,8 +19686,8 @@
         </p:nvSpPr>
         <p:spPr>
           <a:xfrm>
-            <a:off x="1698819" y="1152907"/>
-            <a:ext cx="3654858" cy="400110"/>
+            <a:off x="10132826" y="0"/>
+            <a:ext cx="2229293" cy="646331"/>
           </a:xfrm>
           <a:prstGeom prst="rect">
             <a:avLst/>
@@ -19541,283 +19701,86 @@
           <a:lstStyle/>
           <a:p>
             <a:r>
-              <a:rPr lang="de-DE" sz="2000" i="1" dirty="0"/>
-              <a:t>Problems and Notes</a:t>
-            </a:r>
-          </a:p>
-        </p:txBody>
-      </p:sp>
-      <p:sp>
-        <p:nvSpPr>
-          <p:cNvPr id="7" name="TextBox 6">
+              <a:rPr lang="de-DE" b="1" i="1" dirty="0"/>
+              <a:t>predicted on holdout set!</a:t>
+            </a:r>
+          </a:p>
+        </p:txBody>
+      </p:sp>
+      <p:pic>
+        <p:nvPicPr>
+          <p:cNvPr id="7" name="Picture 6" descr="Chart, scatter chart&#10;&#10;Description automatically generated">
             <a:extLst>
               <a:ext uri="{FF2B5EF4-FFF2-40B4-BE49-F238E27FC236}">
-                <a16:creationId xmlns:a16="http://schemas.microsoft.com/office/drawing/2014/main" id="{B43BF96F-7A11-4087-9B01-CF6AACD20E04}"/>
+                <a16:creationId xmlns:a16="http://schemas.microsoft.com/office/drawing/2014/main" id="{DD4A56E7-3B98-4260-A74D-E8123217B731}"/>
               </a:ext>
             </a:extLst>
           </p:cNvPr>
-          <p:cNvSpPr txBox="1"/>
+          <p:cNvPicPr>
+            <a:picLocks noChangeAspect="1"/>
+          </p:cNvPicPr>
           <p:nvPr/>
-        </p:nvSpPr>
+        </p:nvPicPr>
+        <p:blipFill>
+          <a:blip r:embed="rId2"/>
+          <a:stretch>
+            <a:fillRect/>
+          </a:stretch>
+        </p:blipFill>
         <p:spPr>
           <a:xfrm>
-            <a:off x="1698819" y="1834296"/>
-            <a:ext cx="7102549" cy="1754326"/>
+            <a:off x="6319280" y="1531086"/>
+            <a:ext cx="5649298" cy="4842255"/>
           </a:xfrm>
           <a:prstGeom prst="rect">
             <a:avLst/>
           </a:prstGeom>
-          <a:noFill/>
+          <a:ln>
+            <a:solidFill>
+              <a:schemeClr val="tx1"/>
+            </a:solidFill>
+          </a:ln>
         </p:spPr>
-        <p:txBody>
-          <a:bodyPr wrap="square" rtlCol="0">
-            <a:spAutoFit/>
-          </a:bodyPr>
-          <a:lstStyle/>
-          <a:p>
-            <a:r>
-              <a:rPr lang="de-DE" u="sng" dirty="0"/>
-              <a:t>CRC</a:t>
-            </a:r>
-            <a:r>
-              <a:rPr lang="de-DE" dirty="0"/>
-              <a:t>:</a:t>
-            </a:r>
-          </a:p>
-          <a:p>
-            <a:pPr marL="285750" indent="-285750">
-              <a:buFontTx/>
-              <a:buChar char="-"/>
-            </a:pPr>
-            <a:r>
-              <a:rPr lang="de-DE" dirty="0"/>
-              <a:t>128 rows removed due to NA in BMI</a:t>
-            </a:r>
-          </a:p>
-          <a:p>
-            <a:pPr marL="285750" indent="-285750">
-              <a:buFontTx/>
-              <a:buChar char="-"/>
-            </a:pPr>
-            <a:r>
-              <a:rPr lang="de-DE" dirty="0"/>
-              <a:t>DE saved separately as holdout </a:t>
-            </a:r>
-          </a:p>
-          <a:p>
-            <a:pPr marL="285750" indent="-285750">
-              <a:buFontTx/>
-              <a:buChar char="-"/>
-            </a:pPr>
-            <a:r>
-              <a:rPr lang="de-DE" dirty="0"/>
-              <a:t>All tests were done with country sets: USA, China, Austria, France</a:t>
-            </a:r>
-          </a:p>
-          <a:p>
-            <a:pPr marL="285750" indent="-285750">
-              <a:buFontTx/>
-              <a:buChar char="-"/>
-            </a:pPr>
-            <a:endParaRPr lang="de-DE" dirty="0"/>
-          </a:p>
-        </p:txBody>
-      </p:sp>
-      <p:sp>
-        <p:nvSpPr>
-          <p:cNvPr id="29" name="TextBox 28">
+      </p:pic>
+      <p:pic>
+        <p:nvPicPr>
+          <p:cNvPr id="4" name="Picture 3" descr="Chart, box and whisker chart&#10;&#10;Description automatically generated">
             <a:extLst>
               <a:ext uri="{FF2B5EF4-FFF2-40B4-BE49-F238E27FC236}">
-                <a16:creationId xmlns:a16="http://schemas.microsoft.com/office/drawing/2014/main" id="{FD214281-F802-4F96-A098-F69D765E4AFA}"/>
+                <a16:creationId xmlns:a16="http://schemas.microsoft.com/office/drawing/2014/main" id="{199FDA66-3181-4092-9B62-E7DBD4D4C716}"/>
               </a:ext>
             </a:extLst>
           </p:cNvPr>
-          <p:cNvSpPr txBox="1"/>
+          <p:cNvPicPr>
+            <a:picLocks noChangeAspect="1"/>
+          </p:cNvPicPr>
           <p:nvPr/>
-        </p:nvSpPr>
+        </p:nvPicPr>
+        <p:blipFill>
+          <a:blip r:embed="rId3"/>
+          <a:stretch>
+            <a:fillRect/>
+          </a:stretch>
+        </p:blipFill>
         <p:spPr>
           <a:xfrm>
-            <a:off x="6199935" y="93132"/>
-            <a:ext cx="6097772" cy="1815882"/>
+            <a:off x="505694" y="1528492"/>
+            <a:ext cx="5649297" cy="4842255"/>
           </a:xfrm>
           <a:prstGeom prst="rect">
             <a:avLst/>
           </a:prstGeom>
-          <a:noFill/>
+          <a:ln>
+            <a:solidFill>
+              <a:schemeClr val="tx1"/>
+            </a:solidFill>
+          </a:ln>
         </p:spPr>
-        <p:txBody>
-          <a:bodyPr wrap="square">
-            <a:spAutoFit/>
-          </a:bodyPr>
-          <a:lstStyle/>
-          <a:p>
-            <a:r>
-              <a:rPr lang="de-DE" sz="1400" u="sng" dirty="0"/>
-              <a:t>Imputation</a:t>
-            </a:r>
-            <a:r>
-              <a:rPr lang="de-DE" sz="1400" dirty="0"/>
-              <a:t>:</a:t>
-            </a:r>
-          </a:p>
-          <a:p>
-            <a:pPr marL="285750" indent="-285750">
-              <a:buFontTx/>
-              <a:buChar char="-"/>
-            </a:pPr>
-            <a:r>
-              <a:rPr lang="de-DE" sz="1400" dirty="0"/>
-              <a:t>mbImpute needs phylogenetic tree -&gt; ignored for now </a:t>
-            </a:r>
-          </a:p>
-          <a:p>
-            <a:pPr marL="285750" indent="-285750">
-              <a:buFontTx/>
-              <a:buChar char="-"/>
-            </a:pPr>
-            <a:r>
-              <a:rPr lang="de-DE" sz="1400" dirty="0"/>
-              <a:t>EstMB dataset: pseudocount inserts decimal values between 0 and 1</a:t>
-            </a:r>
-          </a:p>
-          <a:p>
-            <a:pPr marL="742950" lvl="1" indent="-285750">
-              <a:buFontTx/>
-              <a:buChar char="-"/>
-            </a:pPr>
-            <a:r>
-              <a:rPr lang="de-DE" sz="1400" dirty="0"/>
-              <a:t>Solution for now: all these values were rounded up to 1</a:t>
-            </a:r>
-          </a:p>
-          <a:p>
-            <a:pPr marL="742950" lvl="1" indent="-285750">
-              <a:buFontTx/>
-              <a:buChar char="-"/>
-            </a:pPr>
-            <a:r>
-              <a:rPr lang="de-DE" sz="1400" dirty="0"/>
-              <a:t>Possibly in a later run keep decimal values, because some papers suggest sensitivity to pseudocount in machine learning models </a:t>
-            </a:r>
-          </a:p>
-        </p:txBody>
-      </p:sp>
-      <p:sp>
-        <p:nvSpPr>
-          <p:cNvPr id="8" name="TextBox 7">
-            <a:extLst>
-              <a:ext uri="{FF2B5EF4-FFF2-40B4-BE49-F238E27FC236}">
-                <a16:creationId xmlns:a16="http://schemas.microsoft.com/office/drawing/2014/main" id="{20ADFB58-875E-4AAE-BDAE-D861E7F9DC27}"/>
-              </a:ext>
-            </a:extLst>
-          </p:cNvPr>
-          <p:cNvSpPr txBox="1"/>
-          <p:nvPr/>
-        </p:nvSpPr>
-        <p:spPr>
-          <a:xfrm>
-            <a:off x="1720971" y="3408432"/>
-            <a:ext cx="7102549" cy="1200329"/>
-          </a:xfrm>
-          <a:prstGeom prst="rect">
-            <a:avLst/>
-          </a:prstGeom>
-          <a:noFill/>
-        </p:spPr>
-        <p:txBody>
-          <a:bodyPr wrap="square" rtlCol="0">
-            <a:spAutoFit/>
-          </a:bodyPr>
-          <a:lstStyle/>
-          <a:p>
-            <a:r>
-              <a:rPr lang="de-DE" u="sng" dirty="0"/>
-              <a:t>PCOS</a:t>
-            </a:r>
-            <a:r>
-              <a:rPr lang="de-DE" dirty="0"/>
-              <a:t>:</a:t>
-            </a:r>
-          </a:p>
-          <a:p>
-            <a:pPr marL="285750" indent="-285750">
-              <a:buFontTx/>
-              <a:buChar char="-"/>
-            </a:pPr>
-            <a:r>
-              <a:rPr lang="de-DE" dirty="0"/>
-              <a:t>6 rows removed in abundance table because they were not included in metadata</a:t>
-            </a:r>
-          </a:p>
-          <a:p>
-            <a:pPr marL="285750" indent="-285750">
-              <a:buFontTx/>
-              <a:buChar char="-"/>
-            </a:pPr>
-            <a:endParaRPr lang="de-DE" dirty="0"/>
-          </a:p>
-        </p:txBody>
-      </p:sp>
-      <p:sp>
-        <p:nvSpPr>
-          <p:cNvPr id="9" name="TextBox 8">
-            <a:extLst>
-              <a:ext uri="{FF2B5EF4-FFF2-40B4-BE49-F238E27FC236}">
-                <a16:creationId xmlns:a16="http://schemas.microsoft.com/office/drawing/2014/main" id="{C84548D0-C361-4108-B284-1351D54B8DFD}"/>
-              </a:ext>
-            </a:extLst>
-          </p:cNvPr>
-          <p:cNvSpPr txBox="1"/>
-          <p:nvPr/>
-        </p:nvSpPr>
-        <p:spPr>
-          <a:xfrm>
-            <a:off x="1720971" y="4717667"/>
-            <a:ext cx="7102549" cy="1200329"/>
-          </a:xfrm>
-          <a:prstGeom prst="rect">
-            <a:avLst/>
-          </a:prstGeom>
-          <a:noFill/>
-        </p:spPr>
-        <p:txBody>
-          <a:bodyPr wrap="square" rtlCol="0">
-            <a:spAutoFit/>
-          </a:bodyPr>
-          <a:lstStyle/>
-          <a:p>
-            <a:r>
-              <a:rPr lang="de-DE" u="sng" dirty="0"/>
-              <a:t>EstMB</a:t>
-            </a:r>
-            <a:r>
-              <a:rPr lang="de-DE" dirty="0"/>
-              <a:t>:</a:t>
-            </a:r>
-          </a:p>
-          <a:p>
-            <a:pPr marL="285750" indent="-285750">
-              <a:buFontTx/>
-              <a:buChar char="-"/>
-            </a:pPr>
-            <a:r>
-              <a:rPr lang="de-DE" dirty="0"/>
-              <a:t>6 rows removed in abundance table because they were not included in metadata</a:t>
-            </a:r>
-          </a:p>
-          <a:p>
-            <a:pPr marL="285750" indent="-285750">
-              <a:buFontTx/>
-              <a:buChar char="-"/>
-            </a:pPr>
-            <a:endParaRPr lang="de-DE" dirty="0"/>
-          </a:p>
-        </p:txBody>
-      </p:sp>
+      </p:pic>
     </p:spTree>
     <p:extLst>
       <p:ext uri="{BB962C8B-B14F-4D97-AF65-F5344CB8AC3E}">
-        <p14:creationId xmlns:p14="http://schemas.microsoft.com/office/powerpoint/2010/main" val="3215538767"/>
+        <p14:creationId xmlns:p14="http://schemas.microsoft.com/office/powerpoint/2010/main" val="2629132382"/>
       </p:ext>
     </p:extLst>
   </p:cSld>
@@ -19867,7 +19830,7 @@
           <a:p>
             <a:r>
               <a:rPr lang="de-DE" b="1" dirty="0"/>
-              <a:t>Transformations</a:t>
+              <a:t>Pre-Processing</a:t>
             </a:r>
             <a:endParaRPr lang="en-US" b="1" dirty="0"/>
           </a:p>
@@ -19895,9 +19858,10 @@
           <a:lstStyle/>
           <a:p>
             <a:r>
-              <a:rPr lang="en-US" dirty="0"/>
+              <a:rPr lang="en-US"/>
               <a:t>jennifer.neumaier@t-online.de</a:t>
             </a:r>
+            <a:endParaRPr lang="en-US" dirty="0"/>
           </a:p>
         </p:txBody>
       </p:sp>
@@ -19980,8 +19944,8 @@
         </p:nvSpPr>
         <p:spPr>
           <a:xfrm>
-            <a:off x="2589212" y="1742696"/>
-            <a:ext cx="7102549" cy="1477328"/>
+            <a:off x="1698819" y="1834296"/>
+            <a:ext cx="7102549" cy="1754326"/>
           </a:xfrm>
           <a:prstGeom prst="rect">
             <a:avLst/>
@@ -19996,7 +19960,7 @@
           <a:p>
             <a:r>
               <a:rPr lang="de-DE" u="sng" dirty="0"/>
-              <a:t>CLR/ALR</a:t>
+              <a:t>CRC</a:t>
             </a:r>
             <a:r>
               <a:rPr lang="de-DE" dirty="0"/>
@@ -20010,7 +19974,7 @@
             </a:pPr>
             <a:r>
               <a:rPr lang="de-DE" dirty="0"/>
-              <a:t>What to do with LR.wt?</a:t>
+              <a:t>128 rows removed due to NA in BMI</a:t>
             </a:r>
           </a:p>
           <a:p>
@@ -20020,7 +19984,7 @@
             </a:pPr>
             <a:r>
               <a:rPr lang="de-DE" dirty="0"/>
-              <a:t>What to do with part.names and part.wt?</a:t>
+              <a:t>DE saved separately as holdout </a:t>
             </a:r>
           </a:p>
           <a:p>
@@ -20030,20 +19994,24 @@
             </a:pPr>
             <a:r>
               <a:rPr lang="de-DE" dirty="0"/>
-              <a:t>Column names ALR?</a:t>
-            </a:r>
-          </a:p>
-          <a:p>
+              <a:t>All tests were done with country sets: USA, China, Austria, France</a:t>
+            </a:r>
+          </a:p>
+          <a:p>
+            <a:pPr marL="285750" indent="-285750">
+              <a:buFontTx/>
+              <a:buChar char="-"/>
+            </a:pPr>
             <a:endParaRPr lang="de-DE" dirty="0"/>
           </a:p>
         </p:txBody>
       </p:sp>
       <p:sp>
         <p:nvSpPr>
-          <p:cNvPr id="8" name="TextBox 7">
+          <p:cNvPr id="29" name="TextBox 28">
             <a:extLst>
               <a:ext uri="{FF2B5EF4-FFF2-40B4-BE49-F238E27FC236}">
-                <a16:creationId xmlns:a16="http://schemas.microsoft.com/office/drawing/2014/main" id="{42B7B4AF-462B-468E-AAF9-0BB332281A81}"/>
+                <a16:creationId xmlns:a16="http://schemas.microsoft.com/office/drawing/2014/main" id="{FD214281-F802-4F96-A098-F69D765E4AFA}"/>
               </a:ext>
             </a:extLst>
           </p:cNvPr>
@@ -20052,8 +20020,8 @@
         </p:nvSpPr>
         <p:spPr>
           <a:xfrm>
-            <a:off x="2589212" y="3278973"/>
-            <a:ext cx="7102549" cy="923330"/>
+            <a:off x="6199935" y="93132"/>
+            <a:ext cx="6097772" cy="1815882"/>
           </a:xfrm>
           <a:prstGeom prst="rect">
             <a:avLst/>
@@ -20061,6 +20029,85 @@
           <a:noFill/>
         </p:spPr>
         <p:txBody>
+          <a:bodyPr wrap="square">
+            <a:spAutoFit/>
+          </a:bodyPr>
+          <a:lstStyle/>
+          <a:p>
+            <a:r>
+              <a:rPr lang="de-DE" sz="1400" u="sng" dirty="0"/>
+              <a:t>Imputation</a:t>
+            </a:r>
+            <a:r>
+              <a:rPr lang="de-DE" sz="1400" dirty="0"/>
+              <a:t>:</a:t>
+            </a:r>
+          </a:p>
+          <a:p>
+            <a:pPr marL="285750" indent="-285750">
+              <a:buFontTx/>
+              <a:buChar char="-"/>
+            </a:pPr>
+            <a:r>
+              <a:rPr lang="de-DE" sz="1400" dirty="0"/>
+              <a:t>mbImpute needs phylogenetic tree -&gt; ignored for now </a:t>
+            </a:r>
+          </a:p>
+          <a:p>
+            <a:pPr marL="285750" indent="-285750">
+              <a:buFontTx/>
+              <a:buChar char="-"/>
+            </a:pPr>
+            <a:r>
+              <a:rPr lang="de-DE" sz="1400" dirty="0"/>
+              <a:t>EstMB dataset: pseudocount inserts decimal values between 0 and 1</a:t>
+            </a:r>
+          </a:p>
+          <a:p>
+            <a:pPr marL="742950" lvl="1" indent="-285750">
+              <a:buFontTx/>
+              <a:buChar char="-"/>
+            </a:pPr>
+            <a:r>
+              <a:rPr lang="de-DE" sz="1400" dirty="0"/>
+              <a:t>Solution for now: all these values were rounded up to 1</a:t>
+            </a:r>
+          </a:p>
+          <a:p>
+            <a:pPr marL="742950" lvl="1" indent="-285750">
+              <a:buFontTx/>
+              <a:buChar char="-"/>
+            </a:pPr>
+            <a:r>
+              <a:rPr lang="de-DE" sz="1400" dirty="0"/>
+              <a:t>Possibly in a later run keep decimal values, because some papers suggest sensitivity to pseudocount in machine learning models </a:t>
+            </a:r>
+          </a:p>
+        </p:txBody>
+      </p:sp>
+      <p:sp>
+        <p:nvSpPr>
+          <p:cNvPr id="8" name="TextBox 7">
+            <a:extLst>
+              <a:ext uri="{FF2B5EF4-FFF2-40B4-BE49-F238E27FC236}">
+                <a16:creationId xmlns:a16="http://schemas.microsoft.com/office/drawing/2014/main" id="{20ADFB58-875E-4AAE-BDAE-D861E7F9DC27}"/>
+              </a:ext>
+            </a:extLst>
+          </p:cNvPr>
+          <p:cNvSpPr txBox="1"/>
+          <p:nvPr/>
+        </p:nvSpPr>
+        <p:spPr>
+          <a:xfrm>
+            <a:off x="1720971" y="3408432"/>
+            <a:ext cx="7102549" cy="1200329"/>
+          </a:xfrm>
+          <a:prstGeom prst="rect">
+            <a:avLst/>
+          </a:prstGeom>
+          <a:noFill/>
+        </p:spPr>
+        <p:txBody>
           <a:bodyPr wrap="square" rtlCol="0">
             <a:spAutoFit/>
           </a:bodyPr>
@@ -20068,9 +20115,12 @@
           <a:p>
             <a:r>
               <a:rPr lang="de-DE" u="sng" dirty="0"/>
-              <a:t>EstMB:</a:t>
-            </a:r>
-            <a:endParaRPr lang="de-DE" dirty="0"/>
+              <a:t>PCOS</a:t>
+            </a:r>
+            <a:r>
+              <a:rPr lang="de-DE" dirty="0"/>
+              <a:t>:</a:t>
+            </a:r>
           </a:p>
           <a:p>
             <a:pPr marL="285750" indent="-285750">
@@ -20079,10 +20129,70 @@
             </a:pPr>
             <a:r>
               <a:rPr lang="de-DE" dirty="0"/>
-              <a:t>Needs a lot of time for ALR -&gt; solved in HPC?</a:t>
-            </a:r>
-          </a:p>
-          <a:p>
+              <a:t>6 rows removed in abundance table because they were not included in metadata</a:t>
+            </a:r>
+          </a:p>
+          <a:p>
+            <a:pPr marL="285750" indent="-285750">
+              <a:buFontTx/>
+              <a:buChar char="-"/>
+            </a:pPr>
+            <a:endParaRPr lang="de-DE" dirty="0"/>
+          </a:p>
+        </p:txBody>
+      </p:sp>
+      <p:sp>
+        <p:nvSpPr>
+          <p:cNvPr id="9" name="TextBox 8">
+            <a:extLst>
+              <a:ext uri="{FF2B5EF4-FFF2-40B4-BE49-F238E27FC236}">
+                <a16:creationId xmlns:a16="http://schemas.microsoft.com/office/drawing/2014/main" id="{C84548D0-C361-4108-B284-1351D54B8DFD}"/>
+              </a:ext>
+            </a:extLst>
+          </p:cNvPr>
+          <p:cNvSpPr txBox="1"/>
+          <p:nvPr/>
+        </p:nvSpPr>
+        <p:spPr>
+          <a:xfrm>
+            <a:off x="1720971" y="4717667"/>
+            <a:ext cx="7102549" cy="1200329"/>
+          </a:xfrm>
+          <a:prstGeom prst="rect">
+            <a:avLst/>
+          </a:prstGeom>
+          <a:noFill/>
+        </p:spPr>
+        <p:txBody>
+          <a:bodyPr wrap="square" rtlCol="0">
+            <a:spAutoFit/>
+          </a:bodyPr>
+          <a:lstStyle/>
+          <a:p>
+            <a:r>
+              <a:rPr lang="de-DE" u="sng" dirty="0"/>
+              <a:t>EstMB</a:t>
+            </a:r>
+            <a:r>
+              <a:rPr lang="de-DE" dirty="0"/>
+              <a:t>:</a:t>
+            </a:r>
+          </a:p>
+          <a:p>
+            <a:pPr marL="285750" indent="-285750">
+              <a:buFontTx/>
+              <a:buChar char="-"/>
+            </a:pPr>
+            <a:r>
+              <a:rPr lang="de-DE" dirty="0"/>
+              <a:t>6 rows removed in abundance table because they were not included in metadata</a:t>
+            </a:r>
+          </a:p>
+          <a:p>
+            <a:pPr marL="285750" indent="-285750">
+              <a:buFontTx/>
+              <a:buChar char="-"/>
+            </a:pPr>
             <a:endParaRPr lang="de-DE" dirty="0"/>
           </a:p>
         </p:txBody>
@@ -20090,7 +20200,7 @@
     </p:spTree>
     <p:extLst>
       <p:ext uri="{BB962C8B-B14F-4D97-AF65-F5344CB8AC3E}">
-        <p14:creationId xmlns:p14="http://schemas.microsoft.com/office/powerpoint/2010/main" val="3441935650"/>
+        <p14:creationId xmlns:p14="http://schemas.microsoft.com/office/powerpoint/2010/main" val="3215538767"/>
       </p:ext>
     </p:extLst>
   </p:cSld>
@@ -20140,7 +20250,7 @@
           <a:p>
             <a:r>
               <a:rPr lang="de-DE" b="1" dirty="0"/>
-              <a:t>Hierarchy dimensionality reduction</a:t>
+              <a:t>Transformations</a:t>
             </a:r>
             <a:endParaRPr lang="en-US" b="1" dirty="0"/>
           </a:p>
@@ -20168,10 +20278,9 @@
           <a:lstStyle/>
           <a:p>
             <a:r>
-              <a:rPr lang="en-US"/>
+              <a:rPr lang="en-US" dirty="0"/>
               <a:t>jennifer.neumaier@t-online.de</a:t>
             </a:r>
-            <a:endParaRPr lang="en-US" dirty="0"/>
           </a:p>
         </p:txBody>
       </p:sp>
@@ -20255,7 +20364,7 @@
         <p:spPr>
           <a:xfrm>
             <a:off x="2589212" y="1742696"/>
-            <a:ext cx="7102549" cy="1754326"/>
+            <a:ext cx="7102549" cy="1477328"/>
           </a:xfrm>
           <a:prstGeom prst="rect">
             <a:avLst/>
@@ -20270,7 +20379,7 @@
           <a:p>
             <a:r>
               <a:rPr lang="de-DE" u="sng" dirty="0"/>
-              <a:t>PCA</a:t>
+              <a:t>CLR/ALR</a:t>
             </a:r>
             <a:r>
               <a:rPr lang="de-DE" dirty="0"/>
@@ -20284,7 +20393,7 @@
             </a:pPr>
             <a:r>
               <a:rPr lang="de-DE" dirty="0"/>
-              <a:t>Microbiome Preprocessing Machine Learning Pipeline (2021)</a:t>
+              <a:t>What to do with LR.wt?</a:t>
             </a:r>
           </a:p>
           <a:p>
@@ -20294,7 +20403,7 @@
             </a:pPr>
             <a:r>
               <a:rPr lang="de-DE" dirty="0"/>
-              <a:t>Proposes to use PCA as hierarchy reduction </a:t>
+              <a:t>What to do with part.names and part.wt?</a:t>
             </a:r>
           </a:p>
           <a:p>
@@ -20304,7 +20413,56 @@
             </a:pPr>
             <a:r>
               <a:rPr lang="de-DE" dirty="0"/>
-              <a:t>Families can be clustered and genus is not necessary</a:t>
+              <a:t>Column names ALR?</a:t>
+            </a:r>
+          </a:p>
+          <a:p>
+            <a:endParaRPr lang="de-DE" dirty="0"/>
+          </a:p>
+        </p:txBody>
+      </p:sp>
+      <p:sp>
+        <p:nvSpPr>
+          <p:cNvPr id="8" name="TextBox 7">
+            <a:extLst>
+              <a:ext uri="{FF2B5EF4-FFF2-40B4-BE49-F238E27FC236}">
+                <a16:creationId xmlns:a16="http://schemas.microsoft.com/office/drawing/2014/main" id="{42B7B4AF-462B-468E-AAF9-0BB332281A81}"/>
+              </a:ext>
+            </a:extLst>
+          </p:cNvPr>
+          <p:cNvSpPr txBox="1"/>
+          <p:nvPr/>
+        </p:nvSpPr>
+        <p:spPr>
+          <a:xfrm>
+            <a:off x="2589212" y="3278973"/>
+            <a:ext cx="7102549" cy="923330"/>
+          </a:xfrm>
+          <a:prstGeom prst="rect">
+            <a:avLst/>
+          </a:prstGeom>
+          <a:noFill/>
+        </p:spPr>
+        <p:txBody>
+          <a:bodyPr wrap="square" rtlCol="0">
+            <a:spAutoFit/>
+          </a:bodyPr>
+          <a:lstStyle/>
+          <a:p>
+            <a:r>
+              <a:rPr lang="de-DE" u="sng" dirty="0"/>
+              <a:t>EstMB:</a:t>
+            </a:r>
+            <a:endParaRPr lang="de-DE" dirty="0"/>
+          </a:p>
+          <a:p>
+            <a:pPr marL="285750" indent="-285750">
+              <a:buFontTx/>
+              <a:buChar char="-"/>
+            </a:pPr>
+            <a:r>
+              <a:rPr lang="de-DE" dirty="0"/>
+              <a:t>Needs a lot of time for ALR -&gt; solved in HPC?</a:t>
             </a:r>
           </a:p>
           <a:p>
@@ -20315,7 +20473,7 @@
     </p:spTree>
     <p:extLst>
       <p:ext uri="{BB962C8B-B14F-4D97-AF65-F5344CB8AC3E}">
-        <p14:creationId xmlns:p14="http://schemas.microsoft.com/office/powerpoint/2010/main" val="2182919606"/>
+        <p14:creationId xmlns:p14="http://schemas.microsoft.com/office/powerpoint/2010/main" val="3441935650"/>
       </p:ext>
     </p:extLst>
   </p:cSld>
@@ -20347,7 +20505,7 @@
           <p:cNvPr id="2" name="Title 1">
             <a:extLst>
               <a:ext uri="{FF2B5EF4-FFF2-40B4-BE49-F238E27FC236}">
-                <a16:creationId xmlns:a16="http://schemas.microsoft.com/office/drawing/2014/main" id="{169D9D37-B637-4D74-BB75-639D51A491FB}"/>
+                <a16:creationId xmlns:a16="http://schemas.microsoft.com/office/drawing/2014/main" id="{6806FBA4-537C-4226-9D3A-758C7B787D79}"/>
               </a:ext>
             </a:extLst>
           </p:cNvPr>
@@ -20358,118 +20516,16 @@
             <p:ph type="title"/>
           </p:nvPr>
         </p:nvSpPr>
-        <p:spPr>
-          <a:xfrm>
-            <a:off x="1640156" y="628124"/>
-            <a:ext cx="8911687" cy="1280890"/>
-          </a:xfrm>
-        </p:spPr>
+        <p:spPr/>
         <p:txBody>
           <a:bodyPr/>
           <a:lstStyle/>
           <a:p>
             <a:r>
               <a:rPr lang="de-DE" b="1" dirty="0"/>
-              <a:t>Data set</a:t>
+              <a:t>Hierarchy dimensionality reduction</a:t>
             </a:r>
             <a:endParaRPr lang="en-US" b="1" dirty="0"/>
-          </a:p>
-        </p:txBody>
-      </p:sp>
-      <p:sp>
-        <p:nvSpPr>
-          <p:cNvPr id="3" name="Content Placeholder 2">
-            <a:extLst>
-              <a:ext uri="{FF2B5EF4-FFF2-40B4-BE49-F238E27FC236}">
-                <a16:creationId xmlns:a16="http://schemas.microsoft.com/office/drawing/2014/main" id="{D4D56813-9DF8-4D28-B156-1DE48E95DBC2}"/>
-              </a:ext>
-            </a:extLst>
-          </p:cNvPr>
-          <p:cNvSpPr>
-            <a:spLocks noGrp="1"/>
-          </p:cNvSpPr>
-          <p:nvPr>
-            <p:ph idx="1"/>
-          </p:nvPr>
-        </p:nvSpPr>
-        <p:spPr>
-          <a:xfrm>
-            <a:off x="2592495" y="1317171"/>
-            <a:ext cx="8915400" cy="4369465"/>
-          </a:xfrm>
-        </p:spPr>
-        <p:txBody>
-          <a:bodyPr>
-            <a:normAutofit/>
-          </a:bodyPr>
-          <a:lstStyle/>
-          <a:p>
-            <a:r>
-              <a:rPr lang="de-DE" dirty="0"/>
-              <a:t>Compare what Thomas P. Quinn uses (13 datasets) and take out from estonian biobank</a:t>
-            </a:r>
-          </a:p>
-          <a:p>
-            <a:r>
-              <a:rPr lang="de-DE" dirty="0"/>
-              <a:t> prediction/classification tasks</a:t>
-            </a:r>
-          </a:p>
-          <a:p>
-            <a:r>
-              <a:rPr lang="de-DE" dirty="0"/>
-              <a:t>One with continuous and one with discrete variables</a:t>
-            </a:r>
-          </a:p>
-          <a:p>
-            <a:r>
-              <a:rPr lang="de-DE" dirty="0"/>
-              <a:t>one with high correlation and one with low to microbiomes</a:t>
-            </a:r>
-          </a:p>
-          <a:p>
-            <a:r>
-              <a:rPr lang="de-DE" dirty="0"/>
-              <a:t>one small and one large data set</a:t>
-            </a:r>
-          </a:p>
-          <a:p>
-            <a:r>
-              <a:rPr lang="de-DE" dirty="0"/>
-              <a:t>EstMB, colorectal cancer, PCOS</a:t>
-            </a:r>
-          </a:p>
-          <a:p>
-            <a:endParaRPr lang="de-DE" dirty="0"/>
-          </a:p>
-        </p:txBody>
-      </p:sp>
-      <p:sp>
-        <p:nvSpPr>
-          <p:cNvPr id="4" name="Date Placeholder 3">
-            <a:extLst>
-              <a:ext uri="{FF2B5EF4-FFF2-40B4-BE49-F238E27FC236}">
-                <a16:creationId xmlns:a16="http://schemas.microsoft.com/office/drawing/2014/main" id="{D53DB4F4-84EC-4588-88E6-8D8519D6A1E8}"/>
-              </a:ext>
-            </a:extLst>
-          </p:cNvPr>
-          <p:cNvSpPr>
-            <a:spLocks noGrp="1"/>
-          </p:cNvSpPr>
-          <p:nvPr>
-            <p:ph type="dt" sz="half" idx="10"/>
-          </p:nvPr>
-        </p:nvSpPr>
-        <p:spPr/>
-        <p:txBody>
-          <a:bodyPr/>
-          <a:lstStyle/>
-          <a:p>
-            <a:fld id="{5A2DBB50-F561-45B0-9BE5-95A455D2CD8B}" type="datetime1">
-              <a:rPr lang="en-US" smtClean="0"/>
-              <a:t>4/11/2022</a:t>
-            </a:fld>
-            <a:endParaRPr lang="en-US" dirty="0"/>
           </a:p>
         </p:txBody>
       </p:sp>
@@ -20478,7 +20534,7 @@
           <p:cNvPr id="5" name="Footer Placeholder 4">
             <a:extLst>
               <a:ext uri="{FF2B5EF4-FFF2-40B4-BE49-F238E27FC236}">
-                <a16:creationId xmlns:a16="http://schemas.microsoft.com/office/drawing/2014/main" id="{A7F3346A-3F24-484B-A6D3-55D66520C917}"/>
+                <a16:creationId xmlns:a16="http://schemas.microsoft.com/office/drawing/2014/main" id="{707C4F70-832A-416B-9491-EE86347B2812}"/>
               </a:ext>
             </a:extLst>
           </p:cNvPr>
@@ -20507,7 +20563,7 @@
           <p:cNvPr id="6" name="Slide Number Placeholder 5">
             <a:extLst>
               <a:ext uri="{FF2B5EF4-FFF2-40B4-BE49-F238E27FC236}">
-                <a16:creationId xmlns:a16="http://schemas.microsoft.com/office/drawing/2014/main" id="{C4B3B4A6-E708-4F88-8CA2-BDE8FCF0C0AC}"/>
+                <a16:creationId xmlns:a16="http://schemas.microsoft.com/office/drawing/2014/main" id="{1028CB34-29B5-49CB-99E4-E945C3D78896}"/>
               </a:ext>
             </a:extLst>
           </p:cNvPr>
@@ -20534,10 +20590,10 @@
       </p:sp>
       <p:sp>
         <p:nvSpPr>
-          <p:cNvPr id="8" name="TextBox 7">
+          <p:cNvPr id="26" name="TextBox 25">
             <a:extLst>
               <a:ext uri="{FF2B5EF4-FFF2-40B4-BE49-F238E27FC236}">
-                <a16:creationId xmlns:a16="http://schemas.microsoft.com/office/drawing/2014/main" id="{6A373959-7937-4239-AAA7-0B90CAF1A620}"/>
+                <a16:creationId xmlns:a16="http://schemas.microsoft.com/office/drawing/2014/main" id="{CC7BEBFF-3D20-441C-B1B2-0CE34904FDE4}"/>
               </a:ext>
             </a:extLst>
           </p:cNvPr>
@@ -20546,8 +20602,8 @@
         </p:nvSpPr>
         <p:spPr>
           <a:xfrm>
-            <a:off x="2260283" y="4487322"/>
-            <a:ext cx="6097904" cy="923330"/>
+            <a:off x="1698819" y="1152907"/>
+            <a:ext cx="3654858" cy="400110"/>
           </a:xfrm>
           <a:prstGeom prst="rect">
             <a:avLst/>
@@ -20555,28 +20611,94 @@
           <a:noFill/>
         </p:spPr>
         <p:txBody>
-          <a:bodyPr wrap="square">
+          <a:bodyPr wrap="square" rtlCol="0">
             <a:spAutoFit/>
           </a:bodyPr>
           <a:lstStyle/>
           <a:p>
             <a:r>
-              <a:rPr lang="de-DE" b="1" dirty="0"/>
-              <a:t>CRC data set preparation and models:</a:t>
-            </a:r>
-          </a:p>
-          <a:p>
+              <a:rPr lang="de-DE" sz="2000" i="1" dirty="0"/>
+              <a:t>Problems and Notes</a:t>
+            </a:r>
+          </a:p>
+        </p:txBody>
+      </p:sp>
+      <p:sp>
+        <p:nvSpPr>
+          <p:cNvPr id="7" name="TextBox 6">
+            <a:extLst>
+              <a:ext uri="{FF2B5EF4-FFF2-40B4-BE49-F238E27FC236}">
+                <a16:creationId xmlns:a16="http://schemas.microsoft.com/office/drawing/2014/main" id="{B43BF96F-7A11-4087-9B01-CF6AACD20E04}"/>
+              </a:ext>
+            </a:extLst>
+          </p:cNvPr>
+          <p:cNvSpPr txBox="1"/>
+          <p:nvPr/>
+        </p:nvSpPr>
+        <p:spPr>
+          <a:xfrm>
+            <a:off x="2589212" y="1742696"/>
+            <a:ext cx="7102549" cy="1754326"/>
+          </a:xfrm>
+          <a:prstGeom prst="rect">
+            <a:avLst/>
+          </a:prstGeom>
+          <a:noFill/>
+        </p:spPr>
+        <p:txBody>
+          <a:bodyPr wrap="square" rtlCol="0">
+            <a:spAutoFit/>
+          </a:bodyPr>
+          <a:lstStyle/>
+          <a:p>
+            <a:r>
+              <a:rPr lang="de-DE" u="sng" dirty="0"/>
+              <a:t>PCA</a:t>
+            </a:r>
             <a:r>
               <a:rPr lang="de-DE" dirty="0"/>
-              <a:t>https://github.com/zellerlab/crc_meta/blob/master/src/prepare_data.R</a:t>
-            </a:r>
+              <a:t>:</a:t>
+            </a:r>
+          </a:p>
+          <a:p>
+            <a:pPr marL="285750" indent="-285750">
+              <a:buFontTx/>
+              <a:buChar char="-"/>
+            </a:pPr>
+            <a:r>
+              <a:rPr lang="de-DE" dirty="0"/>
+              <a:t>Microbiome Preprocessing Machine Learning Pipeline (2021)</a:t>
+            </a:r>
+          </a:p>
+          <a:p>
+            <a:pPr marL="285750" indent="-285750">
+              <a:buFontTx/>
+              <a:buChar char="-"/>
+            </a:pPr>
+            <a:r>
+              <a:rPr lang="de-DE" dirty="0"/>
+              <a:t>Proposes to use PCA as hierarchy reduction </a:t>
+            </a:r>
+          </a:p>
+          <a:p>
+            <a:pPr marL="285750" indent="-285750">
+              <a:buFontTx/>
+              <a:buChar char="-"/>
+            </a:pPr>
+            <a:r>
+              <a:rPr lang="de-DE" dirty="0"/>
+              <a:t>Families can be clustered and genus is not necessary</a:t>
+            </a:r>
+          </a:p>
+          <a:p>
+            <a:endParaRPr lang="de-DE" dirty="0"/>
           </a:p>
         </p:txBody>
       </p:sp>
     </p:spTree>
     <p:extLst>
       <p:ext uri="{BB962C8B-B14F-4D97-AF65-F5344CB8AC3E}">
-        <p14:creationId xmlns:p14="http://schemas.microsoft.com/office/powerpoint/2010/main" val="4097922265"/>
+        <p14:creationId xmlns:p14="http://schemas.microsoft.com/office/powerpoint/2010/main" val="2182919606"/>
       </p:ext>
     </p:extLst>
   </p:cSld>
@@ -20608,6 +20730,267 @@
           <p:cNvPr id="2" name="Title 1">
             <a:extLst>
               <a:ext uri="{FF2B5EF4-FFF2-40B4-BE49-F238E27FC236}">
+                <a16:creationId xmlns:a16="http://schemas.microsoft.com/office/drawing/2014/main" id="{169D9D37-B637-4D74-BB75-639D51A491FB}"/>
+              </a:ext>
+            </a:extLst>
+          </p:cNvPr>
+          <p:cNvSpPr>
+            <a:spLocks noGrp="1"/>
+          </p:cNvSpPr>
+          <p:nvPr>
+            <p:ph type="title"/>
+          </p:nvPr>
+        </p:nvSpPr>
+        <p:spPr>
+          <a:xfrm>
+            <a:off x="1640156" y="628124"/>
+            <a:ext cx="8911687" cy="1280890"/>
+          </a:xfrm>
+        </p:spPr>
+        <p:txBody>
+          <a:bodyPr/>
+          <a:lstStyle/>
+          <a:p>
+            <a:r>
+              <a:rPr lang="de-DE" b="1" dirty="0"/>
+              <a:t>Data set</a:t>
+            </a:r>
+            <a:endParaRPr lang="en-US" b="1" dirty="0"/>
+          </a:p>
+        </p:txBody>
+      </p:sp>
+      <p:sp>
+        <p:nvSpPr>
+          <p:cNvPr id="3" name="Content Placeholder 2">
+            <a:extLst>
+              <a:ext uri="{FF2B5EF4-FFF2-40B4-BE49-F238E27FC236}">
+                <a16:creationId xmlns:a16="http://schemas.microsoft.com/office/drawing/2014/main" id="{D4D56813-9DF8-4D28-B156-1DE48E95DBC2}"/>
+              </a:ext>
+            </a:extLst>
+          </p:cNvPr>
+          <p:cNvSpPr>
+            <a:spLocks noGrp="1"/>
+          </p:cNvSpPr>
+          <p:nvPr>
+            <p:ph idx="1"/>
+          </p:nvPr>
+        </p:nvSpPr>
+        <p:spPr>
+          <a:xfrm>
+            <a:off x="2592495" y="1317171"/>
+            <a:ext cx="8915400" cy="4369465"/>
+          </a:xfrm>
+        </p:spPr>
+        <p:txBody>
+          <a:bodyPr>
+            <a:normAutofit/>
+          </a:bodyPr>
+          <a:lstStyle/>
+          <a:p>
+            <a:r>
+              <a:rPr lang="de-DE" dirty="0"/>
+              <a:t>Compare what Thomas P. Quinn uses (13 datasets) and take out from estonian biobank</a:t>
+            </a:r>
+          </a:p>
+          <a:p>
+            <a:r>
+              <a:rPr lang="de-DE" dirty="0"/>
+              <a:t> prediction/classification tasks</a:t>
+            </a:r>
+          </a:p>
+          <a:p>
+            <a:r>
+              <a:rPr lang="de-DE" dirty="0"/>
+              <a:t>One with continuous and one with discrete variables</a:t>
+            </a:r>
+          </a:p>
+          <a:p>
+            <a:r>
+              <a:rPr lang="de-DE" dirty="0"/>
+              <a:t>one with high correlation and one with low to microbiomes</a:t>
+            </a:r>
+          </a:p>
+          <a:p>
+            <a:r>
+              <a:rPr lang="de-DE" dirty="0"/>
+              <a:t>one small and one large data set</a:t>
+            </a:r>
+          </a:p>
+          <a:p>
+            <a:r>
+              <a:rPr lang="de-DE" dirty="0"/>
+              <a:t>EstMB, colorectal cancer, PCOS</a:t>
+            </a:r>
+          </a:p>
+          <a:p>
+            <a:endParaRPr lang="de-DE" dirty="0"/>
+          </a:p>
+        </p:txBody>
+      </p:sp>
+      <p:sp>
+        <p:nvSpPr>
+          <p:cNvPr id="4" name="Date Placeholder 3">
+            <a:extLst>
+              <a:ext uri="{FF2B5EF4-FFF2-40B4-BE49-F238E27FC236}">
+                <a16:creationId xmlns:a16="http://schemas.microsoft.com/office/drawing/2014/main" id="{D53DB4F4-84EC-4588-88E6-8D8519D6A1E8}"/>
+              </a:ext>
+            </a:extLst>
+          </p:cNvPr>
+          <p:cNvSpPr>
+            <a:spLocks noGrp="1"/>
+          </p:cNvSpPr>
+          <p:nvPr>
+            <p:ph type="dt" sz="half" idx="10"/>
+          </p:nvPr>
+        </p:nvSpPr>
+        <p:spPr/>
+        <p:txBody>
+          <a:bodyPr/>
+          <a:lstStyle/>
+          <a:p>
+            <a:fld id="{5A2DBB50-F561-45B0-9BE5-95A455D2CD8B}" type="datetime1">
+              <a:rPr lang="en-US" smtClean="0"/>
+              <a:t>4/14/2022</a:t>
+            </a:fld>
+            <a:endParaRPr lang="en-US" dirty="0"/>
+          </a:p>
+        </p:txBody>
+      </p:sp>
+      <p:sp>
+        <p:nvSpPr>
+          <p:cNvPr id="5" name="Footer Placeholder 4">
+            <a:extLst>
+              <a:ext uri="{FF2B5EF4-FFF2-40B4-BE49-F238E27FC236}">
+                <a16:creationId xmlns:a16="http://schemas.microsoft.com/office/drawing/2014/main" id="{A7F3346A-3F24-484B-A6D3-55D66520C917}"/>
+              </a:ext>
+            </a:extLst>
+          </p:cNvPr>
+          <p:cNvSpPr>
+            <a:spLocks noGrp="1"/>
+          </p:cNvSpPr>
+          <p:nvPr>
+            <p:ph type="ftr" sz="quarter" idx="11"/>
+          </p:nvPr>
+        </p:nvSpPr>
+        <p:spPr/>
+        <p:txBody>
+          <a:bodyPr/>
+          <a:lstStyle/>
+          <a:p>
+            <a:r>
+              <a:rPr lang="en-US"/>
+              <a:t>jennifer.neumaier@t-online.de</a:t>
+            </a:r>
+            <a:endParaRPr lang="en-US" dirty="0"/>
+          </a:p>
+        </p:txBody>
+      </p:sp>
+      <p:sp>
+        <p:nvSpPr>
+          <p:cNvPr id="6" name="Slide Number Placeholder 5">
+            <a:extLst>
+              <a:ext uri="{FF2B5EF4-FFF2-40B4-BE49-F238E27FC236}">
+                <a16:creationId xmlns:a16="http://schemas.microsoft.com/office/drawing/2014/main" id="{C4B3B4A6-E708-4F88-8CA2-BDE8FCF0C0AC}"/>
+              </a:ext>
+            </a:extLst>
+          </p:cNvPr>
+          <p:cNvSpPr>
+            <a:spLocks noGrp="1"/>
+          </p:cNvSpPr>
+          <p:nvPr>
+            <p:ph type="sldNum" sz="quarter" idx="12"/>
+          </p:nvPr>
+        </p:nvSpPr>
+        <p:spPr/>
+        <p:txBody>
+          <a:bodyPr/>
+          <a:lstStyle/>
+          <a:p>
+            <a:fld id="{D57F1E4F-1CFF-5643-939E-217C01CDF565}" type="slidenum">
+              <a:rPr lang="en-US" smtClean="0"/>
+              <a:pPr/>
+              <a:t>24</a:t>
+            </a:fld>
+            <a:endParaRPr lang="en-US" dirty="0"/>
+          </a:p>
+        </p:txBody>
+      </p:sp>
+      <p:sp>
+        <p:nvSpPr>
+          <p:cNvPr id="8" name="TextBox 7">
+            <a:extLst>
+              <a:ext uri="{FF2B5EF4-FFF2-40B4-BE49-F238E27FC236}">
+                <a16:creationId xmlns:a16="http://schemas.microsoft.com/office/drawing/2014/main" id="{6A373959-7937-4239-AAA7-0B90CAF1A620}"/>
+              </a:ext>
+            </a:extLst>
+          </p:cNvPr>
+          <p:cNvSpPr txBox="1"/>
+          <p:nvPr/>
+        </p:nvSpPr>
+        <p:spPr>
+          <a:xfrm>
+            <a:off x="2260283" y="4487322"/>
+            <a:ext cx="6097904" cy="923330"/>
+          </a:xfrm>
+          <a:prstGeom prst="rect">
+            <a:avLst/>
+          </a:prstGeom>
+          <a:noFill/>
+        </p:spPr>
+        <p:txBody>
+          <a:bodyPr wrap="square">
+            <a:spAutoFit/>
+          </a:bodyPr>
+          <a:lstStyle/>
+          <a:p>
+            <a:r>
+              <a:rPr lang="de-DE" b="1" dirty="0"/>
+              <a:t>CRC data set preparation and models:</a:t>
+            </a:r>
+          </a:p>
+          <a:p>
+            <a:r>
+              <a:rPr lang="de-DE" dirty="0"/>
+              <a:t>https://github.com/zellerlab/crc_meta/blob/master/src/prepare_data.R</a:t>
+            </a:r>
+          </a:p>
+        </p:txBody>
+      </p:sp>
+    </p:spTree>
+    <p:extLst>
+      <p:ext uri="{BB962C8B-B14F-4D97-AF65-F5344CB8AC3E}">
+        <p14:creationId xmlns:p14="http://schemas.microsoft.com/office/powerpoint/2010/main" val="4097922265"/>
+      </p:ext>
+    </p:extLst>
+  </p:cSld>
+  <p:clrMapOvr>
+    <a:masterClrMapping/>
+  </p:clrMapOvr>
+</p:sld>
+</file>
+
+<file path=ppt/slides/slide25.xml><?xml version="1.0" encoding="utf-8"?>
+<p:sld xmlns:a="http://schemas.openxmlformats.org/drawingml/2006/main" xmlns:r="http://schemas.openxmlformats.org/officeDocument/2006/relationships" xmlns:p="http://schemas.openxmlformats.org/presentationml/2006/main">
+  <p:cSld>
+    <p:spTree>
+      <p:nvGrpSpPr>
+        <p:cNvPr id="1" name=""/>
+        <p:cNvGrpSpPr/>
+        <p:nvPr/>
+      </p:nvGrpSpPr>
+      <p:grpSpPr>
+        <a:xfrm>
+          <a:off x="0" y="0"/>
+          <a:ext cx="0" cy="0"/>
+          <a:chOff x="0" y="0"/>
+          <a:chExt cx="0" cy="0"/>
+        </a:xfrm>
+      </p:grpSpPr>
+      <p:sp>
+        <p:nvSpPr>
+          <p:cNvPr id="2" name="Title 1">
+            <a:extLst>
+              <a:ext uri="{FF2B5EF4-FFF2-40B4-BE49-F238E27FC236}">
                 <a16:creationId xmlns:a16="http://schemas.microsoft.com/office/drawing/2014/main" id="{150EAB59-F93C-4B56-AD7E-A9B5BD800221}"/>
               </a:ext>
             </a:extLst>
@@ -20660,7 +21043,7 @@
           <a:p>
             <a:fld id="{BDD716FE-4A5D-4A13-A8EE-37F9C34BE666}" type="datetime1">
               <a:rPr lang="en-US" smtClean="0"/>
-              <a:t>4/11/2022</a:t>
+              <a:t>4/14/2022</a:t>
             </a:fld>
             <a:endParaRPr lang="en-US" dirty="0"/>
           </a:p>
@@ -20719,7 +21102,7 @@
             <a:fld id="{D57F1E4F-1CFF-5643-939E-217C01CDF565}" type="slidenum">
               <a:rPr lang="en-US" smtClean="0"/>
               <a:pPr/>
-              <a:t>24</a:t>
+              <a:t>25</a:t>
             </a:fld>
             <a:endParaRPr lang="en-US" dirty="0"/>
           </a:p>
@@ -20828,192 +21211,6 @@
 </p:sld>
 </file>
 
-<file path=ppt/slides/slide25.xml><?xml version="1.0" encoding="utf-8"?>
-<p:sld xmlns:a="http://schemas.openxmlformats.org/drawingml/2006/main" xmlns:r="http://schemas.openxmlformats.org/officeDocument/2006/relationships" xmlns:p="http://schemas.openxmlformats.org/presentationml/2006/main">
-  <p:cSld>
-    <p:spTree>
-      <p:nvGrpSpPr>
-        <p:cNvPr id="1" name=""/>
-        <p:cNvGrpSpPr/>
-        <p:nvPr/>
-      </p:nvGrpSpPr>
-      <p:grpSpPr>
-        <a:xfrm>
-          <a:off x="0" y="0"/>
-          <a:ext cx="0" cy="0"/>
-          <a:chOff x="0" y="0"/>
-          <a:chExt cx="0" cy="0"/>
-        </a:xfrm>
-      </p:grpSpPr>
-      <p:sp>
-        <p:nvSpPr>
-          <p:cNvPr id="2" name="Title 1">
-            <a:extLst>
-              <a:ext uri="{FF2B5EF4-FFF2-40B4-BE49-F238E27FC236}">
-                <a16:creationId xmlns:a16="http://schemas.microsoft.com/office/drawing/2014/main" id="{169D9D37-B637-4D74-BB75-639D51A491FB}"/>
-              </a:ext>
-            </a:extLst>
-          </p:cNvPr>
-          <p:cNvSpPr>
-            <a:spLocks noGrp="1"/>
-          </p:cNvSpPr>
-          <p:nvPr>
-            <p:ph type="title"/>
-          </p:nvPr>
-        </p:nvSpPr>
-        <p:spPr>
-          <a:xfrm>
-            <a:off x="1640156" y="628124"/>
-            <a:ext cx="8911687" cy="1280890"/>
-          </a:xfrm>
-        </p:spPr>
-        <p:txBody>
-          <a:bodyPr/>
-          <a:lstStyle/>
-          <a:p>
-            <a:r>
-              <a:rPr lang="de-DE" b="1" dirty="0"/>
-              <a:t>Problems</a:t>
-            </a:r>
-            <a:endParaRPr lang="en-US" b="1" dirty="0"/>
-          </a:p>
-        </p:txBody>
-      </p:sp>
-      <p:sp>
-        <p:nvSpPr>
-          <p:cNvPr id="3" name="Content Placeholder 2">
-            <a:extLst>
-              <a:ext uri="{FF2B5EF4-FFF2-40B4-BE49-F238E27FC236}">
-                <a16:creationId xmlns:a16="http://schemas.microsoft.com/office/drawing/2014/main" id="{D4D56813-9DF8-4D28-B156-1DE48E95DBC2}"/>
-              </a:ext>
-            </a:extLst>
-          </p:cNvPr>
-          <p:cNvSpPr>
-            <a:spLocks noGrp="1"/>
-          </p:cNvSpPr>
-          <p:nvPr>
-            <p:ph idx="1"/>
-          </p:nvPr>
-        </p:nvSpPr>
-        <p:spPr/>
-        <p:txBody>
-          <a:bodyPr/>
-          <a:lstStyle/>
-          <a:p>
-            <a:r>
-              <a:rPr lang="de-DE" dirty="0"/>
-              <a:t>Microbial features are not independent </a:t>
-            </a:r>
-          </a:p>
-          <a:p>
-            <a:r>
-              <a:rPr lang="de-DE" dirty="0"/>
-              <a:t>Some microbial features are found in correlation!</a:t>
-            </a:r>
-          </a:p>
-        </p:txBody>
-      </p:sp>
-      <p:sp>
-        <p:nvSpPr>
-          <p:cNvPr id="4" name="Date Placeholder 3">
-            <a:extLst>
-              <a:ext uri="{FF2B5EF4-FFF2-40B4-BE49-F238E27FC236}">
-                <a16:creationId xmlns:a16="http://schemas.microsoft.com/office/drawing/2014/main" id="{D53DB4F4-84EC-4588-88E6-8D8519D6A1E8}"/>
-              </a:ext>
-            </a:extLst>
-          </p:cNvPr>
-          <p:cNvSpPr>
-            <a:spLocks noGrp="1"/>
-          </p:cNvSpPr>
-          <p:nvPr>
-            <p:ph type="dt" sz="half" idx="10"/>
-          </p:nvPr>
-        </p:nvSpPr>
-        <p:spPr/>
-        <p:txBody>
-          <a:bodyPr/>
-          <a:lstStyle/>
-          <a:p>
-            <a:fld id="{5A2DBB50-F561-45B0-9BE5-95A455D2CD8B}" type="datetime1">
-              <a:rPr lang="en-US" smtClean="0"/>
-              <a:t>4/11/2022</a:t>
-            </a:fld>
-            <a:endParaRPr lang="en-US" dirty="0"/>
-          </a:p>
-        </p:txBody>
-      </p:sp>
-      <p:sp>
-        <p:nvSpPr>
-          <p:cNvPr id="5" name="Footer Placeholder 4">
-            <a:extLst>
-              <a:ext uri="{FF2B5EF4-FFF2-40B4-BE49-F238E27FC236}">
-                <a16:creationId xmlns:a16="http://schemas.microsoft.com/office/drawing/2014/main" id="{A7F3346A-3F24-484B-A6D3-55D66520C917}"/>
-              </a:ext>
-            </a:extLst>
-          </p:cNvPr>
-          <p:cNvSpPr>
-            <a:spLocks noGrp="1"/>
-          </p:cNvSpPr>
-          <p:nvPr>
-            <p:ph type="ftr" sz="quarter" idx="11"/>
-          </p:nvPr>
-        </p:nvSpPr>
-        <p:spPr/>
-        <p:txBody>
-          <a:bodyPr/>
-          <a:lstStyle/>
-          <a:p>
-            <a:r>
-              <a:rPr lang="en-US"/>
-              <a:t>jennifer.neumaier@t-online.de</a:t>
-            </a:r>
-            <a:endParaRPr lang="en-US" dirty="0"/>
-          </a:p>
-        </p:txBody>
-      </p:sp>
-      <p:sp>
-        <p:nvSpPr>
-          <p:cNvPr id="6" name="Slide Number Placeholder 5">
-            <a:extLst>
-              <a:ext uri="{FF2B5EF4-FFF2-40B4-BE49-F238E27FC236}">
-                <a16:creationId xmlns:a16="http://schemas.microsoft.com/office/drawing/2014/main" id="{C4B3B4A6-E708-4F88-8CA2-BDE8FCF0C0AC}"/>
-              </a:ext>
-            </a:extLst>
-          </p:cNvPr>
-          <p:cNvSpPr>
-            <a:spLocks noGrp="1"/>
-          </p:cNvSpPr>
-          <p:nvPr>
-            <p:ph type="sldNum" sz="quarter" idx="12"/>
-          </p:nvPr>
-        </p:nvSpPr>
-        <p:spPr/>
-        <p:txBody>
-          <a:bodyPr/>
-          <a:lstStyle/>
-          <a:p>
-            <a:fld id="{D57F1E4F-1CFF-5643-939E-217C01CDF565}" type="slidenum">
-              <a:rPr lang="en-US" smtClean="0"/>
-              <a:pPr/>
-              <a:t>25</a:t>
-            </a:fld>
-            <a:endParaRPr lang="en-US" dirty="0"/>
-          </a:p>
-        </p:txBody>
-      </p:sp>
-    </p:spTree>
-    <p:extLst>
-      <p:ext uri="{BB962C8B-B14F-4D97-AF65-F5344CB8AC3E}">
-        <p14:creationId xmlns:p14="http://schemas.microsoft.com/office/powerpoint/2010/main" val="1795355039"/>
-      </p:ext>
-    </p:extLst>
-  </p:cSld>
-  <p:clrMapOvr>
-    <a:masterClrMapping/>
-  </p:clrMapOvr>
-</p:sld>
-</file>
-
 <file path=ppt/slides/slide26.xml><?xml version="1.0" encoding="utf-8"?>
 <p:sld xmlns:a="http://schemas.openxmlformats.org/drawingml/2006/main" xmlns:r="http://schemas.openxmlformats.org/officeDocument/2006/relationships" xmlns:p="http://schemas.openxmlformats.org/presentationml/2006/main">
   <p:cSld>
@@ -21059,7 +21256,7 @@
           <a:p>
             <a:r>
               <a:rPr lang="de-DE" b="1" dirty="0"/>
-              <a:t>Notes 30.01. meeting</a:t>
+              <a:t>Problems</a:t>
             </a:r>
             <a:endParaRPr lang="en-US" b="1" dirty="0"/>
           </a:p>
@@ -21088,36 +21285,14 @@
           <a:p>
             <a:r>
               <a:rPr lang="de-DE" dirty="0"/>
-              <a:t>Review paper ML for microbiome paper</a:t>
+              <a:t>Microbial features are not independent </a:t>
             </a:r>
           </a:p>
           <a:p>
             <a:r>
               <a:rPr lang="de-DE" dirty="0"/>
-              <a:t>COST action paper</a:t>
-            </a:r>
-          </a:p>
-          <a:p>
-            <a:r>
-              <a:rPr lang="de-DE"/>
-              <a:t>Confidentiality form, sign, scan and send to Elin</a:t>
-            </a:r>
-            <a:endParaRPr lang="de-DE" dirty="0"/>
-          </a:p>
-          <a:p>
-            <a:r>
-              <a:rPr lang="de-DE" dirty="0"/>
-              <a:t>Meeting Oliver Friday, 4th February</a:t>
-            </a:r>
-          </a:p>
-          <a:p>
-            <a:r>
-              <a:rPr lang="de-DE" dirty="0"/>
-              <a:t>Literature Review: ~10-20 pages, include Figures and Tables, equations for major transformations, write for biologists</a:t>
-            </a:r>
-          </a:p>
-          <a:p>
-            <a:endParaRPr lang="de-DE" dirty="0"/>
+              <a:t>Some microbial features are found in correlation!</a:t>
+            </a:r>
           </a:p>
         </p:txBody>
       </p:sp>
@@ -21144,7 +21319,7 @@
           <a:p>
             <a:fld id="{5A2DBB50-F561-45B0-9BE5-95A455D2CD8B}" type="datetime1">
               <a:rPr lang="en-US" smtClean="0"/>
-              <a:t>4/11/2022</a:t>
+              <a:t>4/14/2022</a:t>
             </a:fld>
             <a:endParaRPr lang="en-US" dirty="0"/>
           </a:p>
@@ -21212,7 +21387,7 @@
     </p:spTree>
     <p:extLst>
       <p:ext uri="{BB962C8B-B14F-4D97-AF65-F5344CB8AC3E}">
-        <p14:creationId xmlns:p14="http://schemas.microsoft.com/office/powerpoint/2010/main" val="3993456640"/>
+        <p14:creationId xmlns:p14="http://schemas.microsoft.com/office/powerpoint/2010/main" val="1795355039"/>
       </p:ext>
     </p:extLst>
   </p:cSld>
@@ -21244,7 +21419,7 @@
           <p:cNvPr id="2" name="Title 1">
             <a:extLst>
               <a:ext uri="{FF2B5EF4-FFF2-40B4-BE49-F238E27FC236}">
-                <a16:creationId xmlns:a16="http://schemas.microsoft.com/office/drawing/2014/main" id="{D63F1953-0627-4313-9F69-D3CE525D057A}"/>
+                <a16:creationId xmlns:a16="http://schemas.microsoft.com/office/drawing/2014/main" id="{169D9D37-B637-4D74-BB75-639D51A491FB}"/>
               </a:ext>
             </a:extLst>
           </p:cNvPr>
@@ -21255,15 +21430,21 @@
             <p:ph type="title"/>
           </p:nvPr>
         </p:nvSpPr>
-        <p:spPr/>
+        <p:spPr>
+          <a:xfrm>
+            <a:off x="1640156" y="628124"/>
+            <a:ext cx="8911687" cy="1280890"/>
+          </a:xfrm>
+        </p:spPr>
         <p:txBody>
           <a:bodyPr/>
           <a:lstStyle/>
           <a:p>
             <a:r>
               <a:rPr lang="de-DE" b="1" dirty="0"/>
-              <a:t>Notes: 01.04. meeting</a:t>
-            </a:r>
+              <a:t>Notes 30.01. meeting</a:t>
+            </a:r>
+            <a:endParaRPr lang="en-US" b="1" dirty="0"/>
           </a:p>
         </p:txBody>
       </p:sp>
@@ -21272,7 +21453,7 @@
           <p:cNvPr id="3" name="Content Placeholder 2">
             <a:extLst>
               <a:ext uri="{FF2B5EF4-FFF2-40B4-BE49-F238E27FC236}">
-                <a16:creationId xmlns:a16="http://schemas.microsoft.com/office/drawing/2014/main" id="{10F6F84D-370D-481F-BDA8-9BEF48EC1F3D}"/>
+                <a16:creationId xmlns:a16="http://schemas.microsoft.com/office/drawing/2014/main" id="{D4D56813-9DF8-4D28-B156-1DE48E95DBC2}"/>
               </a:ext>
             </a:extLst>
           </p:cNvPr>
@@ -21290,80 +21471,35 @@
           <a:p>
             <a:r>
               <a:rPr lang="de-DE" dirty="0"/>
-              <a:t>Pipeline:</a:t>
-            </a:r>
-          </a:p>
-          <a:p>
-            <a:pPr lvl="1"/>
+              <a:t>Review paper ML for microbiome paper</a:t>
+            </a:r>
+          </a:p>
+          <a:p>
             <a:r>
               <a:rPr lang="de-DE" dirty="0"/>
-              <a:t>Test models and codacore on the same training&amp;test split (and set seed)</a:t>
-            </a:r>
-          </a:p>
-          <a:p>
-            <a:pPr lvl="1"/>
+              <a:t>COST action paper</a:t>
+            </a:r>
+          </a:p>
+          <a:p>
+            <a:r>
+              <a:rPr lang="de-DE"/>
+              <a:t>Confidentiality form, sign, scan and send to Elin</a:t>
+            </a:r>
+            <a:endParaRPr lang="de-DE" dirty="0"/>
+          </a:p>
+          <a:p>
             <a:r>
               <a:rPr lang="de-DE" dirty="0"/>
-              <a:t>Take out training and test split from run_ml?</a:t>
-            </a:r>
-          </a:p>
-          <a:p>
-            <a:pPr lvl="1"/>
+              <a:t>Meeting Oliver Friday, 4th February</a:t>
+            </a:r>
+          </a:p>
+          <a:p>
             <a:r>
               <a:rPr lang="de-DE" dirty="0"/>
-              <a:t>K_folds and CV_folds don‘t have to be the same for every data set</a:t>
-            </a:r>
-          </a:p>
-          <a:p>
-            <a:pPr lvl="1"/>
-            <a:r>
-              <a:rPr lang="de-DE" dirty="0"/>
-              <a:t>Time comparison?</a:t>
-            </a:r>
-          </a:p>
-          <a:p>
-            <a:r>
-              <a:rPr lang="de-DE" dirty="0"/>
-              <a:t>CRC:</a:t>
-            </a:r>
-          </a:p>
-          <a:p>
-            <a:pPr lvl="1"/>
-            <a:r>
-              <a:rPr lang="de-DE" dirty="0"/>
-              <a:t>Keep one country cohorts for extra validation </a:t>
-            </a:r>
-          </a:p>
-          <a:p>
-            <a:pPr lvl="1"/>
-            <a:r>
-              <a:rPr lang="de-DE" dirty="0"/>
-              <a:t>BMI as outcome_column for continuous</a:t>
-            </a:r>
-          </a:p>
-          <a:p>
-            <a:pPr lvl="1"/>
-            <a:r>
-              <a:rPr lang="de-DE" dirty="0"/>
-              <a:t>GROUP for classification </a:t>
-            </a:r>
-          </a:p>
-          <a:p>
-            <a:pPr marL="457200" lvl="1" indent="0">
-              <a:buNone/>
-            </a:pPr>
-            <a:endParaRPr lang="de-DE" dirty="0"/>
-          </a:p>
-          <a:p>
-            <a:pPr lvl="1"/>
-            <a:endParaRPr lang="de-DE" dirty="0"/>
-          </a:p>
-          <a:p>
-            <a:pPr lvl="1"/>
-            <a:endParaRPr lang="de-DE" dirty="0"/>
-          </a:p>
-          <a:p>
-            <a:pPr lvl="1"/>
+              <a:t>Literature Review: ~10-20 pages, include Figures and Tables, equations for major transformations, write for biologists</a:t>
+            </a:r>
+          </a:p>
+          <a:p>
             <a:endParaRPr lang="de-DE" dirty="0"/>
           </a:p>
         </p:txBody>
@@ -21373,7 +21509,7 @@
           <p:cNvPr id="4" name="Date Placeholder 3">
             <a:extLst>
               <a:ext uri="{FF2B5EF4-FFF2-40B4-BE49-F238E27FC236}">
-                <a16:creationId xmlns:a16="http://schemas.microsoft.com/office/drawing/2014/main" id="{DBF0C8DB-9090-4B20-AED9-6E2044F98AC2}"/>
+                <a16:creationId xmlns:a16="http://schemas.microsoft.com/office/drawing/2014/main" id="{D53DB4F4-84EC-4588-88E6-8D8519D6A1E8}"/>
               </a:ext>
             </a:extLst>
           </p:cNvPr>
@@ -21389,10 +21525,9 @@
           <a:bodyPr/>
           <a:lstStyle/>
           <a:p>
-            <a:fld id="{36D18B76-5E8B-4456-8722-FC5B14B0F354}" type="datetime1">
+            <a:fld id="{5A2DBB50-F561-45B0-9BE5-95A455D2CD8B}" type="datetime1">
               <a:rPr lang="en-US" smtClean="0"/>
-              <a:pPr/>
-              <a:t>4/11/2022</a:t>
+              <a:t>4/14/2022</a:t>
             </a:fld>
             <a:endParaRPr lang="en-US" dirty="0"/>
           </a:p>
@@ -21403,7 +21538,7 @@
           <p:cNvPr id="5" name="Footer Placeholder 4">
             <a:extLst>
               <a:ext uri="{FF2B5EF4-FFF2-40B4-BE49-F238E27FC236}">
-                <a16:creationId xmlns:a16="http://schemas.microsoft.com/office/drawing/2014/main" id="{DA6DF03D-2B74-42A5-8C31-B3A7B6D53ABB}"/>
+                <a16:creationId xmlns:a16="http://schemas.microsoft.com/office/drawing/2014/main" id="{A7F3346A-3F24-484B-A6D3-55D66520C917}"/>
               </a:ext>
             </a:extLst>
           </p:cNvPr>
@@ -21432,7 +21567,7 @@
           <p:cNvPr id="6" name="Slide Number Placeholder 5">
             <a:extLst>
               <a:ext uri="{FF2B5EF4-FFF2-40B4-BE49-F238E27FC236}">
-                <a16:creationId xmlns:a16="http://schemas.microsoft.com/office/drawing/2014/main" id="{EB397826-F4D6-4DDE-B171-FF032CD952B6}"/>
+                <a16:creationId xmlns:a16="http://schemas.microsoft.com/office/drawing/2014/main" id="{C4B3B4A6-E708-4F88-8CA2-BDE8FCF0C0AC}"/>
               </a:ext>
             </a:extLst>
           </p:cNvPr>
@@ -21460,7 +21595,7 @@
     </p:spTree>
     <p:extLst>
       <p:ext uri="{BB962C8B-B14F-4D97-AF65-F5344CB8AC3E}">
-        <p14:creationId xmlns:p14="http://schemas.microsoft.com/office/powerpoint/2010/main" val="1848759324"/>
+        <p14:creationId xmlns:p14="http://schemas.microsoft.com/office/powerpoint/2010/main" val="3993456640"/>
       </p:ext>
     </p:extLst>
   </p:cSld>
@@ -21492,7 +21627,7 @@
           <p:cNvPr id="2" name="Title 1">
             <a:extLst>
               <a:ext uri="{FF2B5EF4-FFF2-40B4-BE49-F238E27FC236}">
-                <a16:creationId xmlns:a16="http://schemas.microsoft.com/office/drawing/2014/main" id="{B0A21C35-E073-46BF-B8BA-AD632020DA6A}"/>
+                <a16:creationId xmlns:a16="http://schemas.microsoft.com/office/drawing/2014/main" id="{D63F1953-0627-4313-9F69-D3CE525D057A}"/>
               </a:ext>
             </a:extLst>
           </p:cNvPr>
@@ -21503,21 +21638,15 @@
             <p:ph type="title"/>
           </p:nvPr>
         </p:nvSpPr>
-        <p:spPr>
-          <a:xfrm>
-            <a:off x="1743839" y="628124"/>
-            <a:ext cx="8911687" cy="1280890"/>
-          </a:xfrm>
-        </p:spPr>
+        <p:spPr/>
         <p:txBody>
           <a:bodyPr/>
           <a:lstStyle/>
           <a:p>
             <a:r>
               <a:rPr lang="de-DE" b="1" dirty="0"/>
-              <a:t>Literature</a:t>
-            </a:r>
-            <a:endParaRPr lang="en-US" b="1" dirty="0"/>
+              <a:t>Notes: 01.04. meeting</a:t>
+            </a:r>
           </a:p>
         </p:txBody>
       </p:sp>
@@ -21526,7 +21655,7 @@
           <p:cNvPr id="3" name="Content Placeholder 2">
             <a:extLst>
               <a:ext uri="{FF2B5EF4-FFF2-40B4-BE49-F238E27FC236}">
-                <a16:creationId xmlns:a16="http://schemas.microsoft.com/office/drawing/2014/main" id="{47101FB2-294E-49F4-830F-4590B2616321}"/>
+                <a16:creationId xmlns:a16="http://schemas.microsoft.com/office/drawing/2014/main" id="{10F6F84D-370D-481F-BDA8-9BEF48EC1F3D}"/>
               </a:ext>
             </a:extLst>
           </p:cNvPr>
@@ -21543,33 +21672,82 @@
           <a:lstStyle/>
           <a:p>
             <a:r>
-              <a:rPr lang="en-US" dirty="0">
-                <a:hlinkClick r:id="rId2"/>
-              </a:rPr>
-              <a:t>https://www.youtube.com/watch?v=j1IbfQrT2Cs</a:t>
-            </a:r>
-            <a:r>
-              <a:rPr lang="en-US" dirty="0"/>
-              <a:t> (12.01.2022)</a:t>
-            </a:r>
-          </a:p>
-          <a:p>
-            <a:r>
-              <a:rPr lang="en-US">
-                <a:hlinkClick r:id="rId3"/>
-              </a:rPr>
-              <a:t>https://www.youtube.com/watch?v=fQPCeV4MUe4</a:t>
-            </a:r>
-            <a:r>
-              <a:rPr lang="en-US"/>
-              <a:t> (12.01.2022)</a:t>
-            </a:r>
-          </a:p>
-          <a:p>
-            <a:endParaRPr lang="en-US"/>
-          </a:p>
-          <a:p>
-            <a:endParaRPr lang="en-US" dirty="0"/>
+              <a:rPr lang="de-DE" dirty="0"/>
+              <a:t>Pipeline:</a:t>
+            </a:r>
+          </a:p>
+          <a:p>
+            <a:pPr lvl="1"/>
+            <a:r>
+              <a:rPr lang="de-DE" dirty="0"/>
+              <a:t>Test models and codacore on the same training&amp;test split (and set seed)</a:t>
+            </a:r>
+          </a:p>
+          <a:p>
+            <a:pPr lvl="1"/>
+            <a:r>
+              <a:rPr lang="de-DE" dirty="0"/>
+              <a:t>Take out training and test split from run_ml?</a:t>
+            </a:r>
+          </a:p>
+          <a:p>
+            <a:pPr lvl="1"/>
+            <a:r>
+              <a:rPr lang="de-DE" dirty="0"/>
+              <a:t>K_folds and CV_folds don‘t have to be the same for every data set</a:t>
+            </a:r>
+          </a:p>
+          <a:p>
+            <a:pPr lvl="1"/>
+            <a:r>
+              <a:rPr lang="de-DE" dirty="0"/>
+              <a:t>Time comparison?</a:t>
+            </a:r>
+          </a:p>
+          <a:p>
+            <a:r>
+              <a:rPr lang="de-DE" dirty="0"/>
+              <a:t>CRC:</a:t>
+            </a:r>
+          </a:p>
+          <a:p>
+            <a:pPr lvl="1"/>
+            <a:r>
+              <a:rPr lang="de-DE" dirty="0"/>
+              <a:t>Keep one country cohorts for extra validation </a:t>
+            </a:r>
+          </a:p>
+          <a:p>
+            <a:pPr lvl="1"/>
+            <a:r>
+              <a:rPr lang="de-DE" dirty="0"/>
+              <a:t>BMI as outcome_column for continuous</a:t>
+            </a:r>
+          </a:p>
+          <a:p>
+            <a:pPr lvl="1"/>
+            <a:r>
+              <a:rPr lang="de-DE" dirty="0"/>
+              <a:t>GROUP for classification </a:t>
+            </a:r>
+          </a:p>
+          <a:p>
+            <a:pPr marL="457200" lvl="1" indent="0">
+              <a:buNone/>
+            </a:pPr>
+            <a:endParaRPr lang="de-DE" dirty="0"/>
+          </a:p>
+          <a:p>
+            <a:pPr lvl="1"/>
+            <a:endParaRPr lang="de-DE" dirty="0"/>
+          </a:p>
+          <a:p>
+            <a:pPr lvl="1"/>
+            <a:endParaRPr lang="de-DE" dirty="0"/>
+          </a:p>
+          <a:p>
+            <a:pPr lvl="1"/>
+            <a:endParaRPr lang="de-DE" dirty="0"/>
           </a:p>
         </p:txBody>
       </p:sp>
@@ -21578,7 +21756,7 @@
           <p:cNvPr id="4" name="Date Placeholder 3">
             <a:extLst>
               <a:ext uri="{FF2B5EF4-FFF2-40B4-BE49-F238E27FC236}">
-                <a16:creationId xmlns:a16="http://schemas.microsoft.com/office/drawing/2014/main" id="{6EC31B32-BDB7-4E4F-ABF6-074F07CBA3EE}"/>
+                <a16:creationId xmlns:a16="http://schemas.microsoft.com/office/drawing/2014/main" id="{DBF0C8DB-9090-4B20-AED9-6E2044F98AC2}"/>
               </a:ext>
             </a:extLst>
           </p:cNvPr>
@@ -21594,9 +21772,10 @@
           <a:bodyPr/>
           <a:lstStyle/>
           <a:p>
-            <a:fld id="{93673764-947C-4E64-9BD5-474B9E9D9329}" type="datetime1">
+            <a:fld id="{36D18B76-5E8B-4456-8722-FC5B14B0F354}" type="datetime1">
               <a:rPr lang="en-US" smtClean="0"/>
-              <a:t>4/11/2022</a:t>
+              <a:pPr/>
+              <a:t>4/14/2022</a:t>
             </a:fld>
             <a:endParaRPr lang="en-US" dirty="0"/>
           </a:p>
@@ -21607,7 +21786,7 @@
           <p:cNvPr id="5" name="Footer Placeholder 4">
             <a:extLst>
               <a:ext uri="{FF2B5EF4-FFF2-40B4-BE49-F238E27FC236}">
-                <a16:creationId xmlns:a16="http://schemas.microsoft.com/office/drawing/2014/main" id="{B58E6EF9-C928-441B-8DAA-81DBD51CC12C}"/>
+                <a16:creationId xmlns:a16="http://schemas.microsoft.com/office/drawing/2014/main" id="{DA6DF03D-2B74-42A5-8C31-B3A7B6D53ABB}"/>
               </a:ext>
             </a:extLst>
           </p:cNvPr>
@@ -21636,7 +21815,7 @@
           <p:cNvPr id="6" name="Slide Number Placeholder 5">
             <a:extLst>
               <a:ext uri="{FF2B5EF4-FFF2-40B4-BE49-F238E27FC236}">
-                <a16:creationId xmlns:a16="http://schemas.microsoft.com/office/drawing/2014/main" id="{60FA85C6-0C31-406E-9635-38232E74BF73}"/>
+                <a16:creationId xmlns:a16="http://schemas.microsoft.com/office/drawing/2014/main" id="{EB397826-F4D6-4DDE-B171-FF032CD952B6}"/>
               </a:ext>
             </a:extLst>
           </p:cNvPr>
@@ -21664,7 +21843,7 @@
     </p:spTree>
     <p:extLst>
       <p:ext uri="{BB962C8B-B14F-4D97-AF65-F5344CB8AC3E}">
-        <p14:creationId xmlns:p14="http://schemas.microsoft.com/office/powerpoint/2010/main" val="2900572126"/>
+        <p14:creationId xmlns:p14="http://schemas.microsoft.com/office/powerpoint/2010/main" val="1848759324"/>
       </p:ext>
     </p:extLst>
   </p:cSld>
@@ -21691,330 +21870,89 @@
           <a:chExt cx="0" cy="0"/>
         </a:xfrm>
       </p:grpSpPr>
-      <p:pic>
-        <p:nvPicPr>
-          <p:cNvPr id="7" name="Graphic 6" descr="Address Book with solid fill">
+      <p:sp>
+        <p:nvSpPr>
+          <p:cNvPr id="2" name="Title 1">
             <a:extLst>
               <a:ext uri="{FF2B5EF4-FFF2-40B4-BE49-F238E27FC236}">
-                <a16:creationId xmlns:a16="http://schemas.microsoft.com/office/drawing/2014/main" id="{6851D747-2228-4FF5-B24C-C5389E1FC273}"/>
+                <a16:creationId xmlns:a16="http://schemas.microsoft.com/office/drawing/2014/main" id="{B0A21C35-E073-46BF-B8BA-AD632020DA6A}"/>
               </a:ext>
             </a:extLst>
           </p:cNvPr>
-          <p:cNvPicPr>
-            <a:picLocks noChangeAspect="1"/>
-          </p:cNvPicPr>
-          <p:nvPr/>
-        </p:nvPicPr>
-        <p:blipFill>
-          <a:blip r:embed="rId2">
-            <a:extLst>
-              <a:ext uri="{28A0092B-C50C-407E-A947-70E740481C1C}">
-                <a14:useLocalDpi xmlns:a14="http://schemas.microsoft.com/office/drawing/2010/main" val="0"/>
-              </a:ext>
-              <a:ext uri="{96DAC541-7B7A-43D3-8B79-37D633B846F1}">
-                <asvg:svgBlip xmlns:asvg="http://schemas.microsoft.com/office/drawing/2016/SVG/main" r:embed="rId3"/>
-              </a:ext>
-            </a:extLst>
-          </a:blip>
-          <a:stretch>
-            <a:fillRect/>
-          </a:stretch>
-        </p:blipFill>
+          <p:cNvSpPr>
+            <a:spLocks noGrp="1"/>
+          </p:cNvSpPr>
+          <p:nvPr>
+            <p:ph type="title"/>
+          </p:nvPr>
+        </p:nvSpPr>
         <p:spPr>
-          <a:xfrm rot="790859">
-            <a:off x="7602449" y="1181536"/>
-            <a:ext cx="4311293" cy="4311293"/>
+          <a:xfrm>
+            <a:off x="1743839" y="628124"/>
+            <a:ext cx="8911687" cy="1280890"/>
           </a:xfrm>
-          <a:custGeom>
-            <a:avLst/>
-            <a:gdLst/>
-            <a:ahLst/>
-            <a:cxnLst/>
-            <a:rect l="l" t="t" r="r" b="b"/>
-            <a:pathLst>
-              <a:path w="4114800" h="5712488">
-                <a:moveTo>
-                  <a:pt x="133155" y="0"/>
-                </a:moveTo>
-                <a:lnTo>
-                  <a:pt x="3981645" y="0"/>
-                </a:lnTo>
-                <a:cubicBezTo>
-                  <a:pt x="4055184" y="0"/>
-                  <a:pt x="4114800" y="59616"/>
-                  <a:pt x="4114800" y="133155"/>
-                </a:cubicBezTo>
-                <a:lnTo>
-                  <a:pt x="4114800" y="5579333"/>
-                </a:lnTo>
-                <a:cubicBezTo>
-                  <a:pt x="4114800" y="5652872"/>
-                  <a:pt x="4055184" y="5712488"/>
-                  <a:pt x="3981645" y="5712488"/>
-                </a:cubicBezTo>
-                <a:lnTo>
-                  <a:pt x="133155" y="5712488"/>
-                </a:lnTo>
-                <a:cubicBezTo>
-                  <a:pt x="59616" y="5712488"/>
-                  <a:pt x="0" y="5652872"/>
-                  <a:pt x="0" y="5579333"/>
-                </a:cubicBezTo>
-                <a:lnTo>
-                  <a:pt x="0" y="133155"/>
-                </a:lnTo>
-                <a:cubicBezTo>
-                  <a:pt x="0" y="59616"/>
-                  <a:pt x="59616" y="0"/>
-                  <a:pt x="133155" y="0"/>
-                </a:cubicBezTo>
-                <a:close/>
-              </a:path>
-            </a:pathLst>
-          </a:custGeom>
         </p:spPr>
-      </p:pic>
-      <p:sp>
-        <p:nvSpPr>
-          <p:cNvPr id="32" name="TextBox 31">
+        <p:txBody>
+          <a:bodyPr/>
+          <a:lstStyle/>
+          <a:p>
+            <a:r>
+              <a:rPr lang="de-DE" b="1" dirty="0"/>
+              <a:t>Literature</a:t>
+            </a:r>
+            <a:endParaRPr lang="en-US" b="1" dirty="0"/>
+          </a:p>
+        </p:txBody>
+      </p:sp>
+      <p:sp>
+        <p:nvSpPr>
+          <p:cNvPr id="3" name="Content Placeholder 2">
             <a:extLst>
               <a:ext uri="{FF2B5EF4-FFF2-40B4-BE49-F238E27FC236}">
-                <a16:creationId xmlns:a16="http://schemas.microsoft.com/office/drawing/2014/main" id="{A3B93664-412E-47BE-9D0B-5944E25B61FD}"/>
+                <a16:creationId xmlns:a16="http://schemas.microsoft.com/office/drawing/2014/main" id="{47101FB2-294E-49F4-830F-4590B2616321}"/>
               </a:ext>
             </a:extLst>
           </p:cNvPr>
-          <p:cNvSpPr txBox="1"/>
-          <p:nvPr/>
-        </p:nvSpPr>
-        <p:spPr>
-          <a:xfrm>
-            <a:off x="1735587" y="4901796"/>
-            <a:ext cx="6254527" cy="710451"/>
-          </a:xfrm>
-          <a:prstGeom prst="rect">
-            <a:avLst/>
-          </a:prstGeom>
-          <a:noFill/>
-        </p:spPr>
-        <p:txBody>
-          <a:bodyPr wrap="square">
-            <a:spAutoFit/>
-          </a:bodyPr>
+          <p:cNvSpPr>
+            <a:spLocks noGrp="1"/>
+          </p:cNvSpPr>
+          <p:nvPr>
+            <p:ph idx="1"/>
+          </p:nvPr>
+        </p:nvSpPr>
+        <p:spPr/>
+        <p:txBody>
+          <a:bodyPr/>
           <a:lstStyle/>
           <a:p>
-            <a:pPr>
-              <a:lnSpc>
-                <a:spcPct val="90000"/>
-              </a:lnSpc>
-              <a:spcAft>
-                <a:spcPts val="450"/>
-              </a:spcAft>
-            </a:pPr>
-            <a:r>
-              <a:rPr lang="en-US" sz="2000" i="1" dirty="0"/>
-              <a:t>Bioinformatics</a:t>
-            </a:r>
-          </a:p>
-          <a:p>
-            <a:pPr lvl="1">
-              <a:lnSpc>
-                <a:spcPct val="90000"/>
-              </a:lnSpc>
-              <a:spcAft>
-                <a:spcPts val="450"/>
-              </a:spcAft>
-            </a:pPr>
-            <a:r>
-              <a:rPr lang="en-US" sz="2000" dirty="0"/>
-              <a:t>Lucas </a:t>
-            </a:r>
-            <a:r>
-              <a:rPr lang="en-US" sz="2000" dirty="0" err="1"/>
-              <a:t>Moitinho</a:t>
-            </a:r>
-            <a:r>
-              <a:rPr lang="en-US" sz="2000" dirty="0"/>
-              <a:t>-Silva (l.silva@ikmb.uni-kiel.de)</a:t>
-            </a:r>
-          </a:p>
-        </p:txBody>
-      </p:sp>
-      <p:sp>
-        <p:nvSpPr>
-          <p:cNvPr id="33" name="TextBox 32">
-            <a:extLst>
-              <a:ext uri="{FF2B5EF4-FFF2-40B4-BE49-F238E27FC236}">
-                <a16:creationId xmlns:a16="http://schemas.microsoft.com/office/drawing/2014/main" id="{E4D5FC6B-D426-470A-8ABC-B88774E75115}"/>
-              </a:ext>
-            </a:extLst>
-          </p:cNvPr>
-          <p:cNvSpPr txBox="1"/>
-          <p:nvPr/>
-        </p:nvSpPr>
-        <p:spPr>
-          <a:xfrm>
-            <a:off x="1795986" y="2286804"/>
-            <a:ext cx="5998185" cy="710451"/>
-          </a:xfrm>
-          <a:prstGeom prst="rect">
-            <a:avLst/>
-          </a:prstGeom>
-          <a:noFill/>
-        </p:spPr>
-        <p:txBody>
-          <a:bodyPr wrap="square">
-            <a:spAutoFit/>
-          </a:bodyPr>
-          <a:lstStyle/>
-          <a:p>
-            <a:pPr>
-              <a:lnSpc>
-                <a:spcPct val="90000"/>
-              </a:lnSpc>
-              <a:spcAft>
-                <a:spcPts val="450"/>
-              </a:spcAft>
-            </a:pPr>
-            <a:r>
-              <a:rPr lang="en-US" sz="2000" i="1" dirty="0"/>
-              <a:t>Supervisor</a:t>
-            </a:r>
-          </a:p>
-          <a:p>
-            <a:pPr lvl="1">
-              <a:lnSpc>
-                <a:spcPct val="90000"/>
-              </a:lnSpc>
-              <a:spcAft>
-                <a:spcPts val="450"/>
-              </a:spcAft>
-            </a:pPr>
-            <a:r>
-              <a:rPr lang="en-US" sz="2000" dirty="0"/>
-              <a:t>Oliver </a:t>
-            </a:r>
-            <a:r>
-              <a:rPr lang="en-US" sz="2000" dirty="0" err="1"/>
-              <a:t>Asmets</a:t>
-            </a:r>
-            <a:r>
-              <a:rPr lang="en-US" sz="2000" dirty="0"/>
-              <a:t> ()</a:t>
-            </a:r>
-          </a:p>
-        </p:txBody>
-      </p:sp>
-      <p:sp>
-        <p:nvSpPr>
-          <p:cNvPr id="35" name="TextBox 34">
-            <a:extLst>
-              <a:ext uri="{FF2B5EF4-FFF2-40B4-BE49-F238E27FC236}">
-                <a16:creationId xmlns:a16="http://schemas.microsoft.com/office/drawing/2014/main" id="{47287ECE-C4E5-4B11-BB50-8930F2931B5E}"/>
-              </a:ext>
-            </a:extLst>
-          </p:cNvPr>
-          <p:cNvSpPr txBox="1"/>
-          <p:nvPr/>
-        </p:nvSpPr>
-        <p:spPr>
-          <a:xfrm>
-            <a:off x="1795986" y="979308"/>
-            <a:ext cx="6194128" cy="710451"/>
-          </a:xfrm>
-          <a:prstGeom prst="rect">
-            <a:avLst/>
-          </a:prstGeom>
-          <a:noFill/>
-        </p:spPr>
-        <p:txBody>
-          <a:bodyPr wrap="square">
-            <a:spAutoFit/>
-          </a:bodyPr>
-          <a:lstStyle/>
-          <a:p>
-            <a:pPr>
-              <a:lnSpc>
-                <a:spcPct val="90000"/>
-              </a:lnSpc>
-              <a:spcAft>
-                <a:spcPts val="450"/>
-              </a:spcAft>
-            </a:pPr>
-            <a:r>
-              <a:rPr lang="en-US" sz="2000" i="1" dirty="0"/>
-              <a:t>Project holder</a:t>
-            </a:r>
-          </a:p>
-          <a:p>
-            <a:pPr lvl="1">
-              <a:lnSpc>
-                <a:spcPct val="90000"/>
-              </a:lnSpc>
-              <a:spcAft>
-                <a:spcPts val="450"/>
-              </a:spcAft>
-            </a:pPr>
-            <a:r>
-              <a:rPr lang="en-US" sz="2000" dirty="0"/>
-              <a:t>Elin Org ()</a:t>
-            </a:r>
-          </a:p>
-        </p:txBody>
-      </p:sp>
-      <p:sp>
-        <p:nvSpPr>
-          <p:cNvPr id="9" name="TextBox 8">
-            <a:extLst>
-              <a:ext uri="{FF2B5EF4-FFF2-40B4-BE49-F238E27FC236}">
-                <a16:creationId xmlns:a16="http://schemas.microsoft.com/office/drawing/2014/main" id="{B51BD5DE-2048-480E-95D0-CF0A8C48246C}"/>
-              </a:ext>
-            </a:extLst>
-          </p:cNvPr>
-          <p:cNvSpPr txBox="1"/>
-          <p:nvPr/>
-        </p:nvSpPr>
-        <p:spPr>
-          <a:xfrm>
-            <a:off x="1735587" y="3520816"/>
-            <a:ext cx="5840870" cy="710451"/>
-          </a:xfrm>
-          <a:prstGeom prst="rect">
-            <a:avLst/>
-          </a:prstGeom>
-          <a:noFill/>
-        </p:spPr>
-        <p:txBody>
-          <a:bodyPr wrap="square">
-            <a:spAutoFit/>
-          </a:bodyPr>
-          <a:lstStyle/>
-          <a:p>
-            <a:pPr>
-              <a:lnSpc>
-                <a:spcPct val="90000"/>
-              </a:lnSpc>
-              <a:spcAft>
-                <a:spcPts val="450"/>
-              </a:spcAft>
-            </a:pPr>
-            <a:r>
-              <a:rPr lang="en-US" sz="2000" i="1" dirty="0"/>
-              <a:t>Supervisor Kiel</a:t>
-            </a:r>
-          </a:p>
-          <a:p>
-            <a:pPr lvl="1">
-              <a:lnSpc>
-                <a:spcPct val="90000"/>
-              </a:lnSpc>
-              <a:spcAft>
-                <a:spcPts val="450"/>
-              </a:spcAft>
-            </a:pPr>
-            <a:r>
-              <a:rPr lang="en-US" sz="2000" dirty="0"/>
-              <a:t>Tal Dagan ()</a:t>
-            </a:r>
+            <a:r>
+              <a:rPr lang="en-US" dirty="0">
+                <a:hlinkClick r:id="rId2"/>
+              </a:rPr>
+              <a:t>https://www.youtube.com/watch?v=j1IbfQrT2Cs</a:t>
+            </a:r>
+            <a:r>
+              <a:rPr lang="en-US" dirty="0"/>
+              <a:t> (12.01.2022)</a:t>
+            </a:r>
+          </a:p>
+          <a:p>
+            <a:r>
+              <a:rPr lang="en-US">
+                <a:hlinkClick r:id="rId3"/>
+              </a:rPr>
+              <a:t>https://www.youtube.com/watch?v=fQPCeV4MUe4</a:t>
+            </a:r>
+            <a:r>
+              <a:rPr lang="en-US"/>
+              <a:t> (12.01.2022)</a:t>
+            </a:r>
+          </a:p>
+          <a:p>
+            <a:endParaRPr lang="en-US"/>
+          </a:p>
+          <a:p>
+            <a:endParaRPr lang="en-US" dirty="0"/>
           </a:p>
         </p:txBody>
       </p:sp>
@@ -22023,7 +21961,7 @@
           <p:cNvPr id="4" name="Date Placeholder 3">
             <a:extLst>
               <a:ext uri="{FF2B5EF4-FFF2-40B4-BE49-F238E27FC236}">
-                <a16:creationId xmlns:a16="http://schemas.microsoft.com/office/drawing/2014/main" id="{FBA103E6-1C0F-49CA-AC5E-C9ACBAF44FEA}"/>
+                <a16:creationId xmlns:a16="http://schemas.microsoft.com/office/drawing/2014/main" id="{6EC31B32-BDB7-4E4F-ABF6-074F07CBA3EE}"/>
               </a:ext>
             </a:extLst>
           </p:cNvPr>
@@ -22039,9 +21977,9 @@
           <a:bodyPr/>
           <a:lstStyle/>
           <a:p>
-            <a:fld id="{524BA6AA-761D-44D9-9696-AC66CE044BF5}" type="datetime1">
+            <a:fld id="{93673764-947C-4E64-9BD5-474B9E9D9329}" type="datetime1">
               <a:rPr lang="en-US" smtClean="0"/>
-              <a:t>4/11/2022</a:t>
+              <a:t>4/14/2022</a:t>
             </a:fld>
             <a:endParaRPr lang="en-US" dirty="0"/>
           </a:p>
@@ -22052,7 +21990,7 @@
           <p:cNvPr id="5" name="Footer Placeholder 4">
             <a:extLst>
               <a:ext uri="{FF2B5EF4-FFF2-40B4-BE49-F238E27FC236}">
-                <a16:creationId xmlns:a16="http://schemas.microsoft.com/office/drawing/2014/main" id="{CA895326-8C62-4A87-A680-A746500235F0}"/>
+                <a16:creationId xmlns:a16="http://schemas.microsoft.com/office/drawing/2014/main" id="{B58E6EF9-C928-441B-8DAA-81DBD51CC12C}"/>
               </a:ext>
             </a:extLst>
           </p:cNvPr>
@@ -22069,9 +22007,10 @@
           <a:lstStyle/>
           <a:p>
             <a:r>
-              <a:rPr lang="en-US" dirty="0"/>
+              <a:rPr lang="en-US"/>
               <a:t>jennifer.neumaier@t-online.de</a:t>
             </a:r>
+            <a:endParaRPr lang="en-US" dirty="0"/>
           </a:p>
         </p:txBody>
       </p:sp>
@@ -22080,7 +22019,7 @@
           <p:cNvPr id="6" name="Slide Number Placeholder 5">
             <a:extLst>
               <a:ext uri="{FF2B5EF4-FFF2-40B4-BE49-F238E27FC236}">
-                <a16:creationId xmlns:a16="http://schemas.microsoft.com/office/drawing/2014/main" id="{9912DB58-738B-4637-8F7F-69BE65B9060C}"/>
+                <a16:creationId xmlns:a16="http://schemas.microsoft.com/office/drawing/2014/main" id="{60FA85C6-0C31-406E-9635-38232E74BF73}"/>
               </a:ext>
             </a:extLst>
           </p:cNvPr>
@@ -22108,7 +22047,7 @@
     </p:spTree>
     <p:extLst>
       <p:ext uri="{BB962C8B-B14F-4D97-AF65-F5344CB8AC3E}">
-        <p14:creationId xmlns:p14="http://schemas.microsoft.com/office/powerpoint/2010/main" val="1870852049"/>
+        <p14:creationId xmlns:p14="http://schemas.microsoft.com/office/powerpoint/2010/main" val="2900572126"/>
       </p:ext>
     </p:extLst>
   </p:cSld>
@@ -22192,7 +22131,7 @@
           <a:p>
             <a:fld id="{BCCEB706-B4FB-4DF7-BDF7-514AEA7F06D0}" type="datetime1">
               <a:rPr lang="en-US" smtClean="0"/>
-              <a:t>4/11/2022</a:t>
+              <a:t>4/14/2022</a:t>
             </a:fld>
             <a:endParaRPr lang="en-US" dirty="0"/>
           </a:p>
@@ -24886,6 +24825,450 @@
 </p:sld>
 </file>
 
+<file path=ppt/slides/slide30.xml><?xml version="1.0" encoding="utf-8"?>
+<p:sld xmlns:a="http://schemas.openxmlformats.org/drawingml/2006/main" xmlns:r="http://schemas.openxmlformats.org/officeDocument/2006/relationships" xmlns:p="http://schemas.openxmlformats.org/presentationml/2006/main">
+  <p:cSld>
+    <p:spTree>
+      <p:nvGrpSpPr>
+        <p:cNvPr id="1" name=""/>
+        <p:cNvGrpSpPr/>
+        <p:nvPr/>
+      </p:nvGrpSpPr>
+      <p:grpSpPr>
+        <a:xfrm>
+          <a:off x="0" y="0"/>
+          <a:ext cx="0" cy="0"/>
+          <a:chOff x="0" y="0"/>
+          <a:chExt cx="0" cy="0"/>
+        </a:xfrm>
+      </p:grpSpPr>
+      <p:pic>
+        <p:nvPicPr>
+          <p:cNvPr id="7" name="Graphic 6" descr="Address Book with solid fill">
+            <a:extLst>
+              <a:ext uri="{FF2B5EF4-FFF2-40B4-BE49-F238E27FC236}">
+                <a16:creationId xmlns:a16="http://schemas.microsoft.com/office/drawing/2014/main" id="{6851D747-2228-4FF5-B24C-C5389E1FC273}"/>
+              </a:ext>
+            </a:extLst>
+          </p:cNvPr>
+          <p:cNvPicPr>
+            <a:picLocks noChangeAspect="1"/>
+          </p:cNvPicPr>
+          <p:nvPr/>
+        </p:nvPicPr>
+        <p:blipFill>
+          <a:blip r:embed="rId2">
+            <a:extLst>
+              <a:ext uri="{28A0092B-C50C-407E-A947-70E740481C1C}">
+                <a14:useLocalDpi xmlns:a14="http://schemas.microsoft.com/office/drawing/2010/main" val="0"/>
+              </a:ext>
+              <a:ext uri="{96DAC541-7B7A-43D3-8B79-37D633B846F1}">
+                <asvg:svgBlip xmlns:asvg="http://schemas.microsoft.com/office/drawing/2016/SVG/main" r:embed="rId3"/>
+              </a:ext>
+            </a:extLst>
+          </a:blip>
+          <a:stretch>
+            <a:fillRect/>
+          </a:stretch>
+        </p:blipFill>
+        <p:spPr>
+          <a:xfrm rot="790859">
+            <a:off x="7602449" y="1181536"/>
+            <a:ext cx="4311293" cy="4311293"/>
+          </a:xfrm>
+          <a:custGeom>
+            <a:avLst/>
+            <a:gdLst/>
+            <a:ahLst/>
+            <a:cxnLst/>
+            <a:rect l="l" t="t" r="r" b="b"/>
+            <a:pathLst>
+              <a:path w="4114800" h="5712488">
+                <a:moveTo>
+                  <a:pt x="133155" y="0"/>
+                </a:moveTo>
+                <a:lnTo>
+                  <a:pt x="3981645" y="0"/>
+                </a:lnTo>
+                <a:cubicBezTo>
+                  <a:pt x="4055184" y="0"/>
+                  <a:pt x="4114800" y="59616"/>
+                  <a:pt x="4114800" y="133155"/>
+                </a:cubicBezTo>
+                <a:lnTo>
+                  <a:pt x="4114800" y="5579333"/>
+                </a:lnTo>
+                <a:cubicBezTo>
+                  <a:pt x="4114800" y="5652872"/>
+                  <a:pt x="4055184" y="5712488"/>
+                  <a:pt x="3981645" y="5712488"/>
+                </a:cubicBezTo>
+                <a:lnTo>
+                  <a:pt x="133155" y="5712488"/>
+                </a:lnTo>
+                <a:cubicBezTo>
+                  <a:pt x="59616" y="5712488"/>
+                  <a:pt x="0" y="5652872"/>
+                  <a:pt x="0" y="5579333"/>
+                </a:cubicBezTo>
+                <a:lnTo>
+                  <a:pt x="0" y="133155"/>
+                </a:lnTo>
+                <a:cubicBezTo>
+                  <a:pt x="0" y="59616"/>
+                  <a:pt x="59616" y="0"/>
+                  <a:pt x="133155" y="0"/>
+                </a:cubicBezTo>
+                <a:close/>
+              </a:path>
+            </a:pathLst>
+          </a:custGeom>
+        </p:spPr>
+      </p:pic>
+      <p:sp>
+        <p:nvSpPr>
+          <p:cNvPr id="32" name="TextBox 31">
+            <a:extLst>
+              <a:ext uri="{FF2B5EF4-FFF2-40B4-BE49-F238E27FC236}">
+                <a16:creationId xmlns:a16="http://schemas.microsoft.com/office/drawing/2014/main" id="{A3B93664-412E-47BE-9D0B-5944E25B61FD}"/>
+              </a:ext>
+            </a:extLst>
+          </p:cNvPr>
+          <p:cNvSpPr txBox="1"/>
+          <p:nvPr/>
+        </p:nvSpPr>
+        <p:spPr>
+          <a:xfrm>
+            <a:off x="1735587" y="4901796"/>
+            <a:ext cx="6254527" cy="710451"/>
+          </a:xfrm>
+          <a:prstGeom prst="rect">
+            <a:avLst/>
+          </a:prstGeom>
+          <a:noFill/>
+        </p:spPr>
+        <p:txBody>
+          <a:bodyPr wrap="square">
+            <a:spAutoFit/>
+          </a:bodyPr>
+          <a:lstStyle/>
+          <a:p>
+            <a:pPr>
+              <a:lnSpc>
+                <a:spcPct val="90000"/>
+              </a:lnSpc>
+              <a:spcAft>
+                <a:spcPts val="450"/>
+              </a:spcAft>
+            </a:pPr>
+            <a:r>
+              <a:rPr lang="en-US" sz="2000" i="1" dirty="0"/>
+              <a:t>Bioinformatics</a:t>
+            </a:r>
+          </a:p>
+          <a:p>
+            <a:pPr lvl="1">
+              <a:lnSpc>
+                <a:spcPct val="90000"/>
+              </a:lnSpc>
+              <a:spcAft>
+                <a:spcPts val="450"/>
+              </a:spcAft>
+            </a:pPr>
+            <a:r>
+              <a:rPr lang="en-US" sz="2000" dirty="0"/>
+              <a:t>Lucas </a:t>
+            </a:r>
+            <a:r>
+              <a:rPr lang="en-US" sz="2000" dirty="0" err="1"/>
+              <a:t>Moitinho</a:t>
+            </a:r>
+            <a:r>
+              <a:rPr lang="en-US" sz="2000" dirty="0"/>
+              <a:t>-Silva (l.silva@ikmb.uni-kiel.de)</a:t>
+            </a:r>
+          </a:p>
+        </p:txBody>
+      </p:sp>
+      <p:sp>
+        <p:nvSpPr>
+          <p:cNvPr id="33" name="TextBox 32">
+            <a:extLst>
+              <a:ext uri="{FF2B5EF4-FFF2-40B4-BE49-F238E27FC236}">
+                <a16:creationId xmlns:a16="http://schemas.microsoft.com/office/drawing/2014/main" id="{E4D5FC6B-D426-470A-8ABC-B88774E75115}"/>
+              </a:ext>
+            </a:extLst>
+          </p:cNvPr>
+          <p:cNvSpPr txBox="1"/>
+          <p:nvPr/>
+        </p:nvSpPr>
+        <p:spPr>
+          <a:xfrm>
+            <a:off x="1795986" y="2286804"/>
+            <a:ext cx="5998185" cy="710451"/>
+          </a:xfrm>
+          <a:prstGeom prst="rect">
+            <a:avLst/>
+          </a:prstGeom>
+          <a:noFill/>
+        </p:spPr>
+        <p:txBody>
+          <a:bodyPr wrap="square">
+            <a:spAutoFit/>
+          </a:bodyPr>
+          <a:lstStyle/>
+          <a:p>
+            <a:pPr>
+              <a:lnSpc>
+                <a:spcPct val="90000"/>
+              </a:lnSpc>
+              <a:spcAft>
+                <a:spcPts val="450"/>
+              </a:spcAft>
+            </a:pPr>
+            <a:r>
+              <a:rPr lang="en-US" sz="2000" i="1" dirty="0"/>
+              <a:t>Supervisor</a:t>
+            </a:r>
+          </a:p>
+          <a:p>
+            <a:pPr lvl="1">
+              <a:lnSpc>
+                <a:spcPct val="90000"/>
+              </a:lnSpc>
+              <a:spcAft>
+                <a:spcPts val="450"/>
+              </a:spcAft>
+            </a:pPr>
+            <a:r>
+              <a:rPr lang="en-US" sz="2000" dirty="0"/>
+              <a:t>Oliver </a:t>
+            </a:r>
+            <a:r>
+              <a:rPr lang="en-US" sz="2000" dirty="0" err="1"/>
+              <a:t>Asmets</a:t>
+            </a:r>
+            <a:r>
+              <a:rPr lang="en-US" sz="2000" dirty="0"/>
+              <a:t> ()</a:t>
+            </a:r>
+          </a:p>
+        </p:txBody>
+      </p:sp>
+      <p:sp>
+        <p:nvSpPr>
+          <p:cNvPr id="35" name="TextBox 34">
+            <a:extLst>
+              <a:ext uri="{FF2B5EF4-FFF2-40B4-BE49-F238E27FC236}">
+                <a16:creationId xmlns:a16="http://schemas.microsoft.com/office/drawing/2014/main" id="{47287ECE-C4E5-4B11-BB50-8930F2931B5E}"/>
+              </a:ext>
+            </a:extLst>
+          </p:cNvPr>
+          <p:cNvSpPr txBox="1"/>
+          <p:nvPr/>
+        </p:nvSpPr>
+        <p:spPr>
+          <a:xfrm>
+            <a:off x="1795986" y="979308"/>
+            <a:ext cx="6194128" cy="710451"/>
+          </a:xfrm>
+          <a:prstGeom prst="rect">
+            <a:avLst/>
+          </a:prstGeom>
+          <a:noFill/>
+        </p:spPr>
+        <p:txBody>
+          <a:bodyPr wrap="square">
+            <a:spAutoFit/>
+          </a:bodyPr>
+          <a:lstStyle/>
+          <a:p>
+            <a:pPr>
+              <a:lnSpc>
+                <a:spcPct val="90000"/>
+              </a:lnSpc>
+              <a:spcAft>
+                <a:spcPts val="450"/>
+              </a:spcAft>
+            </a:pPr>
+            <a:r>
+              <a:rPr lang="en-US" sz="2000" i="1" dirty="0"/>
+              <a:t>Project holder</a:t>
+            </a:r>
+          </a:p>
+          <a:p>
+            <a:pPr lvl="1">
+              <a:lnSpc>
+                <a:spcPct val="90000"/>
+              </a:lnSpc>
+              <a:spcAft>
+                <a:spcPts val="450"/>
+              </a:spcAft>
+            </a:pPr>
+            <a:r>
+              <a:rPr lang="en-US" sz="2000" dirty="0"/>
+              <a:t>Elin Org ()</a:t>
+            </a:r>
+          </a:p>
+        </p:txBody>
+      </p:sp>
+      <p:sp>
+        <p:nvSpPr>
+          <p:cNvPr id="9" name="TextBox 8">
+            <a:extLst>
+              <a:ext uri="{FF2B5EF4-FFF2-40B4-BE49-F238E27FC236}">
+                <a16:creationId xmlns:a16="http://schemas.microsoft.com/office/drawing/2014/main" id="{B51BD5DE-2048-480E-95D0-CF0A8C48246C}"/>
+              </a:ext>
+            </a:extLst>
+          </p:cNvPr>
+          <p:cNvSpPr txBox="1"/>
+          <p:nvPr/>
+        </p:nvSpPr>
+        <p:spPr>
+          <a:xfrm>
+            <a:off x="1735587" y="3520816"/>
+            <a:ext cx="5840870" cy="710451"/>
+          </a:xfrm>
+          <a:prstGeom prst="rect">
+            <a:avLst/>
+          </a:prstGeom>
+          <a:noFill/>
+        </p:spPr>
+        <p:txBody>
+          <a:bodyPr wrap="square">
+            <a:spAutoFit/>
+          </a:bodyPr>
+          <a:lstStyle/>
+          <a:p>
+            <a:pPr>
+              <a:lnSpc>
+                <a:spcPct val="90000"/>
+              </a:lnSpc>
+              <a:spcAft>
+                <a:spcPts val="450"/>
+              </a:spcAft>
+            </a:pPr>
+            <a:r>
+              <a:rPr lang="en-US" sz="2000" i="1" dirty="0"/>
+              <a:t>Supervisor Kiel</a:t>
+            </a:r>
+          </a:p>
+          <a:p>
+            <a:pPr lvl="1">
+              <a:lnSpc>
+                <a:spcPct val="90000"/>
+              </a:lnSpc>
+              <a:spcAft>
+                <a:spcPts val="450"/>
+              </a:spcAft>
+            </a:pPr>
+            <a:r>
+              <a:rPr lang="en-US" sz="2000" dirty="0"/>
+              <a:t>Tal Dagan ()</a:t>
+            </a:r>
+          </a:p>
+        </p:txBody>
+      </p:sp>
+      <p:sp>
+        <p:nvSpPr>
+          <p:cNvPr id="4" name="Date Placeholder 3">
+            <a:extLst>
+              <a:ext uri="{FF2B5EF4-FFF2-40B4-BE49-F238E27FC236}">
+                <a16:creationId xmlns:a16="http://schemas.microsoft.com/office/drawing/2014/main" id="{FBA103E6-1C0F-49CA-AC5E-C9ACBAF44FEA}"/>
+              </a:ext>
+            </a:extLst>
+          </p:cNvPr>
+          <p:cNvSpPr>
+            <a:spLocks noGrp="1"/>
+          </p:cNvSpPr>
+          <p:nvPr>
+            <p:ph type="dt" sz="half" idx="10"/>
+          </p:nvPr>
+        </p:nvSpPr>
+        <p:spPr/>
+        <p:txBody>
+          <a:bodyPr/>
+          <a:lstStyle/>
+          <a:p>
+            <a:fld id="{524BA6AA-761D-44D9-9696-AC66CE044BF5}" type="datetime1">
+              <a:rPr lang="en-US" smtClean="0"/>
+              <a:t>4/14/2022</a:t>
+            </a:fld>
+            <a:endParaRPr lang="en-US" dirty="0"/>
+          </a:p>
+        </p:txBody>
+      </p:sp>
+      <p:sp>
+        <p:nvSpPr>
+          <p:cNvPr id="5" name="Footer Placeholder 4">
+            <a:extLst>
+              <a:ext uri="{FF2B5EF4-FFF2-40B4-BE49-F238E27FC236}">
+                <a16:creationId xmlns:a16="http://schemas.microsoft.com/office/drawing/2014/main" id="{CA895326-8C62-4A87-A680-A746500235F0}"/>
+              </a:ext>
+            </a:extLst>
+          </p:cNvPr>
+          <p:cNvSpPr>
+            <a:spLocks noGrp="1"/>
+          </p:cNvSpPr>
+          <p:nvPr>
+            <p:ph type="ftr" sz="quarter" idx="11"/>
+          </p:nvPr>
+        </p:nvSpPr>
+        <p:spPr/>
+        <p:txBody>
+          <a:bodyPr/>
+          <a:lstStyle/>
+          <a:p>
+            <a:r>
+              <a:rPr lang="en-US" dirty="0"/>
+              <a:t>jennifer.neumaier@t-online.de</a:t>
+            </a:r>
+          </a:p>
+        </p:txBody>
+      </p:sp>
+      <p:sp>
+        <p:nvSpPr>
+          <p:cNvPr id="6" name="Slide Number Placeholder 5">
+            <a:extLst>
+              <a:ext uri="{FF2B5EF4-FFF2-40B4-BE49-F238E27FC236}">
+                <a16:creationId xmlns:a16="http://schemas.microsoft.com/office/drawing/2014/main" id="{9912DB58-738B-4637-8F7F-69BE65B9060C}"/>
+              </a:ext>
+            </a:extLst>
+          </p:cNvPr>
+          <p:cNvSpPr>
+            <a:spLocks noGrp="1"/>
+          </p:cNvSpPr>
+          <p:nvPr>
+            <p:ph type="sldNum" sz="quarter" idx="12"/>
+          </p:nvPr>
+        </p:nvSpPr>
+        <p:spPr/>
+        <p:txBody>
+          <a:bodyPr/>
+          <a:lstStyle/>
+          <a:p>
+            <a:fld id="{D57F1E4F-1CFF-5643-939E-217C01CDF565}" type="slidenum">
+              <a:rPr lang="en-US" smtClean="0"/>
+              <a:pPr/>
+              <a:t>30</a:t>
+            </a:fld>
+            <a:endParaRPr lang="en-US" dirty="0"/>
+          </a:p>
+        </p:txBody>
+      </p:sp>
+    </p:spTree>
+    <p:extLst>
+      <p:ext uri="{BB962C8B-B14F-4D97-AF65-F5344CB8AC3E}">
+        <p14:creationId xmlns:p14="http://schemas.microsoft.com/office/powerpoint/2010/main" val="1870852049"/>
+      </p:ext>
+    </p:extLst>
+  </p:cSld>
+  <p:clrMapOvr>
+    <a:masterClrMapping/>
+  </p:clrMapOvr>
+</p:sld>
+</file>
+
 <file path=ppt/slides/slide4.xml><?xml version="1.0" encoding="utf-8"?>
 <p:sld xmlns:a="http://schemas.openxmlformats.org/drawingml/2006/main" xmlns:r="http://schemas.openxmlformats.org/officeDocument/2006/relationships" xmlns:p="http://schemas.openxmlformats.org/presentationml/2006/main">
   <p:cSld>
@@ -24996,7 +25379,7 @@
           <a:p>
             <a:fld id="{7BB4AFEC-4BE7-4504-8846-4BF0CCFD9721}" type="datetime1">
               <a:rPr lang="en-US" smtClean="0"/>
-              <a:t>4/11/2022</a:t>
+              <a:t>4/14/2022</a:t>
             </a:fld>
             <a:endParaRPr lang="en-US" dirty="0"/>
           </a:p>
@@ -25173,7 +25556,7 @@
             <a:fld id="{36D18B76-5E8B-4456-8722-FC5B14B0F354}" type="datetime1">
               <a:rPr lang="en-US" smtClean="0"/>
               <a:pPr/>
-              <a:t>4/11/2022</a:t>
+              <a:t>4/14/2022</a:t>
             </a:fld>
             <a:endParaRPr lang="en-US" dirty="0"/>
           </a:p>
@@ -25395,7 +25778,7 @@
           <a:p>
             <a:fld id="{1F2A6BD5-D000-45AE-BE81-365EBD12526C}" type="datetime1">
               <a:rPr lang="en-US" smtClean="0"/>
-              <a:t>4/11/2022</a:t>
+              <a:t>4/14/2022</a:t>
             </a:fld>
             <a:endParaRPr lang="en-US" dirty="0"/>
           </a:p>
@@ -25841,7 +26224,7 @@
           <a:p>
             <a:fld id="{A70B3D3E-FC47-4E47-BC37-6E33025EDD36}" type="datetime1">
               <a:rPr lang="en-US" smtClean="0"/>
-              <a:t>4/11/2022</a:t>
+              <a:t>4/14/2022</a:t>
             </a:fld>
             <a:endParaRPr lang="en-US" dirty="0"/>
           </a:p>

--- a/doc/Project_structure_notes.pptx
+++ b/doc/Project_structure_notes.pptx
@@ -24,13 +24,13 @@
     <p:sldId id="281" r:id="rId15"/>
     <p:sldId id="282" r:id="rId16"/>
     <p:sldId id="283" r:id="rId17"/>
-    <p:sldId id="290" r:id="rId18"/>
-    <p:sldId id="286" r:id="rId19"/>
-    <p:sldId id="288" r:id="rId20"/>
-    <p:sldId id="289" r:id="rId21"/>
-    <p:sldId id="277" r:id="rId22"/>
-    <p:sldId id="279" r:id="rId23"/>
-    <p:sldId id="278" r:id="rId24"/>
+    <p:sldId id="286" r:id="rId18"/>
+    <p:sldId id="288" r:id="rId19"/>
+    <p:sldId id="289" r:id="rId20"/>
+    <p:sldId id="277" r:id="rId21"/>
+    <p:sldId id="279" r:id="rId22"/>
+    <p:sldId id="278" r:id="rId23"/>
+    <p:sldId id="290" r:id="rId24"/>
     <p:sldId id="269" r:id="rId25"/>
     <p:sldId id="263" r:id="rId26"/>
     <p:sldId id="258" r:id="rId27"/>
@@ -169,7 +169,6 @@
             <p14:sldId id="281"/>
             <p14:sldId id="282"/>
             <p14:sldId id="283"/>
-            <p14:sldId id="290"/>
             <p14:sldId id="286"/>
             <p14:sldId id="288"/>
             <p14:sldId id="289"/>
@@ -180,6 +179,7 @@
             <p14:sldId id="277"/>
             <p14:sldId id="279"/>
             <p14:sldId id="278"/>
+            <p14:sldId id="290"/>
             <p14:sldId id="269"/>
             <p14:sldId id="263"/>
             <p14:sldId id="258"/>
@@ -7182,7 +7182,7 @@
           <a:p>
             <a:fld id="{0D3712C0-BD94-4EDD-81B8-404EF18DF498}" type="datetimeFigureOut">
               <a:rPr lang="en-US" smtClean="0"/>
-              <a:t>4/14/2022</a:t>
+              <a:t>4/16/2022</a:t>
             </a:fld>
             <a:endParaRPr lang="en-US"/>
           </a:p>
@@ -7637,7 +7637,7 @@
           <a:p>
             <a:fld id="{843A20DD-8926-4B91-8D72-D1DC7F5C31EF}" type="datetime1">
               <a:rPr lang="en-US" smtClean="0"/>
-              <a:t>4/14/2022</a:t>
+              <a:t>4/16/2022</a:t>
             </a:fld>
             <a:endParaRPr lang="en-US" dirty="0"/>
           </a:p>
@@ -7980,7 +7980,7 @@
           <a:p>
             <a:fld id="{D2DD2B10-BCB9-40E5-8141-F17001376370}" type="datetime1">
               <a:rPr lang="en-US" smtClean="0"/>
-              <a:t>4/14/2022</a:t>
+              <a:t>4/16/2022</a:t>
             </a:fld>
             <a:endParaRPr lang="en-US" dirty="0"/>
           </a:p>
@@ -8386,7 +8386,7 @@
           <a:p>
             <a:fld id="{927FFA6D-4E8C-437E-BCA1-3CF73EB8B252}" type="datetime1">
               <a:rPr lang="en-US" smtClean="0"/>
-              <a:t>4/14/2022</a:t>
+              <a:t>4/16/2022</a:t>
             </a:fld>
             <a:endParaRPr lang="en-US" dirty="0"/>
           </a:p>
@@ -8727,7 +8727,7 @@
           <a:p>
             <a:fld id="{A2C7F92B-2A35-4C09-8346-C40AAA997302}" type="datetime1">
               <a:rPr lang="en-US" smtClean="0"/>
-              <a:t>4/14/2022</a:t>
+              <a:t>4/16/2022</a:t>
             </a:fld>
             <a:endParaRPr lang="en-US" dirty="0"/>
           </a:p>
@@ -9053,7 +9053,7 @@
           <a:p>
             <a:fld id="{A2C7F92B-2A35-4C09-8346-C40AAA997302}" type="datetime1">
               <a:rPr lang="en-US" smtClean="0"/>
-              <a:t>4/14/2022</a:t>
+              <a:t>4/16/2022</a:t>
             </a:fld>
             <a:endParaRPr lang="en-US" dirty="0"/>
           </a:p>
@@ -9455,7 +9455,7 @@
           <a:p>
             <a:fld id="{A2C7F92B-2A35-4C09-8346-C40AAA997302}" type="datetime1">
               <a:rPr lang="en-US" smtClean="0"/>
-              <a:t>4/14/2022</a:t>
+              <a:t>4/16/2022</a:t>
             </a:fld>
             <a:endParaRPr lang="en-US" dirty="0"/>
           </a:p>
@@ -9718,7 +9718,7 @@
           <a:p>
             <a:fld id="{8A427DC1-41D9-41ED-AAB7-DF919DFB0B7D}" type="datetime1">
               <a:rPr lang="en-US" smtClean="0"/>
-              <a:t>4/14/2022</a:t>
+              <a:t>4/16/2022</a:t>
             </a:fld>
             <a:endParaRPr lang="en-US" dirty="0"/>
           </a:p>
@@ -9985,7 +9985,7 @@
           <a:p>
             <a:fld id="{49530F64-B6F9-41E5-8499-9B56B7F93996}" type="datetime1">
               <a:rPr lang="en-US" smtClean="0"/>
-              <a:t>4/14/2022</a:t>
+              <a:t>4/16/2022</a:t>
             </a:fld>
             <a:endParaRPr lang="en-US" dirty="0"/>
           </a:p>
@@ -10256,7 +10256,7 @@
             <a:fld id="{36D18B76-5E8B-4456-8722-FC5B14B0F354}" type="datetime1">
               <a:rPr lang="en-US" smtClean="0"/>
               <a:pPr/>
-              <a:t>4/14/2022</a:t>
+              <a:t>4/16/2022</a:t>
             </a:fld>
             <a:endParaRPr lang="en-US" dirty="0"/>
           </a:p>
@@ -10594,7 +10594,7 @@
           <a:p>
             <a:fld id="{3E914A3D-A565-477F-8682-1AE6EFE36557}" type="datetime1">
               <a:rPr lang="en-US" smtClean="0"/>
-              <a:t>4/14/2022</a:t>
+              <a:t>4/16/2022</a:t>
             </a:fld>
             <a:endParaRPr lang="en-US" dirty="0"/>
           </a:p>
@@ -10922,7 +10922,7 @@
           <a:p>
             <a:fld id="{D45A6A21-0914-4A46-BCF1-163E9A00E688}" type="datetime1">
               <a:rPr lang="en-US" smtClean="0"/>
-              <a:t>4/14/2022</a:t>
+              <a:t>4/16/2022</a:t>
             </a:fld>
             <a:endParaRPr lang="en-US" dirty="0"/>
           </a:p>
@@ -11384,7 +11384,7 @@
           <a:p>
             <a:fld id="{6BDD7FCB-B1A7-4982-8C8B-674E644B14B0}" type="datetime1">
               <a:rPr lang="en-US" smtClean="0"/>
-              <a:t>4/14/2022</a:t>
+              <a:t>4/16/2022</a:t>
             </a:fld>
             <a:endParaRPr lang="en-US" dirty="0"/>
           </a:p>
@@ -11604,7 +11604,7 @@
             <a:fld id="{4C731089-17FC-4C04-87B1-2157F67F0117}" type="datetime1">
               <a:rPr lang="en-US" smtClean="0"/>
               <a:pPr/>
-              <a:t>4/14/2022</a:t>
+              <a:t>4/16/2022</a:t>
             </a:fld>
             <a:endParaRPr lang="en-US" dirty="0"/>
           </a:p>
@@ -11790,7 +11790,7 @@
           <a:p>
             <a:fld id="{1278D66F-D6E5-4434-B311-7DA25CA81F5A}" type="datetime1">
               <a:rPr lang="en-US" smtClean="0"/>
-              <a:t>4/14/2022</a:t>
+              <a:t>4/16/2022</a:t>
             </a:fld>
             <a:endParaRPr lang="en-US" dirty="0"/>
           </a:p>
@@ -12128,7 +12128,7 @@
           <a:p>
             <a:fld id="{2253374B-0B0C-42C0-A0DF-1550CE3AA116}" type="datetime1">
               <a:rPr lang="en-US" smtClean="0"/>
-              <a:t>4/14/2022</a:t>
+              <a:t>4/16/2022</a:t>
             </a:fld>
             <a:endParaRPr lang="en-US" dirty="0"/>
           </a:p>
@@ -12478,7 +12478,7 @@
           <a:p>
             <a:fld id="{F589A7BC-DDDD-4FB0-A8E7-5046A2EF84B8}" type="datetime1">
               <a:rPr lang="en-US" smtClean="0"/>
-              <a:t>4/14/2022</a:t>
+              <a:t>4/16/2022</a:t>
             </a:fld>
             <a:endParaRPr lang="en-US" dirty="0"/>
           </a:p>
@@ -14600,7 +14600,7 @@
           <a:p>
             <a:fld id="{A2C7F92B-2A35-4C09-8346-C40AAA997302}" type="datetime1">
               <a:rPr lang="en-US" smtClean="0"/>
-              <a:t>4/14/2022</a:t>
+              <a:t>4/16/2022</a:t>
             </a:fld>
             <a:endParaRPr lang="en-US" dirty="0"/>
           </a:p>
@@ -15218,7 +15218,7 @@
           <a:p>
             <a:fld id="{EFFFF5E6-438B-4B86-AF1B-DB82D6C33C1C}" type="datetime1">
               <a:rPr lang="en-US" smtClean="0"/>
-              <a:t>4/14/2022</a:t>
+              <a:t>4/16/2022</a:t>
             </a:fld>
             <a:endParaRPr lang="en-US" dirty="0"/>
           </a:p>
@@ -15588,7 +15588,7 @@
             <a:fld id="{36D18B76-5E8B-4456-8722-FC5B14B0F354}" type="datetime1">
               <a:rPr lang="en-US" smtClean="0"/>
               <a:pPr/>
-              <a:t>4/14/2022</a:t>
+              <a:t>4/16/2022</a:t>
             </a:fld>
             <a:endParaRPr lang="en-US" dirty="0"/>
           </a:p>
@@ -16716,7 +16716,7 @@
             <a:fld id="{36D18B76-5E8B-4456-8722-FC5B14B0F354}" type="datetime1">
               <a:rPr lang="en-US" smtClean="0"/>
               <a:pPr/>
-              <a:t>4/14/2022</a:t>
+              <a:t>4/16/2022</a:t>
             </a:fld>
             <a:endParaRPr lang="en-US" dirty="0"/>
           </a:p>
@@ -17688,6 +17688,41 @@
           </a:p>
         </p:txBody>
       </p:sp>
+      <p:sp>
+        <p:nvSpPr>
+          <p:cNvPr id="11" name="TextBox 10">
+            <a:extLst>
+              <a:ext uri="{FF2B5EF4-FFF2-40B4-BE49-F238E27FC236}">
+                <a16:creationId xmlns:a16="http://schemas.microsoft.com/office/drawing/2014/main" id="{B3241AAD-CD24-4BF2-BBA3-F2E82C622DDA}"/>
+              </a:ext>
+            </a:extLst>
+          </p:cNvPr>
+          <p:cNvSpPr txBox="1"/>
+          <p:nvPr/>
+        </p:nvSpPr>
+        <p:spPr>
+          <a:xfrm>
+            <a:off x="712381" y="1323487"/>
+            <a:ext cx="2509284" cy="646331"/>
+          </a:xfrm>
+          <a:prstGeom prst="rect">
+            <a:avLst/>
+          </a:prstGeom>
+          <a:noFill/>
+        </p:spPr>
+        <p:txBody>
+          <a:bodyPr wrap="square" rtlCol="0">
+            <a:spAutoFit/>
+          </a:bodyPr>
+          <a:lstStyle/>
+          <a:p>
+            <a:r>
+              <a:rPr lang="de-DE" dirty="0"/>
+              <a:t>Repeated CV, not nested CV!</a:t>
+            </a:r>
+          </a:p>
+        </p:txBody>
+      </p:sp>
     </p:spTree>
     <p:extLst>
       <p:ext uri="{BB962C8B-B14F-4D97-AF65-F5344CB8AC3E}">
@@ -17828,7 +17863,7 @@
         </p:blipFill>
         <p:spPr>
           <a:xfrm>
-            <a:off x="4575360" y="127474"/>
+            <a:off x="4522198" y="36342"/>
             <a:ext cx="7435702" cy="6373459"/>
           </a:xfrm>
           <a:prstGeom prst="rect">
@@ -17882,6 +17917,41 @@
           </a:p>
           <a:p>
             <a:endParaRPr lang="de-DE" i="1" dirty="0"/>
+          </a:p>
+        </p:txBody>
+      </p:sp>
+      <p:sp>
+        <p:nvSpPr>
+          <p:cNvPr id="7" name="TextBox 6">
+            <a:extLst>
+              <a:ext uri="{FF2B5EF4-FFF2-40B4-BE49-F238E27FC236}">
+                <a16:creationId xmlns:a16="http://schemas.microsoft.com/office/drawing/2014/main" id="{9CB0C28A-D293-400C-888A-1E5E50278208}"/>
+              </a:ext>
+            </a:extLst>
+          </p:cNvPr>
+          <p:cNvSpPr txBox="1"/>
+          <p:nvPr/>
+        </p:nvSpPr>
+        <p:spPr>
+          <a:xfrm>
+            <a:off x="1640156" y="2445731"/>
+            <a:ext cx="2229293" cy="923330"/>
+          </a:xfrm>
+          <a:prstGeom prst="rect">
+            <a:avLst/>
+          </a:prstGeom>
+          <a:noFill/>
+        </p:spPr>
+        <p:txBody>
+          <a:bodyPr wrap="square" rtlCol="0">
+            <a:spAutoFit/>
+          </a:bodyPr>
+          <a:lstStyle/>
+          <a:p>
+            <a:r>
+              <a:rPr lang="de-DE" b="1" i="1" dirty="0"/>
+              <a:t>Different training/test set every iteration</a:t>
+            </a:r>
           </a:p>
         </p:txBody>
       </p:sp>
@@ -18082,6 +18152,41 @@
           </a:ln>
         </p:spPr>
       </p:pic>
+      <p:sp>
+        <p:nvSpPr>
+          <p:cNvPr id="7" name="TextBox 6">
+            <a:extLst>
+              <a:ext uri="{FF2B5EF4-FFF2-40B4-BE49-F238E27FC236}">
+                <a16:creationId xmlns:a16="http://schemas.microsoft.com/office/drawing/2014/main" id="{3C27F803-3AA8-4F69-AF3B-7E5614CA4C9C}"/>
+              </a:ext>
+            </a:extLst>
+          </p:cNvPr>
+          <p:cNvSpPr txBox="1"/>
+          <p:nvPr/>
+        </p:nvSpPr>
+        <p:spPr>
+          <a:xfrm>
+            <a:off x="1640156" y="2445731"/>
+            <a:ext cx="2229293" cy="923330"/>
+          </a:xfrm>
+          <a:prstGeom prst="rect">
+            <a:avLst/>
+          </a:prstGeom>
+          <a:noFill/>
+        </p:spPr>
+        <p:txBody>
+          <a:bodyPr wrap="square" rtlCol="0">
+            <a:spAutoFit/>
+          </a:bodyPr>
+          <a:lstStyle/>
+          <a:p>
+            <a:r>
+              <a:rPr lang="de-DE" b="1" i="1" dirty="0"/>
+              <a:t>Different training/test set every iteration</a:t>
+            </a:r>
+          </a:p>
+        </p:txBody>
+      </p:sp>
     </p:spTree>
     <p:extLst>
       <p:ext uri="{BB962C8B-B14F-4D97-AF65-F5344CB8AC3E}">
@@ -18633,6 +18738,41 @@
           </a:p>
         </p:txBody>
       </p:sp>
+      <p:sp>
+        <p:nvSpPr>
+          <p:cNvPr id="13" name="TextBox 12">
+            <a:extLst>
+              <a:ext uri="{FF2B5EF4-FFF2-40B4-BE49-F238E27FC236}">
+                <a16:creationId xmlns:a16="http://schemas.microsoft.com/office/drawing/2014/main" id="{F8634985-91FC-4261-88FA-9BFB2B58DA18}"/>
+              </a:ext>
+            </a:extLst>
+          </p:cNvPr>
+          <p:cNvSpPr txBox="1"/>
+          <p:nvPr/>
+        </p:nvSpPr>
+        <p:spPr>
+          <a:xfrm>
+            <a:off x="4874769" y="357067"/>
+            <a:ext cx="2229293" cy="923330"/>
+          </a:xfrm>
+          <a:prstGeom prst="rect">
+            <a:avLst/>
+          </a:prstGeom>
+          <a:noFill/>
+        </p:spPr>
+        <p:txBody>
+          <a:bodyPr wrap="square" rtlCol="0">
+            <a:spAutoFit/>
+          </a:bodyPr>
+          <a:lstStyle/>
+          <a:p>
+            <a:r>
+              <a:rPr lang="de-DE" b="1" i="1" dirty="0"/>
+              <a:t>Different training/test set every iteration</a:t>
+            </a:r>
+          </a:p>
+        </p:txBody>
+      </p:sp>
     </p:spTree>
     <p:extLst>
       <p:ext uri="{BB962C8B-B14F-4D97-AF65-F5344CB8AC3E}">
@@ -18688,9 +18828,38 @@
           <a:p>
             <a:r>
               <a:rPr lang="de-DE" sz="3200" b="1" dirty="0"/>
-              <a:t>mikropml</a:t>
+              <a:t>PCOS classification and same initial split</a:t>
             </a:r>
             <a:endParaRPr lang="en-US" sz="3200" b="1" dirty="0"/>
+          </a:p>
+        </p:txBody>
+      </p:sp>
+      <p:sp>
+        <p:nvSpPr>
+          <p:cNvPr id="5" name="Footer Placeholder 4">
+            <a:extLst>
+              <a:ext uri="{FF2B5EF4-FFF2-40B4-BE49-F238E27FC236}">
+                <a16:creationId xmlns:a16="http://schemas.microsoft.com/office/drawing/2014/main" id="{707C4F70-832A-416B-9491-EE86347B2812}"/>
+              </a:ext>
+            </a:extLst>
+          </p:cNvPr>
+          <p:cNvSpPr>
+            <a:spLocks noGrp="1"/>
+          </p:cNvSpPr>
+          <p:nvPr>
+            <p:ph type="ftr" sz="quarter" idx="11"/>
+          </p:nvPr>
+        </p:nvSpPr>
+        <p:spPr/>
+        <p:txBody>
+          <a:bodyPr/>
+          <a:lstStyle/>
+          <a:p>
+            <a:r>
+              <a:rPr lang="en-US"/>
+              <a:t>jennifer.neumaier@t-online.de</a:t>
+            </a:r>
+            <a:endParaRPr lang="en-US" dirty="0"/>
           </a:p>
         </p:txBody>
       </p:sp>
@@ -18719,311 +18888,6 @@
               <a:rPr lang="en-US" smtClean="0"/>
               <a:pPr/>
               <a:t>17</a:t>
-            </a:fld>
-            <a:endParaRPr lang="en-US" dirty="0"/>
-          </a:p>
-        </p:txBody>
-      </p:sp>
-      <p:sp>
-        <p:nvSpPr>
-          <p:cNvPr id="8" name="TextBox 7">
-            <a:extLst>
-              <a:ext uri="{FF2B5EF4-FFF2-40B4-BE49-F238E27FC236}">
-                <a16:creationId xmlns:a16="http://schemas.microsoft.com/office/drawing/2014/main" id="{C9FAD4F5-81D5-4890-8BB5-F06C93EDD254}"/>
-              </a:ext>
-            </a:extLst>
-          </p:cNvPr>
-          <p:cNvSpPr txBox="1"/>
-          <p:nvPr/>
-        </p:nvSpPr>
-        <p:spPr>
-          <a:xfrm>
-            <a:off x="1392866" y="1268569"/>
-            <a:ext cx="8753253" cy="5509200"/>
-          </a:xfrm>
-          <a:prstGeom prst="rect">
-            <a:avLst/>
-          </a:prstGeom>
-          <a:noFill/>
-        </p:spPr>
-        <p:txBody>
-          <a:bodyPr wrap="square">
-            <a:spAutoFit/>
-          </a:bodyPr>
-          <a:lstStyle/>
-          <a:p>
-            <a:r>
-              <a:rPr lang="de-DE" sz="1100" dirty="0"/>
-              <a:t>Testing out mikropml as it already has a function run_ml() that incorporates nested cross-validation for several standard supervised machine learning models:</a:t>
-            </a:r>
-          </a:p>
-          <a:p>
-            <a:endParaRPr lang="de-DE" sz="1100" dirty="0"/>
-          </a:p>
-          <a:p>
-            <a:r>
-              <a:rPr lang="de-DE" sz="1100" dirty="0"/>
-              <a:t>    Logistic/multiclass/linear regression ("glmnet")</a:t>
-            </a:r>
-          </a:p>
-          <a:p>
-            <a:r>
-              <a:rPr lang="de-DE" sz="1100" dirty="0"/>
-              <a:t>    Random forest ("rf")</a:t>
-            </a:r>
-          </a:p>
-          <a:p>
-            <a:r>
-              <a:rPr lang="de-DE" sz="1100" dirty="0"/>
-              <a:t>    Decision tree ("rpart2")</a:t>
-            </a:r>
-          </a:p>
-          <a:p>
-            <a:r>
-              <a:rPr lang="de-DE" sz="1100" dirty="0"/>
-              <a:t>    Support vector machine with a radial basis kernel ("svmRadial")</a:t>
-            </a:r>
-          </a:p>
-          <a:p>
-            <a:r>
-              <a:rPr lang="de-DE" sz="1100" dirty="0"/>
-              <a:t>    xgboost ("xgbTree")</a:t>
-            </a:r>
-          </a:p>
-          <a:p>
-            <a:endParaRPr lang="de-DE" sz="1100" dirty="0"/>
-          </a:p>
-          <a:p>
-            <a:r>
-              <a:rPr lang="de-DE" sz="1100" dirty="0"/>
-              <a:t>Test it here for linear regression and xgboost.</a:t>
-            </a:r>
-          </a:p>
-          <a:p>
-            <a:r>
-              <a:rPr lang="de-DE" sz="1100" dirty="0"/>
-              <a:t>Function run_ml has several parameters:</a:t>
-            </a:r>
-          </a:p>
-          <a:p>
-            <a:r>
-              <a:rPr lang="de-DE" sz="1100" dirty="0"/>
-              <a:t>           dataset,</a:t>
-            </a:r>
-          </a:p>
-          <a:p>
-            <a:r>
-              <a:rPr lang="de-DE" sz="1100" dirty="0"/>
-              <a:t>           method,</a:t>
-            </a:r>
-          </a:p>
-          <a:p>
-            <a:r>
-              <a:rPr lang="de-DE" sz="1100" dirty="0"/>
-              <a:t>           outcome_colname = NULL, (standardized the first column)</a:t>
-            </a:r>
-          </a:p>
-          <a:p>
-            <a:r>
-              <a:rPr lang="de-DE" sz="1100" dirty="0"/>
-              <a:t>           hyperparameters = NULL,</a:t>
-            </a:r>
-          </a:p>
-          <a:p>
-            <a:r>
-              <a:rPr lang="de-DE" sz="1100" dirty="0"/>
-              <a:t>           find_feature_importance = FALSE, (`TRUE` is recommended if you would like to identify features important for predicting your                                                outcome, but it is resource-intensive.</a:t>
-            </a:r>
-          </a:p>
-          <a:p>
-            <a:r>
-              <a:rPr lang="de-DE" sz="1100" dirty="0"/>
-              <a:t>           calculate_performance = TRUE,</a:t>
-            </a:r>
-          </a:p>
-          <a:p>
-            <a:r>
-              <a:rPr lang="de-DE" sz="1100" dirty="0"/>
-              <a:t>           kfold = 5, (standard at 5)</a:t>
-            </a:r>
-          </a:p>
-          <a:p>
-            <a:r>
-              <a:rPr lang="de-DE" sz="1100" dirty="0"/>
-              <a:t>           cv_times = 100, (standard at 100)</a:t>
-            </a:r>
-          </a:p>
-          <a:p>
-            <a:r>
-              <a:rPr lang="de-DE" sz="1100" dirty="0"/>
-              <a:t>           cross_val = NULL, (cross_val a custom cross-validation scheme from `caret::trainControl()` (default: `NULL`, uses `kfold` cross                              validation repeated `cv_times`). `kfold` and `cv_times` are ignored if the user provides a custom                                          cross-validation scheme.)</a:t>
-            </a:r>
-          </a:p>
-          <a:p>
-            <a:r>
-              <a:rPr lang="de-DE" sz="1100" dirty="0"/>
-              <a:t>           training_frac = 0.8, (standard at 0.8)</a:t>
-            </a:r>
-          </a:p>
-          <a:p>
-            <a:r>
-              <a:rPr lang="de-DE" sz="1100" dirty="0"/>
-              <a:t>           perf_metric_function = NULL,</a:t>
-            </a:r>
-          </a:p>
-          <a:p>
-            <a:r>
-              <a:rPr lang="de-DE" sz="1100" dirty="0"/>
-              <a:t>           perf_metric_name = NULL,</a:t>
-            </a:r>
-          </a:p>
-          <a:p>
-            <a:r>
-              <a:rPr lang="de-DE" sz="1100" dirty="0"/>
-              <a:t>           groups = NULL,</a:t>
-            </a:r>
-          </a:p>
-          <a:p>
-            <a:r>
-              <a:rPr lang="de-DE" sz="1100" dirty="0"/>
-              <a:t>           group_partitions = NULL,</a:t>
-            </a:r>
-          </a:p>
-          <a:p>
-            <a:r>
-              <a:rPr lang="de-DE" sz="1100" dirty="0"/>
-              <a:t>           corr_thresh = 1,</a:t>
-            </a:r>
-          </a:p>
-          <a:p>
-            <a:r>
-              <a:rPr lang="de-DE" sz="1100" dirty="0"/>
-              <a:t>           ntree = 1000, (For random forest, how many trees to use (default: `1000`). Caret doesn't allow this hyperparameter to be tuned)</a:t>
-            </a:r>
-          </a:p>
-          <a:p>
-            <a:r>
-              <a:rPr lang="de-DE" sz="1100" dirty="0"/>
-              <a:t>           seed = NA (set seed for reproducibility)</a:t>
-            </a:r>
-          </a:p>
-        </p:txBody>
-      </p:sp>
-    </p:spTree>
-    <p:extLst>
-      <p:ext uri="{BB962C8B-B14F-4D97-AF65-F5344CB8AC3E}">
-        <p14:creationId xmlns:p14="http://schemas.microsoft.com/office/powerpoint/2010/main" val="3541464901"/>
-      </p:ext>
-    </p:extLst>
-  </p:cSld>
-  <p:clrMapOvr>
-    <a:masterClrMapping/>
-  </p:clrMapOvr>
-</p:sld>
-</file>
-
-<file path=ppt/slides/slide18.xml><?xml version="1.0" encoding="utf-8"?>
-<p:sld xmlns:a="http://schemas.openxmlformats.org/drawingml/2006/main" xmlns:r="http://schemas.openxmlformats.org/officeDocument/2006/relationships" xmlns:p="http://schemas.openxmlformats.org/presentationml/2006/main">
-  <p:cSld>
-    <p:spTree>
-      <p:nvGrpSpPr>
-        <p:cNvPr id="1" name=""/>
-        <p:cNvGrpSpPr/>
-        <p:nvPr/>
-      </p:nvGrpSpPr>
-      <p:grpSpPr>
-        <a:xfrm>
-          <a:off x="0" y="0"/>
-          <a:ext cx="0" cy="0"/>
-          <a:chOff x="0" y="0"/>
-          <a:chExt cx="0" cy="0"/>
-        </a:xfrm>
-      </p:grpSpPr>
-      <p:sp>
-        <p:nvSpPr>
-          <p:cNvPr id="2" name="Title 1">
-            <a:extLst>
-              <a:ext uri="{FF2B5EF4-FFF2-40B4-BE49-F238E27FC236}">
-                <a16:creationId xmlns:a16="http://schemas.microsoft.com/office/drawing/2014/main" id="{6806FBA4-537C-4226-9D3A-758C7B787D79}"/>
-              </a:ext>
-            </a:extLst>
-          </p:cNvPr>
-          <p:cNvSpPr>
-            <a:spLocks noGrp="1"/>
-          </p:cNvSpPr>
-          <p:nvPr>
-            <p:ph type="title"/>
-          </p:nvPr>
-        </p:nvSpPr>
-        <p:spPr/>
-        <p:txBody>
-          <a:bodyPr>
-            <a:normAutofit/>
-          </a:bodyPr>
-          <a:lstStyle/>
-          <a:p>
-            <a:r>
-              <a:rPr lang="de-DE" sz="3200" b="1" dirty="0"/>
-              <a:t>PCOS classification and same initial split</a:t>
-            </a:r>
-            <a:endParaRPr lang="en-US" sz="3200" b="1" dirty="0"/>
-          </a:p>
-        </p:txBody>
-      </p:sp>
-      <p:sp>
-        <p:nvSpPr>
-          <p:cNvPr id="5" name="Footer Placeholder 4">
-            <a:extLst>
-              <a:ext uri="{FF2B5EF4-FFF2-40B4-BE49-F238E27FC236}">
-                <a16:creationId xmlns:a16="http://schemas.microsoft.com/office/drawing/2014/main" id="{707C4F70-832A-416B-9491-EE86347B2812}"/>
-              </a:ext>
-            </a:extLst>
-          </p:cNvPr>
-          <p:cNvSpPr>
-            <a:spLocks noGrp="1"/>
-          </p:cNvSpPr>
-          <p:nvPr>
-            <p:ph type="ftr" sz="quarter" idx="11"/>
-          </p:nvPr>
-        </p:nvSpPr>
-        <p:spPr/>
-        <p:txBody>
-          <a:bodyPr/>
-          <a:lstStyle/>
-          <a:p>
-            <a:r>
-              <a:rPr lang="en-US"/>
-              <a:t>jennifer.neumaier@t-online.de</a:t>
-            </a:r>
-            <a:endParaRPr lang="en-US" dirty="0"/>
-          </a:p>
-        </p:txBody>
-      </p:sp>
-      <p:sp>
-        <p:nvSpPr>
-          <p:cNvPr id="6" name="Slide Number Placeholder 5">
-            <a:extLst>
-              <a:ext uri="{FF2B5EF4-FFF2-40B4-BE49-F238E27FC236}">
-                <a16:creationId xmlns:a16="http://schemas.microsoft.com/office/drawing/2014/main" id="{1028CB34-29B5-49CB-99E4-E945C3D78896}"/>
-              </a:ext>
-            </a:extLst>
-          </p:cNvPr>
-          <p:cNvSpPr>
-            <a:spLocks noGrp="1"/>
-          </p:cNvSpPr>
-          <p:nvPr>
-            <p:ph type="sldNum" sz="quarter" idx="12"/>
-          </p:nvPr>
-        </p:nvSpPr>
-        <p:spPr/>
-        <p:txBody>
-          <a:bodyPr/>
-          <a:lstStyle/>
-          <a:p>
-            <a:fld id="{D57F1E4F-1CFF-5643-939E-217C01CDF565}" type="slidenum">
-              <a:rPr lang="en-US" smtClean="0"/>
-              <a:pPr/>
-              <a:t>18</a:t>
             </a:fld>
             <a:endParaRPr lang="en-US" dirty="0"/>
           </a:p>
@@ -19113,7 +18977,7 @@
         </p:nvSpPr>
         <p:spPr>
           <a:xfrm rot="365251">
-            <a:off x="8610369" y="326117"/>
+            <a:off x="9472069" y="326117"/>
             <a:ext cx="3710763" cy="923330"/>
           </a:xfrm>
           <a:prstGeom prst="rect">
@@ -19159,7 +19023,7 @@
 </p:sld>
 </file>
 
-<file path=ppt/slides/slide19.xml><?xml version="1.0" encoding="utf-8"?>
+<file path=ppt/slides/slide18.xml><?xml version="1.0" encoding="utf-8"?>
 <p:sld xmlns:a="http://schemas.openxmlformats.org/drawingml/2006/main" xmlns:r="http://schemas.openxmlformats.org/officeDocument/2006/relationships" xmlns:p="http://schemas.openxmlformats.org/presentationml/2006/main">
   <p:cSld>
     <p:spTree>
@@ -19260,7 +19124,7 @@
             <a:fld id="{D57F1E4F-1CFF-5643-939E-217C01CDF565}" type="slidenum">
               <a:rPr lang="en-US" smtClean="0"/>
               <a:pPr/>
-              <a:t>19</a:t>
+              <a:t>18</a:t>
             </a:fld>
             <a:endParaRPr lang="en-US" dirty="0"/>
           </a:p>
@@ -19377,6 +19241,53 @@
           </a:ln>
         </p:spPr>
       </p:pic>
+      <p:sp>
+        <p:nvSpPr>
+          <p:cNvPr id="9" name="TextBox 8">
+            <a:extLst>
+              <a:ext uri="{FF2B5EF4-FFF2-40B4-BE49-F238E27FC236}">
+                <a16:creationId xmlns:a16="http://schemas.microsoft.com/office/drawing/2014/main" id="{3DE969E2-60DC-4C16-A660-13721F090F3F}"/>
+              </a:ext>
+            </a:extLst>
+          </p:cNvPr>
+          <p:cNvSpPr txBox="1"/>
+          <p:nvPr/>
+        </p:nvSpPr>
+        <p:spPr>
+          <a:xfrm rot="365251">
+            <a:off x="9247581" y="1462724"/>
+            <a:ext cx="3710763" cy="923330"/>
+          </a:xfrm>
+          <a:prstGeom prst="rect">
+            <a:avLst/>
+          </a:prstGeom>
+          <a:solidFill>
+            <a:schemeClr val="bg1"/>
+          </a:solidFill>
+          <a:ln>
+            <a:solidFill>
+              <a:schemeClr val="tx1"/>
+            </a:solidFill>
+          </a:ln>
+        </p:spPr>
+        <p:txBody>
+          <a:bodyPr wrap="square" rtlCol="0">
+            <a:spAutoFit/>
+          </a:bodyPr>
+          <a:lstStyle/>
+          <a:p>
+            <a:pPr algn="ctr"/>
+            <a:r>
+              <a:rPr lang="de-DE" b="1" dirty="0">
+                <a:solidFill>
+                  <a:srgbClr val="FF0000"/>
+                </a:solidFill>
+              </a:rPr>
+              <a:t>Make format nicer (like codacore and with nicer headlines)</a:t>
+            </a:r>
+          </a:p>
+        </p:txBody>
+      </p:sp>
     </p:spTree>
     <p:extLst>
       <p:ext uri="{BB962C8B-B14F-4D97-AF65-F5344CB8AC3E}">
@@ -19390,7 +19301,7 @@
 </p:sld>
 </file>
 
-<file path=ppt/slides/slide2.xml><?xml version="1.0" encoding="utf-8"?>
+<file path=ppt/slides/slide19.xml><?xml version="1.0" encoding="utf-8"?>
 <p:sld xmlns:a="http://schemas.openxmlformats.org/drawingml/2006/main" xmlns:r="http://schemas.openxmlformats.org/officeDocument/2006/relationships" xmlns:p="http://schemas.openxmlformats.org/presentationml/2006/main">
   <p:cSld>
     <p:spTree>
@@ -19409,181 +19320,6 @@
       </p:grpSpPr>
       <p:sp>
         <p:nvSpPr>
-          <p:cNvPr id="7" name="Title 6">
-            <a:extLst>
-              <a:ext uri="{FF2B5EF4-FFF2-40B4-BE49-F238E27FC236}">
-                <a16:creationId xmlns:a16="http://schemas.microsoft.com/office/drawing/2014/main" id="{097F2DA0-82A3-49C5-A952-4C41FC7A8B0D}"/>
-              </a:ext>
-            </a:extLst>
-          </p:cNvPr>
-          <p:cNvSpPr>
-            <a:spLocks noGrp="1"/>
-          </p:cNvSpPr>
-          <p:nvPr>
-            <p:ph type="title"/>
-          </p:nvPr>
-        </p:nvSpPr>
-        <p:spPr/>
-        <p:txBody>
-          <a:bodyPr/>
-          <a:lstStyle/>
-          <a:p>
-            <a:r>
-              <a:rPr lang="de-DE" b="1" dirty="0"/>
-              <a:t>Goals</a:t>
-            </a:r>
-            <a:endParaRPr lang="en-US" b="1" dirty="0"/>
-          </a:p>
-        </p:txBody>
-      </p:sp>
-      <p:sp>
-        <p:nvSpPr>
-          <p:cNvPr id="2" name="Date Placeholder 1">
-            <a:extLst>
-              <a:ext uri="{FF2B5EF4-FFF2-40B4-BE49-F238E27FC236}">
-                <a16:creationId xmlns:a16="http://schemas.microsoft.com/office/drawing/2014/main" id="{021C34A8-38CB-4F99-BD0A-21BB12003EDD}"/>
-              </a:ext>
-            </a:extLst>
-          </p:cNvPr>
-          <p:cNvSpPr>
-            <a:spLocks noGrp="1"/>
-          </p:cNvSpPr>
-          <p:nvPr>
-            <p:ph type="dt" sz="half" idx="10"/>
-          </p:nvPr>
-        </p:nvSpPr>
-        <p:spPr/>
-        <p:txBody>
-          <a:bodyPr/>
-          <a:lstStyle/>
-          <a:p>
-            <a:fld id="{1278D66F-D6E5-4434-B311-7DA25CA81F5A}" type="datetime1">
-              <a:rPr lang="en-US" smtClean="0"/>
-              <a:t>4/14/2022</a:t>
-            </a:fld>
-            <a:endParaRPr lang="en-US" dirty="0"/>
-          </a:p>
-        </p:txBody>
-      </p:sp>
-      <p:sp>
-        <p:nvSpPr>
-          <p:cNvPr id="3" name="Footer Placeholder 2">
-            <a:extLst>
-              <a:ext uri="{FF2B5EF4-FFF2-40B4-BE49-F238E27FC236}">
-                <a16:creationId xmlns:a16="http://schemas.microsoft.com/office/drawing/2014/main" id="{1438E154-BA79-4A10-8450-061DB6E4741C}"/>
-              </a:ext>
-            </a:extLst>
-          </p:cNvPr>
-          <p:cNvSpPr>
-            <a:spLocks noGrp="1"/>
-          </p:cNvSpPr>
-          <p:nvPr>
-            <p:ph type="ftr" sz="quarter" idx="11"/>
-          </p:nvPr>
-        </p:nvSpPr>
-        <p:spPr/>
-        <p:txBody>
-          <a:bodyPr/>
-          <a:lstStyle/>
-          <a:p>
-            <a:r>
-              <a:rPr lang="en-US"/>
-              <a:t>jennifer.neumaier@t-online.de</a:t>
-            </a:r>
-            <a:endParaRPr lang="en-US" dirty="0"/>
-          </a:p>
-        </p:txBody>
-      </p:sp>
-      <p:sp>
-        <p:nvSpPr>
-          <p:cNvPr id="4" name="Slide Number Placeholder 3">
-            <a:extLst>
-              <a:ext uri="{FF2B5EF4-FFF2-40B4-BE49-F238E27FC236}">
-                <a16:creationId xmlns:a16="http://schemas.microsoft.com/office/drawing/2014/main" id="{AA4FC915-1ED9-4611-8B0F-C8AB3E2F7277}"/>
-              </a:ext>
-            </a:extLst>
-          </p:cNvPr>
-          <p:cNvSpPr>
-            <a:spLocks noGrp="1"/>
-          </p:cNvSpPr>
-          <p:nvPr>
-            <p:ph type="sldNum" sz="quarter" idx="12"/>
-          </p:nvPr>
-        </p:nvSpPr>
-        <p:spPr/>
-        <p:txBody>
-          <a:bodyPr/>
-          <a:lstStyle/>
-          <a:p>
-            <a:fld id="{D57F1E4F-1CFF-5643-939E-217C01CDF565}" type="slidenum">
-              <a:rPr lang="en-US" smtClean="0"/>
-              <a:pPr/>
-              <a:t>2</a:t>
-            </a:fld>
-            <a:endParaRPr lang="en-US" dirty="0"/>
-          </a:p>
-        </p:txBody>
-      </p:sp>
-      <p:graphicFrame>
-        <p:nvGraphicFramePr>
-          <p:cNvPr id="5" name="Diagram 4">
-            <a:extLst>
-              <a:ext uri="{FF2B5EF4-FFF2-40B4-BE49-F238E27FC236}">
-                <a16:creationId xmlns:a16="http://schemas.microsoft.com/office/drawing/2014/main" id="{F3220D42-CE5E-491B-98FD-975C2BE57521}"/>
-              </a:ext>
-            </a:extLst>
-          </p:cNvPr>
-          <p:cNvGraphicFramePr/>
-          <p:nvPr>
-            <p:extLst>
-              <p:ext uri="{D42A27DB-BD31-4B8C-83A1-F6EECF244321}">
-                <p14:modId xmlns:p14="http://schemas.microsoft.com/office/powerpoint/2010/main" val="2946467629"/>
-              </p:ext>
-            </p:extLst>
-          </p:nvPr>
-        </p:nvGraphicFramePr>
-        <p:xfrm>
-          <a:off x="2423843" y="724958"/>
-          <a:ext cx="8128000" cy="5418667"/>
-        </p:xfrm>
-        <a:graphic>
-          <a:graphicData uri="http://schemas.openxmlformats.org/drawingml/2006/diagram">
-            <dgm:relIds xmlns:dgm="http://schemas.openxmlformats.org/drawingml/2006/diagram" xmlns:r="http://schemas.openxmlformats.org/officeDocument/2006/relationships" r:dm="rId2" r:lo="rId3" r:qs="rId4" r:cs="rId5"/>
-          </a:graphicData>
-        </a:graphic>
-      </p:graphicFrame>
-    </p:spTree>
-    <p:extLst>
-      <p:ext uri="{BB962C8B-B14F-4D97-AF65-F5344CB8AC3E}">
-        <p14:creationId xmlns:p14="http://schemas.microsoft.com/office/powerpoint/2010/main" val="2392951674"/>
-      </p:ext>
-    </p:extLst>
-  </p:cSld>
-  <p:clrMapOvr>
-    <a:masterClrMapping/>
-  </p:clrMapOvr>
-</p:sld>
-</file>
-
-<file path=ppt/slides/slide20.xml><?xml version="1.0" encoding="utf-8"?>
-<p:sld xmlns:a="http://schemas.openxmlformats.org/drawingml/2006/main" xmlns:r="http://schemas.openxmlformats.org/officeDocument/2006/relationships" xmlns:p="http://schemas.openxmlformats.org/presentationml/2006/main">
-  <p:cSld>
-    <p:spTree>
-      <p:nvGrpSpPr>
-        <p:cNvPr id="1" name=""/>
-        <p:cNvGrpSpPr/>
-        <p:nvPr/>
-      </p:nvGrpSpPr>
-      <p:grpSpPr>
-        <a:xfrm>
-          <a:off x="0" y="0"/>
-          <a:ext cx="0" cy="0"/>
-          <a:chOff x="0" y="0"/>
-          <a:chExt cx="0" cy="0"/>
-        </a:xfrm>
-      </p:grpSpPr>
-      <p:sp>
-        <p:nvSpPr>
           <p:cNvPr id="2" name="Title 1">
             <a:extLst>
               <a:ext uri="{FF2B5EF4-FFF2-40B4-BE49-F238E27FC236}">
@@ -19666,7 +19402,7 @@
             <a:fld id="{D57F1E4F-1CFF-5643-939E-217C01CDF565}" type="slidenum">
               <a:rPr lang="en-US" smtClean="0"/>
               <a:pPr/>
-              <a:t>20</a:t>
+              <a:t>19</a:t>
             </a:fld>
             <a:endParaRPr lang="en-US" dirty="0"/>
           </a:p>
@@ -19777,10 +19513,662 @@
           </a:ln>
         </p:spPr>
       </p:pic>
+      <p:sp>
+        <p:nvSpPr>
+          <p:cNvPr id="9" name="TextBox 8">
+            <a:extLst>
+              <a:ext uri="{FF2B5EF4-FFF2-40B4-BE49-F238E27FC236}">
+                <a16:creationId xmlns:a16="http://schemas.microsoft.com/office/drawing/2014/main" id="{C2CC989F-FEAB-4597-B493-25EE09A942E9}"/>
+              </a:ext>
+            </a:extLst>
+          </p:cNvPr>
+          <p:cNvSpPr txBox="1"/>
+          <p:nvPr/>
+        </p:nvSpPr>
+        <p:spPr>
+          <a:xfrm rot="365251">
+            <a:off x="8219319" y="627044"/>
+            <a:ext cx="3710763" cy="923330"/>
+          </a:xfrm>
+          <a:prstGeom prst="rect">
+            <a:avLst/>
+          </a:prstGeom>
+          <a:solidFill>
+            <a:schemeClr val="bg1"/>
+          </a:solidFill>
+          <a:ln>
+            <a:solidFill>
+              <a:schemeClr val="tx1"/>
+            </a:solidFill>
+          </a:ln>
+        </p:spPr>
+        <p:txBody>
+          <a:bodyPr wrap="square" rtlCol="0">
+            <a:spAutoFit/>
+          </a:bodyPr>
+          <a:lstStyle/>
+          <a:p>
+            <a:pPr algn="ctr"/>
+            <a:r>
+              <a:rPr lang="de-DE" b="1" dirty="0">
+                <a:solidFill>
+                  <a:srgbClr val="FF0000"/>
+                </a:solidFill>
+              </a:rPr>
+              <a:t>Make format nicer (like codacore and with nicer headlines)</a:t>
+            </a:r>
+          </a:p>
+        </p:txBody>
+      </p:sp>
     </p:spTree>
     <p:extLst>
       <p:ext uri="{BB962C8B-B14F-4D97-AF65-F5344CB8AC3E}">
         <p14:creationId xmlns:p14="http://schemas.microsoft.com/office/powerpoint/2010/main" val="2629132382"/>
+      </p:ext>
+    </p:extLst>
+  </p:cSld>
+  <p:clrMapOvr>
+    <a:masterClrMapping/>
+  </p:clrMapOvr>
+</p:sld>
+</file>
+
+<file path=ppt/slides/slide2.xml><?xml version="1.0" encoding="utf-8"?>
+<p:sld xmlns:a="http://schemas.openxmlformats.org/drawingml/2006/main" xmlns:r="http://schemas.openxmlformats.org/officeDocument/2006/relationships" xmlns:p="http://schemas.openxmlformats.org/presentationml/2006/main">
+  <p:cSld>
+    <p:spTree>
+      <p:nvGrpSpPr>
+        <p:cNvPr id="1" name=""/>
+        <p:cNvGrpSpPr/>
+        <p:nvPr/>
+      </p:nvGrpSpPr>
+      <p:grpSpPr>
+        <a:xfrm>
+          <a:off x="0" y="0"/>
+          <a:ext cx="0" cy="0"/>
+          <a:chOff x="0" y="0"/>
+          <a:chExt cx="0" cy="0"/>
+        </a:xfrm>
+      </p:grpSpPr>
+      <p:sp>
+        <p:nvSpPr>
+          <p:cNvPr id="7" name="Title 6">
+            <a:extLst>
+              <a:ext uri="{FF2B5EF4-FFF2-40B4-BE49-F238E27FC236}">
+                <a16:creationId xmlns:a16="http://schemas.microsoft.com/office/drawing/2014/main" id="{097F2DA0-82A3-49C5-A952-4C41FC7A8B0D}"/>
+              </a:ext>
+            </a:extLst>
+          </p:cNvPr>
+          <p:cNvSpPr>
+            <a:spLocks noGrp="1"/>
+          </p:cNvSpPr>
+          <p:nvPr>
+            <p:ph type="title"/>
+          </p:nvPr>
+        </p:nvSpPr>
+        <p:spPr/>
+        <p:txBody>
+          <a:bodyPr/>
+          <a:lstStyle/>
+          <a:p>
+            <a:r>
+              <a:rPr lang="de-DE" b="1" dirty="0"/>
+              <a:t>Goals</a:t>
+            </a:r>
+            <a:endParaRPr lang="en-US" b="1" dirty="0"/>
+          </a:p>
+        </p:txBody>
+      </p:sp>
+      <p:sp>
+        <p:nvSpPr>
+          <p:cNvPr id="2" name="Date Placeholder 1">
+            <a:extLst>
+              <a:ext uri="{FF2B5EF4-FFF2-40B4-BE49-F238E27FC236}">
+                <a16:creationId xmlns:a16="http://schemas.microsoft.com/office/drawing/2014/main" id="{021C34A8-38CB-4F99-BD0A-21BB12003EDD}"/>
+              </a:ext>
+            </a:extLst>
+          </p:cNvPr>
+          <p:cNvSpPr>
+            <a:spLocks noGrp="1"/>
+          </p:cNvSpPr>
+          <p:nvPr>
+            <p:ph type="dt" sz="half" idx="10"/>
+          </p:nvPr>
+        </p:nvSpPr>
+        <p:spPr/>
+        <p:txBody>
+          <a:bodyPr/>
+          <a:lstStyle/>
+          <a:p>
+            <a:fld id="{1278D66F-D6E5-4434-B311-7DA25CA81F5A}" type="datetime1">
+              <a:rPr lang="en-US" smtClean="0"/>
+              <a:t>4/16/2022</a:t>
+            </a:fld>
+            <a:endParaRPr lang="en-US" dirty="0"/>
+          </a:p>
+        </p:txBody>
+      </p:sp>
+      <p:sp>
+        <p:nvSpPr>
+          <p:cNvPr id="3" name="Footer Placeholder 2">
+            <a:extLst>
+              <a:ext uri="{FF2B5EF4-FFF2-40B4-BE49-F238E27FC236}">
+                <a16:creationId xmlns:a16="http://schemas.microsoft.com/office/drawing/2014/main" id="{1438E154-BA79-4A10-8450-061DB6E4741C}"/>
+              </a:ext>
+            </a:extLst>
+          </p:cNvPr>
+          <p:cNvSpPr>
+            <a:spLocks noGrp="1"/>
+          </p:cNvSpPr>
+          <p:nvPr>
+            <p:ph type="ftr" sz="quarter" idx="11"/>
+          </p:nvPr>
+        </p:nvSpPr>
+        <p:spPr/>
+        <p:txBody>
+          <a:bodyPr/>
+          <a:lstStyle/>
+          <a:p>
+            <a:r>
+              <a:rPr lang="en-US"/>
+              <a:t>jennifer.neumaier@t-online.de</a:t>
+            </a:r>
+            <a:endParaRPr lang="en-US" dirty="0"/>
+          </a:p>
+        </p:txBody>
+      </p:sp>
+      <p:sp>
+        <p:nvSpPr>
+          <p:cNvPr id="4" name="Slide Number Placeholder 3">
+            <a:extLst>
+              <a:ext uri="{FF2B5EF4-FFF2-40B4-BE49-F238E27FC236}">
+                <a16:creationId xmlns:a16="http://schemas.microsoft.com/office/drawing/2014/main" id="{AA4FC915-1ED9-4611-8B0F-C8AB3E2F7277}"/>
+              </a:ext>
+            </a:extLst>
+          </p:cNvPr>
+          <p:cNvSpPr>
+            <a:spLocks noGrp="1"/>
+          </p:cNvSpPr>
+          <p:nvPr>
+            <p:ph type="sldNum" sz="quarter" idx="12"/>
+          </p:nvPr>
+        </p:nvSpPr>
+        <p:spPr/>
+        <p:txBody>
+          <a:bodyPr/>
+          <a:lstStyle/>
+          <a:p>
+            <a:fld id="{D57F1E4F-1CFF-5643-939E-217C01CDF565}" type="slidenum">
+              <a:rPr lang="en-US" smtClean="0"/>
+              <a:pPr/>
+              <a:t>2</a:t>
+            </a:fld>
+            <a:endParaRPr lang="en-US" dirty="0"/>
+          </a:p>
+        </p:txBody>
+      </p:sp>
+      <p:graphicFrame>
+        <p:nvGraphicFramePr>
+          <p:cNvPr id="5" name="Diagram 4">
+            <a:extLst>
+              <a:ext uri="{FF2B5EF4-FFF2-40B4-BE49-F238E27FC236}">
+                <a16:creationId xmlns:a16="http://schemas.microsoft.com/office/drawing/2014/main" id="{F3220D42-CE5E-491B-98FD-975C2BE57521}"/>
+              </a:ext>
+            </a:extLst>
+          </p:cNvPr>
+          <p:cNvGraphicFramePr/>
+          <p:nvPr>
+            <p:extLst>
+              <p:ext uri="{D42A27DB-BD31-4B8C-83A1-F6EECF244321}">
+                <p14:modId xmlns:p14="http://schemas.microsoft.com/office/powerpoint/2010/main" val="2946467629"/>
+              </p:ext>
+            </p:extLst>
+          </p:nvPr>
+        </p:nvGraphicFramePr>
+        <p:xfrm>
+          <a:off x="2423843" y="724958"/>
+          <a:ext cx="8128000" cy="5418667"/>
+        </p:xfrm>
+        <a:graphic>
+          <a:graphicData uri="http://schemas.openxmlformats.org/drawingml/2006/diagram">
+            <dgm:relIds xmlns:dgm="http://schemas.openxmlformats.org/drawingml/2006/diagram" xmlns:r="http://schemas.openxmlformats.org/officeDocument/2006/relationships" r:dm="rId2" r:lo="rId3" r:qs="rId4" r:cs="rId5"/>
+          </a:graphicData>
+        </a:graphic>
+      </p:graphicFrame>
+    </p:spTree>
+    <p:extLst>
+      <p:ext uri="{BB962C8B-B14F-4D97-AF65-F5344CB8AC3E}">
+        <p14:creationId xmlns:p14="http://schemas.microsoft.com/office/powerpoint/2010/main" val="2392951674"/>
+      </p:ext>
+    </p:extLst>
+  </p:cSld>
+  <p:clrMapOvr>
+    <a:masterClrMapping/>
+  </p:clrMapOvr>
+</p:sld>
+</file>
+
+<file path=ppt/slides/slide20.xml><?xml version="1.0" encoding="utf-8"?>
+<p:sld xmlns:a="http://schemas.openxmlformats.org/drawingml/2006/main" xmlns:r="http://schemas.openxmlformats.org/officeDocument/2006/relationships" xmlns:p="http://schemas.openxmlformats.org/presentationml/2006/main">
+  <p:cSld>
+    <p:spTree>
+      <p:nvGrpSpPr>
+        <p:cNvPr id="1" name=""/>
+        <p:cNvGrpSpPr/>
+        <p:nvPr/>
+      </p:nvGrpSpPr>
+      <p:grpSpPr>
+        <a:xfrm>
+          <a:off x="0" y="0"/>
+          <a:ext cx="0" cy="0"/>
+          <a:chOff x="0" y="0"/>
+          <a:chExt cx="0" cy="0"/>
+        </a:xfrm>
+      </p:grpSpPr>
+      <p:sp>
+        <p:nvSpPr>
+          <p:cNvPr id="2" name="Title 1">
+            <a:extLst>
+              <a:ext uri="{FF2B5EF4-FFF2-40B4-BE49-F238E27FC236}">
+                <a16:creationId xmlns:a16="http://schemas.microsoft.com/office/drawing/2014/main" id="{6806FBA4-537C-4226-9D3A-758C7B787D79}"/>
+              </a:ext>
+            </a:extLst>
+          </p:cNvPr>
+          <p:cNvSpPr>
+            <a:spLocks noGrp="1"/>
+          </p:cNvSpPr>
+          <p:nvPr>
+            <p:ph type="title"/>
+          </p:nvPr>
+        </p:nvSpPr>
+        <p:spPr/>
+        <p:txBody>
+          <a:bodyPr/>
+          <a:lstStyle/>
+          <a:p>
+            <a:r>
+              <a:rPr lang="de-DE" b="1" dirty="0"/>
+              <a:t>Pre-Processing</a:t>
+            </a:r>
+            <a:endParaRPr lang="en-US" b="1" dirty="0"/>
+          </a:p>
+        </p:txBody>
+      </p:sp>
+      <p:sp>
+        <p:nvSpPr>
+          <p:cNvPr id="5" name="Footer Placeholder 4">
+            <a:extLst>
+              <a:ext uri="{FF2B5EF4-FFF2-40B4-BE49-F238E27FC236}">
+                <a16:creationId xmlns:a16="http://schemas.microsoft.com/office/drawing/2014/main" id="{707C4F70-832A-416B-9491-EE86347B2812}"/>
+              </a:ext>
+            </a:extLst>
+          </p:cNvPr>
+          <p:cNvSpPr>
+            <a:spLocks noGrp="1"/>
+          </p:cNvSpPr>
+          <p:nvPr>
+            <p:ph type="ftr" sz="quarter" idx="11"/>
+          </p:nvPr>
+        </p:nvSpPr>
+        <p:spPr/>
+        <p:txBody>
+          <a:bodyPr/>
+          <a:lstStyle/>
+          <a:p>
+            <a:r>
+              <a:rPr lang="en-US"/>
+              <a:t>jennifer.neumaier@t-online.de</a:t>
+            </a:r>
+            <a:endParaRPr lang="en-US" dirty="0"/>
+          </a:p>
+        </p:txBody>
+      </p:sp>
+      <p:sp>
+        <p:nvSpPr>
+          <p:cNvPr id="6" name="Slide Number Placeholder 5">
+            <a:extLst>
+              <a:ext uri="{FF2B5EF4-FFF2-40B4-BE49-F238E27FC236}">
+                <a16:creationId xmlns:a16="http://schemas.microsoft.com/office/drawing/2014/main" id="{1028CB34-29B5-49CB-99E4-E945C3D78896}"/>
+              </a:ext>
+            </a:extLst>
+          </p:cNvPr>
+          <p:cNvSpPr>
+            <a:spLocks noGrp="1"/>
+          </p:cNvSpPr>
+          <p:nvPr>
+            <p:ph type="sldNum" sz="quarter" idx="12"/>
+          </p:nvPr>
+        </p:nvSpPr>
+        <p:spPr/>
+        <p:txBody>
+          <a:bodyPr/>
+          <a:lstStyle/>
+          <a:p>
+            <a:fld id="{D57F1E4F-1CFF-5643-939E-217C01CDF565}" type="slidenum">
+              <a:rPr lang="en-US" smtClean="0"/>
+              <a:pPr/>
+              <a:t>20</a:t>
+            </a:fld>
+            <a:endParaRPr lang="en-US" dirty="0"/>
+          </a:p>
+        </p:txBody>
+      </p:sp>
+      <p:sp>
+        <p:nvSpPr>
+          <p:cNvPr id="26" name="TextBox 25">
+            <a:extLst>
+              <a:ext uri="{FF2B5EF4-FFF2-40B4-BE49-F238E27FC236}">
+                <a16:creationId xmlns:a16="http://schemas.microsoft.com/office/drawing/2014/main" id="{CC7BEBFF-3D20-441C-B1B2-0CE34904FDE4}"/>
+              </a:ext>
+            </a:extLst>
+          </p:cNvPr>
+          <p:cNvSpPr txBox="1"/>
+          <p:nvPr/>
+        </p:nvSpPr>
+        <p:spPr>
+          <a:xfrm>
+            <a:off x="1698819" y="1152907"/>
+            <a:ext cx="3654858" cy="400110"/>
+          </a:xfrm>
+          <a:prstGeom prst="rect">
+            <a:avLst/>
+          </a:prstGeom>
+          <a:noFill/>
+        </p:spPr>
+        <p:txBody>
+          <a:bodyPr wrap="square" rtlCol="0">
+            <a:spAutoFit/>
+          </a:bodyPr>
+          <a:lstStyle/>
+          <a:p>
+            <a:r>
+              <a:rPr lang="de-DE" sz="2000" i="1" dirty="0"/>
+              <a:t>Problems and Notes</a:t>
+            </a:r>
+          </a:p>
+        </p:txBody>
+      </p:sp>
+      <p:sp>
+        <p:nvSpPr>
+          <p:cNvPr id="7" name="TextBox 6">
+            <a:extLst>
+              <a:ext uri="{FF2B5EF4-FFF2-40B4-BE49-F238E27FC236}">
+                <a16:creationId xmlns:a16="http://schemas.microsoft.com/office/drawing/2014/main" id="{B43BF96F-7A11-4087-9B01-CF6AACD20E04}"/>
+              </a:ext>
+            </a:extLst>
+          </p:cNvPr>
+          <p:cNvSpPr txBox="1"/>
+          <p:nvPr/>
+        </p:nvSpPr>
+        <p:spPr>
+          <a:xfrm>
+            <a:off x="1698819" y="1834296"/>
+            <a:ext cx="7102549" cy="1754326"/>
+          </a:xfrm>
+          <a:prstGeom prst="rect">
+            <a:avLst/>
+          </a:prstGeom>
+          <a:noFill/>
+        </p:spPr>
+        <p:txBody>
+          <a:bodyPr wrap="square" rtlCol="0">
+            <a:spAutoFit/>
+          </a:bodyPr>
+          <a:lstStyle/>
+          <a:p>
+            <a:r>
+              <a:rPr lang="de-DE" u="sng" dirty="0"/>
+              <a:t>CRC</a:t>
+            </a:r>
+            <a:r>
+              <a:rPr lang="de-DE" dirty="0"/>
+              <a:t>:</a:t>
+            </a:r>
+          </a:p>
+          <a:p>
+            <a:pPr marL="285750" indent="-285750">
+              <a:buFontTx/>
+              <a:buChar char="-"/>
+            </a:pPr>
+            <a:r>
+              <a:rPr lang="de-DE" dirty="0"/>
+              <a:t>128 rows removed due to NA in BMI</a:t>
+            </a:r>
+          </a:p>
+          <a:p>
+            <a:pPr marL="285750" indent="-285750">
+              <a:buFontTx/>
+              <a:buChar char="-"/>
+            </a:pPr>
+            <a:r>
+              <a:rPr lang="de-DE" dirty="0"/>
+              <a:t>DE saved separately as holdout </a:t>
+            </a:r>
+          </a:p>
+          <a:p>
+            <a:pPr marL="285750" indent="-285750">
+              <a:buFontTx/>
+              <a:buChar char="-"/>
+            </a:pPr>
+            <a:r>
+              <a:rPr lang="de-DE" dirty="0"/>
+              <a:t>All tests were done with country sets: USA, China, Austria, France</a:t>
+            </a:r>
+          </a:p>
+          <a:p>
+            <a:pPr marL="285750" indent="-285750">
+              <a:buFontTx/>
+              <a:buChar char="-"/>
+            </a:pPr>
+            <a:endParaRPr lang="de-DE" dirty="0"/>
+          </a:p>
+        </p:txBody>
+      </p:sp>
+      <p:sp>
+        <p:nvSpPr>
+          <p:cNvPr id="29" name="TextBox 28">
+            <a:extLst>
+              <a:ext uri="{FF2B5EF4-FFF2-40B4-BE49-F238E27FC236}">
+                <a16:creationId xmlns:a16="http://schemas.microsoft.com/office/drawing/2014/main" id="{FD214281-F802-4F96-A098-F69D765E4AFA}"/>
+              </a:ext>
+            </a:extLst>
+          </p:cNvPr>
+          <p:cNvSpPr txBox="1"/>
+          <p:nvPr/>
+        </p:nvSpPr>
+        <p:spPr>
+          <a:xfrm>
+            <a:off x="6199935" y="93132"/>
+            <a:ext cx="6097772" cy="1815882"/>
+          </a:xfrm>
+          <a:prstGeom prst="rect">
+            <a:avLst/>
+          </a:prstGeom>
+          <a:noFill/>
+        </p:spPr>
+        <p:txBody>
+          <a:bodyPr wrap="square">
+            <a:spAutoFit/>
+          </a:bodyPr>
+          <a:lstStyle/>
+          <a:p>
+            <a:r>
+              <a:rPr lang="de-DE" sz="1400" u="sng" dirty="0"/>
+              <a:t>Imputation</a:t>
+            </a:r>
+            <a:r>
+              <a:rPr lang="de-DE" sz="1400" dirty="0"/>
+              <a:t>:</a:t>
+            </a:r>
+          </a:p>
+          <a:p>
+            <a:pPr marL="285750" indent="-285750">
+              <a:buFontTx/>
+              <a:buChar char="-"/>
+            </a:pPr>
+            <a:r>
+              <a:rPr lang="de-DE" sz="1400" dirty="0"/>
+              <a:t>mbImpute needs phylogenetic tree -&gt; ignored for now </a:t>
+            </a:r>
+          </a:p>
+          <a:p>
+            <a:pPr marL="285750" indent="-285750">
+              <a:buFontTx/>
+              <a:buChar char="-"/>
+            </a:pPr>
+            <a:r>
+              <a:rPr lang="de-DE" sz="1400" dirty="0"/>
+              <a:t>EstMB dataset: pseudocount inserts decimal values between 0 and 1</a:t>
+            </a:r>
+          </a:p>
+          <a:p>
+            <a:pPr marL="742950" lvl="1" indent="-285750">
+              <a:buFontTx/>
+              <a:buChar char="-"/>
+            </a:pPr>
+            <a:r>
+              <a:rPr lang="de-DE" sz="1400" dirty="0"/>
+              <a:t>Solution for now: all these values were rounded up to 1</a:t>
+            </a:r>
+          </a:p>
+          <a:p>
+            <a:pPr marL="742950" lvl="1" indent="-285750">
+              <a:buFontTx/>
+              <a:buChar char="-"/>
+            </a:pPr>
+            <a:r>
+              <a:rPr lang="de-DE" sz="1400" dirty="0"/>
+              <a:t>Possibly in a later run keep decimal values, because some papers suggest sensitivity to pseudocount in machine learning models </a:t>
+            </a:r>
+          </a:p>
+        </p:txBody>
+      </p:sp>
+      <p:sp>
+        <p:nvSpPr>
+          <p:cNvPr id="8" name="TextBox 7">
+            <a:extLst>
+              <a:ext uri="{FF2B5EF4-FFF2-40B4-BE49-F238E27FC236}">
+                <a16:creationId xmlns:a16="http://schemas.microsoft.com/office/drawing/2014/main" id="{20ADFB58-875E-4AAE-BDAE-D861E7F9DC27}"/>
+              </a:ext>
+            </a:extLst>
+          </p:cNvPr>
+          <p:cNvSpPr txBox="1"/>
+          <p:nvPr/>
+        </p:nvSpPr>
+        <p:spPr>
+          <a:xfrm>
+            <a:off x="1720971" y="3408432"/>
+            <a:ext cx="7102549" cy="1200329"/>
+          </a:xfrm>
+          <a:prstGeom prst="rect">
+            <a:avLst/>
+          </a:prstGeom>
+          <a:noFill/>
+        </p:spPr>
+        <p:txBody>
+          <a:bodyPr wrap="square" rtlCol="0">
+            <a:spAutoFit/>
+          </a:bodyPr>
+          <a:lstStyle/>
+          <a:p>
+            <a:r>
+              <a:rPr lang="de-DE" u="sng" dirty="0"/>
+              <a:t>PCOS</a:t>
+            </a:r>
+            <a:r>
+              <a:rPr lang="de-DE" dirty="0"/>
+              <a:t>:</a:t>
+            </a:r>
+          </a:p>
+          <a:p>
+            <a:pPr marL="285750" indent="-285750">
+              <a:buFontTx/>
+              <a:buChar char="-"/>
+            </a:pPr>
+            <a:r>
+              <a:rPr lang="de-DE" dirty="0"/>
+              <a:t>6 rows removed in abundance table because they were not included in metadata</a:t>
+            </a:r>
+          </a:p>
+          <a:p>
+            <a:pPr marL="285750" indent="-285750">
+              <a:buFontTx/>
+              <a:buChar char="-"/>
+            </a:pPr>
+            <a:endParaRPr lang="de-DE" dirty="0"/>
+          </a:p>
+        </p:txBody>
+      </p:sp>
+      <p:sp>
+        <p:nvSpPr>
+          <p:cNvPr id="9" name="TextBox 8">
+            <a:extLst>
+              <a:ext uri="{FF2B5EF4-FFF2-40B4-BE49-F238E27FC236}">
+                <a16:creationId xmlns:a16="http://schemas.microsoft.com/office/drawing/2014/main" id="{C84548D0-C361-4108-B284-1351D54B8DFD}"/>
+              </a:ext>
+            </a:extLst>
+          </p:cNvPr>
+          <p:cNvSpPr txBox="1"/>
+          <p:nvPr/>
+        </p:nvSpPr>
+        <p:spPr>
+          <a:xfrm>
+            <a:off x="1720971" y="4717667"/>
+            <a:ext cx="7102549" cy="1200329"/>
+          </a:xfrm>
+          <a:prstGeom prst="rect">
+            <a:avLst/>
+          </a:prstGeom>
+          <a:noFill/>
+        </p:spPr>
+        <p:txBody>
+          <a:bodyPr wrap="square" rtlCol="0">
+            <a:spAutoFit/>
+          </a:bodyPr>
+          <a:lstStyle/>
+          <a:p>
+            <a:r>
+              <a:rPr lang="de-DE" u="sng" dirty="0"/>
+              <a:t>EstMB</a:t>
+            </a:r>
+            <a:r>
+              <a:rPr lang="de-DE" dirty="0"/>
+              <a:t>:</a:t>
+            </a:r>
+          </a:p>
+          <a:p>
+            <a:pPr marL="285750" indent="-285750">
+              <a:buFontTx/>
+              <a:buChar char="-"/>
+            </a:pPr>
+            <a:r>
+              <a:rPr lang="de-DE" dirty="0"/>
+              <a:t>21 rows removed in metadata due to NA</a:t>
+            </a:r>
+          </a:p>
+          <a:p>
+            <a:pPr marL="285750" indent="-285750">
+              <a:buFontTx/>
+              <a:buChar char="-"/>
+            </a:pPr>
+            <a:r>
+              <a:rPr lang="de-DE" dirty="0"/>
+              <a:t>21 patients cut out of abundance table due to metadata</a:t>
+            </a:r>
+          </a:p>
+          <a:p>
+            <a:pPr marL="285750" indent="-285750">
+              <a:buFontTx/>
+              <a:buChar char="-"/>
+            </a:pPr>
+            <a:endParaRPr lang="de-DE" dirty="0"/>
+          </a:p>
+        </p:txBody>
+      </p:sp>
+    </p:spTree>
+    <p:extLst>
+      <p:ext uri="{BB962C8B-B14F-4D97-AF65-F5344CB8AC3E}">
+        <p14:creationId xmlns:p14="http://schemas.microsoft.com/office/powerpoint/2010/main" val="3215538767"/>
       </p:ext>
     </p:extLst>
   </p:cSld>
@@ -19830,7 +20218,7 @@
           <a:p>
             <a:r>
               <a:rPr lang="de-DE" b="1" dirty="0"/>
-              <a:t>Pre-Processing</a:t>
+              <a:t>Transformations</a:t>
             </a:r>
             <a:endParaRPr lang="en-US" b="1" dirty="0"/>
           </a:p>
@@ -19858,10 +20246,9 @@
           <a:lstStyle/>
           <a:p>
             <a:r>
-              <a:rPr lang="en-US"/>
+              <a:rPr lang="en-US" dirty="0"/>
               <a:t>jennifer.neumaier@t-online.de</a:t>
             </a:r>
-            <a:endParaRPr lang="en-US" dirty="0"/>
           </a:p>
         </p:txBody>
       </p:sp>
@@ -19944,8 +20331,8 @@
         </p:nvSpPr>
         <p:spPr>
           <a:xfrm>
-            <a:off x="1698819" y="1834296"/>
-            <a:ext cx="7102549" cy="1754326"/>
+            <a:off x="2589212" y="1742696"/>
+            <a:ext cx="7102549" cy="1477328"/>
           </a:xfrm>
           <a:prstGeom prst="rect">
             <a:avLst/>
@@ -19960,7 +20347,7 @@
           <a:p>
             <a:r>
               <a:rPr lang="de-DE" u="sng" dirty="0"/>
-              <a:t>CRC</a:t>
+              <a:t>CLR/ALR</a:t>
             </a:r>
             <a:r>
               <a:rPr lang="de-DE" dirty="0"/>
@@ -19974,7 +20361,7 @@
             </a:pPr>
             <a:r>
               <a:rPr lang="de-DE" dirty="0"/>
-              <a:t>128 rows removed due to NA in BMI</a:t>
+              <a:t>What to do with LR.wt?</a:t>
             </a:r>
           </a:p>
           <a:p>
@@ -19984,7 +20371,7 @@
             </a:pPr>
             <a:r>
               <a:rPr lang="de-DE" dirty="0"/>
-              <a:t>DE saved separately as holdout </a:t>
+              <a:t>What to do with part.names and part.wt?</a:t>
             </a:r>
           </a:p>
           <a:p>
@@ -19994,24 +20381,20 @@
             </a:pPr>
             <a:r>
               <a:rPr lang="de-DE" dirty="0"/>
-              <a:t>All tests were done with country sets: USA, China, Austria, France</a:t>
-            </a:r>
-          </a:p>
-          <a:p>
-            <a:pPr marL="285750" indent="-285750">
-              <a:buFontTx/>
-              <a:buChar char="-"/>
-            </a:pPr>
+              <a:t>Column names ALR?</a:t>
+            </a:r>
+          </a:p>
+          <a:p>
             <a:endParaRPr lang="de-DE" dirty="0"/>
           </a:p>
         </p:txBody>
       </p:sp>
       <p:sp>
         <p:nvSpPr>
-          <p:cNvPr id="29" name="TextBox 28">
+          <p:cNvPr id="8" name="TextBox 7">
             <a:extLst>
               <a:ext uri="{FF2B5EF4-FFF2-40B4-BE49-F238E27FC236}">
-                <a16:creationId xmlns:a16="http://schemas.microsoft.com/office/drawing/2014/main" id="{FD214281-F802-4F96-A098-F69D765E4AFA}"/>
+                <a16:creationId xmlns:a16="http://schemas.microsoft.com/office/drawing/2014/main" id="{42B7B4AF-462B-468E-AAF9-0BB332281A81}"/>
               </a:ext>
             </a:extLst>
           </p:cNvPr>
@@ -20020,8 +20403,8 @@
         </p:nvSpPr>
         <p:spPr>
           <a:xfrm>
-            <a:off x="6199935" y="93132"/>
-            <a:ext cx="6097772" cy="1815882"/>
+            <a:off x="2589212" y="3278973"/>
+            <a:ext cx="7102549" cy="923330"/>
           </a:xfrm>
           <a:prstGeom prst="rect">
             <a:avLst/>
@@ -20029,19 +20412,16 @@
           <a:noFill/>
         </p:spPr>
         <p:txBody>
-          <a:bodyPr wrap="square">
+          <a:bodyPr wrap="square" rtlCol="0">
             <a:spAutoFit/>
           </a:bodyPr>
           <a:lstStyle/>
           <a:p>
             <a:r>
-              <a:rPr lang="de-DE" sz="1400" u="sng" dirty="0"/>
-              <a:t>Imputation</a:t>
-            </a:r>
-            <a:r>
-              <a:rPr lang="de-DE" sz="1400" dirty="0"/>
-              <a:t>:</a:t>
-            </a:r>
+              <a:rPr lang="de-DE" u="sng" dirty="0"/>
+              <a:t>EstMB:</a:t>
+            </a:r>
+            <a:endParaRPr lang="de-DE" dirty="0"/>
           </a:p>
           <a:p>
             <a:pPr marL="285750" indent="-285750">
@@ -20049,150 +20429,11 @@
               <a:buChar char="-"/>
             </a:pPr>
             <a:r>
-              <a:rPr lang="de-DE" sz="1400" dirty="0"/>
-              <a:t>mbImpute needs phylogenetic tree -&gt; ignored for now </a:t>
-            </a:r>
-          </a:p>
-          <a:p>
-            <a:pPr marL="285750" indent="-285750">
-              <a:buFontTx/>
-              <a:buChar char="-"/>
-            </a:pPr>
-            <a:r>
-              <a:rPr lang="de-DE" sz="1400" dirty="0"/>
-              <a:t>EstMB dataset: pseudocount inserts decimal values between 0 and 1</a:t>
-            </a:r>
-          </a:p>
-          <a:p>
-            <a:pPr marL="742950" lvl="1" indent="-285750">
-              <a:buFontTx/>
-              <a:buChar char="-"/>
-            </a:pPr>
-            <a:r>
-              <a:rPr lang="de-DE" sz="1400" dirty="0"/>
-              <a:t>Solution for now: all these values were rounded up to 1</a:t>
-            </a:r>
-          </a:p>
-          <a:p>
-            <a:pPr marL="742950" lvl="1" indent="-285750">
-              <a:buFontTx/>
-              <a:buChar char="-"/>
-            </a:pPr>
-            <a:r>
-              <a:rPr lang="de-DE" sz="1400" dirty="0"/>
-              <a:t>Possibly in a later run keep decimal values, because some papers suggest sensitivity to pseudocount in machine learning models </a:t>
-            </a:r>
-          </a:p>
-        </p:txBody>
-      </p:sp>
-      <p:sp>
-        <p:nvSpPr>
-          <p:cNvPr id="8" name="TextBox 7">
-            <a:extLst>
-              <a:ext uri="{FF2B5EF4-FFF2-40B4-BE49-F238E27FC236}">
-                <a16:creationId xmlns:a16="http://schemas.microsoft.com/office/drawing/2014/main" id="{20ADFB58-875E-4AAE-BDAE-D861E7F9DC27}"/>
-              </a:ext>
-            </a:extLst>
-          </p:cNvPr>
-          <p:cNvSpPr txBox="1"/>
-          <p:nvPr/>
-        </p:nvSpPr>
-        <p:spPr>
-          <a:xfrm>
-            <a:off x="1720971" y="3408432"/>
-            <a:ext cx="7102549" cy="1200329"/>
-          </a:xfrm>
-          <a:prstGeom prst="rect">
-            <a:avLst/>
-          </a:prstGeom>
-          <a:noFill/>
-        </p:spPr>
-        <p:txBody>
-          <a:bodyPr wrap="square" rtlCol="0">
-            <a:spAutoFit/>
-          </a:bodyPr>
-          <a:lstStyle/>
-          <a:p>
-            <a:r>
-              <a:rPr lang="de-DE" u="sng" dirty="0"/>
-              <a:t>PCOS</a:t>
-            </a:r>
-            <a:r>
               <a:rPr lang="de-DE" dirty="0"/>
-              <a:t>:</a:t>
-            </a:r>
-          </a:p>
-          <a:p>
-            <a:pPr marL="285750" indent="-285750">
-              <a:buFontTx/>
-              <a:buChar char="-"/>
-            </a:pPr>
-            <a:r>
-              <a:rPr lang="de-DE" dirty="0"/>
-              <a:t>6 rows removed in abundance table because they were not included in metadata</a:t>
-            </a:r>
-          </a:p>
-          <a:p>
-            <a:pPr marL="285750" indent="-285750">
-              <a:buFontTx/>
-              <a:buChar char="-"/>
-            </a:pPr>
-            <a:endParaRPr lang="de-DE" dirty="0"/>
-          </a:p>
-        </p:txBody>
-      </p:sp>
-      <p:sp>
-        <p:nvSpPr>
-          <p:cNvPr id="9" name="TextBox 8">
-            <a:extLst>
-              <a:ext uri="{FF2B5EF4-FFF2-40B4-BE49-F238E27FC236}">
-                <a16:creationId xmlns:a16="http://schemas.microsoft.com/office/drawing/2014/main" id="{C84548D0-C361-4108-B284-1351D54B8DFD}"/>
-              </a:ext>
-            </a:extLst>
-          </p:cNvPr>
-          <p:cNvSpPr txBox="1"/>
-          <p:nvPr/>
-        </p:nvSpPr>
-        <p:spPr>
-          <a:xfrm>
-            <a:off x="1720971" y="4717667"/>
-            <a:ext cx="7102549" cy="1200329"/>
-          </a:xfrm>
-          <a:prstGeom prst="rect">
-            <a:avLst/>
-          </a:prstGeom>
-          <a:noFill/>
-        </p:spPr>
-        <p:txBody>
-          <a:bodyPr wrap="square" rtlCol="0">
-            <a:spAutoFit/>
-          </a:bodyPr>
-          <a:lstStyle/>
-          <a:p>
-            <a:r>
-              <a:rPr lang="de-DE" u="sng" dirty="0"/>
-              <a:t>EstMB</a:t>
-            </a:r>
-            <a:r>
-              <a:rPr lang="de-DE" dirty="0"/>
-              <a:t>:</a:t>
-            </a:r>
-          </a:p>
-          <a:p>
-            <a:pPr marL="285750" indent="-285750">
-              <a:buFontTx/>
-              <a:buChar char="-"/>
-            </a:pPr>
-            <a:r>
-              <a:rPr lang="de-DE" dirty="0"/>
-              <a:t>6 rows removed in abundance table because they were not included in metadata</a:t>
-            </a:r>
-          </a:p>
-          <a:p>
-            <a:pPr marL="285750" indent="-285750">
-              <a:buFontTx/>
-              <a:buChar char="-"/>
-            </a:pPr>
+              <a:t>Needs a lot of time for ALR -&gt; solved in HPC?</a:t>
+            </a:r>
+          </a:p>
+          <a:p>
             <a:endParaRPr lang="de-DE" dirty="0"/>
           </a:p>
         </p:txBody>
@@ -20200,7 +20441,7 @@
     </p:spTree>
     <p:extLst>
       <p:ext uri="{BB962C8B-B14F-4D97-AF65-F5344CB8AC3E}">
-        <p14:creationId xmlns:p14="http://schemas.microsoft.com/office/powerpoint/2010/main" val="3215538767"/>
+        <p14:creationId xmlns:p14="http://schemas.microsoft.com/office/powerpoint/2010/main" val="3441935650"/>
       </p:ext>
     </p:extLst>
   </p:cSld>
@@ -20250,7 +20491,7 @@
           <a:p>
             <a:r>
               <a:rPr lang="de-DE" b="1" dirty="0"/>
-              <a:t>Transformations</a:t>
+              <a:t>Hierarchy dimensionality reduction</a:t>
             </a:r>
             <a:endParaRPr lang="en-US" b="1" dirty="0"/>
           </a:p>
@@ -20278,9 +20519,10 @@
           <a:lstStyle/>
           <a:p>
             <a:r>
-              <a:rPr lang="en-US" dirty="0"/>
+              <a:rPr lang="en-US"/>
               <a:t>jennifer.neumaier@t-online.de</a:t>
             </a:r>
+            <a:endParaRPr lang="en-US" dirty="0"/>
           </a:p>
         </p:txBody>
       </p:sp>
@@ -20364,7 +20606,7 @@
         <p:spPr>
           <a:xfrm>
             <a:off x="2589212" y="1742696"/>
-            <a:ext cx="7102549" cy="1477328"/>
+            <a:ext cx="7102549" cy="1754326"/>
           </a:xfrm>
           <a:prstGeom prst="rect">
             <a:avLst/>
@@ -20379,7 +20621,7 @@
           <a:p>
             <a:r>
               <a:rPr lang="de-DE" u="sng" dirty="0"/>
-              <a:t>CLR/ALR</a:t>
+              <a:t>PCA</a:t>
             </a:r>
             <a:r>
               <a:rPr lang="de-DE" dirty="0"/>
@@ -20393,7 +20635,7 @@
             </a:pPr>
             <a:r>
               <a:rPr lang="de-DE" dirty="0"/>
-              <a:t>What to do with LR.wt?</a:t>
+              <a:t>Microbiome Preprocessing Machine Learning Pipeline (2021)</a:t>
             </a:r>
           </a:p>
           <a:p>
@@ -20403,7 +20645,7 @@
             </a:pPr>
             <a:r>
               <a:rPr lang="de-DE" dirty="0"/>
-              <a:t>What to do with part.names and part.wt?</a:t>
+              <a:t>Proposes to use PCA as hierarchy reduction </a:t>
             </a:r>
           </a:p>
           <a:p>
@@ -20413,56 +20655,7 @@
             </a:pPr>
             <a:r>
               <a:rPr lang="de-DE" dirty="0"/>
-              <a:t>Column names ALR?</a:t>
-            </a:r>
-          </a:p>
-          <a:p>
-            <a:endParaRPr lang="de-DE" dirty="0"/>
-          </a:p>
-        </p:txBody>
-      </p:sp>
-      <p:sp>
-        <p:nvSpPr>
-          <p:cNvPr id="8" name="TextBox 7">
-            <a:extLst>
-              <a:ext uri="{FF2B5EF4-FFF2-40B4-BE49-F238E27FC236}">
-                <a16:creationId xmlns:a16="http://schemas.microsoft.com/office/drawing/2014/main" id="{42B7B4AF-462B-468E-AAF9-0BB332281A81}"/>
-              </a:ext>
-            </a:extLst>
-          </p:cNvPr>
-          <p:cNvSpPr txBox="1"/>
-          <p:nvPr/>
-        </p:nvSpPr>
-        <p:spPr>
-          <a:xfrm>
-            <a:off x="2589212" y="3278973"/>
-            <a:ext cx="7102549" cy="923330"/>
-          </a:xfrm>
-          <a:prstGeom prst="rect">
-            <a:avLst/>
-          </a:prstGeom>
-          <a:noFill/>
-        </p:spPr>
-        <p:txBody>
-          <a:bodyPr wrap="square" rtlCol="0">
-            <a:spAutoFit/>
-          </a:bodyPr>
-          <a:lstStyle/>
-          <a:p>
-            <a:r>
-              <a:rPr lang="de-DE" u="sng" dirty="0"/>
-              <a:t>EstMB:</a:t>
-            </a:r>
-            <a:endParaRPr lang="de-DE" dirty="0"/>
-          </a:p>
-          <a:p>
-            <a:pPr marL="285750" indent="-285750">
-              <a:buFontTx/>
-              <a:buChar char="-"/>
-            </a:pPr>
-            <a:r>
-              <a:rPr lang="de-DE" dirty="0"/>
-              <a:t>Needs a lot of time for ALR -&gt; solved in HPC?</a:t>
+              <a:t>Families can be clustered and genus is not necessary</a:t>
             </a:r>
           </a:p>
           <a:p>
@@ -20473,7 +20666,7 @@
     </p:spTree>
     <p:extLst>
       <p:ext uri="{BB962C8B-B14F-4D97-AF65-F5344CB8AC3E}">
-        <p14:creationId xmlns:p14="http://schemas.microsoft.com/office/powerpoint/2010/main" val="3441935650"/>
+        <p14:creationId xmlns:p14="http://schemas.microsoft.com/office/powerpoint/2010/main" val="2182919606"/>
       </p:ext>
     </p:extLst>
   </p:cSld>
@@ -20518,43 +20711,16 @@
         </p:nvSpPr>
         <p:spPr/>
         <p:txBody>
-          <a:bodyPr/>
+          <a:bodyPr>
+            <a:normAutofit/>
+          </a:bodyPr>
           <a:lstStyle/>
           <a:p>
             <a:r>
-              <a:rPr lang="de-DE" b="1" dirty="0"/>
-              <a:t>Hierarchy dimensionality reduction</a:t>
-            </a:r>
-            <a:endParaRPr lang="en-US" b="1" dirty="0"/>
-          </a:p>
-        </p:txBody>
-      </p:sp>
-      <p:sp>
-        <p:nvSpPr>
-          <p:cNvPr id="5" name="Footer Placeholder 4">
-            <a:extLst>
-              <a:ext uri="{FF2B5EF4-FFF2-40B4-BE49-F238E27FC236}">
-                <a16:creationId xmlns:a16="http://schemas.microsoft.com/office/drawing/2014/main" id="{707C4F70-832A-416B-9491-EE86347B2812}"/>
-              </a:ext>
-            </a:extLst>
-          </p:cNvPr>
-          <p:cNvSpPr>
-            <a:spLocks noGrp="1"/>
-          </p:cNvSpPr>
-          <p:nvPr>
-            <p:ph type="ftr" sz="quarter" idx="11"/>
-          </p:nvPr>
-        </p:nvSpPr>
-        <p:spPr/>
-        <p:txBody>
-          <a:bodyPr/>
-          <a:lstStyle/>
-          <a:p>
-            <a:r>
-              <a:rPr lang="en-US"/>
-              <a:t>jennifer.neumaier@t-online.de</a:t>
-            </a:r>
-            <a:endParaRPr lang="en-US" dirty="0"/>
+              <a:rPr lang="de-DE" sz="3200" b="1" dirty="0"/>
+              <a:t>mikropml</a:t>
+            </a:r>
+            <a:endParaRPr lang="en-US" sz="3200" b="1" dirty="0"/>
           </a:p>
         </p:txBody>
       </p:sp>
@@ -20590,10 +20756,10 @@
       </p:sp>
       <p:sp>
         <p:nvSpPr>
-          <p:cNvPr id="26" name="TextBox 25">
+          <p:cNvPr id="8" name="TextBox 7">
             <a:extLst>
               <a:ext uri="{FF2B5EF4-FFF2-40B4-BE49-F238E27FC236}">
-                <a16:creationId xmlns:a16="http://schemas.microsoft.com/office/drawing/2014/main" id="{CC7BEBFF-3D20-441C-B1B2-0CE34904FDE4}"/>
+                <a16:creationId xmlns:a16="http://schemas.microsoft.com/office/drawing/2014/main" id="{C9FAD4F5-81D5-4890-8BB5-F06C93EDD254}"/>
               </a:ext>
             </a:extLst>
           </p:cNvPr>
@@ -20602,8 +20768,8 @@
         </p:nvSpPr>
         <p:spPr>
           <a:xfrm>
-            <a:off x="1698819" y="1152907"/>
-            <a:ext cx="3654858" cy="400110"/>
+            <a:off x="1392866" y="1268569"/>
+            <a:ext cx="8753253" cy="5509200"/>
           </a:xfrm>
           <a:prstGeom prst="rect">
             <a:avLst/>
@@ -20611,94 +20777,172 @@
           <a:noFill/>
         </p:spPr>
         <p:txBody>
-          <a:bodyPr wrap="square" rtlCol="0">
+          <a:bodyPr wrap="square">
             <a:spAutoFit/>
           </a:bodyPr>
           <a:lstStyle/>
           <a:p>
             <a:r>
-              <a:rPr lang="de-DE" sz="2000" i="1" dirty="0"/>
-              <a:t>Problems and Notes</a:t>
-            </a:r>
-          </a:p>
-        </p:txBody>
-      </p:sp>
-      <p:sp>
-        <p:nvSpPr>
-          <p:cNvPr id="7" name="TextBox 6">
-            <a:extLst>
-              <a:ext uri="{FF2B5EF4-FFF2-40B4-BE49-F238E27FC236}">
-                <a16:creationId xmlns:a16="http://schemas.microsoft.com/office/drawing/2014/main" id="{B43BF96F-7A11-4087-9B01-CF6AACD20E04}"/>
-              </a:ext>
-            </a:extLst>
-          </p:cNvPr>
-          <p:cNvSpPr txBox="1"/>
-          <p:nvPr/>
-        </p:nvSpPr>
-        <p:spPr>
-          <a:xfrm>
-            <a:off x="2589212" y="1742696"/>
-            <a:ext cx="7102549" cy="1754326"/>
-          </a:xfrm>
-          <a:prstGeom prst="rect">
-            <a:avLst/>
-          </a:prstGeom>
-          <a:noFill/>
-        </p:spPr>
-        <p:txBody>
-          <a:bodyPr wrap="square" rtlCol="0">
-            <a:spAutoFit/>
-          </a:bodyPr>
-          <a:lstStyle/>
-          <a:p>
-            <a:r>
-              <a:rPr lang="de-DE" u="sng" dirty="0"/>
-              <a:t>PCA</a:t>
-            </a:r>
-            <a:r>
-              <a:rPr lang="de-DE" dirty="0"/>
-              <a:t>:</a:t>
-            </a:r>
-          </a:p>
-          <a:p>
-            <a:pPr marL="285750" indent="-285750">
-              <a:buFontTx/>
-              <a:buChar char="-"/>
-            </a:pPr>
-            <a:r>
-              <a:rPr lang="de-DE" dirty="0"/>
-              <a:t>Microbiome Preprocessing Machine Learning Pipeline (2021)</a:t>
-            </a:r>
-          </a:p>
-          <a:p>
-            <a:pPr marL="285750" indent="-285750">
-              <a:buFontTx/>
-              <a:buChar char="-"/>
-            </a:pPr>
-            <a:r>
-              <a:rPr lang="de-DE" dirty="0"/>
-              <a:t>Proposes to use PCA as hierarchy reduction </a:t>
-            </a:r>
-          </a:p>
-          <a:p>
-            <a:pPr marL="285750" indent="-285750">
-              <a:buFontTx/>
-              <a:buChar char="-"/>
-            </a:pPr>
-            <a:r>
-              <a:rPr lang="de-DE" dirty="0"/>
-              <a:t>Families can be clustered and genus is not necessary</a:t>
-            </a:r>
-          </a:p>
-          <a:p>
-            <a:endParaRPr lang="de-DE" dirty="0"/>
+              <a:rPr lang="de-DE" sz="1100" dirty="0"/>
+              <a:t>Testing out mikropml as it already has a function run_ml() that incorporates nested cross-validation for several standard supervised machine learning models:</a:t>
+            </a:r>
+          </a:p>
+          <a:p>
+            <a:endParaRPr lang="de-DE" sz="1100" dirty="0"/>
+          </a:p>
+          <a:p>
+            <a:r>
+              <a:rPr lang="de-DE" sz="1100" dirty="0"/>
+              <a:t>    Logistic/multiclass/linear regression ("glmnet")</a:t>
+            </a:r>
+          </a:p>
+          <a:p>
+            <a:r>
+              <a:rPr lang="de-DE" sz="1100" dirty="0"/>
+              <a:t>    Random forest ("rf")</a:t>
+            </a:r>
+          </a:p>
+          <a:p>
+            <a:r>
+              <a:rPr lang="de-DE" sz="1100" dirty="0"/>
+              <a:t>    Decision tree ("rpart2")</a:t>
+            </a:r>
+          </a:p>
+          <a:p>
+            <a:r>
+              <a:rPr lang="de-DE" sz="1100" dirty="0"/>
+              <a:t>    Support vector machine with a radial basis kernel ("svmRadial")</a:t>
+            </a:r>
+          </a:p>
+          <a:p>
+            <a:r>
+              <a:rPr lang="de-DE" sz="1100" dirty="0"/>
+              <a:t>    xgboost ("xgbTree")</a:t>
+            </a:r>
+          </a:p>
+          <a:p>
+            <a:endParaRPr lang="de-DE" sz="1100" dirty="0"/>
+          </a:p>
+          <a:p>
+            <a:r>
+              <a:rPr lang="de-DE" sz="1100" dirty="0"/>
+              <a:t>Test it here for linear regression and xgboost.</a:t>
+            </a:r>
+          </a:p>
+          <a:p>
+            <a:r>
+              <a:rPr lang="de-DE" sz="1100" dirty="0"/>
+              <a:t>Function run_ml has several parameters:</a:t>
+            </a:r>
+          </a:p>
+          <a:p>
+            <a:r>
+              <a:rPr lang="de-DE" sz="1100" dirty="0"/>
+              <a:t>           dataset,</a:t>
+            </a:r>
+          </a:p>
+          <a:p>
+            <a:r>
+              <a:rPr lang="de-DE" sz="1100" dirty="0"/>
+              <a:t>           method,</a:t>
+            </a:r>
+          </a:p>
+          <a:p>
+            <a:r>
+              <a:rPr lang="de-DE" sz="1100" dirty="0"/>
+              <a:t>           outcome_colname = NULL, (standardized the first column)</a:t>
+            </a:r>
+          </a:p>
+          <a:p>
+            <a:r>
+              <a:rPr lang="de-DE" sz="1100" dirty="0"/>
+              <a:t>           hyperparameters = NULL,</a:t>
+            </a:r>
+          </a:p>
+          <a:p>
+            <a:r>
+              <a:rPr lang="de-DE" sz="1100" dirty="0"/>
+              <a:t>           find_feature_importance = FALSE, (`TRUE` is recommended if you would like to identify features important for predicting your                                                outcome, but it is resource-intensive.</a:t>
+            </a:r>
+          </a:p>
+          <a:p>
+            <a:r>
+              <a:rPr lang="de-DE" sz="1100" dirty="0"/>
+              <a:t>           calculate_performance = TRUE,</a:t>
+            </a:r>
+          </a:p>
+          <a:p>
+            <a:r>
+              <a:rPr lang="de-DE" sz="1100" dirty="0"/>
+              <a:t>           kfold = 5, (standard at 5)</a:t>
+            </a:r>
+          </a:p>
+          <a:p>
+            <a:r>
+              <a:rPr lang="de-DE" sz="1100" dirty="0"/>
+              <a:t>           cv_times = 100, (standard at 100)</a:t>
+            </a:r>
+          </a:p>
+          <a:p>
+            <a:r>
+              <a:rPr lang="de-DE" sz="1100" dirty="0"/>
+              <a:t>           cross_val = NULL, (cross_val a custom cross-validation scheme from `caret::trainControl()` (default: `NULL`, uses `kfold` cross                              validation repeated `cv_times`). `kfold` and `cv_times` are ignored if the user provides a custom                                          cross-validation scheme.)</a:t>
+            </a:r>
+          </a:p>
+          <a:p>
+            <a:r>
+              <a:rPr lang="de-DE" sz="1100" dirty="0"/>
+              <a:t>           training_frac = 0.8, (standard at 0.8)</a:t>
+            </a:r>
+          </a:p>
+          <a:p>
+            <a:r>
+              <a:rPr lang="de-DE" sz="1100" dirty="0"/>
+              <a:t>           perf_metric_function = NULL,</a:t>
+            </a:r>
+          </a:p>
+          <a:p>
+            <a:r>
+              <a:rPr lang="de-DE" sz="1100" dirty="0"/>
+              <a:t>           perf_metric_name = NULL,</a:t>
+            </a:r>
+          </a:p>
+          <a:p>
+            <a:r>
+              <a:rPr lang="de-DE" sz="1100" dirty="0"/>
+              <a:t>           groups = NULL,</a:t>
+            </a:r>
+          </a:p>
+          <a:p>
+            <a:r>
+              <a:rPr lang="de-DE" sz="1100" dirty="0"/>
+              <a:t>           group_partitions = NULL,</a:t>
+            </a:r>
+          </a:p>
+          <a:p>
+            <a:r>
+              <a:rPr lang="de-DE" sz="1100" dirty="0"/>
+              <a:t>           corr_thresh = 1,</a:t>
+            </a:r>
+          </a:p>
+          <a:p>
+            <a:r>
+              <a:rPr lang="de-DE" sz="1100" dirty="0"/>
+              <a:t>           ntree = 1000, (For random forest, how many trees to use (default: `1000`). Caret doesn't allow this hyperparameter to be tuned)</a:t>
+            </a:r>
+          </a:p>
+          <a:p>
+            <a:r>
+              <a:rPr lang="de-DE" sz="1100" dirty="0"/>
+              <a:t>           seed = NA (set seed for reproducibility)</a:t>
+            </a:r>
           </a:p>
         </p:txBody>
       </p:sp>
     </p:spTree>
     <p:extLst>
       <p:ext uri="{BB962C8B-B14F-4D97-AF65-F5344CB8AC3E}">
-        <p14:creationId xmlns:p14="http://schemas.microsoft.com/office/powerpoint/2010/main" val="2182919606"/>
+        <p14:creationId xmlns:p14="http://schemas.microsoft.com/office/powerpoint/2010/main" val="3541464901"/>
       </p:ext>
     </p:extLst>
   </p:cSld>
@@ -20850,7 +21094,7 @@
           <a:p>
             <a:fld id="{5A2DBB50-F561-45B0-9BE5-95A455D2CD8B}" type="datetime1">
               <a:rPr lang="en-US" smtClean="0"/>
-              <a:t>4/14/2022</a:t>
+              <a:t>4/16/2022</a:t>
             </a:fld>
             <a:endParaRPr lang="en-US" dirty="0"/>
           </a:p>
@@ -21043,7 +21287,7 @@
           <a:p>
             <a:fld id="{BDD716FE-4A5D-4A13-A8EE-37F9C34BE666}" type="datetime1">
               <a:rPr lang="en-US" smtClean="0"/>
-              <a:t>4/14/2022</a:t>
+              <a:t>4/16/2022</a:t>
             </a:fld>
             <a:endParaRPr lang="en-US" dirty="0"/>
           </a:p>
@@ -21319,7 +21563,7 @@
           <a:p>
             <a:fld id="{5A2DBB50-F561-45B0-9BE5-95A455D2CD8B}" type="datetime1">
               <a:rPr lang="en-US" smtClean="0"/>
-              <a:t>4/14/2022</a:t>
+              <a:t>4/16/2022</a:t>
             </a:fld>
             <a:endParaRPr lang="en-US" dirty="0"/>
           </a:p>
@@ -21527,7 +21771,7 @@
           <a:p>
             <a:fld id="{5A2DBB50-F561-45B0-9BE5-95A455D2CD8B}" type="datetime1">
               <a:rPr lang="en-US" smtClean="0"/>
-              <a:t>4/14/2022</a:t>
+              <a:t>4/16/2022</a:t>
             </a:fld>
             <a:endParaRPr lang="en-US" dirty="0"/>
           </a:p>
@@ -21775,7 +22019,7 @@
             <a:fld id="{36D18B76-5E8B-4456-8722-FC5B14B0F354}" type="datetime1">
               <a:rPr lang="en-US" smtClean="0"/>
               <a:pPr/>
-              <a:t>4/14/2022</a:t>
+              <a:t>4/16/2022</a:t>
             </a:fld>
             <a:endParaRPr lang="en-US" dirty="0"/>
           </a:p>
@@ -21979,7 +22223,7 @@
           <a:p>
             <a:fld id="{93673764-947C-4E64-9BD5-474B9E9D9329}" type="datetime1">
               <a:rPr lang="en-US" smtClean="0"/>
-              <a:t>4/14/2022</a:t>
+              <a:t>4/16/2022</a:t>
             </a:fld>
             <a:endParaRPr lang="en-US" dirty="0"/>
           </a:p>
@@ -22131,7 +22375,7 @@
           <a:p>
             <a:fld id="{BCCEB706-B4FB-4DF7-BDF7-514AEA7F06D0}" type="datetime1">
               <a:rPr lang="en-US" smtClean="0"/>
-              <a:t>4/14/2022</a:t>
+              <a:t>4/16/2022</a:t>
             </a:fld>
             <a:endParaRPr lang="en-US" dirty="0"/>
           </a:p>
@@ -25192,7 +25436,7 @@
           <a:p>
             <a:fld id="{524BA6AA-761D-44D9-9696-AC66CE044BF5}" type="datetime1">
               <a:rPr lang="en-US" smtClean="0"/>
-              <a:t>4/14/2022</a:t>
+              <a:t>4/16/2022</a:t>
             </a:fld>
             <a:endParaRPr lang="en-US" dirty="0"/>
           </a:p>
@@ -25379,7 +25623,7 @@
           <a:p>
             <a:fld id="{7BB4AFEC-4BE7-4504-8846-4BF0CCFD9721}" type="datetime1">
               <a:rPr lang="en-US" smtClean="0"/>
-              <a:t>4/14/2022</a:t>
+              <a:t>4/16/2022</a:t>
             </a:fld>
             <a:endParaRPr lang="en-US" dirty="0"/>
           </a:p>
@@ -25556,7 +25800,7 @@
             <a:fld id="{36D18B76-5E8B-4456-8722-FC5B14B0F354}" type="datetime1">
               <a:rPr lang="en-US" smtClean="0"/>
               <a:pPr/>
-              <a:t>4/14/2022</a:t>
+              <a:t>4/16/2022</a:t>
             </a:fld>
             <a:endParaRPr lang="en-US" dirty="0"/>
           </a:p>
@@ -25687,6 +25931,225 @@
             <a:r>
               <a:rPr lang="de-DE" i="1" dirty="0"/>
               <a:t>https://wiki.ut.ee/pages/viewpage.action?pageId=17105590</a:t>
+            </a:r>
+          </a:p>
+        </p:txBody>
+      </p:sp>
+      <p:sp>
+        <p:nvSpPr>
+          <p:cNvPr id="9" name="TextBox 8">
+            <a:extLst>
+              <a:ext uri="{FF2B5EF4-FFF2-40B4-BE49-F238E27FC236}">
+                <a16:creationId xmlns:a16="http://schemas.microsoft.com/office/drawing/2014/main" id="{0248CD27-F473-4017-9292-92C549603E85}"/>
+              </a:ext>
+            </a:extLst>
+          </p:cNvPr>
+          <p:cNvSpPr txBox="1"/>
+          <p:nvPr/>
+        </p:nvSpPr>
+        <p:spPr>
+          <a:xfrm>
+            <a:off x="359072" y="3574900"/>
+            <a:ext cx="6097904" cy="646331"/>
+          </a:xfrm>
+          <a:prstGeom prst="rect">
+            <a:avLst/>
+          </a:prstGeom>
+          <a:noFill/>
+        </p:spPr>
+        <p:txBody>
+          <a:bodyPr wrap="square">
+            <a:spAutoFit/>
+          </a:bodyPr>
+          <a:lstStyle/>
+          <a:p>
+            <a:r>
+              <a:rPr lang="en-US" b="0" i="0" dirty="0" err="1">
+                <a:effectLst/>
+                <a:latin typeface="Slack-Lato"/>
+              </a:rPr>
+              <a:t>MAin</a:t>
+            </a:r>
+            <a:r>
+              <a:rPr lang="en-US" b="0" i="0" dirty="0">
+                <a:effectLst/>
+                <a:latin typeface="Slack-Lato"/>
+              </a:rPr>
+              <a:t> command for running codes in server:</a:t>
+            </a:r>
+            <a:br>
+              <a:rPr lang="en-US" dirty="0"/>
+            </a:br>
+            <a:r>
+              <a:rPr lang="en-US" b="0" i="0" dirty="0">
+                <a:effectLst/>
+                <a:latin typeface="Slack-Lato"/>
+              </a:rPr>
+              <a:t>R --slave --vanilla --</a:t>
+            </a:r>
+            <a:r>
+              <a:rPr lang="en-US" b="0" i="0" dirty="0" err="1">
+                <a:effectLst/>
+                <a:latin typeface="Slack-Lato"/>
+              </a:rPr>
+              <a:t>args</a:t>
+            </a:r>
+            <a:r>
+              <a:rPr lang="en-US" b="0" i="0" dirty="0">
+                <a:effectLst/>
+                <a:latin typeface="Slack-Lato"/>
+              </a:rPr>
+              <a:t> arg1 arg2 &lt; </a:t>
+            </a:r>
+            <a:r>
+              <a:rPr lang="en-US" b="0" i="0" dirty="0" err="1">
+                <a:effectLst/>
+                <a:latin typeface="Slack-Lato"/>
+              </a:rPr>
+              <a:t>script_name.R</a:t>
+            </a:r>
+            <a:r>
+              <a:rPr lang="en-US" b="0" i="0" dirty="0">
+                <a:effectLst/>
+                <a:latin typeface="Slack-Lato"/>
+              </a:rPr>
+              <a:t> &amp;</a:t>
+            </a:r>
+            <a:endParaRPr lang="de-DE" dirty="0"/>
+          </a:p>
+        </p:txBody>
+      </p:sp>
+      <p:sp>
+        <p:nvSpPr>
+          <p:cNvPr id="11" name="TextBox 10">
+            <a:extLst>
+              <a:ext uri="{FF2B5EF4-FFF2-40B4-BE49-F238E27FC236}">
+                <a16:creationId xmlns:a16="http://schemas.microsoft.com/office/drawing/2014/main" id="{F5D63806-4477-427B-9A97-12C7EF82A101}"/>
+              </a:ext>
+            </a:extLst>
+          </p:cNvPr>
+          <p:cNvSpPr txBox="1"/>
+          <p:nvPr/>
+        </p:nvSpPr>
+        <p:spPr>
+          <a:xfrm>
+            <a:off x="359072" y="4578355"/>
+            <a:ext cx="6097904" cy="1200329"/>
+          </a:xfrm>
+          <a:prstGeom prst="rect">
+            <a:avLst/>
+          </a:prstGeom>
+          <a:noFill/>
+        </p:spPr>
+        <p:txBody>
+          <a:bodyPr wrap="square">
+            <a:spAutoFit/>
+          </a:bodyPr>
+          <a:lstStyle/>
+          <a:p>
+            <a:pPr algn="l"/>
+            <a:r>
+              <a:rPr lang="en-US" b="0" i="0" dirty="0">
+                <a:effectLst/>
+                <a:latin typeface="Slack-Lato"/>
+              </a:rPr>
+              <a:t>"top" - to look at the server load</a:t>
+            </a:r>
+            <a:br>
+              <a:rPr lang="en-US" b="0" i="0" dirty="0">
+                <a:effectLst/>
+                <a:latin typeface="Slack-Lato"/>
+              </a:rPr>
+            </a:br>
+            <a:r>
+              <a:rPr lang="en-US" b="0" i="0" dirty="0">
+                <a:effectLst/>
+                <a:latin typeface="Slack-Lato"/>
+              </a:rPr>
+              <a:t>"q" to exit</a:t>
+            </a:r>
+          </a:p>
+          <a:p>
+            <a:pPr algn="r"/>
+            <a:r>
+              <a:rPr lang="en-US" b="0" i="0" u="none" strike="noStrike" dirty="0">
+                <a:solidFill>
+                  <a:srgbClr val="8E58B6"/>
+                </a:solidFill>
+                <a:effectLst/>
+                <a:latin typeface="Slack-Lato"/>
+                <a:hlinkClick r:id="rId3">
+                  <a:extLst>
+                    <a:ext uri="{A12FA001-AC4F-418D-AE19-62706E023703}">
+                      <ahyp:hlinkClr xmlns:ahyp="http://schemas.microsoft.com/office/drawing/2018/hyperlinkcolor" val="tx"/>
+                    </a:ext>
+                  </a:extLst>
+                </a:hlinkClick>
+              </a:rPr>
+              <a:t>14:00 </a:t>
+            </a:r>
+            <a:r>
+              <a:rPr lang="en-US" b="0" i="0" u="none" strike="noStrike" dirty="0" err="1">
+                <a:effectLst/>
+                <a:latin typeface="Slack-Lato"/>
+                <a:hlinkClick r:id="rId3">
+                  <a:extLst>
+                    <a:ext uri="{A12FA001-AC4F-418D-AE19-62706E023703}">
+                      <ahyp:hlinkClr xmlns:ahyp="http://schemas.microsoft.com/office/drawing/2018/hyperlinkcolor" val="tx"/>
+                    </a:ext>
+                  </a:extLst>
+                </a:hlinkClick>
+              </a:rPr>
+              <a:t>Uhr</a:t>
+            </a:r>
+            <a:endParaRPr lang="en-US" b="0" i="0" dirty="0">
+              <a:effectLst/>
+              <a:latin typeface="Slack-Lato"/>
+            </a:endParaRPr>
+          </a:p>
+          <a:p>
+            <a:pPr algn="l"/>
+            <a:r>
+              <a:rPr lang="en-US" b="0" i="0" dirty="0">
+                <a:effectLst/>
+                <a:latin typeface="Slack-Lato"/>
+              </a:rPr>
+              <a:t>Use "logout" to exit the session</a:t>
+            </a:r>
+          </a:p>
+        </p:txBody>
+      </p:sp>
+      <p:sp>
+        <p:nvSpPr>
+          <p:cNvPr id="13" name="TextBox 12">
+            <a:extLst>
+              <a:ext uri="{FF2B5EF4-FFF2-40B4-BE49-F238E27FC236}">
+                <a16:creationId xmlns:a16="http://schemas.microsoft.com/office/drawing/2014/main" id="{4EDF7AD9-8FD4-4D61-AB63-F291F22FDF16}"/>
+              </a:ext>
+            </a:extLst>
+          </p:cNvPr>
+          <p:cNvSpPr txBox="1"/>
+          <p:nvPr/>
+        </p:nvSpPr>
+        <p:spPr>
+          <a:xfrm>
+            <a:off x="301307" y="1421242"/>
+            <a:ext cx="6097904" cy="369332"/>
+          </a:xfrm>
+          <a:prstGeom prst="rect">
+            <a:avLst/>
+          </a:prstGeom>
+          <a:noFill/>
+        </p:spPr>
+        <p:txBody>
+          <a:bodyPr wrap="square">
+            <a:spAutoFit/>
+          </a:bodyPr>
+          <a:lstStyle/>
+          <a:p>
+            <a:r>
+              <a:rPr lang="de-DE" dirty="0"/>
+              <a:t>https://linuxize.com/post/how-to-use-linux-screen/</a:t>
             </a:r>
           </a:p>
         </p:txBody>
@@ -25778,7 +26241,7 @@
           <a:p>
             <a:fld id="{1F2A6BD5-D000-45AE-BE81-365EBD12526C}" type="datetime1">
               <a:rPr lang="en-US" smtClean="0"/>
-              <a:t>4/14/2022</a:t>
+              <a:t>4/16/2022</a:t>
             </a:fld>
             <a:endParaRPr lang="en-US" dirty="0"/>
           </a:p>
@@ -26224,7 +26687,7 @@
           <a:p>
             <a:fld id="{A70B3D3E-FC47-4E47-BC37-6E33025EDD36}" type="datetime1">
               <a:rPr lang="en-US" smtClean="0"/>
-              <a:t>4/14/2022</a:t>
+              <a:t>4/16/2022</a:t>
             </a:fld>
             <a:endParaRPr lang="en-US" dirty="0"/>
           </a:p>

--- a/doc/Project_structure_notes.pptx
+++ b/doc/Project_structure_notes.pptx
@@ -5,7 +5,7 @@
     <p:sldMasterId id="2147483702" r:id="rId1"/>
   </p:sldMasterIdLst>
   <p:notesMasterIdLst>
-    <p:notesMasterId r:id="rId32"/>
+    <p:notesMasterId r:id="rId35"/>
   </p:notesMasterIdLst>
   <p:sldIdLst>
     <p:sldId id="256" r:id="rId2"/>
@@ -27,17 +27,20 @@
     <p:sldId id="286" r:id="rId18"/>
     <p:sldId id="288" r:id="rId19"/>
     <p:sldId id="289" r:id="rId20"/>
-    <p:sldId id="277" r:id="rId21"/>
-    <p:sldId id="279" r:id="rId22"/>
-    <p:sldId id="278" r:id="rId23"/>
-    <p:sldId id="290" r:id="rId24"/>
-    <p:sldId id="269" r:id="rId25"/>
-    <p:sldId id="263" r:id="rId26"/>
-    <p:sldId id="258" r:id="rId27"/>
-    <p:sldId id="270" r:id="rId28"/>
-    <p:sldId id="284" r:id="rId29"/>
-    <p:sldId id="257" r:id="rId30"/>
-    <p:sldId id="268" r:id="rId31"/>
+    <p:sldId id="291" r:id="rId21"/>
+    <p:sldId id="292" r:id="rId22"/>
+    <p:sldId id="293" r:id="rId23"/>
+    <p:sldId id="277" r:id="rId24"/>
+    <p:sldId id="279" r:id="rId25"/>
+    <p:sldId id="278" r:id="rId26"/>
+    <p:sldId id="290" r:id="rId27"/>
+    <p:sldId id="269" r:id="rId28"/>
+    <p:sldId id="263" r:id="rId29"/>
+    <p:sldId id="258" r:id="rId30"/>
+    <p:sldId id="270" r:id="rId31"/>
+    <p:sldId id="284" r:id="rId32"/>
+    <p:sldId id="257" r:id="rId33"/>
+    <p:sldId id="268" r:id="rId34"/>
   </p:sldIdLst>
   <p:sldSz cx="12192000" cy="6858000"/>
   <p:notesSz cx="6858000" cy="9144000"/>
@@ -172,6 +175,13 @@
             <p14:sldId id="286"/>
             <p14:sldId id="288"/>
             <p14:sldId id="289"/>
+          </p14:sldIdLst>
+        </p14:section>
+        <p14:section name="Transformation and leaky data" id="{A9654551-66A8-46E1-A952-47B22CF6C4D7}">
+          <p14:sldIdLst>
+            <p14:sldId id="291"/>
+            <p14:sldId id="292"/>
+            <p14:sldId id="293"/>
           </p14:sldIdLst>
         </p14:section>
         <p14:section name="Notes" id="{BD5F37D2-34EC-4962-982B-3F5187946EDA}">
@@ -7182,7 +7192,7 @@
           <a:p>
             <a:fld id="{0D3712C0-BD94-4EDD-81B8-404EF18DF498}" type="datetimeFigureOut">
               <a:rPr lang="en-US" smtClean="0"/>
-              <a:t>4/16/2022</a:t>
+              <a:t>4/20/2022</a:t>
             </a:fld>
             <a:endParaRPr lang="en-US"/>
           </a:p>
@@ -7637,7 +7647,7 @@
           <a:p>
             <a:fld id="{843A20DD-8926-4B91-8D72-D1DC7F5C31EF}" type="datetime1">
               <a:rPr lang="en-US" smtClean="0"/>
-              <a:t>4/16/2022</a:t>
+              <a:t>4/20/2022</a:t>
             </a:fld>
             <a:endParaRPr lang="en-US" dirty="0"/>
           </a:p>
@@ -7980,7 +7990,7 @@
           <a:p>
             <a:fld id="{D2DD2B10-BCB9-40E5-8141-F17001376370}" type="datetime1">
               <a:rPr lang="en-US" smtClean="0"/>
-              <a:t>4/16/2022</a:t>
+              <a:t>4/20/2022</a:t>
             </a:fld>
             <a:endParaRPr lang="en-US" dirty="0"/>
           </a:p>
@@ -8386,7 +8396,7 @@
           <a:p>
             <a:fld id="{927FFA6D-4E8C-437E-BCA1-3CF73EB8B252}" type="datetime1">
               <a:rPr lang="en-US" smtClean="0"/>
-              <a:t>4/16/2022</a:t>
+              <a:t>4/20/2022</a:t>
             </a:fld>
             <a:endParaRPr lang="en-US" dirty="0"/>
           </a:p>
@@ -8727,7 +8737,7 @@
           <a:p>
             <a:fld id="{A2C7F92B-2A35-4C09-8346-C40AAA997302}" type="datetime1">
               <a:rPr lang="en-US" smtClean="0"/>
-              <a:t>4/16/2022</a:t>
+              <a:t>4/20/2022</a:t>
             </a:fld>
             <a:endParaRPr lang="en-US" dirty="0"/>
           </a:p>
@@ -9053,7 +9063,7 @@
           <a:p>
             <a:fld id="{A2C7F92B-2A35-4C09-8346-C40AAA997302}" type="datetime1">
               <a:rPr lang="en-US" smtClean="0"/>
-              <a:t>4/16/2022</a:t>
+              <a:t>4/20/2022</a:t>
             </a:fld>
             <a:endParaRPr lang="en-US" dirty="0"/>
           </a:p>
@@ -9455,7 +9465,7 @@
           <a:p>
             <a:fld id="{A2C7F92B-2A35-4C09-8346-C40AAA997302}" type="datetime1">
               <a:rPr lang="en-US" smtClean="0"/>
-              <a:t>4/16/2022</a:t>
+              <a:t>4/20/2022</a:t>
             </a:fld>
             <a:endParaRPr lang="en-US" dirty="0"/>
           </a:p>
@@ -9718,7 +9728,7 @@
           <a:p>
             <a:fld id="{8A427DC1-41D9-41ED-AAB7-DF919DFB0B7D}" type="datetime1">
               <a:rPr lang="en-US" smtClean="0"/>
-              <a:t>4/16/2022</a:t>
+              <a:t>4/20/2022</a:t>
             </a:fld>
             <a:endParaRPr lang="en-US" dirty="0"/>
           </a:p>
@@ -9985,7 +9995,7 @@
           <a:p>
             <a:fld id="{49530F64-B6F9-41E5-8499-9B56B7F93996}" type="datetime1">
               <a:rPr lang="en-US" smtClean="0"/>
-              <a:t>4/16/2022</a:t>
+              <a:t>4/20/2022</a:t>
             </a:fld>
             <a:endParaRPr lang="en-US" dirty="0"/>
           </a:p>
@@ -10256,7 +10266,7 @@
             <a:fld id="{36D18B76-5E8B-4456-8722-FC5B14B0F354}" type="datetime1">
               <a:rPr lang="en-US" smtClean="0"/>
               <a:pPr/>
-              <a:t>4/16/2022</a:t>
+              <a:t>4/20/2022</a:t>
             </a:fld>
             <a:endParaRPr lang="en-US" dirty="0"/>
           </a:p>
@@ -10594,7 +10604,7 @@
           <a:p>
             <a:fld id="{3E914A3D-A565-477F-8682-1AE6EFE36557}" type="datetime1">
               <a:rPr lang="en-US" smtClean="0"/>
-              <a:t>4/16/2022</a:t>
+              <a:t>4/20/2022</a:t>
             </a:fld>
             <a:endParaRPr lang="en-US" dirty="0"/>
           </a:p>
@@ -10922,7 +10932,7 @@
           <a:p>
             <a:fld id="{D45A6A21-0914-4A46-BCF1-163E9A00E688}" type="datetime1">
               <a:rPr lang="en-US" smtClean="0"/>
-              <a:t>4/16/2022</a:t>
+              <a:t>4/20/2022</a:t>
             </a:fld>
             <a:endParaRPr lang="en-US" dirty="0"/>
           </a:p>
@@ -11384,7 +11394,7 @@
           <a:p>
             <a:fld id="{6BDD7FCB-B1A7-4982-8C8B-674E644B14B0}" type="datetime1">
               <a:rPr lang="en-US" smtClean="0"/>
-              <a:t>4/16/2022</a:t>
+              <a:t>4/20/2022</a:t>
             </a:fld>
             <a:endParaRPr lang="en-US" dirty="0"/>
           </a:p>
@@ -11604,7 +11614,7 @@
             <a:fld id="{4C731089-17FC-4C04-87B1-2157F67F0117}" type="datetime1">
               <a:rPr lang="en-US" smtClean="0"/>
               <a:pPr/>
-              <a:t>4/16/2022</a:t>
+              <a:t>4/20/2022</a:t>
             </a:fld>
             <a:endParaRPr lang="en-US" dirty="0"/>
           </a:p>
@@ -11790,7 +11800,7 @@
           <a:p>
             <a:fld id="{1278D66F-D6E5-4434-B311-7DA25CA81F5A}" type="datetime1">
               <a:rPr lang="en-US" smtClean="0"/>
-              <a:t>4/16/2022</a:t>
+              <a:t>4/20/2022</a:t>
             </a:fld>
             <a:endParaRPr lang="en-US" dirty="0"/>
           </a:p>
@@ -12128,7 +12138,7 @@
           <a:p>
             <a:fld id="{2253374B-0B0C-42C0-A0DF-1550CE3AA116}" type="datetime1">
               <a:rPr lang="en-US" smtClean="0"/>
-              <a:t>4/16/2022</a:t>
+              <a:t>4/20/2022</a:t>
             </a:fld>
             <a:endParaRPr lang="en-US" dirty="0"/>
           </a:p>
@@ -12478,7 +12488,7 @@
           <a:p>
             <a:fld id="{F589A7BC-DDDD-4FB0-A8E7-5046A2EF84B8}" type="datetime1">
               <a:rPr lang="en-US" smtClean="0"/>
-              <a:t>4/16/2022</a:t>
+              <a:t>4/20/2022</a:t>
             </a:fld>
             <a:endParaRPr lang="en-US" dirty="0"/>
           </a:p>
@@ -14600,7 +14610,7 @@
           <a:p>
             <a:fld id="{A2C7F92B-2A35-4C09-8346-C40AAA997302}" type="datetime1">
               <a:rPr lang="en-US" smtClean="0"/>
-              <a:t>4/16/2022</a:t>
+              <a:t>4/20/2022</a:t>
             </a:fld>
             <a:endParaRPr lang="en-US" dirty="0"/>
           </a:p>
@@ -15218,7 +15228,7 @@
           <a:p>
             <a:fld id="{EFFFF5E6-438B-4B86-AF1B-DB82D6C33C1C}" type="datetime1">
               <a:rPr lang="en-US" smtClean="0"/>
-              <a:t>4/16/2022</a:t>
+              <a:t>4/20/2022</a:t>
             </a:fld>
             <a:endParaRPr lang="en-US" dirty="0"/>
           </a:p>
@@ -15588,7 +15598,7 @@
             <a:fld id="{36D18B76-5E8B-4456-8722-FC5B14B0F354}" type="datetime1">
               <a:rPr lang="en-US" smtClean="0"/>
               <a:pPr/>
-              <a:t>4/16/2022</a:t>
+              <a:t>4/20/2022</a:t>
             </a:fld>
             <a:endParaRPr lang="en-US" dirty="0"/>
           </a:p>
@@ -16716,7 +16726,7 @@
             <a:fld id="{36D18B76-5E8B-4456-8722-FC5B14B0F354}" type="datetime1">
               <a:rPr lang="en-US" smtClean="0"/>
               <a:pPr/>
-              <a:t>4/16/2022</a:t>
+              <a:t>4/20/2022</a:t>
             </a:fld>
             <a:endParaRPr lang="en-US" dirty="0"/>
           </a:p>
@@ -19642,7 +19652,7 @@
           <a:p>
             <a:fld id="{1278D66F-D6E5-4434-B311-7DA25CA81F5A}" type="datetime1">
               <a:rPr lang="en-US" smtClean="0"/>
-              <a:t>4/16/2022</a:t>
+              <a:t>4/20/2022</a:t>
             </a:fld>
             <a:endParaRPr lang="en-US" dirty="0"/>
           </a:p>
@@ -19783,14 +19793,16 @@
         </p:nvSpPr>
         <p:spPr/>
         <p:txBody>
-          <a:bodyPr/>
+          <a:bodyPr>
+            <a:normAutofit/>
+          </a:bodyPr>
           <a:lstStyle/>
           <a:p>
             <a:r>
-              <a:rPr lang="de-DE" b="1" dirty="0"/>
-              <a:t>Pre-Processing</a:t>
-            </a:r>
-            <a:endParaRPr lang="en-US" b="1" dirty="0"/>
+              <a:rPr lang="de-DE" sz="3200" b="1" dirty="0"/>
+              <a:t>IDEA</a:t>
+            </a:r>
+            <a:endParaRPr lang="en-US" sz="3200" b="1" dirty="0"/>
           </a:p>
         </p:txBody>
       </p:sp>
@@ -19855,10 +19867,10 @@
       </p:sp>
       <p:sp>
         <p:nvSpPr>
-          <p:cNvPr id="26" name="TextBox 25">
+          <p:cNvPr id="10" name="TextBox 9">
             <a:extLst>
               <a:ext uri="{FF2B5EF4-FFF2-40B4-BE49-F238E27FC236}">
-                <a16:creationId xmlns:a16="http://schemas.microsoft.com/office/drawing/2014/main" id="{CC7BEBFF-3D20-441C-B1B2-0CE34904FDE4}"/>
+                <a16:creationId xmlns:a16="http://schemas.microsoft.com/office/drawing/2014/main" id="{8551B3F8-69A7-4DCB-910B-1046E03BF7CF}"/>
               </a:ext>
             </a:extLst>
           </p:cNvPr>
@@ -19867,8 +19879,8 @@
         </p:nvSpPr>
         <p:spPr>
           <a:xfrm>
-            <a:off x="1698819" y="1152907"/>
-            <a:ext cx="3654858" cy="400110"/>
+            <a:off x="1698819" y="1834296"/>
+            <a:ext cx="7102549" cy="3693319"/>
           </a:xfrm>
           <a:prstGeom prst="rect">
             <a:avLst/>
@@ -19881,58 +19893,13 @@
           </a:bodyPr>
           <a:lstStyle/>
           <a:p>
-            <a:r>
-              <a:rPr lang="de-DE" sz="2000" i="1" dirty="0"/>
-              <a:t>Problems and Notes</a:t>
-            </a:r>
-          </a:p>
-        </p:txBody>
-      </p:sp>
-      <p:sp>
-        <p:nvSpPr>
-          <p:cNvPr id="7" name="TextBox 6">
-            <a:extLst>
-              <a:ext uri="{FF2B5EF4-FFF2-40B4-BE49-F238E27FC236}">
-                <a16:creationId xmlns:a16="http://schemas.microsoft.com/office/drawing/2014/main" id="{B43BF96F-7A11-4087-9B01-CF6AACD20E04}"/>
-              </a:ext>
-            </a:extLst>
-          </p:cNvPr>
-          <p:cNvSpPr txBox="1"/>
-          <p:nvPr/>
-        </p:nvSpPr>
-        <p:spPr>
-          <a:xfrm>
-            <a:off x="1698819" y="1834296"/>
-            <a:ext cx="7102549" cy="1754326"/>
-          </a:xfrm>
-          <a:prstGeom prst="rect">
-            <a:avLst/>
-          </a:prstGeom>
-          <a:noFill/>
-        </p:spPr>
-        <p:txBody>
-          <a:bodyPr wrap="square" rtlCol="0">
-            <a:spAutoFit/>
-          </a:bodyPr>
-          <a:lstStyle/>
-          <a:p>
-            <a:r>
-              <a:rPr lang="de-DE" u="sng" dirty="0"/>
-              <a:t>CRC</a:t>
-            </a:r>
-            <a:r>
-              <a:rPr lang="de-DE" dirty="0"/>
-              <a:t>:</a:t>
-            </a:r>
-          </a:p>
-          <a:p>
             <a:pPr marL="285750" indent="-285750">
               <a:buFontTx/>
               <a:buChar char="-"/>
             </a:pPr>
             <a:r>
               <a:rPr lang="de-DE" dirty="0"/>
-              <a:t>128 rows removed due to NA in BMI</a:t>
+              <a:t>Direct comparison if transformations are a big influence on leaky data</a:t>
             </a:r>
           </a:p>
           <a:p>
@@ -19942,7 +19909,7 @@
             </a:pPr>
             <a:r>
               <a:rPr lang="de-DE" dirty="0"/>
-              <a:t>DE saved separately as holdout </a:t>
+              <a:t>Take CRC data set as it has clear correlations and gives nice control over test set via country codes</a:t>
             </a:r>
           </a:p>
           <a:p>
@@ -19952,7 +19919,27 @@
             </a:pPr>
             <a:r>
               <a:rPr lang="de-DE" dirty="0"/>
-              <a:t>All tests were done with country sets: USA, China, Austria, France</a:t>
+              <a:t>Compare glmnet models with transformation separate on test/train set and on full data set</a:t>
+            </a:r>
+          </a:p>
+          <a:p>
+            <a:pPr marL="285750" indent="-285750">
+              <a:buFontTx/>
+              <a:buChar char="-"/>
+            </a:pPr>
+            <a:r>
+              <a:rPr lang="de-DE" dirty="0"/>
+              <a:t>Test first with two countries and TSS/CLR/ALR</a:t>
+            </a:r>
+          </a:p>
+          <a:p>
+            <a:pPr marL="285750" indent="-285750">
+              <a:buFontTx/>
+              <a:buChar char="-"/>
+            </a:pPr>
+            <a:r>
+              <a:rPr lang="de-DE" dirty="0"/>
+              <a:t>Main interest in ALR </a:t>
             </a:r>
           </a:p>
           <a:p>
@@ -19962,213 +19949,26 @@
             </a:pPr>
             <a:endParaRPr lang="de-DE" dirty="0"/>
           </a:p>
-        </p:txBody>
-      </p:sp>
-      <p:sp>
-        <p:nvSpPr>
-          <p:cNvPr id="29" name="TextBox 28">
-            <a:extLst>
-              <a:ext uri="{FF2B5EF4-FFF2-40B4-BE49-F238E27FC236}">
-                <a16:creationId xmlns:a16="http://schemas.microsoft.com/office/drawing/2014/main" id="{FD214281-F802-4F96-A098-F69D765E4AFA}"/>
-              </a:ext>
-            </a:extLst>
-          </p:cNvPr>
-          <p:cNvSpPr txBox="1"/>
-          <p:nvPr/>
-        </p:nvSpPr>
-        <p:spPr>
-          <a:xfrm>
-            <a:off x="6199935" y="93132"/>
-            <a:ext cx="6097772" cy="1815882"/>
-          </a:xfrm>
-          <a:prstGeom prst="rect">
-            <a:avLst/>
-          </a:prstGeom>
-          <a:noFill/>
-        </p:spPr>
-        <p:txBody>
-          <a:bodyPr wrap="square">
-            <a:spAutoFit/>
-          </a:bodyPr>
-          <a:lstStyle/>
-          <a:p>
-            <a:r>
-              <a:rPr lang="de-DE" sz="1400" u="sng" dirty="0"/>
-              <a:t>Imputation</a:t>
-            </a:r>
-            <a:r>
-              <a:rPr lang="de-DE" sz="1400" dirty="0"/>
-              <a:t>:</a:t>
-            </a:r>
-          </a:p>
           <a:p>
             <a:pPr marL="285750" indent="-285750">
               <a:buFontTx/>
               <a:buChar char="-"/>
             </a:pPr>
             <a:r>
-              <a:rPr lang="de-DE" sz="1400" dirty="0"/>
-              <a:t>mbImpute needs phylogenetic tree -&gt; ignored for now </a:t>
-            </a:r>
-          </a:p>
-          <a:p>
-            <a:pPr marL="285750" indent="-285750">
-              <a:buFontTx/>
-              <a:buChar char="-"/>
-            </a:pPr>
-            <a:r>
-              <a:rPr lang="de-DE" sz="1400" dirty="0"/>
-              <a:t>EstMB dataset: pseudocount inserts decimal values between 0 and 1</a:t>
-            </a:r>
-          </a:p>
-          <a:p>
-            <a:pPr marL="742950" lvl="1" indent="-285750">
-              <a:buFontTx/>
-              <a:buChar char="-"/>
-            </a:pPr>
-            <a:r>
-              <a:rPr lang="de-DE" sz="1400" dirty="0"/>
-              <a:t>Solution for now: all these values were rounded up to 1</a:t>
-            </a:r>
-          </a:p>
-          <a:p>
-            <a:pPr marL="742950" lvl="1" indent="-285750">
-              <a:buFontTx/>
-              <a:buChar char="-"/>
-            </a:pPr>
-            <a:r>
-              <a:rPr lang="de-DE" sz="1400" dirty="0"/>
-              <a:t>Possibly in a later run keep decimal values, because some papers suggest sensitivity to pseudocount in machine learning models </a:t>
-            </a:r>
-          </a:p>
-        </p:txBody>
-      </p:sp>
-      <p:sp>
-        <p:nvSpPr>
-          <p:cNvPr id="8" name="TextBox 7">
-            <a:extLst>
-              <a:ext uri="{FF2B5EF4-FFF2-40B4-BE49-F238E27FC236}">
-                <a16:creationId xmlns:a16="http://schemas.microsoft.com/office/drawing/2014/main" id="{20ADFB58-875E-4AAE-BDAE-D861E7F9DC27}"/>
-              </a:ext>
-            </a:extLst>
-          </p:cNvPr>
-          <p:cNvSpPr txBox="1"/>
-          <p:nvPr/>
-        </p:nvSpPr>
-        <p:spPr>
-          <a:xfrm>
-            <a:off x="1720971" y="3408432"/>
-            <a:ext cx="7102549" cy="1200329"/>
-          </a:xfrm>
-          <a:prstGeom prst="rect">
-            <a:avLst/>
-          </a:prstGeom>
-          <a:noFill/>
-        </p:spPr>
-        <p:txBody>
-          <a:bodyPr wrap="square" rtlCol="0">
-            <a:spAutoFit/>
-          </a:bodyPr>
-          <a:lstStyle/>
-          <a:p>
-            <a:r>
-              <a:rPr lang="de-DE" u="sng" dirty="0"/>
-              <a:t>PCOS</a:t>
-            </a:r>
-            <a:r>
               <a:rPr lang="de-DE" dirty="0"/>
-              <a:t>:</a:t>
-            </a:r>
-          </a:p>
-          <a:p>
-            <a:pPr marL="285750" indent="-285750">
-              <a:buFontTx/>
-              <a:buChar char="-"/>
-            </a:pPr>
-            <a:r>
-              <a:rPr lang="de-DE" dirty="0"/>
-              <a:t>6 rows removed in abundance table because they were not included in metadata</a:t>
-            </a:r>
-          </a:p>
-          <a:p>
-            <a:pPr marL="285750" indent="-285750">
-              <a:buFontTx/>
-              <a:buChar char="-"/>
-            </a:pPr>
-            <a:endParaRPr lang="de-DE" dirty="0"/>
-          </a:p>
-        </p:txBody>
-      </p:sp>
-      <p:sp>
-        <p:nvSpPr>
-          <p:cNvPr id="9" name="TextBox 8">
-            <a:extLst>
-              <a:ext uri="{FF2B5EF4-FFF2-40B4-BE49-F238E27FC236}">
-                <a16:creationId xmlns:a16="http://schemas.microsoft.com/office/drawing/2014/main" id="{C84548D0-C361-4108-B284-1351D54B8DFD}"/>
-              </a:ext>
-            </a:extLst>
-          </p:cNvPr>
-          <p:cNvSpPr txBox="1"/>
-          <p:nvPr/>
-        </p:nvSpPr>
-        <p:spPr>
-          <a:xfrm>
-            <a:off x="1720971" y="4717667"/>
-            <a:ext cx="7102549" cy="1200329"/>
-          </a:xfrm>
-          <a:prstGeom prst="rect">
-            <a:avLst/>
-          </a:prstGeom>
-          <a:noFill/>
-        </p:spPr>
-        <p:txBody>
-          <a:bodyPr wrap="square" rtlCol="0">
-            <a:spAutoFit/>
-          </a:bodyPr>
-          <a:lstStyle/>
-          <a:p>
-            <a:r>
-              <a:rPr lang="de-DE" u="sng" dirty="0"/>
-              <a:t>EstMB</a:t>
-            </a:r>
-            <a:r>
-              <a:rPr lang="de-DE" dirty="0"/>
-              <a:t>:</a:t>
-            </a:r>
-          </a:p>
-          <a:p>
-            <a:pPr marL="285750" indent="-285750">
-              <a:buFontTx/>
-              <a:buChar char="-"/>
-            </a:pPr>
-            <a:r>
-              <a:rPr lang="de-DE" dirty="0"/>
-              <a:t>21 rows removed in metadata due to NA</a:t>
-            </a:r>
-          </a:p>
-          <a:p>
-            <a:pPr marL="285750" indent="-285750">
-              <a:buFontTx/>
-              <a:buChar char="-"/>
-            </a:pPr>
-            <a:r>
-              <a:rPr lang="de-DE" dirty="0"/>
-              <a:t>21 patients cut out of abundance table due to metadata</a:t>
-            </a:r>
-          </a:p>
-          <a:p>
-            <a:pPr marL="285750" indent="-285750">
-              <a:buFontTx/>
-              <a:buChar char="-"/>
-            </a:pPr>
-            <a:endParaRPr lang="de-DE" dirty="0"/>
+              <a:t>Note: possibility that different denominator is chosen for test set and train set -&gt; code needs to adjust for that -&gt; especially later in PCOS? </a:t>
+            </a:r>
+            <a:r>
+              <a:rPr lang="de-DE"/>
+              <a:t>-&gt; both denominators should be discarded from data set!</a:t>
+            </a:r>
           </a:p>
         </p:txBody>
       </p:sp>
     </p:spTree>
     <p:extLst>
       <p:ext uri="{BB962C8B-B14F-4D97-AF65-F5344CB8AC3E}">
-        <p14:creationId xmlns:p14="http://schemas.microsoft.com/office/powerpoint/2010/main" val="3215538767"/>
+        <p14:creationId xmlns:p14="http://schemas.microsoft.com/office/powerpoint/2010/main" val="914682635"/>
       </p:ext>
     </p:extLst>
   </p:cSld>
@@ -20200,7 +20000,7 @@
           <p:cNvPr id="2" name="Title 1">
             <a:extLst>
               <a:ext uri="{FF2B5EF4-FFF2-40B4-BE49-F238E27FC236}">
-                <a16:creationId xmlns:a16="http://schemas.microsoft.com/office/drawing/2014/main" id="{6806FBA4-537C-4226-9D3A-758C7B787D79}"/>
+                <a16:creationId xmlns:a16="http://schemas.microsoft.com/office/drawing/2014/main" id="{5C6C0D5D-1A09-42DA-AAA6-CB769F97AAFD}"/>
               </a:ext>
             </a:extLst>
           </p:cNvPr>
@@ -20217,10 +20017,39 @@
           <a:lstStyle/>
           <a:p>
             <a:r>
-              <a:rPr lang="de-DE" b="1" dirty="0"/>
-              <a:t>Transformations</a:t>
-            </a:r>
-            <a:endParaRPr lang="en-US" b="1" dirty="0"/>
+              <a:rPr lang="de-DE" dirty="0"/>
+              <a:t>CRC</a:t>
+            </a:r>
+          </a:p>
+        </p:txBody>
+      </p:sp>
+      <p:sp>
+        <p:nvSpPr>
+          <p:cNvPr id="4" name="Date Placeholder 3">
+            <a:extLst>
+              <a:ext uri="{FF2B5EF4-FFF2-40B4-BE49-F238E27FC236}">
+                <a16:creationId xmlns:a16="http://schemas.microsoft.com/office/drawing/2014/main" id="{D931F9AA-9EEE-479B-9E4B-F880DD6927F9}"/>
+              </a:ext>
+            </a:extLst>
+          </p:cNvPr>
+          <p:cNvSpPr>
+            <a:spLocks noGrp="1"/>
+          </p:cNvSpPr>
+          <p:nvPr>
+            <p:ph type="dt" sz="half" idx="10"/>
+          </p:nvPr>
+        </p:nvSpPr>
+        <p:spPr/>
+        <p:txBody>
+          <a:bodyPr/>
+          <a:lstStyle/>
+          <a:p>
+            <a:fld id="{36D18B76-5E8B-4456-8722-FC5B14B0F354}" type="datetime1">
+              <a:rPr lang="en-US" smtClean="0"/>
+              <a:pPr/>
+              <a:t>4/20/2022</a:t>
+            </a:fld>
+            <a:endParaRPr lang="en-US" dirty="0"/>
           </a:p>
         </p:txBody>
       </p:sp>
@@ -20229,7 +20058,7 @@
           <p:cNvPr id="5" name="Footer Placeholder 4">
             <a:extLst>
               <a:ext uri="{FF2B5EF4-FFF2-40B4-BE49-F238E27FC236}">
-                <a16:creationId xmlns:a16="http://schemas.microsoft.com/office/drawing/2014/main" id="{707C4F70-832A-416B-9491-EE86347B2812}"/>
+                <a16:creationId xmlns:a16="http://schemas.microsoft.com/office/drawing/2014/main" id="{20341FFA-1CC5-4E6A-9383-BD2A101627FE}"/>
               </a:ext>
             </a:extLst>
           </p:cNvPr>
@@ -20246,9 +20075,10 @@
           <a:lstStyle/>
           <a:p>
             <a:r>
-              <a:rPr lang="en-US" dirty="0"/>
+              <a:rPr lang="en-US"/>
               <a:t>jennifer.neumaier@t-online.de</a:t>
             </a:r>
+            <a:endParaRPr lang="en-US" dirty="0"/>
           </a:p>
         </p:txBody>
       </p:sp>
@@ -20257,7 +20087,7 @@
           <p:cNvPr id="6" name="Slide Number Placeholder 5">
             <a:extLst>
               <a:ext uri="{FF2B5EF4-FFF2-40B4-BE49-F238E27FC236}">
-                <a16:creationId xmlns:a16="http://schemas.microsoft.com/office/drawing/2014/main" id="{1028CB34-29B5-49CB-99E4-E945C3D78896}"/>
+                <a16:creationId xmlns:a16="http://schemas.microsoft.com/office/drawing/2014/main" id="{6B829FC6-6F02-4361-A6FE-C769EAA86509}"/>
               </a:ext>
             </a:extLst>
           </p:cNvPr>
@@ -20284,10 +20114,10 @@
       </p:sp>
       <p:sp>
         <p:nvSpPr>
-          <p:cNvPr id="26" name="TextBox 25">
+          <p:cNvPr id="9" name="TextBox 8">
             <a:extLst>
               <a:ext uri="{FF2B5EF4-FFF2-40B4-BE49-F238E27FC236}">
-                <a16:creationId xmlns:a16="http://schemas.microsoft.com/office/drawing/2014/main" id="{CC7BEBFF-3D20-441C-B1B2-0CE34904FDE4}"/>
+                <a16:creationId xmlns:a16="http://schemas.microsoft.com/office/drawing/2014/main" id="{56A23E1A-23FA-4F87-8E6B-B6FB46A737F3}"/>
               </a:ext>
             </a:extLst>
           </p:cNvPr>
@@ -20296,8 +20126,8 @@
         </p:nvSpPr>
         <p:spPr>
           <a:xfrm>
-            <a:off x="1698819" y="1152907"/>
-            <a:ext cx="3654858" cy="400110"/>
+            <a:off x="8746081" y="58580"/>
+            <a:ext cx="3611524" cy="1200329"/>
           </a:xfrm>
           <a:prstGeom prst="rect">
             <a:avLst/>
@@ -20311,137 +20141,56 @@
           <a:lstStyle/>
           <a:p>
             <a:r>
-              <a:rPr lang="de-DE" sz="2000" i="1" dirty="0"/>
-              <a:t>Problems and Notes</a:t>
-            </a:r>
-          </a:p>
-        </p:txBody>
-      </p:sp>
-      <p:sp>
-        <p:nvSpPr>
-          <p:cNvPr id="7" name="TextBox 6">
+              <a:rPr lang="de-DE" b="1" i="1" dirty="0"/>
+              <a:t>CRC used</a:t>
+            </a:r>
+          </a:p>
+          <a:p>
+            <a:r>
+              <a:rPr lang="de-DE" b="1" i="1" dirty="0"/>
+              <a:t>Predicted once on GER and once on FRA and then combined</a:t>
+            </a:r>
+          </a:p>
+        </p:txBody>
+      </p:sp>
+      <p:pic>
+        <p:nvPicPr>
+          <p:cNvPr id="13" name="Content Placeholder 12" descr="Chart, waterfall chart&#10;&#10;Description automatically generated">
             <a:extLst>
               <a:ext uri="{FF2B5EF4-FFF2-40B4-BE49-F238E27FC236}">
-                <a16:creationId xmlns:a16="http://schemas.microsoft.com/office/drawing/2014/main" id="{B43BF96F-7A11-4087-9B01-CF6AACD20E04}"/>
+                <a16:creationId xmlns:a16="http://schemas.microsoft.com/office/drawing/2014/main" id="{CC20B67A-D525-49B2-A082-2756D9651111}"/>
               </a:ext>
             </a:extLst>
           </p:cNvPr>
-          <p:cNvSpPr txBox="1"/>
-          <p:nvPr/>
-        </p:nvSpPr>
+          <p:cNvPicPr>
+            <a:picLocks noGrp="1" noChangeAspect="1"/>
+          </p:cNvPicPr>
+          <p:nvPr>
+            <p:ph idx="1"/>
+          </p:nvPr>
+        </p:nvPicPr>
+        <p:blipFill>
+          <a:blip r:embed="rId2"/>
+          <a:stretch>
+            <a:fillRect/>
+          </a:stretch>
+        </p:blipFill>
         <p:spPr>
           <a:xfrm>
-            <a:off x="2589212" y="1742696"/>
-            <a:ext cx="7102549" cy="1477328"/>
+            <a:off x="1718896" y="1305370"/>
+            <a:ext cx="8754205" cy="4825067"/>
           </a:xfrm>
-          <a:prstGeom prst="rect">
-            <a:avLst/>
-          </a:prstGeom>
-          <a:noFill/>
+          <a:ln>
+            <a:solidFill>
+              <a:schemeClr val="tx1"/>
+            </a:solidFill>
+          </a:ln>
         </p:spPr>
-        <p:txBody>
-          <a:bodyPr wrap="square" rtlCol="0">
-            <a:spAutoFit/>
-          </a:bodyPr>
-          <a:lstStyle/>
-          <a:p>
-            <a:r>
-              <a:rPr lang="de-DE" u="sng" dirty="0"/>
-              <a:t>CLR/ALR</a:t>
-            </a:r>
-            <a:r>
-              <a:rPr lang="de-DE" dirty="0"/>
-              <a:t>:</a:t>
-            </a:r>
-          </a:p>
-          <a:p>
-            <a:pPr marL="285750" indent="-285750">
-              <a:buFontTx/>
-              <a:buChar char="-"/>
-            </a:pPr>
-            <a:r>
-              <a:rPr lang="de-DE" dirty="0"/>
-              <a:t>What to do with LR.wt?</a:t>
-            </a:r>
-          </a:p>
-          <a:p>
-            <a:pPr marL="285750" indent="-285750">
-              <a:buFontTx/>
-              <a:buChar char="-"/>
-            </a:pPr>
-            <a:r>
-              <a:rPr lang="de-DE" dirty="0"/>
-              <a:t>What to do with part.names and part.wt?</a:t>
-            </a:r>
-          </a:p>
-          <a:p>
-            <a:pPr marL="285750" indent="-285750">
-              <a:buFontTx/>
-              <a:buChar char="-"/>
-            </a:pPr>
-            <a:r>
-              <a:rPr lang="de-DE" dirty="0"/>
-              <a:t>Column names ALR?</a:t>
-            </a:r>
-          </a:p>
-          <a:p>
-            <a:endParaRPr lang="de-DE" dirty="0"/>
-          </a:p>
-        </p:txBody>
-      </p:sp>
-      <p:sp>
-        <p:nvSpPr>
-          <p:cNvPr id="8" name="TextBox 7">
-            <a:extLst>
-              <a:ext uri="{FF2B5EF4-FFF2-40B4-BE49-F238E27FC236}">
-                <a16:creationId xmlns:a16="http://schemas.microsoft.com/office/drawing/2014/main" id="{42B7B4AF-462B-468E-AAF9-0BB332281A81}"/>
-              </a:ext>
-            </a:extLst>
-          </p:cNvPr>
-          <p:cNvSpPr txBox="1"/>
-          <p:nvPr/>
-        </p:nvSpPr>
-        <p:spPr>
-          <a:xfrm>
-            <a:off x="2589212" y="3278973"/>
-            <a:ext cx="7102549" cy="923330"/>
-          </a:xfrm>
-          <a:prstGeom prst="rect">
-            <a:avLst/>
-          </a:prstGeom>
-          <a:noFill/>
-        </p:spPr>
-        <p:txBody>
-          <a:bodyPr wrap="square" rtlCol="0">
-            <a:spAutoFit/>
-          </a:bodyPr>
-          <a:lstStyle/>
-          <a:p>
-            <a:r>
-              <a:rPr lang="de-DE" u="sng" dirty="0"/>
-              <a:t>EstMB:</a:t>
-            </a:r>
-            <a:endParaRPr lang="de-DE" dirty="0"/>
-          </a:p>
-          <a:p>
-            <a:pPr marL="285750" indent="-285750">
-              <a:buFontTx/>
-              <a:buChar char="-"/>
-            </a:pPr>
-            <a:r>
-              <a:rPr lang="de-DE" dirty="0"/>
-              <a:t>Needs a lot of time for ALR -&gt; solved in HPC?</a:t>
-            </a:r>
-          </a:p>
-          <a:p>
-            <a:endParaRPr lang="de-DE" dirty="0"/>
-          </a:p>
-        </p:txBody>
-      </p:sp>
+      </p:pic>
     </p:spTree>
     <p:extLst>
       <p:ext uri="{BB962C8B-B14F-4D97-AF65-F5344CB8AC3E}">
-        <p14:creationId xmlns:p14="http://schemas.microsoft.com/office/powerpoint/2010/main" val="3441935650"/>
+        <p14:creationId xmlns:p14="http://schemas.microsoft.com/office/powerpoint/2010/main" val="3654203187"/>
       </p:ext>
     </p:extLst>
   </p:cSld>
@@ -20473,7 +20222,7 @@
           <p:cNvPr id="2" name="Title 1">
             <a:extLst>
               <a:ext uri="{FF2B5EF4-FFF2-40B4-BE49-F238E27FC236}">
-                <a16:creationId xmlns:a16="http://schemas.microsoft.com/office/drawing/2014/main" id="{6806FBA4-537C-4226-9D3A-758C7B787D79}"/>
+                <a16:creationId xmlns:a16="http://schemas.microsoft.com/office/drawing/2014/main" id="{5C6C0D5D-1A09-42DA-AAA6-CB769F97AAFD}"/>
               </a:ext>
             </a:extLst>
           </p:cNvPr>
@@ -20490,10 +20239,39 @@
           <a:lstStyle/>
           <a:p>
             <a:r>
-              <a:rPr lang="de-DE" b="1" dirty="0"/>
-              <a:t>Hierarchy dimensionality reduction</a:t>
-            </a:r>
-            <a:endParaRPr lang="en-US" b="1" dirty="0"/>
+              <a:rPr lang="de-DE" dirty="0"/>
+              <a:t>PCOS</a:t>
+            </a:r>
+          </a:p>
+        </p:txBody>
+      </p:sp>
+      <p:sp>
+        <p:nvSpPr>
+          <p:cNvPr id="4" name="Date Placeholder 3">
+            <a:extLst>
+              <a:ext uri="{FF2B5EF4-FFF2-40B4-BE49-F238E27FC236}">
+                <a16:creationId xmlns:a16="http://schemas.microsoft.com/office/drawing/2014/main" id="{D931F9AA-9EEE-479B-9E4B-F880DD6927F9}"/>
+              </a:ext>
+            </a:extLst>
+          </p:cNvPr>
+          <p:cNvSpPr>
+            <a:spLocks noGrp="1"/>
+          </p:cNvSpPr>
+          <p:nvPr>
+            <p:ph type="dt" sz="half" idx="10"/>
+          </p:nvPr>
+        </p:nvSpPr>
+        <p:spPr/>
+        <p:txBody>
+          <a:bodyPr/>
+          <a:lstStyle/>
+          <a:p>
+            <a:fld id="{36D18B76-5E8B-4456-8722-FC5B14B0F354}" type="datetime1">
+              <a:rPr lang="en-US" smtClean="0"/>
+              <a:pPr/>
+              <a:t>4/20/2022</a:t>
+            </a:fld>
+            <a:endParaRPr lang="en-US" dirty="0"/>
           </a:p>
         </p:txBody>
       </p:sp>
@@ -20502,7 +20280,7 @@
           <p:cNvPr id="5" name="Footer Placeholder 4">
             <a:extLst>
               <a:ext uri="{FF2B5EF4-FFF2-40B4-BE49-F238E27FC236}">
-                <a16:creationId xmlns:a16="http://schemas.microsoft.com/office/drawing/2014/main" id="{707C4F70-832A-416B-9491-EE86347B2812}"/>
+                <a16:creationId xmlns:a16="http://schemas.microsoft.com/office/drawing/2014/main" id="{20341FFA-1CC5-4E6A-9383-BD2A101627FE}"/>
               </a:ext>
             </a:extLst>
           </p:cNvPr>
@@ -20531,7 +20309,7 @@
           <p:cNvPr id="6" name="Slide Number Placeholder 5">
             <a:extLst>
               <a:ext uri="{FF2B5EF4-FFF2-40B4-BE49-F238E27FC236}">
-                <a16:creationId xmlns:a16="http://schemas.microsoft.com/office/drawing/2014/main" id="{1028CB34-29B5-49CB-99E4-E945C3D78896}"/>
+                <a16:creationId xmlns:a16="http://schemas.microsoft.com/office/drawing/2014/main" id="{6B829FC6-6F02-4361-A6FE-C769EAA86509}"/>
               </a:ext>
             </a:extLst>
           </p:cNvPr>
@@ -20556,117 +20334,44 @@
           </a:p>
         </p:txBody>
       </p:sp>
-      <p:sp>
-        <p:nvSpPr>
-          <p:cNvPr id="26" name="TextBox 25">
+      <p:pic>
+        <p:nvPicPr>
+          <p:cNvPr id="15" name="Content Placeholder 14" descr="Chart&#10;&#10;Description automatically generated">
             <a:extLst>
               <a:ext uri="{FF2B5EF4-FFF2-40B4-BE49-F238E27FC236}">
-                <a16:creationId xmlns:a16="http://schemas.microsoft.com/office/drawing/2014/main" id="{CC7BEBFF-3D20-441C-B1B2-0CE34904FDE4}"/>
+                <a16:creationId xmlns:a16="http://schemas.microsoft.com/office/drawing/2014/main" id="{8CED1E73-1D1F-4F14-A29C-485C75E7601D}"/>
               </a:ext>
             </a:extLst>
           </p:cNvPr>
-          <p:cNvSpPr txBox="1"/>
-          <p:nvPr/>
-        </p:nvSpPr>
+          <p:cNvPicPr>
+            <a:picLocks noGrp="1" noChangeAspect="1"/>
+          </p:cNvPicPr>
+          <p:nvPr>
+            <p:ph idx="1"/>
+          </p:nvPr>
+        </p:nvPicPr>
+        <p:blipFill>
+          <a:blip r:embed="rId2"/>
+          <a:stretch>
+            <a:fillRect/>
+          </a:stretch>
+        </p:blipFill>
         <p:spPr>
           <a:xfrm>
-            <a:off x="1698819" y="1152907"/>
-            <a:ext cx="3654858" cy="400110"/>
+            <a:off x="2873660" y="1268569"/>
+            <a:ext cx="8634235" cy="4758943"/>
           </a:xfrm>
-          <a:prstGeom prst="rect">
-            <a:avLst/>
-          </a:prstGeom>
-          <a:noFill/>
+          <a:ln>
+            <a:solidFill>
+              <a:schemeClr val="tx1"/>
+            </a:solidFill>
+          </a:ln>
         </p:spPr>
-        <p:txBody>
-          <a:bodyPr wrap="square" rtlCol="0">
-            <a:spAutoFit/>
-          </a:bodyPr>
-          <a:lstStyle/>
-          <a:p>
-            <a:r>
-              <a:rPr lang="de-DE" sz="2000" i="1" dirty="0"/>
-              <a:t>Problems and Notes</a:t>
-            </a:r>
-          </a:p>
-        </p:txBody>
-      </p:sp>
-      <p:sp>
-        <p:nvSpPr>
-          <p:cNvPr id="7" name="TextBox 6">
-            <a:extLst>
-              <a:ext uri="{FF2B5EF4-FFF2-40B4-BE49-F238E27FC236}">
-                <a16:creationId xmlns:a16="http://schemas.microsoft.com/office/drawing/2014/main" id="{B43BF96F-7A11-4087-9B01-CF6AACD20E04}"/>
-              </a:ext>
-            </a:extLst>
-          </p:cNvPr>
-          <p:cNvSpPr txBox="1"/>
-          <p:nvPr/>
-        </p:nvSpPr>
-        <p:spPr>
-          <a:xfrm>
-            <a:off x="2589212" y="1742696"/>
-            <a:ext cx="7102549" cy="1754326"/>
-          </a:xfrm>
-          <a:prstGeom prst="rect">
-            <a:avLst/>
-          </a:prstGeom>
-          <a:noFill/>
-        </p:spPr>
-        <p:txBody>
-          <a:bodyPr wrap="square" rtlCol="0">
-            <a:spAutoFit/>
-          </a:bodyPr>
-          <a:lstStyle/>
-          <a:p>
-            <a:r>
-              <a:rPr lang="de-DE" u="sng" dirty="0"/>
-              <a:t>PCA</a:t>
-            </a:r>
-            <a:r>
-              <a:rPr lang="de-DE" dirty="0"/>
-              <a:t>:</a:t>
-            </a:r>
-          </a:p>
-          <a:p>
-            <a:pPr marL="285750" indent="-285750">
-              <a:buFontTx/>
-              <a:buChar char="-"/>
-            </a:pPr>
-            <a:r>
-              <a:rPr lang="de-DE" dirty="0"/>
-              <a:t>Microbiome Preprocessing Machine Learning Pipeline (2021)</a:t>
-            </a:r>
-          </a:p>
-          <a:p>
-            <a:pPr marL="285750" indent="-285750">
-              <a:buFontTx/>
-              <a:buChar char="-"/>
-            </a:pPr>
-            <a:r>
-              <a:rPr lang="de-DE" dirty="0"/>
-              <a:t>Proposes to use PCA as hierarchy reduction </a:t>
-            </a:r>
-          </a:p>
-          <a:p>
-            <a:pPr marL="285750" indent="-285750">
-              <a:buFontTx/>
-              <a:buChar char="-"/>
-            </a:pPr>
-            <a:r>
-              <a:rPr lang="de-DE" dirty="0"/>
-              <a:t>Families can be clustered and genus is not necessary</a:t>
-            </a:r>
-          </a:p>
-          <a:p>
-            <a:endParaRPr lang="de-DE" dirty="0"/>
-          </a:p>
-        </p:txBody>
-      </p:sp>
+      </p:pic>
     </p:spTree>
     <p:extLst>
       <p:ext uri="{BB962C8B-B14F-4D97-AF65-F5344CB8AC3E}">
-        <p14:creationId xmlns:p14="http://schemas.microsoft.com/office/powerpoint/2010/main" val="2182919606"/>
+        <p14:creationId xmlns:p14="http://schemas.microsoft.com/office/powerpoint/2010/main" val="2460614687"/>
       </p:ext>
     </p:extLst>
   </p:cSld>
@@ -20711,16 +20416,43 @@
         </p:nvSpPr>
         <p:spPr/>
         <p:txBody>
-          <a:bodyPr>
-            <a:normAutofit/>
-          </a:bodyPr>
+          <a:bodyPr/>
           <a:lstStyle/>
           <a:p>
             <a:r>
-              <a:rPr lang="de-DE" sz="3200" b="1" dirty="0"/>
-              <a:t>mikropml</a:t>
-            </a:r>
-            <a:endParaRPr lang="en-US" sz="3200" b="1" dirty="0"/>
+              <a:rPr lang="de-DE" b="1" dirty="0"/>
+              <a:t>Pre-Processing</a:t>
+            </a:r>
+            <a:endParaRPr lang="en-US" b="1" dirty="0"/>
+          </a:p>
+        </p:txBody>
+      </p:sp>
+      <p:sp>
+        <p:nvSpPr>
+          <p:cNvPr id="5" name="Footer Placeholder 4">
+            <a:extLst>
+              <a:ext uri="{FF2B5EF4-FFF2-40B4-BE49-F238E27FC236}">
+                <a16:creationId xmlns:a16="http://schemas.microsoft.com/office/drawing/2014/main" id="{707C4F70-832A-416B-9491-EE86347B2812}"/>
+              </a:ext>
+            </a:extLst>
+          </p:cNvPr>
+          <p:cNvSpPr>
+            <a:spLocks noGrp="1"/>
+          </p:cNvSpPr>
+          <p:nvPr>
+            <p:ph type="ftr" sz="quarter" idx="11"/>
+          </p:nvPr>
+        </p:nvSpPr>
+        <p:spPr/>
+        <p:txBody>
+          <a:bodyPr/>
+          <a:lstStyle/>
+          <a:p>
+            <a:r>
+              <a:rPr lang="en-US"/>
+              <a:t>jennifer.neumaier@t-online.de</a:t>
+            </a:r>
+            <a:endParaRPr lang="en-US" dirty="0"/>
           </a:p>
         </p:txBody>
       </p:sp>
@@ -20756,10 +20488,10 @@
       </p:sp>
       <p:sp>
         <p:nvSpPr>
-          <p:cNvPr id="8" name="TextBox 7">
+          <p:cNvPr id="26" name="TextBox 25">
             <a:extLst>
               <a:ext uri="{FF2B5EF4-FFF2-40B4-BE49-F238E27FC236}">
-                <a16:creationId xmlns:a16="http://schemas.microsoft.com/office/drawing/2014/main" id="{C9FAD4F5-81D5-4890-8BB5-F06C93EDD254}"/>
+                <a16:creationId xmlns:a16="http://schemas.microsoft.com/office/drawing/2014/main" id="{CC7BEBFF-3D20-441C-B1B2-0CE34904FDE4}"/>
               </a:ext>
             </a:extLst>
           </p:cNvPr>
@@ -20768,8 +20500,8 @@
         </p:nvSpPr>
         <p:spPr>
           <a:xfrm>
-            <a:off x="1392866" y="1268569"/>
-            <a:ext cx="8753253" cy="5509200"/>
+            <a:off x="1698819" y="1152907"/>
+            <a:ext cx="3654858" cy="400110"/>
           </a:xfrm>
           <a:prstGeom prst="rect">
             <a:avLst/>
@@ -20777,172 +20509,299 @@
           <a:noFill/>
         </p:spPr>
         <p:txBody>
+          <a:bodyPr wrap="square" rtlCol="0">
+            <a:spAutoFit/>
+          </a:bodyPr>
+          <a:lstStyle/>
+          <a:p>
+            <a:r>
+              <a:rPr lang="de-DE" sz="2000" i="1" dirty="0"/>
+              <a:t>Problems and Notes</a:t>
+            </a:r>
+          </a:p>
+        </p:txBody>
+      </p:sp>
+      <p:sp>
+        <p:nvSpPr>
+          <p:cNvPr id="7" name="TextBox 6">
+            <a:extLst>
+              <a:ext uri="{FF2B5EF4-FFF2-40B4-BE49-F238E27FC236}">
+                <a16:creationId xmlns:a16="http://schemas.microsoft.com/office/drawing/2014/main" id="{B43BF96F-7A11-4087-9B01-CF6AACD20E04}"/>
+              </a:ext>
+            </a:extLst>
+          </p:cNvPr>
+          <p:cNvSpPr txBox="1"/>
+          <p:nvPr/>
+        </p:nvSpPr>
+        <p:spPr>
+          <a:xfrm>
+            <a:off x="1698819" y="1834296"/>
+            <a:ext cx="7102549" cy="1754326"/>
+          </a:xfrm>
+          <a:prstGeom prst="rect">
+            <a:avLst/>
+          </a:prstGeom>
+          <a:noFill/>
+        </p:spPr>
+        <p:txBody>
+          <a:bodyPr wrap="square" rtlCol="0">
+            <a:spAutoFit/>
+          </a:bodyPr>
+          <a:lstStyle/>
+          <a:p>
+            <a:r>
+              <a:rPr lang="de-DE" u="sng" dirty="0"/>
+              <a:t>CRC</a:t>
+            </a:r>
+            <a:r>
+              <a:rPr lang="de-DE" dirty="0"/>
+              <a:t>:</a:t>
+            </a:r>
+          </a:p>
+          <a:p>
+            <a:pPr marL="285750" indent="-285750">
+              <a:buFontTx/>
+              <a:buChar char="-"/>
+            </a:pPr>
+            <a:r>
+              <a:rPr lang="de-DE" dirty="0"/>
+              <a:t>128 rows removed due to NA in BMI</a:t>
+            </a:r>
+          </a:p>
+          <a:p>
+            <a:pPr marL="285750" indent="-285750">
+              <a:buFontTx/>
+              <a:buChar char="-"/>
+            </a:pPr>
+            <a:r>
+              <a:rPr lang="de-DE" dirty="0"/>
+              <a:t>DE saved separately as holdout </a:t>
+            </a:r>
+          </a:p>
+          <a:p>
+            <a:pPr marL="285750" indent="-285750">
+              <a:buFontTx/>
+              <a:buChar char="-"/>
+            </a:pPr>
+            <a:r>
+              <a:rPr lang="de-DE" dirty="0"/>
+              <a:t>All tests were done with country sets: USA, China, Austria, France</a:t>
+            </a:r>
+          </a:p>
+          <a:p>
+            <a:pPr marL="285750" indent="-285750">
+              <a:buFontTx/>
+              <a:buChar char="-"/>
+            </a:pPr>
+            <a:endParaRPr lang="de-DE" dirty="0"/>
+          </a:p>
+        </p:txBody>
+      </p:sp>
+      <p:sp>
+        <p:nvSpPr>
+          <p:cNvPr id="29" name="TextBox 28">
+            <a:extLst>
+              <a:ext uri="{FF2B5EF4-FFF2-40B4-BE49-F238E27FC236}">
+                <a16:creationId xmlns:a16="http://schemas.microsoft.com/office/drawing/2014/main" id="{FD214281-F802-4F96-A098-F69D765E4AFA}"/>
+              </a:ext>
+            </a:extLst>
+          </p:cNvPr>
+          <p:cNvSpPr txBox="1"/>
+          <p:nvPr/>
+        </p:nvSpPr>
+        <p:spPr>
+          <a:xfrm>
+            <a:off x="6199935" y="93132"/>
+            <a:ext cx="6097772" cy="1815882"/>
+          </a:xfrm>
+          <a:prstGeom prst="rect">
+            <a:avLst/>
+          </a:prstGeom>
+          <a:noFill/>
+        </p:spPr>
+        <p:txBody>
           <a:bodyPr wrap="square">
             <a:spAutoFit/>
           </a:bodyPr>
           <a:lstStyle/>
           <a:p>
             <a:r>
-              <a:rPr lang="de-DE" sz="1100" dirty="0"/>
-              <a:t>Testing out mikropml as it already has a function run_ml() that incorporates nested cross-validation for several standard supervised machine learning models:</a:t>
-            </a:r>
-          </a:p>
-          <a:p>
-            <a:endParaRPr lang="de-DE" sz="1100" dirty="0"/>
-          </a:p>
-          <a:p>
-            <a:r>
-              <a:rPr lang="de-DE" sz="1100" dirty="0"/>
-              <a:t>    Logistic/multiclass/linear regression ("glmnet")</a:t>
-            </a:r>
-          </a:p>
-          <a:p>
-            <a:r>
-              <a:rPr lang="de-DE" sz="1100" dirty="0"/>
-              <a:t>    Random forest ("rf")</a:t>
-            </a:r>
-          </a:p>
-          <a:p>
-            <a:r>
-              <a:rPr lang="de-DE" sz="1100" dirty="0"/>
-              <a:t>    Decision tree ("rpart2")</a:t>
-            </a:r>
-          </a:p>
-          <a:p>
-            <a:r>
-              <a:rPr lang="de-DE" sz="1100" dirty="0"/>
-              <a:t>    Support vector machine with a radial basis kernel ("svmRadial")</a:t>
-            </a:r>
-          </a:p>
-          <a:p>
-            <a:r>
-              <a:rPr lang="de-DE" sz="1100" dirty="0"/>
-              <a:t>    xgboost ("xgbTree")</a:t>
-            </a:r>
-          </a:p>
-          <a:p>
-            <a:endParaRPr lang="de-DE" sz="1100" dirty="0"/>
-          </a:p>
-          <a:p>
-            <a:r>
-              <a:rPr lang="de-DE" sz="1100" dirty="0"/>
-              <a:t>Test it here for linear regression and xgboost.</a:t>
-            </a:r>
-          </a:p>
-          <a:p>
-            <a:r>
-              <a:rPr lang="de-DE" sz="1100" dirty="0"/>
-              <a:t>Function run_ml has several parameters:</a:t>
-            </a:r>
-          </a:p>
-          <a:p>
-            <a:r>
-              <a:rPr lang="de-DE" sz="1100" dirty="0"/>
-              <a:t>           dataset,</a:t>
-            </a:r>
-          </a:p>
-          <a:p>
-            <a:r>
-              <a:rPr lang="de-DE" sz="1100" dirty="0"/>
-              <a:t>           method,</a:t>
-            </a:r>
-          </a:p>
-          <a:p>
-            <a:r>
-              <a:rPr lang="de-DE" sz="1100" dirty="0"/>
-              <a:t>           outcome_colname = NULL, (standardized the first column)</a:t>
-            </a:r>
-          </a:p>
-          <a:p>
-            <a:r>
-              <a:rPr lang="de-DE" sz="1100" dirty="0"/>
-              <a:t>           hyperparameters = NULL,</a:t>
-            </a:r>
-          </a:p>
-          <a:p>
-            <a:r>
-              <a:rPr lang="de-DE" sz="1100" dirty="0"/>
-              <a:t>           find_feature_importance = FALSE, (`TRUE` is recommended if you would like to identify features important for predicting your                                                outcome, but it is resource-intensive.</a:t>
-            </a:r>
-          </a:p>
-          <a:p>
-            <a:r>
-              <a:rPr lang="de-DE" sz="1100" dirty="0"/>
-              <a:t>           calculate_performance = TRUE,</a:t>
-            </a:r>
-          </a:p>
-          <a:p>
-            <a:r>
-              <a:rPr lang="de-DE" sz="1100" dirty="0"/>
-              <a:t>           kfold = 5, (standard at 5)</a:t>
-            </a:r>
-          </a:p>
-          <a:p>
-            <a:r>
-              <a:rPr lang="de-DE" sz="1100" dirty="0"/>
-              <a:t>           cv_times = 100, (standard at 100)</a:t>
-            </a:r>
-          </a:p>
-          <a:p>
-            <a:r>
-              <a:rPr lang="de-DE" sz="1100" dirty="0"/>
-              <a:t>           cross_val = NULL, (cross_val a custom cross-validation scheme from `caret::trainControl()` (default: `NULL`, uses `kfold` cross                              validation repeated `cv_times`). `kfold` and `cv_times` are ignored if the user provides a custom                                          cross-validation scheme.)</a:t>
-            </a:r>
-          </a:p>
-          <a:p>
-            <a:r>
-              <a:rPr lang="de-DE" sz="1100" dirty="0"/>
-              <a:t>           training_frac = 0.8, (standard at 0.8)</a:t>
-            </a:r>
-          </a:p>
-          <a:p>
-            <a:r>
-              <a:rPr lang="de-DE" sz="1100" dirty="0"/>
-              <a:t>           perf_metric_function = NULL,</a:t>
-            </a:r>
-          </a:p>
-          <a:p>
-            <a:r>
-              <a:rPr lang="de-DE" sz="1100" dirty="0"/>
-              <a:t>           perf_metric_name = NULL,</a:t>
-            </a:r>
-          </a:p>
-          <a:p>
-            <a:r>
-              <a:rPr lang="de-DE" sz="1100" dirty="0"/>
-              <a:t>           groups = NULL,</a:t>
-            </a:r>
-          </a:p>
-          <a:p>
-            <a:r>
-              <a:rPr lang="de-DE" sz="1100" dirty="0"/>
-              <a:t>           group_partitions = NULL,</a:t>
-            </a:r>
-          </a:p>
-          <a:p>
-            <a:r>
-              <a:rPr lang="de-DE" sz="1100" dirty="0"/>
-              <a:t>           corr_thresh = 1,</a:t>
-            </a:r>
-          </a:p>
-          <a:p>
-            <a:r>
-              <a:rPr lang="de-DE" sz="1100" dirty="0"/>
-              <a:t>           ntree = 1000, (For random forest, how many trees to use (default: `1000`). Caret doesn't allow this hyperparameter to be tuned)</a:t>
-            </a:r>
-          </a:p>
-          <a:p>
-            <a:r>
-              <a:rPr lang="de-DE" sz="1100" dirty="0"/>
-              <a:t>           seed = NA (set seed for reproducibility)</a:t>
-            </a:r>
+              <a:rPr lang="de-DE" sz="1400" u="sng" dirty="0"/>
+              <a:t>Imputation</a:t>
+            </a:r>
+            <a:r>
+              <a:rPr lang="de-DE" sz="1400" dirty="0"/>
+              <a:t>:</a:t>
+            </a:r>
+          </a:p>
+          <a:p>
+            <a:pPr marL="285750" indent="-285750">
+              <a:buFontTx/>
+              <a:buChar char="-"/>
+            </a:pPr>
+            <a:r>
+              <a:rPr lang="de-DE" sz="1400" dirty="0"/>
+              <a:t>mbImpute needs phylogenetic tree -&gt; ignored for now </a:t>
+            </a:r>
+          </a:p>
+          <a:p>
+            <a:pPr marL="285750" indent="-285750">
+              <a:buFontTx/>
+              <a:buChar char="-"/>
+            </a:pPr>
+            <a:r>
+              <a:rPr lang="de-DE" sz="1400" dirty="0"/>
+              <a:t>EstMB dataset: pseudocount inserts decimal values between 0 and 1</a:t>
+            </a:r>
+          </a:p>
+          <a:p>
+            <a:pPr marL="742950" lvl="1" indent="-285750">
+              <a:buFontTx/>
+              <a:buChar char="-"/>
+            </a:pPr>
+            <a:r>
+              <a:rPr lang="de-DE" sz="1400" dirty="0"/>
+              <a:t>Solution for now: all these values were rounded up to 1</a:t>
+            </a:r>
+          </a:p>
+          <a:p>
+            <a:pPr marL="742950" lvl="1" indent="-285750">
+              <a:buFontTx/>
+              <a:buChar char="-"/>
+            </a:pPr>
+            <a:r>
+              <a:rPr lang="de-DE" sz="1400" dirty="0"/>
+              <a:t>Possibly in a later run keep decimal values, because some papers suggest sensitivity to pseudocount in machine learning models </a:t>
+            </a:r>
+          </a:p>
+        </p:txBody>
+      </p:sp>
+      <p:sp>
+        <p:nvSpPr>
+          <p:cNvPr id="8" name="TextBox 7">
+            <a:extLst>
+              <a:ext uri="{FF2B5EF4-FFF2-40B4-BE49-F238E27FC236}">
+                <a16:creationId xmlns:a16="http://schemas.microsoft.com/office/drawing/2014/main" id="{20ADFB58-875E-4AAE-BDAE-D861E7F9DC27}"/>
+              </a:ext>
+            </a:extLst>
+          </p:cNvPr>
+          <p:cNvSpPr txBox="1"/>
+          <p:nvPr/>
+        </p:nvSpPr>
+        <p:spPr>
+          <a:xfrm>
+            <a:off x="1720971" y="3408432"/>
+            <a:ext cx="7102549" cy="1200329"/>
+          </a:xfrm>
+          <a:prstGeom prst="rect">
+            <a:avLst/>
+          </a:prstGeom>
+          <a:noFill/>
+        </p:spPr>
+        <p:txBody>
+          <a:bodyPr wrap="square" rtlCol="0">
+            <a:spAutoFit/>
+          </a:bodyPr>
+          <a:lstStyle/>
+          <a:p>
+            <a:r>
+              <a:rPr lang="de-DE" u="sng" dirty="0"/>
+              <a:t>PCOS</a:t>
+            </a:r>
+            <a:r>
+              <a:rPr lang="de-DE" dirty="0"/>
+              <a:t>:</a:t>
+            </a:r>
+          </a:p>
+          <a:p>
+            <a:pPr marL="285750" indent="-285750">
+              <a:buFontTx/>
+              <a:buChar char="-"/>
+            </a:pPr>
+            <a:r>
+              <a:rPr lang="de-DE" dirty="0"/>
+              <a:t>6 rows removed in abundance table because they were not included in metadata</a:t>
+            </a:r>
+          </a:p>
+          <a:p>
+            <a:pPr marL="285750" indent="-285750">
+              <a:buFontTx/>
+              <a:buChar char="-"/>
+            </a:pPr>
+            <a:endParaRPr lang="de-DE" dirty="0"/>
+          </a:p>
+        </p:txBody>
+      </p:sp>
+      <p:sp>
+        <p:nvSpPr>
+          <p:cNvPr id="9" name="TextBox 8">
+            <a:extLst>
+              <a:ext uri="{FF2B5EF4-FFF2-40B4-BE49-F238E27FC236}">
+                <a16:creationId xmlns:a16="http://schemas.microsoft.com/office/drawing/2014/main" id="{C84548D0-C361-4108-B284-1351D54B8DFD}"/>
+              </a:ext>
+            </a:extLst>
+          </p:cNvPr>
+          <p:cNvSpPr txBox="1"/>
+          <p:nvPr/>
+        </p:nvSpPr>
+        <p:spPr>
+          <a:xfrm>
+            <a:off x="1720971" y="4717667"/>
+            <a:ext cx="7102549" cy="1200329"/>
+          </a:xfrm>
+          <a:prstGeom prst="rect">
+            <a:avLst/>
+          </a:prstGeom>
+          <a:noFill/>
+        </p:spPr>
+        <p:txBody>
+          <a:bodyPr wrap="square" rtlCol="0">
+            <a:spAutoFit/>
+          </a:bodyPr>
+          <a:lstStyle/>
+          <a:p>
+            <a:r>
+              <a:rPr lang="de-DE" u="sng" dirty="0"/>
+              <a:t>EstMB</a:t>
+            </a:r>
+            <a:r>
+              <a:rPr lang="de-DE" dirty="0"/>
+              <a:t>:</a:t>
+            </a:r>
+          </a:p>
+          <a:p>
+            <a:pPr marL="285750" indent="-285750">
+              <a:buFontTx/>
+              <a:buChar char="-"/>
+            </a:pPr>
+            <a:r>
+              <a:rPr lang="de-DE" dirty="0"/>
+              <a:t>21 rows removed in metadata due to NA</a:t>
+            </a:r>
+          </a:p>
+          <a:p>
+            <a:pPr marL="285750" indent="-285750">
+              <a:buFontTx/>
+              <a:buChar char="-"/>
+            </a:pPr>
+            <a:r>
+              <a:rPr lang="de-DE" dirty="0"/>
+              <a:t>21 patients cut out of abundance table due to metadata</a:t>
+            </a:r>
+          </a:p>
+          <a:p>
+            <a:pPr marL="285750" indent="-285750">
+              <a:buFontTx/>
+              <a:buChar char="-"/>
+            </a:pPr>
+            <a:endParaRPr lang="de-DE" dirty="0"/>
           </a:p>
         </p:txBody>
       </p:sp>
     </p:spTree>
     <p:extLst>
       <p:ext uri="{BB962C8B-B14F-4D97-AF65-F5344CB8AC3E}">
-        <p14:creationId xmlns:p14="http://schemas.microsoft.com/office/powerpoint/2010/main" val="3541464901"/>
+        <p14:creationId xmlns:p14="http://schemas.microsoft.com/office/powerpoint/2010/main" val="3215538767"/>
       </p:ext>
     </p:extLst>
   </p:cSld>
@@ -20974,7 +20833,7 @@
           <p:cNvPr id="2" name="Title 1">
             <a:extLst>
               <a:ext uri="{FF2B5EF4-FFF2-40B4-BE49-F238E27FC236}">
-                <a16:creationId xmlns:a16="http://schemas.microsoft.com/office/drawing/2014/main" id="{169D9D37-B637-4D74-BB75-639D51A491FB}"/>
+                <a16:creationId xmlns:a16="http://schemas.microsoft.com/office/drawing/2014/main" id="{6806FBA4-537C-4226-9D3A-758C7B787D79}"/>
               </a:ext>
             </a:extLst>
           </p:cNvPr>
@@ -20985,118 +20844,16 @@
             <p:ph type="title"/>
           </p:nvPr>
         </p:nvSpPr>
-        <p:spPr>
-          <a:xfrm>
-            <a:off x="1640156" y="628124"/>
-            <a:ext cx="8911687" cy="1280890"/>
-          </a:xfrm>
-        </p:spPr>
+        <p:spPr/>
         <p:txBody>
           <a:bodyPr/>
           <a:lstStyle/>
           <a:p>
             <a:r>
               <a:rPr lang="de-DE" b="1" dirty="0"/>
-              <a:t>Data set</a:t>
+              <a:t>Transformations</a:t>
             </a:r>
             <a:endParaRPr lang="en-US" b="1" dirty="0"/>
-          </a:p>
-        </p:txBody>
-      </p:sp>
-      <p:sp>
-        <p:nvSpPr>
-          <p:cNvPr id="3" name="Content Placeholder 2">
-            <a:extLst>
-              <a:ext uri="{FF2B5EF4-FFF2-40B4-BE49-F238E27FC236}">
-                <a16:creationId xmlns:a16="http://schemas.microsoft.com/office/drawing/2014/main" id="{D4D56813-9DF8-4D28-B156-1DE48E95DBC2}"/>
-              </a:ext>
-            </a:extLst>
-          </p:cNvPr>
-          <p:cNvSpPr>
-            <a:spLocks noGrp="1"/>
-          </p:cNvSpPr>
-          <p:nvPr>
-            <p:ph idx="1"/>
-          </p:nvPr>
-        </p:nvSpPr>
-        <p:spPr>
-          <a:xfrm>
-            <a:off x="2592495" y="1317171"/>
-            <a:ext cx="8915400" cy="4369465"/>
-          </a:xfrm>
-        </p:spPr>
-        <p:txBody>
-          <a:bodyPr>
-            <a:normAutofit/>
-          </a:bodyPr>
-          <a:lstStyle/>
-          <a:p>
-            <a:r>
-              <a:rPr lang="de-DE" dirty="0"/>
-              <a:t>Compare what Thomas P. Quinn uses (13 datasets) and take out from estonian biobank</a:t>
-            </a:r>
-          </a:p>
-          <a:p>
-            <a:r>
-              <a:rPr lang="de-DE" dirty="0"/>
-              <a:t> prediction/classification tasks</a:t>
-            </a:r>
-          </a:p>
-          <a:p>
-            <a:r>
-              <a:rPr lang="de-DE" dirty="0"/>
-              <a:t>One with continuous and one with discrete variables</a:t>
-            </a:r>
-          </a:p>
-          <a:p>
-            <a:r>
-              <a:rPr lang="de-DE" dirty="0"/>
-              <a:t>one with high correlation and one with low to microbiomes</a:t>
-            </a:r>
-          </a:p>
-          <a:p>
-            <a:r>
-              <a:rPr lang="de-DE" dirty="0"/>
-              <a:t>one small and one large data set</a:t>
-            </a:r>
-          </a:p>
-          <a:p>
-            <a:r>
-              <a:rPr lang="de-DE" dirty="0"/>
-              <a:t>EstMB, colorectal cancer, PCOS</a:t>
-            </a:r>
-          </a:p>
-          <a:p>
-            <a:endParaRPr lang="de-DE" dirty="0"/>
-          </a:p>
-        </p:txBody>
-      </p:sp>
-      <p:sp>
-        <p:nvSpPr>
-          <p:cNvPr id="4" name="Date Placeholder 3">
-            <a:extLst>
-              <a:ext uri="{FF2B5EF4-FFF2-40B4-BE49-F238E27FC236}">
-                <a16:creationId xmlns:a16="http://schemas.microsoft.com/office/drawing/2014/main" id="{D53DB4F4-84EC-4588-88E6-8D8519D6A1E8}"/>
-              </a:ext>
-            </a:extLst>
-          </p:cNvPr>
-          <p:cNvSpPr>
-            <a:spLocks noGrp="1"/>
-          </p:cNvSpPr>
-          <p:nvPr>
-            <p:ph type="dt" sz="half" idx="10"/>
-          </p:nvPr>
-        </p:nvSpPr>
-        <p:spPr/>
-        <p:txBody>
-          <a:bodyPr/>
-          <a:lstStyle/>
-          <a:p>
-            <a:fld id="{5A2DBB50-F561-45B0-9BE5-95A455D2CD8B}" type="datetime1">
-              <a:rPr lang="en-US" smtClean="0"/>
-              <a:t>4/16/2022</a:t>
-            </a:fld>
-            <a:endParaRPr lang="en-US" dirty="0"/>
           </a:p>
         </p:txBody>
       </p:sp>
@@ -21105,7 +20862,7 @@
           <p:cNvPr id="5" name="Footer Placeholder 4">
             <a:extLst>
               <a:ext uri="{FF2B5EF4-FFF2-40B4-BE49-F238E27FC236}">
-                <a16:creationId xmlns:a16="http://schemas.microsoft.com/office/drawing/2014/main" id="{A7F3346A-3F24-484B-A6D3-55D66520C917}"/>
+                <a16:creationId xmlns:a16="http://schemas.microsoft.com/office/drawing/2014/main" id="{707C4F70-832A-416B-9491-EE86347B2812}"/>
               </a:ext>
             </a:extLst>
           </p:cNvPr>
@@ -21122,10 +20879,9 @@
           <a:lstStyle/>
           <a:p>
             <a:r>
-              <a:rPr lang="en-US"/>
+              <a:rPr lang="en-US" dirty="0"/>
               <a:t>jennifer.neumaier@t-online.de</a:t>
             </a:r>
-            <a:endParaRPr lang="en-US" dirty="0"/>
           </a:p>
         </p:txBody>
       </p:sp>
@@ -21134,7 +20890,7 @@
           <p:cNvPr id="6" name="Slide Number Placeholder 5">
             <a:extLst>
               <a:ext uri="{FF2B5EF4-FFF2-40B4-BE49-F238E27FC236}">
-                <a16:creationId xmlns:a16="http://schemas.microsoft.com/office/drawing/2014/main" id="{C4B3B4A6-E708-4F88-8CA2-BDE8FCF0C0AC}"/>
+                <a16:creationId xmlns:a16="http://schemas.microsoft.com/office/drawing/2014/main" id="{1028CB34-29B5-49CB-99E4-E945C3D78896}"/>
               </a:ext>
             </a:extLst>
           </p:cNvPr>
@@ -21161,10 +20917,10 @@
       </p:sp>
       <p:sp>
         <p:nvSpPr>
-          <p:cNvPr id="8" name="TextBox 7">
+          <p:cNvPr id="26" name="TextBox 25">
             <a:extLst>
               <a:ext uri="{FF2B5EF4-FFF2-40B4-BE49-F238E27FC236}">
-                <a16:creationId xmlns:a16="http://schemas.microsoft.com/office/drawing/2014/main" id="{6A373959-7937-4239-AAA7-0B90CAF1A620}"/>
+                <a16:creationId xmlns:a16="http://schemas.microsoft.com/office/drawing/2014/main" id="{CC7BEBFF-3D20-441C-B1B2-0CE34904FDE4}"/>
               </a:ext>
             </a:extLst>
           </p:cNvPr>
@@ -21173,8 +20929,8 @@
         </p:nvSpPr>
         <p:spPr>
           <a:xfrm>
-            <a:off x="2260283" y="4487322"/>
-            <a:ext cx="6097904" cy="923330"/>
+            <a:off x="1698819" y="1152907"/>
+            <a:ext cx="3654858" cy="400110"/>
           </a:xfrm>
           <a:prstGeom prst="rect">
             <a:avLst/>
@@ -21182,28 +20938,143 @@
           <a:noFill/>
         </p:spPr>
         <p:txBody>
-          <a:bodyPr wrap="square">
+          <a:bodyPr wrap="square" rtlCol="0">
             <a:spAutoFit/>
           </a:bodyPr>
           <a:lstStyle/>
           <a:p>
             <a:r>
-              <a:rPr lang="de-DE" b="1" dirty="0"/>
-              <a:t>CRC data set preparation and models:</a:t>
-            </a:r>
-          </a:p>
-          <a:p>
+              <a:rPr lang="de-DE" sz="2000" i="1" dirty="0"/>
+              <a:t>Problems and Notes</a:t>
+            </a:r>
+          </a:p>
+        </p:txBody>
+      </p:sp>
+      <p:sp>
+        <p:nvSpPr>
+          <p:cNvPr id="7" name="TextBox 6">
+            <a:extLst>
+              <a:ext uri="{FF2B5EF4-FFF2-40B4-BE49-F238E27FC236}">
+                <a16:creationId xmlns:a16="http://schemas.microsoft.com/office/drawing/2014/main" id="{B43BF96F-7A11-4087-9B01-CF6AACD20E04}"/>
+              </a:ext>
+            </a:extLst>
+          </p:cNvPr>
+          <p:cNvSpPr txBox="1"/>
+          <p:nvPr/>
+        </p:nvSpPr>
+        <p:spPr>
+          <a:xfrm>
+            <a:off x="2589212" y="1742696"/>
+            <a:ext cx="7102549" cy="1477328"/>
+          </a:xfrm>
+          <a:prstGeom prst="rect">
+            <a:avLst/>
+          </a:prstGeom>
+          <a:noFill/>
+        </p:spPr>
+        <p:txBody>
+          <a:bodyPr wrap="square" rtlCol="0">
+            <a:spAutoFit/>
+          </a:bodyPr>
+          <a:lstStyle/>
+          <a:p>
+            <a:r>
+              <a:rPr lang="de-DE" u="sng" dirty="0"/>
+              <a:t>CLR/ALR</a:t>
+            </a:r>
             <a:r>
               <a:rPr lang="de-DE" dirty="0"/>
-              <a:t>https://github.com/zellerlab/crc_meta/blob/master/src/prepare_data.R</a:t>
-            </a:r>
+              <a:t>:</a:t>
+            </a:r>
+          </a:p>
+          <a:p>
+            <a:pPr marL="285750" indent="-285750">
+              <a:buFontTx/>
+              <a:buChar char="-"/>
+            </a:pPr>
+            <a:r>
+              <a:rPr lang="de-DE" dirty="0"/>
+              <a:t>What to do with LR.wt?</a:t>
+            </a:r>
+          </a:p>
+          <a:p>
+            <a:pPr marL="285750" indent="-285750">
+              <a:buFontTx/>
+              <a:buChar char="-"/>
+            </a:pPr>
+            <a:r>
+              <a:rPr lang="de-DE" dirty="0"/>
+              <a:t>What to do with part.names and part.wt?</a:t>
+            </a:r>
+          </a:p>
+          <a:p>
+            <a:pPr marL="285750" indent="-285750">
+              <a:buFontTx/>
+              <a:buChar char="-"/>
+            </a:pPr>
+            <a:r>
+              <a:rPr lang="de-DE" dirty="0"/>
+              <a:t>Column names ALR?</a:t>
+            </a:r>
+          </a:p>
+          <a:p>
+            <a:endParaRPr lang="de-DE" dirty="0"/>
+          </a:p>
+        </p:txBody>
+      </p:sp>
+      <p:sp>
+        <p:nvSpPr>
+          <p:cNvPr id="8" name="TextBox 7">
+            <a:extLst>
+              <a:ext uri="{FF2B5EF4-FFF2-40B4-BE49-F238E27FC236}">
+                <a16:creationId xmlns:a16="http://schemas.microsoft.com/office/drawing/2014/main" id="{42B7B4AF-462B-468E-AAF9-0BB332281A81}"/>
+              </a:ext>
+            </a:extLst>
+          </p:cNvPr>
+          <p:cNvSpPr txBox="1"/>
+          <p:nvPr/>
+        </p:nvSpPr>
+        <p:spPr>
+          <a:xfrm>
+            <a:off x="2589212" y="3278973"/>
+            <a:ext cx="7102549" cy="923330"/>
+          </a:xfrm>
+          <a:prstGeom prst="rect">
+            <a:avLst/>
+          </a:prstGeom>
+          <a:noFill/>
+        </p:spPr>
+        <p:txBody>
+          <a:bodyPr wrap="square" rtlCol="0">
+            <a:spAutoFit/>
+          </a:bodyPr>
+          <a:lstStyle/>
+          <a:p>
+            <a:r>
+              <a:rPr lang="de-DE" u="sng" dirty="0"/>
+              <a:t>EstMB:</a:t>
+            </a:r>
+            <a:endParaRPr lang="de-DE" dirty="0"/>
+          </a:p>
+          <a:p>
+            <a:pPr marL="285750" indent="-285750">
+              <a:buFontTx/>
+              <a:buChar char="-"/>
+            </a:pPr>
+            <a:r>
+              <a:rPr lang="de-DE" dirty="0"/>
+              <a:t>Needs a lot of time for ALR -&gt; solved in HPC?</a:t>
+            </a:r>
+          </a:p>
+          <a:p>
+            <a:endParaRPr lang="de-DE" dirty="0"/>
           </a:p>
         </p:txBody>
       </p:sp>
     </p:spTree>
     <p:extLst>
       <p:ext uri="{BB962C8B-B14F-4D97-AF65-F5344CB8AC3E}">
-        <p14:creationId xmlns:p14="http://schemas.microsoft.com/office/powerpoint/2010/main" val="4097922265"/>
+        <p14:creationId xmlns:p14="http://schemas.microsoft.com/office/powerpoint/2010/main" val="3441935650"/>
       </p:ext>
     </p:extLst>
   </p:cSld>
@@ -21235,6 +21106,768 @@
           <p:cNvPr id="2" name="Title 1">
             <a:extLst>
               <a:ext uri="{FF2B5EF4-FFF2-40B4-BE49-F238E27FC236}">
+                <a16:creationId xmlns:a16="http://schemas.microsoft.com/office/drawing/2014/main" id="{6806FBA4-537C-4226-9D3A-758C7B787D79}"/>
+              </a:ext>
+            </a:extLst>
+          </p:cNvPr>
+          <p:cNvSpPr>
+            <a:spLocks noGrp="1"/>
+          </p:cNvSpPr>
+          <p:nvPr>
+            <p:ph type="title"/>
+          </p:nvPr>
+        </p:nvSpPr>
+        <p:spPr/>
+        <p:txBody>
+          <a:bodyPr/>
+          <a:lstStyle/>
+          <a:p>
+            <a:r>
+              <a:rPr lang="de-DE" b="1" dirty="0"/>
+              <a:t>Hierarchy dimensionality reduction</a:t>
+            </a:r>
+            <a:endParaRPr lang="en-US" b="1" dirty="0"/>
+          </a:p>
+        </p:txBody>
+      </p:sp>
+      <p:sp>
+        <p:nvSpPr>
+          <p:cNvPr id="5" name="Footer Placeholder 4">
+            <a:extLst>
+              <a:ext uri="{FF2B5EF4-FFF2-40B4-BE49-F238E27FC236}">
+                <a16:creationId xmlns:a16="http://schemas.microsoft.com/office/drawing/2014/main" id="{707C4F70-832A-416B-9491-EE86347B2812}"/>
+              </a:ext>
+            </a:extLst>
+          </p:cNvPr>
+          <p:cNvSpPr>
+            <a:spLocks noGrp="1"/>
+          </p:cNvSpPr>
+          <p:nvPr>
+            <p:ph type="ftr" sz="quarter" idx="11"/>
+          </p:nvPr>
+        </p:nvSpPr>
+        <p:spPr/>
+        <p:txBody>
+          <a:bodyPr/>
+          <a:lstStyle/>
+          <a:p>
+            <a:r>
+              <a:rPr lang="en-US"/>
+              <a:t>jennifer.neumaier@t-online.de</a:t>
+            </a:r>
+            <a:endParaRPr lang="en-US" dirty="0"/>
+          </a:p>
+        </p:txBody>
+      </p:sp>
+      <p:sp>
+        <p:nvSpPr>
+          <p:cNvPr id="6" name="Slide Number Placeholder 5">
+            <a:extLst>
+              <a:ext uri="{FF2B5EF4-FFF2-40B4-BE49-F238E27FC236}">
+                <a16:creationId xmlns:a16="http://schemas.microsoft.com/office/drawing/2014/main" id="{1028CB34-29B5-49CB-99E4-E945C3D78896}"/>
+              </a:ext>
+            </a:extLst>
+          </p:cNvPr>
+          <p:cNvSpPr>
+            <a:spLocks noGrp="1"/>
+          </p:cNvSpPr>
+          <p:nvPr>
+            <p:ph type="sldNum" sz="quarter" idx="12"/>
+          </p:nvPr>
+        </p:nvSpPr>
+        <p:spPr/>
+        <p:txBody>
+          <a:bodyPr/>
+          <a:lstStyle/>
+          <a:p>
+            <a:fld id="{D57F1E4F-1CFF-5643-939E-217C01CDF565}" type="slidenum">
+              <a:rPr lang="en-US" smtClean="0"/>
+              <a:pPr/>
+              <a:t>25</a:t>
+            </a:fld>
+            <a:endParaRPr lang="en-US" dirty="0"/>
+          </a:p>
+        </p:txBody>
+      </p:sp>
+      <p:sp>
+        <p:nvSpPr>
+          <p:cNvPr id="26" name="TextBox 25">
+            <a:extLst>
+              <a:ext uri="{FF2B5EF4-FFF2-40B4-BE49-F238E27FC236}">
+                <a16:creationId xmlns:a16="http://schemas.microsoft.com/office/drawing/2014/main" id="{CC7BEBFF-3D20-441C-B1B2-0CE34904FDE4}"/>
+              </a:ext>
+            </a:extLst>
+          </p:cNvPr>
+          <p:cNvSpPr txBox="1"/>
+          <p:nvPr/>
+        </p:nvSpPr>
+        <p:spPr>
+          <a:xfrm>
+            <a:off x="1698819" y="1152907"/>
+            <a:ext cx="3654858" cy="400110"/>
+          </a:xfrm>
+          <a:prstGeom prst="rect">
+            <a:avLst/>
+          </a:prstGeom>
+          <a:noFill/>
+        </p:spPr>
+        <p:txBody>
+          <a:bodyPr wrap="square" rtlCol="0">
+            <a:spAutoFit/>
+          </a:bodyPr>
+          <a:lstStyle/>
+          <a:p>
+            <a:r>
+              <a:rPr lang="de-DE" sz="2000" i="1" dirty="0"/>
+              <a:t>Problems and Notes</a:t>
+            </a:r>
+          </a:p>
+        </p:txBody>
+      </p:sp>
+      <p:sp>
+        <p:nvSpPr>
+          <p:cNvPr id="7" name="TextBox 6">
+            <a:extLst>
+              <a:ext uri="{FF2B5EF4-FFF2-40B4-BE49-F238E27FC236}">
+                <a16:creationId xmlns:a16="http://schemas.microsoft.com/office/drawing/2014/main" id="{B43BF96F-7A11-4087-9B01-CF6AACD20E04}"/>
+              </a:ext>
+            </a:extLst>
+          </p:cNvPr>
+          <p:cNvSpPr txBox="1"/>
+          <p:nvPr/>
+        </p:nvSpPr>
+        <p:spPr>
+          <a:xfrm>
+            <a:off x="2589212" y="1742696"/>
+            <a:ext cx="7102549" cy="1754326"/>
+          </a:xfrm>
+          <a:prstGeom prst="rect">
+            <a:avLst/>
+          </a:prstGeom>
+          <a:noFill/>
+        </p:spPr>
+        <p:txBody>
+          <a:bodyPr wrap="square" rtlCol="0">
+            <a:spAutoFit/>
+          </a:bodyPr>
+          <a:lstStyle/>
+          <a:p>
+            <a:r>
+              <a:rPr lang="de-DE" u="sng" dirty="0"/>
+              <a:t>PCA</a:t>
+            </a:r>
+            <a:r>
+              <a:rPr lang="de-DE" dirty="0"/>
+              <a:t>:</a:t>
+            </a:r>
+          </a:p>
+          <a:p>
+            <a:pPr marL="285750" indent="-285750">
+              <a:buFontTx/>
+              <a:buChar char="-"/>
+            </a:pPr>
+            <a:r>
+              <a:rPr lang="de-DE" dirty="0"/>
+              <a:t>Microbiome Preprocessing Machine Learning Pipeline (2021)</a:t>
+            </a:r>
+          </a:p>
+          <a:p>
+            <a:pPr marL="285750" indent="-285750">
+              <a:buFontTx/>
+              <a:buChar char="-"/>
+            </a:pPr>
+            <a:r>
+              <a:rPr lang="de-DE" dirty="0"/>
+              <a:t>Proposes to use PCA as hierarchy reduction </a:t>
+            </a:r>
+          </a:p>
+          <a:p>
+            <a:pPr marL="285750" indent="-285750">
+              <a:buFontTx/>
+              <a:buChar char="-"/>
+            </a:pPr>
+            <a:r>
+              <a:rPr lang="de-DE" dirty="0"/>
+              <a:t>Families can be clustered and genus is not necessary</a:t>
+            </a:r>
+          </a:p>
+          <a:p>
+            <a:endParaRPr lang="de-DE" dirty="0"/>
+          </a:p>
+        </p:txBody>
+      </p:sp>
+    </p:spTree>
+    <p:extLst>
+      <p:ext uri="{BB962C8B-B14F-4D97-AF65-F5344CB8AC3E}">
+        <p14:creationId xmlns:p14="http://schemas.microsoft.com/office/powerpoint/2010/main" val="2182919606"/>
+      </p:ext>
+    </p:extLst>
+  </p:cSld>
+  <p:clrMapOvr>
+    <a:masterClrMapping/>
+  </p:clrMapOvr>
+</p:sld>
+</file>
+
+<file path=ppt/slides/slide26.xml><?xml version="1.0" encoding="utf-8"?>
+<p:sld xmlns:a="http://schemas.openxmlformats.org/drawingml/2006/main" xmlns:r="http://schemas.openxmlformats.org/officeDocument/2006/relationships" xmlns:p="http://schemas.openxmlformats.org/presentationml/2006/main">
+  <p:cSld>
+    <p:spTree>
+      <p:nvGrpSpPr>
+        <p:cNvPr id="1" name=""/>
+        <p:cNvGrpSpPr/>
+        <p:nvPr/>
+      </p:nvGrpSpPr>
+      <p:grpSpPr>
+        <a:xfrm>
+          <a:off x="0" y="0"/>
+          <a:ext cx="0" cy="0"/>
+          <a:chOff x="0" y="0"/>
+          <a:chExt cx="0" cy="0"/>
+        </a:xfrm>
+      </p:grpSpPr>
+      <p:sp>
+        <p:nvSpPr>
+          <p:cNvPr id="2" name="Title 1">
+            <a:extLst>
+              <a:ext uri="{FF2B5EF4-FFF2-40B4-BE49-F238E27FC236}">
+                <a16:creationId xmlns:a16="http://schemas.microsoft.com/office/drawing/2014/main" id="{6806FBA4-537C-4226-9D3A-758C7B787D79}"/>
+              </a:ext>
+            </a:extLst>
+          </p:cNvPr>
+          <p:cNvSpPr>
+            <a:spLocks noGrp="1"/>
+          </p:cNvSpPr>
+          <p:nvPr>
+            <p:ph type="title"/>
+          </p:nvPr>
+        </p:nvSpPr>
+        <p:spPr/>
+        <p:txBody>
+          <a:bodyPr>
+            <a:normAutofit/>
+          </a:bodyPr>
+          <a:lstStyle/>
+          <a:p>
+            <a:r>
+              <a:rPr lang="de-DE" sz="3200" b="1" dirty="0"/>
+              <a:t>mikropml</a:t>
+            </a:r>
+            <a:endParaRPr lang="en-US" sz="3200" b="1" dirty="0"/>
+          </a:p>
+        </p:txBody>
+      </p:sp>
+      <p:sp>
+        <p:nvSpPr>
+          <p:cNvPr id="6" name="Slide Number Placeholder 5">
+            <a:extLst>
+              <a:ext uri="{FF2B5EF4-FFF2-40B4-BE49-F238E27FC236}">
+                <a16:creationId xmlns:a16="http://schemas.microsoft.com/office/drawing/2014/main" id="{1028CB34-29B5-49CB-99E4-E945C3D78896}"/>
+              </a:ext>
+            </a:extLst>
+          </p:cNvPr>
+          <p:cNvSpPr>
+            <a:spLocks noGrp="1"/>
+          </p:cNvSpPr>
+          <p:nvPr>
+            <p:ph type="sldNum" sz="quarter" idx="12"/>
+          </p:nvPr>
+        </p:nvSpPr>
+        <p:spPr/>
+        <p:txBody>
+          <a:bodyPr/>
+          <a:lstStyle/>
+          <a:p>
+            <a:fld id="{D57F1E4F-1CFF-5643-939E-217C01CDF565}" type="slidenum">
+              <a:rPr lang="en-US" smtClean="0"/>
+              <a:pPr/>
+              <a:t>26</a:t>
+            </a:fld>
+            <a:endParaRPr lang="en-US" dirty="0"/>
+          </a:p>
+        </p:txBody>
+      </p:sp>
+      <p:sp>
+        <p:nvSpPr>
+          <p:cNvPr id="8" name="TextBox 7">
+            <a:extLst>
+              <a:ext uri="{FF2B5EF4-FFF2-40B4-BE49-F238E27FC236}">
+                <a16:creationId xmlns:a16="http://schemas.microsoft.com/office/drawing/2014/main" id="{C9FAD4F5-81D5-4890-8BB5-F06C93EDD254}"/>
+              </a:ext>
+            </a:extLst>
+          </p:cNvPr>
+          <p:cNvSpPr txBox="1"/>
+          <p:nvPr/>
+        </p:nvSpPr>
+        <p:spPr>
+          <a:xfrm>
+            <a:off x="1392866" y="1268569"/>
+            <a:ext cx="8753253" cy="5509200"/>
+          </a:xfrm>
+          <a:prstGeom prst="rect">
+            <a:avLst/>
+          </a:prstGeom>
+          <a:noFill/>
+        </p:spPr>
+        <p:txBody>
+          <a:bodyPr wrap="square">
+            <a:spAutoFit/>
+          </a:bodyPr>
+          <a:lstStyle/>
+          <a:p>
+            <a:r>
+              <a:rPr lang="de-DE" sz="1100" dirty="0"/>
+              <a:t>Testing out mikropml as it already has a function run_ml() that incorporates nested cross-validation for several standard supervised machine learning models:</a:t>
+            </a:r>
+          </a:p>
+          <a:p>
+            <a:endParaRPr lang="de-DE" sz="1100" dirty="0"/>
+          </a:p>
+          <a:p>
+            <a:r>
+              <a:rPr lang="de-DE" sz="1100" dirty="0"/>
+              <a:t>    Logistic/multiclass/linear regression ("glmnet")</a:t>
+            </a:r>
+          </a:p>
+          <a:p>
+            <a:r>
+              <a:rPr lang="de-DE" sz="1100" dirty="0"/>
+              <a:t>    Random forest ("rf")</a:t>
+            </a:r>
+          </a:p>
+          <a:p>
+            <a:r>
+              <a:rPr lang="de-DE" sz="1100" dirty="0"/>
+              <a:t>    Decision tree ("rpart2")</a:t>
+            </a:r>
+          </a:p>
+          <a:p>
+            <a:r>
+              <a:rPr lang="de-DE" sz="1100" dirty="0"/>
+              <a:t>    Support vector machine with a radial basis kernel ("svmRadial")</a:t>
+            </a:r>
+          </a:p>
+          <a:p>
+            <a:r>
+              <a:rPr lang="de-DE" sz="1100" dirty="0"/>
+              <a:t>    xgboost ("xgbTree")</a:t>
+            </a:r>
+          </a:p>
+          <a:p>
+            <a:endParaRPr lang="de-DE" sz="1100" dirty="0"/>
+          </a:p>
+          <a:p>
+            <a:r>
+              <a:rPr lang="de-DE" sz="1100" dirty="0"/>
+              <a:t>Test it here for linear regression and xgboost.</a:t>
+            </a:r>
+          </a:p>
+          <a:p>
+            <a:r>
+              <a:rPr lang="de-DE" sz="1100" dirty="0"/>
+              <a:t>Function run_ml has several parameters:</a:t>
+            </a:r>
+          </a:p>
+          <a:p>
+            <a:r>
+              <a:rPr lang="de-DE" sz="1100" dirty="0"/>
+              <a:t>           dataset,</a:t>
+            </a:r>
+          </a:p>
+          <a:p>
+            <a:r>
+              <a:rPr lang="de-DE" sz="1100" dirty="0"/>
+              <a:t>           method,</a:t>
+            </a:r>
+          </a:p>
+          <a:p>
+            <a:r>
+              <a:rPr lang="de-DE" sz="1100" dirty="0"/>
+              <a:t>           outcome_colname = NULL, (standardized the first column)</a:t>
+            </a:r>
+          </a:p>
+          <a:p>
+            <a:r>
+              <a:rPr lang="de-DE" sz="1100" dirty="0"/>
+              <a:t>           hyperparameters = NULL,</a:t>
+            </a:r>
+          </a:p>
+          <a:p>
+            <a:r>
+              <a:rPr lang="de-DE" sz="1100" dirty="0"/>
+              <a:t>           find_feature_importance = FALSE, (`TRUE` is recommended if you would like to identify features important for predicting your                                                outcome, but it is resource-intensive.</a:t>
+            </a:r>
+          </a:p>
+          <a:p>
+            <a:r>
+              <a:rPr lang="de-DE" sz="1100" dirty="0"/>
+              <a:t>           calculate_performance = TRUE,</a:t>
+            </a:r>
+          </a:p>
+          <a:p>
+            <a:r>
+              <a:rPr lang="de-DE" sz="1100" dirty="0"/>
+              <a:t>           kfold = 5, (standard at 5)</a:t>
+            </a:r>
+          </a:p>
+          <a:p>
+            <a:r>
+              <a:rPr lang="de-DE" sz="1100" dirty="0"/>
+              <a:t>           cv_times = 100, (standard at 100)</a:t>
+            </a:r>
+          </a:p>
+          <a:p>
+            <a:r>
+              <a:rPr lang="de-DE" sz="1100" dirty="0"/>
+              <a:t>           cross_val = NULL, (cross_val a custom cross-validation scheme from `caret::trainControl()` (default: `NULL`, uses `kfold` cross                              validation repeated `cv_times`). `kfold` and `cv_times` are ignored if the user provides a custom                                          cross-validation scheme.)</a:t>
+            </a:r>
+          </a:p>
+          <a:p>
+            <a:r>
+              <a:rPr lang="de-DE" sz="1100" dirty="0"/>
+              <a:t>           training_frac = 0.8, (standard at 0.8)</a:t>
+            </a:r>
+          </a:p>
+          <a:p>
+            <a:r>
+              <a:rPr lang="de-DE" sz="1100" dirty="0"/>
+              <a:t>           perf_metric_function = NULL,</a:t>
+            </a:r>
+          </a:p>
+          <a:p>
+            <a:r>
+              <a:rPr lang="de-DE" sz="1100" dirty="0"/>
+              <a:t>           perf_metric_name = NULL,</a:t>
+            </a:r>
+          </a:p>
+          <a:p>
+            <a:r>
+              <a:rPr lang="de-DE" sz="1100" dirty="0"/>
+              <a:t>           groups = NULL,</a:t>
+            </a:r>
+          </a:p>
+          <a:p>
+            <a:r>
+              <a:rPr lang="de-DE" sz="1100" dirty="0"/>
+              <a:t>           group_partitions = NULL,</a:t>
+            </a:r>
+          </a:p>
+          <a:p>
+            <a:r>
+              <a:rPr lang="de-DE" sz="1100" dirty="0"/>
+              <a:t>           corr_thresh = 1,</a:t>
+            </a:r>
+          </a:p>
+          <a:p>
+            <a:r>
+              <a:rPr lang="de-DE" sz="1100" dirty="0"/>
+              <a:t>           ntree = 1000, (For random forest, how many trees to use (default: `1000`). Caret doesn't allow this hyperparameter to be tuned)</a:t>
+            </a:r>
+          </a:p>
+          <a:p>
+            <a:r>
+              <a:rPr lang="de-DE" sz="1100" dirty="0"/>
+              <a:t>           seed = NA (set seed for reproducibility)</a:t>
+            </a:r>
+          </a:p>
+        </p:txBody>
+      </p:sp>
+    </p:spTree>
+    <p:extLst>
+      <p:ext uri="{BB962C8B-B14F-4D97-AF65-F5344CB8AC3E}">
+        <p14:creationId xmlns:p14="http://schemas.microsoft.com/office/powerpoint/2010/main" val="3541464901"/>
+      </p:ext>
+    </p:extLst>
+  </p:cSld>
+  <p:clrMapOvr>
+    <a:masterClrMapping/>
+  </p:clrMapOvr>
+</p:sld>
+</file>
+
+<file path=ppt/slides/slide27.xml><?xml version="1.0" encoding="utf-8"?>
+<p:sld xmlns:a="http://schemas.openxmlformats.org/drawingml/2006/main" xmlns:r="http://schemas.openxmlformats.org/officeDocument/2006/relationships" xmlns:p="http://schemas.openxmlformats.org/presentationml/2006/main">
+  <p:cSld>
+    <p:spTree>
+      <p:nvGrpSpPr>
+        <p:cNvPr id="1" name=""/>
+        <p:cNvGrpSpPr/>
+        <p:nvPr/>
+      </p:nvGrpSpPr>
+      <p:grpSpPr>
+        <a:xfrm>
+          <a:off x="0" y="0"/>
+          <a:ext cx="0" cy="0"/>
+          <a:chOff x="0" y="0"/>
+          <a:chExt cx="0" cy="0"/>
+        </a:xfrm>
+      </p:grpSpPr>
+      <p:sp>
+        <p:nvSpPr>
+          <p:cNvPr id="2" name="Title 1">
+            <a:extLst>
+              <a:ext uri="{FF2B5EF4-FFF2-40B4-BE49-F238E27FC236}">
+                <a16:creationId xmlns:a16="http://schemas.microsoft.com/office/drawing/2014/main" id="{169D9D37-B637-4D74-BB75-639D51A491FB}"/>
+              </a:ext>
+            </a:extLst>
+          </p:cNvPr>
+          <p:cNvSpPr>
+            <a:spLocks noGrp="1"/>
+          </p:cNvSpPr>
+          <p:nvPr>
+            <p:ph type="title"/>
+          </p:nvPr>
+        </p:nvSpPr>
+        <p:spPr>
+          <a:xfrm>
+            <a:off x="1640156" y="628124"/>
+            <a:ext cx="8911687" cy="1280890"/>
+          </a:xfrm>
+        </p:spPr>
+        <p:txBody>
+          <a:bodyPr/>
+          <a:lstStyle/>
+          <a:p>
+            <a:r>
+              <a:rPr lang="de-DE" b="1" dirty="0"/>
+              <a:t>Data set</a:t>
+            </a:r>
+            <a:endParaRPr lang="en-US" b="1" dirty="0"/>
+          </a:p>
+        </p:txBody>
+      </p:sp>
+      <p:sp>
+        <p:nvSpPr>
+          <p:cNvPr id="3" name="Content Placeholder 2">
+            <a:extLst>
+              <a:ext uri="{FF2B5EF4-FFF2-40B4-BE49-F238E27FC236}">
+                <a16:creationId xmlns:a16="http://schemas.microsoft.com/office/drawing/2014/main" id="{D4D56813-9DF8-4D28-B156-1DE48E95DBC2}"/>
+              </a:ext>
+            </a:extLst>
+          </p:cNvPr>
+          <p:cNvSpPr>
+            <a:spLocks noGrp="1"/>
+          </p:cNvSpPr>
+          <p:nvPr>
+            <p:ph idx="1"/>
+          </p:nvPr>
+        </p:nvSpPr>
+        <p:spPr>
+          <a:xfrm>
+            <a:off x="2592495" y="1317171"/>
+            <a:ext cx="8915400" cy="4369465"/>
+          </a:xfrm>
+        </p:spPr>
+        <p:txBody>
+          <a:bodyPr>
+            <a:normAutofit/>
+          </a:bodyPr>
+          <a:lstStyle/>
+          <a:p>
+            <a:r>
+              <a:rPr lang="de-DE" dirty="0"/>
+              <a:t>Compare what Thomas P. Quinn uses (13 datasets) and take out from estonian biobank</a:t>
+            </a:r>
+          </a:p>
+          <a:p>
+            <a:r>
+              <a:rPr lang="de-DE" dirty="0"/>
+              <a:t> prediction/classification tasks</a:t>
+            </a:r>
+          </a:p>
+          <a:p>
+            <a:r>
+              <a:rPr lang="de-DE" dirty="0"/>
+              <a:t>One with continuous and one with discrete variables</a:t>
+            </a:r>
+          </a:p>
+          <a:p>
+            <a:r>
+              <a:rPr lang="de-DE" dirty="0"/>
+              <a:t>one with high correlation and one with low to microbiomes</a:t>
+            </a:r>
+          </a:p>
+          <a:p>
+            <a:r>
+              <a:rPr lang="de-DE" dirty="0"/>
+              <a:t>one small and one large data set</a:t>
+            </a:r>
+          </a:p>
+          <a:p>
+            <a:r>
+              <a:rPr lang="de-DE" dirty="0"/>
+              <a:t>EstMB, colorectal cancer, PCOS</a:t>
+            </a:r>
+          </a:p>
+          <a:p>
+            <a:endParaRPr lang="de-DE" dirty="0"/>
+          </a:p>
+        </p:txBody>
+      </p:sp>
+      <p:sp>
+        <p:nvSpPr>
+          <p:cNvPr id="4" name="Date Placeholder 3">
+            <a:extLst>
+              <a:ext uri="{FF2B5EF4-FFF2-40B4-BE49-F238E27FC236}">
+                <a16:creationId xmlns:a16="http://schemas.microsoft.com/office/drawing/2014/main" id="{D53DB4F4-84EC-4588-88E6-8D8519D6A1E8}"/>
+              </a:ext>
+            </a:extLst>
+          </p:cNvPr>
+          <p:cNvSpPr>
+            <a:spLocks noGrp="1"/>
+          </p:cNvSpPr>
+          <p:nvPr>
+            <p:ph type="dt" sz="half" idx="10"/>
+          </p:nvPr>
+        </p:nvSpPr>
+        <p:spPr/>
+        <p:txBody>
+          <a:bodyPr/>
+          <a:lstStyle/>
+          <a:p>
+            <a:fld id="{5A2DBB50-F561-45B0-9BE5-95A455D2CD8B}" type="datetime1">
+              <a:rPr lang="en-US" smtClean="0"/>
+              <a:t>4/20/2022</a:t>
+            </a:fld>
+            <a:endParaRPr lang="en-US" dirty="0"/>
+          </a:p>
+        </p:txBody>
+      </p:sp>
+      <p:sp>
+        <p:nvSpPr>
+          <p:cNvPr id="5" name="Footer Placeholder 4">
+            <a:extLst>
+              <a:ext uri="{FF2B5EF4-FFF2-40B4-BE49-F238E27FC236}">
+                <a16:creationId xmlns:a16="http://schemas.microsoft.com/office/drawing/2014/main" id="{A7F3346A-3F24-484B-A6D3-55D66520C917}"/>
+              </a:ext>
+            </a:extLst>
+          </p:cNvPr>
+          <p:cNvSpPr>
+            <a:spLocks noGrp="1"/>
+          </p:cNvSpPr>
+          <p:nvPr>
+            <p:ph type="ftr" sz="quarter" idx="11"/>
+          </p:nvPr>
+        </p:nvSpPr>
+        <p:spPr/>
+        <p:txBody>
+          <a:bodyPr/>
+          <a:lstStyle/>
+          <a:p>
+            <a:r>
+              <a:rPr lang="en-US"/>
+              <a:t>jennifer.neumaier@t-online.de</a:t>
+            </a:r>
+            <a:endParaRPr lang="en-US" dirty="0"/>
+          </a:p>
+        </p:txBody>
+      </p:sp>
+      <p:sp>
+        <p:nvSpPr>
+          <p:cNvPr id="6" name="Slide Number Placeholder 5">
+            <a:extLst>
+              <a:ext uri="{FF2B5EF4-FFF2-40B4-BE49-F238E27FC236}">
+                <a16:creationId xmlns:a16="http://schemas.microsoft.com/office/drawing/2014/main" id="{C4B3B4A6-E708-4F88-8CA2-BDE8FCF0C0AC}"/>
+              </a:ext>
+            </a:extLst>
+          </p:cNvPr>
+          <p:cNvSpPr>
+            <a:spLocks noGrp="1"/>
+          </p:cNvSpPr>
+          <p:nvPr>
+            <p:ph type="sldNum" sz="quarter" idx="12"/>
+          </p:nvPr>
+        </p:nvSpPr>
+        <p:spPr/>
+        <p:txBody>
+          <a:bodyPr/>
+          <a:lstStyle/>
+          <a:p>
+            <a:fld id="{D57F1E4F-1CFF-5643-939E-217C01CDF565}" type="slidenum">
+              <a:rPr lang="en-US" smtClean="0"/>
+              <a:pPr/>
+              <a:t>27</a:t>
+            </a:fld>
+            <a:endParaRPr lang="en-US" dirty="0"/>
+          </a:p>
+        </p:txBody>
+      </p:sp>
+      <p:sp>
+        <p:nvSpPr>
+          <p:cNvPr id="8" name="TextBox 7">
+            <a:extLst>
+              <a:ext uri="{FF2B5EF4-FFF2-40B4-BE49-F238E27FC236}">
+                <a16:creationId xmlns:a16="http://schemas.microsoft.com/office/drawing/2014/main" id="{6A373959-7937-4239-AAA7-0B90CAF1A620}"/>
+              </a:ext>
+            </a:extLst>
+          </p:cNvPr>
+          <p:cNvSpPr txBox="1"/>
+          <p:nvPr/>
+        </p:nvSpPr>
+        <p:spPr>
+          <a:xfrm>
+            <a:off x="2260283" y="4487322"/>
+            <a:ext cx="6097904" cy="923330"/>
+          </a:xfrm>
+          <a:prstGeom prst="rect">
+            <a:avLst/>
+          </a:prstGeom>
+          <a:noFill/>
+        </p:spPr>
+        <p:txBody>
+          <a:bodyPr wrap="square">
+            <a:spAutoFit/>
+          </a:bodyPr>
+          <a:lstStyle/>
+          <a:p>
+            <a:r>
+              <a:rPr lang="de-DE" b="1" dirty="0"/>
+              <a:t>CRC data set preparation and models:</a:t>
+            </a:r>
+          </a:p>
+          <a:p>
+            <a:r>
+              <a:rPr lang="de-DE" dirty="0"/>
+              <a:t>https://github.com/zellerlab/crc_meta/blob/master/src/prepare_data.R</a:t>
+            </a:r>
+          </a:p>
+        </p:txBody>
+      </p:sp>
+    </p:spTree>
+    <p:extLst>
+      <p:ext uri="{BB962C8B-B14F-4D97-AF65-F5344CB8AC3E}">
+        <p14:creationId xmlns:p14="http://schemas.microsoft.com/office/powerpoint/2010/main" val="4097922265"/>
+      </p:ext>
+    </p:extLst>
+  </p:cSld>
+  <p:clrMapOvr>
+    <a:masterClrMapping/>
+  </p:clrMapOvr>
+</p:sld>
+</file>
+
+<file path=ppt/slides/slide28.xml><?xml version="1.0" encoding="utf-8"?>
+<p:sld xmlns:a="http://schemas.openxmlformats.org/drawingml/2006/main" xmlns:r="http://schemas.openxmlformats.org/officeDocument/2006/relationships" xmlns:p="http://schemas.openxmlformats.org/presentationml/2006/main">
+  <p:cSld>
+    <p:spTree>
+      <p:nvGrpSpPr>
+        <p:cNvPr id="1" name=""/>
+        <p:cNvGrpSpPr/>
+        <p:nvPr/>
+      </p:nvGrpSpPr>
+      <p:grpSpPr>
+        <a:xfrm>
+          <a:off x="0" y="0"/>
+          <a:ext cx="0" cy="0"/>
+          <a:chOff x="0" y="0"/>
+          <a:chExt cx="0" cy="0"/>
+        </a:xfrm>
+      </p:grpSpPr>
+      <p:sp>
+        <p:nvSpPr>
+          <p:cNvPr id="2" name="Title 1">
+            <a:extLst>
+              <a:ext uri="{FF2B5EF4-FFF2-40B4-BE49-F238E27FC236}">
                 <a16:creationId xmlns:a16="http://schemas.microsoft.com/office/drawing/2014/main" id="{150EAB59-F93C-4B56-AD7E-A9B5BD800221}"/>
               </a:ext>
             </a:extLst>
@@ -21287,7 +21920,7 @@
           <a:p>
             <a:fld id="{BDD716FE-4A5D-4A13-A8EE-37F9C34BE666}" type="datetime1">
               <a:rPr lang="en-US" smtClean="0"/>
-              <a:t>4/16/2022</a:t>
+              <a:t>4/20/2022</a:t>
             </a:fld>
             <a:endParaRPr lang="en-US" dirty="0"/>
           </a:p>
@@ -21346,7 +21979,7 @@
             <a:fld id="{D57F1E4F-1CFF-5643-939E-217C01CDF565}" type="slidenum">
               <a:rPr lang="en-US" smtClean="0"/>
               <a:pPr/>
-              <a:t>25</a:t>
+              <a:t>28</a:t>
             </a:fld>
             <a:endParaRPr lang="en-US" dirty="0"/>
           </a:p>
@@ -21455,648 +22088,6 @@
 </p:sld>
 </file>
 
-<file path=ppt/slides/slide26.xml><?xml version="1.0" encoding="utf-8"?>
-<p:sld xmlns:a="http://schemas.openxmlformats.org/drawingml/2006/main" xmlns:r="http://schemas.openxmlformats.org/officeDocument/2006/relationships" xmlns:p="http://schemas.openxmlformats.org/presentationml/2006/main">
-  <p:cSld>
-    <p:spTree>
-      <p:nvGrpSpPr>
-        <p:cNvPr id="1" name=""/>
-        <p:cNvGrpSpPr/>
-        <p:nvPr/>
-      </p:nvGrpSpPr>
-      <p:grpSpPr>
-        <a:xfrm>
-          <a:off x="0" y="0"/>
-          <a:ext cx="0" cy="0"/>
-          <a:chOff x="0" y="0"/>
-          <a:chExt cx="0" cy="0"/>
-        </a:xfrm>
-      </p:grpSpPr>
-      <p:sp>
-        <p:nvSpPr>
-          <p:cNvPr id="2" name="Title 1">
-            <a:extLst>
-              <a:ext uri="{FF2B5EF4-FFF2-40B4-BE49-F238E27FC236}">
-                <a16:creationId xmlns:a16="http://schemas.microsoft.com/office/drawing/2014/main" id="{169D9D37-B637-4D74-BB75-639D51A491FB}"/>
-              </a:ext>
-            </a:extLst>
-          </p:cNvPr>
-          <p:cNvSpPr>
-            <a:spLocks noGrp="1"/>
-          </p:cNvSpPr>
-          <p:nvPr>
-            <p:ph type="title"/>
-          </p:nvPr>
-        </p:nvSpPr>
-        <p:spPr>
-          <a:xfrm>
-            <a:off x="1640156" y="628124"/>
-            <a:ext cx="8911687" cy="1280890"/>
-          </a:xfrm>
-        </p:spPr>
-        <p:txBody>
-          <a:bodyPr/>
-          <a:lstStyle/>
-          <a:p>
-            <a:r>
-              <a:rPr lang="de-DE" b="1" dirty="0"/>
-              <a:t>Problems</a:t>
-            </a:r>
-            <a:endParaRPr lang="en-US" b="1" dirty="0"/>
-          </a:p>
-        </p:txBody>
-      </p:sp>
-      <p:sp>
-        <p:nvSpPr>
-          <p:cNvPr id="3" name="Content Placeholder 2">
-            <a:extLst>
-              <a:ext uri="{FF2B5EF4-FFF2-40B4-BE49-F238E27FC236}">
-                <a16:creationId xmlns:a16="http://schemas.microsoft.com/office/drawing/2014/main" id="{D4D56813-9DF8-4D28-B156-1DE48E95DBC2}"/>
-              </a:ext>
-            </a:extLst>
-          </p:cNvPr>
-          <p:cNvSpPr>
-            <a:spLocks noGrp="1"/>
-          </p:cNvSpPr>
-          <p:nvPr>
-            <p:ph idx="1"/>
-          </p:nvPr>
-        </p:nvSpPr>
-        <p:spPr/>
-        <p:txBody>
-          <a:bodyPr/>
-          <a:lstStyle/>
-          <a:p>
-            <a:r>
-              <a:rPr lang="de-DE" dirty="0"/>
-              <a:t>Microbial features are not independent </a:t>
-            </a:r>
-          </a:p>
-          <a:p>
-            <a:r>
-              <a:rPr lang="de-DE" dirty="0"/>
-              <a:t>Some microbial features are found in correlation!</a:t>
-            </a:r>
-          </a:p>
-        </p:txBody>
-      </p:sp>
-      <p:sp>
-        <p:nvSpPr>
-          <p:cNvPr id="4" name="Date Placeholder 3">
-            <a:extLst>
-              <a:ext uri="{FF2B5EF4-FFF2-40B4-BE49-F238E27FC236}">
-                <a16:creationId xmlns:a16="http://schemas.microsoft.com/office/drawing/2014/main" id="{D53DB4F4-84EC-4588-88E6-8D8519D6A1E8}"/>
-              </a:ext>
-            </a:extLst>
-          </p:cNvPr>
-          <p:cNvSpPr>
-            <a:spLocks noGrp="1"/>
-          </p:cNvSpPr>
-          <p:nvPr>
-            <p:ph type="dt" sz="half" idx="10"/>
-          </p:nvPr>
-        </p:nvSpPr>
-        <p:spPr/>
-        <p:txBody>
-          <a:bodyPr/>
-          <a:lstStyle/>
-          <a:p>
-            <a:fld id="{5A2DBB50-F561-45B0-9BE5-95A455D2CD8B}" type="datetime1">
-              <a:rPr lang="en-US" smtClean="0"/>
-              <a:t>4/16/2022</a:t>
-            </a:fld>
-            <a:endParaRPr lang="en-US" dirty="0"/>
-          </a:p>
-        </p:txBody>
-      </p:sp>
-      <p:sp>
-        <p:nvSpPr>
-          <p:cNvPr id="5" name="Footer Placeholder 4">
-            <a:extLst>
-              <a:ext uri="{FF2B5EF4-FFF2-40B4-BE49-F238E27FC236}">
-                <a16:creationId xmlns:a16="http://schemas.microsoft.com/office/drawing/2014/main" id="{A7F3346A-3F24-484B-A6D3-55D66520C917}"/>
-              </a:ext>
-            </a:extLst>
-          </p:cNvPr>
-          <p:cNvSpPr>
-            <a:spLocks noGrp="1"/>
-          </p:cNvSpPr>
-          <p:nvPr>
-            <p:ph type="ftr" sz="quarter" idx="11"/>
-          </p:nvPr>
-        </p:nvSpPr>
-        <p:spPr/>
-        <p:txBody>
-          <a:bodyPr/>
-          <a:lstStyle/>
-          <a:p>
-            <a:r>
-              <a:rPr lang="en-US"/>
-              <a:t>jennifer.neumaier@t-online.de</a:t>
-            </a:r>
-            <a:endParaRPr lang="en-US" dirty="0"/>
-          </a:p>
-        </p:txBody>
-      </p:sp>
-      <p:sp>
-        <p:nvSpPr>
-          <p:cNvPr id="6" name="Slide Number Placeholder 5">
-            <a:extLst>
-              <a:ext uri="{FF2B5EF4-FFF2-40B4-BE49-F238E27FC236}">
-                <a16:creationId xmlns:a16="http://schemas.microsoft.com/office/drawing/2014/main" id="{C4B3B4A6-E708-4F88-8CA2-BDE8FCF0C0AC}"/>
-              </a:ext>
-            </a:extLst>
-          </p:cNvPr>
-          <p:cNvSpPr>
-            <a:spLocks noGrp="1"/>
-          </p:cNvSpPr>
-          <p:nvPr>
-            <p:ph type="sldNum" sz="quarter" idx="12"/>
-          </p:nvPr>
-        </p:nvSpPr>
-        <p:spPr/>
-        <p:txBody>
-          <a:bodyPr/>
-          <a:lstStyle/>
-          <a:p>
-            <a:fld id="{D57F1E4F-1CFF-5643-939E-217C01CDF565}" type="slidenum">
-              <a:rPr lang="en-US" smtClean="0"/>
-              <a:pPr/>
-              <a:t>26</a:t>
-            </a:fld>
-            <a:endParaRPr lang="en-US" dirty="0"/>
-          </a:p>
-        </p:txBody>
-      </p:sp>
-    </p:spTree>
-    <p:extLst>
-      <p:ext uri="{BB962C8B-B14F-4D97-AF65-F5344CB8AC3E}">
-        <p14:creationId xmlns:p14="http://schemas.microsoft.com/office/powerpoint/2010/main" val="1795355039"/>
-      </p:ext>
-    </p:extLst>
-  </p:cSld>
-  <p:clrMapOvr>
-    <a:masterClrMapping/>
-  </p:clrMapOvr>
-</p:sld>
-</file>
-
-<file path=ppt/slides/slide27.xml><?xml version="1.0" encoding="utf-8"?>
-<p:sld xmlns:a="http://schemas.openxmlformats.org/drawingml/2006/main" xmlns:r="http://schemas.openxmlformats.org/officeDocument/2006/relationships" xmlns:p="http://schemas.openxmlformats.org/presentationml/2006/main">
-  <p:cSld>
-    <p:spTree>
-      <p:nvGrpSpPr>
-        <p:cNvPr id="1" name=""/>
-        <p:cNvGrpSpPr/>
-        <p:nvPr/>
-      </p:nvGrpSpPr>
-      <p:grpSpPr>
-        <a:xfrm>
-          <a:off x="0" y="0"/>
-          <a:ext cx="0" cy="0"/>
-          <a:chOff x="0" y="0"/>
-          <a:chExt cx="0" cy="0"/>
-        </a:xfrm>
-      </p:grpSpPr>
-      <p:sp>
-        <p:nvSpPr>
-          <p:cNvPr id="2" name="Title 1">
-            <a:extLst>
-              <a:ext uri="{FF2B5EF4-FFF2-40B4-BE49-F238E27FC236}">
-                <a16:creationId xmlns:a16="http://schemas.microsoft.com/office/drawing/2014/main" id="{169D9D37-B637-4D74-BB75-639D51A491FB}"/>
-              </a:ext>
-            </a:extLst>
-          </p:cNvPr>
-          <p:cNvSpPr>
-            <a:spLocks noGrp="1"/>
-          </p:cNvSpPr>
-          <p:nvPr>
-            <p:ph type="title"/>
-          </p:nvPr>
-        </p:nvSpPr>
-        <p:spPr>
-          <a:xfrm>
-            <a:off x="1640156" y="628124"/>
-            <a:ext cx="8911687" cy="1280890"/>
-          </a:xfrm>
-        </p:spPr>
-        <p:txBody>
-          <a:bodyPr/>
-          <a:lstStyle/>
-          <a:p>
-            <a:r>
-              <a:rPr lang="de-DE" b="1" dirty="0"/>
-              <a:t>Notes 30.01. meeting</a:t>
-            </a:r>
-            <a:endParaRPr lang="en-US" b="1" dirty="0"/>
-          </a:p>
-        </p:txBody>
-      </p:sp>
-      <p:sp>
-        <p:nvSpPr>
-          <p:cNvPr id="3" name="Content Placeholder 2">
-            <a:extLst>
-              <a:ext uri="{FF2B5EF4-FFF2-40B4-BE49-F238E27FC236}">
-                <a16:creationId xmlns:a16="http://schemas.microsoft.com/office/drawing/2014/main" id="{D4D56813-9DF8-4D28-B156-1DE48E95DBC2}"/>
-              </a:ext>
-            </a:extLst>
-          </p:cNvPr>
-          <p:cNvSpPr>
-            <a:spLocks noGrp="1"/>
-          </p:cNvSpPr>
-          <p:nvPr>
-            <p:ph idx="1"/>
-          </p:nvPr>
-        </p:nvSpPr>
-        <p:spPr/>
-        <p:txBody>
-          <a:bodyPr/>
-          <a:lstStyle/>
-          <a:p>
-            <a:r>
-              <a:rPr lang="de-DE" dirty="0"/>
-              <a:t>Review paper ML for microbiome paper</a:t>
-            </a:r>
-          </a:p>
-          <a:p>
-            <a:r>
-              <a:rPr lang="de-DE" dirty="0"/>
-              <a:t>COST action paper</a:t>
-            </a:r>
-          </a:p>
-          <a:p>
-            <a:r>
-              <a:rPr lang="de-DE"/>
-              <a:t>Confidentiality form, sign, scan and send to Elin</a:t>
-            </a:r>
-            <a:endParaRPr lang="de-DE" dirty="0"/>
-          </a:p>
-          <a:p>
-            <a:r>
-              <a:rPr lang="de-DE" dirty="0"/>
-              <a:t>Meeting Oliver Friday, 4th February</a:t>
-            </a:r>
-          </a:p>
-          <a:p>
-            <a:r>
-              <a:rPr lang="de-DE" dirty="0"/>
-              <a:t>Literature Review: ~10-20 pages, include Figures and Tables, equations for major transformations, write for biologists</a:t>
-            </a:r>
-          </a:p>
-          <a:p>
-            <a:endParaRPr lang="de-DE" dirty="0"/>
-          </a:p>
-        </p:txBody>
-      </p:sp>
-      <p:sp>
-        <p:nvSpPr>
-          <p:cNvPr id="4" name="Date Placeholder 3">
-            <a:extLst>
-              <a:ext uri="{FF2B5EF4-FFF2-40B4-BE49-F238E27FC236}">
-                <a16:creationId xmlns:a16="http://schemas.microsoft.com/office/drawing/2014/main" id="{D53DB4F4-84EC-4588-88E6-8D8519D6A1E8}"/>
-              </a:ext>
-            </a:extLst>
-          </p:cNvPr>
-          <p:cNvSpPr>
-            <a:spLocks noGrp="1"/>
-          </p:cNvSpPr>
-          <p:nvPr>
-            <p:ph type="dt" sz="half" idx="10"/>
-          </p:nvPr>
-        </p:nvSpPr>
-        <p:spPr/>
-        <p:txBody>
-          <a:bodyPr/>
-          <a:lstStyle/>
-          <a:p>
-            <a:fld id="{5A2DBB50-F561-45B0-9BE5-95A455D2CD8B}" type="datetime1">
-              <a:rPr lang="en-US" smtClean="0"/>
-              <a:t>4/16/2022</a:t>
-            </a:fld>
-            <a:endParaRPr lang="en-US" dirty="0"/>
-          </a:p>
-        </p:txBody>
-      </p:sp>
-      <p:sp>
-        <p:nvSpPr>
-          <p:cNvPr id="5" name="Footer Placeholder 4">
-            <a:extLst>
-              <a:ext uri="{FF2B5EF4-FFF2-40B4-BE49-F238E27FC236}">
-                <a16:creationId xmlns:a16="http://schemas.microsoft.com/office/drawing/2014/main" id="{A7F3346A-3F24-484B-A6D3-55D66520C917}"/>
-              </a:ext>
-            </a:extLst>
-          </p:cNvPr>
-          <p:cNvSpPr>
-            <a:spLocks noGrp="1"/>
-          </p:cNvSpPr>
-          <p:nvPr>
-            <p:ph type="ftr" sz="quarter" idx="11"/>
-          </p:nvPr>
-        </p:nvSpPr>
-        <p:spPr/>
-        <p:txBody>
-          <a:bodyPr/>
-          <a:lstStyle/>
-          <a:p>
-            <a:r>
-              <a:rPr lang="en-US"/>
-              <a:t>jennifer.neumaier@t-online.de</a:t>
-            </a:r>
-            <a:endParaRPr lang="en-US" dirty="0"/>
-          </a:p>
-        </p:txBody>
-      </p:sp>
-      <p:sp>
-        <p:nvSpPr>
-          <p:cNvPr id="6" name="Slide Number Placeholder 5">
-            <a:extLst>
-              <a:ext uri="{FF2B5EF4-FFF2-40B4-BE49-F238E27FC236}">
-                <a16:creationId xmlns:a16="http://schemas.microsoft.com/office/drawing/2014/main" id="{C4B3B4A6-E708-4F88-8CA2-BDE8FCF0C0AC}"/>
-              </a:ext>
-            </a:extLst>
-          </p:cNvPr>
-          <p:cNvSpPr>
-            <a:spLocks noGrp="1"/>
-          </p:cNvSpPr>
-          <p:nvPr>
-            <p:ph type="sldNum" sz="quarter" idx="12"/>
-          </p:nvPr>
-        </p:nvSpPr>
-        <p:spPr/>
-        <p:txBody>
-          <a:bodyPr/>
-          <a:lstStyle/>
-          <a:p>
-            <a:fld id="{D57F1E4F-1CFF-5643-939E-217C01CDF565}" type="slidenum">
-              <a:rPr lang="en-US" smtClean="0"/>
-              <a:pPr/>
-              <a:t>27</a:t>
-            </a:fld>
-            <a:endParaRPr lang="en-US" dirty="0"/>
-          </a:p>
-        </p:txBody>
-      </p:sp>
-    </p:spTree>
-    <p:extLst>
-      <p:ext uri="{BB962C8B-B14F-4D97-AF65-F5344CB8AC3E}">
-        <p14:creationId xmlns:p14="http://schemas.microsoft.com/office/powerpoint/2010/main" val="3993456640"/>
-      </p:ext>
-    </p:extLst>
-  </p:cSld>
-  <p:clrMapOvr>
-    <a:masterClrMapping/>
-  </p:clrMapOvr>
-</p:sld>
-</file>
-
-<file path=ppt/slides/slide28.xml><?xml version="1.0" encoding="utf-8"?>
-<p:sld xmlns:a="http://schemas.openxmlformats.org/drawingml/2006/main" xmlns:r="http://schemas.openxmlformats.org/officeDocument/2006/relationships" xmlns:p="http://schemas.openxmlformats.org/presentationml/2006/main">
-  <p:cSld>
-    <p:spTree>
-      <p:nvGrpSpPr>
-        <p:cNvPr id="1" name=""/>
-        <p:cNvGrpSpPr/>
-        <p:nvPr/>
-      </p:nvGrpSpPr>
-      <p:grpSpPr>
-        <a:xfrm>
-          <a:off x="0" y="0"/>
-          <a:ext cx="0" cy="0"/>
-          <a:chOff x="0" y="0"/>
-          <a:chExt cx="0" cy="0"/>
-        </a:xfrm>
-      </p:grpSpPr>
-      <p:sp>
-        <p:nvSpPr>
-          <p:cNvPr id="2" name="Title 1">
-            <a:extLst>
-              <a:ext uri="{FF2B5EF4-FFF2-40B4-BE49-F238E27FC236}">
-                <a16:creationId xmlns:a16="http://schemas.microsoft.com/office/drawing/2014/main" id="{D63F1953-0627-4313-9F69-D3CE525D057A}"/>
-              </a:ext>
-            </a:extLst>
-          </p:cNvPr>
-          <p:cNvSpPr>
-            <a:spLocks noGrp="1"/>
-          </p:cNvSpPr>
-          <p:nvPr>
-            <p:ph type="title"/>
-          </p:nvPr>
-        </p:nvSpPr>
-        <p:spPr/>
-        <p:txBody>
-          <a:bodyPr/>
-          <a:lstStyle/>
-          <a:p>
-            <a:r>
-              <a:rPr lang="de-DE" b="1" dirty="0"/>
-              <a:t>Notes: 01.04. meeting</a:t>
-            </a:r>
-          </a:p>
-        </p:txBody>
-      </p:sp>
-      <p:sp>
-        <p:nvSpPr>
-          <p:cNvPr id="3" name="Content Placeholder 2">
-            <a:extLst>
-              <a:ext uri="{FF2B5EF4-FFF2-40B4-BE49-F238E27FC236}">
-                <a16:creationId xmlns:a16="http://schemas.microsoft.com/office/drawing/2014/main" id="{10F6F84D-370D-481F-BDA8-9BEF48EC1F3D}"/>
-              </a:ext>
-            </a:extLst>
-          </p:cNvPr>
-          <p:cNvSpPr>
-            <a:spLocks noGrp="1"/>
-          </p:cNvSpPr>
-          <p:nvPr>
-            <p:ph idx="1"/>
-          </p:nvPr>
-        </p:nvSpPr>
-        <p:spPr/>
-        <p:txBody>
-          <a:bodyPr/>
-          <a:lstStyle/>
-          <a:p>
-            <a:r>
-              <a:rPr lang="de-DE" dirty="0"/>
-              <a:t>Pipeline:</a:t>
-            </a:r>
-          </a:p>
-          <a:p>
-            <a:pPr lvl="1"/>
-            <a:r>
-              <a:rPr lang="de-DE" dirty="0"/>
-              <a:t>Test models and codacore on the same training&amp;test split (and set seed)</a:t>
-            </a:r>
-          </a:p>
-          <a:p>
-            <a:pPr lvl="1"/>
-            <a:r>
-              <a:rPr lang="de-DE" dirty="0"/>
-              <a:t>Take out training and test split from run_ml?</a:t>
-            </a:r>
-          </a:p>
-          <a:p>
-            <a:pPr lvl="1"/>
-            <a:r>
-              <a:rPr lang="de-DE" dirty="0"/>
-              <a:t>K_folds and CV_folds don‘t have to be the same for every data set</a:t>
-            </a:r>
-          </a:p>
-          <a:p>
-            <a:pPr lvl="1"/>
-            <a:r>
-              <a:rPr lang="de-DE" dirty="0"/>
-              <a:t>Time comparison?</a:t>
-            </a:r>
-          </a:p>
-          <a:p>
-            <a:r>
-              <a:rPr lang="de-DE" dirty="0"/>
-              <a:t>CRC:</a:t>
-            </a:r>
-          </a:p>
-          <a:p>
-            <a:pPr lvl="1"/>
-            <a:r>
-              <a:rPr lang="de-DE" dirty="0"/>
-              <a:t>Keep one country cohorts for extra validation </a:t>
-            </a:r>
-          </a:p>
-          <a:p>
-            <a:pPr lvl="1"/>
-            <a:r>
-              <a:rPr lang="de-DE" dirty="0"/>
-              <a:t>BMI as outcome_column for continuous</a:t>
-            </a:r>
-          </a:p>
-          <a:p>
-            <a:pPr lvl="1"/>
-            <a:r>
-              <a:rPr lang="de-DE" dirty="0"/>
-              <a:t>GROUP for classification </a:t>
-            </a:r>
-          </a:p>
-          <a:p>
-            <a:pPr marL="457200" lvl="1" indent="0">
-              <a:buNone/>
-            </a:pPr>
-            <a:endParaRPr lang="de-DE" dirty="0"/>
-          </a:p>
-          <a:p>
-            <a:pPr lvl="1"/>
-            <a:endParaRPr lang="de-DE" dirty="0"/>
-          </a:p>
-          <a:p>
-            <a:pPr lvl="1"/>
-            <a:endParaRPr lang="de-DE" dirty="0"/>
-          </a:p>
-          <a:p>
-            <a:pPr lvl="1"/>
-            <a:endParaRPr lang="de-DE" dirty="0"/>
-          </a:p>
-        </p:txBody>
-      </p:sp>
-      <p:sp>
-        <p:nvSpPr>
-          <p:cNvPr id="4" name="Date Placeholder 3">
-            <a:extLst>
-              <a:ext uri="{FF2B5EF4-FFF2-40B4-BE49-F238E27FC236}">
-                <a16:creationId xmlns:a16="http://schemas.microsoft.com/office/drawing/2014/main" id="{DBF0C8DB-9090-4B20-AED9-6E2044F98AC2}"/>
-              </a:ext>
-            </a:extLst>
-          </p:cNvPr>
-          <p:cNvSpPr>
-            <a:spLocks noGrp="1"/>
-          </p:cNvSpPr>
-          <p:nvPr>
-            <p:ph type="dt" sz="half" idx="10"/>
-          </p:nvPr>
-        </p:nvSpPr>
-        <p:spPr/>
-        <p:txBody>
-          <a:bodyPr/>
-          <a:lstStyle/>
-          <a:p>
-            <a:fld id="{36D18B76-5E8B-4456-8722-FC5B14B0F354}" type="datetime1">
-              <a:rPr lang="en-US" smtClean="0"/>
-              <a:pPr/>
-              <a:t>4/16/2022</a:t>
-            </a:fld>
-            <a:endParaRPr lang="en-US" dirty="0"/>
-          </a:p>
-        </p:txBody>
-      </p:sp>
-      <p:sp>
-        <p:nvSpPr>
-          <p:cNvPr id="5" name="Footer Placeholder 4">
-            <a:extLst>
-              <a:ext uri="{FF2B5EF4-FFF2-40B4-BE49-F238E27FC236}">
-                <a16:creationId xmlns:a16="http://schemas.microsoft.com/office/drawing/2014/main" id="{DA6DF03D-2B74-42A5-8C31-B3A7B6D53ABB}"/>
-              </a:ext>
-            </a:extLst>
-          </p:cNvPr>
-          <p:cNvSpPr>
-            <a:spLocks noGrp="1"/>
-          </p:cNvSpPr>
-          <p:nvPr>
-            <p:ph type="ftr" sz="quarter" idx="11"/>
-          </p:nvPr>
-        </p:nvSpPr>
-        <p:spPr/>
-        <p:txBody>
-          <a:bodyPr/>
-          <a:lstStyle/>
-          <a:p>
-            <a:r>
-              <a:rPr lang="en-US"/>
-              <a:t>jennifer.neumaier@t-online.de</a:t>
-            </a:r>
-            <a:endParaRPr lang="en-US" dirty="0"/>
-          </a:p>
-        </p:txBody>
-      </p:sp>
-      <p:sp>
-        <p:nvSpPr>
-          <p:cNvPr id="6" name="Slide Number Placeholder 5">
-            <a:extLst>
-              <a:ext uri="{FF2B5EF4-FFF2-40B4-BE49-F238E27FC236}">
-                <a16:creationId xmlns:a16="http://schemas.microsoft.com/office/drawing/2014/main" id="{EB397826-F4D6-4DDE-B171-FF032CD952B6}"/>
-              </a:ext>
-            </a:extLst>
-          </p:cNvPr>
-          <p:cNvSpPr>
-            <a:spLocks noGrp="1"/>
-          </p:cNvSpPr>
-          <p:nvPr>
-            <p:ph type="sldNum" sz="quarter" idx="12"/>
-          </p:nvPr>
-        </p:nvSpPr>
-        <p:spPr/>
-        <p:txBody>
-          <a:bodyPr/>
-          <a:lstStyle/>
-          <a:p>
-            <a:fld id="{D57F1E4F-1CFF-5643-939E-217C01CDF565}" type="slidenum">
-              <a:rPr lang="en-US" smtClean="0"/>
-              <a:pPr/>
-              <a:t>28</a:t>
-            </a:fld>
-            <a:endParaRPr lang="en-US" dirty="0"/>
-          </a:p>
-        </p:txBody>
-      </p:sp>
-    </p:spTree>
-    <p:extLst>
-      <p:ext uri="{BB962C8B-B14F-4D97-AF65-F5344CB8AC3E}">
-        <p14:creationId xmlns:p14="http://schemas.microsoft.com/office/powerpoint/2010/main" val="1848759324"/>
-      </p:ext>
-    </p:extLst>
-  </p:cSld>
-  <p:clrMapOvr>
-    <a:masterClrMapping/>
-  </p:clrMapOvr>
-</p:sld>
-</file>
-
 <file path=ppt/slides/slide29.xml><?xml version="1.0" encoding="utf-8"?>
 <p:sld xmlns:a="http://schemas.openxmlformats.org/drawingml/2006/main" xmlns:r="http://schemas.openxmlformats.org/officeDocument/2006/relationships" xmlns:p="http://schemas.openxmlformats.org/presentationml/2006/main">
   <p:cSld>
@@ -22119,7 +22110,7 @@
           <p:cNvPr id="2" name="Title 1">
             <a:extLst>
               <a:ext uri="{FF2B5EF4-FFF2-40B4-BE49-F238E27FC236}">
-                <a16:creationId xmlns:a16="http://schemas.microsoft.com/office/drawing/2014/main" id="{B0A21C35-E073-46BF-B8BA-AD632020DA6A}"/>
+                <a16:creationId xmlns:a16="http://schemas.microsoft.com/office/drawing/2014/main" id="{169D9D37-B637-4D74-BB75-639D51A491FB}"/>
               </a:ext>
             </a:extLst>
           </p:cNvPr>
@@ -22132,7 +22123,7 @@
         </p:nvSpPr>
         <p:spPr>
           <a:xfrm>
-            <a:off x="1743839" y="628124"/>
+            <a:off x="1640156" y="628124"/>
             <a:ext cx="8911687" cy="1280890"/>
           </a:xfrm>
         </p:spPr>
@@ -22142,7 +22133,7 @@
           <a:p>
             <a:r>
               <a:rPr lang="de-DE" b="1" dirty="0"/>
-              <a:t>Literature</a:t>
+              <a:t>Problems</a:t>
             </a:r>
             <a:endParaRPr lang="en-US" b="1" dirty="0"/>
           </a:p>
@@ -22153,7 +22144,7 @@
           <p:cNvPr id="3" name="Content Placeholder 2">
             <a:extLst>
               <a:ext uri="{FF2B5EF4-FFF2-40B4-BE49-F238E27FC236}">
-                <a16:creationId xmlns:a16="http://schemas.microsoft.com/office/drawing/2014/main" id="{47101FB2-294E-49F4-830F-4590B2616321}"/>
+                <a16:creationId xmlns:a16="http://schemas.microsoft.com/office/drawing/2014/main" id="{D4D56813-9DF8-4D28-B156-1DE48E95DBC2}"/>
               </a:ext>
             </a:extLst>
           </p:cNvPr>
@@ -22170,33 +22161,15 @@
           <a:lstStyle/>
           <a:p>
             <a:r>
-              <a:rPr lang="en-US" dirty="0">
-                <a:hlinkClick r:id="rId2"/>
-              </a:rPr>
-              <a:t>https://www.youtube.com/watch?v=j1IbfQrT2Cs</a:t>
-            </a:r>
-            <a:r>
-              <a:rPr lang="en-US" dirty="0"/>
-              <a:t> (12.01.2022)</a:t>
-            </a:r>
-          </a:p>
-          <a:p>
-            <a:r>
-              <a:rPr lang="en-US">
-                <a:hlinkClick r:id="rId3"/>
-              </a:rPr>
-              <a:t>https://www.youtube.com/watch?v=fQPCeV4MUe4</a:t>
-            </a:r>
-            <a:r>
-              <a:rPr lang="en-US"/>
-              <a:t> (12.01.2022)</a:t>
-            </a:r>
-          </a:p>
-          <a:p>
-            <a:endParaRPr lang="en-US"/>
-          </a:p>
-          <a:p>
-            <a:endParaRPr lang="en-US" dirty="0"/>
+              <a:rPr lang="de-DE" dirty="0"/>
+              <a:t>Microbial features are not independent </a:t>
+            </a:r>
+          </a:p>
+          <a:p>
+            <a:r>
+              <a:rPr lang="de-DE" dirty="0"/>
+              <a:t>Some microbial features are found in correlation!</a:t>
+            </a:r>
           </a:p>
         </p:txBody>
       </p:sp>
@@ -22205,7 +22178,7 @@
           <p:cNvPr id="4" name="Date Placeholder 3">
             <a:extLst>
               <a:ext uri="{FF2B5EF4-FFF2-40B4-BE49-F238E27FC236}">
-                <a16:creationId xmlns:a16="http://schemas.microsoft.com/office/drawing/2014/main" id="{6EC31B32-BDB7-4E4F-ABF6-074F07CBA3EE}"/>
+                <a16:creationId xmlns:a16="http://schemas.microsoft.com/office/drawing/2014/main" id="{D53DB4F4-84EC-4588-88E6-8D8519D6A1E8}"/>
               </a:ext>
             </a:extLst>
           </p:cNvPr>
@@ -22221,9 +22194,9 @@
           <a:bodyPr/>
           <a:lstStyle/>
           <a:p>
-            <a:fld id="{93673764-947C-4E64-9BD5-474B9E9D9329}" type="datetime1">
+            <a:fld id="{5A2DBB50-F561-45B0-9BE5-95A455D2CD8B}" type="datetime1">
               <a:rPr lang="en-US" smtClean="0"/>
-              <a:t>4/16/2022</a:t>
+              <a:t>4/20/2022</a:t>
             </a:fld>
             <a:endParaRPr lang="en-US" dirty="0"/>
           </a:p>
@@ -22234,7 +22207,7 @@
           <p:cNvPr id="5" name="Footer Placeholder 4">
             <a:extLst>
               <a:ext uri="{FF2B5EF4-FFF2-40B4-BE49-F238E27FC236}">
-                <a16:creationId xmlns:a16="http://schemas.microsoft.com/office/drawing/2014/main" id="{B58E6EF9-C928-441B-8DAA-81DBD51CC12C}"/>
+                <a16:creationId xmlns:a16="http://schemas.microsoft.com/office/drawing/2014/main" id="{A7F3346A-3F24-484B-A6D3-55D66520C917}"/>
               </a:ext>
             </a:extLst>
           </p:cNvPr>
@@ -22263,7 +22236,7 @@
           <p:cNvPr id="6" name="Slide Number Placeholder 5">
             <a:extLst>
               <a:ext uri="{FF2B5EF4-FFF2-40B4-BE49-F238E27FC236}">
-                <a16:creationId xmlns:a16="http://schemas.microsoft.com/office/drawing/2014/main" id="{60FA85C6-0C31-406E-9635-38232E74BF73}"/>
+                <a16:creationId xmlns:a16="http://schemas.microsoft.com/office/drawing/2014/main" id="{C4B3B4A6-E708-4F88-8CA2-BDE8FCF0C0AC}"/>
               </a:ext>
             </a:extLst>
           </p:cNvPr>
@@ -22291,7 +22264,7 @@
     </p:spTree>
     <p:extLst>
       <p:ext uri="{BB962C8B-B14F-4D97-AF65-F5344CB8AC3E}">
-        <p14:creationId xmlns:p14="http://schemas.microsoft.com/office/powerpoint/2010/main" val="2900572126"/>
+        <p14:creationId xmlns:p14="http://schemas.microsoft.com/office/powerpoint/2010/main" val="1795355039"/>
       </p:ext>
     </p:extLst>
   </p:cSld>
@@ -22375,7 +22348,7 @@
           <a:p>
             <a:fld id="{BCCEB706-B4FB-4DF7-BDF7-514AEA7F06D0}" type="datetime1">
               <a:rPr lang="en-US" smtClean="0"/>
-              <a:t>4/16/2022</a:t>
+              <a:t>4/20/2022</a:t>
             </a:fld>
             <a:endParaRPr lang="en-US" dirty="0"/>
           </a:p>
@@ -25086,6 +25059,666 @@
           <a:chExt cx="0" cy="0"/>
         </a:xfrm>
       </p:grpSpPr>
+      <p:sp>
+        <p:nvSpPr>
+          <p:cNvPr id="2" name="Title 1">
+            <a:extLst>
+              <a:ext uri="{FF2B5EF4-FFF2-40B4-BE49-F238E27FC236}">
+                <a16:creationId xmlns:a16="http://schemas.microsoft.com/office/drawing/2014/main" id="{169D9D37-B637-4D74-BB75-639D51A491FB}"/>
+              </a:ext>
+            </a:extLst>
+          </p:cNvPr>
+          <p:cNvSpPr>
+            <a:spLocks noGrp="1"/>
+          </p:cNvSpPr>
+          <p:nvPr>
+            <p:ph type="title"/>
+          </p:nvPr>
+        </p:nvSpPr>
+        <p:spPr>
+          <a:xfrm>
+            <a:off x="1640156" y="628124"/>
+            <a:ext cx="8911687" cy="1280890"/>
+          </a:xfrm>
+        </p:spPr>
+        <p:txBody>
+          <a:bodyPr/>
+          <a:lstStyle/>
+          <a:p>
+            <a:r>
+              <a:rPr lang="de-DE" b="1" dirty="0"/>
+              <a:t>Notes 30.01. meeting</a:t>
+            </a:r>
+            <a:endParaRPr lang="en-US" b="1" dirty="0"/>
+          </a:p>
+        </p:txBody>
+      </p:sp>
+      <p:sp>
+        <p:nvSpPr>
+          <p:cNvPr id="3" name="Content Placeholder 2">
+            <a:extLst>
+              <a:ext uri="{FF2B5EF4-FFF2-40B4-BE49-F238E27FC236}">
+                <a16:creationId xmlns:a16="http://schemas.microsoft.com/office/drawing/2014/main" id="{D4D56813-9DF8-4D28-B156-1DE48E95DBC2}"/>
+              </a:ext>
+            </a:extLst>
+          </p:cNvPr>
+          <p:cNvSpPr>
+            <a:spLocks noGrp="1"/>
+          </p:cNvSpPr>
+          <p:nvPr>
+            <p:ph idx="1"/>
+          </p:nvPr>
+        </p:nvSpPr>
+        <p:spPr/>
+        <p:txBody>
+          <a:bodyPr/>
+          <a:lstStyle/>
+          <a:p>
+            <a:r>
+              <a:rPr lang="de-DE" dirty="0"/>
+              <a:t>Review paper ML for microbiome paper</a:t>
+            </a:r>
+          </a:p>
+          <a:p>
+            <a:r>
+              <a:rPr lang="de-DE" dirty="0"/>
+              <a:t>COST action paper</a:t>
+            </a:r>
+          </a:p>
+          <a:p>
+            <a:r>
+              <a:rPr lang="de-DE"/>
+              <a:t>Confidentiality form, sign, scan and send to Elin</a:t>
+            </a:r>
+            <a:endParaRPr lang="de-DE" dirty="0"/>
+          </a:p>
+          <a:p>
+            <a:r>
+              <a:rPr lang="de-DE" dirty="0"/>
+              <a:t>Meeting Oliver Friday, 4th February</a:t>
+            </a:r>
+          </a:p>
+          <a:p>
+            <a:r>
+              <a:rPr lang="de-DE" dirty="0"/>
+              <a:t>Literature Review: ~10-20 pages, include Figures and Tables, equations for major transformations, write for biologists</a:t>
+            </a:r>
+          </a:p>
+          <a:p>
+            <a:endParaRPr lang="de-DE" dirty="0"/>
+          </a:p>
+        </p:txBody>
+      </p:sp>
+      <p:sp>
+        <p:nvSpPr>
+          <p:cNvPr id="4" name="Date Placeholder 3">
+            <a:extLst>
+              <a:ext uri="{FF2B5EF4-FFF2-40B4-BE49-F238E27FC236}">
+                <a16:creationId xmlns:a16="http://schemas.microsoft.com/office/drawing/2014/main" id="{D53DB4F4-84EC-4588-88E6-8D8519D6A1E8}"/>
+              </a:ext>
+            </a:extLst>
+          </p:cNvPr>
+          <p:cNvSpPr>
+            <a:spLocks noGrp="1"/>
+          </p:cNvSpPr>
+          <p:nvPr>
+            <p:ph type="dt" sz="half" idx="10"/>
+          </p:nvPr>
+        </p:nvSpPr>
+        <p:spPr/>
+        <p:txBody>
+          <a:bodyPr/>
+          <a:lstStyle/>
+          <a:p>
+            <a:fld id="{5A2DBB50-F561-45B0-9BE5-95A455D2CD8B}" type="datetime1">
+              <a:rPr lang="en-US" smtClean="0"/>
+              <a:t>4/20/2022</a:t>
+            </a:fld>
+            <a:endParaRPr lang="en-US" dirty="0"/>
+          </a:p>
+        </p:txBody>
+      </p:sp>
+      <p:sp>
+        <p:nvSpPr>
+          <p:cNvPr id="5" name="Footer Placeholder 4">
+            <a:extLst>
+              <a:ext uri="{FF2B5EF4-FFF2-40B4-BE49-F238E27FC236}">
+                <a16:creationId xmlns:a16="http://schemas.microsoft.com/office/drawing/2014/main" id="{A7F3346A-3F24-484B-A6D3-55D66520C917}"/>
+              </a:ext>
+            </a:extLst>
+          </p:cNvPr>
+          <p:cNvSpPr>
+            <a:spLocks noGrp="1"/>
+          </p:cNvSpPr>
+          <p:nvPr>
+            <p:ph type="ftr" sz="quarter" idx="11"/>
+          </p:nvPr>
+        </p:nvSpPr>
+        <p:spPr/>
+        <p:txBody>
+          <a:bodyPr/>
+          <a:lstStyle/>
+          <a:p>
+            <a:r>
+              <a:rPr lang="en-US"/>
+              <a:t>jennifer.neumaier@t-online.de</a:t>
+            </a:r>
+            <a:endParaRPr lang="en-US" dirty="0"/>
+          </a:p>
+        </p:txBody>
+      </p:sp>
+      <p:sp>
+        <p:nvSpPr>
+          <p:cNvPr id="6" name="Slide Number Placeholder 5">
+            <a:extLst>
+              <a:ext uri="{FF2B5EF4-FFF2-40B4-BE49-F238E27FC236}">
+                <a16:creationId xmlns:a16="http://schemas.microsoft.com/office/drawing/2014/main" id="{C4B3B4A6-E708-4F88-8CA2-BDE8FCF0C0AC}"/>
+              </a:ext>
+            </a:extLst>
+          </p:cNvPr>
+          <p:cNvSpPr>
+            <a:spLocks noGrp="1"/>
+          </p:cNvSpPr>
+          <p:nvPr>
+            <p:ph type="sldNum" sz="quarter" idx="12"/>
+          </p:nvPr>
+        </p:nvSpPr>
+        <p:spPr/>
+        <p:txBody>
+          <a:bodyPr/>
+          <a:lstStyle/>
+          <a:p>
+            <a:fld id="{D57F1E4F-1CFF-5643-939E-217C01CDF565}" type="slidenum">
+              <a:rPr lang="en-US" smtClean="0"/>
+              <a:pPr/>
+              <a:t>30</a:t>
+            </a:fld>
+            <a:endParaRPr lang="en-US" dirty="0"/>
+          </a:p>
+        </p:txBody>
+      </p:sp>
+    </p:spTree>
+    <p:extLst>
+      <p:ext uri="{BB962C8B-B14F-4D97-AF65-F5344CB8AC3E}">
+        <p14:creationId xmlns:p14="http://schemas.microsoft.com/office/powerpoint/2010/main" val="3993456640"/>
+      </p:ext>
+    </p:extLst>
+  </p:cSld>
+  <p:clrMapOvr>
+    <a:masterClrMapping/>
+  </p:clrMapOvr>
+</p:sld>
+</file>
+
+<file path=ppt/slides/slide31.xml><?xml version="1.0" encoding="utf-8"?>
+<p:sld xmlns:a="http://schemas.openxmlformats.org/drawingml/2006/main" xmlns:r="http://schemas.openxmlformats.org/officeDocument/2006/relationships" xmlns:p="http://schemas.openxmlformats.org/presentationml/2006/main">
+  <p:cSld>
+    <p:spTree>
+      <p:nvGrpSpPr>
+        <p:cNvPr id="1" name=""/>
+        <p:cNvGrpSpPr/>
+        <p:nvPr/>
+      </p:nvGrpSpPr>
+      <p:grpSpPr>
+        <a:xfrm>
+          <a:off x="0" y="0"/>
+          <a:ext cx="0" cy="0"/>
+          <a:chOff x="0" y="0"/>
+          <a:chExt cx="0" cy="0"/>
+        </a:xfrm>
+      </p:grpSpPr>
+      <p:sp>
+        <p:nvSpPr>
+          <p:cNvPr id="2" name="Title 1">
+            <a:extLst>
+              <a:ext uri="{FF2B5EF4-FFF2-40B4-BE49-F238E27FC236}">
+                <a16:creationId xmlns:a16="http://schemas.microsoft.com/office/drawing/2014/main" id="{D63F1953-0627-4313-9F69-D3CE525D057A}"/>
+              </a:ext>
+            </a:extLst>
+          </p:cNvPr>
+          <p:cNvSpPr>
+            <a:spLocks noGrp="1"/>
+          </p:cNvSpPr>
+          <p:nvPr>
+            <p:ph type="title"/>
+          </p:nvPr>
+        </p:nvSpPr>
+        <p:spPr/>
+        <p:txBody>
+          <a:bodyPr/>
+          <a:lstStyle/>
+          <a:p>
+            <a:r>
+              <a:rPr lang="de-DE" b="1" dirty="0"/>
+              <a:t>Notes: 01.04. meeting</a:t>
+            </a:r>
+          </a:p>
+        </p:txBody>
+      </p:sp>
+      <p:sp>
+        <p:nvSpPr>
+          <p:cNvPr id="3" name="Content Placeholder 2">
+            <a:extLst>
+              <a:ext uri="{FF2B5EF4-FFF2-40B4-BE49-F238E27FC236}">
+                <a16:creationId xmlns:a16="http://schemas.microsoft.com/office/drawing/2014/main" id="{10F6F84D-370D-481F-BDA8-9BEF48EC1F3D}"/>
+              </a:ext>
+            </a:extLst>
+          </p:cNvPr>
+          <p:cNvSpPr>
+            <a:spLocks noGrp="1"/>
+          </p:cNvSpPr>
+          <p:nvPr>
+            <p:ph idx="1"/>
+          </p:nvPr>
+        </p:nvSpPr>
+        <p:spPr/>
+        <p:txBody>
+          <a:bodyPr/>
+          <a:lstStyle/>
+          <a:p>
+            <a:r>
+              <a:rPr lang="de-DE" dirty="0"/>
+              <a:t>Pipeline:</a:t>
+            </a:r>
+          </a:p>
+          <a:p>
+            <a:pPr lvl="1"/>
+            <a:r>
+              <a:rPr lang="de-DE" dirty="0"/>
+              <a:t>Test models and codacore on the same training&amp;test split (and set seed)</a:t>
+            </a:r>
+          </a:p>
+          <a:p>
+            <a:pPr lvl="1"/>
+            <a:r>
+              <a:rPr lang="de-DE" dirty="0"/>
+              <a:t>Take out training and test split from run_ml?</a:t>
+            </a:r>
+          </a:p>
+          <a:p>
+            <a:pPr lvl="1"/>
+            <a:r>
+              <a:rPr lang="de-DE" dirty="0"/>
+              <a:t>K_folds and CV_folds don‘t have to be the same for every data set</a:t>
+            </a:r>
+          </a:p>
+          <a:p>
+            <a:pPr lvl="1"/>
+            <a:r>
+              <a:rPr lang="de-DE" dirty="0"/>
+              <a:t>Time comparison?</a:t>
+            </a:r>
+          </a:p>
+          <a:p>
+            <a:r>
+              <a:rPr lang="de-DE" dirty="0"/>
+              <a:t>CRC:</a:t>
+            </a:r>
+          </a:p>
+          <a:p>
+            <a:pPr lvl="1"/>
+            <a:r>
+              <a:rPr lang="de-DE" dirty="0"/>
+              <a:t>Keep one country cohorts for extra validation </a:t>
+            </a:r>
+          </a:p>
+          <a:p>
+            <a:pPr lvl="1"/>
+            <a:r>
+              <a:rPr lang="de-DE" dirty="0"/>
+              <a:t>BMI as outcome_column for continuous</a:t>
+            </a:r>
+          </a:p>
+          <a:p>
+            <a:pPr lvl="1"/>
+            <a:r>
+              <a:rPr lang="de-DE" dirty="0"/>
+              <a:t>GROUP for classification </a:t>
+            </a:r>
+          </a:p>
+          <a:p>
+            <a:pPr marL="457200" lvl="1" indent="0">
+              <a:buNone/>
+            </a:pPr>
+            <a:endParaRPr lang="de-DE" dirty="0"/>
+          </a:p>
+          <a:p>
+            <a:pPr lvl="1"/>
+            <a:endParaRPr lang="de-DE" dirty="0"/>
+          </a:p>
+          <a:p>
+            <a:pPr lvl="1"/>
+            <a:endParaRPr lang="de-DE" dirty="0"/>
+          </a:p>
+          <a:p>
+            <a:pPr lvl="1"/>
+            <a:endParaRPr lang="de-DE" dirty="0"/>
+          </a:p>
+        </p:txBody>
+      </p:sp>
+      <p:sp>
+        <p:nvSpPr>
+          <p:cNvPr id="4" name="Date Placeholder 3">
+            <a:extLst>
+              <a:ext uri="{FF2B5EF4-FFF2-40B4-BE49-F238E27FC236}">
+                <a16:creationId xmlns:a16="http://schemas.microsoft.com/office/drawing/2014/main" id="{DBF0C8DB-9090-4B20-AED9-6E2044F98AC2}"/>
+              </a:ext>
+            </a:extLst>
+          </p:cNvPr>
+          <p:cNvSpPr>
+            <a:spLocks noGrp="1"/>
+          </p:cNvSpPr>
+          <p:nvPr>
+            <p:ph type="dt" sz="half" idx="10"/>
+          </p:nvPr>
+        </p:nvSpPr>
+        <p:spPr/>
+        <p:txBody>
+          <a:bodyPr/>
+          <a:lstStyle/>
+          <a:p>
+            <a:fld id="{36D18B76-5E8B-4456-8722-FC5B14B0F354}" type="datetime1">
+              <a:rPr lang="en-US" smtClean="0"/>
+              <a:pPr/>
+              <a:t>4/20/2022</a:t>
+            </a:fld>
+            <a:endParaRPr lang="en-US" dirty="0"/>
+          </a:p>
+        </p:txBody>
+      </p:sp>
+      <p:sp>
+        <p:nvSpPr>
+          <p:cNvPr id="5" name="Footer Placeholder 4">
+            <a:extLst>
+              <a:ext uri="{FF2B5EF4-FFF2-40B4-BE49-F238E27FC236}">
+                <a16:creationId xmlns:a16="http://schemas.microsoft.com/office/drawing/2014/main" id="{DA6DF03D-2B74-42A5-8C31-B3A7B6D53ABB}"/>
+              </a:ext>
+            </a:extLst>
+          </p:cNvPr>
+          <p:cNvSpPr>
+            <a:spLocks noGrp="1"/>
+          </p:cNvSpPr>
+          <p:nvPr>
+            <p:ph type="ftr" sz="quarter" idx="11"/>
+          </p:nvPr>
+        </p:nvSpPr>
+        <p:spPr/>
+        <p:txBody>
+          <a:bodyPr/>
+          <a:lstStyle/>
+          <a:p>
+            <a:r>
+              <a:rPr lang="en-US"/>
+              <a:t>jennifer.neumaier@t-online.de</a:t>
+            </a:r>
+            <a:endParaRPr lang="en-US" dirty="0"/>
+          </a:p>
+        </p:txBody>
+      </p:sp>
+      <p:sp>
+        <p:nvSpPr>
+          <p:cNvPr id="6" name="Slide Number Placeholder 5">
+            <a:extLst>
+              <a:ext uri="{FF2B5EF4-FFF2-40B4-BE49-F238E27FC236}">
+                <a16:creationId xmlns:a16="http://schemas.microsoft.com/office/drawing/2014/main" id="{EB397826-F4D6-4DDE-B171-FF032CD952B6}"/>
+              </a:ext>
+            </a:extLst>
+          </p:cNvPr>
+          <p:cNvSpPr>
+            <a:spLocks noGrp="1"/>
+          </p:cNvSpPr>
+          <p:nvPr>
+            <p:ph type="sldNum" sz="quarter" idx="12"/>
+          </p:nvPr>
+        </p:nvSpPr>
+        <p:spPr/>
+        <p:txBody>
+          <a:bodyPr/>
+          <a:lstStyle/>
+          <a:p>
+            <a:fld id="{D57F1E4F-1CFF-5643-939E-217C01CDF565}" type="slidenum">
+              <a:rPr lang="en-US" smtClean="0"/>
+              <a:pPr/>
+              <a:t>31</a:t>
+            </a:fld>
+            <a:endParaRPr lang="en-US" dirty="0"/>
+          </a:p>
+        </p:txBody>
+      </p:sp>
+    </p:spTree>
+    <p:extLst>
+      <p:ext uri="{BB962C8B-B14F-4D97-AF65-F5344CB8AC3E}">
+        <p14:creationId xmlns:p14="http://schemas.microsoft.com/office/powerpoint/2010/main" val="1848759324"/>
+      </p:ext>
+    </p:extLst>
+  </p:cSld>
+  <p:clrMapOvr>
+    <a:masterClrMapping/>
+  </p:clrMapOvr>
+</p:sld>
+</file>
+
+<file path=ppt/slides/slide32.xml><?xml version="1.0" encoding="utf-8"?>
+<p:sld xmlns:a="http://schemas.openxmlformats.org/drawingml/2006/main" xmlns:r="http://schemas.openxmlformats.org/officeDocument/2006/relationships" xmlns:p="http://schemas.openxmlformats.org/presentationml/2006/main">
+  <p:cSld>
+    <p:spTree>
+      <p:nvGrpSpPr>
+        <p:cNvPr id="1" name=""/>
+        <p:cNvGrpSpPr/>
+        <p:nvPr/>
+      </p:nvGrpSpPr>
+      <p:grpSpPr>
+        <a:xfrm>
+          <a:off x="0" y="0"/>
+          <a:ext cx="0" cy="0"/>
+          <a:chOff x="0" y="0"/>
+          <a:chExt cx="0" cy="0"/>
+        </a:xfrm>
+      </p:grpSpPr>
+      <p:sp>
+        <p:nvSpPr>
+          <p:cNvPr id="2" name="Title 1">
+            <a:extLst>
+              <a:ext uri="{FF2B5EF4-FFF2-40B4-BE49-F238E27FC236}">
+                <a16:creationId xmlns:a16="http://schemas.microsoft.com/office/drawing/2014/main" id="{B0A21C35-E073-46BF-B8BA-AD632020DA6A}"/>
+              </a:ext>
+            </a:extLst>
+          </p:cNvPr>
+          <p:cNvSpPr>
+            <a:spLocks noGrp="1"/>
+          </p:cNvSpPr>
+          <p:nvPr>
+            <p:ph type="title"/>
+          </p:nvPr>
+        </p:nvSpPr>
+        <p:spPr>
+          <a:xfrm>
+            <a:off x="1743839" y="628124"/>
+            <a:ext cx="8911687" cy="1280890"/>
+          </a:xfrm>
+        </p:spPr>
+        <p:txBody>
+          <a:bodyPr/>
+          <a:lstStyle/>
+          <a:p>
+            <a:r>
+              <a:rPr lang="de-DE" b="1" dirty="0"/>
+              <a:t>Literature</a:t>
+            </a:r>
+            <a:endParaRPr lang="en-US" b="1" dirty="0"/>
+          </a:p>
+        </p:txBody>
+      </p:sp>
+      <p:sp>
+        <p:nvSpPr>
+          <p:cNvPr id="3" name="Content Placeholder 2">
+            <a:extLst>
+              <a:ext uri="{FF2B5EF4-FFF2-40B4-BE49-F238E27FC236}">
+                <a16:creationId xmlns:a16="http://schemas.microsoft.com/office/drawing/2014/main" id="{47101FB2-294E-49F4-830F-4590B2616321}"/>
+              </a:ext>
+            </a:extLst>
+          </p:cNvPr>
+          <p:cNvSpPr>
+            <a:spLocks noGrp="1"/>
+          </p:cNvSpPr>
+          <p:nvPr>
+            <p:ph idx="1"/>
+          </p:nvPr>
+        </p:nvSpPr>
+        <p:spPr/>
+        <p:txBody>
+          <a:bodyPr/>
+          <a:lstStyle/>
+          <a:p>
+            <a:r>
+              <a:rPr lang="en-US" dirty="0">
+                <a:hlinkClick r:id="rId2"/>
+              </a:rPr>
+              <a:t>https://www.youtube.com/watch?v=j1IbfQrT2Cs</a:t>
+            </a:r>
+            <a:r>
+              <a:rPr lang="en-US" dirty="0"/>
+              <a:t> (12.01.2022)</a:t>
+            </a:r>
+          </a:p>
+          <a:p>
+            <a:r>
+              <a:rPr lang="en-US">
+                <a:hlinkClick r:id="rId3"/>
+              </a:rPr>
+              <a:t>https://www.youtube.com/watch?v=fQPCeV4MUe4</a:t>
+            </a:r>
+            <a:r>
+              <a:rPr lang="en-US"/>
+              <a:t> (12.01.2022)</a:t>
+            </a:r>
+          </a:p>
+          <a:p>
+            <a:endParaRPr lang="en-US"/>
+          </a:p>
+          <a:p>
+            <a:endParaRPr lang="en-US" dirty="0"/>
+          </a:p>
+        </p:txBody>
+      </p:sp>
+      <p:sp>
+        <p:nvSpPr>
+          <p:cNvPr id="4" name="Date Placeholder 3">
+            <a:extLst>
+              <a:ext uri="{FF2B5EF4-FFF2-40B4-BE49-F238E27FC236}">
+                <a16:creationId xmlns:a16="http://schemas.microsoft.com/office/drawing/2014/main" id="{6EC31B32-BDB7-4E4F-ABF6-074F07CBA3EE}"/>
+              </a:ext>
+            </a:extLst>
+          </p:cNvPr>
+          <p:cNvSpPr>
+            <a:spLocks noGrp="1"/>
+          </p:cNvSpPr>
+          <p:nvPr>
+            <p:ph type="dt" sz="half" idx="10"/>
+          </p:nvPr>
+        </p:nvSpPr>
+        <p:spPr/>
+        <p:txBody>
+          <a:bodyPr/>
+          <a:lstStyle/>
+          <a:p>
+            <a:fld id="{93673764-947C-4E64-9BD5-474B9E9D9329}" type="datetime1">
+              <a:rPr lang="en-US" smtClean="0"/>
+              <a:t>4/20/2022</a:t>
+            </a:fld>
+            <a:endParaRPr lang="en-US" dirty="0"/>
+          </a:p>
+        </p:txBody>
+      </p:sp>
+      <p:sp>
+        <p:nvSpPr>
+          <p:cNvPr id="5" name="Footer Placeholder 4">
+            <a:extLst>
+              <a:ext uri="{FF2B5EF4-FFF2-40B4-BE49-F238E27FC236}">
+                <a16:creationId xmlns:a16="http://schemas.microsoft.com/office/drawing/2014/main" id="{B58E6EF9-C928-441B-8DAA-81DBD51CC12C}"/>
+              </a:ext>
+            </a:extLst>
+          </p:cNvPr>
+          <p:cNvSpPr>
+            <a:spLocks noGrp="1"/>
+          </p:cNvSpPr>
+          <p:nvPr>
+            <p:ph type="ftr" sz="quarter" idx="11"/>
+          </p:nvPr>
+        </p:nvSpPr>
+        <p:spPr/>
+        <p:txBody>
+          <a:bodyPr/>
+          <a:lstStyle/>
+          <a:p>
+            <a:r>
+              <a:rPr lang="en-US"/>
+              <a:t>jennifer.neumaier@t-online.de</a:t>
+            </a:r>
+            <a:endParaRPr lang="en-US" dirty="0"/>
+          </a:p>
+        </p:txBody>
+      </p:sp>
+      <p:sp>
+        <p:nvSpPr>
+          <p:cNvPr id="6" name="Slide Number Placeholder 5">
+            <a:extLst>
+              <a:ext uri="{FF2B5EF4-FFF2-40B4-BE49-F238E27FC236}">
+                <a16:creationId xmlns:a16="http://schemas.microsoft.com/office/drawing/2014/main" id="{60FA85C6-0C31-406E-9635-38232E74BF73}"/>
+              </a:ext>
+            </a:extLst>
+          </p:cNvPr>
+          <p:cNvSpPr>
+            <a:spLocks noGrp="1"/>
+          </p:cNvSpPr>
+          <p:nvPr>
+            <p:ph type="sldNum" sz="quarter" idx="12"/>
+          </p:nvPr>
+        </p:nvSpPr>
+        <p:spPr/>
+        <p:txBody>
+          <a:bodyPr/>
+          <a:lstStyle/>
+          <a:p>
+            <a:fld id="{D57F1E4F-1CFF-5643-939E-217C01CDF565}" type="slidenum">
+              <a:rPr lang="en-US" smtClean="0"/>
+              <a:pPr/>
+              <a:t>32</a:t>
+            </a:fld>
+            <a:endParaRPr lang="en-US" dirty="0"/>
+          </a:p>
+        </p:txBody>
+      </p:sp>
+    </p:spTree>
+    <p:extLst>
+      <p:ext uri="{BB962C8B-B14F-4D97-AF65-F5344CB8AC3E}">
+        <p14:creationId xmlns:p14="http://schemas.microsoft.com/office/powerpoint/2010/main" val="2900572126"/>
+      </p:ext>
+    </p:extLst>
+  </p:cSld>
+  <p:clrMapOvr>
+    <a:masterClrMapping/>
+  </p:clrMapOvr>
+</p:sld>
+</file>
+
+<file path=ppt/slides/slide33.xml><?xml version="1.0" encoding="utf-8"?>
+<p:sld xmlns:a="http://schemas.openxmlformats.org/drawingml/2006/main" xmlns:r="http://schemas.openxmlformats.org/officeDocument/2006/relationships" xmlns:p="http://schemas.openxmlformats.org/presentationml/2006/main">
+  <p:cSld>
+    <p:spTree>
+      <p:nvGrpSpPr>
+        <p:cNvPr id="1" name=""/>
+        <p:cNvGrpSpPr/>
+        <p:nvPr/>
+      </p:nvGrpSpPr>
+      <p:grpSpPr>
+        <a:xfrm>
+          <a:off x="0" y="0"/>
+          <a:ext cx="0" cy="0"/>
+          <a:chOff x="0" y="0"/>
+          <a:chExt cx="0" cy="0"/>
+        </a:xfrm>
+      </p:grpSpPr>
       <p:pic>
         <p:nvPicPr>
           <p:cNvPr id="7" name="Graphic 6" descr="Address Book with solid fill">
@@ -25436,7 +26069,7 @@
           <a:p>
             <a:fld id="{524BA6AA-761D-44D9-9696-AC66CE044BF5}" type="datetime1">
               <a:rPr lang="en-US" smtClean="0"/>
-              <a:t>4/16/2022</a:t>
+              <a:t>4/20/2022</a:t>
             </a:fld>
             <a:endParaRPr lang="en-US" dirty="0"/>
           </a:p>
@@ -25494,7 +26127,7 @@
             <a:fld id="{D57F1E4F-1CFF-5643-939E-217C01CDF565}" type="slidenum">
               <a:rPr lang="en-US" smtClean="0"/>
               <a:pPr/>
-              <a:t>30</a:t>
+              <a:t>33</a:t>
             </a:fld>
             <a:endParaRPr lang="en-US" dirty="0"/>
           </a:p>
@@ -25623,7 +26256,7 @@
           <a:p>
             <a:fld id="{7BB4AFEC-4BE7-4504-8846-4BF0CCFD9721}" type="datetime1">
               <a:rPr lang="en-US" smtClean="0"/>
-              <a:t>4/16/2022</a:t>
+              <a:t>4/20/2022</a:t>
             </a:fld>
             <a:endParaRPr lang="en-US" dirty="0"/>
           </a:p>
@@ -25800,7 +26433,7 @@
             <a:fld id="{36D18B76-5E8B-4456-8722-FC5B14B0F354}" type="datetime1">
               <a:rPr lang="en-US" smtClean="0"/>
               <a:pPr/>
-              <a:t>4/16/2022</a:t>
+              <a:t>4/20/2022</a:t>
             </a:fld>
             <a:endParaRPr lang="en-US" dirty="0"/>
           </a:p>
@@ -26241,7 +26874,7 @@
           <a:p>
             <a:fld id="{1F2A6BD5-D000-45AE-BE81-365EBD12526C}" type="datetime1">
               <a:rPr lang="en-US" smtClean="0"/>
-              <a:t>4/16/2022</a:t>
+              <a:t>4/20/2022</a:t>
             </a:fld>
             <a:endParaRPr lang="en-US" dirty="0"/>
           </a:p>
@@ -26687,7 +27320,7 @@
           <a:p>
             <a:fld id="{A70B3D3E-FC47-4E47-BC37-6E33025EDD36}" type="datetime1">
               <a:rPr lang="en-US" smtClean="0"/>
-              <a:t>4/16/2022</a:t>
+              <a:t>4/20/2022</a:t>
             </a:fld>
             <a:endParaRPr lang="en-US" dirty="0"/>
           </a:p>

--- a/doc/Project_structure_notes.pptx
+++ b/doc/Project_structure_notes.pptx
@@ -5,7 +5,7 @@
     <p:sldMasterId id="2147483702" r:id="rId1"/>
   </p:sldMasterIdLst>
   <p:notesMasterIdLst>
-    <p:notesMasterId r:id="rId35"/>
+    <p:notesMasterId r:id="rId40"/>
   </p:notesMasterIdLst>
   <p:sldIdLst>
     <p:sldId id="256" r:id="rId2"/>
@@ -25,22 +25,27 @@
     <p:sldId id="282" r:id="rId16"/>
     <p:sldId id="283" r:id="rId17"/>
     <p:sldId id="286" r:id="rId18"/>
-    <p:sldId id="288" r:id="rId19"/>
-    <p:sldId id="289" r:id="rId20"/>
-    <p:sldId id="291" r:id="rId21"/>
-    <p:sldId id="292" r:id="rId22"/>
-    <p:sldId id="293" r:id="rId23"/>
-    <p:sldId id="277" r:id="rId24"/>
-    <p:sldId id="279" r:id="rId25"/>
-    <p:sldId id="278" r:id="rId26"/>
-    <p:sldId id="290" r:id="rId27"/>
-    <p:sldId id="269" r:id="rId28"/>
-    <p:sldId id="263" r:id="rId29"/>
-    <p:sldId id="258" r:id="rId30"/>
-    <p:sldId id="270" r:id="rId31"/>
-    <p:sldId id="284" r:id="rId32"/>
-    <p:sldId id="257" r:id="rId33"/>
-    <p:sldId id="268" r:id="rId34"/>
+    <p:sldId id="296" r:id="rId19"/>
+    <p:sldId id="288" r:id="rId20"/>
+    <p:sldId id="297" r:id="rId21"/>
+    <p:sldId id="289" r:id="rId22"/>
+    <p:sldId id="298" r:id="rId23"/>
+    <p:sldId id="299" r:id="rId24"/>
+    <p:sldId id="291" r:id="rId25"/>
+    <p:sldId id="295" r:id="rId26"/>
+    <p:sldId id="292" r:id="rId27"/>
+    <p:sldId id="293" r:id="rId28"/>
+    <p:sldId id="277" r:id="rId29"/>
+    <p:sldId id="279" r:id="rId30"/>
+    <p:sldId id="278" r:id="rId31"/>
+    <p:sldId id="290" r:id="rId32"/>
+    <p:sldId id="269" r:id="rId33"/>
+    <p:sldId id="263" r:id="rId34"/>
+    <p:sldId id="258" r:id="rId35"/>
+    <p:sldId id="270" r:id="rId36"/>
+    <p:sldId id="284" r:id="rId37"/>
+    <p:sldId id="257" r:id="rId38"/>
+    <p:sldId id="268" r:id="rId39"/>
   </p:sldIdLst>
   <p:sldSz cx="12192000" cy="6858000"/>
   <p:notesSz cx="6858000" cy="9144000"/>
@@ -172,14 +177,23 @@
             <p14:sldId id="281"/>
             <p14:sldId id="282"/>
             <p14:sldId id="283"/>
+          </p14:sldIdLst>
+        </p14:section>
+        <p14:section name="Same Split" id="{5173126D-3102-41C8-A6A3-9CBAE2938795}">
+          <p14:sldIdLst>
             <p14:sldId id="286"/>
+            <p14:sldId id="296"/>
             <p14:sldId id="288"/>
+            <p14:sldId id="297"/>
             <p14:sldId id="289"/>
+            <p14:sldId id="298"/>
+            <p14:sldId id="299"/>
           </p14:sldIdLst>
         </p14:section>
         <p14:section name="Transformation and leaky data" id="{A9654551-66A8-46E1-A952-47B22CF6C4D7}">
           <p14:sldIdLst>
             <p14:sldId id="291"/>
+            <p14:sldId id="295"/>
             <p14:sldId id="292"/>
             <p14:sldId id="293"/>
           </p14:sldIdLst>
@@ -7192,7 +7206,7 @@
           <a:p>
             <a:fld id="{0D3712C0-BD94-4EDD-81B8-404EF18DF498}" type="datetimeFigureOut">
               <a:rPr lang="en-US" smtClean="0"/>
-              <a:t>4/20/2022</a:t>
+              <a:t>4/22/2022</a:t>
             </a:fld>
             <a:endParaRPr lang="en-US"/>
           </a:p>
@@ -7459,6 +7473,258 @@
 </p:notesMaster>
 </file>
 
+<file path=ppt/notesSlides/notesSlide1.xml><?xml version="1.0" encoding="utf-8"?>
+<p:notes xmlns:a="http://schemas.openxmlformats.org/drawingml/2006/main" xmlns:r="http://schemas.openxmlformats.org/officeDocument/2006/relationships" xmlns:p="http://schemas.openxmlformats.org/presentationml/2006/main">
+  <p:cSld>
+    <p:spTree>
+      <p:nvGrpSpPr>
+        <p:cNvPr id="1" name=""/>
+        <p:cNvGrpSpPr/>
+        <p:nvPr/>
+      </p:nvGrpSpPr>
+      <p:grpSpPr>
+        <a:xfrm>
+          <a:off x="0" y="0"/>
+          <a:ext cx="0" cy="0"/>
+          <a:chOff x="0" y="0"/>
+          <a:chExt cx="0" cy="0"/>
+        </a:xfrm>
+      </p:grpSpPr>
+      <p:sp>
+        <p:nvSpPr>
+          <p:cNvPr id="2" name="Slide Image Placeholder 1"/>
+          <p:cNvSpPr>
+            <a:spLocks noGrp="1" noRot="1" noChangeAspect="1"/>
+          </p:cNvSpPr>
+          <p:nvPr>
+            <p:ph type="sldImg"/>
+          </p:nvPr>
+        </p:nvSpPr>
+        <p:spPr/>
+      </p:sp>
+      <p:sp>
+        <p:nvSpPr>
+          <p:cNvPr id="3" name="Notes Placeholder 2"/>
+          <p:cNvSpPr>
+            <a:spLocks noGrp="1"/>
+          </p:cNvSpPr>
+          <p:nvPr>
+            <p:ph type="body" idx="1"/>
+          </p:nvPr>
+        </p:nvSpPr>
+        <p:spPr/>
+        <p:txBody>
+          <a:bodyPr/>
+          <a:lstStyle/>
+          <a:p>
+            <a:endParaRPr lang="de-DE" dirty="0"/>
+          </a:p>
+        </p:txBody>
+      </p:sp>
+      <p:sp>
+        <p:nvSpPr>
+          <p:cNvPr id="4" name="Slide Number Placeholder 3"/>
+          <p:cNvSpPr>
+            <a:spLocks noGrp="1"/>
+          </p:cNvSpPr>
+          <p:nvPr>
+            <p:ph type="sldNum" sz="quarter" idx="5"/>
+          </p:nvPr>
+        </p:nvSpPr>
+        <p:spPr/>
+        <p:txBody>
+          <a:bodyPr/>
+          <a:lstStyle/>
+          <a:p>
+            <a:fld id="{14E34CAD-DC0B-4EB4-812C-D77F8E7D39DE}" type="slidenum">
+              <a:rPr lang="en-US" smtClean="0"/>
+              <a:t>12</a:t>
+            </a:fld>
+            <a:endParaRPr lang="en-US"/>
+          </a:p>
+        </p:txBody>
+      </p:sp>
+    </p:spTree>
+    <p:extLst>
+      <p:ext uri="{BB962C8B-B14F-4D97-AF65-F5344CB8AC3E}">
+        <p14:creationId xmlns:p14="http://schemas.microsoft.com/office/powerpoint/2010/main" val="2254631806"/>
+      </p:ext>
+    </p:extLst>
+  </p:cSld>
+  <p:clrMapOvr>
+    <a:masterClrMapping/>
+  </p:clrMapOvr>
+</p:notes>
+</file>
+
+<file path=ppt/notesSlides/notesSlide2.xml><?xml version="1.0" encoding="utf-8"?>
+<p:notes xmlns:a="http://schemas.openxmlformats.org/drawingml/2006/main" xmlns:r="http://schemas.openxmlformats.org/officeDocument/2006/relationships" xmlns:p="http://schemas.openxmlformats.org/presentationml/2006/main">
+  <p:cSld>
+    <p:spTree>
+      <p:nvGrpSpPr>
+        <p:cNvPr id="1" name=""/>
+        <p:cNvGrpSpPr/>
+        <p:nvPr/>
+      </p:nvGrpSpPr>
+      <p:grpSpPr>
+        <a:xfrm>
+          <a:off x="0" y="0"/>
+          <a:ext cx="0" cy="0"/>
+          <a:chOff x="0" y="0"/>
+          <a:chExt cx="0" cy="0"/>
+        </a:xfrm>
+      </p:grpSpPr>
+      <p:sp>
+        <p:nvSpPr>
+          <p:cNvPr id="2" name="Slide Image Placeholder 1"/>
+          <p:cNvSpPr>
+            <a:spLocks noGrp="1" noRot="1" noChangeAspect="1"/>
+          </p:cNvSpPr>
+          <p:nvPr>
+            <p:ph type="sldImg"/>
+          </p:nvPr>
+        </p:nvSpPr>
+        <p:spPr/>
+      </p:sp>
+      <p:sp>
+        <p:nvSpPr>
+          <p:cNvPr id="3" name="Notes Placeholder 2"/>
+          <p:cNvSpPr>
+            <a:spLocks noGrp="1"/>
+          </p:cNvSpPr>
+          <p:nvPr>
+            <p:ph type="body" idx="1"/>
+          </p:nvPr>
+        </p:nvSpPr>
+        <p:spPr/>
+        <p:txBody>
+          <a:bodyPr/>
+          <a:lstStyle/>
+          <a:p>
+            <a:endParaRPr lang="de-DE" dirty="0"/>
+          </a:p>
+        </p:txBody>
+      </p:sp>
+      <p:sp>
+        <p:nvSpPr>
+          <p:cNvPr id="4" name="Slide Number Placeholder 3"/>
+          <p:cNvSpPr>
+            <a:spLocks noGrp="1"/>
+          </p:cNvSpPr>
+          <p:nvPr>
+            <p:ph type="sldNum" sz="quarter" idx="5"/>
+          </p:nvPr>
+        </p:nvSpPr>
+        <p:spPr/>
+        <p:txBody>
+          <a:bodyPr/>
+          <a:lstStyle/>
+          <a:p>
+            <a:fld id="{14E34CAD-DC0B-4EB4-812C-D77F8E7D39DE}" type="slidenum">
+              <a:rPr lang="en-US" smtClean="0"/>
+              <a:t>18</a:t>
+            </a:fld>
+            <a:endParaRPr lang="en-US"/>
+          </a:p>
+        </p:txBody>
+      </p:sp>
+    </p:spTree>
+    <p:extLst>
+      <p:ext uri="{BB962C8B-B14F-4D97-AF65-F5344CB8AC3E}">
+        <p14:creationId xmlns:p14="http://schemas.microsoft.com/office/powerpoint/2010/main" val="2202698015"/>
+      </p:ext>
+    </p:extLst>
+  </p:cSld>
+  <p:clrMapOvr>
+    <a:masterClrMapping/>
+  </p:clrMapOvr>
+</p:notes>
+</file>
+
+<file path=ppt/notesSlides/notesSlide3.xml><?xml version="1.0" encoding="utf-8"?>
+<p:notes xmlns:a="http://schemas.openxmlformats.org/drawingml/2006/main" xmlns:r="http://schemas.openxmlformats.org/officeDocument/2006/relationships" xmlns:p="http://schemas.openxmlformats.org/presentationml/2006/main">
+  <p:cSld>
+    <p:spTree>
+      <p:nvGrpSpPr>
+        <p:cNvPr id="1" name=""/>
+        <p:cNvGrpSpPr/>
+        <p:nvPr/>
+      </p:nvGrpSpPr>
+      <p:grpSpPr>
+        <a:xfrm>
+          <a:off x="0" y="0"/>
+          <a:ext cx="0" cy="0"/>
+          <a:chOff x="0" y="0"/>
+          <a:chExt cx="0" cy="0"/>
+        </a:xfrm>
+      </p:grpSpPr>
+      <p:sp>
+        <p:nvSpPr>
+          <p:cNvPr id="2" name="Slide Image Placeholder 1"/>
+          <p:cNvSpPr>
+            <a:spLocks noGrp="1" noRot="1" noChangeAspect="1"/>
+          </p:cNvSpPr>
+          <p:nvPr>
+            <p:ph type="sldImg"/>
+          </p:nvPr>
+        </p:nvSpPr>
+        <p:spPr/>
+      </p:sp>
+      <p:sp>
+        <p:nvSpPr>
+          <p:cNvPr id="3" name="Notes Placeholder 2"/>
+          <p:cNvSpPr>
+            <a:spLocks noGrp="1"/>
+          </p:cNvSpPr>
+          <p:nvPr>
+            <p:ph type="body" idx="1"/>
+          </p:nvPr>
+        </p:nvSpPr>
+        <p:spPr/>
+        <p:txBody>
+          <a:bodyPr/>
+          <a:lstStyle/>
+          <a:p>
+            <a:endParaRPr lang="de-DE" dirty="0"/>
+          </a:p>
+        </p:txBody>
+      </p:sp>
+      <p:sp>
+        <p:nvSpPr>
+          <p:cNvPr id="4" name="Slide Number Placeholder 3"/>
+          <p:cNvSpPr>
+            <a:spLocks noGrp="1"/>
+          </p:cNvSpPr>
+          <p:nvPr>
+            <p:ph type="sldNum" sz="quarter" idx="5"/>
+          </p:nvPr>
+        </p:nvSpPr>
+        <p:spPr/>
+        <p:txBody>
+          <a:bodyPr/>
+          <a:lstStyle/>
+          <a:p>
+            <a:fld id="{14E34CAD-DC0B-4EB4-812C-D77F8E7D39DE}" type="slidenum">
+              <a:rPr lang="en-US" smtClean="0"/>
+              <a:t>19</a:t>
+            </a:fld>
+            <a:endParaRPr lang="en-US"/>
+          </a:p>
+        </p:txBody>
+      </p:sp>
+    </p:spTree>
+    <p:extLst>
+      <p:ext uri="{BB962C8B-B14F-4D97-AF65-F5344CB8AC3E}">
+        <p14:creationId xmlns:p14="http://schemas.microsoft.com/office/powerpoint/2010/main" val="2413122248"/>
+      </p:ext>
+    </p:extLst>
+  </p:cSld>
+  <p:clrMapOvr>
+    <a:masterClrMapping/>
+  </p:clrMapOvr>
+</p:notes>
+</file>
+
 <file path=ppt/slideLayouts/slideLayout1.xml><?xml version="1.0" encoding="utf-8"?>
 <p:sldLayout xmlns:a="http://schemas.openxmlformats.org/drawingml/2006/main" xmlns:r="http://schemas.openxmlformats.org/officeDocument/2006/relationships" xmlns:p="http://schemas.openxmlformats.org/presentationml/2006/main" type="title" preserve="1">
   <p:cSld name="Title Slide">
@@ -7647,7 +7913,7 @@
           <a:p>
             <a:fld id="{843A20DD-8926-4B91-8D72-D1DC7F5C31EF}" type="datetime1">
               <a:rPr lang="en-US" smtClean="0"/>
-              <a:t>4/20/2022</a:t>
+              <a:t>4/22/2022</a:t>
             </a:fld>
             <a:endParaRPr lang="en-US" dirty="0"/>
           </a:p>
@@ -7990,7 +8256,7 @@
           <a:p>
             <a:fld id="{D2DD2B10-BCB9-40E5-8141-F17001376370}" type="datetime1">
               <a:rPr lang="en-US" smtClean="0"/>
-              <a:t>4/20/2022</a:t>
+              <a:t>4/22/2022</a:t>
             </a:fld>
             <a:endParaRPr lang="en-US" dirty="0"/>
           </a:p>
@@ -8396,7 +8662,7 @@
           <a:p>
             <a:fld id="{927FFA6D-4E8C-437E-BCA1-3CF73EB8B252}" type="datetime1">
               <a:rPr lang="en-US" smtClean="0"/>
-              <a:t>4/20/2022</a:t>
+              <a:t>4/22/2022</a:t>
             </a:fld>
             <a:endParaRPr lang="en-US" dirty="0"/>
           </a:p>
@@ -8737,7 +9003,7 @@
           <a:p>
             <a:fld id="{A2C7F92B-2A35-4C09-8346-C40AAA997302}" type="datetime1">
               <a:rPr lang="en-US" smtClean="0"/>
-              <a:t>4/20/2022</a:t>
+              <a:t>4/22/2022</a:t>
             </a:fld>
             <a:endParaRPr lang="en-US" dirty="0"/>
           </a:p>
@@ -9063,7 +9329,7 @@
           <a:p>
             <a:fld id="{A2C7F92B-2A35-4C09-8346-C40AAA997302}" type="datetime1">
               <a:rPr lang="en-US" smtClean="0"/>
-              <a:t>4/20/2022</a:t>
+              <a:t>4/22/2022</a:t>
             </a:fld>
             <a:endParaRPr lang="en-US" dirty="0"/>
           </a:p>
@@ -9465,7 +9731,7 @@
           <a:p>
             <a:fld id="{A2C7F92B-2A35-4C09-8346-C40AAA997302}" type="datetime1">
               <a:rPr lang="en-US" smtClean="0"/>
-              <a:t>4/20/2022</a:t>
+              <a:t>4/22/2022</a:t>
             </a:fld>
             <a:endParaRPr lang="en-US" dirty="0"/>
           </a:p>
@@ -9728,7 +9994,7 @@
           <a:p>
             <a:fld id="{8A427DC1-41D9-41ED-AAB7-DF919DFB0B7D}" type="datetime1">
               <a:rPr lang="en-US" smtClean="0"/>
-              <a:t>4/20/2022</a:t>
+              <a:t>4/22/2022</a:t>
             </a:fld>
             <a:endParaRPr lang="en-US" dirty="0"/>
           </a:p>
@@ -9995,7 +10261,7 @@
           <a:p>
             <a:fld id="{49530F64-B6F9-41E5-8499-9B56B7F93996}" type="datetime1">
               <a:rPr lang="en-US" smtClean="0"/>
-              <a:t>4/20/2022</a:t>
+              <a:t>4/22/2022</a:t>
             </a:fld>
             <a:endParaRPr lang="en-US" dirty="0"/>
           </a:p>
@@ -10266,7 +10532,7 @@
             <a:fld id="{36D18B76-5E8B-4456-8722-FC5B14B0F354}" type="datetime1">
               <a:rPr lang="en-US" smtClean="0"/>
               <a:pPr/>
-              <a:t>4/20/2022</a:t>
+              <a:t>4/22/2022</a:t>
             </a:fld>
             <a:endParaRPr lang="en-US" dirty="0"/>
           </a:p>
@@ -10604,7 +10870,7 @@
           <a:p>
             <a:fld id="{3E914A3D-A565-477F-8682-1AE6EFE36557}" type="datetime1">
               <a:rPr lang="en-US" smtClean="0"/>
-              <a:t>4/20/2022</a:t>
+              <a:t>4/22/2022</a:t>
             </a:fld>
             <a:endParaRPr lang="en-US" dirty="0"/>
           </a:p>
@@ -10932,7 +11198,7 @@
           <a:p>
             <a:fld id="{D45A6A21-0914-4A46-BCF1-163E9A00E688}" type="datetime1">
               <a:rPr lang="en-US" smtClean="0"/>
-              <a:t>4/20/2022</a:t>
+              <a:t>4/22/2022</a:t>
             </a:fld>
             <a:endParaRPr lang="en-US" dirty="0"/>
           </a:p>
@@ -11394,7 +11660,7 @@
           <a:p>
             <a:fld id="{6BDD7FCB-B1A7-4982-8C8B-674E644B14B0}" type="datetime1">
               <a:rPr lang="en-US" smtClean="0"/>
-              <a:t>4/20/2022</a:t>
+              <a:t>4/22/2022</a:t>
             </a:fld>
             <a:endParaRPr lang="en-US" dirty="0"/>
           </a:p>
@@ -11614,7 +11880,7 @@
             <a:fld id="{4C731089-17FC-4C04-87B1-2157F67F0117}" type="datetime1">
               <a:rPr lang="en-US" smtClean="0"/>
               <a:pPr/>
-              <a:t>4/20/2022</a:t>
+              <a:t>4/22/2022</a:t>
             </a:fld>
             <a:endParaRPr lang="en-US" dirty="0"/>
           </a:p>
@@ -11800,7 +12066,7 @@
           <a:p>
             <a:fld id="{1278D66F-D6E5-4434-B311-7DA25CA81F5A}" type="datetime1">
               <a:rPr lang="en-US" smtClean="0"/>
-              <a:t>4/20/2022</a:t>
+              <a:t>4/22/2022</a:t>
             </a:fld>
             <a:endParaRPr lang="en-US" dirty="0"/>
           </a:p>
@@ -12138,7 +12404,7 @@
           <a:p>
             <a:fld id="{2253374B-0B0C-42C0-A0DF-1550CE3AA116}" type="datetime1">
               <a:rPr lang="en-US" smtClean="0"/>
-              <a:t>4/20/2022</a:t>
+              <a:t>4/22/2022</a:t>
             </a:fld>
             <a:endParaRPr lang="en-US" dirty="0"/>
           </a:p>
@@ -12488,7 +12754,7 @@
           <a:p>
             <a:fld id="{F589A7BC-DDDD-4FB0-A8E7-5046A2EF84B8}" type="datetime1">
               <a:rPr lang="en-US" smtClean="0"/>
-              <a:t>4/20/2022</a:t>
+              <a:t>4/22/2022</a:t>
             </a:fld>
             <a:endParaRPr lang="en-US" dirty="0"/>
           </a:p>
@@ -14610,7 +14876,7 @@
           <a:p>
             <a:fld id="{A2C7F92B-2A35-4C09-8346-C40AAA997302}" type="datetime1">
               <a:rPr lang="en-US" smtClean="0"/>
-              <a:t>4/20/2022</a:t>
+              <a:t>4/22/2022</a:t>
             </a:fld>
             <a:endParaRPr lang="en-US" dirty="0"/>
           </a:p>
@@ -15228,7 +15494,7 @@
           <a:p>
             <a:fld id="{EFFFF5E6-438B-4B86-AF1B-DB82D6C33C1C}" type="datetime1">
               <a:rPr lang="en-US" smtClean="0"/>
-              <a:t>4/20/2022</a:t>
+              <a:t>4/22/2022</a:t>
             </a:fld>
             <a:endParaRPr lang="en-US" dirty="0"/>
           </a:p>
@@ -15598,7 +15864,7 @@
             <a:fld id="{36D18B76-5E8B-4456-8722-FC5B14B0F354}" type="datetime1">
               <a:rPr lang="en-US" smtClean="0"/>
               <a:pPr/>
-              <a:t>4/20/2022</a:t>
+              <a:t>4/22/2022</a:t>
             </a:fld>
             <a:endParaRPr lang="en-US" dirty="0"/>
           </a:p>
@@ -16726,7 +16992,7 @@
             <a:fld id="{36D18B76-5E8B-4456-8722-FC5B14B0F354}" type="datetime1">
               <a:rPr lang="en-US" smtClean="0"/>
               <a:pPr/>
-              <a:t>4/20/2022</a:t>
+              <a:t>4/22/2022</a:t>
             </a:fld>
             <a:endParaRPr lang="en-US" dirty="0"/>
           </a:p>
@@ -16791,948 +17057,882 @@
           </a:p>
         </p:txBody>
       </p:sp>
-      <p:sp>
-        <p:nvSpPr>
-          <p:cNvPr id="3" name="Rectangle 2">
+      <p:grpSp>
+        <p:nvGrpSpPr>
+          <p:cNvPr id="12" name="Group 11">
             <a:extLst>
               <a:ext uri="{FF2B5EF4-FFF2-40B4-BE49-F238E27FC236}">
-                <a16:creationId xmlns:a16="http://schemas.microsoft.com/office/drawing/2014/main" id="{620AD768-A59A-470B-9377-790E03FF084D}"/>
+                <a16:creationId xmlns:a16="http://schemas.microsoft.com/office/drawing/2014/main" id="{406A48CD-CF7B-4ABD-AA08-3035F75DCBC6}"/>
               </a:ext>
             </a:extLst>
           </p:cNvPr>
-          <p:cNvSpPr/>
+          <p:cNvGrpSpPr/>
           <p:nvPr/>
-        </p:nvSpPr>
-        <p:spPr>
+        </p:nvGrpSpPr>
+        <p:grpSpPr>
           <a:xfrm>
-            <a:off x="4306186" y="467833"/>
-            <a:ext cx="6836735" cy="5358809"/>
+            <a:off x="1175082" y="467833"/>
+            <a:ext cx="10755662" cy="4942367"/>
+            <a:chOff x="1175081" y="467833"/>
+            <a:chExt cx="11783061" cy="5409393"/>
           </a:xfrm>
-          <a:prstGeom prst="rect">
-            <a:avLst/>
-          </a:prstGeom>
-        </p:spPr>
-        <p:style>
-          <a:lnRef idx="2">
-            <a:schemeClr val="accent1">
-              <a:shade val="50000"/>
-            </a:schemeClr>
-          </a:lnRef>
-          <a:fillRef idx="1">
-            <a:schemeClr val="accent1"/>
-          </a:fillRef>
-          <a:effectRef idx="0">
-            <a:schemeClr val="accent1"/>
-          </a:effectRef>
-          <a:fontRef idx="minor">
-            <a:schemeClr val="lt1"/>
-          </a:fontRef>
-        </p:style>
-        <p:txBody>
-          <a:bodyPr rtlCol="0" anchor="ctr"/>
-          <a:lstStyle/>
-          <a:p>
-            <a:pPr algn="ctr"/>
-            <a:endParaRPr lang="de-DE"/>
-          </a:p>
-        </p:txBody>
-      </p:sp>
-      <p:sp>
-        <p:nvSpPr>
-          <p:cNvPr id="8" name="TextBox 7">
-            <a:extLst>
-              <a:ext uri="{FF2B5EF4-FFF2-40B4-BE49-F238E27FC236}">
-                <a16:creationId xmlns:a16="http://schemas.microsoft.com/office/drawing/2014/main" id="{55611667-AD1D-471D-A4C9-274318F03281}"/>
-              </a:ext>
-            </a:extLst>
-          </p:cNvPr>
-          <p:cNvSpPr txBox="1"/>
-          <p:nvPr/>
-        </p:nvSpPr>
-        <p:spPr>
-          <a:xfrm>
-            <a:off x="1175081" y="2782112"/>
-            <a:ext cx="1414131" cy="400110"/>
-          </a:xfrm>
-          <a:prstGeom prst="rect">
-            <a:avLst/>
-          </a:prstGeom>
-          <a:noFill/>
-        </p:spPr>
-        <p:txBody>
-          <a:bodyPr wrap="square" rtlCol="0">
-            <a:spAutoFit/>
-          </a:bodyPr>
-          <a:lstStyle/>
-          <a:p>
-            <a:r>
-              <a:rPr lang="de-DE" sz="2000" b="1" dirty="0"/>
-              <a:t>Dataset</a:t>
-            </a:r>
-          </a:p>
-        </p:txBody>
-      </p:sp>
-      <p:sp>
-        <p:nvSpPr>
-          <p:cNvPr id="9" name="Arrow: Right 8">
-            <a:extLst>
-              <a:ext uri="{FF2B5EF4-FFF2-40B4-BE49-F238E27FC236}">
-                <a16:creationId xmlns:a16="http://schemas.microsoft.com/office/drawing/2014/main" id="{D261F977-FCCB-4A80-AC8F-4B6D7797EEB1}"/>
-              </a:ext>
-            </a:extLst>
-          </p:cNvPr>
-          <p:cNvSpPr/>
-          <p:nvPr/>
-        </p:nvSpPr>
-        <p:spPr>
-          <a:xfrm>
-            <a:off x="2690038" y="2782112"/>
-            <a:ext cx="1297172" cy="365125"/>
-          </a:xfrm>
-          <a:prstGeom prst="rightArrow">
-            <a:avLst/>
-          </a:prstGeom>
-        </p:spPr>
-        <p:style>
-          <a:lnRef idx="2">
-            <a:schemeClr val="accent1">
-              <a:shade val="50000"/>
-            </a:schemeClr>
-          </a:lnRef>
-          <a:fillRef idx="1">
-            <a:schemeClr val="accent1"/>
-          </a:fillRef>
-          <a:effectRef idx="0">
-            <a:schemeClr val="accent1"/>
-          </a:effectRef>
-          <a:fontRef idx="minor">
-            <a:schemeClr val="lt1"/>
-          </a:fontRef>
-        </p:style>
-        <p:txBody>
-          <a:bodyPr rtlCol="0" anchor="ctr"/>
-          <a:lstStyle/>
-          <a:p>
-            <a:pPr algn="ctr"/>
-            <a:endParaRPr lang="de-DE"/>
-          </a:p>
-        </p:txBody>
-      </p:sp>
-      <p:sp>
-        <p:nvSpPr>
-          <p:cNvPr id="27" name="Rectangle 26">
-            <a:extLst>
-              <a:ext uri="{FF2B5EF4-FFF2-40B4-BE49-F238E27FC236}">
-                <a16:creationId xmlns:a16="http://schemas.microsoft.com/office/drawing/2014/main" id="{87FFBF1C-6685-403E-B773-8642460D6EB2}"/>
-              </a:ext>
-            </a:extLst>
-          </p:cNvPr>
-          <p:cNvSpPr/>
-          <p:nvPr/>
-        </p:nvSpPr>
-        <p:spPr>
-          <a:xfrm>
-            <a:off x="5007935" y="1853646"/>
-            <a:ext cx="5872485" cy="3749712"/>
-          </a:xfrm>
-          <a:prstGeom prst="rect">
-            <a:avLst/>
-          </a:prstGeom>
-        </p:spPr>
-        <p:style>
-          <a:lnRef idx="2">
-            <a:schemeClr val="accent2">
-              <a:shade val="50000"/>
-            </a:schemeClr>
-          </a:lnRef>
-          <a:fillRef idx="1">
-            <a:schemeClr val="accent2"/>
-          </a:fillRef>
-          <a:effectRef idx="0">
-            <a:schemeClr val="accent2"/>
-          </a:effectRef>
-          <a:fontRef idx="minor">
-            <a:schemeClr val="lt1"/>
-          </a:fontRef>
-        </p:style>
-        <p:txBody>
-          <a:bodyPr rtlCol="0" anchor="ctr"/>
-          <a:lstStyle/>
-          <a:p>
-            <a:pPr algn="ctr"/>
-            <a:endParaRPr lang="de-DE"/>
-          </a:p>
-        </p:txBody>
-      </p:sp>
-      <p:sp>
-        <p:nvSpPr>
-          <p:cNvPr id="28" name="Rectangle 27">
-            <a:extLst>
-              <a:ext uri="{FF2B5EF4-FFF2-40B4-BE49-F238E27FC236}">
-                <a16:creationId xmlns:a16="http://schemas.microsoft.com/office/drawing/2014/main" id="{13181884-8B04-4FF4-B76B-68A48EE191A4}"/>
-              </a:ext>
-            </a:extLst>
-          </p:cNvPr>
-          <p:cNvSpPr/>
-          <p:nvPr/>
-        </p:nvSpPr>
-        <p:spPr>
-          <a:xfrm>
-            <a:off x="5911212" y="2817772"/>
-            <a:ext cx="4729792" cy="2508963"/>
-          </a:xfrm>
-          <a:prstGeom prst="rect">
-            <a:avLst/>
-          </a:prstGeom>
-        </p:spPr>
-        <p:style>
-          <a:lnRef idx="2">
-            <a:schemeClr val="accent3">
-              <a:shade val="50000"/>
-            </a:schemeClr>
-          </a:lnRef>
-          <a:fillRef idx="1">
-            <a:schemeClr val="accent3"/>
-          </a:fillRef>
-          <a:effectRef idx="0">
-            <a:schemeClr val="accent3"/>
-          </a:effectRef>
-          <a:fontRef idx="minor">
-            <a:schemeClr val="lt1"/>
-          </a:fontRef>
-        </p:style>
-        <p:txBody>
-          <a:bodyPr rtlCol="0" anchor="ctr"/>
-          <a:lstStyle/>
-          <a:p>
-            <a:pPr algn="ctr"/>
-            <a:endParaRPr lang="de-DE"/>
-          </a:p>
-        </p:txBody>
-      </p:sp>
-      <p:sp>
-        <p:nvSpPr>
-          <p:cNvPr id="30" name="TextBox 29">
-            <a:extLst>
-              <a:ext uri="{FF2B5EF4-FFF2-40B4-BE49-F238E27FC236}">
-                <a16:creationId xmlns:a16="http://schemas.microsoft.com/office/drawing/2014/main" id="{C094F691-7C4F-4392-B69F-E8A30F3A96C2}"/>
-              </a:ext>
-            </a:extLst>
-          </p:cNvPr>
-          <p:cNvSpPr txBox="1"/>
-          <p:nvPr/>
-        </p:nvSpPr>
-        <p:spPr>
-          <a:xfrm>
-            <a:off x="4322136" y="526956"/>
-            <a:ext cx="2876106" cy="400110"/>
-          </a:xfrm>
-          <a:prstGeom prst="rect">
-            <a:avLst/>
-          </a:prstGeom>
-          <a:noFill/>
-        </p:spPr>
-        <p:txBody>
-          <a:bodyPr wrap="square" rtlCol="0">
-            <a:spAutoFit/>
-          </a:bodyPr>
-          <a:lstStyle/>
-          <a:p>
-            <a:r>
-              <a:rPr lang="de-DE" sz="2000" b="1" dirty="0"/>
-              <a:t>Transformation</a:t>
-            </a:r>
-          </a:p>
-        </p:txBody>
-      </p:sp>
-      <p:sp>
-        <p:nvSpPr>
-          <p:cNvPr id="10" name="TextBox 9">
-            <a:extLst>
-              <a:ext uri="{FF2B5EF4-FFF2-40B4-BE49-F238E27FC236}">
-                <a16:creationId xmlns:a16="http://schemas.microsoft.com/office/drawing/2014/main" id="{C2A2E94E-3446-49B2-A5CD-BECC77DA3C69}"/>
-              </a:ext>
-            </a:extLst>
-          </p:cNvPr>
-          <p:cNvSpPr txBox="1"/>
-          <p:nvPr/>
-        </p:nvSpPr>
-        <p:spPr>
-          <a:xfrm>
-            <a:off x="4322136" y="954155"/>
-            <a:ext cx="6717119" cy="369332"/>
-          </a:xfrm>
-          <a:prstGeom prst="rect">
-            <a:avLst/>
-          </a:prstGeom>
-          <a:noFill/>
-        </p:spPr>
-        <p:txBody>
-          <a:bodyPr wrap="square" rtlCol="0">
-            <a:spAutoFit/>
-          </a:bodyPr>
-          <a:lstStyle/>
-          <a:p>
-            <a:r>
-              <a:rPr lang="de-DE" dirty="0"/>
-              <a:t>TSS(), ALR_optimal(), ALR_worst(), ALR_random(), CLR()</a:t>
-            </a:r>
-          </a:p>
-        </p:txBody>
-      </p:sp>
-      <p:sp>
-        <p:nvSpPr>
-          <p:cNvPr id="32" name="TextBox 31">
-            <a:extLst>
-              <a:ext uri="{FF2B5EF4-FFF2-40B4-BE49-F238E27FC236}">
-                <a16:creationId xmlns:a16="http://schemas.microsoft.com/office/drawing/2014/main" id="{B250C6A0-1926-4046-BC27-DFA2FE1A9C1C}"/>
-              </a:ext>
-            </a:extLst>
-          </p:cNvPr>
-          <p:cNvSpPr txBox="1"/>
-          <p:nvPr/>
-        </p:nvSpPr>
-        <p:spPr>
-          <a:xfrm>
-            <a:off x="5031202" y="2212828"/>
-            <a:ext cx="6297787" cy="369332"/>
-          </a:xfrm>
-          <a:prstGeom prst="rect">
-            <a:avLst/>
-          </a:prstGeom>
-          <a:noFill/>
-        </p:spPr>
-        <p:txBody>
-          <a:bodyPr wrap="square" rtlCol="0">
-            <a:spAutoFit/>
-          </a:bodyPr>
-          <a:lstStyle/>
-          <a:p>
-            <a:r>
-              <a:rPr lang="de-DE" dirty="0"/>
-              <a:t>Initial split of data, k-folds = 5</a:t>
-            </a:r>
-          </a:p>
-        </p:txBody>
-      </p:sp>
-      <p:sp>
-        <p:nvSpPr>
-          <p:cNvPr id="33" name="TextBox 32">
-            <a:extLst>
-              <a:ext uri="{FF2B5EF4-FFF2-40B4-BE49-F238E27FC236}">
-                <a16:creationId xmlns:a16="http://schemas.microsoft.com/office/drawing/2014/main" id="{04A0A2DE-16AF-4170-ACB4-FD4746EBB9F5}"/>
-              </a:ext>
-            </a:extLst>
-          </p:cNvPr>
-          <p:cNvSpPr txBox="1"/>
-          <p:nvPr/>
-        </p:nvSpPr>
-        <p:spPr>
-          <a:xfrm>
-            <a:off x="5007935" y="1858865"/>
-            <a:ext cx="2876106" cy="400110"/>
-          </a:xfrm>
-          <a:prstGeom prst="rect">
-            <a:avLst/>
-          </a:prstGeom>
-          <a:noFill/>
-        </p:spPr>
-        <p:txBody>
-          <a:bodyPr wrap="square" rtlCol="0">
-            <a:spAutoFit/>
-          </a:bodyPr>
-          <a:lstStyle/>
-          <a:p>
-            <a:r>
-              <a:rPr lang="de-DE" sz="2000" b="1" dirty="0"/>
-              <a:t>Cross-Validation 1</a:t>
-            </a:r>
-          </a:p>
-        </p:txBody>
-      </p:sp>
-      <p:sp>
-        <p:nvSpPr>
-          <p:cNvPr id="34" name="Rectangle 33">
-            <a:extLst>
-              <a:ext uri="{FF2B5EF4-FFF2-40B4-BE49-F238E27FC236}">
-                <a16:creationId xmlns:a16="http://schemas.microsoft.com/office/drawing/2014/main" id="{30B02149-0C4C-44EE-88C0-C3ADB582BF80}"/>
-              </a:ext>
-            </a:extLst>
-          </p:cNvPr>
-          <p:cNvSpPr/>
-          <p:nvPr/>
-        </p:nvSpPr>
-        <p:spPr>
-          <a:xfrm>
-            <a:off x="11438976" y="1435395"/>
-            <a:ext cx="1506048" cy="1226288"/>
-          </a:xfrm>
-          <a:prstGeom prst="rect">
-            <a:avLst/>
-          </a:prstGeom>
-        </p:spPr>
-        <p:style>
-          <a:lnRef idx="2">
-            <a:schemeClr val="accent2">
-              <a:shade val="50000"/>
-            </a:schemeClr>
-          </a:lnRef>
-          <a:fillRef idx="1">
-            <a:schemeClr val="accent2"/>
-          </a:fillRef>
-          <a:effectRef idx="0">
-            <a:schemeClr val="accent2"/>
-          </a:effectRef>
-          <a:fontRef idx="minor">
-            <a:schemeClr val="lt1"/>
-          </a:fontRef>
-        </p:style>
-        <p:txBody>
-          <a:bodyPr rtlCol="0" anchor="ctr"/>
-          <a:lstStyle/>
-          <a:p>
-            <a:pPr algn="ctr"/>
-            <a:endParaRPr lang="de-DE"/>
-          </a:p>
-        </p:txBody>
-      </p:sp>
-      <p:sp>
-        <p:nvSpPr>
-          <p:cNvPr id="36" name="TextBox 35">
-            <a:extLst>
-              <a:ext uri="{FF2B5EF4-FFF2-40B4-BE49-F238E27FC236}">
-                <a16:creationId xmlns:a16="http://schemas.microsoft.com/office/drawing/2014/main" id="{489770FC-6936-4E84-9E60-791E4AEA651A}"/>
-              </a:ext>
-            </a:extLst>
-          </p:cNvPr>
-          <p:cNvSpPr txBox="1"/>
-          <p:nvPr/>
-        </p:nvSpPr>
-        <p:spPr>
-          <a:xfrm>
-            <a:off x="11634614" y="1793808"/>
-            <a:ext cx="1310410" cy="400110"/>
-          </a:xfrm>
-          <a:prstGeom prst="rect">
-            <a:avLst/>
-          </a:prstGeom>
-          <a:noFill/>
-        </p:spPr>
-        <p:txBody>
-          <a:bodyPr wrap="square" rtlCol="0">
-            <a:spAutoFit/>
-          </a:bodyPr>
-          <a:lstStyle/>
-          <a:p>
-            <a:r>
-              <a:rPr lang="de-DE" sz="2000" b="1" dirty="0"/>
-              <a:t>Test set</a:t>
-            </a:r>
-          </a:p>
-        </p:txBody>
-      </p:sp>
-      <p:sp>
-        <p:nvSpPr>
-          <p:cNvPr id="37" name="TextBox 36">
-            <a:extLst>
-              <a:ext uri="{FF2B5EF4-FFF2-40B4-BE49-F238E27FC236}">
-                <a16:creationId xmlns:a16="http://schemas.microsoft.com/office/drawing/2014/main" id="{8277B8AC-608F-404F-910C-FF6C16EE64B0}"/>
-              </a:ext>
-            </a:extLst>
-          </p:cNvPr>
-          <p:cNvSpPr txBox="1"/>
-          <p:nvPr/>
-        </p:nvSpPr>
-        <p:spPr>
-          <a:xfrm>
-            <a:off x="5975007" y="2848150"/>
-            <a:ext cx="4327451" cy="400110"/>
-          </a:xfrm>
-          <a:prstGeom prst="rect">
-            <a:avLst/>
-          </a:prstGeom>
-          <a:noFill/>
-        </p:spPr>
-        <p:txBody>
-          <a:bodyPr wrap="square" rtlCol="0">
-            <a:spAutoFit/>
-          </a:bodyPr>
-          <a:lstStyle/>
-          <a:p>
-            <a:r>
-              <a:rPr lang="de-DE" sz="2000" b="1" dirty="0"/>
-              <a:t>Cross-Validation 2 + Models</a:t>
-            </a:r>
-          </a:p>
-        </p:txBody>
-      </p:sp>
-      <p:sp>
-        <p:nvSpPr>
-          <p:cNvPr id="38" name="TextBox 37">
-            <a:extLst>
-              <a:ext uri="{FF2B5EF4-FFF2-40B4-BE49-F238E27FC236}">
-                <a16:creationId xmlns:a16="http://schemas.microsoft.com/office/drawing/2014/main" id="{D3629AE7-8DD7-46F5-8B1A-937532D154CC}"/>
-              </a:ext>
-            </a:extLst>
-          </p:cNvPr>
-          <p:cNvSpPr txBox="1"/>
-          <p:nvPr/>
-        </p:nvSpPr>
-        <p:spPr>
-          <a:xfrm>
-            <a:off x="6020686" y="3268321"/>
-            <a:ext cx="4081857" cy="2031325"/>
-          </a:xfrm>
-          <a:prstGeom prst="rect">
-            <a:avLst/>
-          </a:prstGeom>
-          <a:noFill/>
-        </p:spPr>
-        <p:txBody>
-          <a:bodyPr wrap="square" rtlCol="0">
-            <a:spAutoFit/>
-          </a:bodyPr>
-          <a:lstStyle/>
-          <a:p>
-            <a:r>
-              <a:rPr lang="de-DE" dirty="0"/>
-              <a:t>K-folds = 5</a:t>
-            </a:r>
-          </a:p>
-          <a:p>
-            <a:endParaRPr lang="de-DE" dirty="0"/>
-          </a:p>
-          <a:p>
-            <a:r>
-              <a:rPr lang="de-DE" dirty="0"/>
-              <a:t>cv.selbal</a:t>
-            </a:r>
-          </a:p>
-          <a:p>
-            <a:r>
-              <a:rPr lang="de-DE" dirty="0"/>
-              <a:t>cv.codacore</a:t>
-            </a:r>
-          </a:p>
-          <a:p>
-            <a:r>
-              <a:rPr lang="de-DE" dirty="0"/>
-              <a:t>ENET</a:t>
-            </a:r>
-          </a:p>
-          <a:p>
-            <a:r>
-              <a:rPr lang="de-DE" dirty="0"/>
-              <a:t>LDA</a:t>
-            </a:r>
-          </a:p>
-          <a:p>
-            <a:r>
-              <a:rPr lang="de-DE" dirty="0"/>
-              <a:t>XGBoots</a:t>
-            </a:r>
-          </a:p>
-        </p:txBody>
-      </p:sp>
-      <p:sp>
-        <p:nvSpPr>
-          <p:cNvPr id="44" name="Rectangle 43">
-            <a:extLst>
-              <a:ext uri="{FF2B5EF4-FFF2-40B4-BE49-F238E27FC236}">
-                <a16:creationId xmlns:a16="http://schemas.microsoft.com/office/drawing/2014/main" id="{18DF47F0-180B-4ECD-9EC5-0FAD8F6AD0D9}"/>
-              </a:ext>
-            </a:extLst>
-          </p:cNvPr>
-          <p:cNvSpPr/>
-          <p:nvPr/>
-        </p:nvSpPr>
-        <p:spPr>
-          <a:xfrm>
-            <a:off x="11438976" y="4282913"/>
-            <a:ext cx="1519166" cy="1379759"/>
-          </a:xfrm>
-          <a:prstGeom prst="rect">
-            <a:avLst/>
-          </a:prstGeom>
-        </p:spPr>
-        <p:style>
-          <a:lnRef idx="2">
-            <a:schemeClr val="accent3">
-              <a:shade val="50000"/>
-            </a:schemeClr>
-          </a:lnRef>
-          <a:fillRef idx="1">
-            <a:schemeClr val="accent3"/>
-          </a:fillRef>
-          <a:effectRef idx="0">
-            <a:schemeClr val="accent3"/>
-          </a:effectRef>
-          <a:fontRef idx="minor">
-            <a:schemeClr val="lt1"/>
-          </a:fontRef>
-        </p:style>
-        <p:txBody>
-          <a:bodyPr rtlCol="0" anchor="ctr"/>
-          <a:lstStyle/>
-          <a:p>
-            <a:pPr algn="ctr"/>
-            <a:endParaRPr lang="de-DE"/>
-          </a:p>
-        </p:txBody>
-      </p:sp>
-      <p:sp>
-        <p:nvSpPr>
-          <p:cNvPr id="48" name="TextBox 47">
-            <a:extLst>
-              <a:ext uri="{FF2B5EF4-FFF2-40B4-BE49-F238E27FC236}">
-                <a16:creationId xmlns:a16="http://schemas.microsoft.com/office/drawing/2014/main" id="{F446927C-78DF-451F-890D-477AC52B8676}"/>
-              </a:ext>
-            </a:extLst>
-          </p:cNvPr>
-          <p:cNvSpPr txBox="1"/>
-          <p:nvPr/>
-        </p:nvSpPr>
-        <p:spPr>
-          <a:xfrm>
-            <a:off x="11518374" y="4605618"/>
-            <a:ext cx="1391575" cy="707886"/>
-          </a:xfrm>
-          <a:prstGeom prst="rect">
-            <a:avLst/>
-          </a:prstGeom>
-          <a:noFill/>
-        </p:spPr>
-        <p:txBody>
-          <a:bodyPr wrap="square" rtlCol="0">
-            <a:spAutoFit/>
-          </a:bodyPr>
-          <a:lstStyle/>
-          <a:p>
-            <a:r>
-              <a:rPr lang="de-DE" sz="2000" b="1" dirty="0"/>
-              <a:t>5x Model accuracy</a:t>
-            </a:r>
-          </a:p>
-        </p:txBody>
-      </p:sp>
-      <p:sp>
-        <p:nvSpPr>
-          <p:cNvPr id="49" name="Arrow: Right 48">
-            <a:extLst>
-              <a:ext uri="{FF2B5EF4-FFF2-40B4-BE49-F238E27FC236}">
-                <a16:creationId xmlns:a16="http://schemas.microsoft.com/office/drawing/2014/main" id="{8DF1C14D-4124-4C1E-8065-E84C82426493}"/>
-              </a:ext>
-            </a:extLst>
-          </p:cNvPr>
-          <p:cNvSpPr/>
-          <p:nvPr/>
-        </p:nvSpPr>
-        <p:spPr>
-          <a:xfrm rot="5400000">
-            <a:off x="11543413" y="3283797"/>
-            <a:ext cx="1297172" cy="365125"/>
-          </a:xfrm>
-          <a:prstGeom prst="rightArrow">
-            <a:avLst/>
-          </a:prstGeom>
-        </p:spPr>
-        <p:style>
-          <a:lnRef idx="2">
-            <a:schemeClr val="accent1">
-              <a:shade val="50000"/>
-            </a:schemeClr>
-          </a:lnRef>
-          <a:fillRef idx="1">
-            <a:schemeClr val="accent1"/>
-          </a:fillRef>
-          <a:effectRef idx="0">
-            <a:schemeClr val="accent1"/>
-          </a:effectRef>
-          <a:fontRef idx="minor">
-            <a:schemeClr val="lt1"/>
-          </a:fontRef>
-        </p:style>
-        <p:txBody>
-          <a:bodyPr rtlCol="0" anchor="ctr"/>
-          <a:lstStyle/>
-          <a:p>
-            <a:pPr algn="ctr"/>
-            <a:endParaRPr lang="de-DE"/>
-          </a:p>
-        </p:txBody>
-      </p:sp>
-      <p:sp>
-        <p:nvSpPr>
-          <p:cNvPr id="14" name="Arrow: Curved Down 13">
-            <a:extLst>
-              <a:ext uri="{FF2B5EF4-FFF2-40B4-BE49-F238E27FC236}">
-                <a16:creationId xmlns:a16="http://schemas.microsoft.com/office/drawing/2014/main" id="{E03AA2E6-2D0B-42B5-8D5D-71BCA72B5FFD}"/>
-              </a:ext>
-            </a:extLst>
-          </p:cNvPr>
-          <p:cNvSpPr/>
-          <p:nvPr/>
-        </p:nvSpPr>
-        <p:spPr>
-          <a:xfrm rot="19742778">
-            <a:off x="10119539" y="872366"/>
-            <a:ext cx="1839432" cy="813793"/>
-          </a:xfrm>
-          <a:prstGeom prst="curvedDownArrow">
-            <a:avLst/>
-          </a:prstGeom>
-        </p:spPr>
-        <p:style>
-          <a:lnRef idx="2">
-            <a:schemeClr val="accent2">
-              <a:shade val="50000"/>
-            </a:schemeClr>
-          </a:lnRef>
-          <a:fillRef idx="1">
-            <a:schemeClr val="accent2"/>
-          </a:fillRef>
-          <a:effectRef idx="0">
-            <a:schemeClr val="accent2"/>
-          </a:effectRef>
-          <a:fontRef idx="minor">
-            <a:schemeClr val="lt1"/>
-          </a:fontRef>
-        </p:style>
-        <p:txBody>
-          <a:bodyPr rtlCol="0" anchor="ctr"/>
-          <a:lstStyle/>
-          <a:p>
-            <a:pPr algn="ctr"/>
-            <a:endParaRPr lang="de-DE">
+        </p:grpSpPr>
+        <p:sp>
+          <p:nvSpPr>
+            <p:cNvPr id="3" name="Rectangle 2">
+              <a:extLst>
+                <a:ext uri="{FF2B5EF4-FFF2-40B4-BE49-F238E27FC236}">
+                  <a16:creationId xmlns:a16="http://schemas.microsoft.com/office/drawing/2014/main" id="{620AD768-A59A-470B-9377-790E03FF084D}"/>
+                </a:ext>
+              </a:extLst>
+            </p:cNvPr>
+            <p:cNvSpPr/>
+            <p:nvPr/>
+          </p:nvSpPr>
+          <p:spPr>
+            <a:xfrm>
+              <a:off x="4306186" y="467833"/>
+              <a:ext cx="6836735" cy="5358809"/>
+            </a:xfrm>
+            <a:prstGeom prst="rect">
+              <a:avLst/>
+            </a:prstGeom>
+          </p:spPr>
+          <p:style>
+            <a:lnRef idx="2">
+              <a:schemeClr val="accent1">
+                <a:shade val="50000"/>
+              </a:schemeClr>
+            </a:lnRef>
+            <a:fillRef idx="1">
+              <a:schemeClr val="accent1"/>
+            </a:fillRef>
+            <a:effectRef idx="0">
+              <a:schemeClr val="accent1"/>
+            </a:effectRef>
+            <a:fontRef idx="minor">
+              <a:schemeClr val="lt1"/>
+            </a:fontRef>
+          </p:style>
+          <p:txBody>
+            <a:bodyPr rtlCol="0" anchor="ctr"/>
+            <a:lstStyle/>
+            <a:p>
+              <a:pPr algn="ctr"/>
+              <a:endParaRPr lang="de-DE"/>
+            </a:p>
+          </p:txBody>
+        </p:sp>
+        <p:sp>
+          <p:nvSpPr>
+            <p:cNvPr id="8" name="TextBox 7">
+              <a:extLst>
+                <a:ext uri="{FF2B5EF4-FFF2-40B4-BE49-F238E27FC236}">
+                  <a16:creationId xmlns:a16="http://schemas.microsoft.com/office/drawing/2014/main" id="{55611667-AD1D-471D-A4C9-274318F03281}"/>
+                </a:ext>
+              </a:extLst>
+            </p:cNvPr>
+            <p:cNvSpPr txBox="1"/>
+            <p:nvPr/>
+          </p:nvSpPr>
+          <p:spPr>
+            <a:xfrm>
+              <a:off x="1175081" y="2782112"/>
+              <a:ext cx="1414131" cy="400110"/>
+            </a:xfrm>
+            <a:prstGeom prst="rect">
+              <a:avLst/>
+            </a:prstGeom>
+            <a:noFill/>
+          </p:spPr>
+          <p:txBody>
+            <a:bodyPr wrap="square" rtlCol="0">
+              <a:spAutoFit/>
+            </a:bodyPr>
+            <a:lstStyle/>
+            <a:p>
+              <a:r>
+                <a:rPr lang="de-DE" sz="2000" b="1" dirty="0"/>
+                <a:t>Dataset</a:t>
+              </a:r>
+            </a:p>
+          </p:txBody>
+        </p:sp>
+        <p:sp>
+          <p:nvSpPr>
+            <p:cNvPr id="9" name="Arrow: Right 8">
+              <a:extLst>
+                <a:ext uri="{FF2B5EF4-FFF2-40B4-BE49-F238E27FC236}">
+                  <a16:creationId xmlns:a16="http://schemas.microsoft.com/office/drawing/2014/main" id="{D261F977-FCCB-4A80-AC8F-4B6D7797EEB1}"/>
+                </a:ext>
+              </a:extLst>
+            </p:cNvPr>
+            <p:cNvSpPr/>
+            <p:nvPr/>
+          </p:nvSpPr>
+          <p:spPr>
+            <a:xfrm>
+              <a:off x="2690038" y="2782112"/>
+              <a:ext cx="1297172" cy="365125"/>
+            </a:xfrm>
+            <a:prstGeom prst="rightArrow">
+              <a:avLst/>
+            </a:prstGeom>
+          </p:spPr>
+          <p:style>
+            <a:lnRef idx="2">
+              <a:schemeClr val="accent1">
+                <a:shade val="50000"/>
+              </a:schemeClr>
+            </a:lnRef>
+            <a:fillRef idx="1">
+              <a:schemeClr val="accent1"/>
+            </a:fillRef>
+            <a:effectRef idx="0">
+              <a:schemeClr val="accent1"/>
+            </a:effectRef>
+            <a:fontRef idx="minor">
+              <a:schemeClr val="lt1"/>
+            </a:fontRef>
+          </p:style>
+          <p:txBody>
+            <a:bodyPr rtlCol="0" anchor="ctr"/>
+            <a:lstStyle/>
+            <a:p>
+              <a:pPr algn="ctr"/>
+              <a:endParaRPr lang="de-DE"/>
+            </a:p>
+          </p:txBody>
+        </p:sp>
+        <p:sp>
+          <p:nvSpPr>
+            <p:cNvPr id="27" name="Rectangle 26">
+              <a:extLst>
+                <a:ext uri="{FF2B5EF4-FFF2-40B4-BE49-F238E27FC236}">
+                  <a16:creationId xmlns:a16="http://schemas.microsoft.com/office/drawing/2014/main" id="{87FFBF1C-6685-403E-B773-8642460D6EB2}"/>
+                </a:ext>
+              </a:extLst>
+            </p:cNvPr>
+            <p:cNvSpPr/>
+            <p:nvPr/>
+          </p:nvSpPr>
+          <p:spPr>
+            <a:xfrm>
+              <a:off x="5007935" y="1853646"/>
+              <a:ext cx="5872485" cy="3749712"/>
+            </a:xfrm>
+            <a:prstGeom prst="rect">
+              <a:avLst/>
+            </a:prstGeom>
+          </p:spPr>
+          <p:style>
+            <a:lnRef idx="2">
+              <a:schemeClr val="accent2">
+                <a:shade val="50000"/>
+              </a:schemeClr>
+            </a:lnRef>
+            <a:fillRef idx="1">
+              <a:schemeClr val="accent2"/>
+            </a:fillRef>
+            <a:effectRef idx="0">
+              <a:schemeClr val="accent2"/>
+            </a:effectRef>
+            <a:fontRef idx="minor">
+              <a:schemeClr val="lt1"/>
+            </a:fontRef>
+          </p:style>
+          <p:txBody>
+            <a:bodyPr rtlCol="0" anchor="ctr"/>
+            <a:lstStyle/>
+            <a:p>
+              <a:pPr algn="ctr"/>
+              <a:endParaRPr lang="de-DE"/>
+            </a:p>
+          </p:txBody>
+        </p:sp>
+        <p:sp>
+          <p:nvSpPr>
+            <p:cNvPr id="28" name="Rectangle 27">
+              <a:extLst>
+                <a:ext uri="{FF2B5EF4-FFF2-40B4-BE49-F238E27FC236}">
+                  <a16:creationId xmlns:a16="http://schemas.microsoft.com/office/drawing/2014/main" id="{13181884-8B04-4FF4-B76B-68A48EE191A4}"/>
+                </a:ext>
+              </a:extLst>
+            </p:cNvPr>
+            <p:cNvSpPr/>
+            <p:nvPr/>
+          </p:nvSpPr>
+          <p:spPr>
+            <a:xfrm>
+              <a:off x="5911212" y="2817772"/>
+              <a:ext cx="4729792" cy="2508963"/>
+            </a:xfrm>
+            <a:prstGeom prst="rect">
+              <a:avLst/>
+            </a:prstGeom>
+          </p:spPr>
+          <p:style>
+            <a:lnRef idx="2">
+              <a:schemeClr val="accent3">
+                <a:shade val="50000"/>
+              </a:schemeClr>
+            </a:lnRef>
+            <a:fillRef idx="1">
+              <a:schemeClr val="accent3"/>
+            </a:fillRef>
+            <a:effectRef idx="0">
+              <a:schemeClr val="accent3"/>
+            </a:effectRef>
+            <a:fontRef idx="minor">
+              <a:schemeClr val="lt1"/>
+            </a:fontRef>
+          </p:style>
+          <p:txBody>
+            <a:bodyPr rtlCol="0" anchor="ctr"/>
+            <a:lstStyle/>
+            <a:p>
+              <a:pPr algn="ctr"/>
+              <a:endParaRPr lang="de-DE"/>
+            </a:p>
+          </p:txBody>
+        </p:sp>
+        <p:sp>
+          <p:nvSpPr>
+            <p:cNvPr id="30" name="TextBox 29">
+              <a:extLst>
+                <a:ext uri="{FF2B5EF4-FFF2-40B4-BE49-F238E27FC236}">
+                  <a16:creationId xmlns:a16="http://schemas.microsoft.com/office/drawing/2014/main" id="{C094F691-7C4F-4392-B69F-E8A30F3A96C2}"/>
+                </a:ext>
+              </a:extLst>
+            </p:cNvPr>
+            <p:cNvSpPr txBox="1"/>
+            <p:nvPr/>
+          </p:nvSpPr>
+          <p:spPr>
+            <a:xfrm>
+              <a:off x="4322136" y="526956"/>
+              <a:ext cx="2876106" cy="400110"/>
+            </a:xfrm>
+            <a:prstGeom prst="rect">
+              <a:avLst/>
+            </a:prstGeom>
+            <a:noFill/>
+          </p:spPr>
+          <p:txBody>
+            <a:bodyPr wrap="square" rtlCol="0">
+              <a:spAutoFit/>
+            </a:bodyPr>
+            <a:lstStyle/>
+            <a:p>
+              <a:r>
+                <a:rPr lang="de-DE" sz="2000" b="1" dirty="0"/>
+                <a:t>Transformation</a:t>
+              </a:r>
+            </a:p>
+          </p:txBody>
+        </p:sp>
+        <p:sp>
+          <p:nvSpPr>
+            <p:cNvPr id="10" name="TextBox 9">
+              <a:extLst>
+                <a:ext uri="{FF2B5EF4-FFF2-40B4-BE49-F238E27FC236}">
+                  <a16:creationId xmlns:a16="http://schemas.microsoft.com/office/drawing/2014/main" id="{C2A2E94E-3446-49B2-A5CD-BECC77DA3C69}"/>
+                </a:ext>
+              </a:extLst>
+            </p:cNvPr>
+            <p:cNvSpPr txBox="1"/>
+            <p:nvPr/>
+          </p:nvSpPr>
+          <p:spPr>
+            <a:xfrm>
+              <a:off x="4322136" y="954155"/>
+              <a:ext cx="6717119" cy="369332"/>
+            </a:xfrm>
+            <a:prstGeom prst="rect">
+              <a:avLst/>
+            </a:prstGeom>
+            <a:noFill/>
+          </p:spPr>
+          <p:txBody>
+            <a:bodyPr wrap="square" rtlCol="0">
+              <a:spAutoFit/>
+            </a:bodyPr>
+            <a:lstStyle/>
+            <a:p>
+              <a:r>
+                <a:rPr lang="de-DE" dirty="0"/>
+                <a:t>TSS(), ALR_optimal(), ALR_worst(), ALR_random(), CLR()</a:t>
+              </a:r>
+            </a:p>
+          </p:txBody>
+        </p:sp>
+        <p:sp>
+          <p:nvSpPr>
+            <p:cNvPr id="32" name="TextBox 31">
+              <a:extLst>
+                <a:ext uri="{FF2B5EF4-FFF2-40B4-BE49-F238E27FC236}">
+                  <a16:creationId xmlns:a16="http://schemas.microsoft.com/office/drawing/2014/main" id="{B250C6A0-1926-4046-BC27-DFA2FE1A9C1C}"/>
+                </a:ext>
+              </a:extLst>
+            </p:cNvPr>
+            <p:cNvSpPr txBox="1"/>
+            <p:nvPr/>
+          </p:nvSpPr>
+          <p:spPr>
+            <a:xfrm>
+              <a:off x="5031202" y="2212828"/>
+              <a:ext cx="6297787" cy="369332"/>
+            </a:xfrm>
+            <a:prstGeom prst="rect">
+              <a:avLst/>
+            </a:prstGeom>
+            <a:noFill/>
+          </p:spPr>
+          <p:txBody>
+            <a:bodyPr wrap="square" rtlCol="0">
+              <a:spAutoFit/>
+            </a:bodyPr>
+            <a:lstStyle/>
+            <a:p>
+              <a:r>
+                <a:rPr lang="de-DE" dirty="0"/>
+                <a:t>Initial data split for consistency in all models </a:t>
+              </a:r>
+            </a:p>
+          </p:txBody>
+        </p:sp>
+        <p:sp>
+          <p:nvSpPr>
+            <p:cNvPr id="33" name="TextBox 32">
+              <a:extLst>
+                <a:ext uri="{FF2B5EF4-FFF2-40B4-BE49-F238E27FC236}">
+                  <a16:creationId xmlns:a16="http://schemas.microsoft.com/office/drawing/2014/main" id="{04A0A2DE-16AF-4170-ACB4-FD4746EBB9F5}"/>
+                </a:ext>
+              </a:extLst>
+            </p:cNvPr>
+            <p:cNvSpPr txBox="1"/>
+            <p:nvPr/>
+          </p:nvSpPr>
+          <p:spPr>
+            <a:xfrm>
+              <a:off x="5007935" y="1858865"/>
+              <a:ext cx="2876106" cy="400110"/>
+            </a:xfrm>
+            <a:prstGeom prst="rect">
+              <a:avLst/>
+            </a:prstGeom>
+            <a:noFill/>
+          </p:spPr>
+          <p:txBody>
+            <a:bodyPr wrap="square" rtlCol="0">
+              <a:spAutoFit/>
+            </a:bodyPr>
+            <a:lstStyle/>
+            <a:p>
+              <a:r>
+                <a:rPr lang="de-DE" sz="2000" b="1" dirty="0"/>
+                <a:t>Data split</a:t>
+              </a:r>
+            </a:p>
+          </p:txBody>
+        </p:sp>
+        <p:sp>
+          <p:nvSpPr>
+            <p:cNvPr id="34" name="Rectangle 33">
+              <a:extLst>
+                <a:ext uri="{FF2B5EF4-FFF2-40B4-BE49-F238E27FC236}">
+                  <a16:creationId xmlns:a16="http://schemas.microsoft.com/office/drawing/2014/main" id="{30B02149-0C4C-44EE-88C0-C3ADB582BF80}"/>
+                </a:ext>
+              </a:extLst>
+            </p:cNvPr>
+            <p:cNvSpPr/>
+            <p:nvPr/>
+          </p:nvSpPr>
+          <p:spPr>
+            <a:xfrm>
+              <a:off x="11438976" y="1435395"/>
+              <a:ext cx="1506048" cy="1226288"/>
+            </a:xfrm>
+            <a:prstGeom prst="rect">
+              <a:avLst/>
+            </a:prstGeom>
+          </p:spPr>
+          <p:style>
+            <a:lnRef idx="2">
+              <a:schemeClr val="accent2">
+                <a:shade val="50000"/>
+              </a:schemeClr>
+            </a:lnRef>
+            <a:fillRef idx="1">
+              <a:schemeClr val="accent2"/>
+            </a:fillRef>
+            <a:effectRef idx="0">
+              <a:schemeClr val="accent2"/>
+            </a:effectRef>
+            <a:fontRef idx="minor">
+              <a:schemeClr val="lt1"/>
+            </a:fontRef>
+          </p:style>
+          <p:txBody>
+            <a:bodyPr rtlCol="0" anchor="ctr"/>
+            <a:lstStyle/>
+            <a:p>
+              <a:pPr algn="ctr"/>
+              <a:endParaRPr lang="de-DE"/>
+            </a:p>
+          </p:txBody>
+        </p:sp>
+        <p:sp>
+          <p:nvSpPr>
+            <p:cNvPr id="36" name="TextBox 35">
+              <a:extLst>
+                <a:ext uri="{FF2B5EF4-FFF2-40B4-BE49-F238E27FC236}">
+                  <a16:creationId xmlns:a16="http://schemas.microsoft.com/office/drawing/2014/main" id="{489770FC-6936-4E84-9E60-791E4AEA651A}"/>
+                </a:ext>
+              </a:extLst>
+            </p:cNvPr>
+            <p:cNvSpPr txBox="1"/>
+            <p:nvPr/>
+          </p:nvSpPr>
+          <p:spPr>
+            <a:xfrm>
+              <a:off x="11634614" y="1793808"/>
+              <a:ext cx="1310410" cy="400110"/>
+            </a:xfrm>
+            <a:prstGeom prst="rect">
+              <a:avLst/>
+            </a:prstGeom>
+            <a:noFill/>
+          </p:spPr>
+          <p:txBody>
+            <a:bodyPr wrap="square" rtlCol="0">
+              <a:spAutoFit/>
+            </a:bodyPr>
+            <a:lstStyle/>
+            <a:p>
+              <a:r>
+                <a:rPr lang="de-DE" sz="2000" b="1" dirty="0"/>
+                <a:t>Test set</a:t>
+              </a:r>
+            </a:p>
+          </p:txBody>
+        </p:sp>
+        <p:sp>
+          <p:nvSpPr>
+            <p:cNvPr id="37" name="TextBox 36">
+              <a:extLst>
+                <a:ext uri="{FF2B5EF4-FFF2-40B4-BE49-F238E27FC236}">
+                  <a16:creationId xmlns:a16="http://schemas.microsoft.com/office/drawing/2014/main" id="{8277B8AC-608F-404F-910C-FF6C16EE64B0}"/>
+                </a:ext>
+              </a:extLst>
+            </p:cNvPr>
+            <p:cNvSpPr txBox="1"/>
+            <p:nvPr/>
+          </p:nvSpPr>
+          <p:spPr>
+            <a:xfrm>
+              <a:off x="5975007" y="2848150"/>
+              <a:ext cx="4327451" cy="400110"/>
+            </a:xfrm>
+            <a:prstGeom prst="rect">
+              <a:avLst/>
+            </a:prstGeom>
+            <a:noFill/>
+          </p:spPr>
+          <p:txBody>
+            <a:bodyPr wrap="square" rtlCol="0">
+              <a:spAutoFit/>
+            </a:bodyPr>
+            <a:lstStyle/>
+            <a:p>
+              <a:r>
+                <a:rPr lang="de-DE" sz="2000" b="1" dirty="0"/>
+                <a:t>CV + models</a:t>
+              </a:r>
+            </a:p>
+          </p:txBody>
+        </p:sp>
+        <p:sp>
+          <p:nvSpPr>
+            <p:cNvPr id="38" name="TextBox 37">
+              <a:extLst>
+                <a:ext uri="{FF2B5EF4-FFF2-40B4-BE49-F238E27FC236}">
+                  <a16:creationId xmlns:a16="http://schemas.microsoft.com/office/drawing/2014/main" id="{D3629AE7-8DD7-46F5-8B1A-937532D154CC}"/>
+                </a:ext>
+              </a:extLst>
+            </p:cNvPr>
+            <p:cNvSpPr txBox="1"/>
+            <p:nvPr/>
+          </p:nvSpPr>
+          <p:spPr>
+            <a:xfrm>
+              <a:off x="6020686" y="3268321"/>
+              <a:ext cx="4081857" cy="1754326"/>
+            </a:xfrm>
+            <a:prstGeom prst="rect">
+              <a:avLst/>
+            </a:prstGeom>
+            <a:noFill/>
+          </p:spPr>
+          <p:txBody>
+            <a:bodyPr wrap="square" rtlCol="0">
+              <a:spAutoFit/>
+            </a:bodyPr>
+            <a:lstStyle/>
+            <a:p>
+              <a:r>
+                <a:rPr lang="de-DE" dirty="0"/>
+                <a:t>K-folds = 5, CV = 10</a:t>
+              </a:r>
+            </a:p>
+            <a:p>
+              <a:endParaRPr lang="de-DE" dirty="0"/>
+            </a:p>
+            <a:p>
+              <a:r>
+                <a:rPr lang="de-DE" dirty="0"/>
+                <a:t>(selbal)</a:t>
+              </a:r>
+            </a:p>
+            <a:p>
+              <a:r>
+                <a:rPr lang="de-DE" dirty="0"/>
+                <a:t>codacore</a:t>
+              </a:r>
+            </a:p>
+            <a:p>
+              <a:r>
+                <a:rPr lang="de-DE" dirty="0"/>
+                <a:t>glmnet</a:t>
+              </a:r>
+            </a:p>
+            <a:p>
+              <a:r>
+                <a:rPr lang="de-DE" dirty="0"/>
+                <a:t>xgboost</a:t>
+              </a:r>
+            </a:p>
+          </p:txBody>
+        </p:sp>
+        <p:sp>
+          <p:nvSpPr>
+            <p:cNvPr id="44" name="Rectangle 43">
+              <a:extLst>
+                <a:ext uri="{FF2B5EF4-FFF2-40B4-BE49-F238E27FC236}">
+                  <a16:creationId xmlns:a16="http://schemas.microsoft.com/office/drawing/2014/main" id="{18DF47F0-180B-4ECD-9EC5-0FAD8F6AD0D9}"/>
+                </a:ext>
+              </a:extLst>
+            </p:cNvPr>
+            <p:cNvSpPr/>
+            <p:nvPr/>
+          </p:nvSpPr>
+          <p:spPr>
+            <a:xfrm>
+              <a:off x="11438976" y="4282913"/>
+              <a:ext cx="1519166" cy="1379759"/>
+            </a:xfrm>
+            <a:prstGeom prst="rect">
+              <a:avLst/>
+            </a:prstGeom>
+          </p:spPr>
+          <p:style>
+            <a:lnRef idx="2">
+              <a:schemeClr val="accent3">
+                <a:shade val="50000"/>
+              </a:schemeClr>
+            </a:lnRef>
+            <a:fillRef idx="1">
+              <a:schemeClr val="accent3"/>
+            </a:fillRef>
+            <a:effectRef idx="0">
+              <a:schemeClr val="accent3"/>
+            </a:effectRef>
+            <a:fontRef idx="minor">
+              <a:schemeClr val="lt1"/>
+            </a:fontRef>
+          </p:style>
+          <p:txBody>
+            <a:bodyPr rtlCol="0" anchor="ctr"/>
+            <a:lstStyle/>
+            <a:p>
+              <a:pPr algn="ctr"/>
+              <a:endParaRPr lang="de-DE"/>
+            </a:p>
+          </p:txBody>
+        </p:sp>
+        <p:sp>
+          <p:nvSpPr>
+            <p:cNvPr id="48" name="TextBox 47">
+              <a:extLst>
+                <a:ext uri="{FF2B5EF4-FFF2-40B4-BE49-F238E27FC236}">
+                  <a16:creationId xmlns:a16="http://schemas.microsoft.com/office/drawing/2014/main" id="{F446927C-78DF-451F-890D-477AC52B8676}"/>
+                </a:ext>
+              </a:extLst>
+            </p:cNvPr>
+            <p:cNvSpPr txBox="1"/>
+            <p:nvPr/>
+          </p:nvSpPr>
+          <p:spPr>
+            <a:xfrm>
+              <a:off x="11496211" y="4548951"/>
+              <a:ext cx="1391575" cy="707886"/>
+            </a:xfrm>
+            <a:prstGeom prst="rect">
+              <a:avLst/>
+            </a:prstGeom>
+            <a:noFill/>
+          </p:spPr>
+          <p:txBody>
+            <a:bodyPr wrap="square" rtlCol="0">
+              <a:spAutoFit/>
+            </a:bodyPr>
+            <a:lstStyle/>
+            <a:p>
+              <a:r>
+                <a:rPr lang="de-DE" b="1" dirty="0"/>
+                <a:t>Model accuracy</a:t>
+              </a:r>
+            </a:p>
+          </p:txBody>
+        </p:sp>
+        <p:sp>
+          <p:nvSpPr>
+            <p:cNvPr id="49" name="Arrow: Right 48">
+              <a:extLst>
+                <a:ext uri="{FF2B5EF4-FFF2-40B4-BE49-F238E27FC236}">
+                  <a16:creationId xmlns:a16="http://schemas.microsoft.com/office/drawing/2014/main" id="{8DF1C14D-4124-4C1E-8065-E84C82426493}"/>
+                </a:ext>
+              </a:extLst>
+            </p:cNvPr>
+            <p:cNvSpPr/>
+            <p:nvPr/>
+          </p:nvSpPr>
+          <p:spPr>
+            <a:xfrm rot="5400000">
+              <a:off x="11543413" y="3283797"/>
+              <a:ext cx="1297172" cy="365125"/>
+            </a:xfrm>
+            <a:prstGeom prst="rightArrow">
+              <a:avLst/>
+            </a:prstGeom>
+          </p:spPr>
+          <p:style>
+            <a:lnRef idx="2">
+              <a:schemeClr val="accent1">
+                <a:shade val="50000"/>
+              </a:schemeClr>
+            </a:lnRef>
+            <a:fillRef idx="1">
+              <a:schemeClr val="accent1"/>
+            </a:fillRef>
+            <a:effectRef idx="0">
+              <a:schemeClr val="accent1"/>
+            </a:effectRef>
+            <a:fontRef idx="minor">
+              <a:schemeClr val="lt1"/>
+            </a:fontRef>
+          </p:style>
+          <p:txBody>
+            <a:bodyPr rtlCol="0" anchor="ctr"/>
+            <a:lstStyle/>
+            <a:p>
+              <a:pPr algn="ctr"/>
+              <a:endParaRPr lang="de-DE"/>
+            </a:p>
+          </p:txBody>
+        </p:sp>
+        <p:sp>
+          <p:nvSpPr>
+            <p:cNvPr id="14" name="Arrow: Curved Down 13">
+              <a:extLst>
+                <a:ext uri="{FF2B5EF4-FFF2-40B4-BE49-F238E27FC236}">
+                  <a16:creationId xmlns:a16="http://schemas.microsoft.com/office/drawing/2014/main" id="{E03AA2E6-2D0B-42B5-8D5D-71BCA72B5FFD}"/>
+                </a:ext>
+              </a:extLst>
+            </p:cNvPr>
+            <p:cNvSpPr/>
+            <p:nvPr/>
+          </p:nvSpPr>
+          <p:spPr>
+            <a:xfrm rot="19742778">
+              <a:off x="10119539" y="872366"/>
+              <a:ext cx="1839432" cy="813793"/>
+            </a:xfrm>
+            <a:prstGeom prst="curvedDownArrow">
+              <a:avLst/>
+            </a:prstGeom>
+          </p:spPr>
+          <p:style>
+            <a:lnRef idx="2">
+              <a:schemeClr val="accent2">
+                <a:shade val="50000"/>
+              </a:schemeClr>
+            </a:lnRef>
+            <a:fillRef idx="1">
+              <a:schemeClr val="accent2"/>
+            </a:fillRef>
+            <a:effectRef idx="0">
+              <a:schemeClr val="accent2"/>
+            </a:effectRef>
+            <a:fontRef idx="minor">
+              <a:schemeClr val="lt1"/>
+            </a:fontRef>
+          </p:style>
+          <p:txBody>
+            <a:bodyPr rtlCol="0" anchor="ctr"/>
+            <a:lstStyle/>
+            <a:p>
+              <a:pPr algn="ctr"/>
+              <a:endParaRPr lang="de-DE">
+                <a:solidFill>
+                  <a:schemeClr val="tx1"/>
+                </a:solidFill>
+              </a:endParaRPr>
+            </a:p>
+          </p:txBody>
+        </p:sp>
+        <p:sp>
+          <p:nvSpPr>
+            <p:cNvPr id="51" name="Arrow: Curved Down 50">
+              <a:extLst>
+                <a:ext uri="{FF2B5EF4-FFF2-40B4-BE49-F238E27FC236}">
+                  <a16:creationId xmlns:a16="http://schemas.microsoft.com/office/drawing/2014/main" id="{69FBA25F-FDEA-4F5E-B8F3-D6052EF6FDF8}"/>
+                </a:ext>
+              </a:extLst>
+            </p:cNvPr>
+            <p:cNvSpPr/>
+            <p:nvPr/>
+          </p:nvSpPr>
+          <p:spPr>
+            <a:xfrm rot="19287333">
+              <a:off x="9943675" y="3792887"/>
+              <a:ext cx="1839432" cy="813793"/>
+            </a:xfrm>
+            <a:prstGeom prst="curvedDownArrow">
+              <a:avLst/>
+            </a:prstGeom>
+          </p:spPr>
+          <p:style>
+            <a:lnRef idx="2">
+              <a:schemeClr val="accent3">
+                <a:shade val="50000"/>
+              </a:schemeClr>
+            </a:lnRef>
+            <a:fillRef idx="1">
+              <a:schemeClr val="accent3"/>
+            </a:fillRef>
+            <a:effectRef idx="0">
+              <a:schemeClr val="accent3"/>
+            </a:effectRef>
+            <a:fontRef idx="minor">
+              <a:schemeClr val="lt1"/>
+            </a:fontRef>
+          </p:style>
+          <p:txBody>
+            <a:bodyPr rtlCol="0" anchor="ctr"/>
+            <a:lstStyle/>
+            <a:p>
+              <a:pPr algn="ctr"/>
+              <a:endParaRPr lang="de-DE">
+                <a:solidFill>
+                  <a:schemeClr val="tx1"/>
+                </a:solidFill>
+              </a:endParaRPr>
+            </a:p>
+          </p:txBody>
+        </p:sp>
+        <p:sp>
+          <p:nvSpPr>
+            <p:cNvPr id="15" name="Oval 14">
+              <a:extLst>
+                <a:ext uri="{FF2B5EF4-FFF2-40B4-BE49-F238E27FC236}">
+                  <a16:creationId xmlns:a16="http://schemas.microsoft.com/office/drawing/2014/main" id="{0ABD0FA6-70C3-4752-ABA9-C68A18300A59}"/>
+                </a:ext>
+              </a:extLst>
+            </p:cNvPr>
+            <p:cNvSpPr/>
+            <p:nvPr/>
+          </p:nvSpPr>
+          <p:spPr>
+            <a:xfrm>
+              <a:off x="5063741" y="2069305"/>
+              <a:ext cx="6172214" cy="3747019"/>
+            </a:xfrm>
+            <a:prstGeom prst="ellipse">
+              <a:avLst/>
+            </a:prstGeom>
+            <a:noFill/>
+            <a:ln w="38100">
               <a:solidFill>
-                <a:schemeClr val="tx1"/>
+                <a:srgbClr val="7030A0"/>
               </a:solidFill>
-            </a:endParaRPr>
-          </a:p>
-        </p:txBody>
-      </p:sp>
-      <p:sp>
-        <p:nvSpPr>
-          <p:cNvPr id="51" name="Arrow: Curved Down 50">
-            <a:extLst>
-              <a:ext uri="{FF2B5EF4-FFF2-40B4-BE49-F238E27FC236}">
-                <a16:creationId xmlns:a16="http://schemas.microsoft.com/office/drawing/2014/main" id="{69FBA25F-FDEA-4F5E-B8F3-D6052EF6FDF8}"/>
-              </a:ext>
-            </a:extLst>
-          </p:cNvPr>
-          <p:cNvSpPr/>
-          <p:nvPr/>
-        </p:nvSpPr>
-        <p:spPr>
-          <a:xfrm rot="19287333">
-            <a:off x="9943675" y="3792887"/>
-            <a:ext cx="1839432" cy="813793"/>
-          </a:xfrm>
-          <a:prstGeom prst="curvedDownArrow">
-            <a:avLst/>
-          </a:prstGeom>
-        </p:spPr>
-        <p:style>
-          <a:lnRef idx="2">
-            <a:schemeClr val="accent3">
-              <a:shade val="50000"/>
-            </a:schemeClr>
-          </a:lnRef>
-          <a:fillRef idx="1">
-            <a:schemeClr val="accent3"/>
-          </a:fillRef>
-          <a:effectRef idx="0">
-            <a:schemeClr val="accent3"/>
-          </a:effectRef>
-          <a:fontRef idx="minor">
-            <a:schemeClr val="lt1"/>
-          </a:fontRef>
-        </p:style>
-        <p:txBody>
-          <a:bodyPr rtlCol="0" anchor="ctr"/>
-          <a:lstStyle/>
-          <a:p>
-            <a:pPr algn="ctr"/>
-            <a:endParaRPr lang="de-DE">
-              <a:solidFill>
-                <a:schemeClr val="tx1"/>
-              </a:solidFill>
-            </a:endParaRPr>
-          </a:p>
-        </p:txBody>
-      </p:sp>
-      <p:sp>
-        <p:nvSpPr>
-          <p:cNvPr id="15" name="Oval 14">
-            <a:extLst>
-              <a:ext uri="{FF2B5EF4-FFF2-40B4-BE49-F238E27FC236}">
-                <a16:creationId xmlns:a16="http://schemas.microsoft.com/office/drawing/2014/main" id="{0ABD0FA6-70C3-4752-ABA9-C68A18300A59}"/>
-              </a:ext>
-            </a:extLst>
-          </p:cNvPr>
-          <p:cNvSpPr/>
-          <p:nvPr/>
-        </p:nvSpPr>
-        <p:spPr>
-          <a:xfrm>
-            <a:off x="3732028" y="148856"/>
-            <a:ext cx="9654363" cy="6351977"/>
-          </a:xfrm>
-          <a:prstGeom prst="ellipse">
-            <a:avLst/>
-          </a:prstGeom>
-          <a:noFill/>
-          <a:ln w="38100">
-            <a:solidFill>
-              <a:srgbClr val="7030A0"/>
-            </a:solidFill>
-          </a:ln>
-        </p:spPr>
-        <p:style>
-          <a:lnRef idx="2">
-            <a:schemeClr val="accent1">
-              <a:shade val="50000"/>
-            </a:schemeClr>
-          </a:lnRef>
-          <a:fillRef idx="1">
-            <a:schemeClr val="accent1"/>
-          </a:fillRef>
-          <a:effectRef idx="0">
-            <a:schemeClr val="accent1"/>
-          </a:effectRef>
-          <a:fontRef idx="minor">
-            <a:schemeClr val="lt1"/>
-          </a:fontRef>
-        </p:style>
-        <p:txBody>
-          <a:bodyPr rtlCol="0" anchor="ctr"/>
-          <a:lstStyle/>
-          <a:p>
-            <a:pPr algn="ctr"/>
-            <a:endParaRPr lang="de-DE"/>
-          </a:p>
-        </p:txBody>
-      </p:sp>
-      <p:sp>
-        <p:nvSpPr>
-          <p:cNvPr id="16" name="TextBox 15">
-            <a:extLst>
-              <a:ext uri="{FF2B5EF4-FFF2-40B4-BE49-F238E27FC236}">
-                <a16:creationId xmlns:a16="http://schemas.microsoft.com/office/drawing/2014/main" id="{46B392D2-B354-448B-990C-3B9E3DA5C747}"/>
-              </a:ext>
-            </a:extLst>
-          </p:cNvPr>
-          <p:cNvSpPr txBox="1"/>
-          <p:nvPr/>
-        </p:nvSpPr>
-        <p:spPr>
-          <a:xfrm>
-            <a:off x="2743537" y="4984935"/>
-            <a:ext cx="2204249" cy="923330"/>
-          </a:xfrm>
-          <a:prstGeom prst="rect">
-            <a:avLst/>
-          </a:prstGeom>
-          <a:noFill/>
-        </p:spPr>
-        <p:txBody>
-          <a:bodyPr wrap="square" rtlCol="0">
-            <a:spAutoFit/>
-          </a:bodyPr>
-          <a:lstStyle/>
-          <a:p>
-            <a:r>
-              <a:rPr lang="de-DE" b="1" dirty="0">
-                <a:solidFill>
-                  <a:srgbClr val="7030A0"/>
-                </a:solidFill>
-              </a:rPr>
-              <a:t>Repeat 10x to observe statistical fluctuations</a:t>
-            </a:r>
-          </a:p>
-        </p:txBody>
-      </p:sp>
-      <p:sp>
-        <p:nvSpPr>
-          <p:cNvPr id="7" name="TextBox 6">
-            <a:extLst>
-              <a:ext uri="{FF2B5EF4-FFF2-40B4-BE49-F238E27FC236}">
-                <a16:creationId xmlns:a16="http://schemas.microsoft.com/office/drawing/2014/main" id="{236F2CFA-5B65-49D8-82B7-87D8FD3D698C}"/>
-              </a:ext>
-            </a:extLst>
-          </p:cNvPr>
-          <p:cNvSpPr txBox="1"/>
-          <p:nvPr/>
-        </p:nvSpPr>
-        <p:spPr>
-          <a:xfrm rot="1525523">
-            <a:off x="8501597" y="2003123"/>
-            <a:ext cx="3033375" cy="1477328"/>
-          </a:xfrm>
-          <a:prstGeom prst="rect">
-            <a:avLst/>
-          </a:prstGeom>
-          <a:solidFill>
-            <a:schemeClr val="bg1"/>
-          </a:solidFill>
-          <a:ln>
-            <a:solidFill>
-              <a:schemeClr val="tx1"/>
-            </a:solidFill>
-          </a:ln>
-        </p:spPr>
-        <p:txBody>
-          <a:bodyPr wrap="square" rtlCol="0">
-            <a:spAutoFit/>
-          </a:bodyPr>
-          <a:lstStyle/>
-          <a:p>
-            <a:r>
-              <a:rPr lang="de-DE" b="1" dirty="0">
-                <a:solidFill>
-                  <a:srgbClr val="FF0000"/>
-                </a:solidFill>
-              </a:rPr>
-              <a:t>Procedure (besides transformation) has been implemented by mikropml -&gt; very easy to use!</a:t>
-            </a:r>
-          </a:p>
-        </p:txBody>
-      </p:sp>
-      <p:sp>
-        <p:nvSpPr>
-          <p:cNvPr id="11" name="TextBox 10">
-            <a:extLst>
-              <a:ext uri="{FF2B5EF4-FFF2-40B4-BE49-F238E27FC236}">
-                <a16:creationId xmlns:a16="http://schemas.microsoft.com/office/drawing/2014/main" id="{B3241AAD-CD24-4BF2-BBA3-F2E82C622DDA}"/>
-              </a:ext>
-            </a:extLst>
-          </p:cNvPr>
-          <p:cNvSpPr txBox="1"/>
-          <p:nvPr/>
-        </p:nvSpPr>
-        <p:spPr>
-          <a:xfrm>
-            <a:off x="712381" y="1323487"/>
-            <a:ext cx="2509284" cy="646331"/>
-          </a:xfrm>
-          <a:prstGeom prst="rect">
-            <a:avLst/>
-          </a:prstGeom>
-          <a:noFill/>
-        </p:spPr>
-        <p:txBody>
-          <a:bodyPr wrap="square" rtlCol="0">
-            <a:spAutoFit/>
-          </a:bodyPr>
-          <a:lstStyle/>
-          <a:p>
-            <a:r>
-              <a:rPr lang="de-DE" dirty="0"/>
-              <a:t>Repeated CV, not nested CV!</a:t>
-            </a:r>
-          </a:p>
-        </p:txBody>
-      </p:sp>
+            </a:ln>
+          </p:spPr>
+          <p:style>
+            <a:lnRef idx="2">
+              <a:schemeClr val="accent1">
+                <a:shade val="50000"/>
+              </a:schemeClr>
+            </a:lnRef>
+            <a:fillRef idx="1">
+              <a:schemeClr val="accent1"/>
+            </a:fillRef>
+            <a:effectRef idx="0">
+              <a:schemeClr val="accent1"/>
+            </a:effectRef>
+            <a:fontRef idx="minor">
+              <a:schemeClr val="lt1"/>
+            </a:fontRef>
+          </p:style>
+          <p:txBody>
+            <a:bodyPr rtlCol="0" anchor="ctr"/>
+            <a:lstStyle/>
+            <a:p>
+              <a:pPr algn="ctr"/>
+              <a:endParaRPr lang="de-DE"/>
+            </a:p>
+          </p:txBody>
+        </p:sp>
+        <p:sp>
+          <p:nvSpPr>
+            <p:cNvPr id="16" name="TextBox 15">
+              <a:extLst>
+                <a:ext uri="{FF2B5EF4-FFF2-40B4-BE49-F238E27FC236}">
+                  <a16:creationId xmlns:a16="http://schemas.microsoft.com/office/drawing/2014/main" id="{46B392D2-B354-448B-990C-3B9E3DA5C747}"/>
+                </a:ext>
+              </a:extLst>
+            </p:cNvPr>
+            <p:cNvSpPr txBox="1"/>
+            <p:nvPr/>
+          </p:nvSpPr>
+          <p:spPr>
+            <a:xfrm>
+              <a:off x="2732564" y="4953896"/>
+              <a:ext cx="2204249" cy="923330"/>
+            </a:xfrm>
+            <a:prstGeom prst="rect">
+              <a:avLst/>
+            </a:prstGeom>
+            <a:noFill/>
+          </p:spPr>
+          <p:txBody>
+            <a:bodyPr wrap="square" rtlCol="0">
+              <a:spAutoFit/>
+            </a:bodyPr>
+            <a:lstStyle/>
+            <a:p>
+              <a:r>
+                <a:rPr lang="de-DE" b="1" dirty="0">
+                  <a:solidFill>
+                    <a:srgbClr val="7030A0"/>
+                  </a:solidFill>
+                </a:rPr>
+                <a:t>Repeat 10x to observe statistical fluctuations</a:t>
+              </a:r>
+            </a:p>
+          </p:txBody>
+        </p:sp>
+      </p:grpSp>
     </p:spTree>
     <p:extLst>
       <p:ext uri="{BB962C8B-B14F-4D97-AF65-F5344CB8AC3E}">
@@ -18838,7 +19038,7 @@
           <a:p>
             <a:r>
               <a:rPr lang="de-DE" sz="3200" b="1" dirty="0"/>
-              <a:t>PCOS classification and same initial split</a:t>
+              <a:t>PCOS classification</a:t>
             </a:r>
             <a:endParaRPr lang="en-US" sz="3200" b="1" dirty="0"/>
           </a:p>
@@ -18903,123 +19103,167 @@
           </a:p>
         </p:txBody>
       </p:sp>
-      <p:pic>
-        <p:nvPicPr>
-          <p:cNvPr id="4" name="Picture 3" descr="Chart, waterfall chart&#10;&#10;Description automatically generated">
+      <p:grpSp>
+        <p:nvGrpSpPr>
+          <p:cNvPr id="15" name="Group 14">
             <a:extLst>
               <a:ext uri="{FF2B5EF4-FFF2-40B4-BE49-F238E27FC236}">
-                <a16:creationId xmlns:a16="http://schemas.microsoft.com/office/drawing/2014/main" id="{C3A6AC56-832C-4791-9A1D-AEB11862F986}"/>
+                <a16:creationId xmlns:a16="http://schemas.microsoft.com/office/drawing/2014/main" id="{E64DD158-87E9-4945-854E-43A743180B32}"/>
               </a:ext>
             </a:extLst>
           </p:cNvPr>
-          <p:cNvPicPr>
-            <a:picLocks noChangeAspect="1"/>
-          </p:cNvPicPr>
+          <p:cNvGrpSpPr/>
           <p:nvPr/>
-        </p:nvPicPr>
-        <p:blipFill>
-          <a:blip r:embed="rId2"/>
-          <a:stretch>
-            <a:fillRect/>
-          </a:stretch>
-        </p:blipFill>
-        <p:spPr>
+        </p:nvGrpSpPr>
+        <p:grpSpPr>
           <a:xfrm>
-            <a:off x="6237566" y="1470510"/>
-            <a:ext cx="5865492" cy="5027565"/>
+            <a:off x="268861" y="1571546"/>
+            <a:ext cx="11765603" cy="4498672"/>
+            <a:chOff x="268861" y="1571546"/>
+            <a:chExt cx="11765603" cy="4498672"/>
           </a:xfrm>
-          <a:prstGeom prst="rect">
-            <a:avLst/>
-          </a:prstGeom>
-          <a:ln>
-            <a:solidFill>
-              <a:schemeClr val="tx1"/>
-            </a:solidFill>
-          </a:ln>
-        </p:spPr>
-      </p:pic>
-      <p:pic>
-        <p:nvPicPr>
-          <p:cNvPr id="9" name="Picture 8" descr="Chart&#10;&#10;Description automatically generated">
-            <a:extLst>
-              <a:ext uri="{FF2B5EF4-FFF2-40B4-BE49-F238E27FC236}">
-                <a16:creationId xmlns:a16="http://schemas.microsoft.com/office/drawing/2014/main" id="{30F11F0D-5A4A-4425-ABC4-42C9D909F07C}"/>
-              </a:ext>
-            </a:extLst>
-          </p:cNvPr>
-          <p:cNvPicPr>
-            <a:picLocks noChangeAspect="1"/>
-          </p:cNvPicPr>
-          <p:nvPr/>
-        </p:nvPicPr>
-        <p:blipFill>
-          <a:blip r:embed="rId3"/>
-          <a:stretch>
-            <a:fillRect/>
-          </a:stretch>
-        </p:blipFill>
-        <p:spPr>
-          <a:xfrm>
-            <a:off x="237896" y="1470511"/>
-            <a:ext cx="5865492" cy="5027565"/>
-          </a:xfrm>
-          <a:prstGeom prst="rect">
-            <a:avLst/>
-          </a:prstGeom>
-          <a:ln>
-            <a:solidFill>
-              <a:schemeClr val="tx1"/>
-            </a:solidFill>
-          </a:ln>
-        </p:spPr>
-      </p:pic>
-      <p:sp>
-        <p:nvSpPr>
-          <p:cNvPr id="12" name="TextBox 11">
-            <a:extLst>
-              <a:ext uri="{FF2B5EF4-FFF2-40B4-BE49-F238E27FC236}">
-                <a16:creationId xmlns:a16="http://schemas.microsoft.com/office/drawing/2014/main" id="{8A352F63-CBAF-409D-9E4C-C8DAE86B8E86}"/>
-              </a:ext>
-            </a:extLst>
-          </p:cNvPr>
-          <p:cNvSpPr txBox="1"/>
-          <p:nvPr/>
-        </p:nvSpPr>
-        <p:spPr>
-          <a:xfrm rot="365251">
-            <a:off x="9472069" y="326117"/>
-            <a:ext cx="3710763" cy="923330"/>
-          </a:xfrm>
-          <a:prstGeom prst="rect">
-            <a:avLst/>
-          </a:prstGeom>
-          <a:solidFill>
-            <a:schemeClr val="bg1"/>
-          </a:solidFill>
-          <a:ln>
-            <a:solidFill>
-              <a:schemeClr val="tx1"/>
-            </a:solidFill>
-          </a:ln>
-        </p:spPr>
-        <p:txBody>
-          <a:bodyPr wrap="square" rtlCol="0">
-            <a:spAutoFit/>
-          </a:bodyPr>
-          <a:lstStyle/>
-          <a:p>
-            <a:pPr algn="ctr"/>
-            <a:r>
-              <a:rPr lang="de-DE" b="1" dirty="0">
-                <a:solidFill>
-                  <a:srgbClr val="FF0000"/>
-                </a:solidFill>
-              </a:rPr>
-              <a:t>Make format nicer (like codacore and with nicer headlines)</a:t>
-            </a:r>
-          </a:p>
-        </p:txBody>
-      </p:sp>
+        </p:grpSpPr>
+        <p:pic>
+          <p:nvPicPr>
+            <p:cNvPr id="8" name="Picture 7" descr="Chart&#10;&#10;Description automatically generated">
+              <a:extLst>
+                <a:ext uri="{FF2B5EF4-FFF2-40B4-BE49-F238E27FC236}">
+                  <a16:creationId xmlns:a16="http://schemas.microsoft.com/office/drawing/2014/main" id="{55CB28E4-49CB-4E8F-A6F3-7C5FFE3181DB}"/>
+                </a:ext>
+              </a:extLst>
+            </p:cNvPr>
+            <p:cNvPicPr>
+              <a:picLocks noChangeAspect="1"/>
+            </p:cNvPicPr>
+            <p:nvPr/>
+          </p:nvPicPr>
+          <p:blipFill>
+            <a:blip r:embed="rId2"/>
+            <a:stretch>
+              <a:fillRect/>
+            </a:stretch>
+          </p:blipFill>
+          <p:spPr>
+            <a:xfrm>
+              <a:off x="268861" y="1571547"/>
+              <a:ext cx="5827138" cy="4498671"/>
+            </a:xfrm>
+            <a:prstGeom prst="rect">
+              <a:avLst/>
+            </a:prstGeom>
+            <a:ln>
+              <a:solidFill>
+                <a:schemeClr val="tx1"/>
+              </a:solidFill>
+            </a:ln>
+          </p:spPr>
+        </p:pic>
+        <p:pic>
+          <p:nvPicPr>
+            <p:cNvPr id="11" name="Picture 10" descr="Chart, box and whisker chart&#10;&#10;Description automatically generated">
+              <a:extLst>
+                <a:ext uri="{FF2B5EF4-FFF2-40B4-BE49-F238E27FC236}">
+                  <a16:creationId xmlns:a16="http://schemas.microsoft.com/office/drawing/2014/main" id="{19B0B986-1F43-4948-97F7-A51A55E77BF4}"/>
+                </a:ext>
+              </a:extLst>
+            </p:cNvPr>
+            <p:cNvPicPr>
+              <a:picLocks noChangeAspect="1"/>
+            </p:cNvPicPr>
+            <p:nvPr/>
+          </p:nvPicPr>
+          <p:blipFill>
+            <a:blip r:embed="rId3"/>
+            <a:stretch>
+              <a:fillRect/>
+            </a:stretch>
+          </p:blipFill>
+          <p:spPr>
+            <a:xfrm>
+              <a:off x="6207325" y="1571546"/>
+              <a:ext cx="5827139" cy="4498672"/>
+            </a:xfrm>
+            <a:prstGeom prst="rect">
+              <a:avLst/>
+            </a:prstGeom>
+            <a:ln>
+              <a:solidFill>
+                <a:schemeClr val="tx1"/>
+              </a:solidFill>
+            </a:ln>
+          </p:spPr>
+        </p:pic>
+        <p:sp>
+          <p:nvSpPr>
+            <p:cNvPr id="13" name="TextBox 12">
+              <a:extLst>
+                <a:ext uri="{FF2B5EF4-FFF2-40B4-BE49-F238E27FC236}">
+                  <a16:creationId xmlns:a16="http://schemas.microsoft.com/office/drawing/2014/main" id="{F992391E-B307-4011-88E2-A4F08E856FC6}"/>
+                </a:ext>
+              </a:extLst>
+            </p:cNvPr>
+            <p:cNvSpPr txBox="1"/>
+            <p:nvPr/>
+          </p:nvSpPr>
+          <p:spPr>
+            <a:xfrm>
+              <a:off x="268861" y="1571546"/>
+              <a:ext cx="404037" cy="369332"/>
+            </a:xfrm>
+            <a:prstGeom prst="rect">
+              <a:avLst/>
+            </a:prstGeom>
+            <a:noFill/>
+          </p:spPr>
+          <p:txBody>
+            <a:bodyPr wrap="square" rtlCol="0">
+              <a:spAutoFit/>
+            </a:bodyPr>
+            <a:lstStyle/>
+            <a:p>
+              <a:r>
+                <a:rPr lang="de-DE" b="1" dirty="0"/>
+                <a:t>A</a:t>
+              </a:r>
+            </a:p>
+          </p:txBody>
+        </p:sp>
+        <p:sp>
+          <p:nvSpPr>
+            <p:cNvPr id="14" name="TextBox 13">
+              <a:extLst>
+                <a:ext uri="{FF2B5EF4-FFF2-40B4-BE49-F238E27FC236}">
+                  <a16:creationId xmlns:a16="http://schemas.microsoft.com/office/drawing/2014/main" id="{2265DB95-D91B-438F-B007-34A43DBBAD90}"/>
+                </a:ext>
+              </a:extLst>
+            </p:cNvPr>
+            <p:cNvSpPr txBox="1"/>
+            <p:nvPr/>
+          </p:nvSpPr>
+          <p:spPr>
+            <a:xfrm>
+              <a:off x="6266198" y="1576112"/>
+              <a:ext cx="404037" cy="369332"/>
+            </a:xfrm>
+            <a:prstGeom prst="rect">
+              <a:avLst/>
+            </a:prstGeom>
+            <a:noFill/>
+          </p:spPr>
+          <p:txBody>
+            <a:bodyPr wrap="square" rtlCol="0">
+              <a:spAutoFit/>
+            </a:bodyPr>
+            <a:lstStyle/>
+            <a:p>
+              <a:r>
+                <a:rPr lang="de-DE" b="1" dirty="0"/>
+                <a:t>B</a:t>
+              </a:r>
+            </a:p>
+          </p:txBody>
+        </p:sp>
+      </p:grpSp>
     </p:spTree>
     <p:extLst>
       <p:ext uri="{BB962C8B-B14F-4D97-AF65-F5344CB8AC3E}">
@@ -19075,7 +19319,7 @@
           <a:p>
             <a:r>
               <a:rPr lang="de-DE" sz="3200" b="1" dirty="0"/>
-              <a:t>CRC classification and same initial split</a:t>
+              <a:t>PCOS regression</a:t>
             </a:r>
             <a:endParaRPr lang="en-US" sz="3200" b="1" dirty="0"/>
           </a:p>
@@ -19140,168 +19384,171 @@
           </a:p>
         </p:txBody>
       </p:sp>
-      <p:sp>
-        <p:nvSpPr>
-          <p:cNvPr id="10" name="TextBox 9">
+      <p:grpSp>
+        <p:nvGrpSpPr>
+          <p:cNvPr id="20" name="Group 19">
             <a:extLst>
               <a:ext uri="{FF2B5EF4-FFF2-40B4-BE49-F238E27FC236}">
-                <a16:creationId xmlns:a16="http://schemas.microsoft.com/office/drawing/2014/main" id="{E58478DF-F55C-4045-95C1-11F014038F0C}"/>
+                <a16:creationId xmlns:a16="http://schemas.microsoft.com/office/drawing/2014/main" id="{FB09AD10-0114-4D96-B58E-0224E04E788C}"/>
               </a:ext>
             </a:extLst>
           </p:cNvPr>
-          <p:cNvSpPr txBox="1"/>
+          <p:cNvGrpSpPr/>
           <p:nvPr/>
-        </p:nvSpPr>
-        <p:spPr>
+        </p:nvGrpSpPr>
+        <p:grpSpPr>
           <a:xfrm>
-            <a:off x="9988317" y="36342"/>
-            <a:ext cx="2229293" cy="1200329"/>
+            <a:off x="343289" y="1562753"/>
+            <a:ext cx="11753515" cy="4507464"/>
+            <a:chOff x="343289" y="1562753"/>
+            <a:chExt cx="11753515" cy="4507464"/>
           </a:xfrm>
-          <a:prstGeom prst="rect">
-            <a:avLst/>
-          </a:prstGeom>
-          <a:noFill/>
-        </p:spPr>
-        <p:txBody>
-          <a:bodyPr wrap="square" rtlCol="0">
-            <a:spAutoFit/>
-          </a:bodyPr>
-          <a:lstStyle/>
-          <a:p>
-            <a:r>
-              <a:rPr lang="de-DE" b="1" i="1" dirty="0"/>
-              <a:t>Holdout set not included and</a:t>
-            </a:r>
-          </a:p>
-          <a:p>
-            <a:r>
-              <a:rPr lang="de-DE" b="1" i="1" dirty="0"/>
-              <a:t>NOT predicted on holdout set!</a:t>
-            </a:r>
-          </a:p>
-        </p:txBody>
-      </p:sp>
-      <p:pic>
-        <p:nvPicPr>
-          <p:cNvPr id="4" name="Picture 3" descr="Chart, scatter chart&#10;&#10;Description automatically generated">
-            <a:extLst>
-              <a:ext uri="{FF2B5EF4-FFF2-40B4-BE49-F238E27FC236}">
-                <a16:creationId xmlns:a16="http://schemas.microsoft.com/office/drawing/2014/main" id="{ED3CFC10-13CA-4A85-945A-33BF36F1BDC1}"/>
-              </a:ext>
-            </a:extLst>
-          </p:cNvPr>
-          <p:cNvPicPr>
-            <a:picLocks noChangeAspect="1"/>
-          </p:cNvPicPr>
-          <p:nvPr/>
-        </p:nvPicPr>
-        <p:blipFill>
-          <a:blip r:embed="rId2"/>
-          <a:stretch>
-            <a:fillRect/>
-          </a:stretch>
-        </p:blipFill>
-        <p:spPr>
-          <a:xfrm>
-            <a:off x="6235778" y="1509823"/>
-            <a:ext cx="5822962" cy="4991110"/>
-          </a:xfrm>
-          <a:prstGeom prst="rect">
-            <a:avLst/>
-          </a:prstGeom>
-          <a:ln>
-            <a:solidFill>
-              <a:schemeClr val="tx1"/>
-            </a:solidFill>
-          </a:ln>
-        </p:spPr>
-      </p:pic>
-      <p:pic>
-        <p:nvPicPr>
-          <p:cNvPr id="8" name="Picture 7" descr="Chart, waterfall chart&#10;&#10;Description automatically generated">
-            <a:extLst>
-              <a:ext uri="{FF2B5EF4-FFF2-40B4-BE49-F238E27FC236}">
-                <a16:creationId xmlns:a16="http://schemas.microsoft.com/office/drawing/2014/main" id="{AE651018-3AC3-485E-97EC-CF3439912A0A}"/>
-              </a:ext>
-            </a:extLst>
-          </p:cNvPr>
-          <p:cNvPicPr>
-            <a:picLocks noChangeAspect="1"/>
-          </p:cNvPicPr>
-          <p:nvPr/>
-        </p:nvPicPr>
-        <p:blipFill>
-          <a:blip r:embed="rId3"/>
-          <a:stretch>
-            <a:fillRect/>
-          </a:stretch>
-        </p:blipFill>
-        <p:spPr>
-          <a:xfrm>
-            <a:off x="298265" y="1509823"/>
-            <a:ext cx="5822963" cy="4991111"/>
-          </a:xfrm>
-          <a:prstGeom prst="rect">
-            <a:avLst/>
-          </a:prstGeom>
-          <a:ln>
-            <a:solidFill>
-              <a:schemeClr val="tx1"/>
-            </a:solidFill>
-          </a:ln>
-        </p:spPr>
-      </p:pic>
-      <p:sp>
-        <p:nvSpPr>
-          <p:cNvPr id="9" name="TextBox 8">
-            <a:extLst>
-              <a:ext uri="{FF2B5EF4-FFF2-40B4-BE49-F238E27FC236}">
-                <a16:creationId xmlns:a16="http://schemas.microsoft.com/office/drawing/2014/main" id="{3DE969E2-60DC-4C16-A660-13721F090F3F}"/>
-              </a:ext>
-            </a:extLst>
-          </p:cNvPr>
-          <p:cNvSpPr txBox="1"/>
-          <p:nvPr/>
-        </p:nvSpPr>
-        <p:spPr>
-          <a:xfrm rot="365251">
-            <a:off x="9247581" y="1462724"/>
-            <a:ext cx="3710763" cy="923330"/>
-          </a:xfrm>
-          <a:prstGeom prst="rect">
-            <a:avLst/>
-          </a:prstGeom>
-          <a:solidFill>
-            <a:schemeClr val="bg1"/>
-          </a:solidFill>
-          <a:ln>
-            <a:solidFill>
-              <a:schemeClr val="tx1"/>
-            </a:solidFill>
-          </a:ln>
-        </p:spPr>
-        <p:txBody>
-          <a:bodyPr wrap="square" rtlCol="0">
-            <a:spAutoFit/>
-          </a:bodyPr>
-          <a:lstStyle/>
-          <a:p>
-            <a:pPr algn="ctr"/>
-            <a:r>
-              <a:rPr lang="de-DE" b="1" dirty="0">
-                <a:solidFill>
-                  <a:srgbClr val="FF0000"/>
-                </a:solidFill>
-              </a:rPr>
-              <a:t>Make format nicer (like codacore and with nicer headlines)</a:t>
-            </a:r>
-          </a:p>
-        </p:txBody>
-      </p:sp>
+        </p:grpSpPr>
+        <p:pic>
+          <p:nvPicPr>
+            <p:cNvPr id="7" name="Picture 6" descr="Chart&#10;&#10;Description automatically generated with medium confidence">
+              <a:extLst>
+                <a:ext uri="{FF2B5EF4-FFF2-40B4-BE49-F238E27FC236}">
+                  <a16:creationId xmlns:a16="http://schemas.microsoft.com/office/drawing/2014/main" id="{40B7D9E2-FFE1-4AA1-BFA0-15994C1BBD09}"/>
+                </a:ext>
+              </a:extLst>
+            </p:cNvPr>
+            <p:cNvPicPr>
+              <a:picLocks noChangeAspect="1"/>
+            </p:cNvPicPr>
+            <p:nvPr/>
+          </p:nvPicPr>
+          <p:blipFill>
+            <a:blip r:embed="rId3"/>
+            <a:stretch>
+              <a:fillRect/>
+            </a:stretch>
+          </p:blipFill>
+          <p:spPr>
+            <a:xfrm>
+              <a:off x="343289" y="1571546"/>
+              <a:ext cx="5827138" cy="4498671"/>
+            </a:xfrm>
+            <a:prstGeom prst="rect">
+              <a:avLst/>
+            </a:prstGeom>
+            <a:ln>
+              <a:solidFill>
+                <a:schemeClr val="tx1"/>
+              </a:solidFill>
+            </a:ln>
+          </p:spPr>
+        </p:pic>
+        <p:pic>
+          <p:nvPicPr>
+            <p:cNvPr id="17" name="Picture 16" descr="Chart, scatter chart&#10;&#10;Description automatically generated">
+              <a:extLst>
+                <a:ext uri="{FF2B5EF4-FFF2-40B4-BE49-F238E27FC236}">
+                  <a16:creationId xmlns:a16="http://schemas.microsoft.com/office/drawing/2014/main" id="{9A6472B1-518A-4AE2-A31E-D61700164C46}"/>
+                </a:ext>
+              </a:extLst>
+            </p:cNvPr>
+            <p:cNvPicPr>
+              <a:picLocks noChangeAspect="1"/>
+            </p:cNvPicPr>
+            <p:nvPr/>
+          </p:nvPicPr>
+          <p:blipFill>
+            <a:blip r:embed="rId4"/>
+            <a:stretch>
+              <a:fillRect/>
+            </a:stretch>
+          </p:blipFill>
+          <p:spPr>
+            <a:xfrm>
+              <a:off x="6269666" y="1571546"/>
+              <a:ext cx="5827138" cy="4498671"/>
+            </a:xfrm>
+            <a:prstGeom prst="rect">
+              <a:avLst/>
+            </a:prstGeom>
+            <a:ln>
+              <a:solidFill>
+                <a:schemeClr val="tx1"/>
+              </a:solidFill>
+            </a:ln>
+          </p:spPr>
+        </p:pic>
+        <p:sp>
+          <p:nvSpPr>
+            <p:cNvPr id="18" name="TextBox 17">
+              <a:extLst>
+                <a:ext uri="{FF2B5EF4-FFF2-40B4-BE49-F238E27FC236}">
+                  <a16:creationId xmlns:a16="http://schemas.microsoft.com/office/drawing/2014/main" id="{2A78CBE8-91A2-47D7-9746-38F6763F8ADD}"/>
+                </a:ext>
+              </a:extLst>
+            </p:cNvPr>
+            <p:cNvSpPr txBox="1"/>
+            <p:nvPr/>
+          </p:nvSpPr>
+          <p:spPr>
+            <a:xfrm>
+              <a:off x="343289" y="1562753"/>
+              <a:ext cx="404037" cy="369332"/>
+            </a:xfrm>
+            <a:prstGeom prst="rect">
+              <a:avLst/>
+            </a:prstGeom>
+            <a:noFill/>
+          </p:spPr>
+          <p:txBody>
+            <a:bodyPr wrap="square" rtlCol="0">
+              <a:spAutoFit/>
+            </a:bodyPr>
+            <a:lstStyle/>
+            <a:p>
+              <a:r>
+                <a:rPr lang="de-DE" b="1" dirty="0"/>
+                <a:t>A</a:t>
+              </a:r>
+            </a:p>
+          </p:txBody>
+        </p:sp>
+        <p:sp>
+          <p:nvSpPr>
+            <p:cNvPr id="19" name="TextBox 18">
+              <a:extLst>
+                <a:ext uri="{FF2B5EF4-FFF2-40B4-BE49-F238E27FC236}">
+                  <a16:creationId xmlns:a16="http://schemas.microsoft.com/office/drawing/2014/main" id="{90A30952-7ED2-4BF0-ABBA-ADA322ABA079}"/>
+                </a:ext>
+              </a:extLst>
+            </p:cNvPr>
+            <p:cNvSpPr txBox="1"/>
+            <p:nvPr/>
+          </p:nvSpPr>
+          <p:spPr>
+            <a:xfrm>
+              <a:off x="6296985" y="1571546"/>
+              <a:ext cx="404037" cy="369332"/>
+            </a:xfrm>
+            <a:prstGeom prst="rect">
+              <a:avLst/>
+            </a:prstGeom>
+            <a:noFill/>
+          </p:spPr>
+          <p:txBody>
+            <a:bodyPr wrap="square" rtlCol="0">
+              <a:spAutoFit/>
+            </a:bodyPr>
+            <a:lstStyle/>
+            <a:p>
+              <a:r>
+                <a:rPr lang="de-DE" b="1" dirty="0"/>
+                <a:t>B</a:t>
+              </a:r>
+            </a:p>
+          </p:txBody>
+        </p:sp>
+      </p:grpSp>
     </p:spTree>
     <p:extLst>
       <p:ext uri="{BB962C8B-B14F-4D97-AF65-F5344CB8AC3E}">
-        <p14:creationId xmlns:p14="http://schemas.microsoft.com/office/powerpoint/2010/main" val="4181335705"/>
+        <p14:creationId xmlns:p14="http://schemas.microsoft.com/office/powerpoint/2010/main" val="692987457"/>
       </p:ext>
     </p:extLst>
   </p:cSld>
@@ -19353,7 +19600,7 @@
           <a:p>
             <a:r>
               <a:rPr lang="de-DE" sz="3200" b="1" dirty="0"/>
-              <a:t>CRC classification and same initial split</a:t>
+              <a:t>CRC classification</a:t>
             </a:r>
             <a:endParaRPr lang="en-US" sz="3200" b="1" dirty="0"/>
           </a:p>
@@ -19420,10 +19667,10 @@
       </p:sp>
       <p:sp>
         <p:nvSpPr>
-          <p:cNvPr id="8" name="TextBox 7">
+          <p:cNvPr id="22" name="TextBox 21">
             <a:extLst>
               <a:ext uri="{FF2B5EF4-FFF2-40B4-BE49-F238E27FC236}">
-                <a16:creationId xmlns:a16="http://schemas.microsoft.com/office/drawing/2014/main" id="{C6036ADC-6479-46F9-BC8D-F76F4CA20E1B}"/>
+                <a16:creationId xmlns:a16="http://schemas.microsoft.com/office/drawing/2014/main" id="{92263A76-C406-4736-886C-0093566605DC}"/>
               </a:ext>
             </a:extLst>
           </p:cNvPr>
@@ -19432,8 +19679,8 @@
         </p:nvSpPr>
         <p:spPr>
           <a:xfrm>
-            <a:off x="10132826" y="0"/>
-            <a:ext cx="2229293" cy="646331"/>
+            <a:off x="9988317" y="36342"/>
+            <a:ext cx="2229293" cy="923330"/>
           </a:xfrm>
           <a:prstGeom prst="rect">
             <a:avLst/>
@@ -19448,132 +19695,176 @@
           <a:p>
             <a:r>
               <a:rPr lang="de-DE" b="1" i="1" dirty="0"/>
-              <a:t>predicted on holdout set!</a:t>
-            </a:r>
-          </a:p>
-        </p:txBody>
-      </p:sp>
-      <p:pic>
-        <p:nvPicPr>
-          <p:cNvPr id="7" name="Picture 6" descr="Chart, scatter chart&#10;&#10;Description automatically generated">
+              <a:t>Predicted on classical train/test split</a:t>
+            </a:r>
+          </a:p>
+        </p:txBody>
+      </p:sp>
+      <p:grpSp>
+        <p:nvGrpSpPr>
+          <p:cNvPr id="34" name="Group 33">
             <a:extLst>
               <a:ext uri="{FF2B5EF4-FFF2-40B4-BE49-F238E27FC236}">
-                <a16:creationId xmlns:a16="http://schemas.microsoft.com/office/drawing/2014/main" id="{DD4A56E7-3B98-4260-A74D-E8123217B731}"/>
+                <a16:creationId xmlns:a16="http://schemas.microsoft.com/office/drawing/2014/main" id="{A36FDC44-B69A-416C-8E6B-EE72004795B2}"/>
               </a:ext>
             </a:extLst>
           </p:cNvPr>
-          <p:cNvPicPr>
-            <a:picLocks noChangeAspect="1"/>
-          </p:cNvPicPr>
+          <p:cNvGrpSpPr/>
           <p:nvPr/>
-        </p:nvPicPr>
-        <p:blipFill>
-          <a:blip r:embed="rId2"/>
-          <a:stretch>
-            <a:fillRect/>
-          </a:stretch>
-        </p:blipFill>
-        <p:spPr>
+        </p:nvGrpSpPr>
+        <p:grpSpPr>
           <a:xfrm>
-            <a:off x="6319280" y="1531086"/>
-            <a:ext cx="5649298" cy="4842255"/>
+            <a:off x="332772" y="1539682"/>
+            <a:ext cx="11724688" cy="4502847"/>
+            <a:chOff x="332772" y="1539682"/>
+            <a:chExt cx="11724688" cy="4502847"/>
           </a:xfrm>
-          <a:prstGeom prst="rect">
-            <a:avLst/>
-          </a:prstGeom>
-          <a:ln>
-            <a:solidFill>
-              <a:schemeClr val="tx1"/>
-            </a:solidFill>
-          </a:ln>
-        </p:spPr>
-      </p:pic>
-      <p:pic>
-        <p:nvPicPr>
-          <p:cNvPr id="4" name="Picture 3" descr="Chart, box and whisker chart&#10;&#10;Description automatically generated">
-            <a:extLst>
-              <a:ext uri="{FF2B5EF4-FFF2-40B4-BE49-F238E27FC236}">
-                <a16:creationId xmlns:a16="http://schemas.microsoft.com/office/drawing/2014/main" id="{199FDA66-3181-4092-9B62-E7DBD4D4C716}"/>
-              </a:ext>
-            </a:extLst>
-          </p:cNvPr>
-          <p:cNvPicPr>
-            <a:picLocks noChangeAspect="1"/>
-          </p:cNvPicPr>
-          <p:nvPr/>
-        </p:nvPicPr>
-        <p:blipFill>
-          <a:blip r:embed="rId3"/>
-          <a:stretch>
-            <a:fillRect/>
-          </a:stretch>
-        </p:blipFill>
-        <p:spPr>
-          <a:xfrm>
-            <a:off x="505694" y="1528492"/>
-            <a:ext cx="5649297" cy="4842255"/>
-          </a:xfrm>
-          <a:prstGeom prst="rect">
-            <a:avLst/>
-          </a:prstGeom>
-          <a:ln>
-            <a:solidFill>
-              <a:schemeClr val="tx1"/>
-            </a:solidFill>
-          </a:ln>
-        </p:spPr>
-      </p:pic>
-      <p:sp>
-        <p:nvSpPr>
-          <p:cNvPr id="9" name="TextBox 8">
-            <a:extLst>
-              <a:ext uri="{FF2B5EF4-FFF2-40B4-BE49-F238E27FC236}">
-                <a16:creationId xmlns:a16="http://schemas.microsoft.com/office/drawing/2014/main" id="{C2CC989F-FEAB-4597-B493-25EE09A942E9}"/>
-              </a:ext>
-            </a:extLst>
-          </p:cNvPr>
-          <p:cNvSpPr txBox="1"/>
-          <p:nvPr/>
-        </p:nvSpPr>
-        <p:spPr>
-          <a:xfrm rot="365251">
-            <a:off x="8219319" y="627044"/>
-            <a:ext cx="3710763" cy="923330"/>
-          </a:xfrm>
-          <a:prstGeom prst="rect">
-            <a:avLst/>
-          </a:prstGeom>
-          <a:solidFill>
-            <a:schemeClr val="bg1"/>
-          </a:solidFill>
-          <a:ln>
-            <a:solidFill>
-              <a:schemeClr val="tx1"/>
-            </a:solidFill>
-          </a:ln>
-        </p:spPr>
-        <p:txBody>
-          <a:bodyPr wrap="square" rtlCol="0">
-            <a:spAutoFit/>
-          </a:bodyPr>
-          <a:lstStyle/>
-          <a:p>
-            <a:pPr algn="ctr"/>
-            <a:r>
-              <a:rPr lang="de-DE" b="1" dirty="0">
-                <a:solidFill>
-                  <a:srgbClr val="FF0000"/>
-                </a:solidFill>
-              </a:rPr>
-              <a:t>Make format nicer (like codacore and with nicer headlines)</a:t>
-            </a:r>
-          </a:p>
-        </p:txBody>
-      </p:sp>
+        </p:grpSpPr>
+        <p:pic>
+          <p:nvPicPr>
+            <p:cNvPr id="29" name="Picture 28" descr="Chart, waterfall chart&#10;&#10;Description automatically generated">
+              <a:extLst>
+                <a:ext uri="{FF2B5EF4-FFF2-40B4-BE49-F238E27FC236}">
+                  <a16:creationId xmlns:a16="http://schemas.microsoft.com/office/drawing/2014/main" id="{7AA40558-61C9-49F3-9D5A-5311D4CA5A5F}"/>
+                </a:ext>
+              </a:extLst>
+            </p:cNvPr>
+            <p:cNvPicPr>
+              <a:picLocks noChangeAspect="1"/>
+            </p:cNvPicPr>
+            <p:nvPr/>
+          </p:nvPicPr>
+          <p:blipFill>
+            <a:blip r:embed="rId3"/>
+            <a:stretch>
+              <a:fillRect/>
+            </a:stretch>
+          </p:blipFill>
+          <p:spPr>
+            <a:xfrm>
+              <a:off x="332772" y="1546936"/>
+              <a:ext cx="5798708" cy="4453647"/>
+            </a:xfrm>
+            <a:prstGeom prst="rect">
+              <a:avLst/>
+            </a:prstGeom>
+            <a:ln>
+              <a:solidFill>
+                <a:schemeClr val="tx1"/>
+              </a:solidFill>
+            </a:ln>
+          </p:spPr>
+        </p:pic>
+        <p:pic>
+          <p:nvPicPr>
+            <p:cNvPr id="31" name="Picture 30" descr="Chart, scatter chart&#10;&#10;Description automatically generated">
+              <a:extLst>
+                <a:ext uri="{FF2B5EF4-FFF2-40B4-BE49-F238E27FC236}">
+                  <a16:creationId xmlns:a16="http://schemas.microsoft.com/office/drawing/2014/main" id="{29D89A53-3575-4EA3-AB2C-D278F08FDB72}"/>
+                </a:ext>
+              </a:extLst>
+            </p:cNvPr>
+            <p:cNvPicPr>
+              <a:picLocks noChangeAspect="1"/>
+            </p:cNvPicPr>
+            <p:nvPr/>
+          </p:nvPicPr>
+          <p:blipFill>
+            <a:blip r:embed="rId4"/>
+            <a:stretch>
+              <a:fillRect/>
+            </a:stretch>
+          </p:blipFill>
+          <p:spPr>
+            <a:xfrm>
+              <a:off x="6204137" y="1546936"/>
+              <a:ext cx="5853323" cy="4495593"/>
+            </a:xfrm>
+            <a:prstGeom prst="rect">
+              <a:avLst/>
+            </a:prstGeom>
+            <a:ln>
+              <a:solidFill>
+                <a:schemeClr val="tx1"/>
+              </a:solidFill>
+            </a:ln>
+          </p:spPr>
+        </p:pic>
+        <p:sp>
+          <p:nvSpPr>
+            <p:cNvPr id="32" name="TextBox 31">
+              <a:extLst>
+                <a:ext uri="{FF2B5EF4-FFF2-40B4-BE49-F238E27FC236}">
+                  <a16:creationId xmlns:a16="http://schemas.microsoft.com/office/drawing/2014/main" id="{AB45AF69-DD73-4F86-83B6-A7FDFA87035E}"/>
+                </a:ext>
+              </a:extLst>
+            </p:cNvPr>
+            <p:cNvSpPr txBox="1"/>
+            <p:nvPr/>
+          </p:nvSpPr>
+          <p:spPr>
+            <a:xfrm>
+              <a:off x="343289" y="1562753"/>
+              <a:ext cx="404037" cy="369332"/>
+            </a:xfrm>
+            <a:prstGeom prst="rect">
+              <a:avLst/>
+            </a:prstGeom>
+            <a:noFill/>
+          </p:spPr>
+          <p:txBody>
+            <a:bodyPr wrap="square" rtlCol="0">
+              <a:spAutoFit/>
+            </a:bodyPr>
+            <a:lstStyle/>
+            <a:p>
+              <a:r>
+                <a:rPr lang="de-DE" b="1" dirty="0"/>
+                <a:t>A</a:t>
+              </a:r>
+            </a:p>
+          </p:txBody>
+        </p:sp>
+        <p:sp>
+          <p:nvSpPr>
+            <p:cNvPr id="33" name="TextBox 32">
+              <a:extLst>
+                <a:ext uri="{FF2B5EF4-FFF2-40B4-BE49-F238E27FC236}">
+                  <a16:creationId xmlns:a16="http://schemas.microsoft.com/office/drawing/2014/main" id="{A8F2155E-6D4F-43B5-B1DF-B98644137419}"/>
+                </a:ext>
+              </a:extLst>
+            </p:cNvPr>
+            <p:cNvSpPr txBox="1"/>
+            <p:nvPr/>
+          </p:nvSpPr>
+          <p:spPr>
+            <a:xfrm>
+              <a:off x="6197192" y="1539682"/>
+              <a:ext cx="404037" cy="369332"/>
+            </a:xfrm>
+            <a:prstGeom prst="rect">
+              <a:avLst/>
+            </a:prstGeom>
+            <a:noFill/>
+          </p:spPr>
+          <p:txBody>
+            <a:bodyPr wrap="square" rtlCol="0">
+              <a:spAutoFit/>
+            </a:bodyPr>
+            <a:lstStyle/>
+            <a:p>
+              <a:r>
+                <a:rPr lang="de-DE" b="1" dirty="0"/>
+                <a:t>B</a:t>
+              </a:r>
+            </a:p>
+          </p:txBody>
+        </p:sp>
+      </p:grpSp>
     </p:spTree>
     <p:extLst>
       <p:ext uri="{BB962C8B-B14F-4D97-AF65-F5344CB8AC3E}">
-        <p14:creationId xmlns:p14="http://schemas.microsoft.com/office/powerpoint/2010/main" val="2629132382"/>
+        <p14:creationId xmlns:p14="http://schemas.microsoft.com/office/powerpoint/2010/main" val="4181335705"/>
       </p:ext>
     </p:extLst>
   </p:cSld>
@@ -19652,7 +19943,7 @@
           <a:p>
             <a:fld id="{1278D66F-D6E5-4434-B311-7DA25CA81F5A}" type="datetime1">
               <a:rPr lang="en-US" smtClean="0"/>
-              <a:t>4/20/2022</a:t>
+              <a:t>4/22/2022</a:t>
             </a:fld>
             <a:endParaRPr lang="en-US" dirty="0"/>
           </a:p>
@@ -19800,7 +20091,7 @@
           <a:p>
             <a:r>
               <a:rPr lang="de-DE" sz="3200" b="1" dirty="0"/>
-              <a:t>IDEA</a:t>
+              <a:t>CRC regression</a:t>
             </a:r>
             <a:endParaRPr lang="en-US" sz="3200" b="1" dirty="0"/>
           </a:p>
@@ -19870,7 +20161,7 @@
           <p:cNvPr id="10" name="TextBox 9">
             <a:extLst>
               <a:ext uri="{FF2B5EF4-FFF2-40B4-BE49-F238E27FC236}">
-                <a16:creationId xmlns:a16="http://schemas.microsoft.com/office/drawing/2014/main" id="{8551B3F8-69A7-4DCB-910B-1046E03BF7CF}"/>
+                <a16:creationId xmlns:a16="http://schemas.microsoft.com/office/drawing/2014/main" id="{E58478DF-F55C-4045-95C1-11F014038F0C}"/>
               </a:ext>
             </a:extLst>
           </p:cNvPr>
@@ -19879,8 +20170,8 @@
         </p:nvSpPr>
         <p:spPr>
           <a:xfrm>
-            <a:off x="1698819" y="1834296"/>
-            <a:ext cx="7102549" cy="3693319"/>
+            <a:off x="9988317" y="36342"/>
+            <a:ext cx="2229293" cy="923330"/>
           </a:xfrm>
           <a:prstGeom prst="rect">
             <a:avLst/>
@@ -19893,82 +20184,199 @@
           </a:bodyPr>
           <a:lstStyle/>
           <a:p>
-            <a:pPr marL="285750" indent="-285750">
-              <a:buFontTx/>
-              <a:buChar char="-"/>
-            </a:pPr>
-            <a:r>
-              <a:rPr lang="de-DE" dirty="0"/>
-              <a:t>Direct comparison if transformations are a big influence on leaky data</a:t>
-            </a:r>
-          </a:p>
-          <a:p>
-            <a:pPr marL="285750" indent="-285750">
-              <a:buFontTx/>
-              <a:buChar char="-"/>
-            </a:pPr>
-            <a:r>
-              <a:rPr lang="de-DE" dirty="0"/>
-              <a:t>Take CRC data set as it has clear correlations and gives nice control over test set via country codes</a:t>
-            </a:r>
-          </a:p>
-          <a:p>
-            <a:pPr marL="285750" indent="-285750">
-              <a:buFontTx/>
-              <a:buChar char="-"/>
-            </a:pPr>
-            <a:r>
-              <a:rPr lang="de-DE" dirty="0"/>
-              <a:t>Compare glmnet models with transformation separate on test/train set and on full data set</a:t>
-            </a:r>
-          </a:p>
-          <a:p>
-            <a:pPr marL="285750" indent="-285750">
-              <a:buFontTx/>
-              <a:buChar char="-"/>
-            </a:pPr>
-            <a:r>
-              <a:rPr lang="de-DE" dirty="0"/>
-              <a:t>Test first with two countries and TSS/CLR/ALR</a:t>
-            </a:r>
-          </a:p>
-          <a:p>
-            <a:pPr marL="285750" indent="-285750">
-              <a:buFontTx/>
-              <a:buChar char="-"/>
-            </a:pPr>
-            <a:r>
-              <a:rPr lang="de-DE" dirty="0"/>
-              <a:t>Main interest in ALR </a:t>
-            </a:r>
-          </a:p>
-          <a:p>
-            <a:pPr marL="285750" indent="-285750">
-              <a:buFontTx/>
-              <a:buChar char="-"/>
-            </a:pPr>
-            <a:endParaRPr lang="de-DE" dirty="0"/>
-          </a:p>
-          <a:p>
-            <a:pPr marL="285750" indent="-285750">
-              <a:buFontTx/>
-              <a:buChar char="-"/>
-            </a:pPr>
-            <a:r>
-              <a:rPr lang="de-DE" dirty="0"/>
-              <a:t>Note: possibility that different denominator is chosen for test set and train set -&gt; code needs to adjust for that -&gt; especially later in PCOS? </a:t>
-            </a:r>
-            <a:r>
-              <a:rPr lang="de-DE"/>
-              <a:t>-&gt; both denominators should be discarded from data set!</a:t>
-            </a:r>
-          </a:p>
-        </p:txBody>
-      </p:sp>
+            <a:r>
+              <a:rPr lang="de-DE" b="1" i="1" dirty="0"/>
+              <a:t>Predicted on classical train/test split</a:t>
+            </a:r>
+          </a:p>
+        </p:txBody>
+      </p:sp>
+      <p:grpSp>
+        <p:nvGrpSpPr>
+          <p:cNvPr id="17" name="Group 16">
+            <a:extLst>
+              <a:ext uri="{FF2B5EF4-FFF2-40B4-BE49-F238E27FC236}">
+                <a16:creationId xmlns:a16="http://schemas.microsoft.com/office/drawing/2014/main" id="{810DC0B4-F535-4628-865F-15321C563419}"/>
+              </a:ext>
+            </a:extLst>
+          </p:cNvPr>
+          <p:cNvGrpSpPr/>
+          <p:nvPr/>
+        </p:nvGrpSpPr>
+        <p:grpSpPr>
+          <a:xfrm>
+            <a:off x="252151" y="1568231"/>
+            <a:ext cx="11936067" cy="4539027"/>
+            <a:chOff x="252151" y="1568231"/>
+            <a:chExt cx="11936067" cy="4539027"/>
+          </a:xfrm>
+        </p:grpSpPr>
+        <p:pic>
+          <p:nvPicPr>
+            <p:cNvPr id="15" name="Picture 14" descr="Chart, scatter chart&#10;&#10;Description automatically generated">
+              <a:extLst>
+                <a:ext uri="{FF2B5EF4-FFF2-40B4-BE49-F238E27FC236}">
+                  <a16:creationId xmlns:a16="http://schemas.microsoft.com/office/drawing/2014/main" id="{7A2129D4-3EF6-408D-871C-16FF1FED7EB8}"/>
+                </a:ext>
+              </a:extLst>
+            </p:cNvPr>
+            <p:cNvPicPr>
+              <a:picLocks noChangeAspect="1"/>
+            </p:cNvPicPr>
+            <p:nvPr/>
+          </p:nvPicPr>
+          <p:blipFill>
+            <a:blip r:embed="rId2"/>
+            <a:stretch>
+              <a:fillRect/>
+            </a:stretch>
+          </p:blipFill>
+          <p:spPr>
+            <a:xfrm>
+              <a:off x="6278345" y="1568232"/>
+              <a:ext cx="5909873" cy="4539026"/>
+            </a:xfrm>
+            <a:prstGeom prst="rect">
+              <a:avLst/>
+            </a:prstGeom>
+            <a:ln>
+              <a:solidFill>
+                <a:schemeClr val="tx1"/>
+              </a:solidFill>
+            </a:ln>
+          </p:spPr>
+        </p:pic>
+        <p:pic>
+          <p:nvPicPr>
+            <p:cNvPr id="8" name="Picture 7" descr="Chart&#10;&#10;Description automatically generated">
+              <a:extLst>
+                <a:ext uri="{FF2B5EF4-FFF2-40B4-BE49-F238E27FC236}">
+                  <a16:creationId xmlns:a16="http://schemas.microsoft.com/office/drawing/2014/main" id="{18FEFF5D-5291-47D9-8A5A-1B0DC2872B69}"/>
+                </a:ext>
+              </a:extLst>
+            </p:cNvPr>
+            <p:cNvPicPr>
+              <a:picLocks noChangeAspect="1"/>
+            </p:cNvPicPr>
+            <p:nvPr/>
+          </p:nvPicPr>
+          <p:blipFill>
+            <a:blip r:embed="rId3"/>
+            <a:stretch>
+              <a:fillRect/>
+            </a:stretch>
+          </p:blipFill>
+          <p:spPr>
+            <a:xfrm>
+              <a:off x="252151" y="1568231"/>
+              <a:ext cx="5909874" cy="4539027"/>
+            </a:xfrm>
+            <a:prstGeom prst="rect">
+              <a:avLst/>
+            </a:prstGeom>
+            <a:ln>
+              <a:solidFill>
+                <a:schemeClr val="tx1"/>
+              </a:solidFill>
+            </a:ln>
+          </p:spPr>
+        </p:pic>
+        <p:grpSp>
+          <p:nvGrpSpPr>
+            <p:cNvPr id="3" name="Group 2">
+              <a:extLst>
+                <a:ext uri="{FF2B5EF4-FFF2-40B4-BE49-F238E27FC236}">
+                  <a16:creationId xmlns:a16="http://schemas.microsoft.com/office/drawing/2014/main" id="{45102374-4778-4B68-9CA1-A5E68CB76CCE}"/>
+                </a:ext>
+              </a:extLst>
+            </p:cNvPr>
+            <p:cNvGrpSpPr/>
+            <p:nvPr/>
+          </p:nvGrpSpPr>
+          <p:grpSpPr>
+            <a:xfrm>
+              <a:off x="252151" y="1568232"/>
+              <a:ext cx="6446664" cy="369332"/>
+              <a:chOff x="252151" y="1568232"/>
+              <a:chExt cx="6446664" cy="369332"/>
+            </a:xfrm>
+          </p:grpSpPr>
+          <p:sp>
+            <p:nvSpPr>
+              <p:cNvPr id="11" name="TextBox 10">
+                <a:extLst>
+                  <a:ext uri="{FF2B5EF4-FFF2-40B4-BE49-F238E27FC236}">
+                    <a16:creationId xmlns:a16="http://schemas.microsoft.com/office/drawing/2014/main" id="{D0D61D08-D8D8-4769-AD7C-B1B7257A71ED}"/>
+                  </a:ext>
+                </a:extLst>
+              </p:cNvPr>
+              <p:cNvSpPr txBox="1"/>
+              <p:nvPr/>
+            </p:nvSpPr>
+            <p:spPr>
+              <a:xfrm>
+                <a:off x="252151" y="1568232"/>
+                <a:ext cx="404037" cy="369332"/>
+              </a:xfrm>
+              <a:prstGeom prst="rect">
+                <a:avLst/>
+              </a:prstGeom>
+              <a:noFill/>
+            </p:spPr>
+            <p:txBody>
+              <a:bodyPr wrap="square" rtlCol="0">
+                <a:spAutoFit/>
+              </a:bodyPr>
+              <a:lstStyle/>
+              <a:p>
+                <a:r>
+                  <a:rPr lang="de-DE" b="1" dirty="0"/>
+                  <a:t>A</a:t>
+                </a:r>
+              </a:p>
+            </p:txBody>
+          </p:sp>
+          <p:sp>
+            <p:nvSpPr>
+              <p:cNvPr id="13" name="TextBox 12">
+                <a:extLst>
+                  <a:ext uri="{FF2B5EF4-FFF2-40B4-BE49-F238E27FC236}">
+                    <a16:creationId xmlns:a16="http://schemas.microsoft.com/office/drawing/2014/main" id="{9ED734E7-11CB-4DCD-8AF1-37A74D604CB5}"/>
+                  </a:ext>
+                </a:extLst>
+              </p:cNvPr>
+              <p:cNvSpPr txBox="1"/>
+              <p:nvPr/>
+            </p:nvSpPr>
+            <p:spPr>
+              <a:xfrm>
+                <a:off x="6294778" y="1568232"/>
+                <a:ext cx="404037" cy="369332"/>
+              </a:xfrm>
+              <a:prstGeom prst="rect">
+                <a:avLst/>
+              </a:prstGeom>
+              <a:noFill/>
+            </p:spPr>
+            <p:txBody>
+              <a:bodyPr wrap="square" rtlCol="0">
+                <a:spAutoFit/>
+              </a:bodyPr>
+              <a:lstStyle/>
+              <a:p>
+                <a:r>
+                  <a:rPr lang="de-DE" b="1" dirty="0"/>
+                  <a:t>B</a:t>
+                </a:r>
+              </a:p>
+            </p:txBody>
+          </p:sp>
+        </p:grpSp>
+      </p:grpSp>
     </p:spTree>
     <p:extLst>
       <p:ext uri="{BB962C8B-B14F-4D97-AF65-F5344CB8AC3E}">
-        <p14:creationId xmlns:p14="http://schemas.microsoft.com/office/powerpoint/2010/main" val="914682635"/>
+        <p14:creationId xmlns:p14="http://schemas.microsoft.com/office/powerpoint/2010/main" val="2707593110"/>
       </p:ext>
     </p:extLst>
   </p:cSld>
@@ -20000,7 +20408,7 @@
           <p:cNvPr id="2" name="Title 1">
             <a:extLst>
               <a:ext uri="{FF2B5EF4-FFF2-40B4-BE49-F238E27FC236}">
-                <a16:creationId xmlns:a16="http://schemas.microsoft.com/office/drawing/2014/main" id="{5C6C0D5D-1A09-42DA-AAA6-CB769F97AAFD}"/>
+                <a16:creationId xmlns:a16="http://schemas.microsoft.com/office/drawing/2014/main" id="{6806FBA4-537C-4226-9D3A-758C7B787D79}"/>
               </a:ext>
             </a:extLst>
           </p:cNvPr>
@@ -20013,43 +20421,16 @@
         </p:nvSpPr>
         <p:spPr/>
         <p:txBody>
-          <a:bodyPr/>
+          <a:bodyPr>
+            <a:normAutofit/>
+          </a:bodyPr>
           <a:lstStyle/>
           <a:p>
             <a:r>
-              <a:rPr lang="de-DE" dirty="0"/>
-              <a:t>CRC</a:t>
-            </a:r>
-          </a:p>
-        </p:txBody>
-      </p:sp>
-      <p:sp>
-        <p:nvSpPr>
-          <p:cNvPr id="4" name="Date Placeholder 3">
-            <a:extLst>
-              <a:ext uri="{FF2B5EF4-FFF2-40B4-BE49-F238E27FC236}">
-                <a16:creationId xmlns:a16="http://schemas.microsoft.com/office/drawing/2014/main" id="{D931F9AA-9EEE-479B-9E4B-F880DD6927F9}"/>
-              </a:ext>
-            </a:extLst>
-          </p:cNvPr>
-          <p:cNvSpPr>
-            <a:spLocks noGrp="1"/>
-          </p:cNvSpPr>
-          <p:nvPr>
-            <p:ph type="dt" sz="half" idx="10"/>
-          </p:nvPr>
-        </p:nvSpPr>
-        <p:spPr/>
-        <p:txBody>
-          <a:bodyPr/>
-          <a:lstStyle/>
-          <a:p>
-            <a:fld id="{36D18B76-5E8B-4456-8722-FC5B14B0F354}" type="datetime1">
-              <a:rPr lang="en-US" smtClean="0"/>
-              <a:pPr/>
-              <a:t>4/20/2022</a:t>
-            </a:fld>
-            <a:endParaRPr lang="en-US" dirty="0"/>
+              <a:rPr lang="de-DE" sz="3200" b="1" dirty="0"/>
+              <a:t>CRC classification</a:t>
+            </a:r>
+            <a:endParaRPr lang="en-US" sz="3200" b="1" dirty="0"/>
           </a:p>
         </p:txBody>
       </p:sp>
@@ -20058,7 +20439,7 @@
           <p:cNvPr id="5" name="Footer Placeholder 4">
             <a:extLst>
               <a:ext uri="{FF2B5EF4-FFF2-40B4-BE49-F238E27FC236}">
-                <a16:creationId xmlns:a16="http://schemas.microsoft.com/office/drawing/2014/main" id="{20341FFA-1CC5-4E6A-9383-BD2A101627FE}"/>
+                <a16:creationId xmlns:a16="http://schemas.microsoft.com/office/drawing/2014/main" id="{707C4F70-832A-416B-9491-EE86347B2812}"/>
               </a:ext>
             </a:extLst>
           </p:cNvPr>
@@ -20087,7 +20468,7 @@
           <p:cNvPr id="6" name="Slide Number Placeholder 5">
             <a:extLst>
               <a:ext uri="{FF2B5EF4-FFF2-40B4-BE49-F238E27FC236}">
-                <a16:creationId xmlns:a16="http://schemas.microsoft.com/office/drawing/2014/main" id="{6B829FC6-6F02-4361-A6FE-C769EAA86509}"/>
+                <a16:creationId xmlns:a16="http://schemas.microsoft.com/office/drawing/2014/main" id="{1028CB34-29B5-49CB-99E4-E945C3D78896}"/>
               </a:ext>
             </a:extLst>
           </p:cNvPr>
@@ -20114,10 +20495,10 @@
       </p:sp>
       <p:sp>
         <p:nvSpPr>
-          <p:cNvPr id="9" name="TextBox 8">
+          <p:cNvPr id="8" name="TextBox 7">
             <a:extLst>
               <a:ext uri="{FF2B5EF4-FFF2-40B4-BE49-F238E27FC236}">
-                <a16:creationId xmlns:a16="http://schemas.microsoft.com/office/drawing/2014/main" id="{56A23E1A-23FA-4F87-8E6B-B6FB46A737F3}"/>
+                <a16:creationId xmlns:a16="http://schemas.microsoft.com/office/drawing/2014/main" id="{C6036ADC-6479-46F9-BC8D-F76F4CA20E1B}"/>
               </a:ext>
             </a:extLst>
           </p:cNvPr>
@@ -20126,8 +20507,8 @@
         </p:nvSpPr>
         <p:spPr>
           <a:xfrm>
-            <a:off x="8746081" y="58580"/>
-            <a:ext cx="3611524" cy="1200329"/>
+            <a:off x="9962707" y="123070"/>
+            <a:ext cx="2229293" cy="646331"/>
           </a:xfrm>
           <a:prstGeom prst="rect">
             <a:avLst/>
@@ -20142,32 +20523,24 @@
           <a:p>
             <a:r>
               <a:rPr lang="de-DE" b="1" i="1" dirty="0"/>
-              <a:t>CRC used</a:t>
-            </a:r>
-          </a:p>
-          <a:p>
-            <a:r>
-              <a:rPr lang="de-DE" b="1" i="1" dirty="0"/>
-              <a:t>Predicted once on GER and once on FRA and then combined</a:t>
+              <a:t>Predicted on GER holdout set!</a:t>
             </a:r>
           </a:p>
         </p:txBody>
       </p:sp>
       <p:pic>
         <p:nvPicPr>
-          <p:cNvPr id="13" name="Content Placeholder 12" descr="Chart, waterfall chart&#10;&#10;Description automatically generated">
+          <p:cNvPr id="10" name="Picture 9" descr="Chart, scatter chart&#10;&#10;Description automatically generated">
             <a:extLst>
               <a:ext uri="{FF2B5EF4-FFF2-40B4-BE49-F238E27FC236}">
-                <a16:creationId xmlns:a16="http://schemas.microsoft.com/office/drawing/2014/main" id="{CC20B67A-D525-49B2-A082-2756D9651111}"/>
+                <a16:creationId xmlns:a16="http://schemas.microsoft.com/office/drawing/2014/main" id="{4633E70C-2493-40F9-85F2-361F06F329EB}"/>
               </a:ext>
             </a:extLst>
           </p:cNvPr>
           <p:cNvPicPr>
-            <a:picLocks noGrp="1" noChangeAspect="1"/>
+            <a:picLocks noChangeAspect="1"/>
           </p:cNvPicPr>
-          <p:nvPr>
-            <p:ph idx="1"/>
-          </p:nvPr>
+          <p:nvPr/>
         </p:nvPicPr>
         <p:blipFill>
           <a:blip r:embed="rId2"/>
@@ -20177,9 +20550,47 @@
         </p:blipFill>
         <p:spPr>
           <a:xfrm>
-            <a:off x="1718896" y="1305370"/>
-            <a:ext cx="8754205" cy="4825067"/>
+            <a:off x="219738" y="1557008"/>
+            <a:ext cx="5876261" cy="4513210"/>
           </a:xfrm>
+          <a:prstGeom prst="rect">
+            <a:avLst/>
+          </a:prstGeom>
+          <a:ln>
+            <a:solidFill>
+              <a:schemeClr val="tx1"/>
+            </a:solidFill>
+          </a:ln>
+        </p:spPr>
+      </p:pic>
+      <p:pic>
+        <p:nvPicPr>
+          <p:cNvPr id="12" name="Picture 11" descr="Chart, scatter chart&#10;&#10;Description automatically generated">
+            <a:extLst>
+              <a:ext uri="{FF2B5EF4-FFF2-40B4-BE49-F238E27FC236}">
+                <a16:creationId xmlns:a16="http://schemas.microsoft.com/office/drawing/2014/main" id="{3E3BD775-2D19-4523-BC32-6D5DA4958892}"/>
+              </a:ext>
+            </a:extLst>
+          </p:cNvPr>
+          <p:cNvPicPr>
+            <a:picLocks noChangeAspect="1"/>
+          </p:cNvPicPr>
+          <p:nvPr/>
+        </p:nvPicPr>
+        <p:blipFill>
+          <a:blip r:embed="rId3"/>
+          <a:stretch>
+            <a:fillRect/>
+          </a:stretch>
+        </p:blipFill>
+        <p:spPr>
+          <a:xfrm>
+            <a:off x="6151450" y="1557008"/>
+            <a:ext cx="5876261" cy="4513210"/>
+          </a:xfrm>
+          <a:prstGeom prst="rect">
+            <a:avLst/>
+          </a:prstGeom>
           <a:ln>
             <a:solidFill>
               <a:schemeClr val="tx1"/>
@@ -20190,7 +20601,7 @@
     </p:spTree>
     <p:extLst>
       <p:ext uri="{BB962C8B-B14F-4D97-AF65-F5344CB8AC3E}">
-        <p14:creationId xmlns:p14="http://schemas.microsoft.com/office/powerpoint/2010/main" val="3654203187"/>
+        <p14:creationId xmlns:p14="http://schemas.microsoft.com/office/powerpoint/2010/main" val="2629132382"/>
       </p:ext>
     </p:extLst>
   </p:cSld>
@@ -20222,7 +20633,7 @@
           <p:cNvPr id="2" name="Title 1">
             <a:extLst>
               <a:ext uri="{FF2B5EF4-FFF2-40B4-BE49-F238E27FC236}">
-                <a16:creationId xmlns:a16="http://schemas.microsoft.com/office/drawing/2014/main" id="{5C6C0D5D-1A09-42DA-AAA6-CB769F97AAFD}"/>
+                <a16:creationId xmlns:a16="http://schemas.microsoft.com/office/drawing/2014/main" id="{6806FBA4-537C-4226-9D3A-758C7B787D79}"/>
               </a:ext>
             </a:extLst>
           </p:cNvPr>
@@ -20235,43 +20646,16 @@
         </p:nvSpPr>
         <p:spPr/>
         <p:txBody>
-          <a:bodyPr/>
+          <a:bodyPr>
+            <a:normAutofit/>
+          </a:bodyPr>
           <a:lstStyle/>
           <a:p>
             <a:r>
-              <a:rPr lang="de-DE" dirty="0"/>
-              <a:t>PCOS</a:t>
-            </a:r>
-          </a:p>
-        </p:txBody>
-      </p:sp>
-      <p:sp>
-        <p:nvSpPr>
-          <p:cNvPr id="4" name="Date Placeholder 3">
-            <a:extLst>
-              <a:ext uri="{FF2B5EF4-FFF2-40B4-BE49-F238E27FC236}">
-                <a16:creationId xmlns:a16="http://schemas.microsoft.com/office/drawing/2014/main" id="{D931F9AA-9EEE-479B-9E4B-F880DD6927F9}"/>
-              </a:ext>
-            </a:extLst>
-          </p:cNvPr>
-          <p:cNvSpPr>
-            <a:spLocks noGrp="1"/>
-          </p:cNvSpPr>
-          <p:nvPr>
-            <p:ph type="dt" sz="half" idx="10"/>
-          </p:nvPr>
-        </p:nvSpPr>
-        <p:spPr/>
-        <p:txBody>
-          <a:bodyPr/>
-          <a:lstStyle/>
-          <a:p>
-            <a:fld id="{36D18B76-5E8B-4456-8722-FC5B14B0F354}" type="datetime1">
-              <a:rPr lang="en-US" smtClean="0"/>
-              <a:pPr/>
-              <a:t>4/20/2022</a:t>
-            </a:fld>
-            <a:endParaRPr lang="en-US" dirty="0"/>
+              <a:rPr lang="de-DE" sz="3200" b="1" dirty="0"/>
+              <a:t>CRC classification</a:t>
+            </a:r>
+            <a:endParaRPr lang="en-US" sz="3200" b="1" dirty="0"/>
           </a:p>
         </p:txBody>
       </p:sp>
@@ -20280,7 +20664,7 @@
           <p:cNvPr id="5" name="Footer Placeholder 4">
             <a:extLst>
               <a:ext uri="{FF2B5EF4-FFF2-40B4-BE49-F238E27FC236}">
-                <a16:creationId xmlns:a16="http://schemas.microsoft.com/office/drawing/2014/main" id="{20341FFA-1CC5-4E6A-9383-BD2A101627FE}"/>
+                <a16:creationId xmlns:a16="http://schemas.microsoft.com/office/drawing/2014/main" id="{707C4F70-832A-416B-9491-EE86347B2812}"/>
               </a:ext>
             </a:extLst>
           </p:cNvPr>
@@ -20309,7 +20693,7 @@
           <p:cNvPr id="6" name="Slide Number Placeholder 5">
             <a:extLst>
               <a:ext uri="{FF2B5EF4-FFF2-40B4-BE49-F238E27FC236}">
-                <a16:creationId xmlns:a16="http://schemas.microsoft.com/office/drawing/2014/main" id="{6B829FC6-6F02-4361-A6FE-C769EAA86509}"/>
+                <a16:creationId xmlns:a16="http://schemas.microsoft.com/office/drawing/2014/main" id="{1028CB34-29B5-49CB-99E4-E945C3D78896}"/>
               </a:ext>
             </a:extLst>
           </p:cNvPr>
@@ -20334,44 +20718,45 @@
           </a:p>
         </p:txBody>
       </p:sp>
-      <p:pic>
-        <p:nvPicPr>
-          <p:cNvPr id="15" name="Content Placeholder 14" descr="Chart&#10;&#10;Description automatically generated">
+      <p:sp>
+        <p:nvSpPr>
+          <p:cNvPr id="8" name="TextBox 7">
             <a:extLst>
               <a:ext uri="{FF2B5EF4-FFF2-40B4-BE49-F238E27FC236}">
-                <a16:creationId xmlns:a16="http://schemas.microsoft.com/office/drawing/2014/main" id="{8CED1E73-1D1F-4F14-A29C-485C75E7601D}"/>
+                <a16:creationId xmlns:a16="http://schemas.microsoft.com/office/drawing/2014/main" id="{C6036ADC-6479-46F9-BC8D-F76F4CA20E1B}"/>
               </a:ext>
             </a:extLst>
           </p:cNvPr>
-          <p:cNvPicPr>
-            <a:picLocks noGrp="1" noChangeAspect="1"/>
-          </p:cNvPicPr>
-          <p:nvPr>
-            <p:ph idx="1"/>
-          </p:nvPr>
-        </p:nvPicPr>
-        <p:blipFill>
-          <a:blip r:embed="rId2"/>
-          <a:stretch>
-            <a:fillRect/>
-          </a:stretch>
-        </p:blipFill>
+          <p:cNvSpPr txBox="1"/>
+          <p:nvPr/>
+        </p:nvSpPr>
         <p:spPr>
           <a:xfrm>
-            <a:off x="2873660" y="1268569"/>
-            <a:ext cx="8634235" cy="4758943"/>
+            <a:off x="9962707" y="123070"/>
+            <a:ext cx="2229293" cy="646331"/>
           </a:xfrm>
-          <a:ln>
-            <a:solidFill>
-              <a:schemeClr val="tx1"/>
-            </a:solidFill>
-          </a:ln>
+          <a:prstGeom prst="rect">
+            <a:avLst/>
+          </a:prstGeom>
+          <a:noFill/>
         </p:spPr>
-      </p:pic>
+        <p:txBody>
+          <a:bodyPr wrap="square" rtlCol="0">
+            <a:spAutoFit/>
+          </a:bodyPr>
+          <a:lstStyle/>
+          <a:p>
+            <a:r>
+              <a:rPr lang="de-DE" b="1" i="1" dirty="0"/>
+              <a:t>Predicted on AUS holdout set!</a:t>
+            </a:r>
+          </a:p>
+        </p:txBody>
+      </p:sp>
     </p:spTree>
     <p:extLst>
       <p:ext uri="{BB962C8B-B14F-4D97-AF65-F5344CB8AC3E}">
-        <p14:creationId xmlns:p14="http://schemas.microsoft.com/office/powerpoint/2010/main" val="2460614687"/>
+        <p14:creationId xmlns:p14="http://schemas.microsoft.com/office/powerpoint/2010/main" val="3211468566"/>
       </p:ext>
     </p:extLst>
   </p:cSld>
@@ -20416,14 +20801,16 @@
         </p:nvSpPr>
         <p:spPr/>
         <p:txBody>
-          <a:bodyPr/>
+          <a:bodyPr>
+            <a:normAutofit/>
+          </a:bodyPr>
           <a:lstStyle/>
           <a:p>
             <a:r>
-              <a:rPr lang="de-DE" b="1" dirty="0"/>
-              <a:t>Pre-Processing</a:t>
-            </a:r>
-            <a:endParaRPr lang="en-US" b="1" dirty="0"/>
+              <a:rPr lang="de-DE" sz="3200" b="1" dirty="0"/>
+              <a:t>CRC classification</a:t>
+            </a:r>
+            <a:endParaRPr lang="en-US" sz="3200" b="1" dirty="0"/>
           </a:p>
         </p:txBody>
       </p:sp>
@@ -20488,10 +20875,10 @@
       </p:sp>
       <p:sp>
         <p:nvSpPr>
-          <p:cNvPr id="26" name="TextBox 25">
+          <p:cNvPr id="8" name="TextBox 7">
             <a:extLst>
               <a:ext uri="{FF2B5EF4-FFF2-40B4-BE49-F238E27FC236}">
-                <a16:creationId xmlns:a16="http://schemas.microsoft.com/office/drawing/2014/main" id="{CC7BEBFF-3D20-441C-B1B2-0CE34904FDE4}"/>
+                <a16:creationId xmlns:a16="http://schemas.microsoft.com/office/drawing/2014/main" id="{C6036ADC-6479-46F9-BC8D-F76F4CA20E1B}"/>
               </a:ext>
             </a:extLst>
           </p:cNvPr>
@@ -20500,8 +20887,8 @@
         </p:nvSpPr>
         <p:spPr>
           <a:xfrm>
-            <a:off x="1698819" y="1152907"/>
-            <a:ext cx="3654858" cy="400110"/>
+            <a:off x="9962707" y="123070"/>
+            <a:ext cx="2229293" cy="646331"/>
           </a:xfrm>
           <a:prstGeom prst="rect">
             <a:avLst/>
@@ -20515,293 +20902,16 @@
           <a:lstStyle/>
           <a:p>
             <a:r>
-              <a:rPr lang="de-DE" sz="2000" i="1" dirty="0"/>
-              <a:t>Problems and Notes</a:t>
-            </a:r>
-          </a:p>
-        </p:txBody>
-      </p:sp>
-      <p:sp>
-        <p:nvSpPr>
-          <p:cNvPr id="7" name="TextBox 6">
-            <a:extLst>
-              <a:ext uri="{FF2B5EF4-FFF2-40B4-BE49-F238E27FC236}">
-                <a16:creationId xmlns:a16="http://schemas.microsoft.com/office/drawing/2014/main" id="{B43BF96F-7A11-4087-9B01-CF6AACD20E04}"/>
-              </a:ext>
-            </a:extLst>
-          </p:cNvPr>
-          <p:cNvSpPr txBox="1"/>
-          <p:nvPr/>
-        </p:nvSpPr>
-        <p:spPr>
-          <a:xfrm>
-            <a:off x="1698819" y="1834296"/>
-            <a:ext cx="7102549" cy="1754326"/>
-          </a:xfrm>
-          <a:prstGeom prst="rect">
-            <a:avLst/>
-          </a:prstGeom>
-          <a:noFill/>
-        </p:spPr>
-        <p:txBody>
-          <a:bodyPr wrap="square" rtlCol="0">
-            <a:spAutoFit/>
-          </a:bodyPr>
-          <a:lstStyle/>
-          <a:p>
-            <a:r>
-              <a:rPr lang="de-DE" u="sng" dirty="0"/>
-              <a:t>CRC</a:t>
-            </a:r>
-            <a:r>
-              <a:rPr lang="de-DE" dirty="0"/>
-              <a:t>:</a:t>
-            </a:r>
-          </a:p>
-          <a:p>
-            <a:pPr marL="285750" indent="-285750">
-              <a:buFontTx/>
-              <a:buChar char="-"/>
-            </a:pPr>
-            <a:r>
-              <a:rPr lang="de-DE" dirty="0"/>
-              <a:t>128 rows removed due to NA in BMI</a:t>
-            </a:r>
-          </a:p>
-          <a:p>
-            <a:pPr marL="285750" indent="-285750">
-              <a:buFontTx/>
-              <a:buChar char="-"/>
-            </a:pPr>
-            <a:r>
-              <a:rPr lang="de-DE" dirty="0"/>
-              <a:t>DE saved separately as holdout </a:t>
-            </a:r>
-          </a:p>
-          <a:p>
-            <a:pPr marL="285750" indent="-285750">
-              <a:buFontTx/>
-              <a:buChar char="-"/>
-            </a:pPr>
-            <a:r>
-              <a:rPr lang="de-DE" dirty="0"/>
-              <a:t>All tests were done with country sets: USA, China, Austria, France</a:t>
-            </a:r>
-          </a:p>
-          <a:p>
-            <a:pPr marL="285750" indent="-285750">
-              <a:buFontTx/>
-              <a:buChar char="-"/>
-            </a:pPr>
-            <a:endParaRPr lang="de-DE" dirty="0"/>
-          </a:p>
-        </p:txBody>
-      </p:sp>
-      <p:sp>
-        <p:nvSpPr>
-          <p:cNvPr id="29" name="TextBox 28">
-            <a:extLst>
-              <a:ext uri="{FF2B5EF4-FFF2-40B4-BE49-F238E27FC236}">
-                <a16:creationId xmlns:a16="http://schemas.microsoft.com/office/drawing/2014/main" id="{FD214281-F802-4F96-A098-F69D765E4AFA}"/>
-              </a:ext>
-            </a:extLst>
-          </p:cNvPr>
-          <p:cNvSpPr txBox="1"/>
-          <p:nvPr/>
-        </p:nvSpPr>
-        <p:spPr>
-          <a:xfrm>
-            <a:off x="6199935" y="93132"/>
-            <a:ext cx="6097772" cy="1815882"/>
-          </a:xfrm>
-          <a:prstGeom prst="rect">
-            <a:avLst/>
-          </a:prstGeom>
-          <a:noFill/>
-        </p:spPr>
-        <p:txBody>
-          <a:bodyPr wrap="square">
-            <a:spAutoFit/>
-          </a:bodyPr>
-          <a:lstStyle/>
-          <a:p>
-            <a:r>
-              <a:rPr lang="de-DE" sz="1400" u="sng" dirty="0"/>
-              <a:t>Imputation</a:t>
-            </a:r>
-            <a:r>
-              <a:rPr lang="de-DE" sz="1400" dirty="0"/>
-              <a:t>:</a:t>
-            </a:r>
-          </a:p>
-          <a:p>
-            <a:pPr marL="285750" indent="-285750">
-              <a:buFontTx/>
-              <a:buChar char="-"/>
-            </a:pPr>
-            <a:r>
-              <a:rPr lang="de-DE" sz="1400" dirty="0"/>
-              <a:t>mbImpute needs phylogenetic tree -&gt; ignored for now </a:t>
-            </a:r>
-          </a:p>
-          <a:p>
-            <a:pPr marL="285750" indent="-285750">
-              <a:buFontTx/>
-              <a:buChar char="-"/>
-            </a:pPr>
-            <a:r>
-              <a:rPr lang="de-DE" sz="1400" dirty="0"/>
-              <a:t>EstMB dataset: pseudocount inserts decimal values between 0 and 1</a:t>
-            </a:r>
-          </a:p>
-          <a:p>
-            <a:pPr marL="742950" lvl="1" indent="-285750">
-              <a:buFontTx/>
-              <a:buChar char="-"/>
-            </a:pPr>
-            <a:r>
-              <a:rPr lang="de-DE" sz="1400" dirty="0"/>
-              <a:t>Solution for now: all these values were rounded up to 1</a:t>
-            </a:r>
-          </a:p>
-          <a:p>
-            <a:pPr marL="742950" lvl="1" indent="-285750">
-              <a:buFontTx/>
-              <a:buChar char="-"/>
-            </a:pPr>
-            <a:r>
-              <a:rPr lang="de-DE" sz="1400" dirty="0"/>
-              <a:t>Possibly in a later run keep decimal values, because some papers suggest sensitivity to pseudocount in machine learning models </a:t>
-            </a:r>
-          </a:p>
-        </p:txBody>
-      </p:sp>
-      <p:sp>
-        <p:nvSpPr>
-          <p:cNvPr id="8" name="TextBox 7">
-            <a:extLst>
-              <a:ext uri="{FF2B5EF4-FFF2-40B4-BE49-F238E27FC236}">
-                <a16:creationId xmlns:a16="http://schemas.microsoft.com/office/drawing/2014/main" id="{20ADFB58-875E-4AAE-BDAE-D861E7F9DC27}"/>
-              </a:ext>
-            </a:extLst>
-          </p:cNvPr>
-          <p:cNvSpPr txBox="1"/>
-          <p:nvPr/>
-        </p:nvSpPr>
-        <p:spPr>
-          <a:xfrm>
-            <a:off x="1720971" y="3408432"/>
-            <a:ext cx="7102549" cy="1200329"/>
-          </a:xfrm>
-          <a:prstGeom prst="rect">
-            <a:avLst/>
-          </a:prstGeom>
-          <a:noFill/>
-        </p:spPr>
-        <p:txBody>
-          <a:bodyPr wrap="square" rtlCol="0">
-            <a:spAutoFit/>
-          </a:bodyPr>
-          <a:lstStyle/>
-          <a:p>
-            <a:r>
-              <a:rPr lang="de-DE" u="sng" dirty="0"/>
-              <a:t>PCOS</a:t>
-            </a:r>
-            <a:r>
-              <a:rPr lang="de-DE" dirty="0"/>
-              <a:t>:</a:t>
-            </a:r>
-          </a:p>
-          <a:p>
-            <a:pPr marL="285750" indent="-285750">
-              <a:buFontTx/>
-              <a:buChar char="-"/>
-            </a:pPr>
-            <a:r>
-              <a:rPr lang="de-DE" dirty="0"/>
-              <a:t>6 rows removed in abundance table because they were not included in metadata</a:t>
-            </a:r>
-          </a:p>
-          <a:p>
-            <a:pPr marL="285750" indent="-285750">
-              <a:buFontTx/>
-              <a:buChar char="-"/>
-            </a:pPr>
-            <a:endParaRPr lang="de-DE" dirty="0"/>
-          </a:p>
-        </p:txBody>
-      </p:sp>
-      <p:sp>
-        <p:nvSpPr>
-          <p:cNvPr id="9" name="TextBox 8">
-            <a:extLst>
-              <a:ext uri="{FF2B5EF4-FFF2-40B4-BE49-F238E27FC236}">
-                <a16:creationId xmlns:a16="http://schemas.microsoft.com/office/drawing/2014/main" id="{C84548D0-C361-4108-B284-1351D54B8DFD}"/>
-              </a:ext>
-            </a:extLst>
-          </p:cNvPr>
-          <p:cNvSpPr txBox="1"/>
-          <p:nvPr/>
-        </p:nvSpPr>
-        <p:spPr>
-          <a:xfrm>
-            <a:off x="1720971" y="4717667"/>
-            <a:ext cx="7102549" cy="1200329"/>
-          </a:xfrm>
-          <a:prstGeom prst="rect">
-            <a:avLst/>
-          </a:prstGeom>
-          <a:noFill/>
-        </p:spPr>
-        <p:txBody>
-          <a:bodyPr wrap="square" rtlCol="0">
-            <a:spAutoFit/>
-          </a:bodyPr>
-          <a:lstStyle/>
-          <a:p>
-            <a:r>
-              <a:rPr lang="de-DE" u="sng" dirty="0"/>
-              <a:t>EstMB</a:t>
-            </a:r>
-            <a:r>
-              <a:rPr lang="de-DE" dirty="0"/>
-              <a:t>:</a:t>
-            </a:r>
-          </a:p>
-          <a:p>
-            <a:pPr marL="285750" indent="-285750">
-              <a:buFontTx/>
-              <a:buChar char="-"/>
-            </a:pPr>
-            <a:r>
-              <a:rPr lang="de-DE" dirty="0"/>
-              <a:t>21 rows removed in metadata due to NA</a:t>
-            </a:r>
-          </a:p>
-          <a:p>
-            <a:pPr marL="285750" indent="-285750">
-              <a:buFontTx/>
-              <a:buChar char="-"/>
-            </a:pPr>
-            <a:r>
-              <a:rPr lang="de-DE" dirty="0"/>
-              <a:t>21 patients cut out of abundance table due to metadata</a:t>
-            </a:r>
-          </a:p>
-          <a:p>
-            <a:pPr marL="285750" indent="-285750">
-              <a:buFontTx/>
-              <a:buChar char="-"/>
-            </a:pPr>
-            <a:endParaRPr lang="de-DE" dirty="0"/>
+              <a:rPr lang="de-DE" b="1" i="1" dirty="0"/>
+              <a:t>Do all holdouts and combine?</a:t>
+            </a:r>
           </a:p>
         </p:txBody>
       </p:sp>
     </p:spTree>
     <p:extLst>
       <p:ext uri="{BB962C8B-B14F-4D97-AF65-F5344CB8AC3E}">
-        <p14:creationId xmlns:p14="http://schemas.microsoft.com/office/powerpoint/2010/main" val="3215538767"/>
+        <p14:creationId xmlns:p14="http://schemas.microsoft.com/office/powerpoint/2010/main" val="2863050740"/>
       </p:ext>
     </p:extLst>
   </p:cSld>
@@ -20846,14 +20956,16 @@
         </p:nvSpPr>
         <p:spPr/>
         <p:txBody>
-          <a:bodyPr/>
+          <a:bodyPr>
+            <a:normAutofit/>
+          </a:bodyPr>
           <a:lstStyle/>
           <a:p>
             <a:r>
-              <a:rPr lang="de-DE" b="1" dirty="0"/>
-              <a:t>Transformations</a:t>
-            </a:r>
-            <a:endParaRPr lang="en-US" b="1" dirty="0"/>
+              <a:rPr lang="de-DE" sz="3200" b="1" dirty="0"/>
+              <a:t>IDEA</a:t>
+            </a:r>
+            <a:endParaRPr lang="en-US" sz="3200" b="1" dirty="0"/>
           </a:p>
         </p:txBody>
       </p:sp>
@@ -20879,9 +20991,10 @@
           <a:lstStyle/>
           <a:p>
             <a:r>
-              <a:rPr lang="en-US" dirty="0"/>
+              <a:rPr lang="en-US"/>
               <a:t>jennifer.neumaier@t-online.de</a:t>
             </a:r>
+            <a:endParaRPr lang="en-US" dirty="0"/>
           </a:p>
         </p:txBody>
       </p:sp>
@@ -20917,10 +21030,10 @@
       </p:sp>
       <p:sp>
         <p:nvSpPr>
-          <p:cNvPr id="26" name="TextBox 25">
+          <p:cNvPr id="10" name="TextBox 9">
             <a:extLst>
               <a:ext uri="{FF2B5EF4-FFF2-40B4-BE49-F238E27FC236}">
-                <a16:creationId xmlns:a16="http://schemas.microsoft.com/office/drawing/2014/main" id="{CC7BEBFF-3D20-441C-B1B2-0CE34904FDE4}"/>
+                <a16:creationId xmlns:a16="http://schemas.microsoft.com/office/drawing/2014/main" id="{8551B3F8-69A7-4DCB-910B-1046E03BF7CF}"/>
               </a:ext>
             </a:extLst>
           </p:cNvPr>
@@ -20929,8 +21042,8 @@
         </p:nvSpPr>
         <p:spPr>
           <a:xfrm>
-            <a:off x="1698819" y="1152907"/>
-            <a:ext cx="3654858" cy="400110"/>
+            <a:off x="1954001" y="1582340"/>
+            <a:ext cx="7102549" cy="3693319"/>
           </a:xfrm>
           <a:prstGeom prst="rect">
             <a:avLst/>
@@ -20943,58 +21056,13 @@
           </a:bodyPr>
           <a:lstStyle/>
           <a:p>
-            <a:r>
-              <a:rPr lang="de-DE" sz="2000" i="1" dirty="0"/>
-              <a:t>Problems and Notes</a:t>
-            </a:r>
-          </a:p>
-        </p:txBody>
-      </p:sp>
-      <p:sp>
-        <p:nvSpPr>
-          <p:cNvPr id="7" name="TextBox 6">
-            <a:extLst>
-              <a:ext uri="{FF2B5EF4-FFF2-40B4-BE49-F238E27FC236}">
-                <a16:creationId xmlns:a16="http://schemas.microsoft.com/office/drawing/2014/main" id="{B43BF96F-7A11-4087-9B01-CF6AACD20E04}"/>
-              </a:ext>
-            </a:extLst>
-          </p:cNvPr>
-          <p:cNvSpPr txBox="1"/>
-          <p:nvPr/>
-        </p:nvSpPr>
-        <p:spPr>
-          <a:xfrm>
-            <a:off x="2589212" y="1742696"/>
-            <a:ext cx="7102549" cy="1477328"/>
-          </a:xfrm>
-          <a:prstGeom prst="rect">
-            <a:avLst/>
-          </a:prstGeom>
-          <a:noFill/>
-        </p:spPr>
-        <p:txBody>
-          <a:bodyPr wrap="square" rtlCol="0">
-            <a:spAutoFit/>
-          </a:bodyPr>
-          <a:lstStyle/>
-          <a:p>
-            <a:r>
-              <a:rPr lang="de-DE" u="sng" dirty="0"/>
-              <a:t>CLR/ALR</a:t>
-            </a:r>
-            <a:r>
-              <a:rPr lang="de-DE" dirty="0"/>
-              <a:t>:</a:t>
-            </a:r>
-          </a:p>
-          <a:p>
             <a:pPr marL="285750" indent="-285750">
               <a:buFontTx/>
               <a:buChar char="-"/>
             </a:pPr>
             <a:r>
               <a:rPr lang="de-DE" dirty="0"/>
-              <a:t>What to do with LR.wt?</a:t>
+              <a:t>Direct comparison if transformations are a big influence on leaky data</a:t>
             </a:r>
           </a:p>
           <a:p>
@@ -21004,7 +21072,7 @@
             </a:pPr>
             <a:r>
               <a:rPr lang="de-DE" dirty="0"/>
-              <a:t>What to do with part.names and part.wt?</a:t>
+              <a:t>Take CRC data set as it has clear correlations and gives nice control over test set via country codes</a:t>
             </a:r>
           </a:p>
           <a:p>
@@ -21014,47 +21082,8 @@
             </a:pPr>
             <a:r>
               <a:rPr lang="de-DE" dirty="0"/>
-              <a:t>Column names ALR?</a:t>
-            </a:r>
-          </a:p>
-          <a:p>
-            <a:endParaRPr lang="de-DE" dirty="0"/>
-          </a:p>
-        </p:txBody>
-      </p:sp>
-      <p:sp>
-        <p:nvSpPr>
-          <p:cNvPr id="8" name="TextBox 7">
-            <a:extLst>
-              <a:ext uri="{FF2B5EF4-FFF2-40B4-BE49-F238E27FC236}">
-                <a16:creationId xmlns:a16="http://schemas.microsoft.com/office/drawing/2014/main" id="{42B7B4AF-462B-468E-AAF9-0BB332281A81}"/>
-              </a:ext>
-            </a:extLst>
-          </p:cNvPr>
-          <p:cNvSpPr txBox="1"/>
-          <p:nvPr/>
-        </p:nvSpPr>
-        <p:spPr>
-          <a:xfrm>
-            <a:off x="2589212" y="3278973"/>
-            <a:ext cx="7102549" cy="923330"/>
-          </a:xfrm>
-          <a:prstGeom prst="rect">
-            <a:avLst/>
-          </a:prstGeom>
-          <a:noFill/>
-        </p:spPr>
-        <p:txBody>
-          <a:bodyPr wrap="square" rtlCol="0">
-            <a:spAutoFit/>
-          </a:bodyPr>
-          <a:lstStyle/>
-          <a:p>
-            <a:r>
-              <a:rPr lang="de-DE" u="sng" dirty="0"/>
-              <a:t>EstMB:</a:t>
-            </a:r>
-            <a:endParaRPr lang="de-DE" dirty="0"/>
+              <a:t>Compare glmnet models with transformation separate on test/train set and on full data set</a:t>
+            </a:r>
           </a:p>
           <a:p>
             <a:pPr marL="285750" indent="-285750">
@@ -21063,18 +21092,42 @@
             </a:pPr>
             <a:r>
               <a:rPr lang="de-DE" dirty="0"/>
-              <a:t>Needs a lot of time for ALR -&gt; solved in HPC?</a:t>
-            </a:r>
-          </a:p>
-          <a:p>
+              <a:t>Test first with two countries and TSS/CLR/ALR</a:t>
+            </a:r>
+          </a:p>
+          <a:p>
+            <a:pPr marL="285750" indent="-285750">
+              <a:buFontTx/>
+              <a:buChar char="-"/>
+            </a:pPr>
+            <a:r>
+              <a:rPr lang="de-DE" dirty="0"/>
+              <a:t>Main interest in ALR </a:t>
+            </a:r>
+          </a:p>
+          <a:p>
+            <a:pPr marL="285750" indent="-285750">
+              <a:buFontTx/>
+              <a:buChar char="-"/>
+            </a:pPr>
             <a:endParaRPr lang="de-DE" dirty="0"/>
+          </a:p>
+          <a:p>
+            <a:pPr marL="285750" indent="-285750">
+              <a:buFontTx/>
+              <a:buChar char="-"/>
+            </a:pPr>
+            <a:r>
+              <a:rPr lang="de-DE" dirty="0"/>
+              <a:t>Note: possibility that different denominator is chosen for test set and train set -&gt; code needs to adjust for that -&gt; especially later in PCOS? -&gt; both denominators should be discarded from data set!</a:t>
+            </a:r>
           </a:p>
         </p:txBody>
       </p:sp>
     </p:spTree>
     <p:extLst>
       <p:ext uri="{BB962C8B-B14F-4D97-AF65-F5344CB8AC3E}">
-        <p14:creationId xmlns:p14="http://schemas.microsoft.com/office/powerpoint/2010/main" val="3441935650"/>
+        <p14:creationId xmlns:p14="http://schemas.microsoft.com/office/powerpoint/2010/main" val="914682635"/>
       </p:ext>
     </p:extLst>
   </p:cSld>
@@ -21119,14 +21172,16 @@
         </p:nvSpPr>
         <p:spPr/>
         <p:txBody>
-          <a:bodyPr/>
+          <a:bodyPr>
+            <a:normAutofit/>
+          </a:bodyPr>
           <a:lstStyle/>
           <a:p>
             <a:r>
-              <a:rPr lang="de-DE" b="1" dirty="0"/>
-              <a:t>Hierarchy dimensionality reduction</a:t>
-            </a:r>
-            <a:endParaRPr lang="en-US" b="1" dirty="0"/>
+              <a:rPr lang="de-DE" sz="3200" b="1" dirty="0"/>
+              <a:t>Concept</a:t>
+            </a:r>
+            <a:endParaRPr lang="en-US" sz="3200" b="1" dirty="0"/>
           </a:p>
         </p:txBody>
       </p:sp>
@@ -21189,12 +21244,710 @@
           </a:p>
         </p:txBody>
       </p:sp>
-      <p:sp>
-        <p:nvSpPr>
-          <p:cNvPr id="26" name="TextBox 25">
+      <p:grpSp>
+        <p:nvGrpSpPr>
+          <p:cNvPr id="24" name="Group 23">
             <a:extLst>
               <a:ext uri="{FF2B5EF4-FFF2-40B4-BE49-F238E27FC236}">
-                <a16:creationId xmlns:a16="http://schemas.microsoft.com/office/drawing/2014/main" id="{CC7BEBFF-3D20-441C-B1B2-0CE34904FDE4}"/>
+                <a16:creationId xmlns:a16="http://schemas.microsoft.com/office/drawing/2014/main" id="{7FEDD19D-C5AA-486C-B561-6C45447CAB5B}"/>
+              </a:ext>
+            </a:extLst>
+          </p:cNvPr>
+          <p:cNvGrpSpPr/>
+          <p:nvPr/>
+        </p:nvGrpSpPr>
+        <p:grpSpPr>
+          <a:xfrm>
+            <a:off x="4194545" y="1039113"/>
+            <a:ext cx="4815663" cy="4774051"/>
+            <a:chOff x="4194545" y="1039113"/>
+            <a:chExt cx="4815663" cy="4774051"/>
+          </a:xfrm>
+        </p:grpSpPr>
+        <p:grpSp>
+          <p:nvGrpSpPr>
+            <p:cNvPr id="15" name="Group 14">
+              <a:extLst>
+                <a:ext uri="{FF2B5EF4-FFF2-40B4-BE49-F238E27FC236}">
+                  <a16:creationId xmlns:a16="http://schemas.microsoft.com/office/drawing/2014/main" id="{621BC174-A039-43CC-82EA-5C56E67AA224}"/>
+                </a:ext>
+              </a:extLst>
+            </p:cNvPr>
+            <p:cNvGrpSpPr/>
+            <p:nvPr/>
+          </p:nvGrpSpPr>
+          <p:grpSpPr>
+            <a:xfrm>
+              <a:off x="4194545" y="1044836"/>
+              <a:ext cx="2030818" cy="4768328"/>
+              <a:chOff x="2270052" y="1268569"/>
+              <a:chExt cx="2030818" cy="4768328"/>
+            </a:xfrm>
+          </p:grpSpPr>
+          <p:cxnSp>
+            <p:nvCxnSpPr>
+              <p:cNvPr id="14" name="Straight Arrow Connector 13">
+                <a:extLst>
+                  <a:ext uri="{FF2B5EF4-FFF2-40B4-BE49-F238E27FC236}">
+                    <a16:creationId xmlns:a16="http://schemas.microsoft.com/office/drawing/2014/main" id="{1A3C3072-2A30-456F-82D0-A5C926B3C5AB}"/>
+                  </a:ext>
+                </a:extLst>
+              </p:cNvPr>
+              <p:cNvCxnSpPr>
+                <a:stCxn id="7" idx="2"/>
+                <a:endCxn id="13" idx="0"/>
+              </p:cNvCxnSpPr>
+              <p:nvPr/>
+            </p:nvCxnSpPr>
+            <p:spPr>
+              <a:xfrm flipH="1">
+                <a:off x="3285461" y="2198133"/>
+                <a:ext cx="2658" cy="3118105"/>
+              </a:xfrm>
+              <a:prstGeom prst="straightConnector1">
+                <a:avLst/>
+              </a:prstGeom>
+              <a:ln w="25400">
+                <a:solidFill>
+                  <a:schemeClr val="tx1"/>
+                </a:solidFill>
+                <a:tailEnd type="triangle"/>
+              </a:ln>
+            </p:spPr>
+            <p:style>
+              <a:lnRef idx="1">
+                <a:schemeClr val="accent1"/>
+              </a:lnRef>
+              <a:fillRef idx="0">
+                <a:schemeClr val="accent1"/>
+              </a:fillRef>
+              <a:effectRef idx="0">
+                <a:schemeClr val="accent1"/>
+              </a:effectRef>
+              <a:fontRef idx="minor">
+                <a:schemeClr val="tx1"/>
+              </a:fontRef>
+            </p:style>
+          </p:cxnSp>
+          <p:sp>
+            <p:nvSpPr>
+              <p:cNvPr id="3" name="TextBox 2">
+                <a:extLst>
+                  <a:ext uri="{FF2B5EF4-FFF2-40B4-BE49-F238E27FC236}">
+                    <a16:creationId xmlns:a16="http://schemas.microsoft.com/office/drawing/2014/main" id="{C4D47203-95D0-4020-A5B5-49C837280BB4}"/>
+                  </a:ext>
+                </a:extLst>
+              </p:cNvPr>
+              <p:cNvSpPr txBox="1"/>
+              <p:nvPr/>
+            </p:nvSpPr>
+            <p:spPr>
+              <a:xfrm>
+                <a:off x="2275368" y="1268569"/>
+                <a:ext cx="2025502" cy="369332"/>
+              </a:xfrm>
+              <a:prstGeom prst="rect">
+                <a:avLst/>
+              </a:prstGeom>
+              <a:solidFill>
+                <a:schemeClr val="bg1"/>
+              </a:solidFill>
+            </p:spPr>
+            <p:txBody>
+              <a:bodyPr wrap="square" rtlCol="0">
+                <a:spAutoFit/>
+              </a:bodyPr>
+              <a:lstStyle/>
+              <a:p>
+                <a:pPr algn="ctr"/>
+                <a:r>
+                  <a:rPr lang="de-DE" b="1" dirty="0"/>
+                  <a:t>Non-leaky</a:t>
+                </a:r>
+              </a:p>
+            </p:txBody>
+          </p:sp>
+          <p:sp>
+            <p:nvSpPr>
+              <p:cNvPr id="7" name="Rectangle 6">
+                <a:extLst>
+                  <a:ext uri="{FF2B5EF4-FFF2-40B4-BE49-F238E27FC236}">
+                    <a16:creationId xmlns:a16="http://schemas.microsoft.com/office/drawing/2014/main" id="{5C38B419-7268-4065-8EE1-BD8CBEFAAA18}"/>
+                  </a:ext>
+                </a:extLst>
+              </p:cNvPr>
+              <p:cNvSpPr/>
+              <p:nvPr/>
+            </p:nvSpPr>
+            <p:spPr>
+              <a:xfrm>
+                <a:off x="2275368" y="1828801"/>
+                <a:ext cx="2025502" cy="369332"/>
+              </a:xfrm>
+              <a:prstGeom prst="rect">
+                <a:avLst/>
+              </a:prstGeom>
+            </p:spPr>
+            <p:style>
+              <a:lnRef idx="2">
+                <a:schemeClr val="accent1">
+                  <a:shade val="50000"/>
+                </a:schemeClr>
+              </a:lnRef>
+              <a:fillRef idx="1">
+                <a:schemeClr val="accent1"/>
+              </a:fillRef>
+              <a:effectRef idx="0">
+                <a:schemeClr val="accent1"/>
+              </a:effectRef>
+              <a:fontRef idx="minor">
+                <a:schemeClr val="lt1"/>
+              </a:fontRef>
+            </p:style>
+            <p:txBody>
+              <a:bodyPr rtlCol="0" anchor="ctr"/>
+              <a:lstStyle/>
+              <a:p>
+                <a:pPr algn="ctr"/>
+                <a:r>
+                  <a:rPr lang="de-DE" dirty="0"/>
+                  <a:t>Data set</a:t>
+                </a:r>
+              </a:p>
+            </p:txBody>
+          </p:sp>
+          <p:sp>
+            <p:nvSpPr>
+              <p:cNvPr id="9" name="Rectangle 8">
+                <a:extLst>
+                  <a:ext uri="{FF2B5EF4-FFF2-40B4-BE49-F238E27FC236}">
+                    <a16:creationId xmlns:a16="http://schemas.microsoft.com/office/drawing/2014/main" id="{0B022A32-1EAC-4226-BF88-467693DDE6BB}"/>
+                  </a:ext>
+                </a:extLst>
+              </p:cNvPr>
+              <p:cNvSpPr/>
+              <p:nvPr/>
+            </p:nvSpPr>
+            <p:spPr>
+              <a:xfrm>
+                <a:off x="2270052" y="2487252"/>
+                <a:ext cx="2030818" cy="720659"/>
+              </a:xfrm>
+              <a:prstGeom prst="rect">
+                <a:avLst/>
+              </a:prstGeom>
+            </p:spPr>
+            <p:style>
+              <a:lnRef idx="2">
+                <a:schemeClr val="accent1">
+                  <a:shade val="50000"/>
+                </a:schemeClr>
+              </a:lnRef>
+              <a:fillRef idx="1">
+                <a:schemeClr val="accent1"/>
+              </a:fillRef>
+              <a:effectRef idx="0">
+                <a:schemeClr val="accent1"/>
+              </a:effectRef>
+              <a:fontRef idx="minor">
+                <a:schemeClr val="lt1"/>
+              </a:fontRef>
+            </p:style>
+            <p:txBody>
+              <a:bodyPr rtlCol="0" anchor="ctr"/>
+              <a:lstStyle/>
+              <a:p>
+                <a:pPr algn="ctr"/>
+                <a:r>
+                  <a:rPr lang="de-DE" dirty="0"/>
+                  <a:t>Merging with metadata</a:t>
+                </a:r>
+              </a:p>
+            </p:txBody>
+          </p:sp>
+          <p:sp>
+            <p:nvSpPr>
+              <p:cNvPr id="11" name="Rectangle 10">
+                <a:extLst>
+                  <a:ext uri="{FF2B5EF4-FFF2-40B4-BE49-F238E27FC236}">
+                    <a16:creationId xmlns:a16="http://schemas.microsoft.com/office/drawing/2014/main" id="{C7ECC949-283C-4B6D-879F-F06B00DE00E4}"/>
+                  </a:ext>
+                </a:extLst>
+              </p:cNvPr>
+              <p:cNvSpPr/>
+              <p:nvPr/>
+            </p:nvSpPr>
+            <p:spPr>
+              <a:xfrm>
+                <a:off x="2270052" y="3478938"/>
+                <a:ext cx="2030818" cy="336144"/>
+              </a:xfrm>
+              <a:prstGeom prst="rect">
+                <a:avLst/>
+              </a:prstGeom>
+            </p:spPr>
+            <p:style>
+              <a:lnRef idx="2">
+                <a:schemeClr val="accent1">
+                  <a:shade val="50000"/>
+                </a:schemeClr>
+              </a:lnRef>
+              <a:fillRef idx="1">
+                <a:schemeClr val="accent1"/>
+              </a:fillRef>
+              <a:effectRef idx="0">
+                <a:schemeClr val="accent1"/>
+              </a:effectRef>
+              <a:fontRef idx="minor">
+                <a:schemeClr val="lt1"/>
+              </a:fontRef>
+            </p:style>
+            <p:txBody>
+              <a:bodyPr rtlCol="0" anchor="ctr"/>
+              <a:lstStyle/>
+              <a:p>
+                <a:pPr algn="ctr"/>
+                <a:r>
+                  <a:rPr lang="de-DE" dirty="0"/>
+                  <a:t>Splitting data</a:t>
+                </a:r>
+              </a:p>
+            </p:txBody>
+          </p:sp>
+          <p:sp>
+            <p:nvSpPr>
+              <p:cNvPr id="12" name="Rectangle 11">
+                <a:extLst>
+                  <a:ext uri="{FF2B5EF4-FFF2-40B4-BE49-F238E27FC236}">
+                    <a16:creationId xmlns:a16="http://schemas.microsoft.com/office/drawing/2014/main" id="{120825D2-EA1E-4217-BAF3-CF9854BD65B7}"/>
+                  </a:ext>
+                </a:extLst>
+              </p:cNvPr>
+              <p:cNvSpPr/>
+              <p:nvPr/>
+            </p:nvSpPr>
+            <p:spPr>
+              <a:xfrm>
+                <a:off x="2270052" y="4062500"/>
+                <a:ext cx="2030818" cy="929022"/>
+              </a:xfrm>
+              <a:prstGeom prst="rect">
+                <a:avLst/>
+              </a:prstGeom>
+            </p:spPr>
+            <p:style>
+              <a:lnRef idx="2">
+                <a:schemeClr val="accent1">
+                  <a:shade val="50000"/>
+                </a:schemeClr>
+              </a:lnRef>
+              <a:fillRef idx="1">
+                <a:schemeClr val="accent1"/>
+              </a:fillRef>
+              <a:effectRef idx="0">
+                <a:schemeClr val="accent1"/>
+              </a:effectRef>
+              <a:fontRef idx="minor">
+                <a:schemeClr val="lt1"/>
+              </a:fontRef>
+            </p:style>
+            <p:txBody>
+              <a:bodyPr rtlCol="0" anchor="ctr"/>
+              <a:lstStyle/>
+              <a:p>
+                <a:pPr algn="ctr"/>
+                <a:r>
+                  <a:rPr lang="de-DE" dirty="0"/>
+                  <a:t>Transformation separately on test and train set </a:t>
+                </a:r>
+              </a:p>
+            </p:txBody>
+          </p:sp>
+          <p:sp>
+            <p:nvSpPr>
+              <p:cNvPr id="13" name="Rectangle 12">
+                <a:extLst>
+                  <a:ext uri="{FF2B5EF4-FFF2-40B4-BE49-F238E27FC236}">
+                    <a16:creationId xmlns:a16="http://schemas.microsoft.com/office/drawing/2014/main" id="{D544F124-B9BC-4DB6-A0EB-B3604E431006}"/>
+                  </a:ext>
+                </a:extLst>
+              </p:cNvPr>
+              <p:cNvSpPr/>
+              <p:nvPr/>
+            </p:nvSpPr>
+            <p:spPr>
+              <a:xfrm>
+                <a:off x="2270052" y="5316238"/>
+                <a:ext cx="2030818" cy="720659"/>
+              </a:xfrm>
+              <a:prstGeom prst="rect">
+                <a:avLst/>
+              </a:prstGeom>
+            </p:spPr>
+            <p:style>
+              <a:lnRef idx="2">
+                <a:schemeClr val="accent1">
+                  <a:shade val="50000"/>
+                </a:schemeClr>
+              </a:lnRef>
+              <a:fillRef idx="1">
+                <a:schemeClr val="accent1"/>
+              </a:fillRef>
+              <a:effectRef idx="0">
+                <a:schemeClr val="accent1"/>
+              </a:effectRef>
+              <a:fontRef idx="minor">
+                <a:schemeClr val="lt1"/>
+              </a:fontRef>
+            </p:style>
+            <p:txBody>
+              <a:bodyPr rtlCol="0" anchor="ctr"/>
+              <a:lstStyle/>
+              <a:p>
+                <a:pPr algn="ctr"/>
+                <a:r>
+                  <a:rPr lang="de-DE" dirty="0"/>
+                  <a:t>Modeling </a:t>
+                </a:r>
+              </a:p>
+            </p:txBody>
+          </p:sp>
+        </p:grpSp>
+        <p:cxnSp>
+          <p:nvCxnSpPr>
+            <p:cNvPr id="17" name="Straight Arrow Connector 16">
+              <a:extLst>
+                <a:ext uri="{FF2B5EF4-FFF2-40B4-BE49-F238E27FC236}">
+                  <a16:creationId xmlns:a16="http://schemas.microsoft.com/office/drawing/2014/main" id="{6B1FB7D0-62D9-49A3-8A9E-86C3B0799BBB}"/>
+                </a:ext>
+              </a:extLst>
+            </p:cNvPr>
+            <p:cNvCxnSpPr>
+              <a:stCxn id="19" idx="2"/>
+              <a:endCxn id="23" idx="0"/>
+            </p:cNvCxnSpPr>
+            <p:nvPr/>
+          </p:nvCxnSpPr>
+          <p:spPr>
+            <a:xfrm flipH="1">
+              <a:off x="7994799" y="1968677"/>
+              <a:ext cx="2658" cy="3118105"/>
+            </a:xfrm>
+            <a:prstGeom prst="straightConnector1">
+              <a:avLst/>
+            </a:prstGeom>
+            <a:ln w="25400">
+              <a:solidFill>
+                <a:schemeClr val="tx1"/>
+              </a:solidFill>
+              <a:tailEnd type="triangle"/>
+            </a:ln>
+          </p:spPr>
+          <p:style>
+            <a:lnRef idx="1">
+              <a:schemeClr val="accent1"/>
+            </a:lnRef>
+            <a:fillRef idx="0">
+              <a:schemeClr val="accent1"/>
+            </a:fillRef>
+            <a:effectRef idx="0">
+              <a:schemeClr val="accent1"/>
+            </a:effectRef>
+            <a:fontRef idx="minor">
+              <a:schemeClr val="tx1"/>
+            </a:fontRef>
+          </p:style>
+        </p:cxnSp>
+        <p:sp>
+          <p:nvSpPr>
+            <p:cNvPr id="18" name="TextBox 17">
+              <a:extLst>
+                <a:ext uri="{FF2B5EF4-FFF2-40B4-BE49-F238E27FC236}">
+                  <a16:creationId xmlns:a16="http://schemas.microsoft.com/office/drawing/2014/main" id="{0987CA97-C223-4467-8B58-D5095C026FF3}"/>
+                </a:ext>
+              </a:extLst>
+            </p:cNvPr>
+            <p:cNvSpPr txBox="1"/>
+            <p:nvPr/>
+          </p:nvSpPr>
+          <p:spPr>
+            <a:xfrm>
+              <a:off x="6984706" y="1039113"/>
+              <a:ext cx="2025502" cy="369332"/>
+            </a:xfrm>
+            <a:prstGeom prst="rect">
+              <a:avLst/>
+            </a:prstGeom>
+            <a:solidFill>
+              <a:schemeClr val="bg1"/>
+            </a:solidFill>
+          </p:spPr>
+          <p:txBody>
+            <a:bodyPr wrap="square" rtlCol="0">
+              <a:spAutoFit/>
+            </a:bodyPr>
+            <a:lstStyle/>
+            <a:p>
+              <a:pPr algn="ctr"/>
+              <a:r>
+                <a:rPr lang="de-DE" b="1" dirty="0"/>
+                <a:t>leaky</a:t>
+              </a:r>
+            </a:p>
+          </p:txBody>
+        </p:sp>
+        <p:sp>
+          <p:nvSpPr>
+            <p:cNvPr id="19" name="Rectangle 18">
+              <a:extLst>
+                <a:ext uri="{FF2B5EF4-FFF2-40B4-BE49-F238E27FC236}">
+                  <a16:creationId xmlns:a16="http://schemas.microsoft.com/office/drawing/2014/main" id="{D67D0CDE-9C14-4823-8960-5BAC13D75641}"/>
+                </a:ext>
+              </a:extLst>
+            </p:cNvPr>
+            <p:cNvSpPr/>
+            <p:nvPr/>
+          </p:nvSpPr>
+          <p:spPr>
+            <a:xfrm>
+              <a:off x="6984706" y="1599345"/>
+              <a:ext cx="2025502" cy="369332"/>
+            </a:xfrm>
+            <a:prstGeom prst="rect">
+              <a:avLst/>
+            </a:prstGeom>
+          </p:spPr>
+          <p:style>
+            <a:lnRef idx="2">
+              <a:schemeClr val="accent1">
+                <a:shade val="50000"/>
+              </a:schemeClr>
+            </a:lnRef>
+            <a:fillRef idx="1">
+              <a:schemeClr val="accent1"/>
+            </a:fillRef>
+            <a:effectRef idx="0">
+              <a:schemeClr val="accent1"/>
+            </a:effectRef>
+            <a:fontRef idx="minor">
+              <a:schemeClr val="lt1"/>
+            </a:fontRef>
+          </p:style>
+          <p:txBody>
+            <a:bodyPr rtlCol="0" anchor="ctr"/>
+            <a:lstStyle/>
+            <a:p>
+              <a:pPr algn="ctr"/>
+              <a:r>
+                <a:rPr lang="de-DE" dirty="0"/>
+                <a:t>Data set</a:t>
+              </a:r>
+            </a:p>
+          </p:txBody>
+        </p:sp>
+        <p:sp>
+          <p:nvSpPr>
+            <p:cNvPr id="20" name="Rectangle 19">
+              <a:extLst>
+                <a:ext uri="{FF2B5EF4-FFF2-40B4-BE49-F238E27FC236}">
+                  <a16:creationId xmlns:a16="http://schemas.microsoft.com/office/drawing/2014/main" id="{EC042A06-27D2-485A-836A-13AF98A1936F}"/>
+                </a:ext>
+              </a:extLst>
+            </p:cNvPr>
+            <p:cNvSpPr/>
+            <p:nvPr/>
+          </p:nvSpPr>
+          <p:spPr>
+            <a:xfrm>
+              <a:off x="6979390" y="2257796"/>
+              <a:ext cx="2030818" cy="841184"/>
+            </a:xfrm>
+            <a:prstGeom prst="rect">
+              <a:avLst/>
+            </a:prstGeom>
+          </p:spPr>
+          <p:style>
+            <a:lnRef idx="2">
+              <a:schemeClr val="accent1">
+                <a:shade val="50000"/>
+              </a:schemeClr>
+            </a:lnRef>
+            <a:fillRef idx="1">
+              <a:schemeClr val="accent1"/>
+            </a:fillRef>
+            <a:effectRef idx="0">
+              <a:schemeClr val="accent1"/>
+            </a:effectRef>
+            <a:fontRef idx="minor">
+              <a:schemeClr val="lt1"/>
+            </a:fontRef>
+          </p:style>
+          <p:txBody>
+            <a:bodyPr rtlCol="0" anchor="ctr"/>
+            <a:lstStyle/>
+            <a:p>
+              <a:pPr algn="ctr"/>
+              <a:r>
+                <a:rPr lang="de-DE" dirty="0"/>
+                <a:t>Transformations on whole data set</a:t>
+              </a:r>
+            </a:p>
+          </p:txBody>
+        </p:sp>
+        <p:sp>
+          <p:nvSpPr>
+            <p:cNvPr id="21" name="Rectangle 20">
+              <a:extLst>
+                <a:ext uri="{FF2B5EF4-FFF2-40B4-BE49-F238E27FC236}">
+                  <a16:creationId xmlns:a16="http://schemas.microsoft.com/office/drawing/2014/main" id="{43A2B2C8-DD63-4B17-9E22-941093562A8F}"/>
+                </a:ext>
+              </a:extLst>
+            </p:cNvPr>
+            <p:cNvSpPr/>
+            <p:nvPr/>
+          </p:nvSpPr>
+          <p:spPr>
+            <a:xfrm>
+              <a:off x="6979390" y="3376392"/>
+              <a:ext cx="2030818" cy="601448"/>
+            </a:xfrm>
+            <a:prstGeom prst="rect">
+              <a:avLst/>
+            </a:prstGeom>
+          </p:spPr>
+          <p:style>
+            <a:lnRef idx="2">
+              <a:schemeClr val="accent1">
+                <a:shade val="50000"/>
+              </a:schemeClr>
+            </a:lnRef>
+            <a:fillRef idx="1">
+              <a:schemeClr val="accent1"/>
+            </a:fillRef>
+            <a:effectRef idx="0">
+              <a:schemeClr val="accent1"/>
+            </a:effectRef>
+            <a:fontRef idx="minor">
+              <a:schemeClr val="lt1"/>
+            </a:fontRef>
+          </p:style>
+          <p:txBody>
+            <a:bodyPr rtlCol="0" anchor="ctr"/>
+            <a:lstStyle/>
+            <a:p>
+              <a:pPr algn="ctr"/>
+              <a:r>
+                <a:rPr lang="de-DE" dirty="0"/>
+                <a:t>Merging with metadata</a:t>
+              </a:r>
+            </a:p>
+          </p:txBody>
+        </p:sp>
+        <p:sp>
+          <p:nvSpPr>
+            <p:cNvPr id="22" name="Rectangle 21">
+              <a:extLst>
+                <a:ext uri="{FF2B5EF4-FFF2-40B4-BE49-F238E27FC236}">
+                  <a16:creationId xmlns:a16="http://schemas.microsoft.com/office/drawing/2014/main" id="{C50ABF19-FD4E-4A7E-8164-F8C7535FF9F8}"/>
+                </a:ext>
+              </a:extLst>
+            </p:cNvPr>
+            <p:cNvSpPr/>
+            <p:nvPr/>
+          </p:nvSpPr>
+          <p:spPr>
+            <a:xfrm>
+              <a:off x="6979390" y="4255252"/>
+              <a:ext cx="2030818" cy="405551"/>
+            </a:xfrm>
+            <a:prstGeom prst="rect">
+              <a:avLst/>
+            </a:prstGeom>
+          </p:spPr>
+          <p:style>
+            <a:lnRef idx="2">
+              <a:schemeClr val="accent1">
+                <a:shade val="50000"/>
+              </a:schemeClr>
+            </a:lnRef>
+            <a:fillRef idx="1">
+              <a:schemeClr val="accent1"/>
+            </a:fillRef>
+            <a:effectRef idx="0">
+              <a:schemeClr val="accent1"/>
+            </a:effectRef>
+            <a:fontRef idx="minor">
+              <a:schemeClr val="lt1"/>
+            </a:fontRef>
+          </p:style>
+          <p:txBody>
+            <a:bodyPr rtlCol="0" anchor="ctr"/>
+            <a:lstStyle/>
+            <a:p>
+              <a:pPr algn="ctr"/>
+              <a:r>
+                <a:rPr lang="de-DE" dirty="0"/>
+                <a:t>Splitting data</a:t>
+              </a:r>
+            </a:p>
+          </p:txBody>
+        </p:sp>
+        <p:sp>
+          <p:nvSpPr>
+            <p:cNvPr id="23" name="Rectangle 22">
+              <a:extLst>
+                <a:ext uri="{FF2B5EF4-FFF2-40B4-BE49-F238E27FC236}">
+                  <a16:creationId xmlns:a16="http://schemas.microsoft.com/office/drawing/2014/main" id="{D058ED71-2EAA-4FDB-A760-76D0E1C7EA5C}"/>
+                </a:ext>
+              </a:extLst>
+            </p:cNvPr>
+            <p:cNvSpPr/>
+            <p:nvPr/>
+          </p:nvSpPr>
+          <p:spPr>
+            <a:xfrm>
+              <a:off x="6979390" y="5086782"/>
+              <a:ext cx="2030818" cy="720659"/>
+            </a:xfrm>
+            <a:prstGeom prst="rect">
+              <a:avLst/>
+            </a:prstGeom>
+          </p:spPr>
+          <p:style>
+            <a:lnRef idx="2">
+              <a:schemeClr val="accent1">
+                <a:shade val="50000"/>
+              </a:schemeClr>
+            </a:lnRef>
+            <a:fillRef idx="1">
+              <a:schemeClr val="accent1"/>
+            </a:fillRef>
+            <a:effectRef idx="0">
+              <a:schemeClr val="accent1"/>
+            </a:effectRef>
+            <a:fontRef idx="minor">
+              <a:schemeClr val="lt1"/>
+            </a:fontRef>
+          </p:style>
+          <p:txBody>
+            <a:bodyPr rtlCol="0" anchor="ctr"/>
+            <a:lstStyle/>
+            <a:p>
+              <a:pPr algn="ctr"/>
+              <a:r>
+                <a:rPr lang="de-DE" dirty="0"/>
+                <a:t>Modeling </a:t>
+              </a:r>
+            </a:p>
+          </p:txBody>
+        </p:sp>
+      </p:grpSp>
+      <p:sp>
+        <p:nvSpPr>
+          <p:cNvPr id="25" name="TextBox 24">
+            <a:extLst>
+              <a:ext uri="{FF2B5EF4-FFF2-40B4-BE49-F238E27FC236}">
+                <a16:creationId xmlns:a16="http://schemas.microsoft.com/office/drawing/2014/main" id="{B5E28B3B-967F-4429-A7EA-E9455F7FFB91}"/>
               </a:ext>
             </a:extLst>
           </p:cNvPr>
@@ -21202,14 +21955,21 @@
           <p:nvPr/>
         </p:nvSpPr>
         <p:spPr>
-          <a:xfrm>
-            <a:off x="1698819" y="1152907"/>
-            <a:ext cx="3654858" cy="400110"/>
+          <a:xfrm rot="365251">
+            <a:off x="8499195" y="499942"/>
+            <a:ext cx="3710763" cy="369332"/>
           </a:xfrm>
           <a:prstGeom prst="rect">
             <a:avLst/>
           </a:prstGeom>
-          <a:noFill/>
+          <a:solidFill>
+            <a:schemeClr val="bg1"/>
+          </a:solidFill>
+          <a:ln>
+            <a:solidFill>
+              <a:schemeClr val="tx1"/>
+            </a:solidFill>
+          </a:ln>
         </p:spPr>
         <p:txBody>
           <a:bodyPr wrap="square" rtlCol="0">
@@ -21217,89 +21977,22 @@
           </a:bodyPr>
           <a:lstStyle/>
           <a:p>
-            <a:r>
-              <a:rPr lang="de-DE" sz="2000" i="1" dirty="0"/>
-              <a:t>Problems and Notes</a:t>
-            </a:r>
-          </a:p>
-        </p:txBody>
-      </p:sp>
-      <p:sp>
-        <p:nvSpPr>
-          <p:cNvPr id="7" name="TextBox 6">
-            <a:extLst>
-              <a:ext uri="{FF2B5EF4-FFF2-40B4-BE49-F238E27FC236}">
-                <a16:creationId xmlns:a16="http://schemas.microsoft.com/office/drawing/2014/main" id="{B43BF96F-7A11-4087-9B01-CF6AACD20E04}"/>
-              </a:ext>
-            </a:extLst>
-          </p:cNvPr>
-          <p:cNvSpPr txBox="1"/>
-          <p:nvPr/>
-        </p:nvSpPr>
-        <p:spPr>
-          <a:xfrm>
-            <a:off x="2589212" y="1742696"/>
-            <a:ext cx="7102549" cy="1754326"/>
-          </a:xfrm>
-          <a:prstGeom prst="rect">
-            <a:avLst/>
-          </a:prstGeom>
-          <a:noFill/>
-        </p:spPr>
-        <p:txBody>
-          <a:bodyPr wrap="square" rtlCol="0">
-            <a:spAutoFit/>
-          </a:bodyPr>
-          <a:lstStyle/>
-          <a:p>
-            <a:r>
-              <a:rPr lang="de-DE" u="sng" dirty="0"/>
-              <a:t>PCA</a:t>
-            </a:r>
-            <a:r>
-              <a:rPr lang="de-DE" dirty="0"/>
-              <a:t>:</a:t>
-            </a:r>
-          </a:p>
-          <a:p>
-            <a:pPr marL="285750" indent="-285750">
-              <a:buFontTx/>
-              <a:buChar char="-"/>
-            </a:pPr>
-            <a:r>
-              <a:rPr lang="de-DE" dirty="0"/>
-              <a:t>Microbiome Preprocessing Machine Learning Pipeline (2021)</a:t>
-            </a:r>
-          </a:p>
-          <a:p>
-            <a:pPr marL="285750" indent="-285750">
-              <a:buFontTx/>
-              <a:buChar char="-"/>
-            </a:pPr>
-            <a:r>
-              <a:rPr lang="de-DE" dirty="0"/>
-              <a:t>Proposes to use PCA as hierarchy reduction </a:t>
-            </a:r>
-          </a:p>
-          <a:p>
-            <a:pPr marL="285750" indent="-285750">
-              <a:buFontTx/>
-              <a:buChar char="-"/>
-            </a:pPr>
-            <a:r>
-              <a:rPr lang="de-DE" dirty="0"/>
-              <a:t>Families can be clustered and genus is not necessary</a:t>
-            </a:r>
-          </a:p>
-          <a:p>
-            <a:endParaRPr lang="de-DE" dirty="0"/>
+            <a:pPr algn="ctr"/>
+            <a:r>
+              <a:rPr lang="de-DE" b="1" dirty="0">
+                <a:solidFill>
+                  <a:srgbClr val="FF0000"/>
+                </a:solidFill>
+              </a:rPr>
+              <a:t>Include also imputation once</a:t>
+            </a:r>
           </a:p>
         </p:txBody>
       </p:sp>
     </p:spTree>
     <p:extLst>
       <p:ext uri="{BB962C8B-B14F-4D97-AF65-F5344CB8AC3E}">
-        <p14:creationId xmlns:p14="http://schemas.microsoft.com/office/powerpoint/2010/main" val="2182919606"/>
+        <p14:creationId xmlns:p14="http://schemas.microsoft.com/office/powerpoint/2010/main" val="931708474"/>
       </p:ext>
     </p:extLst>
   </p:cSld>
@@ -21331,7 +22024,7 @@
           <p:cNvPr id="2" name="Title 1">
             <a:extLst>
               <a:ext uri="{FF2B5EF4-FFF2-40B4-BE49-F238E27FC236}">
-                <a16:creationId xmlns:a16="http://schemas.microsoft.com/office/drawing/2014/main" id="{6806FBA4-537C-4226-9D3A-758C7B787D79}"/>
+                <a16:creationId xmlns:a16="http://schemas.microsoft.com/office/drawing/2014/main" id="{5C6C0D5D-1A09-42DA-AAA6-CB769F97AAFD}"/>
               </a:ext>
             </a:extLst>
           </p:cNvPr>
@@ -21344,16 +22037,72 @@
         </p:nvSpPr>
         <p:spPr/>
         <p:txBody>
-          <a:bodyPr>
-            <a:normAutofit/>
-          </a:bodyPr>
+          <a:bodyPr/>
           <a:lstStyle/>
           <a:p>
             <a:r>
-              <a:rPr lang="de-DE" sz="3200" b="1" dirty="0"/>
-              <a:t>mikropml</a:t>
-            </a:r>
-            <a:endParaRPr lang="en-US" sz="3200" b="1" dirty="0"/>
+              <a:rPr lang="de-DE" dirty="0"/>
+              <a:t>CRC</a:t>
+            </a:r>
+          </a:p>
+        </p:txBody>
+      </p:sp>
+      <p:sp>
+        <p:nvSpPr>
+          <p:cNvPr id="4" name="Date Placeholder 3">
+            <a:extLst>
+              <a:ext uri="{FF2B5EF4-FFF2-40B4-BE49-F238E27FC236}">
+                <a16:creationId xmlns:a16="http://schemas.microsoft.com/office/drawing/2014/main" id="{D931F9AA-9EEE-479B-9E4B-F880DD6927F9}"/>
+              </a:ext>
+            </a:extLst>
+          </p:cNvPr>
+          <p:cNvSpPr>
+            <a:spLocks noGrp="1"/>
+          </p:cNvSpPr>
+          <p:nvPr>
+            <p:ph type="dt" sz="half" idx="10"/>
+          </p:nvPr>
+        </p:nvSpPr>
+        <p:spPr/>
+        <p:txBody>
+          <a:bodyPr/>
+          <a:lstStyle/>
+          <a:p>
+            <a:fld id="{36D18B76-5E8B-4456-8722-FC5B14B0F354}" type="datetime1">
+              <a:rPr lang="en-US" smtClean="0"/>
+              <a:pPr/>
+              <a:t>4/22/2022</a:t>
+            </a:fld>
+            <a:endParaRPr lang="en-US" dirty="0"/>
+          </a:p>
+        </p:txBody>
+      </p:sp>
+      <p:sp>
+        <p:nvSpPr>
+          <p:cNvPr id="5" name="Footer Placeholder 4">
+            <a:extLst>
+              <a:ext uri="{FF2B5EF4-FFF2-40B4-BE49-F238E27FC236}">
+                <a16:creationId xmlns:a16="http://schemas.microsoft.com/office/drawing/2014/main" id="{20341FFA-1CC5-4E6A-9383-BD2A101627FE}"/>
+              </a:ext>
+            </a:extLst>
+          </p:cNvPr>
+          <p:cNvSpPr>
+            <a:spLocks noGrp="1"/>
+          </p:cNvSpPr>
+          <p:nvPr>
+            <p:ph type="ftr" sz="quarter" idx="11"/>
+          </p:nvPr>
+        </p:nvSpPr>
+        <p:spPr/>
+        <p:txBody>
+          <a:bodyPr/>
+          <a:lstStyle/>
+          <a:p>
+            <a:r>
+              <a:rPr lang="en-US"/>
+              <a:t>jennifer.neumaier@t-online.de</a:t>
+            </a:r>
+            <a:endParaRPr lang="en-US" dirty="0"/>
           </a:p>
         </p:txBody>
       </p:sp>
@@ -21362,7 +22111,7 @@
           <p:cNvPr id="6" name="Slide Number Placeholder 5">
             <a:extLst>
               <a:ext uri="{FF2B5EF4-FFF2-40B4-BE49-F238E27FC236}">
-                <a16:creationId xmlns:a16="http://schemas.microsoft.com/office/drawing/2014/main" id="{1028CB34-29B5-49CB-99E4-E945C3D78896}"/>
+                <a16:creationId xmlns:a16="http://schemas.microsoft.com/office/drawing/2014/main" id="{6B829FC6-6F02-4361-A6FE-C769EAA86509}"/>
               </a:ext>
             </a:extLst>
           </p:cNvPr>
@@ -21389,10 +22138,10 @@
       </p:sp>
       <p:sp>
         <p:nvSpPr>
-          <p:cNvPr id="8" name="TextBox 7">
+          <p:cNvPr id="9" name="TextBox 8">
             <a:extLst>
               <a:ext uri="{FF2B5EF4-FFF2-40B4-BE49-F238E27FC236}">
-                <a16:creationId xmlns:a16="http://schemas.microsoft.com/office/drawing/2014/main" id="{C9FAD4F5-81D5-4890-8BB5-F06C93EDD254}"/>
+                <a16:creationId xmlns:a16="http://schemas.microsoft.com/office/drawing/2014/main" id="{56A23E1A-23FA-4F87-8E6B-B6FB46A737F3}"/>
               </a:ext>
             </a:extLst>
           </p:cNvPr>
@@ -21401,8 +22150,8 @@
         </p:nvSpPr>
         <p:spPr>
           <a:xfrm>
-            <a:off x="1392866" y="1268569"/>
-            <a:ext cx="8753253" cy="5509200"/>
+            <a:off x="8746081" y="58580"/>
+            <a:ext cx="3611524" cy="1200329"/>
           </a:xfrm>
           <a:prstGeom prst="rect">
             <a:avLst/>
@@ -21410,172 +22159,62 @@
           <a:noFill/>
         </p:spPr>
         <p:txBody>
-          <a:bodyPr wrap="square">
+          <a:bodyPr wrap="square" rtlCol="0">
             <a:spAutoFit/>
           </a:bodyPr>
           <a:lstStyle/>
           <a:p>
             <a:r>
-              <a:rPr lang="de-DE" sz="1100" dirty="0"/>
-              <a:t>Testing out mikropml as it already has a function run_ml() that incorporates nested cross-validation for several standard supervised machine learning models:</a:t>
-            </a:r>
-          </a:p>
-          <a:p>
-            <a:endParaRPr lang="de-DE" sz="1100" dirty="0"/>
-          </a:p>
-          <a:p>
-            <a:r>
-              <a:rPr lang="de-DE" sz="1100" dirty="0"/>
-              <a:t>    Logistic/multiclass/linear regression ("glmnet")</a:t>
-            </a:r>
-          </a:p>
-          <a:p>
-            <a:r>
-              <a:rPr lang="de-DE" sz="1100" dirty="0"/>
-              <a:t>    Random forest ("rf")</a:t>
-            </a:r>
-          </a:p>
-          <a:p>
-            <a:r>
-              <a:rPr lang="de-DE" sz="1100" dirty="0"/>
-              <a:t>    Decision tree ("rpart2")</a:t>
-            </a:r>
-          </a:p>
-          <a:p>
-            <a:r>
-              <a:rPr lang="de-DE" sz="1100" dirty="0"/>
-              <a:t>    Support vector machine with a radial basis kernel ("svmRadial")</a:t>
-            </a:r>
-          </a:p>
-          <a:p>
-            <a:r>
-              <a:rPr lang="de-DE" sz="1100" dirty="0"/>
-              <a:t>    xgboost ("xgbTree")</a:t>
-            </a:r>
-          </a:p>
-          <a:p>
-            <a:endParaRPr lang="de-DE" sz="1100" dirty="0"/>
-          </a:p>
-          <a:p>
-            <a:r>
-              <a:rPr lang="de-DE" sz="1100" dirty="0"/>
-              <a:t>Test it here for linear regression and xgboost.</a:t>
-            </a:r>
-          </a:p>
-          <a:p>
-            <a:r>
-              <a:rPr lang="de-DE" sz="1100" dirty="0"/>
-              <a:t>Function run_ml has several parameters:</a:t>
-            </a:r>
-          </a:p>
-          <a:p>
-            <a:r>
-              <a:rPr lang="de-DE" sz="1100" dirty="0"/>
-              <a:t>           dataset,</a:t>
-            </a:r>
-          </a:p>
-          <a:p>
-            <a:r>
-              <a:rPr lang="de-DE" sz="1100" dirty="0"/>
-              <a:t>           method,</a:t>
-            </a:r>
-          </a:p>
-          <a:p>
-            <a:r>
-              <a:rPr lang="de-DE" sz="1100" dirty="0"/>
-              <a:t>           outcome_colname = NULL, (standardized the first column)</a:t>
-            </a:r>
-          </a:p>
-          <a:p>
-            <a:r>
-              <a:rPr lang="de-DE" sz="1100" dirty="0"/>
-              <a:t>           hyperparameters = NULL,</a:t>
-            </a:r>
-          </a:p>
-          <a:p>
-            <a:r>
-              <a:rPr lang="de-DE" sz="1100" dirty="0"/>
-              <a:t>           find_feature_importance = FALSE, (`TRUE` is recommended if you would like to identify features important for predicting your                                                outcome, but it is resource-intensive.</a:t>
-            </a:r>
-          </a:p>
-          <a:p>
-            <a:r>
-              <a:rPr lang="de-DE" sz="1100" dirty="0"/>
-              <a:t>           calculate_performance = TRUE,</a:t>
-            </a:r>
-          </a:p>
-          <a:p>
-            <a:r>
-              <a:rPr lang="de-DE" sz="1100" dirty="0"/>
-              <a:t>           kfold = 5, (standard at 5)</a:t>
-            </a:r>
-          </a:p>
-          <a:p>
-            <a:r>
-              <a:rPr lang="de-DE" sz="1100" dirty="0"/>
-              <a:t>           cv_times = 100, (standard at 100)</a:t>
-            </a:r>
-          </a:p>
-          <a:p>
-            <a:r>
-              <a:rPr lang="de-DE" sz="1100" dirty="0"/>
-              <a:t>           cross_val = NULL, (cross_val a custom cross-validation scheme from `caret::trainControl()` (default: `NULL`, uses `kfold` cross                              validation repeated `cv_times`). `kfold` and `cv_times` are ignored if the user provides a custom                                          cross-validation scheme.)</a:t>
-            </a:r>
-          </a:p>
-          <a:p>
-            <a:r>
-              <a:rPr lang="de-DE" sz="1100" dirty="0"/>
-              <a:t>           training_frac = 0.8, (standard at 0.8)</a:t>
-            </a:r>
-          </a:p>
-          <a:p>
-            <a:r>
-              <a:rPr lang="de-DE" sz="1100" dirty="0"/>
-              <a:t>           perf_metric_function = NULL,</a:t>
-            </a:r>
-          </a:p>
-          <a:p>
-            <a:r>
-              <a:rPr lang="de-DE" sz="1100" dirty="0"/>
-              <a:t>           perf_metric_name = NULL,</a:t>
-            </a:r>
-          </a:p>
-          <a:p>
-            <a:r>
-              <a:rPr lang="de-DE" sz="1100" dirty="0"/>
-              <a:t>           groups = NULL,</a:t>
-            </a:r>
-          </a:p>
-          <a:p>
-            <a:r>
-              <a:rPr lang="de-DE" sz="1100" dirty="0"/>
-              <a:t>           group_partitions = NULL,</a:t>
-            </a:r>
-          </a:p>
-          <a:p>
-            <a:r>
-              <a:rPr lang="de-DE" sz="1100" dirty="0"/>
-              <a:t>           corr_thresh = 1,</a:t>
-            </a:r>
-          </a:p>
-          <a:p>
-            <a:r>
-              <a:rPr lang="de-DE" sz="1100" dirty="0"/>
-              <a:t>           ntree = 1000, (For random forest, how many trees to use (default: `1000`). Caret doesn't allow this hyperparameter to be tuned)</a:t>
-            </a:r>
-          </a:p>
-          <a:p>
-            <a:r>
-              <a:rPr lang="de-DE" sz="1100" dirty="0"/>
-              <a:t>           seed = NA (set seed for reproducibility)</a:t>
-            </a:r>
-          </a:p>
-        </p:txBody>
-      </p:sp>
+              <a:rPr lang="de-DE" b="1" i="1" dirty="0"/>
+              <a:t>CRC used</a:t>
+            </a:r>
+          </a:p>
+          <a:p>
+            <a:r>
+              <a:rPr lang="de-DE" b="1" i="1" dirty="0"/>
+              <a:t>Predicted once on GER and once on FRA and then combined</a:t>
+            </a:r>
+          </a:p>
+        </p:txBody>
+      </p:sp>
+      <p:pic>
+        <p:nvPicPr>
+          <p:cNvPr id="10" name="Content Placeholder 9" descr="Chart, waterfall chart&#10;&#10;Description automatically generated">
+            <a:extLst>
+              <a:ext uri="{FF2B5EF4-FFF2-40B4-BE49-F238E27FC236}">
+                <a16:creationId xmlns:a16="http://schemas.microsoft.com/office/drawing/2014/main" id="{66BBAD89-E1E9-43FD-A383-6596EA135C86}"/>
+              </a:ext>
+            </a:extLst>
+          </p:cNvPr>
+          <p:cNvPicPr>
+            <a:picLocks noGrp="1" noChangeAspect="1"/>
+          </p:cNvPicPr>
+          <p:nvPr>
+            <p:ph idx="1"/>
+          </p:nvPr>
+        </p:nvPicPr>
+        <p:blipFill>
+          <a:blip r:embed="rId2"/>
+          <a:stretch>
+            <a:fillRect/>
+          </a:stretch>
+        </p:blipFill>
+        <p:spPr>
+          <a:xfrm>
+            <a:off x="2589212" y="1126326"/>
+            <a:ext cx="6628056" cy="5116996"/>
+          </a:xfrm>
+          <a:ln>
+            <a:solidFill>
+              <a:schemeClr val="tx1"/>
+            </a:solidFill>
+          </a:ln>
+        </p:spPr>
+      </p:pic>
     </p:spTree>
     <p:extLst>
       <p:ext uri="{BB962C8B-B14F-4D97-AF65-F5344CB8AC3E}">
-        <p14:creationId xmlns:p14="http://schemas.microsoft.com/office/powerpoint/2010/main" val="3541464901"/>
+        <p14:creationId xmlns:p14="http://schemas.microsoft.com/office/powerpoint/2010/main" val="3654203187"/>
       </p:ext>
     </p:extLst>
   </p:cSld>
@@ -21607,7 +22246,7 @@
           <p:cNvPr id="2" name="Title 1">
             <a:extLst>
               <a:ext uri="{FF2B5EF4-FFF2-40B4-BE49-F238E27FC236}">
-                <a16:creationId xmlns:a16="http://schemas.microsoft.com/office/drawing/2014/main" id="{169D9D37-B637-4D74-BB75-639D51A491FB}"/>
+                <a16:creationId xmlns:a16="http://schemas.microsoft.com/office/drawing/2014/main" id="{5C6C0D5D-1A09-42DA-AAA6-CB769F97AAFD}"/>
               </a:ext>
             </a:extLst>
           </p:cNvPr>
@@ -21618,89 +22257,15 @@
             <p:ph type="title"/>
           </p:nvPr>
         </p:nvSpPr>
-        <p:spPr>
-          <a:xfrm>
-            <a:off x="1640156" y="628124"/>
-            <a:ext cx="8911687" cy="1280890"/>
-          </a:xfrm>
-        </p:spPr>
+        <p:spPr/>
         <p:txBody>
           <a:bodyPr/>
           <a:lstStyle/>
           <a:p>
             <a:r>
-              <a:rPr lang="de-DE" b="1" dirty="0"/>
-              <a:t>Data set</a:t>
-            </a:r>
-            <a:endParaRPr lang="en-US" b="1" dirty="0"/>
-          </a:p>
-        </p:txBody>
-      </p:sp>
-      <p:sp>
-        <p:nvSpPr>
-          <p:cNvPr id="3" name="Content Placeholder 2">
-            <a:extLst>
-              <a:ext uri="{FF2B5EF4-FFF2-40B4-BE49-F238E27FC236}">
-                <a16:creationId xmlns:a16="http://schemas.microsoft.com/office/drawing/2014/main" id="{D4D56813-9DF8-4D28-B156-1DE48E95DBC2}"/>
-              </a:ext>
-            </a:extLst>
-          </p:cNvPr>
-          <p:cNvSpPr>
-            <a:spLocks noGrp="1"/>
-          </p:cNvSpPr>
-          <p:nvPr>
-            <p:ph idx="1"/>
-          </p:nvPr>
-        </p:nvSpPr>
-        <p:spPr>
-          <a:xfrm>
-            <a:off x="2592495" y="1317171"/>
-            <a:ext cx="8915400" cy="4369465"/>
-          </a:xfrm>
-        </p:spPr>
-        <p:txBody>
-          <a:bodyPr>
-            <a:normAutofit/>
-          </a:bodyPr>
-          <a:lstStyle/>
-          <a:p>
-            <a:r>
               <a:rPr lang="de-DE" dirty="0"/>
-              <a:t>Compare what Thomas P. Quinn uses (13 datasets) and take out from estonian biobank</a:t>
-            </a:r>
-          </a:p>
-          <a:p>
-            <a:r>
-              <a:rPr lang="de-DE" dirty="0"/>
-              <a:t> prediction/classification tasks</a:t>
-            </a:r>
-          </a:p>
-          <a:p>
-            <a:r>
-              <a:rPr lang="de-DE" dirty="0"/>
-              <a:t>One with continuous and one with discrete variables</a:t>
-            </a:r>
-          </a:p>
-          <a:p>
-            <a:r>
-              <a:rPr lang="de-DE" dirty="0"/>
-              <a:t>one with high correlation and one with low to microbiomes</a:t>
-            </a:r>
-          </a:p>
-          <a:p>
-            <a:r>
-              <a:rPr lang="de-DE" dirty="0"/>
-              <a:t>one small and one large data set</a:t>
-            </a:r>
-          </a:p>
-          <a:p>
-            <a:r>
-              <a:rPr lang="de-DE" dirty="0"/>
-              <a:t>EstMB, colorectal cancer, PCOS</a:t>
-            </a:r>
-          </a:p>
-          <a:p>
-            <a:endParaRPr lang="de-DE" dirty="0"/>
+              <a:t>PCOS</a:t>
+            </a:r>
           </a:p>
         </p:txBody>
       </p:sp>
@@ -21709,7 +22274,7 @@
           <p:cNvPr id="4" name="Date Placeholder 3">
             <a:extLst>
               <a:ext uri="{FF2B5EF4-FFF2-40B4-BE49-F238E27FC236}">
-                <a16:creationId xmlns:a16="http://schemas.microsoft.com/office/drawing/2014/main" id="{D53DB4F4-84EC-4588-88E6-8D8519D6A1E8}"/>
+                <a16:creationId xmlns:a16="http://schemas.microsoft.com/office/drawing/2014/main" id="{D931F9AA-9EEE-479B-9E4B-F880DD6927F9}"/>
               </a:ext>
             </a:extLst>
           </p:cNvPr>
@@ -21725,9 +22290,10 @@
           <a:bodyPr/>
           <a:lstStyle/>
           <a:p>
-            <a:fld id="{5A2DBB50-F561-45B0-9BE5-95A455D2CD8B}" type="datetime1">
+            <a:fld id="{36D18B76-5E8B-4456-8722-FC5B14B0F354}" type="datetime1">
               <a:rPr lang="en-US" smtClean="0"/>
-              <a:t>4/20/2022</a:t>
+              <a:pPr/>
+              <a:t>4/22/2022</a:t>
             </a:fld>
             <a:endParaRPr lang="en-US" dirty="0"/>
           </a:p>
@@ -21738,7 +22304,7 @@
           <p:cNvPr id="5" name="Footer Placeholder 4">
             <a:extLst>
               <a:ext uri="{FF2B5EF4-FFF2-40B4-BE49-F238E27FC236}">
-                <a16:creationId xmlns:a16="http://schemas.microsoft.com/office/drawing/2014/main" id="{A7F3346A-3F24-484B-A6D3-55D66520C917}"/>
+                <a16:creationId xmlns:a16="http://schemas.microsoft.com/office/drawing/2014/main" id="{20341FFA-1CC5-4E6A-9383-BD2A101627FE}"/>
               </a:ext>
             </a:extLst>
           </p:cNvPr>
@@ -21767,7 +22333,7 @@
           <p:cNvPr id="6" name="Slide Number Placeholder 5">
             <a:extLst>
               <a:ext uri="{FF2B5EF4-FFF2-40B4-BE49-F238E27FC236}">
-                <a16:creationId xmlns:a16="http://schemas.microsoft.com/office/drawing/2014/main" id="{C4B3B4A6-E708-4F88-8CA2-BDE8FCF0C0AC}"/>
+                <a16:creationId xmlns:a16="http://schemas.microsoft.com/office/drawing/2014/main" id="{6B829FC6-6F02-4361-A6FE-C769EAA86509}"/>
               </a:ext>
             </a:extLst>
           </p:cNvPr>
@@ -21792,51 +22358,44 @@
           </a:p>
         </p:txBody>
       </p:sp>
-      <p:sp>
-        <p:nvSpPr>
-          <p:cNvPr id="8" name="TextBox 7">
+      <p:pic>
+        <p:nvPicPr>
+          <p:cNvPr id="9" name="Content Placeholder 8" descr="Chart&#10;&#10;Description automatically generated">
             <a:extLst>
               <a:ext uri="{FF2B5EF4-FFF2-40B4-BE49-F238E27FC236}">
-                <a16:creationId xmlns:a16="http://schemas.microsoft.com/office/drawing/2014/main" id="{6A373959-7937-4239-AAA7-0B90CAF1A620}"/>
+                <a16:creationId xmlns:a16="http://schemas.microsoft.com/office/drawing/2014/main" id="{A0E55F21-4603-4C01-9361-01FC63830881}"/>
               </a:ext>
             </a:extLst>
           </p:cNvPr>
-          <p:cNvSpPr txBox="1"/>
-          <p:nvPr/>
-        </p:nvSpPr>
+          <p:cNvPicPr>
+            <a:picLocks noGrp="1" noChangeAspect="1"/>
+          </p:cNvPicPr>
+          <p:nvPr>
+            <p:ph idx="1"/>
+          </p:nvPr>
+        </p:nvPicPr>
+        <p:blipFill>
+          <a:blip r:embed="rId2"/>
+          <a:stretch>
+            <a:fillRect/>
+          </a:stretch>
+        </p:blipFill>
         <p:spPr>
           <a:xfrm>
-            <a:off x="2260283" y="4487322"/>
-            <a:ext cx="6097904" cy="923330"/>
+            <a:off x="3526403" y="787782"/>
+            <a:ext cx="6682808" cy="5159266"/>
           </a:xfrm>
-          <a:prstGeom prst="rect">
-            <a:avLst/>
-          </a:prstGeom>
-          <a:noFill/>
+          <a:ln>
+            <a:solidFill>
+              <a:schemeClr val="tx1"/>
+            </a:solidFill>
+          </a:ln>
         </p:spPr>
-        <p:txBody>
-          <a:bodyPr wrap="square">
-            <a:spAutoFit/>
-          </a:bodyPr>
-          <a:lstStyle/>
-          <a:p>
-            <a:r>
-              <a:rPr lang="de-DE" b="1" dirty="0"/>
-              <a:t>CRC data set preparation and models:</a:t>
-            </a:r>
-          </a:p>
-          <a:p>
-            <a:r>
-              <a:rPr lang="de-DE" dirty="0"/>
-              <a:t>https://github.com/zellerlab/crc_meta/blob/master/src/prepare_data.R</a:t>
-            </a:r>
-          </a:p>
-        </p:txBody>
-      </p:sp>
+      </p:pic>
     </p:spTree>
     <p:extLst>
       <p:ext uri="{BB962C8B-B14F-4D97-AF65-F5344CB8AC3E}">
-        <p14:creationId xmlns:p14="http://schemas.microsoft.com/office/powerpoint/2010/main" val="4097922265"/>
+        <p14:creationId xmlns:p14="http://schemas.microsoft.com/office/powerpoint/2010/main" val="2460614687"/>
       </p:ext>
     </p:extLst>
   </p:cSld>
@@ -21868,7 +22427,7 @@
           <p:cNvPr id="2" name="Title 1">
             <a:extLst>
               <a:ext uri="{FF2B5EF4-FFF2-40B4-BE49-F238E27FC236}">
-                <a16:creationId xmlns:a16="http://schemas.microsoft.com/office/drawing/2014/main" id="{150EAB59-F93C-4B56-AD7E-A9B5BD800221}"/>
+                <a16:creationId xmlns:a16="http://schemas.microsoft.com/office/drawing/2014/main" id="{6806FBA4-537C-4226-9D3A-758C7B787D79}"/>
               </a:ext>
             </a:extLst>
           </p:cNvPr>
@@ -21879,19 +22438,14 @@
             <p:ph type="title"/>
           </p:nvPr>
         </p:nvSpPr>
-        <p:spPr>
-          <a:xfrm>
-            <a:off x="1640156" y="605161"/>
-            <a:ext cx="8911687" cy="1280890"/>
-          </a:xfrm>
-        </p:spPr>
+        <p:spPr/>
         <p:txBody>
           <a:bodyPr/>
           <a:lstStyle/>
           <a:p>
             <a:r>
               <a:rPr lang="de-DE" b="1" dirty="0"/>
-              <a:t>Amalgams</a:t>
+              <a:t>Pre-Processing</a:t>
             </a:r>
             <a:endParaRPr lang="en-US" b="1" dirty="0"/>
           </a:p>
@@ -21899,39 +22453,10 @@
       </p:sp>
       <p:sp>
         <p:nvSpPr>
-          <p:cNvPr id="3" name="Date Placeholder 2">
+          <p:cNvPr id="5" name="Footer Placeholder 4">
             <a:extLst>
               <a:ext uri="{FF2B5EF4-FFF2-40B4-BE49-F238E27FC236}">
-                <a16:creationId xmlns:a16="http://schemas.microsoft.com/office/drawing/2014/main" id="{FCE7145C-47D9-4CE4-B47E-794DEF5137FE}"/>
-              </a:ext>
-            </a:extLst>
-          </p:cNvPr>
-          <p:cNvSpPr>
-            <a:spLocks noGrp="1"/>
-          </p:cNvSpPr>
-          <p:nvPr>
-            <p:ph type="dt" sz="half" idx="10"/>
-          </p:nvPr>
-        </p:nvSpPr>
-        <p:spPr/>
-        <p:txBody>
-          <a:bodyPr/>
-          <a:lstStyle/>
-          <a:p>
-            <a:fld id="{BDD716FE-4A5D-4A13-A8EE-37F9C34BE666}" type="datetime1">
-              <a:rPr lang="en-US" smtClean="0"/>
-              <a:t>4/20/2022</a:t>
-            </a:fld>
-            <a:endParaRPr lang="en-US" dirty="0"/>
-          </a:p>
-        </p:txBody>
-      </p:sp>
-      <p:sp>
-        <p:nvSpPr>
-          <p:cNvPr id="4" name="Footer Placeholder 3">
-            <a:extLst>
-              <a:ext uri="{FF2B5EF4-FFF2-40B4-BE49-F238E27FC236}">
-                <a16:creationId xmlns:a16="http://schemas.microsoft.com/office/drawing/2014/main" id="{7E5ACE4E-266D-4B52-BD0C-EA6887FE1D36}"/>
+                <a16:creationId xmlns:a16="http://schemas.microsoft.com/office/drawing/2014/main" id="{707C4F70-832A-416B-9491-EE86347B2812}"/>
               </a:ext>
             </a:extLst>
           </p:cNvPr>
@@ -21960,7 +22485,7 @@
           <p:cNvPr id="6" name="Slide Number Placeholder 5">
             <a:extLst>
               <a:ext uri="{FF2B5EF4-FFF2-40B4-BE49-F238E27FC236}">
-                <a16:creationId xmlns:a16="http://schemas.microsoft.com/office/drawing/2014/main" id="{ABE670CF-FED5-4CBE-A63F-5AEF0B83A99B}"/>
+                <a16:creationId xmlns:a16="http://schemas.microsoft.com/office/drawing/2014/main" id="{1028CB34-29B5-49CB-99E4-E945C3D78896}"/>
               </a:ext>
             </a:extLst>
           </p:cNvPr>
@@ -21985,100 +22510,322 @@
           </a:p>
         </p:txBody>
       </p:sp>
-      <p:pic>
-        <p:nvPicPr>
-          <p:cNvPr id="5" name="Picture 4">
+      <p:sp>
+        <p:nvSpPr>
+          <p:cNvPr id="26" name="TextBox 25">
             <a:extLst>
               <a:ext uri="{FF2B5EF4-FFF2-40B4-BE49-F238E27FC236}">
-                <a16:creationId xmlns:a16="http://schemas.microsoft.com/office/drawing/2014/main" id="{7AB2FBBF-2A25-4F38-BF85-58B69A5FEFF2}"/>
+                <a16:creationId xmlns:a16="http://schemas.microsoft.com/office/drawing/2014/main" id="{CC7BEBFF-3D20-441C-B1B2-0CE34904FDE4}"/>
               </a:ext>
             </a:extLst>
           </p:cNvPr>
-          <p:cNvPicPr>
-            <a:picLocks noChangeAspect="1"/>
-          </p:cNvPicPr>
+          <p:cNvSpPr txBox="1"/>
           <p:nvPr/>
-        </p:nvPicPr>
-        <p:blipFill>
-          <a:blip r:embed="rId2"/>
-          <a:stretch>
-            <a:fillRect/>
-          </a:stretch>
-        </p:blipFill>
+        </p:nvSpPr>
         <p:spPr>
           <a:xfrm>
-            <a:off x="1786869" y="1406382"/>
-            <a:ext cx="6315075" cy="1100138"/>
+            <a:off x="1698819" y="1152907"/>
+            <a:ext cx="3654858" cy="400110"/>
           </a:xfrm>
           <a:prstGeom prst="rect">
             <a:avLst/>
           </a:prstGeom>
+          <a:noFill/>
         </p:spPr>
-      </p:pic>
-      <p:pic>
-        <p:nvPicPr>
-          <p:cNvPr id="8" name="Picture 7">
+        <p:txBody>
+          <a:bodyPr wrap="square" rtlCol="0">
+            <a:spAutoFit/>
+          </a:bodyPr>
+          <a:lstStyle/>
+          <a:p>
+            <a:r>
+              <a:rPr lang="de-DE" sz="2000" i="1" dirty="0"/>
+              <a:t>Problems and Notes</a:t>
+            </a:r>
+          </a:p>
+        </p:txBody>
+      </p:sp>
+      <p:sp>
+        <p:nvSpPr>
+          <p:cNvPr id="7" name="TextBox 6">
             <a:extLst>
               <a:ext uri="{FF2B5EF4-FFF2-40B4-BE49-F238E27FC236}">
-                <a16:creationId xmlns:a16="http://schemas.microsoft.com/office/drawing/2014/main" id="{E65323F0-0245-4C38-8FEE-F8509698178F}"/>
+                <a16:creationId xmlns:a16="http://schemas.microsoft.com/office/drawing/2014/main" id="{B43BF96F-7A11-4087-9B01-CF6AACD20E04}"/>
               </a:ext>
             </a:extLst>
           </p:cNvPr>
-          <p:cNvPicPr>
-            <a:picLocks noChangeAspect="1"/>
-          </p:cNvPicPr>
+          <p:cNvSpPr txBox="1"/>
           <p:nvPr/>
-        </p:nvPicPr>
-        <p:blipFill>
-          <a:blip r:embed="rId3"/>
-          <a:stretch>
-            <a:fillRect/>
-          </a:stretch>
-        </p:blipFill>
+        </p:nvSpPr>
         <p:spPr>
           <a:xfrm>
-            <a:off x="2462131" y="2555518"/>
-            <a:ext cx="5393531" cy="835819"/>
+            <a:off x="1698819" y="1834296"/>
+            <a:ext cx="7102549" cy="1754326"/>
           </a:xfrm>
           <a:prstGeom prst="rect">
             <a:avLst/>
           </a:prstGeom>
+          <a:noFill/>
         </p:spPr>
-      </p:pic>
-      <p:pic>
-        <p:nvPicPr>
-          <p:cNvPr id="9" name="Picture 8">
+        <p:txBody>
+          <a:bodyPr wrap="square" rtlCol="0">
+            <a:spAutoFit/>
+          </a:bodyPr>
+          <a:lstStyle/>
+          <a:p>
+            <a:r>
+              <a:rPr lang="de-DE" u="sng" dirty="0"/>
+              <a:t>CRC</a:t>
+            </a:r>
+            <a:r>
+              <a:rPr lang="de-DE" dirty="0"/>
+              <a:t>:</a:t>
+            </a:r>
+          </a:p>
+          <a:p>
+            <a:pPr marL="285750" indent="-285750">
+              <a:buFontTx/>
+              <a:buChar char="-"/>
+            </a:pPr>
+            <a:r>
+              <a:rPr lang="de-DE" dirty="0"/>
+              <a:t>128 rows removed due to NA in BMI</a:t>
+            </a:r>
+          </a:p>
+          <a:p>
+            <a:pPr marL="285750" indent="-285750">
+              <a:buFontTx/>
+              <a:buChar char="-"/>
+            </a:pPr>
+            <a:r>
+              <a:rPr lang="de-DE" dirty="0"/>
+              <a:t>DE saved separately as holdout </a:t>
+            </a:r>
+          </a:p>
+          <a:p>
+            <a:pPr marL="285750" indent="-285750">
+              <a:buFontTx/>
+              <a:buChar char="-"/>
+            </a:pPr>
+            <a:r>
+              <a:rPr lang="de-DE" dirty="0"/>
+              <a:t>All tests were done with country sets: USA, China, Austria, France</a:t>
+            </a:r>
+          </a:p>
+          <a:p>
+            <a:pPr marL="285750" indent="-285750">
+              <a:buFontTx/>
+              <a:buChar char="-"/>
+            </a:pPr>
+            <a:endParaRPr lang="de-DE" dirty="0"/>
+          </a:p>
+        </p:txBody>
+      </p:sp>
+      <p:sp>
+        <p:nvSpPr>
+          <p:cNvPr id="29" name="TextBox 28">
             <a:extLst>
               <a:ext uri="{FF2B5EF4-FFF2-40B4-BE49-F238E27FC236}">
-                <a16:creationId xmlns:a16="http://schemas.microsoft.com/office/drawing/2014/main" id="{3803EC90-9011-4653-B133-43E37074C6D0}"/>
+                <a16:creationId xmlns:a16="http://schemas.microsoft.com/office/drawing/2014/main" id="{FD214281-F802-4F96-A098-F69D765E4AFA}"/>
               </a:ext>
             </a:extLst>
           </p:cNvPr>
-          <p:cNvPicPr>
-            <a:picLocks noChangeAspect="1"/>
-          </p:cNvPicPr>
+          <p:cNvSpPr txBox="1"/>
           <p:nvPr/>
-        </p:nvPicPr>
-        <p:blipFill>
-          <a:blip r:embed="rId4"/>
-          <a:stretch>
-            <a:fillRect/>
-          </a:stretch>
-        </p:blipFill>
+        </p:nvSpPr>
         <p:spPr>
           <a:xfrm>
-            <a:off x="6399211" y="2911668"/>
-            <a:ext cx="5474002" cy="3218769"/>
+            <a:off x="6199935" y="93132"/>
+            <a:ext cx="6097772" cy="1815882"/>
           </a:xfrm>
           <a:prstGeom prst="rect">
             <a:avLst/>
           </a:prstGeom>
+          <a:noFill/>
         </p:spPr>
-      </p:pic>
+        <p:txBody>
+          <a:bodyPr wrap="square">
+            <a:spAutoFit/>
+          </a:bodyPr>
+          <a:lstStyle/>
+          <a:p>
+            <a:r>
+              <a:rPr lang="de-DE" sz="1400" u="sng" dirty="0"/>
+              <a:t>Imputation</a:t>
+            </a:r>
+            <a:r>
+              <a:rPr lang="de-DE" sz="1400" dirty="0"/>
+              <a:t>:</a:t>
+            </a:r>
+          </a:p>
+          <a:p>
+            <a:pPr marL="285750" indent="-285750">
+              <a:buFontTx/>
+              <a:buChar char="-"/>
+            </a:pPr>
+            <a:r>
+              <a:rPr lang="de-DE" sz="1400" dirty="0"/>
+              <a:t>mbImpute needs phylogenetic tree -&gt; ignored for now </a:t>
+            </a:r>
+          </a:p>
+          <a:p>
+            <a:pPr marL="285750" indent="-285750">
+              <a:buFontTx/>
+              <a:buChar char="-"/>
+            </a:pPr>
+            <a:r>
+              <a:rPr lang="de-DE" sz="1400" dirty="0"/>
+              <a:t>EstMB dataset: pseudocount inserts decimal values between 0 and 1</a:t>
+            </a:r>
+          </a:p>
+          <a:p>
+            <a:pPr marL="742950" lvl="1" indent="-285750">
+              <a:buFontTx/>
+              <a:buChar char="-"/>
+            </a:pPr>
+            <a:r>
+              <a:rPr lang="de-DE" sz="1400" dirty="0"/>
+              <a:t>Solution for now: all these values were rounded up to 1</a:t>
+            </a:r>
+          </a:p>
+          <a:p>
+            <a:pPr marL="742950" lvl="1" indent="-285750">
+              <a:buFontTx/>
+              <a:buChar char="-"/>
+            </a:pPr>
+            <a:r>
+              <a:rPr lang="de-DE" sz="1400" dirty="0"/>
+              <a:t>Possibly in a later run keep decimal values, because some papers suggest sensitivity to pseudocount in machine learning models </a:t>
+            </a:r>
+          </a:p>
+        </p:txBody>
+      </p:sp>
+      <p:sp>
+        <p:nvSpPr>
+          <p:cNvPr id="8" name="TextBox 7">
+            <a:extLst>
+              <a:ext uri="{FF2B5EF4-FFF2-40B4-BE49-F238E27FC236}">
+                <a16:creationId xmlns:a16="http://schemas.microsoft.com/office/drawing/2014/main" id="{20ADFB58-875E-4AAE-BDAE-D861E7F9DC27}"/>
+              </a:ext>
+            </a:extLst>
+          </p:cNvPr>
+          <p:cNvSpPr txBox="1"/>
+          <p:nvPr/>
+        </p:nvSpPr>
+        <p:spPr>
+          <a:xfrm>
+            <a:off x="1720971" y="3408432"/>
+            <a:ext cx="7102549" cy="1200329"/>
+          </a:xfrm>
+          <a:prstGeom prst="rect">
+            <a:avLst/>
+          </a:prstGeom>
+          <a:noFill/>
+        </p:spPr>
+        <p:txBody>
+          <a:bodyPr wrap="square" rtlCol="0">
+            <a:spAutoFit/>
+          </a:bodyPr>
+          <a:lstStyle/>
+          <a:p>
+            <a:r>
+              <a:rPr lang="de-DE" u="sng" dirty="0"/>
+              <a:t>PCOS</a:t>
+            </a:r>
+            <a:r>
+              <a:rPr lang="de-DE" dirty="0"/>
+              <a:t>:</a:t>
+            </a:r>
+          </a:p>
+          <a:p>
+            <a:pPr marL="285750" indent="-285750">
+              <a:buFontTx/>
+              <a:buChar char="-"/>
+            </a:pPr>
+            <a:r>
+              <a:rPr lang="de-DE" dirty="0"/>
+              <a:t>6 rows removed in abundance table because they were not included in metadata</a:t>
+            </a:r>
+          </a:p>
+          <a:p>
+            <a:pPr marL="285750" indent="-285750">
+              <a:buFontTx/>
+              <a:buChar char="-"/>
+            </a:pPr>
+            <a:endParaRPr lang="de-DE" dirty="0"/>
+          </a:p>
+        </p:txBody>
+      </p:sp>
+      <p:sp>
+        <p:nvSpPr>
+          <p:cNvPr id="9" name="TextBox 8">
+            <a:extLst>
+              <a:ext uri="{FF2B5EF4-FFF2-40B4-BE49-F238E27FC236}">
+                <a16:creationId xmlns:a16="http://schemas.microsoft.com/office/drawing/2014/main" id="{C84548D0-C361-4108-B284-1351D54B8DFD}"/>
+              </a:ext>
+            </a:extLst>
+          </p:cNvPr>
+          <p:cNvSpPr txBox="1"/>
+          <p:nvPr/>
+        </p:nvSpPr>
+        <p:spPr>
+          <a:xfrm>
+            <a:off x="1720971" y="4717667"/>
+            <a:ext cx="7102549" cy="1200329"/>
+          </a:xfrm>
+          <a:prstGeom prst="rect">
+            <a:avLst/>
+          </a:prstGeom>
+          <a:noFill/>
+        </p:spPr>
+        <p:txBody>
+          <a:bodyPr wrap="square" rtlCol="0">
+            <a:spAutoFit/>
+          </a:bodyPr>
+          <a:lstStyle/>
+          <a:p>
+            <a:r>
+              <a:rPr lang="de-DE" u="sng" dirty="0"/>
+              <a:t>EstMB</a:t>
+            </a:r>
+            <a:r>
+              <a:rPr lang="de-DE" dirty="0"/>
+              <a:t>:</a:t>
+            </a:r>
+          </a:p>
+          <a:p>
+            <a:pPr marL="285750" indent="-285750">
+              <a:buFontTx/>
+              <a:buChar char="-"/>
+            </a:pPr>
+            <a:r>
+              <a:rPr lang="de-DE" dirty="0"/>
+              <a:t>21 rows removed in metadata due to NA</a:t>
+            </a:r>
+          </a:p>
+          <a:p>
+            <a:pPr marL="285750" indent="-285750">
+              <a:buFontTx/>
+              <a:buChar char="-"/>
+            </a:pPr>
+            <a:r>
+              <a:rPr lang="de-DE" dirty="0"/>
+              <a:t>21 patients cut out of abundance table due to metadata</a:t>
+            </a:r>
+          </a:p>
+          <a:p>
+            <a:pPr marL="285750" indent="-285750">
+              <a:buFontTx/>
+              <a:buChar char="-"/>
+            </a:pPr>
+            <a:endParaRPr lang="de-DE" dirty="0"/>
+          </a:p>
+        </p:txBody>
+      </p:sp>
     </p:spTree>
     <p:extLst>
       <p:ext uri="{BB962C8B-B14F-4D97-AF65-F5344CB8AC3E}">
-        <p14:creationId xmlns:p14="http://schemas.microsoft.com/office/powerpoint/2010/main" val="1431769734"/>
+        <p14:creationId xmlns:p14="http://schemas.microsoft.com/office/powerpoint/2010/main" val="3215538767"/>
       </p:ext>
     </p:extLst>
   </p:cSld>
@@ -22110,7 +22857,7 @@
           <p:cNvPr id="2" name="Title 1">
             <a:extLst>
               <a:ext uri="{FF2B5EF4-FFF2-40B4-BE49-F238E27FC236}">
-                <a16:creationId xmlns:a16="http://schemas.microsoft.com/office/drawing/2014/main" id="{169D9D37-B637-4D74-BB75-639D51A491FB}"/>
+                <a16:creationId xmlns:a16="http://schemas.microsoft.com/office/drawing/2014/main" id="{6806FBA4-537C-4226-9D3A-758C7B787D79}"/>
               </a:ext>
             </a:extLst>
           </p:cNvPr>
@@ -22121,84 +22868,16 @@
             <p:ph type="title"/>
           </p:nvPr>
         </p:nvSpPr>
-        <p:spPr>
-          <a:xfrm>
-            <a:off x="1640156" y="628124"/>
-            <a:ext cx="8911687" cy="1280890"/>
-          </a:xfrm>
-        </p:spPr>
+        <p:spPr/>
         <p:txBody>
           <a:bodyPr/>
           <a:lstStyle/>
           <a:p>
             <a:r>
               <a:rPr lang="de-DE" b="1" dirty="0"/>
-              <a:t>Problems</a:t>
+              <a:t>Transformations</a:t>
             </a:r>
             <a:endParaRPr lang="en-US" b="1" dirty="0"/>
-          </a:p>
-        </p:txBody>
-      </p:sp>
-      <p:sp>
-        <p:nvSpPr>
-          <p:cNvPr id="3" name="Content Placeholder 2">
-            <a:extLst>
-              <a:ext uri="{FF2B5EF4-FFF2-40B4-BE49-F238E27FC236}">
-                <a16:creationId xmlns:a16="http://schemas.microsoft.com/office/drawing/2014/main" id="{D4D56813-9DF8-4D28-B156-1DE48E95DBC2}"/>
-              </a:ext>
-            </a:extLst>
-          </p:cNvPr>
-          <p:cNvSpPr>
-            <a:spLocks noGrp="1"/>
-          </p:cNvSpPr>
-          <p:nvPr>
-            <p:ph idx="1"/>
-          </p:nvPr>
-        </p:nvSpPr>
-        <p:spPr/>
-        <p:txBody>
-          <a:bodyPr/>
-          <a:lstStyle/>
-          <a:p>
-            <a:r>
-              <a:rPr lang="de-DE" dirty="0"/>
-              <a:t>Microbial features are not independent </a:t>
-            </a:r>
-          </a:p>
-          <a:p>
-            <a:r>
-              <a:rPr lang="de-DE" dirty="0"/>
-              <a:t>Some microbial features are found in correlation!</a:t>
-            </a:r>
-          </a:p>
-        </p:txBody>
-      </p:sp>
-      <p:sp>
-        <p:nvSpPr>
-          <p:cNvPr id="4" name="Date Placeholder 3">
-            <a:extLst>
-              <a:ext uri="{FF2B5EF4-FFF2-40B4-BE49-F238E27FC236}">
-                <a16:creationId xmlns:a16="http://schemas.microsoft.com/office/drawing/2014/main" id="{D53DB4F4-84EC-4588-88E6-8D8519D6A1E8}"/>
-              </a:ext>
-            </a:extLst>
-          </p:cNvPr>
-          <p:cNvSpPr>
-            <a:spLocks noGrp="1"/>
-          </p:cNvSpPr>
-          <p:nvPr>
-            <p:ph type="dt" sz="half" idx="10"/>
-          </p:nvPr>
-        </p:nvSpPr>
-        <p:spPr/>
-        <p:txBody>
-          <a:bodyPr/>
-          <a:lstStyle/>
-          <a:p>
-            <a:fld id="{5A2DBB50-F561-45B0-9BE5-95A455D2CD8B}" type="datetime1">
-              <a:rPr lang="en-US" smtClean="0"/>
-              <a:t>4/20/2022</a:t>
-            </a:fld>
-            <a:endParaRPr lang="en-US" dirty="0"/>
           </a:p>
         </p:txBody>
       </p:sp>
@@ -22207,7 +22886,7 @@
           <p:cNvPr id="5" name="Footer Placeholder 4">
             <a:extLst>
               <a:ext uri="{FF2B5EF4-FFF2-40B4-BE49-F238E27FC236}">
-                <a16:creationId xmlns:a16="http://schemas.microsoft.com/office/drawing/2014/main" id="{A7F3346A-3F24-484B-A6D3-55D66520C917}"/>
+                <a16:creationId xmlns:a16="http://schemas.microsoft.com/office/drawing/2014/main" id="{707C4F70-832A-416B-9491-EE86347B2812}"/>
               </a:ext>
             </a:extLst>
           </p:cNvPr>
@@ -22224,10 +22903,9 @@
           <a:lstStyle/>
           <a:p>
             <a:r>
-              <a:rPr lang="en-US"/>
+              <a:rPr lang="en-US" dirty="0"/>
               <a:t>jennifer.neumaier@t-online.de</a:t>
             </a:r>
-            <a:endParaRPr lang="en-US" dirty="0"/>
           </a:p>
         </p:txBody>
       </p:sp>
@@ -22236,7 +22914,7 @@
           <p:cNvPr id="6" name="Slide Number Placeholder 5">
             <a:extLst>
               <a:ext uri="{FF2B5EF4-FFF2-40B4-BE49-F238E27FC236}">
-                <a16:creationId xmlns:a16="http://schemas.microsoft.com/office/drawing/2014/main" id="{C4B3B4A6-E708-4F88-8CA2-BDE8FCF0C0AC}"/>
+                <a16:creationId xmlns:a16="http://schemas.microsoft.com/office/drawing/2014/main" id="{1028CB34-29B5-49CB-99E4-E945C3D78896}"/>
               </a:ext>
             </a:extLst>
           </p:cNvPr>
@@ -22261,10 +22939,166 @@
           </a:p>
         </p:txBody>
       </p:sp>
+      <p:sp>
+        <p:nvSpPr>
+          <p:cNvPr id="26" name="TextBox 25">
+            <a:extLst>
+              <a:ext uri="{FF2B5EF4-FFF2-40B4-BE49-F238E27FC236}">
+                <a16:creationId xmlns:a16="http://schemas.microsoft.com/office/drawing/2014/main" id="{CC7BEBFF-3D20-441C-B1B2-0CE34904FDE4}"/>
+              </a:ext>
+            </a:extLst>
+          </p:cNvPr>
+          <p:cNvSpPr txBox="1"/>
+          <p:nvPr/>
+        </p:nvSpPr>
+        <p:spPr>
+          <a:xfrm>
+            <a:off x="1698819" y="1152907"/>
+            <a:ext cx="3654858" cy="400110"/>
+          </a:xfrm>
+          <a:prstGeom prst="rect">
+            <a:avLst/>
+          </a:prstGeom>
+          <a:noFill/>
+        </p:spPr>
+        <p:txBody>
+          <a:bodyPr wrap="square" rtlCol="0">
+            <a:spAutoFit/>
+          </a:bodyPr>
+          <a:lstStyle/>
+          <a:p>
+            <a:r>
+              <a:rPr lang="de-DE" sz="2000" i="1" dirty="0"/>
+              <a:t>Problems and Notes</a:t>
+            </a:r>
+          </a:p>
+        </p:txBody>
+      </p:sp>
+      <p:sp>
+        <p:nvSpPr>
+          <p:cNvPr id="7" name="TextBox 6">
+            <a:extLst>
+              <a:ext uri="{FF2B5EF4-FFF2-40B4-BE49-F238E27FC236}">
+                <a16:creationId xmlns:a16="http://schemas.microsoft.com/office/drawing/2014/main" id="{B43BF96F-7A11-4087-9B01-CF6AACD20E04}"/>
+              </a:ext>
+            </a:extLst>
+          </p:cNvPr>
+          <p:cNvSpPr txBox="1"/>
+          <p:nvPr/>
+        </p:nvSpPr>
+        <p:spPr>
+          <a:xfrm>
+            <a:off x="2589212" y="1742696"/>
+            <a:ext cx="7102549" cy="1477328"/>
+          </a:xfrm>
+          <a:prstGeom prst="rect">
+            <a:avLst/>
+          </a:prstGeom>
+          <a:noFill/>
+        </p:spPr>
+        <p:txBody>
+          <a:bodyPr wrap="square" rtlCol="0">
+            <a:spAutoFit/>
+          </a:bodyPr>
+          <a:lstStyle/>
+          <a:p>
+            <a:r>
+              <a:rPr lang="de-DE" u="sng" dirty="0"/>
+              <a:t>CLR/ALR</a:t>
+            </a:r>
+            <a:r>
+              <a:rPr lang="de-DE" dirty="0"/>
+              <a:t>:</a:t>
+            </a:r>
+          </a:p>
+          <a:p>
+            <a:pPr marL="285750" indent="-285750">
+              <a:buFontTx/>
+              <a:buChar char="-"/>
+            </a:pPr>
+            <a:r>
+              <a:rPr lang="de-DE" dirty="0"/>
+              <a:t>What to do with LR.wt?</a:t>
+            </a:r>
+          </a:p>
+          <a:p>
+            <a:pPr marL="285750" indent="-285750">
+              <a:buFontTx/>
+              <a:buChar char="-"/>
+            </a:pPr>
+            <a:r>
+              <a:rPr lang="de-DE" dirty="0"/>
+              <a:t>What to do with part.names and part.wt?</a:t>
+            </a:r>
+          </a:p>
+          <a:p>
+            <a:pPr marL="285750" indent="-285750">
+              <a:buFontTx/>
+              <a:buChar char="-"/>
+            </a:pPr>
+            <a:r>
+              <a:rPr lang="de-DE" dirty="0"/>
+              <a:t>Column names ALR?</a:t>
+            </a:r>
+          </a:p>
+          <a:p>
+            <a:endParaRPr lang="de-DE" dirty="0"/>
+          </a:p>
+        </p:txBody>
+      </p:sp>
+      <p:sp>
+        <p:nvSpPr>
+          <p:cNvPr id="8" name="TextBox 7">
+            <a:extLst>
+              <a:ext uri="{FF2B5EF4-FFF2-40B4-BE49-F238E27FC236}">
+                <a16:creationId xmlns:a16="http://schemas.microsoft.com/office/drawing/2014/main" id="{42B7B4AF-462B-468E-AAF9-0BB332281A81}"/>
+              </a:ext>
+            </a:extLst>
+          </p:cNvPr>
+          <p:cNvSpPr txBox="1"/>
+          <p:nvPr/>
+        </p:nvSpPr>
+        <p:spPr>
+          <a:xfrm>
+            <a:off x="2589212" y="3278973"/>
+            <a:ext cx="7102549" cy="923330"/>
+          </a:xfrm>
+          <a:prstGeom prst="rect">
+            <a:avLst/>
+          </a:prstGeom>
+          <a:noFill/>
+        </p:spPr>
+        <p:txBody>
+          <a:bodyPr wrap="square" rtlCol="0">
+            <a:spAutoFit/>
+          </a:bodyPr>
+          <a:lstStyle/>
+          <a:p>
+            <a:r>
+              <a:rPr lang="de-DE" u="sng" dirty="0"/>
+              <a:t>EstMB:</a:t>
+            </a:r>
+            <a:endParaRPr lang="de-DE" dirty="0"/>
+          </a:p>
+          <a:p>
+            <a:pPr marL="285750" indent="-285750">
+              <a:buFontTx/>
+              <a:buChar char="-"/>
+            </a:pPr>
+            <a:r>
+              <a:rPr lang="de-DE" dirty="0"/>
+              <a:t>Needs a lot of time for ALR -&gt; solved in HPC?</a:t>
+            </a:r>
+          </a:p>
+          <a:p>
+            <a:endParaRPr lang="de-DE" dirty="0"/>
+          </a:p>
+        </p:txBody>
+      </p:sp>
     </p:spTree>
     <p:extLst>
       <p:ext uri="{BB962C8B-B14F-4D97-AF65-F5344CB8AC3E}">
-        <p14:creationId xmlns:p14="http://schemas.microsoft.com/office/powerpoint/2010/main" val="1795355039"/>
+        <p14:creationId xmlns:p14="http://schemas.microsoft.com/office/powerpoint/2010/main" val="3441935650"/>
       </p:ext>
     </p:extLst>
   </p:cSld>
@@ -22348,7 +23182,7 @@
           <a:p>
             <a:fld id="{BCCEB706-B4FB-4DF7-BDF7-514AEA7F06D0}" type="datetime1">
               <a:rPr lang="en-US" smtClean="0"/>
-              <a:t>4/20/2022</a:t>
+              <a:t>4/22/2022</a:t>
             </a:fld>
             <a:endParaRPr lang="en-US" dirty="0"/>
           </a:p>
@@ -25064,7 +25898,7 @@
           <p:cNvPr id="2" name="Title 1">
             <a:extLst>
               <a:ext uri="{FF2B5EF4-FFF2-40B4-BE49-F238E27FC236}">
-                <a16:creationId xmlns:a16="http://schemas.microsoft.com/office/drawing/2014/main" id="{169D9D37-B637-4D74-BB75-639D51A491FB}"/>
+                <a16:creationId xmlns:a16="http://schemas.microsoft.com/office/drawing/2014/main" id="{6806FBA4-537C-4226-9D3A-758C7B787D79}"/>
               </a:ext>
             </a:extLst>
           </p:cNvPr>
@@ -25075,106 +25909,16 @@
             <p:ph type="title"/>
           </p:nvPr>
         </p:nvSpPr>
-        <p:spPr>
-          <a:xfrm>
-            <a:off x="1640156" y="628124"/>
-            <a:ext cx="8911687" cy="1280890"/>
-          </a:xfrm>
-        </p:spPr>
+        <p:spPr/>
         <p:txBody>
           <a:bodyPr/>
           <a:lstStyle/>
           <a:p>
             <a:r>
               <a:rPr lang="de-DE" b="1" dirty="0"/>
-              <a:t>Notes 30.01. meeting</a:t>
+              <a:t>Hierarchy dimensionality reduction</a:t>
             </a:r>
             <a:endParaRPr lang="en-US" b="1" dirty="0"/>
-          </a:p>
-        </p:txBody>
-      </p:sp>
-      <p:sp>
-        <p:nvSpPr>
-          <p:cNvPr id="3" name="Content Placeholder 2">
-            <a:extLst>
-              <a:ext uri="{FF2B5EF4-FFF2-40B4-BE49-F238E27FC236}">
-                <a16:creationId xmlns:a16="http://schemas.microsoft.com/office/drawing/2014/main" id="{D4D56813-9DF8-4D28-B156-1DE48E95DBC2}"/>
-              </a:ext>
-            </a:extLst>
-          </p:cNvPr>
-          <p:cNvSpPr>
-            <a:spLocks noGrp="1"/>
-          </p:cNvSpPr>
-          <p:nvPr>
-            <p:ph idx="1"/>
-          </p:nvPr>
-        </p:nvSpPr>
-        <p:spPr/>
-        <p:txBody>
-          <a:bodyPr/>
-          <a:lstStyle/>
-          <a:p>
-            <a:r>
-              <a:rPr lang="de-DE" dirty="0"/>
-              <a:t>Review paper ML for microbiome paper</a:t>
-            </a:r>
-          </a:p>
-          <a:p>
-            <a:r>
-              <a:rPr lang="de-DE" dirty="0"/>
-              <a:t>COST action paper</a:t>
-            </a:r>
-          </a:p>
-          <a:p>
-            <a:r>
-              <a:rPr lang="de-DE"/>
-              <a:t>Confidentiality form, sign, scan and send to Elin</a:t>
-            </a:r>
-            <a:endParaRPr lang="de-DE" dirty="0"/>
-          </a:p>
-          <a:p>
-            <a:r>
-              <a:rPr lang="de-DE" dirty="0"/>
-              <a:t>Meeting Oliver Friday, 4th February</a:t>
-            </a:r>
-          </a:p>
-          <a:p>
-            <a:r>
-              <a:rPr lang="de-DE" dirty="0"/>
-              <a:t>Literature Review: ~10-20 pages, include Figures and Tables, equations for major transformations, write for biologists</a:t>
-            </a:r>
-          </a:p>
-          <a:p>
-            <a:endParaRPr lang="de-DE" dirty="0"/>
-          </a:p>
-        </p:txBody>
-      </p:sp>
-      <p:sp>
-        <p:nvSpPr>
-          <p:cNvPr id="4" name="Date Placeholder 3">
-            <a:extLst>
-              <a:ext uri="{FF2B5EF4-FFF2-40B4-BE49-F238E27FC236}">
-                <a16:creationId xmlns:a16="http://schemas.microsoft.com/office/drawing/2014/main" id="{D53DB4F4-84EC-4588-88E6-8D8519D6A1E8}"/>
-              </a:ext>
-            </a:extLst>
-          </p:cNvPr>
-          <p:cNvSpPr>
-            <a:spLocks noGrp="1"/>
-          </p:cNvSpPr>
-          <p:nvPr>
-            <p:ph type="dt" sz="half" idx="10"/>
-          </p:nvPr>
-        </p:nvSpPr>
-        <p:spPr/>
-        <p:txBody>
-          <a:bodyPr/>
-          <a:lstStyle/>
-          <a:p>
-            <a:fld id="{5A2DBB50-F561-45B0-9BE5-95A455D2CD8B}" type="datetime1">
-              <a:rPr lang="en-US" smtClean="0"/>
-              <a:t>4/20/2022</a:t>
-            </a:fld>
-            <a:endParaRPr lang="en-US" dirty="0"/>
           </a:p>
         </p:txBody>
       </p:sp>
@@ -25183,7 +25927,7 @@
           <p:cNvPr id="5" name="Footer Placeholder 4">
             <a:extLst>
               <a:ext uri="{FF2B5EF4-FFF2-40B4-BE49-F238E27FC236}">
-                <a16:creationId xmlns:a16="http://schemas.microsoft.com/office/drawing/2014/main" id="{A7F3346A-3F24-484B-A6D3-55D66520C917}"/>
+                <a16:creationId xmlns:a16="http://schemas.microsoft.com/office/drawing/2014/main" id="{707C4F70-832A-416B-9491-EE86347B2812}"/>
               </a:ext>
             </a:extLst>
           </p:cNvPr>
@@ -25212,7 +25956,7 @@
           <p:cNvPr id="6" name="Slide Number Placeholder 5">
             <a:extLst>
               <a:ext uri="{FF2B5EF4-FFF2-40B4-BE49-F238E27FC236}">
-                <a16:creationId xmlns:a16="http://schemas.microsoft.com/office/drawing/2014/main" id="{C4B3B4A6-E708-4F88-8CA2-BDE8FCF0C0AC}"/>
+                <a16:creationId xmlns:a16="http://schemas.microsoft.com/office/drawing/2014/main" id="{1028CB34-29B5-49CB-99E4-E945C3D78896}"/>
               </a:ext>
             </a:extLst>
           </p:cNvPr>
@@ -25237,10 +25981,117 @@
           </a:p>
         </p:txBody>
       </p:sp>
+      <p:sp>
+        <p:nvSpPr>
+          <p:cNvPr id="26" name="TextBox 25">
+            <a:extLst>
+              <a:ext uri="{FF2B5EF4-FFF2-40B4-BE49-F238E27FC236}">
+                <a16:creationId xmlns:a16="http://schemas.microsoft.com/office/drawing/2014/main" id="{CC7BEBFF-3D20-441C-B1B2-0CE34904FDE4}"/>
+              </a:ext>
+            </a:extLst>
+          </p:cNvPr>
+          <p:cNvSpPr txBox="1"/>
+          <p:nvPr/>
+        </p:nvSpPr>
+        <p:spPr>
+          <a:xfrm>
+            <a:off x="1698819" y="1152907"/>
+            <a:ext cx="3654858" cy="400110"/>
+          </a:xfrm>
+          <a:prstGeom prst="rect">
+            <a:avLst/>
+          </a:prstGeom>
+          <a:noFill/>
+        </p:spPr>
+        <p:txBody>
+          <a:bodyPr wrap="square" rtlCol="0">
+            <a:spAutoFit/>
+          </a:bodyPr>
+          <a:lstStyle/>
+          <a:p>
+            <a:r>
+              <a:rPr lang="de-DE" sz="2000" i="1" dirty="0"/>
+              <a:t>Problems and Notes</a:t>
+            </a:r>
+          </a:p>
+        </p:txBody>
+      </p:sp>
+      <p:sp>
+        <p:nvSpPr>
+          <p:cNvPr id="7" name="TextBox 6">
+            <a:extLst>
+              <a:ext uri="{FF2B5EF4-FFF2-40B4-BE49-F238E27FC236}">
+                <a16:creationId xmlns:a16="http://schemas.microsoft.com/office/drawing/2014/main" id="{B43BF96F-7A11-4087-9B01-CF6AACD20E04}"/>
+              </a:ext>
+            </a:extLst>
+          </p:cNvPr>
+          <p:cNvSpPr txBox="1"/>
+          <p:nvPr/>
+        </p:nvSpPr>
+        <p:spPr>
+          <a:xfrm>
+            <a:off x="2589212" y="1742696"/>
+            <a:ext cx="7102549" cy="1754326"/>
+          </a:xfrm>
+          <a:prstGeom prst="rect">
+            <a:avLst/>
+          </a:prstGeom>
+          <a:noFill/>
+        </p:spPr>
+        <p:txBody>
+          <a:bodyPr wrap="square" rtlCol="0">
+            <a:spAutoFit/>
+          </a:bodyPr>
+          <a:lstStyle/>
+          <a:p>
+            <a:r>
+              <a:rPr lang="de-DE" u="sng" dirty="0"/>
+              <a:t>PCA</a:t>
+            </a:r>
+            <a:r>
+              <a:rPr lang="de-DE" dirty="0"/>
+              <a:t>:</a:t>
+            </a:r>
+          </a:p>
+          <a:p>
+            <a:pPr marL="285750" indent="-285750">
+              <a:buFontTx/>
+              <a:buChar char="-"/>
+            </a:pPr>
+            <a:r>
+              <a:rPr lang="de-DE" dirty="0"/>
+              <a:t>Microbiome Preprocessing Machine Learning Pipeline (2021)</a:t>
+            </a:r>
+          </a:p>
+          <a:p>
+            <a:pPr marL="285750" indent="-285750">
+              <a:buFontTx/>
+              <a:buChar char="-"/>
+            </a:pPr>
+            <a:r>
+              <a:rPr lang="de-DE" dirty="0"/>
+              <a:t>Proposes to use PCA as hierarchy reduction </a:t>
+            </a:r>
+          </a:p>
+          <a:p>
+            <a:pPr marL="285750" indent="-285750">
+              <a:buFontTx/>
+              <a:buChar char="-"/>
+            </a:pPr>
+            <a:r>
+              <a:rPr lang="de-DE" dirty="0"/>
+              <a:t>Families can be clustered and genus is not necessary</a:t>
+            </a:r>
+          </a:p>
+          <a:p>
+            <a:endParaRPr lang="de-DE" dirty="0"/>
+          </a:p>
+        </p:txBody>
+      </p:sp>
     </p:spTree>
     <p:extLst>
       <p:ext uri="{BB962C8B-B14F-4D97-AF65-F5344CB8AC3E}">
-        <p14:creationId xmlns:p14="http://schemas.microsoft.com/office/powerpoint/2010/main" val="3993456640"/>
+        <p14:creationId xmlns:p14="http://schemas.microsoft.com/office/powerpoint/2010/main" val="2182919606"/>
       </p:ext>
     </p:extLst>
   </p:cSld>
@@ -25272,7 +26123,7 @@
           <p:cNvPr id="2" name="Title 1">
             <a:extLst>
               <a:ext uri="{FF2B5EF4-FFF2-40B4-BE49-F238E27FC236}">
-                <a16:creationId xmlns:a16="http://schemas.microsoft.com/office/drawing/2014/main" id="{D63F1953-0627-4313-9F69-D3CE525D057A}"/>
+                <a16:creationId xmlns:a16="http://schemas.microsoft.com/office/drawing/2014/main" id="{6806FBA4-537C-4226-9D3A-758C7B787D79}"/>
               </a:ext>
             </a:extLst>
           </p:cNvPr>
@@ -25285,173 +26136,16 @@
         </p:nvSpPr>
         <p:spPr/>
         <p:txBody>
-          <a:bodyPr/>
+          <a:bodyPr>
+            <a:normAutofit/>
+          </a:bodyPr>
           <a:lstStyle/>
           <a:p>
             <a:r>
-              <a:rPr lang="de-DE" b="1" dirty="0"/>
-              <a:t>Notes: 01.04. meeting</a:t>
-            </a:r>
-          </a:p>
-        </p:txBody>
-      </p:sp>
-      <p:sp>
-        <p:nvSpPr>
-          <p:cNvPr id="3" name="Content Placeholder 2">
-            <a:extLst>
-              <a:ext uri="{FF2B5EF4-FFF2-40B4-BE49-F238E27FC236}">
-                <a16:creationId xmlns:a16="http://schemas.microsoft.com/office/drawing/2014/main" id="{10F6F84D-370D-481F-BDA8-9BEF48EC1F3D}"/>
-              </a:ext>
-            </a:extLst>
-          </p:cNvPr>
-          <p:cNvSpPr>
-            <a:spLocks noGrp="1"/>
-          </p:cNvSpPr>
-          <p:nvPr>
-            <p:ph idx="1"/>
-          </p:nvPr>
-        </p:nvSpPr>
-        <p:spPr/>
-        <p:txBody>
-          <a:bodyPr/>
-          <a:lstStyle/>
-          <a:p>
-            <a:r>
-              <a:rPr lang="de-DE" dirty="0"/>
-              <a:t>Pipeline:</a:t>
-            </a:r>
-          </a:p>
-          <a:p>
-            <a:pPr lvl="1"/>
-            <a:r>
-              <a:rPr lang="de-DE" dirty="0"/>
-              <a:t>Test models and codacore on the same training&amp;test split (and set seed)</a:t>
-            </a:r>
-          </a:p>
-          <a:p>
-            <a:pPr lvl="1"/>
-            <a:r>
-              <a:rPr lang="de-DE" dirty="0"/>
-              <a:t>Take out training and test split from run_ml?</a:t>
-            </a:r>
-          </a:p>
-          <a:p>
-            <a:pPr lvl="1"/>
-            <a:r>
-              <a:rPr lang="de-DE" dirty="0"/>
-              <a:t>K_folds and CV_folds don‘t have to be the same for every data set</a:t>
-            </a:r>
-          </a:p>
-          <a:p>
-            <a:pPr lvl="1"/>
-            <a:r>
-              <a:rPr lang="de-DE" dirty="0"/>
-              <a:t>Time comparison?</a:t>
-            </a:r>
-          </a:p>
-          <a:p>
-            <a:r>
-              <a:rPr lang="de-DE" dirty="0"/>
-              <a:t>CRC:</a:t>
-            </a:r>
-          </a:p>
-          <a:p>
-            <a:pPr lvl="1"/>
-            <a:r>
-              <a:rPr lang="de-DE" dirty="0"/>
-              <a:t>Keep one country cohorts for extra validation </a:t>
-            </a:r>
-          </a:p>
-          <a:p>
-            <a:pPr lvl="1"/>
-            <a:r>
-              <a:rPr lang="de-DE" dirty="0"/>
-              <a:t>BMI as outcome_column for continuous</a:t>
-            </a:r>
-          </a:p>
-          <a:p>
-            <a:pPr lvl="1"/>
-            <a:r>
-              <a:rPr lang="de-DE" dirty="0"/>
-              <a:t>GROUP for classification </a:t>
-            </a:r>
-          </a:p>
-          <a:p>
-            <a:pPr marL="457200" lvl="1" indent="0">
-              <a:buNone/>
-            </a:pPr>
-            <a:endParaRPr lang="de-DE" dirty="0"/>
-          </a:p>
-          <a:p>
-            <a:pPr lvl="1"/>
-            <a:endParaRPr lang="de-DE" dirty="0"/>
-          </a:p>
-          <a:p>
-            <a:pPr lvl="1"/>
-            <a:endParaRPr lang="de-DE" dirty="0"/>
-          </a:p>
-          <a:p>
-            <a:pPr lvl="1"/>
-            <a:endParaRPr lang="de-DE" dirty="0"/>
-          </a:p>
-        </p:txBody>
-      </p:sp>
-      <p:sp>
-        <p:nvSpPr>
-          <p:cNvPr id="4" name="Date Placeholder 3">
-            <a:extLst>
-              <a:ext uri="{FF2B5EF4-FFF2-40B4-BE49-F238E27FC236}">
-                <a16:creationId xmlns:a16="http://schemas.microsoft.com/office/drawing/2014/main" id="{DBF0C8DB-9090-4B20-AED9-6E2044F98AC2}"/>
-              </a:ext>
-            </a:extLst>
-          </p:cNvPr>
-          <p:cNvSpPr>
-            <a:spLocks noGrp="1"/>
-          </p:cNvSpPr>
-          <p:nvPr>
-            <p:ph type="dt" sz="half" idx="10"/>
-          </p:nvPr>
-        </p:nvSpPr>
-        <p:spPr/>
-        <p:txBody>
-          <a:bodyPr/>
-          <a:lstStyle/>
-          <a:p>
-            <a:fld id="{36D18B76-5E8B-4456-8722-FC5B14B0F354}" type="datetime1">
-              <a:rPr lang="en-US" smtClean="0"/>
-              <a:pPr/>
-              <a:t>4/20/2022</a:t>
-            </a:fld>
-            <a:endParaRPr lang="en-US" dirty="0"/>
-          </a:p>
-        </p:txBody>
-      </p:sp>
-      <p:sp>
-        <p:nvSpPr>
-          <p:cNvPr id="5" name="Footer Placeholder 4">
-            <a:extLst>
-              <a:ext uri="{FF2B5EF4-FFF2-40B4-BE49-F238E27FC236}">
-                <a16:creationId xmlns:a16="http://schemas.microsoft.com/office/drawing/2014/main" id="{DA6DF03D-2B74-42A5-8C31-B3A7B6D53ABB}"/>
-              </a:ext>
-            </a:extLst>
-          </p:cNvPr>
-          <p:cNvSpPr>
-            <a:spLocks noGrp="1"/>
-          </p:cNvSpPr>
-          <p:nvPr>
-            <p:ph type="ftr" sz="quarter" idx="11"/>
-          </p:nvPr>
-        </p:nvSpPr>
-        <p:spPr/>
-        <p:txBody>
-          <a:bodyPr/>
-          <a:lstStyle/>
-          <a:p>
-            <a:r>
-              <a:rPr lang="en-US"/>
-              <a:t>jennifer.neumaier@t-online.de</a:t>
-            </a:r>
-            <a:endParaRPr lang="en-US" dirty="0"/>
+              <a:rPr lang="de-DE" sz="3200" b="1" dirty="0"/>
+              <a:t>mikropml</a:t>
+            </a:r>
+            <a:endParaRPr lang="en-US" sz="3200" b="1" dirty="0"/>
           </a:p>
         </p:txBody>
       </p:sp>
@@ -25460,7 +26154,7 @@
           <p:cNvPr id="6" name="Slide Number Placeholder 5">
             <a:extLst>
               <a:ext uri="{FF2B5EF4-FFF2-40B4-BE49-F238E27FC236}">
-                <a16:creationId xmlns:a16="http://schemas.microsoft.com/office/drawing/2014/main" id="{EB397826-F4D6-4DDE-B171-FF032CD952B6}"/>
+                <a16:creationId xmlns:a16="http://schemas.microsoft.com/office/drawing/2014/main" id="{1028CB34-29B5-49CB-99E4-E945C3D78896}"/>
               </a:ext>
             </a:extLst>
           </p:cNvPr>
@@ -25485,10 +26179,195 @@
           </a:p>
         </p:txBody>
       </p:sp>
+      <p:sp>
+        <p:nvSpPr>
+          <p:cNvPr id="8" name="TextBox 7">
+            <a:extLst>
+              <a:ext uri="{FF2B5EF4-FFF2-40B4-BE49-F238E27FC236}">
+                <a16:creationId xmlns:a16="http://schemas.microsoft.com/office/drawing/2014/main" id="{C9FAD4F5-81D5-4890-8BB5-F06C93EDD254}"/>
+              </a:ext>
+            </a:extLst>
+          </p:cNvPr>
+          <p:cNvSpPr txBox="1"/>
+          <p:nvPr/>
+        </p:nvSpPr>
+        <p:spPr>
+          <a:xfrm>
+            <a:off x="1392866" y="1268569"/>
+            <a:ext cx="8753253" cy="5509200"/>
+          </a:xfrm>
+          <a:prstGeom prst="rect">
+            <a:avLst/>
+          </a:prstGeom>
+          <a:noFill/>
+        </p:spPr>
+        <p:txBody>
+          <a:bodyPr wrap="square">
+            <a:spAutoFit/>
+          </a:bodyPr>
+          <a:lstStyle/>
+          <a:p>
+            <a:r>
+              <a:rPr lang="de-DE" sz="1100" dirty="0"/>
+              <a:t>Testing out mikropml as it already has a function run_ml() that incorporates nested cross-validation for several standard supervised machine learning models:</a:t>
+            </a:r>
+          </a:p>
+          <a:p>
+            <a:endParaRPr lang="de-DE" sz="1100" dirty="0"/>
+          </a:p>
+          <a:p>
+            <a:r>
+              <a:rPr lang="de-DE" sz="1100" dirty="0"/>
+              <a:t>    Logistic/multiclass/linear regression ("glmnet")</a:t>
+            </a:r>
+          </a:p>
+          <a:p>
+            <a:r>
+              <a:rPr lang="de-DE" sz="1100" dirty="0"/>
+              <a:t>    Random forest ("rf")</a:t>
+            </a:r>
+          </a:p>
+          <a:p>
+            <a:r>
+              <a:rPr lang="de-DE" sz="1100" dirty="0"/>
+              <a:t>    Decision tree ("rpart2")</a:t>
+            </a:r>
+          </a:p>
+          <a:p>
+            <a:r>
+              <a:rPr lang="de-DE" sz="1100" dirty="0"/>
+              <a:t>    Support vector machine with a radial basis kernel ("svmRadial")</a:t>
+            </a:r>
+          </a:p>
+          <a:p>
+            <a:r>
+              <a:rPr lang="de-DE" sz="1100" dirty="0"/>
+              <a:t>    xgboost ("xgbTree")</a:t>
+            </a:r>
+          </a:p>
+          <a:p>
+            <a:endParaRPr lang="de-DE" sz="1100" dirty="0"/>
+          </a:p>
+          <a:p>
+            <a:r>
+              <a:rPr lang="de-DE" sz="1100" dirty="0"/>
+              <a:t>Test it here for linear regression and xgboost.</a:t>
+            </a:r>
+          </a:p>
+          <a:p>
+            <a:r>
+              <a:rPr lang="de-DE" sz="1100" dirty="0"/>
+              <a:t>Function run_ml has several parameters:</a:t>
+            </a:r>
+          </a:p>
+          <a:p>
+            <a:r>
+              <a:rPr lang="de-DE" sz="1100" dirty="0"/>
+              <a:t>           dataset,</a:t>
+            </a:r>
+          </a:p>
+          <a:p>
+            <a:r>
+              <a:rPr lang="de-DE" sz="1100" dirty="0"/>
+              <a:t>           method,</a:t>
+            </a:r>
+          </a:p>
+          <a:p>
+            <a:r>
+              <a:rPr lang="de-DE" sz="1100" dirty="0"/>
+              <a:t>           outcome_colname = NULL, (standardized the first column)</a:t>
+            </a:r>
+          </a:p>
+          <a:p>
+            <a:r>
+              <a:rPr lang="de-DE" sz="1100" dirty="0"/>
+              <a:t>           hyperparameters = NULL,</a:t>
+            </a:r>
+          </a:p>
+          <a:p>
+            <a:r>
+              <a:rPr lang="de-DE" sz="1100" dirty="0"/>
+              <a:t>           find_feature_importance = FALSE, (`TRUE` is recommended if you would like to identify features important for predicting your                                                outcome, but it is resource-intensive.</a:t>
+            </a:r>
+          </a:p>
+          <a:p>
+            <a:r>
+              <a:rPr lang="de-DE" sz="1100" dirty="0"/>
+              <a:t>           calculate_performance = TRUE,</a:t>
+            </a:r>
+          </a:p>
+          <a:p>
+            <a:r>
+              <a:rPr lang="de-DE" sz="1100" dirty="0"/>
+              <a:t>           kfold = 5, (standard at 5)</a:t>
+            </a:r>
+          </a:p>
+          <a:p>
+            <a:r>
+              <a:rPr lang="de-DE" sz="1100" dirty="0"/>
+              <a:t>           cv_times = 100, (standard at 100)</a:t>
+            </a:r>
+          </a:p>
+          <a:p>
+            <a:r>
+              <a:rPr lang="de-DE" sz="1100" dirty="0"/>
+              <a:t>           cross_val = NULL, (cross_val a custom cross-validation scheme from `caret::trainControl()` (default: `NULL`, uses `kfold` cross                              validation repeated `cv_times`). `kfold` and `cv_times` are ignored if the user provides a custom                                          cross-validation scheme.)</a:t>
+            </a:r>
+          </a:p>
+          <a:p>
+            <a:r>
+              <a:rPr lang="de-DE" sz="1100" dirty="0"/>
+              <a:t>           training_frac = 0.8, (standard at 0.8)</a:t>
+            </a:r>
+          </a:p>
+          <a:p>
+            <a:r>
+              <a:rPr lang="de-DE" sz="1100" dirty="0"/>
+              <a:t>           perf_metric_function = NULL,</a:t>
+            </a:r>
+          </a:p>
+          <a:p>
+            <a:r>
+              <a:rPr lang="de-DE" sz="1100" dirty="0"/>
+              <a:t>           perf_metric_name = NULL,</a:t>
+            </a:r>
+          </a:p>
+          <a:p>
+            <a:r>
+              <a:rPr lang="de-DE" sz="1100" dirty="0"/>
+              <a:t>           groups = NULL,</a:t>
+            </a:r>
+          </a:p>
+          <a:p>
+            <a:r>
+              <a:rPr lang="de-DE" sz="1100" dirty="0"/>
+              <a:t>           group_partitions = NULL,</a:t>
+            </a:r>
+          </a:p>
+          <a:p>
+            <a:r>
+              <a:rPr lang="de-DE" sz="1100" dirty="0"/>
+              <a:t>           corr_thresh = 1,</a:t>
+            </a:r>
+          </a:p>
+          <a:p>
+            <a:r>
+              <a:rPr lang="de-DE" sz="1100" dirty="0"/>
+              <a:t>           ntree = 1000, (For random forest, how many trees to use (default: `1000`). Caret doesn't allow this hyperparameter to be tuned)</a:t>
+            </a:r>
+          </a:p>
+          <a:p>
+            <a:r>
+              <a:rPr lang="de-DE" sz="1100" dirty="0"/>
+              <a:t>           seed = NA (set seed for reproducibility)</a:t>
+            </a:r>
+          </a:p>
+        </p:txBody>
+      </p:sp>
     </p:spTree>
     <p:extLst>
       <p:ext uri="{BB962C8B-B14F-4D97-AF65-F5344CB8AC3E}">
-        <p14:creationId xmlns:p14="http://schemas.microsoft.com/office/powerpoint/2010/main" val="1848759324"/>
+        <p14:creationId xmlns:p14="http://schemas.microsoft.com/office/powerpoint/2010/main" val="3541464901"/>
       </p:ext>
     </p:extLst>
   </p:cSld>
@@ -25520,6 +26399,1151 @@
           <p:cNvPr id="2" name="Title 1">
             <a:extLst>
               <a:ext uri="{FF2B5EF4-FFF2-40B4-BE49-F238E27FC236}">
+                <a16:creationId xmlns:a16="http://schemas.microsoft.com/office/drawing/2014/main" id="{169D9D37-B637-4D74-BB75-639D51A491FB}"/>
+              </a:ext>
+            </a:extLst>
+          </p:cNvPr>
+          <p:cNvSpPr>
+            <a:spLocks noGrp="1"/>
+          </p:cNvSpPr>
+          <p:nvPr>
+            <p:ph type="title"/>
+          </p:nvPr>
+        </p:nvSpPr>
+        <p:spPr>
+          <a:xfrm>
+            <a:off x="1640156" y="628124"/>
+            <a:ext cx="8911687" cy="1280890"/>
+          </a:xfrm>
+        </p:spPr>
+        <p:txBody>
+          <a:bodyPr/>
+          <a:lstStyle/>
+          <a:p>
+            <a:r>
+              <a:rPr lang="de-DE" b="1" dirty="0"/>
+              <a:t>Data set</a:t>
+            </a:r>
+            <a:endParaRPr lang="en-US" b="1" dirty="0"/>
+          </a:p>
+        </p:txBody>
+      </p:sp>
+      <p:sp>
+        <p:nvSpPr>
+          <p:cNvPr id="3" name="Content Placeholder 2">
+            <a:extLst>
+              <a:ext uri="{FF2B5EF4-FFF2-40B4-BE49-F238E27FC236}">
+                <a16:creationId xmlns:a16="http://schemas.microsoft.com/office/drawing/2014/main" id="{D4D56813-9DF8-4D28-B156-1DE48E95DBC2}"/>
+              </a:ext>
+            </a:extLst>
+          </p:cNvPr>
+          <p:cNvSpPr>
+            <a:spLocks noGrp="1"/>
+          </p:cNvSpPr>
+          <p:nvPr>
+            <p:ph idx="1"/>
+          </p:nvPr>
+        </p:nvSpPr>
+        <p:spPr>
+          <a:xfrm>
+            <a:off x="2592495" y="1317171"/>
+            <a:ext cx="8915400" cy="4369465"/>
+          </a:xfrm>
+        </p:spPr>
+        <p:txBody>
+          <a:bodyPr>
+            <a:normAutofit/>
+          </a:bodyPr>
+          <a:lstStyle/>
+          <a:p>
+            <a:r>
+              <a:rPr lang="de-DE" dirty="0"/>
+              <a:t>Compare what Thomas P. Quinn uses (13 datasets) and take out from estonian biobank</a:t>
+            </a:r>
+          </a:p>
+          <a:p>
+            <a:r>
+              <a:rPr lang="de-DE" dirty="0"/>
+              <a:t> prediction/classification tasks</a:t>
+            </a:r>
+          </a:p>
+          <a:p>
+            <a:r>
+              <a:rPr lang="de-DE" dirty="0"/>
+              <a:t>One with continuous and one with discrete variables</a:t>
+            </a:r>
+          </a:p>
+          <a:p>
+            <a:r>
+              <a:rPr lang="de-DE" dirty="0"/>
+              <a:t>one with high correlation and one with low to microbiomes</a:t>
+            </a:r>
+          </a:p>
+          <a:p>
+            <a:r>
+              <a:rPr lang="de-DE" dirty="0"/>
+              <a:t>one small and one large data set</a:t>
+            </a:r>
+          </a:p>
+          <a:p>
+            <a:r>
+              <a:rPr lang="de-DE" dirty="0"/>
+              <a:t>EstMB, colorectal cancer, PCOS</a:t>
+            </a:r>
+          </a:p>
+          <a:p>
+            <a:endParaRPr lang="de-DE" dirty="0"/>
+          </a:p>
+        </p:txBody>
+      </p:sp>
+      <p:sp>
+        <p:nvSpPr>
+          <p:cNvPr id="4" name="Date Placeholder 3">
+            <a:extLst>
+              <a:ext uri="{FF2B5EF4-FFF2-40B4-BE49-F238E27FC236}">
+                <a16:creationId xmlns:a16="http://schemas.microsoft.com/office/drawing/2014/main" id="{D53DB4F4-84EC-4588-88E6-8D8519D6A1E8}"/>
+              </a:ext>
+            </a:extLst>
+          </p:cNvPr>
+          <p:cNvSpPr>
+            <a:spLocks noGrp="1"/>
+          </p:cNvSpPr>
+          <p:nvPr>
+            <p:ph type="dt" sz="half" idx="10"/>
+          </p:nvPr>
+        </p:nvSpPr>
+        <p:spPr/>
+        <p:txBody>
+          <a:bodyPr/>
+          <a:lstStyle/>
+          <a:p>
+            <a:fld id="{5A2DBB50-F561-45B0-9BE5-95A455D2CD8B}" type="datetime1">
+              <a:rPr lang="en-US" smtClean="0"/>
+              <a:t>4/22/2022</a:t>
+            </a:fld>
+            <a:endParaRPr lang="en-US" dirty="0"/>
+          </a:p>
+        </p:txBody>
+      </p:sp>
+      <p:sp>
+        <p:nvSpPr>
+          <p:cNvPr id="5" name="Footer Placeholder 4">
+            <a:extLst>
+              <a:ext uri="{FF2B5EF4-FFF2-40B4-BE49-F238E27FC236}">
+                <a16:creationId xmlns:a16="http://schemas.microsoft.com/office/drawing/2014/main" id="{A7F3346A-3F24-484B-A6D3-55D66520C917}"/>
+              </a:ext>
+            </a:extLst>
+          </p:cNvPr>
+          <p:cNvSpPr>
+            <a:spLocks noGrp="1"/>
+          </p:cNvSpPr>
+          <p:nvPr>
+            <p:ph type="ftr" sz="quarter" idx="11"/>
+          </p:nvPr>
+        </p:nvSpPr>
+        <p:spPr/>
+        <p:txBody>
+          <a:bodyPr/>
+          <a:lstStyle/>
+          <a:p>
+            <a:r>
+              <a:rPr lang="en-US"/>
+              <a:t>jennifer.neumaier@t-online.de</a:t>
+            </a:r>
+            <a:endParaRPr lang="en-US" dirty="0"/>
+          </a:p>
+        </p:txBody>
+      </p:sp>
+      <p:sp>
+        <p:nvSpPr>
+          <p:cNvPr id="6" name="Slide Number Placeholder 5">
+            <a:extLst>
+              <a:ext uri="{FF2B5EF4-FFF2-40B4-BE49-F238E27FC236}">
+                <a16:creationId xmlns:a16="http://schemas.microsoft.com/office/drawing/2014/main" id="{C4B3B4A6-E708-4F88-8CA2-BDE8FCF0C0AC}"/>
+              </a:ext>
+            </a:extLst>
+          </p:cNvPr>
+          <p:cNvSpPr>
+            <a:spLocks noGrp="1"/>
+          </p:cNvSpPr>
+          <p:nvPr>
+            <p:ph type="sldNum" sz="quarter" idx="12"/>
+          </p:nvPr>
+        </p:nvSpPr>
+        <p:spPr/>
+        <p:txBody>
+          <a:bodyPr/>
+          <a:lstStyle/>
+          <a:p>
+            <a:fld id="{D57F1E4F-1CFF-5643-939E-217C01CDF565}" type="slidenum">
+              <a:rPr lang="en-US" smtClean="0"/>
+              <a:pPr/>
+              <a:t>32</a:t>
+            </a:fld>
+            <a:endParaRPr lang="en-US" dirty="0"/>
+          </a:p>
+        </p:txBody>
+      </p:sp>
+      <p:sp>
+        <p:nvSpPr>
+          <p:cNvPr id="8" name="TextBox 7">
+            <a:extLst>
+              <a:ext uri="{FF2B5EF4-FFF2-40B4-BE49-F238E27FC236}">
+                <a16:creationId xmlns:a16="http://schemas.microsoft.com/office/drawing/2014/main" id="{6A373959-7937-4239-AAA7-0B90CAF1A620}"/>
+              </a:ext>
+            </a:extLst>
+          </p:cNvPr>
+          <p:cNvSpPr txBox="1"/>
+          <p:nvPr/>
+        </p:nvSpPr>
+        <p:spPr>
+          <a:xfrm>
+            <a:off x="2260283" y="4487322"/>
+            <a:ext cx="6097904" cy="923330"/>
+          </a:xfrm>
+          <a:prstGeom prst="rect">
+            <a:avLst/>
+          </a:prstGeom>
+          <a:noFill/>
+        </p:spPr>
+        <p:txBody>
+          <a:bodyPr wrap="square">
+            <a:spAutoFit/>
+          </a:bodyPr>
+          <a:lstStyle/>
+          <a:p>
+            <a:r>
+              <a:rPr lang="de-DE" b="1" dirty="0"/>
+              <a:t>CRC data set preparation and models:</a:t>
+            </a:r>
+          </a:p>
+          <a:p>
+            <a:r>
+              <a:rPr lang="de-DE" dirty="0"/>
+              <a:t>https://github.com/zellerlab/crc_meta/blob/master/src/prepare_data.R</a:t>
+            </a:r>
+          </a:p>
+        </p:txBody>
+      </p:sp>
+    </p:spTree>
+    <p:extLst>
+      <p:ext uri="{BB962C8B-B14F-4D97-AF65-F5344CB8AC3E}">
+        <p14:creationId xmlns:p14="http://schemas.microsoft.com/office/powerpoint/2010/main" val="4097922265"/>
+      </p:ext>
+    </p:extLst>
+  </p:cSld>
+  <p:clrMapOvr>
+    <a:masterClrMapping/>
+  </p:clrMapOvr>
+</p:sld>
+</file>
+
+<file path=ppt/slides/slide33.xml><?xml version="1.0" encoding="utf-8"?>
+<p:sld xmlns:a="http://schemas.openxmlformats.org/drawingml/2006/main" xmlns:r="http://schemas.openxmlformats.org/officeDocument/2006/relationships" xmlns:p="http://schemas.openxmlformats.org/presentationml/2006/main">
+  <p:cSld>
+    <p:spTree>
+      <p:nvGrpSpPr>
+        <p:cNvPr id="1" name=""/>
+        <p:cNvGrpSpPr/>
+        <p:nvPr/>
+      </p:nvGrpSpPr>
+      <p:grpSpPr>
+        <a:xfrm>
+          <a:off x="0" y="0"/>
+          <a:ext cx="0" cy="0"/>
+          <a:chOff x="0" y="0"/>
+          <a:chExt cx="0" cy="0"/>
+        </a:xfrm>
+      </p:grpSpPr>
+      <p:sp>
+        <p:nvSpPr>
+          <p:cNvPr id="2" name="Title 1">
+            <a:extLst>
+              <a:ext uri="{FF2B5EF4-FFF2-40B4-BE49-F238E27FC236}">
+                <a16:creationId xmlns:a16="http://schemas.microsoft.com/office/drawing/2014/main" id="{150EAB59-F93C-4B56-AD7E-A9B5BD800221}"/>
+              </a:ext>
+            </a:extLst>
+          </p:cNvPr>
+          <p:cNvSpPr>
+            <a:spLocks noGrp="1"/>
+          </p:cNvSpPr>
+          <p:nvPr>
+            <p:ph type="title"/>
+          </p:nvPr>
+        </p:nvSpPr>
+        <p:spPr>
+          <a:xfrm>
+            <a:off x="1640156" y="605161"/>
+            <a:ext cx="8911687" cy="1280890"/>
+          </a:xfrm>
+        </p:spPr>
+        <p:txBody>
+          <a:bodyPr/>
+          <a:lstStyle/>
+          <a:p>
+            <a:r>
+              <a:rPr lang="de-DE" b="1" dirty="0"/>
+              <a:t>Amalgams</a:t>
+            </a:r>
+            <a:endParaRPr lang="en-US" b="1" dirty="0"/>
+          </a:p>
+        </p:txBody>
+      </p:sp>
+      <p:sp>
+        <p:nvSpPr>
+          <p:cNvPr id="3" name="Date Placeholder 2">
+            <a:extLst>
+              <a:ext uri="{FF2B5EF4-FFF2-40B4-BE49-F238E27FC236}">
+                <a16:creationId xmlns:a16="http://schemas.microsoft.com/office/drawing/2014/main" id="{FCE7145C-47D9-4CE4-B47E-794DEF5137FE}"/>
+              </a:ext>
+            </a:extLst>
+          </p:cNvPr>
+          <p:cNvSpPr>
+            <a:spLocks noGrp="1"/>
+          </p:cNvSpPr>
+          <p:nvPr>
+            <p:ph type="dt" sz="half" idx="10"/>
+          </p:nvPr>
+        </p:nvSpPr>
+        <p:spPr/>
+        <p:txBody>
+          <a:bodyPr/>
+          <a:lstStyle/>
+          <a:p>
+            <a:fld id="{BDD716FE-4A5D-4A13-A8EE-37F9C34BE666}" type="datetime1">
+              <a:rPr lang="en-US" smtClean="0"/>
+              <a:t>4/22/2022</a:t>
+            </a:fld>
+            <a:endParaRPr lang="en-US" dirty="0"/>
+          </a:p>
+        </p:txBody>
+      </p:sp>
+      <p:sp>
+        <p:nvSpPr>
+          <p:cNvPr id="4" name="Footer Placeholder 3">
+            <a:extLst>
+              <a:ext uri="{FF2B5EF4-FFF2-40B4-BE49-F238E27FC236}">
+                <a16:creationId xmlns:a16="http://schemas.microsoft.com/office/drawing/2014/main" id="{7E5ACE4E-266D-4B52-BD0C-EA6887FE1D36}"/>
+              </a:ext>
+            </a:extLst>
+          </p:cNvPr>
+          <p:cNvSpPr>
+            <a:spLocks noGrp="1"/>
+          </p:cNvSpPr>
+          <p:nvPr>
+            <p:ph type="ftr" sz="quarter" idx="11"/>
+          </p:nvPr>
+        </p:nvSpPr>
+        <p:spPr/>
+        <p:txBody>
+          <a:bodyPr/>
+          <a:lstStyle/>
+          <a:p>
+            <a:r>
+              <a:rPr lang="en-US"/>
+              <a:t>jennifer.neumaier@t-online.de</a:t>
+            </a:r>
+            <a:endParaRPr lang="en-US" dirty="0"/>
+          </a:p>
+        </p:txBody>
+      </p:sp>
+      <p:sp>
+        <p:nvSpPr>
+          <p:cNvPr id="6" name="Slide Number Placeholder 5">
+            <a:extLst>
+              <a:ext uri="{FF2B5EF4-FFF2-40B4-BE49-F238E27FC236}">
+                <a16:creationId xmlns:a16="http://schemas.microsoft.com/office/drawing/2014/main" id="{ABE670CF-FED5-4CBE-A63F-5AEF0B83A99B}"/>
+              </a:ext>
+            </a:extLst>
+          </p:cNvPr>
+          <p:cNvSpPr>
+            <a:spLocks noGrp="1"/>
+          </p:cNvSpPr>
+          <p:nvPr>
+            <p:ph type="sldNum" sz="quarter" idx="12"/>
+          </p:nvPr>
+        </p:nvSpPr>
+        <p:spPr/>
+        <p:txBody>
+          <a:bodyPr/>
+          <a:lstStyle/>
+          <a:p>
+            <a:fld id="{D57F1E4F-1CFF-5643-939E-217C01CDF565}" type="slidenum">
+              <a:rPr lang="en-US" smtClean="0"/>
+              <a:pPr/>
+              <a:t>33</a:t>
+            </a:fld>
+            <a:endParaRPr lang="en-US" dirty="0"/>
+          </a:p>
+        </p:txBody>
+      </p:sp>
+      <p:pic>
+        <p:nvPicPr>
+          <p:cNvPr id="5" name="Picture 4">
+            <a:extLst>
+              <a:ext uri="{FF2B5EF4-FFF2-40B4-BE49-F238E27FC236}">
+                <a16:creationId xmlns:a16="http://schemas.microsoft.com/office/drawing/2014/main" id="{7AB2FBBF-2A25-4F38-BF85-58B69A5FEFF2}"/>
+              </a:ext>
+            </a:extLst>
+          </p:cNvPr>
+          <p:cNvPicPr>
+            <a:picLocks noChangeAspect="1"/>
+          </p:cNvPicPr>
+          <p:nvPr/>
+        </p:nvPicPr>
+        <p:blipFill>
+          <a:blip r:embed="rId2"/>
+          <a:stretch>
+            <a:fillRect/>
+          </a:stretch>
+        </p:blipFill>
+        <p:spPr>
+          <a:xfrm>
+            <a:off x="1786869" y="1406382"/>
+            <a:ext cx="6315075" cy="1100138"/>
+          </a:xfrm>
+          <a:prstGeom prst="rect">
+            <a:avLst/>
+          </a:prstGeom>
+        </p:spPr>
+      </p:pic>
+      <p:pic>
+        <p:nvPicPr>
+          <p:cNvPr id="8" name="Picture 7">
+            <a:extLst>
+              <a:ext uri="{FF2B5EF4-FFF2-40B4-BE49-F238E27FC236}">
+                <a16:creationId xmlns:a16="http://schemas.microsoft.com/office/drawing/2014/main" id="{E65323F0-0245-4C38-8FEE-F8509698178F}"/>
+              </a:ext>
+            </a:extLst>
+          </p:cNvPr>
+          <p:cNvPicPr>
+            <a:picLocks noChangeAspect="1"/>
+          </p:cNvPicPr>
+          <p:nvPr/>
+        </p:nvPicPr>
+        <p:blipFill>
+          <a:blip r:embed="rId3"/>
+          <a:stretch>
+            <a:fillRect/>
+          </a:stretch>
+        </p:blipFill>
+        <p:spPr>
+          <a:xfrm>
+            <a:off x="2462131" y="2555518"/>
+            <a:ext cx="5393531" cy="835819"/>
+          </a:xfrm>
+          <a:prstGeom prst="rect">
+            <a:avLst/>
+          </a:prstGeom>
+        </p:spPr>
+      </p:pic>
+      <p:pic>
+        <p:nvPicPr>
+          <p:cNvPr id="9" name="Picture 8">
+            <a:extLst>
+              <a:ext uri="{FF2B5EF4-FFF2-40B4-BE49-F238E27FC236}">
+                <a16:creationId xmlns:a16="http://schemas.microsoft.com/office/drawing/2014/main" id="{3803EC90-9011-4653-B133-43E37074C6D0}"/>
+              </a:ext>
+            </a:extLst>
+          </p:cNvPr>
+          <p:cNvPicPr>
+            <a:picLocks noChangeAspect="1"/>
+          </p:cNvPicPr>
+          <p:nvPr/>
+        </p:nvPicPr>
+        <p:blipFill>
+          <a:blip r:embed="rId4"/>
+          <a:stretch>
+            <a:fillRect/>
+          </a:stretch>
+        </p:blipFill>
+        <p:spPr>
+          <a:xfrm>
+            <a:off x="6399211" y="2911668"/>
+            <a:ext cx="5474002" cy="3218769"/>
+          </a:xfrm>
+          <a:prstGeom prst="rect">
+            <a:avLst/>
+          </a:prstGeom>
+        </p:spPr>
+      </p:pic>
+    </p:spTree>
+    <p:extLst>
+      <p:ext uri="{BB962C8B-B14F-4D97-AF65-F5344CB8AC3E}">
+        <p14:creationId xmlns:p14="http://schemas.microsoft.com/office/powerpoint/2010/main" val="1431769734"/>
+      </p:ext>
+    </p:extLst>
+  </p:cSld>
+  <p:clrMapOvr>
+    <a:masterClrMapping/>
+  </p:clrMapOvr>
+</p:sld>
+</file>
+
+<file path=ppt/slides/slide34.xml><?xml version="1.0" encoding="utf-8"?>
+<p:sld xmlns:a="http://schemas.openxmlformats.org/drawingml/2006/main" xmlns:r="http://schemas.openxmlformats.org/officeDocument/2006/relationships" xmlns:p="http://schemas.openxmlformats.org/presentationml/2006/main">
+  <p:cSld>
+    <p:spTree>
+      <p:nvGrpSpPr>
+        <p:cNvPr id="1" name=""/>
+        <p:cNvGrpSpPr/>
+        <p:nvPr/>
+      </p:nvGrpSpPr>
+      <p:grpSpPr>
+        <a:xfrm>
+          <a:off x="0" y="0"/>
+          <a:ext cx="0" cy="0"/>
+          <a:chOff x="0" y="0"/>
+          <a:chExt cx="0" cy="0"/>
+        </a:xfrm>
+      </p:grpSpPr>
+      <p:sp>
+        <p:nvSpPr>
+          <p:cNvPr id="2" name="Title 1">
+            <a:extLst>
+              <a:ext uri="{FF2B5EF4-FFF2-40B4-BE49-F238E27FC236}">
+                <a16:creationId xmlns:a16="http://schemas.microsoft.com/office/drawing/2014/main" id="{169D9D37-B637-4D74-BB75-639D51A491FB}"/>
+              </a:ext>
+            </a:extLst>
+          </p:cNvPr>
+          <p:cNvSpPr>
+            <a:spLocks noGrp="1"/>
+          </p:cNvSpPr>
+          <p:nvPr>
+            <p:ph type="title"/>
+          </p:nvPr>
+        </p:nvSpPr>
+        <p:spPr>
+          <a:xfrm>
+            <a:off x="1640156" y="628124"/>
+            <a:ext cx="8911687" cy="1280890"/>
+          </a:xfrm>
+        </p:spPr>
+        <p:txBody>
+          <a:bodyPr/>
+          <a:lstStyle/>
+          <a:p>
+            <a:r>
+              <a:rPr lang="de-DE" b="1" dirty="0"/>
+              <a:t>Problems</a:t>
+            </a:r>
+            <a:endParaRPr lang="en-US" b="1" dirty="0"/>
+          </a:p>
+        </p:txBody>
+      </p:sp>
+      <p:sp>
+        <p:nvSpPr>
+          <p:cNvPr id="3" name="Content Placeholder 2">
+            <a:extLst>
+              <a:ext uri="{FF2B5EF4-FFF2-40B4-BE49-F238E27FC236}">
+                <a16:creationId xmlns:a16="http://schemas.microsoft.com/office/drawing/2014/main" id="{D4D56813-9DF8-4D28-B156-1DE48E95DBC2}"/>
+              </a:ext>
+            </a:extLst>
+          </p:cNvPr>
+          <p:cNvSpPr>
+            <a:spLocks noGrp="1"/>
+          </p:cNvSpPr>
+          <p:nvPr>
+            <p:ph idx="1"/>
+          </p:nvPr>
+        </p:nvSpPr>
+        <p:spPr/>
+        <p:txBody>
+          <a:bodyPr/>
+          <a:lstStyle/>
+          <a:p>
+            <a:r>
+              <a:rPr lang="de-DE" dirty="0"/>
+              <a:t>Microbial features are not independent </a:t>
+            </a:r>
+          </a:p>
+          <a:p>
+            <a:r>
+              <a:rPr lang="de-DE" dirty="0"/>
+              <a:t>Some microbial features are found in correlation!</a:t>
+            </a:r>
+          </a:p>
+        </p:txBody>
+      </p:sp>
+      <p:sp>
+        <p:nvSpPr>
+          <p:cNvPr id="4" name="Date Placeholder 3">
+            <a:extLst>
+              <a:ext uri="{FF2B5EF4-FFF2-40B4-BE49-F238E27FC236}">
+                <a16:creationId xmlns:a16="http://schemas.microsoft.com/office/drawing/2014/main" id="{D53DB4F4-84EC-4588-88E6-8D8519D6A1E8}"/>
+              </a:ext>
+            </a:extLst>
+          </p:cNvPr>
+          <p:cNvSpPr>
+            <a:spLocks noGrp="1"/>
+          </p:cNvSpPr>
+          <p:nvPr>
+            <p:ph type="dt" sz="half" idx="10"/>
+          </p:nvPr>
+        </p:nvSpPr>
+        <p:spPr/>
+        <p:txBody>
+          <a:bodyPr/>
+          <a:lstStyle/>
+          <a:p>
+            <a:fld id="{5A2DBB50-F561-45B0-9BE5-95A455D2CD8B}" type="datetime1">
+              <a:rPr lang="en-US" smtClean="0"/>
+              <a:t>4/22/2022</a:t>
+            </a:fld>
+            <a:endParaRPr lang="en-US" dirty="0"/>
+          </a:p>
+        </p:txBody>
+      </p:sp>
+      <p:sp>
+        <p:nvSpPr>
+          <p:cNvPr id="5" name="Footer Placeholder 4">
+            <a:extLst>
+              <a:ext uri="{FF2B5EF4-FFF2-40B4-BE49-F238E27FC236}">
+                <a16:creationId xmlns:a16="http://schemas.microsoft.com/office/drawing/2014/main" id="{A7F3346A-3F24-484B-A6D3-55D66520C917}"/>
+              </a:ext>
+            </a:extLst>
+          </p:cNvPr>
+          <p:cNvSpPr>
+            <a:spLocks noGrp="1"/>
+          </p:cNvSpPr>
+          <p:nvPr>
+            <p:ph type="ftr" sz="quarter" idx="11"/>
+          </p:nvPr>
+        </p:nvSpPr>
+        <p:spPr/>
+        <p:txBody>
+          <a:bodyPr/>
+          <a:lstStyle/>
+          <a:p>
+            <a:r>
+              <a:rPr lang="en-US"/>
+              <a:t>jennifer.neumaier@t-online.de</a:t>
+            </a:r>
+            <a:endParaRPr lang="en-US" dirty="0"/>
+          </a:p>
+        </p:txBody>
+      </p:sp>
+      <p:sp>
+        <p:nvSpPr>
+          <p:cNvPr id="6" name="Slide Number Placeholder 5">
+            <a:extLst>
+              <a:ext uri="{FF2B5EF4-FFF2-40B4-BE49-F238E27FC236}">
+                <a16:creationId xmlns:a16="http://schemas.microsoft.com/office/drawing/2014/main" id="{C4B3B4A6-E708-4F88-8CA2-BDE8FCF0C0AC}"/>
+              </a:ext>
+            </a:extLst>
+          </p:cNvPr>
+          <p:cNvSpPr>
+            <a:spLocks noGrp="1"/>
+          </p:cNvSpPr>
+          <p:nvPr>
+            <p:ph type="sldNum" sz="quarter" idx="12"/>
+          </p:nvPr>
+        </p:nvSpPr>
+        <p:spPr/>
+        <p:txBody>
+          <a:bodyPr/>
+          <a:lstStyle/>
+          <a:p>
+            <a:fld id="{D57F1E4F-1CFF-5643-939E-217C01CDF565}" type="slidenum">
+              <a:rPr lang="en-US" smtClean="0"/>
+              <a:pPr/>
+              <a:t>34</a:t>
+            </a:fld>
+            <a:endParaRPr lang="en-US" dirty="0"/>
+          </a:p>
+        </p:txBody>
+      </p:sp>
+    </p:spTree>
+    <p:extLst>
+      <p:ext uri="{BB962C8B-B14F-4D97-AF65-F5344CB8AC3E}">
+        <p14:creationId xmlns:p14="http://schemas.microsoft.com/office/powerpoint/2010/main" val="1795355039"/>
+      </p:ext>
+    </p:extLst>
+  </p:cSld>
+  <p:clrMapOvr>
+    <a:masterClrMapping/>
+  </p:clrMapOvr>
+</p:sld>
+</file>
+
+<file path=ppt/slides/slide35.xml><?xml version="1.0" encoding="utf-8"?>
+<p:sld xmlns:a="http://schemas.openxmlformats.org/drawingml/2006/main" xmlns:r="http://schemas.openxmlformats.org/officeDocument/2006/relationships" xmlns:p="http://schemas.openxmlformats.org/presentationml/2006/main">
+  <p:cSld>
+    <p:spTree>
+      <p:nvGrpSpPr>
+        <p:cNvPr id="1" name=""/>
+        <p:cNvGrpSpPr/>
+        <p:nvPr/>
+      </p:nvGrpSpPr>
+      <p:grpSpPr>
+        <a:xfrm>
+          <a:off x="0" y="0"/>
+          <a:ext cx="0" cy="0"/>
+          <a:chOff x="0" y="0"/>
+          <a:chExt cx="0" cy="0"/>
+        </a:xfrm>
+      </p:grpSpPr>
+      <p:sp>
+        <p:nvSpPr>
+          <p:cNvPr id="2" name="Title 1">
+            <a:extLst>
+              <a:ext uri="{FF2B5EF4-FFF2-40B4-BE49-F238E27FC236}">
+                <a16:creationId xmlns:a16="http://schemas.microsoft.com/office/drawing/2014/main" id="{169D9D37-B637-4D74-BB75-639D51A491FB}"/>
+              </a:ext>
+            </a:extLst>
+          </p:cNvPr>
+          <p:cNvSpPr>
+            <a:spLocks noGrp="1"/>
+          </p:cNvSpPr>
+          <p:nvPr>
+            <p:ph type="title"/>
+          </p:nvPr>
+        </p:nvSpPr>
+        <p:spPr>
+          <a:xfrm>
+            <a:off x="1640156" y="628124"/>
+            <a:ext cx="8911687" cy="1280890"/>
+          </a:xfrm>
+        </p:spPr>
+        <p:txBody>
+          <a:bodyPr/>
+          <a:lstStyle/>
+          <a:p>
+            <a:r>
+              <a:rPr lang="de-DE" b="1" dirty="0"/>
+              <a:t>Notes 30.01. meeting</a:t>
+            </a:r>
+            <a:endParaRPr lang="en-US" b="1" dirty="0"/>
+          </a:p>
+        </p:txBody>
+      </p:sp>
+      <p:sp>
+        <p:nvSpPr>
+          <p:cNvPr id="3" name="Content Placeholder 2">
+            <a:extLst>
+              <a:ext uri="{FF2B5EF4-FFF2-40B4-BE49-F238E27FC236}">
+                <a16:creationId xmlns:a16="http://schemas.microsoft.com/office/drawing/2014/main" id="{D4D56813-9DF8-4D28-B156-1DE48E95DBC2}"/>
+              </a:ext>
+            </a:extLst>
+          </p:cNvPr>
+          <p:cNvSpPr>
+            <a:spLocks noGrp="1"/>
+          </p:cNvSpPr>
+          <p:nvPr>
+            <p:ph idx="1"/>
+          </p:nvPr>
+        </p:nvSpPr>
+        <p:spPr/>
+        <p:txBody>
+          <a:bodyPr/>
+          <a:lstStyle/>
+          <a:p>
+            <a:r>
+              <a:rPr lang="de-DE" dirty="0"/>
+              <a:t>Review paper ML for microbiome paper</a:t>
+            </a:r>
+          </a:p>
+          <a:p>
+            <a:r>
+              <a:rPr lang="de-DE" dirty="0"/>
+              <a:t>COST action paper</a:t>
+            </a:r>
+          </a:p>
+          <a:p>
+            <a:r>
+              <a:rPr lang="de-DE"/>
+              <a:t>Confidentiality form, sign, scan and send to Elin</a:t>
+            </a:r>
+            <a:endParaRPr lang="de-DE" dirty="0"/>
+          </a:p>
+          <a:p>
+            <a:r>
+              <a:rPr lang="de-DE" dirty="0"/>
+              <a:t>Meeting Oliver Friday, 4th February</a:t>
+            </a:r>
+          </a:p>
+          <a:p>
+            <a:r>
+              <a:rPr lang="de-DE" dirty="0"/>
+              <a:t>Literature Review: ~10-20 pages, include Figures and Tables, equations for major transformations, write for biologists</a:t>
+            </a:r>
+          </a:p>
+          <a:p>
+            <a:endParaRPr lang="de-DE" dirty="0"/>
+          </a:p>
+        </p:txBody>
+      </p:sp>
+      <p:sp>
+        <p:nvSpPr>
+          <p:cNvPr id="4" name="Date Placeholder 3">
+            <a:extLst>
+              <a:ext uri="{FF2B5EF4-FFF2-40B4-BE49-F238E27FC236}">
+                <a16:creationId xmlns:a16="http://schemas.microsoft.com/office/drawing/2014/main" id="{D53DB4F4-84EC-4588-88E6-8D8519D6A1E8}"/>
+              </a:ext>
+            </a:extLst>
+          </p:cNvPr>
+          <p:cNvSpPr>
+            <a:spLocks noGrp="1"/>
+          </p:cNvSpPr>
+          <p:nvPr>
+            <p:ph type="dt" sz="half" idx="10"/>
+          </p:nvPr>
+        </p:nvSpPr>
+        <p:spPr/>
+        <p:txBody>
+          <a:bodyPr/>
+          <a:lstStyle/>
+          <a:p>
+            <a:fld id="{5A2DBB50-F561-45B0-9BE5-95A455D2CD8B}" type="datetime1">
+              <a:rPr lang="en-US" smtClean="0"/>
+              <a:t>4/22/2022</a:t>
+            </a:fld>
+            <a:endParaRPr lang="en-US" dirty="0"/>
+          </a:p>
+        </p:txBody>
+      </p:sp>
+      <p:sp>
+        <p:nvSpPr>
+          <p:cNvPr id="5" name="Footer Placeholder 4">
+            <a:extLst>
+              <a:ext uri="{FF2B5EF4-FFF2-40B4-BE49-F238E27FC236}">
+                <a16:creationId xmlns:a16="http://schemas.microsoft.com/office/drawing/2014/main" id="{A7F3346A-3F24-484B-A6D3-55D66520C917}"/>
+              </a:ext>
+            </a:extLst>
+          </p:cNvPr>
+          <p:cNvSpPr>
+            <a:spLocks noGrp="1"/>
+          </p:cNvSpPr>
+          <p:nvPr>
+            <p:ph type="ftr" sz="quarter" idx="11"/>
+          </p:nvPr>
+        </p:nvSpPr>
+        <p:spPr/>
+        <p:txBody>
+          <a:bodyPr/>
+          <a:lstStyle/>
+          <a:p>
+            <a:r>
+              <a:rPr lang="en-US"/>
+              <a:t>jennifer.neumaier@t-online.de</a:t>
+            </a:r>
+            <a:endParaRPr lang="en-US" dirty="0"/>
+          </a:p>
+        </p:txBody>
+      </p:sp>
+      <p:sp>
+        <p:nvSpPr>
+          <p:cNvPr id="6" name="Slide Number Placeholder 5">
+            <a:extLst>
+              <a:ext uri="{FF2B5EF4-FFF2-40B4-BE49-F238E27FC236}">
+                <a16:creationId xmlns:a16="http://schemas.microsoft.com/office/drawing/2014/main" id="{C4B3B4A6-E708-4F88-8CA2-BDE8FCF0C0AC}"/>
+              </a:ext>
+            </a:extLst>
+          </p:cNvPr>
+          <p:cNvSpPr>
+            <a:spLocks noGrp="1"/>
+          </p:cNvSpPr>
+          <p:nvPr>
+            <p:ph type="sldNum" sz="quarter" idx="12"/>
+          </p:nvPr>
+        </p:nvSpPr>
+        <p:spPr/>
+        <p:txBody>
+          <a:bodyPr/>
+          <a:lstStyle/>
+          <a:p>
+            <a:fld id="{D57F1E4F-1CFF-5643-939E-217C01CDF565}" type="slidenum">
+              <a:rPr lang="en-US" smtClean="0"/>
+              <a:pPr/>
+              <a:t>35</a:t>
+            </a:fld>
+            <a:endParaRPr lang="en-US" dirty="0"/>
+          </a:p>
+        </p:txBody>
+      </p:sp>
+    </p:spTree>
+    <p:extLst>
+      <p:ext uri="{BB962C8B-B14F-4D97-AF65-F5344CB8AC3E}">
+        <p14:creationId xmlns:p14="http://schemas.microsoft.com/office/powerpoint/2010/main" val="3993456640"/>
+      </p:ext>
+    </p:extLst>
+  </p:cSld>
+  <p:clrMapOvr>
+    <a:masterClrMapping/>
+  </p:clrMapOvr>
+</p:sld>
+</file>
+
+<file path=ppt/slides/slide36.xml><?xml version="1.0" encoding="utf-8"?>
+<p:sld xmlns:a="http://schemas.openxmlformats.org/drawingml/2006/main" xmlns:r="http://schemas.openxmlformats.org/officeDocument/2006/relationships" xmlns:p="http://schemas.openxmlformats.org/presentationml/2006/main">
+  <p:cSld>
+    <p:spTree>
+      <p:nvGrpSpPr>
+        <p:cNvPr id="1" name=""/>
+        <p:cNvGrpSpPr/>
+        <p:nvPr/>
+      </p:nvGrpSpPr>
+      <p:grpSpPr>
+        <a:xfrm>
+          <a:off x="0" y="0"/>
+          <a:ext cx="0" cy="0"/>
+          <a:chOff x="0" y="0"/>
+          <a:chExt cx="0" cy="0"/>
+        </a:xfrm>
+      </p:grpSpPr>
+      <p:sp>
+        <p:nvSpPr>
+          <p:cNvPr id="2" name="Title 1">
+            <a:extLst>
+              <a:ext uri="{FF2B5EF4-FFF2-40B4-BE49-F238E27FC236}">
+                <a16:creationId xmlns:a16="http://schemas.microsoft.com/office/drawing/2014/main" id="{D63F1953-0627-4313-9F69-D3CE525D057A}"/>
+              </a:ext>
+            </a:extLst>
+          </p:cNvPr>
+          <p:cNvSpPr>
+            <a:spLocks noGrp="1"/>
+          </p:cNvSpPr>
+          <p:nvPr>
+            <p:ph type="title"/>
+          </p:nvPr>
+        </p:nvSpPr>
+        <p:spPr/>
+        <p:txBody>
+          <a:bodyPr/>
+          <a:lstStyle/>
+          <a:p>
+            <a:r>
+              <a:rPr lang="de-DE" b="1" dirty="0"/>
+              <a:t>Notes: 01.04. meeting</a:t>
+            </a:r>
+          </a:p>
+        </p:txBody>
+      </p:sp>
+      <p:sp>
+        <p:nvSpPr>
+          <p:cNvPr id="3" name="Content Placeholder 2">
+            <a:extLst>
+              <a:ext uri="{FF2B5EF4-FFF2-40B4-BE49-F238E27FC236}">
+                <a16:creationId xmlns:a16="http://schemas.microsoft.com/office/drawing/2014/main" id="{10F6F84D-370D-481F-BDA8-9BEF48EC1F3D}"/>
+              </a:ext>
+            </a:extLst>
+          </p:cNvPr>
+          <p:cNvSpPr>
+            <a:spLocks noGrp="1"/>
+          </p:cNvSpPr>
+          <p:nvPr>
+            <p:ph idx="1"/>
+          </p:nvPr>
+        </p:nvSpPr>
+        <p:spPr/>
+        <p:txBody>
+          <a:bodyPr/>
+          <a:lstStyle/>
+          <a:p>
+            <a:r>
+              <a:rPr lang="de-DE" dirty="0"/>
+              <a:t>Pipeline:</a:t>
+            </a:r>
+          </a:p>
+          <a:p>
+            <a:pPr lvl="1"/>
+            <a:r>
+              <a:rPr lang="de-DE" dirty="0"/>
+              <a:t>Test models and codacore on the same training&amp;test split (and set seed)</a:t>
+            </a:r>
+          </a:p>
+          <a:p>
+            <a:pPr lvl="1"/>
+            <a:r>
+              <a:rPr lang="de-DE" dirty="0"/>
+              <a:t>Take out training and test split from run_ml?</a:t>
+            </a:r>
+          </a:p>
+          <a:p>
+            <a:pPr lvl="1"/>
+            <a:r>
+              <a:rPr lang="de-DE" dirty="0"/>
+              <a:t>K_folds and CV_folds don‘t have to be the same for every data set</a:t>
+            </a:r>
+          </a:p>
+          <a:p>
+            <a:pPr lvl="1"/>
+            <a:r>
+              <a:rPr lang="de-DE" dirty="0"/>
+              <a:t>Time comparison?</a:t>
+            </a:r>
+          </a:p>
+          <a:p>
+            <a:r>
+              <a:rPr lang="de-DE" dirty="0"/>
+              <a:t>CRC:</a:t>
+            </a:r>
+          </a:p>
+          <a:p>
+            <a:pPr lvl="1"/>
+            <a:r>
+              <a:rPr lang="de-DE" dirty="0"/>
+              <a:t>Keep one country cohorts for extra validation </a:t>
+            </a:r>
+          </a:p>
+          <a:p>
+            <a:pPr lvl="1"/>
+            <a:r>
+              <a:rPr lang="de-DE" dirty="0"/>
+              <a:t>BMI as outcome_column for continuous</a:t>
+            </a:r>
+          </a:p>
+          <a:p>
+            <a:pPr lvl="1"/>
+            <a:r>
+              <a:rPr lang="de-DE" dirty="0"/>
+              <a:t>GROUP for classification </a:t>
+            </a:r>
+          </a:p>
+          <a:p>
+            <a:pPr marL="457200" lvl="1" indent="0">
+              <a:buNone/>
+            </a:pPr>
+            <a:endParaRPr lang="de-DE" dirty="0"/>
+          </a:p>
+          <a:p>
+            <a:pPr lvl="1"/>
+            <a:endParaRPr lang="de-DE" dirty="0"/>
+          </a:p>
+          <a:p>
+            <a:pPr lvl="1"/>
+            <a:endParaRPr lang="de-DE" dirty="0"/>
+          </a:p>
+          <a:p>
+            <a:pPr lvl="1"/>
+            <a:endParaRPr lang="de-DE" dirty="0"/>
+          </a:p>
+        </p:txBody>
+      </p:sp>
+      <p:sp>
+        <p:nvSpPr>
+          <p:cNvPr id="4" name="Date Placeholder 3">
+            <a:extLst>
+              <a:ext uri="{FF2B5EF4-FFF2-40B4-BE49-F238E27FC236}">
+                <a16:creationId xmlns:a16="http://schemas.microsoft.com/office/drawing/2014/main" id="{DBF0C8DB-9090-4B20-AED9-6E2044F98AC2}"/>
+              </a:ext>
+            </a:extLst>
+          </p:cNvPr>
+          <p:cNvSpPr>
+            <a:spLocks noGrp="1"/>
+          </p:cNvSpPr>
+          <p:nvPr>
+            <p:ph type="dt" sz="half" idx="10"/>
+          </p:nvPr>
+        </p:nvSpPr>
+        <p:spPr/>
+        <p:txBody>
+          <a:bodyPr/>
+          <a:lstStyle/>
+          <a:p>
+            <a:fld id="{36D18B76-5E8B-4456-8722-FC5B14B0F354}" type="datetime1">
+              <a:rPr lang="en-US" smtClean="0"/>
+              <a:pPr/>
+              <a:t>4/22/2022</a:t>
+            </a:fld>
+            <a:endParaRPr lang="en-US" dirty="0"/>
+          </a:p>
+        </p:txBody>
+      </p:sp>
+      <p:sp>
+        <p:nvSpPr>
+          <p:cNvPr id="5" name="Footer Placeholder 4">
+            <a:extLst>
+              <a:ext uri="{FF2B5EF4-FFF2-40B4-BE49-F238E27FC236}">
+                <a16:creationId xmlns:a16="http://schemas.microsoft.com/office/drawing/2014/main" id="{DA6DF03D-2B74-42A5-8C31-B3A7B6D53ABB}"/>
+              </a:ext>
+            </a:extLst>
+          </p:cNvPr>
+          <p:cNvSpPr>
+            <a:spLocks noGrp="1"/>
+          </p:cNvSpPr>
+          <p:nvPr>
+            <p:ph type="ftr" sz="quarter" idx="11"/>
+          </p:nvPr>
+        </p:nvSpPr>
+        <p:spPr/>
+        <p:txBody>
+          <a:bodyPr/>
+          <a:lstStyle/>
+          <a:p>
+            <a:r>
+              <a:rPr lang="en-US"/>
+              <a:t>jennifer.neumaier@t-online.de</a:t>
+            </a:r>
+            <a:endParaRPr lang="en-US" dirty="0"/>
+          </a:p>
+        </p:txBody>
+      </p:sp>
+      <p:sp>
+        <p:nvSpPr>
+          <p:cNvPr id="6" name="Slide Number Placeholder 5">
+            <a:extLst>
+              <a:ext uri="{FF2B5EF4-FFF2-40B4-BE49-F238E27FC236}">
+                <a16:creationId xmlns:a16="http://schemas.microsoft.com/office/drawing/2014/main" id="{EB397826-F4D6-4DDE-B171-FF032CD952B6}"/>
+              </a:ext>
+            </a:extLst>
+          </p:cNvPr>
+          <p:cNvSpPr>
+            <a:spLocks noGrp="1"/>
+          </p:cNvSpPr>
+          <p:nvPr>
+            <p:ph type="sldNum" sz="quarter" idx="12"/>
+          </p:nvPr>
+        </p:nvSpPr>
+        <p:spPr/>
+        <p:txBody>
+          <a:bodyPr/>
+          <a:lstStyle/>
+          <a:p>
+            <a:fld id="{D57F1E4F-1CFF-5643-939E-217C01CDF565}" type="slidenum">
+              <a:rPr lang="en-US" smtClean="0"/>
+              <a:pPr/>
+              <a:t>36</a:t>
+            </a:fld>
+            <a:endParaRPr lang="en-US" dirty="0"/>
+          </a:p>
+        </p:txBody>
+      </p:sp>
+    </p:spTree>
+    <p:extLst>
+      <p:ext uri="{BB962C8B-B14F-4D97-AF65-F5344CB8AC3E}">
+        <p14:creationId xmlns:p14="http://schemas.microsoft.com/office/powerpoint/2010/main" val="1848759324"/>
+      </p:ext>
+    </p:extLst>
+  </p:cSld>
+  <p:clrMapOvr>
+    <a:masterClrMapping/>
+  </p:clrMapOvr>
+</p:sld>
+</file>
+
+<file path=ppt/slides/slide37.xml><?xml version="1.0" encoding="utf-8"?>
+<p:sld xmlns:a="http://schemas.openxmlformats.org/drawingml/2006/main" xmlns:r="http://schemas.openxmlformats.org/officeDocument/2006/relationships" xmlns:p="http://schemas.openxmlformats.org/presentationml/2006/main">
+  <p:cSld>
+    <p:spTree>
+      <p:nvGrpSpPr>
+        <p:cNvPr id="1" name=""/>
+        <p:cNvGrpSpPr/>
+        <p:nvPr/>
+      </p:nvGrpSpPr>
+      <p:grpSpPr>
+        <a:xfrm>
+          <a:off x="0" y="0"/>
+          <a:ext cx="0" cy="0"/>
+          <a:chOff x="0" y="0"/>
+          <a:chExt cx="0" cy="0"/>
+        </a:xfrm>
+      </p:grpSpPr>
+      <p:sp>
+        <p:nvSpPr>
+          <p:cNvPr id="2" name="Title 1">
+            <a:extLst>
+              <a:ext uri="{FF2B5EF4-FFF2-40B4-BE49-F238E27FC236}">
                 <a16:creationId xmlns:a16="http://schemas.microsoft.com/office/drawing/2014/main" id="{B0A21C35-E073-46BF-B8BA-AD632020DA6A}"/>
               </a:ext>
             </a:extLst>
@@ -25624,7 +27648,7 @@
           <a:p>
             <a:fld id="{93673764-947C-4E64-9BD5-474B9E9D9329}" type="datetime1">
               <a:rPr lang="en-US" smtClean="0"/>
-              <a:t>4/20/2022</a:t>
+              <a:t>4/22/2022</a:t>
             </a:fld>
             <a:endParaRPr lang="en-US" dirty="0"/>
           </a:p>
@@ -25683,7 +27707,7 @@
             <a:fld id="{D57F1E4F-1CFF-5643-939E-217C01CDF565}" type="slidenum">
               <a:rPr lang="en-US" smtClean="0"/>
               <a:pPr/>
-              <a:t>32</a:t>
+              <a:t>37</a:t>
             </a:fld>
             <a:endParaRPr lang="en-US" dirty="0"/>
           </a:p>
@@ -25702,7 +27726,7 @@
 </p:sld>
 </file>
 
-<file path=ppt/slides/slide33.xml><?xml version="1.0" encoding="utf-8"?>
+<file path=ppt/slides/slide38.xml><?xml version="1.0" encoding="utf-8"?>
 <p:sld xmlns:a="http://schemas.openxmlformats.org/drawingml/2006/main" xmlns:r="http://schemas.openxmlformats.org/officeDocument/2006/relationships" xmlns:p="http://schemas.openxmlformats.org/presentationml/2006/main">
   <p:cSld>
     <p:spTree>
@@ -26069,7 +28093,7 @@
           <a:p>
             <a:fld id="{524BA6AA-761D-44D9-9696-AC66CE044BF5}" type="datetime1">
               <a:rPr lang="en-US" smtClean="0"/>
-              <a:t>4/20/2022</a:t>
+              <a:t>4/22/2022</a:t>
             </a:fld>
             <a:endParaRPr lang="en-US" dirty="0"/>
           </a:p>
@@ -26127,7 +28151,7 @@
             <a:fld id="{D57F1E4F-1CFF-5643-939E-217C01CDF565}" type="slidenum">
               <a:rPr lang="en-US" smtClean="0"/>
               <a:pPr/>
-              <a:t>33</a:t>
+              <a:t>38</a:t>
             </a:fld>
             <a:endParaRPr lang="en-US" dirty="0"/>
           </a:p>
@@ -26256,7 +28280,7 @@
           <a:p>
             <a:fld id="{7BB4AFEC-4BE7-4504-8846-4BF0CCFD9721}" type="datetime1">
               <a:rPr lang="en-US" smtClean="0"/>
-              <a:t>4/20/2022</a:t>
+              <a:t>4/22/2022</a:t>
             </a:fld>
             <a:endParaRPr lang="en-US" dirty="0"/>
           </a:p>
@@ -26433,7 +28457,7 @@
             <a:fld id="{36D18B76-5E8B-4456-8722-FC5B14B0F354}" type="datetime1">
               <a:rPr lang="en-US" smtClean="0"/>
               <a:pPr/>
-              <a:t>4/20/2022</a:t>
+              <a:t>4/22/2022</a:t>
             </a:fld>
             <a:endParaRPr lang="en-US" dirty="0"/>
           </a:p>
@@ -26874,7 +28898,7 @@
           <a:p>
             <a:fld id="{1F2A6BD5-D000-45AE-BE81-365EBD12526C}" type="datetime1">
               <a:rPr lang="en-US" smtClean="0"/>
-              <a:t>4/20/2022</a:t>
+              <a:t>4/22/2022</a:t>
             </a:fld>
             <a:endParaRPr lang="en-US" dirty="0"/>
           </a:p>
@@ -27320,7 +29344,7 @@
           <a:p>
             <a:fld id="{A70B3D3E-FC47-4E47-BC37-6E33025EDD36}" type="datetime1">
               <a:rPr lang="en-US" smtClean="0"/>
-              <a:t>4/20/2022</a:t>
+              <a:t>4/22/2022</a:t>
             </a:fld>
             <a:endParaRPr lang="en-US" dirty="0"/>
           </a:p>

--- a/doc/Project_structure_notes.pptx
+++ b/doc/Project_structure_notes.pptx
@@ -5,7 +5,7 @@
     <p:sldMasterId id="2147483702" r:id="rId1"/>
   </p:sldMasterIdLst>
   <p:notesMasterIdLst>
-    <p:notesMasterId r:id="rId40"/>
+    <p:notesMasterId r:id="rId44"/>
   </p:notesMasterIdLst>
   <p:sldIdLst>
     <p:sldId id="256" r:id="rId2"/>
@@ -24,28 +24,32 @@
     <p:sldId id="281" r:id="rId15"/>
     <p:sldId id="282" r:id="rId16"/>
     <p:sldId id="283" r:id="rId17"/>
-    <p:sldId id="286" r:id="rId18"/>
-    <p:sldId id="296" r:id="rId19"/>
-    <p:sldId id="288" r:id="rId20"/>
-    <p:sldId id="297" r:id="rId21"/>
-    <p:sldId id="289" r:id="rId22"/>
-    <p:sldId id="298" r:id="rId23"/>
-    <p:sldId id="299" r:id="rId24"/>
-    <p:sldId id="291" r:id="rId25"/>
-    <p:sldId id="295" r:id="rId26"/>
-    <p:sldId id="292" r:id="rId27"/>
-    <p:sldId id="293" r:id="rId28"/>
-    <p:sldId id="277" r:id="rId29"/>
-    <p:sldId id="279" r:id="rId30"/>
-    <p:sldId id="278" r:id="rId31"/>
-    <p:sldId id="290" r:id="rId32"/>
-    <p:sldId id="269" r:id="rId33"/>
-    <p:sldId id="263" r:id="rId34"/>
-    <p:sldId id="258" r:id="rId35"/>
-    <p:sldId id="270" r:id="rId36"/>
-    <p:sldId id="284" r:id="rId37"/>
-    <p:sldId id="257" r:id="rId38"/>
-    <p:sldId id="268" r:id="rId39"/>
+    <p:sldId id="300" r:id="rId18"/>
+    <p:sldId id="303" r:id="rId19"/>
+    <p:sldId id="301" r:id="rId20"/>
+    <p:sldId id="302" r:id="rId21"/>
+    <p:sldId id="286" r:id="rId22"/>
+    <p:sldId id="296" r:id="rId23"/>
+    <p:sldId id="288" r:id="rId24"/>
+    <p:sldId id="297" r:id="rId25"/>
+    <p:sldId id="289" r:id="rId26"/>
+    <p:sldId id="298" r:id="rId27"/>
+    <p:sldId id="299" r:id="rId28"/>
+    <p:sldId id="291" r:id="rId29"/>
+    <p:sldId id="295" r:id="rId30"/>
+    <p:sldId id="292" r:id="rId31"/>
+    <p:sldId id="293" r:id="rId32"/>
+    <p:sldId id="277" r:id="rId33"/>
+    <p:sldId id="279" r:id="rId34"/>
+    <p:sldId id="278" r:id="rId35"/>
+    <p:sldId id="290" r:id="rId36"/>
+    <p:sldId id="269" r:id="rId37"/>
+    <p:sldId id="263" r:id="rId38"/>
+    <p:sldId id="258" r:id="rId39"/>
+    <p:sldId id="270" r:id="rId40"/>
+    <p:sldId id="284" r:id="rId41"/>
+    <p:sldId id="257" r:id="rId42"/>
+    <p:sldId id="268" r:id="rId43"/>
   </p:sldIdLst>
   <p:sldSz cx="12192000" cy="6858000"/>
   <p:notesSz cx="6858000" cy="9144000"/>
@@ -177,6 +181,14 @@
             <p14:sldId id="281"/>
             <p14:sldId id="282"/>
             <p14:sldId id="283"/>
+          </p14:sldIdLst>
+        </p14:section>
+        <p14:section name="Transformation on Holdout vs 80/20" id="{A0F41B05-7248-49E3-AEDB-3D274EA7829F}">
+          <p14:sldIdLst>
+            <p14:sldId id="300"/>
+            <p14:sldId id="303"/>
+            <p14:sldId id="301"/>
+            <p14:sldId id="302"/>
           </p14:sldIdLst>
         </p14:section>
         <p14:section name="Same Split" id="{5173126D-3102-41C8-A6A3-9CBAE2938795}">
@@ -7206,7 +7218,7 @@
           <a:p>
             <a:fld id="{0D3712C0-BD94-4EDD-81B8-404EF18DF498}" type="datetimeFigureOut">
               <a:rPr lang="en-US" smtClean="0"/>
-              <a:t>4/22/2022</a:t>
+              <a:t>4/25/2022</a:t>
             </a:fld>
             <a:endParaRPr lang="en-US"/>
           </a:p>
@@ -7622,7 +7634,7 @@
           <a:p>
             <a:fld id="{14E34CAD-DC0B-4EB4-812C-D77F8E7D39DE}" type="slidenum">
               <a:rPr lang="en-US" smtClean="0"/>
-              <a:t>18</a:t>
+              <a:t>17</a:t>
             </a:fld>
             <a:endParaRPr lang="en-US"/>
           </a:p>
@@ -7631,7 +7643,7 @@
     </p:spTree>
     <p:extLst>
       <p:ext uri="{BB962C8B-B14F-4D97-AF65-F5344CB8AC3E}">
-        <p14:creationId xmlns:p14="http://schemas.microsoft.com/office/powerpoint/2010/main" val="2202698015"/>
+        <p14:creationId xmlns:p14="http://schemas.microsoft.com/office/powerpoint/2010/main" val="47058834"/>
       </p:ext>
     </p:extLst>
   </p:cSld>
@@ -7706,7 +7718,91 @@
           <a:p>
             <a:fld id="{14E34CAD-DC0B-4EB4-812C-D77F8E7D39DE}" type="slidenum">
               <a:rPr lang="en-US" smtClean="0"/>
-              <a:t>19</a:t>
+              <a:t>22</a:t>
+            </a:fld>
+            <a:endParaRPr lang="en-US"/>
+          </a:p>
+        </p:txBody>
+      </p:sp>
+    </p:spTree>
+    <p:extLst>
+      <p:ext uri="{BB962C8B-B14F-4D97-AF65-F5344CB8AC3E}">
+        <p14:creationId xmlns:p14="http://schemas.microsoft.com/office/powerpoint/2010/main" val="2202698015"/>
+      </p:ext>
+    </p:extLst>
+  </p:cSld>
+  <p:clrMapOvr>
+    <a:masterClrMapping/>
+  </p:clrMapOvr>
+</p:notes>
+</file>
+
+<file path=ppt/notesSlides/notesSlide4.xml><?xml version="1.0" encoding="utf-8"?>
+<p:notes xmlns:a="http://schemas.openxmlformats.org/drawingml/2006/main" xmlns:r="http://schemas.openxmlformats.org/officeDocument/2006/relationships" xmlns:p="http://schemas.openxmlformats.org/presentationml/2006/main">
+  <p:cSld>
+    <p:spTree>
+      <p:nvGrpSpPr>
+        <p:cNvPr id="1" name=""/>
+        <p:cNvGrpSpPr/>
+        <p:nvPr/>
+      </p:nvGrpSpPr>
+      <p:grpSpPr>
+        <a:xfrm>
+          <a:off x="0" y="0"/>
+          <a:ext cx="0" cy="0"/>
+          <a:chOff x="0" y="0"/>
+          <a:chExt cx="0" cy="0"/>
+        </a:xfrm>
+      </p:grpSpPr>
+      <p:sp>
+        <p:nvSpPr>
+          <p:cNvPr id="2" name="Slide Image Placeholder 1"/>
+          <p:cNvSpPr>
+            <a:spLocks noGrp="1" noRot="1" noChangeAspect="1"/>
+          </p:cNvSpPr>
+          <p:nvPr>
+            <p:ph type="sldImg"/>
+          </p:nvPr>
+        </p:nvSpPr>
+        <p:spPr/>
+      </p:sp>
+      <p:sp>
+        <p:nvSpPr>
+          <p:cNvPr id="3" name="Notes Placeholder 2"/>
+          <p:cNvSpPr>
+            <a:spLocks noGrp="1"/>
+          </p:cNvSpPr>
+          <p:nvPr>
+            <p:ph type="body" idx="1"/>
+          </p:nvPr>
+        </p:nvSpPr>
+        <p:spPr/>
+        <p:txBody>
+          <a:bodyPr/>
+          <a:lstStyle/>
+          <a:p>
+            <a:endParaRPr lang="de-DE" dirty="0"/>
+          </a:p>
+        </p:txBody>
+      </p:sp>
+      <p:sp>
+        <p:nvSpPr>
+          <p:cNvPr id="4" name="Slide Number Placeholder 3"/>
+          <p:cNvSpPr>
+            <a:spLocks noGrp="1"/>
+          </p:cNvSpPr>
+          <p:nvPr>
+            <p:ph type="sldNum" sz="quarter" idx="5"/>
+          </p:nvPr>
+        </p:nvSpPr>
+        <p:spPr/>
+        <p:txBody>
+          <a:bodyPr/>
+          <a:lstStyle/>
+          <a:p>
+            <a:fld id="{14E34CAD-DC0B-4EB4-812C-D77F8E7D39DE}" type="slidenum">
+              <a:rPr lang="en-US" smtClean="0"/>
+              <a:t>23</a:t>
             </a:fld>
             <a:endParaRPr lang="en-US"/>
           </a:p>
@@ -7913,7 +8009,7 @@
           <a:p>
             <a:fld id="{843A20DD-8926-4B91-8D72-D1DC7F5C31EF}" type="datetime1">
               <a:rPr lang="en-US" smtClean="0"/>
-              <a:t>4/22/2022</a:t>
+              <a:t>4/25/2022</a:t>
             </a:fld>
             <a:endParaRPr lang="en-US" dirty="0"/>
           </a:p>
@@ -8256,7 +8352,7 @@
           <a:p>
             <a:fld id="{D2DD2B10-BCB9-40E5-8141-F17001376370}" type="datetime1">
               <a:rPr lang="en-US" smtClean="0"/>
-              <a:t>4/22/2022</a:t>
+              <a:t>4/25/2022</a:t>
             </a:fld>
             <a:endParaRPr lang="en-US" dirty="0"/>
           </a:p>
@@ -8662,7 +8758,7 @@
           <a:p>
             <a:fld id="{927FFA6D-4E8C-437E-BCA1-3CF73EB8B252}" type="datetime1">
               <a:rPr lang="en-US" smtClean="0"/>
-              <a:t>4/22/2022</a:t>
+              <a:t>4/25/2022</a:t>
             </a:fld>
             <a:endParaRPr lang="en-US" dirty="0"/>
           </a:p>
@@ -9003,7 +9099,7 @@
           <a:p>
             <a:fld id="{A2C7F92B-2A35-4C09-8346-C40AAA997302}" type="datetime1">
               <a:rPr lang="en-US" smtClean="0"/>
-              <a:t>4/22/2022</a:t>
+              <a:t>4/25/2022</a:t>
             </a:fld>
             <a:endParaRPr lang="en-US" dirty="0"/>
           </a:p>
@@ -9329,7 +9425,7 @@
           <a:p>
             <a:fld id="{A2C7F92B-2A35-4C09-8346-C40AAA997302}" type="datetime1">
               <a:rPr lang="en-US" smtClean="0"/>
-              <a:t>4/22/2022</a:t>
+              <a:t>4/25/2022</a:t>
             </a:fld>
             <a:endParaRPr lang="en-US" dirty="0"/>
           </a:p>
@@ -9731,7 +9827,7 @@
           <a:p>
             <a:fld id="{A2C7F92B-2A35-4C09-8346-C40AAA997302}" type="datetime1">
               <a:rPr lang="en-US" smtClean="0"/>
-              <a:t>4/22/2022</a:t>
+              <a:t>4/25/2022</a:t>
             </a:fld>
             <a:endParaRPr lang="en-US" dirty="0"/>
           </a:p>
@@ -9994,7 +10090,7 @@
           <a:p>
             <a:fld id="{8A427DC1-41D9-41ED-AAB7-DF919DFB0B7D}" type="datetime1">
               <a:rPr lang="en-US" smtClean="0"/>
-              <a:t>4/22/2022</a:t>
+              <a:t>4/25/2022</a:t>
             </a:fld>
             <a:endParaRPr lang="en-US" dirty="0"/>
           </a:p>
@@ -10261,7 +10357,7 @@
           <a:p>
             <a:fld id="{49530F64-B6F9-41E5-8499-9B56B7F93996}" type="datetime1">
               <a:rPr lang="en-US" smtClean="0"/>
-              <a:t>4/22/2022</a:t>
+              <a:t>4/25/2022</a:t>
             </a:fld>
             <a:endParaRPr lang="en-US" dirty="0"/>
           </a:p>
@@ -10532,7 +10628,7 @@
             <a:fld id="{36D18B76-5E8B-4456-8722-FC5B14B0F354}" type="datetime1">
               <a:rPr lang="en-US" smtClean="0"/>
               <a:pPr/>
-              <a:t>4/22/2022</a:t>
+              <a:t>4/25/2022</a:t>
             </a:fld>
             <a:endParaRPr lang="en-US" dirty="0"/>
           </a:p>
@@ -10870,7 +10966,7 @@
           <a:p>
             <a:fld id="{3E914A3D-A565-477F-8682-1AE6EFE36557}" type="datetime1">
               <a:rPr lang="en-US" smtClean="0"/>
-              <a:t>4/22/2022</a:t>
+              <a:t>4/25/2022</a:t>
             </a:fld>
             <a:endParaRPr lang="en-US" dirty="0"/>
           </a:p>
@@ -11198,7 +11294,7 @@
           <a:p>
             <a:fld id="{D45A6A21-0914-4A46-BCF1-163E9A00E688}" type="datetime1">
               <a:rPr lang="en-US" smtClean="0"/>
-              <a:t>4/22/2022</a:t>
+              <a:t>4/25/2022</a:t>
             </a:fld>
             <a:endParaRPr lang="en-US" dirty="0"/>
           </a:p>
@@ -11660,7 +11756,7 @@
           <a:p>
             <a:fld id="{6BDD7FCB-B1A7-4982-8C8B-674E644B14B0}" type="datetime1">
               <a:rPr lang="en-US" smtClean="0"/>
-              <a:t>4/22/2022</a:t>
+              <a:t>4/25/2022</a:t>
             </a:fld>
             <a:endParaRPr lang="en-US" dirty="0"/>
           </a:p>
@@ -11880,7 +11976,7 @@
             <a:fld id="{4C731089-17FC-4C04-87B1-2157F67F0117}" type="datetime1">
               <a:rPr lang="en-US" smtClean="0"/>
               <a:pPr/>
-              <a:t>4/22/2022</a:t>
+              <a:t>4/25/2022</a:t>
             </a:fld>
             <a:endParaRPr lang="en-US" dirty="0"/>
           </a:p>
@@ -12066,7 +12162,7 @@
           <a:p>
             <a:fld id="{1278D66F-D6E5-4434-B311-7DA25CA81F5A}" type="datetime1">
               <a:rPr lang="en-US" smtClean="0"/>
-              <a:t>4/22/2022</a:t>
+              <a:t>4/25/2022</a:t>
             </a:fld>
             <a:endParaRPr lang="en-US" dirty="0"/>
           </a:p>
@@ -12404,7 +12500,7 @@
           <a:p>
             <a:fld id="{2253374B-0B0C-42C0-A0DF-1550CE3AA116}" type="datetime1">
               <a:rPr lang="en-US" smtClean="0"/>
-              <a:t>4/22/2022</a:t>
+              <a:t>4/25/2022</a:t>
             </a:fld>
             <a:endParaRPr lang="en-US" dirty="0"/>
           </a:p>
@@ -12754,7 +12850,7 @@
           <a:p>
             <a:fld id="{F589A7BC-DDDD-4FB0-A8E7-5046A2EF84B8}" type="datetime1">
               <a:rPr lang="en-US" smtClean="0"/>
-              <a:t>4/22/2022</a:t>
+              <a:t>4/25/2022</a:t>
             </a:fld>
             <a:endParaRPr lang="en-US" dirty="0"/>
           </a:p>
@@ -14876,7 +14972,7 @@
           <a:p>
             <a:fld id="{A2C7F92B-2A35-4C09-8346-C40AAA997302}" type="datetime1">
               <a:rPr lang="en-US" smtClean="0"/>
-              <a:t>4/22/2022</a:t>
+              <a:t>4/25/2022</a:t>
             </a:fld>
             <a:endParaRPr lang="en-US" dirty="0"/>
           </a:p>
@@ -15494,7 +15590,7 @@
           <a:p>
             <a:fld id="{EFFFF5E6-438B-4B86-AF1B-DB82D6C33C1C}" type="datetime1">
               <a:rPr lang="en-US" smtClean="0"/>
-              <a:t>4/22/2022</a:t>
+              <a:t>4/25/2022</a:t>
             </a:fld>
             <a:endParaRPr lang="en-US" dirty="0"/>
           </a:p>
@@ -15864,7 +15960,7 @@
             <a:fld id="{36D18B76-5E8B-4456-8722-FC5B14B0F354}" type="datetime1">
               <a:rPr lang="en-US" smtClean="0"/>
               <a:pPr/>
-              <a:t>4/22/2022</a:t>
+              <a:t>4/25/2022</a:t>
             </a:fld>
             <a:endParaRPr lang="en-US" dirty="0"/>
           </a:p>
@@ -16992,7 +17088,7 @@
             <a:fld id="{36D18B76-5E8B-4456-8722-FC5B14B0F354}" type="datetime1">
               <a:rPr lang="en-US" smtClean="0"/>
               <a:pPr/>
-              <a:t>4/22/2022</a:t>
+              <a:t>4/25/2022</a:t>
             </a:fld>
             <a:endParaRPr lang="en-US" dirty="0"/>
           </a:p>
@@ -19038,7 +19134,7 @@
           <a:p>
             <a:r>
               <a:rPr lang="de-DE" sz="3200" b="1" dirty="0"/>
-              <a:t>PCOS classification</a:t>
+              <a:t>Holdout vs 80/20</a:t>
             </a:r>
             <a:endParaRPr lang="en-US" sz="3200" b="1" dirty="0"/>
           </a:p>
@@ -19098,6 +19194,1213 @@
               <a:rPr lang="en-US" smtClean="0"/>
               <a:pPr/>
               <a:t>17</a:t>
+            </a:fld>
+            <a:endParaRPr lang="en-US" dirty="0"/>
+          </a:p>
+        </p:txBody>
+      </p:sp>
+      <p:sp>
+        <p:nvSpPr>
+          <p:cNvPr id="26" name="TextBox 25">
+            <a:extLst>
+              <a:ext uri="{FF2B5EF4-FFF2-40B4-BE49-F238E27FC236}">
+                <a16:creationId xmlns:a16="http://schemas.microsoft.com/office/drawing/2014/main" id="{4C7C4B9C-83BE-47F0-A347-140203A96518}"/>
+              </a:ext>
+            </a:extLst>
+          </p:cNvPr>
+          <p:cNvSpPr txBox="1"/>
+          <p:nvPr/>
+        </p:nvSpPr>
+        <p:spPr>
+          <a:xfrm>
+            <a:off x="9599245" y="15701"/>
+            <a:ext cx="2592755" cy="923330"/>
+          </a:xfrm>
+          <a:prstGeom prst="rect">
+            <a:avLst/>
+          </a:prstGeom>
+          <a:noFill/>
+        </p:spPr>
+        <p:txBody>
+          <a:bodyPr wrap="square" rtlCol="0">
+            <a:spAutoFit/>
+          </a:bodyPr>
+          <a:lstStyle/>
+          <a:p>
+            <a:r>
+              <a:rPr lang="de-DE" b="1" i="1" dirty="0"/>
+              <a:t>My evidence to use standard 80/20 for all further models</a:t>
+            </a:r>
+          </a:p>
+        </p:txBody>
+      </p:sp>
+      <p:grpSp>
+        <p:nvGrpSpPr>
+          <p:cNvPr id="33" name="Group 32">
+            <a:extLst>
+              <a:ext uri="{FF2B5EF4-FFF2-40B4-BE49-F238E27FC236}">
+                <a16:creationId xmlns:a16="http://schemas.microsoft.com/office/drawing/2014/main" id="{E00C6839-1B26-47F5-882B-6AD2FCFD5A0F}"/>
+              </a:ext>
+            </a:extLst>
+          </p:cNvPr>
+          <p:cNvGrpSpPr/>
+          <p:nvPr/>
+        </p:nvGrpSpPr>
+        <p:grpSpPr>
+          <a:xfrm>
+            <a:off x="301011" y="1559799"/>
+            <a:ext cx="6329089" cy="4530210"/>
+            <a:chOff x="235539" y="2349930"/>
+            <a:chExt cx="5900369" cy="3979496"/>
+          </a:xfrm>
+        </p:grpSpPr>
+        <p:pic>
+          <p:nvPicPr>
+            <p:cNvPr id="29" name="Picture 28" descr="Chart, box and whisker chart&#10;&#10;Description automatically generated">
+              <a:extLst>
+                <a:ext uri="{FF2B5EF4-FFF2-40B4-BE49-F238E27FC236}">
+                  <a16:creationId xmlns:a16="http://schemas.microsoft.com/office/drawing/2014/main" id="{6A853DE3-A565-43E0-9180-FF8580167D5C}"/>
+                </a:ext>
+              </a:extLst>
+            </p:cNvPr>
+            <p:cNvPicPr>
+              <a:picLocks noChangeAspect="1"/>
+            </p:cNvPicPr>
+            <p:nvPr/>
+          </p:nvPicPr>
+          <p:blipFill>
+            <a:blip r:embed="rId3"/>
+            <a:stretch>
+              <a:fillRect/>
+            </a:stretch>
+          </p:blipFill>
+          <p:spPr>
+            <a:xfrm>
+              <a:off x="235539" y="2349930"/>
+              <a:ext cx="5900369" cy="3979496"/>
+            </a:xfrm>
+            <a:prstGeom prst="rect">
+              <a:avLst/>
+            </a:prstGeom>
+            <a:ln>
+              <a:solidFill>
+                <a:schemeClr val="tx1"/>
+              </a:solidFill>
+            </a:ln>
+          </p:spPr>
+        </p:pic>
+        <p:sp>
+          <p:nvSpPr>
+            <p:cNvPr id="31" name="TextBox 30">
+              <a:extLst>
+                <a:ext uri="{FF2B5EF4-FFF2-40B4-BE49-F238E27FC236}">
+                  <a16:creationId xmlns:a16="http://schemas.microsoft.com/office/drawing/2014/main" id="{55E16FBD-68A7-47D5-B3B5-86F1A346A16D}"/>
+                </a:ext>
+              </a:extLst>
+            </p:cNvPr>
+            <p:cNvSpPr txBox="1"/>
+            <p:nvPr/>
+          </p:nvSpPr>
+          <p:spPr>
+            <a:xfrm>
+              <a:off x="235539" y="2349930"/>
+              <a:ext cx="404037" cy="369332"/>
+            </a:xfrm>
+            <a:prstGeom prst="rect">
+              <a:avLst/>
+            </a:prstGeom>
+            <a:noFill/>
+          </p:spPr>
+          <p:txBody>
+            <a:bodyPr wrap="square" rtlCol="0">
+              <a:spAutoFit/>
+            </a:bodyPr>
+            <a:lstStyle/>
+            <a:p>
+              <a:r>
+                <a:rPr lang="de-DE" b="1" dirty="0"/>
+                <a:t>A</a:t>
+              </a:r>
+            </a:p>
+          </p:txBody>
+        </p:sp>
+      </p:grpSp>
+      <p:pic>
+        <p:nvPicPr>
+          <p:cNvPr id="35" name="Picture 34" descr="Chart, box and whisker chart&#10;&#10;Description automatically generated">
+            <a:extLst>
+              <a:ext uri="{FF2B5EF4-FFF2-40B4-BE49-F238E27FC236}">
+                <a16:creationId xmlns:a16="http://schemas.microsoft.com/office/drawing/2014/main" id="{0D3BD784-EC29-4E9B-9C58-998EEE006E04}"/>
+              </a:ext>
+            </a:extLst>
+          </p:cNvPr>
+          <p:cNvPicPr>
+            <a:picLocks noChangeAspect="1"/>
+          </p:cNvPicPr>
+          <p:nvPr/>
+        </p:nvPicPr>
+        <p:blipFill>
+          <a:blip r:embed="rId4"/>
+          <a:stretch>
+            <a:fillRect/>
+          </a:stretch>
+        </p:blipFill>
+        <p:spPr>
+          <a:xfrm>
+            <a:off x="6630100" y="1640999"/>
+            <a:ext cx="6476117" cy="4367809"/>
+          </a:xfrm>
+          <a:prstGeom prst="rect">
+            <a:avLst/>
+          </a:prstGeom>
+          <a:ln>
+            <a:solidFill>
+              <a:schemeClr val="tx1"/>
+            </a:solidFill>
+          </a:ln>
+        </p:spPr>
+      </p:pic>
+      <p:sp>
+        <p:nvSpPr>
+          <p:cNvPr id="36" name="TextBox 35">
+            <a:extLst>
+              <a:ext uri="{FF2B5EF4-FFF2-40B4-BE49-F238E27FC236}">
+                <a16:creationId xmlns:a16="http://schemas.microsoft.com/office/drawing/2014/main" id="{46B02756-968D-4D4D-91E5-4D9805854EA6}"/>
+              </a:ext>
+            </a:extLst>
+          </p:cNvPr>
+          <p:cNvSpPr txBox="1"/>
+          <p:nvPr/>
+        </p:nvSpPr>
+        <p:spPr>
+          <a:xfrm>
+            <a:off x="1176971" y="-73176"/>
+            <a:ext cx="6096000" cy="646331"/>
+          </a:xfrm>
+          <a:prstGeom prst="rect">
+            <a:avLst/>
+          </a:prstGeom>
+          <a:noFill/>
+        </p:spPr>
+        <p:txBody>
+          <a:bodyPr wrap="square">
+            <a:spAutoFit/>
+          </a:bodyPr>
+          <a:lstStyle/>
+          <a:p>
+            <a:r>
+              <a:rPr lang="de-DE" b="1" i="1" dirty="0"/>
+              <a:t>Data: D:\Master\Master Biologie\Sommersemester 2022\Master thesis\Github\out\CRC_holdout</a:t>
+            </a:r>
+          </a:p>
+        </p:txBody>
+      </p:sp>
+    </p:spTree>
+    <p:extLst>
+      <p:ext uri="{BB962C8B-B14F-4D97-AF65-F5344CB8AC3E}">
+        <p14:creationId xmlns:p14="http://schemas.microsoft.com/office/powerpoint/2010/main" val="46487921"/>
+      </p:ext>
+    </p:extLst>
+  </p:cSld>
+  <p:clrMapOvr>
+    <a:masterClrMapping/>
+  </p:clrMapOvr>
+</p:sld>
+</file>
+
+<file path=ppt/slides/slide18.xml><?xml version="1.0" encoding="utf-8"?>
+<p:sld xmlns:a="http://schemas.openxmlformats.org/drawingml/2006/main" xmlns:r="http://schemas.openxmlformats.org/officeDocument/2006/relationships" xmlns:p="http://schemas.openxmlformats.org/presentationml/2006/main">
+  <p:cSld>
+    <p:spTree>
+      <p:nvGrpSpPr>
+        <p:cNvPr id="1" name=""/>
+        <p:cNvGrpSpPr/>
+        <p:nvPr/>
+      </p:nvGrpSpPr>
+      <p:grpSpPr>
+        <a:xfrm>
+          <a:off x="0" y="0"/>
+          <a:ext cx="0" cy="0"/>
+          <a:chOff x="0" y="0"/>
+          <a:chExt cx="0" cy="0"/>
+        </a:xfrm>
+      </p:grpSpPr>
+      <p:sp>
+        <p:nvSpPr>
+          <p:cNvPr id="2" name="Title 1">
+            <a:extLst>
+              <a:ext uri="{FF2B5EF4-FFF2-40B4-BE49-F238E27FC236}">
+                <a16:creationId xmlns:a16="http://schemas.microsoft.com/office/drawing/2014/main" id="{6806FBA4-537C-4226-9D3A-758C7B787D79}"/>
+              </a:ext>
+            </a:extLst>
+          </p:cNvPr>
+          <p:cNvSpPr>
+            <a:spLocks noGrp="1"/>
+          </p:cNvSpPr>
+          <p:nvPr>
+            <p:ph type="title"/>
+          </p:nvPr>
+        </p:nvSpPr>
+        <p:spPr/>
+        <p:txBody>
+          <a:bodyPr>
+            <a:normAutofit/>
+          </a:bodyPr>
+          <a:lstStyle/>
+          <a:p>
+            <a:r>
+              <a:rPr lang="de-DE" sz="3200" b="1" dirty="0"/>
+              <a:t>Holdout vs 80/20</a:t>
+            </a:r>
+            <a:endParaRPr lang="en-US" sz="3200" b="1" dirty="0"/>
+          </a:p>
+        </p:txBody>
+      </p:sp>
+      <p:sp>
+        <p:nvSpPr>
+          <p:cNvPr id="5" name="Footer Placeholder 4">
+            <a:extLst>
+              <a:ext uri="{FF2B5EF4-FFF2-40B4-BE49-F238E27FC236}">
+                <a16:creationId xmlns:a16="http://schemas.microsoft.com/office/drawing/2014/main" id="{707C4F70-832A-416B-9491-EE86347B2812}"/>
+              </a:ext>
+            </a:extLst>
+          </p:cNvPr>
+          <p:cNvSpPr>
+            <a:spLocks noGrp="1"/>
+          </p:cNvSpPr>
+          <p:nvPr>
+            <p:ph type="ftr" sz="quarter" idx="11"/>
+          </p:nvPr>
+        </p:nvSpPr>
+        <p:spPr/>
+        <p:txBody>
+          <a:bodyPr/>
+          <a:lstStyle/>
+          <a:p>
+            <a:r>
+              <a:rPr lang="en-US"/>
+              <a:t>jennifer.neumaier@t-online.de</a:t>
+            </a:r>
+            <a:endParaRPr lang="en-US" dirty="0"/>
+          </a:p>
+        </p:txBody>
+      </p:sp>
+      <p:sp>
+        <p:nvSpPr>
+          <p:cNvPr id="6" name="Slide Number Placeholder 5">
+            <a:extLst>
+              <a:ext uri="{FF2B5EF4-FFF2-40B4-BE49-F238E27FC236}">
+                <a16:creationId xmlns:a16="http://schemas.microsoft.com/office/drawing/2014/main" id="{1028CB34-29B5-49CB-99E4-E945C3D78896}"/>
+              </a:ext>
+            </a:extLst>
+          </p:cNvPr>
+          <p:cNvSpPr>
+            <a:spLocks noGrp="1"/>
+          </p:cNvSpPr>
+          <p:nvPr>
+            <p:ph type="sldNum" sz="quarter" idx="12"/>
+          </p:nvPr>
+        </p:nvSpPr>
+        <p:spPr/>
+        <p:txBody>
+          <a:bodyPr/>
+          <a:lstStyle/>
+          <a:p>
+            <a:fld id="{D57F1E4F-1CFF-5643-939E-217C01CDF565}" type="slidenum">
+              <a:rPr lang="en-US" smtClean="0"/>
+              <a:pPr/>
+              <a:t>18</a:t>
+            </a:fld>
+            <a:endParaRPr lang="en-US" dirty="0"/>
+          </a:p>
+        </p:txBody>
+      </p:sp>
+      <p:pic>
+        <p:nvPicPr>
+          <p:cNvPr id="16" name="Picture 15" descr="Chart&#10;&#10;Description automatically generated">
+            <a:extLst>
+              <a:ext uri="{FF2B5EF4-FFF2-40B4-BE49-F238E27FC236}">
+                <a16:creationId xmlns:a16="http://schemas.microsoft.com/office/drawing/2014/main" id="{58B1F484-4CF5-46F2-9566-F8C0B316AD4C}"/>
+              </a:ext>
+            </a:extLst>
+          </p:cNvPr>
+          <p:cNvPicPr>
+            <a:picLocks noChangeAspect="1"/>
+          </p:cNvPicPr>
+          <p:nvPr/>
+        </p:nvPicPr>
+        <p:blipFill>
+          <a:blip r:embed="rId2"/>
+          <a:stretch>
+            <a:fillRect/>
+          </a:stretch>
+        </p:blipFill>
+        <p:spPr>
+          <a:xfrm>
+            <a:off x="3094809" y="1268569"/>
+            <a:ext cx="7785611" cy="5250995"/>
+          </a:xfrm>
+          <a:prstGeom prst="rect">
+            <a:avLst/>
+          </a:prstGeom>
+          <a:ln>
+            <a:solidFill>
+              <a:schemeClr val="tx1"/>
+            </a:solidFill>
+          </a:ln>
+        </p:spPr>
+      </p:pic>
+      <p:sp>
+        <p:nvSpPr>
+          <p:cNvPr id="26" name="TextBox 25">
+            <a:extLst>
+              <a:ext uri="{FF2B5EF4-FFF2-40B4-BE49-F238E27FC236}">
+                <a16:creationId xmlns:a16="http://schemas.microsoft.com/office/drawing/2014/main" id="{4C7C4B9C-83BE-47F0-A347-140203A96518}"/>
+              </a:ext>
+            </a:extLst>
+          </p:cNvPr>
+          <p:cNvSpPr txBox="1"/>
+          <p:nvPr/>
+        </p:nvSpPr>
+        <p:spPr>
+          <a:xfrm>
+            <a:off x="9599245" y="15701"/>
+            <a:ext cx="2592755" cy="923330"/>
+          </a:xfrm>
+          <a:prstGeom prst="rect">
+            <a:avLst/>
+          </a:prstGeom>
+          <a:noFill/>
+        </p:spPr>
+        <p:txBody>
+          <a:bodyPr wrap="square" rtlCol="0">
+            <a:spAutoFit/>
+          </a:bodyPr>
+          <a:lstStyle/>
+          <a:p>
+            <a:r>
+              <a:rPr lang="de-DE" b="1" i="1" dirty="0"/>
+              <a:t>My evidence to use standard 80/20 for all further models</a:t>
+            </a:r>
+          </a:p>
+        </p:txBody>
+      </p:sp>
+      <p:sp>
+        <p:nvSpPr>
+          <p:cNvPr id="27" name="TextBox 26">
+            <a:extLst>
+              <a:ext uri="{FF2B5EF4-FFF2-40B4-BE49-F238E27FC236}">
+                <a16:creationId xmlns:a16="http://schemas.microsoft.com/office/drawing/2014/main" id="{94B3F92A-EFED-4A0A-B286-18241157528C}"/>
+              </a:ext>
+            </a:extLst>
+          </p:cNvPr>
+          <p:cNvSpPr txBox="1"/>
+          <p:nvPr/>
+        </p:nvSpPr>
+        <p:spPr>
+          <a:xfrm>
+            <a:off x="531812" y="1463814"/>
+            <a:ext cx="2592755" cy="923330"/>
+          </a:xfrm>
+          <a:prstGeom prst="rect">
+            <a:avLst/>
+          </a:prstGeom>
+          <a:noFill/>
+        </p:spPr>
+        <p:txBody>
+          <a:bodyPr wrap="square" rtlCol="0">
+            <a:spAutoFit/>
+          </a:bodyPr>
+          <a:lstStyle/>
+          <a:p>
+            <a:r>
+              <a:rPr lang="de-DE" b="1" i="1" dirty="0"/>
+              <a:t>Take only 10% and split into train and test set! </a:t>
+            </a:r>
+          </a:p>
+        </p:txBody>
+      </p:sp>
+      <p:sp>
+        <p:nvSpPr>
+          <p:cNvPr id="8" name="TextBox 7">
+            <a:extLst>
+              <a:ext uri="{FF2B5EF4-FFF2-40B4-BE49-F238E27FC236}">
+                <a16:creationId xmlns:a16="http://schemas.microsoft.com/office/drawing/2014/main" id="{7CD586F8-9745-456A-B248-3C30A40DD83A}"/>
+              </a:ext>
+            </a:extLst>
+          </p:cNvPr>
+          <p:cNvSpPr txBox="1"/>
+          <p:nvPr/>
+        </p:nvSpPr>
+        <p:spPr>
+          <a:xfrm>
+            <a:off x="709611" y="-7139"/>
+            <a:ext cx="6096000" cy="646331"/>
+          </a:xfrm>
+          <a:prstGeom prst="rect">
+            <a:avLst/>
+          </a:prstGeom>
+          <a:noFill/>
+        </p:spPr>
+        <p:txBody>
+          <a:bodyPr wrap="square">
+            <a:spAutoFit/>
+          </a:bodyPr>
+          <a:lstStyle/>
+          <a:p>
+            <a:r>
+              <a:rPr lang="de-DE" b="1" i="1" dirty="0"/>
+              <a:t>Data: D:\Master\Master Biologie\Sommersemester 2022\Master thesis\Github\out\CRC_holdout</a:t>
+            </a:r>
+          </a:p>
+        </p:txBody>
+      </p:sp>
+    </p:spTree>
+    <p:extLst>
+      <p:ext uri="{BB962C8B-B14F-4D97-AF65-F5344CB8AC3E}">
+        <p14:creationId xmlns:p14="http://schemas.microsoft.com/office/powerpoint/2010/main" val="4140771199"/>
+      </p:ext>
+    </p:extLst>
+  </p:cSld>
+  <p:clrMapOvr>
+    <a:masterClrMapping/>
+  </p:clrMapOvr>
+</p:sld>
+</file>
+
+<file path=ppt/slides/slide19.xml><?xml version="1.0" encoding="utf-8"?>
+<p:sld xmlns:a="http://schemas.openxmlformats.org/drawingml/2006/main" xmlns:r="http://schemas.openxmlformats.org/officeDocument/2006/relationships" xmlns:p="http://schemas.openxmlformats.org/presentationml/2006/main">
+  <p:cSld>
+    <p:spTree>
+      <p:nvGrpSpPr>
+        <p:cNvPr id="1" name=""/>
+        <p:cNvGrpSpPr/>
+        <p:nvPr/>
+      </p:nvGrpSpPr>
+      <p:grpSpPr>
+        <a:xfrm>
+          <a:off x="0" y="0"/>
+          <a:ext cx="0" cy="0"/>
+          <a:chOff x="0" y="0"/>
+          <a:chExt cx="0" cy="0"/>
+        </a:xfrm>
+      </p:grpSpPr>
+      <p:sp>
+        <p:nvSpPr>
+          <p:cNvPr id="2" name="Title 1">
+            <a:extLst>
+              <a:ext uri="{FF2B5EF4-FFF2-40B4-BE49-F238E27FC236}">
+                <a16:creationId xmlns:a16="http://schemas.microsoft.com/office/drawing/2014/main" id="{6806FBA4-537C-4226-9D3A-758C7B787D79}"/>
+              </a:ext>
+            </a:extLst>
+          </p:cNvPr>
+          <p:cNvSpPr>
+            <a:spLocks noGrp="1"/>
+          </p:cNvSpPr>
+          <p:nvPr>
+            <p:ph type="title"/>
+          </p:nvPr>
+        </p:nvSpPr>
+        <p:spPr/>
+        <p:txBody>
+          <a:bodyPr>
+            <a:normAutofit/>
+          </a:bodyPr>
+          <a:lstStyle/>
+          <a:p>
+            <a:r>
+              <a:rPr lang="de-DE" sz="3200" b="1" dirty="0"/>
+              <a:t>Holdout vs 80/20</a:t>
+            </a:r>
+            <a:endParaRPr lang="en-US" sz="3200" b="1" dirty="0"/>
+          </a:p>
+        </p:txBody>
+      </p:sp>
+      <p:sp>
+        <p:nvSpPr>
+          <p:cNvPr id="5" name="Footer Placeholder 4">
+            <a:extLst>
+              <a:ext uri="{FF2B5EF4-FFF2-40B4-BE49-F238E27FC236}">
+                <a16:creationId xmlns:a16="http://schemas.microsoft.com/office/drawing/2014/main" id="{707C4F70-832A-416B-9491-EE86347B2812}"/>
+              </a:ext>
+            </a:extLst>
+          </p:cNvPr>
+          <p:cNvSpPr>
+            <a:spLocks noGrp="1"/>
+          </p:cNvSpPr>
+          <p:nvPr>
+            <p:ph type="ftr" sz="quarter" idx="11"/>
+          </p:nvPr>
+        </p:nvSpPr>
+        <p:spPr/>
+        <p:txBody>
+          <a:bodyPr/>
+          <a:lstStyle/>
+          <a:p>
+            <a:r>
+              <a:rPr lang="en-US"/>
+              <a:t>jennifer.neumaier@t-online.de</a:t>
+            </a:r>
+            <a:endParaRPr lang="en-US" dirty="0"/>
+          </a:p>
+        </p:txBody>
+      </p:sp>
+      <p:sp>
+        <p:nvSpPr>
+          <p:cNvPr id="6" name="Slide Number Placeholder 5">
+            <a:extLst>
+              <a:ext uri="{FF2B5EF4-FFF2-40B4-BE49-F238E27FC236}">
+                <a16:creationId xmlns:a16="http://schemas.microsoft.com/office/drawing/2014/main" id="{1028CB34-29B5-49CB-99E4-E945C3D78896}"/>
+              </a:ext>
+            </a:extLst>
+          </p:cNvPr>
+          <p:cNvSpPr>
+            <a:spLocks noGrp="1"/>
+          </p:cNvSpPr>
+          <p:nvPr>
+            <p:ph type="sldNum" sz="quarter" idx="12"/>
+          </p:nvPr>
+        </p:nvSpPr>
+        <p:spPr/>
+        <p:txBody>
+          <a:bodyPr/>
+          <a:lstStyle/>
+          <a:p>
+            <a:fld id="{D57F1E4F-1CFF-5643-939E-217C01CDF565}" type="slidenum">
+              <a:rPr lang="en-US" smtClean="0"/>
+              <a:pPr/>
+              <a:t>19</a:t>
+            </a:fld>
+            <a:endParaRPr lang="en-US" dirty="0"/>
+          </a:p>
+        </p:txBody>
+      </p:sp>
+      <p:sp>
+        <p:nvSpPr>
+          <p:cNvPr id="27" name="TextBox 26">
+            <a:extLst>
+              <a:ext uri="{FF2B5EF4-FFF2-40B4-BE49-F238E27FC236}">
+                <a16:creationId xmlns:a16="http://schemas.microsoft.com/office/drawing/2014/main" id="{94B3F92A-EFED-4A0A-B286-18241157528C}"/>
+              </a:ext>
+            </a:extLst>
+          </p:cNvPr>
+          <p:cNvSpPr txBox="1"/>
+          <p:nvPr/>
+        </p:nvSpPr>
+        <p:spPr>
+          <a:xfrm>
+            <a:off x="614288" y="1612670"/>
+            <a:ext cx="2592755" cy="369332"/>
+          </a:xfrm>
+          <a:prstGeom prst="rect">
+            <a:avLst/>
+          </a:prstGeom>
+          <a:noFill/>
+        </p:spPr>
+        <p:txBody>
+          <a:bodyPr wrap="square" rtlCol="0">
+            <a:spAutoFit/>
+          </a:bodyPr>
+          <a:lstStyle/>
+          <a:p>
+            <a:r>
+              <a:rPr lang="de-DE" b="1" i="1" dirty="0"/>
+              <a:t>10% abundance</a:t>
+            </a:r>
+          </a:p>
+        </p:txBody>
+      </p:sp>
+      <p:pic>
+        <p:nvPicPr>
+          <p:cNvPr id="4" name="Picture 3" descr="Chart, scatter chart&#10;&#10;Description automatically generated">
+            <a:extLst>
+              <a:ext uri="{FF2B5EF4-FFF2-40B4-BE49-F238E27FC236}">
+                <a16:creationId xmlns:a16="http://schemas.microsoft.com/office/drawing/2014/main" id="{C70617C0-6D6C-424A-B473-9B491E61E920}"/>
+              </a:ext>
+            </a:extLst>
+          </p:cNvPr>
+          <p:cNvPicPr>
+            <a:picLocks noChangeAspect="1"/>
+          </p:cNvPicPr>
+          <p:nvPr/>
+        </p:nvPicPr>
+        <p:blipFill>
+          <a:blip r:embed="rId2"/>
+          <a:stretch>
+            <a:fillRect/>
+          </a:stretch>
+        </p:blipFill>
+        <p:spPr>
+          <a:xfrm>
+            <a:off x="3535620" y="1276185"/>
+            <a:ext cx="7344800" cy="4953691"/>
+          </a:xfrm>
+          <a:prstGeom prst="rect">
+            <a:avLst/>
+          </a:prstGeom>
+          <a:ln>
+            <a:solidFill>
+              <a:schemeClr val="tx1"/>
+            </a:solidFill>
+          </a:ln>
+        </p:spPr>
+      </p:pic>
+      <p:sp>
+        <p:nvSpPr>
+          <p:cNvPr id="10" name="TextBox 9">
+            <a:extLst>
+              <a:ext uri="{FF2B5EF4-FFF2-40B4-BE49-F238E27FC236}">
+                <a16:creationId xmlns:a16="http://schemas.microsoft.com/office/drawing/2014/main" id="{29BECD02-3074-407C-8CB4-6650D42C7822}"/>
+              </a:ext>
+            </a:extLst>
+          </p:cNvPr>
+          <p:cNvSpPr txBox="1"/>
+          <p:nvPr/>
+        </p:nvSpPr>
+        <p:spPr>
+          <a:xfrm>
+            <a:off x="699451" y="0"/>
+            <a:ext cx="6096000" cy="646331"/>
+          </a:xfrm>
+          <a:prstGeom prst="rect">
+            <a:avLst/>
+          </a:prstGeom>
+          <a:noFill/>
+        </p:spPr>
+        <p:txBody>
+          <a:bodyPr wrap="square">
+            <a:spAutoFit/>
+          </a:bodyPr>
+          <a:lstStyle/>
+          <a:p>
+            <a:r>
+              <a:rPr lang="de-DE" b="1" i="1" dirty="0"/>
+              <a:t>Data: D:\Master\Master Biologie\Sommersemester 2022\Master thesis\Github\out\CRC_holdout</a:t>
+            </a:r>
+          </a:p>
+        </p:txBody>
+      </p:sp>
+    </p:spTree>
+    <p:extLst>
+      <p:ext uri="{BB962C8B-B14F-4D97-AF65-F5344CB8AC3E}">
+        <p14:creationId xmlns:p14="http://schemas.microsoft.com/office/powerpoint/2010/main" val="4240215929"/>
+      </p:ext>
+    </p:extLst>
+  </p:cSld>
+  <p:clrMapOvr>
+    <a:masterClrMapping/>
+  </p:clrMapOvr>
+</p:sld>
+</file>
+
+<file path=ppt/slides/slide2.xml><?xml version="1.0" encoding="utf-8"?>
+<p:sld xmlns:a="http://schemas.openxmlformats.org/drawingml/2006/main" xmlns:r="http://schemas.openxmlformats.org/officeDocument/2006/relationships" xmlns:p="http://schemas.openxmlformats.org/presentationml/2006/main">
+  <p:cSld>
+    <p:spTree>
+      <p:nvGrpSpPr>
+        <p:cNvPr id="1" name=""/>
+        <p:cNvGrpSpPr/>
+        <p:nvPr/>
+      </p:nvGrpSpPr>
+      <p:grpSpPr>
+        <a:xfrm>
+          <a:off x="0" y="0"/>
+          <a:ext cx="0" cy="0"/>
+          <a:chOff x="0" y="0"/>
+          <a:chExt cx="0" cy="0"/>
+        </a:xfrm>
+      </p:grpSpPr>
+      <p:sp>
+        <p:nvSpPr>
+          <p:cNvPr id="7" name="Title 6">
+            <a:extLst>
+              <a:ext uri="{FF2B5EF4-FFF2-40B4-BE49-F238E27FC236}">
+                <a16:creationId xmlns:a16="http://schemas.microsoft.com/office/drawing/2014/main" id="{097F2DA0-82A3-49C5-A952-4C41FC7A8B0D}"/>
+              </a:ext>
+            </a:extLst>
+          </p:cNvPr>
+          <p:cNvSpPr>
+            <a:spLocks noGrp="1"/>
+          </p:cNvSpPr>
+          <p:nvPr>
+            <p:ph type="title"/>
+          </p:nvPr>
+        </p:nvSpPr>
+        <p:spPr/>
+        <p:txBody>
+          <a:bodyPr/>
+          <a:lstStyle/>
+          <a:p>
+            <a:r>
+              <a:rPr lang="de-DE" b="1" dirty="0"/>
+              <a:t>Goals</a:t>
+            </a:r>
+            <a:endParaRPr lang="en-US" b="1" dirty="0"/>
+          </a:p>
+        </p:txBody>
+      </p:sp>
+      <p:sp>
+        <p:nvSpPr>
+          <p:cNvPr id="2" name="Date Placeholder 1">
+            <a:extLst>
+              <a:ext uri="{FF2B5EF4-FFF2-40B4-BE49-F238E27FC236}">
+                <a16:creationId xmlns:a16="http://schemas.microsoft.com/office/drawing/2014/main" id="{021C34A8-38CB-4F99-BD0A-21BB12003EDD}"/>
+              </a:ext>
+            </a:extLst>
+          </p:cNvPr>
+          <p:cNvSpPr>
+            <a:spLocks noGrp="1"/>
+          </p:cNvSpPr>
+          <p:nvPr>
+            <p:ph type="dt" sz="half" idx="10"/>
+          </p:nvPr>
+        </p:nvSpPr>
+        <p:spPr/>
+        <p:txBody>
+          <a:bodyPr/>
+          <a:lstStyle/>
+          <a:p>
+            <a:fld id="{1278D66F-D6E5-4434-B311-7DA25CA81F5A}" type="datetime1">
+              <a:rPr lang="en-US" smtClean="0"/>
+              <a:t>4/25/2022</a:t>
+            </a:fld>
+            <a:endParaRPr lang="en-US" dirty="0"/>
+          </a:p>
+        </p:txBody>
+      </p:sp>
+      <p:sp>
+        <p:nvSpPr>
+          <p:cNvPr id="3" name="Footer Placeholder 2">
+            <a:extLst>
+              <a:ext uri="{FF2B5EF4-FFF2-40B4-BE49-F238E27FC236}">
+                <a16:creationId xmlns:a16="http://schemas.microsoft.com/office/drawing/2014/main" id="{1438E154-BA79-4A10-8450-061DB6E4741C}"/>
+              </a:ext>
+            </a:extLst>
+          </p:cNvPr>
+          <p:cNvSpPr>
+            <a:spLocks noGrp="1"/>
+          </p:cNvSpPr>
+          <p:nvPr>
+            <p:ph type="ftr" sz="quarter" idx="11"/>
+          </p:nvPr>
+        </p:nvSpPr>
+        <p:spPr/>
+        <p:txBody>
+          <a:bodyPr/>
+          <a:lstStyle/>
+          <a:p>
+            <a:r>
+              <a:rPr lang="en-US"/>
+              <a:t>jennifer.neumaier@t-online.de</a:t>
+            </a:r>
+            <a:endParaRPr lang="en-US" dirty="0"/>
+          </a:p>
+        </p:txBody>
+      </p:sp>
+      <p:sp>
+        <p:nvSpPr>
+          <p:cNvPr id="4" name="Slide Number Placeholder 3">
+            <a:extLst>
+              <a:ext uri="{FF2B5EF4-FFF2-40B4-BE49-F238E27FC236}">
+                <a16:creationId xmlns:a16="http://schemas.microsoft.com/office/drawing/2014/main" id="{AA4FC915-1ED9-4611-8B0F-C8AB3E2F7277}"/>
+              </a:ext>
+            </a:extLst>
+          </p:cNvPr>
+          <p:cNvSpPr>
+            <a:spLocks noGrp="1"/>
+          </p:cNvSpPr>
+          <p:nvPr>
+            <p:ph type="sldNum" sz="quarter" idx="12"/>
+          </p:nvPr>
+        </p:nvSpPr>
+        <p:spPr/>
+        <p:txBody>
+          <a:bodyPr/>
+          <a:lstStyle/>
+          <a:p>
+            <a:fld id="{D57F1E4F-1CFF-5643-939E-217C01CDF565}" type="slidenum">
+              <a:rPr lang="en-US" smtClean="0"/>
+              <a:pPr/>
+              <a:t>2</a:t>
+            </a:fld>
+            <a:endParaRPr lang="en-US" dirty="0"/>
+          </a:p>
+        </p:txBody>
+      </p:sp>
+      <p:graphicFrame>
+        <p:nvGraphicFramePr>
+          <p:cNvPr id="5" name="Diagram 4">
+            <a:extLst>
+              <a:ext uri="{FF2B5EF4-FFF2-40B4-BE49-F238E27FC236}">
+                <a16:creationId xmlns:a16="http://schemas.microsoft.com/office/drawing/2014/main" id="{F3220D42-CE5E-491B-98FD-975C2BE57521}"/>
+              </a:ext>
+            </a:extLst>
+          </p:cNvPr>
+          <p:cNvGraphicFramePr/>
+          <p:nvPr>
+            <p:extLst>
+              <p:ext uri="{D42A27DB-BD31-4B8C-83A1-F6EECF244321}">
+                <p14:modId xmlns:p14="http://schemas.microsoft.com/office/powerpoint/2010/main" val="2946467629"/>
+              </p:ext>
+            </p:extLst>
+          </p:nvPr>
+        </p:nvGraphicFramePr>
+        <p:xfrm>
+          <a:off x="2423843" y="724958"/>
+          <a:ext cx="8128000" cy="5418667"/>
+        </p:xfrm>
+        <a:graphic>
+          <a:graphicData uri="http://schemas.openxmlformats.org/drawingml/2006/diagram">
+            <dgm:relIds xmlns:dgm="http://schemas.openxmlformats.org/drawingml/2006/diagram" xmlns:r="http://schemas.openxmlformats.org/officeDocument/2006/relationships" r:dm="rId2" r:lo="rId3" r:qs="rId4" r:cs="rId5"/>
+          </a:graphicData>
+        </a:graphic>
+      </p:graphicFrame>
+    </p:spTree>
+    <p:extLst>
+      <p:ext uri="{BB962C8B-B14F-4D97-AF65-F5344CB8AC3E}">
+        <p14:creationId xmlns:p14="http://schemas.microsoft.com/office/powerpoint/2010/main" val="2392951674"/>
+      </p:ext>
+    </p:extLst>
+  </p:cSld>
+  <p:clrMapOvr>
+    <a:masterClrMapping/>
+  </p:clrMapOvr>
+</p:sld>
+</file>
+
+<file path=ppt/slides/slide20.xml><?xml version="1.0" encoding="utf-8"?>
+<p:sld xmlns:a="http://schemas.openxmlformats.org/drawingml/2006/main" xmlns:r="http://schemas.openxmlformats.org/officeDocument/2006/relationships" xmlns:p="http://schemas.openxmlformats.org/presentationml/2006/main">
+  <p:cSld>
+    <p:spTree>
+      <p:nvGrpSpPr>
+        <p:cNvPr id="1" name=""/>
+        <p:cNvGrpSpPr/>
+        <p:nvPr/>
+      </p:nvGrpSpPr>
+      <p:grpSpPr>
+        <a:xfrm>
+          <a:off x="0" y="0"/>
+          <a:ext cx="0" cy="0"/>
+          <a:chOff x="0" y="0"/>
+          <a:chExt cx="0" cy="0"/>
+        </a:xfrm>
+      </p:grpSpPr>
+      <p:sp>
+        <p:nvSpPr>
+          <p:cNvPr id="2" name="Title 1">
+            <a:extLst>
+              <a:ext uri="{FF2B5EF4-FFF2-40B4-BE49-F238E27FC236}">
+                <a16:creationId xmlns:a16="http://schemas.microsoft.com/office/drawing/2014/main" id="{6806FBA4-537C-4226-9D3A-758C7B787D79}"/>
+              </a:ext>
+            </a:extLst>
+          </p:cNvPr>
+          <p:cNvSpPr>
+            <a:spLocks noGrp="1"/>
+          </p:cNvSpPr>
+          <p:nvPr>
+            <p:ph type="title"/>
+          </p:nvPr>
+        </p:nvSpPr>
+        <p:spPr/>
+        <p:txBody>
+          <a:bodyPr>
+            <a:normAutofit/>
+          </a:bodyPr>
+          <a:lstStyle/>
+          <a:p>
+            <a:r>
+              <a:rPr lang="de-DE" sz="3200" b="1" dirty="0"/>
+              <a:t>Holdout vs 80/20</a:t>
+            </a:r>
+            <a:endParaRPr lang="en-US" sz="3200" b="1" dirty="0"/>
+          </a:p>
+        </p:txBody>
+      </p:sp>
+      <p:sp>
+        <p:nvSpPr>
+          <p:cNvPr id="5" name="Footer Placeholder 4">
+            <a:extLst>
+              <a:ext uri="{FF2B5EF4-FFF2-40B4-BE49-F238E27FC236}">
+                <a16:creationId xmlns:a16="http://schemas.microsoft.com/office/drawing/2014/main" id="{707C4F70-832A-416B-9491-EE86347B2812}"/>
+              </a:ext>
+            </a:extLst>
+          </p:cNvPr>
+          <p:cNvSpPr>
+            <a:spLocks noGrp="1"/>
+          </p:cNvSpPr>
+          <p:nvPr>
+            <p:ph type="ftr" sz="quarter" idx="11"/>
+          </p:nvPr>
+        </p:nvSpPr>
+        <p:spPr/>
+        <p:txBody>
+          <a:bodyPr/>
+          <a:lstStyle/>
+          <a:p>
+            <a:r>
+              <a:rPr lang="en-US"/>
+              <a:t>jennifer.neumaier@t-online.de</a:t>
+            </a:r>
+            <a:endParaRPr lang="en-US" dirty="0"/>
+          </a:p>
+        </p:txBody>
+      </p:sp>
+      <p:sp>
+        <p:nvSpPr>
+          <p:cNvPr id="6" name="Slide Number Placeholder 5">
+            <a:extLst>
+              <a:ext uri="{FF2B5EF4-FFF2-40B4-BE49-F238E27FC236}">
+                <a16:creationId xmlns:a16="http://schemas.microsoft.com/office/drawing/2014/main" id="{1028CB34-29B5-49CB-99E4-E945C3D78896}"/>
+              </a:ext>
+            </a:extLst>
+          </p:cNvPr>
+          <p:cNvSpPr>
+            <a:spLocks noGrp="1"/>
+          </p:cNvSpPr>
+          <p:nvPr>
+            <p:ph type="sldNum" sz="quarter" idx="12"/>
+          </p:nvPr>
+        </p:nvSpPr>
+        <p:spPr/>
+        <p:txBody>
+          <a:bodyPr/>
+          <a:lstStyle/>
+          <a:p>
+            <a:fld id="{D57F1E4F-1CFF-5643-939E-217C01CDF565}" type="slidenum">
+              <a:rPr lang="en-US" smtClean="0"/>
+              <a:pPr/>
+              <a:t>20</a:t>
+            </a:fld>
+            <a:endParaRPr lang="en-US" dirty="0"/>
+          </a:p>
+        </p:txBody>
+      </p:sp>
+      <p:sp>
+        <p:nvSpPr>
+          <p:cNvPr id="27" name="TextBox 26">
+            <a:extLst>
+              <a:ext uri="{FF2B5EF4-FFF2-40B4-BE49-F238E27FC236}">
+                <a16:creationId xmlns:a16="http://schemas.microsoft.com/office/drawing/2014/main" id="{94B3F92A-EFED-4A0A-B286-18241157528C}"/>
+              </a:ext>
+            </a:extLst>
+          </p:cNvPr>
+          <p:cNvSpPr txBox="1"/>
+          <p:nvPr/>
+        </p:nvSpPr>
+        <p:spPr>
+          <a:xfrm>
+            <a:off x="239845" y="1815630"/>
+            <a:ext cx="2592755" cy="646331"/>
+          </a:xfrm>
+          <a:prstGeom prst="rect">
+            <a:avLst/>
+          </a:prstGeom>
+          <a:noFill/>
+        </p:spPr>
+        <p:txBody>
+          <a:bodyPr wrap="square" rtlCol="0">
+            <a:spAutoFit/>
+          </a:bodyPr>
+          <a:lstStyle/>
+          <a:p>
+            <a:r>
+              <a:rPr lang="de-DE" b="1" i="1" dirty="0"/>
+              <a:t>Overloaded version</a:t>
+            </a:r>
+          </a:p>
+          <a:p>
+            <a:r>
+              <a:rPr lang="de-DE" b="1" i="1" dirty="0"/>
+              <a:t>(in supplementary?)</a:t>
+            </a:r>
+          </a:p>
+        </p:txBody>
+      </p:sp>
+      <p:pic>
+        <p:nvPicPr>
+          <p:cNvPr id="9" name="Picture 8" descr="Chart, scatter chart&#10;&#10;Description automatically generated">
+            <a:extLst>
+              <a:ext uri="{FF2B5EF4-FFF2-40B4-BE49-F238E27FC236}">
+                <a16:creationId xmlns:a16="http://schemas.microsoft.com/office/drawing/2014/main" id="{BD860BE8-DBE8-49FE-A835-6FDA45DE9A60}"/>
+              </a:ext>
+            </a:extLst>
+          </p:cNvPr>
+          <p:cNvPicPr>
+            <a:picLocks noChangeAspect="1"/>
+          </p:cNvPicPr>
+          <p:nvPr/>
+        </p:nvPicPr>
+        <p:blipFill>
+          <a:blip r:embed="rId2"/>
+          <a:stretch>
+            <a:fillRect/>
+          </a:stretch>
+        </p:blipFill>
+        <p:spPr>
+          <a:xfrm>
+            <a:off x="2711890" y="295491"/>
+            <a:ext cx="9292059" cy="6267017"/>
+          </a:xfrm>
+          <a:prstGeom prst="rect">
+            <a:avLst/>
+          </a:prstGeom>
+          <a:ln>
+            <a:solidFill>
+              <a:schemeClr val="tx1"/>
+            </a:solidFill>
+          </a:ln>
+        </p:spPr>
+      </p:pic>
+      <p:sp>
+        <p:nvSpPr>
+          <p:cNvPr id="11" name="TextBox 10">
+            <a:extLst>
+              <a:ext uri="{FF2B5EF4-FFF2-40B4-BE49-F238E27FC236}">
+                <a16:creationId xmlns:a16="http://schemas.microsoft.com/office/drawing/2014/main" id="{B989963B-413C-48DF-B13B-4901D2123AAA}"/>
+              </a:ext>
+            </a:extLst>
+          </p:cNvPr>
+          <p:cNvSpPr txBox="1"/>
+          <p:nvPr/>
+        </p:nvSpPr>
+        <p:spPr>
+          <a:xfrm>
+            <a:off x="239844" y="3179049"/>
+            <a:ext cx="2349367" cy="2031325"/>
+          </a:xfrm>
+          <a:prstGeom prst="rect">
+            <a:avLst/>
+          </a:prstGeom>
+          <a:noFill/>
+        </p:spPr>
+        <p:txBody>
+          <a:bodyPr wrap="square">
+            <a:spAutoFit/>
+          </a:bodyPr>
+          <a:lstStyle/>
+          <a:p>
+            <a:r>
+              <a:rPr lang="de-DE" b="1" i="1" dirty="0"/>
+              <a:t>Data: D:\Master\Master Biologie\Sommersemester 2022\Master thesis\Github\out\CRC_holdout</a:t>
+            </a:r>
+          </a:p>
+        </p:txBody>
+      </p:sp>
+    </p:spTree>
+    <p:extLst>
+      <p:ext uri="{BB962C8B-B14F-4D97-AF65-F5344CB8AC3E}">
+        <p14:creationId xmlns:p14="http://schemas.microsoft.com/office/powerpoint/2010/main" val="2126234148"/>
+      </p:ext>
+    </p:extLst>
+  </p:cSld>
+  <p:clrMapOvr>
+    <a:masterClrMapping/>
+  </p:clrMapOvr>
+</p:sld>
+</file>
+
+<file path=ppt/slides/slide21.xml><?xml version="1.0" encoding="utf-8"?>
+<p:sld xmlns:a="http://schemas.openxmlformats.org/drawingml/2006/main" xmlns:r="http://schemas.openxmlformats.org/officeDocument/2006/relationships" xmlns:p="http://schemas.openxmlformats.org/presentationml/2006/main">
+  <p:cSld>
+    <p:spTree>
+      <p:nvGrpSpPr>
+        <p:cNvPr id="1" name=""/>
+        <p:cNvGrpSpPr/>
+        <p:nvPr/>
+      </p:nvGrpSpPr>
+      <p:grpSpPr>
+        <a:xfrm>
+          <a:off x="0" y="0"/>
+          <a:ext cx="0" cy="0"/>
+          <a:chOff x="0" y="0"/>
+          <a:chExt cx="0" cy="0"/>
+        </a:xfrm>
+      </p:grpSpPr>
+      <p:sp>
+        <p:nvSpPr>
+          <p:cNvPr id="2" name="Title 1">
+            <a:extLst>
+              <a:ext uri="{FF2B5EF4-FFF2-40B4-BE49-F238E27FC236}">
+                <a16:creationId xmlns:a16="http://schemas.microsoft.com/office/drawing/2014/main" id="{6806FBA4-537C-4226-9D3A-758C7B787D79}"/>
+              </a:ext>
+            </a:extLst>
+          </p:cNvPr>
+          <p:cNvSpPr>
+            <a:spLocks noGrp="1"/>
+          </p:cNvSpPr>
+          <p:nvPr>
+            <p:ph type="title"/>
+          </p:nvPr>
+        </p:nvSpPr>
+        <p:spPr/>
+        <p:txBody>
+          <a:bodyPr>
+            <a:normAutofit/>
+          </a:bodyPr>
+          <a:lstStyle/>
+          <a:p>
+            <a:r>
+              <a:rPr lang="de-DE" sz="3200" b="1" dirty="0"/>
+              <a:t>PCOS classification</a:t>
+            </a:r>
+            <a:endParaRPr lang="en-US" sz="3200" b="1" dirty="0"/>
+          </a:p>
+        </p:txBody>
+      </p:sp>
+      <p:sp>
+        <p:nvSpPr>
+          <p:cNvPr id="5" name="Footer Placeholder 4">
+            <a:extLst>
+              <a:ext uri="{FF2B5EF4-FFF2-40B4-BE49-F238E27FC236}">
+                <a16:creationId xmlns:a16="http://schemas.microsoft.com/office/drawing/2014/main" id="{707C4F70-832A-416B-9491-EE86347B2812}"/>
+              </a:ext>
+            </a:extLst>
+          </p:cNvPr>
+          <p:cNvSpPr>
+            <a:spLocks noGrp="1"/>
+          </p:cNvSpPr>
+          <p:nvPr>
+            <p:ph type="ftr" sz="quarter" idx="11"/>
+          </p:nvPr>
+        </p:nvSpPr>
+        <p:spPr/>
+        <p:txBody>
+          <a:bodyPr/>
+          <a:lstStyle/>
+          <a:p>
+            <a:r>
+              <a:rPr lang="en-US"/>
+              <a:t>jennifer.neumaier@t-online.de</a:t>
+            </a:r>
+            <a:endParaRPr lang="en-US" dirty="0"/>
+          </a:p>
+        </p:txBody>
+      </p:sp>
+      <p:sp>
+        <p:nvSpPr>
+          <p:cNvPr id="6" name="Slide Number Placeholder 5">
+            <a:extLst>
+              <a:ext uri="{FF2B5EF4-FFF2-40B4-BE49-F238E27FC236}">
+                <a16:creationId xmlns:a16="http://schemas.microsoft.com/office/drawing/2014/main" id="{1028CB34-29B5-49CB-99E4-E945C3D78896}"/>
+              </a:ext>
+            </a:extLst>
+          </p:cNvPr>
+          <p:cNvSpPr>
+            <a:spLocks noGrp="1"/>
+          </p:cNvSpPr>
+          <p:nvPr>
+            <p:ph type="sldNum" sz="quarter" idx="12"/>
+          </p:nvPr>
+        </p:nvSpPr>
+        <p:spPr/>
+        <p:txBody>
+          <a:bodyPr/>
+          <a:lstStyle/>
+          <a:p>
+            <a:fld id="{D57F1E4F-1CFF-5643-939E-217C01CDF565}" type="slidenum">
+              <a:rPr lang="en-US" smtClean="0"/>
+              <a:pPr/>
+              <a:t>21</a:t>
             </a:fld>
             <a:endParaRPr lang="en-US" dirty="0"/>
           </a:p>
@@ -19264,6 +20567,41 @@
           </p:txBody>
         </p:sp>
       </p:grpSp>
+      <p:sp>
+        <p:nvSpPr>
+          <p:cNvPr id="12" name="TextBox 11">
+            <a:extLst>
+              <a:ext uri="{FF2B5EF4-FFF2-40B4-BE49-F238E27FC236}">
+                <a16:creationId xmlns:a16="http://schemas.microsoft.com/office/drawing/2014/main" id="{3B56769B-25A0-4006-B15C-4DFED2C3C32E}"/>
+              </a:ext>
+            </a:extLst>
+          </p:cNvPr>
+          <p:cNvSpPr txBox="1"/>
+          <p:nvPr/>
+        </p:nvSpPr>
+        <p:spPr>
+          <a:xfrm>
+            <a:off x="6266198" y="109175"/>
+            <a:ext cx="6096000" cy="646331"/>
+          </a:xfrm>
+          <a:prstGeom prst="rect">
+            <a:avLst/>
+          </a:prstGeom>
+          <a:noFill/>
+        </p:spPr>
+        <p:txBody>
+          <a:bodyPr wrap="square">
+            <a:spAutoFit/>
+          </a:bodyPr>
+          <a:lstStyle/>
+          <a:p>
+            <a:r>
+              <a:rPr lang="de-DE" b="1" i="1" dirty="0"/>
+              <a:t>Data: D:\Master\Master Biologie\Sommersemester 2022\Master thesis\Github\out\PCOS</a:t>
+            </a:r>
+          </a:p>
+        </p:txBody>
+      </p:sp>
     </p:spTree>
     <p:extLst>
       <p:ext uri="{BB962C8B-B14F-4D97-AF65-F5344CB8AC3E}">
@@ -19277,7 +20615,7 @@
 </p:sld>
 </file>
 
-<file path=ppt/slides/slide18.xml><?xml version="1.0" encoding="utf-8"?>
+<file path=ppt/slides/slide22.xml><?xml version="1.0" encoding="utf-8"?>
 <p:sld xmlns:a="http://schemas.openxmlformats.org/drawingml/2006/main" xmlns:r="http://schemas.openxmlformats.org/officeDocument/2006/relationships" xmlns:p="http://schemas.openxmlformats.org/presentationml/2006/main">
   <p:cSld>
     <p:spTree>
@@ -19378,7 +20716,7 @@
             <a:fld id="{D57F1E4F-1CFF-5643-939E-217C01CDF565}" type="slidenum">
               <a:rPr lang="en-US" smtClean="0"/>
               <a:pPr/>
-              <a:t>18</a:t>
+              <a:t>22</a:t>
             </a:fld>
             <a:endParaRPr lang="en-US" dirty="0"/>
           </a:p>
@@ -19545,6 +20883,41 @@
           </p:txBody>
         </p:sp>
       </p:grpSp>
+      <p:sp>
+        <p:nvSpPr>
+          <p:cNvPr id="10" name="TextBox 9">
+            <a:extLst>
+              <a:ext uri="{FF2B5EF4-FFF2-40B4-BE49-F238E27FC236}">
+                <a16:creationId xmlns:a16="http://schemas.microsoft.com/office/drawing/2014/main" id="{010266FF-0A91-456E-94DF-CCA197D09E39}"/>
+              </a:ext>
+            </a:extLst>
+          </p:cNvPr>
+          <p:cNvSpPr txBox="1"/>
+          <p:nvPr/>
+        </p:nvSpPr>
+        <p:spPr>
+          <a:xfrm>
+            <a:off x="6266198" y="109175"/>
+            <a:ext cx="6096000" cy="646331"/>
+          </a:xfrm>
+          <a:prstGeom prst="rect">
+            <a:avLst/>
+          </a:prstGeom>
+          <a:noFill/>
+        </p:spPr>
+        <p:txBody>
+          <a:bodyPr wrap="square">
+            <a:spAutoFit/>
+          </a:bodyPr>
+          <a:lstStyle/>
+          <a:p>
+            <a:r>
+              <a:rPr lang="de-DE" b="1" i="1" dirty="0"/>
+              <a:t>Data: D:\Master\Master Biologie\Sommersemester 2022\Master thesis\Github\out\PCOS</a:t>
+            </a:r>
+          </a:p>
+        </p:txBody>
+      </p:sp>
     </p:spTree>
     <p:extLst>
       <p:ext uri="{BB962C8B-B14F-4D97-AF65-F5344CB8AC3E}">
@@ -19558,7 +20931,7 @@
 </p:sld>
 </file>
 
-<file path=ppt/slides/slide19.xml><?xml version="1.0" encoding="utf-8"?>
+<file path=ppt/slides/slide23.xml><?xml version="1.0" encoding="utf-8"?>
 <p:sld xmlns:a="http://schemas.openxmlformats.org/drawingml/2006/main" xmlns:r="http://schemas.openxmlformats.org/officeDocument/2006/relationships" xmlns:p="http://schemas.openxmlformats.org/presentationml/2006/main">
   <p:cSld>
     <p:spTree>
@@ -19659,44 +21032,9 @@
             <a:fld id="{D57F1E4F-1CFF-5643-939E-217C01CDF565}" type="slidenum">
               <a:rPr lang="en-US" smtClean="0"/>
               <a:pPr/>
-              <a:t>19</a:t>
+              <a:t>23</a:t>
             </a:fld>
             <a:endParaRPr lang="en-US" dirty="0"/>
-          </a:p>
-        </p:txBody>
-      </p:sp>
-      <p:sp>
-        <p:nvSpPr>
-          <p:cNvPr id="22" name="TextBox 21">
-            <a:extLst>
-              <a:ext uri="{FF2B5EF4-FFF2-40B4-BE49-F238E27FC236}">
-                <a16:creationId xmlns:a16="http://schemas.microsoft.com/office/drawing/2014/main" id="{92263A76-C406-4736-886C-0093566605DC}"/>
-              </a:ext>
-            </a:extLst>
-          </p:cNvPr>
-          <p:cNvSpPr txBox="1"/>
-          <p:nvPr/>
-        </p:nvSpPr>
-        <p:spPr>
-          <a:xfrm>
-            <a:off x="9988317" y="36342"/>
-            <a:ext cx="2229293" cy="923330"/>
-          </a:xfrm>
-          <a:prstGeom prst="rect">
-            <a:avLst/>
-          </a:prstGeom>
-          <a:noFill/>
-        </p:spPr>
-        <p:txBody>
-          <a:bodyPr wrap="square" rtlCol="0">
-            <a:spAutoFit/>
-          </a:bodyPr>
-          <a:lstStyle/>
-          <a:p>
-            <a:r>
-              <a:rPr lang="de-DE" b="1" i="1" dirty="0"/>
-              <a:t>Predicted on classical train/test split</a:t>
-            </a:r>
           </a:p>
         </p:txBody>
       </p:sp>
@@ -19861,6 +21199,41 @@
           </p:txBody>
         </p:sp>
       </p:grpSp>
+      <p:sp>
+        <p:nvSpPr>
+          <p:cNvPr id="12" name="TextBox 11">
+            <a:extLst>
+              <a:ext uri="{FF2B5EF4-FFF2-40B4-BE49-F238E27FC236}">
+                <a16:creationId xmlns:a16="http://schemas.microsoft.com/office/drawing/2014/main" id="{8853FED3-74F1-4B7C-91E9-A5A0746C5111}"/>
+              </a:ext>
+            </a:extLst>
+          </p:cNvPr>
+          <p:cNvSpPr txBox="1"/>
+          <p:nvPr/>
+        </p:nvSpPr>
+        <p:spPr>
+          <a:xfrm>
+            <a:off x="6266198" y="109175"/>
+            <a:ext cx="6096000" cy="646331"/>
+          </a:xfrm>
+          <a:prstGeom prst="rect">
+            <a:avLst/>
+          </a:prstGeom>
+          <a:noFill/>
+        </p:spPr>
+        <p:txBody>
+          <a:bodyPr wrap="square">
+            <a:spAutoFit/>
+          </a:bodyPr>
+          <a:lstStyle/>
+          <a:p>
+            <a:r>
+              <a:rPr lang="de-DE" b="1" i="1" dirty="0"/>
+              <a:t>Data: D:\Master\Master Biologie\Sommersemester 2022\Master thesis\Github\out\CRC</a:t>
+            </a:r>
+          </a:p>
+        </p:txBody>
+      </p:sp>
     </p:spTree>
     <p:extLst>
       <p:ext uri="{BB962C8B-B14F-4D97-AF65-F5344CB8AC3E}">
@@ -19874,7 +21247,7 @@
 </p:sld>
 </file>
 
-<file path=ppt/slides/slide2.xml><?xml version="1.0" encoding="utf-8"?>
+<file path=ppt/slides/slide24.xml><?xml version="1.0" encoding="utf-8"?>
 <p:sld xmlns:a="http://schemas.openxmlformats.org/drawingml/2006/main" xmlns:r="http://schemas.openxmlformats.org/officeDocument/2006/relationships" xmlns:p="http://schemas.openxmlformats.org/presentationml/2006/main">
   <p:cSld>
     <p:spTree>
@@ -19893,181 +21266,6 @@
       </p:grpSpPr>
       <p:sp>
         <p:nvSpPr>
-          <p:cNvPr id="7" name="Title 6">
-            <a:extLst>
-              <a:ext uri="{FF2B5EF4-FFF2-40B4-BE49-F238E27FC236}">
-                <a16:creationId xmlns:a16="http://schemas.microsoft.com/office/drawing/2014/main" id="{097F2DA0-82A3-49C5-A952-4C41FC7A8B0D}"/>
-              </a:ext>
-            </a:extLst>
-          </p:cNvPr>
-          <p:cNvSpPr>
-            <a:spLocks noGrp="1"/>
-          </p:cNvSpPr>
-          <p:nvPr>
-            <p:ph type="title"/>
-          </p:nvPr>
-        </p:nvSpPr>
-        <p:spPr/>
-        <p:txBody>
-          <a:bodyPr/>
-          <a:lstStyle/>
-          <a:p>
-            <a:r>
-              <a:rPr lang="de-DE" b="1" dirty="0"/>
-              <a:t>Goals</a:t>
-            </a:r>
-            <a:endParaRPr lang="en-US" b="1" dirty="0"/>
-          </a:p>
-        </p:txBody>
-      </p:sp>
-      <p:sp>
-        <p:nvSpPr>
-          <p:cNvPr id="2" name="Date Placeholder 1">
-            <a:extLst>
-              <a:ext uri="{FF2B5EF4-FFF2-40B4-BE49-F238E27FC236}">
-                <a16:creationId xmlns:a16="http://schemas.microsoft.com/office/drawing/2014/main" id="{021C34A8-38CB-4F99-BD0A-21BB12003EDD}"/>
-              </a:ext>
-            </a:extLst>
-          </p:cNvPr>
-          <p:cNvSpPr>
-            <a:spLocks noGrp="1"/>
-          </p:cNvSpPr>
-          <p:nvPr>
-            <p:ph type="dt" sz="half" idx="10"/>
-          </p:nvPr>
-        </p:nvSpPr>
-        <p:spPr/>
-        <p:txBody>
-          <a:bodyPr/>
-          <a:lstStyle/>
-          <a:p>
-            <a:fld id="{1278D66F-D6E5-4434-B311-7DA25CA81F5A}" type="datetime1">
-              <a:rPr lang="en-US" smtClean="0"/>
-              <a:t>4/22/2022</a:t>
-            </a:fld>
-            <a:endParaRPr lang="en-US" dirty="0"/>
-          </a:p>
-        </p:txBody>
-      </p:sp>
-      <p:sp>
-        <p:nvSpPr>
-          <p:cNvPr id="3" name="Footer Placeholder 2">
-            <a:extLst>
-              <a:ext uri="{FF2B5EF4-FFF2-40B4-BE49-F238E27FC236}">
-                <a16:creationId xmlns:a16="http://schemas.microsoft.com/office/drawing/2014/main" id="{1438E154-BA79-4A10-8450-061DB6E4741C}"/>
-              </a:ext>
-            </a:extLst>
-          </p:cNvPr>
-          <p:cNvSpPr>
-            <a:spLocks noGrp="1"/>
-          </p:cNvSpPr>
-          <p:nvPr>
-            <p:ph type="ftr" sz="quarter" idx="11"/>
-          </p:nvPr>
-        </p:nvSpPr>
-        <p:spPr/>
-        <p:txBody>
-          <a:bodyPr/>
-          <a:lstStyle/>
-          <a:p>
-            <a:r>
-              <a:rPr lang="en-US"/>
-              <a:t>jennifer.neumaier@t-online.de</a:t>
-            </a:r>
-            <a:endParaRPr lang="en-US" dirty="0"/>
-          </a:p>
-        </p:txBody>
-      </p:sp>
-      <p:sp>
-        <p:nvSpPr>
-          <p:cNvPr id="4" name="Slide Number Placeholder 3">
-            <a:extLst>
-              <a:ext uri="{FF2B5EF4-FFF2-40B4-BE49-F238E27FC236}">
-                <a16:creationId xmlns:a16="http://schemas.microsoft.com/office/drawing/2014/main" id="{AA4FC915-1ED9-4611-8B0F-C8AB3E2F7277}"/>
-              </a:ext>
-            </a:extLst>
-          </p:cNvPr>
-          <p:cNvSpPr>
-            <a:spLocks noGrp="1"/>
-          </p:cNvSpPr>
-          <p:nvPr>
-            <p:ph type="sldNum" sz="quarter" idx="12"/>
-          </p:nvPr>
-        </p:nvSpPr>
-        <p:spPr/>
-        <p:txBody>
-          <a:bodyPr/>
-          <a:lstStyle/>
-          <a:p>
-            <a:fld id="{D57F1E4F-1CFF-5643-939E-217C01CDF565}" type="slidenum">
-              <a:rPr lang="en-US" smtClean="0"/>
-              <a:pPr/>
-              <a:t>2</a:t>
-            </a:fld>
-            <a:endParaRPr lang="en-US" dirty="0"/>
-          </a:p>
-        </p:txBody>
-      </p:sp>
-      <p:graphicFrame>
-        <p:nvGraphicFramePr>
-          <p:cNvPr id="5" name="Diagram 4">
-            <a:extLst>
-              <a:ext uri="{FF2B5EF4-FFF2-40B4-BE49-F238E27FC236}">
-                <a16:creationId xmlns:a16="http://schemas.microsoft.com/office/drawing/2014/main" id="{F3220D42-CE5E-491B-98FD-975C2BE57521}"/>
-              </a:ext>
-            </a:extLst>
-          </p:cNvPr>
-          <p:cNvGraphicFramePr/>
-          <p:nvPr>
-            <p:extLst>
-              <p:ext uri="{D42A27DB-BD31-4B8C-83A1-F6EECF244321}">
-                <p14:modId xmlns:p14="http://schemas.microsoft.com/office/powerpoint/2010/main" val="2946467629"/>
-              </p:ext>
-            </p:extLst>
-          </p:nvPr>
-        </p:nvGraphicFramePr>
-        <p:xfrm>
-          <a:off x="2423843" y="724958"/>
-          <a:ext cx="8128000" cy="5418667"/>
-        </p:xfrm>
-        <a:graphic>
-          <a:graphicData uri="http://schemas.openxmlformats.org/drawingml/2006/diagram">
-            <dgm:relIds xmlns:dgm="http://schemas.openxmlformats.org/drawingml/2006/diagram" xmlns:r="http://schemas.openxmlformats.org/officeDocument/2006/relationships" r:dm="rId2" r:lo="rId3" r:qs="rId4" r:cs="rId5"/>
-          </a:graphicData>
-        </a:graphic>
-      </p:graphicFrame>
-    </p:spTree>
-    <p:extLst>
-      <p:ext uri="{BB962C8B-B14F-4D97-AF65-F5344CB8AC3E}">
-        <p14:creationId xmlns:p14="http://schemas.microsoft.com/office/powerpoint/2010/main" val="2392951674"/>
-      </p:ext>
-    </p:extLst>
-  </p:cSld>
-  <p:clrMapOvr>
-    <a:masterClrMapping/>
-  </p:clrMapOvr>
-</p:sld>
-</file>
-
-<file path=ppt/slides/slide20.xml><?xml version="1.0" encoding="utf-8"?>
-<p:sld xmlns:a="http://schemas.openxmlformats.org/drawingml/2006/main" xmlns:r="http://schemas.openxmlformats.org/officeDocument/2006/relationships" xmlns:p="http://schemas.openxmlformats.org/presentationml/2006/main">
-  <p:cSld>
-    <p:spTree>
-      <p:nvGrpSpPr>
-        <p:cNvPr id="1" name=""/>
-        <p:cNvGrpSpPr/>
-        <p:nvPr/>
-      </p:nvGrpSpPr>
-      <p:grpSpPr>
-        <a:xfrm>
-          <a:off x="0" y="0"/>
-          <a:ext cx="0" cy="0"/>
-          <a:chOff x="0" y="0"/>
-          <a:chExt cx="0" cy="0"/>
-        </a:xfrm>
-      </p:grpSpPr>
-      <p:sp>
-        <p:nvSpPr>
           <p:cNvPr id="2" name="Title 1">
             <a:extLst>
               <a:ext uri="{FF2B5EF4-FFF2-40B4-BE49-F238E27FC236}">
@@ -20150,44 +21348,9 @@
             <a:fld id="{D57F1E4F-1CFF-5643-939E-217C01CDF565}" type="slidenum">
               <a:rPr lang="en-US" smtClean="0"/>
               <a:pPr/>
-              <a:t>20</a:t>
+              <a:t>24</a:t>
             </a:fld>
             <a:endParaRPr lang="en-US" dirty="0"/>
-          </a:p>
-        </p:txBody>
-      </p:sp>
-      <p:sp>
-        <p:nvSpPr>
-          <p:cNvPr id="10" name="TextBox 9">
-            <a:extLst>
-              <a:ext uri="{FF2B5EF4-FFF2-40B4-BE49-F238E27FC236}">
-                <a16:creationId xmlns:a16="http://schemas.microsoft.com/office/drawing/2014/main" id="{E58478DF-F55C-4045-95C1-11F014038F0C}"/>
-              </a:ext>
-            </a:extLst>
-          </p:cNvPr>
-          <p:cNvSpPr txBox="1"/>
-          <p:nvPr/>
-        </p:nvSpPr>
-        <p:spPr>
-          <a:xfrm>
-            <a:off x="9988317" y="36342"/>
-            <a:ext cx="2229293" cy="923330"/>
-          </a:xfrm>
-          <a:prstGeom prst="rect">
-            <a:avLst/>
-          </a:prstGeom>
-          <a:noFill/>
-        </p:spPr>
-        <p:txBody>
-          <a:bodyPr wrap="square" rtlCol="0">
-            <a:spAutoFit/>
-          </a:bodyPr>
-          <a:lstStyle/>
-          <a:p>
-            <a:r>
-              <a:rPr lang="de-DE" b="1" i="1" dirty="0"/>
-              <a:t>Predicted on classical train/test split</a:t>
-            </a:r>
           </a:p>
         </p:txBody>
       </p:sp>
@@ -20373,6 +21536,41 @@
           </p:sp>
         </p:grpSp>
       </p:grpSp>
+      <p:sp>
+        <p:nvSpPr>
+          <p:cNvPr id="12" name="TextBox 11">
+            <a:extLst>
+              <a:ext uri="{FF2B5EF4-FFF2-40B4-BE49-F238E27FC236}">
+                <a16:creationId xmlns:a16="http://schemas.microsoft.com/office/drawing/2014/main" id="{B8C7B416-3D2C-4415-A7D9-F58EFD54646D}"/>
+              </a:ext>
+            </a:extLst>
+          </p:cNvPr>
+          <p:cNvSpPr txBox="1"/>
+          <p:nvPr/>
+        </p:nvSpPr>
+        <p:spPr>
+          <a:xfrm>
+            <a:off x="6266198" y="109175"/>
+            <a:ext cx="6096000" cy="646331"/>
+          </a:xfrm>
+          <a:prstGeom prst="rect">
+            <a:avLst/>
+          </a:prstGeom>
+          <a:noFill/>
+        </p:spPr>
+        <p:txBody>
+          <a:bodyPr wrap="square">
+            <a:spAutoFit/>
+          </a:bodyPr>
+          <a:lstStyle/>
+          <a:p>
+            <a:r>
+              <a:rPr lang="de-DE" b="1" i="1" dirty="0"/>
+              <a:t>Data: D:\Master\Master Biologie\Sommersemester 2022\Master thesis\Github\out\CRC</a:t>
+            </a:r>
+          </a:p>
+        </p:txBody>
+      </p:sp>
     </p:spTree>
     <p:extLst>
       <p:ext uri="{BB962C8B-B14F-4D97-AF65-F5344CB8AC3E}">
@@ -20386,7 +21584,7 @@
 </p:sld>
 </file>
 
-<file path=ppt/slides/slide21.xml><?xml version="1.0" encoding="utf-8"?>
+<file path=ppt/slides/slide25.xml><?xml version="1.0" encoding="utf-8"?>
 <p:sld xmlns:a="http://schemas.openxmlformats.org/drawingml/2006/main" xmlns:r="http://schemas.openxmlformats.org/officeDocument/2006/relationships" xmlns:p="http://schemas.openxmlformats.org/presentationml/2006/main">
   <p:cSld>
     <p:spTree>
@@ -20487,44 +21685,9 @@
             <a:fld id="{D57F1E4F-1CFF-5643-939E-217C01CDF565}" type="slidenum">
               <a:rPr lang="en-US" smtClean="0"/>
               <a:pPr/>
-              <a:t>21</a:t>
+              <a:t>25</a:t>
             </a:fld>
             <a:endParaRPr lang="en-US" dirty="0"/>
-          </a:p>
-        </p:txBody>
-      </p:sp>
-      <p:sp>
-        <p:nvSpPr>
-          <p:cNvPr id="8" name="TextBox 7">
-            <a:extLst>
-              <a:ext uri="{FF2B5EF4-FFF2-40B4-BE49-F238E27FC236}">
-                <a16:creationId xmlns:a16="http://schemas.microsoft.com/office/drawing/2014/main" id="{C6036ADC-6479-46F9-BC8D-F76F4CA20E1B}"/>
-              </a:ext>
-            </a:extLst>
-          </p:cNvPr>
-          <p:cNvSpPr txBox="1"/>
-          <p:nvPr/>
-        </p:nvSpPr>
-        <p:spPr>
-          <a:xfrm>
-            <a:off x="9962707" y="123070"/>
-            <a:ext cx="2229293" cy="646331"/>
-          </a:xfrm>
-          <a:prstGeom prst="rect">
-            <a:avLst/>
-          </a:prstGeom>
-          <a:noFill/>
-        </p:spPr>
-        <p:txBody>
-          <a:bodyPr wrap="square" rtlCol="0">
-            <a:spAutoFit/>
-          </a:bodyPr>
-          <a:lstStyle/>
-          <a:p>
-            <a:r>
-              <a:rPr lang="de-DE" b="1" i="1" dirty="0"/>
-              <a:t>Predicted on GER holdout set!</a:t>
-            </a:r>
           </a:p>
         </p:txBody>
       </p:sp>
@@ -20598,6 +21761,41 @@
           </a:ln>
         </p:spPr>
       </p:pic>
+      <p:sp>
+        <p:nvSpPr>
+          <p:cNvPr id="9" name="TextBox 8">
+            <a:extLst>
+              <a:ext uri="{FF2B5EF4-FFF2-40B4-BE49-F238E27FC236}">
+                <a16:creationId xmlns:a16="http://schemas.microsoft.com/office/drawing/2014/main" id="{25899EB5-E922-4499-BBF3-76767A175445}"/>
+              </a:ext>
+            </a:extLst>
+          </p:cNvPr>
+          <p:cNvSpPr txBox="1"/>
+          <p:nvPr/>
+        </p:nvSpPr>
+        <p:spPr>
+          <a:xfrm>
+            <a:off x="6399211" y="123070"/>
+            <a:ext cx="6096000" cy="646331"/>
+          </a:xfrm>
+          <a:prstGeom prst="rect">
+            <a:avLst/>
+          </a:prstGeom>
+          <a:noFill/>
+        </p:spPr>
+        <p:txBody>
+          <a:bodyPr wrap="square">
+            <a:spAutoFit/>
+          </a:bodyPr>
+          <a:lstStyle/>
+          <a:p>
+            <a:r>
+              <a:rPr lang="de-DE" b="1" i="1" dirty="0"/>
+              <a:t>Data: D:\Master\Master Biologie\Sommersemester 2022\Master thesis\Github\out\CRC_holdout</a:t>
+            </a:r>
+          </a:p>
+        </p:txBody>
+      </p:sp>
     </p:spTree>
     <p:extLst>
       <p:ext uri="{BB962C8B-B14F-4D97-AF65-F5344CB8AC3E}">
@@ -20611,7 +21809,7 @@
 </p:sld>
 </file>
 
-<file path=ppt/slides/slide22.xml><?xml version="1.0" encoding="utf-8"?>
+<file path=ppt/slides/slide26.xml><?xml version="1.0" encoding="utf-8"?>
 <p:sld xmlns:a="http://schemas.openxmlformats.org/drawingml/2006/main" xmlns:r="http://schemas.openxmlformats.org/officeDocument/2006/relationships" xmlns:p="http://schemas.openxmlformats.org/presentationml/2006/main">
   <p:cSld>
     <p:spTree>
@@ -20712,7 +21910,7 @@
             <a:fld id="{D57F1E4F-1CFF-5643-939E-217C01CDF565}" type="slidenum">
               <a:rPr lang="en-US" smtClean="0"/>
               <a:pPr/>
-              <a:t>22</a:t>
+              <a:t>26</a:t>
             </a:fld>
             <a:endParaRPr lang="en-US" dirty="0"/>
           </a:p>
@@ -20766,7 +21964,7 @@
 </p:sld>
 </file>
 
-<file path=ppt/slides/slide23.xml><?xml version="1.0" encoding="utf-8"?>
+<file path=ppt/slides/slide27.xml><?xml version="1.0" encoding="utf-8"?>
 <p:sld xmlns:a="http://schemas.openxmlformats.org/drawingml/2006/main" xmlns:r="http://schemas.openxmlformats.org/officeDocument/2006/relationships" xmlns:p="http://schemas.openxmlformats.org/presentationml/2006/main">
   <p:cSld>
     <p:spTree>
@@ -20867,7 +22065,7 @@
             <a:fld id="{D57F1E4F-1CFF-5643-939E-217C01CDF565}" type="slidenum">
               <a:rPr lang="en-US" smtClean="0"/>
               <a:pPr/>
-              <a:t>23</a:t>
+              <a:t>27</a:t>
             </a:fld>
             <a:endParaRPr lang="en-US" dirty="0"/>
           </a:p>
@@ -20921,7 +22119,7 @@
 </p:sld>
 </file>
 
-<file path=ppt/slides/slide24.xml><?xml version="1.0" encoding="utf-8"?>
+<file path=ppt/slides/slide28.xml><?xml version="1.0" encoding="utf-8"?>
 <p:sld xmlns:a="http://schemas.openxmlformats.org/drawingml/2006/main" xmlns:r="http://schemas.openxmlformats.org/officeDocument/2006/relationships" xmlns:p="http://schemas.openxmlformats.org/presentationml/2006/main">
   <p:cSld>
     <p:spTree>
@@ -21022,7 +22220,7 @@
             <a:fld id="{D57F1E4F-1CFF-5643-939E-217C01CDF565}" type="slidenum">
               <a:rPr lang="en-US" smtClean="0"/>
               <a:pPr/>
-              <a:t>24</a:t>
+              <a:t>28</a:t>
             </a:fld>
             <a:endParaRPr lang="en-US" dirty="0"/>
           </a:p>
@@ -21120,6 +22318,41 @@
             <a:r>
               <a:rPr lang="de-DE" dirty="0"/>
               <a:t>Note: possibility that different denominator is chosen for test set and train set -&gt; code needs to adjust for that -&gt; especially later in PCOS? -&gt; both denominators should be discarded from data set!</a:t>
+            </a:r>
+          </a:p>
+        </p:txBody>
+      </p:sp>
+      <p:sp>
+        <p:nvSpPr>
+          <p:cNvPr id="7" name="TextBox 6">
+            <a:extLst>
+              <a:ext uri="{FF2B5EF4-FFF2-40B4-BE49-F238E27FC236}">
+                <a16:creationId xmlns:a16="http://schemas.microsoft.com/office/drawing/2014/main" id="{C145CAF5-C088-449B-82D5-630E782E5DA5}"/>
+              </a:ext>
+            </a:extLst>
+          </p:cNvPr>
+          <p:cNvSpPr txBox="1"/>
+          <p:nvPr/>
+        </p:nvSpPr>
+        <p:spPr>
+          <a:xfrm>
+            <a:off x="5882640" y="304958"/>
+            <a:ext cx="6096000" cy="646331"/>
+          </a:xfrm>
+          <a:prstGeom prst="rect">
+            <a:avLst/>
+          </a:prstGeom>
+          <a:noFill/>
+        </p:spPr>
+        <p:txBody>
+          <a:bodyPr wrap="square">
+            <a:spAutoFit/>
+          </a:bodyPr>
+          <a:lstStyle/>
+          <a:p>
+            <a:r>
+              <a:rPr lang="de-DE" b="1" i="1" dirty="0"/>
+              <a:t>Data: D:\Master\Master Biologie\Sommersemester 2022\Master thesis\Github\out\leaky_nonleaky</a:t>
             </a:r>
           </a:p>
         </p:txBody>
@@ -21137,7 +22370,7 @@
 </p:sld>
 </file>
 
-<file path=ppt/slides/slide25.xml><?xml version="1.0" encoding="utf-8"?>
+<file path=ppt/slides/slide29.xml><?xml version="1.0" encoding="utf-8"?>
 <p:sld xmlns:a="http://schemas.openxmlformats.org/drawingml/2006/main" xmlns:r="http://schemas.openxmlformats.org/officeDocument/2006/relationships" xmlns:p="http://schemas.openxmlformats.org/presentationml/2006/main">
   <p:cSld>
     <p:spTree>
@@ -21238,7 +22471,7 @@
             <a:fld id="{D57F1E4F-1CFF-5643-939E-217C01CDF565}" type="slidenum">
               <a:rPr lang="en-US" smtClean="0"/>
               <a:pPr/>
-              <a:t>25</a:t>
+              <a:t>29</a:t>
             </a:fld>
             <a:endParaRPr lang="en-US" dirty="0"/>
           </a:p>
@@ -21956,7 +23189,7 @@
         </p:nvSpPr>
         <p:spPr>
           <a:xfrm rot="365251">
-            <a:off x="8499195" y="499942"/>
+            <a:off x="8696461" y="723959"/>
             <a:ext cx="3710763" cy="369332"/>
           </a:xfrm>
           <a:prstGeom prst="rect">
@@ -21989,159 +23222,12 @@
           </a:p>
         </p:txBody>
       </p:sp>
-    </p:spTree>
-    <p:extLst>
-      <p:ext uri="{BB962C8B-B14F-4D97-AF65-F5344CB8AC3E}">
-        <p14:creationId xmlns:p14="http://schemas.microsoft.com/office/powerpoint/2010/main" val="931708474"/>
-      </p:ext>
-    </p:extLst>
-  </p:cSld>
-  <p:clrMapOvr>
-    <a:masterClrMapping/>
-  </p:clrMapOvr>
-</p:sld>
-</file>
-
-<file path=ppt/slides/slide26.xml><?xml version="1.0" encoding="utf-8"?>
-<p:sld xmlns:a="http://schemas.openxmlformats.org/drawingml/2006/main" xmlns:r="http://schemas.openxmlformats.org/officeDocument/2006/relationships" xmlns:p="http://schemas.openxmlformats.org/presentationml/2006/main">
-  <p:cSld>
-    <p:spTree>
-      <p:nvGrpSpPr>
-        <p:cNvPr id="1" name=""/>
-        <p:cNvGrpSpPr/>
-        <p:nvPr/>
-      </p:nvGrpSpPr>
-      <p:grpSpPr>
-        <a:xfrm>
-          <a:off x="0" y="0"/>
-          <a:ext cx="0" cy="0"/>
-          <a:chOff x="0" y="0"/>
-          <a:chExt cx="0" cy="0"/>
-        </a:xfrm>
-      </p:grpSpPr>
-      <p:sp>
-        <p:nvSpPr>
-          <p:cNvPr id="2" name="Title 1">
+      <p:sp>
+        <p:nvSpPr>
+          <p:cNvPr id="26" name="TextBox 25">
             <a:extLst>
               <a:ext uri="{FF2B5EF4-FFF2-40B4-BE49-F238E27FC236}">
-                <a16:creationId xmlns:a16="http://schemas.microsoft.com/office/drawing/2014/main" id="{5C6C0D5D-1A09-42DA-AAA6-CB769F97AAFD}"/>
-              </a:ext>
-            </a:extLst>
-          </p:cNvPr>
-          <p:cNvSpPr>
-            <a:spLocks noGrp="1"/>
-          </p:cNvSpPr>
-          <p:nvPr>
-            <p:ph type="title"/>
-          </p:nvPr>
-        </p:nvSpPr>
-        <p:spPr/>
-        <p:txBody>
-          <a:bodyPr/>
-          <a:lstStyle/>
-          <a:p>
-            <a:r>
-              <a:rPr lang="de-DE" dirty="0"/>
-              <a:t>CRC</a:t>
-            </a:r>
-          </a:p>
-        </p:txBody>
-      </p:sp>
-      <p:sp>
-        <p:nvSpPr>
-          <p:cNvPr id="4" name="Date Placeholder 3">
-            <a:extLst>
-              <a:ext uri="{FF2B5EF4-FFF2-40B4-BE49-F238E27FC236}">
-                <a16:creationId xmlns:a16="http://schemas.microsoft.com/office/drawing/2014/main" id="{D931F9AA-9EEE-479B-9E4B-F880DD6927F9}"/>
-              </a:ext>
-            </a:extLst>
-          </p:cNvPr>
-          <p:cNvSpPr>
-            <a:spLocks noGrp="1"/>
-          </p:cNvSpPr>
-          <p:nvPr>
-            <p:ph type="dt" sz="half" idx="10"/>
-          </p:nvPr>
-        </p:nvSpPr>
-        <p:spPr/>
-        <p:txBody>
-          <a:bodyPr/>
-          <a:lstStyle/>
-          <a:p>
-            <a:fld id="{36D18B76-5E8B-4456-8722-FC5B14B0F354}" type="datetime1">
-              <a:rPr lang="en-US" smtClean="0"/>
-              <a:pPr/>
-              <a:t>4/22/2022</a:t>
-            </a:fld>
-            <a:endParaRPr lang="en-US" dirty="0"/>
-          </a:p>
-        </p:txBody>
-      </p:sp>
-      <p:sp>
-        <p:nvSpPr>
-          <p:cNvPr id="5" name="Footer Placeholder 4">
-            <a:extLst>
-              <a:ext uri="{FF2B5EF4-FFF2-40B4-BE49-F238E27FC236}">
-                <a16:creationId xmlns:a16="http://schemas.microsoft.com/office/drawing/2014/main" id="{20341FFA-1CC5-4E6A-9383-BD2A101627FE}"/>
-              </a:ext>
-            </a:extLst>
-          </p:cNvPr>
-          <p:cNvSpPr>
-            <a:spLocks noGrp="1"/>
-          </p:cNvSpPr>
-          <p:nvPr>
-            <p:ph type="ftr" sz="quarter" idx="11"/>
-          </p:nvPr>
-        </p:nvSpPr>
-        <p:spPr/>
-        <p:txBody>
-          <a:bodyPr/>
-          <a:lstStyle/>
-          <a:p>
-            <a:r>
-              <a:rPr lang="en-US"/>
-              <a:t>jennifer.neumaier@t-online.de</a:t>
-            </a:r>
-            <a:endParaRPr lang="en-US" dirty="0"/>
-          </a:p>
-        </p:txBody>
-      </p:sp>
-      <p:sp>
-        <p:nvSpPr>
-          <p:cNvPr id="6" name="Slide Number Placeholder 5">
-            <a:extLst>
-              <a:ext uri="{FF2B5EF4-FFF2-40B4-BE49-F238E27FC236}">
-                <a16:creationId xmlns:a16="http://schemas.microsoft.com/office/drawing/2014/main" id="{6B829FC6-6F02-4361-A6FE-C769EAA86509}"/>
-              </a:ext>
-            </a:extLst>
-          </p:cNvPr>
-          <p:cNvSpPr>
-            <a:spLocks noGrp="1"/>
-          </p:cNvSpPr>
-          <p:nvPr>
-            <p:ph type="sldNum" sz="quarter" idx="12"/>
-          </p:nvPr>
-        </p:nvSpPr>
-        <p:spPr/>
-        <p:txBody>
-          <a:bodyPr/>
-          <a:lstStyle/>
-          <a:p>
-            <a:fld id="{D57F1E4F-1CFF-5643-939E-217C01CDF565}" type="slidenum">
-              <a:rPr lang="en-US" smtClean="0"/>
-              <a:pPr/>
-              <a:t>26</a:t>
-            </a:fld>
-            <a:endParaRPr lang="en-US" dirty="0"/>
-          </a:p>
-        </p:txBody>
-      </p:sp>
-      <p:sp>
-        <p:nvSpPr>
-          <p:cNvPr id="9" name="TextBox 8">
-            <a:extLst>
-              <a:ext uri="{FF2B5EF4-FFF2-40B4-BE49-F238E27FC236}">
-                <a16:creationId xmlns:a16="http://schemas.microsoft.com/office/drawing/2014/main" id="{56A23E1A-23FA-4F87-8E6B-B6FB46A737F3}"/>
+                <a16:creationId xmlns:a16="http://schemas.microsoft.com/office/drawing/2014/main" id="{7BD73FED-8DD3-4243-A31B-17C0D41D45CC}"/>
               </a:ext>
             </a:extLst>
           </p:cNvPr>
@@ -22150,8 +23236,8 @@
         </p:nvSpPr>
         <p:spPr>
           <a:xfrm>
-            <a:off x="8746081" y="58580"/>
-            <a:ext cx="3611524" cy="1200329"/>
+            <a:off x="818707" y="1852885"/>
+            <a:ext cx="2764465" cy="646331"/>
           </a:xfrm>
           <a:prstGeom prst="rect">
             <a:avLst/>
@@ -22166,939 +23252,15 @@
           <a:p>
             <a:r>
               <a:rPr lang="de-DE" b="1" i="1" dirty="0"/>
-              <a:t>CRC used</a:t>
-            </a:r>
-          </a:p>
-          <a:p>
-            <a:r>
-              <a:rPr lang="de-DE" b="1" i="1" dirty="0"/>
-              <a:t>Predicted once on GER and once on FRA and then combined</a:t>
-            </a:r>
-          </a:p>
-        </p:txBody>
-      </p:sp>
-      <p:pic>
-        <p:nvPicPr>
-          <p:cNvPr id="10" name="Content Placeholder 9" descr="Chart, waterfall chart&#10;&#10;Description automatically generated">
-            <a:extLst>
-              <a:ext uri="{FF2B5EF4-FFF2-40B4-BE49-F238E27FC236}">
-                <a16:creationId xmlns:a16="http://schemas.microsoft.com/office/drawing/2014/main" id="{66BBAD89-E1E9-43FD-A383-6596EA135C86}"/>
-              </a:ext>
-            </a:extLst>
-          </p:cNvPr>
-          <p:cNvPicPr>
-            <a:picLocks noGrp="1" noChangeAspect="1"/>
-          </p:cNvPicPr>
-          <p:nvPr>
-            <p:ph idx="1"/>
-          </p:nvPr>
-        </p:nvPicPr>
-        <p:blipFill>
-          <a:blip r:embed="rId2"/>
-          <a:stretch>
-            <a:fillRect/>
-          </a:stretch>
-        </p:blipFill>
-        <p:spPr>
-          <a:xfrm>
-            <a:off x="2589212" y="1126326"/>
-            <a:ext cx="6628056" cy="5116996"/>
-          </a:xfrm>
-          <a:ln>
-            <a:solidFill>
-              <a:schemeClr val="tx1"/>
-            </a:solidFill>
-          </a:ln>
-        </p:spPr>
-      </p:pic>
+              <a:t>Only 10% abundance filtering used</a:t>
+            </a:r>
+          </a:p>
+        </p:txBody>
+      </p:sp>
     </p:spTree>
     <p:extLst>
       <p:ext uri="{BB962C8B-B14F-4D97-AF65-F5344CB8AC3E}">
-        <p14:creationId xmlns:p14="http://schemas.microsoft.com/office/powerpoint/2010/main" val="3654203187"/>
-      </p:ext>
-    </p:extLst>
-  </p:cSld>
-  <p:clrMapOvr>
-    <a:masterClrMapping/>
-  </p:clrMapOvr>
-</p:sld>
-</file>
-
-<file path=ppt/slides/slide27.xml><?xml version="1.0" encoding="utf-8"?>
-<p:sld xmlns:a="http://schemas.openxmlformats.org/drawingml/2006/main" xmlns:r="http://schemas.openxmlformats.org/officeDocument/2006/relationships" xmlns:p="http://schemas.openxmlformats.org/presentationml/2006/main">
-  <p:cSld>
-    <p:spTree>
-      <p:nvGrpSpPr>
-        <p:cNvPr id="1" name=""/>
-        <p:cNvGrpSpPr/>
-        <p:nvPr/>
-      </p:nvGrpSpPr>
-      <p:grpSpPr>
-        <a:xfrm>
-          <a:off x="0" y="0"/>
-          <a:ext cx="0" cy="0"/>
-          <a:chOff x="0" y="0"/>
-          <a:chExt cx="0" cy="0"/>
-        </a:xfrm>
-      </p:grpSpPr>
-      <p:sp>
-        <p:nvSpPr>
-          <p:cNvPr id="2" name="Title 1">
-            <a:extLst>
-              <a:ext uri="{FF2B5EF4-FFF2-40B4-BE49-F238E27FC236}">
-                <a16:creationId xmlns:a16="http://schemas.microsoft.com/office/drawing/2014/main" id="{5C6C0D5D-1A09-42DA-AAA6-CB769F97AAFD}"/>
-              </a:ext>
-            </a:extLst>
-          </p:cNvPr>
-          <p:cNvSpPr>
-            <a:spLocks noGrp="1"/>
-          </p:cNvSpPr>
-          <p:nvPr>
-            <p:ph type="title"/>
-          </p:nvPr>
-        </p:nvSpPr>
-        <p:spPr/>
-        <p:txBody>
-          <a:bodyPr/>
-          <a:lstStyle/>
-          <a:p>
-            <a:r>
-              <a:rPr lang="de-DE" dirty="0"/>
-              <a:t>PCOS</a:t>
-            </a:r>
-          </a:p>
-        </p:txBody>
-      </p:sp>
-      <p:sp>
-        <p:nvSpPr>
-          <p:cNvPr id="4" name="Date Placeholder 3">
-            <a:extLst>
-              <a:ext uri="{FF2B5EF4-FFF2-40B4-BE49-F238E27FC236}">
-                <a16:creationId xmlns:a16="http://schemas.microsoft.com/office/drawing/2014/main" id="{D931F9AA-9EEE-479B-9E4B-F880DD6927F9}"/>
-              </a:ext>
-            </a:extLst>
-          </p:cNvPr>
-          <p:cNvSpPr>
-            <a:spLocks noGrp="1"/>
-          </p:cNvSpPr>
-          <p:nvPr>
-            <p:ph type="dt" sz="half" idx="10"/>
-          </p:nvPr>
-        </p:nvSpPr>
-        <p:spPr/>
-        <p:txBody>
-          <a:bodyPr/>
-          <a:lstStyle/>
-          <a:p>
-            <a:fld id="{36D18B76-5E8B-4456-8722-FC5B14B0F354}" type="datetime1">
-              <a:rPr lang="en-US" smtClean="0"/>
-              <a:pPr/>
-              <a:t>4/22/2022</a:t>
-            </a:fld>
-            <a:endParaRPr lang="en-US" dirty="0"/>
-          </a:p>
-        </p:txBody>
-      </p:sp>
-      <p:sp>
-        <p:nvSpPr>
-          <p:cNvPr id="5" name="Footer Placeholder 4">
-            <a:extLst>
-              <a:ext uri="{FF2B5EF4-FFF2-40B4-BE49-F238E27FC236}">
-                <a16:creationId xmlns:a16="http://schemas.microsoft.com/office/drawing/2014/main" id="{20341FFA-1CC5-4E6A-9383-BD2A101627FE}"/>
-              </a:ext>
-            </a:extLst>
-          </p:cNvPr>
-          <p:cNvSpPr>
-            <a:spLocks noGrp="1"/>
-          </p:cNvSpPr>
-          <p:nvPr>
-            <p:ph type="ftr" sz="quarter" idx="11"/>
-          </p:nvPr>
-        </p:nvSpPr>
-        <p:spPr/>
-        <p:txBody>
-          <a:bodyPr/>
-          <a:lstStyle/>
-          <a:p>
-            <a:r>
-              <a:rPr lang="en-US"/>
-              <a:t>jennifer.neumaier@t-online.de</a:t>
-            </a:r>
-            <a:endParaRPr lang="en-US" dirty="0"/>
-          </a:p>
-        </p:txBody>
-      </p:sp>
-      <p:sp>
-        <p:nvSpPr>
-          <p:cNvPr id="6" name="Slide Number Placeholder 5">
-            <a:extLst>
-              <a:ext uri="{FF2B5EF4-FFF2-40B4-BE49-F238E27FC236}">
-                <a16:creationId xmlns:a16="http://schemas.microsoft.com/office/drawing/2014/main" id="{6B829FC6-6F02-4361-A6FE-C769EAA86509}"/>
-              </a:ext>
-            </a:extLst>
-          </p:cNvPr>
-          <p:cNvSpPr>
-            <a:spLocks noGrp="1"/>
-          </p:cNvSpPr>
-          <p:nvPr>
-            <p:ph type="sldNum" sz="quarter" idx="12"/>
-          </p:nvPr>
-        </p:nvSpPr>
-        <p:spPr/>
-        <p:txBody>
-          <a:bodyPr/>
-          <a:lstStyle/>
-          <a:p>
-            <a:fld id="{D57F1E4F-1CFF-5643-939E-217C01CDF565}" type="slidenum">
-              <a:rPr lang="en-US" smtClean="0"/>
-              <a:pPr/>
-              <a:t>27</a:t>
-            </a:fld>
-            <a:endParaRPr lang="en-US" dirty="0"/>
-          </a:p>
-        </p:txBody>
-      </p:sp>
-      <p:pic>
-        <p:nvPicPr>
-          <p:cNvPr id="9" name="Content Placeholder 8" descr="Chart&#10;&#10;Description automatically generated">
-            <a:extLst>
-              <a:ext uri="{FF2B5EF4-FFF2-40B4-BE49-F238E27FC236}">
-                <a16:creationId xmlns:a16="http://schemas.microsoft.com/office/drawing/2014/main" id="{A0E55F21-4603-4C01-9361-01FC63830881}"/>
-              </a:ext>
-            </a:extLst>
-          </p:cNvPr>
-          <p:cNvPicPr>
-            <a:picLocks noGrp="1" noChangeAspect="1"/>
-          </p:cNvPicPr>
-          <p:nvPr>
-            <p:ph idx="1"/>
-          </p:nvPr>
-        </p:nvPicPr>
-        <p:blipFill>
-          <a:blip r:embed="rId2"/>
-          <a:stretch>
-            <a:fillRect/>
-          </a:stretch>
-        </p:blipFill>
-        <p:spPr>
-          <a:xfrm>
-            <a:off x="3526403" y="787782"/>
-            <a:ext cx="6682808" cy="5159266"/>
-          </a:xfrm>
-          <a:ln>
-            <a:solidFill>
-              <a:schemeClr val="tx1"/>
-            </a:solidFill>
-          </a:ln>
-        </p:spPr>
-      </p:pic>
-    </p:spTree>
-    <p:extLst>
-      <p:ext uri="{BB962C8B-B14F-4D97-AF65-F5344CB8AC3E}">
-        <p14:creationId xmlns:p14="http://schemas.microsoft.com/office/powerpoint/2010/main" val="2460614687"/>
-      </p:ext>
-    </p:extLst>
-  </p:cSld>
-  <p:clrMapOvr>
-    <a:masterClrMapping/>
-  </p:clrMapOvr>
-</p:sld>
-</file>
-
-<file path=ppt/slides/slide28.xml><?xml version="1.0" encoding="utf-8"?>
-<p:sld xmlns:a="http://schemas.openxmlformats.org/drawingml/2006/main" xmlns:r="http://schemas.openxmlformats.org/officeDocument/2006/relationships" xmlns:p="http://schemas.openxmlformats.org/presentationml/2006/main">
-  <p:cSld>
-    <p:spTree>
-      <p:nvGrpSpPr>
-        <p:cNvPr id="1" name=""/>
-        <p:cNvGrpSpPr/>
-        <p:nvPr/>
-      </p:nvGrpSpPr>
-      <p:grpSpPr>
-        <a:xfrm>
-          <a:off x="0" y="0"/>
-          <a:ext cx="0" cy="0"/>
-          <a:chOff x="0" y="0"/>
-          <a:chExt cx="0" cy="0"/>
-        </a:xfrm>
-      </p:grpSpPr>
-      <p:sp>
-        <p:nvSpPr>
-          <p:cNvPr id="2" name="Title 1">
-            <a:extLst>
-              <a:ext uri="{FF2B5EF4-FFF2-40B4-BE49-F238E27FC236}">
-                <a16:creationId xmlns:a16="http://schemas.microsoft.com/office/drawing/2014/main" id="{6806FBA4-537C-4226-9D3A-758C7B787D79}"/>
-              </a:ext>
-            </a:extLst>
-          </p:cNvPr>
-          <p:cNvSpPr>
-            <a:spLocks noGrp="1"/>
-          </p:cNvSpPr>
-          <p:nvPr>
-            <p:ph type="title"/>
-          </p:nvPr>
-        </p:nvSpPr>
-        <p:spPr/>
-        <p:txBody>
-          <a:bodyPr/>
-          <a:lstStyle/>
-          <a:p>
-            <a:r>
-              <a:rPr lang="de-DE" b="1" dirty="0"/>
-              <a:t>Pre-Processing</a:t>
-            </a:r>
-            <a:endParaRPr lang="en-US" b="1" dirty="0"/>
-          </a:p>
-        </p:txBody>
-      </p:sp>
-      <p:sp>
-        <p:nvSpPr>
-          <p:cNvPr id="5" name="Footer Placeholder 4">
-            <a:extLst>
-              <a:ext uri="{FF2B5EF4-FFF2-40B4-BE49-F238E27FC236}">
-                <a16:creationId xmlns:a16="http://schemas.microsoft.com/office/drawing/2014/main" id="{707C4F70-832A-416B-9491-EE86347B2812}"/>
-              </a:ext>
-            </a:extLst>
-          </p:cNvPr>
-          <p:cNvSpPr>
-            <a:spLocks noGrp="1"/>
-          </p:cNvSpPr>
-          <p:nvPr>
-            <p:ph type="ftr" sz="quarter" idx="11"/>
-          </p:nvPr>
-        </p:nvSpPr>
-        <p:spPr/>
-        <p:txBody>
-          <a:bodyPr/>
-          <a:lstStyle/>
-          <a:p>
-            <a:r>
-              <a:rPr lang="en-US"/>
-              <a:t>jennifer.neumaier@t-online.de</a:t>
-            </a:r>
-            <a:endParaRPr lang="en-US" dirty="0"/>
-          </a:p>
-        </p:txBody>
-      </p:sp>
-      <p:sp>
-        <p:nvSpPr>
-          <p:cNvPr id="6" name="Slide Number Placeholder 5">
-            <a:extLst>
-              <a:ext uri="{FF2B5EF4-FFF2-40B4-BE49-F238E27FC236}">
-                <a16:creationId xmlns:a16="http://schemas.microsoft.com/office/drawing/2014/main" id="{1028CB34-29B5-49CB-99E4-E945C3D78896}"/>
-              </a:ext>
-            </a:extLst>
-          </p:cNvPr>
-          <p:cNvSpPr>
-            <a:spLocks noGrp="1"/>
-          </p:cNvSpPr>
-          <p:nvPr>
-            <p:ph type="sldNum" sz="quarter" idx="12"/>
-          </p:nvPr>
-        </p:nvSpPr>
-        <p:spPr/>
-        <p:txBody>
-          <a:bodyPr/>
-          <a:lstStyle/>
-          <a:p>
-            <a:fld id="{D57F1E4F-1CFF-5643-939E-217C01CDF565}" type="slidenum">
-              <a:rPr lang="en-US" smtClean="0"/>
-              <a:pPr/>
-              <a:t>28</a:t>
-            </a:fld>
-            <a:endParaRPr lang="en-US" dirty="0"/>
-          </a:p>
-        </p:txBody>
-      </p:sp>
-      <p:sp>
-        <p:nvSpPr>
-          <p:cNvPr id="26" name="TextBox 25">
-            <a:extLst>
-              <a:ext uri="{FF2B5EF4-FFF2-40B4-BE49-F238E27FC236}">
-                <a16:creationId xmlns:a16="http://schemas.microsoft.com/office/drawing/2014/main" id="{CC7BEBFF-3D20-441C-B1B2-0CE34904FDE4}"/>
-              </a:ext>
-            </a:extLst>
-          </p:cNvPr>
-          <p:cNvSpPr txBox="1"/>
-          <p:nvPr/>
-        </p:nvSpPr>
-        <p:spPr>
-          <a:xfrm>
-            <a:off x="1698819" y="1152907"/>
-            <a:ext cx="3654858" cy="400110"/>
-          </a:xfrm>
-          <a:prstGeom prst="rect">
-            <a:avLst/>
-          </a:prstGeom>
-          <a:noFill/>
-        </p:spPr>
-        <p:txBody>
-          <a:bodyPr wrap="square" rtlCol="0">
-            <a:spAutoFit/>
-          </a:bodyPr>
-          <a:lstStyle/>
-          <a:p>
-            <a:r>
-              <a:rPr lang="de-DE" sz="2000" i="1" dirty="0"/>
-              <a:t>Problems and Notes</a:t>
-            </a:r>
-          </a:p>
-        </p:txBody>
-      </p:sp>
-      <p:sp>
-        <p:nvSpPr>
-          <p:cNvPr id="7" name="TextBox 6">
-            <a:extLst>
-              <a:ext uri="{FF2B5EF4-FFF2-40B4-BE49-F238E27FC236}">
-                <a16:creationId xmlns:a16="http://schemas.microsoft.com/office/drawing/2014/main" id="{B43BF96F-7A11-4087-9B01-CF6AACD20E04}"/>
-              </a:ext>
-            </a:extLst>
-          </p:cNvPr>
-          <p:cNvSpPr txBox="1"/>
-          <p:nvPr/>
-        </p:nvSpPr>
-        <p:spPr>
-          <a:xfrm>
-            <a:off x="1698819" y="1834296"/>
-            <a:ext cx="7102549" cy="1754326"/>
-          </a:xfrm>
-          <a:prstGeom prst="rect">
-            <a:avLst/>
-          </a:prstGeom>
-          <a:noFill/>
-        </p:spPr>
-        <p:txBody>
-          <a:bodyPr wrap="square" rtlCol="0">
-            <a:spAutoFit/>
-          </a:bodyPr>
-          <a:lstStyle/>
-          <a:p>
-            <a:r>
-              <a:rPr lang="de-DE" u="sng" dirty="0"/>
-              <a:t>CRC</a:t>
-            </a:r>
-            <a:r>
-              <a:rPr lang="de-DE" dirty="0"/>
-              <a:t>:</a:t>
-            </a:r>
-          </a:p>
-          <a:p>
-            <a:pPr marL="285750" indent="-285750">
-              <a:buFontTx/>
-              <a:buChar char="-"/>
-            </a:pPr>
-            <a:r>
-              <a:rPr lang="de-DE" dirty="0"/>
-              <a:t>128 rows removed due to NA in BMI</a:t>
-            </a:r>
-          </a:p>
-          <a:p>
-            <a:pPr marL="285750" indent="-285750">
-              <a:buFontTx/>
-              <a:buChar char="-"/>
-            </a:pPr>
-            <a:r>
-              <a:rPr lang="de-DE" dirty="0"/>
-              <a:t>DE saved separately as holdout </a:t>
-            </a:r>
-          </a:p>
-          <a:p>
-            <a:pPr marL="285750" indent="-285750">
-              <a:buFontTx/>
-              <a:buChar char="-"/>
-            </a:pPr>
-            <a:r>
-              <a:rPr lang="de-DE" dirty="0"/>
-              <a:t>All tests were done with country sets: USA, China, Austria, France</a:t>
-            </a:r>
-          </a:p>
-          <a:p>
-            <a:pPr marL="285750" indent="-285750">
-              <a:buFontTx/>
-              <a:buChar char="-"/>
-            </a:pPr>
-            <a:endParaRPr lang="de-DE" dirty="0"/>
-          </a:p>
-        </p:txBody>
-      </p:sp>
-      <p:sp>
-        <p:nvSpPr>
-          <p:cNvPr id="29" name="TextBox 28">
-            <a:extLst>
-              <a:ext uri="{FF2B5EF4-FFF2-40B4-BE49-F238E27FC236}">
-                <a16:creationId xmlns:a16="http://schemas.microsoft.com/office/drawing/2014/main" id="{FD214281-F802-4F96-A098-F69D765E4AFA}"/>
-              </a:ext>
-            </a:extLst>
-          </p:cNvPr>
-          <p:cNvSpPr txBox="1"/>
-          <p:nvPr/>
-        </p:nvSpPr>
-        <p:spPr>
-          <a:xfrm>
-            <a:off x="6199935" y="93132"/>
-            <a:ext cx="6097772" cy="1815882"/>
-          </a:xfrm>
-          <a:prstGeom prst="rect">
-            <a:avLst/>
-          </a:prstGeom>
-          <a:noFill/>
-        </p:spPr>
-        <p:txBody>
-          <a:bodyPr wrap="square">
-            <a:spAutoFit/>
-          </a:bodyPr>
-          <a:lstStyle/>
-          <a:p>
-            <a:r>
-              <a:rPr lang="de-DE" sz="1400" u="sng" dirty="0"/>
-              <a:t>Imputation</a:t>
-            </a:r>
-            <a:r>
-              <a:rPr lang="de-DE" sz="1400" dirty="0"/>
-              <a:t>:</a:t>
-            </a:r>
-          </a:p>
-          <a:p>
-            <a:pPr marL="285750" indent="-285750">
-              <a:buFontTx/>
-              <a:buChar char="-"/>
-            </a:pPr>
-            <a:r>
-              <a:rPr lang="de-DE" sz="1400" dirty="0"/>
-              <a:t>mbImpute needs phylogenetic tree -&gt; ignored for now </a:t>
-            </a:r>
-          </a:p>
-          <a:p>
-            <a:pPr marL="285750" indent="-285750">
-              <a:buFontTx/>
-              <a:buChar char="-"/>
-            </a:pPr>
-            <a:r>
-              <a:rPr lang="de-DE" sz="1400" dirty="0"/>
-              <a:t>EstMB dataset: pseudocount inserts decimal values between 0 and 1</a:t>
-            </a:r>
-          </a:p>
-          <a:p>
-            <a:pPr marL="742950" lvl="1" indent="-285750">
-              <a:buFontTx/>
-              <a:buChar char="-"/>
-            </a:pPr>
-            <a:r>
-              <a:rPr lang="de-DE" sz="1400" dirty="0"/>
-              <a:t>Solution for now: all these values were rounded up to 1</a:t>
-            </a:r>
-          </a:p>
-          <a:p>
-            <a:pPr marL="742950" lvl="1" indent="-285750">
-              <a:buFontTx/>
-              <a:buChar char="-"/>
-            </a:pPr>
-            <a:r>
-              <a:rPr lang="de-DE" sz="1400" dirty="0"/>
-              <a:t>Possibly in a later run keep decimal values, because some papers suggest sensitivity to pseudocount in machine learning models </a:t>
-            </a:r>
-          </a:p>
-        </p:txBody>
-      </p:sp>
-      <p:sp>
-        <p:nvSpPr>
-          <p:cNvPr id="8" name="TextBox 7">
-            <a:extLst>
-              <a:ext uri="{FF2B5EF4-FFF2-40B4-BE49-F238E27FC236}">
-                <a16:creationId xmlns:a16="http://schemas.microsoft.com/office/drawing/2014/main" id="{20ADFB58-875E-4AAE-BDAE-D861E7F9DC27}"/>
-              </a:ext>
-            </a:extLst>
-          </p:cNvPr>
-          <p:cNvSpPr txBox="1"/>
-          <p:nvPr/>
-        </p:nvSpPr>
-        <p:spPr>
-          <a:xfrm>
-            <a:off x="1720971" y="3408432"/>
-            <a:ext cx="7102549" cy="1200329"/>
-          </a:xfrm>
-          <a:prstGeom prst="rect">
-            <a:avLst/>
-          </a:prstGeom>
-          <a:noFill/>
-        </p:spPr>
-        <p:txBody>
-          <a:bodyPr wrap="square" rtlCol="0">
-            <a:spAutoFit/>
-          </a:bodyPr>
-          <a:lstStyle/>
-          <a:p>
-            <a:r>
-              <a:rPr lang="de-DE" u="sng" dirty="0"/>
-              <a:t>PCOS</a:t>
-            </a:r>
-            <a:r>
-              <a:rPr lang="de-DE" dirty="0"/>
-              <a:t>:</a:t>
-            </a:r>
-          </a:p>
-          <a:p>
-            <a:pPr marL="285750" indent="-285750">
-              <a:buFontTx/>
-              <a:buChar char="-"/>
-            </a:pPr>
-            <a:r>
-              <a:rPr lang="de-DE" dirty="0"/>
-              <a:t>6 rows removed in abundance table because they were not included in metadata</a:t>
-            </a:r>
-          </a:p>
-          <a:p>
-            <a:pPr marL="285750" indent="-285750">
-              <a:buFontTx/>
-              <a:buChar char="-"/>
-            </a:pPr>
-            <a:endParaRPr lang="de-DE" dirty="0"/>
-          </a:p>
-        </p:txBody>
-      </p:sp>
-      <p:sp>
-        <p:nvSpPr>
-          <p:cNvPr id="9" name="TextBox 8">
-            <a:extLst>
-              <a:ext uri="{FF2B5EF4-FFF2-40B4-BE49-F238E27FC236}">
-                <a16:creationId xmlns:a16="http://schemas.microsoft.com/office/drawing/2014/main" id="{C84548D0-C361-4108-B284-1351D54B8DFD}"/>
-              </a:ext>
-            </a:extLst>
-          </p:cNvPr>
-          <p:cNvSpPr txBox="1"/>
-          <p:nvPr/>
-        </p:nvSpPr>
-        <p:spPr>
-          <a:xfrm>
-            <a:off x="1720971" y="4717667"/>
-            <a:ext cx="7102549" cy="1200329"/>
-          </a:xfrm>
-          <a:prstGeom prst="rect">
-            <a:avLst/>
-          </a:prstGeom>
-          <a:noFill/>
-        </p:spPr>
-        <p:txBody>
-          <a:bodyPr wrap="square" rtlCol="0">
-            <a:spAutoFit/>
-          </a:bodyPr>
-          <a:lstStyle/>
-          <a:p>
-            <a:r>
-              <a:rPr lang="de-DE" u="sng" dirty="0"/>
-              <a:t>EstMB</a:t>
-            </a:r>
-            <a:r>
-              <a:rPr lang="de-DE" dirty="0"/>
-              <a:t>:</a:t>
-            </a:r>
-          </a:p>
-          <a:p>
-            <a:pPr marL="285750" indent="-285750">
-              <a:buFontTx/>
-              <a:buChar char="-"/>
-            </a:pPr>
-            <a:r>
-              <a:rPr lang="de-DE" dirty="0"/>
-              <a:t>21 rows removed in metadata due to NA</a:t>
-            </a:r>
-          </a:p>
-          <a:p>
-            <a:pPr marL="285750" indent="-285750">
-              <a:buFontTx/>
-              <a:buChar char="-"/>
-            </a:pPr>
-            <a:r>
-              <a:rPr lang="de-DE" dirty="0"/>
-              <a:t>21 patients cut out of abundance table due to metadata</a:t>
-            </a:r>
-          </a:p>
-          <a:p>
-            <a:pPr marL="285750" indent="-285750">
-              <a:buFontTx/>
-              <a:buChar char="-"/>
-            </a:pPr>
-            <a:endParaRPr lang="de-DE" dirty="0"/>
-          </a:p>
-        </p:txBody>
-      </p:sp>
-    </p:spTree>
-    <p:extLst>
-      <p:ext uri="{BB962C8B-B14F-4D97-AF65-F5344CB8AC3E}">
-        <p14:creationId xmlns:p14="http://schemas.microsoft.com/office/powerpoint/2010/main" val="3215538767"/>
-      </p:ext>
-    </p:extLst>
-  </p:cSld>
-  <p:clrMapOvr>
-    <a:masterClrMapping/>
-  </p:clrMapOvr>
-</p:sld>
-</file>
-
-<file path=ppt/slides/slide29.xml><?xml version="1.0" encoding="utf-8"?>
-<p:sld xmlns:a="http://schemas.openxmlformats.org/drawingml/2006/main" xmlns:r="http://schemas.openxmlformats.org/officeDocument/2006/relationships" xmlns:p="http://schemas.openxmlformats.org/presentationml/2006/main">
-  <p:cSld>
-    <p:spTree>
-      <p:nvGrpSpPr>
-        <p:cNvPr id="1" name=""/>
-        <p:cNvGrpSpPr/>
-        <p:nvPr/>
-      </p:nvGrpSpPr>
-      <p:grpSpPr>
-        <a:xfrm>
-          <a:off x="0" y="0"/>
-          <a:ext cx="0" cy="0"/>
-          <a:chOff x="0" y="0"/>
-          <a:chExt cx="0" cy="0"/>
-        </a:xfrm>
-      </p:grpSpPr>
-      <p:sp>
-        <p:nvSpPr>
-          <p:cNvPr id="2" name="Title 1">
-            <a:extLst>
-              <a:ext uri="{FF2B5EF4-FFF2-40B4-BE49-F238E27FC236}">
-                <a16:creationId xmlns:a16="http://schemas.microsoft.com/office/drawing/2014/main" id="{6806FBA4-537C-4226-9D3A-758C7B787D79}"/>
-              </a:ext>
-            </a:extLst>
-          </p:cNvPr>
-          <p:cNvSpPr>
-            <a:spLocks noGrp="1"/>
-          </p:cNvSpPr>
-          <p:nvPr>
-            <p:ph type="title"/>
-          </p:nvPr>
-        </p:nvSpPr>
-        <p:spPr/>
-        <p:txBody>
-          <a:bodyPr/>
-          <a:lstStyle/>
-          <a:p>
-            <a:r>
-              <a:rPr lang="de-DE" b="1" dirty="0"/>
-              <a:t>Transformations</a:t>
-            </a:r>
-            <a:endParaRPr lang="en-US" b="1" dirty="0"/>
-          </a:p>
-        </p:txBody>
-      </p:sp>
-      <p:sp>
-        <p:nvSpPr>
-          <p:cNvPr id="5" name="Footer Placeholder 4">
-            <a:extLst>
-              <a:ext uri="{FF2B5EF4-FFF2-40B4-BE49-F238E27FC236}">
-                <a16:creationId xmlns:a16="http://schemas.microsoft.com/office/drawing/2014/main" id="{707C4F70-832A-416B-9491-EE86347B2812}"/>
-              </a:ext>
-            </a:extLst>
-          </p:cNvPr>
-          <p:cNvSpPr>
-            <a:spLocks noGrp="1"/>
-          </p:cNvSpPr>
-          <p:nvPr>
-            <p:ph type="ftr" sz="quarter" idx="11"/>
-          </p:nvPr>
-        </p:nvSpPr>
-        <p:spPr/>
-        <p:txBody>
-          <a:bodyPr/>
-          <a:lstStyle/>
-          <a:p>
-            <a:r>
-              <a:rPr lang="en-US" dirty="0"/>
-              <a:t>jennifer.neumaier@t-online.de</a:t>
-            </a:r>
-          </a:p>
-        </p:txBody>
-      </p:sp>
-      <p:sp>
-        <p:nvSpPr>
-          <p:cNvPr id="6" name="Slide Number Placeholder 5">
-            <a:extLst>
-              <a:ext uri="{FF2B5EF4-FFF2-40B4-BE49-F238E27FC236}">
-                <a16:creationId xmlns:a16="http://schemas.microsoft.com/office/drawing/2014/main" id="{1028CB34-29B5-49CB-99E4-E945C3D78896}"/>
-              </a:ext>
-            </a:extLst>
-          </p:cNvPr>
-          <p:cNvSpPr>
-            <a:spLocks noGrp="1"/>
-          </p:cNvSpPr>
-          <p:nvPr>
-            <p:ph type="sldNum" sz="quarter" idx="12"/>
-          </p:nvPr>
-        </p:nvSpPr>
-        <p:spPr/>
-        <p:txBody>
-          <a:bodyPr/>
-          <a:lstStyle/>
-          <a:p>
-            <a:fld id="{D57F1E4F-1CFF-5643-939E-217C01CDF565}" type="slidenum">
-              <a:rPr lang="en-US" smtClean="0"/>
-              <a:pPr/>
-              <a:t>29</a:t>
-            </a:fld>
-            <a:endParaRPr lang="en-US" dirty="0"/>
-          </a:p>
-        </p:txBody>
-      </p:sp>
-      <p:sp>
-        <p:nvSpPr>
-          <p:cNvPr id="26" name="TextBox 25">
-            <a:extLst>
-              <a:ext uri="{FF2B5EF4-FFF2-40B4-BE49-F238E27FC236}">
-                <a16:creationId xmlns:a16="http://schemas.microsoft.com/office/drawing/2014/main" id="{CC7BEBFF-3D20-441C-B1B2-0CE34904FDE4}"/>
-              </a:ext>
-            </a:extLst>
-          </p:cNvPr>
-          <p:cNvSpPr txBox="1"/>
-          <p:nvPr/>
-        </p:nvSpPr>
-        <p:spPr>
-          <a:xfrm>
-            <a:off x="1698819" y="1152907"/>
-            <a:ext cx="3654858" cy="400110"/>
-          </a:xfrm>
-          <a:prstGeom prst="rect">
-            <a:avLst/>
-          </a:prstGeom>
-          <a:noFill/>
-        </p:spPr>
-        <p:txBody>
-          <a:bodyPr wrap="square" rtlCol="0">
-            <a:spAutoFit/>
-          </a:bodyPr>
-          <a:lstStyle/>
-          <a:p>
-            <a:r>
-              <a:rPr lang="de-DE" sz="2000" i="1" dirty="0"/>
-              <a:t>Problems and Notes</a:t>
-            </a:r>
-          </a:p>
-        </p:txBody>
-      </p:sp>
-      <p:sp>
-        <p:nvSpPr>
-          <p:cNvPr id="7" name="TextBox 6">
-            <a:extLst>
-              <a:ext uri="{FF2B5EF4-FFF2-40B4-BE49-F238E27FC236}">
-                <a16:creationId xmlns:a16="http://schemas.microsoft.com/office/drawing/2014/main" id="{B43BF96F-7A11-4087-9B01-CF6AACD20E04}"/>
-              </a:ext>
-            </a:extLst>
-          </p:cNvPr>
-          <p:cNvSpPr txBox="1"/>
-          <p:nvPr/>
-        </p:nvSpPr>
-        <p:spPr>
-          <a:xfrm>
-            <a:off x="2589212" y="1742696"/>
-            <a:ext cx="7102549" cy="1477328"/>
-          </a:xfrm>
-          <a:prstGeom prst="rect">
-            <a:avLst/>
-          </a:prstGeom>
-          <a:noFill/>
-        </p:spPr>
-        <p:txBody>
-          <a:bodyPr wrap="square" rtlCol="0">
-            <a:spAutoFit/>
-          </a:bodyPr>
-          <a:lstStyle/>
-          <a:p>
-            <a:r>
-              <a:rPr lang="de-DE" u="sng" dirty="0"/>
-              <a:t>CLR/ALR</a:t>
-            </a:r>
-            <a:r>
-              <a:rPr lang="de-DE" dirty="0"/>
-              <a:t>:</a:t>
-            </a:r>
-          </a:p>
-          <a:p>
-            <a:pPr marL="285750" indent="-285750">
-              <a:buFontTx/>
-              <a:buChar char="-"/>
-            </a:pPr>
-            <a:r>
-              <a:rPr lang="de-DE" dirty="0"/>
-              <a:t>What to do with LR.wt?</a:t>
-            </a:r>
-          </a:p>
-          <a:p>
-            <a:pPr marL="285750" indent="-285750">
-              <a:buFontTx/>
-              <a:buChar char="-"/>
-            </a:pPr>
-            <a:r>
-              <a:rPr lang="de-DE" dirty="0"/>
-              <a:t>What to do with part.names and part.wt?</a:t>
-            </a:r>
-          </a:p>
-          <a:p>
-            <a:pPr marL="285750" indent="-285750">
-              <a:buFontTx/>
-              <a:buChar char="-"/>
-            </a:pPr>
-            <a:r>
-              <a:rPr lang="de-DE" dirty="0"/>
-              <a:t>Column names ALR?</a:t>
-            </a:r>
-          </a:p>
-          <a:p>
-            <a:endParaRPr lang="de-DE" dirty="0"/>
-          </a:p>
-        </p:txBody>
-      </p:sp>
-      <p:sp>
-        <p:nvSpPr>
-          <p:cNvPr id="8" name="TextBox 7">
-            <a:extLst>
-              <a:ext uri="{FF2B5EF4-FFF2-40B4-BE49-F238E27FC236}">
-                <a16:creationId xmlns:a16="http://schemas.microsoft.com/office/drawing/2014/main" id="{42B7B4AF-462B-468E-AAF9-0BB332281A81}"/>
-              </a:ext>
-            </a:extLst>
-          </p:cNvPr>
-          <p:cNvSpPr txBox="1"/>
-          <p:nvPr/>
-        </p:nvSpPr>
-        <p:spPr>
-          <a:xfrm>
-            <a:off x="2589212" y="3278973"/>
-            <a:ext cx="7102549" cy="923330"/>
-          </a:xfrm>
-          <a:prstGeom prst="rect">
-            <a:avLst/>
-          </a:prstGeom>
-          <a:noFill/>
-        </p:spPr>
-        <p:txBody>
-          <a:bodyPr wrap="square" rtlCol="0">
-            <a:spAutoFit/>
-          </a:bodyPr>
-          <a:lstStyle/>
-          <a:p>
-            <a:r>
-              <a:rPr lang="de-DE" u="sng" dirty="0"/>
-              <a:t>EstMB:</a:t>
-            </a:r>
-            <a:endParaRPr lang="de-DE" dirty="0"/>
-          </a:p>
-          <a:p>
-            <a:pPr marL="285750" indent="-285750">
-              <a:buFontTx/>
-              <a:buChar char="-"/>
-            </a:pPr>
-            <a:r>
-              <a:rPr lang="de-DE" dirty="0"/>
-              <a:t>Needs a lot of time for ALR -&gt; solved in HPC?</a:t>
-            </a:r>
-          </a:p>
-          <a:p>
-            <a:endParaRPr lang="de-DE" dirty="0"/>
-          </a:p>
-        </p:txBody>
-      </p:sp>
-    </p:spTree>
-    <p:extLst>
-      <p:ext uri="{BB962C8B-B14F-4D97-AF65-F5344CB8AC3E}">
-        <p14:creationId xmlns:p14="http://schemas.microsoft.com/office/powerpoint/2010/main" val="3441935650"/>
+        <p14:creationId xmlns:p14="http://schemas.microsoft.com/office/powerpoint/2010/main" val="931708474"/>
       </p:ext>
     </p:extLst>
   </p:cSld>
@@ -23182,7 +23344,7 @@
           <a:p>
             <a:fld id="{BCCEB706-B4FB-4DF7-BDF7-514AEA7F06D0}" type="datetime1">
               <a:rPr lang="en-US" smtClean="0"/>
-              <a:t>4/22/2022</a:t>
+              <a:t>4/25/2022</a:t>
             </a:fld>
             <a:endParaRPr lang="en-US" dirty="0"/>
           </a:p>
@@ -25898,7 +26060,7 @@
           <p:cNvPr id="2" name="Title 1">
             <a:extLst>
               <a:ext uri="{FF2B5EF4-FFF2-40B4-BE49-F238E27FC236}">
-                <a16:creationId xmlns:a16="http://schemas.microsoft.com/office/drawing/2014/main" id="{6806FBA4-537C-4226-9D3A-758C7B787D79}"/>
+                <a16:creationId xmlns:a16="http://schemas.microsoft.com/office/drawing/2014/main" id="{5C6C0D5D-1A09-42DA-AAA6-CB769F97AAFD}"/>
               </a:ext>
             </a:extLst>
           </p:cNvPr>
@@ -25916,9 +26078,38 @@
           <a:p>
             <a:r>
               <a:rPr lang="de-DE" b="1" dirty="0"/>
-              <a:t>Hierarchy dimensionality reduction</a:t>
-            </a:r>
-            <a:endParaRPr lang="en-US" b="1" dirty="0"/>
+              <a:t>CRC</a:t>
+            </a:r>
+          </a:p>
+        </p:txBody>
+      </p:sp>
+      <p:sp>
+        <p:nvSpPr>
+          <p:cNvPr id="4" name="Date Placeholder 3">
+            <a:extLst>
+              <a:ext uri="{FF2B5EF4-FFF2-40B4-BE49-F238E27FC236}">
+                <a16:creationId xmlns:a16="http://schemas.microsoft.com/office/drawing/2014/main" id="{D931F9AA-9EEE-479B-9E4B-F880DD6927F9}"/>
+              </a:ext>
+            </a:extLst>
+          </p:cNvPr>
+          <p:cNvSpPr>
+            <a:spLocks noGrp="1"/>
+          </p:cNvSpPr>
+          <p:nvPr>
+            <p:ph type="dt" sz="half" idx="10"/>
+          </p:nvPr>
+        </p:nvSpPr>
+        <p:spPr/>
+        <p:txBody>
+          <a:bodyPr/>
+          <a:lstStyle/>
+          <a:p>
+            <a:fld id="{36D18B76-5E8B-4456-8722-FC5B14B0F354}" type="datetime1">
+              <a:rPr lang="en-US" smtClean="0"/>
+              <a:pPr/>
+              <a:t>4/25/2022</a:t>
+            </a:fld>
+            <a:endParaRPr lang="en-US" dirty="0"/>
           </a:p>
         </p:txBody>
       </p:sp>
@@ -25927,7 +26118,7 @@
           <p:cNvPr id="5" name="Footer Placeholder 4">
             <a:extLst>
               <a:ext uri="{FF2B5EF4-FFF2-40B4-BE49-F238E27FC236}">
-                <a16:creationId xmlns:a16="http://schemas.microsoft.com/office/drawing/2014/main" id="{707C4F70-832A-416B-9491-EE86347B2812}"/>
+                <a16:creationId xmlns:a16="http://schemas.microsoft.com/office/drawing/2014/main" id="{20341FFA-1CC5-4E6A-9383-BD2A101627FE}"/>
               </a:ext>
             </a:extLst>
           </p:cNvPr>
@@ -25944,10 +26135,9 @@
           <a:lstStyle/>
           <a:p>
             <a:r>
-              <a:rPr lang="en-US"/>
+              <a:rPr lang="en-US" dirty="0"/>
               <a:t>jennifer.neumaier@t-online.de</a:t>
             </a:r>
-            <a:endParaRPr lang="en-US" dirty="0"/>
           </a:p>
         </p:txBody>
       </p:sp>
@@ -25956,7 +26146,7 @@
           <p:cNvPr id="6" name="Slide Number Placeholder 5">
             <a:extLst>
               <a:ext uri="{FF2B5EF4-FFF2-40B4-BE49-F238E27FC236}">
-                <a16:creationId xmlns:a16="http://schemas.microsoft.com/office/drawing/2014/main" id="{1028CB34-29B5-49CB-99E4-E945C3D78896}"/>
+                <a16:creationId xmlns:a16="http://schemas.microsoft.com/office/drawing/2014/main" id="{6B829FC6-6F02-4361-A6FE-C769EAA86509}"/>
               </a:ext>
             </a:extLst>
           </p:cNvPr>
@@ -25981,12 +26171,46 @@
           </a:p>
         </p:txBody>
       </p:sp>
-      <p:sp>
-        <p:nvSpPr>
-          <p:cNvPr id="26" name="TextBox 25">
+      <p:pic>
+        <p:nvPicPr>
+          <p:cNvPr id="10" name="Content Placeholder 9" descr="Chart, waterfall chart&#10;&#10;Description automatically generated">
             <a:extLst>
               <a:ext uri="{FF2B5EF4-FFF2-40B4-BE49-F238E27FC236}">
-                <a16:creationId xmlns:a16="http://schemas.microsoft.com/office/drawing/2014/main" id="{CC7BEBFF-3D20-441C-B1B2-0CE34904FDE4}"/>
+                <a16:creationId xmlns:a16="http://schemas.microsoft.com/office/drawing/2014/main" id="{66BBAD89-E1E9-43FD-A383-6596EA135C86}"/>
+              </a:ext>
+            </a:extLst>
+          </p:cNvPr>
+          <p:cNvPicPr>
+            <a:picLocks noGrp="1" noChangeAspect="1"/>
+          </p:cNvPicPr>
+          <p:nvPr>
+            <p:ph idx="1"/>
+          </p:nvPr>
+        </p:nvPicPr>
+        <p:blipFill>
+          <a:blip r:embed="rId2"/>
+          <a:stretch>
+            <a:fillRect/>
+          </a:stretch>
+        </p:blipFill>
+        <p:spPr>
+          <a:xfrm>
+            <a:off x="416188" y="1650290"/>
+            <a:ext cx="5437141" cy="4197585"/>
+          </a:xfrm>
+          <a:ln>
+            <a:solidFill>
+              <a:schemeClr val="tx1"/>
+            </a:solidFill>
+          </a:ln>
+        </p:spPr>
+      </p:pic>
+      <p:sp>
+        <p:nvSpPr>
+          <p:cNvPr id="9" name="TextBox 8">
+            <a:extLst>
+              <a:ext uri="{FF2B5EF4-FFF2-40B4-BE49-F238E27FC236}">
+                <a16:creationId xmlns:a16="http://schemas.microsoft.com/office/drawing/2014/main" id="{56A23E1A-23FA-4F87-8E6B-B6FB46A737F3}"/>
               </a:ext>
             </a:extLst>
           </p:cNvPr>
@@ -25994,14 +26218,16 @@
           <p:nvPr/>
         </p:nvSpPr>
         <p:spPr>
-          <a:xfrm>
-            <a:off x="1698819" y="1152907"/>
-            <a:ext cx="3654858" cy="400110"/>
+          <a:xfrm rot="1180550">
+            <a:off x="4228735" y="1444935"/>
+            <a:ext cx="2686853" cy="600164"/>
           </a:xfrm>
           <a:prstGeom prst="rect">
             <a:avLst/>
           </a:prstGeom>
-          <a:noFill/>
+          <a:solidFill>
+            <a:schemeClr val="bg1"/>
+          </a:solidFill>
         </p:spPr>
         <p:txBody>
           <a:bodyPr wrap="square" rtlCol="0">
@@ -26009,89 +26235,68 @@
           </a:bodyPr>
           <a:lstStyle/>
           <a:p>
-            <a:r>
-              <a:rPr lang="de-DE" sz="2000" i="1" dirty="0"/>
-              <a:t>Problems and Notes</a:t>
-            </a:r>
-          </a:p>
-        </p:txBody>
-      </p:sp>
-      <p:sp>
-        <p:nvSpPr>
-          <p:cNvPr id="7" name="TextBox 6">
+            <a:pPr algn="ctr"/>
+            <a:r>
+              <a:rPr lang="de-DE" sz="1100" b="1" i="1" dirty="0">
+                <a:solidFill>
+                  <a:srgbClr val="FF0000"/>
+                </a:solidFill>
+              </a:rPr>
+              <a:t>CRC used</a:t>
+            </a:r>
+          </a:p>
+          <a:p>
+            <a:pPr algn="ctr"/>
+            <a:r>
+              <a:rPr lang="de-DE" sz="1100" b="1" i="1" dirty="0">
+                <a:solidFill>
+                  <a:srgbClr val="FF0000"/>
+                </a:solidFill>
+              </a:rPr>
+              <a:t>Predicted once on GER and once on FRA and then combined</a:t>
+            </a:r>
+          </a:p>
+        </p:txBody>
+      </p:sp>
+      <p:pic>
+        <p:nvPicPr>
+          <p:cNvPr id="7" name="Picture 6" descr="Chart&#10;&#10;Description automatically generated">
             <a:extLst>
               <a:ext uri="{FF2B5EF4-FFF2-40B4-BE49-F238E27FC236}">
-                <a16:creationId xmlns:a16="http://schemas.microsoft.com/office/drawing/2014/main" id="{B43BF96F-7A11-4087-9B01-CF6AACD20E04}"/>
+                <a16:creationId xmlns:a16="http://schemas.microsoft.com/office/drawing/2014/main" id="{B69CD0B5-F26F-4A9A-960E-8032F5E988A5}"/>
               </a:ext>
             </a:extLst>
           </p:cNvPr>
-          <p:cNvSpPr txBox="1"/>
+          <p:cNvPicPr>
+            <a:picLocks noChangeAspect="1"/>
+          </p:cNvPicPr>
           <p:nvPr/>
-        </p:nvSpPr>
+        </p:nvPicPr>
+        <p:blipFill>
+          <a:blip r:embed="rId3"/>
+          <a:stretch>
+            <a:fillRect/>
+          </a:stretch>
+        </p:blipFill>
         <p:spPr>
           <a:xfrm>
-            <a:off x="2589212" y="1742696"/>
-            <a:ext cx="7102549" cy="1754326"/>
+            <a:off x="6095999" y="1650290"/>
+            <a:ext cx="6223726" cy="4197584"/>
           </a:xfrm>
           <a:prstGeom prst="rect">
             <a:avLst/>
           </a:prstGeom>
-          <a:noFill/>
+          <a:ln>
+            <a:solidFill>
+              <a:schemeClr val="tx1"/>
+            </a:solidFill>
+          </a:ln>
         </p:spPr>
-        <p:txBody>
-          <a:bodyPr wrap="square" rtlCol="0">
-            <a:spAutoFit/>
-          </a:bodyPr>
-          <a:lstStyle/>
-          <a:p>
-            <a:r>
-              <a:rPr lang="de-DE" u="sng" dirty="0"/>
-              <a:t>PCA</a:t>
-            </a:r>
-            <a:r>
-              <a:rPr lang="de-DE" dirty="0"/>
-              <a:t>:</a:t>
-            </a:r>
-          </a:p>
-          <a:p>
-            <a:pPr marL="285750" indent="-285750">
-              <a:buFontTx/>
-              <a:buChar char="-"/>
-            </a:pPr>
-            <a:r>
-              <a:rPr lang="de-DE" dirty="0"/>
-              <a:t>Microbiome Preprocessing Machine Learning Pipeline (2021)</a:t>
-            </a:r>
-          </a:p>
-          <a:p>
-            <a:pPr marL="285750" indent="-285750">
-              <a:buFontTx/>
-              <a:buChar char="-"/>
-            </a:pPr>
-            <a:r>
-              <a:rPr lang="de-DE" dirty="0"/>
-              <a:t>Proposes to use PCA as hierarchy reduction </a:t>
-            </a:r>
-          </a:p>
-          <a:p>
-            <a:pPr marL="285750" indent="-285750">
-              <a:buFontTx/>
-              <a:buChar char="-"/>
-            </a:pPr>
-            <a:r>
-              <a:rPr lang="de-DE" dirty="0"/>
-              <a:t>Families can be clustered and genus is not necessary</a:t>
-            </a:r>
-          </a:p>
-          <a:p>
-            <a:endParaRPr lang="de-DE" dirty="0"/>
-          </a:p>
-        </p:txBody>
-      </p:sp>
+      </p:pic>
     </p:spTree>
     <p:extLst>
       <p:ext uri="{BB962C8B-B14F-4D97-AF65-F5344CB8AC3E}">
-        <p14:creationId xmlns:p14="http://schemas.microsoft.com/office/powerpoint/2010/main" val="2182919606"/>
+        <p14:creationId xmlns:p14="http://schemas.microsoft.com/office/powerpoint/2010/main" val="3654203187"/>
       </p:ext>
     </p:extLst>
   </p:cSld>
@@ -26123,7 +26328,7 @@
           <p:cNvPr id="2" name="Title 1">
             <a:extLst>
               <a:ext uri="{FF2B5EF4-FFF2-40B4-BE49-F238E27FC236}">
-                <a16:creationId xmlns:a16="http://schemas.microsoft.com/office/drawing/2014/main" id="{6806FBA4-537C-4226-9D3A-758C7B787D79}"/>
+                <a16:creationId xmlns:a16="http://schemas.microsoft.com/office/drawing/2014/main" id="{5C6C0D5D-1A09-42DA-AAA6-CB769F97AAFD}"/>
               </a:ext>
             </a:extLst>
           </p:cNvPr>
@@ -26136,16 +26341,72 @@
         </p:nvSpPr>
         <p:spPr/>
         <p:txBody>
-          <a:bodyPr>
-            <a:normAutofit/>
-          </a:bodyPr>
+          <a:bodyPr/>
           <a:lstStyle/>
           <a:p>
             <a:r>
-              <a:rPr lang="de-DE" sz="3200" b="1" dirty="0"/>
-              <a:t>mikropml</a:t>
-            </a:r>
-            <a:endParaRPr lang="en-US" sz="3200" b="1" dirty="0"/>
+              <a:rPr lang="de-DE" b="1" dirty="0"/>
+              <a:t>PCOS</a:t>
+            </a:r>
+          </a:p>
+        </p:txBody>
+      </p:sp>
+      <p:sp>
+        <p:nvSpPr>
+          <p:cNvPr id="4" name="Date Placeholder 3">
+            <a:extLst>
+              <a:ext uri="{FF2B5EF4-FFF2-40B4-BE49-F238E27FC236}">
+                <a16:creationId xmlns:a16="http://schemas.microsoft.com/office/drawing/2014/main" id="{D931F9AA-9EEE-479B-9E4B-F880DD6927F9}"/>
+              </a:ext>
+            </a:extLst>
+          </p:cNvPr>
+          <p:cNvSpPr>
+            <a:spLocks noGrp="1"/>
+          </p:cNvSpPr>
+          <p:nvPr>
+            <p:ph type="dt" sz="half" idx="10"/>
+          </p:nvPr>
+        </p:nvSpPr>
+        <p:spPr/>
+        <p:txBody>
+          <a:bodyPr/>
+          <a:lstStyle/>
+          <a:p>
+            <a:fld id="{36D18B76-5E8B-4456-8722-FC5B14B0F354}" type="datetime1">
+              <a:rPr lang="en-US" smtClean="0"/>
+              <a:pPr/>
+              <a:t>4/25/2022</a:t>
+            </a:fld>
+            <a:endParaRPr lang="en-US" dirty="0"/>
+          </a:p>
+        </p:txBody>
+      </p:sp>
+      <p:sp>
+        <p:nvSpPr>
+          <p:cNvPr id="5" name="Footer Placeholder 4">
+            <a:extLst>
+              <a:ext uri="{FF2B5EF4-FFF2-40B4-BE49-F238E27FC236}">
+                <a16:creationId xmlns:a16="http://schemas.microsoft.com/office/drawing/2014/main" id="{20341FFA-1CC5-4E6A-9383-BD2A101627FE}"/>
+              </a:ext>
+            </a:extLst>
+          </p:cNvPr>
+          <p:cNvSpPr>
+            <a:spLocks noGrp="1"/>
+          </p:cNvSpPr>
+          <p:nvPr>
+            <p:ph type="ftr" sz="quarter" idx="11"/>
+          </p:nvPr>
+        </p:nvSpPr>
+        <p:spPr/>
+        <p:txBody>
+          <a:bodyPr/>
+          <a:lstStyle/>
+          <a:p>
+            <a:r>
+              <a:rPr lang="en-US"/>
+              <a:t>jennifer.neumaier@t-online.de</a:t>
+            </a:r>
+            <a:endParaRPr lang="en-US" dirty="0"/>
           </a:p>
         </p:txBody>
       </p:sp>
@@ -26154,7 +26415,7 @@
           <p:cNvPr id="6" name="Slide Number Placeholder 5">
             <a:extLst>
               <a:ext uri="{FF2B5EF4-FFF2-40B4-BE49-F238E27FC236}">
-                <a16:creationId xmlns:a16="http://schemas.microsoft.com/office/drawing/2014/main" id="{1028CB34-29B5-49CB-99E4-E945C3D78896}"/>
+                <a16:creationId xmlns:a16="http://schemas.microsoft.com/office/drawing/2014/main" id="{6B829FC6-6F02-4361-A6FE-C769EAA86509}"/>
               </a:ext>
             </a:extLst>
           </p:cNvPr>
@@ -26179,195 +26440,44 @@
           </a:p>
         </p:txBody>
       </p:sp>
-      <p:sp>
-        <p:nvSpPr>
-          <p:cNvPr id="8" name="TextBox 7">
+      <p:pic>
+        <p:nvPicPr>
+          <p:cNvPr id="10" name="Content Placeholder 9" descr="Chart&#10;&#10;Description automatically generated">
             <a:extLst>
               <a:ext uri="{FF2B5EF4-FFF2-40B4-BE49-F238E27FC236}">
-                <a16:creationId xmlns:a16="http://schemas.microsoft.com/office/drawing/2014/main" id="{C9FAD4F5-81D5-4890-8BB5-F06C93EDD254}"/>
+                <a16:creationId xmlns:a16="http://schemas.microsoft.com/office/drawing/2014/main" id="{34AEC27B-F8AF-445F-B5C1-2D62CA60A524}"/>
               </a:ext>
             </a:extLst>
           </p:cNvPr>
-          <p:cNvSpPr txBox="1"/>
-          <p:nvPr/>
-        </p:nvSpPr>
+          <p:cNvPicPr>
+            <a:picLocks noGrp="1" noChangeAspect="1"/>
+          </p:cNvPicPr>
+          <p:nvPr>
+            <p:ph idx="1"/>
+          </p:nvPr>
+        </p:nvPicPr>
+        <p:blipFill>
+          <a:blip r:embed="rId2"/>
+          <a:stretch>
+            <a:fillRect/>
+          </a:stretch>
+        </p:blipFill>
         <p:spPr>
           <a:xfrm>
-            <a:off x="1392866" y="1268569"/>
-            <a:ext cx="8753253" cy="5509200"/>
+            <a:off x="3788722" y="787782"/>
+            <a:ext cx="7336478" cy="4948079"/>
           </a:xfrm>
-          <a:prstGeom prst="rect">
-            <a:avLst/>
-          </a:prstGeom>
-          <a:noFill/>
+          <a:ln>
+            <a:solidFill>
+              <a:schemeClr val="tx1"/>
+            </a:solidFill>
+          </a:ln>
         </p:spPr>
-        <p:txBody>
-          <a:bodyPr wrap="square">
-            <a:spAutoFit/>
-          </a:bodyPr>
-          <a:lstStyle/>
-          <a:p>
-            <a:r>
-              <a:rPr lang="de-DE" sz="1100" dirty="0"/>
-              <a:t>Testing out mikropml as it already has a function run_ml() that incorporates nested cross-validation for several standard supervised machine learning models:</a:t>
-            </a:r>
-          </a:p>
-          <a:p>
-            <a:endParaRPr lang="de-DE" sz="1100" dirty="0"/>
-          </a:p>
-          <a:p>
-            <a:r>
-              <a:rPr lang="de-DE" sz="1100" dirty="0"/>
-              <a:t>    Logistic/multiclass/linear regression ("glmnet")</a:t>
-            </a:r>
-          </a:p>
-          <a:p>
-            <a:r>
-              <a:rPr lang="de-DE" sz="1100" dirty="0"/>
-              <a:t>    Random forest ("rf")</a:t>
-            </a:r>
-          </a:p>
-          <a:p>
-            <a:r>
-              <a:rPr lang="de-DE" sz="1100" dirty="0"/>
-              <a:t>    Decision tree ("rpart2")</a:t>
-            </a:r>
-          </a:p>
-          <a:p>
-            <a:r>
-              <a:rPr lang="de-DE" sz="1100" dirty="0"/>
-              <a:t>    Support vector machine with a radial basis kernel ("svmRadial")</a:t>
-            </a:r>
-          </a:p>
-          <a:p>
-            <a:r>
-              <a:rPr lang="de-DE" sz="1100" dirty="0"/>
-              <a:t>    xgboost ("xgbTree")</a:t>
-            </a:r>
-          </a:p>
-          <a:p>
-            <a:endParaRPr lang="de-DE" sz="1100" dirty="0"/>
-          </a:p>
-          <a:p>
-            <a:r>
-              <a:rPr lang="de-DE" sz="1100" dirty="0"/>
-              <a:t>Test it here for linear regression and xgboost.</a:t>
-            </a:r>
-          </a:p>
-          <a:p>
-            <a:r>
-              <a:rPr lang="de-DE" sz="1100" dirty="0"/>
-              <a:t>Function run_ml has several parameters:</a:t>
-            </a:r>
-          </a:p>
-          <a:p>
-            <a:r>
-              <a:rPr lang="de-DE" sz="1100" dirty="0"/>
-              <a:t>           dataset,</a:t>
-            </a:r>
-          </a:p>
-          <a:p>
-            <a:r>
-              <a:rPr lang="de-DE" sz="1100" dirty="0"/>
-              <a:t>           method,</a:t>
-            </a:r>
-          </a:p>
-          <a:p>
-            <a:r>
-              <a:rPr lang="de-DE" sz="1100" dirty="0"/>
-              <a:t>           outcome_colname = NULL, (standardized the first column)</a:t>
-            </a:r>
-          </a:p>
-          <a:p>
-            <a:r>
-              <a:rPr lang="de-DE" sz="1100" dirty="0"/>
-              <a:t>           hyperparameters = NULL,</a:t>
-            </a:r>
-          </a:p>
-          <a:p>
-            <a:r>
-              <a:rPr lang="de-DE" sz="1100" dirty="0"/>
-              <a:t>           find_feature_importance = FALSE, (`TRUE` is recommended if you would like to identify features important for predicting your                                                outcome, but it is resource-intensive.</a:t>
-            </a:r>
-          </a:p>
-          <a:p>
-            <a:r>
-              <a:rPr lang="de-DE" sz="1100" dirty="0"/>
-              <a:t>           calculate_performance = TRUE,</a:t>
-            </a:r>
-          </a:p>
-          <a:p>
-            <a:r>
-              <a:rPr lang="de-DE" sz="1100" dirty="0"/>
-              <a:t>           kfold = 5, (standard at 5)</a:t>
-            </a:r>
-          </a:p>
-          <a:p>
-            <a:r>
-              <a:rPr lang="de-DE" sz="1100" dirty="0"/>
-              <a:t>           cv_times = 100, (standard at 100)</a:t>
-            </a:r>
-          </a:p>
-          <a:p>
-            <a:r>
-              <a:rPr lang="de-DE" sz="1100" dirty="0"/>
-              <a:t>           cross_val = NULL, (cross_val a custom cross-validation scheme from `caret::trainControl()` (default: `NULL`, uses `kfold` cross                              validation repeated `cv_times`). `kfold` and `cv_times` are ignored if the user provides a custom                                          cross-validation scheme.)</a:t>
-            </a:r>
-          </a:p>
-          <a:p>
-            <a:r>
-              <a:rPr lang="de-DE" sz="1100" dirty="0"/>
-              <a:t>           training_frac = 0.8, (standard at 0.8)</a:t>
-            </a:r>
-          </a:p>
-          <a:p>
-            <a:r>
-              <a:rPr lang="de-DE" sz="1100" dirty="0"/>
-              <a:t>           perf_metric_function = NULL,</a:t>
-            </a:r>
-          </a:p>
-          <a:p>
-            <a:r>
-              <a:rPr lang="de-DE" sz="1100" dirty="0"/>
-              <a:t>           perf_metric_name = NULL,</a:t>
-            </a:r>
-          </a:p>
-          <a:p>
-            <a:r>
-              <a:rPr lang="de-DE" sz="1100" dirty="0"/>
-              <a:t>           groups = NULL,</a:t>
-            </a:r>
-          </a:p>
-          <a:p>
-            <a:r>
-              <a:rPr lang="de-DE" sz="1100" dirty="0"/>
-              <a:t>           group_partitions = NULL,</a:t>
-            </a:r>
-          </a:p>
-          <a:p>
-            <a:r>
-              <a:rPr lang="de-DE" sz="1100" dirty="0"/>
-              <a:t>           corr_thresh = 1,</a:t>
-            </a:r>
-          </a:p>
-          <a:p>
-            <a:r>
-              <a:rPr lang="de-DE" sz="1100" dirty="0"/>
-              <a:t>           ntree = 1000, (For random forest, how many trees to use (default: `1000`). Caret doesn't allow this hyperparameter to be tuned)</a:t>
-            </a:r>
-          </a:p>
-          <a:p>
-            <a:r>
-              <a:rPr lang="de-DE" sz="1100" dirty="0"/>
-              <a:t>           seed = NA (set seed for reproducibility)</a:t>
-            </a:r>
-          </a:p>
-        </p:txBody>
-      </p:sp>
+      </p:pic>
     </p:spTree>
     <p:extLst>
       <p:ext uri="{BB962C8B-B14F-4D97-AF65-F5344CB8AC3E}">
-        <p14:creationId xmlns:p14="http://schemas.microsoft.com/office/powerpoint/2010/main" val="3541464901"/>
+        <p14:creationId xmlns:p14="http://schemas.microsoft.com/office/powerpoint/2010/main" val="2460614687"/>
       </p:ext>
     </p:extLst>
   </p:cSld>
@@ -26399,7 +26509,7 @@
           <p:cNvPr id="2" name="Title 1">
             <a:extLst>
               <a:ext uri="{FF2B5EF4-FFF2-40B4-BE49-F238E27FC236}">
-                <a16:creationId xmlns:a16="http://schemas.microsoft.com/office/drawing/2014/main" id="{169D9D37-B637-4D74-BB75-639D51A491FB}"/>
+                <a16:creationId xmlns:a16="http://schemas.microsoft.com/office/drawing/2014/main" id="{6806FBA4-537C-4226-9D3A-758C7B787D79}"/>
               </a:ext>
             </a:extLst>
           </p:cNvPr>
@@ -26410,118 +26520,16 @@
             <p:ph type="title"/>
           </p:nvPr>
         </p:nvSpPr>
-        <p:spPr>
-          <a:xfrm>
-            <a:off x="1640156" y="628124"/>
-            <a:ext cx="8911687" cy="1280890"/>
-          </a:xfrm>
-        </p:spPr>
+        <p:spPr/>
         <p:txBody>
           <a:bodyPr/>
           <a:lstStyle/>
           <a:p>
             <a:r>
               <a:rPr lang="de-DE" b="1" dirty="0"/>
-              <a:t>Data set</a:t>
+              <a:t>Pre-Processing</a:t>
             </a:r>
             <a:endParaRPr lang="en-US" b="1" dirty="0"/>
-          </a:p>
-        </p:txBody>
-      </p:sp>
-      <p:sp>
-        <p:nvSpPr>
-          <p:cNvPr id="3" name="Content Placeholder 2">
-            <a:extLst>
-              <a:ext uri="{FF2B5EF4-FFF2-40B4-BE49-F238E27FC236}">
-                <a16:creationId xmlns:a16="http://schemas.microsoft.com/office/drawing/2014/main" id="{D4D56813-9DF8-4D28-B156-1DE48E95DBC2}"/>
-              </a:ext>
-            </a:extLst>
-          </p:cNvPr>
-          <p:cNvSpPr>
-            <a:spLocks noGrp="1"/>
-          </p:cNvSpPr>
-          <p:nvPr>
-            <p:ph idx="1"/>
-          </p:nvPr>
-        </p:nvSpPr>
-        <p:spPr>
-          <a:xfrm>
-            <a:off x="2592495" y="1317171"/>
-            <a:ext cx="8915400" cy="4369465"/>
-          </a:xfrm>
-        </p:spPr>
-        <p:txBody>
-          <a:bodyPr>
-            <a:normAutofit/>
-          </a:bodyPr>
-          <a:lstStyle/>
-          <a:p>
-            <a:r>
-              <a:rPr lang="de-DE" dirty="0"/>
-              <a:t>Compare what Thomas P. Quinn uses (13 datasets) and take out from estonian biobank</a:t>
-            </a:r>
-          </a:p>
-          <a:p>
-            <a:r>
-              <a:rPr lang="de-DE" dirty="0"/>
-              <a:t> prediction/classification tasks</a:t>
-            </a:r>
-          </a:p>
-          <a:p>
-            <a:r>
-              <a:rPr lang="de-DE" dirty="0"/>
-              <a:t>One with continuous and one with discrete variables</a:t>
-            </a:r>
-          </a:p>
-          <a:p>
-            <a:r>
-              <a:rPr lang="de-DE" dirty="0"/>
-              <a:t>one with high correlation and one with low to microbiomes</a:t>
-            </a:r>
-          </a:p>
-          <a:p>
-            <a:r>
-              <a:rPr lang="de-DE" dirty="0"/>
-              <a:t>one small and one large data set</a:t>
-            </a:r>
-          </a:p>
-          <a:p>
-            <a:r>
-              <a:rPr lang="de-DE" dirty="0"/>
-              <a:t>EstMB, colorectal cancer, PCOS</a:t>
-            </a:r>
-          </a:p>
-          <a:p>
-            <a:endParaRPr lang="de-DE" dirty="0"/>
-          </a:p>
-        </p:txBody>
-      </p:sp>
-      <p:sp>
-        <p:nvSpPr>
-          <p:cNvPr id="4" name="Date Placeholder 3">
-            <a:extLst>
-              <a:ext uri="{FF2B5EF4-FFF2-40B4-BE49-F238E27FC236}">
-                <a16:creationId xmlns:a16="http://schemas.microsoft.com/office/drawing/2014/main" id="{D53DB4F4-84EC-4588-88E6-8D8519D6A1E8}"/>
-              </a:ext>
-            </a:extLst>
-          </p:cNvPr>
-          <p:cNvSpPr>
-            <a:spLocks noGrp="1"/>
-          </p:cNvSpPr>
-          <p:nvPr>
-            <p:ph type="dt" sz="half" idx="10"/>
-          </p:nvPr>
-        </p:nvSpPr>
-        <p:spPr/>
-        <p:txBody>
-          <a:bodyPr/>
-          <a:lstStyle/>
-          <a:p>
-            <a:fld id="{5A2DBB50-F561-45B0-9BE5-95A455D2CD8B}" type="datetime1">
-              <a:rPr lang="en-US" smtClean="0"/>
-              <a:t>4/22/2022</a:t>
-            </a:fld>
-            <a:endParaRPr lang="en-US" dirty="0"/>
           </a:p>
         </p:txBody>
       </p:sp>
@@ -26530,7 +26538,7 @@
           <p:cNvPr id="5" name="Footer Placeholder 4">
             <a:extLst>
               <a:ext uri="{FF2B5EF4-FFF2-40B4-BE49-F238E27FC236}">
-                <a16:creationId xmlns:a16="http://schemas.microsoft.com/office/drawing/2014/main" id="{A7F3346A-3F24-484B-A6D3-55D66520C917}"/>
+                <a16:creationId xmlns:a16="http://schemas.microsoft.com/office/drawing/2014/main" id="{707C4F70-832A-416B-9491-EE86347B2812}"/>
               </a:ext>
             </a:extLst>
           </p:cNvPr>
@@ -26559,7 +26567,7 @@
           <p:cNvPr id="6" name="Slide Number Placeholder 5">
             <a:extLst>
               <a:ext uri="{FF2B5EF4-FFF2-40B4-BE49-F238E27FC236}">
-                <a16:creationId xmlns:a16="http://schemas.microsoft.com/office/drawing/2014/main" id="{C4B3B4A6-E708-4F88-8CA2-BDE8FCF0C0AC}"/>
+                <a16:creationId xmlns:a16="http://schemas.microsoft.com/office/drawing/2014/main" id="{1028CB34-29B5-49CB-99E4-E945C3D78896}"/>
               </a:ext>
             </a:extLst>
           </p:cNvPr>
@@ -26586,10 +26594,10 @@
       </p:sp>
       <p:sp>
         <p:nvSpPr>
-          <p:cNvPr id="8" name="TextBox 7">
+          <p:cNvPr id="26" name="TextBox 25">
             <a:extLst>
               <a:ext uri="{FF2B5EF4-FFF2-40B4-BE49-F238E27FC236}">
-                <a16:creationId xmlns:a16="http://schemas.microsoft.com/office/drawing/2014/main" id="{6A373959-7937-4239-AAA7-0B90CAF1A620}"/>
+                <a16:creationId xmlns:a16="http://schemas.microsoft.com/office/drawing/2014/main" id="{CC7BEBFF-3D20-441C-B1B2-0CE34904FDE4}"/>
               </a:ext>
             </a:extLst>
           </p:cNvPr>
@@ -26598,8 +26606,8 @@
         </p:nvSpPr>
         <p:spPr>
           <a:xfrm>
-            <a:off x="2260283" y="4487322"/>
-            <a:ext cx="6097904" cy="923330"/>
+            <a:off x="1698819" y="1152907"/>
+            <a:ext cx="3654858" cy="400110"/>
           </a:xfrm>
           <a:prstGeom prst="rect">
             <a:avLst/>
@@ -26607,28 +26615,299 @@
           <a:noFill/>
         </p:spPr>
         <p:txBody>
+          <a:bodyPr wrap="square" rtlCol="0">
+            <a:spAutoFit/>
+          </a:bodyPr>
+          <a:lstStyle/>
+          <a:p>
+            <a:r>
+              <a:rPr lang="de-DE" sz="2000" i="1" dirty="0"/>
+              <a:t>Problems and Notes</a:t>
+            </a:r>
+          </a:p>
+        </p:txBody>
+      </p:sp>
+      <p:sp>
+        <p:nvSpPr>
+          <p:cNvPr id="7" name="TextBox 6">
+            <a:extLst>
+              <a:ext uri="{FF2B5EF4-FFF2-40B4-BE49-F238E27FC236}">
+                <a16:creationId xmlns:a16="http://schemas.microsoft.com/office/drawing/2014/main" id="{B43BF96F-7A11-4087-9B01-CF6AACD20E04}"/>
+              </a:ext>
+            </a:extLst>
+          </p:cNvPr>
+          <p:cNvSpPr txBox="1"/>
+          <p:nvPr/>
+        </p:nvSpPr>
+        <p:spPr>
+          <a:xfrm>
+            <a:off x="1698819" y="1834296"/>
+            <a:ext cx="7102549" cy="1754326"/>
+          </a:xfrm>
+          <a:prstGeom prst="rect">
+            <a:avLst/>
+          </a:prstGeom>
+          <a:noFill/>
+        </p:spPr>
+        <p:txBody>
+          <a:bodyPr wrap="square" rtlCol="0">
+            <a:spAutoFit/>
+          </a:bodyPr>
+          <a:lstStyle/>
+          <a:p>
+            <a:r>
+              <a:rPr lang="de-DE" u="sng" dirty="0"/>
+              <a:t>CRC</a:t>
+            </a:r>
+            <a:r>
+              <a:rPr lang="de-DE" dirty="0"/>
+              <a:t>:</a:t>
+            </a:r>
+          </a:p>
+          <a:p>
+            <a:pPr marL="285750" indent="-285750">
+              <a:buFontTx/>
+              <a:buChar char="-"/>
+            </a:pPr>
+            <a:r>
+              <a:rPr lang="de-DE" dirty="0"/>
+              <a:t>128 rows removed due to NA in BMI</a:t>
+            </a:r>
+          </a:p>
+          <a:p>
+            <a:pPr marL="285750" indent="-285750">
+              <a:buFontTx/>
+              <a:buChar char="-"/>
+            </a:pPr>
+            <a:r>
+              <a:rPr lang="de-DE" dirty="0"/>
+              <a:t>DE saved separately as holdout </a:t>
+            </a:r>
+          </a:p>
+          <a:p>
+            <a:pPr marL="285750" indent="-285750">
+              <a:buFontTx/>
+              <a:buChar char="-"/>
+            </a:pPr>
+            <a:r>
+              <a:rPr lang="de-DE" dirty="0"/>
+              <a:t>All tests were done with country sets: USA, China, Austria, France</a:t>
+            </a:r>
+          </a:p>
+          <a:p>
+            <a:pPr marL="285750" indent="-285750">
+              <a:buFontTx/>
+              <a:buChar char="-"/>
+            </a:pPr>
+            <a:endParaRPr lang="de-DE" dirty="0"/>
+          </a:p>
+        </p:txBody>
+      </p:sp>
+      <p:sp>
+        <p:nvSpPr>
+          <p:cNvPr id="29" name="TextBox 28">
+            <a:extLst>
+              <a:ext uri="{FF2B5EF4-FFF2-40B4-BE49-F238E27FC236}">
+                <a16:creationId xmlns:a16="http://schemas.microsoft.com/office/drawing/2014/main" id="{FD214281-F802-4F96-A098-F69D765E4AFA}"/>
+              </a:ext>
+            </a:extLst>
+          </p:cNvPr>
+          <p:cNvSpPr txBox="1"/>
+          <p:nvPr/>
+        </p:nvSpPr>
+        <p:spPr>
+          <a:xfrm>
+            <a:off x="6199935" y="93132"/>
+            <a:ext cx="6097772" cy="1815882"/>
+          </a:xfrm>
+          <a:prstGeom prst="rect">
+            <a:avLst/>
+          </a:prstGeom>
+          <a:noFill/>
+        </p:spPr>
+        <p:txBody>
           <a:bodyPr wrap="square">
             <a:spAutoFit/>
           </a:bodyPr>
           <a:lstStyle/>
           <a:p>
             <a:r>
-              <a:rPr lang="de-DE" b="1" dirty="0"/>
-              <a:t>CRC data set preparation and models:</a:t>
-            </a:r>
-          </a:p>
-          <a:p>
+              <a:rPr lang="de-DE" sz="1400" u="sng" dirty="0"/>
+              <a:t>Imputation</a:t>
+            </a:r>
+            <a:r>
+              <a:rPr lang="de-DE" sz="1400" dirty="0"/>
+              <a:t>:</a:t>
+            </a:r>
+          </a:p>
+          <a:p>
+            <a:pPr marL="285750" indent="-285750">
+              <a:buFontTx/>
+              <a:buChar char="-"/>
+            </a:pPr>
+            <a:r>
+              <a:rPr lang="de-DE" sz="1400" dirty="0"/>
+              <a:t>mbImpute needs phylogenetic tree -&gt; ignored for now </a:t>
+            </a:r>
+          </a:p>
+          <a:p>
+            <a:pPr marL="285750" indent="-285750">
+              <a:buFontTx/>
+              <a:buChar char="-"/>
+            </a:pPr>
+            <a:r>
+              <a:rPr lang="de-DE" sz="1400" dirty="0"/>
+              <a:t>EstMB dataset: pseudocount inserts decimal values between 0 and 1</a:t>
+            </a:r>
+          </a:p>
+          <a:p>
+            <a:pPr marL="742950" lvl="1" indent="-285750">
+              <a:buFontTx/>
+              <a:buChar char="-"/>
+            </a:pPr>
+            <a:r>
+              <a:rPr lang="de-DE" sz="1400" dirty="0"/>
+              <a:t>Solution for now: all these values were rounded up to 1</a:t>
+            </a:r>
+          </a:p>
+          <a:p>
+            <a:pPr marL="742950" lvl="1" indent="-285750">
+              <a:buFontTx/>
+              <a:buChar char="-"/>
+            </a:pPr>
+            <a:r>
+              <a:rPr lang="de-DE" sz="1400" dirty="0"/>
+              <a:t>Possibly in a later run keep decimal values, because some papers suggest sensitivity to pseudocount in machine learning models </a:t>
+            </a:r>
+          </a:p>
+        </p:txBody>
+      </p:sp>
+      <p:sp>
+        <p:nvSpPr>
+          <p:cNvPr id="8" name="TextBox 7">
+            <a:extLst>
+              <a:ext uri="{FF2B5EF4-FFF2-40B4-BE49-F238E27FC236}">
+                <a16:creationId xmlns:a16="http://schemas.microsoft.com/office/drawing/2014/main" id="{20ADFB58-875E-4AAE-BDAE-D861E7F9DC27}"/>
+              </a:ext>
+            </a:extLst>
+          </p:cNvPr>
+          <p:cNvSpPr txBox="1"/>
+          <p:nvPr/>
+        </p:nvSpPr>
+        <p:spPr>
+          <a:xfrm>
+            <a:off x="1720971" y="3408432"/>
+            <a:ext cx="7102549" cy="1200329"/>
+          </a:xfrm>
+          <a:prstGeom prst="rect">
+            <a:avLst/>
+          </a:prstGeom>
+          <a:noFill/>
+        </p:spPr>
+        <p:txBody>
+          <a:bodyPr wrap="square" rtlCol="0">
+            <a:spAutoFit/>
+          </a:bodyPr>
+          <a:lstStyle/>
+          <a:p>
+            <a:r>
+              <a:rPr lang="de-DE" u="sng" dirty="0"/>
+              <a:t>PCOS</a:t>
+            </a:r>
             <a:r>
               <a:rPr lang="de-DE" dirty="0"/>
-              <a:t>https://github.com/zellerlab/crc_meta/blob/master/src/prepare_data.R</a:t>
-            </a:r>
+              <a:t>:</a:t>
+            </a:r>
+          </a:p>
+          <a:p>
+            <a:pPr marL="285750" indent="-285750">
+              <a:buFontTx/>
+              <a:buChar char="-"/>
+            </a:pPr>
+            <a:r>
+              <a:rPr lang="de-DE" dirty="0"/>
+              <a:t>6 rows removed in abundance table because they were not included in metadata</a:t>
+            </a:r>
+          </a:p>
+          <a:p>
+            <a:pPr marL="285750" indent="-285750">
+              <a:buFontTx/>
+              <a:buChar char="-"/>
+            </a:pPr>
+            <a:endParaRPr lang="de-DE" dirty="0"/>
+          </a:p>
+        </p:txBody>
+      </p:sp>
+      <p:sp>
+        <p:nvSpPr>
+          <p:cNvPr id="9" name="TextBox 8">
+            <a:extLst>
+              <a:ext uri="{FF2B5EF4-FFF2-40B4-BE49-F238E27FC236}">
+                <a16:creationId xmlns:a16="http://schemas.microsoft.com/office/drawing/2014/main" id="{C84548D0-C361-4108-B284-1351D54B8DFD}"/>
+              </a:ext>
+            </a:extLst>
+          </p:cNvPr>
+          <p:cNvSpPr txBox="1"/>
+          <p:nvPr/>
+        </p:nvSpPr>
+        <p:spPr>
+          <a:xfrm>
+            <a:off x="1720971" y="4717667"/>
+            <a:ext cx="7102549" cy="1200329"/>
+          </a:xfrm>
+          <a:prstGeom prst="rect">
+            <a:avLst/>
+          </a:prstGeom>
+          <a:noFill/>
+        </p:spPr>
+        <p:txBody>
+          <a:bodyPr wrap="square" rtlCol="0">
+            <a:spAutoFit/>
+          </a:bodyPr>
+          <a:lstStyle/>
+          <a:p>
+            <a:r>
+              <a:rPr lang="de-DE" u="sng" dirty="0"/>
+              <a:t>EstMB</a:t>
+            </a:r>
+            <a:r>
+              <a:rPr lang="de-DE" dirty="0"/>
+              <a:t>:</a:t>
+            </a:r>
+          </a:p>
+          <a:p>
+            <a:pPr marL="285750" indent="-285750">
+              <a:buFontTx/>
+              <a:buChar char="-"/>
+            </a:pPr>
+            <a:r>
+              <a:rPr lang="de-DE" dirty="0"/>
+              <a:t>21 rows removed in metadata due to NA</a:t>
+            </a:r>
+          </a:p>
+          <a:p>
+            <a:pPr marL="285750" indent="-285750">
+              <a:buFontTx/>
+              <a:buChar char="-"/>
+            </a:pPr>
+            <a:r>
+              <a:rPr lang="de-DE" dirty="0"/>
+              <a:t>21 patients cut out of abundance table due to metadata</a:t>
+            </a:r>
+          </a:p>
+          <a:p>
+            <a:pPr marL="285750" indent="-285750">
+              <a:buFontTx/>
+              <a:buChar char="-"/>
+            </a:pPr>
+            <a:endParaRPr lang="de-DE" dirty="0"/>
           </a:p>
         </p:txBody>
       </p:sp>
     </p:spTree>
     <p:extLst>
       <p:ext uri="{BB962C8B-B14F-4D97-AF65-F5344CB8AC3E}">
-        <p14:creationId xmlns:p14="http://schemas.microsoft.com/office/powerpoint/2010/main" val="4097922265"/>
+        <p14:creationId xmlns:p14="http://schemas.microsoft.com/office/powerpoint/2010/main" val="3215538767"/>
       </p:ext>
     </p:extLst>
   </p:cSld>
@@ -26660,6 +26939,1041 @@
           <p:cNvPr id="2" name="Title 1">
             <a:extLst>
               <a:ext uri="{FF2B5EF4-FFF2-40B4-BE49-F238E27FC236}">
+                <a16:creationId xmlns:a16="http://schemas.microsoft.com/office/drawing/2014/main" id="{6806FBA4-537C-4226-9D3A-758C7B787D79}"/>
+              </a:ext>
+            </a:extLst>
+          </p:cNvPr>
+          <p:cNvSpPr>
+            <a:spLocks noGrp="1"/>
+          </p:cNvSpPr>
+          <p:nvPr>
+            <p:ph type="title"/>
+          </p:nvPr>
+        </p:nvSpPr>
+        <p:spPr/>
+        <p:txBody>
+          <a:bodyPr/>
+          <a:lstStyle/>
+          <a:p>
+            <a:r>
+              <a:rPr lang="de-DE" b="1" dirty="0"/>
+              <a:t>Transformations</a:t>
+            </a:r>
+            <a:endParaRPr lang="en-US" b="1" dirty="0"/>
+          </a:p>
+        </p:txBody>
+      </p:sp>
+      <p:sp>
+        <p:nvSpPr>
+          <p:cNvPr id="5" name="Footer Placeholder 4">
+            <a:extLst>
+              <a:ext uri="{FF2B5EF4-FFF2-40B4-BE49-F238E27FC236}">
+                <a16:creationId xmlns:a16="http://schemas.microsoft.com/office/drawing/2014/main" id="{707C4F70-832A-416B-9491-EE86347B2812}"/>
+              </a:ext>
+            </a:extLst>
+          </p:cNvPr>
+          <p:cNvSpPr>
+            <a:spLocks noGrp="1"/>
+          </p:cNvSpPr>
+          <p:nvPr>
+            <p:ph type="ftr" sz="quarter" idx="11"/>
+          </p:nvPr>
+        </p:nvSpPr>
+        <p:spPr/>
+        <p:txBody>
+          <a:bodyPr/>
+          <a:lstStyle/>
+          <a:p>
+            <a:r>
+              <a:rPr lang="en-US" dirty="0"/>
+              <a:t>jennifer.neumaier@t-online.de</a:t>
+            </a:r>
+          </a:p>
+        </p:txBody>
+      </p:sp>
+      <p:sp>
+        <p:nvSpPr>
+          <p:cNvPr id="6" name="Slide Number Placeholder 5">
+            <a:extLst>
+              <a:ext uri="{FF2B5EF4-FFF2-40B4-BE49-F238E27FC236}">
+                <a16:creationId xmlns:a16="http://schemas.microsoft.com/office/drawing/2014/main" id="{1028CB34-29B5-49CB-99E4-E945C3D78896}"/>
+              </a:ext>
+            </a:extLst>
+          </p:cNvPr>
+          <p:cNvSpPr>
+            <a:spLocks noGrp="1"/>
+          </p:cNvSpPr>
+          <p:nvPr>
+            <p:ph type="sldNum" sz="quarter" idx="12"/>
+          </p:nvPr>
+        </p:nvSpPr>
+        <p:spPr/>
+        <p:txBody>
+          <a:bodyPr/>
+          <a:lstStyle/>
+          <a:p>
+            <a:fld id="{D57F1E4F-1CFF-5643-939E-217C01CDF565}" type="slidenum">
+              <a:rPr lang="en-US" smtClean="0"/>
+              <a:pPr/>
+              <a:t>33</a:t>
+            </a:fld>
+            <a:endParaRPr lang="en-US" dirty="0"/>
+          </a:p>
+        </p:txBody>
+      </p:sp>
+      <p:sp>
+        <p:nvSpPr>
+          <p:cNvPr id="26" name="TextBox 25">
+            <a:extLst>
+              <a:ext uri="{FF2B5EF4-FFF2-40B4-BE49-F238E27FC236}">
+                <a16:creationId xmlns:a16="http://schemas.microsoft.com/office/drawing/2014/main" id="{CC7BEBFF-3D20-441C-B1B2-0CE34904FDE4}"/>
+              </a:ext>
+            </a:extLst>
+          </p:cNvPr>
+          <p:cNvSpPr txBox="1"/>
+          <p:nvPr/>
+        </p:nvSpPr>
+        <p:spPr>
+          <a:xfrm>
+            <a:off x="1698819" y="1152907"/>
+            <a:ext cx="3654858" cy="400110"/>
+          </a:xfrm>
+          <a:prstGeom prst="rect">
+            <a:avLst/>
+          </a:prstGeom>
+          <a:noFill/>
+        </p:spPr>
+        <p:txBody>
+          <a:bodyPr wrap="square" rtlCol="0">
+            <a:spAutoFit/>
+          </a:bodyPr>
+          <a:lstStyle/>
+          <a:p>
+            <a:r>
+              <a:rPr lang="de-DE" sz="2000" i="1" dirty="0"/>
+              <a:t>Problems and Notes</a:t>
+            </a:r>
+          </a:p>
+        </p:txBody>
+      </p:sp>
+      <p:sp>
+        <p:nvSpPr>
+          <p:cNvPr id="7" name="TextBox 6">
+            <a:extLst>
+              <a:ext uri="{FF2B5EF4-FFF2-40B4-BE49-F238E27FC236}">
+                <a16:creationId xmlns:a16="http://schemas.microsoft.com/office/drawing/2014/main" id="{B43BF96F-7A11-4087-9B01-CF6AACD20E04}"/>
+              </a:ext>
+            </a:extLst>
+          </p:cNvPr>
+          <p:cNvSpPr txBox="1"/>
+          <p:nvPr/>
+        </p:nvSpPr>
+        <p:spPr>
+          <a:xfrm>
+            <a:off x="2589212" y="1742696"/>
+            <a:ext cx="7102549" cy="1477328"/>
+          </a:xfrm>
+          <a:prstGeom prst="rect">
+            <a:avLst/>
+          </a:prstGeom>
+          <a:noFill/>
+        </p:spPr>
+        <p:txBody>
+          <a:bodyPr wrap="square" rtlCol="0">
+            <a:spAutoFit/>
+          </a:bodyPr>
+          <a:lstStyle/>
+          <a:p>
+            <a:r>
+              <a:rPr lang="de-DE" u="sng" dirty="0"/>
+              <a:t>CLR/ALR</a:t>
+            </a:r>
+            <a:r>
+              <a:rPr lang="de-DE" dirty="0"/>
+              <a:t>:</a:t>
+            </a:r>
+          </a:p>
+          <a:p>
+            <a:pPr marL="285750" indent="-285750">
+              <a:buFontTx/>
+              <a:buChar char="-"/>
+            </a:pPr>
+            <a:r>
+              <a:rPr lang="de-DE" dirty="0"/>
+              <a:t>What to do with LR.wt?</a:t>
+            </a:r>
+          </a:p>
+          <a:p>
+            <a:pPr marL="285750" indent="-285750">
+              <a:buFontTx/>
+              <a:buChar char="-"/>
+            </a:pPr>
+            <a:r>
+              <a:rPr lang="de-DE" dirty="0"/>
+              <a:t>What to do with part.names and part.wt?</a:t>
+            </a:r>
+          </a:p>
+          <a:p>
+            <a:pPr marL="285750" indent="-285750">
+              <a:buFontTx/>
+              <a:buChar char="-"/>
+            </a:pPr>
+            <a:r>
+              <a:rPr lang="de-DE" dirty="0"/>
+              <a:t>Column names ALR?</a:t>
+            </a:r>
+          </a:p>
+          <a:p>
+            <a:endParaRPr lang="de-DE" dirty="0"/>
+          </a:p>
+        </p:txBody>
+      </p:sp>
+      <p:sp>
+        <p:nvSpPr>
+          <p:cNvPr id="8" name="TextBox 7">
+            <a:extLst>
+              <a:ext uri="{FF2B5EF4-FFF2-40B4-BE49-F238E27FC236}">
+                <a16:creationId xmlns:a16="http://schemas.microsoft.com/office/drawing/2014/main" id="{42B7B4AF-462B-468E-AAF9-0BB332281A81}"/>
+              </a:ext>
+            </a:extLst>
+          </p:cNvPr>
+          <p:cNvSpPr txBox="1"/>
+          <p:nvPr/>
+        </p:nvSpPr>
+        <p:spPr>
+          <a:xfrm>
+            <a:off x="2589212" y="3278973"/>
+            <a:ext cx="7102549" cy="923330"/>
+          </a:xfrm>
+          <a:prstGeom prst="rect">
+            <a:avLst/>
+          </a:prstGeom>
+          <a:noFill/>
+        </p:spPr>
+        <p:txBody>
+          <a:bodyPr wrap="square" rtlCol="0">
+            <a:spAutoFit/>
+          </a:bodyPr>
+          <a:lstStyle/>
+          <a:p>
+            <a:r>
+              <a:rPr lang="de-DE" u="sng" dirty="0"/>
+              <a:t>EstMB:</a:t>
+            </a:r>
+            <a:endParaRPr lang="de-DE" dirty="0"/>
+          </a:p>
+          <a:p>
+            <a:pPr marL="285750" indent="-285750">
+              <a:buFontTx/>
+              <a:buChar char="-"/>
+            </a:pPr>
+            <a:r>
+              <a:rPr lang="de-DE" dirty="0"/>
+              <a:t>Needs a lot of time for ALR -&gt; solved in HPC?</a:t>
+            </a:r>
+          </a:p>
+          <a:p>
+            <a:endParaRPr lang="de-DE" dirty="0"/>
+          </a:p>
+        </p:txBody>
+      </p:sp>
+    </p:spTree>
+    <p:extLst>
+      <p:ext uri="{BB962C8B-B14F-4D97-AF65-F5344CB8AC3E}">
+        <p14:creationId xmlns:p14="http://schemas.microsoft.com/office/powerpoint/2010/main" val="3441935650"/>
+      </p:ext>
+    </p:extLst>
+  </p:cSld>
+  <p:clrMapOvr>
+    <a:masterClrMapping/>
+  </p:clrMapOvr>
+</p:sld>
+</file>
+
+<file path=ppt/slides/slide34.xml><?xml version="1.0" encoding="utf-8"?>
+<p:sld xmlns:a="http://schemas.openxmlformats.org/drawingml/2006/main" xmlns:r="http://schemas.openxmlformats.org/officeDocument/2006/relationships" xmlns:p="http://schemas.openxmlformats.org/presentationml/2006/main">
+  <p:cSld>
+    <p:spTree>
+      <p:nvGrpSpPr>
+        <p:cNvPr id="1" name=""/>
+        <p:cNvGrpSpPr/>
+        <p:nvPr/>
+      </p:nvGrpSpPr>
+      <p:grpSpPr>
+        <a:xfrm>
+          <a:off x="0" y="0"/>
+          <a:ext cx="0" cy="0"/>
+          <a:chOff x="0" y="0"/>
+          <a:chExt cx="0" cy="0"/>
+        </a:xfrm>
+      </p:grpSpPr>
+      <p:sp>
+        <p:nvSpPr>
+          <p:cNvPr id="2" name="Title 1">
+            <a:extLst>
+              <a:ext uri="{FF2B5EF4-FFF2-40B4-BE49-F238E27FC236}">
+                <a16:creationId xmlns:a16="http://schemas.microsoft.com/office/drawing/2014/main" id="{6806FBA4-537C-4226-9D3A-758C7B787D79}"/>
+              </a:ext>
+            </a:extLst>
+          </p:cNvPr>
+          <p:cNvSpPr>
+            <a:spLocks noGrp="1"/>
+          </p:cNvSpPr>
+          <p:nvPr>
+            <p:ph type="title"/>
+          </p:nvPr>
+        </p:nvSpPr>
+        <p:spPr/>
+        <p:txBody>
+          <a:bodyPr/>
+          <a:lstStyle/>
+          <a:p>
+            <a:r>
+              <a:rPr lang="de-DE" b="1" dirty="0"/>
+              <a:t>Hierarchy dimensionality reduction</a:t>
+            </a:r>
+            <a:endParaRPr lang="en-US" b="1" dirty="0"/>
+          </a:p>
+        </p:txBody>
+      </p:sp>
+      <p:sp>
+        <p:nvSpPr>
+          <p:cNvPr id="5" name="Footer Placeholder 4">
+            <a:extLst>
+              <a:ext uri="{FF2B5EF4-FFF2-40B4-BE49-F238E27FC236}">
+                <a16:creationId xmlns:a16="http://schemas.microsoft.com/office/drawing/2014/main" id="{707C4F70-832A-416B-9491-EE86347B2812}"/>
+              </a:ext>
+            </a:extLst>
+          </p:cNvPr>
+          <p:cNvSpPr>
+            <a:spLocks noGrp="1"/>
+          </p:cNvSpPr>
+          <p:nvPr>
+            <p:ph type="ftr" sz="quarter" idx="11"/>
+          </p:nvPr>
+        </p:nvSpPr>
+        <p:spPr/>
+        <p:txBody>
+          <a:bodyPr/>
+          <a:lstStyle/>
+          <a:p>
+            <a:r>
+              <a:rPr lang="en-US"/>
+              <a:t>jennifer.neumaier@t-online.de</a:t>
+            </a:r>
+            <a:endParaRPr lang="en-US" dirty="0"/>
+          </a:p>
+        </p:txBody>
+      </p:sp>
+      <p:sp>
+        <p:nvSpPr>
+          <p:cNvPr id="6" name="Slide Number Placeholder 5">
+            <a:extLst>
+              <a:ext uri="{FF2B5EF4-FFF2-40B4-BE49-F238E27FC236}">
+                <a16:creationId xmlns:a16="http://schemas.microsoft.com/office/drawing/2014/main" id="{1028CB34-29B5-49CB-99E4-E945C3D78896}"/>
+              </a:ext>
+            </a:extLst>
+          </p:cNvPr>
+          <p:cNvSpPr>
+            <a:spLocks noGrp="1"/>
+          </p:cNvSpPr>
+          <p:nvPr>
+            <p:ph type="sldNum" sz="quarter" idx="12"/>
+          </p:nvPr>
+        </p:nvSpPr>
+        <p:spPr/>
+        <p:txBody>
+          <a:bodyPr/>
+          <a:lstStyle/>
+          <a:p>
+            <a:fld id="{D57F1E4F-1CFF-5643-939E-217C01CDF565}" type="slidenum">
+              <a:rPr lang="en-US" smtClean="0"/>
+              <a:pPr/>
+              <a:t>34</a:t>
+            </a:fld>
+            <a:endParaRPr lang="en-US" dirty="0"/>
+          </a:p>
+        </p:txBody>
+      </p:sp>
+      <p:sp>
+        <p:nvSpPr>
+          <p:cNvPr id="26" name="TextBox 25">
+            <a:extLst>
+              <a:ext uri="{FF2B5EF4-FFF2-40B4-BE49-F238E27FC236}">
+                <a16:creationId xmlns:a16="http://schemas.microsoft.com/office/drawing/2014/main" id="{CC7BEBFF-3D20-441C-B1B2-0CE34904FDE4}"/>
+              </a:ext>
+            </a:extLst>
+          </p:cNvPr>
+          <p:cNvSpPr txBox="1"/>
+          <p:nvPr/>
+        </p:nvSpPr>
+        <p:spPr>
+          <a:xfrm>
+            <a:off x="1698819" y="1152907"/>
+            <a:ext cx="3654858" cy="400110"/>
+          </a:xfrm>
+          <a:prstGeom prst="rect">
+            <a:avLst/>
+          </a:prstGeom>
+          <a:noFill/>
+        </p:spPr>
+        <p:txBody>
+          <a:bodyPr wrap="square" rtlCol="0">
+            <a:spAutoFit/>
+          </a:bodyPr>
+          <a:lstStyle/>
+          <a:p>
+            <a:r>
+              <a:rPr lang="de-DE" sz="2000" i="1" dirty="0"/>
+              <a:t>Problems and Notes</a:t>
+            </a:r>
+          </a:p>
+        </p:txBody>
+      </p:sp>
+      <p:sp>
+        <p:nvSpPr>
+          <p:cNvPr id="7" name="TextBox 6">
+            <a:extLst>
+              <a:ext uri="{FF2B5EF4-FFF2-40B4-BE49-F238E27FC236}">
+                <a16:creationId xmlns:a16="http://schemas.microsoft.com/office/drawing/2014/main" id="{B43BF96F-7A11-4087-9B01-CF6AACD20E04}"/>
+              </a:ext>
+            </a:extLst>
+          </p:cNvPr>
+          <p:cNvSpPr txBox="1"/>
+          <p:nvPr/>
+        </p:nvSpPr>
+        <p:spPr>
+          <a:xfrm>
+            <a:off x="2589212" y="1742696"/>
+            <a:ext cx="7102549" cy="1754326"/>
+          </a:xfrm>
+          <a:prstGeom prst="rect">
+            <a:avLst/>
+          </a:prstGeom>
+          <a:noFill/>
+        </p:spPr>
+        <p:txBody>
+          <a:bodyPr wrap="square" rtlCol="0">
+            <a:spAutoFit/>
+          </a:bodyPr>
+          <a:lstStyle/>
+          <a:p>
+            <a:r>
+              <a:rPr lang="de-DE" u="sng" dirty="0"/>
+              <a:t>PCA</a:t>
+            </a:r>
+            <a:r>
+              <a:rPr lang="de-DE" dirty="0"/>
+              <a:t>:</a:t>
+            </a:r>
+          </a:p>
+          <a:p>
+            <a:pPr marL="285750" indent="-285750">
+              <a:buFontTx/>
+              <a:buChar char="-"/>
+            </a:pPr>
+            <a:r>
+              <a:rPr lang="de-DE" dirty="0"/>
+              <a:t>Microbiome Preprocessing Machine Learning Pipeline (2021)</a:t>
+            </a:r>
+          </a:p>
+          <a:p>
+            <a:pPr marL="285750" indent="-285750">
+              <a:buFontTx/>
+              <a:buChar char="-"/>
+            </a:pPr>
+            <a:r>
+              <a:rPr lang="de-DE" dirty="0"/>
+              <a:t>Proposes to use PCA as hierarchy reduction </a:t>
+            </a:r>
+          </a:p>
+          <a:p>
+            <a:pPr marL="285750" indent="-285750">
+              <a:buFontTx/>
+              <a:buChar char="-"/>
+            </a:pPr>
+            <a:r>
+              <a:rPr lang="de-DE" dirty="0"/>
+              <a:t>Families can be clustered and genus is not necessary</a:t>
+            </a:r>
+          </a:p>
+          <a:p>
+            <a:endParaRPr lang="de-DE" dirty="0"/>
+          </a:p>
+        </p:txBody>
+      </p:sp>
+    </p:spTree>
+    <p:extLst>
+      <p:ext uri="{BB962C8B-B14F-4D97-AF65-F5344CB8AC3E}">
+        <p14:creationId xmlns:p14="http://schemas.microsoft.com/office/powerpoint/2010/main" val="2182919606"/>
+      </p:ext>
+    </p:extLst>
+  </p:cSld>
+  <p:clrMapOvr>
+    <a:masterClrMapping/>
+  </p:clrMapOvr>
+</p:sld>
+</file>
+
+<file path=ppt/slides/slide35.xml><?xml version="1.0" encoding="utf-8"?>
+<p:sld xmlns:a="http://schemas.openxmlformats.org/drawingml/2006/main" xmlns:r="http://schemas.openxmlformats.org/officeDocument/2006/relationships" xmlns:p="http://schemas.openxmlformats.org/presentationml/2006/main">
+  <p:cSld>
+    <p:spTree>
+      <p:nvGrpSpPr>
+        <p:cNvPr id="1" name=""/>
+        <p:cNvGrpSpPr/>
+        <p:nvPr/>
+      </p:nvGrpSpPr>
+      <p:grpSpPr>
+        <a:xfrm>
+          <a:off x="0" y="0"/>
+          <a:ext cx="0" cy="0"/>
+          <a:chOff x="0" y="0"/>
+          <a:chExt cx="0" cy="0"/>
+        </a:xfrm>
+      </p:grpSpPr>
+      <p:sp>
+        <p:nvSpPr>
+          <p:cNvPr id="2" name="Title 1">
+            <a:extLst>
+              <a:ext uri="{FF2B5EF4-FFF2-40B4-BE49-F238E27FC236}">
+                <a16:creationId xmlns:a16="http://schemas.microsoft.com/office/drawing/2014/main" id="{6806FBA4-537C-4226-9D3A-758C7B787D79}"/>
+              </a:ext>
+            </a:extLst>
+          </p:cNvPr>
+          <p:cNvSpPr>
+            <a:spLocks noGrp="1"/>
+          </p:cNvSpPr>
+          <p:nvPr>
+            <p:ph type="title"/>
+          </p:nvPr>
+        </p:nvSpPr>
+        <p:spPr/>
+        <p:txBody>
+          <a:bodyPr>
+            <a:normAutofit/>
+          </a:bodyPr>
+          <a:lstStyle/>
+          <a:p>
+            <a:r>
+              <a:rPr lang="de-DE" sz="3200" b="1" dirty="0"/>
+              <a:t>mikropml</a:t>
+            </a:r>
+            <a:endParaRPr lang="en-US" sz="3200" b="1" dirty="0"/>
+          </a:p>
+        </p:txBody>
+      </p:sp>
+      <p:sp>
+        <p:nvSpPr>
+          <p:cNvPr id="6" name="Slide Number Placeholder 5">
+            <a:extLst>
+              <a:ext uri="{FF2B5EF4-FFF2-40B4-BE49-F238E27FC236}">
+                <a16:creationId xmlns:a16="http://schemas.microsoft.com/office/drawing/2014/main" id="{1028CB34-29B5-49CB-99E4-E945C3D78896}"/>
+              </a:ext>
+            </a:extLst>
+          </p:cNvPr>
+          <p:cNvSpPr>
+            <a:spLocks noGrp="1"/>
+          </p:cNvSpPr>
+          <p:nvPr>
+            <p:ph type="sldNum" sz="quarter" idx="12"/>
+          </p:nvPr>
+        </p:nvSpPr>
+        <p:spPr/>
+        <p:txBody>
+          <a:bodyPr/>
+          <a:lstStyle/>
+          <a:p>
+            <a:fld id="{D57F1E4F-1CFF-5643-939E-217C01CDF565}" type="slidenum">
+              <a:rPr lang="en-US" smtClean="0"/>
+              <a:pPr/>
+              <a:t>35</a:t>
+            </a:fld>
+            <a:endParaRPr lang="en-US" dirty="0"/>
+          </a:p>
+        </p:txBody>
+      </p:sp>
+      <p:sp>
+        <p:nvSpPr>
+          <p:cNvPr id="8" name="TextBox 7">
+            <a:extLst>
+              <a:ext uri="{FF2B5EF4-FFF2-40B4-BE49-F238E27FC236}">
+                <a16:creationId xmlns:a16="http://schemas.microsoft.com/office/drawing/2014/main" id="{C9FAD4F5-81D5-4890-8BB5-F06C93EDD254}"/>
+              </a:ext>
+            </a:extLst>
+          </p:cNvPr>
+          <p:cNvSpPr txBox="1"/>
+          <p:nvPr/>
+        </p:nvSpPr>
+        <p:spPr>
+          <a:xfrm>
+            <a:off x="1392866" y="1268569"/>
+            <a:ext cx="8753253" cy="5509200"/>
+          </a:xfrm>
+          <a:prstGeom prst="rect">
+            <a:avLst/>
+          </a:prstGeom>
+          <a:noFill/>
+        </p:spPr>
+        <p:txBody>
+          <a:bodyPr wrap="square">
+            <a:spAutoFit/>
+          </a:bodyPr>
+          <a:lstStyle/>
+          <a:p>
+            <a:r>
+              <a:rPr lang="de-DE" sz="1100" dirty="0"/>
+              <a:t>Testing out mikropml as it already has a function run_ml() that incorporates nested cross-validation for several standard supervised machine learning models:</a:t>
+            </a:r>
+          </a:p>
+          <a:p>
+            <a:endParaRPr lang="de-DE" sz="1100" dirty="0"/>
+          </a:p>
+          <a:p>
+            <a:r>
+              <a:rPr lang="de-DE" sz="1100" dirty="0"/>
+              <a:t>    Logistic/multiclass/linear regression ("glmnet")</a:t>
+            </a:r>
+          </a:p>
+          <a:p>
+            <a:r>
+              <a:rPr lang="de-DE" sz="1100" dirty="0"/>
+              <a:t>    Random forest ("rf")</a:t>
+            </a:r>
+          </a:p>
+          <a:p>
+            <a:r>
+              <a:rPr lang="de-DE" sz="1100" dirty="0"/>
+              <a:t>    Decision tree ("rpart2")</a:t>
+            </a:r>
+          </a:p>
+          <a:p>
+            <a:r>
+              <a:rPr lang="de-DE" sz="1100" dirty="0"/>
+              <a:t>    Support vector machine with a radial basis kernel ("svmRadial")</a:t>
+            </a:r>
+          </a:p>
+          <a:p>
+            <a:r>
+              <a:rPr lang="de-DE" sz="1100" dirty="0"/>
+              <a:t>    xgboost ("xgbTree")</a:t>
+            </a:r>
+          </a:p>
+          <a:p>
+            <a:endParaRPr lang="de-DE" sz="1100" dirty="0"/>
+          </a:p>
+          <a:p>
+            <a:r>
+              <a:rPr lang="de-DE" sz="1100" dirty="0"/>
+              <a:t>Test it here for linear regression and xgboost.</a:t>
+            </a:r>
+          </a:p>
+          <a:p>
+            <a:r>
+              <a:rPr lang="de-DE" sz="1100" dirty="0"/>
+              <a:t>Function run_ml has several parameters:</a:t>
+            </a:r>
+          </a:p>
+          <a:p>
+            <a:r>
+              <a:rPr lang="de-DE" sz="1100" dirty="0"/>
+              <a:t>           dataset,</a:t>
+            </a:r>
+          </a:p>
+          <a:p>
+            <a:r>
+              <a:rPr lang="de-DE" sz="1100" dirty="0"/>
+              <a:t>           method,</a:t>
+            </a:r>
+          </a:p>
+          <a:p>
+            <a:r>
+              <a:rPr lang="de-DE" sz="1100" dirty="0"/>
+              <a:t>           outcome_colname = NULL, (standardized the first column)</a:t>
+            </a:r>
+          </a:p>
+          <a:p>
+            <a:r>
+              <a:rPr lang="de-DE" sz="1100" dirty="0"/>
+              <a:t>           hyperparameters = NULL,</a:t>
+            </a:r>
+          </a:p>
+          <a:p>
+            <a:r>
+              <a:rPr lang="de-DE" sz="1100" dirty="0"/>
+              <a:t>           find_feature_importance = FALSE, (`TRUE` is recommended if you would like to identify features important for predicting your                                                outcome, but it is resource-intensive.</a:t>
+            </a:r>
+          </a:p>
+          <a:p>
+            <a:r>
+              <a:rPr lang="de-DE" sz="1100" dirty="0"/>
+              <a:t>           calculate_performance = TRUE,</a:t>
+            </a:r>
+          </a:p>
+          <a:p>
+            <a:r>
+              <a:rPr lang="de-DE" sz="1100" dirty="0"/>
+              <a:t>           kfold = 5, (standard at 5)</a:t>
+            </a:r>
+          </a:p>
+          <a:p>
+            <a:r>
+              <a:rPr lang="de-DE" sz="1100" dirty="0"/>
+              <a:t>           cv_times = 100, (standard at 100)</a:t>
+            </a:r>
+          </a:p>
+          <a:p>
+            <a:r>
+              <a:rPr lang="de-DE" sz="1100" dirty="0"/>
+              <a:t>           cross_val = NULL, (cross_val a custom cross-validation scheme from `caret::trainControl()` (default: `NULL`, uses `kfold` cross                              validation repeated `cv_times`). `kfold` and `cv_times` are ignored if the user provides a custom                                          cross-validation scheme.)</a:t>
+            </a:r>
+          </a:p>
+          <a:p>
+            <a:r>
+              <a:rPr lang="de-DE" sz="1100" dirty="0"/>
+              <a:t>           training_frac = 0.8, (standard at 0.8)</a:t>
+            </a:r>
+          </a:p>
+          <a:p>
+            <a:r>
+              <a:rPr lang="de-DE" sz="1100" dirty="0"/>
+              <a:t>           perf_metric_function = NULL,</a:t>
+            </a:r>
+          </a:p>
+          <a:p>
+            <a:r>
+              <a:rPr lang="de-DE" sz="1100" dirty="0"/>
+              <a:t>           perf_metric_name = NULL,</a:t>
+            </a:r>
+          </a:p>
+          <a:p>
+            <a:r>
+              <a:rPr lang="de-DE" sz="1100" dirty="0"/>
+              <a:t>           groups = NULL,</a:t>
+            </a:r>
+          </a:p>
+          <a:p>
+            <a:r>
+              <a:rPr lang="de-DE" sz="1100" dirty="0"/>
+              <a:t>           group_partitions = NULL,</a:t>
+            </a:r>
+          </a:p>
+          <a:p>
+            <a:r>
+              <a:rPr lang="de-DE" sz="1100" dirty="0"/>
+              <a:t>           corr_thresh = 1,</a:t>
+            </a:r>
+          </a:p>
+          <a:p>
+            <a:r>
+              <a:rPr lang="de-DE" sz="1100" dirty="0"/>
+              <a:t>           ntree = 1000, (For random forest, how many trees to use (default: `1000`). Caret doesn't allow this hyperparameter to be tuned)</a:t>
+            </a:r>
+          </a:p>
+          <a:p>
+            <a:r>
+              <a:rPr lang="de-DE" sz="1100" dirty="0"/>
+              <a:t>           seed = NA (set seed for reproducibility)</a:t>
+            </a:r>
+          </a:p>
+        </p:txBody>
+      </p:sp>
+    </p:spTree>
+    <p:extLst>
+      <p:ext uri="{BB962C8B-B14F-4D97-AF65-F5344CB8AC3E}">
+        <p14:creationId xmlns:p14="http://schemas.microsoft.com/office/powerpoint/2010/main" val="3541464901"/>
+      </p:ext>
+    </p:extLst>
+  </p:cSld>
+  <p:clrMapOvr>
+    <a:masterClrMapping/>
+  </p:clrMapOvr>
+</p:sld>
+</file>
+
+<file path=ppt/slides/slide36.xml><?xml version="1.0" encoding="utf-8"?>
+<p:sld xmlns:a="http://schemas.openxmlformats.org/drawingml/2006/main" xmlns:r="http://schemas.openxmlformats.org/officeDocument/2006/relationships" xmlns:p="http://schemas.openxmlformats.org/presentationml/2006/main">
+  <p:cSld>
+    <p:spTree>
+      <p:nvGrpSpPr>
+        <p:cNvPr id="1" name=""/>
+        <p:cNvGrpSpPr/>
+        <p:nvPr/>
+      </p:nvGrpSpPr>
+      <p:grpSpPr>
+        <a:xfrm>
+          <a:off x="0" y="0"/>
+          <a:ext cx="0" cy="0"/>
+          <a:chOff x="0" y="0"/>
+          <a:chExt cx="0" cy="0"/>
+        </a:xfrm>
+      </p:grpSpPr>
+      <p:sp>
+        <p:nvSpPr>
+          <p:cNvPr id="2" name="Title 1">
+            <a:extLst>
+              <a:ext uri="{FF2B5EF4-FFF2-40B4-BE49-F238E27FC236}">
+                <a16:creationId xmlns:a16="http://schemas.microsoft.com/office/drawing/2014/main" id="{169D9D37-B637-4D74-BB75-639D51A491FB}"/>
+              </a:ext>
+            </a:extLst>
+          </p:cNvPr>
+          <p:cNvSpPr>
+            <a:spLocks noGrp="1"/>
+          </p:cNvSpPr>
+          <p:nvPr>
+            <p:ph type="title"/>
+          </p:nvPr>
+        </p:nvSpPr>
+        <p:spPr>
+          <a:xfrm>
+            <a:off x="1640156" y="628124"/>
+            <a:ext cx="8911687" cy="1280890"/>
+          </a:xfrm>
+        </p:spPr>
+        <p:txBody>
+          <a:bodyPr/>
+          <a:lstStyle/>
+          <a:p>
+            <a:r>
+              <a:rPr lang="de-DE" b="1" dirty="0"/>
+              <a:t>Data set</a:t>
+            </a:r>
+            <a:endParaRPr lang="en-US" b="1" dirty="0"/>
+          </a:p>
+        </p:txBody>
+      </p:sp>
+      <p:sp>
+        <p:nvSpPr>
+          <p:cNvPr id="3" name="Content Placeholder 2">
+            <a:extLst>
+              <a:ext uri="{FF2B5EF4-FFF2-40B4-BE49-F238E27FC236}">
+                <a16:creationId xmlns:a16="http://schemas.microsoft.com/office/drawing/2014/main" id="{D4D56813-9DF8-4D28-B156-1DE48E95DBC2}"/>
+              </a:ext>
+            </a:extLst>
+          </p:cNvPr>
+          <p:cNvSpPr>
+            <a:spLocks noGrp="1"/>
+          </p:cNvSpPr>
+          <p:nvPr>
+            <p:ph idx="1"/>
+          </p:nvPr>
+        </p:nvSpPr>
+        <p:spPr>
+          <a:xfrm>
+            <a:off x="2592495" y="1317171"/>
+            <a:ext cx="8915400" cy="4369465"/>
+          </a:xfrm>
+        </p:spPr>
+        <p:txBody>
+          <a:bodyPr>
+            <a:normAutofit/>
+          </a:bodyPr>
+          <a:lstStyle/>
+          <a:p>
+            <a:r>
+              <a:rPr lang="de-DE" dirty="0"/>
+              <a:t>Compare what Thomas P. Quinn uses (13 datasets) and take out from estonian biobank</a:t>
+            </a:r>
+          </a:p>
+          <a:p>
+            <a:r>
+              <a:rPr lang="de-DE" dirty="0"/>
+              <a:t> prediction/classification tasks</a:t>
+            </a:r>
+          </a:p>
+          <a:p>
+            <a:r>
+              <a:rPr lang="de-DE" dirty="0"/>
+              <a:t>One with continuous and one with discrete variables</a:t>
+            </a:r>
+          </a:p>
+          <a:p>
+            <a:r>
+              <a:rPr lang="de-DE" dirty="0"/>
+              <a:t>one with high correlation and one with low to microbiomes</a:t>
+            </a:r>
+          </a:p>
+          <a:p>
+            <a:r>
+              <a:rPr lang="de-DE" dirty="0"/>
+              <a:t>one small and one large data set</a:t>
+            </a:r>
+          </a:p>
+          <a:p>
+            <a:r>
+              <a:rPr lang="de-DE" dirty="0"/>
+              <a:t>EstMB, colorectal cancer, PCOS</a:t>
+            </a:r>
+          </a:p>
+          <a:p>
+            <a:endParaRPr lang="de-DE" dirty="0"/>
+          </a:p>
+        </p:txBody>
+      </p:sp>
+      <p:sp>
+        <p:nvSpPr>
+          <p:cNvPr id="4" name="Date Placeholder 3">
+            <a:extLst>
+              <a:ext uri="{FF2B5EF4-FFF2-40B4-BE49-F238E27FC236}">
+                <a16:creationId xmlns:a16="http://schemas.microsoft.com/office/drawing/2014/main" id="{D53DB4F4-84EC-4588-88E6-8D8519D6A1E8}"/>
+              </a:ext>
+            </a:extLst>
+          </p:cNvPr>
+          <p:cNvSpPr>
+            <a:spLocks noGrp="1"/>
+          </p:cNvSpPr>
+          <p:nvPr>
+            <p:ph type="dt" sz="half" idx="10"/>
+          </p:nvPr>
+        </p:nvSpPr>
+        <p:spPr/>
+        <p:txBody>
+          <a:bodyPr/>
+          <a:lstStyle/>
+          <a:p>
+            <a:fld id="{5A2DBB50-F561-45B0-9BE5-95A455D2CD8B}" type="datetime1">
+              <a:rPr lang="en-US" smtClean="0"/>
+              <a:t>4/25/2022</a:t>
+            </a:fld>
+            <a:endParaRPr lang="en-US" dirty="0"/>
+          </a:p>
+        </p:txBody>
+      </p:sp>
+      <p:sp>
+        <p:nvSpPr>
+          <p:cNvPr id="5" name="Footer Placeholder 4">
+            <a:extLst>
+              <a:ext uri="{FF2B5EF4-FFF2-40B4-BE49-F238E27FC236}">
+                <a16:creationId xmlns:a16="http://schemas.microsoft.com/office/drawing/2014/main" id="{A7F3346A-3F24-484B-A6D3-55D66520C917}"/>
+              </a:ext>
+            </a:extLst>
+          </p:cNvPr>
+          <p:cNvSpPr>
+            <a:spLocks noGrp="1"/>
+          </p:cNvSpPr>
+          <p:nvPr>
+            <p:ph type="ftr" sz="quarter" idx="11"/>
+          </p:nvPr>
+        </p:nvSpPr>
+        <p:spPr/>
+        <p:txBody>
+          <a:bodyPr/>
+          <a:lstStyle/>
+          <a:p>
+            <a:r>
+              <a:rPr lang="en-US"/>
+              <a:t>jennifer.neumaier@t-online.de</a:t>
+            </a:r>
+            <a:endParaRPr lang="en-US" dirty="0"/>
+          </a:p>
+        </p:txBody>
+      </p:sp>
+      <p:sp>
+        <p:nvSpPr>
+          <p:cNvPr id="6" name="Slide Number Placeholder 5">
+            <a:extLst>
+              <a:ext uri="{FF2B5EF4-FFF2-40B4-BE49-F238E27FC236}">
+                <a16:creationId xmlns:a16="http://schemas.microsoft.com/office/drawing/2014/main" id="{C4B3B4A6-E708-4F88-8CA2-BDE8FCF0C0AC}"/>
+              </a:ext>
+            </a:extLst>
+          </p:cNvPr>
+          <p:cNvSpPr>
+            <a:spLocks noGrp="1"/>
+          </p:cNvSpPr>
+          <p:nvPr>
+            <p:ph type="sldNum" sz="quarter" idx="12"/>
+          </p:nvPr>
+        </p:nvSpPr>
+        <p:spPr/>
+        <p:txBody>
+          <a:bodyPr/>
+          <a:lstStyle/>
+          <a:p>
+            <a:fld id="{D57F1E4F-1CFF-5643-939E-217C01CDF565}" type="slidenum">
+              <a:rPr lang="en-US" smtClean="0"/>
+              <a:pPr/>
+              <a:t>36</a:t>
+            </a:fld>
+            <a:endParaRPr lang="en-US" dirty="0"/>
+          </a:p>
+        </p:txBody>
+      </p:sp>
+      <p:sp>
+        <p:nvSpPr>
+          <p:cNvPr id="8" name="TextBox 7">
+            <a:extLst>
+              <a:ext uri="{FF2B5EF4-FFF2-40B4-BE49-F238E27FC236}">
+                <a16:creationId xmlns:a16="http://schemas.microsoft.com/office/drawing/2014/main" id="{6A373959-7937-4239-AAA7-0B90CAF1A620}"/>
+              </a:ext>
+            </a:extLst>
+          </p:cNvPr>
+          <p:cNvSpPr txBox="1"/>
+          <p:nvPr/>
+        </p:nvSpPr>
+        <p:spPr>
+          <a:xfrm>
+            <a:off x="2260283" y="4487322"/>
+            <a:ext cx="6097904" cy="923330"/>
+          </a:xfrm>
+          <a:prstGeom prst="rect">
+            <a:avLst/>
+          </a:prstGeom>
+          <a:noFill/>
+        </p:spPr>
+        <p:txBody>
+          <a:bodyPr wrap="square">
+            <a:spAutoFit/>
+          </a:bodyPr>
+          <a:lstStyle/>
+          <a:p>
+            <a:r>
+              <a:rPr lang="de-DE" b="1" dirty="0"/>
+              <a:t>CRC data set preparation and models:</a:t>
+            </a:r>
+          </a:p>
+          <a:p>
+            <a:r>
+              <a:rPr lang="de-DE" dirty="0"/>
+              <a:t>https://github.com/zellerlab/crc_meta/blob/master/src/prepare_data.R</a:t>
+            </a:r>
+          </a:p>
+        </p:txBody>
+      </p:sp>
+    </p:spTree>
+    <p:extLst>
+      <p:ext uri="{BB962C8B-B14F-4D97-AF65-F5344CB8AC3E}">
+        <p14:creationId xmlns:p14="http://schemas.microsoft.com/office/powerpoint/2010/main" val="4097922265"/>
+      </p:ext>
+    </p:extLst>
+  </p:cSld>
+  <p:clrMapOvr>
+    <a:masterClrMapping/>
+  </p:clrMapOvr>
+</p:sld>
+</file>
+
+<file path=ppt/slides/slide37.xml><?xml version="1.0" encoding="utf-8"?>
+<p:sld xmlns:a="http://schemas.openxmlformats.org/drawingml/2006/main" xmlns:r="http://schemas.openxmlformats.org/officeDocument/2006/relationships" xmlns:p="http://schemas.openxmlformats.org/presentationml/2006/main">
+  <p:cSld>
+    <p:spTree>
+      <p:nvGrpSpPr>
+        <p:cNvPr id="1" name=""/>
+        <p:cNvGrpSpPr/>
+        <p:nvPr/>
+      </p:nvGrpSpPr>
+      <p:grpSpPr>
+        <a:xfrm>
+          <a:off x="0" y="0"/>
+          <a:ext cx="0" cy="0"/>
+          <a:chOff x="0" y="0"/>
+          <a:chExt cx="0" cy="0"/>
+        </a:xfrm>
+      </p:grpSpPr>
+      <p:sp>
+        <p:nvSpPr>
+          <p:cNvPr id="2" name="Title 1">
+            <a:extLst>
+              <a:ext uri="{FF2B5EF4-FFF2-40B4-BE49-F238E27FC236}">
                 <a16:creationId xmlns:a16="http://schemas.microsoft.com/office/drawing/2014/main" id="{150EAB59-F93C-4B56-AD7E-A9B5BD800221}"/>
               </a:ext>
             </a:extLst>
@@ -26712,7 +28026,7 @@
           <a:p>
             <a:fld id="{BDD716FE-4A5D-4A13-A8EE-37F9C34BE666}" type="datetime1">
               <a:rPr lang="en-US" smtClean="0"/>
-              <a:t>4/22/2022</a:t>
+              <a:t>4/25/2022</a:t>
             </a:fld>
             <a:endParaRPr lang="en-US" dirty="0"/>
           </a:p>
@@ -26771,7 +28085,7 @@
             <a:fld id="{D57F1E4F-1CFF-5643-939E-217C01CDF565}" type="slidenum">
               <a:rPr lang="en-US" smtClean="0"/>
               <a:pPr/>
-              <a:t>33</a:t>
+              <a:t>37</a:t>
             </a:fld>
             <a:endParaRPr lang="en-US" dirty="0"/>
           </a:p>
@@ -26880,7 +28194,7 @@
 </p:sld>
 </file>
 
-<file path=ppt/slides/slide34.xml><?xml version="1.0" encoding="utf-8"?>
+<file path=ppt/slides/slide38.xml><?xml version="1.0" encoding="utf-8"?>
 <p:sld xmlns:a="http://schemas.openxmlformats.org/drawingml/2006/main" xmlns:r="http://schemas.openxmlformats.org/officeDocument/2006/relationships" xmlns:p="http://schemas.openxmlformats.org/presentationml/2006/main">
   <p:cSld>
     <p:spTree>
@@ -26988,7 +28302,7 @@
           <a:p>
             <a:fld id="{5A2DBB50-F561-45B0-9BE5-95A455D2CD8B}" type="datetime1">
               <a:rPr lang="en-US" smtClean="0"/>
-              <a:t>4/22/2022</a:t>
+              <a:t>4/25/2022</a:t>
             </a:fld>
             <a:endParaRPr lang="en-US" dirty="0"/>
           </a:p>
@@ -27047,7 +28361,7 @@
             <a:fld id="{D57F1E4F-1CFF-5643-939E-217C01CDF565}" type="slidenum">
               <a:rPr lang="en-US" smtClean="0"/>
               <a:pPr/>
-              <a:t>34</a:t>
+              <a:t>38</a:t>
             </a:fld>
             <a:endParaRPr lang="en-US" dirty="0"/>
           </a:p>
@@ -27066,7 +28380,7 @@
 </p:sld>
 </file>
 
-<file path=ppt/slides/slide35.xml><?xml version="1.0" encoding="utf-8"?>
+<file path=ppt/slides/slide39.xml><?xml version="1.0" encoding="utf-8"?>
 <p:sld xmlns:a="http://schemas.openxmlformats.org/drawingml/2006/main" xmlns:r="http://schemas.openxmlformats.org/officeDocument/2006/relationships" xmlns:p="http://schemas.openxmlformats.org/presentationml/2006/main">
   <p:cSld>
     <p:spTree>
@@ -27196,7 +28510,7 @@
           <a:p>
             <a:fld id="{5A2DBB50-F561-45B0-9BE5-95A455D2CD8B}" type="datetime1">
               <a:rPr lang="en-US" smtClean="0"/>
-              <a:t>4/22/2022</a:t>
+              <a:t>4/25/2022</a:t>
             </a:fld>
             <a:endParaRPr lang="en-US" dirty="0"/>
           </a:p>
@@ -27255,7 +28569,7 @@
             <a:fld id="{D57F1E4F-1CFF-5643-939E-217C01CDF565}" type="slidenum">
               <a:rPr lang="en-US" smtClean="0"/>
               <a:pPr/>
-              <a:t>35</a:t>
+              <a:t>39</a:t>
             </a:fld>
             <a:endParaRPr lang="en-US" dirty="0"/>
           </a:p>
@@ -27274,7 +28588,7 @@
 </p:sld>
 </file>
 
-<file path=ppt/slides/slide36.xml><?xml version="1.0" encoding="utf-8"?>
+<file path=ppt/slides/slide4.xml><?xml version="1.0" encoding="utf-8"?>
 <p:sld xmlns:a="http://schemas.openxmlformats.org/drawingml/2006/main" xmlns:r="http://schemas.openxmlformats.org/officeDocument/2006/relationships" xmlns:p="http://schemas.openxmlformats.org/presentationml/2006/main">
   <p:cSld>
     <p:spTree>
@@ -27293,10 +28607,46 @@
       </p:grpSpPr>
       <p:sp>
         <p:nvSpPr>
-          <p:cNvPr id="2" name="Title 1">
+          <p:cNvPr id="9" name="TextBox 8">
             <a:extLst>
               <a:ext uri="{FF2B5EF4-FFF2-40B4-BE49-F238E27FC236}">
-                <a16:creationId xmlns:a16="http://schemas.microsoft.com/office/drawing/2014/main" id="{D63F1953-0627-4313-9F69-D3CE525D057A}"/>
+                <a16:creationId xmlns:a16="http://schemas.microsoft.com/office/drawing/2014/main" id="{0CBE27C3-DDC2-4388-8274-E35D8C5F2D93}"/>
+              </a:ext>
+            </a:extLst>
+          </p:cNvPr>
+          <p:cNvSpPr txBox="1"/>
+          <p:nvPr/>
+        </p:nvSpPr>
+        <p:spPr>
+          <a:xfrm>
+            <a:off x="1694844" y="1292876"/>
+            <a:ext cx="1788736" cy="300082"/>
+          </a:xfrm>
+          <a:prstGeom prst="rect">
+            <a:avLst/>
+          </a:prstGeom>
+          <a:noFill/>
+        </p:spPr>
+        <p:txBody>
+          <a:bodyPr wrap="square" rtlCol="0">
+            <a:spAutoFit/>
+          </a:bodyPr>
+          <a:lstStyle/>
+          <a:p>
+            <a:r>
+              <a:rPr lang="de-DE" sz="1350" dirty="0"/>
+              <a:t>Stand: 31.03.22</a:t>
+            </a:r>
+            <a:endParaRPr lang="en-US" sz="1350" dirty="0"/>
+          </a:p>
+        </p:txBody>
+      </p:sp>
+      <p:sp>
+        <p:nvSpPr>
+          <p:cNvPr id="5" name="Title 4">
+            <a:extLst>
+              <a:ext uri="{FF2B5EF4-FFF2-40B4-BE49-F238E27FC236}">
+                <a16:creationId xmlns:a16="http://schemas.microsoft.com/office/drawing/2014/main" id="{747926D7-E6E6-47B7-806D-995BB9606CA7}"/>
               </a:ext>
             </a:extLst>
           </p:cNvPr>
@@ -27307,125 +28657,30 @@
             <p:ph type="title"/>
           </p:nvPr>
         </p:nvSpPr>
-        <p:spPr/>
+        <p:spPr>
+          <a:xfrm>
+            <a:off x="1662411" y="652431"/>
+            <a:ext cx="8911687" cy="719169"/>
+          </a:xfrm>
+        </p:spPr>
         <p:txBody>
           <a:bodyPr/>
           <a:lstStyle/>
           <a:p>
             <a:r>
-              <a:rPr lang="de-DE" b="1" dirty="0"/>
-              <a:t>Notes: 01.04. meeting</a:t>
-            </a:r>
-          </a:p>
-        </p:txBody>
-      </p:sp>
-      <p:sp>
-        <p:nvSpPr>
-          <p:cNvPr id="3" name="Content Placeholder 2">
+              <a:rPr lang="de-DE" sz="3600" b="1" dirty="0"/>
+              <a:t>Projektstrukturplan II</a:t>
+            </a:r>
+            <a:endParaRPr lang="en-US" dirty="0"/>
+          </a:p>
+        </p:txBody>
+      </p:sp>
+      <p:sp>
+        <p:nvSpPr>
+          <p:cNvPr id="2" name="Date Placeholder 1">
             <a:extLst>
               <a:ext uri="{FF2B5EF4-FFF2-40B4-BE49-F238E27FC236}">
-                <a16:creationId xmlns:a16="http://schemas.microsoft.com/office/drawing/2014/main" id="{10F6F84D-370D-481F-BDA8-9BEF48EC1F3D}"/>
-              </a:ext>
-            </a:extLst>
-          </p:cNvPr>
-          <p:cNvSpPr>
-            <a:spLocks noGrp="1"/>
-          </p:cNvSpPr>
-          <p:nvPr>
-            <p:ph idx="1"/>
-          </p:nvPr>
-        </p:nvSpPr>
-        <p:spPr/>
-        <p:txBody>
-          <a:bodyPr/>
-          <a:lstStyle/>
-          <a:p>
-            <a:r>
-              <a:rPr lang="de-DE" dirty="0"/>
-              <a:t>Pipeline:</a:t>
-            </a:r>
-          </a:p>
-          <a:p>
-            <a:pPr lvl="1"/>
-            <a:r>
-              <a:rPr lang="de-DE" dirty="0"/>
-              <a:t>Test models and codacore on the same training&amp;test split (and set seed)</a:t>
-            </a:r>
-          </a:p>
-          <a:p>
-            <a:pPr lvl="1"/>
-            <a:r>
-              <a:rPr lang="de-DE" dirty="0"/>
-              <a:t>Take out training and test split from run_ml?</a:t>
-            </a:r>
-          </a:p>
-          <a:p>
-            <a:pPr lvl="1"/>
-            <a:r>
-              <a:rPr lang="de-DE" dirty="0"/>
-              <a:t>K_folds and CV_folds don‘t have to be the same for every data set</a:t>
-            </a:r>
-          </a:p>
-          <a:p>
-            <a:pPr lvl="1"/>
-            <a:r>
-              <a:rPr lang="de-DE" dirty="0"/>
-              <a:t>Time comparison?</a:t>
-            </a:r>
-          </a:p>
-          <a:p>
-            <a:r>
-              <a:rPr lang="de-DE" dirty="0"/>
-              <a:t>CRC:</a:t>
-            </a:r>
-          </a:p>
-          <a:p>
-            <a:pPr lvl="1"/>
-            <a:r>
-              <a:rPr lang="de-DE" dirty="0"/>
-              <a:t>Keep one country cohorts for extra validation </a:t>
-            </a:r>
-          </a:p>
-          <a:p>
-            <a:pPr lvl="1"/>
-            <a:r>
-              <a:rPr lang="de-DE" dirty="0"/>
-              <a:t>BMI as outcome_column for continuous</a:t>
-            </a:r>
-          </a:p>
-          <a:p>
-            <a:pPr lvl="1"/>
-            <a:r>
-              <a:rPr lang="de-DE" dirty="0"/>
-              <a:t>GROUP for classification </a:t>
-            </a:r>
-          </a:p>
-          <a:p>
-            <a:pPr marL="457200" lvl="1" indent="0">
-              <a:buNone/>
-            </a:pPr>
-            <a:endParaRPr lang="de-DE" dirty="0"/>
-          </a:p>
-          <a:p>
-            <a:pPr lvl="1"/>
-            <a:endParaRPr lang="de-DE" dirty="0"/>
-          </a:p>
-          <a:p>
-            <a:pPr lvl="1"/>
-            <a:endParaRPr lang="de-DE" dirty="0"/>
-          </a:p>
-          <a:p>
-            <a:pPr lvl="1"/>
-            <a:endParaRPr lang="de-DE" dirty="0"/>
-          </a:p>
-        </p:txBody>
-      </p:sp>
-      <p:sp>
-        <p:nvSpPr>
-          <p:cNvPr id="4" name="Date Placeholder 3">
-            <a:extLst>
-              <a:ext uri="{FF2B5EF4-FFF2-40B4-BE49-F238E27FC236}">
-                <a16:creationId xmlns:a16="http://schemas.microsoft.com/office/drawing/2014/main" id="{DBF0C8DB-9090-4B20-AED9-6E2044F98AC2}"/>
+                <a16:creationId xmlns:a16="http://schemas.microsoft.com/office/drawing/2014/main" id="{F3EEEBEE-8BBD-4EBF-A2BB-CAD97D51A48B}"/>
               </a:ext>
             </a:extLst>
           </p:cNvPr>
@@ -27441,10 +28696,9 @@
           <a:bodyPr/>
           <a:lstStyle/>
           <a:p>
-            <a:fld id="{36D18B76-5E8B-4456-8722-FC5B14B0F354}" type="datetime1">
+            <a:fld id="{7BB4AFEC-4BE7-4504-8846-4BF0CCFD9721}" type="datetime1">
               <a:rPr lang="en-US" smtClean="0"/>
-              <a:pPr/>
-              <a:t>4/22/2022</a:t>
+              <a:t>4/25/2022</a:t>
             </a:fld>
             <a:endParaRPr lang="en-US" dirty="0"/>
           </a:p>
@@ -27452,10 +28706,10 @@
       </p:sp>
       <p:sp>
         <p:nvSpPr>
-          <p:cNvPr id="5" name="Footer Placeholder 4">
+          <p:cNvPr id="3" name="Footer Placeholder 2">
             <a:extLst>
               <a:ext uri="{FF2B5EF4-FFF2-40B4-BE49-F238E27FC236}">
-                <a16:creationId xmlns:a16="http://schemas.microsoft.com/office/drawing/2014/main" id="{DA6DF03D-2B74-42A5-8C31-B3A7B6D53ABB}"/>
+                <a16:creationId xmlns:a16="http://schemas.microsoft.com/office/drawing/2014/main" id="{4DAFA7F5-6A91-4D4D-9891-3876525867AB}"/>
               </a:ext>
             </a:extLst>
           </p:cNvPr>
@@ -27481,10 +28735,10 @@
       </p:sp>
       <p:sp>
         <p:nvSpPr>
-          <p:cNvPr id="6" name="Slide Number Placeholder 5">
+          <p:cNvPr id="4" name="Slide Number Placeholder 3">
             <a:extLst>
               <a:ext uri="{FF2B5EF4-FFF2-40B4-BE49-F238E27FC236}">
-                <a16:creationId xmlns:a16="http://schemas.microsoft.com/office/drawing/2014/main" id="{EB397826-F4D6-4DDE-B171-FF032CD952B6}"/>
+                <a16:creationId xmlns:a16="http://schemas.microsoft.com/office/drawing/2014/main" id="{CE2776D2-EE20-45AE-A069-38A103E4F6B4}"/>
               </a:ext>
             </a:extLst>
           </p:cNvPr>
@@ -27503,16 +28757,46 @@
             <a:fld id="{D57F1E4F-1CFF-5643-939E-217C01CDF565}" type="slidenum">
               <a:rPr lang="en-US" smtClean="0"/>
               <a:pPr/>
-              <a:t>36</a:t>
+              <a:t>4</a:t>
             </a:fld>
             <a:endParaRPr lang="en-US" dirty="0"/>
           </a:p>
         </p:txBody>
       </p:sp>
+      <p:pic>
+        <p:nvPicPr>
+          <p:cNvPr id="7" name="Picture 6">
+            <a:extLst>
+              <a:ext uri="{FF2B5EF4-FFF2-40B4-BE49-F238E27FC236}">
+                <a16:creationId xmlns:a16="http://schemas.microsoft.com/office/drawing/2014/main" id="{0F2C4512-AA65-48E7-8ECD-C1D03FB41B82}"/>
+              </a:ext>
+            </a:extLst>
+          </p:cNvPr>
+          <p:cNvPicPr>
+            <a:picLocks noChangeAspect="1"/>
+          </p:cNvPicPr>
+          <p:nvPr/>
+        </p:nvPicPr>
+        <p:blipFill>
+          <a:blip r:embed="rId2"/>
+          <a:stretch>
+            <a:fillRect/>
+          </a:stretch>
+        </p:blipFill>
+        <p:spPr>
+          <a:xfrm>
+            <a:off x="191162" y="1793352"/>
+            <a:ext cx="11932920" cy="4221480"/>
+          </a:xfrm>
+          <a:prstGeom prst="rect">
+            <a:avLst/>
+          </a:prstGeom>
+        </p:spPr>
+      </p:pic>
     </p:spTree>
     <p:extLst>
       <p:ext uri="{BB962C8B-B14F-4D97-AF65-F5344CB8AC3E}">
-        <p14:creationId xmlns:p14="http://schemas.microsoft.com/office/powerpoint/2010/main" val="1848759324"/>
+        <p14:creationId xmlns:p14="http://schemas.microsoft.com/office/powerpoint/2010/main" val="3426371980"/>
       </p:ext>
     </p:extLst>
   </p:cSld>
@@ -27522,7 +28806,7 @@
 </p:sld>
 </file>
 
-<file path=ppt/slides/slide37.xml><?xml version="1.0" encoding="utf-8"?>
+<file path=ppt/slides/slide40.xml><?xml version="1.0" encoding="utf-8"?>
 <p:sld xmlns:a="http://schemas.openxmlformats.org/drawingml/2006/main" xmlns:r="http://schemas.openxmlformats.org/officeDocument/2006/relationships" xmlns:p="http://schemas.openxmlformats.org/presentationml/2006/main">
   <p:cSld>
     <p:spTree>
@@ -27544,6 +28828,254 @@
           <p:cNvPr id="2" name="Title 1">
             <a:extLst>
               <a:ext uri="{FF2B5EF4-FFF2-40B4-BE49-F238E27FC236}">
+                <a16:creationId xmlns:a16="http://schemas.microsoft.com/office/drawing/2014/main" id="{D63F1953-0627-4313-9F69-D3CE525D057A}"/>
+              </a:ext>
+            </a:extLst>
+          </p:cNvPr>
+          <p:cNvSpPr>
+            <a:spLocks noGrp="1"/>
+          </p:cNvSpPr>
+          <p:nvPr>
+            <p:ph type="title"/>
+          </p:nvPr>
+        </p:nvSpPr>
+        <p:spPr/>
+        <p:txBody>
+          <a:bodyPr/>
+          <a:lstStyle/>
+          <a:p>
+            <a:r>
+              <a:rPr lang="de-DE" b="1" dirty="0"/>
+              <a:t>Notes: 01.04. meeting</a:t>
+            </a:r>
+          </a:p>
+        </p:txBody>
+      </p:sp>
+      <p:sp>
+        <p:nvSpPr>
+          <p:cNvPr id="3" name="Content Placeholder 2">
+            <a:extLst>
+              <a:ext uri="{FF2B5EF4-FFF2-40B4-BE49-F238E27FC236}">
+                <a16:creationId xmlns:a16="http://schemas.microsoft.com/office/drawing/2014/main" id="{10F6F84D-370D-481F-BDA8-9BEF48EC1F3D}"/>
+              </a:ext>
+            </a:extLst>
+          </p:cNvPr>
+          <p:cNvSpPr>
+            <a:spLocks noGrp="1"/>
+          </p:cNvSpPr>
+          <p:nvPr>
+            <p:ph idx="1"/>
+          </p:nvPr>
+        </p:nvSpPr>
+        <p:spPr/>
+        <p:txBody>
+          <a:bodyPr/>
+          <a:lstStyle/>
+          <a:p>
+            <a:r>
+              <a:rPr lang="de-DE" dirty="0"/>
+              <a:t>Pipeline:</a:t>
+            </a:r>
+          </a:p>
+          <a:p>
+            <a:pPr lvl="1"/>
+            <a:r>
+              <a:rPr lang="de-DE" dirty="0"/>
+              <a:t>Test models and codacore on the same training&amp;test split (and set seed)</a:t>
+            </a:r>
+          </a:p>
+          <a:p>
+            <a:pPr lvl="1"/>
+            <a:r>
+              <a:rPr lang="de-DE" dirty="0"/>
+              <a:t>Take out training and test split from run_ml?</a:t>
+            </a:r>
+          </a:p>
+          <a:p>
+            <a:pPr lvl="1"/>
+            <a:r>
+              <a:rPr lang="de-DE" dirty="0"/>
+              <a:t>K_folds and CV_folds don‘t have to be the same for every data set</a:t>
+            </a:r>
+          </a:p>
+          <a:p>
+            <a:pPr lvl="1"/>
+            <a:r>
+              <a:rPr lang="de-DE" dirty="0"/>
+              <a:t>Time comparison?</a:t>
+            </a:r>
+          </a:p>
+          <a:p>
+            <a:r>
+              <a:rPr lang="de-DE" dirty="0"/>
+              <a:t>CRC:</a:t>
+            </a:r>
+          </a:p>
+          <a:p>
+            <a:pPr lvl="1"/>
+            <a:r>
+              <a:rPr lang="de-DE" dirty="0"/>
+              <a:t>Keep one country cohorts for extra validation </a:t>
+            </a:r>
+          </a:p>
+          <a:p>
+            <a:pPr lvl="1"/>
+            <a:r>
+              <a:rPr lang="de-DE" dirty="0"/>
+              <a:t>BMI as outcome_column for continuous</a:t>
+            </a:r>
+          </a:p>
+          <a:p>
+            <a:pPr lvl="1"/>
+            <a:r>
+              <a:rPr lang="de-DE" dirty="0"/>
+              <a:t>GROUP for classification </a:t>
+            </a:r>
+          </a:p>
+          <a:p>
+            <a:pPr marL="457200" lvl="1" indent="0">
+              <a:buNone/>
+            </a:pPr>
+            <a:endParaRPr lang="de-DE" dirty="0"/>
+          </a:p>
+          <a:p>
+            <a:pPr lvl="1"/>
+            <a:endParaRPr lang="de-DE" dirty="0"/>
+          </a:p>
+          <a:p>
+            <a:pPr lvl="1"/>
+            <a:endParaRPr lang="de-DE" dirty="0"/>
+          </a:p>
+          <a:p>
+            <a:pPr lvl="1"/>
+            <a:endParaRPr lang="de-DE" dirty="0"/>
+          </a:p>
+        </p:txBody>
+      </p:sp>
+      <p:sp>
+        <p:nvSpPr>
+          <p:cNvPr id="4" name="Date Placeholder 3">
+            <a:extLst>
+              <a:ext uri="{FF2B5EF4-FFF2-40B4-BE49-F238E27FC236}">
+                <a16:creationId xmlns:a16="http://schemas.microsoft.com/office/drawing/2014/main" id="{DBF0C8DB-9090-4B20-AED9-6E2044F98AC2}"/>
+              </a:ext>
+            </a:extLst>
+          </p:cNvPr>
+          <p:cNvSpPr>
+            <a:spLocks noGrp="1"/>
+          </p:cNvSpPr>
+          <p:nvPr>
+            <p:ph type="dt" sz="half" idx="10"/>
+          </p:nvPr>
+        </p:nvSpPr>
+        <p:spPr/>
+        <p:txBody>
+          <a:bodyPr/>
+          <a:lstStyle/>
+          <a:p>
+            <a:fld id="{36D18B76-5E8B-4456-8722-FC5B14B0F354}" type="datetime1">
+              <a:rPr lang="en-US" smtClean="0"/>
+              <a:pPr/>
+              <a:t>4/25/2022</a:t>
+            </a:fld>
+            <a:endParaRPr lang="en-US" dirty="0"/>
+          </a:p>
+        </p:txBody>
+      </p:sp>
+      <p:sp>
+        <p:nvSpPr>
+          <p:cNvPr id="5" name="Footer Placeholder 4">
+            <a:extLst>
+              <a:ext uri="{FF2B5EF4-FFF2-40B4-BE49-F238E27FC236}">
+                <a16:creationId xmlns:a16="http://schemas.microsoft.com/office/drawing/2014/main" id="{DA6DF03D-2B74-42A5-8C31-B3A7B6D53ABB}"/>
+              </a:ext>
+            </a:extLst>
+          </p:cNvPr>
+          <p:cNvSpPr>
+            <a:spLocks noGrp="1"/>
+          </p:cNvSpPr>
+          <p:nvPr>
+            <p:ph type="ftr" sz="quarter" idx="11"/>
+          </p:nvPr>
+        </p:nvSpPr>
+        <p:spPr/>
+        <p:txBody>
+          <a:bodyPr/>
+          <a:lstStyle/>
+          <a:p>
+            <a:r>
+              <a:rPr lang="en-US"/>
+              <a:t>jennifer.neumaier@t-online.de</a:t>
+            </a:r>
+            <a:endParaRPr lang="en-US" dirty="0"/>
+          </a:p>
+        </p:txBody>
+      </p:sp>
+      <p:sp>
+        <p:nvSpPr>
+          <p:cNvPr id="6" name="Slide Number Placeholder 5">
+            <a:extLst>
+              <a:ext uri="{FF2B5EF4-FFF2-40B4-BE49-F238E27FC236}">
+                <a16:creationId xmlns:a16="http://schemas.microsoft.com/office/drawing/2014/main" id="{EB397826-F4D6-4DDE-B171-FF032CD952B6}"/>
+              </a:ext>
+            </a:extLst>
+          </p:cNvPr>
+          <p:cNvSpPr>
+            <a:spLocks noGrp="1"/>
+          </p:cNvSpPr>
+          <p:nvPr>
+            <p:ph type="sldNum" sz="quarter" idx="12"/>
+          </p:nvPr>
+        </p:nvSpPr>
+        <p:spPr/>
+        <p:txBody>
+          <a:bodyPr/>
+          <a:lstStyle/>
+          <a:p>
+            <a:fld id="{D57F1E4F-1CFF-5643-939E-217C01CDF565}" type="slidenum">
+              <a:rPr lang="en-US" smtClean="0"/>
+              <a:pPr/>
+              <a:t>40</a:t>
+            </a:fld>
+            <a:endParaRPr lang="en-US" dirty="0"/>
+          </a:p>
+        </p:txBody>
+      </p:sp>
+    </p:spTree>
+    <p:extLst>
+      <p:ext uri="{BB962C8B-B14F-4D97-AF65-F5344CB8AC3E}">
+        <p14:creationId xmlns:p14="http://schemas.microsoft.com/office/powerpoint/2010/main" val="1848759324"/>
+      </p:ext>
+    </p:extLst>
+  </p:cSld>
+  <p:clrMapOvr>
+    <a:masterClrMapping/>
+  </p:clrMapOvr>
+</p:sld>
+</file>
+
+<file path=ppt/slides/slide41.xml><?xml version="1.0" encoding="utf-8"?>
+<p:sld xmlns:a="http://schemas.openxmlformats.org/drawingml/2006/main" xmlns:r="http://schemas.openxmlformats.org/officeDocument/2006/relationships" xmlns:p="http://schemas.openxmlformats.org/presentationml/2006/main">
+  <p:cSld>
+    <p:spTree>
+      <p:nvGrpSpPr>
+        <p:cNvPr id="1" name=""/>
+        <p:cNvGrpSpPr/>
+        <p:nvPr/>
+      </p:nvGrpSpPr>
+      <p:grpSpPr>
+        <a:xfrm>
+          <a:off x="0" y="0"/>
+          <a:ext cx="0" cy="0"/>
+          <a:chOff x="0" y="0"/>
+          <a:chExt cx="0" cy="0"/>
+        </a:xfrm>
+      </p:grpSpPr>
+      <p:sp>
+        <p:nvSpPr>
+          <p:cNvPr id="2" name="Title 1">
+            <a:extLst>
+              <a:ext uri="{FF2B5EF4-FFF2-40B4-BE49-F238E27FC236}">
                 <a16:creationId xmlns:a16="http://schemas.microsoft.com/office/drawing/2014/main" id="{B0A21C35-E073-46BF-B8BA-AD632020DA6A}"/>
               </a:ext>
             </a:extLst>
@@ -27648,7 +29180,7 @@
           <a:p>
             <a:fld id="{93673764-947C-4E64-9BD5-474B9E9D9329}" type="datetime1">
               <a:rPr lang="en-US" smtClean="0"/>
-              <a:t>4/22/2022</a:t>
+              <a:t>4/25/2022</a:t>
             </a:fld>
             <a:endParaRPr lang="en-US" dirty="0"/>
           </a:p>
@@ -27707,7 +29239,7 @@
             <a:fld id="{D57F1E4F-1CFF-5643-939E-217C01CDF565}" type="slidenum">
               <a:rPr lang="en-US" smtClean="0"/>
               <a:pPr/>
-              <a:t>37</a:t>
+              <a:t>41</a:t>
             </a:fld>
             <a:endParaRPr lang="en-US" dirty="0"/>
           </a:p>
@@ -27726,7 +29258,7 @@
 </p:sld>
 </file>
 
-<file path=ppt/slides/slide38.xml><?xml version="1.0" encoding="utf-8"?>
+<file path=ppt/slides/slide42.xml><?xml version="1.0" encoding="utf-8"?>
 <p:sld xmlns:a="http://schemas.openxmlformats.org/drawingml/2006/main" xmlns:r="http://schemas.openxmlformats.org/officeDocument/2006/relationships" xmlns:p="http://schemas.openxmlformats.org/presentationml/2006/main">
   <p:cSld>
     <p:spTree>
@@ -28093,7 +29625,7 @@
           <a:p>
             <a:fld id="{524BA6AA-761D-44D9-9696-AC66CE044BF5}" type="datetime1">
               <a:rPr lang="en-US" smtClean="0"/>
-              <a:t>4/22/2022</a:t>
+              <a:t>4/25/2022</a:t>
             </a:fld>
             <a:endParaRPr lang="en-US" dirty="0"/>
           </a:p>
@@ -28151,7 +29683,7 @@
             <a:fld id="{D57F1E4F-1CFF-5643-939E-217C01CDF565}" type="slidenum">
               <a:rPr lang="en-US" smtClean="0"/>
               <a:pPr/>
-              <a:t>38</a:t>
+              <a:t>42</a:t>
             </a:fld>
             <a:endParaRPr lang="en-US" dirty="0"/>
           </a:p>
@@ -28161,224 +29693,6 @@
     <p:extLst>
       <p:ext uri="{BB962C8B-B14F-4D97-AF65-F5344CB8AC3E}">
         <p14:creationId xmlns:p14="http://schemas.microsoft.com/office/powerpoint/2010/main" val="1870852049"/>
-      </p:ext>
-    </p:extLst>
-  </p:cSld>
-  <p:clrMapOvr>
-    <a:masterClrMapping/>
-  </p:clrMapOvr>
-</p:sld>
-</file>
-
-<file path=ppt/slides/slide4.xml><?xml version="1.0" encoding="utf-8"?>
-<p:sld xmlns:a="http://schemas.openxmlformats.org/drawingml/2006/main" xmlns:r="http://schemas.openxmlformats.org/officeDocument/2006/relationships" xmlns:p="http://schemas.openxmlformats.org/presentationml/2006/main">
-  <p:cSld>
-    <p:spTree>
-      <p:nvGrpSpPr>
-        <p:cNvPr id="1" name=""/>
-        <p:cNvGrpSpPr/>
-        <p:nvPr/>
-      </p:nvGrpSpPr>
-      <p:grpSpPr>
-        <a:xfrm>
-          <a:off x="0" y="0"/>
-          <a:ext cx="0" cy="0"/>
-          <a:chOff x="0" y="0"/>
-          <a:chExt cx="0" cy="0"/>
-        </a:xfrm>
-      </p:grpSpPr>
-      <p:sp>
-        <p:nvSpPr>
-          <p:cNvPr id="9" name="TextBox 8">
-            <a:extLst>
-              <a:ext uri="{FF2B5EF4-FFF2-40B4-BE49-F238E27FC236}">
-                <a16:creationId xmlns:a16="http://schemas.microsoft.com/office/drawing/2014/main" id="{0CBE27C3-DDC2-4388-8274-E35D8C5F2D93}"/>
-              </a:ext>
-            </a:extLst>
-          </p:cNvPr>
-          <p:cNvSpPr txBox="1"/>
-          <p:nvPr/>
-        </p:nvSpPr>
-        <p:spPr>
-          <a:xfrm>
-            <a:off x="1694844" y="1292876"/>
-            <a:ext cx="1788736" cy="300082"/>
-          </a:xfrm>
-          <a:prstGeom prst="rect">
-            <a:avLst/>
-          </a:prstGeom>
-          <a:noFill/>
-        </p:spPr>
-        <p:txBody>
-          <a:bodyPr wrap="square" rtlCol="0">
-            <a:spAutoFit/>
-          </a:bodyPr>
-          <a:lstStyle/>
-          <a:p>
-            <a:r>
-              <a:rPr lang="de-DE" sz="1350" dirty="0"/>
-              <a:t>Stand: 31.03.22</a:t>
-            </a:r>
-            <a:endParaRPr lang="en-US" sz="1350" dirty="0"/>
-          </a:p>
-        </p:txBody>
-      </p:sp>
-      <p:sp>
-        <p:nvSpPr>
-          <p:cNvPr id="5" name="Title 4">
-            <a:extLst>
-              <a:ext uri="{FF2B5EF4-FFF2-40B4-BE49-F238E27FC236}">
-                <a16:creationId xmlns:a16="http://schemas.microsoft.com/office/drawing/2014/main" id="{747926D7-E6E6-47B7-806D-995BB9606CA7}"/>
-              </a:ext>
-            </a:extLst>
-          </p:cNvPr>
-          <p:cNvSpPr>
-            <a:spLocks noGrp="1"/>
-          </p:cNvSpPr>
-          <p:nvPr>
-            <p:ph type="title"/>
-          </p:nvPr>
-        </p:nvSpPr>
-        <p:spPr>
-          <a:xfrm>
-            <a:off x="1662411" y="652431"/>
-            <a:ext cx="8911687" cy="719169"/>
-          </a:xfrm>
-        </p:spPr>
-        <p:txBody>
-          <a:bodyPr/>
-          <a:lstStyle/>
-          <a:p>
-            <a:r>
-              <a:rPr lang="de-DE" sz="3600" b="1" dirty="0"/>
-              <a:t>Projektstrukturplan II</a:t>
-            </a:r>
-            <a:endParaRPr lang="en-US" dirty="0"/>
-          </a:p>
-        </p:txBody>
-      </p:sp>
-      <p:sp>
-        <p:nvSpPr>
-          <p:cNvPr id="2" name="Date Placeholder 1">
-            <a:extLst>
-              <a:ext uri="{FF2B5EF4-FFF2-40B4-BE49-F238E27FC236}">
-                <a16:creationId xmlns:a16="http://schemas.microsoft.com/office/drawing/2014/main" id="{F3EEEBEE-8BBD-4EBF-A2BB-CAD97D51A48B}"/>
-              </a:ext>
-            </a:extLst>
-          </p:cNvPr>
-          <p:cNvSpPr>
-            <a:spLocks noGrp="1"/>
-          </p:cNvSpPr>
-          <p:nvPr>
-            <p:ph type="dt" sz="half" idx="10"/>
-          </p:nvPr>
-        </p:nvSpPr>
-        <p:spPr/>
-        <p:txBody>
-          <a:bodyPr/>
-          <a:lstStyle/>
-          <a:p>
-            <a:fld id="{7BB4AFEC-4BE7-4504-8846-4BF0CCFD9721}" type="datetime1">
-              <a:rPr lang="en-US" smtClean="0"/>
-              <a:t>4/22/2022</a:t>
-            </a:fld>
-            <a:endParaRPr lang="en-US" dirty="0"/>
-          </a:p>
-        </p:txBody>
-      </p:sp>
-      <p:sp>
-        <p:nvSpPr>
-          <p:cNvPr id="3" name="Footer Placeholder 2">
-            <a:extLst>
-              <a:ext uri="{FF2B5EF4-FFF2-40B4-BE49-F238E27FC236}">
-                <a16:creationId xmlns:a16="http://schemas.microsoft.com/office/drawing/2014/main" id="{4DAFA7F5-6A91-4D4D-9891-3876525867AB}"/>
-              </a:ext>
-            </a:extLst>
-          </p:cNvPr>
-          <p:cNvSpPr>
-            <a:spLocks noGrp="1"/>
-          </p:cNvSpPr>
-          <p:nvPr>
-            <p:ph type="ftr" sz="quarter" idx="11"/>
-          </p:nvPr>
-        </p:nvSpPr>
-        <p:spPr/>
-        <p:txBody>
-          <a:bodyPr/>
-          <a:lstStyle/>
-          <a:p>
-            <a:r>
-              <a:rPr lang="en-US"/>
-              <a:t>jennifer.neumaier@t-online.de</a:t>
-            </a:r>
-            <a:endParaRPr lang="en-US" dirty="0"/>
-          </a:p>
-        </p:txBody>
-      </p:sp>
-      <p:sp>
-        <p:nvSpPr>
-          <p:cNvPr id="4" name="Slide Number Placeholder 3">
-            <a:extLst>
-              <a:ext uri="{FF2B5EF4-FFF2-40B4-BE49-F238E27FC236}">
-                <a16:creationId xmlns:a16="http://schemas.microsoft.com/office/drawing/2014/main" id="{CE2776D2-EE20-45AE-A069-38A103E4F6B4}"/>
-              </a:ext>
-            </a:extLst>
-          </p:cNvPr>
-          <p:cNvSpPr>
-            <a:spLocks noGrp="1"/>
-          </p:cNvSpPr>
-          <p:nvPr>
-            <p:ph type="sldNum" sz="quarter" idx="12"/>
-          </p:nvPr>
-        </p:nvSpPr>
-        <p:spPr/>
-        <p:txBody>
-          <a:bodyPr/>
-          <a:lstStyle/>
-          <a:p>
-            <a:fld id="{D57F1E4F-1CFF-5643-939E-217C01CDF565}" type="slidenum">
-              <a:rPr lang="en-US" smtClean="0"/>
-              <a:pPr/>
-              <a:t>4</a:t>
-            </a:fld>
-            <a:endParaRPr lang="en-US" dirty="0"/>
-          </a:p>
-        </p:txBody>
-      </p:sp>
-      <p:pic>
-        <p:nvPicPr>
-          <p:cNvPr id="7" name="Picture 6">
-            <a:extLst>
-              <a:ext uri="{FF2B5EF4-FFF2-40B4-BE49-F238E27FC236}">
-                <a16:creationId xmlns:a16="http://schemas.microsoft.com/office/drawing/2014/main" id="{0F2C4512-AA65-48E7-8ECD-C1D03FB41B82}"/>
-              </a:ext>
-            </a:extLst>
-          </p:cNvPr>
-          <p:cNvPicPr>
-            <a:picLocks noChangeAspect="1"/>
-          </p:cNvPicPr>
-          <p:nvPr/>
-        </p:nvPicPr>
-        <p:blipFill>
-          <a:blip r:embed="rId2"/>
-          <a:stretch>
-            <a:fillRect/>
-          </a:stretch>
-        </p:blipFill>
-        <p:spPr>
-          <a:xfrm>
-            <a:off x="191162" y="1793352"/>
-            <a:ext cx="11932920" cy="4221480"/>
-          </a:xfrm>
-          <a:prstGeom prst="rect">
-            <a:avLst/>
-          </a:prstGeom>
-        </p:spPr>
-      </p:pic>
-    </p:spTree>
-    <p:extLst>
-      <p:ext uri="{BB962C8B-B14F-4D97-AF65-F5344CB8AC3E}">
-        <p14:creationId xmlns:p14="http://schemas.microsoft.com/office/powerpoint/2010/main" val="3426371980"/>
       </p:ext>
     </p:extLst>
   </p:cSld>
@@ -28457,7 +29771,7 @@
             <a:fld id="{36D18B76-5E8B-4456-8722-FC5B14B0F354}" type="datetime1">
               <a:rPr lang="en-US" smtClean="0"/>
               <a:pPr/>
-              <a:t>4/22/2022</a:t>
+              <a:t>4/25/2022</a:t>
             </a:fld>
             <a:endParaRPr lang="en-US" dirty="0"/>
           </a:p>
@@ -28898,7 +30212,7 @@
           <a:p>
             <a:fld id="{1F2A6BD5-D000-45AE-BE81-365EBD12526C}" type="datetime1">
               <a:rPr lang="en-US" smtClean="0"/>
-              <a:t>4/22/2022</a:t>
+              <a:t>4/25/2022</a:t>
             </a:fld>
             <a:endParaRPr lang="en-US" dirty="0"/>
           </a:p>
@@ -29344,7 +30658,7 @@
           <a:p>
             <a:fld id="{A70B3D3E-FC47-4E47-BC37-6E33025EDD36}" type="datetime1">
               <a:rPr lang="en-US" smtClean="0"/>
-              <a:t>4/22/2022</a:t>
+              <a:t>4/25/2022</a:t>
             </a:fld>
             <a:endParaRPr lang="en-US" dirty="0"/>
           </a:p>

--- a/doc/Project_structure_notes.pptx
+++ b/doc/Project_structure_notes.pptx
@@ -5,7 +5,7 @@
     <p:sldMasterId id="2147483702" r:id="rId1"/>
   </p:sldMasterIdLst>
   <p:notesMasterIdLst>
-    <p:notesMasterId r:id="rId44"/>
+    <p:notesMasterId r:id="rId47"/>
   </p:notesMasterIdLst>
   <p:sldIdLst>
     <p:sldId id="256" r:id="rId2"/>
@@ -26,8 +26,8 @@
     <p:sldId id="283" r:id="rId17"/>
     <p:sldId id="300" r:id="rId18"/>
     <p:sldId id="303" r:id="rId19"/>
-    <p:sldId id="301" r:id="rId20"/>
-    <p:sldId id="302" r:id="rId21"/>
+    <p:sldId id="302" r:id="rId20"/>
+    <p:sldId id="301" r:id="rId21"/>
     <p:sldId id="286" r:id="rId22"/>
     <p:sldId id="296" r:id="rId23"/>
     <p:sldId id="288" r:id="rId24"/>
@@ -39,17 +39,20 @@
     <p:sldId id="295" r:id="rId30"/>
     <p:sldId id="292" r:id="rId31"/>
     <p:sldId id="293" r:id="rId32"/>
-    <p:sldId id="277" r:id="rId33"/>
-    <p:sldId id="279" r:id="rId34"/>
-    <p:sldId id="278" r:id="rId35"/>
-    <p:sldId id="290" r:id="rId36"/>
-    <p:sldId id="269" r:id="rId37"/>
-    <p:sldId id="263" r:id="rId38"/>
-    <p:sldId id="258" r:id="rId39"/>
-    <p:sldId id="270" r:id="rId40"/>
-    <p:sldId id="284" r:id="rId41"/>
-    <p:sldId id="257" r:id="rId42"/>
-    <p:sldId id="268" r:id="rId43"/>
+    <p:sldId id="304" r:id="rId33"/>
+    <p:sldId id="305" r:id="rId34"/>
+    <p:sldId id="306" r:id="rId35"/>
+    <p:sldId id="277" r:id="rId36"/>
+    <p:sldId id="279" r:id="rId37"/>
+    <p:sldId id="278" r:id="rId38"/>
+    <p:sldId id="290" r:id="rId39"/>
+    <p:sldId id="269" r:id="rId40"/>
+    <p:sldId id="263" r:id="rId41"/>
+    <p:sldId id="258" r:id="rId42"/>
+    <p:sldId id="270" r:id="rId43"/>
+    <p:sldId id="284" r:id="rId44"/>
+    <p:sldId id="257" r:id="rId45"/>
+    <p:sldId id="268" r:id="rId46"/>
   </p:sldIdLst>
   <p:sldSz cx="12192000" cy="6858000"/>
   <p:notesSz cx="6858000" cy="9144000"/>
@@ -187,8 +190,8 @@
           <p14:sldIdLst>
             <p14:sldId id="300"/>
             <p14:sldId id="303"/>
+            <p14:sldId id="302"/>
             <p14:sldId id="301"/>
-            <p14:sldId id="302"/>
           </p14:sldIdLst>
         </p14:section>
         <p14:section name="Same Split" id="{5173126D-3102-41C8-A6A3-9CBAE2938795}">
@@ -208,6 +211,9 @@
             <p14:sldId id="295"/>
             <p14:sldId id="292"/>
             <p14:sldId id="293"/>
+            <p14:sldId id="304"/>
+            <p14:sldId id="305"/>
+            <p14:sldId id="306"/>
           </p14:sldIdLst>
         </p14:section>
         <p14:section name="Notes" id="{BD5F37D2-34EC-4962-982B-3F5187946EDA}">
@@ -7218,7 +7224,7 @@
           <a:p>
             <a:fld id="{0D3712C0-BD94-4EDD-81B8-404EF18DF498}" type="datetimeFigureOut">
               <a:rPr lang="en-US" smtClean="0"/>
-              <a:t>4/25/2022</a:t>
+              <a:t>4/26/2022</a:t>
             </a:fld>
             <a:endParaRPr lang="en-US"/>
           </a:p>
@@ -7613,7 +7619,16 @@
           <a:bodyPr/>
           <a:lstStyle/>
           <a:p>
-            <a:endParaRPr lang="de-DE" dirty="0"/>
+            <a:r>
+              <a:rPr lang="de-DE" dirty="0"/>
+              <a:t>A: all countries were holdout set once and for this graph all performances were taken together under „holdout“ and separates into abundance filters</a:t>
+            </a:r>
+          </a:p>
+          <a:p>
+            <a:r>
+              <a:rPr lang="de-DE" dirty="0"/>
+              <a:t>B: since 10% abundance filters clearly shows better performances, only this data was taken and the performances per transformation separated into test and training performances.</a:t>
+            </a:r>
           </a:p>
         </p:txBody>
       </p:sp>
@@ -7697,7 +7712,10 @@
           <a:bodyPr/>
           <a:lstStyle/>
           <a:p>
-            <a:endParaRPr lang="de-DE" dirty="0"/>
+            <a:r>
+              <a:rPr lang="de-DE" dirty="0"/>
+              <a:t>Here, again the split between 10% abundance and 50% abundance but all holdout performances plus standard 80/20 viewed directly. NB! Test and training performances are plotted together again -&gt; distance of boxplots gives hint about the discrepancy between test and training performances per holdout set vs 80/20.</a:t>
+            </a:r>
           </a:p>
         </p:txBody>
       </p:sp>
@@ -7718,7 +7736,7 @@
           <a:p>
             <a:fld id="{14E34CAD-DC0B-4EB4-812C-D77F8E7D39DE}" type="slidenum">
               <a:rPr lang="en-US" smtClean="0"/>
-              <a:t>22</a:t>
+              <a:t>18</a:t>
             </a:fld>
             <a:endParaRPr lang="en-US"/>
           </a:p>
@@ -7727,7 +7745,7 @@
     </p:spTree>
     <p:extLst>
       <p:ext uri="{BB962C8B-B14F-4D97-AF65-F5344CB8AC3E}">
-        <p14:creationId xmlns:p14="http://schemas.microsoft.com/office/powerpoint/2010/main" val="2202698015"/>
+        <p14:creationId xmlns:p14="http://schemas.microsoft.com/office/powerpoint/2010/main" val="3896008115"/>
       </p:ext>
     </p:extLst>
   </p:cSld>
@@ -7781,6 +7799,10 @@
           <a:bodyPr/>
           <a:lstStyle/>
           <a:p>
+            <a:r>
+              <a:rPr lang="en-US" dirty="0"/>
+              <a:t>That’s the same graph as on slide 18, but the boxplots removed so one is able to differentiate between test and training set per transformation. </a:t>
+            </a:r>
             <a:endParaRPr lang="de-DE" dirty="0"/>
           </a:p>
         </p:txBody>
@@ -7802,6 +7824,174 @@
           <a:p>
             <a:fld id="{14E34CAD-DC0B-4EB4-812C-D77F8E7D39DE}" type="slidenum">
               <a:rPr lang="en-US" smtClean="0"/>
+              <a:t>19</a:t>
+            </a:fld>
+            <a:endParaRPr lang="en-US"/>
+          </a:p>
+        </p:txBody>
+      </p:sp>
+    </p:spTree>
+    <p:extLst>
+      <p:ext uri="{BB962C8B-B14F-4D97-AF65-F5344CB8AC3E}">
+        <p14:creationId xmlns:p14="http://schemas.microsoft.com/office/powerpoint/2010/main" val="995087725"/>
+      </p:ext>
+    </p:extLst>
+  </p:cSld>
+  <p:clrMapOvr>
+    <a:masterClrMapping/>
+  </p:clrMapOvr>
+</p:notes>
+</file>
+
+<file path=ppt/notesSlides/notesSlide5.xml><?xml version="1.0" encoding="utf-8"?>
+<p:notes xmlns:a="http://schemas.openxmlformats.org/drawingml/2006/main" xmlns:r="http://schemas.openxmlformats.org/officeDocument/2006/relationships" xmlns:p="http://schemas.openxmlformats.org/presentationml/2006/main">
+  <p:cSld>
+    <p:spTree>
+      <p:nvGrpSpPr>
+        <p:cNvPr id="1" name=""/>
+        <p:cNvGrpSpPr/>
+        <p:nvPr/>
+      </p:nvGrpSpPr>
+      <p:grpSpPr>
+        <a:xfrm>
+          <a:off x="0" y="0"/>
+          <a:ext cx="0" cy="0"/>
+          <a:chOff x="0" y="0"/>
+          <a:chExt cx="0" cy="0"/>
+        </a:xfrm>
+      </p:grpSpPr>
+      <p:sp>
+        <p:nvSpPr>
+          <p:cNvPr id="2" name="Slide Image Placeholder 1"/>
+          <p:cNvSpPr>
+            <a:spLocks noGrp="1" noRot="1" noChangeAspect="1"/>
+          </p:cNvSpPr>
+          <p:nvPr>
+            <p:ph type="sldImg"/>
+          </p:nvPr>
+        </p:nvSpPr>
+        <p:spPr/>
+      </p:sp>
+      <p:sp>
+        <p:nvSpPr>
+          <p:cNvPr id="3" name="Notes Placeholder 2"/>
+          <p:cNvSpPr>
+            <a:spLocks noGrp="1"/>
+          </p:cNvSpPr>
+          <p:nvPr>
+            <p:ph type="body" idx="1"/>
+          </p:nvPr>
+        </p:nvSpPr>
+        <p:spPr/>
+        <p:txBody>
+          <a:bodyPr/>
+          <a:lstStyle/>
+          <a:p>
+            <a:endParaRPr lang="de-DE" dirty="0"/>
+          </a:p>
+        </p:txBody>
+      </p:sp>
+      <p:sp>
+        <p:nvSpPr>
+          <p:cNvPr id="4" name="Slide Number Placeholder 3"/>
+          <p:cNvSpPr>
+            <a:spLocks noGrp="1"/>
+          </p:cNvSpPr>
+          <p:nvPr>
+            <p:ph type="sldNum" sz="quarter" idx="5"/>
+          </p:nvPr>
+        </p:nvSpPr>
+        <p:spPr/>
+        <p:txBody>
+          <a:bodyPr/>
+          <a:lstStyle/>
+          <a:p>
+            <a:fld id="{14E34CAD-DC0B-4EB4-812C-D77F8E7D39DE}" type="slidenum">
+              <a:rPr lang="en-US" smtClean="0"/>
+              <a:t>22</a:t>
+            </a:fld>
+            <a:endParaRPr lang="en-US"/>
+          </a:p>
+        </p:txBody>
+      </p:sp>
+    </p:spTree>
+    <p:extLst>
+      <p:ext uri="{BB962C8B-B14F-4D97-AF65-F5344CB8AC3E}">
+        <p14:creationId xmlns:p14="http://schemas.microsoft.com/office/powerpoint/2010/main" val="2202698015"/>
+      </p:ext>
+    </p:extLst>
+  </p:cSld>
+  <p:clrMapOvr>
+    <a:masterClrMapping/>
+  </p:clrMapOvr>
+</p:notes>
+</file>
+
+<file path=ppt/notesSlides/notesSlide6.xml><?xml version="1.0" encoding="utf-8"?>
+<p:notes xmlns:a="http://schemas.openxmlformats.org/drawingml/2006/main" xmlns:r="http://schemas.openxmlformats.org/officeDocument/2006/relationships" xmlns:p="http://schemas.openxmlformats.org/presentationml/2006/main">
+  <p:cSld>
+    <p:spTree>
+      <p:nvGrpSpPr>
+        <p:cNvPr id="1" name=""/>
+        <p:cNvGrpSpPr/>
+        <p:nvPr/>
+      </p:nvGrpSpPr>
+      <p:grpSpPr>
+        <a:xfrm>
+          <a:off x="0" y="0"/>
+          <a:ext cx="0" cy="0"/>
+          <a:chOff x="0" y="0"/>
+          <a:chExt cx="0" cy="0"/>
+        </a:xfrm>
+      </p:grpSpPr>
+      <p:sp>
+        <p:nvSpPr>
+          <p:cNvPr id="2" name="Slide Image Placeholder 1"/>
+          <p:cNvSpPr>
+            <a:spLocks noGrp="1" noRot="1" noChangeAspect="1"/>
+          </p:cNvSpPr>
+          <p:nvPr>
+            <p:ph type="sldImg"/>
+          </p:nvPr>
+        </p:nvSpPr>
+        <p:spPr/>
+      </p:sp>
+      <p:sp>
+        <p:nvSpPr>
+          <p:cNvPr id="3" name="Notes Placeholder 2"/>
+          <p:cNvSpPr>
+            <a:spLocks noGrp="1"/>
+          </p:cNvSpPr>
+          <p:nvPr>
+            <p:ph type="body" idx="1"/>
+          </p:nvPr>
+        </p:nvSpPr>
+        <p:spPr/>
+        <p:txBody>
+          <a:bodyPr/>
+          <a:lstStyle/>
+          <a:p>
+            <a:endParaRPr lang="de-DE" dirty="0"/>
+          </a:p>
+        </p:txBody>
+      </p:sp>
+      <p:sp>
+        <p:nvSpPr>
+          <p:cNvPr id="4" name="Slide Number Placeholder 3"/>
+          <p:cNvSpPr>
+            <a:spLocks noGrp="1"/>
+          </p:cNvSpPr>
+          <p:nvPr>
+            <p:ph type="sldNum" sz="quarter" idx="5"/>
+          </p:nvPr>
+        </p:nvSpPr>
+        <p:spPr/>
+        <p:txBody>
+          <a:bodyPr/>
+          <a:lstStyle/>
+          <a:p>
+            <a:fld id="{14E34CAD-DC0B-4EB4-812C-D77F8E7D39DE}" type="slidenum">
+              <a:rPr lang="en-US" smtClean="0"/>
               <a:t>23</a:t>
             </a:fld>
             <a:endParaRPr lang="en-US"/>
@@ -7812,6 +8002,258 @@
     <p:extLst>
       <p:ext uri="{BB962C8B-B14F-4D97-AF65-F5344CB8AC3E}">
         <p14:creationId xmlns:p14="http://schemas.microsoft.com/office/powerpoint/2010/main" val="2413122248"/>
+      </p:ext>
+    </p:extLst>
+  </p:cSld>
+  <p:clrMapOvr>
+    <a:masterClrMapping/>
+  </p:clrMapOvr>
+</p:notes>
+</file>
+
+<file path=ppt/notesSlides/notesSlide7.xml><?xml version="1.0" encoding="utf-8"?>
+<p:notes xmlns:a="http://schemas.openxmlformats.org/drawingml/2006/main" xmlns:r="http://schemas.openxmlformats.org/officeDocument/2006/relationships" xmlns:p="http://schemas.openxmlformats.org/presentationml/2006/main">
+  <p:cSld>
+    <p:spTree>
+      <p:nvGrpSpPr>
+        <p:cNvPr id="1" name=""/>
+        <p:cNvGrpSpPr/>
+        <p:nvPr/>
+      </p:nvGrpSpPr>
+      <p:grpSpPr>
+        <a:xfrm>
+          <a:off x="0" y="0"/>
+          <a:ext cx="0" cy="0"/>
+          <a:chOff x="0" y="0"/>
+          <a:chExt cx="0" cy="0"/>
+        </a:xfrm>
+      </p:grpSpPr>
+      <p:sp>
+        <p:nvSpPr>
+          <p:cNvPr id="2" name="Slide Image Placeholder 1"/>
+          <p:cNvSpPr>
+            <a:spLocks noGrp="1" noRot="1" noChangeAspect="1"/>
+          </p:cNvSpPr>
+          <p:nvPr>
+            <p:ph type="sldImg"/>
+          </p:nvPr>
+        </p:nvSpPr>
+        <p:spPr/>
+      </p:sp>
+      <p:sp>
+        <p:nvSpPr>
+          <p:cNvPr id="3" name="Notes Placeholder 2"/>
+          <p:cNvSpPr>
+            <a:spLocks noGrp="1"/>
+          </p:cNvSpPr>
+          <p:nvPr>
+            <p:ph type="body" idx="1"/>
+          </p:nvPr>
+        </p:nvSpPr>
+        <p:spPr/>
+        <p:txBody>
+          <a:bodyPr/>
+          <a:lstStyle/>
+          <a:p>
+            <a:endParaRPr lang="de-DE" dirty="0"/>
+          </a:p>
+        </p:txBody>
+      </p:sp>
+      <p:sp>
+        <p:nvSpPr>
+          <p:cNvPr id="4" name="Slide Number Placeholder 3"/>
+          <p:cNvSpPr>
+            <a:spLocks noGrp="1"/>
+          </p:cNvSpPr>
+          <p:nvPr>
+            <p:ph type="sldNum" sz="quarter" idx="5"/>
+          </p:nvPr>
+        </p:nvSpPr>
+        <p:spPr/>
+        <p:txBody>
+          <a:bodyPr/>
+          <a:lstStyle/>
+          <a:p>
+            <a:fld id="{14E34CAD-DC0B-4EB4-812C-D77F8E7D39DE}" type="slidenum">
+              <a:rPr lang="en-US" smtClean="0"/>
+              <a:t>30</a:t>
+            </a:fld>
+            <a:endParaRPr lang="en-US"/>
+          </a:p>
+        </p:txBody>
+      </p:sp>
+    </p:spTree>
+    <p:extLst>
+      <p:ext uri="{BB962C8B-B14F-4D97-AF65-F5344CB8AC3E}">
+        <p14:creationId xmlns:p14="http://schemas.microsoft.com/office/powerpoint/2010/main" val="3337435852"/>
+      </p:ext>
+    </p:extLst>
+  </p:cSld>
+  <p:clrMapOvr>
+    <a:masterClrMapping/>
+  </p:clrMapOvr>
+</p:notes>
+</file>
+
+<file path=ppt/notesSlides/notesSlide8.xml><?xml version="1.0" encoding="utf-8"?>
+<p:notes xmlns:a="http://schemas.openxmlformats.org/drawingml/2006/main" xmlns:r="http://schemas.openxmlformats.org/officeDocument/2006/relationships" xmlns:p="http://schemas.openxmlformats.org/presentationml/2006/main">
+  <p:cSld>
+    <p:spTree>
+      <p:nvGrpSpPr>
+        <p:cNvPr id="1" name=""/>
+        <p:cNvGrpSpPr/>
+        <p:nvPr/>
+      </p:nvGrpSpPr>
+      <p:grpSpPr>
+        <a:xfrm>
+          <a:off x="0" y="0"/>
+          <a:ext cx="0" cy="0"/>
+          <a:chOff x="0" y="0"/>
+          <a:chExt cx="0" cy="0"/>
+        </a:xfrm>
+      </p:grpSpPr>
+      <p:sp>
+        <p:nvSpPr>
+          <p:cNvPr id="2" name="Slide Image Placeholder 1"/>
+          <p:cNvSpPr>
+            <a:spLocks noGrp="1" noRot="1" noChangeAspect="1"/>
+          </p:cNvSpPr>
+          <p:nvPr>
+            <p:ph type="sldImg"/>
+          </p:nvPr>
+        </p:nvSpPr>
+        <p:spPr/>
+      </p:sp>
+      <p:sp>
+        <p:nvSpPr>
+          <p:cNvPr id="3" name="Notes Placeholder 2"/>
+          <p:cNvSpPr>
+            <a:spLocks noGrp="1"/>
+          </p:cNvSpPr>
+          <p:nvPr>
+            <p:ph type="body" idx="1"/>
+          </p:nvPr>
+        </p:nvSpPr>
+        <p:spPr/>
+        <p:txBody>
+          <a:bodyPr/>
+          <a:lstStyle/>
+          <a:p>
+            <a:endParaRPr lang="de-DE" dirty="0"/>
+          </a:p>
+        </p:txBody>
+      </p:sp>
+      <p:sp>
+        <p:nvSpPr>
+          <p:cNvPr id="4" name="Slide Number Placeholder 3"/>
+          <p:cNvSpPr>
+            <a:spLocks noGrp="1"/>
+          </p:cNvSpPr>
+          <p:nvPr>
+            <p:ph type="sldNum" sz="quarter" idx="5"/>
+          </p:nvPr>
+        </p:nvSpPr>
+        <p:spPr/>
+        <p:txBody>
+          <a:bodyPr/>
+          <a:lstStyle/>
+          <a:p>
+            <a:fld id="{14E34CAD-DC0B-4EB4-812C-D77F8E7D39DE}" type="slidenum">
+              <a:rPr lang="en-US" smtClean="0"/>
+              <a:t>32</a:t>
+            </a:fld>
+            <a:endParaRPr lang="en-US"/>
+          </a:p>
+        </p:txBody>
+      </p:sp>
+    </p:spTree>
+    <p:extLst>
+      <p:ext uri="{BB962C8B-B14F-4D97-AF65-F5344CB8AC3E}">
+        <p14:creationId xmlns:p14="http://schemas.microsoft.com/office/powerpoint/2010/main" val="3792440881"/>
+      </p:ext>
+    </p:extLst>
+  </p:cSld>
+  <p:clrMapOvr>
+    <a:masterClrMapping/>
+  </p:clrMapOvr>
+</p:notes>
+</file>
+
+<file path=ppt/notesSlides/notesSlide9.xml><?xml version="1.0" encoding="utf-8"?>
+<p:notes xmlns:a="http://schemas.openxmlformats.org/drawingml/2006/main" xmlns:r="http://schemas.openxmlformats.org/officeDocument/2006/relationships" xmlns:p="http://schemas.openxmlformats.org/presentationml/2006/main">
+  <p:cSld>
+    <p:spTree>
+      <p:nvGrpSpPr>
+        <p:cNvPr id="1" name=""/>
+        <p:cNvGrpSpPr/>
+        <p:nvPr/>
+      </p:nvGrpSpPr>
+      <p:grpSpPr>
+        <a:xfrm>
+          <a:off x="0" y="0"/>
+          <a:ext cx="0" cy="0"/>
+          <a:chOff x="0" y="0"/>
+          <a:chExt cx="0" cy="0"/>
+        </a:xfrm>
+      </p:grpSpPr>
+      <p:sp>
+        <p:nvSpPr>
+          <p:cNvPr id="2" name="Slide Image Placeholder 1"/>
+          <p:cNvSpPr>
+            <a:spLocks noGrp="1" noRot="1" noChangeAspect="1"/>
+          </p:cNvSpPr>
+          <p:nvPr>
+            <p:ph type="sldImg"/>
+          </p:nvPr>
+        </p:nvSpPr>
+        <p:spPr/>
+      </p:sp>
+      <p:sp>
+        <p:nvSpPr>
+          <p:cNvPr id="3" name="Notes Placeholder 2"/>
+          <p:cNvSpPr>
+            <a:spLocks noGrp="1"/>
+          </p:cNvSpPr>
+          <p:nvPr>
+            <p:ph type="body" idx="1"/>
+          </p:nvPr>
+        </p:nvSpPr>
+        <p:spPr/>
+        <p:txBody>
+          <a:bodyPr/>
+          <a:lstStyle/>
+          <a:p>
+            <a:endParaRPr lang="de-DE" dirty="0"/>
+          </a:p>
+        </p:txBody>
+      </p:sp>
+      <p:sp>
+        <p:nvSpPr>
+          <p:cNvPr id="4" name="Slide Number Placeholder 3"/>
+          <p:cNvSpPr>
+            <a:spLocks noGrp="1"/>
+          </p:cNvSpPr>
+          <p:nvPr>
+            <p:ph type="sldNum" sz="quarter" idx="5"/>
+          </p:nvPr>
+        </p:nvSpPr>
+        <p:spPr/>
+        <p:txBody>
+          <a:bodyPr/>
+          <a:lstStyle/>
+          <a:p>
+            <a:fld id="{14E34CAD-DC0B-4EB4-812C-D77F8E7D39DE}" type="slidenum">
+              <a:rPr lang="en-US" smtClean="0"/>
+              <a:t>33</a:t>
+            </a:fld>
+            <a:endParaRPr lang="en-US"/>
+          </a:p>
+        </p:txBody>
+      </p:sp>
+    </p:spTree>
+    <p:extLst>
+      <p:ext uri="{BB962C8B-B14F-4D97-AF65-F5344CB8AC3E}">
+        <p14:creationId xmlns:p14="http://schemas.microsoft.com/office/powerpoint/2010/main" val="3546133702"/>
       </p:ext>
     </p:extLst>
   </p:cSld>
@@ -8009,7 +8451,7 @@
           <a:p>
             <a:fld id="{843A20DD-8926-4B91-8D72-D1DC7F5C31EF}" type="datetime1">
               <a:rPr lang="en-US" smtClean="0"/>
-              <a:t>4/25/2022</a:t>
+              <a:t>4/26/2022</a:t>
             </a:fld>
             <a:endParaRPr lang="en-US" dirty="0"/>
           </a:p>
@@ -8352,7 +8794,7 @@
           <a:p>
             <a:fld id="{D2DD2B10-BCB9-40E5-8141-F17001376370}" type="datetime1">
               <a:rPr lang="en-US" smtClean="0"/>
-              <a:t>4/25/2022</a:t>
+              <a:t>4/26/2022</a:t>
             </a:fld>
             <a:endParaRPr lang="en-US" dirty="0"/>
           </a:p>
@@ -8758,7 +9200,7 @@
           <a:p>
             <a:fld id="{927FFA6D-4E8C-437E-BCA1-3CF73EB8B252}" type="datetime1">
               <a:rPr lang="en-US" smtClean="0"/>
-              <a:t>4/25/2022</a:t>
+              <a:t>4/26/2022</a:t>
             </a:fld>
             <a:endParaRPr lang="en-US" dirty="0"/>
           </a:p>
@@ -9099,7 +9541,7 @@
           <a:p>
             <a:fld id="{A2C7F92B-2A35-4C09-8346-C40AAA997302}" type="datetime1">
               <a:rPr lang="en-US" smtClean="0"/>
-              <a:t>4/25/2022</a:t>
+              <a:t>4/26/2022</a:t>
             </a:fld>
             <a:endParaRPr lang="en-US" dirty="0"/>
           </a:p>
@@ -9425,7 +9867,7 @@
           <a:p>
             <a:fld id="{A2C7F92B-2A35-4C09-8346-C40AAA997302}" type="datetime1">
               <a:rPr lang="en-US" smtClean="0"/>
-              <a:t>4/25/2022</a:t>
+              <a:t>4/26/2022</a:t>
             </a:fld>
             <a:endParaRPr lang="en-US" dirty="0"/>
           </a:p>
@@ -9827,7 +10269,7 @@
           <a:p>
             <a:fld id="{A2C7F92B-2A35-4C09-8346-C40AAA997302}" type="datetime1">
               <a:rPr lang="en-US" smtClean="0"/>
-              <a:t>4/25/2022</a:t>
+              <a:t>4/26/2022</a:t>
             </a:fld>
             <a:endParaRPr lang="en-US" dirty="0"/>
           </a:p>
@@ -10090,7 +10532,7 @@
           <a:p>
             <a:fld id="{8A427DC1-41D9-41ED-AAB7-DF919DFB0B7D}" type="datetime1">
               <a:rPr lang="en-US" smtClean="0"/>
-              <a:t>4/25/2022</a:t>
+              <a:t>4/26/2022</a:t>
             </a:fld>
             <a:endParaRPr lang="en-US" dirty="0"/>
           </a:p>
@@ -10357,7 +10799,7 @@
           <a:p>
             <a:fld id="{49530F64-B6F9-41E5-8499-9B56B7F93996}" type="datetime1">
               <a:rPr lang="en-US" smtClean="0"/>
-              <a:t>4/25/2022</a:t>
+              <a:t>4/26/2022</a:t>
             </a:fld>
             <a:endParaRPr lang="en-US" dirty="0"/>
           </a:p>
@@ -10628,7 +11070,7 @@
             <a:fld id="{36D18B76-5E8B-4456-8722-FC5B14B0F354}" type="datetime1">
               <a:rPr lang="en-US" smtClean="0"/>
               <a:pPr/>
-              <a:t>4/25/2022</a:t>
+              <a:t>4/26/2022</a:t>
             </a:fld>
             <a:endParaRPr lang="en-US" dirty="0"/>
           </a:p>
@@ -10966,7 +11408,7 @@
           <a:p>
             <a:fld id="{3E914A3D-A565-477F-8682-1AE6EFE36557}" type="datetime1">
               <a:rPr lang="en-US" smtClean="0"/>
-              <a:t>4/25/2022</a:t>
+              <a:t>4/26/2022</a:t>
             </a:fld>
             <a:endParaRPr lang="en-US" dirty="0"/>
           </a:p>
@@ -11294,7 +11736,7 @@
           <a:p>
             <a:fld id="{D45A6A21-0914-4A46-BCF1-163E9A00E688}" type="datetime1">
               <a:rPr lang="en-US" smtClean="0"/>
-              <a:t>4/25/2022</a:t>
+              <a:t>4/26/2022</a:t>
             </a:fld>
             <a:endParaRPr lang="en-US" dirty="0"/>
           </a:p>
@@ -11756,7 +12198,7 @@
           <a:p>
             <a:fld id="{6BDD7FCB-B1A7-4982-8C8B-674E644B14B0}" type="datetime1">
               <a:rPr lang="en-US" smtClean="0"/>
-              <a:t>4/25/2022</a:t>
+              <a:t>4/26/2022</a:t>
             </a:fld>
             <a:endParaRPr lang="en-US" dirty="0"/>
           </a:p>
@@ -11976,7 +12418,7 @@
             <a:fld id="{4C731089-17FC-4C04-87B1-2157F67F0117}" type="datetime1">
               <a:rPr lang="en-US" smtClean="0"/>
               <a:pPr/>
-              <a:t>4/25/2022</a:t>
+              <a:t>4/26/2022</a:t>
             </a:fld>
             <a:endParaRPr lang="en-US" dirty="0"/>
           </a:p>
@@ -12162,7 +12604,7 @@
           <a:p>
             <a:fld id="{1278D66F-D6E5-4434-B311-7DA25CA81F5A}" type="datetime1">
               <a:rPr lang="en-US" smtClean="0"/>
-              <a:t>4/25/2022</a:t>
+              <a:t>4/26/2022</a:t>
             </a:fld>
             <a:endParaRPr lang="en-US" dirty="0"/>
           </a:p>
@@ -12500,7 +12942,7 @@
           <a:p>
             <a:fld id="{2253374B-0B0C-42C0-A0DF-1550CE3AA116}" type="datetime1">
               <a:rPr lang="en-US" smtClean="0"/>
-              <a:t>4/25/2022</a:t>
+              <a:t>4/26/2022</a:t>
             </a:fld>
             <a:endParaRPr lang="en-US" dirty="0"/>
           </a:p>
@@ -12850,7 +13292,7 @@
           <a:p>
             <a:fld id="{F589A7BC-DDDD-4FB0-A8E7-5046A2EF84B8}" type="datetime1">
               <a:rPr lang="en-US" smtClean="0"/>
-              <a:t>4/25/2022</a:t>
+              <a:t>4/26/2022</a:t>
             </a:fld>
             <a:endParaRPr lang="en-US" dirty="0"/>
           </a:p>
@@ -14972,7 +15414,7 @@
           <a:p>
             <a:fld id="{A2C7F92B-2A35-4C09-8346-C40AAA997302}" type="datetime1">
               <a:rPr lang="en-US" smtClean="0"/>
-              <a:t>4/25/2022</a:t>
+              <a:t>4/26/2022</a:t>
             </a:fld>
             <a:endParaRPr lang="en-US" dirty="0"/>
           </a:p>
@@ -15590,7 +16032,7 @@
           <a:p>
             <a:fld id="{EFFFF5E6-438B-4B86-AF1B-DB82D6C33C1C}" type="datetime1">
               <a:rPr lang="en-US" smtClean="0"/>
-              <a:t>4/25/2022</a:t>
+              <a:t>4/26/2022</a:t>
             </a:fld>
             <a:endParaRPr lang="en-US" dirty="0"/>
           </a:p>
@@ -15960,7 +16402,7 @@
             <a:fld id="{36D18B76-5E8B-4456-8722-FC5B14B0F354}" type="datetime1">
               <a:rPr lang="en-US" smtClean="0"/>
               <a:pPr/>
-              <a:t>4/25/2022</a:t>
+              <a:t>4/26/2022</a:t>
             </a:fld>
             <a:endParaRPr lang="en-US" dirty="0"/>
           </a:p>
@@ -17088,7 +17530,7 @@
             <a:fld id="{36D18B76-5E8B-4456-8722-FC5B14B0F354}" type="datetime1">
               <a:rPr lang="en-US" smtClean="0"/>
               <a:pPr/>
-              <a:t>4/25/2022</a:t>
+              <a:t>4/26/2022</a:t>
             </a:fld>
             <a:endParaRPr lang="en-US" dirty="0"/>
           </a:p>
@@ -19248,10 +19690,10 @@
         </p:nvGrpSpPr>
         <p:grpSpPr>
           <a:xfrm>
-            <a:off x="301011" y="1559799"/>
-            <a:ext cx="6329089" cy="4530210"/>
+            <a:off x="301012" y="1640999"/>
+            <a:ext cx="5514997" cy="3921059"/>
             <a:chOff x="235539" y="2349930"/>
-            <a:chExt cx="5900369" cy="3979496"/>
+            <a:chExt cx="5527392" cy="3727943"/>
           </a:xfrm>
         </p:grpSpPr>
         <p:pic>
@@ -19276,8 +19718,8 @@
           </p:blipFill>
           <p:spPr>
             <a:xfrm>
-              <a:off x="235539" y="2349930"/>
-              <a:ext cx="5900369" cy="3979496"/>
+              <a:off x="235539" y="2349931"/>
+              <a:ext cx="5527392" cy="3727942"/>
             </a:xfrm>
             <a:prstGeom prst="rect">
               <a:avLst/>
@@ -19347,8 +19789,8 @@
         </p:blipFill>
         <p:spPr>
           <a:xfrm>
-            <a:off x="6630100" y="1640999"/>
-            <a:ext cx="6476117" cy="4367809"/>
+            <a:off x="5947788" y="1635112"/>
+            <a:ext cx="5822453" cy="3926946"/>
           </a:xfrm>
           <a:prstGeom prst="rect">
             <a:avLst/>
@@ -19391,6 +19833,41 @@
             <a:r>
               <a:rPr lang="de-DE" b="1" i="1" dirty="0"/>
               <a:t>Data: D:\Master\Master Biologie\Sommersemester 2022\Master thesis\Github\out\CRC_holdout</a:t>
+            </a:r>
+          </a:p>
+        </p:txBody>
+      </p:sp>
+      <p:sp>
+        <p:nvSpPr>
+          <p:cNvPr id="11" name="TextBox 10">
+            <a:extLst>
+              <a:ext uri="{FF2B5EF4-FFF2-40B4-BE49-F238E27FC236}">
+                <a16:creationId xmlns:a16="http://schemas.microsoft.com/office/drawing/2014/main" id="{FF9D16C0-5998-407D-99CA-FA755AAD42D3}"/>
+              </a:ext>
+            </a:extLst>
+          </p:cNvPr>
+          <p:cNvSpPr txBox="1"/>
+          <p:nvPr/>
+        </p:nvSpPr>
+        <p:spPr>
+          <a:xfrm>
+            <a:off x="5943020" y="1613193"/>
+            <a:ext cx="403131" cy="369332"/>
+          </a:xfrm>
+          <a:prstGeom prst="rect">
+            <a:avLst/>
+          </a:prstGeom>
+          <a:noFill/>
+        </p:spPr>
+        <p:txBody>
+          <a:bodyPr wrap="square" rtlCol="0">
+            <a:spAutoFit/>
+          </a:bodyPr>
+          <a:lstStyle/>
+          <a:p>
+            <a:r>
+              <a:rPr lang="de-DE" b="1" dirty="0"/>
+              <a:t>B</a:t>
             </a:r>
           </a:p>
         </p:txBody>
@@ -19530,7 +20007,7 @@
           <p:nvPr/>
         </p:nvPicPr>
         <p:blipFill>
-          <a:blip r:embed="rId2"/>
+          <a:blip r:embed="rId3"/>
           <a:stretch>
             <a:fillRect/>
           </a:stretch>
@@ -19789,8 +20266,8 @@
         </p:nvSpPr>
         <p:spPr>
           <a:xfrm>
-            <a:off x="614288" y="1612670"/>
-            <a:ext cx="2592755" cy="369332"/>
+            <a:off x="239845" y="1815630"/>
+            <a:ext cx="2592755" cy="646331"/>
           </a:xfrm>
           <a:prstGeom prst="rect">
             <a:avLst/>
@@ -19805,17 +20282,23 @@
           <a:p>
             <a:r>
               <a:rPr lang="de-DE" b="1" i="1" dirty="0"/>
-              <a:t>10% abundance</a:t>
+              <a:t>Overloaded version</a:t>
+            </a:r>
+          </a:p>
+          <a:p>
+            <a:r>
+              <a:rPr lang="de-DE" b="1" i="1" dirty="0"/>
+              <a:t>(in supplementary?)</a:t>
             </a:r>
           </a:p>
         </p:txBody>
       </p:sp>
       <p:pic>
         <p:nvPicPr>
-          <p:cNvPr id="4" name="Picture 3" descr="Chart, scatter chart&#10;&#10;Description automatically generated">
+          <p:cNvPr id="9" name="Picture 8" descr="Chart, scatter chart&#10;&#10;Description automatically generated">
             <a:extLst>
               <a:ext uri="{FF2B5EF4-FFF2-40B4-BE49-F238E27FC236}">
-                <a16:creationId xmlns:a16="http://schemas.microsoft.com/office/drawing/2014/main" id="{C70617C0-6D6C-424A-B473-9B491E61E920}"/>
+                <a16:creationId xmlns:a16="http://schemas.microsoft.com/office/drawing/2014/main" id="{BD860BE8-DBE8-49FE-A835-6FDA45DE9A60}"/>
               </a:ext>
             </a:extLst>
           </p:cNvPr>
@@ -19825,15 +20308,15 @@
           <p:nvPr/>
         </p:nvPicPr>
         <p:blipFill>
-          <a:blip r:embed="rId2"/>
+          <a:blip r:embed="rId3"/>
           <a:stretch>
             <a:fillRect/>
           </a:stretch>
         </p:blipFill>
         <p:spPr>
           <a:xfrm>
-            <a:off x="3535620" y="1276185"/>
-            <a:ext cx="7344800" cy="4953691"/>
+            <a:off x="2711890" y="295491"/>
+            <a:ext cx="9292059" cy="6267017"/>
           </a:xfrm>
           <a:prstGeom prst="rect">
             <a:avLst/>
@@ -19847,10 +20330,10 @@
       </p:pic>
       <p:sp>
         <p:nvSpPr>
-          <p:cNvPr id="10" name="TextBox 9">
+          <p:cNvPr id="11" name="TextBox 10">
             <a:extLst>
               <a:ext uri="{FF2B5EF4-FFF2-40B4-BE49-F238E27FC236}">
-                <a16:creationId xmlns:a16="http://schemas.microsoft.com/office/drawing/2014/main" id="{29BECD02-3074-407C-8CB4-6650D42C7822}"/>
+                <a16:creationId xmlns:a16="http://schemas.microsoft.com/office/drawing/2014/main" id="{B989963B-413C-48DF-B13B-4901D2123AAA}"/>
               </a:ext>
             </a:extLst>
           </p:cNvPr>
@@ -19859,8 +20342,8 @@
         </p:nvSpPr>
         <p:spPr>
           <a:xfrm>
-            <a:off x="699451" y="0"/>
-            <a:ext cx="6096000" cy="646331"/>
+            <a:off x="239844" y="3179049"/>
+            <a:ext cx="2349367" cy="2031325"/>
           </a:xfrm>
           <a:prstGeom prst="rect">
             <a:avLst/>
@@ -19883,7 +20366,7 @@
     </p:spTree>
     <p:extLst>
       <p:ext uri="{BB962C8B-B14F-4D97-AF65-F5344CB8AC3E}">
-        <p14:creationId xmlns:p14="http://schemas.microsoft.com/office/powerpoint/2010/main" val="4240215929"/>
+        <p14:creationId xmlns:p14="http://schemas.microsoft.com/office/powerpoint/2010/main" val="2126234148"/>
       </p:ext>
     </p:extLst>
   </p:cSld>
@@ -19962,7 +20445,7 @@
           <a:p>
             <a:fld id="{1278D66F-D6E5-4434-B311-7DA25CA81F5A}" type="datetime1">
               <a:rPr lang="en-US" smtClean="0"/>
-              <a:t>4/25/2022</a:t>
+              <a:t>4/26/2022</a:t>
             </a:fld>
             <a:endParaRPr lang="en-US" dirty="0"/>
           </a:p>
@@ -20069,7 +20552,7 @@
 </file>
 
 <file path=ppt/slides/slide20.xml><?xml version="1.0" encoding="utf-8"?>
-<p:sld xmlns:a="http://schemas.openxmlformats.org/drawingml/2006/main" xmlns:r="http://schemas.openxmlformats.org/officeDocument/2006/relationships" xmlns:p="http://schemas.openxmlformats.org/presentationml/2006/main">
+<p:sld xmlns:a="http://schemas.openxmlformats.org/drawingml/2006/main" xmlns:r="http://schemas.openxmlformats.org/officeDocument/2006/relationships" xmlns:p="http://schemas.openxmlformats.org/presentationml/2006/main" show="0">
   <p:cSld>
     <p:spTree>
       <p:nvGrpSpPr>
@@ -20189,8 +20672,8 @@
         </p:nvSpPr>
         <p:spPr>
           <a:xfrm>
-            <a:off x="239845" y="1815630"/>
-            <a:ext cx="2592755" cy="646331"/>
+            <a:off x="614288" y="1612670"/>
+            <a:ext cx="2592755" cy="369332"/>
           </a:xfrm>
           <a:prstGeom prst="rect">
             <a:avLst/>
@@ -20205,23 +20688,17 @@
           <a:p>
             <a:r>
               <a:rPr lang="de-DE" b="1" i="1" dirty="0"/>
-              <a:t>Overloaded version</a:t>
-            </a:r>
-          </a:p>
-          <a:p>
-            <a:r>
-              <a:rPr lang="de-DE" b="1" i="1" dirty="0"/>
-              <a:t>(in supplementary?)</a:t>
+              <a:t>10% abundance</a:t>
             </a:r>
           </a:p>
         </p:txBody>
       </p:sp>
       <p:pic>
         <p:nvPicPr>
-          <p:cNvPr id="9" name="Picture 8" descr="Chart, scatter chart&#10;&#10;Description automatically generated">
+          <p:cNvPr id="4" name="Picture 3" descr="Chart, scatter chart&#10;&#10;Description automatically generated">
             <a:extLst>
               <a:ext uri="{FF2B5EF4-FFF2-40B4-BE49-F238E27FC236}">
-                <a16:creationId xmlns:a16="http://schemas.microsoft.com/office/drawing/2014/main" id="{BD860BE8-DBE8-49FE-A835-6FDA45DE9A60}"/>
+                <a16:creationId xmlns:a16="http://schemas.microsoft.com/office/drawing/2014/main" id="{C70617C0-6D6C-424A-B473-9B491E61E920}"/>
               </a:ext>
             </a:extLst>
           </p:cNvPr>
@@ -20238,8 +20715,8 @@
         </p:blipFill>
         <p:spPr>
           <a:xfrm>
-            <a:off x="2711890" y="295491"/>
-            <a:ext cx="9292059" cy="6267017"/>
+            <a:off x="3535620" y="1276185"/>
+            <a:ext cx="7344800" cy="4953691"/>
           </a:xfrm>
           <a:prstGeom prst="rect">
             <a:avLst/>
@@ -20253,10 +20730,10 @@
       </p:pic>
       <p:sp>
         <p:nvSpPr>
-          <p:cNvPr id="11" name="TextBox 10">
+          <p:cNvPr id="10" name="TextBox 9">
             <a:extLst>
               <a:ext uri="{FF2B5EF4-FFF2-40B4-BE49-F238E27FC236}">
-                <a16:creationId xmlns:a16="http://schemas.microsoft.com/office/drawing/2014/main" id="{B989963B-413C-48DF-B13B-4901D2123AAA}"/>
+                <a16:creationId xmlns:a16="http://schemas.microsoft.com/office/drawing/2014/main" id="{29BECD02-3074-407C-8CB4-6650D42C7822}"/>
               </a:ext>
             </a:extLst>
           </p:cNvPr>
@@ -20265,8 +20742,8 @@
         </p:nvSpPr>
         <p:spPr>
           <a:xfrm>
-            <a:off x="239844" y="3179049"/>
-            <a:ext cx="2349367" cy="2031325"/>
+            <a:off x="699451" y="0"/>
+            <a:ext cx="6096000" cy="646331"/>
           </a:xfrm>
           <a:prstGeom prst="rect">
             <a:avLst/>
@@ -20289,7 +20766,7 @@
     </p:spTree>
     <p:extLst>
       <p:ext uri="{BB962C8B-B14F-4D97-AF65-F5344CB8AC3E}">
-        <p14:creationId xmlns:p14="http://schemas.microsoft.com/office/powerpoint/2010/main" val="2126234148"/>
+        <p14:creationId xmlns:p14="http://schemas.microsoft.com/office/powerpoint/2010/main" val="4240215929"/>
       </p:ext>
     </p:extLst>
   </p:cSld>
@@ -23344,7 +23821,7 @@
           <a:p>
             <a:fld id="{BCCEB706-B4FB-4DF7-BDF7-514AEA7F06D0}" type="datetime1">
               <a:rPr lang="en-US" smtClean="0"/>
-              <a:t>4/25/2022</a:t>
+              <a:t>4/26/2022</a:t>
             </a:fld>
             <a:endParaRPr lang="en-US" dirty="0"/>
           </a:p>
@@ -26107,7 +26584,7 @@
             <a:fld id="{36D18B76-5E8B-4456-8722-FC5B14B0F354}" type="datetime1">
               <a:rPr lang="en-US" smtClean="0"/>
               <a:pPr/>
-              <a:t>4/25/2022</a:t>
+              <a:t>4/26/2022</a:t>
             </a:fld>
             <a:endParaRPr lang="en-US" dirty="0"/>
           </a:p>
@@ -26188,7 +26665,7 @@
           </p:nvPr>
         </p:nvPicPr>
         <p:blipFill>
-          <a:blip r:embed="rId2"/>
+          <a:blip r:embed="rId3"/>
           <a:stretch>
             <a:fillRect/>
           </a:stretch>
@@ -26205,59 +26682,6 @@
           </a:ln>
         </p:spPr>
       </p:pic>
-      <p:sp>
-        <p:nvSpPr>
-          <p:cNvPr id="9" name="TextBox 8">
-            <a:extLst>
-              <a:ext uri="{FF2B5EF4-FFF2-40B4-BE49-F238E27FC236}">
-                <a16:creationId xmlns:a16="http://schemas.microsoft.com/office/drawing/2014/main" id="{56A23E1A-23FA-4F87-8E6B-B6FB46A737F3}"/>
-              </a:ext>
-            </a:extLst>
-          </p:cNvPr>
-          <p:cNvSpPr txBox="1"/>
-          <p:nvPr/>
-        </p:nvSpPr>
-        <p:spPr>
-          <a:xfrm rot="1180550">
-            <a:off x="4228735" y="1444935"/>
-            <a:ext cx="2686853" cy="600164"/>
-          </a:xfrm>
-          <a:prstGeom prst="rect">
-            <a:avLst/>
-          </a:prstGeom>
-          <a:solidFill>
-            <a:schemeClr val="bg1"/>
-          </a:solidFill>
-        </p:spPr>
-        <p:txBody>
-          <a:bodyPr wrap="square" rtlCol="0">
-            <a:spAutoFit/>
-          </a:bodyPr>
-          <a:lstStyle/>
-          <a:p>
-            <a:pPr algn="ctr"/>
-            <a:r>
-              <a:rPr lang="de-DE" sz="1100" b="1" i="1" dirty="0">
-                <a:solidFill>
-                  <a:srgbClr val="FF0000"/>
-                </a:solidFill>
-              </a:rPr>
-              <a:t>CRC used</a:t>
-            </a:r>
-          </a:p>
-          <a:p>
-            <a:pPr algn="ctr"/>
-            <a:r>
-              <a:rPr lang="de-DE" sz="1100" b="1" i="1" dirty="0">
-                <a:solidFill>
-                  <a:srgbClr val="FF0000"/>
-                </a:solidFill>
-              </a:rPr>
-              <a:t>Predicted once on GER and once on FRA and then combined</a:t>
-            </a:r>
-          </a:p>
-        </p:txBody>
-      </p:sp>
       <p:pic>
         <p:nvPicPr>
           <p:cNvPr id="7" name="Picture 6" descr="Chart&#10;&#10;Description automatically generated">
@@ -26273,7 +26697,7 @@
           <p:nvPr/>
         </p:nvPicPr>
         <p:blipFill>
-          <a:blip r:embed="rId3"/>
+          <a:blip r:embed="rId4"/>
           <a:stretch>
             <a:fillRect/>
           </a:stretch>
@@ -26293,6 +26717,90 @@
           </a:ln>
         </p:spPr>
       </p:pic>
+      <p:sp>
+        <p:nvSpPr>
+          <p:cNvPr id="11" name="TextBox 10">
+            <a:extLst>
+              <a:ext uri="{FF2B5EF4-FFF2-40B4-BE49-F238E27FC236}">
+                <a16:creationId xmlns:a16="http://schemas.microsoft.com/office/drawing/2014/main" id="{FBE32C1E-A46E-4CA9-B99F-3B993CC65ACF}"/>
+              </a:ext>
+            </a:extLst>
+          </p:cNvPr>
+          <p:cNvSpPr txBox="1"/>
+          <p:nvPr/>
+        </p:nvSpPr>
+        <p:spPr>
+          <a:xfrm rot="1180550">
+            <a:off x="10465369" y="1494732"/>
+            <a:ext cx="2686853" cy="261610"/>
+          </a:xfrm>
+          <a:prstGeom prst="rect">
+            <a:avLst/>
+          </a:prstGeom>
+          <a:solidFill>
+            <a:schemeClr val="bg1"/>
+          </a:solidFill>
+        </p:spPr>
+        <p:txBody>
+          <a:bodyPr wrap="square" rtlCol="0">
+            <a:spAutoFit/>
+          </a:bodyPr>
+          <a:lstStyle/>
+          <a:p>
+            <a:pPr algn="ctr"/>
+            <a:r>
+              <a:rPr lang="de-DE" sz="1100" b="1" i="1" dirty="0">
+                <a:solidFill>
+                  <a:srgbClr val="FF0000"/>
+                </a:solidFill>
+              </a:rPr>
+              <a:t>Predicted once on standard 80/20</a:t>
+            </a:r>
+          </a:p>
+        </p:txBody>
+      </p:sp>
+      <p:sp>
+        <p:nvSpPr>
+          <p:cNvPr id="9" name="TextBox 8">
+            <a:extLst>
+              <a:ext uri="{FF2B5EF4-FFF2-40B4-BE49-F238E27FC236}">
+                <a16:creationId xmlns:a16="http://schemas.microsoft.com/office/drawing/2014/main" id="{56A23E1A-23FA-4F87-8E6B-B6FB46A737F3}"/>
+              </a:ext>
+            </a:extLst>
+          </p:cNvPr>
+          <p:cNvSpPr txBox="1"/>
+          <p:nvPr/>
+        </p:nvSpPr>
+        <p:spPr>
+          <a:xfrm rot="1180550">
+            <a:off x="4228735" y="1529573"/>
+            <a:ext cx="2686853" cy="430887"/>
+          </a:xfrm>
+          <a:prstGeom prst="rect">
+            <a:avLst/>
+          </a:prstGeom>
+          <a:solidFill>
+            <a:schemeClr val="bg1"/>
+          </a:solidFill>
+        </p:spPr>
+        <p:txBody>
+          <a:bodyPr wrap="square" rtlCol="0">
+            <a:spAutoFit/>
+          </a:bodyPr>
+          <a:lstStyle/>
+          <a:p>
+            <a:pPr algn="ctr"/>
+            <a:r>
+              <a:rPr lang="de-DE" sz="1100" b="1" i="1" dirty="0">
+                <a:solidFill>
+                  <a:srgbClr val="FF0000"/>
+                </a:solidFill>
+              </a:rPr>
+              <a:t>Predicted once on GER and once on FRA and then combined</a:t>
+            </a:r>
+          </a:p>
+        </p:txBody>
+      </p:sp>
     </p:spTree>
     <p:extLst>
       <p:ext uri="{BB962C8B-B14F-4D97-AF65-F5344CB8AC3E}">
@@ -26375,7 +26883,7 @@
             <a:fld id="{36D18B76-5E8B-4456-8722-FC5B14B0F354}" type="datetime1">
               <a:rPr lang="en-US" smtClean="0"/>
               <a:pPr/>
-              <a:t>4/25/2022</a:t>
+              <a:t>4/26/2022</a:t>
             </a:fld>
             <a:endParaRPr lang="en-US" dirty="0"/>
           </a:p>
@@ -26522,14 +27030,16 @@
         </p:nvSpPr>
         <p:spPr/>
         <p:txBody>
-          <a:bodyPr/>
+          <a:bodyPr>
+            <a:normAutofit/>
+          </a:bodyPr>
           <a:lstStyle/>
           <a:p>
             <a:r>
-              <a:rPr lang="de-DE" b="1" dirty="0"/>
-              <a:t>Pre-Processing</a:t>
-            </a:r>
-            <a:endParaRPr lang="en-US" b="1" dirty="0"/>
+              <a:rPr lang="de-DE" sz="3200" b="1" dirty="0"/>
+              <a:t>Concept</a:t>
+            </a:r>
+            <a:endParaRPr lang="en-US" sz="3200" b="1" dirty="0"/>
           </a:p>
         </p:txBody>
       </p:sp>
@@ -26597,7 +27107,7 @@
           <p:cNvPr id="26" name="TextBox 25">
             <a:extLst>
               <a:ext uri="{FF2B5EF4-FFF2-40B4-BE49-F238E27FC236}">
-                <a16:creationId xmlns:a16="http://schemas.microsoft.com/office/drawing/2014/main" id="{CC7BEBFF-3D20-441C-B1B2-0CE34904FDE4}"/>
+                <a16:creationId xmlns:a16="http://schemas.microsoft.com/office/drawing/2014/main" id="{7BD73FED-8DD3-4243-A31B-17C0D41D45CC}"/>
               </a:ext>
             </a:extLst>
           </p:cNvPr>
@@ -26606,8 +27116,8 @@
         </p:nvSpPr>
         <p:spPr>
           <a:xfrm>
-            <a:off x="1698819" y="1152907"/>
-            <a:ext cx="3654858" cy="400110"/>
+            <a:off x="818707" y="1852885"/>
+            <a:ext cx="2764465" cy="646331"/>
           </a:xfrm>
           <a:prstGeom prst="rect">
             <a:avLst/>
@@ -26621,293 +27131,799 @@
           <a:lstStyle/>
           <a:p>
             <a:r>
-              <a:rPr lang="de-DE" sz="2000" i="1" dirty="0"/>
-              <a:t>Problems and Notes</a:t>
-            </a:r>
-          </a:p>
-        </p:txBody>
-      </p:sp>
-      <p:sp>
-        <p:nvSpPr>
-          <p:cNvPr id="7" name="TextBox 6">
+              <a:rPr lang="de-DE" b="1" i="1" dirty="0"/>
+              <a:t>Only 10% abundance filtering used</a:t>
+            </a:r>
+          </a:p>
+        </p:txBody>
+      </p:sp>
+      <p:grpSp>
+        <p:nvGrpSpPr>
+          <p:cNvPr id="34" name="Group 33">
             <a:extLst>
               <a:ext uri="{FF2B5EF4-FFF2-40B4-BE49-F238E27FC236}">
-                <a16:creationId xmlns:a16="http://schemas.microsoft.com/office/drawing/2014/main" id="{B43BF96F-7A11-4087-9B01-CF6AACD20E04}"/>
+                <a16:creationId xmlns:a16="http://schemas.microsoft.com/office/drawing/2014/main" id="{4367C327-FE03-48EB-BB73-A16977A3A0FE}"/>
               </a:ext>
             </a:extLst>
           </p:cNvPr>
-          <p:cNvSpPr txBox="1"/>
+          <p:cNvGrpSpPr/>
           <p:nvPr/>
-        </p:nvSpPr>
-        <p:spPr>
+        </p:nvGrpSpPr>
+        <p:grpSpPr>
           <a:xfrm>
-            <a:off x="1698819" y="1834296"/>
-            <a:ext cx="7102549" cy="1754326"/>
+            <a:off x="4404621" y="607832"/>
+            <a:ext cx="4810348" cy="5284995"/>
+            <a:chOff x="4199860" y="831168"/>
+            <a:chExt cx="4810348" cy="5284995"/>
           </a:xfrm>
-          <a:prstGeom prst="rect">
-            <a:avLst/>
-          </a:prstGeom>
-          <a:noFill/>
-        </p:spPr>
-        <p:txBody>
-          <a:bodyPr wrap="square" rtlCol="0">
-            <a:spAutoFit/>
-          </a:bodyPr>
-          <a:lstStyle/>
-          <a:p>
-            <a:r>
-              <a:rPr lang="de-DE" u="sng" dirty="0"/>
-              <a:t>CRC</a:t>
-            </a:r>
-            <a:r>
-              <a:rPr lang="de-DE" dirty="0"/>
-              <a:t>:</a:t>
-            </a:r>
-          </a:p>
-          <a:p>
-            <a:pPr marL="285750" indent="-285750">
-              <a:buFontTx/>
-              <a:buChar char="-"/>
-            </a:pPr>
-            <a:r>
-              <a:rPr lang="de-DE" dirty="0"/>
-              <a:t>128 rows removed due to NA in BMI</a:t>
-            </a:r>
-          </a:p>
-          <a:p>
-            <a:pPr marL="285750" indent="-285750">
-              <a:buFontTx/>
-              <a:buChar char="-"/>
-            </a:pPr>
-            <a:r>
-              <a:rPr lang="de-DE" dirty="0"/>
-              <a:t>DE saved separately as holdout </a:t>
-            </a:r>
-          </a:p>
-          <a:p>
-            <a:pPr marL="285750" indent="-285750">
-              <a:buFontTx/>
-              <a:buChar char="-"/>
-            </a:pPr>
-            <a:r>
-              <a:rPr lang="de-DE" dirty="0"/>
-              <a:t>All tests were done with country sets: USA, China, Austria, France</a:t>
-            </a:r>
-          </a:p>
-          <a:p>
-            <a:pPr marL="285750" indent="-285750">
-              <a:buFontTx/>
-              <a:buChar char="-"/>
-            </a:pPr>
-            <a:endParaRPr lang="de-DE" dirty="0"/>
-          </a:p>
-        </p:txBody>
-      </p:sp>
-      <p:sp>
-        <p:nvSpPr>
-          <p:cNvPr id="29" name="TextBox 28">
-            <a:extLst>
-              <a:ext uri="{FF2B5EF4-FFF2-40B4-BE49-F238E27FC236}">
-                <a16:creationId xmlns:a16="http://schemas.microsoft.com/office/drawing/2014/main" id="{FD214281-F802-4F96-A098-F69D765E4AFA}"/>
-              </a:ext>
-            </a:extLst>
-          </p:cNvPr>
-          <p:cNvSpPr txBox="1"/>
-          <p:nvPr/>
-        </p:nvSpPr>
-        <p:spPr>
-          <a:xfrm>
-            <a:off x="6199935" y="93132"/>
-            <a:ext cx="6097772" cy="1815882"/>
-          </a:xfrm>
-          <a:prstGeom prst="rect">
-            <a:avLst/>
-          </a:prstGeom>
-          <a:noFill/>
-        </p:spPr>
-        <p:txBody>
-          <a:bodyPr wrap="square">
-            <a:spAutoFit/>
-          </a:bodyPr>
-          <a:lstStyle/>
-          <a:p>
-            <a:r>
-              <a:rPr lang="de-DE" sz="1400" u="sng" dirty="0"/>
-              <a:t>Imputation</a:t>
-            </a:r>
-            <a:r>
-              <a:rPr lang="de-DE" sz="1400" dirty="0"/>
-              <a:t>:</a:t>
-            </a:r>
-          </a:p>
-          <a:p>
-            <a:pPr marL="285750" indent="-285750">
-              <a:buFontTx/>
-              <a:buChar char="-"/>
-            </a:pPr>
-            <a:r>
-              <a:rPr lang="de-DE" sz="1400" dirty="0"/>
-              <a:t>mbImpute needs phylogenetic tree -&gt; ignored for now </a:t>
-            </a:r>
-          </a:p>
-          <a:p>
-            <a:pPr marL="285750" indent="-285750">
-              <a:buFontTx/>
-              <a:buChar char="-"/>
-            </a:pPr>
-            <a:r>
-              <a:rPr lang="de-DE" sz="1400" dirty="0"/>
-              <a:t>EstMB dataset: pseudocount inserts decimal values between 0 and 1</a:t>
-            </a:r>
-          </a:p>
-          <a:p>
-            <a:pPr marL="742950" lvl="1" indent="-285750">
-              <a:buFontTx/>
-              <a:buChar char="-"/>
-            </a:pPr>
-            <a:r>
-              <a:rPr lang="de-DE" sz="1400" dirty="0"/>
-              <a:t>Solution for now: all these values were rounded up to 1</a:t>
-            </a:r>
-          </a:p>
-          <a:p>
-            <a:pPr marL="742950" lvl="1" indent="-285750">
-              <a:buFontTx/>
-              <a:buChar char="-"/>
-            </a:pPr>
-            <a:r>
-              <a:rPr lang="de-DE" sz="1400" dirty="0"/>
-              <a:t>Possibly in a later run keep decimal values, because some papers suggest sensitivity to pseudocount in machine learning models </a:t>
-            </a:r>
-          </a:p>
-        </p:txBody>
-      </p:sp>
-      <p:sp>
-        <p:nvSpPr>
-          <p:cNvPr id="8" name="TextBox 7">
-            <a:extLst>
-              <a:ext uri="{FF2B5EF4-FFF2-40B4-BE49-F238E27FC236}">
-                <a16:creationId xmlns:a16="http://schemas.microsoft.com/office/drawing/2014/main" id="{20ADFB58-875E-4AAE-BDAE-D861E7F9DC27}"/>
-              </a:ext>
-            </a:extLst>
-          </p:cNvPr>
-          <p:cNvSpPr txBox="1"/>
-          <p:nvPr/>
-        </p:nvSpPr>
-        <p:spPr>
-          <a:xfrm>
-            <a:off x="1720971" y="3408432"/>
-            <a:ext cx="7102549" cy="1200329"/>
-          </a:xfrm>
-          <a:prstGeom prst="rect">
-            <a:avLst/>
-          </a:prstGeom>
-          <a:noFill/>
-        </p:spPr>
-        <p:txBody>
-          <a:bodyPr wrap="square" rtlCol="0">
-            <a:spAutoFit/>
-          </a:bodyPr>
-          <a:lstStyle/>
-          <a:p>
-            <a:r>
-              <a:rPr lang="de-DE" u="sng" dirty="0"/>
-              <a:t>PCOS</a:t>
-            </a:r>
-            <a:r>
-              <a:rPr lang="de-DE" dirty="0"/>
-              <a:t>:</a:t>
-            </a:r>
-          </a:p>
-          <a:p>
-            <a:pPr marL="285750" indent="-285750">
-              <a:buFontTx/>
-              <a:buChar char="-"/>
-            </a:pPr>
-            <a:r>
-              <a:rPr lang="de-DE" dirty="0"/>
-              <a:t>6 rows removed in abundance table because they were not included in metadata</a:t>
-            </a:r>
-          </a:p>
-          <a:p>
-            <a:pPr marL="285750" indent="-285750">
-              <a:buFontTx/>
-              <a:buChar char="-"/>
-            </a:pPr>
-            <a:endParaRPr lang="de-DE" dirty="0"/>
-          </a:p>
-        </p:txBody>
-      </p:sp>
-      <p:sp>
-        <p:nvSpPr>
-          <p:cNvPr id="9" name="TextBox 8">
-            <a:extLst>
-              <a:ext uri="{FF2B5EF4-FFF2-40B4-BE49-F238E27FC236}">
-                <a16:creationId xmlns:a16="http://schemas.microsoft.com/office/drawing/2014/main" id="{C84548D0-C361-4108-B284-1351D54B8DFD}"/>
-              </a:ext>
-            </a:extLst>
-          </p:cNvPr>
-          <p:cNvSpPr txBox="1"/>
-          <p:nvPr/>
-        </p:nvSpPr>
-        <p:spPr>
-          <a:xfrm>
-            <a:off x="1720971" y="4717667"/>
-            <a:ext cx="7102549" cy="1200329"/>
-          </a:xfrm>
-          <a:prstGeom prst="rect">
-            <a:avLst/>
-          </a:prstGeom>
-          <a:noFill/>
-        </p:spPr>
-        <p:txBody>
-          <a:bodyPr wrap="square" rtlCol="0">
-            <a:spAutoFit/>
-          </a:bodyPr>
-          <a:lstStyle/>
-          <a:p>
-            <a:r>
-              <a:rPr lang="de-DE" u="sng" dirty="0"/>
-              <a:t>EstMB</a:t>
-            </a:r>
-            <a:r>
-              <a:rPr lang="de-DE" dirty="0"/>
-              <a:t>:</a:t>
-            </a:r>
-          </a:p>
-          <a:p>
-            <a:pPr marL="285750" indent="-285750">
-              <a:buFontTx/>
-              <a:buChar char="-"/>
-            </a:pPr>
-            <a:r>
-              <a:rPr lang="de-DE" dirty="0"/>
-              <a:t>21 rows removed in metadata due to NA</a:t>
-            </a:r>
-          </a:p>
-          <a:p>
-            <a:pPr marL="285750" indent="-285750">
-              <a:buFontTx/>
-              <a:buChar char="-"/>
-            </a:pPr>
-            <a:r>
-              <a:rPr lang="de-DE" dirty="0"/>
-              <a:t>21 patients cut out of abundance table due to metadata</a:t>
-            </a:r>
-          </a:p>
-          <a:p>
-            <a:pPr marL="285750" indent="-285750">
-              <a:buFontTx/>
-              <a:buChar char="-"/>
-            </a:pPr>
-            <a:endParaRPr lang="de-DE" dirty="0"/>
-          </a:p>
-        </p:txBody>
-      </p:sp>
+        </p:grpSpPr>
+        <p:cxnSp>
+          <p:nvCxnSpPr>
+            <p:cNvPr id="17" name="Straight Arrow Connector 16">
+              <a:extLst>
+                <a:ext uri="{FF2B5EF4-FFF2-40B4-BE49-F238E27FC236}">
+                  <a16:creationId xmlns:a16="http://schemas.microsoft.com/office/drawing/2014/main" id="{6B1FB7D0-62D9-49A3-8A9E-86C3B0799BBB}"/>
+                </a:ext>
+              </a:extLst>
+            </p:cNvPr>
+            <p:cNvCxnSpPr>
+              <a:stCxn id="19" idx="2"/>
+              <a:endCxn id="23" idx="0"/>
+            </p:cNvCxnSpPr>
+            <p:nvPr/>
+          </p:nvCxnSpPr>
+          <p:spPr>
+            <a:xfrm>
+              <a:off x="7992141" y="1702962"/>
+              <a:ext cx="2658" cy="3692542"/>
+            </a:xfrm>
+            <a:prstGeom prst="straightConnector1">
+              <a:avLst/>
+            </a:prstGeom>
+            <a:ln w="25400">
+              <a:solidFill>
+                <a:schemeClr val="tx1"/>
+              </a:solidFill>
+              <a:tailEnd type="triangle"/>
+            </a:ln>
+          </p:spPr>
+          <p:style>
+            <a:lnRef idx="1">
+              <a:schemeClr val="accent1"/>
+            </a:lnRef>
+            <a:fillRef idx="0">
+              <a:schemeClr val="accent1"/>
+            </a:fillRef>
+            <a:effectRef idx="0">
+              <a:schemeClr val="accent1"/>
+            </a:effectRef>
+            <a:fontRef idx="minor">
+              <a:schemeClr val="tx1"/>
+            </a:fontRef>
+          </p:style>
+        </p:cxnSp>
+        <p:sp>
+          <p:nvSpPr>
+            <p:cNvPr id="18" name="TextBox 17">
+              <a:extLst>
+                <a:ext uri="{FF2B5EF4-FFF2-40B4-BE49-F238E27FC236}">
+                  <a16:creationId xmlns:a16="http://schemas.microsoft.com/office/drawing/2014/main" id="{0987CA97-C223-4467-8B58-D5095C026FF3}"/>
+                </a:ext>
+              </a:extLst>
+            </p:cNvPr>
+            <p:cNvSpPr txBox="1"/>
+            <p:nvPr/>
+          </p:nvSpPr>
+          <p:spPr>
+            <a:xfrm>
+              <a:off x="6979390" y="845813"/>
+              <a:ext cx="2025502" cy="369332"/>
+            </a:xfrm>
+            <a:prstGeom prst="rect">
+              <a:avLst/>
+            </a:prstGeom>
+            <a:solidFill>
+              <a:schemeClr val="bg1"/>
+            </a:solidFill>
+          </p:spPr>
+          <p:txBody>
+            <a:bodyPr wrap="square" rtlCol="0">
+              <a:spAutoFit/>
+            </a:bodyPr>
+            <a:lstStyle/>
+            <a:p>
+              <a:pPr algn="ctr"/>
+              <a:r>
+                <a:rPr lang="de-DE" b="1" dirty="0"/>
+                <a:t>leaky</a:t>
+              </a:r>
+            </a:p>
+          </p:txBody>
+        </p:sp>
+        <p:sp>
+          <p:nvSpPr>
+            <p:cNvPr id="19" name="Rectangle 18">
+              <a:extLst>
+                <a:ext uri="{FF2B5EF4-FFF2-40B4-BE49-F238E27FC236}">
+                  <a16:creationId xmlns:a16="http://schemas.microsoft.com/office/drawing/2014/main" id="{D67D0CDE-9C14-4823-8960-5BAC13D75641}"/>
+                </a:ext>
+              </a:extLst>
+            </p:cNvPr>
+            <p:cNvSpPr/>
+            <p:nvPr/>
+          </p:nvSpPr>
+          <p:spPr>
+            <a:xfrm>
+              <a:off x="6979390" y="1333630"/>
+              <a:ext cx="2025502" cy="369332"/>
+            </a:xfrm>
+            <a:prstGeom prst="rect">
+              <a:avLst/>
+            </a:prstGeom>
+          </p:spPr>
+          <p:style>
+            <a:lnRef idx="2">
+              <a:schemeClr val="accent1">
+                <a:shade val="50000"/>
+              </a:schemeClr>
+            </a:lnRef>
+            <a:fillRef idx="1">
+              <a:schemeClr val="accent1"/>
+            </a:fillRef>
+            <a:effectRef idx="0">
+              <a:schemeClr val="accent1"/>
+            </a:effectRef>
+            <a:fontRef idx="minor">
+              <a:schemeClr val="lt1"/>
+            </a:fontRef>
+          </p:style>
+          <p:txBody>
+            <a:bodyPr rtlCol="0" anchor="ctr"/>
+            <a:lstStyle/>
+            <a:p>
+              <a:pPr algn="ctr"/>
+              <a:r>
+                <a:rPr lang="de-DE" dirty="0"/>
+                <a:t>Data set</a:t>
+              </a:r>
+            </a:p>
+          </p:txBody>
+        </p:sp>
+        <p:sp>
+          <p:nvSpPr>
+            <p:cNvPr id="20" name="Rectangle 19">
+              <a:extLst>
+                <a:ext uri="{FF2B5EF4-FFF2-40B4-BE49-F238E27FC236}">
+                  <a16:creationId xmlns:a16="http://schemas.microsoft.com/office/drawing/2014/main" id="{EC042A06-27D2-485A-836A-13AF98A1936F}"/>
+                </a:ext>
+              </a:extLst>
+            </p:cNvPr>
+            <p:cNvSpPr/>
+            <p:nvPr/>
+          </p:nvSpPr>
+          <p:spPr>
+            <a:xfrm>
+              <a:off x="6979390" y="2842059"/>
+              <a:ext cx="2030818" cy="841184"/>
+            </a:xfrm>
+            <a:prstGeom prst="rect">
+              <a:avLst/>
+            </a:prstGeom>
+          </p:spPr>
+          <p:style>
+            <a:lnRef idx="2">
+              <a:schemeClr val="accent1">
+                <a:shade val="50000"/>
+              </a:schemeClr>
+            </a:lnRef>
+            <a:fillRef idx="1">
+              <a:schemeClr val="accent1"/>
+            </a:fillRef>
+            <a:effectRef idx="0">
+              <a:schemeClr val="accent1"/>
+            </a:effectRef>
+            <a:fontRef idx="minor">
+              <a:schemeClr val="lt1"/>
+            </a:fontRef>
+          </p:style>
+          <p:txBody>
+            <a:bodyPr rtlCol="0" anchor="ctr"/>
+            <a:lstStyle/>
+            <a:p>
+              <a:pPr algn="ctr"/>
+              <a:r>
+                <a:rPr lang="de-DE" dirty="0"/>
+                <a:t>Transformations on whole data set</a:t>
+              </a:r>
+            </a:p>
+          </p:txBody>
+        </p:sp>
+        <p:sp>
+          <p:nvSpPr>
+            <p:cNvPr id="21" name="Rectangle 20">
+              <a:extLst>
+                <a:ext uri="{FF2B5EF4-FFF2-40B4-BE49-F238E27FC236}">
+                  <a16:creationId xmlns:a16="http://schemas.microsoft.com/office/drawing/2014/main" id="{43A2B2C8-DD63-4B17-9E22-941093562A8F}"/>
+                </a:ext>
+              </a:extLst>
+            </p:cNvPr>
+            <p:cNvSpPr/>
+            <p:nvPr/>
+          </p:nvSpPr>
+          <p:spPr>
+            <a:xfrm>
+              <a:off x="6979390" y="3845902"/>
+              <a:ext cx="2030818" cy="601448"/>
+            </a:xfrm>
+            <a:prstGeom prst="rect">
+              <a:avLst/>
+            </a:prstGeom>
+          </p:spPr>
+          <p:style>
+            <a:lnRef idx="2">
+              <a:schemeClr val="accent1">
+                <a:shade val="50000"/>
+              </a:schemeClr>
+            </a:lnRef>
+            <a:fillRef idx="1">
+              <a:schemeClr val="accent1"/>
+            </a:fillRef>
+            <a:effectRef idx="0">
+              <a:schemeClr val="accent1"/>
+            </a:effectRef>
+            <a:fontRef idx="minor">
+              <a:schemeClr val="lt1"/>
+            </a:fontRef>
+          </p:style>
+          <p:txBody>
+            <a:bodyPr rtlCol="0" anchor="ctr"/>
+            <a:lstStyle/>
+            <a:p>
+              <a:pPr algn="ctr"/>
+              <a:r>
+                <a:rPr lang="de-DE" dirty="0"/>
+                <a:t>Merging with metadata</a:t>
+              </a:r>
+            </a:p>
+          </p:txBody>
+        </p:sp>
+        <p:sp>
+          <p:nvSpPr>
+            <p:cNvPr id="22" name="Rectangle 21">
+              <a:extLst>
+                <a:ext uri="{FF2B5EF4-FFF2-40B4-BE49-F238E27FC236}">
+                  <a16:creationId xmlns:a16="http://schemas.microsoft.com/office/drawing/2014/main" id="{C50ABF19-FD4E-4A7E-8164-F8C7535FF9F8}"/>
+                </a:ext>
+              </a:extLst>
+            </p:cNvPr>
+            <p:cNvSpPr/>
+            <p:nvPr/>
+          </p:nvSpPr>
+          <p:spPr>
+            <a:xfrm>
+              <a:off x="6979390" y="4722825"/>
+              <a:ext cx="2030818" cy="405551"/>
+            </a:xfrm>
+            <a:prstGeom prst="rect">
+              <a:avLst/>
+            </a:prstGeom>
+          </p:spPr>
+          <p:style>
+            <a:lnRef idx="2">
+              <a:schemeClr val="accent1">
+                <a:shade val="50000"/>
+              </a:schemeClr>
+            </a:lnRef>
+            <a:fillRef idx="1">
+              <a:schemeClr val="accent1"/>
+            </a:fillRef>
+            <a:effectRef idx="0">
+              <a:schemeClr val="accent1"/>
+            </a:effectRef>
+            <a:fontRef idx="minor">
+              <a:schemeClr val="lt1"/>
+            </a:fontRef>
+          </p:style>
+          <p:txBody>
+            <a:bodyPr rtlCol="0" anchor="ctr"/>
+            <a:lstStyle/>
+            <a:p>
+              <a:pPr algn="ctr"/>
+              <a:r>
+                <a:rPr lang="de-DE" dirty="0"/>
+                <a:t>Splitting data</a:t>
+              </a:r>
+            </a:p>
+          </p:txBody>
+        </p:sp>
+        <p:sp>
+          <p:nvSpPr>
+            <p:cNvPr id="23" name="Rectangle 22">
+              <a:extLst>
+                <a:ext uri="{FF2B5EF4-FFF2-40B4-BE49-F238E27FC236}">
+                  <a16:creationId xmlns:a16="http://schemas.microsoft.com/office/drawing/2014/main" id="{D058ED71-2EAA-4FDB-A760-76D0E1C7EA5C}"/>
+                </a:ext>
+              </a:extLst>
+            </p:cNvPr>
+            <p:cNvSpPr/>
+            <p:nvPr/>
+          </p:nvSpPr>
+          <p:spPr>
+            <a:xfrm>
+              <a:off x="6979390" y="5395504"/>
+              <a:ext cx="2030818" cy="720659"/>
+            </a:xfrm>
+            <a:prstGeom prst="rect">
+              <a:avLst/>
+            </a:prstGeom>
+          </p:spPr>
+          <p:style>
+            <a:lnRef idx="2">
+              <a:schemeClr val="accent1">
+                <a:shade val="50000"/>
+              </a:schemeClr>
+            </a:lnRef>
+            <a:fillRef idx="1">
+              <a:schemeClr val="accent1"/>
+            </a:fillRef>
+            <a:effectRef idx="0">
+              <a:schemeClr val="accent1"/>
+            </a:effectRef>
+            <a:fontRef idx="minor">
+              <a:schemeClr val="lt1"/>
+            </a:fontRef>
+          </p:style>
+          <p:txBody>
+            <a:bodyPr rtlCol="0" anchor="ctr"/>
+            <a:lstStyle/>
+            <a:p>
+              <a:pPr algn="ctr"/>
+              <a:r>
+                <a:rPr lang="de-DE" dirty="0"/>
+                <a:t>Modeling </a:t>
+              </a:r>
+            </a:p>
+          </p:txBody>
+        </p:sp>
+        <p:cxnSp>
+          <p:nvCxnSpPr>
+            <p:cNvPr id="14" name="Straight Arrow Connector 13">
+              <a:extLst>
+                <a:ext uri="{FF2B5EF4-FFF2-40B4-BE49-F238E27FC236}">
+                  <a16:creationId xmlns:a16="http://schemas.microsoft.com/office/drawing/2014/main" id="{1A3C3072-2A30-456F-82D0-A5C926B3C5AB}"/>
+                </a:ext>
+              </a:extLst>
+            </p:cNvPr>
+            <p:cNvCxnSpPr>
+              <a:stCxn id="7" idx="2"/>
+              <a:endCxn id="13" idx="0"/>
+            </p:cNvCxnSpPr>
+            <p:nvPr/>
+          </p:nvCxnSpPr>
+          <p:spPr>
+            <a:xfrm flipH="1">
+              <a:off x="5229452" y="1689509"/>
+              <a:ext cx="35880" cy="3686351"/>
+            </a:xfrm>
+            <a:prstGeom prst="straightConnector1">
+              <a:avLst/>
+            </a:prstGeom>
+            <a:ln w="25400">
+              <a:solidFill>
+                <a:schemeClr val="tx1"/>
+              </a:solidFill>
+              <a:tailEnd type="triangle"/>
+            </a:ln>
+          </p:spPr>
+          <p:style>
+            <a:lnRef idx="1">
+              <a:schemeClr val="accent1"/>
+            </a:lnRef>
+            <a:fillRef idx="0">
+              <a:schemeClr val="accent1"/>
+            </a:fillRef>
+            <a:effectRef idx="0">
+              <a:schemeClr val="accent1"/>
+            </a:effectRef>
+            <a:fontRef idx="minor">
+              <a:schemeClr val="tx1"/>
+            </a:fontRef>
+          </p:style>
+        </p:cxnSp>
+        <p:sp>
+          <p:nvSpPr>
+            <p:cNvPr id="3" name="TextBox 2">
+              <a:extLst>
+                <a:ext uri="{FF2B5EF4-FFF2-40B4-BE49-F238E27FC236}">
+                  <a16:creationId xmlns:a16="http://schemas.microsoft.com/office/drawing/2014/main" id="{C4D47203-95D0-4020-A5B5-49C837280BB4}"/>
+                </a:ext>
+              </a:extLst>
+            </p:cNvPr>
+            <p:cNvSpPr txBox="1"/>
+            <p:nvPr/>
+          </p:nvSpPr>
+          <p:spPr>
+            <a:xfrm>
+              <a:off x="4199860" y="831168"/>
+              <a:ext cx="2025502" cy="369332"/>
+            </a:xfrm>
+            <a:prstGeom prst="rect">
+              <a:avLst/>
+            </a:prstGeom>
+            <a:solidFill>
+              <a:schemeClr val="bg1"/>
+            </a:solidFill>
+          </p:spPr>
+          <p:txBody>
+            <a:bodyPr wrap="square" rtlCol="0">
+              <a:spAutoFit/>
+            </a:bodyPr>
+            <a:lstStyle/>
+            <a:p>
+              <a:pPr algn="ctr"/>
+              <a:r>
+                <a:rPr lang="de-DE" b="1" dirty="0"/>
+                <a:t>Non-leaky</a:t>
+              </a:r>
+            </a:p>
+          </p:txBody>
+        </p:sp>
+        <p:sp>
+          <p:nvSpPr>
+            <p:cNvPr id="7" name="Rectangle 6">
+              <a:extLst>
+                <a:ext uri="{FF2B5EF4-FFF2-40B4-BE49-F238E27FC236}">
+                  <a16:creationId xmlns:a16="http://schemas.microsoft.com/office/drawing/2014/main" id="{5C38B419-7268-4065-8EE1-BD8CBEFAAA18}"/>
+                </a:ext>
+              </a:extLst>
+            </p:cNvPr>
+            <p:cNvSpPr/>
+            <p:nvPr/>
+          </p:nvSpPr>
+          <p:spPr>
+            <a:xfrm>
+              <a:off x="4252581" y="1320177"/>
+              <a:ext cx="2025502" cy="369332"/>
+            </a:xfrm>
+            <a:prstGeom prst="rect">
+              <a:avLst/>
+            </a:prstGeom>
+          </p:spPr>
+          <p:style>
+            <a:lnRef idx="2">
+              <a:schemeClr val="accent1">
+                <a:shade val="50000"/>
+              </a:schemeClr>
+            </a:lnRef>
+            <a:fillRef idx="1">
+              <a:schemeClr val="accent1"/>
+            </a:fillRef>
+            <a:effectRef idx="0">
+              <a:schemeClr val="accent1"/>
+            </a:effectRef>
+            <a:fontRef idx="minor">
+              <a:schemeClr val="lt1"/>
+            </a:fontRef>
+          </p:style>
+          <p:txBody>
+            <a:bodyPr rtlCol="0" anchor="ctr"/>
+            <a:lstStyle/>
+            <a:p>
+              <a:pPr algn="ctr"/>
+              <a:r>
+                <a:rPr lang="de-DE" dirty="0"/>
+                <a:t>Data set</a:t>
+              </a:r>
+            </a:p>
+          </p:txBody>
+        </p:sp>
+        <p:sp>
+          <p:nvSpPr>
+            <p:cNvPr id="9" name="Rectangle 8">
+              <a:extLst>
+                <a:ext uri="{FF2B5EF4-FFF2-40B4-BE49-F238E27FC236}">
+                  <a16:creationId xmlns:a16="http://schemas.microsoft.com/office/drawing/2014/main" id="{0B022A32-1EAC-4226-BF88-467693DDE6BB}"/>
+                </a:ext>
+              </a:extLst>
+            </p:cNvPr>
+            <p:cNvSpPr/>
+            <p:nvPr/>
+          </p:nvSpPr>
+          <p:spPr>
+            <a:xfrm>
+              <a:off x="4247265" y="1852885"/>
+              <a:ext cx="2030818" cy="720659"/>
+            </a:xfrm>
+            <a:prstGeom prst="rect">
+              <a:avLst/>
+            </a:prstGeom>
+          </p:spPr>
+          <p:style>
+            <a:lnRef idx="2">
+              <a:schemeClr val="accent1">
+                <a:shade val="50000"/>
+              </a:schemeClr>
+            </a:lnRef>
+            <a:fillRef idx="1">
+              <a:schemeClr val="accent1"/>
+            </a:fillRef>
+            <a:effectRef idx="0">
+              <a:schemeClr val="accent1"/>
+            </a:effectRef>
+            <a:fontRef idx="minor">
+              <a:schemeClr val="lt1"/>
+            </a:fontRef>
+          </p:style>
+          <p:txBody>
+            <a:bodyPr rtlCol="0" anchor="ctr"/>
+            <a:lstStyle/>
+            <a:p>
+              <a:pPr algn="ctr"/>
+              <a:r>
+                <a:rPr lang="de-DE" dirty="0"/>
+                <a:t>Merging with metadata</a:t>
+              </a:r>
+            </a:p>
+          </p:txBody>
+        </p:sp>
+        <p:sp>
+          <p:nvSpPr>
+            <p:cNvPr id="11" name="Rectangle 10">
+              <a:extLst>
+                <a:ext uri="{FF2B5EF4-FFF2-40B4-BE49-F238E27FC236}">
+                  <a16:creationId xmlns:a16="http://schemas.microsoft.com/office/drawing/2014/main" id="{C7ECC949-283C-4B6D-879F-F06B00DE00E4}"/>
+                </a:ext>
+              </a:extLst>
+            </p:cNvPr>
+            <p:cNvSpPr/>
+            <p:nvPr/>
+          </p:nvSpPr>
+          <p:spPr>
+            <a:xfrm>
+              <a:off x="4247265" y="2736920"/>
+              <a:ext cx="2030818" cy="336144"/>
+            </a:xfrm>
+            <a:prstGeom prst="rect">
+              <a:avLst/>
+            </a:prstGeom>
+          </p:spPr>
+          <p:style>
+            <a:lnRef idx="2">
+              <a:schemeClr val="accent1">
+                <a:shade val="50000"/>
+              </a:schemeClr>
+            </a:lnRef>
+            <a:fillRef idx="1">
+              <a:schemeClr val="accent1"/>
+            </a:fillRef>
+            <a:effectRef idx="0">
+              <a:schemeClr val="accent1"/>
+            </a:effectRef>
+            <a:fontRef idx="minor">
+              <a:schemeClr val="lt1"/>
+            </a:fontRef>
+          </p:style>
+          <p:txBody>
+            <a:bodyPr rtlCol="0" anchor="ctr"/>
+            <a:lstStyle/>
+            <a:p>
+              <a:pPr algn="ctr"/>
+              <a:r>
+                <a:rPr lang="de-DE" dirty="0"/>
+                <a:t>Splitting data</a:t>
+              </a:r>
+            </a:p>
+          </p:txBody>
+        </p:sp>
+        <p:sp>
+          <p:nvSpPr>
+            <p:cNvPr id="12" name="Rectangle 11">
+              <a:extLst>
+                <a:ext uri="{FF2B5EF4-FFF2-40B4-BE49-F238E27FC236}">
+                  <a16:creationId xmlns:a16="http://schemas.microsoft.com/office/drawing/2014/main" id="{120825D2-EA1E-4217-BAF3-CF9854BD65B7}"/>
+                </a:ext>
+              </a:extLst>
+            </p:cNvPr>
+            <p:cNvSpPr/>
+            <p:nvPr/>
+          </p:nvSpPr>
+          <p:spPr>
+            <a:xfrm>
+              <a:off x="4214043" y="4273741"/>
+              <a:ext cx="2030818" cy="929022"/>
+            </a:xfrm>
+            <a:prstGeom prst="rect">
+              <a:avLst/>
+            </a:prstGeom>
+          </p:spPr>
+          <p:style>
+            <a:lnRef idx="2">
+              <a:schemeClr val="accent1">
+                <a:shade val="50000"/>
+              </a:schemeClr>
+            </a:lnRef>
+            <a:fillRef idx="1">
+              <a:schemeClr val="accent1"/>
+            </a:fillRef>
+            <a:effectRef idx="0">
+              <a:schemeClr val="accent1"/>
+            </a:effectRef>
+            <a:fontRef idx="minor">
+              <a:schemeClr val="lt1"/>
+            </a:fontRef>
+          </p:style>
+          <p:txBody>
+            <a:bodyPr rtlCol="0" anchor="ctr"/>
+            <a:lstStyle/>
+            <a:p>
+              <a:pPr algn="ctr"/>
+              <a:r>
+                <a:rPr lang="de-DE" dirty="0"/>
+                <a:t>Transformation separately on test and train set </a:t>
+              </a:r>
+            </a:p>
+          </p:txBody>
+        </p:sp>
+        <p:sp>
+          <p:nvSpPr>
+            <p:cNvPr id="13" name="Rectangle 12">
+              <a:extLst>
+                <a:ext uri="{FF2B5EF4-FFF2-40B4-BE49-F238E27FC236}">
+                  <a16:creationId xmlns:a16="http://schemas.microsoft.com/office/drawing/2014/main" id="{D544F124-B9BC-4DB6-A0EB-B3604E431006}"/>
+                </a:ext>
+              </a:extLst>
+            </p:cNvPr>
+            <p:cNvSpPr/>
+            <p:nvPr/>
+          </p:nvSpPr>
+          <p:spPr>
+            <a:xfrm>
+              <a:off x="4214043" y="5375860"/>
+              <a:ext cx="2030818" cy="720659"/>
+            </a:xfrm>
+            <a:prstGeom prst="rect">
+              <a:avLst/>
+            </a:prstGeom>
+          </p:spPr>
+          <p:style>
+            <a:lnRef idx="2">
+              <a:schemeClr val="accent1">
+                <a:shade val="50000"/>
+              </a:schemeClr>
+            </a:lnRef>
+            <a:fillRef idx="1">
+              <a:schemeClr val="accent1"/>
+            </a:fillRef>
+            <a:effectRef idx="0">
+              <a:schemeClr val="accent1"/>
+            </a:effectRef>
+            <a:fontRef idx="minor">
+              <a:schemeClr val="lt1"/>
+            </a:fontRef>
+          </p:style>
+          <p:txBody>
+            <a:bodyPr rtlCol="0" anchor="ctr"/>
+            <a:lstStyle/>
+            <a:p>
+              <a:pPr algn="ctr"/>
+              <a:r>
+                <a:rPr lang="de-DE" dirty="0"/>
+                <a:t>Modeling </a:t>
+              </a:r>
+            </a:p>
+          </p:txBody>
+        </p:sp>
+        <p:sp>
+          <p:nvSpPr>
+            <p:cNvPr id="27" name="Rectangle 26">
+              <a:extLst>
+                <a:ext uri="{FF2B5EF4-FFF2-40B4-BE49-F238E27FC236}">
+                  <a16:creationId xmlns:a16="http://schemas.microsoft.com/office/drawing/2014/main" id="{CCDF29B0-CA39-49A7-BFC9-2230B4F1B2F5}"/>
+                </a:ext>
+              </a:extLst>
+            </p:cNvPr>
+            <p:cNvSpPr/>
+            <p:nvPr/>
+          </p:nvSpPr>
+          <p:spPr>
+            <a:xfrm>
+              <a:off x="6979390" y="1913062"/>
+              <a:ext cx="2025502" cy="692026"/>
+            </a:xfrm>
+            <a:prstGeom prst="rect">
+              <a:avLst/>
+            </a:prstGeom>
+          </p:spPr>
+          <p:style>
+            <a:lnRef idx="2">
+              <a:schemeClr val="accent1">
+                <a:shade val="50000"/>
+              </a:schemeClr>
+            </a:lnRef>
+            <a:fillRef idx="1">
+              <a:schemeClr val="accent1"/>
+            </a:fillRef>
+            <a:effectRef idx="0">
+              <a:schemeClr val="accent1"/>
+            </a:effectRef>
+            <a:fontRef idx="minor">
+              <a:schemeClr val="lt1"/>
+            </a:fontRef>
+          </p:style>
+          <p:txBody>
+            <a:bodyPr rtlCol="0" anchor="ctr"/>
+            <a:lstStyle/>
+            <a:p>
+              <a:pPr algn="ctr"/>
+              <a:endParaRPr lang="de-DE" dirty="0"/>
+            </a:p>
+            <a:p>
+              <a:pPr algn="ctr"/>
+              <a:r>
+                <a:rPr lang="de-DE" dirty="0"/>
+                <a:t>Imputation on whole data set</a:t>
+              </a:r>
+            </a:p>
+            <a:p>
+              <a:pPr algn="ctr"/>
+              <a:endParaRPr lang="de-DE" dirty="0"/>
+            </a:p>
+          </p:txBody>
+        </p:sp>
+        <p:sp>
+          <p:nvSpPr>
+            <p:cNvPr id="28" name="Rectangle 27">
+              <a:extLst>
+                <a:ext uri="{FF2B5EF4-FFF2-40B4-BE49-F238E27FC236}">
+                  <a16:creationId xmlns:a16="http://schemas.microsoft.com/office/drawing/2014/main" id="{DDFD9E0A-38D9-4957-848B-DC7D2F9C9579}"/>
+                </a:ext>
+              </a:extLst>
+            </p:cNvPr>
+            <p:cNvSpPr/>
+            <p:nvPr/>
+          </p:nvSpPr>
+          <p:spPr>
+            <a:xfrm>
+              <a:off x="4219359" y="3213279"/>
+              <a:ext cx="2025502" cy="929022"/>
+            </a:xfrm>
+            <a:prstGeom prst="rect">
+              <a:avLst/>
+            </a:prstGeom>
+          </p:spPr>
+          <p:style>
+            <a:lnRef idx="2">
+              <a:schemeClr val="accent1">
+                <a:shade val="50000"/>
+              </a:schemeClr>
+            </a:lnRef>
+            <a:fillRef idx="1">
+              <a:schemeClr val="accent1"/>
+            </a:fillRef>
+            <a:effectRef idx="0">
+              <a:schemeClr val="accent1"/>
+            </a:effectRef>
+            <a:fontRef idx="minor">
+              <a:schemeClr val="lt1"/>
+            </a:fontRef>
+          </p:style>
+          <p:txBody>
+            <a:bodyPr rtlCol="0" anchor="ctr"/>
+            <a:lstStyle/>
+            <a:p>
+              <a:pPr algn="ctr"/>
+              <a:r>
+                <a:rPr lang="de-DE" dirty="0"/>
+                <a:t>Imputation separately on test and train set </a:t>
+              </a:r>
+            </a:p>
+          </p:txBody>
+        </p:sp>
+      </p:grpSp>
     </p:spTree>
     <p:extLst>
       <p:ext uri="{BB962C8B-B14F-4D97-AF65-F5344CB8AC3E}">
-        <p14:creationId xmlns:p14="http://schemas.microsoft.com/office/powerpoint/2010/main" val="3215538767"/>
+        <p14:creationId xmlns:p14="http://schemas.microsoft.com/office/powerpoint/2010/main" val="1181225204"/>
       </p:ext>
     </p:extLst>
   </p:cSld>
@@ -26939,7 +27955,7 @@
           <p:cNvPr id="2" name="Title 1">
             <a:extLst>
               <a:ext uri="{FF2B5EF4-FFF2-40B4-BE49-F238E27FC236}">
-                <a16:creationId xmlns:a16="http://schemas.microsoft.com/office/drawing/2014/main" id="{6806FBA4-537C-4226-9D3A-758C7B787D79}"/>
+                <a16:creationId xmlns:a16="http://schemas.microsoft.com/office/drawing/2014/main" id="{5C6C0D5D-1A09-42DA-AAA6-CB769F97AAFD}"/>
               </a:ext>
             </a:extLst>
           </p:cNvPr>
@@ -26957,9 +27973,38 @@
           <a:p>
             <a:r>
               <a:rPr lang="de-DE" b="1" dirty="0"/>
-              <a:t>Transformations</a:t>
-            </a:r>
-            <a:endParaRPr lang="en-US" b="1" dirty="0"/>
+              <a:t>CRC</a:t>
+            </a:r>
+          </a:p>
+        </p:txBody>
+      </p:sp>
+      <p:sp>
+        <p:nvSpPr>
+          <p:cNvPr id="4" name="Date Placeholder 3">
+            <a:extLst>
+              <a:ext uri="{FF2B5EF4-FFF2-40B4-BE49-F238E27FC236}">
+                <a16:creationId xmlns:a16="http://schemas.microsoft.com/office/drawing/2014/main" id="{D931F9AA-9EEE-479B-9E4B-F880DD6927F9}"/>
+              </a:ext>
+            </a:extLst>
+          </p:cNvPr>
+          <p:cNvSpPr>
+            <a:spLocks noGrp="1"/>
+          </p:cNvSpPr>
+          <p:nvPr>
+            <p:ph type="dt" sz="half" idx="10"/>
+          </p:nvPr>
+        </p:nvSpPr>
+        <p:spPr/>
+        <p:txBody>
+          <a:bodyPr/>
+          <a:lstStyle/>
+          <a:p>
+            <a:fld id="{36D18B76-5E8B-4456-8722-FC5B14B0F354}" type="datetime1">
+              <a:rPr lang="en-US" smtClean="0"/>
+              <a:pPr/>
+              <a:t>4/26/2022</a:t>
+            </a:fld>
+            <a:endParaRPr lang="en-US" dirty="0"/>
           </a:p>
         </p:txBody>
       </p:sp>
@@ -26968,7 +28013,7 @@
           <p:cNvPr id="5" name="Footer Placeholder 4">
             <a:extLst>
               <a:ext uri="{FF2B5EF4-FFF2-40B4-BE49-F238E27FC236}">
-                <a16:creationId xmlns:a16="http://schemas.microsoft.com/office/drawing/2014/main" id="{707C4F70-832A-416B-9491-EE86347B2812}"/>
+                <a16:creationId xmlns:a16="http://schemas.microsoft.com/office/drawing/2014/main" id="{20341FFA-1CC5-4E6A-9383-BD2A101627FE}"/>
               </a:ext>
             </a:extLst>
           </p:cNvPr>
@@ -26996,7 +28041,7 @@
           <p:cNvPr id="6" name="Slide Number Placeholder 5">
             <a:extLst>
               <a:ext uri="{FF2B5EF4-FFF2-40B4-BE49-F238E27FC236}">
-                <a16:creationId xmlns:a16="http://schemas.microsoft.com/office/drawing/2014/main" id="{1028CB34-29B5-49CB-99E4-E945C3D78896}"/>
+                <a16:creationId xmlns:a16="http://schemas.microsoft.com/office/drawing/2014/main" id="{6B829FC6-6F02-4361-A6FE-C769EAA86509}"/>
               </a:ext>
             </a:extLst>
           </p:cNvPr>
@@ -27023,164 +28068,33 @@
       </p:sp>
       <p:sp>
         <p:nvSpPr>
-          <p:cNvPr id="26" name="TextBox 25">
+          <p:cNvPr id="8" name="Content Placeholder 7">
             <a:extLst>
               <a:ext uri="{FF2B5EF4-FFF2-40B4-BE49-F238E27FC236}">
-                <a16:creationId xmlns:a16="http://schemas.microsoft.com/office/drawing/2014/main" id="{CC7BEBFF-3D20-441C-B1B2-0CE34904FDE4}"/>
+                <a16:creationId xmlns:a16="http://schemas.microsoft.com/office/drawing/2014/main" id="{BBA35DCC-8039-434E-935D-EE00EC8196C5}"/>
               </a:ext>
             </a:extLst>
           </p:cNvPr>
-          <p:cNvSpPr txBox="1"/>
-          <p:nvPr/>
-        </p:nvSpPr>
-        <p:spPr>
-          <a:xfrm>
-            <a:off x="1698819" y="1152907"/>
-            <a:ext cx="3654858" cy="400110"/>
-          </a:xfrm>
-          <a:prstGeom prst="rect">
-            <a:avLst/>
-          </a:prstGeom>
-          <a:noFill/>
-        </p:spPr>
-        <p:txBody>
-          <a:bodyPr wrap="square" rtlCol="0">
-            <a:spAutoFit/>
-          </a:bodyPr>
+          <p:cNvSpPr>
+            <a:spLocks noGrp="1"/>
+          </p:cNvSpPr>
+          <p:nvPr>
+            <p:ph idx="1"/>
+          </p:nvPr>
+        </p:nvSpPr>
+        <p:spPr/>
+        <p:txBody>
+          <a:bodyPr/>
           <a:lstStyle/>
           <a:p>
-            <a:r>
-              <a:rPr lang="de-DE" sz="2000" i="1" dirty="0"/>
-              <a:t>Problems and Notes</a:t>
-            </a:r>
-          </a:p>
-        </p:txBody>
-      </p:sp>
-      <p:sp>
-        <p:nvSpPr>
-          <p:cNvPr id="7" name="TextBox 6">
-            <a:extLst>
-              <a:ext uri="{FF2B5EF4-FFF2-40B4-BE49-F238E27FC236}">
-                <a16:creationId xmlns:a16="http://schemas.microsoft.com/office/drawing/2014/main" id="{B43BF96F-7A11-4087-9B01-CF6AACD20E04}"/>
-              </a:ext>
-            </a:extLst>
-          </p:cNvPr>
-          <p:cNvSpPr txBox="1"/>
-          <p:nvPr/>
-        </p:nvSpPr>
-        <p:spPr>
-          <a:xfrm>
-            <a:off x="2589212" y="1742696"/>
-            <a:ext cx="7102549" cy="1477328"/>
-          </a:xfrm>
-          <a:prstGeom prst="rect">
-            <a:avLst/>
-          </a:prstGeom>
-          <a:noFill/>
-        </p:spPr>
-        <p:txBody>
-          <a:bodyPr wrap="square" rtlCol="0">
-            <a:spAutoFit/>
-          </a:bodyPr>
-          <a:lstStyle/>
-          <a:p>
-            <a:r>
-              <a:rPr lang="de-DE" u="sng" dirty="0"/>
-              <a:t>CLR/ALR</a:t>
-            </a:r>
-            <a:r>
-              <a:rPr lang="de-DE" dirty="0"/>
-              <a:t>:</a:t>
-            </a:r>
-          </a:p>
-          <a:p>
-            <a:pPr marL="285750" indent="-285750">
-              <a:buFontTx/>
-              <a:buChar char="-"/>
-            </a:pPr>
-            <a:r>
-              <a:rPr lang="de-DE" dirty="0"/>
-              <a:t>What to do with LR.wt?</a:t>
-            </a:r>
-          </a:p>
-          <a:p>
-            <a:pPr marL="285750" indent="-285750">
-              <a:buFontTx/>
-              <a:buChar char="-"/>
-            </a:pPr>
-            <a:r>
-              <a:rPr lang="de-DE" dirty="0"/>
-              <a:t>What to do with part.names and part.wt?</a:t>
-            </a:r>
-          </a:p>
-          <a:p>
-            <a:pPr marL="285750" indent="-285750">
-              <a:buFontTx/>
-              <a:buChar char="-"/>
-            </a:pPr>
-            <a:r>
-              <a:rPr lang="de-DE" dirty="0"/>
-              <a:t>Column names ALR?</a:t>
-            </a:r>
-          </a:p>
-          <a:p>
-            <a:endParaRPr lang="de-DE" dirty="0"/>
-          </a:p>
-        </p:txBody>
-      </p:sp>
-      <p:sp>
-        <p:nvSpPr>
-          <p:cNvPr id="8" name="TextBox 7">
-            <a:extLst>
-              <a:ext uri="{FF2B5EF4-FFF2-40B4-BE49-F238E27FC236}">
-                <a16:creationId xmlns:a16="http://schemas.microsoft.com/office/drawing/2014/main" id="{42B7B4AF-462B-468E-AAF9-0BB332281A81}"/>
-              </a:ext>
-            </a:extLst>
-          </p:cNvPr>
-          <p:cNvSpPr txBox="1"/>
-          <p:nvPr/>
-        </p:nvSpPr>
-        <p:spPr>
-          <a:xfrm>
-            <a:off x="2589212" y="3278973"/>
-            <a:ext cx="7102549" cy="923330"/>
-          </a:xfrm>
-          <a:prstGeom prst="rect">
-            <a:avLst/>
-          </a:prstGeom>
-          <a:noFill/>
-        </p:spPr>
-        <p:txBody>
-          <a:bodyPr wrap="square" rtlCol="0">
-            <a:spAutoFit/>
-          </a:bodyPr>
-          <a:lstStyle/>
-          <a:p>
-            <a:r>
-              <a:rPr lang="de-DE" u="sng" dirty="0"/>
-              <a:t>EstMB:</a:t>
-            </a:r>
-            <a:endParaRPr lang="de-DE" dirty="0"/>
-          </a:p>
-          <a:p>
-            <a:pPr marL="285750" indent="-285750">
-              <a:buFontTx/>
-              <a:buChar char="-"/>
-            </a:pPr>
-            <a:r>
-              <a:rPr lang="de-DE" dirty="0"/>
-              <a:t>Needs a lot of time for ALR -&gt; solved in HPC?</a:t>
-            </a:r>
-          </a:p>
-          <a:p>
-            <a:endParaRPr lang="de-DE" dirty="0"/>
+            <a:endParaRPr lang="de-DE"/>
           </a:p>
         </p:txBody>
       </p:sp>
     </p:spTree>
     <p:extLst>
       <p:ext uri="{BB962C8B-B14F-4D97-AF65-F5344CB8AC3E}">
-        <p14:creationId xmlns:p14="http://schemas.microsoft.com/office/powerpoint/2010/main" val="3441935650"/>
+        <p14:creationId xmlns:p14="http://schemas.microsoft.com/office/powerpoint/2010/main" val="2386875268"/>
       </p:ext>
     </p:extLst>
   </p:cSld>
@@ -27212,7 +28126,7 @@
           <p:cNvPr id="2" name="Title 1">
             <a:extLst>
               <a:ext uri="{FF2B5EF4-FFF2-40B4-BE49-F238E27FC236}">
-                <a16:creationId xmlns:a16="http://schemas.microsoft.com/office/drawing/2014/main" id="{6806FBA4-537C-4226-9D3A-758C7B787D79}"/>
+                <a16:creationId xmlns:a16="http://schemas.microsoft.com/office/drawing/2014/main" id="{5C6C0D5D-1A09-42DA-AAA6-CB769F97AAFD}"/>
               </a:ext>
             </a:extLst>
           </p:cNvPr>
@@ -27230,9 +28144,38 @@
           <a:p>
             <a:r>
               <a:rPr lang="de-DE" b="1" dirty="0"/>
-              <a:t>Hierarchy dimensionality reduction</a:t>
-            </a:r>
-            <a:endParaRPr lang="en-US" b="1" dirty="0"/>
+              <a:t>PCOS</a:t>
+            </a:r>
+          </a:p>
+        </p:txBody>
+      </p:sp>
+      <p:sp>
+        <p:nvSpPr>
+          <p:cNvPr id="4" name="Date Placeholder 3">
+            <a:extLst>
+              <a:ext uri="{FF2B5EF4-FFF2-40B4-BE49-F238E27FC236}">
+                <a16:creationId xmlns:a16="http://schemas.microsoft.com/office/drawing/2014/main" id="{D931F9AA-9EEE-479B-9E4B-F880DD6927F9}"/>
+              </a:ext>
+            </a:extLst>
+          </p:cNvPr>
+          <p:cNvSpPr>
+            <a:spLocks noGrp="1"/>
+          </p:cNvSpPr>
+          <p:nvPr>
+            <p:ph type="dt" sz="half" idx="10"/>
+          </p:nvPr>
+        </p:nvSpPr>
+        <p:spPr/>
+        <p:txBody>
+          <a:bodyPr/>
+          <a:lstStyle/>
+          <a:p>
+            <a:fld id="{36D18B76-5E8B-4456-8722-FC5B14B0F354}" type="datetime1">
+              <a:rPr lang="en-US" smtClean="0"/>
+              <a:pPr/>
+              <a:t>4/26/2022</a:t>
+            </a:fld>
+            <a:endParaRPr lang="en-US" dirty="0"/>
           </a:p>
         </p:txBody>
       </p:sp>
@@ -27241,7 +28184,7 @@
           <p:cNvPr id="5" name="Footer Placeholder 4">
             <a:extLst>
               <a:ext uri="{FF2B5EF4-FFF2-40B4-BE49-F238E27FC236}">
-                <a16:creationId xmlns:a16="http://schemas.microsoft.com/office/drawing/2014/main" id="{707C4F70-832A-416B-9491-EE86347B2812}"/>
+                <a16:creationId xmlns:a16="http://schemas.microsoft.com/office/drawing/2014/main" id="{20341FFA-1CC5-4E6A-9383-BD2A101627FE}"/>
               </a:ext>
             </a:extLst>
           </p:cNvPr>
@@ -27270,7 +28213,7 @@
           <p:cNvPr id="6" name="Slide Number Placeholder 5">
             <a:extLst>
               <a:ext uri="{FF2B5EF4-FFF2-40B4-BE49-F238E27FC236}">
-                <a16:creationId xmlns:a16="http://schemas.microsoft.com/office/drawing/2014/main" id="{1028CB34-29B5-49CB-99E4-E945C3D78896}"/>
+                <a16:creationId xmlns:a16="http://schemas.microsoft.com/office/drawing/2014/main" id="{6B829FC6-6F02-4361-A6FE-C769EAA86509}"/>
               </a:ext>
             </a:extLst>
           </p:cNvPr>
@@ -27297,115 +28240,33 @@
       </p:sp>
       <p:sp>
         <p:nvSpPr>
-          <p:cNvPr id="26" name="TextBox 25">
+          <p:cNvPr id="7" name="Content Placeholder 6">
             <a:extLst>
               <a:ext uri="{FF2B5EF4-FFF2-40B4-BE49-F238E27FC236}">
-                <a16:creationId xmlns:a16="http://schemas.microsoft.com/office/drawing/2014/main" id="{CC7BEBFF-3D20-441C-B1B2-0CE34904FDE4}"/>
+                <a16:creationId xmlns:a16="http://schemas.microsoft.com/office/drawing/2014/main" id="{1501B7E5-3551-4907-9ED2-D608034D77D9}"/>
               </a:ext>
             </a:extLst>
           </p:cNvPr>
-          <p:cNvSpPr txBox="1"/>
-          <p:nvPr/>
-        </p:nvSpPr>
-        <p:spPr>
-          <a:xfrm>
-            <a:off x="1698819" y="1152907"/>
-            <a:ext cx="3654858" cy="400110"/>
-          </a:xfrm>
-          <a:prstGeom prst="rect">
-            <a:avLst/>
-          </a:prstGeom>
-          <a:noFill/>
-        </p:spPr>
-        <p:txBody>
-          <a:bodyPr wrap="square" rtlCol="0">
-            <a:spAutoFit/>
-          </a:bodyPr>
+          <p:cNvSpPr>
+            <a:spLocks noGrp="1"/>
+          </p:cNvSpPr>
+          <p:nvPr>
+            <p:ph idx="1"/>
+          </p:nvPr>
+        </p:nvSpPr>
+        <p:spPr/>
+        <p:txBody>
+          <a:bodyPr/>
           <a:lstStyle/>
           <a:p>
-            <a:r>
-              <a:rPr lang="de-DE" sz="2000" i="1" dirty="0"/>
-              <a:t>Problems and Notes</a:t>
-            </a:r>
-          </a:p>
-        </p:txBody>
-      </p:sp>
-      <p:sp>
-        <p:nvSpPr>
-          <p:cNvPr id="7" name="TextBox 6">
-            <a:extLst>
-              <a:ext uri="{FF2B5EF4-FFF2-40B4-BE49-F238E27FC236}">
-                <a16:creationId xmlns:a16="http://schemas.microsoft.com/office/drawing/2014/main" id="{B43BF96F-7A11-4087-9B01-CF6AACD20E04}"/>
-              </a:ext>
-            </a:extLst>
-          </p:cNvPr>
-          <p:cNvSpPr txBox="1"/>
-          <p:nvPr/>
-        </p:nvSpPr>
-        <p:spPr>
-          <a:xfrm>
-            <a:off x="2589212" y="1742696"/>
-            <a:ext cx="7102549" cy="1754326"/>
-          </a:xfrm>
-          <a:prstGeom prst="rect">
-            <a:avLst/>
-          </a:prstGeom>
-          <a:noFill/>
-        </p:spPr>
-        <p:txBody>
-          <a:bodyPr wrap="square" rtlCol="0">
-            <a:spAutoFit/>
-          </a:bodyPr>
-          <a:lstStyle/>
-          <a:p>
-            <a:r>
-              <a:rPr lang="de-DE" u="sng" dirty="0"/>
-              <a:t>PCA</a:t>
-            </a:r>
-            <a:r>
-              <a:rPr lang="de-DE" dirty="0"/>
-              <a:t>:</a:t>
-            </a:r>
-          </a:p>
-          <a:p>
-            <a:pPr marL="285750" indent="-285750">
-              <a:buFontTx/>
-              <a:buChar char="-"/>
-            </a:pPr>
-            <a:r>
-              <a:rPr lang="de-DE" dirty="0"/>
-              <a:t>Microbiome Preprocessing Machine Learning Pipeline (2021)</a:t>
-            </a:r>
-          </a:p>
-          <a:p>
-            <a:pPr marL="285750" indent="-285750">
-              <a:buFontTx/>
-              <a:buChar char="-"/>
-            </a:pPr>
-            <a:r>
-              <a:rPr lang="de-DE" dirty="0"/>
-              <a:t>Proposes to use PCA as hierarchy reduction </a:t>
-            </a:r>
-          </a:p>
-          <a:p>
-            <a:pPr marL="285750" indent="-285750">
-              <a:buFontTx/>
-              <a:buChar char="-"/>
-            </a:pPr>
-            <a:r>
-              <a:rPr lang="de-DE" dirty="0"/>
-              <a:t>Families can be clustered and genus is not necessary</a:t>
-            </a:r>
-          </a:p>
-          <a:p>
-            <a:endParaRPr lang="de-DE" dirty="0"/>
+            <a:endParaRPr lang="de-DE"/>
           </a:p>
         </p:txBody>
       </p:sp>
     </p:spTree>
     <p:extLst>
       <p:ext uri="{BB962C8B-B14F-4D97-AF65-F5344CB8AC3E}">
-        <p14:creationId xmlns:p14="http://schemas.microsoft.com/office/powerpoint/2010/main" val="2182919606"/>
+        <p14:creationId xmlns:p14="http://schemas.microsoft.com/office/powerpoint/2010/main" val="3828662632"/>
       </p:ext>
     </p:extLst>
   </p:cSld>
@@ -27450,16 +28311,43 @@
         </p:nvSpPr>
         <p:spPr/>
         <p:txBody>
-          <a:bodyPr>
-            <a:normAutofit/>
-          </a:bodyPr>
+          <a:bodyPr/>
           <a:lstStyle/>
           <a:p>
             <a:r>
-              <a:rPr lang="de-DE" sz="3200" b="1" dirty="0"/>
-              <a:t>mikropml</a:t>
-            </a:r>
-            <a:endParaRPr lang="en-US" sz="3200" b="1" dirty="0"/>
+              <a:rPr lang="de-DE" b="1" dirty="0"/>
+              <a:t>Pre-Processing</a:t>
+            </a:r>
+            <a:endParaRPr lang="en-US" b="1" dirty="0"/>
+          </a:p>
+        </p:txBody>
+      </p:sp>
+      <p:sp>
+        <p:nvSpPr>
+          <p:cNvPr id="5" name="Footer Placeholder 4">
+            <a:extLst>
+              <a:ext uri="{FF2B5EF4-FFF2-40B4-BE49-F238E27FC236}">
+                <a16:creationId xmlns:a16="http://schemas.microsoft.com/office/drawing/2014/main" id="{707C4F70-832A-416B-9491-EE86347B2812}"/>
+              </a:ext>
+            </a:extLst>
+          </p:cNvPr>
+          <p:cNvSpPr>
+            <a:spLocks noGrp="1"/>
+          </p:cNvSpPr>
+          <p:nvPr>
+            <p:ph type="ftr" sz="quarter" idx="11"/>
+          </p:nvPr>
+        </p:nvSpPr>
+        <p:spPr/>
+        <p:txBody>
+          <a:bodyPr/>
+          <a:lstStyle/>
+          <a:p>
+            <a:r>
+              <a:rPr lang="en-US"/>
+              <a:t>jennifer.neumaier@t-online.de</a:t>
+            </a:r>
+            <a:endParaRPr lang="en-US" dirty="0"/>
           </a:p>
         </p:txBody>
       </p:sp>
@@ -27495,10 +28383,10 @@
       </p:sp>
       <p:sp>
         <p:nvSpPr>
-          <p:cNvPr id="8" name="TextBox 7">
+          <p:cNvPr id="26" name="TextBox 25">
             <a:extLst>
               <a:ext uri="{FF2B5EF4-FFF2-40B4-BE49-F238E27FC236}">
-                <a16:creationId xmlns:a16="http://schemas.microsoft.com/office/drawing/2014/main" id="{C9FAD4F5-81D5-4890-8BB5-F06C93EDD254}"/>
+                <a16:creationId xmlns:a16="http://schemas.microsoft.com/office/drawing/2014/main" id="{CC7BEBFF-3D20-441C-B1B2-0CE34904FDE4}"/>
               </a:ext>
             </a:extLst>
           </p:cNvPr>
@@ -27507,8 +28395,8 @@
         </p:nvSpPr>
         <p:spPr>
           <a:xfrm>
-            <a:off x="1392866" y="1268569"/>
-            <a:ext cx="8753253" cy="5509200"/>
+            <a:off x="1698819" y="1152907"/>
+            <a:ext cx="3654858" cy="400110"/>
           </a:xfrm>
           <a:prstGeom prst="rect">
             <a:avLst/>
@@ -27516,172 +28404,299 @@
           <a:noFill/>
         </p:spPr>
         <p:txBody>
+          <a:bodyPr wrap="square" rtlCol="0">
+            <a:spAutoFit/>
+          </a:bodyPr>
+          <a:lstStyle/>
+          <a:p>
+            <a:r>
+              <a:rPr lang="de-DE" sz="2000" i="1" dirty="0"/>
+              <a:t>Problems and Notes</a:t>
+            </a:r>
+          </a:p>
+        </p:txBody>
+      </p:sp>
+      <p:sp>
+        <p:nvSpPr>
+          <p:cNvPr id="7" name="TextBox 6">
+            <a:extLst>
+              <a:ext uri="{FF2B5EF4-FFF2-40B4-BE49-F238E27FC236}">
+                <a16:creationId xmlns:a16="http://schemas.microsoft.com/office/drawing/2014/main" id="{B43BF96F-7A11-4087-9B01-CF6AACD20E04}"/>
+              </a:ext>
+            </a:extLst>
+          </p:cNvPr>
+          <p:cNvSpPr txBox="1"/>
+          <p:nvPr/>
+        </p:nvSpPr>
+        <p:spPr>
+          <a:xfrm>
+            <a:off x="1698819" y="1834296"/>
+            <a:ext cx="7102549" cy="1754326"/>
+          </a:xfrm>
+          <a:prstGeom prst="rect">
+            <a:avLst/>
+          </a:prstGeom>
+          <a:noFill/>
+        </p:spPr>
+        <p:txBody>
+          <a:bodyPr wrap="square" rtlCol="0">
+            <a:spAutoFit/>
+          </a:bodyPr>
+          <a:lstStyle/>
+          <a:p>
+            <a:r>
+              <a:rPr lang="de-DE" u="sng" dirty="0"/>
+              <a:t>CRC</a:t>
+            </a:r>
+            <a:r>
+              <a:rPr lang="de-DE" dirty="0"/>
+              <a:t>:</a:t>
+            </a:r>
+          </a:p>
+          <a:p>
+            <a:pPr marL="285750" indent="-285750">
+              <a:buFontTx/>
+              <a:buChar char="-"/>
+            </a:pPr>
+            <a:r>
+              <a:rPr lang="de-DE" dirty="0"/>
+              <a:t>128 rows removed due to NA in BMI</a:t>
+            </a:r>
+          </a:p>
+          <a:p>
+            <a:pPr marL="285750" indent="-285750">
+              <a:buFontTx/>
+              <a:buChar char="-"/>
+            </a:pPr>
+            <a:r>
+              <a:rPr lang="de-DE" dirty="0"/>
+              <a:t>DE saved separately as holdout </a:t>
+            </a:r>
+          </a:p>
+          <a:p>
+            <a:pPr marL="285750" indent="-285750">
+              <a:buFontTx/>
+              <a:buChar char="-"/>
+            </a:pPr>
+            <a:r>
+              <a:rPr lang="de-DE" dirty="0"/>
+              <a:t>All tests were done with country sets: USA, China, Austria, France</a:t>
+            </a:r>
+          </a:p>
+          <a:p>
+            <a:pPr marL="285750" indent="-285750">
+              <a:buFontTx/>
+              <a:buChar char="-"/>
+            </a:pPr>
+            <a:endParaRPr lang="de-DE" dirty="0"/>
+          </a:p>
+        </p:txBody>
+      </p:sp>
+      <p:sp>
+        <p:nvSpPr>
+          <p:cNvPr id="29" name="TextBox 28">
+            <a:extLst>
+              <a:ext uri="{FF2B5EF4-FFF2-40B4-BE49-F238E27FC236}">
+                <a16:creationId xmlns:a16="http://schemas.microsoft.com/office/drawing/2014/main" id="{FD214281-F802-4F96-A098-F69D765E4AFA}"/>
+              </a:ext>
+            </a:extLst>
+          </p:cNvPr>
+          <p:cNvSpPr txBox="1"/>
+          <p:nvPr/>
+        </p:nvSpPr>
+        <p:spPr>
+          <a:xfrm>
+            <a:off x="6199935" y="93132"/>
+            <a:ext cx="6097772" cy="1815882"/>
+          </a:xfrm>
+          <a:prstGeom prst="rect">
+            <a:avLst/>
+          </a:prstGeom>
+          <a:noFill/>
+        </p:spPr>
+        <p:txBody>
           <a:bodyPr wrap="square">
             <a:spAutoFit/>
           </a:bodyPr>
           <a:lstStyle/>
           <a:p>
             <a:r>
-              <a:rPr lang="de-DE" sz="1100" dirty="0"/>
-              <a:t>Testing out mikropml as it already has a function run_ml() that incorporates nested cross-validation for several standard supervised machine learning models:</a:t>
-            </a:r>
-          </a:p>
-          <a:p>
-            <a:endParaRPr lang="de-DE" sz="1100" dirty="0"/>
-          </a:p>
-          <a:p>
-            <a:r>
-              <a:rPr lang="de-DE" sz="1100" dirty="0"/>
-              <a:t>    Logistic/multiclass/linear regression ("glmnet")</a:t>
-            </a:r>
-          </a:p>
-          <a:p>
-            <a:r>
-              <a:rPr lang="de-DE" sz="1100" dirty="0"/>
-              <a:t>    Random forest ("rf")</a:t>
-            </a:r>
-          </a:p>
-          <a:p>
-            <a:r>
-              <a:rPr lang="de-DE" sz="1100" dirty="0"/>
-              <a:t>    Decision tree ("rpart2")</a:t>
-            </a:r>
-          </a:p>
-          <a:p>
-            <a:r>
-              <a:rPr lang="de-DE" sz="1100" dirty="0"/>
-              <a:t>    Support vector machine with a radial basis kernel ("svmRadial")</a:t>
-            </a:r>
-          </a:p>
-          <a:p>
-            <a:r>
-              <a:rPr lang="de-DE" sz="1100" dirty="0"/>
-              <a:t>    xgboost ("xgbTree")</a:t>
-            </a:r>
-          </a:p>
-          <a:p>
-            <a:endParaRPr lang="de-DE" sz="1100" dirty="0"/>
-          </a:p>
-          <a:p>
-            <a:r>
-              <a:rPr lang="de-DE" sz="1100" dirty="0"/>
-              <a:t>Test it here for linear regression and xgboost.</a:t>
-            </a:r>
-          </a:p>
-          <a:p>
-            <a:r>
-              <a:rPr lang="de-DE" sz="1100" dirty="0"/>
-              <a:t>Function run_ml has several parameters:</a:t>
-            </a:r>
-          </a:p>
-          <a:p>
-            <a:r>
-              <a:rPr lang="de-DE" sz="1100" dirty="0"/>
-              <a:t>           dataset,</a:t>
-            </a:r>
-          </a:p>
-          <a:p>
-            <a:r>
-              <a:rPr lang="de-DE" sz="1100" dirty="0"/>
-              <a:t>           method,</a:t>
-            </a:r>
-          </a:p>
-          <a:p>
-            <a:r>
-              <a:rPr lang="de-DE" sz="1100" dirty="0"/>
-              <a:t>           outcome_colname = NULL, (standardized the first column)</a:t>
-            </a:r>
-          </a:p>
-          <a:p>
-            <a:r>
-              <a:rPr lang="de-DE" sz="1100" dirty="0"/>
-              <a:t>           hyperparameters = NULL,</a:t>
-            </a:r>
-          </a:p>
-          <a:p>
-            <a:r>
-              <a:rPr lang="de-DE" sz="1100" dirty="0"/>
-              <a:t>           find_feature_importance = FALSE, (`TRUE` is recommended if you would like to identify features important for predicting your                                                outcome, but it is resource-intensive.</a:t>
-            </a:r>
-          </a:p>
-          <a:p>
-            <a:r>
-              <a:rPr lang="de-DE" sz="1100" dirty="0"/>
-              <a:t>           calculate_performance = TRUE,</a:t>
-            </a:r>
-          </a:p>
-          <a:p>
-            <a:r>
-              <a:rPr lang="de-DE" sz="1100" dirty="0"/>
-              <a:t>           kfold = 5, (standard at 5)</a:t>
-            </a:r>
-          </a:p>
-          <a:p>
-            <a:r>
-              <a:rPr lang="de-DE" sz="1100" dirty="0"/>
-              <a:t>           cv_times = 100, (standard at 100)</a:t>
-            </a:r>
-          </a:p>
-          <a:p>
-            <a:r>
-              <a:rPr lang="de-DE" sz="1100" dirty="0"/>
-              <a:t>           cross_val = NULL, (cross_val a custom cross-validation scheme from `caret::trainControl()` (default: `NULL`, uses `kfold` cross                              validation repeated `cv_times`). `kfold` and `cv_times` are ignored if the user provides a custom                                          cross-validation scheme.)</a:t>
-            </a:r>
-          </a:p>
-          <a:p>
-            <a:r>
-              <a:rPr lang="de-DE" sz="1100" dirty="0"/>
-              <a:t>           training_frac = 0.8, (standard at 0.8)</a:t>
-            </a:r>
-          </a:p>
-          <a:p>
-            <a:r>
-              <a:rPr lang="de-DE" sz="1100" dirty="0"/>
-              <a:t>           perf_metric_function = NULL,</a:t>
-            </a:r>
-          </a:p>
-          <a:p>
-            <a:r>
-              <a:rPr lang="de-DE" sz="1100" dirty="0"/>
-              <a:t>           perf_metric_name = NULL,</a:t>
-            </a:r>
-          </a:p>
-          <a:p>
-            <a:r>
-              <a:rPr lang="de-DE" sz="1100" dirty="0"/>
-              <a:t>           groups = NULL,</a:t>
-            </a:r>
-          </a:p>
-          <a:p>
-            <a:r>
-              <a:rPr lang="de-DE" sz="1100" dirty="0"/>
-              <a:t>           group_partitions = NULL,</a:t>
-            </a:r>
-          </a:p>
-          <a:p>
-            <a:r>
-              <a:rPr lang="de-DE" sz="1100" dirty="0"/>
-              <a:t>           corr_thresh = 1,</a:t>
-            </a:r>
-          </a:p>
-          <a:p>
-            <a:r>
-              <a:rPr lang="de-DE" sz="1100" dirty="0"/>
-              <a:t>           ntree = 1000, (For random forest, how many trees to use (default: `1000`). Caret doesn't allow this hyperparameter to be tuned)</a:t>
-            </a:r>
-          </a:p>
-          <a:p>
-            <a:r>
-              <a:rPr lang="de-DE" sz="1100" dirty="0"/>
-              <a:t>           seed = NA (set seed for reproducibility)</a:t>
-            </a:r>
+              <a:rPr lang="de-DE" sz="1400" u="sng" dirty="0"/>
+              <a:t>Imputation</a:t>
+            </a:r>
+            <a:r>
+              <a:rPr lang="de-DE" sz="1400" dirty="0"/>
+              <a:t>:</a:t>
+            </a:r>
+          </a:p>
+          <a:p>
+            <a:pPr marL="285750" indent="-285750">
+              <a:buFontTx/>
+              <a:buChar char="-"/>
+            </a:pPr>
+            <a:r>
+              <a:rPr lang="de-DE" sz="1400" dirty="0"/>
+              <a:t>mbImpute needs phylogenetic tree -&gt; ignored for now </a:t>
+            </a:r>
+          </a:p>
+          <a:p>
+            <a:pPr marL="285750" indent="-285750">
+              <a:buFontTx/>
+              <a:buChar char="-"/>
+            </a:pPr>
+            <a:r>
+              <a:rPr lang="de-DE" sz="1400" dirty="0"/>
+              <a:t>EstMB dataset: pseudocount inserts decimal values between 0 and 1</a:t>
+            </a:r>
+          </a:p>
+          <a:p>
+            <a:pPr marL="742950" lvl="1" indent="-285750">
+              <a:buFontTx/>
+              <a:buChar char="-"/>
+            </a:pPr>
+            <a:r>
+              <a:rPr lang="de-DE" sz="1400" dirty="0"/>
+              <a:t>Solution for now: all these values were rounded up to 1</a:t>
+            </a:r>
+          </a:p>
+          <a:p>
+            <a:pPr marL="742950" lvl="1" indent="-285750">
+              <a:buFontTx/>
+              <a:buChar char="-"/>
+            </a:pPr>
+            <a:r>
+              <a:rPr lang="de-DE" sz="1400" dirty="0"/>
+              <a:t>Possibly in a later run keep decimal values, because some papers suggest sensitivity to pseudocount in machine learning models </a:t>
+            </a:r>
+          </a:p>
+        </p:txBody>
+      </p:sp>
+      <p:sp>
+        <p:nvSpPr>
+          <p:cNvPr id="8" name="TextBox 7">
+            <a:extLst>
+              <a:ext uri="{FF2B5EF4-FFF2-40B4-BE49-F238E27FC236}">
+                <a16:creationId xmlns:a16="http://schemas.microsoft.com/office/drawing/2014/main" id="{20ADFB58-875E-4AAE-BDAE-D861E7F9DC27}"/>
+              </a:ext>
+            </a:extLst>
+          </p:cNvPr>
+          <p:cNvSpPr txBox="1"/>
+          <p:nvPr/>
+        </p:nvSpPr>
+        <p:spPr>
+          <a:xfrm>
+            <a:off x="1720971" y="3408432"/>
+            <a:ext cx="7102549" cy="1200329"/>
+          </a:xfrm>
+          <a:prstGeom prst="rect">
+            <a:avLst/>
+          </a:prstGeom>
+          <a:noFill/>
+        </p:spPr>
+        <p:txBody>
+          <a:bodyPr wrap="square" rtlCol="0">
+            <a:spAutoFit/>
+          </a:bodyPr>
+          <a:lstStyle/>
+          <a:p>
+            <a:r>
+              <a:rPr lang="de-DE" u="sng" dirty="0"/>
+              <a:t>PCOS</a:t>
+            </a:r>
+            <a:r>
+              <a:rPr lang="de-DE" dirty="0"/>
+              <a:t>:</a:t>
+            </a:r>
+          </a:p>
+          <a:p>
+            <a:pPr marL="285750" indent="-285750">
+              <a:buFontTx/>
+              <a:buChar char="-"/>
+            </a:pPr>
+            <a:r>
+              <a:rPr lang="de-DE" dirty="0"/>
+              <a:t>6 rows removed in abundance table because they were not included in metadata</a:t>
+            </a:r>
+          </a:p>
+          <a:p>
+            <a:pPr marL="285750" indent="-285750">
+              <a:buFontTx/>
+              <a:buChar char="-"/>
+            </a:pPr>
+            <a:endParaRPr lang="de-DE" dirty="0"/>
+          </a:p>
+        </p:txBody>
+      </p:sp>
+      <p:sp>
+        <p:nvSpPr>
+          <p:cNvPr id="9" name="TextBox 8">
+            <a:extLst>
+              <a:ext uri="{FF2B5EF4-FFF2-40B4-BE49-F238E27FC236}">
+                <a16:creationId xmlns:a16="http://schemas.microsoft.com/office/drawing/2014/main" id="{C84548D0-C361-4108-B284-1351D54B8DFD}"/>
+              </a:ext>
+            </a:extLst>
+          </p:cNvPr>
+          <p:cNvSpPr txBox="1"/>
+          <p:nvPr/>
+        </p:nvSpPr>
+        <p:spPr>
+          <a:xfrm>
+            <a:off x="1720971" y="4717667"/>
+            <a:ext cx="7102549" cy="1200329"/>
+          </a:xfrm>
+          <a:prstGeom prst="rect">
+            <a:avLst/>
+          </a:prstGeom>
+          <a:noFill/>
+        </p:spPr>
+        <p:txBody>
+          <a:bodyPr wrap="square" rtlCol="0">
+            <a:spAutoFit/>
+          </a:bodyPr>
+          <a:lstStyle/>
+          <a:p>
+            <a:r>
+              <a:rPr lang="de-DE" u="sng" dirty="0"/>
+              <a:t>EstMB</a:t>
+            </a:r>
+            <a:r>
+              <a:rPr lang="de-DE" dirty="0"/>
+              <a:t>:</a:t>
+            </a:r>
+          </a:p>
+          <a:p>
+            <a:pPr marL="285750" indent="-285750">
+              <a:buFontTx/>
+              <a:buChar char="-"/>
+            </a:pPr>
+            <a:r>
+              <a:rPr lang="de-DE" dirty="0"/>
+              <a:t>21 rows removed in metadata due to NA</a:t>
+            </a:r>
+          </a:p>
+          <a:p>
+            <a:pPr marL="285750" indent="-285750">
+              <a:buFontTx/>
+              <a:buChar char="-"/>
+            </a:pPr>
+            <a:r>
+              <a:rPr lang="de-DE" dirty="0"/>
+              <a:t>21 patients cut out of abundance table due to metadata</a:t>
+            </a:r>
+          </a:p>
+          <a:p>
+            <a:pPr marL="285750" indent="-285750">
+              <a:buFontTx/>
+              <a:buChar char="-"/>
+            </a:pPr>
+            <a:endParaRPr lang="de-DE" dirty="0"/>
           </a:p>
         </p:txBody>
       </p:sp>
     </p:spTree>
     <p:extLst>
       <p:ext uri="{BB962C8B-B14F-4D97-AF65-F5344CB8AC3E}">
-        <p14:creationId xmlns:p14="http://schemas.microsoft.com/office/powerpoint/2010/main" val="3541464901"/>
+        <p14:creationId xmlns:p14="http://schemas.microsoft.com/office/powerpoint/2010/main" val="3215538767"/>
       </p:ext>
     </p:extLst>
   </p:cSld>
@@ -27713,7 +28728,7 @@
           <p:cNvPr id="2" name="Title 1">
             <a:extLst>
               <a:ext uri="{FF2B5EF4-FFF2-40B4-BE49-F238E27FC236}">
-                <a16:creationId xmlns:a16="http://schemas.microsoft.com/office/drawing/2014/main" id="{169D9D37-B637-4D74-BB75-639D51A491FB}"/>
+                <a16:creationId xmlns:a16="http://schemas.microsoft.com/office/drawing/2014/main" id="{6806FBA4-537C-4226-9D3A-758C7B787D79}"/>
               </a:ext>
             </a:extLst>
           </p:cNvPr>
@@ -27724,118 +28739,16 @@
             <p:ph type="title"/>
           </p:nvPr>
         </p:nvSpPr>
-        <p:spPr>
-          <a:xfrm>
-            <a:off x="1640156" y="628124"/>
-            <a:ext cx="8911687" cy="1280890"/>
-          </a:xfrm>
-        </p:spPr>
+        <p:spPr/>
         <p:txBody>
           <a:bodyPr/>
           <a:lstStyle/>
           <a:p>
             <a:r>
               <a:rPr lang="de-DE" b="1" dirty="0"/>
-              <a:t>Data set</a:t>
+              <a:t>Transformations</a:t>
             </a:r>
             <a:endParaRPr lang="en-US" b="1" dirty="0"/>
-          </a:p>
-        </p:txBody>
-      </p:sp>
-      <p:sp>
-        <p:nvSpPr>
-          <p:cNvPr id="3" name="Content Placeholder 2">
-            <a:extLst>
-              <a:ext uri="{FF2B5EF4-FFF2-40B4-BE49-F238E27FC236}">
-                <a16:creationId xmlns:a16="http://schemas.microsoft.com/office/drawing/2014/main" id="{D4D56813-9DF8-4D28-B156-1DE48E95DBC2}"/>
-              </a:ext>
-            </a:extLst>
-          </p:cNvPr>
-          <p:cNvSpPr>
-            <a:spLocks noGrp="1"/>
-          </p:cNvSpPr>
-          <p:nvPr>
-            <p:ph idx="1"/>
-          </p:nvPr>
-        </p:nvSpPr>
-        <p:spPr>
-          <a:xfrm>
-            <a:off x="2592495" y="1317171"/>
-            <a:ext cx="8915400" cy="4369465"/>
-          </a:xfrm>
-        </p:spPr>
-        <p:txBody>
-          <a:bodyPr>
-            <a:normAutofit/>
-          </a:bodyPr>
-          <a:lstStyle/>
-          <a:p>
-            <a:r>
-              <a:rPr lang="de-DE" dirty="0"/>
-              <a:t>Compare what Thomas P. Quinn uses (13 datasets) and take out from estonian biobank</a:t>
-            </a:r>
-          </a:p>
-          <a:p>
-            <a:r>
-              <a:rPr lang="de-DE" dirty="0"/>
-              <a:t> prediction/classification tasks</a:t>
-            </a:r>
-          </a:p>
-          <a:p>
-            <a:r>
-              <a:rPr lang="de-DE" dirty="0"/>
-              <a:t>One with continuous and one with discrete variables</a:t>
-            </a:r>
-          </a:p>
-          <a:p>
-            <a:r>
-              <a:rPr lang="de-DE" dirty="0"/>
-              <a:t>one with high correlation and one with low to microbiomes</a:t>
-            </a:r>
-          </a:p>
-          <a:p>
-            <a:r>
-              <a:rPr lang="de-DE" dirty="0"/>
-              <a:t>one small and one large data set</a:t>
-            </a:r>
-          </a:p>
-          <a:p>
-            <a:r>
-              <a:rPr lang="de-DE" dirty="0"/>
-              <a:t>EstMB, colorectal cancer, PCOS</a:t>
-            </a:r>
-          </a:p>
-          <a:p>
-            <a:endParaRPr lang="de-DE" dirty="0"/>
-          </a:p>
-        </p:txBody>
-      </p:sp>
-      <p:sp>
-        <p:nvSpPr>
-          <p:cNvPr id="4" name="Date Placeholder 3">
-            <a:extLst>
-              <a:ext uri="{FF2B5EF4-FFF2-40B4-BE49-F238E27FC236}">
-                <a16:creationId xmlns:a16="http://schemas.microsoft.com/office/drawing/2014/main" id="{D53DB4F4-84EC-4588-88E6-8D8519D6A1E8}"/>
-              </a:ext>
-            </a:extLst>
-          </p:cNvPr>
-          <p:cNvSpPr>
-            <a:spLocks noGrp="1"/>
-          </p:cNvSpPr>
-          <p:nvPr>
-            <p:ph type="dt" sz="half" idx="10"/>
-          </p:nvPr>
-        </p:nvSpPr>
-        <p:spPr/>
-        <p:txBody>
-          <a:bodyPr/>
-          <a:lstStyle/>
-          <a:p>
-            <a:fld id="{5A2DBB50-F561-45B0-9BE5-95A455D2CD8B}" type="datetime1">
-              <a:rPr lang="en-US" smtClean="0"/>
-              <a:t>4/25/2022</a:t>
-            </a:fld>
-            <a:endParaRPr lang="en-US" dirty="0"/>
           </a:p>
         </p:txBody>
       </p:sp>
@@ -27844,7 +28757,7 @@
           <p:cNvPr id="5" name="Footer Placeholder 4">
             <a:extLst>
               <a:ext uri="{FF2B5EF4-FFF2-40B4-BE49-F238E27FC236}">
-                <a16:creationId xmlns:a16="http://schemas.microsoft.com/office/drawing/2014/main" id="{A7F3346A-3F24-484B-A6D3-55D66520C917}"/>
+                <a16:creationId xmlns:a16="http://schemas.microsoft.com/office/drawing/2014/main" id="{707C4F70-832A-416B-9491-EE86347B2812}"/>
               </a:ext>
             </a:extLst>
           </p:cNvPr>
@@ -27861,10 +28774,9 @@
           <a:lstStyle/>
           <a:p>
             <a:r>
-              <a:rPr lang="en-US"/>
+              <a:rPr lang="en-US" dirty="0"/>
               <a:t>jennifer.neumaier@t-online.de</a:t>
             </a:r>
-            <a:endParaRPr lang="en-US" dirty="0"/>
           </a:p>
         </p:txBody>
       </p:sp>
@@ -27873,7 +28785,7 @@
           <p:cNvPr id="6" name="Slide Number Placeholder 5">
             <a:extLst>
               <a:ext uri="{FF2B5EF4-FFF2-40B4-BE49-F238E27FC236}">
-                <a16:creationId xmlns:a16="http://schemas.microsoft.com/office/drawing/2014/main" id="{C4B3B4A6-E708-4F88-8CA2-BDE8FCF0C0AC}"/>
+                <a16:creationId xmlns:a16="http://schemas.microsoft.com/office/drawing/2014/main" id="{1028CB34-29B5-49CB-99E4-E945C3D78896}"/>
               </a:ext>
             </a:extLst>
           </p:cNvPr>
@@ -27900,10 +28812,10 @@
       </p:sp>
       <p:sp>
         <p:nvSpPr>
-          <p:cNvPr id="8" name="TextBox 7">
+          <p:cNvPr id="26" name="TextBox 25">
             <a:extLst>
               <a:ext uri="{FF2B5EF4-FFF2-40B4-BE49-F238E27FC236}">
-                <a16:creationId xmlns:a16="http://schemas.microsoft.com/office/drawing/2014/main" id="{6A373959-7937-4239-AAA7-0B90CAF1A620}"/>
+                <a16:creationId xmlns:a16="http://schemas.microsoft.com/office/drawing/2014/main" id="{CC7BEBFF-3D20-441C-B1B2-0CE34904FDE4}"/>
               </a:ext>
             </a:extLst>
           </p:cNvPr>
@@ -27912,8 +28824,8 @@
         </p:nvSpPr>
         <p:spPr>
           <a:xfrm>
-            <a:off x="2260283" y="4487322"/>
-            <a:ext cx="6097904" cy="923330"/>
+            <a:off x="1698819" y="1152907"/>
+            <a:ext cx="3654858" cy="400110"/>
           </a:xfrm>
           <a:prstGeom prst="rect">
             <a:avLst/>
@@ -27921,28 +28833,143 @@
           <a:noFill/>
         </p:spPr>
         <p:txBody>
-          <a:bodyPr wrap="square">
+          <a:bodyPr wrap="square" rtlCol="0">
             <a:spAutoFit/>
           </a:bodyPr>
           <a:lstStyle/>
           <a:p>
             <a:r>
-              <a:rPr lang="de-DE" b="1" dirty="0"/>
-              <a:t>CRC data set preparation and models:</a:t>
-            </a:r>
-          </a:p>
-          <a:p>
+              <a:rPr lang="de-DE" sz="2000" i="1" dirty="0"/>
+              <a:t>Problems and Notes</a:t>
+            </a:r>
+          </a:p>
+        </p:txBody>
+      </p:sp>
+      <p:sp>
+        <p:nvSpPr>
+          <p:cNvPr id="7" name="TextBox 6">
+            <a:extLst>
+              <a:ext uri="{FF2B5EF4-FFF2-40B4-BE49-F238E27FC236}">
+                <a16:creationId xmlns:a16="http://schemas.microsoft.com/office/drawing/2014/main" id="{B43BF96F-7A11-4087-9B01-CF6AACD20E04}"/>
+              </a:ext>
+            </a:extLst>
+          </p:cNvPr>
+          <p:cNvSpPr txBox="1"/>
+          <p:nvPr/>
+        </p:nvSpPr>
+        <p:spPr>
+          <a:xfrm>
+            <a:off x="2589212" y="1742696"/>
+            <a:ext cx="7102549" cy="1477328"/>
+          </a:xfrm>
+          <a:prstGeom prst="rect">
+            <a:avLst/>
+          </a:prstGeom>
+          <a:noFill/>
+        </p:spPr>
+        <p:txBody>
+          <a:bodyPr wrap="square" rtlCol="0">
+            <a:spAutoFit/>
+          </a:bodyPr>
+          <a:lstStyle/>
+          <a:p>
+            <a:r>
+              <a:rPr lang="de-DE" u="sng" dirty="0"/>
+              <a:t>CLR/ALR</a:t>
+            </a:r>
             <a:r>
               <a:rPr lang="de-DE" dirty="0"/>
-              <a:t>https://github.com/zellerlab/crc_meta/blob/master/src/prepare_data.R</a:t>
-            </a:r>
+              <a:t>:</a:t>
+            </a:r>
+          </a:p>
+          <a:p>
+            <a:pPr marL="285750" indent="-285750">
+              <a:buFontTx/>
+              <a:buChar char="-"/>
+            </a:pPr>
+            <a:r>
+              <a:rPr lang="de-DE" dirty="0"/>
+              <a:t>What to do with LR.wt?</a:t>
+            </a:r>
+          </a:p>
+          <a:p>
+            <a:pPr marL="285750" indent="-285750">
+              <a:buFontTx/>
+              <a:buChar char="-"/>
+            </a:pPr>
+            <a:r>
+              <a:rPr lang="de-DE" dirty="0"/>
+              <a:t>What to do with part.names and part.wt?</a:t>
+            </a:r>
+          </a:p>
+          <a:p>
+            <a:pPr marL="285750" indent="-285750">
+              <a:buFontTx/>
+              <a:buChar char="-"/>
+            </a:pPr>
+            <a:r>
+              <a:rPr lang="de-DE" dirty="0"/>
+              <a:t>Column names ALR?</a:t>
+            </a:r>
+          </a:p>
+          <a:p>
+            <a:endParaRPr lang="de-DE" dirty="0"/>
+          </a:p>
+        </p:txBody>
+      </p:sp>
+      <p:sp>
+        <p:nvSpPr>
+          <p:cNvPr id="8" name="TextBox 7">
+            <a:extLst>
+              <a:ext uri="{FF2B5EF4-FFF2-40B4-BE49-F238E27FC236}">
+                <a16:creationId xmlns:a16="http://schemas.microsoft.com/office/drawing/2014/main" id="{42B7B4AF-462B-468E-AAF9-0BB332281A81}"/>
+              </a:ext>
+            </a:extLst>
+          </p:cNvPr>
+          <p:cNvSpPr txBox="1"/>
+          <p:nvPr/>
+        </p:nvSpPr>
+        <p:spPr>
+          <a:xfrm>
+            <a:off x="2589212" y="3278973"/>
+            <a:ext cx="7102549" cy="923330"/>
+          </a:xfrm>
+          <a:prstGeom prst="rect">
+            <a:avLst/>
+          </a:prstGeom>
+          <a:noFill/>
+        </p:spPr>
+        <p:txBody>
+          <a:bodyPr wrap="square" rtlCol="0">
+            <a:spAutoFit/>
+          </a:bodyPr>
+          <a:lstStyle/>
+          <a:p>
+            <a:r>
+              <a:rPr lang="de-DE" u="sng" dirty="0"/>
+              <a:t>EstMB:</a:t>
+            </a:r>
+            <a:endParaRPr lang="de-DE" dirty="0"/>
+          </a:p>
+          <a:p>
+            <a:pPr marL="285750" indent="-285750">
+              <a:buFontTx/>
+              <a:buChar char="-"/>
+            </a:pPr>
+            <a:r>
+              <a:rPr lang="de-DE" dirty="0"/>
+              <a:t>Needs a lot of time for ALR -&gt; solved in HPC?</a:t>
+            </a:r>
+          </a:p>
+          <a:p>
+            <a:endParaRPr lang="de-DE" dirty="0"/>
           </a:p>
         </p:txBody>
       </p:sp>
     </p:spTree>
     <p:extLst>
       <p:ext uri="{BB962C8B-B14F-4D97-AF65-F5344CB8AC3E}">
-        <p14:creationId xmlns:p14="http://schemas.microsoft.com/office/powerpoint/2010/main" val="4097922265"/>
+        <p14:creationId xmlns:p14="http://schemas.microsoft.com/office/powerpoint/2010/main" val="3441935650"/>
       </p:ext>
     </p:extLst>
   </p:cSld>
@@ -27974,6 +29001,986 @@
           <p:cNvPr id="2" name="Title 1">
             <a:extLst>
               <a:ext uri="{FF2B5EF4-FFF2-40B4-BE49-F238E27FC236}">
+                <a16:creationId xmlns:a16="http://schemas.microsoft.com/office/drawing/2014/main" id="{6806FBA4-537C-4226-9D3A-758C7B787D79}"/>
+              </a:ext>
+            </a:extLst>
+          </p:cNvPr>
+          <p:cNvSpPr>
+            <a:spLocks noGrp="1"/>
+          </p:cNvSpPr>
+          <p:nvPr>
+            <p:ph type="title"/>
+          </p:nvPr>
+        </p:nvSpPr>
+        <p:spPr/>
+        <p:txBody>
+          <a:bodyPr/>
+          <a:lstStyle/>
+          <a:p>
+            <a:r>
+              <a:rPr lang="de-DE" b="1" dirty="0"/>
+              <a:t>Hierarchy dimensionality reduction</a:t>
+            </a:r>
+            <a:endParaRPr lang="en-US" b="1" dirty="0"/>
+          </a:p>
+        </p:txBody>
+      </p:sp>
+      <p:sp>
+        <p:nvSpPr>
+          <p:cNvPr id="5" name="Footer Placeholder 4">
+            <a:extLst>
+              <a:ext uri="{FF2B5EF4-FFF2-40B4-BE49-F238E27FC236}">
+                <a16:creationId xmlns:a16="http://schemas.microsoft.com/office/drawing/2014/main" id="{707C4F70-832A-416B-9491-EE86347B2812}"/>
+              </a:ext>
+            </a:extLst>
+          </p:cNvPr>
+          <p:cNvSpPr>
+            <a:spLocks noGrp="1"/>
+          </p:cNvSpPr>
+          <p:nvPr>
+            <p:ph type="ftr" sz="quarter" idx="11"/>
+          </p:nvPr>
+        </p:nvSpPr>
+        <p:spPr/>
+        <p:txBody>
+          <a:bodyPr/>
+          <a:lstStyle/>
+          <a:p>
+            <a:r>
+              <a:rPr lang="en-US"/>
+              <a:t>jennifer.neumaier@t-online.de</a:t>
+            </a:r>
+            <a:endParaRPr lang="en-US" dirty="0"/>
+          </a:p>
+        </p:txBody>
+      </p:sp>
+      <p:sp>
+        <p:nvSpPr>
+          <p:cNvPr id="6" name="Slide Number Placeholder 5">
+            <a:extLst>
+              <a:ext uri="{FF2B5EF4-FFF2-40B4-BE49-F238E27FC236}">
+                <a16:creationId xmlns:a16="http://schemas.microsoft.com/office/drawing/2014/main" id="{1028CB34-29B5-49CB-99E4-E945C3D78896}"/>
+              </a:ext>
+            </a:extLst>
+          </p:cNvPr>
+          <p:cNvSpPr>
+            <a:spLocks noGrp="1"/>
+          </p:cNvSpPr>
+          <p:nvPr>
+            <p:ph type="sldNum" sz="quarter" idx="12"/>
+          </p:nvPr>
+        </p:nvSpPr>
+        <p:spPr/>
+        <p:txBody>
+          <a:bodyPr/>
+          <a:lstStyle/>
+          <a:p>
+            <a:fld id="{D57F1E4F-1CFF-5643-939E-217C01CDF565}" type="slidenum">
+              <a:rPr lang="en-US" smtClean="0"/>
+              <a:pPr/>
+              <a:t>37</a:t>
+            </a:fld>
+            <a:endParaRPr lang="en-US" dirty="0"/>
+          </a:p>
+        </p:txBody>
+      </p:sp>
+      <p:sp>
+        <p:nvSpPr>
+          <p:cNvPr id="26" name="TextBox 25">
+            <a:extLst>
+              <a:ext uri="{FF2B5EF4-FFF2-40B4-BE49-F238E27FC236}">
+                <a16:creationId xmlns:a16="http://schemas.microsoft.com/office/drawing/2014/main" id="{CC7BEBFF-3D20-441C-B1B2-0CE34904FDE4}"/>
+              </a:ext>
+            </a:extLst>
+          </p:cNvPr>
+          <p:cNvSpPr txBox="1"/>
+          <p:nvPr/>
+        </p:nvSpPr>
+        <p:spPr>
+          <a:xfrm>
+            <a:off x="1698819" y="1152907"/>
+            <a:ext cx="3654858" cy="400110"/>
+          </a:xfrm>
+          <a:prstGeom prst="rect">
+            <a:avLst/>
+          </a:prstGeom>
+          <a:noFill/>
+        </p:spPr>
+        <p:txBody>
+          <a:bodyPr wrap="square" rtlCol="0">
+            <a:spAutoFit/>
+          </a:bodyPr>
+          <a:lstStyle/>
+          <a:p>
+            <a:r>
+              <a:rPr lang="de-DE" sz="2000" i="1" dirty="0"/>
+              <a:t>Problems and Notes</a:t>
+            </a:r>
+          </a:p>
+        </p:txBody>
+      </p:sp>
+      <p:sp>
+        <p:nvSpPr>
+          <p:cNvPr id="7" name="TextBox 6">
+            <a:extLst>
+              <a:ext uri="{FF2B5EF4-FFF2-40B4-BE49-F238E27FC236}">
+                <a16:creationId xmlns:a16="http://schemas.microsoft.com/office/drawing/2014/main" id="{B43BF96F-7A11-4087-9B01-CF6AACD20E04}"/>
+              </a:ext>
+            </a:extLst>
+          </p:cNvPr>
+          <p:cNvSpPr txBox="1"/>
+          <p:nvPr/>
+        </p:nvSpPr>
+        <p:spPr>
+          <a:xfrm>
+            <a:off x="2589212" y="1742696"/>
+            <a:ext cx="7102549" cy="1754326"/>
+          </a:xfrm>
+          <a:prstGeom prst="rect">
+            <a:avLst/>
+          </a:prstGeom>
+          <a:noFill/>
+        </p:spPr>
+        <p:txBody>
+          <a:bodyPr wrap="square" rtlCol="0">
+            <a:spAutoFit/>
+          </a:bodyPr>
+          <a:lstStyle/>
+          <a:p>
+            <a:r>
+              <a:rPr lang="de-DE" u="sng" dirty="0"/>
+              <a:t>PCA</a:t>
+            </a:r>
+            <a:r>
+              <a:rPr lang="de-DE" dirty="0"/>
+              <a:t>:</a:t>
+            </a:r>
+          </a:p>
+          <a:p>
+            <a:pPr marL="285750" indent="-285750">
+              <a:buFontTx/>
+              <a:buChar char="-"/>
+            </a:pPr>
+            <a:r>
+              <a:rPr lang="de-DE" dirty="0"/>
+              <a:t>Microbiome Preprocessing Machine Learning Pipeline (2021)</a:t>
+            </a:r>
+          </a:p>
+          <a:p>
+            <a:pPr marL="285750" indent="-285750">
+              <a:buFontTx/>
+              <a:buChar char="-"/>
+            </a:pPr>
+            <a:r>
+              <a:rPr lang="de-DE" dirty="0"/>
+              <a:t>Proposes to use PCA as hierarchy reduction </a:t>
+            </a:r>
+          </a:p>
+          <a:p>
+            <a:pPr marL="285750" indent="-285750">
+              <a:buFontTx/>
+              <a:buChar char="-"/>
+            </a:pPr>
+            <a:r>
+              <a:rPr lang="de-DE" dirty="0"/>
+              <a:t>Families can be clustered and genus is not necessary</a:t>
+            </a:r>
+          </a:p>
+          <a:p>
+            <a:endParaRPr lang="de-DE" dirty="0"/>
+          </a:p>
+        </p:txBody>
+      </p:sp>
+    </p:spTree>
+    <p:extLst>
+      <p:ext uri="{BB962C8B-B14F-4D97-AF65-F5344CB8AC3E}">
+        <p14:creationId xmlns:p14="http://schemas.microsoft.com/office/powerpoint/2010/main" val="2182919606"/>
+      </p:ext>
+    </p:extLst>
+  </p:cSld>
+  <p:clrMapOvr>
+    <a:masterClrMapping/>
+  </p:clrMapOvr>
+</p:sld>
+</file>
+
+<file path=ppt/slides/slide38.xml><?xml version="1.0" encoding="utf-8"?>
+<p:sld xmlns:a="http://schemas.openxmlformats.org/drawingml/2006/main" xmlns:r="http://schemas.openxmlformats.org/officeDocument/2006/relationships" xmlns:p="http://schemas.openxmlformats.org/presentationml/2006/main">
+  <p:cSld>
+    <p:spTree>
+      <p:nvGrpSpPr>
+        <p:cNvPr id="1" name=""/>
+        <p:cNvGrpSpPr/>
+        <p:nvPr/>
+      </p:nvGrpSpPr>
+      <p:grpSpPr>
+        <a:xfrm>
+          <a:off x="0" y="0"/>
+          <a:ext cx="0" cy="0"/>
+          <a:chOff x="0" y="0"/>
+          <a:chExt cx="0" cy="0"/>
+        </a:xfrm>
+      </p:grpSpPr>
+      <p:sp>
+        <p:nvSpPr>
+          <p:cNvPr id="2" name="Title 1">
+            <a:extLst>
+              <a:ext uri="{FF2B5EF4-FFF2-40B4-BE49-F238E27FC236}">
+                <a16:creationId xmlns:a16="http://schemas.microsoft.com/office/drawing/2014/main" id="{6806FBA4-537C-4226-9D3A-758C7B787D79}"/>
+              </a:ext>
+            </a:extLst>
+          </p:cNvPr>
+          <p:cNvSpPr>
+            <a:spLocks noGrp="1"/>
+          </p:cNvSpPr>
+          <p:nvPr>
+            <p:ph type="title"/>
+          </p:nvPr>
+        </p:nvSpPr>
+        <p:spPr/>
+        <p:txBody>
+          <a:bodyPr>
+            <a:normAutofit/>
+          </a:bodyPr>
+          <a:lstStyle/>
+          <a:p>
+            <a:r>
+              <a:rPr lang="de-DE" sz="3200" b="1" dirty="0"/>
+              <a:t>mikropml</a:t>
+            </a:r>
+            <a:endParaRPr lang="en-US" sz="3200" b="1" dirty="0"/>
+          </a:p>
+        </p:txBody>
+      </p:sp>
+      <p:sp>
+        <p:nvSpPr>
+          <p:cNvPr id="6" name="Slide Number Placeholder 5">
+            <a:extLst>
+              <a:ext uri="{FF2B5EF4-FFF2-40B4-BE49-F238E27FC236}">
+                <a16:creationId xmlns:a16="http://schemas.microsoft.com/office/drawing/2014/main" id="{1028CB34-29B5-49CB-99E4-E945C3D78896}"/>
+              </a:ext>
+            </a:extLst>
+          </p:cNvPr>
+          <p:cNvSpPr>
+            <a:spLocks noGrp="1"/>
+          </p:cNvSpPr>
+          <p:nvPr>
+            <p:ph type="sldNum" sz="quarter" idx="12"/>
+          </p:nvPr>
+        </p:nvSpPr>
+        <p:spPr/>
+        <p:txBody>
+          <a:bodyPr/>
+          <a:lstStyle/>
+          <a:p>
+            <a:fld id="{D57F1E4F-1CFF-5643-939E-217C01CDF565}" type="slidenum">
+              <a:rPr lang="en-US" smtClean="0"/>
+              <a:pPr/>
+              <a:t>38</a:t>
+            </a:fld>
+            <a:endParaRPr lang="en-US" dirty="0"/>
+          </a:p>
+        </p:txBody>
+      </p:sp>
+      <p:sp>
+        <p:nvSpPr>
+          <p:cNvPr id="8" name="TextBox 7">
+            <a:extLst>
+              <a:ext uri="{FF2B5EF4-FFF2-40B4-BE49-F238E27FC236}">
+                <a16:creationId xmlns:a16="http://schemas.microsoft.com/office/drawing/2014/main" id="{C9FAD4F5-81D5-4890-8BB5-F06C93EDD254}"/>
+              </a:ext>
+            </a:extLst>
+          </p:cNvPr>
+          <p:cNvSpPr txBox="1"/>
+          <p:nvPr/>
+        </p:nvSpPr>
+        <p:spPr>
+          <a:xfrm>
+            <a:off x="1392866" y="1268569"/>
+            <a:ext cx="8753253" cy="5509200"/>
+          </a:xfrm>
+          <a:prstGeom prst="rect">
+            <a:avLst/>
+          </a:prstGeom>
+          <a:noFill/>
+        </p:spPr>
+        <p:txBody>
+          <a:bodyPr wrap="square">
+            <a:spAutoFit/>
+          </a:bodyPr>
+          <a:lstStyle/>
+          <a:p>
+            <a:r>
+              <a:rPr lang="de-DE" sz="1100" dirty="0"/>
+              <a:t>Testing out mikropml as it already has a function run_ml() that incorporates nested cross-validation for several standard supervised machine learning models:</a:t>
+            </a:r>
+          </a:p>
+          <a:p>
+            <a:endParaRPr lang="de-DE" sz="1100" dirty="0"/>
+          </a:p>
+          <a:p>
+            <a:r>
+              <a:rPr lang="de-DE" sz="1100" dirty="0"/>
+              <a:t>    Logistic/multiclass/linear regression ("glmnet")</a:t>
+            </a:r>
+          </a:p>
+          <a:p>
+            <a:r>
+              <a:rPr lang="de-DE" sz="1100" dirty="0"/>
+              <a:t>    Random forest ("rf")</a:t>
+            </a:r>
+          </a:p>
+          <a:p>
+            <a:r>
+              <a:rPr lang="de-DE" sz="1100" dirty="0"/>
+              <a:t>    Decision tree ("rpart2")</a:t>
+            </a:r>
+          </a:p>
+          <a:p>
+            <a:r>
+              <a:rPr lang="de-DE" sz="1100" dirty="0"/>
+              <a:t>    Support vector machine with a radial basis kernel ("svmRadial")</a:t>
+            </a:r>
+          </a:p>
+          <a:p>
+            <a:r>
+              <a:rPr lang="de-DE" sz="1100" dirty="0"/>
+              <a:t>    xgboost ("xgbTree")</a:t>
+            </a:r>
+          </a:p>
+          <a:p>
+            <a:endParaRPr lang="de-DE" sz="1100" dirty="0"/>
+          </a:p>
+          <a:p>
+            <a:r>
+              <a:rPr lang="de-DE" sz="1100" dirty="0"/>
+              <a:t>Test it here for linear regression and xgboost.</a:t>
+            </a:r>
+          </a:p>
+          <a:p>
+            <a:r>
+              <a:rPr lang="de-DE" sz="1100" dirty="0"/>
+              <a:t>Function run_ml has several parameters:</a:t>
+            </a:r>
+          </a:p>
+          <a:p>
+            <a:r>
+              <a:rPr lang="de-DE" sz="1100" dirty="0"/>
+              <a:t>           dataset,</a:t>
+            </a:r>
+          </a:p>
+          <a:p>
+            <a:r>
+              <a:rPr lang="de-DE" sz="1100" dirty="0"/>
+              <a:t>           method,</a:t>
+            </a:r>
+          </a:p>
+          <a:p>
+            <a:r>
+              <a:rPr lang="de-DE" sz="1100" dirty="0"/>
+              <a:t>           outcome_colname = NULL, (standardized the first column)</a:t>
+            </a:r>
+          </a:p>
+          <a:p>
+            <a:r>
+              <a:rPr lang="de-DE" sz="1100" dirty="0"/>
+              <a:t>           hyperparameters = NULL,</a:t>
+            </a:r>
+          </a:p>
+          <a:p>
+            <a:r>
+              <a:rPr lang="de-DE" sz="1100" dirty="0"/>
+              <a:t>           find_feature_importance = FALSE, (`TRUE` is recommended if you would like to identify features important for predicting your                                                outcome, but it is resource-intensive.</a:t>
+            </a:r>
+          </a:p>
+          <a:p>
+            <a:r>
+              <a:rPr lang="de-DE" sz="1100" dirty="0"/>
+              <a:t>           calculate_performance = TRUE,</a:t>
+            </a:r>
+          </a:p>
+          <a:p>
+            <a:r>
+              <a:rPr lang="de-DE" sz="1100" dirty="0"/>
+              <a:t>           kfold = 5, (standard at 5)</a:t>
+            </a:r>
+          </a:p>
+          <a:p>
+            <a:r>
+              <a:rPr lang="de-DE" sz="1100" dirty="0"/>
+              <a:t>           cv_times = 100, (standard at 100)</a:t>
+            </a:r>
+          </a:p>
+          <a:p>
+            <a:r>
+              <a:rPr lang="de-DE" sz="1100" dirty="0"/>
+              <a:t>           cross_val = NULL, (cross_val a custom cross-validation scheme from `caret::trainControl()` (default: `NULL`, uses `kfold` cross                              validation repeated `cv_times`). `kfold` and `cv_times` are ignored if the user provides a custom                                          cross-validation scheme.)</a:t>
+            </a:r>
+          </a:p>
+          <a:p>
+            <a:r>
+              <a:rPr lang="de-DE" sz="1100" dirty="0"/>
+              <a:t>           training_frac = 0.8, (standard at 0.8)</a:t>
+            </a:r>
+          </a:p>
+          <a:p>
+            <a:r>
+              <a:rPr lang="de-DE" sz="1100" dirty="0"/>
+              <a:t>           perf_metric_function = NULL,</a:t>
+            </a:r>
+          </a:p>
+          <a:p>
+            <a:r>
+              <a:rPr lang="de-DE" sz="1100" dirty="0"/>
+              <a:t>           perf_metric_name = NULL,</a:t>
+            </a:r>
+          </a:p>
+          <a:p>
+            <a:r>
+              <a:rPr lang="de-DE" sz="1100" dirty="0"/>
+              <a:t>           groups = NULL,</a:t>
+            </a:r>
+          </a:p>
+          <a:p>
+            <a:r>
+              <a:rPr lang="de-DE" sz="1100" dirty="0"/>
+              <a:t>           group_partitions = NULL,</a:t>
+            </a:r>
+          </a:p>
+          <a:p>
+            <a:r>
+              <a:rPr lang="de-DE" sz="1100" dirty="0"/>
+              <a:t>           corr_thresh = 1,</a:t>
+            </a:r>
+          </a:p>
+          <a:p>
+            <a:r>
+              <a:rPr lang="de-DE" sz="1100" dirty="0"/>
+              <a:t>           ntree = 1000, (For random forest, how many trees to use (default: `1000`). Caret doesn't allow this hyperparameter to be tuned)</a:t>
+            </a:r>
+          </a:p>
+          <a:p>
+            <a:r>
+              <a:rPr lang="de-DE" sz="1100" dirty="0"/>
+              <a:t>           seed = NA (set seed for reproducibility)</a:t>
+            </a:r>
+          </a:p>
+        </p:txBody>
+      </p:sp>
+    </p:spTree>
+    <p:extLst>
+      <p:ext uri="{BB962C8B-B14F-4D97-AF65-F5344CB8AC3E}">
+        <p14:creationId xmlns:p14="http://schemas.microsoft.com/office/powerpoint/2010/main" val="3541464901"/>
+      </p:ext>
+    </p:extLst>
+  </p:cSld>
+  <p:clrMapOvr>
+    <a:masterClrMapping/>
+  </p:clrMapOvr>
+</p:sld>
+</file>
+
+<file path=ppt/slides/slide39.xml><?xml version="1.0" encoding="utf-8"?>
+<p:sld xmlns:a="http://schemas.openxmlformats.org/drawingml/2006/main" xmlns:r="http://schemas.openxmlformats.org/officeDocument/2006/relationships" xmlns:p="http://schemas.openxmlformats.org/presentationml/2006/main">
+  <p:cSld>
+    <p:spTree>
+      <p:nvGrpSpPr>
+        <p:cNvPr id="1" name=""/>
+        <p:cNvGrpSpPr/>
+        <p:nvPr/>
+      </p:nvGrpSpPr>
+      <p:grpSpPr>
+        <a:xfrm>
+          <a:off x="0" y="0"/>
+          <a:ext cx="0" cy="0"/>
+          <a:chOff x="0" y="0"/>
+          <a:chExt cx="0" cy="0"/>
+        </a:xfrm>
+      </p:grpSpPr>
+      <p:sp>
+        <p:nvSpPr>
+          <p:cNvPr id="2" name="Title 1">
+            <a:extLst>
+              <a:ext uri="{FF2B5EF4-FFF2-40B4-BE49-F238E27FC236}">
+                <a16:creationId xmlns:a16="http://schemas.microsoft.com/office/drawing/2014/main" id="{169D9D37-B637-4D74-BB75-639D51A491FB}"/>
+              </a:ext>
+            </a:extLst>
+          </p:cNvPr>
+          <p:cNvSpPr>
+            <a:spLocks noGrp="1"/>
+          </p:cNvSpPr>
+          <p:nvPr>
+            <p:ph type="title"/>
+          </p:nvPr>
+        </p:nvSpPr>
+        <p:spPr>
+          <a:xfrm>
+            <a:off x="1640156" y="628124"/>
+            <a:ext cx="8911687" cy="1280890"/>
+          </a:xfrm>
+        </p:spPr>
+        <p:txBody>
+          <a:bodyPr/>
+          <a:lstStyle/>
+          <a:p>
+            <a:r>
+              <a:rPr lang="de-DE" b="1" dirty="0"/>
+              <a:t>Data set</a:t>
+            </a:r>
+            <a:endParaRPr lang="en-US" b="1" dirty="0"/>
+          </a:p>
+        </p:txBody>
+      </p:sp>
+      <p:sp>
+        <p:nvSpPr>
+          <p:cNvPr id="3" name="Content Placeholder 2">
+            <a:extLst>
+              <a:ext uri="{FF2B5EF4-FFF2-40B4-BE49-F238E27FC236}">
+                <a16:creationId xmlns:a16="http://schemas.microsoft.com/office/drawing/2014/main" id="{D4D56813-9DF8-4D28-B156-1DE48E95DBC2}"/>
+              </a:ext>
+            </a:extLst>
+          </p:cNvPr>
+          <p:cNvSpPr>
+            <a:spLocks noGrp="1"/>
+          </p:cNvSpPr>
+          <p:nvPr>
+            <p:ph idx="1"/>
+          </p:nvPr>
+        </p:nvSpPr>
+        <p:spPr>
+          <a:xfrm>
+            <a:off x="2592495" y="1317171"/>
+            <a:ext cx="8915400" cy="4369465"/>
+          </a:xfrm>
+        </p:spPr>
+        <p:txBody>
+          <a:bodyPr>
+            <a:normAutofit/>
+          </a:bodyPr>
+          <a:lstStyle/>
+          <a:p>
+            <a:r>
+              <a:rPr lang="de-DE" dirty="0"/>
+              <a:t>Compare what Thomas P. Quinn uses (13 datasets) and take out from estonian biobank</a:t>
+            </a:r>
+          </a:p>
+          <a:p>
+            <a:r>
+              <a:rPr lang="de-DE" dirty="0"/>
+              <a:t> prediction/classification tasks</a:t>
+            </a:r>
+          </a:p>
+          <a:p>
+            <a:r>
+              <a:rPr lang="de-DE" dirty="0"/>
+              <a:t>One with continuous and one with discrete variables</a:t>
+            </a:r>
+          </a:p>
+          <a:p>
+            <a:r>
+              <a:rPr lang="de-DE" dirty="0"/>
+              <a:t>one with high correlation and one with low to microbiomes</a:t>
+            </a:r>
+          </a:p>
+          <a:p>
+            <a:r>
+              <a:rPr lang="de-DE" dirty="0"/>
+              <a:t>one small and one large data set</a:t>
+            </a:r>
+          </a:p>
+          <a:p>
+            <a:r>
+              <a:rPr lang="de-DE" dirty="0"/>
+              <a:t>EstMB, colorectal cancer, PCOS</a:t>
+            </a:r>
+          </a:p>
+          <a:p>
+            <a:endParaRPr lang="de-DE" dirty="0"/>
+          </a:p>
+        </p:txBody>
+      </p:sp>
+      <p:sp>
+        <p:nvSpPr>
+          <p:cNvPr id="4" name="Date Placeholder 3">
+            <a:extLst>
+              <a:ext uri="{FF2B5EF4-FFF2-40B4-BE49-F238E27FC236}">
+                <a16:creationId xmlns:a16="http://schemas.microsoft.com/office/drawing/2014/main" id="{D53DB4F4-84EC-4588-88E6-8D8519D6A1E8}"/>
+              </a:ext>
+            </a:extLst>
+          </p:cNvPr>
+          <p:cNvSpPr>
+            <a:spLocks noGrp="1"/>
+          </p:cNvSpPr>
+          <p:nvPr>
+            <p:ph type="dt" sz="half" idx="10"/>
+          </p:nvPr>
+        </p:nvSpPr>
+        <p:spPr/>
+        <p:txBody>
+          <a:bodyPr/>
+          <a:lstStyle/>
+          <a:p>
+            <a:fld id="{5A2DBB50-F561-45B0-9BE5-95A455D2CD8B}" type="datetime1">
+              <a:rPr lang="en-US" smtClean="0"/>
+              <a:t>4/26/2022</a:t>
+            </a:fld>
+            <a:endParaRPr lang="en-US" dirty="0"/>
+          </a:p>
+        </p:txBody>
+      </p:sp>
+      <p:sp>
+        <p:nvSpPr>
+          <p:cNvPr id="5" name="Footer Placeholder 4">
+            <a:extLst>
+              <a:ext uri="{FF2B5EF4-FFF2-40B4-BE49-F238E27FC236}">
+                <a16:creationId xmlns:a16="http://schemas.microsoft.com/office/drawing/2014/main" id="{A7F3346A-3F24-484B-A6D3-55D66520C917}"/>
+              </a:ext>
+            </a:extLst>
+          </p:cNvPr>
+          <p:cNvSpPr>
+            <a:spLocks noGrp="1"/>
+          </p:cNvSpPr>
+          <p:nvPr>
+            <p:ph type="ftr" sz="quarter" idx="11"/>
+          </p:nvPr>
+        </p:nvSpPr>
+        <p:spPr/>
+        <p:txBody>
+          <a:bodyPr/>
+          <a:lstStyle/>
+          <a:p>
+            <a:r>
+              <a:rPr lang="en-US"/>
+              <a:t>jennifer.neumaier@t-online.de</a:t>
+            </a:r>
+            <a:endParaRPr lang="en-US" dirty="0"/>
+          </a:p>
+        </p:txBody>
+      </p:sp>
+      <p:sp>
+        <p:nvSpPr>
+          <p:cNvPr id="6" name="Slide Number Placeholder 5">
+            <a:extLst>
+              <a:ext uri="{FF2B5EF4-FFF2-40B4-BE49-F238E27FC236}">
+                <a16:creationId xmlns:a16="http://schemas.microsoft.com/office/drawing/2014/main" id="{C4B3B4A6-E708-4F88-8CA2-BDE8FCF0C0AC}"/>
+              </a:ext>
+            </a:extLst>
+          </p:cNvPr>
+          <p:cNvSpPr>
+            <a:spLocks noGrp="1"/>
+          </p:cNvSpPr>
+          <p:nvPr>
+            <p:ph type="sldNum" sz="quarter" idx="12"/>
+          </p:nvPr>
+        </p:nvSpPr>
+        <p:spPr/>
+        <p:txBody>
+          <a:bodyPr/>
+          <a:lstStyle/>
+          <a:p>
+            <a:fld id="{D57F1E4F-1CFF-5643-939E-217C01CDF565}" type="slidenum">
+              <a:rPr lang="en-US" smtClean="0"/>
+              <a:pPr/>
+              <a:t>39</a:t>
+            </a:fld>
+            <a:endParaRPr lang="en-US" dirty="0"/>
+          </a:p>
+        </p:txBody>
+      </p:sp>
+      <p:sp>
+        <p:nvSpPr>
+          <p:cNvPr id="8" name="TextBox 7">
+            <a:extLst>
+              <a:ext uri="{FF2B5EF4-FFF2-40B4-BE49-F238E27FC236}">
+                <a16:creationId xmlns:a16="http://schemas.microsoft.com/office/drawing/2014/main" id="{6A373959-7937-4239-AAA7-0B90CAF1A620}"/>
+              </a:ext>
+            </a:extLst>
+          </p:cNvPr>
+          <p:cNvSpPr txBox="1"/>
+          <p:nvPr/>
+        </p:nvSpPr>
+        <p:spPr>
+          <a:xfrm>
+            <a:off x="2260283" y="4487322"/>
+            <a:ext cx="6097904" cy="923330"/>
+          </a:xfrm>
+          <a:prstGeom prst="rect">
+            <a:avLst/>
+          </a:prstGeom>
+          <a:noFill/>
+        </p:spPr>
+        <p:txBody>
+          <a:bodyPr wrap="square">
+            <a:spAutoFit/>
+          </a:bodyPr>
+          <a:lstStyle/>
+          <a:p>
+            <a:r>
+              <a:rPr lang="de-DE" b="1" dirty="0"/>
+              <a:t>CRC data set preparation and models:</a:t>
+            </a:r>
+          </a:p>
+          <a:p>
+            <a:r>
+              <a:rPr lang="de-DE" dirty="0"/>
+              <a:t>https://github.com/zellerlab/crc_meta/blob/master/src/prepare_data.R</a:t>
+            </a:r>
+          </a:p>
+        </p:txBody>
+      </p:sp>
+    </p:spTree>
+    <p:extLst>
+      <p:ext uri="{BB962C8B-B14F-4D97-AF65-F5344CB8AC3E}">
+        <p14:creationId xmlns:p14="http://schemas.microsoft.com/office/powerpoint/2010/main" val="4097922265"/>
+      </p:ext>
+    </p:extLst>
+  </p:cSld>
+  <p:clrMapOvr>
+    <a:masterClrMapping/>
+  </p:clrMapOvr>
+</p:sld>
+</file>
+
+<file path=ppt/slides/slide4.xml><?xml version="1.0" encoding="utf-8"?>
+<p:sld xmlns:a="http://schemas.openxmlformats.org/drawingml/2006/main" xmlns:r="http://schemas.openxmlformats.org/officeDocument/2006/relationships" xmlns:p="http://schemas.openxmlformats.org/presentationml/2006/main">
+  <p:cSld>
+    <p:spTree>
+      <p:nvGrpSpPr>
+        <p:cNvPr id="1" name=""/>
+        <p:cNvGrpSpPr/>
+        <p:nvPr/>
+      </p:nvGrpSpPr>
+      <p:grpSpPr>
+        <a:xfrm>
+          <a:off x="0" y="0"/>
+          <a:ext cx="0" cy="0"/>
+          <a:chOff x="0" y="0"/>
+          <a:chExt cx="0" cy="0"/>
+        </a:xfrm>
+      </p:grpSpPr>
+      <p:sp>
+        <p:nvSpPr>
+          <p:cNvPr id="9" name="TextBox 8">
+            <a:extLst>
+              <a:ext uri="{FF2B5EF4-FFF2-40B4-BE49-F238E27FC236}">
+                <a16:creationId xmlns:a16="http://schemas.microsoft.com/office/drawing/2014/main" id="{0CBE27C3-DDC2-4388-8274-E35D8C5F2D93}"/>
+              </a:ext>
+            </a:extLst>
+          </p:cNvPr>
+          <p:cNvSpPr txBox="1"/>
+          <p:nvPr/>
+        </p:nvSpPr>
+        <p:spPr>
+          <a:xfrm>
+            <a:off x="1694844" y="1292876"/>
+            <a:ext cx="1788736" cy="300082"/>
+          </a:xfrm>
+          <a:prstGeom prst="rect">
+            <a:avLst/>
+          </a:prstGeom>
+          <a:noFill/>
+        </p:spPr>
+        <p:txBody>
+          <a:bodyPr wrap="square" rtlCol="0">
+            <a:spAutoFit/>
+          </a:bodyPr>
+          <a:lstStyle/>
+          <a:p>
+            <a:r>
+              <a:rPr lang="de-DE" sz="1350" dirty="0"/>
+              <a:t>Stand: 31.03.22</a:t>
+            </a:r>
+            <a:endParaRPr lang="en-US" sz="1350" dirty="0"/>
+          </a:p>
+        </p:txBody>
+      </p:sp>
+      <p:sp>
+        <p:nvSpPr>
+          <p:cNvPr id="5" name="Title 4">
+            <a:extLst>
+              <a:ext uri="{FF2B5EF4-FFF2-40B4-BE49-F238E27FC236}">
+                <a16:creationId xmlns:a16="http://schemas.microsoft.com/office/drawing/2014/main" id="{747926D7-E6E6-47B7-806D-995BB9606CA7}"/>
+              </a:ext>
+            </a:extLst>
+          </p:cNvPr>
+          <p:cNvSpPr>
+            <a:spLocks noGrp="1"/>
+          </p:cNvSpPr>
+          <p:nvPr>
+            <p:ph type="title"/>
+          </p:nvPr>
+        </p:nvSpPr>
+        <p:spPr>
+          <a:xfrm>
+            <a:off x="1662411" y="652431"/>
+            <a:ext cx="8911687" cy="719169"/>
+          </a:xfrm>
+        </p:spPr>
+        <p:txBody>
+          <a:bodyPr/>
+          <a:lstStyle/>
+          <a:p>
+            <a:r>
+              <a:rPr lang="de-DE" sz="3600" b="1" dirty="0"/>
+              <a:t>Projektstrukturplan II</a:t>
+            </a:r>
+            <a:endParaRPr lang="en-US" dirty="0"/>
+          </a:p>
+        </p:txBody>
+      </p:sp>
+      <p:sp>
+        <p:nvSpPr>
+          <p:cNvPr id="2" name="Date Placeholder 1">
+            <a:extLst>
+              <a:ext uri="{FF2B5EF4-FFF2-40B4-BE49-F238E27FC236}">
+                <a16:creationId xmlns:a16="http://schemas.microsoft.com/office/drawing/2014/main" id="{F3EEEBEE-8BBD-4EBF-A2BB-CAD97D51A48B}"/>
+              </a:ext>
+            </a:extLst>
+          </p:cNvPr>
+          <p:cNvSpPr>
+            <a:spLocks noGrp="1"/>
+          </p:cNvSpPr>
+          <p:nvPr>
+            <p:ph type="dt" sz="half" idx="10"/>
+          </p:nvPr>
+        </p:nvSpPr>
+        <p:spPr/>
+        <p:txBody>
+          <a:bodyPr/>
+          <a:lstStyle/>
+          <a:p>
+            <a:fld id="{7BB4AFEC-4BE7-4504-8846-4BF0CCFD9721}" type="datetime1">
+              <a:rPr lang="en-US" smtClean="0"/>
+              <a:t>4/26/2022</a:t>
+            </a:fld>
+            <a:endParaRPr lang="en-US" dirty="0"/>
+          </a:p>
+        </p:txBody>
+      </p:sp>
+      <p:sp>
+        <p:nvSpPr>
+          <p:cNvPr id="3" name="Footer Placeholder 2">
+            <a:extLst>
+              <a:ext uri="{FF2B5EF4-FFF2-40B4-BE49-F238E27FC236}">
+                <a16:creationId xmlns:a16="http://schemas.microsoft.com/office/drawing/2014/main" id="{4DAFA7F5-6A91-4D4D-9891-3876525867AB}"/>
+              </a:ext>
+            </a:extLst>
+          </p:cNvPr>
+          <p:cNvSpPr>
+            <a:spLocks noGrp="1"/>
+          </p:cNvSpPr>
+          <p:nvPr>
+            <p:ph type="ftr" sz="quarter" idx="11"/>
+          </p:nvPr>
+        </p:nvSpPr>
+        <p:spPr/>
+        <p:txBody>
+          <a:bodyPr/>
+          <a:lstStyle/>
+          <a:p>
+            <a:r>
+              <a:rPr lang="en-US"/>
+              <a:t>jennifer.neumaier@t-online.de</a:t>
+            </a:r>
+            <a:endParaRPr lang="en-US" dirty="0"/>
+          </a:p>
+        </p:txBody>
+      </p:sp>
+      <p:sp>
+        <p:nvSpPr>
+          <p:cNvPr id="4" name="Slide Number Placeholder 3">
+            <a:extLst>
+              <a:ext uri="{FF2B5EF4-FFF2-40B4-BE49-F238E27FC236}">
+                <a16:creationId xmlns:a16="http://schemas.microsoft.com/office/drawing/2014/main" id="{CE2776D2-EE20-45AE-A069-38A103E4F6B4}"/>
+              </a:ext>
+            </a:extLst>
+          </p:cNvPr>
+          <p:cNvSpPr>
+            <a:spLocks noGrp="1"/>
+          </p:cNvSpPr>
+          <p:nvPr>
+            <p:ph type="sldNum" sz="quarter" idx="12"/>
+          </p:nvPr>
+        </p:nvSpPr>
+        <p:spPr/>
+        <p:txBody>
+          <a:bodyPr/>
+          <a:lstStyle/>
+          <a:p>
+            <a:fld id="{D57F1E4F-1CFF-5643-939E-217C01CDF565}" type="slidenum">
+              <a:rPr lang="en-US" smtClean="0"/>
+              <a:pPr/>
+              <a:t>4</a:t>
+            </a:fld>
+            <a:endParaRPr lang="en-US" dirty="0"/>
+          </a:p>
+        </p:txBody>
+      </p:sp>
+      <p:pic>
+        <p:nvPicPr>
+          <p:cNvPr id="7" name="Picture 6">
+            <a:extLst>
+              <a:ext uri="{FF2B5EF4-FFF2-40B4-BE49-F238E27FC236}">
+                <a16:creationId xmlns:a16="http://schemas.microsoft.com/office/drawing/2014/main" id="{0F2C4512-AA65-48E7-8ECD-C1D03FB41B82}"/>
+              </a:ext>
+            </a:extLst>
+          </p:cNvPr>
+          <p:cNvPicPr>
+            <a:picLocks noChangeAspect="1"/>
+          </p:cNvPicPr>
+          <p:nvPr/>
+        </p:nvPicPr>
+        <p:blipFill>
+          <a:blip r:embed="rId2"/>
+          <a:stretch>
+            <a:fillRect/>
+          </a:stretch>
+        </p:blipFill>
+        <p:spPr>
+          <a:xfrm>
+            <a:off x="191162" y="1793352"/>
+            <a:ext cx="11932920" cy="4221480"/>
+          </a:xfrm>
+          <a:prstGeom prst="rect">
+            <a:avLst/>
+          </a:prstGeom>
+        </p:spPr>
+      </p:pic>
+    </p:spTree>
+    <p:extLst>
+      <p:ext uri="{BB962C8B-B14F-4D97-AF65-F5344CB8AC3E}">
+        <p14:creationId xmlns:p14="http://schemas.microsoft.com/office/powerpoint/2010/main" val="3426371980"/>
+      </p:ext>
+    </p:extLst>
+  </p:cSld>
+  <p:clrMapOvr>
+    <a:masterClrMapping/>
+  </p:clrMapOvr>
+</p:sld>
+</file>
+
+<file path=ppt/slides/slide40.xml><?xml version="1.0" encoding="utf-8"?>
+<p:sld xmlns:a="http://schemas.openxmlformats.org/drawingml/2006/main" xmlns:r="http://schemas.openxmlformats.org/officeDocument/2006/relationships" xmlns:p="http://schemas.openxmlformats.org/presentationml/2006/main">
+  <p:cSld>
+    <p:spTree>
+      <p:nvGrpSpPr>
+        <p:cNvPr id="1" name=""/>
+        <p:cNvGrpSpPr/>
+        <p:nvPr/>
+      </p:nvGrpSpPr>
+      <p:grpSpPr>
+        <a:xfrm>
+          <a:off x="0" y="0"/>
+          <a:ext cx="0" cy="0"/>
+          <a:chOff x="0" y="0"/>
+          <a:chExt cx="0" cy="0"/>
+        </a:xfrm>
+      </p:grpSpPr>
+      <p:sp>
+        <p:nvSpPr>
+          <p:cNvPr id="2" name="Title 1">
+            <a:extLst>
+              <a:ext uri="{FF2B5EF4-FFF2-40B4-BE49-F238E27FC236}">
                 <a16:creationId xmlns:a16="http://schemas.microsoft.com/office/drawing/2014/main" id="{150EAB59-F93C-4B56-AD7E-A9B5BD800221}"/>
               </a:ext>
             </a:extLst>
@@ -28026,7 +30033,7 @@
           <a:p>
             <a:fld id="{BDD716FE-4A5D-4A13-A8EE-37F9C34BE666}" type="datetime1">
               <a:rPr lang="en-US" smtClean="0"/>
-              <a:t>4/25/2022</a:t>
+              <a:t>4/26/2022</a:t>
             </a:fld>
             <a:endParaRPr lang="en-US" dirty="0"/>
           </a:p>
@@ -28085,7 +30092,7 @@
             <a:fld id="{D57F1E4F-1CFF-5643-939E-217C01CDF565}" type="slidenum">
               <a:rPr lang="en-US" smtClean="0"/>
               <a:pPr/>
-              <a:t>37</a:t>
+              <a:t>40</a:t>
             </a:fld>
             <a:endParaRPr lang="en-US" dirty="0"/>
           </a:p>
@@ -28194,866 +30201,6 @@
 </p:sld>
 </file>
 
-<file path=ppt/slides/slide38.xml><?xml version="1.0" encoding="utf-8"?>
-<p:sld xmlns:a="http://schemas.openxmlformats.org/drawingml/2006/main" xmlns:r="http://schemas.openxmlformats.org/officeDocument/2006/relationships" xmlns:p="http://schemas.openxmlformats.org/presentationml/2006/main">
-  <p:cSld>
-    <p:spTree>
-      <p:nvGrpSpPr>
-        <p:cNvPr id="1" name=""/>
-        <p:cNvGrpSpPr/>
-        <p:nvPr/>
-      </p:nvGrpSpPr>
-      <p:grpSpPr>
-        <a:xfrm>
-          <a:off x="0" y="0"/>
-          <a:ext cx="0" cy="0"/>
-          <a:chOff x="0" y="0"/>
-          <a:chExt cx="0" cy="0"/>
-        </a:xfrm>
-      </p:grpSpPr>
-      <p:sp>
-        <p:nvSpPr>
-          <p:cNvPr id="2" name="Title 1">
-            <a:extLst>
-              <a:ext uri="{FF2B5EF4-FFF2-40B4-BE49-F238E27FC236}">
-                <a16:creationId xmlns:a16="http://schemas.microsoft.com/office/drawing/2014/main" id="{169D9D37-B637-4D74-BB75-639D51A491FB}"/>
-              </a:ext>
-            </a:extLst>
-          </p:cNvPr>
-          <p:cNvSpPr>
-            <a:spLocks noGrp="1"/>
-          </p:cNvSpPr>
-          <p:nvPr>
-            <p:ph type="title"/>
-          </p:nvPr>
-        </p:nvSpPr>
-        <p:spPr>
-          <a:xfrm>
-            <a:off x="1640156" y="628124"/>
-            <a:ext cx="8911687" cy="1280890"/>
-          </a:xfrm>
-        </p:spPr>
-        <p:txBody>
-          <a:bodyPr/>
-          <a:lstStyle/>
-          <a:p>
-            <a:r>
-              <a:rPr lang="de-DE" b="1" dirty="0"/>
-              <a:t>Problems</a:t>
-            </a:r>
-            <a:endParaRPr lang="en-US" b="1" dirty="0"/>
-          </a:p>
-        </p:txBody>
-      </p:sp>
-      <p:sp>
-        <p:nvSpPr>
-          <p:cNvPr id="3" name="Content Placeholder 2">
-            <a:extLst>
-              <a:ext uri="{FF2B5EF4-FFF2-40B4-BE49-F238E27FC236}">
-                <a16:creationId xmlns:a16="http://schemas.microsoft.com/office/drawing/2014/main" id="{D4D56813-9DF8-4D28-B156-1DE48E95DBC2}"/>
-              </a:ext>
-            </a:extLst>
-          </p:cNvPr>
-          <p:cNvSpPr>
-            <a:spLocks noGrp="1"/>
-          </p:cNvSpPr>
-          <p:nvPr>
-            <p:ph idx="1"/>
-          </p:nvPr>
-        </p:nvSpPr>
-        <p:spPr/>
-        <p:txBody>
-          <a:bodyPr/>
-          <a:lstStyle/>
-          <a:p>
-            <a:r>
-              <a:rPr lang="de-DE" dirty="0"/>
-              <a:t>Microbial features are not independent </a:t>
-            </a:r>
-          </a:p>
-          <a:p>
-            <a:r>
-              <a:rPr lang="de-DE" dirty="0"/>
-              <a:t>Some microbial features are found in correlation!</a:t>
-            </a:r>
-          </a:p>
-        </p:txBody>
-      </p:sp>
-      <p:sp>
-        <p:nvSpPr>
-          <p:cNvPr id="4" name="Date Placeholder 3">
-            <a:extLst>
-              <a:ext uri="{FF2B5EF4-FFF2-40B4-BE49-F238E27FC236}">
-                <a16:creationId xmlns:a16="http://schemas.microsoft.com/office/drawing/2014/main" id="{D53DB4F4-84EC-4588-88E6-8D8519D6A1E8}"/>
-              </a:ext>
-            </a:extLst>
-          </p:cNvPr>
-          <p:cNvSpPr>
-            <a:spLocks noGrp="1"/>
-          </p:cNvSpPr>
-          <p:nvPr>
-            <p:ph type="dt" sz="half" idx="10"/>
-          </p:nvPr>
-        </p:nvSpPr>
-        <p:spPr/>
-        <p:txBody>
-          <a:bodyPr/>
-          <a:lstStyle/>
-          <a:p>
-            <a:fld id="{5A2DBB50-F561-45B0-9BE5-95A455D2CD8B}" type="datetime1">
-              <a:rPr lang="en-US" smtClean="0"/>
-              <a:t>4/25/2022</a:t>
-            </a:fld>
-            <a:endParaRPr lang="en-US" dirty="0"/>
-          </a:p>
-        </p:txBody>
-      </p:sp>
-      <p:sp>
-        <p:nvSpPr>
-          <p:cNvPr id="5" name="Footer Placeholder 4">
-            <a:extLst>
-              <a:ext uri="{FF2B5EF4-FFF2-40B4-BE49-F238E27FC236}">
-                <a16:creationId xmlns:a16="http://schemas.microsoft.com/office/drawing/2014/main" id="{A7F3346A-3F24-484B-A6D3-55D66520C917}"/>
-              </a:ext>
-            </a:extLst>
-          </p:cNvPr>
-          <p:cNvSpPr>
-            <a:spLocks noGrp="1"/>
-          </p:cNvSpPr>
-          <p:nvPr>
-            <p:ph type="ftr" sz="quarter" idx="11"/>
-          </p:nvPr>
-        </p:nvSpPr>
-        <p:spPr/>
-        <p:txBody>
-          <a:bodyPr/>
-          <a:lstStyle/>
-          <a:p>
-            <a:r>
-              <a:rPr lang="en-US"/>
-              <a:t>jennifer.neumaier@t-online.de</a:t>
-            </a:r>
-            <a:endParaRPr lang="en-US" dirty="0"/>
-          </a:p>
-        </p:txBody>
-      </p:sp>
-      <p:sp>
-        <p:nvSpPr>
-          <p:cNvPr id="6" name="Slide Number Placeholder 5">
-            <a:extLst>
-              <a:ext uri="{FF2B5EF4-FFF2-40B4-BE49-F238E27FC236}">
-                <a16:creationId xmlns:a16="http://schemas.microsoft.com/office/drawing/2014/main" id="{C4B3B4A6-E708-4F88-8CA2-BDE8FCF0C0AC}"/>
-              </a:ext>
-            </a:extLst>
-          </p:cNvPr>
-          <p:cNvSpPr>
-            <a:spLocks noGrp="1"/>
-          </p:cNvSpPr>
-          <p:nvPr>
-            <p:ph type="sldNum" sz="quarter" idx="12"/>
-          </p:nvPr>
-        </p:nvSpPr>
-        <p:spPr/>
-        <p:txBody>
-          <a:bodyPr/>
-          <a:lstStyle/>
-          <a:p>
-            <a:fld id="{D57F1E4F-1CFF-5643-939E-217C01CDF565}" type="slidenum">
-              <a:rPr lang="en-US" smtClean="0"/>
-              <a:pPr/>
-              <a:t>38</a:t>
-            </a:fld>
-            <a:endParaRPr lang="en-US" dirty="0"/>
-          </a:p>
-        </p:txBody>
-      </p:sp>
-    </p:spTree>
-    <p:extLst>
-      <p:ext uri="{BB962C8B-B14F-4D97-AF65-F5344CB8AC3E}">
-        <p14:creationId xmlns:p14="http://schemas.microsoft.com/office/powerpoint/2010/main" val="1795355039"/>
-      </p:ext>
-    </p:extLst>
-  </p:cSld>
-  <p:clrMapOvr>
-    <a:masterClrMapping/>
-  </p:clrMapOvr>
-</p:sld>
-</file>
-
-<file path=ppt/slides/slide39.xml><?xml version="1.0" encoding="utf-8"?>
-<p:sld xmlns:a="http://schemas.openxmlformats.org/drawingml/2006/main" xmlns:r="http://schemas.openxmlformats.org/officeDocument/2006/relationships" xmlns:p="http://schemas.openxmlformats.org/presentationml/2006/main">
-  <p:cSld>
-    <p:spTree>
-      <p:nvGrpSpPr>
-        <p:cNvPr id="1" name=""/>
-        <p:cNvGrpSpPr/>
-        <p:nvPr/>
-      </p:nvGrpSpPr>
-      <p:grpSpPr>
-        <a:xfrm>
-          <a:off x="0" y="0"/>
-          <a:ext cx="0" cy="0"/>
-          <a:chOff x="0" y="0"/>
-          <a:chExt cx="0" cy="0"/>
-        </a:xfrm>
-      </p:grpSpPr>
-      <p:sp>
-        <p:nvSpPr>
-          <p:cNvPr id="2" name="Title 1">
-            <a:extLst>
-              <a:ext uri="{FF2B5EF4-FFF2-40B4-BE49-F238E27FC236}">
-                <a16:creationId xmlns:a16="http://schemas.microsoft.com/office/drawing/2014/main" id="{169D9D37-B637-4D74-BB75-639D51A491FB}"/>
-              </a:ext>
-            </a:extLst>
-          </p:cNvPr>
-          <p:cNvSpPr>
-            <a:spLocks noGrp="1"/>
-          </p:cNvSpPr>
-          <p:nvPr>
-            <p:ph type="title"/>
-          </p:nvPr>
-        </p:nvSpPr>
-        <p:spPr>
-          <a:xfrm>
-            <a:off x="1640156" y="628124"/>
-            <a:ext cx="8911687" cy="1280890"/>
-          </a:xfrm>
-        </p:spPr>
-        <p:txBody>
-          <a:bodyPr/>
-          <a:lstStyle/>
-          <a:p>
-            <a:r>
-              <a:rPr lang="de-DE" b="1" dirty="0"/>
-              <a:t>Notes 30.01. meeting</a:t>
-            </a:r>
-            <a:endParaRPr lang="en-US" b="1" dirty="0"/>
-          </a:p>
-        </p:txBody>
-      </p:sp>
-      <p:sp>
-        <p:nvSpPr>
-          <p:cNvPr id="3" name="Content Placeholder 2">
-            <a:extLst>
-              <a:ext uri="{FF2B5EF4-FFF2-40B4-BE49-F238E27FC236}">
-                <a16:creationId xmlns:a16="http://schemas.microsoft.com/office/drawing/2014/main" id="{D4D56813-9DF8-4D28-B156-1DE48E95DBC2}"/>
-              </a:ext>
-            </a:extLst>
-          </p:cNvPr>
-          <p:cNvSpPr>
-            <a:spLocks noGrp="1"/>
-          </p:cNvSpPr>
-          <p:nvPr>
-            <p:ph idx="1"/>
-          </p:nvPr>
-        </p:nvSpPr>
-        <p:spPr/>
-        <p:txBody>
-          <a:bodyPr/>
-          <a:lstStyle/>
-          <a:p>
-            <a:r>
-              <a:rPr lang="de-DE" dirty="0"/>
-              <a:t>Review paper ML for microbiome paper</a:t>
-            </a:r>
-          </a:p>
-          <a:p>
-            <a:r>
-              <a:rPr lang="de-DE" dirty="0"/>
-              <a:t>COST action paper</a:t>
-            </a:r>
-          </a:p>
-          <a:p>
-            <a:r>
-              <a:rPr lang="de-DE"/>
-              <a:t>Confidentiality form, sign, scan and send to Elin</a:t>
-            </a:r>
-            <a:endParaRPr lang="de-DE" dirty="0"/>
-          </a:p>
-          <a:p>
-            <a:r>
-              <a:rPr lang="de-DE" dirty="0"/>
-              <a:t>Meeting Oliver Friday, 4th February</a:t>
-            </a:r>
-          </a:p>
-          <a:p>
-            <a:r>
-              <a:rPr lang="de-DE" dirty="0"/>
-              <a:t>Literature Review: ~10-20 pages, include Figures and Tables, equations for major transformations, write for biologists</a:t>
-            </a:r>
-          </a:p>
-          <a:p>
-            <a:endParaRPr lang="de-DE" dirty="0"/>
-          </a:p>
-        </p:txBody>
-      </p:sp>
-      <p:sp>
-        <p:nvSpPr>
-          <p:cNvPr id="4" name="Date Placeholder 3">
-            <a:extLst>
-              <a:ext uri="{FF2B5EF4-FFF2-40B4-BE49-F238E27FC236}">
-                <a16:creationId xmlns:a16="http://schemas.microsoft.com/office/drawing/2014/main" id="{D53DB4F4-84EC-4588-88E6-8D8519D6A1E8}"/>
-              </a:ext>
-            </a:extLst>
-          </p:cNvPr>
-          <p:cNvSpPr>
-            <a:spLocks noGrp="1"/>
-          </p:cNvSpPr>
-          <p:nvPr>
-            <p:ph type="dt" sz="half" idx="10"/>
-          </p:nvPr>
-        </p:nvSpPr>
-        <p:spPr/>
-        <p:txBody>
-          <a:bodyPr/>
-          <a:lstStyle/>
-          <a:p>
-            <a:fld id="{5A2DBB50-F561-45B0-9BE5-95A455D2CD8B}" type="datetime1">
-              <a:rPr lang="en-US" smtClean="0"/>
-              <a:t>4/25/2022</a:t>
-            </a:fld>
-            <a:endParaRPr lang="en-US" dirty="0"/>
-          </a:p>
-        </p:txBody>
-      </p:sp>
-      <p:sp>
-        <p:nvSpPr>
-          <p:cNvPr id="5" name="Footer Placeholder 4">
-            <a:extLst>
-              <a:ext uri="{FF2B5EF4-FFF2-40B4-BE49-F238E27FC236}">
-                <a16:creationId xmlns:a16="http://schemas.microsoft.com/office/drawing/2014/main" id="{A7F3346A-3F24-484B-A6D3-55D66520C917}"/>
-              </a:ext>
-            </a:extLst>
-          </p:cNvPr>
-          <p:cNvSpPr>
-            <a:spLocks noGrp="1"/>
-          </p:cNvSpPr>
-          <p:nvPr>
-            <p:ph type="ftr" sz="quarter" idx="11"/>
-          </p:nvPr>
-        </p:nvSpPr>
-        <p:spPr/>
-        <p:txBody>
-          <a:bodyPr/>
-          <a:lstStyle/>
-          <a:p>
-            <a:r>
-              <a:rPr lang="en-US"/>
-              <a:t>jennifer.neumaier@t-online.de</a:t>
-            </a:r>
-            <a:endParaRPr lang="en-US" dirty="0"/>
-          </a:p>
-        </p:txBody>
-      </p:sp>
-      <p:sp>
-        <p:nvSpPr>
-          <p:cNvPr id="6" name="Slide Number Placeholder 5">
-            <a:extLst>
-              <a:ext uri="{FF2B5EF4-FFF2-40B4-BE49-F238E27FC236}">
-                <a16:creationId xmlns:a16="http://schemas.microsoft.com/office/drawing/2014/main" id="{C4B3B4A6-E708-4F88-8CA2-BDE8FCF0C0AC}"/>
-              </a:ext>
-            </a:extLst>
-          </p:cNvPr>
-          <p:cNvSpPr>
-            <a:spLocks noGrp="1"/>
-          </p:cNvSpPr>
-          <p:nvPr>
-            <p:ph type="sldNum" sz="quarter" idx="12"/>
-          </p:nvPr>
-        </p:nvSpPr>
-        <p:spPr/>
-        <p:txBody>
-          <a:bodyPr/>
-          <a:lstStyle/>
-          <a:p>
-            <a:fld id="{D57F1E4F-1CFF-5643-939E-217C01CDF565}" type="slidenum">
-              <a:rPr lang="en-US" smtClean="0"/>
-              <a:pPr/>
-              <a:t>39</a:t>
-            </a:fld>
-            <a:endParaRPr lang="en-US" dirty="0"/>
-          </a:p>
-        </p:txBody>
-      </p:sp>
-    </p:spTree>
-    <p:extLst>
-      <p:ext uri="{BB962C8B-B14F-4D97-AF65-F5344CB8AC3E}">
-        <p14:creationId xmlns:p14="http://schemas.microsoft.com/office/powerpoint/2010/main" val="3993456640"/>
-      </p:ext>
-    </p:extLst>
-  </p:cSld>
-  <p:clrMapOvr>
-    <a:masterClrMapping/>
-  </p:clrMapOvr>
-</p:sld>
-</file>
-
-<file path=ppt/slides/slide4.xml><?xml version="1.0" encoding="utf-8"?>
-<p:sld xmlns:a="http://schemas.openxmlformats.org/drawingml/2006/main" xmlns:r="http://schemas.openxmlformats.org/officeDocument/2006/relationships" xmlns:p="http://schemas.openxmlformats.org/presentationml/2006/main">
-  <p:cSld>
-    <p:spTree>
-      <p:nvGrpSpPr>
-        <p:cNvPr id="1" name=""/>
-        <p:cNvGrpSpPr/>
-        <p:nvPr/>
-      </p:nvGrpSpPr>
-      <p:grpSpPr>
-        <a:xfrm>
-          <a:off x="0" y="0"/>
-          <a:ext cx="0" cy="0"/>
-          <a:chOff x="0" y="0"/>
-          <a:chExt cx="0" cy="0"/>
-        </a:xfrm>
-      </p:grpSpPr>
-      <p:sp>
-        <p:nvSpPr>
-          <p:cNvPr id="9" name="TextBox 8">
-            <a:extLst>
-              <a:ext uri="{FF2B5EF4-FFF2-40B4-BE49-F238E27FC236}">
-                <a16:creationId xmlns:a16="http://schemas.microsoft.com/office/drawing/2014/main" id="{0CBE27C3-DDC2-4388-8274-E35D8C5F2D93}"/>
-              </a:ext>
-            </a:extLst>
-          </p:cNvPr>
-          <p:cNvSpPr txBox="1"/>
-          <p:nvPr/>
-        </p:nvSpPr>
-        <p:spPr>
-          <a:xfrm>
-            <a:off x="1694844" y="1292876"/>
-            <a:ext cx="1788736" cy="300082"/>
-          </a:xfrm>
-          <a:prstGeom prst="rect">
-            <a:avLst/>
-          </a:prstGeom>
-          <a:noFill/>
-        </p:spPr>
-        <p:txBody>
-          <a:bodyPr wrap="square" rtlCol="0">
-            <a:spAutoFit/>
-          </a:bodyPr>
-          <a:lstStyle/>
-          <a:p>
-            <a:r>
-              <a:rPr lang="de-DE" sz="1350" dirty="0"/>
-              <a:t>Stand: 31.03.22</a:t>
-            </a:r>
-            <a:endParaRPr lang="en-US" sz="1350" dirty="0"/>
-          </a:p>
-        </p:txBody>
-      </p:sp>
-      <p:sp>
-        <p:nvSpPr>
-          <p:cNvPr id="5" name="Title 4">
-            <a:extLst>
-              <a:ext uri="{FF2B5EF4-FFF2-40B4-BE49-F238E27FC236}">
-                <a16:creationId xmlns:a16="http://schemas.microsoft.com/office/drawing/2014/main" id="{747926D7-E6E6-47B7-806D-995BB9606CA7}"/>
-              </a:ext>
-            </a:extLst>
-          </p:cNvPr>
-          <p:cNvSpPr>
-            <a:spLocks noGrp="1"/>
-          </p:cNvSpPr>
-          <p:nvPr>
-            <p:ph type="title"/>
-          </p:nvPr>
-        </p:nvSpPr>
-        <p:spPr>
-          <a:xfrm>
-            <a:off x="1662411" y="652431"/>
-            <a:ext cx="8911687" cy="719169"/>
-          </a:xfrm>
-        </p:spPr>
-        <p:txBody>
-          <a:bodyPr/>
-          <a:lstStyle/>
-          <a:p>
-            <a:r>
-              <a:rPr lang="de-DE" sz="3600" b="1" dirty="0"/>
-              <a:t>Projektstrukturplan II</a:t>
-            </a:r>
-            <a:endParaRPr lang="en-US" dirty="0"/>
-          </a:p>
-        </p:txBody>
-      </p:sp>
-      <p:sp>
-        <p:nvSpPr>
-          <p:cNvPr id="2" name="Date Placeholder 1">
-            <a:extLst>
-              <a:ext uri="{FF2B5EF4-FFF2-40B4-BE49-F238E27FC236}">
-                <a16:creationId xmlns:a16="http://schemas.microsoft.com/office/drawing/2014/main" id="{F3EEEBEE-8BBD-4EBF-A2BB-CAD97D51A48B}"/>
-              </a:ext>
-            </a:extLst>
-          </p:cNvPr>
-          <p:cNvSpPr>
-            <a:spLocks noGrp="1"/>
-          </p:cNvSpPr>
-          <p:nvPr>
-            <p:ph type="dt" sz="half" idx="10"/>
-          </p:nvPr>
-        </p:nvSpPr>
-        <p:spPr/>
-        <p:txBody>
-          <a:bodyPr/>
-          <a:lstStyle/>
-          <a:p>
-            <a:fld id="{7BB4AFEC-4BE7-4504-8846-4BF0CCFD9721}" type="datetime1">
-              <a:rPr lang="en-US" smtClean="0"/>
-              <a:t>4/25/2022</a:t>
-            </a:fld>
-            <a:endParaRPr lang="en-US" dirty="0"/>
-          </a:p>
-        </p:txBody>
-      </p:sp>
-      <p:sp>
-        <p:nvSpPr>
-          <p:cNvPr id="3" name="Footer Placeholder 2">
-            <a:extLst>
-              <a:ext uri="{FF2B5EF4-FFF2-40B4-BE49-F238E27FC236}">
-                <a16:creationId xmlns:a16="http://schemas.microsoft.com/office/drawing/2014/main" id="{4DAFA7F5-6A91-4D4D-9891-3876525867AB}"/>
-              </a:ext>
-            </a:extLst>
-          </p:cNvPr>
-          <p:cNvSpPr>
-            <a:spLocks noGrp="1"/>
-          </p:cNvSpPr>
-          <p:nvPr>
-            <p:ph type="ftr" sz="quarter" idx="11"/>
-          </p:nvPr>
-        </p:nvSpPr>
-        <p:spPr/>
-        <p:txBody>
-          <a:bodyPr/>
-          <a:lstStyle/>
-          <a:p>
-            <a:r>
-              <a:rPr lang="en-US"/>
-              <a:t>jennifer.neumaier@t-online.de</a:t>
-            </a:r>
-            <a:endParaRPr lang="en-US" dirty="0"/>
-          </a:p>
-        </p:txBody>
-      </p:sp>
-      <p:sp>
-        <p:nvSpPr>
-          <p:cNvPr id="4" name="Slide Number Placeholder 3">
-            <a:extLst>
-              <a:ext uri="{FF2B5EF4-FFF2-40B4-BE49-F238E27FC236}">
-                <a16:creationId xmlns:a16="http://schemas.microsoft.com/office/drawing/2014/main" id="{CE2776D2-EE20-45AE-A069-38A103E4F6B4}"/>
-              </a:ext>
-            </a:extLst>
-          </p:cNvPr>
-          <p:cNvSpPr>
-            <a:spLocks noGrp="1"/>
-          </p:cNvSpPr>
-          <p:nvPr>
-            <p:ph type="sldNum" sz="quarter" idx="12"/>
-          </p:nvPr>
-        </p:nvSpPr>
-        <p:spPr/>
-        <p:txBody>
-          <a:bodyPr/>
-          <a:lstStyle/>
-          <a:p>
-            <a:fld id="{D57F1E4F-1CFF-5643-939E-217C01CDF565}" type="slidenum">
-              <a:rPr lang="en-US" smtClean="0"/>
-              <a:pPr/>
-              <a:t>4</a:t>
-            </a:fld>
-            <a:endParaRPr lang="en-US" dirty="0"/>
-          </a:p>
-        </p:txBody>
-      </p:sp>
-      <p:pic>
-        <p:nvPicPr>
-          <p:cNvPr id="7" name="Picture 6">
-            <a:extLst>
-              <a:ext uri="{FF2B5EF4-FFF2-40B4-BE49-F238E27FC236}">
-                <a16:creationId xmlns:a16="http://schemas.microsoft.com/office/drawing/2014/main" id="{0F2C4512-AA65-48E7-8ECD-C1D03FB41B82}"/>
-              </a:ext>
-            </a:extLst>
-          </p:cNvPr>
-          <p:cNvPicPr>
-            <a:picLocks noChangeAspect="1"/>
-          </p:cNvPicPr>
-          <p:nvPr/>
-        </p:nvPicPr>
-        <p:blipFill>
-          <a:blip r:embed="rId2"/>
-          <a:stretch>
-            <a:fillRect/>
-          </a:stretch>
-        </p:blipFill>
-        <p:spPr>
-          <a:xfrm>
-            <a:off x="191162" y="1793352"/>
-            <a:ext cx="11932920" cy="4221480"/>
-          </a:xfrm>
-          <a:prstGeom prst="rect">
-            <a:avLst/>
-          </a:prstGeom>
-        </p:spPr>
-      </p:pic>
-    </p:spTree>
-    <p:extLst>
-      <p:ext uri="{BB962C8B-B14F-4D97-AF65-F5344CB8AC3E}">
-        <p14:creationId xmlns:p14="http://schemas.microsoft.com/office/powerpoint/2010/main" val="3426371980"/>
-      </p:ext>
-    </p:extLst>
-  </p:cSld>
-  <p:clrMapOvr>
-    <a:masterClrMapping/>
-  </p:clrMapOvr>
-</p:sld>
-</file>
-
-<file path=ppt/slides/slide40.xml><?xml version="1.0" encoding="utf-8"?>
-<p:sld xmlns:a="http://schemas.openxmlformats.org/drawingml/2006/main" xmlns:r="http://schemas.openxmlformats.org/officeDocument/2006/relationships" xmlns:p="http://schemas.openxmlformats.org/presentationml/2006/main">
-  <p:cSld>
-    <p:spTree>
-      <p:nvGrpSpPr>
-        <p:cNvPr id="1" name=""/>
-        <p:cNvGrpSpPr/>
-        <p:nvPr/>
-      </p:nvGrpSpPr>
-      <p:grpSpPr>
-        <a:xfrm>
-          <a:off x="0" y="0"/>
-          <a:ext cx="0" cy="0"/>
-          <a:chOff x="0" y="0"/>
-          <a:chExt cx="0" cy="0"/>
-        </a:xfrm>
-      </p:grpSpPr>
-      <p:sp>
-        <p:nvSpPr>
-          <p:cNvPr id="2" name="Title 1">
-            <a:extLst>
-              <a:ext uri="{FF2B5EF4-FFF2-40B4-BE49-F238E27FC236}">
-                <a16:creationId xmlns:a16="http://schemas.microsoft.com/office/drawing/2014/main" id="{D63F1953-0627-4313-9F69-D3CE525D057A}"/>
-              </a:ext>
-            </a:extLst>
-          </p:cNvPr>
-          <p:cNvSpPr>
-            <a:spLocks noGrp="1"/>
-          </p:cNvSpPr>
-          <p:nvPr>
-            <p:ph type="title"/>
-          </p:nvPr>
-        </p:nvSpPr>
-        <p:spPr/>
-        <p:txBody>
-          <a:bodyPr/>
-          <a:lstStyle/>
-          <a:p>
-            <a:r>
-              <a:rPr lang="de-DE" b="1" dirty="0"/>
-              <a:t>Notes: 01.04. meeting</a:t>
-            </a:r>
-          </a:p>
-        </p:txBody>
-      </p:sp>
-      <p:sp>
-        <p:nvSpPr>
-          <p:cNvPr id="3" name="Content Placeholder 2">
-            <a:extLst>
-              <a:ext uri="{FF2B5EF4-FFF2-40B4-BE49-F238E27FC236}">
-                <a16:creationId xmlns:a16="http://schemas.microsoft.com/office/drawing/2014/main" id="{10F6F84D-370D-481F-BDA8-9BEF48EC1F3D}"/>
-              </a:ext>
-            </a:extLst>
-          </p:cNvPr>
-          <p:cNvSpPr>
-            <a:spLocks noGrp="1"/>
-          </p:cNvSpPr>
-          <p:nvPr>
-            <p:ph idx="1"/>
-          </p:nvPr>
-        </p:nvSpPr>
-        <p:spPr/>
-        <p:txBody>
-          <a:bodyPr/>
-          <a:lstStyle/>
-          <a:p>
-            <a:r>
-              <a:rPr lang="de-DE" dirty="0"/>
-              <a:t>Pipeline:</a:t>
-            </a:r>
-          </a:p>
-          <a:p>
-            <a:pPr lvl="1"/>
-            <a:r>
-              <a:rPr lang="de-DE" dirty="0"/>
-              <a:t>Test models and codacore on the same training&amp;test split (and set seed)</a:t>
-            </a:r>
-          </a:p>
-          <a:p>
-            <a:pPr lvl="1"/>
-            <a:r>
-              <a:rPr lang="de-DE" dirty="0"/>
-              <a:t>Take out training and test split from run_ml?</a:t>
-            </a:r>
-          </a:p>
-          <a:p>
-            <a:pPr lvl="1"/>
-            <a:r>
-              <a:rPr lang="de-DE" dirty="0"/>
-              <a:t>K_folds and CV_folds don‘t have to be the same for every data set</a:t>
-            </a:r>
-          </a:p>
-          <a:p>
-            <a:pPr lvl="1"/>
-            <a:r>
-              <a:rPr lang="de-DE" dirty="0"/>
-              <a:t>Time comparison?</a:t>
-            </a:r>
-          </a:p>
-          <a:p>
-            <a:r>
-              <a:rPr lang="de-DE" dirty="0"/>
-              <a:t>CRC:</a:t>
-            </a:r>
-          </a:p>
-          <a:p>
-            <a:pPr lvl="1"/>
-            <a:r>
-              <a:rPr lang="de-DE" dirty="0"/>
-              <a:t>Keep one country cohorts for extra validation </a:t>
-            </a:r>
-          </a:p>
-          <a:p>
-            <a:pPr lvl="1"/>
-            <a:r>
-              <a:rPr lang="de-DE" dirty="0"/>
-              <a:t>BMI as outcome_column for continuous</a:t>
-            </a:r>
-          </a:p>
-          <a:p>
-            <a:pPr lvl="1"/>
-            <a:r>
-              <a:rPr lang="de-DE" dirty="0"/>
-              <a:t>GROUP for classification </a:t>
-            </a:r>
-          </a:p>
-          <a:p>
-            <a:pPr marL="457200" lvl="1" indent="0">
-              <a:buNone/>
-            </a:pPr>
-            <a:endParaRPr lang="de-DE" dirty="0"/>
-          </a:p>
-          <a:p>
-            <a:pPr lvl="1"/>
-            <a:endParaRPr lang="de-DE" dirty="0"/>
-          </a:p>
-          <a:p>
-            <a:pPr lvl="1"/>
-            <a:endParaRPr lang="de-DE" dirty="0"/>
-          </a:p>
-          <a:p>
-            <a:pPr lvl="1"/>
-            <a:endParaRPr lang="de-DE" dirty="0"/>
-          </a:p>
-        </p:txBody>
-      </p:sp>
-      <p:sp>
-        <p:nvSpPr>
-          <p:cNvPr id="4" name="Date Placeholder 3">
-            <a:extLst>
-              <a:ext uri="{FF2B5EF4-FFF2-40B4-BE49-F238E27FC236}">
-                <a16:creationId xmlns:a16="http://schemas.microsoft.com/office/drawing/2014/main" id="{DBF0C8DB-9090-4B20-AED9-6E2044F98AC2}"/>
-              </a:ext>
-            </a:extLst>
-          </p:cNvPr>
-          <p:cNvSpPr>
-            <a:spLocks noGrp="1"/>
-          </p:cNvSpPr>
-          <p:nvPr>
-            <p:ph type="dt" sz="half" idx="10"/>
-          </p:nvPr>
-        </p:nvSpPr>
-        <p:spPr/>
-        <p:txBody>
-          <a:bodyPr/>
-          <a:lstStyle/>
-          <a:p>
-            <a:fld id="{36D18B76-5E8B-4456-8722-FC5B14B0F354}" type="datetime1">
-              <a:rPr lang="en-US" smtClean="0"/>
-              <a:pPr/>
-              <a:t>4/25/2022</a:t>
-            </a:fld>
-            <a:endParaRPr lang="en-US" dirty="0"/>
-          </a:p>
-        </p:txBody>
-      </p:sp>
-      <p:sp>
-        <p:nvSpPr>
-          <p:cNvPr id="5" name="Footer Placeholder 4">
-            <a:extLst>
-              <a:ext uri="{FF2B5EF4-FFF2-40B4-BE49-F238E27FC236}">
-                <a16:creationId xmlns:a16="http://schemas.microsoft.com/office/drawing/2014/main" id="{DA6DF03D-2B74-42A5-8C31-B3A7B6D53ABB}"/>
-              </a:ext>
-            </a:extLst>
-          </p:cNvPr>
-          <p:cNvSpPr>
-            <a:spLocks noGrp="1"/>
-          </p:cNvSpPr>
-          <p:nvPr>
-            <p:ph type="ftr" sz="quarter" idx="11"/>
-          </p:nvPr>
-        </p:nvSpPr>
-        <p:spPr/>
-        <p:txBody>
-          <a:bodyPr/>
-          <a:lstStyle/>
-          <a:p>
-            <a:r>
-              <a:rPr lang="en-US"/>
-              <a:t>jennifer.neumaier@t-online.de</a:t>
-            </a:r>
-            <a:endParaRPr lang="en-US" dirty="0"/>
-          </a:p>
-        </p:txBody>
-      </p:sp>
-      <p:sp>
-        <p:nvSpPr>
-          <p:cNvPr id="6" name="Slide Number Placeholder 5">
-            <a:extLst>
-              <a:ext uri="{FF2B5EF4-FFF2-40B4-BE49-F238E27FC236}">
-                <a16:creationId xmlns:a16="http://schemas.microsoft.com/office/drawing/2014/main" id="{EB397826-F4D6-4DDE-B171-FF032CD952B6}"/>
-              </a:ext>
-            </a:extLst>
-          </p:cNvPr>
-          <p:cNvSpPr>
-            <a:spLocks noGrp="1"/>
-          </p:cNvSpPr>
-          <p:nvPr>
-            <p:ph type="sldNum" sz="quarter" idx="12"/>
-          </p:nvPr>
-        </p:nvSpPr>
-        <p:spPr/>
-        <p:txBody>
-          <a:bodyPr/>
-          <a:lstStyle/>
-          <a:p>
-            <a:fld id="{D57F1E4F-1CFF-5643-939E-217C01CDF565}" type="slidenum">
-              <a:rPr lang="en-US" smtClean="0"/>
-              <a:pPr/>
-              <a:t>40</a:t>
-            </a:fld>
-            <a:endParaRPr lang="en-US" dirty="0"/>
-          </a:p>
-        </p:txBody>
-      </p:sp>
-    </p:spTree>
-    <p:extLst>
-      <p:ext uri="{BB962C8B-B14F-4D97-AF65-F5344CB8AC3E}">
-        <p14:creationId xmlns:p14="http://schemas.microsoft.com/office/powerpoint/2010/main" val="1848759324"/>
-      </p:ext>
-    </p:extLst>
-  </p:cSld>
-  <p:clrMapOvr>
-    <a:masterClrMapping/>
-  </p:clrMapOvr>
-</p:sld>
-</file>
-
 <file path=ppt/slides/slide41.xml><?xml version="1.0" encoding="utf-8"?>
 <p:sld xmlns:a="http://schemas.openxmlformats.org/drawingml/2006/main" xmlns:r="http://schemas.openxmlformats.org/officeDocument/2006/relationships" xmlns:p="http://schemas.openxmlformats.org/presentationml/2006/main">
   <p:cSld>
@@ -29076,6 +30223,648 @@
           <p:cNvPr id="2" name="Title 1">
             <a:extLst>
               <a:ext uri="{FF2B5EF4-FFF2-40B4-BE49-F238E27FC236}">
+                <a16:creationId xmlns:a16="http://schemas.microsoft.com/office/drawing/2014/main" id="{169D9D37-B637-4D74-BB75-639D51A491FB}"/>
+              </a:ext>
+            </a:extLst>
+          </p:cNvPr>
+          <p:cNvSpPr>
+            <a:spLocks noGrp="1"/>
+          </p:cNvSpPr>
+          <p:nvPr>
+            <p:ph type="title"/>
+          </p:nvPr>
+        </p:nvSpPr>
+        <p:spPr>
+          <a:xfrm>
+            <a:off x="1640156" y="628124"/>
+            <a:ext cx="8911687" cy="1280890"/>
+          </a:xfrm>
+        </p:spPr>
+        <p:txBody>
+          <a:bodyPr/>
+          <a:lstStyle/>
+          <a:p>
+            <a:r>
+              <a:rPr lang="de-DE" b="1" dirty="0"/>
+              <a:t>Problems</a:t>
+            </a:r>
+            <a:endParaRPr lang="en-US" b="1" dirty="0"/>
+          </a:p>
+        </p:txBody>
+      </p:sp>
+      <p:sp>
+        <p:nvSpPr>
+          <p:cNvPr id="3" name="Content Placeholder 2">
+            <a:extLst>
+              <a:ext uri="{FF2B5EF4-FFF2-40B4-BE49-F238E27FC236}">
+                <a16:creationId xmlns:a16="http://schemas.microsoft.com/office/drawing/2014/main" id="{D4D56813-9DF8-4D28-B156-1DE48E95DBC2}"/>
+              </a:ext>
+            </a:extLst>
+          </p:cNvPr>
+          <p:cNvSpPr>
+            <a:spLocks noGrp="1"/>
+          </p:cNvSpPr>
+          <p:nvPr>
+            <p:ph idx="1"/>
+          </p:nvPr>
+        </p:nvSpPr>
+        <p:spPr/>
+        <p:txBody>
+          <a:bodyPr/>
+          <a:lstStyle/>
+          <a:p>
+            <a:r>
+              <a:rPr lang="de-DE" dirty="0"/>
+              <a:t>Microbial features are not independent </a:t>
+            </a:r>
+          </a:p>
+          <a:p>
+            <a:r>
+              <a:rPr lang="de-DE" dirty="0"/>
+              <a:t>Some microbial features are found in correlation!</a:t>
+            </a:r>
+          </a:p>
+        </p:txBody>
+      </p:sp>
+      <p:sp>
+        <p:nvSpPr>
+          <p:cNvPr id="4" name="Date Placeholder 3">
+            <a:extLst>
+              <a:ext uri="{FF2B5EF4-FFF2-40B4-BE49-F238E27FC236}">
+                <a16:creationId xmlns:a16="http://schemas.microsoft.com/office/drawing/2014/main" id="{D53DB4F4-84EC-4588-88E6-8D8519D6A1E8}"/>
+              </a:ext>
+            </a:extLst>
+          </p:cNvPr>
+          <p:cNvSpPr>
+            <a:spLocks noGrp="1"/>
+          </p:cNvSpPr>
+          <p:nvPr>
+            <p:ph type="dt" sz="half" idx="10"/>
+          </p:nvPr>
+        </p:nvSpPr>
+        <p:spPr/>
+        <p:txBody>
+          <a:bodyPr/>
+          <a:lstStyle/>
+          <a:p>
+            <a:fld id="{5A2DBB50-F561-45B0-9BE5-95A455D2CD8B}" type="datetime1">
+              <a:rPr lang="en-US" smtClean="0"/>
+              <a:t>4/26/2022</a:t>
+            </a:fld>
+            <a:endParaRPr lang="en-US" dirty="0"/>
+          </a:p>
+        </p:txBody>
+      </p:sp>
+      <p:sp>
+        <p:nvSpPr>
+          <p:cNvPr id="5" name="Footer Placeholder 4">
+            <a:extLst>
+              <a:ext uri="{FF2B5EF4-FFF2-40B4-BE49-F238E27FC236}">
+                <a16:creationId xmlns:a16="http://schemas.microsoft.com/office/drawing/2014/main" id="{A7F3346A-3F24-484B-A6D3-55D66520C917}"/>
+              </a:ext>
+            </a:extLst>
+          </p:cNvPr>
+          <p:cNvSpPr>
+            <a:spLocks noGrp="1"/>
+          </p:cNvSpPr>
+          <p:nvPr>
+            <p:ph type="ftr" sz="quarter" idx="11"/>
+          </p:nvPr>
+        </p:nvSpPr>
+        <p:spPr/>
+        <p:txBody>
+          <a:bodyPr/>
+          <a:lstStyle/>
+          <a:p>
+            <a:r>
+              <a:rPr lang="en-US"/>
+              <a:t>jennifer.neumaier@t-online.de</a:t>
+            </a:r>
+            <a:endParaRPr lang="en-US" dirty="0"/>
+          </a:p>
+        </p:txBody>
+      </p:sp>
+      <p:sp>
+        <p:nvSpPr>
+          <p:cNvPr id="6" name="Slide Number Placeholder 5">
+            <a:extLst>
+              <a:ext uri="{FF2B5EF4-FFF2-40B4-BE49-F238E27FC236}">
+                <a16:creationId xmlns:a16="http://schemas.microsoft.com/office/drawing/2014/main" id="{C4B3B4A6-E708-4F88-8CA2-BDE8FCF0C0AC}"/>
+              </a:ext>
+            </a:extLst>
+          </p:cNvPr>
+          <p:cNvSpPr>
+            <a:spLocks noGrp="1"/>
+          </p:cNvSpPr>
+          <p:nvPr>
+            <p:ph type="sldNum" sz="quarter" idx="12"/>
+          </p:nvPr>
+        </p:nvSpPr>
+        <p:spPr/>
+        <p:txBody>
+          <a:bodyPr/>
+          <a:lstStyle/>
+          <a:p>
+            <a:fld id="{D57F1E4F-1CFF-5643-939E-217C01CDF565}" type="slidenum">
+              <a:rPr lang="en-US" smtClean="0"/>
+              <a:pPr/>
+              <a:t>41</a:t>
+            </a:fld>
+            <a:endParaRPr lang="en-US" dirty="0"/>
+          </a:p>
+        </p:txBody>
+      </p:sp>
+    </p:spTree>
+    <p:extLst>
+      <p:ext uri="{BB962C8B-B14F-4D97-AF65-F5344CB8AC3E}">
+        <p14:creationId xmlns:p14="http://schemas.microsoft.com/office/powerpoint/2010/main" val="1795355039"/>
+      </p:ext>
+    </p:extLst>
+  </p:cSld>
+  <p:clrMapOvr>
+    <a:masterClrMapping/>
+  </p:clrMapOvr>
+</p:sld>
+</file>
+
+<file path=ppt/slides/slide42.xml><?xml version="1.0" encoding="utf-8"?>
+<p:sld xmlns:a="http://schemas.openxmlformats.org/drawingml/2006/main" xmlns:r="http://schemas.openxmlformats.org/officeDocument/2006/relationships" xmlns:p="http://schemas.openxmlformats.org/presentationml/2006/main">
+  <p:cSld>
+    <p:spTree>
+      <p:nvGrpSpPr>
+        <p:cNvPr id="1" name=""/>
+        <p:cNvGrpSpPr/>
+        <p:nvPr/>
+      </p:nvGrpSpPr>
+      <p:grpSpPr>
+        <a:xfrm>
+          <a:off x="0" y="0"/>
+          <a:ext cx="0" cy="0"/>
+          <a:chOff x="0" y="0"/>
+          <a:chExt cx="0" cy="0"/>
+        </a:xfrm>
+      </p:grpSpPr>
+      <p:sp>
+        <p:nvSpPr>
+          <p:cNvPr id="2" name="Title 1">
+            <a:extLst>
+              <a:ext uri="{FF2B5EF4-FFF2-40B4-BE49-F238E27FC236}">
+                <a16:creationId xmlns:a16="http://schemas.microsoft.com/office/drawing/2014/main" id="{169D9D37-B637-4D74-BB75-639D51A491FB}"/>
+              </a:ext>
+            </a:extLst>
+          </p:cNvPr>
+          <p:cNvSpPr>
+            <a:spLocks noGrp="1"/>
+          </p:cNvSpPr>
+          <p:nvPr>
+            <p:ph type="title"/>
+          </p:nvPr>
+        </p:nvSpPr>
+        <p:spPr>
+          <a:xfrm>
+            <a:off x="1640156" y="628124"/>
+            <a:ext cx="8911687" cy="1280890"/>
+          </a:xfrm>
+        </p:spPr>
+        <p:txBody>
+          <a:bodyPr/>
+          <a:lstStyle/>
+          <a:p>
+            <a:r>
+              <a:rPr lang="de-DE" b="1" dirty="0"/>
+              <a:t>Notes 30.01. meeting</a:t>
+            </a:r>
+            <a:endParaRPr lang="en-US" b="1" dirty="0"/>
+          </a:p>
+        </p:txBody>
+      </p:sp>
+      <p:sp>
+        <p:nvSpPr>
+          <p:cNvPr id="3" name="Content Placeholder 2">
+            <a:extLst>
+              <a:ext uri="{FF2B5EF4-FFF2-40B4-BE49-F238E27FC236}">
+                <a16:creationId xmlns:a16="http://schemas.microsoft.com/office/drawing/2014/main" id="{D4D56813-9DF8-4D28-B156-1DE48E95DBC2}"/>
+              </a:ext>
+            </a:extLst>
+          </p:cNvPr>
+          <p:cNvSpPr>
+            <a:spLocks noGrp="1"/>
+          </p:cNvSpPr>
+          <p:nvPr>
+            <p:ph idx="1"/>
+          </p:nvPr>
+        </p:nvSpPr>
+        <p:spPr/>
+        <p:txBody>
+          <a:bodyPr/>
+          <a:lstStyle/>
+          <a:p>
+            <a:r>
+              <a:rPr lang="de-DE" dirty="0"/>
+              <a:t>Review paper ML for microbiome paper</a:t>
+            </a:r>
+          </a:p>
+          <a:p>
+            <a:r>
+              <a:rPr lang="de-DE" dirty="0"/>
+              <a:t>COST action paper</a:t>
+            </a:r>
+          </a:p>
+          <a:p>
+            <a:r>
+              <a:rPr lang="de-DE"/>
+              <a:t>Confidentiality form, sign, scan and send to Elin</a:t>
+            </a:r>
+            <a:endParaRPr lang="de-DE" dirty="0"/>
+          </a:p>
+          <a:p>
+            <a:r>
+              <a:rPr lang="de-DE" dirty="0"/>
+              <a:t>Meeting Oliver Friday, 4th February</a:t>
+            </a:r>
+          </a:p>
+          <a:p>
+            <a:r>
+              <a:rPr lang="de-DE" dirty="0"/>
+              <a:t>Literature Review: ~10-20 pages, include Figures and Tables, equations for major transformations, write for biologists</a:t>
+            </a:r>
+          </a:p>
+          <a:p>
+            <a:endParaRPr lang="de-DE" dirty="0"/>
+          </a:p>
+        </p:txBody>
+      </p:sp>
+      <p:sp>
+        <p:nvSpPr>
+          <p:cNvPr id="4" name="Date Placeholder 3">
+            <a:extLst>
+              <a:ext uri="{FF2B5EF4-FFF2-40B4-BE49-F238E27FC236}">
+                <a16:creationId xmlns:a16="http://schemas.microsoft.com/office/drawing/2014/main" id="{D53DB4F4-84EC-4588-88E6-8D8519D6A1E8}"/>
+              </a:ext>
+            </a:extLst>
+          </p:cNvPr>
+          <p:cNvSpPr>
+            <a:spLocks noGrp="1"/>
+          </p:cNvSpPr>
+          <p:nvPr>
+            <p:ph type="dt" sz="half" idx="10"/>
+          </p:nvPr>
+        </p:nvSpPr>
+        <p:spPr/>
+        <p:txBody>
+          <a:bodyPr/>
+          <a:lstStyle/>
+          <a:p>
+            <a:fld id="{5A2DBB50-F561-45B0-9BE5-95A455D2CD8B}" type="datetime1">
+              <a:rPr lang="en-US" smtClean="0"/>
+              <a:t>4/26/2022</a:t>
+            </a:fld>
+            <a:endParaRPr lang="en-US" dirty="0"/>
+          </a:p>
+        </p:txBody>
+      </p:sp>
+      <p:sp>
+        <p:nvSpPr>
+          <p:cNvPr id="5" name="Footer Placeholder 4">
+            <a:extLst>
+              <a:ext uri="{FF2B5EF4-FFF2-40B4-BE49-F238E27FC236}">
+                <a16:creationId xmlns:a16="http://schemas.microsoft.com/office/drawing/2014/main" id="{A7F3346A-3F24-484B-A6D3-55D66520C917}"/>
+              </a:ext>
+            </a:extLst>
+          </p:cNvPr>
+          <p:cNvSpPr>
+            <a:spLocks noGrp="1"/>
+          </p:cNvSpPr>
+          <p:nvPr>
+            <p:ph type="ftr" sz="quarter" idx="11"/>
+          </p:nvPr>
+        </p:nvSpPr>
+        <p:spPr/>
+        <p:txBody>
+          <a:bodyPr/>
+          <a:lstStyle/>
+          <a:p>
+            <a:r>
+              <a:rPr lang="en-US"/>
+              <a:t>jennifer.neumaier@t-online.de</a:t>
+            </a:r>
+            <a:endParaRPr lang="en-US" dirty="0"/>
+          </a:p>
+        </p:txBody>
+      </p:sp>
+      <p:sp>
+        <p:nvSpPr>
+          <p:cNvPr id="6" name="Slide Number Placeholder 5">
+            <a:extLst>
+              <a:ext uri="{FF2B5EF4-FFF2-40B4-BE49-F238E27FC236}">
+                <a16:creationId xmlns:a16="http://schemas.microsoft.com/office/drawing/2014/main" id="{C4B3B4A6-E708-4F88-8CA2-BDE8FCF0C0AC}"/>
+              </a:ext>
+            </a:extLst>
+          </p:cNvPr>
+          <p:cNvSpPr>
+            <a:spLocks noGrp="1"/>
+          </p:cNvSpPr>
+          <p:nvPr>
+            <p:ph type="sldNum" sz="quarter" idx="12"/>
+          </p:nvPr>
+        </p:nvSpPr>
+        <p:spPr/>
+        <p:txBody>
+          <a:bodyPr/>
+          <a:lstStyle/>
+          <a:p>
+            <a:fld id="{D57F1E4F-1CFF-5643-939E-217C01CDF565}" type="slidenum">
+              <a:rPr lang="en-US" smtClean="0"/>
+              <a:pPr/>
+              <a:t>42</a:t>
+            </a:fld>
+            <a:endParaRPr lang="en-US" dirty="0"/>
+          </a:p>
+        </p:txBody>
+      </p:sp>
+    </p:spTree>
+    <p:extLst>
+      <p:ext uri="{BB962C8B-B14F-4D97-AF65-F5344CB8AC3E}">
+        <p14:creationId xmlns:p14="http://schemas.microsoft.com/office/powerpoint/2010/main" val="3993456640"/>
+      </p:ext>
+    </p:extLst>
+  </p:cSld>
+  <p:clrMapOvr>
+    <a:masterClrMapping/>
+  </p:clrMapOvr>
+</p:sld>
+</file>
+
+<file path=ppt/slides/slide43.xml><?xml version="1.0" encoding="utf-8"?>
+<p:sld xmlns:a="http://schemas.openxmlformats.org/drawingml/2006/main" xmlns:r="http://schemas.openxmlformats.org/officeDocument/2006/relationships" xmlns:p="http://schemas.openxmlformats.org/presentationml/2006/main">
+  <p:cSld>
+    <p:spTree>
+      <p:nvGrpSpPr>
+        <p:cNvPr id="1" name=""/>
+        <p:cNvGrpSpPr/>
+        <p:nvPr/>
+      </p:nvGrpSpPr>
+      <p:grpSpPr>
+        <a:xfrm>
+          <a:off x="0" y="0"/>
+          <a:ext cx="0" cy="0"/>
+          <a:chOff x="0" y="0"/>
+          <a:chExt cx="0" cy="0"/>
+        </a:xfrm>
+      </p:grpSpPr>
+      <p:sp>
+        <p:nvSpPr>
+          <p:cNvPr id="2" name="Title 1">
+            <a:extLst>
+              <a:ext uri="{FF2B5EF4-FFF2-40B4-BE49-F238E27FC236}">
+                <a16:creationId xmlns:a16="http://schemas.microsoft.com/office/drawing/2014/main" id="{D63F1953-0627-4313-9F69-D3CE525D057A}"/>
+              </a:ext>
+            </a:extLst>
+          </p:cNvPr>
+          <p:cNvSpPr>
+            <a:spLocks noGrp="1"/>
+          </p:cNvSpPr>
+          <p:nvPr>
+            <p:ph type="title"/>
+          </p:nvPr>
+        </p:nvSpPr>
+        <p:spPr/>
+        <p:txBody>
+          <a:bodyPr/>
+          <a:lstStyle/>
+          <a:p>
+            <a:r>
+              <a:rPr lang="de-DE" b="1" dirty="0"/>
+              <a:t>Notes: 01.04. meeting</a:t>
+            </a:r>
+          </a:p>
+        </p:txBody>
+      </p:sp>
+      <p:sp>
+        <p:nvSpPr>
+          <p:cNvPr id="3" name="Content Placeholder 2">
+            <a:extLst>
+              <a:ext uri="{FF2B5EF4-FFF2-40B4-BE49-F238E27FC236}">
+                <a16:creationId xmlns:a16="http://schemas.microsoft.com/office/drawing/2014/main" id="{10F6F84D-370D-481F-BDA8-9BEF48EC1F3D}"/>
+              </a:ext>
+            </a:extLst>
+          </p:cNvPr>
+          <p:cNvSpPr>
+            <a:spLocks noGrp="1"/>
+          </p:cNvSpPr>
+          <p:nvPr>
+            <p:ph idx="1"/>
+          </p:nvPr>
+        </p:nvSpPr>
+        <p:spPr/>
+        <p:txBody>
+          <a:bodyPr/>
+          <a:lstStyle/>
+          <a:p>
+            <a:r>
+              <a:rPr lang="de-DE" dirty="0"/>
+              <a:t>Pipeline:</a:t>
+            </a:r>
+          </a:p>
+          <a:p>
+            <a:pPr lvl="1"/>
+            <a:r>
+              <a:rPr lang="de-DE" dirty="0"/>
+              <a:t>Test models and codacore on the same training&amp;test split (and set seed)</a:t>
+            </a:r>
+          </a:p>
+          <a:p>
+            <a:pPr lvl="1"/>
+            <a:r>
+              <a:rPr lang="de-DE" dirty="0"/>
+              <a:t>Take out training and test split from run_ml?</a:t>
+            </a:r>
+          </a:p>
+          <a:p>
+            <a:pPr lvl="1"/>
+            <a:r>
+              <a:rPr lang="de-DE" dirty="0"/>
+              <a:t>K_folds and CV_folds don‘t have to be the same for every data set</a:t>
+            </a:r>
+          </a:p>
+          <a:p>
+            <a:pPr lvl="1"/>
+            <a:r>
+              <a:rPr lang="de-DE" dirty="0"/>
+              <a:t>Time comparison?</a:t>
+            </a:r>
+          </a:p>
+          <a:p>
+            <a:r>
+              <a:rPr lang="de-DE" dirty="0"/>
+              <a:t>CRC:</a:t>
+            </a:r>
+          </a:p>
+          <a:p>
+            <a:pPr lvl="1"/>
+            <a:r>
+              <a:rPr lang="de-DE" dirty="0"/>
+              <a:t>Keep one country cohorts for extra validation </a:t>
+            </a:r>
+          </a:p>
+          <a:p>
+            <a:pPr lvl="1"/>
+            <a:r>
+              <a:rPr lang="de-DE" dirty="0"/>
+              <a:t>BMI as outcome_column for continuous</a:t>
+            </a:r>
+          </a:p>
+          <a:p>
+            <a:pPr lvl="1"/>
+            <a:r>
+              <a:rPr lang="de-DE" dirty="0"/>
+              <a:t>GROUP for classification </a:t>
+            </a:r>
+          </a:p>
+          <a:p>
+            <a:pPr marL="457200" lvl="1" indent="0">
+              <a:buNone/>
+            </a:pPr>
+            <a:endParaRPr lang="de-DE" dirty="0"/>
+          </a:p>
+          <a:p>
+            <a:pPr lvl="1"/>
+            <a:endParaRPr lang="de-DE" dirty="0"/>
+          </a:p>
+          <a:p>
+            <a:pPr lvl="1"/>
+            <a:endParaRPr lang="de-DE" dirty="0"/>
+          </a:p>
+          <a:p>
+            <a:pPr lvl="1"/>
+            <a:endParaRPr lang="de-DE" dirty="0"/>
+          </a:p>
+        </p:txBody>
+      </p:sp>
+      <p:sp>
+        <p:nvSpPr>
+          <p:cNvPr id="4" name="Date Placeholder 3">
+            <a:extLst>
+              <a:ext uri="{FF2B5EF4-FFF2-40B4-BE49-F238E27FC236}">
+                <a16:creationId xmlns:a16="http://schemas.microsoft.com/office/drawing/2014/main" id="{DBF0C8DB-9090-4B20-AED9-6E2044F98AC2}"/>
+              </a:ext>
+            </a:extLst>
+          </p:cNvPr>
+          <p:cNvSpPr>
+            <a:spLocks noGrp="1"/>
+          </p:cNvSpPr>
+          <p:nvPr>
+            <p:ph type="dt" sz="half" idx="10"/>
+          </p:nvPr>
+        </p:nvSpPr>
+        <p:spPr/>
+        <p:txBody>
+          <a:bodyPr/>
+          <a:lstStyle/>
+          <a:p>
+            <a:fld id="{36D18B76-5E8B-4456-8722-FC5B14B0F354}" type="datetime1">
+              <a:rPr lang="en-US" smtClean="0"/>
+              <a:pPr/>
+              <a:t>4/26/2022</a:t>
+            </a:fld>
+            <a:endParaRPr lang="en-US" dirty="0"/>
+          </a:p>
+        </p:txBody>
+      </p:sp>
+      <p:sp>
+        <p:nvSpPr>
+          <p:cNvPr id="5" name="Footer Placeholder 4">
+            <a:extLst>
+              <a:ext uri="{FF2B5EF4-FFF2-40B4-BE49-F238E27FC236}">
+                <a16:creationId xmlns:a16="http://schemas.microsoft.com/office/drawing/2014/main" id="{DA6DF03D-2B74-42A5-8C31-B3A7B6D53ABB}"/>
+              </a:ext>
+            </a:extLst>
+          </p:cNvPr>
+          <p:cNvSpPr>
+            <a:spLocks noGrp="1"/>
+          </p:cNvSpPr>
+          <p:nvPr>
+            <p:ph type="ftr" sz="quarter" idx="11"/>
+          </p:nvPr>
+        </p:nvSpPr>
+        <p:spPr/>
+        <p:txBody>
+          <a:bodyPr/>
+          <a:lstStyle/>
+          <a:p>
+            <a:r>
+              <a:rPr lang="en-US"/>
+              <a:t>jennifer.neumaier@t-online.de</a:t>
+            </a:r>
+            <a:endParaRPr lang="en-US" dirty="0"/>
+          </a:p>
+        </p:txBody>
+      </p:sp>
+      <p:sp>
+        <p:nvSpPr>
+          <p:cNvPr id="6" name="Slide Number Placeholder 5">
+            <a:extLst>
+              <a:ext uri="{FF2B5EF4-FFF2-40B4-BE49-F238E27FC236}">
+                <a16:creationId xmlns:a16="http://schemas.microsoft.com/office/drawing/2014/main" id="{EB397826-F4D6-4DDE-B171-FF032CD952B6}"/>
+              </a:ext>
+            </a:extLst>
+          </p:cNvPr>
+          <p:cNvSpPr>
+            <a:spLocks noGrp="1"/>
+          </p:cNvSpPr>
+          <p:nvPr>
+            <p:ph type="sldNum" sz="quarter" idx="12"/>
+          </p:nvPr>
+        </p:nvSpPr>
+        <p:spPr/>
+        <p:txBody>
+          <a:bodyPr/>
+          <a:lstStyle/>
+          <a:p>
+            <a:fld id="{D57F1E4F-1CFF-5643-939E-217C01CDF565}" type="slidenum">
+              <a:rPr lang="en-US" smtClean="0"/>
+              <a:pPr/>
+              <a:t>43</a:t>
+            </a:fld>
+            <a:endParaRPr lang="en-US" dirty="0"/>
+          </a:p>
+        </p:txBody>
+      </p:sp>
+    </p:spTree>
+    <p:extLst>
+      <p:ext uri="{BB962C8B-B14F-4D97-AF65-F5344CB8AC3E}">
+        <p14:creationId xmlns:p14="http://schemas.microsoft.com/office/powerpoint/2010/main" val="1848759324"/>
+      </p:ext>
+    </p:extLst>
+  </p:cSld>
+  <p:clrMapOvr>
+    <a:masterClrMapping/>
+  </p:clrMapOvr>
+</p:sld>
+</file>
+
+<file path=ppt/slides/slide44.xml><?xml version="1.0" encoding="utf-8"?>
+<p:sld xmlns:a="http://schemas.openxmlformats.org/drawingml/2006/main" xmlns:r="http://schemas.openxmlformats.org/officeDocument/2006/relationships" xmlns:p="http://schemas.openxmlformats.org/presentationml/2006/main">
+  <p:cSld>
+    <p:spTree>
+      <p:nvGrpSpPr>
+        <p:cNvPr id="1" name=""/>
+        <p:cNvGrpSpPr/>
+        <p:nvPr/>
+      </p:nvGrpSpPr>
+      <p:grpSpPr>
+        <a:xfrm>
+          <a:off x="0" y="0"/>
+          <a:ext cx="0" cy="0"/>
+          <a:chOff x="0" y="0"/>
+          <a:chExt cx="0" cy="0"/>
+        </a:xfrm>
+      </p:grpSpPr>
+      <p:sp>
+        <p:nvSpPr>
+          <p:cNvPr id="2" name="Title 1">
+            <a:extLst>
+              <a:ext uri="{FF2B5EF4-FFF2-40B4-BE49-F238E27FC236}">
                 <a16:creationId xmlns:a16="http://schemas.microsoft.com/office/drawing/2014/main" id="{B0A21C35-E073-46BF-B8BA-AD632020DA6A}"/>
               </a:ext>
             </a:extLst>
@@ -29180,7 +30969,7 @@
           <a:p>
             <a:fld id="{93673764-947C-4E64-9BD5-474B9E9D9329}" type="datetime1">
               <a:rPr lang="en-US" smtClean="0"/>
-              <a:t>4/25/2022</a:t>
+              <a:t>4/26/2022</a:t>
             </a:fld>
             <a:endParaRPr lang="en-US" dirty="0"/>
           </a:p>
@@ -29239,7 +31028,7 @@
             <a:fld id="{D57F1E4F-1CFF-5643-939E-217C01CDF565}" type="slidenum">
               <a:rPr lang="en-US" smtClean="0"/>
               <a:pPr/>
-              <a:t>41</a:t>
+              <a:t>44</a:t>
             </a:fld>
             <a:endParaRPr lang="en-US" dirty="0"/>
           </a:p>
@@ -29258,7 +31047,7 @@
 </p:sld>
 </file>
 
-<file path=ppt/slides/slide42.xml><?xml version="1.0" encoding="utf-8"?>
+<file path=ppt/slides/slide45.xml><?xml version="1.0" encoding="utf-8"?>
 <p:sld xmlns:a="http://schemas.openxmlformats.org/drawingml/2006/main" xmlns:r="http://schemas.openxmlformats.org/officeDocument/2006/relationships" xmlns:p="http://schemas.openxmlformats.org/presentationml/2006/main">
   <p:cSld>
     <p:spTree>
@@ -29625,7 +31414,7 @@
           <a:p>
             <a:fld id="{524BA6AA-761D-44D9-9696-AC66CE044BF5}" type="datetime1">
               <a:rPr lang="en-US" smtClean="0"/>
-              <a:t>4/25/2022</a:t>
+              <a:t>4/26/2022</a:t>
             </a:fld>
             <a:endParaRPr lang="en-US" dirty="0"/>
           </a:p>
@@ -29683,7 +31472,7 @@
             <a:fld id="{D57F1E4F-1CFF-5643-939E-217C01CDF565}" type="slidenum">
               <a:rPr lang="en-US" smtClean="0"/>
               <a:pPr/>
-              <a:t>42</a:t>
+              <a:t>45</a:t>
             </a:fld>
             <a:endParaRPr lang="en-US" dirty="0"/>
           </a:p>
@@ -29771,7 +31560,7 @@
             <a:fld id="{36D18B76-5E8B-4456-8722-FC5B14B0F354}" type="datetime1">
               <a:rPr lang="en-US" smtClean="0"/>
               <a:pPr/>
-              <a:t>4/25/2022</a:t>
+              <a:t>4/26/2022</a:t>
             </a:fld>
             <a:endParaRPr lang="en-US" dirty="0"/>
           </a:p>
@@ -30212,7 +32001,7 @@
           <a:p>
             <a:fld id="{1F2A6BD5-D000-45AE-BE81-365EBD12526C}" type="datetime1">
               <a:rPr lang="en-US" smtClean="0"/>
-              <a:t>4/25/2022</a:t>
+              <a:t>4/26/2022</a:t>
             </a:fld>
             <a:endParaRPr lang="en-US" dirty="0"/>
           </a:p>
@@ -30658,7 +32447,7 @@
           <a:p>
             <a:fld id="{A70B3D3E-FC47-4E47-BC37-6E33025EDD36}" type="datetime1">
               <a:rPr lang="en-US" smtClean="0"/>
-              <a:t>4/25/2022</a:t>
+              <a:t>4/26/2022</a:t>
             </a:fld>
             <a:endParaRPr lang="en-US" dirty="0"/>
           </a:p>

--- a/doc/Project_structure_notes.pptx
+++ b/doc/Project_structure_notes.pptx
@@ -7286,7 +7286,7 @@
           <a:p>
             <a:fld id="{0D3712C0-BD94-4EDD-81B8-404EF18DF498}" type="datetimeFigureOut">
               <a:rPr lang="en-US" smtClean="0"/>
-              <a:t>5/12/2022</a:t>
+              <a:t>5/13/2022</a:t>
             </a:fld>
             <a:endParaRPr lang="en-US"/>
           </a:p>
@@ -8734,7 +8734,16 @@
           <a:bodyPr/>
           <a:lstStyle/>
           <a:p>
-            <a:endParaRPr lang="de-DE" dirty="0"/>
+            <a:r>
+              <a:rPr lang="de-DE" dirty="0"/>
+              <a:t>Error was only in PCOS, but as a lot of data sets in biology are on the smaller side, it should be carefully decided when to use imputation on test sets.</a:t>
+            </a:r>
+          </a:p>
+          <a:p>
+            <a:r>
+              <a:rPr lang="de-DE" dirty="0"/>
+              <a:t>For CRC, imputation on test set works, so starting around 500 features, it seems to be possible.</a:t>
+            </a:r>
           </a:p>
         </p:txBody>
       </p:sp>
@@ -8755,7 +8764,7 @@
           <a:p>
             <a:fld id="{14E34CAD-DC0B-4EB4-812C-D77F8E7D39DE}" type="slidenum">
               <a:rPr lang="en-US" smtClean="0"/>
-              <a:t>44</a:t>
+              <a:t>43</a:t>
             </a:fld>
             <a:endParaRPr lang="en-US"/>
           </a:p>
@@ -8764,7 +8773,7 @@
     </p:spTree>
     <p:extLst>
       <p:ext uri="{BB962C8B-B14F-4D97-AF65-F5344CB8AC3E}">
-        <p14:creationId xmlns:p14="http://schemas.microsoft.com/office/powerpoint/2010/main" val="3337435852"/>
+        <p14:creationId xmlns:p14="http://schemas.microsoft.com/office/powerpoint/2010/main" val="4187902043"/>
       </p:ext>
     </p:extLst>
   </p:cSld>
@@ -8818,10 +8827,7 @@
           <a:bodyPr/>
           <a:lstStyle/>
           <a:p>
-            <a:r>
-              <a:rPr lang="de-DE" dirty="0"/>
-              <a:t>NB! Got error for test set that its not enough data to use GBM</a:t>
-            </a:r>
+            <a:endParaRPr lang="de-DE" dirty="0"/>
           </a:p>
         </p:txBody>
       </p:sp>
@@ -8842,7 +8848,7 @@
           <a:p>
             <a:fld id="{14E34CAD-DC0B-4EB4-812C-D77F8E7D39DE}" type="slidenum">
               <a:rPr lang="en-US" smtClean="0"/>
-              <a:t>46</a:t>
+              <a:t>44</a:t>
             </a:fld>
             <a:endParaRPr lang="en-US"/>
           </a:p>
@@ -8851,7 +8857,7 @@
     </p:spTree>
     <p:extLst>
       <p:ext uri="{BB962C8B-B14F-4D97-AF65-F5344CB8AC3E}">
-        <p14:creationId xmlns:p14="http://schemas.microsoft.com/office/powerpoint/2010/main" val="3792440881"/>
+        <p14:creationId xmlns:p14="http://schemas.microsoft.com/office/powerpoint/2010/main" val="3337435852"/>
       </p:ext>
     </p:extLst>
   </p:cSld>
@@ -8905,16 +8911,29 @@
           <a:bodyPr/>
           <a:lstStyle/>
           <a:p>
+            <a:pPr marL="0" marR="0" lvl="0" indent="0" algn="l" defTabSz="914400" rtl="0" eaLnBrk="1" fontAlgn="auto" latinLnBrk="0" hangingPunct="1">
+              <a:lnSpc>
+                <a:spcPct val="100000"/>
+              </a:lnSpc>
+              <a:spcBef>
+                <a:spcPts val="0"/>
+              </a:spcBef>
+              <a:spcAft>
+                <a:spcPts val="0"/>
+              </a:spcAft>
+              <a:buClrTx/>
+              <a:buSzTx/>
+              <a:buFontTx/>
+              <a:buNone/>
+              <a:tabLst/>
+              <a:defRPr/>
+            </a:pPr>
             <a:r>
               <a:rPr lang="de-DE" dirty="0"/>
-              <a:t>NB! Variance reduces in nonleaky the more steps are included in preprocessing -&gt; test set is more biased in leaky procedure (if data set is big enough (more than 100 samples roughly) and no ALR used, training and test set can be split using transformations</a:t>
-            </a:r>
-          </a:p>
-          <a:p>
-            <a:r>
-              <a:rPr lang="de-DE"/>
-              <a:t>Other idea: getting ALR on train data and giving same denominator to test data </a:t>
-            </a:r>
+              <a:t>NB! Got error for test set that its not enough data to use GBM -&gt; Imputation will be conducted on whole data set</a:t>
+            </a:r>
+          </a:p>
+          <a:p>
             <a:endParaRPr lang="de-DE" dirty="0"/>
           </a:p>
         </p:txBody>
@@ -8936,7 +8955,7 @@
           <a:p>
             <a:fld id="{14E34CAD-DC0B-4EB4-812C-D77F8E7D39DE}" type="slidenum">
               <a:rPr lang="en-US" smtClean="0"/>
-              <a:t>47</a:t>
+              <a:t>46</a:t>
             </a:fld>
             <a:endParaRPr lang="en-US"/>
           </a:p>
@@ -8945,7 +8964,7 @@
     </p:spTree>
     <p:extLst>
       <p:ext uri="{BB962C8B-B14F-4D97-AF65-F5344CB8AC3E}">
-        <p14:creationId xmlns:p14="http://schemas.microsoft.com/office/powerpoint/2010/main" val="3546133702"/>
+        <p14:creationId xmlns:p14="http://schemas.microsoft.com/office/powerpoint/2010/main" val="3792440881"/>
       </p:ext>
     </p:extLst>
   </p:cSld>
@@ -9001,8 +9020,25 @@
           <a:p>
             <a:r>
               <a:rPr lang="de-DE" dirty="0"/>
-              <a:t>NB! Imputation in test set nonleaky faulty as it could not impute</a:t>
-            </a:r>
+              <a:t>NB! Variance reduces in nonleaky the more steps are included in preprocessing -&gt; test set is more biased in leaky procedure (if data set is big enough (more than 100 samples roughly) and no ALR used, training and test set can be split using transformations</a:t>
+            </a:r>
+          </a:p>
+          <a:p>
+            <a:r>
+              <a:rPr lang="de-DE" dirty="0"/>
+              <a:t>Other idea: getting ALR on train data and giving same denominator to test data </a:t>
+            </a:r>
+            <a:endParaRPr lang="de-DE" b="1" dirty="0"/>
+          </a:p>
+          <a:p>
+            <a:endParaRPr lang="de-DE" b="1" dirty="0"/>
+          </a:p>
+          <a:p>
+            <a:r>
+              <a:rPr lang="de-DE" b="1" dirty="0"/>
+              <a:t>-&gt; not enough data to compute t hyperparameter for GBM in test data</a:t>
+            </a:r>
+            <a:endParaRPr lang="de-DE" dirty="0"/>
           </a:p>
         </p:txBody>
       </p:sp>
@@ -9023,7 +9059,7 @@
           <a:p>
             <a:fld id="{14E34CAD-DC0B-4EB4-812C-D77F8E7D39DE}" type="slidenum">
               <a:rPr lang="en-US" smtClean="0"/>
-              <a:t>48</a:t>
+              <a:t>47</a:t>
             </a:fld>
             <a:endParaRPr lang="en-US"/>
           </a:p>
@@ -9032,7 +9068,7 @@
     </p:spTree>
     <p:extLst>
       <p:ext uri="{BB962C8B-B14F-4D97-AF65-F5344CB8AC3E}">
-        <p14:creationId xmlns:p14="http://schemas.microsoft.com/office/powerpoint/2010/main" val="657309874"/>
+        <p14:creationId xmlns:p14="http://schemas.microsoft.com/office/powerpoint/2010/main" val="3546133702"/>
       </p:ext>
     </p:extLst>
   </p:cSld>
@@ -9088,7 +9124,7 @@
           <a:p>
             <a:r>
               <a:rPr lang="de-DE" dirty="0"/>
-              <a:t>Lambda 0 or lambda 1 is not that effective in choosing different denominators/numerators</a:t>
+              <a:t>NB! Imputation in test set nonleaky faulty as it could not impute</a:t>
             </a:r>
           </a:p>
         </p:txBody>
@@ -9110,7 +9146,7 @@
           <a:p>
             <a:fld id="{14E34CAD-DC0B-4EB4-812C-D77F8E7D39DE}" type="slidenum">
               <a:rPr lang="en-US" smtClean="0"/>
-              <a:t>50</a:t>
+              <a:t>48</a:t>
             </a:fld>
             <a:endParaRPr lang="en-US"/>
           </a:p>
@@ -9119,7 +9155,7 @@
     </p:spTree>
     <p:extLst>
       <p:ext uri="{BB962C8B-B14F-4D97-AF65-F5344CB8AC3E}">
-        <p14:creationId xmlns:p14="http://schemas.microsoft.com/office/powerpoint/2010/main" val="2120105575"/>
+        <p14:creationId xmlns:p14="http://schemas.microsoft.com/office/powerpoint/2010/main" val="657309874"/>
       </p:ext>
     </p:extLst>
   </p:cSld>
@@ -9175,7 +9211,7 @@
           <a:p>
             <a:r>
               <a:rPr lang="de-DE" dirty="0"/>
-              <a:t>Both model types decide on different numerators and denominators depending on data set size </a:t>
+              <a:t>Lambda 0 or lambda 1 is not that effective in choosing different denominators/numerators</a:t>
             </a:r>
           </a:p>
         </p:txBody>
@@ -9197,7 +9233,7 @@
           <a:p>
             <a:fld id="{14E34CAD-DC0B-4EB4-812C-D77F8E7D39DE}" type="slidenum">
               <a:rPr lang="en-US" smtClean="0"/>
-              <a:t>51</a:t>
+              <a:t>50</a:t>
             </a:fld>
             <a:endParaRPr lang="en-US"/>
           </a:p>
@@ -9206,7 +9242,7 @@
     </p:spTree>
     <p:extLst>
       <p:ext uri="{BB962C8B-B14F-4D97-AF65-F5344CB8AC3E}">
-        <p14:creationId xmlns:p14="http://schemas.microsoft.com/office/powerpoint/2010/main" val="1932602123"/>
+        <p14:creationId xmlns:p14="http://schemas.microsoft.com/office/powerpoint/2010/main" val="2120105575"/>
       </p:ext>
     </p:extLst>
   </p:cSld>
@@ -9262,7 +9298,7 @@
           <a:p>
             <a:r>
               <a:rPr lang="de-DE" dirty="0"/>
-              <a:t>Lambda 0 or lambda 1 is not that effective in choosing different denominators/numerators</a:t>
+              <a:t>Both model types decide on different numerators and denominators depending on data set size </a:t>
             </a:r>
           </a:p>
         </p:txBody>
@@ -9284,7 +9320,7 @@
           <a:p>
             <a:fld id="{14E34CAD-DC0B-4EB4-812C-D77F8E7D39DE}" type="slidenum">
               <a:rPr lang="en-US" smtClean="0"/>
-              <a:t>52</a:t>
+              <a:t>51</a:t>
             </a:fld>
             <a:endParaRPr lang="en-US"/>
           </a:p>
@@ -9293,7 +9329,7 @@
     </p:spTree>
     <p:extLst>
       <p:ext uri="{BB962C8B-B14F-4D97-AF65-F5344CB8AC3E}">
-        <p14:creationId xmlns:p14="http://schemas.microsoft.com/office/powerpoint/2010/main" val="2508759501"/>
+        <p14:creationId xmlns:p14="http://schemas.microsoft.com/office/powerpoint/2010/main" val="1932602123"/>
       </p:ext>
     </p:extLst>
   </p:cSld>
@@ -9349,16 +9385,7 @@
           <a:p>
             <a:r>
               <a:rPr lang="de-DE" dirty="0"/>
-              <a:t>Both model types decide on different numerators and denominators depending on data set size </a:t>
-            </a:r>
-          </a:p>
-          <a:p>
-            <a:endParaRPr lang="de-DE" dirty="0"/>
-          </a:p>
-          <a:p>
-            <a:r>
-              <a:rPr lang="de-DE" dirty="0"/>
-              <a:t>- Compared numerators/denominators with svmRadial split -&gt; results are very close</a:t>
+              <a:t>Lambda 0 or lambda 1 is not that effective in choosing different denominators/numerators</a:t>
             </a:r>
           </a:p>
         </p:txBody>
@@ -9380,7 +9407,7 @@
           <a:p>
             <a:fld id="{14E34CAD-DC0B-4EB4-812C-D77F8E7D39DE}" type="slidenum">
               <a:rPr lang="en-US" smtClean="0"/>
-              <a:t>53</a:t>
+              <a:t>52</a:t>
             </a:fld>
             <a:endParaRPr lang="en-US"/>
           </a:p>
@@ -9389,7 +9416,7 @@
     </p:spTree>
     <p:extLst>
       <p:ext uri="{BB962C8B-B14F-4D97-AF65-F5344CB8AC3E}">
-        <p14:creationId xmlns:p14="http://schemas.microsoft.com/office/powerpoint/2010/main" val="113593298"/>
+        <p14:creationId xmlns:p14="http://schemas.microsoft.com/office/powerpoint/2010/main" val="2508759501"/>
       </p:ext>
     </p:extLst>
   </p:cSld>
@@ -9445,7 +9472,16 @@
           <a:p>
             <a:r>
               <a:rPr lang="de-DE" dirty="0"/>
-              <a:t>Numerators and denominators found by codacore over 10 rounds per model type from glmnet split -&gt; split is set by seed (2022) -&gt; all splits are the same</a:t>
+              <a:t>Both model types decide on different numerators and denominators depending on data set size </a:t>
+            </a:r>
+          </a:p>
+          <a:p>
+            <a:endParaRPr lang="de-DE" dirty="0"/>
+          </a:p>
+          <a:p>
+            <a:r>
+              <a:rPr lang="de-DE" dirty="0"/>
+              <a:t>- Compared numerators/denominators with svmRadial split -&gt; results are very close</a:t>
             </a:r>
           </a:p>
         </p:txBody>
@@ -9467,7 +9503,7 @@
           <a:p>
             <a:fld id="{14E34CAD-DC0B-4EB4-812C-D77F8E7D39DE}" type="slidenum">
               <a:rPr lang="en-US" smtClean="0"/>
-              <a:t>54</a:t>
+              <a:t>53</a:t>
             </a:fld>
             <a:endParaRPr lang="en-US"/>
           </a:p>
@@ -9476,7 +9512,7 @@
     </p:spTree>
     <p:extLst>
       <p:ext uri="{BB962C8B-B14F-4D97-AF65-F5344CB8AC3E}">
-        <p14:creationId xmlns:p14="http://schemas.microsoft.com/office/powerpoint/2010/main" val="970822640"/>
+        <p14:creationId xmlns:p14="http://schemas.microsoft.com/office/powerpoint/2010/main" val="113593298"/>
       </p:ext>
     </p:extLst>
   </p:cSld>
@@ -9619,26 +9655,8 @@
           <a:p>
             <a:r>
               <a:rPr lang="de-DE" dirty="0"/>
-              <a:t>2x ALR top 20 in ALRo CLR vs 2x codacore denominators </a:t>
-            </a:r>
-          </a:p>
-          <a:p>
-            <a:r>
-              <a:rPr lang="de-DE" dirty="0"/>
-              <a:t>-&gt; no intersect </a:t>
-            </a:r>
-          </a:p>
-          <a:p>
-            <a:endParaRPr lang="de-DE" dirty="0"/>
-          </a:p>
-          <a:p>
-            <a:r>
-              <a:rPr lang="de-DE" dirty="0"/>
-              <a:t>Are they directly comparable? Codacore uses pairwise AND a model</a:t>
-            </a:r>
-          </a:p>
-          <a:p>
-            <a:endParaRPr lang="de-DE" dirty="0"/>
+              <a:t>Numerators and denominators found by codacore over 10 rounds per model type from glmnet split -&gt; split is set by seed (2022) -&gt; all splits are the same</a:t>
+            </a:r>
           </a:p>
         </p:txBody>
       </p:sp>
@@ -9659,7 +9677,7 @@
           <a:p>
             <a:fld id="{14E34CAD-DC0B-4EB4-812C-D77F8E7D39DE}" type="slidenum">
               <a:rPr lang="en-US" smtClean="0"/>
-              <a:t>55</a:t>
+              <a:t>54</a:t>
             </a:fld>
             <a:endParaRPr lang="en-US"/>
           </a:p>
@@ -9668,7 +9686,7 @@
     </p:spTree>
     <p:extLst>
       <p:ext uri="{BB962C8B-B14F-4D97-AF65-F5344CB8AC3E}">
-        <p14:creationId xmlns:p14="http://schemas.microsoft.com/office/powerpoint/2010/main" val="1271884254"/>
+        <p14:creationId xmlns:p14="http://schemas.microsoft.com/office/powerpoint/2010/main" val="970822640"/>
       </p:ext>
     </p:extLst>
   </p:cSld>
@@ -9764,6 +9782,111 @@
           <a:p>
             <a:fld id="{14E34CAD-DC0B-4EB4-812C-D77F8E7D39DE}" type="slidenum">
               <a:rPr lang="en-US" smtClean="0"/>
+              <a:t>55</a:t>
+            </a:fld>
+            <a:endParaRPr lang="en-US"/>
+          </a:p>
+        </p:txBody>
+      </p:sp>
+    </p:spTree>
+    <p:extLst>
+      <p:ext uri="{BB962C8B-B14F-4D97-AF65-F5344CB8AC3E}">
+        <p14:creationId xmlns:p14="http://schemas.microsoft.com/office/powerpoint/2010/main" val="1271884254"/>
+      </p:ext>
+    </p:extLst>
+  </p:cSld>
+  <p:clrMapOvr>
+    <a:masterClrMapping/>
+  </p:clrMapOvr>
+</p:notes>
+</file>
+
+<file path=ppt/notesSlides/notesSlide32.xml><?xml version="1.0" encoding="utf-8"?>
+<p:notes xmlns:a="http://schemas.openxmlformats.org/drawingml/2006/main" xmlns:r="http://schemas.openxmlformats.org/officeDocument/2006/relationships" xmlns:p="http://schemas.openxmlformats.org/presentationml/2006/main">
+  <p:cSld>
+    <p:spTree>
+      <p:nvGrpSpPr>
+        <p:cNvPr id="1" name=""/>
+        <p:cNvGrpSpPr/>
+        <p:nvPr/>
+      </p:nvGrpSpPr>
+      <p:grpSpPr>
+        <a:xfrm>
+          <a:off x="0" y="0"/>
+          <a:ext cx="0" cy="0"/>
+          <a:chOff x="0" y="0"/>
+          <a:chExt cx="0" cy="0"/>
+        </a:xfrm>
+      </p:grpSpPr>
+      <p:sp>
+        <p:nvSpPr>
+          <p:cNvPr id="2" name="Slide Image Placeholder 1"/>
+          <p:cNvSpPr>
+            <a:spLocks noGrp="1" noRot="1" noChangeAspect="1"/>
+          </p:cNvSpPr>
+          <p:nvPr>
+            <p:ph type="sldImg"/>
+          </p:nvPr>
+        </p:nvSpPr>
+        <p:spPr/>
+      </p:sp>
+      <p:sp>
+        <p:nvSpPr>
+          <p:cNvPr id="3" name="Notes Placeholder 2"/>
+          <p:cNvSpPr>
+            <a:spLocks noGrp="1"/>
+          </p:cNvSpPr>
+          <p:nvPr>
+            <p:ph type="body" idx="1"/>
+          </p:nvPr>
+        </p:nvSpPr>
+        <p:spPr/>
+        <p:txBody>
+          <a:bodyPr/>
+          <a:lstStyle/>
+          <a:p>
+            <a:r>
+              <a:rPr lang="de-DE" dirty="0"/>
+              <a:t>2x ALR top 20 in ALRo CLR vs 2x codacore denominators </a:t>
+            </a:r>
+          </a:p>
+          <a:p>
+            <a:r>
+              <a:rPr lang="de-DE" dirty="0"/>
+              <a:t>-&gt; no intersect </a:t>
+            </a:r>
+          </a:p>
+          <a:p>
+            <a:endParaRPr lang="de-DE" dirty="0"/>
+          </a:p>
+          <a:p>
+            <a:r>
+              <a:rPr lang="de-DE" dirty="0"/>
+              <a:t>Are they directly comparable? Codacore uses pairwise AND a model</a:t>
+            </a:r>
+          </a:p>
+          <a:p>
+            <a:endParaRPr lang="de-DE" dirty="0"/>
+          </a:p>
+        </p:txBody>
+      </p:sp>
+      <p:sp>
+        <p:nvSpPr>
+          <p:cNvPr id="4" name="Slide Number Placeholder 3"/>
+          <p:cNvSpPr>
+            <a:spLocks noGrp="1"/>
+          </p:cNvSpPr>
+          <p:nvPr>
+            <p:ph type="sldNum" sz="quarter" idx="5"/>
+          </p:nvPr>
+        </p:nvSpPr>
+        <p:spPr/>
+        <p:txBody>
+          <a:bodyPr/>
+          <a:lstStyle/>
+          <a:p>
+            <a:fld id="{14E34CAD-DC0B-4EB4-812C-D77F8E7D39DE}" type="slidenum">
+              <a:rPr lang="en-US" smtClean="0"/>
               <a:t>56</a:t>
             </a:fld>
             <a:endParaRPr lang="en-US"/>
@@ -9783,7 +9906,7 @@
 </p:notes>
 </file>
 
-<file path=ppt/notesSlides/notesSlide32.xml><?xml version="1.0" encoding="utf-8"?>
+<file path=ppt/notesSlides/notesSlide33.xml><?xml version="1.0" encoding="utf-8"?>
 <p:notes xmlns:a="http://schemas.openxmlformats.org/drawingml/2006/main" xmlns:r="http://schemas.openxmlformats.org/officeDocument/2006/relationships" xmlns:p="http://schemas.openxmlformats.org/presentationml/2006/main">
   <p:cSld>
     <p:spTree>
@@ -10608,7 +10731,7 @@
           <a:p>
             <a:fld id="{843A20DD-8926-4B91-8D72-D1DC7F5C31EF}" type="datetime1">
               <a:rPr lang="en-US" smtClean="0"/>
-              <a:t>5/12/2022</a:t>
+              <a:t>5/13/2022</a:t>
             </a:fld>
             <a:endParaRPr lang="en-US" dirty="0"/>
           </a:p>
@@ -10951,7 +11074,7 @@
           <a:p>
             <a:fld id="{D2DD2B10-BCB9-40E5-8141-F17001376370}" type="datetime1">
               <a:rPr lang="en-US" smtClean="0"/>
-              <a:t>5/12/2022</a:t>
+              <a:t>5/13/2022</a:t>
             </a:fld>
             <a:endParaRPr lang="en-US" dirty="0"/>
           </a:p>
@@ -11357,7 +11480,7 @@
           <a:p>
             <a:fld id="{927FFA6D-4E8C-437E-BCA1-3CF73EB8B252}" type="datetime1">
               <a:rPr lang="en-US" smtClean="0"/>
-              <a:t>5/12/2022</a:t>
+              <a:t>5/13/2022</a:t>
             </a:fld>
             <a:endParaRPr lang="en-US" dirty="0"/>
           </a:p>
@@ -11698,7 +11821,7 @@
           <a:p>
             <a:fld id="{A2C7F92B-2A35-4C09-8346-C40AAA997302}" type="datetime1">
               <a:rPr lang="en-US" smtClean="0"/>
-              <a:t>5/12/2022</a:t>
+              <a:t>5/13/2022</a:t>
             </a:fld>
             <a:endParaRPr lang="en-US" dirty="0"/>
           </a:p>
@@ -12024,7 +12147,7 @@
           <a:p>
             <a:fld id="{A2C7F92B-2A35-4C09-8346-C40AAA997302}" type="datetime1">
               <a:rPr lang="en-US" smtClean="0"/>
-              <a:t>5/12/2022</a:t>
+              <a:t>5/13/2022</a:t>
             </a:fld>
             <a:endParaRPr lang="en-US" dirty="0"/>
           </a:p>
@@ -12426,7 +12549,7 @@
           <a:p>
             <a:fld id="{A2C7F92B-2A35-4C09-8346-C40AAA997302}" type="datetime1">
               <a:rPr lang="en-US" smtClean="0"/>
-              <a:t>5/12/2022</a:t>
+              <a:t>5/13/2022</a:t>
             </a:fld>
             <a:endParaRPr lang="en-US" dirty="0"/>
           </a:p>
@@ -12689,7 +12812,7 @@
           <a:p>
             <a:fld id="{8A427DC1-41D9-41ED-AAB7-DF919DFB0B7D}" type="datetime1">
               <a:rPr lang="en-US" smtClean="0"/>
-              <a:t>5/12/2022</a:t>
+              <a:t>5/13/2022</a:t>
             </a:fld>
             <a:endParaRPr lang="en-US" dirty="0"/>
           </a:p>
@@ -12956,7 +13079,7 @@
           <a:p>
             <a:fld id="{49530F64-B6F9-41E5-8499-9B56B7F93996}" type="datetime1">
               <a:rPr lang="en-US" smtClean="0"/>
-              <a:t>5/12/2022</a:t>
+              <a:t>5/13/2022</a:t>
             </a:fld>
             <a:endParaRPr lang="en-US" dirty="0"/>
           </a:p>
@@ -13227,7 +13350,7 @@
             <a:fld id="{36D18B76-5E8B-4456-8722-FC5B14B0F354}" type="datetime1">
               <a:rPr lang="en-US" smtClean="0"/>
               <a:pPr/>
-              <a:t>5/12/2022</a:t>
+              <a:t>5/13/2022</a:t>
             </a:fld>
             <a:endParaRPr lang="en-US" dirty="0"/>
           </a:p>
@@ -13565,7 +13688,7 @@
           <a:p>
             <a:fld id="{3E914A3D-A565-477F-8682-1AE6EFE36557}" type="datetime1">
               <a:rPr lang="en-US" smtClean="0"/>
-              <a:t>5/12/2022</a:t>
+              <a:t>5/13/2022</a:t>
             </a:fld>
             <a:endParaRPr lang="en-US" dirty="0"/>
           </a:p>
@@ -13893,7 +14016,7 @@
           <a:p>
             <a:fld id="{D45A6A21-0914-4A46-BCF1-163E9A00E688}" type="datetime1">
               <a:rPr lang="en-US" smtClean="0"/>
-              <a:t>5/12/2022</a:t>
+              <a:t>5/13/2022</a:t>
             </a:fld>
             <a:endParaRPr lang="en-US" dirty="0"/>
           </a:p>
@@ -14355,7 +14478,7 @@
           <a:p>
             <a:fld id="{6BDD7FCB-B1A7-4982-8C8B-674E644B14B0}" type="datetime1">
               <a:rPr lang="en-US" smtClean="0"/>
-              <a:t>5/12/2022</a:t>
+              <a:t>5/13/2022</a:t>
             </a:fld>
             <a:endParaRPr lang="en-US" dirty="0"/>
           </a:p>
@@ -14575,7 +14698,7 @@
             <a:fld id="{4C731089-17FC-4C04-87B1-2157F67F0117}" type="datetime1">
               <a:rPr lang="en-US" smtClean="0"/>
               <a:pPr/>
-              <a:t>5/12/2022</a:t>
+              <a:t>5/13/2022</a:t>
             </a:fld>
             <a:endParaRPr lang="en-US" dirty="0"/>
           </a:p>
@@ -14761,7 +14884,7 @@
           <a:p>
             <a:fld id="{1278D66F-D6E5-4434-B311-7DA25CA81F5A}" type="datetime1">
               <a:rPr lang="en-US" smtClean="0"/>
-              <a:t>5/12/2022</a:t>
+              <a:t>5/13/2022</a:t>
             </a:fld>
             <a:endParaRPr lang="en-US" dirty="0"/>
           </a:p>
@@ -15099,7 +15222,7 @@
           <a:p>
             <a:fld id="{2253374B-0B0C-42C0-A0DF-1550CE3AA116}" type="datetime1">
               <a:rPr lang="en-US" smtClean="0"/>
-              <a:t>5/12/2022</a:t>
+              <a:t>5/13/2022</a:t>
             </a:fld>
             <a:endParaRPr lang="en-US" dirty="0"/>
           </a:p>
@@ -15449,7 +15572,7 @@
           <a:p>
             <a:fld id="{F589A7BC-DDDD-4FB0-A8E7-5046A2EF84B8}" type="datetime1">
               <a:rPr lang="en-US" smtClean="0"/>
-              <a:t>5/12/2022</a:t>
+              <a:t>5/13/2022</a:t>
             </a:fld>
             <a:endParaRPr lang="en-US" dirty="0"/>
           </a:p>
@@ -17571,7 +17694,7 @@
           <a:p>
             <a:fld id="{A2C7F92B-2A35-4C09-8346-C40AAA997302}" type="datetime1">
               <a:rPr lang="en-US" smtClean="0"/>
-              <a:t>5/12/2022</a:t>
+              <a:t>5/13/2022</a:t>
             </a:fld>
             <a:endParaRPr lang="en-US" dirty="0"/>
           </a:p>
@@ -18189,7 +18312,7 @@
           <a:p>
             <a:fld id="{EFFFF5E6-438B-4B86-AF1B-DB82D6C33C1C}" type="datetime1">
               <a:rPr lang="en-US" smtClean="0"/>
-              <a:t>5/12/2022</a:t>
+              <a:t>5/13/2022</a:t>
             </a:fld>
             <a:endParaRPr lang="en-US" dirty="0"/>
           </a:p>
@@ -18559,7 +18682,7 @@
             <a:fld id="{36D18B76-5E8B-4456-8722-FC5B14B0F354}" type="datetime1">
               <a:rPr lang="en-US" smtClean="0"/>
               <a:pPr/>
-              <a:t>5/12/2022</a:t>
+              <a:t>5/13/2022</a:t>
             </a:fld>
             <a:endParaRPr lang="en-US" dirty="0"/>
           </a:p>
@@ -19687,7 +19810,7 @@
             <a:fld id="{36D18B76-5E8B-4456-8722-FC5B14B0F354}" type="datetime1">
               <a:rPr lang="en-US" smtClean="0"/>
               <a:pPr/>
-              <a:t>5/12/2022</a:t>
+              <a:t>5/13/2022</a:t>
             </a:fld>
             <a:endParaRPr lang="en-US" dirty="0"/>
           </a:p>
@@ -22602,7 +22725,7 @@
           <a:p>
             <a:fld id="{1278D66F-D6E5-4434-B311-7DA25CA81F5A}" type="datetime1">
               <a:rPr lang="en-US" smtClean="0"/>
-              <a:t>5/12/2022</a:t>
+              <a:t>5/13/2022</a:t>
             </a:fld>
             <a:endParaRPr lang="en-US" dirty="0"/>
           </a:p>
@@ -25807,7 +25930,7 @@
           <a:p>
             <a:fld id="{BCCEB706-B4FB-4DF7-BDF7-514AEA7F06D0}" type="datetime1">
               <a:rPr lang="en-US" smtClean="0"/>
-              <a:t>5/12/2022</a:t>
+              <a:t>5/13/2022</a:t>
             </a:fld>
             <a:endParaRPr lang="en-US" dirty="0"/>
           </a:p>
@@ -31176,7 +31299,7 @@
           <a:p>
             <a:fld id="{7BB4AFEC-4BE7-4504-8846-4BF0CCFD9721}" type="datetime1">
               <a:rPr lang="en-US" smtClean="0"/>
-              <a:t>5/12/2022</a:t>
+              <a:t>5/13/2022</a:t>
             </a:fld>
             <a:endParaRPr lang="en-US" dirty="0"/>
           </a:p>
@@ -32769,8 +32892,8 @@
         </p:nvSpPr>
         <p:spPr>
           <a:xfrm rot="365251">
-            <a:off x="8696461" y="723959"/>
-            <a:ext cx="3710763" cy="369332"/>
+            <a:off x="8620253" y="382913"/>
+            <a:ext cx="4162664" cy="1200329"/>
           </a:xfrm>
           <a:prstGeom prst="rect">
             <a:avLst/>
@@ -32790,14 +32913,30 @@
           </a:bodyPr>
           <a:lstStyle/>
           <a:p>
-            <a:pPr algn="ctr"/>
+            <a:pPr marL="0" marR="0" lvl="0" indent="0" algn="l" defTabSz="914400" rtl="0" eaLnBrk="1" fontAlgn="auto" latinLnBrk="0" hangingPunct="1">
+              <a:lnSpc>
+                <a:spcPct val="100000"/>
+              </a:lnSpc>
+              <a:spcBef>
+                <a:spcPts val="0"/>
+              </a:spcBef>
+              <a:spcAft>
+                <a:spcPts val="0"/>
+              </a:spcAft>
+              <a:buClrTx/>
+              <a:buSzTx/>
+              <a:buFontTx/>
+              <a:buNone/>
+              <a:tabLst/>
+              <a:defRPr/>
+            </a:pPr>
             <a:r>
               <a:rPr lang="de-DE" b="1" dirty="0">
                 <a:solidFill>
                   <a:srgbClr val="FF0000"/>
                 </a:solidFill>
               </a:rPr>
-              <a:t>Include also imputation once</a:t>
+              <a:t>NB! Imputation will be conducted on whole data set, as test data does not have enough data to hypertune t in GBM </a:t>
             </a:r>
           </a:p>
         </p:txBody>
@@ -32919,7 +33058,7 @@
             <a:fld id="{36D18B76-5E8B-4456-8722-FC5B14B0F354}" type="datetime1">
               <a:rPr lang="en-US" smtClean="0"/>
               <a:pPr/>
-              <a:t>5/12/2022</a:t>
+              <a:t>5/13/2022</a:t>
             </a:fld>
             <a:endParaRPr lang="en-US" dirty="0"/>
           </a:p>
@@ -33218,7 +33357,7 @@
             <a:fld id="{36D18B76-5E8B-4456-8722-FC5B14B0F354}" type="datetime1">
               <a:rPr lang="en-US" smtClean="0"/>
               <a:pPr/>
-              <a:t>5/12/2022</a:t>
+              <a:t>5/13/2022</a:t>
             </a:fld>
             <a:endParaRPr lang="en-US" dirty="0"/>
           </a:p>
@@ -33331,7 +33470,7 @@
 </file>
 
 <file path=ppt/slides/slide46.xml><?xml version="1.0" encoding="utf-8"?>
-<p:sld xmlns:a="http://schemas.openxmlformats.org/drawingml/2006/main" xmlns:r="http://schemas.openxmlformats.org/officeDocument/2006/relationships" xmlns:p="http://schemas.openxmlformats.org/presentationml/2006/main">
+<p:sld xmlns:a="http://schemas.openxmlformats.org/drawingml/2006/main" xmlns:r="http://schemas.openxmlformats.org/officeDocument/2006/relationships" xmlns:p="http://schemas.openxmlformats.org/presentationml/2006/main" show="0">
   <p:cSld>
     <p:spTree>
       <p:nvGrpSpPr>
@@ -34269,7 +34408,7 @@
 </file>
 
 <file path=ppt/slides/slide47.xml><?xml version="1.0" encoding="utf-8"?>
-<p:sld xmlns:a="http://schemas.openxmlformats.org/drawingml/2006/main" xmlns:r="http://schemas.openxmlformats.org/officeDocument/2006/relationships" xmlns:p="http://schemas.openxmlformats.org/presentationml/2006/main">
+<p:sld xmlns:a="http://schemas.openxmlformats.org/drawingml/2006/main" xmlns:r="http://schemas.openxmlformats.org/officeDocument/2006/relationships" xmlns:p="http://schemas.openxmlformats.org/presentationml/2006/main" show="0">
   <p:cSld>
     <p:spTree>
       <p:nvGrpSpPr>
@@ -34337,7 +34476,7 @@
             <a:fld id="{36D18B76-5E8B-4456-8722-FC5B14B0F354}" type="datetime1">
               <a:rPr lang="en-US" smtClean="0"/>
               <a:pPr/>
-              <a:t>5/12/2022</a:t>
+              <a:t>5/13/2022</a:t>
             </a:fld>
             <a:endParaRPr lang="en-US" dirty="0"/>
           </a:p>
@@ -34449,7 +34588,7 @@
 </file>
 
 <file path=ppt/slides/slide48.xml><?xml version="1.0" encoding="utf-8"?>
-<p:sld xmlns:a="http://schemas.openxmlformats.org/drawingml/2006/main" xmlns:r="http://schemas.openxmlformats.org/officeDocument/2006/relationships" xmlns:p="http://schemas.openxmlformats.org/presentationml/2006/main">
+<p:sld xmlns:a="http://schemas.openxmlformats.org/drawingml/2006/main" xmlns:r="http://schemas.openxmlformats.org/officeDocument/2006/relationships" xmlns:p="http://schemas.openxmlformats.org/presentationml/2006/main" show="0">
   <p:cSld>
     <p:spTree>
       <p:nvGrpSpPr>
@@ -34517,7 +34656,7 @@
             <a:fld id="{36D18B76-5E8B-4456-8722-FC5B14B0F354}" type="datetime1">
               <a:rPr lang="en-US" smtClean="0"/>
               <a:pPr/>
-              <a:t>5/12/2022</a:t>
+              <a:t>5/13/2022</a:t>
             </a:fld>
             <a:endParaRPr lang="en-US" dirty="0"/>
           </a:p>
@@ -34698,7 +34837,7 @@
             <a:fld id="{36D18B76-5E8B-4456-8722-FC5B14B0F354}" type="datetime1">
               <a:rPr lang="en-US" smtClean="0"/>
               <a:pPr/>
-              <a:t>5/12/2022</a:t>
+              <a:t>5/13/2022</a:t>
             </a:fld>
             <a:endParaRPr lang="en-US" dirty="0"/>
           </a:p>
@@ -34935,7 +35074,7 @@
             <a:fld id="{36D18B76-5E8B-4456-8722-FC5B14B0F354}" type="datetime1">
               <a:rPr lang="en-US" smtClean="0"/>
               <a:pPr/>
-              <a:t>5/12/2022</a:t>
+              <a:t>5/13/2022</a:t>
             </a:fld>
             <a:endParaRPr lang="en-US" dirty="0"/>
           </a:p>
@@ -35376,7 +35515,7 @@
             <a:fld id="{36D18B76-5E8B-4456-8722-FC5B14B0F354}" type="datetime1">
               <a:rPr lang="en-US" smtClean="0"/>
               <a:pPr/>
-              <a:t>5/12/2022</a:t>
+              <a:t>5/13/2022</a:t>
             </a:fld>
             <a:endParaRPr lang="en-US" dirty="0"/>
           </a:p>
@@ -35787,7 +35926,7 @@
             <a:fld id="{36D18B76-5E8B-4456-8722-FC5B14B0F354}" type="datetime1">
               <a:rPr lang="en-US" smtClean="0"/>
               <a:pPr/>
-              <a:t>5/12/2022</a:t>
+              <a:t>5/13/2022</a:t>
             </a:fld>
             <a:endParaRPr lang="en-US" dirty="0"/>
           </a:p>
@@ -36199,7 +36338,7 @@
             <a:fld id="{36D18B76-5E8B-4456-8722-FC5B14B0F354}" type="datetime1">
               <a:rPr lang="en-US" smtClean="0"/>
               <a:pPr/>
-              <a:t>5/12/2022</a:t>
+              <a:t>5/13/2022</a:t>
             </a:fld>
             <a:endParaRPr lang="en-US" dirty="0"/>
           </a:p>
@@ -36611,7 +36750,7 @@
             <a:fld id="{36D18B76-5E8B-4456-8722-FC5B14B0F354}" type="datetime1">
               <a:rPr lang="en-US" smtClean="0"/>
               <a:pPr/>
-              <a:t>5/12/2022</a:t>
+              <a:t>5/13/2022</a:t>
             </a:fld>
             <a:endParaRPr lang="en-US" dirty="0"/>
           </a:p>
@@ -36990,7 +37129,7 @@
             <a:fld id="{36D18B76-5E8B-4456-8722-FC5B14B0F354}" type="datetime1">
               <a:rPr lang="en-US" smtClean="0"/>
               <a:pPr/>
-              <a:t>5/12/2022</a:t>
+              <a:t>5/13/2022</a:t>
             </a:fld>
             <a:endParaRPr lang="en-US" dirty="0"/>
           </a:p>
@@ -38743,7 +38882,7 @@
           <a:p>
             <a:fld id="{1F2A6BD5-D000-45AE-BE81-365EBD12526C}" type="datetime1">
               <a:rPr lang="en-US" smtClean="0"/>
-              <a:t>5/12/2022</a:t>
+              <a:t>5/13/2022</a:t>
             </a:fld>
             <a:endParaRPr lang="en-US" dirty="0"/>
           </a:p>
@@ -39575,7 +39714,7 @@
           <a:p>
             <a:fld id="{5A2DBB50-F561-45B0-9BE5-95A455D2CD8B}" type="datetime1">
               <a:rPr lang="en-US" smtClean="0"/>
-              <a:t>5/12/2022</a:t>
+              <a:t>5/13/2022</a:t>
             </a:fld>
             <a:endParaRPr lang="en-US" dirty="0"/>
           </a:p>
@@ -39768,7 +39907,7 @@
           <a:p>
             <a:fld id="{BDD716FE-4A5D-4A13-A8EE-37F9C34BE666}" type="datetime1">
               <a:rPr lang="en-US" smtClean="0"/>
-              <a:t>5/12/2022</a:t>
+              <a:t>5/13/2022</a:t>
             </a:fld>
             <a:endParaRPr lang="en-US" dirty="0"/>
           </a:p>
@@ -40044,7 +40183,7 @@
           <a:p>
             <a:fld id="{5A2DBB50-F561-45B0-9BE5-95A455D2CD8B}" type="datetime1">
               <a:rPr lang="en-US" smtClean="0"/>
-              <a:t>5/12/2022</a:t>
+              <a:t>5/13/2022</a:t>
             </a:fld>
             <a:endParaRPr lang="en-US" dirty="0"/>
           </a:p>
@@ -40252,7 +40391,7 @@
           <a:p>
             <a:fld id="{5A2DBB50-F561-45B0-9BE5-95A455D2CD8B}" type="datetime1">
               <a:rPr lang="en-US" smtClean="0"/>
-              <a:t>5/12/2022</a:t>
+              <a:t>5/13/2022</a:t>
             </a:fld>
             <a:endParaRPr lang="en-US" dirty="0"/>
           </a:p>
@@ -40500,7 +40639,7 @@
             <a:fld id="{36D18B76-5E8B-4456-8722-FC5B14B0F354}" type="datetime1">
               <a:rPr lang="en-US" smtClean="0"/>
               <a:pPr/>
-              <a:t>5/12/2022</a:t>
+              <a:t>5/13/2022</a:t>
             </a:fld>
             <a:endParaRPr lang="en-US" dirty="0"/>
           </a:p>
@@ -40704,7 +40843,7 @@
           <a:p>
             <a:fld id="{93673764-947C-4E64-9BD5-474B9E9D9329}" type="datetime1">
               <a:rPr lang="en-US" smtClean="0"/>
-              <a:t>5/12/2022</a:t>
+              <a:t>5/13/2022</a:t>
             </a:fld>
             <a:endParaRPr lang="en-US" dirty="0"/>
           </a:p>
@@ -41149,7 +41288,7 @@
           <a:p>
             <a:fld id="{524BA6AA-761D-44D9-9696-AC66CE044BF5}" type="datetime1">
               <a:rPr lang="en-US" smtClean="0"/>
-              <a:t>5/12/2022</a:t>
+              <a:t>5/13/2022</a:t>
             </a:fld>
             <a:endParaRPr lang="en-US" dirty="0"/>
           </a:p>
@@ -41483,7 +41622,7 @@
           <a:p>
             <a:fld id="{A70B3D3E-FC47-4E47-BC37-6E33025EDD36}" type="datetime1">
               <a:rPr lang="en-US" smtClean="0"/>
-              <a:t>5/12/2022</a:t>
+              <a:t>5/13/2022</a:t>
             </a:fld>
             <a:endParaRPr lang="en-US" dirty="0"/>
           </a:p>

--- a/doc/Project_structure_notes.pptx
+++ b/doc/Project_structure_notes.pptx
@@ -5,7 +5,7 @@
     <p:sldMasterId id="2147483702" r:id="rId1"/>
   </p:sldMasterIdLst>
   <p:notesMasterIdLst>
-    <p:notesMasterId r:id="rId70"/>
+    <p:notesMasterId r:id="rId72"/>
   </p:notesMasterIdLst>
   <p:sldIdLst>
     <p:sldId id="256" r:id="rId2"/>
@@ -65,17 +65,19 @@
     <p:sldId id="315" r:id="rId56"/>
     <p:sldId id="334" r:id="rId57"/>
     <p:sldId id="335" r:id="rId58"/>
-    <p:sldId id="277" r:id="rId59"/>
-    <p:sldId id="279" r:id="rId60"/>
-    <p:sldId id="278" r:id="rId61"/>
-    <p:sldId id="290" r:id="rId62"/>
-    <p:sldId id="269" r:id="rId63"/>
-    <p:sldId id="263" r:id="rId64"/>
-    <p:sldId id="258" r:id="rId65"/>
-    <p:sldId id="270" r:id="rId66"/>
-    <p:sldId id="284" r:id="rId67"/>
-    <p:sldId id="257" r:id="rId68"/>
-    <p:sldId id="268" r:id="rId69"/>
+    <p:sldId id="337" r:id="rId59"/>
+    <p:sldId id="277" r:id="rId60"/>
+    <p:sldId id="279" r:id="rId61"/>
+    <p:sldId id="336" r:id="rId62"/>
+    <p:sldId id="278" r:id="rId63"/>
+    <p:sldId id="290" r:id="rId64"/>
+    <p:sldId id="269" r:id="rId65"/>
+    <p:sldId id="263" r:id="rId66"/>
+    <p:sldId id="258" r:id="rId67"/>
+    <p:sldId id="270" r:id="rId68"/>
+    <p:sldId id="284" r:id="rId69"/>
+    <p:sldId id="257" r:id="rId70"/>
+    <p:sldId id="268" r:id="rId71"/>
   </p:sldIdLst>
   <p:sldSz cx="12192000" cy="6858000"/>
   <p:notesSz cx="6858000" cy="9144000"/>
@@ -187,11 +189,11 @@
             <p14:sldId id="272"/>
             <p14:sldId id="267"/>
             <p14:sldId id="266"/>
-            <p14:sldId id="285"/>
           </p14:sldIdLst>
         </p14:section>
         <p14:section name="background" id="{734442C7-9DFA-4163-AB0C-F6E41907FEF9}">
           <p14:sldIdLst>
+            <p14:sldId id="285"/>
             <p14:sldId id="260"/>
             <p14:sldId id="275"/>
             <p14:sldId id="261"/>
@@ -278,10 +280,16 @@
             <p14:sldId id="335"/>
           </p14:sldIdLst>
         </p14:section>
+        <p14:section name="Ternary Plots" id="{BC8584DF-CA48-4976-BD2D-13825CA00330}">
+          <p14:sldIdLst>
+            <p14:sldId id="337"/>
+          </p14:sldIdLst>
+        </p14:section>
         <p14:section name="Notes" id="{BD5F37D2-34EC-4962-982B-3F5187946EDA}">
           <p14:sldIdLst>
             <p14:sldId id="277"/>
             <p14:sldId id="279"/>
+            <p14:sldId id="336"/>
             <p14:sldId id="278"/>
             <p14:sldId id="290"/>
             <p14:sldId id="269"/>
@@ -7286,7 +7294,7 @@
           <a:p>
             <a:fld id="{0D3712C0-BD94-4EDD-81B8-404EF18DF498}" type="datetimeFigureOut">
               <a:rPr lang="en-US" smtClean="0"/>
-              <a:t>5/13/2022</a:t>
+              <a:t>5/19/2022</a:t>
             </a:fld>
             <a:endParaRPr lang="en-US"/>
           </a:p>
@@ -10011,6 +10019,298 @@
 </p:notes>
 </file>
 
+<file path=ppt/notesSlides/notesSlide34.xml><?xml version="1.0" encoding="utf-8"?>
+<p:notes xmlns:a="http://schemas.openxmlformats.org/drawingml/2006/main" xmlns:r="http://schemas.openxmlformats.org/officeDocument/2006/relationships" xmlns:p="http://schemas.openxmlformats.org/presentationml/2006/main">
+  <p:cSld>
+    <p:spTree>
+      <p:nvGrpSpPr>
+        <p:cNvPr id="1" name=""/>
+        <p:cNvGrpSpPr/>
+        <p:nvPr/>
+      </p:nvGrpSpPr>
+      <p:grpSpPr>
+        <a:xfrm>
+          <a:off x="0" y="0"/>
+          <a:ext cx="0" cy="0"/>
+          <a:chOff x="0" y="0"/>
+          <a:chExt cx="0" cy="0"/>
+        </a:xfrm>
+      </p:grpSpPr>
+      <p:sp>
+        <p:nvSpPr>
+          <p:cNvPr id="2" name="Slide Image Placeholder 1"/>
+          <p:cNvSpPr>
+            <a:spLocks noGrp="1" noRot="1" noChangeAspect="1"/>
+          </p:cNvSpPr>
+          <p:nvPr>
+            <p:ph type="sldImg"/>
+          </p:nvPr>
+        </p:nvSpPr>
+        <p:spPr/>
+      </p:sp>
+      <p:sp>
+        <p:nvSpPr>
+          <p:cNvPr id="3" name="Notes Placeholder 2"/>
+          <p:cNvSpPr>
+            <a:spLocks noGrp="1"/>
+          </p:cNvSpPr>
+          <p:nvPr>
+            <p:ph type="body" idx="1"/>
+          </p:nvPr>
+        </p:nvSpPr>
+        <p:spPr/>
+        <p:txBody>
+          <a:bodyPr/>
+          <a:lstStyle/>
+          <a:p>
+            <a:endParaRPr lang="de-DE" dirty="0"/>
+          </a:p>
+        </p:txBody>
+      </p:sp>
+      <p:sp>
+        <p:nvSpPr>
+          <p:cNvPr id="4" name="Slide Number Placeholder 3"/>
+          <p:cNvSpPr>
+            <a:spLocks noGrp="1"/>
+          </p:cNvSpPr>
+          <p:nvPr>
+            <p:ph type="sldNum" sz="quarter" idx="5"/>
+          </p:nvPr>
+        </p:nvSpPr>
+        <p:spPr/>
+        <p:txBody>
+          <a:bodyPr/>
+          <a:lstStyle/>
+          <a:p>
+            <a:fld id="{14E34CAD-DC0B-4EB4-812C-D77F8E7D39DE}" type="slidenum">
+              <a:rPr lang="en-US" smtClean="0"/>
+              <a:t>58</a:t>
+            </a:fld>
+            <a:endParaRPr lang="en-US"/>
+          </a:p>
+        </p:txBody>
+      </p:sp>
+    </p:spTree>
+    <p:extLst>
+      <p:ext uri="{BB962C8B-B14F-4D97-AF65-F5344CB8AC3E}">
+        <p14:creationId xmlns:p14="http://schemas.microsoft.com/office/powerpoint/2010/main" val="619959005"/>
+      </p:ext>
+    </p:extLst>
+  </p:cSld>
+  <p:clrMapOvr>
+    <a:masterClrMapping/>
+  </p:clrMapOvr>
+</p:notes>
+</file>
+
+<file path=ppt/notesSlides/notesSlide35.xml><?xml version="1.0" encoding="utf-8"?>
+<p:notes xmlns:a="http://schemas.openxmlformats.org/drawingml/2006/main" xmlns:r="http://schemas.openxmlformats.org/officeDocument/2006/relationships" xmlns:p="http://schemas.openxmlformats.org/presentationml/2006/main">
+  <p:cSld>
+    <p:spTree>
+      <p:nvGrpSpPr>
+        <p:cNvPr id="1" name=""/>
+        <p:cNvGrpSpPr/>
+        <p:nvPr/>
+      </p:nvGrpSpPr>
+      <p:grpSpPr>
+        <a:xfrm>
+          <a:off x="0" y="0"/>
+          <a:ext cx="0" cy="0"/>
+          <a:chOff x="0" y="0"/>
+          <a:chExt cx="0" cy="0"/>
+        </a:xfrm>
+      </p:grpSpPr>
+      <p:sp>
+        <p:nvSpPr>
+          <p:cNvPr id="2" name="Slide Image Placeholder 1"/>
+          <p:cNvSpPr>
+            <a:spLocks noGrp="1" noRot="1" noChangeAspect="1"/>
+          </p:cNvSpPr>
+          <p:nvPr>
+            <p:ph type="sldImg"/>
+          </p:nvPr>
+        </p:nvSpPr>
+        <p:spPr/>
+      </p:sp>
+      <p:sp>
+        <p:nvSpPr>
+          <p:cNvPr id="3" name="Notes Placeholder 2"/>
+          <p:cNvSpPr>
+            <a:spLocks noGrp="1"/>
+          </p:cNvSpPr>
+          <p:nvPr>
+            <p:ph type="body" idx="1"/>
+          </p:nvPr>
+        </p:nvSpPr>
+        <p:spPr/>
+        <p:txBody>
+          <a:bodyPr/>
+          <a:lstStyle/>
+          <a:p>
+            <a:pPr marL="0" marR="0" algn="just">
+              <a:lnSpc>
+                <a:spcPct val="150000"/>
+              </a:lnSpc>
+              <a:spcBef>
+                <a:spcPts val="500"/>
+              </a:spcBef>
+              <a:spcAft>
+                <a:spcPts val="1000"/>
+              </a:spcAft>
+            </a:pPr>
+            <a:r>
+              <a:rPr lang="en-US" sz="1800" u="sng" dirty="0">
+                <a:solidFill>
+                  <a:srgbClr val="8E58B6"/>
+                </a:solidFill>
+                <a:effectLst/>
+                <a:latin typeface="Arial" panose="020B0604020202020204" pitchFamily="34" charset="0"/>
+                <a:ea typeface="Times New Roman" panose="02020603050405020304" pitchFamily="18" charset="0"/>
+                <a:cs typeface="Times New Roman" panose="02020603050405020304" pitchFamily="18" charset="0"/>
+                <a:hlinkClick r:id="rId3"/>
+              </a:rPr>
+              <a:t>https://leadertutor.com/equivalence-relations-composition/</a:t>
+            </a:r>
+            <a:endParaRPr lang="de-DE" sz="1800" dirty="0">
+              <a:effectLst/>
+              <a:latin typeface="Arial" panose="020B0604020202020204" pitchFamily="34" charset="0"/>
+              <a:ea typeface="Times New Roman" panose="02020603050405020304" pitchFamily="18" charset="0"/>
+              <a:cs typeface="Times New Roman" panose="02020603050405020304" pitchFamily="18" charset="0"/>
+            </a:endParaRPr>
+          </a:p>
+          <a:p>
+            <a:pPr marL="0" marR="0" algn="just">
+              <a:lnSpc>
+                <a:spcPct val="150000"/>
+              </a:lnSpc>
+              <a:spcBef>
+                <a:spcPts val="500"/>
+              </a:spcBef>
+              <a:spcAft>
+                <a:spcPts val="1000"/>
+              </a:spcAft>
+            </a:pPr>
+            <a:r>
+              <a:rPr lang="en-US" sz="1800" u="sng" dirty="0">
+                <a:solidFill>
+                  <a:srgbClr val="8E58B6"/>
+                </a:solidFill>
+                <a:effectLst/>
+                <a:latin typeface="Arial" panose="020B0604020202020204" pitchFamily="34" charset="0"/>
+                <a:ea typeface="Times New Roman" panose="02020603050405020304" pitchFamily="18" charset="0"/>
+                <a:cs typeface="Times New Roman" panose="02020603050405020304" pitchFamily="18" charset="0"/>
+                <a:hlinkClick r:id="rId4"/>
+              </a:rPr>
+              <a:t>https://math.stackexchange.com/questions/600978/equivalence-relation-composition-problem</a:t>
+            </a:r>
+            <a:endParaRPr lang="de-DE" sz="1800" dirty="0">
+              <a:effectLst/>
+              <a:latin typeface="Arial" panose="020B0604020202020204" pitchFamily="34" charset="0"/>
+              <a:ea typeface="Times New Roman" panose="02020603050405020304" pitchFamily="18" charset="0"/>
+              <a:cs typeface="Times New Roman" panose="02020603050405020304" pitchFamily="18" charset="0"/>
+            </a:endParaRPr>
+          </a:p>
+          <a:p>
+            <a:pPr marL="0" marR="0" algn="just">
+              <a:lnSpc>
+                <a:spcPct val="150000"/>
+              </a:lnSpc>
+              <a:spcBef>
+                <a:spcPts val="500"/>
+              </a:spcBef>
+              <a:spcAft>
+                <a:spcPts val="1000"/>
+              </a:spcAft>
+            </a:pPr>
+            <a:r>
+              <a:rPr lang="en-US" sz="1800" dirty="0">
+                <a:effectLst/>
+                <a:latin typeface="Arial" panose="020B0604020202020204" pitchFamily="34" charset="0"/>
+                <a:ea typeface="Times New Roman" panose="02020603050405020304" pitchFamily="18" charset="0"/>
+                <a:cs typeface="Times New Roman" panose="02020603050405020304" pitchFamily="18" charset="0"/>
+              </a:rPr>
+              <a:t>https://laboratoriomatematicas.uniandes.edu.co/cursocoda/04-Vera-geometry.pdf</a:t>
+            </a:r>
+            <a:endParaRPr lang="de-DE" sz="1800" dirty="0">
+              <a:effectLst/>
+              <a:latin typeface="Arial" panose="020B0604020202020204" pitchFamily="34" charset="0"/>
+              <a:ea typeface="Times New Roman" panose="02020603050405020304" pitchFamily="18" charset="0"/>
+              <a:cs typeface="Times New Roman" panose="02020603050405020304" pitchFamily="18" charset="0"/>
+            </a:endParaRPr>
+          </a:p>
+          <a:p>
+            <a:pPr marL="0" marR="0" algn="just">
+              <a:lnSpc>
+                <a:spcPct val="150000"/>
+              </a:lnSpc>
+              <a:spcBef>
+                <a:spcPts val="500"/>
+              </a:spcBef>
+              <a:spcAft>
+                <a:spcPts val="1000"/>
+              </a:spcAft>
+            </a:pPr>
+            <a:r>
+              <a:rPr lang="en-US" sz="1800" u="sng" dirty="0">
+                <a:solidFill>
+                  <a:srgbClr val="8E58B6"/>
+                </a:solidFill>
+                <a:effectLst/>
+                <a:latin typeface="Arial" panose="020B0604020202020204" pitchFamily="34" charset="0"/>
+                <a:ea typeface="Times New Roman" panose="02020603050405020304" pitchFamily="18" charset="0"/>
+                <a:cs typeface="Times New Roman" panose="02020603050405020304" pitchFamily="18" charset="0"/>
+                <a:hlinkClick r:id="rId5"/>
+              </a:rPr>
+              <a:t>https://hal.archives-ouvertes.fr/hal-03379935v2/document</a:t>
+            </a:r>
+            <a:endParaRPr lang="de-DE" sz="1800" dirty="0">
+              <a:effectLst/>
+              <a:latin typeface="Arial" panose="020B0604020202020204" pitchFamily="34" charset="0"/>
+              <a:ea typeface="Times New Roman" panose="02020603050405020304" pitchFamily="18" charset="0"/>
+              <a:cs typeface="Times New Roman" panose="02020603050405020304" pitchFamily="18" charset="0"/>
+            </a:endParaRPr>
+          </a:p>
+          <a:p>
+            <a:endParaRPr lang="de-DE" dirty="0"/>
+          </a:p>
+        </p:txBody>
+      </p:sp>
+      <p:sp>
+        <p:nvSpPr>
+          <p:cNvPr id="4" name="Slide Number Placeholder 3"/>
+          <p:cNvSpPr>
+            <a:spLocks noGrp="1"/>
+          </p:cNvSpPr>
+          <p:nvPr>
+            <p:ph type="sldNum" sz="quarter" idx="5"/>
+          </p:nvPr>
+        </p:nvSpPr>
+        <p:spPr/>
+        <p:txBody>
+          <a:bodyPr/>
+          <a:lstStyle/>
+          <a:p>
+            <a:fld id="{14E34CAD-DC0B-4EB4-812C-D77F8E7D39DE}" type="slidenum">
+              <a:rPr lang="en-US" smtClean="0"/>
+              <a:t>61</a:t>
+            </a:fld>
+            <a:endParaRPr lang="en-US"/>
+          </a:p>
+        </p:txBody>
+      </p:sp>
+    </p:spTree>
+    <p:extLst>
+      <p:ext uri="{BB962C8B-B14F-4D97-AF65-F5344CB8AC3E}">
+        <p14:creationId xmlns:p14="http://schemas.microsoft.com/office/powerpoint/2010/main" val="889365130"/>
+      </p:ext>
+    </p:extLst>
+  </p:cSld>
+  <p:clrMapOvr>
+    <a:masterClrMapping/>
+  </p:clrMapOvr>
+</p:notes>
+</file>
+
 <file path=ppt/notesSlides/notesSlide4.xml><?xml version="1.0" encoding="utf-8"?>
 <p:notes xmlns:a="http://schemas.openxmlformats.org/drawingml/2006/main" xmlns:r="http://schemas.openxmlformats.org/officeDocument/2006/relationships" xmlns:p="http://schemas.openxmlformats.org/presentationml/2006/main">
   <p:cSld>
@@ -10731,7 +11031,7 @@
           <a:p>
             <a:fld id="{843A20DD-8926-4B91-8D72-D1DC7F5C31EF}" type="datetime1">
               <a:rPr lang="en-US" smtClean="0"/>
-              <a:t>5/13/2022</a:t>
+              <a:t>5/19/2022</a:t>
             </a:fld>
             <a:endParaRPr lang="en-US" dirty="0"/>
           </a:p>
@@ -11074,7 +11374,7 @@
           <a:p>
             <a:fld id="{D2DD2B10-BCB9-40E5-8141-F17001376370}" type="datetime1">
               <a:rPr lang="en-US" smtClean="0"/>
-              <a:t>5/13/2022</a:t>
+              <a:t>5/19/2022</a:t>
             </a:fld>
             <a:endParaRPr lang="en-US" dirty="0"/>
           </a:p>
@@ -11480,7 +11780,7 @@
           <a:p>
             <a:fld id="{927FFA6D-4E8C-437E-BCA1-3CF73EB8B252}" type="datetime1">
               <a:rPr lang="en-US" smtClean="0"/>
-              <a:t>5/13/2022</a:t>
+              <a:t>5/19/2022</a:t>
             </a:fld>
             <a:endParaRPr lang="en-US" dirty="0"/>
           </a:p>
@@ -11821,7 +12121,7 @@
           <a:p>
             <a:fld id="{A2C7F92B-2A35-4C09-8346-C40AAA997302}" type="datetime1">
               <a:rPr lang="en-US" smtClean="0"/>
-              <a:t>5/13/2022</a:t>
+              <a:t>5/19/2022</a:t>
             </a:fld>
             <a:endParaRPr lang="en-US" dirty="0"/>
           </a:p>
@@ -12147,7 +12447,7 @@
           <a:p>
             <a:fld id="{A2C7F92B-2A35-4C09-8346-C40AAA997302}" type="datetime1">
               <a:rPr lang="en-US" smtClean="0"/>
-              <a:t>5/13/2022</a:t>
+              <a:t>5/19/2022</a:t>
             </a:fld>
             <a:endParaRPr lang="en-US" dirty="0"/>
           </a:p>
@@ -12549,7 +12849,7 @@
           <a:p>
             <a:fld id="{A2C7F92B-2A35-4C09-8346-C40AAA997302}" type="datetime1">
               <a:rPr lang="en-US" smtClean="0"/>
-              <a:t>5/13/2022</a:t>
+              <a:t>5/19/2022</a:t>
             </a:fld>
             <a:endParaRPr lang="en-US" dirty="0"/>
           </a:p>
@@ -12812,7 +13112,7 @@
           <a:p>
             <a:fld id="{8A427DC1-41D9-41ED-AAB7-DF919DFB0B7D}" type="datetime1">
               <a:rPr lang="en-US" smtClean="0"/>
-              <a:t>5/13/2022</a:t>
+              <a:t>5/19/2022</a:t>
             </a:fld>
             <a:endParaRPr lang="en-US" dirty="0"/>
           </a:p>
@@ -13079,7 +13379,7 @@
           <a:p>
             <a:fld id="{49530F64-B6F9-41E5-8499-9B56B7F93996}" type="datetime1">
               <a:rPr lang="en-US" smtClean="0"/>
-              <a:t>5/13/2022</a:t>
+              <a:t>5/19/2022</a:t>
             </a:fld>
             <a:endParaRPr lang="en-US" dirty="0"/>
           </a:p>
@@ -13350,7 +13650,7 @@
             <a:fld id="{36D18B76-5E8B-4456-8722-FC5B14B0F354}" type="datetime1">
               <a:rPr lang="en-US" smtClean="0"/>
               <a:pPr/>
-              <a:t>5/13/2022</a:t>
+              <a:t>5/19/2022</a:t>
             </a:fld>
             <a:endParaRPr lang="en-US" dirty="0"/>
           </a:p>
@@ -13688,7 +13988,7 @@
           <a:p>
             <a:fld id="{3E914A3D-A565-477F-8682-1AE6EFE36557}" type="datetime1">
               <a:rPr lang="en-US" smtClean="0"/>
-              <a:t>5/13/2022</a:t>
+              <a:t>5/19/2022</a:t>
             </a:fld>
             <a:endParaRPr lang="en-US" dirty="0"/>
           </a:p>
@@ -14016,7 +14316,7 @@
           <a:p>
             <a:fld id="{D45A6A21-0914-4A46-BCF1-163E9A00E688}" type="datetime1">
               <a:rPr lang="en-US" smtClean="0"/>
-              <a:t>5/13/2022</a:t>
+              <a:t>5/19/2022</a:t>
             </a:fld>
             <a:endParaRPr lang="en-US" dirty="0"/>
           </a:p>
@@ -14478,7 +14778,7 @@
           <a:p>
             <a:fld id="{6BDD7FCB-B1A7-4982-8C8B-674E644B14B0}" type="datetime1">
               <a:rPr lang="en-US" smtClean="0"/>
-              <a:t>5/13/2022</a:t>
+              <a:t>5/19/2022</a:t>
             </a:fld>
             <a:endParaRPr lang="en-US" dirty="0"/>
           </a:p>
@@ -14698,7 +14998,7 @@
             <a:fld id="{4C731089-17FC-4C04-87B1-2157F67F0117}" type="datetime1">
               <a:rPr lang="en-US" smtClean="0"/>
               <a:pPr/>
-              <a:t>5/13/2022</a:t>
+              <a:t>5/19/2022</a:t>
             </a:fld>
             <a:endParaRPr lang="en-US" dirty="0"/>
           </a:p>
@@ -14884,7 +15184,7 @@
           <a:p>
             <a:fld id="{1278D66F-D6E5-4434-B311-7DA25CA81F5A}" type="datetime1">
               <a:rPr lang="en-US" smtClean="0"/>
-              <a:t>5/13/2022</a:t>
+              <a:t>5/19/2022</a:t>
             </a:fld>
             <a:endParaRPr lang="en-US" dirty="0"/>
           </a:p>
@@ -15222,7 +15522,7 @@
           <a:p>
             <a:fld id="{2253374B-0B0C-42C0-A0DF-1550CE3AA116}" type="datetime1">
               <a:rPr lang="en-US" smtClean="0"/>
-              <a:t>5/13/2022</a:t>
+              <a:t>5/19/2022</a:t>
             </a:fld>
             <a:endParaRPr lang="en-US" dirty="0"/>
           </a:p>
@@ -15572,7 +15872,7 @@
           <a:p>
             <a:fld id="{F589A7BC-DDDD-4FB0-A8E7-5046A2EF84B8}" type="datetime1">
               <a:rPr lang="en-US" smtClean="0"/>
-              <a:t>5/13/2022</a:t>
+              <a:t>5/19/2022</a:t>
             </a:fld>
             <a:endParaRPr lang="en-US" dirty="0"/>
           </a:p>
@@ -17694,7 +17994,7 @@
           <a:p>
             <a:fld id="{A2C7F92B-2A35-4C09-8346-C40AAA997302}" type="datetime1">
               <a:rPr lang="en-US" smtClean="0"/>
-              <a:t>5/13/2022</a:t>
+              <a:t>5/19/2022</a:t>
             </a:fld>
             <a:endParaRPr lang="en-US" dirty="0"/>
           </a:p>
@@ -18312,7 +18612,7 @@
           <a:p>
             <a:fld id="{EFFFF5E6-438B-4B86-AF1B-DB82D6C33C1C}" type="datetime1">
               <a:rPr lang="en-US" smtClean="0"/>
-              <a:t>5/13/2022</a:t>
+              <a:t>5/19/2022</a:t>
             </a:fld>
             <a:endParaRPr lang="en-US" dirty="0"/>
           </a:p>
@@ -18682,7 +18982,7 @@
             <a:fld id="{36D18B76-5E8B-4456-8722-FC5B14B0F354}" type="datetime1">
               <a:rPr lang="en-US" smtClean="0"/>
               <a:pPr/>
-              <a:t>5/13/2022</a:t>
+              <a:t>5/19/2022</a:t>
             </a:fld>
             <a:endParaRPr lang="en-US" dirty="0"/>
           </a:p>
@@ -19810,7 +20110,7 @@
             <a:fld id="{36D18B76-5E8B-4456-8722-FC5B14B0F354}" type="datetime1">
               <a:rPr lang="en-US" smtClean="0"/>
               <a:pPr/>
-              <a:t>5/13/2022</a:t>
+              <a:t>5/19/2022</a:t>
             </a:fld>
             <a:endParaRPr lang="en-US" dirty="0"/>
           </a:p>
@@ -22725,7 +23025,7 @@
           <a:p>
             <a:fld id="{1278D66F-D6E5-4434-B311-7DA25CA81F5A}" type="datetime1">
               <a:rPr lang="en-US" smtClean="0"/>
-              <a:t>5/13/2022</a:t>
+              <a:t>5/19/2022</a:t>
             </a:fld>
             <a:endParaRPr lang="en-US" dirty="0"/>
           </a:p>
@@ -25930,7 +26230,7 @@
           <a:p>
             <a:fld id="{BCCEB706-B4FB-4DF7-BDF7-514AEA7F06D0}" type="datetime1">
               <a:rPr lang="en-US" smtClean="0"/>
-              <a:t>5/13/2022</a:t>
+              <a:t>5/19/2022</a:t>
             </a:fld>
             <a:endParaRPr lang="en-US" dirty="0"/>
           </a:p>
@@ -31299,7 +31599,7 @@
           <a:p>
             <a:fld id="{7BB4AFEC-4BE7-4504-8846-4BF0CCFD9721}" type="datetime1">
               <a:rPr lang="en-US" smtClean="0"/>
-              <a:t>5/13/2022</a:t>
+              <a:t>5/19/2022</a:t>
             </a:fld>
             <a:endParaRPr lang="en-US" dirty="0"/>
           </a:p>
@@ -33058,7 +33358,7 @@
             <a:fld id="{36D18B76-5E8B-4456-8722-FC5B14B0F354}" type="datetime1">
               <a:rPr lang="en-US" smtClean="0"/>
               <a:pPr/>
-              <a:t>5/13/2022</a:t>
+              <a:t>5/19/2022</a:t>
             </a:fld>
             <a:endParaRPr lang="en-US" dirty="0"/>
           </a:p>
@@ -33357,7 +33657,7 @@
             <a:fld id="{36D18B76-5E8B-4456-8722-FC5B14B0F354}" type="datetime1">
               <a:rPr lang="en-US" smtClean="0"/>
               <a:pPr/>
-              <a:t>5/13/2022</a:t>
+              <a:t>5/19/2022</a:t>
             </a:fld>
             <a:endParaRPr lang="en-US" dirty="0"/>
           </a:p>
@@ -34476,7 +34776,7 @@
             <a:fld id="{36D18B76-5E8B-4456-8722-FC5B14B0F354}" type="datetime1">
               <a:rPr lang="en-US" smtClean="0"/>
               <a:pPr/>
-              <a:t>5/13/2022</a:t>
+              <a:t>5/19/2022</a:t>
             </a:fld>
             <a:endParaRPr lang="en-US" dirty="0"/>
           </a:p>
@@ -34656,7 +34956,7 @@
             <a:fld id="{36D18B76-5E8B-4456-8722-FC5B14B0F354}" type="datetime1">
               <a:rPr lang="en-US" smtClean="0"/>
               <a:pPr/>
-              <a:t>5/13/2022</a:t>
+              <a:t>5/19/2022</a:t>
             </a:fld>
             <a:endParaRPr lang="en-US" dirty="0"/>
           </a:p>
@@ -34837,7 +35137,7 @@
             <a:fld id="{36D18B76-5E8B-4456-8722-FC5B14B0F354}" type="datetime1">
               <a:rPr lang="en-US" smtClean="0"/>
               <a:pPr/>
-              <a:t>5/13/2022</a:t>
+              <a:t>5/19/2022</a:t>
             </a:fld>
             <a:endParaRPr lang="en-US" dirty="0"/>
           </a:p>
@@ -35074,7 +35374,7 @@
             <a:fld id="{36D18B76-5E8B-4456-8722-FC5B14B0F354}" type="datetime1">
               <a:rPr lang="en-US" smtClean="0"/>
               <a:pPr/>
-              <a:t>5/13/2022</a:t>
+              <a:t>5/19/2022</a:t>
             </a:fld>
             <a:endParaRPr lang="en-US" dirty="0"/>
           </a:p>
@@ -35515,7 +35815,7 @@
             <a:fld id="{36D18B76-5E8B-4456-8722-FC5B14B0F354}" type="datetime1">
               <a:rPr lang="en-US" smtClean="0"/>
               <a:pPr/>
-              <a:t>5/13/2022</a:t>
+              <a:t>5/19/2022</a:t>
             </a:fld>
             <a:endParaRPr lang="en-US" dirty="0"/>
           </a:p>
@@ -35926,7 +36226,7 @@
             <a:fld id="{36D18B76-5E8B-4456-8722-FC5B14B0F354}" type="datetime1">
               <a:rPr lang="en-US" smtClean="0"/>
               <a:pPr/>
-              <a:t>5/13/2022</a:t>
+              <a:t>5/19/2022</a:t>
             </a:fld>
             <a:endParaRPr lang="en-US" dirty="0"/>
           </a:p>
@@ -36338,7 +36638,7 @@
             <a:fld id="{36D18B76-5E8B-4456-8722-FC5B14B0F354}" type="datetime1">
               <a:rPr lang="en-US" smtClean="0"/>
               <a:pPr/>
-              <a:t>5/13/2022</a:t>
+              <a:t>5/19/2022</a:t>
             </a:fld>
             <a:endParaRPr lang="en-US" dirty="0"/>
           </a:p>
@@ -36750,7 +37050,7 @@
             <a:fld id="{36D18B76-5E8B-4456-8722-FC5B14B0F354}" type="datetime1">
               <a:rPr lang="en-US" smtClean="0"/>
               <a:pPr/>
-              <a:t>5/13/2022</a:t>
+              <a:t>5/19/2022</a:t>
             </a:fld>
             <a:endParaRPr lang="en-US" dirty="0"/>
           </a:p>
@@ -37129,7 +37429,7 @@
             <a:fld id="{36D18B76-5E8B-4456-8722-FC5B14B0F354}" type="datetime1">
               <a:rPr lang="en-US" smtClean="0"/>
               <a:pPr/>
-              <a:t>5/13/2022</a:t>
+              <a:t>5/19/2022</a:t>
             </a:fld>
             <a:endParaRPr lang="en-US" dirty="0"/>
           </a:p>
@@ -38114,10 +38414,10 @@
       </p:grpSpPr>
       <p:sp>
         <p:nvSpPr>
-          <p:cNvPr id="2" name="Title 1">
-            <a:extLst>
-              <a:ext uri="{FF2B5EF4-FFF2-40B4-BE49-F238E27FC236}">
-                <a16:creationId xmlns:a16="http://schemas.microsoft.com/office/drawing/2014/main" id="{6806FBA4-537C-4226-9D3A-758C7B787D79}"/>
+          <p:cNvPr id="4" name="Title 1">
+            <a:extLst>
+              <a:ext uri="{FF2B5EF4-FFF2-40B4-BE49-F238E27FC236}">
+                <a16:creationId xmlns:a16="http://schemas.microsoft.com/office/drawing/2014/main" id="{2F1D8065-A4B4-C104-8577-208ABB85FEB6}"/>
               </a:ext>
             </a:extLst>
           </p:cNvPr>
@@ -38128,404 +38428,96 @@
             <p:ph type="title"/>
           </p:nvPr>
         </p:nvSpPr>
-        <p:spPr/>
-        <p:txBody>
-          <a:bodyPr/>
-          <a:lstStyle/>
-          <a:p>
-            <a:r>
-              <a:rPr lang="de-DE" b="1" dirty="0"/>
-              <a:t>Pre-Processing</a:t>
-            </a:r>
-            <a:endParaRPr lang="en-US" b="1" dirty="0"/>
-          </a:p>
-        </p:txBody>
-      </p:sp>
-      <p:sp>
-        <p:nvSpPr>
-          <p:cNvPr id="5" name="Footer Placeholder 4">
-            <a:extLst>
-              <a:ext uri="{FF2B5EF4-FFF2-40B4-BE49-F238E27FC236}">
-                <a16:creationId xmlns:a16="http://schemas.microsoft.com/office/drawing/2014/main" id="{707C4F70-832A-416B-9491-EE86347B2812}"/>
-              </a:ext>
-            </a:extLst>
-          </p:cNvPr>
-          <p:cNvSpPr>
-            <a:spLocks noGrp="1"/>
-          </p:cNvSpPr>
-          <p:nvPr>
-            <p:ph type="ftr" sz="quarter" idx="11"/>
-          </p:nvPr>
-        </p:nvSpPr>
-        <p:spPr/>
-        <p:txBody>
-          <a:bodyPr/>
-          <a:lstStyle/>
-          <a:p>
-            <a:r>
-              <a:rPr lang="en-US"/>
-              <a:t>jennifer.neumaier@t-online.de</a:t>
-            </a:r>
-            <a:endParaRPr lang="en-US" dirty="0"/>
-          </a:p>
-        </p:txBody>
-      </p:sp>
-      <p:sp>
-        <p:nvSpPr>
-          <p:cNvPr id="6" name="Slide Number Placeholder 5">
-            <a:extLst>
-              <a:ext uri="{FF2B5EF4-FFF2-40B4-BE49-F238E27FC236}">
-                <a16:creationId xmlns:a16="http://schemas.microsoft.com/office/drawing/2014/main" id="{1028CB34-29B5-49CB-99E4-E945C3D78896}"/>
-              </a:ext>
-            </a:extLst>
-          </p:cNvPr>
-          <p:cNvSpPr>
-            <a:spLocks noGrp="1"/>
-          </p:cNvSpPr>
-          <p:nvPr>
-            <p:ph type="sldNum" sz="quarter" idx="12"/>
-          </p:nvPr>
-        </p:nvSpPr>
-        <p:spPr/>
-        <p:txBody>
-          <a:bodyPr/>
-          <a:lstStyle/>
-          <a:p>
-            <a:fld id="{D57F1E4F-1CFF-5643-939E-217C01CDF565}" type="slidenum">
-              <a:rPr lang="en-US" smtClean="0"/>
-              <a:pPr/>
-              <a:t>58</a:t>
-            </a:fld>
-            <a:endParaRPr lang="en-US" dirty="0"/>
-          </a:p>
-        </p:txBody>
-      </p:sp>
-      <p:sp>
-        <p:nvSpPr>
-          <p:cNvPr id="26" name="TextBox 25">
-            <a:extLst>
-              <a:ext uri="{FF2B5EF4-FFF2-40B4-BE49-F238E27FC236}">
-                <a16:creationId xmlns:a16="http://schemas.microsoft.com/office/drawing/2014/main" id="{CC7BEBFF-3D20-441C-B1B2-0CE34904FDE4}"/>
-              </a:ext>
-            </a:extLst>
-          </p:cNvPr>
-          <p:cNvSpPr txBox="1"/>
-          <p:nvPr/>
-        </p:nvSpPr>
         <p:spPr>
           <a:xfrm>
-            <a:off x="1698819" y="1152907"/>
-            <a:ext cx="3654858" cy="400110"/>
+            <a:off x="1639915" y="660729"/>
+            <a:ext cx="10172616" cy="772108"/>
+          </a:xfrm>
+        </p:spPr>
+        <p:txBody>
+          <a:bodyPr/>
+          <a:lstStyle/>
+          <a:p>
+            <a:r>
+              <a:rPr lang="de-DE" b="1" dirty="0"/>
+              <a:t>EstMB E11 healthy</a:t>
+            </a:r>
+          </a:p>
+        </p:txBody>
+      </p:sp>
+      <p:pic>
+        <p:nvPicPr>
+          <p:cNvPr id="7" name="Picture 6" descr="Chart, scatter chart&#10;&#10;Description automatically generated">
+            <a:extLst>
+              <a:ext uri="{FF2B5EF4-FFF2-40B4-BE49-F238E27FC236}">
+                <a16:creationId xmlns:a16="http://schemas.microsoft.com/office/drawing/2014/main" id="{AF9804BA-AF16-6AE8-31B4-9ED75DBB2E6A}"/>
+              </a:ext>
+            </a:extLst>
+          </p:cNvPr>
+          <p:cNvPicPr>
+            <a:picLocks noChangeAspect="1"/>
+          </p:cNvPicPr>
+          <p:nvPr/>
+        </p:nvPicPr>
+        <p:blipFill>
+          <a:blip r:embed="rId3"/>
+          <a:stretch>
+            <a:fillRect/>
+          </a:stretch>
+        </p:blipFill>
+        <p:spPr>
+          <a:xfrm>
+            <a:off x="6096000" y="1435606"/>
+            <a:ext cx="5983685" cy="5048734"/>
           </a:xfrm>
           <a:prstGeom prst="rect">
             <a:avLst/>
           </a:prstGeom>
-          <a:noFill/>
+          <a:ln>
+            <a:solidFill>
+              <a:schemeClr val="tx1"/>
+            </a:solidFill>
+          </a:ln>
         </p:spPr>
-        <p:txBody>
-          <a:bodyPr wrap="square" rtlCol="0">
-            <a:spAutoFit/>
-          </a:bodyPr>
-          <a:lstStyle/>
-          <a:p>
-            <a:r>
-              <a:rPr lang="de-DE" sz="2000" i="1" dirty="0"/>
-              <a:t>Problems and Notes</a:t>
-            </a:r>
-          </a:p>
-        </p:txBody>
-      </p:sp>
-      <p:sp>
-        <p:nvSpPr>
-          <p:cNvPr id="7" name="TextBox 6">
-            <a:extLst>
-              <a:ext uri="{FF2B5EF4-FFF2-40B4-BE49-F238E27FC236}">
-                <a16:creationId xmlns:a16="http://schemas.microsoft.com/office/drawing/2014/main" id="{B43BF96F-7A11-4087-9B01-CF6AACD20E04}"/>
-              </a:ext>
-            </a:extLst>
-          </p:cNvPr>
-          <p:cNvSpPr txBox="1"/>
+      </p:pic>
+      <p:pic>
+        <p:nvPicPr>
+          <p:cNvPr id="13" name="Picture 12" descr="Chart, scatter chart&#10;&#10;Description automatically generated">
+            <a:extLst>
+              <a:ext uri="{FF2B5EF4-FFF2-40B4-BE49-F238E27FC236}">
+                <a16:creationId xmlns:a16="http://schemas.microsoft.com/office/drawing/2014/main" id="{88695E40-2D14-FEB9-A034-548FCB88CAAF}"/>
+              </a:ext>
+            </a:extLst>
+          </p:cNvPr>
+          <p:cNvPicPr>
+            <a:picLocks noChangeAspect="1"/>
+          </p:cNvPicPr>
           <p:nvPr/>
-        </p:nvSpPr>
+        </p:nvPicPr>
+        <p:blipFill rotWithShape="1">
+          <a:blip r:embed="rId4"/>
+          <a:srcRect l="23638" t="17219" r="20274" b="15047"/>
+          <a:stretch/>
+        </p:blipFill>
         <p:spPr>
           <a:xfrm>
-            <a:off x="1698819" y="1834296"/>
-            <a:ext cx="7102549" cy="1754326"/>
+            <a:off x="446651" y="1435606"/>
+            <a:ext cx="5649349" cy="5051503"/>
           </a:xfrm>
           <a:prstGeom prst="rect">
             <a:avLst/>
           </a:prstGeom>
-          <a:noFill/>
+          <a:ln>
+            <a:solidFill>
+              <a:schemeClr val="tx1"/>
+            </a:solidFill>
+          </a:ln>
         </p:spPr>
-        <p:txBody>
-          <a:bodyPr wrap="square" rtlCol="0">
-            <a:spAutoFit/>
-          </a:bodyPr>
-          <a:lstStyle/>
-          <a:p>
-            <a:r>
-              <a:rPr lang="de-DE" u="sng" dirty="0"/>
-              <a:t>CRC</a:t>
-            </a:r>
-            <a:r>
-              <a:rPr lang="de-DE" dirty="0"/>
-              <a:t>:</a:t>
-            </a:r>
-          </a:p>
-          <a:p>
-            <a:pPr marL="285750" indent="-285750">
-              <a:buFontTx/>
-              <a:buChar char="-"/>
-            </a:pPr>
-            <a:r>
-              <a:rPr lang="de-DE" dirty="0"/>
-              <a:t>128 rows removed due to NA in BMI</a:t>
-            </a:r>
-          </a:p>
-          <a:p>
-            <a:pPr marL="285750" indent="-285750">
-              <a:buFontTx/>
-              <a:buChar char="-"/>
-            </a:pPr>
-            <a:r>
-              <a:rPr lang="de-DE" dirty="0"/>
-              <a:t>DE saved separately as holdout </a:t>
-            </a:r>
-          </a:p>
-          <a:p>
-            <a:pPr marL="285750" indent="-285750">
-              <a:buFontTx/>
-              <a:buChar char="-"/>
-            </a:pPr>
-            <a:r>
-              <a:rPr lang="de-DE" dirty="0"/>
-              <a:t>All tests were done with country sets: USA, China, Austria, France</a:t>
-            </a:r>
-          </a:p>
-          <a:p>
-            <a:pPr marL="285750" indent="-285750">
-              <a:buFontTx/>
-              <a:buChar char="-"/>
-            </a:pPr>
-            <a:endParaRPr lang="de-DE" dirty="0"/>
-          </a:p>
-        </p:txBody>
-      </p:sp>
-      <p:sp>
-        <p:nvSpPr>
-          <p:cNvPr id="29" name="TextBox 28">
-            <a:extLst>
-              <a:ext uri="{FF2B5EF4-FFF2-40B4-BE49-F238E27FC236}">
-                <a16:creationId xmlns:a16="http://schemas.microsoft.com/office/drawing/2014/main" id="{FD214281-F802-4F96-A098-F69D765E4AFA}"/>
-              </a:ext>
-            </a:extLst>
-          </p:cNvPr>
-          <p:cNvSpPr txBox="1"/>
-          <p:nvPr/>
-        </p:nvSpPr>
-        <p:spPr>
-          <a:xfrm>
-            <a:off x="6199935" y="93132"/>
-            <a:ext cx="6097772" cy="1815882"/>
-          </a:xfrm>
-          <a:prstGeom prst="rect">
-            <a:avLst/>
-          </a:prstGeom>
-          <a:noFill/>
-        </p:spPr>
-        <p:txBody>
-          <a:bodyPr wrap="square">
-            <a:spAutoFit/>
-          </a:bodyPr>
-          <a:lstStyle/>
-          <a:p>
-            <a:r>
-              <a:rPr lang="de-DE" sz="1400" u="sng" dirty="0"/>
-              <a:t>Imputation</a:t>
-            </a:r>
-            <a:r>
-              <a:rPr lang="de-DE" sz="1400" dirty="0"/>
-              <a:t>:</a:t>
-            </a:r>
-          </a:p>
-          <a:p>
-            <a:pPr marL="285750" indent="-285750">
-              <a:buFontTx/>
-              <a:buChar char="-"/>
-            </a:pPr>
-            <a:r>
-              <a:rPr lang="de-DE" sz="1400" dirty="0"/>
-              <a:t>mbImpute needs phylogenetic tree -&gt; ignored for now </a:t>
-            </a:r>
-          </a:p>
-          <a:p>
-            <a:pPr marL="285750" indent="-285750">
-              <a:buFontTx/>
-              <a:buChar char="-"/>
-            </a:pPr>
-            <a:r>
-              <a:rPr lang="de-DE" sz="1400" dirty="0"/>
-              <a:t>EstMB dataset: pseudocount inserts decimal values between 0 and 1</a:t>
-            </a:r>
-          </a:p>
-          <a:p>
-            <a:pPr marL="742950" lvl="1" indent="-285750">
-              <a:buFontTx/>
-              <a:buChar char="-"/>
-            </a:pPr>
-            <a:r>
-              <a:rPr lang="de-DE" sz="1400" dirty="0"/>
-              <a:t>Solution for now: all these values were rounded up to 1</a:t>
-            </a:r>
-          </a:p>
-          <a:p>
-            <a:pPr marL="742950" lvl="1" indent="-285750">
-              <a:buFontTx/>
-              <a:buChar char="-"/>
-            </a:pPr>
-            <a:r>
-              <a:rPr lang="de-DE" sz="1400" dirty="0"/>
-              <a:t>Possibly in a later run keep decimal values, because some papers suggest sensitivity to pseudocount in machine learning models </a:t>
-            </a:r>
-          </a:p>
-        </p:txBody>
-      </p:sp>
-      <p:sp>
-        <p:nvSpPr>
-          <p:cNvPr id="8" name="TextBox 7">
-            <a:extLst>
-              <a:ext uri="{FF2B5EF4-FFF2-40B4-BE49-F238E27FC236}">
-                <a16:creationId xmlns:a16="http://schemas.microsoft.com/office/drawing/2014/main" id="{20ADFB58-875E-4AAE-BDAE-D861E7F9DC27}"/>
-              </a:ext>
-            </a:extLst>
-          </p:cNvPr>
-          <p:cNvSpPr txBox="1"/>
-          <p:nvPr/>
-        </p:nvSpPr>
-        <p:spPr>
-          <a:xfrm>
-            <a:off x="1720971" y="3408432"/>
-            <a:ext cx="7102549" cy="1200329"/>
-          </a:xfrm>
-          <a:prstGeom prst="rect">
-            <a:avLst/>
-          </a:prstGeom>
-          <a:noFill/>
-        </p:spPr>
-        <p:txBody>
-          <a:bodyPr wrap="square" rtlCol="0">
-            <a:spAutoFit/>
-          </a:bodyPr>
-          <a:lstStyle/>
-          <a:p>
-            <a:r>
-              <a:rPr lang="de-DE" u="sng" dirty="0"/>
-              <a:t>PCOS</a:t>
-            </a:r>
-            <a:r>
-              <a:rPr lang="de-DE" dirty="0"/>
-              <a:t>:</a:t>
-            </a:r>
-          </a:p>
-          <a:p>
-            <a:pPr marL="285750" indent="-285750">
-              <a:buFontTx/>
-              <a:buChar char="-"/>
-            </a:pPr>
-            <a:r>
-              <a:rPr lang="de-DE" dirty="0"/>
-              <a:t>6 rows removed in abundance table because they were not included in metadata</a:t>
-            </a:r>
-          </a:p>
-          <a:p>
-            <a:pPr marL="285750" indent="-285750">
-              <a:buFontTx/>
-              <a:buChar char="-"/>
-            </a:pPr>
-            <a:endParaRPr lang="de-DE" dirty="0"/>
-          </a:p>
-        </p:txBody>
-      </p:sp>
-      <p:sp>
-        <p:nvSpPr>
-          <p:cNvPr id="9" name="TextBox 8">
-            <a:extLst>
-              <a:ext uri="{FF2B5EF4-FFF2-40B4-BE49-F238E27FC236}">
-                <a16:creationId xmlns:a16="http://schemas.microsoft.com/office/drawing/2014/main" id="{C84548D0-C361-4108-B284-1351D54B8DFD}"/>
-              </a:ext>
-            </a:extLst>
-          </p:cNvPr>
-          <p:cNvSpPr txBox="1"/>
-          <p:nvPr/>
-        </p:nvSpPr>
-        <p:spPr>
-          <a:xfrm>
-            <a:off x="1720971" y="4717667"/>
-            <a:ext cx="7102549" cy="1754326"/>
-          </a:xfrm>
-          <a:prstGeom prst="rect">
-            <a:avLst/>
-          </a:prstGeom>
-          <a:noFill/>
-        </p:spPr>
-        <p:txBody>
-          <a:bodyPr wrap="square" rtlCol="0">
-            <a:spAutoFit/>
-          </a:bodyPr>
-          <a:lstStyle/>
-          <a:p>
-            <a:r>
-              <a:rPr lang="de-DE" u="sng" dirty="0"/>
-              <a:t>EstMB</a:t>
-            </a:r>
-            <a:r>
-              <a:rPr lang="de-DE" dirty="0"/>
-              <a:t>:</a:t>
-            </a:r>
-          </a:p>
-          <a:p>
-            <a:pPr marL="285750" indent="-285750">
-              <a:buFontTx/>
-              <a:buChar char="-"/>
-            </a:pPr>
-            <a:r>
-              <a:rPr lang="de-DE" dirty="0"/>
-              <a:t>21 rows removed in metadata due to NA</a:t>
-            </a:r>
-          </a:p>
-          <a:p>
-            <a:pPr marL="285750" indent="-285750">
-              <a:buFontTx/>
-              <a:buChar char="-"/>
-            </a:pPr>
-            <a:r>
-              <a:rPr lang="de-DE" dirty="0"/>
-              <a:t>21 patients cut out of abundance table due to metadata</a:t>
-            </a:r>
-          </a:p>
-          <a:p>
-            <a:pPr marL="285750" indent="-285750">
-              <a:buFontTx/>
-              <a:buChar char="-"/>
-            </a:pPr>
-            <a:r>
-              <a:rPr lang="de-DE" dirty="0"/>
-              <a:t>Added 75% abundance filter as data was otherwise not practically processable</a:t>
-            </a:r>
-          </a:p>
-          <a:p>
-            <a:pPr marL="285750" indent="-285750">
-              <a:buFontTx/>
-              <a:buChar char="-"/>
-            </a:pPr>
-            <a:endParaRPr lang="de-DE" dirty="0"/>
-          </a:p>
-        </p:txBody>
-      </p:sp>
+      </p:pic>
     </p:spTree>
     <p:extLst>
       <p:ext uri="{BB962C8B-B14F-4D97-AF65-F5344CB8AC3E}">
-        <p14:creationId xmlns:p14="http://schemas.microsoft.com/office/powerpoint/2010/main" val="3215538767"/>
+        <p14:creationId xmlns:p14="http://schemas.microsoft.com/office/powerpoint/2010/main" val="2984881787"/>
       </p:ext>
     </p:extLst>
   </p:cSld>
@@ -38575,7 +38567,7 @@
           <a:p>
             <a:r>
               <a:rPr lang="de-DE" b="1" dirty="0"/>
-              <a:t>Transformations</a:t>
+              <a:t>Pre-Processing</a:t>
             </a:r>
             <a:endParaRPr lang="en-US" b="1" dirty="0"/>
           </a:p>
@@ -38603,9 +38595,10 @@
           <a:lstStyle/>
           <a:p>
             <a:r>
-              <a:rPr lang="en-US" dirty="0"/>
+              <a:rPr lang="en-US"/>
               <a:t>jennifer.neumaier@t-online.de</a:t>
             </a:r>
+            <a:endParaRPr lang="en-US" dirty="0"/>
           </a:p>
         </p:txBody>
       </p:sp>
@@ -38688,8 +38681,8 @@
         </p:nvSpPr>
         <p:spPr>
           <a:xfrm>
-            <a:off x="2589212" y="1742696"/>
-            <a:ext cx="7102549" cy="1477328"/>
+            <a:off x="1698819" y="1834296"/>
+            <a:ext cx="7102549" cy="1754326"/>
           </a:xfrm>
           <a:prstGeom prst="rect">
             <a:avLst/>
@@ -38704,7 +38697,7 @@
           <a:p>
             <a:r>
               <a:rPr lang="de-DE" u="sng" dirty="0"/>
-              <a:t>CLR/ALR</a:t>
+              <a:t>CRC</a:t>
             </a:r>
             <a:r>
               <a:rPr lang="de-DE" dirty="0"/>
@@ -38718,7 +38711,7 @@
             </a:pPr>
             <a:r>
               <a:rPr lang="de-DE" dirty="0"/>
-              <a:t>What to do with LR.wt?</a:t>
+              <a:t>128 rows removed due to NA in BMI</a:t>
             </a:r>
           </a:p>
           <a:p>
@@ -38728,7 +38721,7 @@
             </a:pPr>
             <a:r>
               <a:rPr lang="de-DE" dirty="0"/>
-              <a:t>What to do with part.names and part.wt?</a:t>
+              <a:t>DE saved separately as holdout </a:t>
             </a:r>
           </a:p>
           <a:p>
@@ -38738,20 +38731,24 @@
             </a:pPr>
             <a:r>
               <a:rPr lang="de-DE" dirty="0"/>
-              <a:t>Column names ALR?</a:t>
-            </a:r>
-          </a:p>
-          <a:p>
+              <a:t>All tests were done with country sets: USA, China, Austria, France</a:t>
+            </a:r>
+          </a:p>
+          <a:p>
+            <a:pPr marL="285750" indent="-285750">
+              <a:buFontTx/>
+              <a:buChar char="-"/>
+            </a:pPr>
             <a:endParaRPr lang="de-DE" dirty="0"/>
           </a:p>
         </p:txBody>
       </p:sp>
       <p:sp>
         <p:nvSpPr>
-          <p:cNvPr id="8" name="TextBox 7">
-            <a:extLst>
-              <a:ext uri="{FF2B5EF4-FFF2-40B4-BE49-F238E27FC236}">
-                <a16:creationId xmlns:a16="http://schemas.microsoft.com/office/drawing/2014/main" id="{42B7B4AF-462B-468E-AAF9-0BB332281A81}"/>
+          <p:cNvPr id="29" name="TextBox 28">
+            <a:extLst>
+              <a:ext uri="{FF2B5EF4-FFF2-40B4-BE49-F238E27FC236}">
+                <a16:creationId xmlns:a16="http://schemas.microsoft.com/office/drawing/2014/main" id="{FD214281-F802-4F96-A098-F69D765E4AFA}"/>
               </a:ext>
             </a:extLst>
           </p:cNvPr>
@@ -38760,8 +38757,8 @@
         </p:nvSpPr>
         <p:spPr>
           <a:xfrm>
-            <a:off x="2589212" y="3278973"/>
-            <a:ext cx="7102549" cy="923330"/>
+            <a:off x="6199935" y="93132"/>
+            <a:ext cx="6097772" cy="1815882"/>
           </a:xfrm>
           <a:prstGeom prst="rect">
             <a:avLst/>
@@ -38769,16 +38766,19 @@
           <a:noFill/>
         </p:spPr>
         <p:txBody>
-          <a:bodyPr wrap="square" rtlCol="0">
+          <a:bodyPr wrap="square">
             <a:spAutoFit/>
           </a:bodyPr>
           <a:lstStyle/>
           <a:p>
             <a:r>
-              <a:rPr lang="de-DE" u="sng" dirty="0"/>
-              <a:t>EstMB:</a:t>
-            </a:r>
-            <a:endParaRPr lang="de-DE" dirty="0"/>
+              <a:rPr lang="de-DE" sz="1400" u="sng" dirty="0"/>
+              <a:t>Imputation</a:t>
+            </a:r>
+            <a:r>
+              <a:rPr lang="de-DE" sz="1400" dirty="0"/>
+              <a:t>:</a:t>
+            </a:r>
           </a:p>
           <a:p>
             <a:pPr marL="285750" indent="-285750">
@@ -38786,11 +38786,170 @@
               <a:buChar char="-"/>
             </a:pPr>
             <a:r>
+              <a:rPr lang="de-DE" sz="1400" dirty="0"/>
+              <a:t>mbImpute needs phylogenetic tree -&gt; ignored for now </a:t>
+            </a:r>
+          </a:p>
+          <a:p>
+            <a:pPr marL="285750" indent="-285750">
+              <a:buFontTx/>
+              <a:buChar char="-"/>
+            </a:pPr>
+            <a:r>
+              <a:rPr lang="de-DE" sz="1400" dirty="0"/>
+              <a:t>EstMB dataset: pseudocount inserts decimal values between 0 and 1</a:t>
+            </a:r>
+          </a:p>
+          <a:p>
+            <a:pPr marL="742950" lvl="1" indent="-285750">
+              <a:buFontTx/>
+              <a:buChar char="-"/>
+            </a:pPr>
+            <a:r>
+              <a:rPr lang="de-DE" sz="1400" dirty="0"/>
+              <a:t>Solution for now: all these values were rounded up to 1</a:t>
+            </a:r>
+          </a:p>
+          <a:p>
+            <a:pPr marL="742950" lvl="1" indent="-285750">
+              <a:buFontTx/>
+              <a:buChar char="-"/>
+            </a:pPr>
+            <a:r>
+              <a:rPr lang="de-DE" sz="1400" dirty="0"/>
+              <a:t>Possibly in a later run keep decimal values, because some papers suggest sensitivity to pseudocount in machine learning models </a:t>
+            </a:r>
+          </a:p>
+        </p:txBody>
+      </p:sp>
+      <p:sp>
+        <p:nvSpPr>
+          <p:cNvPr id="8" name="TextBox 7">
+            <a:extLst>
+              <a:ext uri="{FF2B5EF4-FFF2-40B4-BE49-F238E27FC236}">
+                <a16:creationId xmlns:a16="http://schemas.microsoft.com/office/drawing/2014/main" id="{20ADFB58-875E-4AAE-BDAE-D861E7F9DC27}"/>
+              </a:ext>
+            </a:extLst>
+          </p:cNvPr>
+          <p:cNvSpPr txBox="1"/>
+          <p:nvPr/>
+        </p:nvSpPr>
+        <p:spPr>
+          <a:xfrm>
+            <a:off x="1720971" y="3408432"/>
+            <a:ext cx="7102549" cy="1200329"/>
+          </a:xfrm>
+          <a:prstGeom prst="rect">
+            <a:avLst/>
+          </a:prstGeom>
+          <a:noFill/>
+        </p:spPr>
+        <p:txBody>
+          <a:bodyPr wrap="square" rtlCol="0">
+            <a:spAutoFit/>
+          </a:bodyPr>
+          <a:lstStyle/>
+          <a:p>
+            <a:r>
+              <a:rPr lang="de-DE" u="sng" dirty="0"/>
+              <a:t>PCOS</a:t>
+            </a:r>
+            <a:r>
               <a:rPr lang="de-DE" dirty="0"/>
-              <a:t>Needs a lot of time for ALR -&gt; solved in HPC?</a:t>
-            </a:r>
-          </a:p>
-          <a:p>
+              <a:t>:</a:t>
+            </a:r>
+          </a:p>
+          <a:p>
+            <a:pPr marL="285750" indent="-285750">
+              <a:buFontTx/>
+              <a:buChar char="-"/>
+            </a:pPr>
+            <a:r>
+              <a:rPr lang="de-DE" dirty="0"/>
+              <a:t>6 rows removed in abundance table because they were not included in metadata</a:t>
+            </a:r>
+          </a:p>
+          <a:p>
+            <a:pPr marL="285750" indent="-285750">
+              <a:buFontTx/>
+              <a:buChar char="-"/>
+            </a:pPr>
+            <a:endParaRPr lang="de-DE" dirty="0"/>
+          </a:p>
+        </p:txBody>
+      </p:sp>
+      <p:sp>
+        <p:nvSpPr>
+          <p:cNvPr id="9" name="TextBox 8">
+            <a:extLst>
+              <a:ext uri="{FF2B5EF4-FFF2-40B4-BE49-F238E27FC236}">
+                <a16:creationId xmlns:a16="http://schemas.microsoft.com/office/drawing/2014/main" id="{C84548D0-C361-4108-B284-1351D54B8DFD}"/>
+              </a:ext>
+            </a:extLst>
+          </p:cNvPr>
+          <p:cNvSpPr txBox="1"/>
+          <p:nvPr/>
+        </p:nvSpPr>
+        <p:spPr>
+          <a:xfrm>
+            <a:off x="1720971" y="4717667"/>
+            <a:ext cx="7102549" cy="1754326"/>
+          </a:xfrm>
+          <a:prstGeom prst="rect">
+            <a:avLst/>
+          </a:prstGeom>
+          <a:noFill/>
+        </p:spPr>
+        <p:txBody>
+          <a:bodyPr wrap="square" rtlCol="0">
+            <a:spAutoFit/>
+          </a:bodyPr>
+          <a:lstStyle/>
+          <a:p>
+            <a:r>
+              <a:rPr lang="de-DE" u="sng" dirty="0"/>
+              <a:t>EstMB</a:t>
+            </a:r>
+            <a:r>
+              <a:rPr lang="de-DE" dirty="0"/>
+              <a:t>:</a:t>
+            </a:r>
+          </a:p>
+          <a:p>
+            <a:pPr marL="285750" indent="-285750">
+              <a:buFontTx/>
+              <a:buChar char="-"/>
+            </a:pPr>
+            <a:r>
+              <a:rPr lang="de-DE" dirty="0"/>
+              <a:t>21 rows removed in metadata due to NA</a:t>
+            </a:r>
+          </a:p>
+          <a:p>
+            <a:pPr marL="285750" indent="-285750">
+              <a:buFontTx/>
+              <a:buChar char="-"/>
+            </a:pPr>
+            <a:r>
+              <a:rPr lang="de-DE" dirty="0"/>
+              <a:t>21 patients cut out of abundance table due to metadata</a:t>
+            </a:r>
+          </a:p>
+          <a:p>
+            <a:pPr marL="285750" indent="-285750">
+              <a:buFontTx/>
+              <a:buChar char="-"/>
+            </a:pPr>
+            <a:r>
+              <a:rPr lang="de-DE" dirty="0"/>
+              <a:t>Added 75% abundance filter as data was otherwise not practically processable</a:t>
+            </a:r>
+          </a:p>
+          <a:p>
+            <a:pPr marL="285750" indent="-285750">
+              <a:buFontTx/>
+              <a:buChar char="-"/>
+            </a:pPr>
             <a:endParaRPr lang="de-DE" dirty="0"/>
           </a:p>
         </p:txBody>
@@ -38798,7 +38957,7 @@
     </p:spTree>
     <p:extLst>
       <p:ext uri="{BB962C8B-B14F-4D97-AF65-F5344CB8AC3E}">
-        <p14:creationId xmlns:p14="http://schemas.microsoft.com/office/powerpoint/2010/main" val="3441935650"/>
+        <p14:creationId xmlns:p14="http://schemas.microsoft.com/office/powerpoint/2010/main" val="3215538767"/>
       </p:ext>
     </p:extLst>
   </p:cSld>
@@ -38882,7 +39041,7 @@
           <a:p>
             <a:fld id="{1F2A6BD5-D000-45AE-BE81-365EBD12526C}" type="datetime1">
               <a:rPr lang="en-US" smtClean="0"/>
-              <a:t>5/13/2022</a:t>
+              <a:t>5/19/2022</a:t>
             </a:fld>
             <a:endParaRPr lang="en-US" dirty="0"/>
           </a:p>
@@ -39111,7 +39270,7 @@
           <a:p>
             <a:r>
               <a:rPr lang="de-DE" b="1" dirty="0"/>
-              <a:t>Hierarchy dimensionality reduction</a:t>
+              <a:t>Transformations</a:t>
             </a:r>
             <a:endParaRPr lang="en-US" b="1" dirty="0"/>
           </a:p>
@@ -39139,10 +39298,9 @@
           <a:lstStyle/>
           <a:p>
             <a:r>
-              <a:rPr lang="en-US"/>
+              <a:rPr lang="en-US" dirty="0"/>
               <a:t>jennifer.neumaier@t-online.de</a:t>
             </a:r>
-            <a:endParaRPr lang="en-US" dirty="0"/>
           </a:p>
         </p:txBody>
       </p:sp>
@@ -39226,7 +39384,7 @@
         <p:spPr>
           <a:xfrm>
             <a:off x="2589212" y="1742696"/>
-            <a:ext cx="7102549" cy="1754326"/>
+            <a:ext cx="7102549" cy="1477328"/>
           </a:xfrm>
           <a:prstGeom prst="rect">
             <a:avLst/>
@@ -39241,7 +39399,7 @@
           <a:p>
             <a:r>
               <a:rPr lang="de-DE" u="sng" dirty="0"/>
-              <a:t>PCA</a:t>
+              <a:t>CLR/ALR</a:t>
             </a:r>
             <a:r>
               <a:rPr lang="de-DE" dirty="0"/>
@@ -39255,7 +39413,7 @@
             </a:pPr>
             <a:r>
               <a:rPr lang="de-DE" dirty="0"/>
-              <a:t>Microbiome Preprocessing Machine Learning Pipeline (2021)</a:t>
+              <a:t>What to do with LR.wt?</a:t>
             </a:r>
           </a:p>
           <a:p>
@@ -39265,7 +39423,7 @@
             </a:pPr>
             <a:r>
               <a:rPr lang="de-DE" dirty="0"/>
-              <a:t>Proposes to use PCA as hierarchy reduction </a:t>
+              <a:t>What to do with part.names and part.wt?</a:t>
             </a:r>
           </a:p>
           <a:p>
@@ -39275,18 +39433,124 @@
             </a:pPr>
             <a:r>
               <a:rPr lang="de-DE" dirty="0"/>
-              <a:t>Families can be clustered and genus is not necessary</a:t>
+              <a:t>Column names ALR?</a:t>
             </a:r>
           </a:p>
           <a:p>
             <a:endParaRPr lang="de-DE" dirty="0"/>
+          </a:p>
+        </p:txBody>
+      </p:sp>
+      <p:sp>
+        <p:nvSpPr>
+          <p:cNvPr id="8" name="TextBox 7">
+            <a:extLst>
+              <a:ext uri="{FF2B5EF4-FFF2-40B4-BE49-F238E27FC236}">
+                <a16:creationId xmlns:a16="http://schemas.microsoft.com/office/drawing/2014/main" id="{42B7B4AF-462B-468E-AAF9-0BB332281A81}"/>
+              </a:ext>
+            </a:extLst>
+          </p:cNvPr>
+          <p:cNvSpPr txBox="1"/>
+          <p:nvPr/>
+        </p:nvSpPr>
+        <p:spPr>
+          <a:xfrm>
+            <a:off x="2589212" y="3278973"/>
+            <a:ext cx="7102549" cy="923330"/>
+          </a:xfrm>
+          <a:prstGeom prst="rect">
+            <a:avLst/>
+          </a:prstGeom>
+          <a:noFill/>
+        </p:spPr>
+        <p:txBody>
+          <a:bodyPr wrap="square" rtlCol="0">
+            <a:spAutoFit/>
+          </a:bodyPr>
+          <a:lstStyle/>
+          <a:p>
+            <a:r>
+              <a:rPr lang="de-DE" u="sng" dirty="0"/>
+              <a:t>EstMB:</a:t>
+            </a:r>
+            <a:endParaRPr lang="de-DE" dirty="0"/>
+          </a:p>
+          <a:p>
+            <a:pPr marL="285750" indent="-285750">
+              <a:buFontTx/>
+              <a:buChar char="-"/>
+            </a:pPr>
+            <a:r>
+              <a:rPr lang="de-DE" dirty="0"/>
+              <a:t>Needs a lot of time for ALR -&gt; solved in HPC?</a:t>
+            </a:r>
+          </a:p>
+          <a:p>
+            <a:endParaRPr lang="de-DE" dirty="0"/>
+          </a:p>
+        </p:txBody>
+      </p:sp>
+      <p:sp>
+        <p:nvSpPr>
+          <p:cNvPr id="9" name="TextBox 8">
+            <a:extLst>
+              <a:ext uri="{FF2B5EF4-FFF2-40B4-BE49-F238E27FC236}">
+                <a16:creationId xmlns:a16="http://schemas.microsoft.com/office/drawing/2014/main" id="{1BDC196A-BF95-29CF-EA9D-DA91FF034D94}"/>
+              </a:ext>
+            </a:extLst>
+          </p:cNvPr>
+          <p:cNvSpPr txBox="1"/>
+          <p:nvPr/>
+        </p:nvSpPr>
+        <p:spPr>
+          <a:xfrm>
+            <a:off x="5769552" y="241889"/>
+            <a:ext cx="6094268" cy="3780522"/>
+          </a:xfrm>
+          <a:prstGeom prst="rect">
+            <a:avLst/>
+          </a:prstGeom>
+          <a:noFill/>
+        </p:spPr>
+        <p:txBody>
+          <a:bodyPr wrap="square">
+            <a:spAutoFit/>
+          </a:bodyPr>
+          <a:lstStyle/>
+          <a:p>
+            <a:pPr marL="0" marR="0" algn="just">
+              <a:lnSpc>
+                <a:spcPct val="150000"/>
+              </a:lnSpc>
+              <a:spcBef>
+                <a:spcPts val="500"/>
+              </a:spcBef>
+              <a:spcAft>
+                <a:spcPts val="1000"/>
+              </a:spcAft>
+            </a:pPr>
+            <a:r>
+              <a:rPr lang="en-US" sz="1800" dirty="0">
+                <a:effectLst/>
+                <a:latin typeface="Arial" panose="020B0604020202020204" pitchFamily="34" charset="0"/>
+                <a:ea typeface="Times New Roman" panose="02020603050405020304" pitchFamily="18" charset="0"/>
+                <a:cs typeface="Times New Roman" panose="02020603050405020304" pitchFamily="18" charset="0"/>
+              </a:rPr>
+              <a:t>More complex is ILR (isometric log-ratio), which transforms the data with respect to an orthonormal coordinate system that is constructed from sequential binary partitions of features (Quinn et al. 2018). The ILR-transform maps a composition in the D-part Aitchison-simplex isometrically to a D-1 dimensional Euclidian vector, with clr(x) the centered log-ratio transform and V a matrix which columns form an orthonormal basis of the clr-plane (Greenacre et al. 2022).</a:t>
+            </a:r>
+            <a:endParaRPr lang="de-DE" sz="1400" dirty="0">
+              <a:effectLst/>
+              <a:latin typeface="Arial" panose="020B0604020202020204" pitchFamily="34" charset="0"/>
+              <a:ea typeface="Times New Roman" panose="02020603050405020304" pitchFamily="18" charset="0"/>
+              <a:cs typeface="Times New Roman" panose="02020603050405020304" pitchFamily="18" charset="0"/>
+            </a:endParaRPr>
           </a:p>
         </p:txBody>
       </p:sp>
     </p:spTree>
     <p:extLst>
       <p:ext uri="{BB962C8B-B14F-4D97-AF65-F5344CB8AC3E}">
-        <p14:creationId xmlns:p14="http://schemas.microsoft.com/office/powerpoint/2010/main" val="2182919606"/>
+        <p14:creationId xmlns:p14="http://schemas.microsoft.com/office/powerpoint/2010/main" val="3441935650"/>
       </p:ext>
     </p:extLst>
   </p:cSld>
@@ -39329,18 +39593,49 @@
             <p:ph type="title"/>
           </p:nvPr>
         </p:nvSpPr>
+        <p:spPr>
+          <a:xfrm>
+            <a:off x="1640156" y="628124"/>
+            <a:ext cx="9640988" cy="1280890"/>
+          </a:xfrm>
+        </p:spPr>
+        <p:txBody>
+          <a:bodyPr/>
+          <a:lstStyle/>
+          <a:p>
+            <a:r>
+              <a:rPr lang="de-DE" b="1" dirty="0"/>
+              <a:t>Simplex Space and Compositional Data</a:t>
+            </a:r>
+            <a:endParaRPr lang="en-US" b="1" dirty="0"/>
+          </a:p>
+        </p:txBody>
+      </p:sp>
+      <p:sp>
+        <p:nvSpPr>
+          <p:cNvPr id="5" name="Footer Placeholder 4">
+            <a:extLst>
+              <a:ext uri="{FF2B5EF4-FFF2-40B4-BE49-F238E27FC236}">
+                <a16:creationId xmlns:a16="http://schemas.microsoft.com/office/drawing/2014/main" id="{707C4F70-832A-416B-9491-EE86347B2812}"/>
+              </a:ext>
+            </a:extLst>
+          </p:cNvPr>
+          <p:cNvSpPr>
+            <a:spLocks noGrp="1"/>
+          </p:cNvSpPr>
+          <p:nvPr>
+            <p:ph type="ftr" sz="quarter" idx="11"/>
+          </p:nvPr>
+        </p:nvSpPr>
         <p:spPr/>
         <p:txBody>
-          <a:bodyPr>
-            <a:normAutofit/>
-          </a:bodyPr>
-          <a:lstStyle/>
-          <a:p>
-            <a:r>
-              <a:rPr lang="de-DE" sz="3200" b="1" dirty="0"/>
-              <a:t>mikropml</a:t>
-            </a:r>
-            <a:endParaRPr lang="en-US" sz="3200" b="1" dirty="0"/>
+          <a:bodyPr/>
+          <a:lstStyle/>
+          <a:p>
+            <a:r>
+              <a:rPr lang="en-US" dirty="0"/>
+              <a:t>jennifer.neumaier@t-online.de</a:t>
+            </a:r>
           </a:p>
         </p:txBody>
       </p:sp>
@@ -39376,10 +39671,10 @@
       </p:sp>
       <p:sp>
         <p:nvSpPr>
-          <p:cNvPr id="8" name="TextBox 7">
-            <a:extLst>
-              <a:ext uri="{FF2B5EF4-FFF2-40B4-BE49-F238E27FC236}">
-                <a16:creationId xmlns:a16="http://schemas.microsoft.com/office/drawing/2014/main" id="{C9FAD4F5-81D5-4890-8BB5-F06C93EDD254}"/>
+          <p:cNvPr id="26" name="TextBox 25">
+            <a:extLst>
+              <a:ext uri="{FF2B5EF4-FFF2-40B4-BE49-F238E27FC236}">
+                <a16:creationId xmlns:a16="http://schemas.microsoft.com/office/drawing/2014/main" id="{CC7BEBFF-3D20-441C-B1B2-0CE34904FDE4}"/>
               </a:ext>
             </a:extLst>
           </p:cNvPr>
@@ -39388,8 +39683,8 @@
         </p:nvSpPr>
         <p:spPr>
           <a:xfrm>
-            <a:off x="1392866" y="1268569"/>
-            <a:ext cx="8753253" cy="5509200"/>
+            <a:off x="1698819" y="1152907"/>
+            <a:ext cx="3654858" cy="400110"/>
           </a:xfrm>
           <a:prstGeom prst="rect">
             <a:avLst/>
@@ -39397,172 +39692,554 @@
           <a:noFill/>
         </p:spPr>
         <p:txBody>
+          <a:bodyPr wrap="square" rtlCol="0">
+            <a:spAutoFit/>
+          </a:bodyPr>
+          <a:lstStyle/>
+          <a:p>
+            <a:r>
+              <a:rPr lang="de-DE" sz="2000" i="1" dirty="0"/>
+              <a:t>Problems and Notes</a:t>
+            </a:r>
+          </a:p>
+        </p:txBody>
+      </p:sp>
+      <p:pic>
+        <p:nvPicPr>
+          <p:cNvPr id="9" name="Picture 8" descr="Text, chat or text message&#10;&#10;Description automatically generated">
+            <a:extLst>
+              <a:ext uri="{FF2B5EF4-FFF2-40B4-BE49-F238E27FC236}">
+                <a16:creationId xmlns:a16="http://schemas.microsoft.com/office/drawing/2014/main" id="{95EC87B6-6ACA-0EAE-F471-3C49242CF081}"/>
+              </a:ext>
+            </a:extLst>
+          </p:cNvPr>
+          <p:cNvPicPr>
+            <a:picLocks noChangeAspect="1"/>
+          </p:cNvPicPr>
+          <p:nvPr/>
+        </p:nvPicPr>
+        <p:blipFill>
+          <a:blip r:embed="rId3"/>
+          <a:stretch>
+            <a:fillRect/>
+          </a:stretch>
+        </p:blipFill>
+        <p:spPr>
+          <a:xfrm>
+            <a:off x="921695" y="2077800"/>
+            <a:ext cx="5972810" cy="2375535"/>
+          </a:xfrm>
+          <a:prstGeom prst="rect">
+            <a:avLst/>
+          </a:prstGeom>
+        </p:spPr>
+      </p:pic>
+      <p:sp>
+        <p:nvSpPr>
+          <p:cNvPr id="10" name="TextBox 9">
+            <a:extLst>
+              <a:ext uri="{FF2B5EF4-FFF2-40B4-BE49-F238E27FC236}">
+                <a16:creationId xmlns:a16="http://schemas.microsoft.com/office/drawing/2014/main" id="{B6C08B45-B229-47E4-30F5-3E4C0669305B}"/>
+              </a:ext>
+            </a:extLst>
+          </p:cNvPr>
+          <p:cNvSpPr txBox="1"/>
+          <p:nvPr/>
+        </p:nvSpPr>
+        <p:spPr>
+          <a:xfrm>
+            <a:off x="6894505" y="3900136"/>
+            <a:ext cx="6094070" cy="2329740"/>
+          </a:xfrm>
+          <a:prstGeom prst="rect">
+            <a:avLst/>
+          </a:prstGeom>
+          <a:noFill/>
+        </p:spPr>
+        <p:txBody>
           <a:bodyPr wrap="square">
             <a:spAutoFit/>
           </a:bodyPr>
           <a:lstStyle/>
           <a:p>
-            <a:r>
-              <a:rPr lang="de-DE" sz="1100" dirty="0"/>
-              <a:t>Testing out mikropml as it already has a function run_ml() that incorporates nested cross-validation for several standard supervised machine learning models:</a:t>
-            </a:r>
-          </a:p>
-          <a:p>
-            <a:endParaRPr lang="de-DE" sz="1100" dirty="0"/>
-          </a:p>
-          <a:p>
-            <a:r>
-              <a:rPr lang="de-DE" sz="1100" dirty="0"/>
-              <a:t>    Logistic/multiclass/linear regression ("glmnet")</a:t>
-            </a:r>
-          </a:p>
-          <a:p>
-            <a:r>
-              <a:rPr lang="de-DE" sz="1100" dirty="0"/>
-              <a:t>    Random forest ("rf")</a:t>
-            </a:r>
-          </a:p>
-          <a:p>
-            <a:r>
-              <a:rPr lang="de-DE" sz="1100" dirty="0"/>
-              <a:t>    Decision tree ("rpart2")</a:t>
-            </a:r>
-          </a:p>
-          <a:p>
-            <a:r>
-              <a:rPr lang="de-DE" sz="1100" dirty="0"/>
-              <a:t>    Support vector machine with a radial basis kernel ("svmRadial")</a:t>
-            </a:r>
-          </a:p>
-          <a:p>
-            <a:r>
-              <a:rPr lang="de-DE" sz="1100" dirty="0"/>
-              <a:t>    xgboost ("xgbTree")</a:t>
-            </a:r>
-          </a:p>
-          <a:p>
-            <a:endParaRPr lang="de-DE" sz="1100" dirty="0"/>
-          </a:p>
-          <a:p>
-            <a:r>
-              <a:rPr lang="de-DE" sz="1100" dirty="0"/>
-              <a:t>Test it here for linear regression and xgboost.</a:t>
-            </a:r>
-          </a:p>
-          <a:p>
-            <a:r>
-              <a:rPr lang="de-DE" sz="1100" dirty="0"/>
-              <a:t>Function run_ml has several parameters:</a:t>
-            </a:r>
-          </a:p>
-          <a:p>
-            <a:r>
-              <a:rPr lang="de-DE" sz="1100" dirty="0"/>
-              <a:t>           dataset,</a:t>
-            </a:r>
-          </a:p>
-          <a:p>
-            <a:r>
-              <a:rPr lang="de-DE" sz="1100" dirty="0"/>
-              <a:t>           method,</a:t>
-            </a:r>
-          </a:p>
-          <a:p>
-            <a:r>
-              <a:rPr lang="de-DE" sz="1100" dirty="0"/>
-              <a:t>           outcome_colname = NULL, (standardized the first column)</a:t>
-            </a:r>
-          </a:p>
-          <a:p>
-            <a:r>
-              <a:rPr lang="de-DE" sz="1100" dirty="0"/>
-              <a:t>           hyperparameters = NULL,</a:t>
-            </a:r>
-          </a:p>
-          <a:p>
-            <a:r>
-              <a:rPr lang="de-DE" sz="1100" dirty="0"/>
-              <a:t>           find_feature_importance = FALSE, (`TRUE` is recommended if you would like to identify features important for predicting your                                                outcome, but it is resource-intensive.</a:t>
-            </a:r>
-          </a:p>
-          <a:p>
-            <a:r>
-              <a:rPr lang="de-DE" sz="1100" dirty="0"/>
-              <a:t>           calculate_performance = TRUE,</a:t>
-            </a:r>
-          </a:p>
-          <a:p>
-            <a:r>
-              <a:rPr lang="de-DE" sz="1100" dirty="0"/>
-              <a:t>           kfold = 5, (standard at 5)</a:t>
-            </a:r>
-          </a:p>
-          <a:p>
-            <a:r>
-              <a:rPr lang="de-DE" sz="1100" dirty="0"/>
-              <a:t>           cv_times = 100, (standard at 100)</a:t>
-            </a:r>
-          </a:p>
-          <a:p>
-            <a:r>
-              <a:rPr lang="de-DE" sz="1100" dirty="0"/>
-              <a:t>           cross_val = NULL, (cross_val a custom cross-validation scheme from `caret::trainControl()` (default: `NULL`, uses `kfold` cross                              validation repeated `cv_times`). `kfold` and `cv_times` are ignored if the user provides a custom                                          cross-validation scheme.)</a:t>
-            </a:r>
-          </a:p>
-          <a:p>
-            <a:r>
-              <a:rPr lang="de-DE" sz="1100" dirty="0"/>
-              <a:t>           training_frac = 0.8, (standard at 0.8)</a:t>
-            </a:r>
-          </a:p>
-          <a:p>
-            <a:r>
-              <a:rPr lang="de-DE" sz="1100" dirty="0"/>
-              <a:t>           perf_metric_function = NULL,</a:t>
-            </a:r>
-          </a:p>
-          <a:p>
-            <a:r>
-              <a:rPr lang="de-DE" sz="1100" dirty="0"/>
-              <a:t>           perf_metric_name = NULL,</a:t>
-            </a:r>
-          </a:p>
-          <a:p>
-            <a:r>
-              <a:rPr lang="de-DE" sz="1100" dirty="0"/>
-              <a:t>           groups = NULL,</a:t>
-            </a:r>
-          </a:p>
-          <a:p>
-            <a:r>
-              <a:rPr lang="de-DE" sz="1100" dirty="0"/>
-              <a:t>           group_partitions = NULL,</a:t>
-            </a:r>
-          </a:p>
-          <a:p>
-            <a:r>
-              <a:rPr lang="de-DE" sz="1100" dirty="0"/>
-              <a:t>           corr_thresh = 1,</a:t>
-            </a:r>
-          </a:p>
-          <a:p>
-            <a:r>
-              <a:rPr lang="de-DE" sz="1100" dirty="0"/>
-              <a:t>           ntree = 1000, (For random forest, how many trees to use (default: `1000`). Caret doesn't allow this hyperparameter to be tuned)</a:t>
-            </a:r>
-          </a:p>
-          <a:p>
-            <a:r>
-              <a:rPr lang="de-DE" sz="1100" dirty="0"/>
-              <a:t>           seed = NA (set seed for reproducibility)</a:t>
-            </a:r>
-          </a:p>
-        </p:txBody>
-      </p:sp>
+            <a:pPr marL="0" marR="0">
+              <a:lnSpc>
+                <a:spcPct val="115000"/>
+              </a:lnSpc>
+              <a:spcBef>
+                <a:spcPts val="0"/>
+              </a:spcBef>
+              <a:spcAft>
+                <a:spcPts val="0"/>
+              </a:spcAft>
+            </a:pPr>
+            <a:r>
+              <a:rPr lang="en-US" sz="1100" dirty="0">
+                <a:effectLst/>
+                <a:latin typeface="CMR10"/>
+                <a:ea typeface="Times New Roman" panose="02020603050405020304" pitchFamily="18" charset="0"/>
+                <a:cs typeface="CMR10"/>
+              </a:rPr>
+              <a:t>Comparing the last equation with (15), we see that we would</a:t>
+            </a:r>
+            <a:endParaRPr lang="de-DE" sz="1100" dirty="0">
+              <a:effectLst/>
+              <a:latin typeface="Arial" panose="020B0604020202020204" pitchFamily="34" charset="0"/>
+              <a:ea typeface="Times New Roman" panose="02020603050405020304" pitchFamily="18" charset="0"/>
+              <a:cs typeface="Times New Roman" panose="02020603050405020304" pitchFamily="18" charset="0"/>
+            </a:endParaRPr>
+          </a:p>
+          <a:p>
+            <a:pPr marL="0" marR="0">
+              <a:lnSpc>
+                <a:spcPct val="115000"/>
+              </a:lnSpc>
+              <a:spcBef>
+                <a:spcPts val="0"/>
+              </a:spcBef>
+              <a:spcAft>
+                <a:spcPts val="0"/>
+              </a:spcAft>
+            </a:pPr>
+            <a:r>
+              <a:rPr lang="en-US" sz="1100" dirty="0">
+                <a:effectLst/>
+                <a:latin typeface="CMR10"/>
+                <a:ea typeface="Times New Roman" panose="02020603050405020304" pitchFamily="18" charset="0"/>
+                <a:cs typeface="CMR10"/>
+              </a:rPr>
+              <a:t>get exactly the same expression using the </a:t>
+            </a:r>
+            <a:r>
+              <a:rPr lang="en-US" sz="1100" dirty="0" err="1">
+                <a:effectLst/>
+                <a:latin typeface="CMR10"/>
+                <a:ea typeface="Times New Roman" panose="02020603050405020304" pitchFamily="18" charset="0"/>
+                <a:cs typeface="CMR10"/>
+              </a:rPr>
+              <a:t>modi_ed</a:t>
+            </a:r>
+            <a:r>
+              <a:rPr lang="en-US" sz="1100" dirty="0">
+                <a:effectLst/>
+                <a:latin typeface="CMR10"/>
+                <a:ea typeface="Times New Roman" panose="02020603050405020304" pitchFamily="18" charset="0"/>
+                <a:cs typeface="CMR10"/>
+              </a:rPr>
+              <a:t> </a:t>
+            </a:r>
+            <a:r>
+              <a:rPr lang="en-US" sz="1100" dirty="0" err="1">
+                <a:effectLst/>
+                <a:latin typeface="CMR10"/>
+                <a:ea typeface="Times New Roman" panose="02020603050405020304" pitchFamily="18" charset="0"/>
+                <a:cs typeface="CMR10"/>
+              </a:rPr>
+              <a:t>DeSeq</a:t>
+            </a:r>
+            <a:r>
+              <a:rPr lang="en-US" sz="1100" dirty="0">
+                <a:effectLst/>
+                <a:latin typeface="CMR10"/>
+                <a:ea typeface="Times New Roman" panose="02020603050405020304" pitchFamily="18" charset="0"/>
+                <a:cs typeface="CMR10"/>
+              </a:rPr>
+              <a:t> normalization. The</a:t>
+            </a:r>
+            <a:endParaRPr lang="de-DE" sz="1100" dirty="0">
+              <a:effectLst/>
+              <a:latin typeface="Arial" panose="020B0604020202020204" pitchFamily="34" charset="0"/>
+              <a:ea typeface="Times New Roman" panose="02020603050405020304" pitchFamily="18" charset="0"/>
+              <a:cs typeface="Times New Roman" panose="02020603050405020304" pitchFamily="18" charset="0"/>
+            </a:endParaRPr>
+          </a:p>
+          <a:p>
+            <a:pPr marL="0" marR="0">
+              <a:lnSpc>
+                <a:spcPct val="115000"/>
+              </a:lnSpc>
+              <a:spcBef>
+                <a:spcPts val="0"/>
+              </a:spcBef>
+              <a:spcAft>
+                <a:spcPts val="0"/>
+              </a:spcAft>
+            </a:pPr>
+            <a:r>
+              <a:rPr lang="en-US" sz="1100" dirty="0">
+                <a:effectLst/>
+                <a:latin typeface="CMR10"/>
+                <a:ea typeface="Times New Roman" panose="02020603050405020304" pitchFamily="18" charset="0"/>
+                <a:cs typeface="CMR10"/>
+              </a:rPr>
+              <a:t>median, trimmed mean and geometric mean lead thus to quite similar </a:t>
+            </a:r>
+            <a:r>
+              <a:rPr lang="en-US" sz="1100" dirty="0" err="1">
+                <a:effectLst/>
+                <a:latin typeface="CMR10"/>
+                <a:ea typeface="Times New Roman" panose="02020603050405020304" pitchFamily="18" charset="0"/>
+                <a:cs typeface="CMR10"/>
+              </a:rPr>
+              <a:t>proce</a:t>
+            </a:r>
+            <a:r>
+              <a:rPr lang="en-US" sz="1100" dirty="0">
+                <a:effectLst/>
+                <a:latin typeface="CMR10"/>
+                <a:ea typeface="Times New Roman" panose="02020603050405020304" pitchFamily="18" charset="0"/>
+                <a:cs typeface="CMR10"/>
+              </a:rPr>
+              <a:t>-</a:t>
+            </a:r>
+            <a:endParaRPr lang="de-DE" sz="1100" dirty="0">
+              <a:effectLst/>
+              <a:latin typeface="Arial" panose="020B0604020202020204" pitchFamily="34" charset="0"/>
+              <a:ea typeface="Times New Roman" panose="02020603050405020304" pitchFamily="18" charset="0"/>
+              <a:cs typeface="Times New Roman" panose="02020603050405020304" pitchFamily="18" charset="0"/>
+            </a:endParaRPr>
+          </a:p>
+          <a:p>
+            <a:pPr marL="0" marR="0">
+              <a:lnSpc>
+                <a:spcPct val="115000"/>
+              </a:lnSpc>
+              <a:spcBef>
+                <a:spcPts val="0"/>
+              </a:spcBef>
+              <a:spcAft>
+                <a:spcPts val="0"/>
+              </a:spcAft>
+            </a:pPr>
+            <a:r>
+              <a:rPr lang="en-US" sz="1100" dirty="0" err="1">
+                <a:effectLst/>
+                <a:latin typeface="CMR10"/>
+                <a:ea typeface="Times New Roman" panose="02020603050405020304" pitchFamily="18" charset="0"/>
+                <a:cs typeface="CMR10"/>
+              </a:rPr>
+              <a:t>dures</a:t>
+            </a:r>
+            <a:r>
+              <a:rPr lang="en-US" sz="1100" dirty="0">
+                <a:effectLst/>
+                <a:latin typeface="CMR10"/>
+                <a:ea typeface="Times New Roman" panose="02020603050405020304" pitchFamily="18" charset="0"/>
+                <a:cs typeface="CMR10"/>
+              </a:rPr>
+              <a:t>, making it clear that the clr transformation can be used as a normalization.</a:t>
+            </a:r>
+            <a:endParaRPr lang="de-DE" sz="1100" dirty="0">
+              <a:effectLst/>
+              <a:latin typeface="Arial" panose="020B0604020202020204" pitchFamily="34" charset="0"/>
+              <a:ea typeface="Times New Roman" panose="02020603050405020304" pitchFamily="18" charset="0"/>
+              <a:cs typeface="Times New Roman" panose="02020603050405020304" pitchFamily="18" charset="0"/>
+            </a:endParaRPr>
+          </a:p>
+          <a:p>
+            <a:pPr marL="0" marR="0">
+              <a:lnSpc>
+                <a:spcPct val="115000"/>
+              </a:lnSpc>
+              <a:spcBef>
+                <a:spcPts val="0"/>
+              </a:spcBef>
+              <a:spcAft>
+                <a:spcPts val="0"/>
+              </a:spcAft>
+            </a:pPr>
+            <a:r>
+              <a:rPr lang="en-US" sz="1100" dirty="0">
+                <a:effectLst/>
+                <a:latin typeface="CMR10"/>
+                <a:ea typeface="Times New Roman" panose="02020603050405020304" pitchFamily="18" charset="0"/>
+                <a:cs typeface="CMR10"/>
+              </a:rPr>
+              <a:t>The </a:t>
+            </a:r>
+            <a:r>
+              <a:rPr lang="en-US" sz="1100" dirty="0" err="1">
+                <a:effectLst/>
+                <a:latin typeface="CMR10"/>
+                <a:ea typeface="Times New Roman" panose="02020603050405020304" pitchFamily="18" charset="0"/>
+                <a:cs typeface="CMR10"/>
+              </a:rPr>
+              <a:t>iqlr</a:t>
+            </a:r>
+            <a:r>
+              <a:rPr lang="en-US" sz="1100" dirty="0">
+                <a:effectLst/>
+                <a:latin typeface="CMR10"/>
+                <a:ea typeface="Times New Roman" panose="02020603050405020304" pitchFamily="18" charset="0"/>
+                <a:cs typeface="CMR10"/>
+              </a:rPr>
+              <a:t> transformation [3] as used in ALDEx2 would be even more in spirit</a:t>
+            </a:r>
+            <a:endParaRPr lang="de-DE" sz="1100" dirty="0">
+              <a:effectLst/>
+              <a:latin typeface="Arial" panose="020B0604020202020204" pitchFamily="34" charset="0"/>
+              <a:ea typeface="Times New Roman" panose="02020603050405020304" pitchFamily="18" charset="0"/>
+              <a:cs typeface="Times New Roman" panose="02020603050405020304" pitchFamily="18" charset="0"/>
+            </a:endParaRPr>
+          </a:p>
+          <a:p>
+            <a:pPr marL="0" marR="0">
+              <a:lnSpc>
+                <a:spcPct val="115000"/>
+              </a:lnSpc>
+              <a:spcBef>
+                <a:spcPts val="0"/>
+              </a:spcBef>
+              <a:spcAft>
+                <a:spcPts val="0"/>
+              </a:spcAft>
+            </a:pPr>
+            <a:r>
+              <a:rPr lang="en-US" sz="1100" dirty="0">
+                <a:effectLst/>
+                <a:latin typeface="CMR10"/>
+                <a:ea typeface="Times New Roman" panose="02020603050405020304" pitchFamily="18" charset="0"/>
+                <a:cs typeface="CMR10"/>
+              </a:rPr>
+              <a:t>of the trimmed mean used in </a:t>
+            </a:r>
+            <a:r>
+              <a:rPr lang="en-US" sz="1100" dirty="0" err="1">
+                <a:effectLst/>
+                <a:latin typeface="CMR10"/>
+                <a:ea typeface="Times New Roman" panose="02020603050405020304" pitchFamily="18" charset="0"/>
+                <a:cs typeface="CMR10"/>
+              </a:rPr>
+              <a:t>edgeR</a:t>
+            </a:r>
+            <a:r>
+              <a:rPr lang="en-US" sz="1100" dirty="0">
+                <a:effectLst/>
+                <a:latin typeface="CMR10"/>
+                <a:ea typeface="Times New Roman" panose="02020603050405020304" pitchFamily="18" charset="0"/>
+                <a:cs typeface="CMR10"/>
+              </a:rPr>
+              <a:t>. For a comparison of </a:t>
+            </a:r>
+            <a:r>
+              <a:rPr lang="en-US" sz="1100" dirty="0" err="1">
+                <a:effectLst/>
+                <a:latin typeface="CMR10"/>
+                <a:ea typeface="Times New Roman" panose="02020603050405020304" pitchFamily="18" charset="0"/>
+                <a:cs typeface="CMR10"/>
+              </a:rPr>
+              <a:t>e_ective</a:t>
+            </a:r>
+            <a:r>
+              <a:rPr lang="en-US" sz="1100" dirty="0">
+                <a:effectLst/>
+                <a:latin typeface="CMR10"/>
+                <a:ea typeface="Times New Roman" panose="02020603050405020304" pitchFamily="18" charset="0"/>
+                <a:cs typeface="CMR10"/>
+              </a:rPr>
+              <a:t> library size</a:t>
+            </a:r>
+            <a:endParaRPr lang="de-DE" sz="1100" dirty="0">
+              <a:effectLst/>
+              <a:latin typeface="Arial" panose="020B0604020202020204" pitchFamily="34" charset="0"/>
+              <a:ea typeface="Times New Roman" panose="02020603050405020304" pitchFamily="18" charset="0"/>
+              <a:cs typeface="Times New Roman" panose="02020603050405020304" pitchFamily="18" charset="0"/>
+            </a:endParaRPr>
+          </a:p>
+          <a:p>
+            <a:pPr marL="0" marR="0">
+              <a:lnSpc>
+                <a:spcPct val="115000"/>
+              </a:lnSpc>
+              <a:spcBef>
+                <a:spcPts val="0"/>
+              </a:spcBef>
+              <a:spcAft>
+                <a:spcPts val="0"/>
+              </a:spcAft>
+            </a:pPr>
+            <a:r>
+              <a:rPr lang="en-US" sz="1100" dirty="0">
+                <a:effectLst/>
+                <a:latin typeface="CMR10"/>
+                <a:ea typeface="Times New Roman" panose="02020603050405020304" pitchFamily="18" charset="0"/>
+                <a:cs typeface="CMR10"/>
+              </a:rPr>
+              <a:t>normalization methods, see [4]. It should be emphasized, however, that the</a:t>
+            </a:r>
+            <a:endParaRPr lang="de-DE" sz="1100" dirty="0">
+              <a:effectLst/>
+              <a:latin typeface="Arial" panose="020B0604020202020204" pitchFamily="34" charset="0"/>
+              <a:ea typeface="Times New Roman" panose="02020603050405020304" pitchFamily="18" charset="0"/>
+              <a:cs typeface="Times New Roman" panose="02020603050405020304" pitchFamily="18" charset="0"/>
+            </a:endParaRPr>
+          </a:p>
+          <a:p>
+            <a:pPr marL="0" marR="0">
+              <a:lnSpc>
+                <a:spcPct val="115000"/>
+              </a:lnSpc>
+              <a:spcBef>
+                <a:spcPts val="0"/>
+              </a:spcBef>
+              <a:spcAft>
+                <a:spcPts val="0"/>
+              </a:spcAft>
+            </a:pPr>
+            <a:r>
+              <a:rPr lang="en-US" sz="1100" dirty="0">
+                <a:effectLst/>
+                <a:latin typeface="CMR10"/>
+                <a:ea typeface="Times New Roman" panose="02020603050405020304" pitchFamily="18" charset="0"/>
+                <a:cs typeface="CMR10"/>
+              </a:rPr>
+              <a:t>focus in </a:t>
+            </a:r>
+            <a:r>
+              <a:rPr lang="en-US" sz="1100" dirty="0" err="1">
+                <a:effectLst/>
+                <a:latin typeface="CMR10"/>
+                <a:ea typeface="Times New Roman" panose="02020603050405020304" pitchFamily="18" charset="0"/>
+                <a:cs typeface="CMR10"/>
+              </a:rPr>
+              <a:t>CoDA</a:t>
+            </a:r>
+            <a:r>
+              <a:rPr lang="en-US" sz="1100" dirty="0">
+                <a:effectLst/>
+                <a:latin typeface="CMR10"/>
+                <a:ea typeface="Times New Roman" panose="02020603050405020304" pitchFamily="18" charset="0"/>
+                <a:cs typeface="CMR10"/>
+              </a:rPr>
+              <a:t> is not on scaling parts to become common-scale quantities that</a:t>
+            </a:r>
+            <a:endParaRPr lang="de-DE" sz="1100" dirty="0">
+              <a:effectLst/>
+              <a:latin typeface="Arial" panose="020B0604020202020204" pitchFamily="34" charset="0"/>
+              <a:ea typeface="Times New Roman" panose="02020603050405020304" pitchFamily="18" charset="0"/>
+              <a:cs typeface="Times New Roman" panose="02020603050405020304" pitchFamily="18" charset="0"/>
+            </a:endParaRPr>
+          </a:p>
+          <a:p>
+            <a:pPr marL="0" marR="0">
+              <a:lnSpc>
+                <a:spcPct val="115000"/>
+              </a:lnSpc>
+              <a:spcBef>
+                <a:spcPts val="0"/>
+              </a:spcBef>
+              <a:spcAft>
+                <a:spcPts val="0"/>
+              </a:spcAft>
+            </a:pPr>
+            <a:r>
+              <a:rPr lang="en-US" sz="1100" dirty="0">
+                <a:effectLst/>
+                <a:latin typeface="CMR10"/>
+                <a:ea typeface="Times New Roman" panose="02020603050405020304" pitchFamily="18" charset="0"/>
+                <a:cs typeface="CMR10"/>
+              </a:rPr>
+              <a:t>are comparable on absolute terms. Rather, when the within-sample ratios are</a:t>
+            </a:r>
+            <a:endParaRPr lang="de-DE" sz="1100" dirty="0">
+              <a:effectLst/>
+              <a:latin typeface="Arial" panose="020B0604020202020204" pitchFamily="34" charset="0"/>
+              <a:ea typeface="Times New Roman" panose="02020603050405020304" pitchFamily="18" charset="0"/>
+              <a:cs typeface="Times New Roman" panose="02020603050405020304" pitchFamily="18" charset="0"/>
+            </a:endParaRPr>
+          </a:p>
+          <a:p>
+            <a:pPr marL="0" marR="0">
+              <a:lnSpc>
+                <a:spcPct val="115000"/>
+              </a:lnSpc>
+              <a:spcBef>
+                <a:spcPts val="0"/>
+              </a:spcBef>
+              <a:spcAft>
+                <a:spcPts val="0"/>
+              </a:spcAft>
+            </a:pPr>
+            <a:r>
+              <a:rPr lang="en-US" sz="1100" dirty="0">
+                <a:effectLst/>
+                <a:latin typeface="CMR10"/>
+                <a:ea typeface="Times New Roman" panose="02020603050405020304" pitchFamily="18" charset="0"/>
+                <a:cs typeface="CMR10"/>
+              </a:rPr>
+              <a:t>compared between samples, the denominators in them have to be taken for what</a:t>
+            </a:r>
+            <a:endParaRPr lang="de-DE" sz="1100" dirty="0">
+              <a:effectLst/>
+              <a:latin typeface="Arial" panose="020B0604020202020204" pitchFamily="34" charset="0"/>
+              <a:ea typeface="Times New Roman" panose="02020603050405020304" pitchFamily="18" charset="0"/>
+              <a:cs typeface="Times New Roman" panose="02020603050405020304" pitchFamily="18" charset="0"/>
+            </a:endParaRPr>
+          </a:p>
+          <a:p>
+            <a:pPr marL="0" marR="0" algn="just">
+              <a:lnSpc>
+                <a:spcPct val="150000"/>
+              </a:lnSpc>
+              <a:spcBef>
+                <a:spcPts val="500"/>
+              </a:spcBef>
+              <a:spcAft>
+                <a:spcPts val="1000"/>
+              </a:spcAft>
+            </a:pPr>
+            <a:r>
+              <a:rPr lang="en-US" sz="1100" dirty="0">
+                <a:effectLst/>
+                <a:latin typeface="CMR10"/>
+                <a:ea typeface="Times New Roman" panose="02020603050405020304" pitchFamily="18" charset="0"/>
+                <a:cs typeface="CMR10"/>
+              </a:rPr>
+              <a:t>they are when interpreting results. (supplementary, 2018)</a:t>
+            </a:r>
+            <a:endParaRPr lang="de-DE" sz="1100" dirty="0">
+              <a:effectLst/>
+              <a:latin typeface="Arial" panose="020B0604020202020204" pitchFamily="34" charset="0"/>
+              <a:ea typeface="Times New Roman" panose="02020603050405020304" pitchFamily="18" charset="0"/>
+              <a:cs typeface="Times New Roman" panose="02020603050405020304" pitchFamily="18" charset="0"/>
+            </a:endParaRPr>
+          </a:p>
+        </p:txBody>
+      </p:sp>
+      <p:pic>
+        <p:nvPicPr>
+          <p:cNvPr id="11" name="Picture 10">
+            <a:extLst>
+              <a:ext uri="{FF2B5EF4-FFF2-40B4-BE49-F238E27FC236}">
+                <a16:creationId xmlns:a16="http://schemas.microsoft.com/office/drawing/2014/main" id="{205EF749-2DBE-82D5-4D64-A17FA53BAAB3}"/>
+              </a:ext>
+            </a:extLst>
+          </p:cNvPr>
+          <p:cNvPicPr>
+            <a:picLocks noChangeAspect="1"/>
+          </p:cNvPicPr>
+          <p:nvPr/>
+        </p:nvPicPr>
+        <p:blipFill>
+          <a:blip r:embed="rId4"/>
+          <a:stretch>
+            <a:fillRect/>
+          </a:stretch>
+        </p:blipFill>
+        <p:spPr>
+          <a:xfrm>
+            <a:off x="6982816" y="1222135"/>
+            <a:ext cx="4677372" cy="2509215"/>
+          </a:xfrm>
+          <a:prstGeom prst="rect">
+            <a:avLst/>
+          </a:prstGeom>
+        </p:spPr>
+      </p:pic>
     </p:spTree>
     <p:extLst>
       <p:ext uri="{BB962C8B-B14F-4D97-AF65-F5344CB8AC3E}">
-        <p14:creationId xmlns:p14="http://schemas.microsoft.com/office/powerpoint/2010/main" val="3541464901"/>
+        <p14:creationId xmlns:p14="http://schemas.microsoft.com/office/powerpoint/2010/main" val="1693991023"/>
       </p:ext>
     </p:extLst>
   </p:cSld>
@@ -39594,7 +40271,7 @@
           <p:cNvPr id="2" name="Title 1">
             <a:extLst>
               <a:ext uri="{FF2B5EF4-FFF2-40B4-BE49-F238E27FC236}">
-                <a16:creationId xmlns:a16="http://schemas.microsoft.com/office/drawing/2014/main" id="{169D9D37-B637-4D74-BB75-639D51A491FB}"/>
+                <a16:creationId xmlns:a16="http://schemas.microsoft.com/office/drawing/2014/main" id="{6806FBA4-537C-4226-9D3A-758C7B787D79}"/>
               </a:ext>
             </a:extLst>
           </p:cNvPr>
@@ -39605,19 +40282,14 @@
             <p:ph type="title"/>
           </p:nvPr>
         </p:nvSpPr>
-        <p:spPr>
-          <a:xfrm>
-            <a:off x="1640156" y="628124"/>
-            <a:ext cx="8911687" cy="1280890"/>
-          </a:xfrm>
-        </p:spPr>
+        <p:spPr/>
         <p:txBody>
           <a:bodyPr/>
           <a:lstStyle/>
           <a:p>
             <a:r>
               <a:rPr lang="de-DE" b="1" dirty="0"/>
-              <a:t>Data set</a:t>
+              <a:t>Hierarchy dimensionality reduction</a:t>
             </a:r>
             <a:endParaRPr lang="en-US" b="1" dirty="0"/>
           </a:p>
@@ -39625,10 +40297,10 @@
       </p:sp>
       <p:sp>
         <p:nvSpPr>
-          <p:cNvPr id="3" name="Content Placeholder 2">
-            <a:extLst>
-              <a:ext uri="{FF2B5EF4-FFF2-40B4-BE49-F238E27FC236}">
-                <a16:creationId xmlns:a16="http://schemas.microsoft.com/office/drawing/2014/main" id="{D4D56813-9DF8-4D28-B156-1DE48E95DBC2}"/>
+          <p:cNvPr id="5" name="Footer Placeholder 4">
+            <a:extLst>
+              <a:ext uri="{FF2B5EF4-FFF2-40B4-BE49-F238E27FC236}">
+                <a16:creationId xmlns:a16="http://schemas.microsoft.com/office/drawing/2014/main" id="{707C4F70-832A-416B-9491-EE86347B2812}"/>
               </a:ext>
             </a:extLst>
           </p:cNvPr>
@@ -39636,103 +40308,6 @@
             <a:spLocks noGrp="1"/>
           </p:cNvSpPr>
           <p:nvPr>
-            <p:ph idx="1"/>
-          </p:nvPr>
-        </p:nvSpPr>
-        <p:spPr>
-          <a:xfrm>
-            <a:off x="2592495" y="1317171"/>
-            <a:ext cx="8915400" cy="4369465"/>
-          </a:xfrm>
-        </p:spPr>
-        <p:txBody>
-          <a:bodyPr>
-            <a:normAutofit/>
-          </a:bodyPr>
-          <a:lstStyle/>
-          <a:p>
-            <a:r>
-              <a:rPr lang="de-DE" dirty="0"/>
-              <a:t>Compare what Thomas P. Quinn uses (13 datasets) and take out from estonian biobank</a:t>
-            </a:r>
-          </a:p>
-          <a:p>
-            <a:r>
-              <a:rPr lang="de-DE" dirty="0"/>
-              <a:t> prediction/classification tasks</a:t>
-            </a:r>
-          </a:p>
-          <a:p>
-            <a:r>
-              <a:rPr lang="de-DE" dirty="0"/>
-              <a:t>One with continuous and one with discrete variables</a:t>
-            </a:r>
-          </a:p>
-          <a:p>
-            <a:r>
-              <a:rPr lang="de-DE" dirty="0"/>
-              <a:t>one with high correlation and one with low to microbiomes</a:t>
-            </a:r>
-          </a:p>
-          <a:p>
-            <a:r>
-              <a:rPr lang="de-DE" dirty="0"/>
-              <a:t>one small and one large data set</a:t>
-            </a:r>
-          </a:p>
-          <a:p>
-            <a:r>
-              <a:rPr lang="de-DE" dirty="0"/>
-              <a:t>EstMB, colorectal cancer, PCOS</a:t>
-            </a:r>
-          </a:p>
-          <a:p>
-            <a:endParaRPr lang="de-DE" dirty="0"/>
-          </a:p>
-        </p:txBody>
-      </p:sp>
-      <p:sp>
-        <p:nvSpPr>
-          <p:cNvPr id="4" name="Date Placeholder 3">
-            <a:extLst>
-              <a:ext uri="{FF2B5EF4-FFF2-40B4-BE49-F238E27FC236}">
-                <a16:creationId xmlns:a16="http://schemas.microsoft.com/office/drawing/2014/main" id="{D53DB4F4-84EC-4588-88E6-8D8519D6A1E8}"/>
-              </a:ext>
-            </a:extLst>
-          </p:cNvPr>
-          <p:cNvSpPr>
-            <a:spLocks noGrp="1"/>
-          </p:cNvSpPr>
-          <p:nvPr>
-            <p:ph type="dt" sz="half" idx="10"/>
-          </p:nvPr>
-        </p:nvSpPr>
-        <p:spPr/>
-        <p:txBody>
-          <a:bodyPr/>
-          <a:lstStyle/>
-          <a:p>
-            <a:fld id="{5A2DBB50-F561-45B0-9BE5-95A455D2CD8B}" type="datetime1">
-              <a:rPr lang="en-US" smtClean="0"/>
-              <a:t>5/13/2022</a:t>
-            </a:fld>
-            <a:endParaRPr lang="en-US" dirty="0"/>
-          </a:p>
-        </p:txBody>
-      </p:sp>
-      <p:sp>
-        <p:nvSpPr>
-          <p:cNvPr id="5" name="Footer Placeholder 4">
-            <a:extLst>
-              <a:ext uri="{FF2B5EF4-FFF2-40B4-BE49-F238E27FC236}">
-                <a16:creationId xmlns:a16="http://schemas.microsoft.com/office/drawing/2014/main" id="{A7F3346A-3F24-484B-A6D3-55D66520C917}"/>
-              </a:ext>
-            </a:extLst>
-          </p:cNvPr>
-          <p:cNvSpPr>
-            <a:spLocks noGrp="1"/>
-          </p:cNvSpPr>
-          <p:nvPr>
             <p:ph type="ftr" sz="quarter" idx="11"/>
           </p:nvPr>
         </p:nvSpPr>
@@ -39754,7 +40329,7 @@
           <p:cNvPr id="6" name="Slide Number Placeholder 5">
             <a:extLst>
               <a:ext uri="{FF2B5EF4-FFF2-40B4-BE49-F238E27FC236}">
-                <a16:creationId xmlns:a16="http://schemas.microsoft.com/office/drawing/2014/main" id="{C4B3B4A6-E708-4F88-8CA2-BDE8FCF0C0AC}"/>
+                <a16:creationId xmlns:a16="http://schemas.microsoft.com/office/drawing/2014/main" id="{1028CB34-29B5-49CB-99E4-E945C3D78896}"/>
               </a:ext>
             </a:extLst>
           </p:cNvPr>
@@ -39781,10 +40356,10 @@
       </p:sp>
       <p:sp>
         <p:nvSpPr>
-          <p:cNvPr id="8" name="TextBox 7">
-            <a:extLst>
-              <a:ext uri="{FF2B5EF4-FFF2-40B4-BE49-F238E27FC236}">
-                <a16:creationId xmlns:a16="http://schemas.microsoft.com/office/drawing/2014/main" id="{6A373959-7937-4239-AAA7-0B90CAF1A620}"/>
+          <p:cNvPr id="26" name="TextBox 25">
+            <a:extLst>
+              <a:ext uri="{FF2B5EF4-FFF2-40B4-BE49-F238E27FC236}">
+                <a16:creationId xmlns:a16="http://schemas.microsoft.com/office/drawing/2014/main" id="{CC7BEBFF-3D20-441C-B1B2-0CE34904FDE4}"/>
               </a:ext>
             </a:extLst>
           </p:cNvPr>
@@ -39793,8 +40368,8 @@
         </p:nvSpPr>
         <p:spPr>
           <a:xfrm>
-            <a:off x="2260283" y="4487322"/>
-            <a:ext cx="6097904" cy="923330"/>
+            <a:off x="1698819" y="1152907"/>
+            <a:ext cx="3654858" cy="400110"/>
           </a:xfrm>
           <a:prstGeom prst="rect">
             <a:avLst/>
@@ -39802,28 +40377,94 @@
           <a:noFill/>
         </p:spPr>
         <p:txBody>
-          <a:bodyPr wrap="square">
+          <a:bodyPr wrap="square" rtlCol="0">
             <a:spAutoFit/>
           </a:bodyPr>
           <a:lstStyle/>
           <a:p>
             <a:r>
-              <a:rPr lang="de-DE" b="1" dirty="0"/>
-              <a:t>CRC data set preparation and models:</a:t>
-            </a:r>
-          </a:p>
-          <a:p>
+              <a:rPr lang="de-DE" sz="2000" i="1" dirty="0"/>
+              <a:t>Problems and Notes</a:t>
+            </a:r>
+          </a:p>
+        </p:txBody>
+      </p:sp>
+      <p:sp>
+        <p:nvSpPr>
+          <p:cNvPr id="7" name="TextBox 6">
+            <a:extLst>
+              <a:ext uri="{FF2B5EF4-FFF2-40B4-BE49-F238E27FC236}">
+                <a16:creationId xmlns:a16="http://schemas.microsoft.com/office/drawing/2014/main" id="{B43BF96F-7A11-4087-9B01-CF6AACD20E04}"/>
+              </a:ext>
+            </a:extLst>
+          </p:cNvPr>
+          <p:cNvSpPr txBox="1"/>
+          <p:nvPr/>
+        </p:nvSpPr>
+        <p:spPr>
+          <a:xfrm>
+            <a:off x="2589212" y="1742696"/>
+            <a:ext cx="7102549" cy="1754326"/>
+          </a:xfrm>
+          <a:prstGeom prst="rect">
+            <a:avLst/>
+          </a:prstGeom>
+          <a:noFill/>
+        </p:spPr>
+        <p:txBody>
+          <a:bodyPr wrap="square" rtlCol="0">
+            <a:spAutoFit/>
+          </a:bodyPr>
+          <a:lstStyle/>
+          <a:p>
+            <a:r>
+              <a:rPr lang="de-DE" u="sng" dirty="0"/>
+              <a:t>PCA</a:t>
+            </a:r>
             <a:r>
               <a:rPr lang="de-DE" dirty="0"/>
-              <a:t>https://github.com/zellerlab/crc_meta/blob/master/src/prepare_data.R</a:t>
-            </a:r>
+              <a:t>:</a:t>
+            </a:r>
+          </a:p>
+          <a:p>
+            <a:pPr marL="285750" indent="-285750">
+              <a:buFontTx/>
+              <a:buChar char="-"/>
+            </a:pPr>
+            <a:r>
+              <a:rPr lang="de-DE" dirty="0"/>
+              <a:t>Microbiome Preprocessing Machine Learning Pipeline (2021)</a:t>
+            </a:r>
+          </a:p>
+          <a:p>
+            <a:pPr marL="285750" indent="-285750">
+              <a:buFontTx/>
+              <a:buChar char="-"/>
+            </a:pPr>
+            <a:r>
+              <a:rPr lang="de-DE" dirty="0"/>
+              <a:t>Proposes to use PCA as hierarchy reduction </a:t>
+            </a:r>
+          </a:p>
+          <a:p>
+            <a:pPr marL="285750" indent="-285750">
+              <a:buFontTx/>
+              <a:buChar char="-"/>
+            </a:pPr>
+            <a:r>
+              <a:rPr lang="de-DE" dirty="0"/>
+              <a:t>Families can be clustered and genus is not necessary</a:t>
+            </a:r>
+          </a:p>
+          <a:p>
+            <a:endParaRPr lang="de-DE" dirty="0"/>
           </a:p>
         </p:txBody>
       </p:sp>
     </p:spTree>
     <p:extLst>
       <p:ext uri="{BB962C8B-B14F-4D97-AF65-F5344CB8AC3E}">
-        <p14:creationId xmlns:p14="http://schemas.microsoft.com/office/powerpoint/2010/main" val="4097922265"/>
+        <p14:creationId xmlns:p14="http://schemas.microsoft.com/office/powerpoint/2010/main" val="2182919606"/>
       </p:ext>
     </p:extLst>
   </p:cSld>
@@ -39855,6 +40496,543 @@
           <p:cNvPr id="2" name="Title 1">
             <a:extLst>
               <a:ext uri="{FF2B5EF4-FFF2-40B4-BE49-F238E27FC236}">
+                <a16:creationId xmlns:a16="http://schemas.microsoft.com/office/drawing/2014/main" id="{6806FBA4-537C-4226-9D3A-758C7B787D79}"/>
+              </a:ext>
+            </a:extLst>
+          </p:cNvPr>
+          <p:cNvSpPr>
+            <a:spLocks noGrp="1"/>
+          </p:cNvSpPr>
+          <p:nvPr>
+            <p:ph type="title"/>
+          </p:nvPr>
+        </p:nvSpPr>
+        <p:spPr/>
+        <p:txBody>
+          <a:bodyPr>
+            <a:normAutofit/>
+          </a:bodyPr>
+          <a:lstStyle/>
+          <a:p>
+            <a:r>
+              <a:rPr lang="de-DE" sz="3200" b="1" dirty="0"/>
+              <a:t>mikropml</a:t>
+            </a:r>
+            <a:endParaRPr lang="en-US" sz="3200" b="1" dirty="0"/>
+          </a:p>
+        </p:txBody>
+      </p:sp>
+      <p:sp>
+        <p:nvSpPr>
+          <p:cNvPr id="6" name="Slide Number Placeholder 5">
+            <a:extLst>
+              <a:ext uri="{FF2B5EF4-FFF2-40B4-BE49-F238E27FC236}">
+                <a16:creationId xmlns:a16="http://schemas.microsoft.com/office/drawing/2014/main" id="{1028CB34-29B5-49CB-99E4-E945C3D78896}"/>
+              </a:ext>
+            </a:extLst>
+          </p:cNvPr>
+          <p:cNvSpPr>
+            <a:spLocks noGrp="1"/>
+          </p:cNvSpPr>
+          <p:nvPr>
+            <p:ph type="sldNum" sz="quarter" idx="12"/>
+          </p:nvPr>
+        </p:nvSpPr>
+        <p:spPr/>
+        <p:txBody>
+          <a:bodyPr/>
+          <a:lstStyle/>
+          <a:p>
+            <a:fld id="{D57F1E4F-1CFF-5643-939E-217C01CDF565}" type="slidenum">
+              <a:rPr lang="en-US" smtClean="0"/>
+              <a:pPr/>
+              <a:t>63</a:t>
+            </a:fld>
+            <a:endParaRPr lang="en-US" dirty="0"/>
+          </a:p>
+        </p:txBody>
+      </p:sp>
+      <p:sp>
+        <p:nvSpPr>
+          <p:cNvPr id="8" name="TextBox 7">
+            <a:extLst>
+              <a:ext uri="{FF2B5EF4-FFF2-40B4-BE49-F238E27FC236}">
+                <a16:creationId xmlns:a16="http://schemas.microsoft.com/office/drawing/2014/main" id="{C9FAD4F5-81D5-4890-8BB5-F06C93EDD254}"/>
+              </a:ext>
+            </a:extLst>
+          </p:cNvPr>
+          <p:cNvSpPr txBox="1"/>
+          <p:nvPr/>
+        </p:nvSpPr>
+        <p:spPr>
+          <a:xfrm>
+            <a:off x="1392866" y="1268569"/>
+            <a:ext cx="8753253" cy="5509200"/>
+          </a:xfrm>
+          <a:prstGeom prst="rect">
+            <a:avLst/>
+          </a:prstGeom>
+          <a:noFill/>
+        </p:spPr>
+        <p:txBody>
+          <a:bodyPr wrap="square">
+            <a:spAutoFit/>
+          </a:bodyPr>
+          <a:lstStyle/>
+          <a:p>
+            <a:r>
+              <a:rPr lang="de-DE" sz="1100" dirty="0"/>
+              <a:t>Testing out mikropml as it already has a function run_ml() that incorporates nested cross-validation for several standard supervised machine learning models:</a:t>
+            </a:r>
+          </a:p>
+          <a:p>
+            <a:endParaRPr lang="de-DE" sz="1100" dirty="0"/>
+          </a:p>
+          <a:p>
+            <a:r>
+              <a:rPr lang="de-DE" sz="1100" dirty="0"/>
+              <a:t>    Logistic/multiclass/linear regression ("glmnet")</a:t>
+            </a:r>
+          </a:p>
+          <a:p>
+            <a:r>
+              <a:rPr lang="de-DE" sz="1100" dirty="0"/>
+              <a:t>    Random forest ("rf")</a:t>
+            </a:r>
+          </a:p>
+          <a:p>
+            <a:r>
+              <a:rPr lang="de-DE" sz="1100" dirty="0"/>
+              <a:t>    Decision tree ("rpart2")</a:t>
+            </a:r>
+          </a:p>
+          <a:p>
+            <a:r>
+              <a:rPr lang="de-DE" sz="1100" dirty="0"/>
+              <a:t>    Support vector machine with a radial basis kernel ("svmRadial")</a:t>
+            </a:r>
+          </a:p>
+          <a:p>
+            <a:r>
+              <a:rPr lang="de-DE" sz="1100" dirty="0"/>
+              <a:t>    xgboost ("xgbTree")</a:t>
+            </a:r>
+          </a:p>
+          <a:p>
+            <a:endParaRPr lang="de-DE" sz="1100" dirty="0"/>
+          </a:p>
+          <a:p>
+            <a:r>
+              <a:rPr lang="de-DE" sz="1100" dirty="0"/>
+              <a:t>Test it here for linear regression and xgboost.</a:t>
+            </a:r>
+          </a:p>
+          <a:p>
+            <a:r>
+              <a:rPr lang="de-DE" sz="1100" dirty="0"/>
+              <a:t>Function run_ml has several parameters:</a:t>
+            </a:r>
+          </a:p>
+          <a:p>
+            <a:r>
+              <a:rPr lang="de-DE" sz="1100" dirty="0"/>
+              <a:t>           dataset,</a:t>
+            </a:r>
+          </a:p>
+          <a:p>
+            <a:r>
+              <a:rPr lang="de-DE" sz="1100" dirty="0"/>
+              <a:t>           method,</a:t>
+            </a:r>
+          </a:p>
+          <a:p>
+            <a:r>
+              <a:rPr lang="de-DE" sz="1100" dirty="0"/>
+              <a:t>           outcome_colname = NULL, (standardized the first column)</a:t>
+            </a:r>
+          </a:p>
+          <a:p>
+            <a:r>
+              <a:rPr lang="de-DE" sz="1100" dirty="0"/>
+              <a:t>           hyperparameters = NULL,</a:t>
+            </a:r>
+          </a:p>
+          <a:p>
+            <a:r>
+              <a:rPr lang="de-DE" sz="1100" dirty="0"/>
+              <a:t>           find_feature_importance = FALSE, (`TRUE` is recommended if you would like to identify features important for predicting your                                                outcome, but it is resource-intensive.</a:t>
+            </a:r>
+          </a:p>
+          <a:p>
+            <a:r>
+              <a:rPr lang="de-DE" sz="1100" dirty="0"/>
+              <a:t>           calculate_performance = TRUE,</a:t>
+            </a:r>
+          </a:p>
+          <a:p>
+            <a:r>
+              <a:rPr lang="de-DE" sz="1100" dirty="0"/>
+              <a:t>           kfold = 5, (standard at 5)</a:t>
+            </a:r>
+          </a:p>
+          <a:p>
+            <a:r>
+              <a:rPr lang="de-DE" sz="1100" dirty="0"/>
+              <a:t>           cv_times = 100, (standard at 100)</a:t>
+            </a:r>
+          </a:p>
+          <a:p>
+            <a:r>
+              <a:rPr lang="de-DE" sz="1100" dirty="0"/>
+              <a:t>           cross_val = NULL, (cross_val a custom cross-validation scheme from `caret::trainControl()` (default: `NULL`, uses `kfold` cross                              validation repeated `cv_times`). `kfold` and `cv_times` are ignored if the user provides a custom                                          cross-validation scheme.)</a:t>
+            </a:r>
+          </a:p>
+          <a:p>
+            <a:r>
+              <a:rPr lang="de-DE" sz="1100" dirty="0"/>
+              <a:t>           training_frac = 0.8, (standard at 0.8)</a:t>
+            </a:r>
+          </a:p>
+          <a:p>
+            <a:r>
+              <a:rPr lang="de-DE" sz="1100" dirty="0"/>
+              <a:t>           perf_metric_function = NULL,</a:t>
+            </a:r>
+          </a:p>
+          <a:p>
+            <a:r>
+              <a:rPr lang="de-DE" sz="1100" dirty="0"/>
+              <a:t>           perf_metric_name = NULL,</a:t>
+            </a:r>
+          </a:p>
+          <a:p>
+            <a:r>
+              <a:rPr lang="de-DE" sz="1100" dirty="0"/>
+              <a:t>           groups = NULL,</a:t>
+            </a:r>
+          </a:p>
+          <a:p>
+            <a:r>
+              <a:rPr lang="de-DE" sz="1100" dirty="0"/>
+              <a:t>           group_partitions = NULL,</a:t>
+            </a:r>
+          </a:p>
+          <a:p>
+            <a:r>
+              <a:rPr lang="de-DE" sz="1100" dirty="0"/>
+              <a:t>           corr_thresh = 1,</a:t>
+            </a:r>
+          </a:p>
+          <a:p>
+            <a:r>
+              <a:rPr lang="de-DE" sz="1100" dirty="0"/>
+              <a:t>           ntree = 1000, (For random forest, how many trees to use (default: `1000`). Caret doesn't allow this hyperparameter to be tuned)</a:t>
+            </a:r>
+          </a:p>
+          <a:p>
+            <a:r>
+              <a:rPr lang="de-DE" sz="1100" dirty="0"/>
+              <a:t>           seed = NA (set seed for reproducibility)</a:t>
+            </a:r>
+          </a:p>
+        </p:txBody>
+      </p:sp>
+    </p:spTree>
+    <p:extLst>
+      <p:ext uri="{BB962C8B-B14F-4D97-AF65-F5344CB8AC3E}">
+        <p14:creationId xmlns:p14="http://schemas.microsoft.com/office/powerpoint/2010/main" val="3541464901"/>
+      </p:ext>
+    </p:extLst>
+  </p:cSld>
+  <p:clrMapOvr>
+    <a:masterClrMapping/>
+  </p:clrMapOvr>
+</p:sld>
+</file>
+
+<file path=ppt/slides/slide64.xml><?xml version="1.0" encoding="utf-8"?>
+<p:sld xmlns:a="http://schemas.openxmlformats.org/drawingml/2006/main" xmlns:r="http://schemas.openxmlformats.org/officeDocument/2006/relationships" xmlns:p="http://schemas.openxmlformats.org/presentationml/2006/main">
+  <p:cSld>
+    <p:spTree>
+      <p:nvGrpSpPr>
+        <p:cNvPr id="1" name=""/>
+        <p:cNvGrpSpPr/>
+        <p:nvPr/>
+      </p:nvGrpSpPr>
+      <p:grpSpPr>
+        <a:xfrm>
+          <a:off x="0" y="0"/>
+          <a:ext cx="0" cy="0"/>
+          <a:chOff x="0" y="0"/>
+          <a:chExt cx="0" cy="0"/>
+        </a:xfrm>
+      </p:grpSpPr>
+      <p:sp>
+        <p:nvSpPr>
+          <p:cNvPr id="2" name="Title 1">
+            <a:extLst>
+              <a:ext uri="{FF2B5EF4-FFF2-40B4-BE49-F238E27FC236}">
+                <a16:creationId xmlns:a16="http://schemas.microsoft.com/office/drawing/2014/main" id="{169D9D37-B637-4D74-BB75-639D51A491FB}"/>
+              </a:ext>
+            </a:extLst>
+          </p:cNvPr>
+          <p:cNvSpPr>
+            <a:spLocks noGrp="1"/>
+          </p:cNvSpPr>
+          <p:nvPr>
+            <p:ph type="title"/>
+          </p:nvPr>
+        </p:nvSpPr>
+        <p:spPr>
+          <a:xfrm>
+            <a:off x="1640156" y="628124"/>
+            <a:ext cx="8911687" cy="1280890"/>
+          </a:xfrm>
+        </p:spPr>
+        <p:txBody>
+          <a:bodyPr/>
+          <a:lstStyle/>
+          <a:p>
+            <a:r>
+              <a:rPr lang="de-DE" b="1" dirty="0"/>
+              <a:t>Data set</a:t>
+            </a:r>
+            <a:endParaRPr lang="en-US" b="1" dirty="0"/>
+          </a:p>
+        </p:txBody>
+      </p:sp>
+      <p:sp>
+        <p:nvSpPr>
+          <p:cNvPr id="3" name="Content Placeholder 2">
+            <a:extLst>
+              <a:ext uri="{FF2B5EF4-FFF2-40B4-BE49-F238E27FC236}">
+                <a16:creationId xmlns:a16="http://schemas.microsoft.com/office/drawing/2014/main" id="{D4D56813-9DF8-4D28-B156-1DE48E95DBC2}"/>
+              </a:ext>
+            </a:extLst>
+          </p:cNvPr>
+          <p:cNvSpPr>
+            <a:spLocks noGrp="1"/>
+          </p:cNvSpPr>
+          <p:nvPr>
+            <p:ph idx="1"/>
+          </p:nvPr>
+        </p:nvSpPr>
+        <p:spPr>
+          <a:xfrm>
+            <a:off x="2592495" y="1317171"/>
+            <a:ext cx="8915400" cy="4369465"/>
+          </a:xfrm>
+        </p:spPr>
+        <p:txBody>
+          <a:bodyPr>
+            <a:normAutofit/>
+          </a:bodyPr>
+          <a:lstStyle/>
+          <a:p>
+            <a:r>
+              <a:rPr lang="de-DE" dirty="0"/>
+              <a:t>Compare what Thomas P. Quinn uses (13 datasets) and take out from estonian biobank</a:t>
+            </a:r>
+          </a:p>
+          <a:p>
+            <a:r>
+              <a:rPr lang="de-DE" dirty="0"/>
+              <a:t> prediction/classification tasks</a:t>
+            </a:r>
+          </a:p>
+          <a:p>
+            <a:r>
+              <a:rPr lang="de-DE" dirty="0"/>
+              <a:t>One with continuous and one with discrete variables</a:t>
+            </a:r>
+          </a:p>
+          <a:p>
+            <a:r>
+              <a:rPr lang="de-DE" dirty="0"/>
+              <a:t>one with high correlation and one with low to microbiomes</a:t>
+            </a:r>
+          </a:p>
+          <a:p>
+            <a:r>
+              <a:rPr lang="de-DE" dirty="0"/>
+              <a:t>one small and one large data set</a:t>
+            </a:r>
+          </a:p>
+          <a:p>
+            <a:r>
+              <a:rPr lang="de-DE" dirty="0"/>
+              <a:t>EstMB, colorectal cancer, PCOS</a:t>
+            </a:r>
+          </a:p>
+          <a:p>
+            <a:endParaRPr lang="de-DE" dirty="0"/>
+          </a:p>
+        </p:txBody>
+      </p:sp>
+      <p:sp>
+        <p:nvSpPr>
+          <p:cNvPr id="4" name="Date Placeholder 3">
+            <a:extLst>
+              <a:ext uri="{FF2B5EF4-FFF2-40B4-BE49-F238E27FC236}">
+                <a16:creationId xmlns:a16="http://schemas.microsoft.com/office/drawing/2014/main" id="{D53DB4F4-84EC-4588-88E6-8D8519D6A1E8}"/>
+              </a:ext>
+            </a:extLst>
+          </p:cNvPr>
+          <p:cNvSpPr>
+            <a:spLocks noGrp="1"/>
+          </p:cNvSpPr>
+          <p:nvPr>
+            <p:ph type="dt" sz="half" idx="10"/>
+          </p:nvPr>
+        </p:nvSpPr>
+        <p:spPr/>
+        <p:txBody>
+          <a:bodyPr/>
+          <a:lstStyle/>
+          <a:p>
+            <a:fld id="{5A2DBB50-F561-45B0-9BE5-95A455D2CD8B}" type="datetime1">
+              <a:rPr lang="en-US" smtClean="0"/>
+              <a:t>5/19/2022</a:t>
+            </a:fld>
+            <a:endParaRPr lang="en-US" dirty="0"/>
+          </a:p>
+        </p:txBody>
+      </p:sp>
+      <p:sp>
+        <p:nvSpPr>
+          <p:cNvPr id="5" name="Footer Placeholder 4">
+            <a:extLst>
+              <a:ext uri="{FF2B5EF4-FFF2-40B4-BE49-F238E27FC236}">
+                <a16:creationId xmlns:a16="http://schemas.microsoft.com/office/drawing/2014/main" id="{A7F3346A-3F24-484B-A6D3-55D66520C917}"/>
+              </a:ext>
+            </a:extLst>
+          </p:cNvPr>
+          <p:cNvSpPr>
+            <a:spLocks noGrp="1"/>
+          </p:cNvSpPr>
+          <p:nvPr>
+            <p:ph type="ftr" sz="quarter" idx="11"/>
+          </p:nvPr>
+        </p:nvSpPr>
+        <p:spPr/>
+        <p:txBody>
+          <a:bodyPr/>
+          <a:lstStyle/>
+          <a:p>
+            <a:r>
+              <a:rPr lang="en-US"/>
+              <a:t>jennifer.neumaier@t-online.de</a:t>
+            </a:r>
+            <a:endParaRPr lang="en-US" dirty="0"/>
+          </a:p>
+        </p:txBody>
+      </p:sp>
+      <p:sp>
+        <p:nvSpPr>
+          <p:cNvPr id="6" name="Slide Number Placeholder 5">
+            <a:extLst>
+              <a:ext uri="{FF2B5EF4-FFF2-40B4-BE49-F238E27FC236}">
+                <a16:creationId xmlns:a16="http://schemas.microsoft.com/office/drawing/2014/main" id="{C4B3B4A6-E708-4F88-8CA2-BDE8FCF0C0AC}"/>
+              </a:ext>
+            </a:extLst>
+          </p:cNvPr>
+          <p:cNvSpPr>
+            <a:spLocks noGrp="1"/>
+          </p:cNvSpPr>
+          <p:nvPr>
+            <p:ph type="sldNum" sz="quarter" idx="12"/>
+          </p:nvPr>
+        </p:nvSpPr>
+        <p:spPr/>
+        <p:txBody>
+          <a:bodyPr/>
+          <a:lstStyle/>
+          <a:p>
+            <a:fld id="{D57F1E4F-1CFF-5643-939E-217C01CDF565}" type="slidenum">
+              <a:rPr lang="en-US" smtClean="0"/>
+              <a:pPr/>
+              <a:t>64</a:t>
+            </a:fld>
+            <a:endParaRPr lang="en-US" dirty="0"/>
+          </a:p>
+        </p:txBody>
+      </p:sp>
+      <p:sp>
+        <p:nvSpPr>
+          <p:cNvPr id="8" name="TextBox 7">
+            <a:extLst>
+              <a:ext uri="{FF2B5EF4-FFF2-40B4-BE49-F238E27FC236}">
+                <a16:creationId xmlns:a16="http://schemas.microsoft.com/office/drawing/2014/main" id="{6A373959-7937-4239-AAA7-0B90CAF1A620}"/>
+              </a:ext>
+            </a:extLst>
+          </p:cNvPr>
+          <p:cNvSpPr txBox="1"/>
+          <p:nvPr/>
+        </p:nvSpPr>
+        <p:spPr>
+          <a:xfrm>
+            <a:off x="2260283" y="4487322"/>
+            <a:ext cx="6097904" cy="923330"/>
+          </a:xfrm>
+          <a:prstGeom prst="rect">
+            <a:avLst/>
+          </a:prstGeom>
+          <a:noFill/>
+        </p:spPr>
+        <p:txBody>
+          <a:bodyPr wrap="square">
+            <a:spAutoFit/>
+          </a:bodyPr>
+          <a:lstStyle/>
+          <a:p>
+            <a:r>
+              <a:rPr lang="de-DE" b="1" dirty="0"/>
+              <a:t>CRC data set preparation and models:</a:t>
+            </a:r>
+          </a:p>
+          <a:p>
+            <a:r>
+              <a:rPr lang="de-DE" dirty="0"/>
+              <a:t>https://github.com/zellerlab/crc_meta/blob/master/src/prepare_data.R</a:t>
+            </a:r>
+          </a:p>
+        </p:txBody>
+      </p:sp>
+    </p:spTree>
+    <p:extLst>
+      <p:ext uri="{BB962C8B-B14F-4D97-AF65-F5344CB8AC3E}">
+        <p14:creationId xmlns:p14="http://schemas.microsoft.com/office/powerpoint/2010/main" val="4097922265"/>
+      </p:ext>
+    </p:extLst>
+  </p:cSld>
+  <p:clrMapOvr>
+    <a:masterClrMapping/>
+  </p:clrMapOvr>
+</p:sld>
+</file>
+
+<file path=ppt/slides/slide65.xml><?xml version="1.0" encoding="utf-8"?>
+<p:sld xmlns:a="http://schemas.openxmlformats.org/drawingml/2006/main" xmlns:r="http://schemas.openxmlformats.org/officeDocument/2006/relationships" xmlns:p="http://schemas.openxmlformats.org/presentationml/2006/main">
+  <p:cSld>
+    <p:spTree>
+      <p:nvGrpSpPr>
+        <p:cNvPr id="1" name=""/>
+        <p:cNvGrpSpPr/>
+        <p:nvPr/>
+      </p:nvGrpSpPr>
+      <p:grpSpPr>
+        <a:xfrm>
+          <a:off x="0" y="0"/>
+          <a:ext cx="0" cy="0"/>
+          <a:chOff x="0" y="0"/>
+          <a:chExt cx="0" cy="0"/>
+        </a:xfrm>
+      </p:grpSpPr>
+      <p:sp>
+        <p:nvSpPr>
+          <p:cNvPr id="2" name="Title 1">
+            <a:extLst>
+              <a:ext uri="{FF2B5EF4-FFF2-40B4-BE49-F238E27FC236}">
                 <a16:creationId xmlns:a16="http://schemas.microsoft.com/office/drawing/2014/main" id="{150EAB59-F93C-4B56-AD7E-A9B5BD800221}"/>
               </a:ext>
             </a:extLst>
@@ -39907,7 +41085,7 @@
           <a:p>
             <a:fld id="{BDD716FE-4A5D-4A13-A8EE-37F9C34BE666}" type="datetime1">
               <a:rPr lang="en-US" smtClean="0"/>
-              <a:t>5/13/2022</a:t>
+              <a:t>5/19/2022</a:t>
             </a:fld>
             <a:endParaRPr lang="en-US" dirty="0"/>
           </a:p>
@@ -39966,7 +41144,7 @@
             <a:fld id="{D57F1E4F-1CFF-5643-939E-217C01CDF565}" type="slidenum">
               <a:rPr lang="en-US" smtClean="0"/>
               <a:pPr/>
-              <a:t>63</a:t>
+              <a:t>65</a:t>
             </a:fld>
             <a:endParaRPr lang="en-US" dirty="0"/>
           </a:p>
@@ -40075,400 +41253,6 @@
 </p:sld>
 </file>
 
-<file path=ppt/slides/slide64.xml><?xml version="1.0" encoding="utf-8"?>
-<p:sld xmlns:a="http://schemas.openxmlformats.org/drawingml/2006/main" xmlns:r="http://schemas.openxmlformats.org/officeDocument/2006/relationships" xmlns:p="http://schemas.openxmlformats.org/presentationml/2006/main">
-  <p:cSld>
-    <p:spTree>
-      <p:nvGrpSpPr>
-        <p:cNvPr id="1" name=""/>
-        <p:cNvGrpSpPr/>
-        <p:nvPr/>
-      </p:nvGrpSpPr>
-      <p:grpSpPr>
-        <a:xfrm>
-          <a:off x="0" y="0"/>
-          <a:ext cx="0" cy="0"/>
-          <a:chOff x="0" y="0"/>
-          <a:chExt cx="0" cy="0"/>
-        </a:xfrm>
-      </p:grpSpPr>
-      <p:sp>
-        <p:nvSpPr>
-          <p:cNvPr id="2" name="Title 1">
-            <a:extLst>
-              <a:ext uri="{FF2B5EF4-FFF2-40B4-BE49-F238E27FC236}">
-                <a16:creationId xmlns:a16="http://schemas.microsoft.com/office/drawing/2014/main" id="{169D9D37-B637-4D74-BB75-639D51A491FB}"/>
-              </a:ext>
-            </a:extLst>
-          </p:cNvPr>
-          <p:cNvSpPr>
-            <a:spLocks noGrp="1"/>
-          </p:cNvSpPr>
-          <p:nvPr>
-            <p:ph type="title"/>
-          </p:nvPr>
-        </p:nvSpPr>
-        <p:spPr>
-          <a:xfrm>
-            <a:off x="1640156" y="628124"/>
-            <a:ext cx="8911687" cy="1280890"/>
-          </a:xfrm>
-        </p:spPr>
-        <p:txBody>
-          <a:bodyPr/>
-          <a:lstStyle/>
-          <a:p>
-            <a:r>
-              <a:rPr lang="de-DE" b="1" dirty="0"/>
-              <a:t>Problems</a:t>
-            </a:r>
-            <a:endParaRPr lang="en-US" b="1" dirty="0"/>
-          </a:p>
-        </p:txBody>
-      </p:sp>
-      <p:sp>
-        <p:nvSpPr>
-          <p:cNvPr id="3" name="Content Placeholder 2">
-            <a:extLst>
-              <a:ext uri="{FF2B5EF4-FFF2-40B4-BE49-F238E27FC236}">
-                <a16:creationId xmlns:a16="http://schemas.microsoft.com/office/drawing/2014/main" id="{D4D56813-9DF8-4D28-B156-1DE48E95DBC2}"/>
-              </a:ext>
-            </a:extLst>
-          </p:cNvPr>
-          <p:cNvSpPr>
-            <a:spLocks noGrp="1"/>
-          </p:cNvSpPr>
-          <p:nvPr>
-            <p:ph idx="1"/>
-          </p:nvPr>
-        </p:nvSpPr>
-        <p:spPr/>
-        <p:txBody>
-          <a:bodyPr/>
-          <a:lstStyle/>
-          <a:p>
-            <a:r>
-              <a:rPr lang="de-DE" dirty="0"/>
-              <a:t>Microbial features are not independent </a:t>
-            </a:r>
-          </a:p>
-          <a:p>
-            <a:r>
-              <a:rPr lang="de-DE" dirty="0"/>
-              <a:t>Some microbial features are found in correlation!</a:t>
-            </a:r>
-          </a:p>
-        </p:txBody>
-      </p:sp>
-      <p:sp>
-        <p:nvSpPr>
-          <p:cNvPr id="4" name="Date Placeholder 3">
-            <a:extLst>
-              <a:ext uri="{FF2B5EF4-FFF2-40B4-BE49-F238E27FC236}">
-                <a16:creationId xmlns:a16="http://schemas.microsoft.com/office/drawing/2014/main" id="{D53DB4F4-84EC-4588-88E6-8D8519D6A1E8}"/>
-              </a:ext>
-            </a:extLst>
-          </p:cNvPr>
-          <p:cNvSpPr>
-            <a:spLocks noGrp="1"/>
-          </p:cNvSpPr>
-          <p:nvPr>
-            <p:ph type="dt" sz="half" idx="10"/>
-          </p:nvPr>
-        </p:nvSpPr>
-        <p:spPr/>
-        <p:txBody>
-          <a:bodyPr/>
-          <a:lstStyle/>
-          <a:p>
-            <a:fld id="{5A2DBB50-F561-45B0-9BE5-95A455D2CD8B}" type="datetime1">
-              <a:rPr lang="en-US" smtClean="0"/>
-              <a:t>5/13/2022</a:t>
-            </a:fld>
-            <a:endParaRPr lang="en-US" dirty="0"/>
-          </a:p>
-        </p:txBody>
-      </p:sp>
-      <p:sp>
-        <p:nvSpPr>
-          <p:cNvPr id="5" name="Footer Placeholder 4">
-            <a:extLst>
-              <a:ext uri="{FF2B5EF4-FFF2-40B4-BE49-F238E27FC236}">
-                <a16:creationId xmlns:a16="http://schemas.microsoft.com/office/drawing/2014/main" id="{A7F3346A-3F24-484B-A6D3-55D66520C917}"/>
-              </a:ext>
-            </a:extLst>
-          </p:cNvPr>
-          <p:cNvSpPr>
-            <a:spLocks noGrp="1"/>
-          </p:cNvSpPr>
-          <p:nvPr>
-            <p:ph type="ftr" sz="quarter" idx="11"/>
-          </p:nvPr>
-        </p:nvSpPr>
-        <p:spPr/>
-        <p:txBody>
-          <a:bodyPr/>
-          <a:lstStyle/>
-          <a:p>
-            <a:r>
-              <a:rPr lang="en-US"/>
-              <a:t>jennifer.neumaier@t-online.de</a:t>
-            </a:r>
-            <a:endParaRPr lang="en-US" dirty="0"/>
-          </a:p>
-        </p:txBody>
-      </p:sp>
-      <p:sp>
-        <p:nvSpPr>
-          <p:cNvPr id="6" name="Slide Number Placeholder 5">
-            <a:extLst>
-              <a:ext uri="{FF2B5EF4-FFF2-40B4-BE49-F238E27FC236}">
-                <a16:creationId xmlns:a16="http://schemas.microsoft.com/office/drawing/2014/main" id="{C4B3B4A6-E708-4F88-8CA2-BDE8FCF0C0AC}"/>
-              </a:ext>
-            </a:extLst>
-          </p:cNvPr>
-          <p:cNvSpPr>
-            <a:spLocks noGrp="1"/>
-          </p:cNvSpPr>
-          <p:nvPr>
-            <p:ph type="sldNum" sz="quarter" idx="12"/>
-          </p:nvPr>
-        </p:nvSpPr>
-        <p:spPr/>
-        <p:txBody>
-          <a:bodyPr/>
-          <a:lstStyle/>
-          <a:p>
-            <a:fld id="{D57F1E4F-1CFF-5643-939E-217C01CDF565}" type="slidenum">
-              <a:rPr lang="en-US" smtClean="0"/>
-              <a:pPr/>
-              <a:t>64</a:t>
-            </a:fld>
-            <a:endParaRPr lang="en-US" dirty="0"/>
-          </a:p>
-        </p:txBody>
-      </p:sp>
-    </p:spTree>
-    <p:extLst>
-      <p:ext uri="{BB962C8B-B14F-4D97-AF65-F5344CB8AC3E}">
-        <p14:creationId xmlns:p14="http://schemas.microsoft.com/office/powerpoint/2010/main" val="1795355039"/>
-      </p:ext>
-    </p:extLst>
-  </p:cSld>
-  <p:clrMapOvr>
-    <a:masterClrMapping/>
-  </p:clrMapOvr>
-</p:sld>
-</file>
-
-<file path=ppt/slides/slide65.xml><?xml version="1.0" encoding="utf-8"?>
-<p:sld xmlns:a="http://schemas.openxmlformats.org/drawingml/2006/main" xmlns:r="http://schemas.openxmlformats.org/officeDocument/2006/relationships" xmlns:p="http://schemas.openxmlformats.org/presentationml/2006/main">
-  <p:cSld>
-    <p:spTree>
-      <p:nvGrpSpPr>
-        <p:cNvPr id="1" name=""/>
-        <p:cNvGrpSpPr/>
-        <p:nvPr/>
-      </p:nvGrpSpPr>
-      <p:grpSpPr>
-        <a:xfrm>
-          <a:off x="0" y="0"/>
-          <a:ext cx="0" cy="0"/>
-          <a:chOff x="0" y="0"/>
-          <a:chExt cx="0" cy="0"/>
-        </a:xfrm>
-      </p:grpSpPr>
-      <p:sp>
-        <p:nvSpPr>
-          <p:cNvPr id="2" name="Title 1">
-            <a:extLst>
-              <a:ext uri="{FF2B5EF4-FFF2-40B4-BE49-F238E27FC236}">
-                <a16:creationId xmlns:a16="http://schemas.microsoft.com/office/drawing/2014/main" id="{169D9D37-B637-4D74-BB75-639D51A491FB}"/>
-              </a:ext>
-            </a:extLst>
-          </p:cNvPr>
-          <p:cNvSpPr>
-            <a:spLocks noGrp="1"/>
-          </p:cNvSpPr>
-          <p:nvPr>
-            <p:ph type="title"/>
-          </p:nvPr>
-        </p:nvSpPr>
-        <p:spPr>
-          <a:xfrm>
-            <a:off x="1640156" y="628124"/>
-            <a:ext cx="8911687" cy="1280890"/>
-          </a:xfrm>
-        </p:spPr>
-        <p:txBody>
-          <a:bodyPr/>
-          <a:lstStyle/>
-          <a:p>
-            <a:r>
-              <a:rPr lang="de-DE" b="1" dirty="0"/>
-              <a:t>Notes 30.01. meeting</a:t>
-            </a:r>
-            <a:endParaRPr lang="en-US" b="1" dirty="0"/>
-          </a:p>
-        </p:txBody>
-      </p:sp>
-      <p:sp>
-        <p:nvSpPr>
-          <p:cNvPr id="3" name="Content Placeholder 2">
-            <a:extLst>
-              <a:ext uri="{FF2B5EF4-FFF2-40B4-BE49-F238E27FC236}">
-                <a16:creationId xmlns:a16="http://schemas.microsoft.com/office/drawing/2014/main" id="{D4D56813-9DF8-4D28-B156-1DE48E95DBC2}"/>
-              </a:ext>
-            </a:extLst>
-          </p:cNvPr>
-          <p:cNvSpPr>
-            <a:spLocks noGrp="1"/>
-          </p:cNvSpPr>
-          <p:nvPr>
-            <p:ph idx="1"/>
-          </p:nvPr>
-        </p:nvSpPr>
-        <p:spPr/>
-        <p:txBody>
-          <a:bodyPr/>
-          <a:lstStyle/>
-          <a:p>
-            <a:r>
-              <a:rPr lang="de-DE" dirty="0"/>
-              <a:t>Review paper ML for microbiome paper</a:t>
-            </a:r>
-          </a:p>
-          <a:p>
-            <a:r>
-              <a:rPr lang="de-DE" dirty="0"/>
-              <a:t>COST action paper</a:t>
-            </a:r>
-          </a:p>
-          <a:p>
-            <a:r>
-              <a:rPr lang="de-DE"/>
-              <a:t>Confidentiality form, sign, scan and send to Elin</a:t>
-            </a:r>
-            <a:endParaRPr lang="de-DE" dirty="0"/>
-          </a:p>
-          <a:p>
-            <a:r>
-              <a:rPr lang="de-DE" dirty="0"/>
-              <a:t>Meeting Oliver Friday, 4th February</a:t>
-            </a:r>
-          </a:p>
-          <a:p>
-            <a:r>
-              <a:rPr lang="de-DE" dirty="0"/>
-              <a:t>Literature Review: ~10-20 pages, include Figures and Tables, equations for major transformations, write for biologists</a:t>
-            </a:r>
-          </a:p>
-          <a:p>
-            <a:endParaRPr lang="de-DE" dirty="0"/>
-          </a:p>
-        </p:txBody>
-      </p:sp>
-      <p:sp>
-        <p:nvSpPr>
-          <p:cNvPr id="4" name="Date Placeholder 3">
-            <a:extLst>
-              <a:ext uri="{FF2B5EF4-FFF2-40B4-BE49-F238E27FC236}">
-                <a16:creationId xmlns:a16="http://schemas.microsoft.com/office/drawing/2014/main" id="{D53DB4F4-84EC-4588-88E6-8D8519D6A1E8}"/>
-              </a:ext>
-            </a:extLst>
-          </p:cNvPr>
-          <p:cNvSpPr>
-            <a:spLocks noGrp="1"/>
-          </p:cNvSpPr>
-          <p:nvPr>
-            <p:ph type="dt" sz="half" idx="10"/>
-          </p:nvPr>
-        </p:nvSpPr>
-        <p:spPr/>
-        <p:txBody>
-          <a:bodyPr/>
-          <a:lstStyle/>
-          <a:p>
-            <a:fld id="{5A2DBB50-F561-45B0-9BE5-95A455D2CD8B}" type="datetime1">
-              <a:rPr lang="en-US" smtClean="0"/>
-              <a:t>5/13/2022</a:t>
-            </a:fld>
-            <a:endParaRPr lang="en-US" dirty="0"/>
-          </a:p>
-        </p:txBody>
-      </p:sp>
-      <p:sp>
-        <p:nvSpPr>
-          <p:cNvPr id="5" name="Footer Placeholder 4">
-            <a:extLst>
-              <a:ext uri="{FF2B5EF4-FFF2-40B4-BE49-F238E27FC236}">
-                <a16:creationId xmlns:a16="http://schemas.microsoft.com/office/drawing/2014/main" id="{A7F3346A-3F24-484B-A6D3-55D66520C917}"/>
-              </a:ext>
-            </a:extLst>
-          </p:cNvPr>
-          <p:cNvSpPr>
-            <a:spLocks noGrp="1"/>
-          </p:cNvSpPr>
-          <p:nvPr>
-            <p:ph type="ftr" sz="quarter" idx="11"/>
-          </p:nvPr>
-        </p:nvSpPr>
-        <p:spPr/>
-        <p:txBody>
-          <a:bodyPr/>
-          <a:lstStyle/>
-          <a:p>
-            <a:r>
-              <a:rPr lang="en-US"/>
-              <a:t>jennifer.neumaier@t-online.de</a:t>
-            </a:r>
-            <a:endParaRPr lang="en-US" dirty="0"/>
-          </a:p>
-        </p:txBody>
-      </p:sp>
-      <p:sp>
-        <p:nvSpPr>
-          <p:cNvPr id="6" name="Slide Number Placeholder 5">
-            <a:extLst>
-              <a:ext uri="{FF2B5EF4-FFF2-40B4-BE49-F238E27FC236}">
-                <a16:creationId xmlns:a16="http://schemas.microsoft.com/office/drawing/2014/main" id="{C4B3B4A6-E708-4F88-8CA2-BDE8FCF0C0AC}"/>
-              </a:ext>
-            </a:extLst>
-          </p:cNvPr>
-          <p:cNvSpPr>
-            <a:spLocks noGrp="1"/>
-          </p:cNvSpPr>
-          <p:nvPr>
-            <p:ph type="sldNum" sz="quarter" idx="12"/>
-          </p:nvPr>
-        </p:nvSpPr>
-        <p:spPr/>
-        <p:txBody>
-          <a:bodyPr/>
-          <a:lstStyle/>
-          <a:p>
-            <a:fld id="{D57F1E4F-1CFF-5643-939E-217C01CDF565}" type="slidenum">
-              <a:rPr lang="en-US" smtClean="0"/>
-              <a:pPr/>
-              <a:t>65</a:t>
-            </a:fld>
-            <a:endParaRPr lang="en-US" dirty="0"/>
-          </a:p>
-        </p:txBody>
-      </p:sp>
-    </p:spTree>
-    <p:extLst>
-      <p:ext uri="{BB962C8B-B14F-4D97-AF65-F5344CB8AC3E}">
-        <p14:creationId xmlns:p14="http://schemas.microsoft.com/office/powerpoint/2010/main" val="3993456640"/>
-      </p:ext>
-    </p:extLst>
-  </p:cSld>
-  <p:clrMapOvr>
-    <a:masterClrMapping/>
-  </p:clrMapOvr>
-</p:sld>
-</file>
-
 <file path=ppt/slides/slide66.xml><?xml version="1.0" encoding="utf-8"?>
 <p:sld xmlns:a="http://schemas.openxmlformats.org/drawingml/2006/main" xmlns:r="http://schemas.openxmlformats.org/officeDocument/2006/relationships" xmlns:p="http://schemas.openxmlformats.org/presentationml/2006/main">
   <p:cSld>
@@ -40491,7 +41275,7 @@
           <p:cNvPr id="2" name="Title 1">
             <a:extLst>
               <a:ext uri="{FF2B5EF4-FFF2-40B4-BE49-F238E27FC236}">
-                <a16:creationId xmlns:a16="http://schemas.microsoft.com/office/drawing/2014/main" id="{D63F1953-0627-4313-9F69-D3CE525D057A}"/>
+                <a16:creationId xmlns:a16="http://schemas.microsoft.com/office/drawing/2014/main" id="{169D9D37-B637-4D74-BB75-639D51A491FB}"/>
               </a:ext>
             </a:extLst>
           </p:cNvPr>
@@ -40502,15 +41286,21 @@
             <p:ph type="title"/>
           </p:nvPr>
         </p:nvSpPr>
-        <p:spPr/>
+        <p:spPr>
+          <a:xfrm>
+            <a:off x="1640156" y="628124"/>
+            <a:ext cx="8911687" cy="1280890"/>
+          </a:xfrm>
+        </p:spPr>
         <p:txBody>
           <a:bodyPr/>
           <a:lstStyle/>
           <a:p>
             <a:r>
               <a:rPr lang="de-DE" b="1" dirty="0"/>
-              <a:t>Notes: 01.04. meeting</a:t>
-            </a:r>
+              <a:t>Problems</a:t>
+            </a:r>
+            <a:endParaRPr lang="en-US" b="1" dirty="0"/>
           </a:p>
         </p:txBody>
       </p:sp>
@@ -40519,7 +41309,7 @@
           <p:cNvPr id="3" name="Content Placeholder 2">
             <a:extLst>
               <a:ext uri="{FF2B5EF4-FFF2-40B4-BE49-F238E27FC236}">
-                <a16:creationId xmlns:a16="http://schemas.microsoft.com/office/drawing/2014/main" id="{10F6F84D-370D-481F-BDA8-9BEF48EC1F3D}"/>
+                <a16:creationId xmlns:a16="http://schemas.microsoft.com/office/drawing/2014/main" id="{D4D56813-9DF8-4D28-B156-1DE48E95DBC2}"/>
               </a:ext>
             </a:extLst>
           </p:cNvPr>
@@ -40537,81 +41327,14 @@
           <a:p>
             <a:r>
               <a:rPr lang="de-DE" dirty="0"/>
-              <a:t>Pipeline:</a:t>
-            </a:r>
-          </a:p>
-          <a:p>
-            <a:pPr lvl="1"/>
+              <a:t>Microbial features are not independent </a:t>
+            </a:r>
+          </a:p>
+          <a:p>
             <a:r>
               <a:rPr lang="de-DE" dirty="0"/>
-              <a:t>Test models and codacore on the same training&amp;test split (and set seed)</a:t>
-            </a:r>
-          </a:p>
-          <a:p>
-            <a:pPr lvl="1"/>
-            <a:r>
-              <a:rPr lang="de-DE" dirty="0"/>
-              <a:t>Take out training and test split from run_ml?</a:t>
-            </a:r>
-          </a:p>
-          <a:p>
-            <a:pPr lvl="1"/>
-            <a:r>
-              <a:rPr lang="de-DE" dirty="0"/>
-              <a:t>K_folds and CV_folds don‘t have to be the same for every data set</a:t>
-            </a:r>
-          </a:p>
-          <a:p>
-            <a:pPr lvl="1"/>
-            <a:r>
-              <a:rPr lang="de-DE" dirty="0"/>
-              <a:t>Time comparison?</a:t>
-            </a:r>
-          </a:p>
-          <a:p>
-            <a:r>
-              <a:rPr lang="de-DE" dirty="0"/>
-              <a:t>CRC:</a:t>
-            </a:r>
-          </a:p>
-          <a:p>
-            <a:pPr lvl="1"/>
-            <a:r>
-              <a:rPr lang="de-DE" dirty="0"/>
-              <a:t>Keep one country cohorts for extra validation </a:t>
-            </a:r>
-          </a:p>
-          <a:p>
-            <a:pPr lvl="1"/>
-            <a:r>
-              <a:rPr lang="de-DE" dirty="0"/>
-              <a:t>BMI as outcome_column for continuous</a:t>
-            </a:r>
-          </a:p>
-          <a:p>
-            <a:pPr lvl="1"/>
-            <a:r>
-              <a:rPr lang="de-DE" dirty="0"/>
-              <a:t>GROUP for classification </a:t>
-            </a:r>
-          </a:p>
-          <a:p>
-            <a:pPr marL="457200" lvl="1" indent="0">
-              <a:buNone/>
-            </a:pPr>
-            <a:endParaRPr lang="de-DE" dirty="0"/>
-          </a:p>
-          <a:p>
-            <a:pPr lvl="1"/>
-            <a:endParaRPr lang="de-DE" dirty="0"/>
-          </a:p>
-          <a:p>
-            <a:pPr lvl="1"/>
-            <a:endParaRPr lang="de-DE" dirty="0"/>
-          </a:p>
-          <a:p>
-            <a:pPr lvl="1"/>
-            <a:endParaRPr lang="de-DE" dirty="0"/>
+              <a:t>Some microbial features are found in correlation!</a:t>
+            </a:r>
           </a:p>
         </p:txBody>
       </p:sp>
@@ -40620,7 +41343,7 @@
           <p:cNvPr id="4" name="Date Placeholder 3">
             <a:extLst>
               <a:ext uri="{FF2B5EF4-FFF2-40B4-BE49-F238E27FC236}">
-                <a16:creationId xmlns:a16="http://schemas.microsoft.com/office/drawing/2014/main" id="{DBF0C8DB-9090-4B20-AED9-6E2044F98AC2}"/>
+                <a16:creationId xmlns:a16="http://schemas.microsoft.com/office/drawing/2014/main" id="{D53DB4F4-84EC-4588-88E6-8D8519D6A1E8}"/>
               </a:ext>
             </a:extLst>
           </p:cNvPr>
@@ -40636,10 +41359,9 @@
           <a:bodyPr/>
           <a:lstStyle/>
           <a:p>
-            <a:fld id="{36D18B76-5E8B-4456-8722-FC5B14B0F354}" type="datetime1">
+            <a:fld id="{5A2DBB50-F561-45B0-9BE5-95A455D2CD8B}" type="datetime1">
               <a:rPr lang="en-US" smtClean="0"/>
-              <a:pPr/>
-              <a:t>5/13/2022</a:t>
+              <a:t>5/19/2022</a:t>
             </a:fld>
             <a:endParaRPr lang="en-US" dirty="0"/>
           </a:p>
@@ -40650,7 +41372,7 @@
           <p:cNvPr id="5" name="Footer Placeholder 4">
             <a:extLst>
               <a:ext uri="{FF2B5EF4-FFF2-40B4-BE49-F238E27FC236}">
-                <a16:creationId xmlns:a16="http://schemas.microsoft.com/office/drawing/2014/main" id="{DA6DF03D-2B74-42A5-8C31-B3A7B6D53ABB}"/>
+                <a16:creationId xmlns:a16="http://schemas.microsoft.com/office/drawing/2014/main" id="{A7F3346A-3F24-484B-A6D3-55D66520C917}"/>
               </a:ext>
             </a:extLst>
           </p:cNvPr>
@@ -40679,7 +41401,7 @@
           <p:cNvPr id="6" name="Slide Number Placeholder 5">
             <a:extLst>
               <a:ext uri="{FF2B5EF4-FFF2-40B4-BE49-F238E27FC236}">
-                <a16:creationId xmlns:a16="http://schemas.microsoft.com/office/drawing/2014/main" id="{EB397826-F4D6-4DDE-B171-FF032CD952B6}"/>
+                <a16:creationId xmlns:a16="http://schemas.microsoft.com/office/drawing/2014/main" id="{C4B3B4A6-E708-4F88-8CA2-BDE8FCF0C0AC}"/>
               </a:ext>
             </a:extLst>
           </p:cNvPr>
@@ -40707,7 +41429,7 @@
     </p:spTree>
     <p:extLst>
       <p:ext uri="{BB962C8B-B14F-4D97-AF65-F5344CB8AC3E}">
-        <p14:creationId xmlns:p14="http://schemas.microsoft.com/office/powerpoint/2010/main" val="1848759324"/>
+        <p14:creationId xmlns:p14="http://schemas.microsoft.com/office/powerpoint/2010/main" val="1795355039"/>
       </p:ext>
     </p:extLst>
   </p:cSld>
@@ -40739,6 +41461,462 @@
           <p:cNvPr id="2" name="Title 1">
             <a:extLst>
               <a:ext uri="{FF2B5EF4-FFF2-40B4-BE49-F238E27FC236}">
+                <a16:creationId xmlns:a16="http://schemas.microsoft.com/office/drawing/2014/main" id="{169D9D37-B637-4D74-BB75-639D51A491FB}"/>
+              </a:ext>
+            </a:extLst>
+          </p:cNvPr>
+          <p:cNvSpPr>
+            <a:spLocks noGrp="1"/>
+          </p:cNvSpPr>
+          <p:nvPr>
+            <p:ph type="title"/>
+          </p:nvPr>
+        </p:nvSpPr>
+        <p:spPr>
+          <a:xfrm>
+            <a:off x="1640156" y="628124"/>
+            <a:ext cx="8911687" cy="1280890"/>
+          </a:xfrm>
+        </p:spPr>
+        <p:txBody>
+          <a:bodyPr/>
+          <a:lstStyle/>
+          <a:p>
+            <a:r>
+              <a:rPr lang="de-DE" b="1" dirty="0"/>
+              <a:t>Notes 30.01. meeting</a:t>
+            </a:r>
+            <a:endParaRPr lang="en-US" b="1" dirty="0"/>
+          </a:p>
+        </p:txBody>
+      </p:sp>
+      <p:sp>
+        <p:nvSpPr>
+          <p:cNvPr id="3" name="Content Placeholder 2">
+            <a:extLst>
+              <a:ext uri="{FF2B5EF4-FFF2-40B4-BE49-F238E27FC236}">
+                <a16:creationId xmlns:a16="http://schemas.microsoft.com/office/drawing/2014/main" id="{D4D56813-9DF8-4D28-B156-1DE48E95DBC2}"/>
+              </a:ext>
+            </a:extLst>
+          </p:cNvPr>
+          <p:cNvSpPr>
+            <a:spLocks noGrp="1"/>
+          </p:cNvSpPr>
+          <p:nvPr>
+            <p:ph idx="1"/>
+          </p:nvPr>
+        </p:nvSpPr>
+        <p:spPr/>
+        <p:txBody>
+          <a:bodyPr/>
+          <a:lstStyle/>
+          <a:p>
+            <a:r>
+              <a:rPr lang="de-DE" dirty="0"/>
+              <a:t>Review paper ML for microbiome paper</a:t>
+            </a:r>
+          </a:p>
+          <a:p>
+            <a:r>
+              <a:rPr lang="de-DE" dirty="0"/>
+              <a:t>COST action paper</a:t>
+            </a:r>
+          </a:p>
+          <a:p>
+            <a:r>
+              <a:rPr lang="de-DE"/>
+              <a:t>Confidentiality form, sign, scan and send to Elin</a:t>
+            </a:r>
+            <a:endParaRPr lang="de-DE" dirty="0"/>
+          </a:p>
+          <a:p>
+            <a:r>
+              <a:rPr lang="de-DE" dirty="0"/>
+              <a:t>Meeting Oliver Friday, 4th February</a:t>
+            </a:r>
+          </a:p>
+          <a:p>
+            <a:r>
+              <a:rPr lang="de-DE" dirty="0"/>
+              <a:t>Literature Review: ~10-20 pages, include Figures and Tables, equations for major transformations, write for biologists</a:t>
+            </a:r>
+          </a:p>
+          <a:p>
+            <a:endParaRPr lang="de-DE" dirty="0"/>
+          </a:p>
+        </p:txBody>
+      </p:sp>
+      <p:sp>
+        <p:nvSpPr>
+          <p:cNvPr id="4" name="Date Placeholder 3">
+            <a:extLst>
+              <a:ext uri="{FF2B5EF4-FFF2-40B4-BE49-F238E27FC236}">
+                <a16:creationId xmlns:a16="http://schemas.microsoft.com/office/drawing/2014/main" id="{D53DB4F4-84EC-4588-88E6-8D8519D6A1E8}"/>
+              </a:ext>
+            </a:extLst>
+          </p:cNvPr>
+          <p:cNvSpPr>
+            <a:spLocks noGrp="1"/>
+          </p:cNvSpPr>
+          <p:nvPr>
+            <p:ph type="dt" sz="half" idx="10"/>
+          </p:nvPr>
+        </p:nvSpPr>
+        <p:spPr/>
+        <p:txBody>
+          <a:bodyPr/>
+          <a:lstStyle/>
+          <a:p>
+            <a:fld id="{5A2DBB50-F561-45B0-9BE5-95A455D2CD8B}" type="datetime1">
+              <a:rPr lang="en-US" smtClean="0"/>
+              <a:t>5/19/2022</a:t>
+            </a:fld>
+            <a:endParaRPr lang="en-US" dirty="0"/>
+          </a:p>
+        </p:txBody>
+      </p:sp>
+      <p:sp>
+        <p:nvSpPr>
+          <p:cNvPr id="5" name="Footer Placeholder 4">
+            <a:extLst>
+              <a:ext uri="{FF2B5EF4-FFF2-40B4-BE49-F238E27FC236}">
+                <a16:creationId xmlns:a16="http://schemas.microsoft.com/office/drawing/2014/main" id="{A7F3346A-3F24-484B-A6D3-55D66520C917}"/>
+              </a:ext>
+            </a:extLst>
+          </p:cNvPr>
+          <p:cNvSpPr>
+            <a:spLocks noGrp="1"/>
+          </p:cNvSpPr>
+          <p:nvPr>
+            <p:ph type="ftr" sz="quarter" idx="11"/>
+          </p:nvPr>
+        </p:nvSpPr>
+        <p:spPr/>
+        <p:txBody>
+          <a:bodyPr/>
+          <a:lstStyle/>
+          <a:p>
+            <a:r>
+              <a:rPr lang="en-US"/>
+              <a:t>jennifer.neumaier@t-online.de</a:t>
+            </a:r>
+            <a:endParaRPr lang="en-US" dirty="0"/>
+          </a:p>
+        </p:txBody>
+      </p:sp>
+      <p:sp>
+        <p:nvSpPr>
+          <p:cNvPr id="6" name="Slide Number Placeholder 5">
+            <a:extLst>
+              <a:ext uri="{FF2B5EF4-FFF2-40B4-BE49-F238E27FC236}">
+                <a16:creationId xmlns:a16="http://schemas.microsoft.com/office/drawing/2014/main" id="{C4B3B4A6-E708-4F88-8CA2-BDE8FCF0C0AC}"/>
+              </a:ext>
+            </a:extLst>
+          </p:cNvPr>
+          <p:cNvSpPr>
+            <a:spLocks noGrp="1"/>
+          </p:cNvSpPr>
+          <p:nvPr>
+            <p:ph type="sldNum" sz="quarter" idx="12"/>
+          </p:nvPr>
+        </p:nvSpPr>
+        <p:spPr/>
+        <p:txBody>
+          <a:bodyPr/>
+          <a:lstStyle/>
+          <a:p>
+            <a:fld id="{D57F1E4F-1CFF-5643-939E-217C01CDF565}" type="slidenum">
+              <a:rPr lang="en-US" smtClean="0"/>
+              <a:pPr/>
+              <a:t>67</a:t>
+            </a:fld>
+            <a:endParaRPr lang="en-US" dirty="0"/>
+          </a:p>
+        </p:txBody>
+      </p:sp>
+    </p:spTree>
+    <p:extLst>
+      <p:ext uri="{BB962C8B-B14F-4D97-AF65-F5344CB8AC3E}">
+        <p14:creationId xmlns:p14="http://schemas.microsoft.com/office/powerpoint/2010/main" val="3993456640"/>
+      </p:ext>
+    </p:extLst>
+  </p:cSld>
+  <p:clrMapOvr>
+    <a:masterClrMapping/>
+  </p:clrMapOvr>
+</p:sld>
+</file>
+
+<file path=ppt/slides/slide68.xml><?xml version="1.0" encoding="utf-8"?>
+<p:sld xmlns:a="http://schemas.openxmlformats.org/drawingml/2006/main" xmlns:r="http://schemas.openxmlformats.org/officeDocument/2006/relationships" xmlns:p="http://schemas.openxmlformats.org/presentationml/2006/main">
+  <p:cSld>
+    <p:spTree>
+      <p:nvGrpSpPr>
+        <p:cNvPr id="1" name=""/>
+        <p:cNvGrpSpPr/>
+        <p:nvPr/>
+      </p:nvGrpSpPr>
+      <p:grpSpPr>
+        <a:xfrm>
+          <a:off x="0" y="0"/>
+          <a:ext cx="0" cy="0"/>
+          <a:chOff x="0" y="0"/>
+          <a:chExt cx="0" cy="0"/>
+        </a:xfrm>
+      </p:grpSpPr>
+      <p:sp>
+        <p:nvSpPr>
+          <p:cNvPr id="2" name="Title 1">
+            <a:extLst>
+              <a:ext uri="{FF2B5EF4-FFF2-40B4-BE49-F238E27FC236}">
+                <a16:creationId xmlns:a16="http://schemas.microsoft.com/office/drawing/2014/main" id="{D63F1953-0627-4313-9F69-D3CE525D057A}"/>
+              </a:ext>
+            </a:extLst>
+          </p:cNvPr>
+          <p:cNvSpPr>
+            <a:spLocks noGrp="1"/>
+          </p:cNvSpPr>
+          <p:nvPr>
+            <p:ph type="title"/>
+          </p:nvPr>
+        </p:nvSpPr>
+        <p:spPr/>
+        <p:txBody>
+          <a:bodyPr/>
+          <a:lstStyle/>
+          <a:p>
+            <a:r>
+              <a:rPr lang="de-DE" b="1" dirty="0"/>
+              <a:t>Notes: 01.04. meeting</a:t>
+            </a:r>
+          </a:p>
+        </p:txBody>
+      </p:sp>
+      <p:sp>
+        <p:nvSpPr>
+          <p:cNvPr id="3" name="Content Placeholder 2">
+            <a:extLst>
+              <a:ext uri="{FF2B5EF4-FFF2-40B4-BE49-F238E27FC236}">
+                <a16:creationId xmlns:a16="http://schemas.microsoft.com/office/drawing/2014/main" id="{10F6F84D-370D-481F-BDA8-9BEF48EC1F3D}"/>
+              </a:ext>
+            </a:extLst>
+          </p:cNvPr>
+          <p:cNvSpPr>
+            <a:spLocks noGrp="1"/>
+          </p:cNvSpPr>
+          <p:nvPr>
+            <p:ph idx="1"/>
+          </p:nvPr>
+        </p:nvSpPr>
+        <p:spPr/>
+        <p:txBody>
+          <a:bodyPr/>
+          <a:lstStyle/>
+          <a:p>
+            <a:r>
+              <a:rPr lang="de-DE" dirty="0"/>
+              <a:t>Pipeline:</a:t>
+            </a:r>
+          </a:p>
+          <a:p>
+            <a:pPr lvl="1"/>
+            <a:r>
+              <a:rPr lang="de-DE" dirty="0"/>
+              <a:t>Test models and codacore on the same training&amp;test split (and set seed)</a:t>
+            </a:r>
+          </a:p>
+          <a:p>
+            <a:pPr lvl="1"/>
+            <a:r>
+              <a:rPr lang="de-DE" dirty="0"/>
+              <a:t>Take out training and test split from run_ml?</a:t>
+            </a:r>
+          </a:p>
+          <a:p>
+            <a:pPr lvl="1"/>
+            <a:r>
+              <a:rPr lang="de-DE" dirty="0"/>
+              <a:t>K_folds and CV_folds don‘t have to be the same for every data set</a:t>
+            </a:r>
+          </a:p>
+          <a:p>
+            <a:pPr lvl="1"/>
+            <a:r>
+              <a:rPr lang="de-DE" dirty="0"/>
+              <a:t>Time comparison?</a:t>
+            </a:r>
+          </a:p>
+          <a:p>
+            <a:r>
+              <a:rPr lang="de-DE" dirty="0"/>
+              <a:t>CRC:</a:t>
+            </a:r>
+          </a:p>
+          <a:p>
+            <a:pPr lvl="1"/>
+            <a:r>
+              <a:rPr lang="de-DE" dirty="0"/>
+              <a:t>Keep one country cohorts for extra validation </a:t>
+            </a:r>
+          </a:p>
+          <a:p>
+            <a:pPr lvl="1"/>
+            <a:r>
+              <a:rPr lang="de-DE" dirty="0"/>
+              <a:t>BMI as outcome_column for continuous</a:t>
+            </a:r>
+          </a:p>
+          <a:p>
+            <a:pPr lvl="1"/>
+            <a:r>
+              <a:rPr lang="de-DE" dirty="0"/>
+              <a:t>GROUP for classification </a:t>
+            </a:r>
+          </a:p>
+          <a:p>
+            <a:pPr marL="457200" lvl="1" indent="0">
+              <a:buNone/>
+            </a:pPr>
+            <a:endParaRPr lang="de-DE" dirty="0"/>
+          </a:p>
+          <a:p>
+            <a:pPr lvl="1"/>
+            <a:endParaRPr lang="de-DE" dirty="0"/>
+          </a:p>
+          <a:p>
+            <a:pPr lvl="1"/>
+            <a:endParaRPr lang="de-DE" dirty="0"/>
+          </a:p>
+          <a:p>
+            <a:pPr lvl="1"/>
+            <a:endParaRPr lang="de-DE" dirty="0"/>
+          </a:p>
+        </p:txBody>
+      </p:sp>
+      <p:sp>
+        <p:nvSpPr>
+          <p:cNvPr id="4" name="Date Placeholder 3">
+            <a:extLst>
+              <a:ext uri="{FF2B5EF4-FFF2-40B4-BE49-F238E27FC236}">
+                <a16:creationId xmlns:a16="http://schemas.microsoft.com/office/drawing/2014/main" id="{DBF0C8DB-9090-4B20-AED9-6E2044F98AC2}"/>
+              </a:ext>
+            </a:extLst>
+          </p:cNvPr>
+          <p:cNvSpPr>
+            <a:spLocks noGrp="1"/>
+          </p:cNvSpPr>
+          <p:nvPr>
+            <p:ph type="dt" sz="half" idx="10"/>
+          </p:nvPr>
+        </p:nvSpPr>
+        <p:spPr/>
+        <p:txBody>
+          <a:bodyPr/>
+          <a:lstStyle/>
+          <a:p>
+            <a:fld id="{36D18B76-5E8B-4456-8722-FC5B14B0F354}" type="datetime1">
+              <a:rPr lang="en-US" smtClean="0"/>
+              <a:pPr/>
+              <a:t>5/19/2022</a:t>
+            </a:fld>
+            <a:endParaRPr lang="en-US" dirty="0"/>
+          </a:p>
+        </p:txBody>
+      </p:sp>
+      <p:sp>
+        <p:nvSpPr>
+          <p:cNvPr id="5" name="Footer Placeholder 4">
+            <a:extLst>
+              <a:ext uri="{FF2B5EF4-FFF2-40B4-BE49-F238E27FC236}">
+                <a16:creationId xmlns:a16="http://schemas.microsoft.com/office/drawing/2014/main" id="{DA6DF03D-2B74-42A5-8C31-B3A7B6D53ABB}"/>
+              </a:ext>
+            </a:extLst>
+          </p:cNvPr>
+          <p:cNvSpPr>
+            <a:spLocks noGrp="1"/>
+          </p:cNvSpPr>
+          <p:nvPr>
+            <p:ph type="ftr" sz="quarter" idx="11"/>
+          </p:nvPr>
+        </p:nvSpPr>
+        <p:spPr/>
+        <p:txBody>
+          <a:bodyPr/>
+          <a:lstStyle/>
+          <a:p>
+            <a:r>
+              <a:rPr lang="en-US"/>
+              <a:t>jennifer.neumaier@t-online.de</a:t>
+            </a:r>
+            <a:endParaRPr lang="en-US" dirty="0"/>
+          </a:p>
+        </p:txBody>
+      </p:sp>
+      <p:sp>
+        <p:nvSpPr>
+          <p:cNvPr id="6" name="Slide Number Placeholder 5">
+            <a:extLst>
+              <a:ext uri="{FF2B5EF4-FFF2-40B4-BE49-F238E27FC236}">
+                <a16:creationId xmlns:a16="http://schemas.microsoft.com/office/drawing/2014/main" id="{EB397826-F4D6-4DDE-B171-FF032CD952B6}"/>
+              </a:ext>
+            </a:extLst>
+          </p:cNvPr>
+          <p:cNvSpPr>
+            <a:spLocks noGrp="1"/>
+          </p:cNvSpPr>
+          <p:nvPr>
+            <p:ph type="sldNum" sz="quarter" idx="12"/>
+          </p:nvPr>
+        </p:nvSpPr>
+        <p:spPr/>
+        <p:txBody>
+          <a:bodyPr/>
+          <a:lstStyle/>
+          <a:p>
+            <a:fld id="{D57F1E4F-1CFF-5643-939E-217C01CDF565}" type="slidenum">
+              <a:rPr lang="en-US" smtClean="0"/>
+              <a:pPr/>
+              <a:t>68</a:t>
+            </a:fld>
+            <a:endParaRPr lang="en-US" dirty="0"/>
+          </a:p>
+        </p:txBody>
+      </p:sp>
+    </p:spTree>
+    <p:extLst>
+      <p:ext uri="{BB962C8B-B14F-4D97-AF65-F5344CB8AC3E}">
+        <p14:creationId xmlns:p14="http://schemas.microsoft.com/office/powerpoint/2010/main" val="1848759324"/>
+      </p:ext>
+    </p:extLst>
+  </p:cSld>
+  <p:clrMapOvr>
+    <a:masterClrMapping/>
+  </p:clrMapOvr>
+</p:sld>
+</file>
+
+<file path=ppt/slides/slide69.xml><?xml version="1.0" encoding="utf-8"?>
+<p:sld xmlns:a="http://schemas.openxmlformats.org/drawingml/2006/main" xmlns:r="http://schemas.openxmlformats.org/officeDocument/2006/relationships" xmlns:p="http://schemas.openxmlformats.org/presentationml/2006/main">
+  <p:cSld>
+    <p:spTree>
+      <p:nvGrpSpPr>
+        <p:cNvPr id="1" name=""/>
+        <p:cNvGrpSpPr/>
+        <p:nvPr/>
+      </p:nvGrpSpPr>
+      <p:grpSpPr>
+        <a:xfrm>
+          <a:off x="0" y="0"/>
+          <a:ext cx="0" cy="0"/>
+          <a:chOff x="0" y="0"/>
+          <a:chExt cx="0" cy="0"/>
+        </a:xfrm>
+      </p:grpSpPr>
+      <p:sp>
+        <p:nvSpPr>
+          <p:cNvPr id="2" name="Title 1">
+            <a:extLst>
+              <a:ext uri="{FF2B5EF4-FFF2-40B4-BE49-F238E27FC236}">
                 <a16:creationId xmlns:a16="http://schemas.microsoft.com/office/drawing/2014/main" id="{B0A21C35-E073-46BF-B8BA-AD632020DA6A}"/>
               </a:ext>
             </a:extLst>
@@ -40843,7 +42021,7 @@
           <a:p>
             <a:fld id="{93673764-947C-4E64-9BD5-474B9E9D9329}" type="datetime1">
               <a:rPr lang="en-US" smtClean="0"/>
-              <a:t>5/13/2022</a:t>
+              <a:t>5/19/2022</a:t>
             </a:fld>
             <a:endParaRPr lang="en-US" dirty="0"/>
           </a:p>
@@ -40902,7 +42080,7 @@
             <a:fld id="{D57F1E4F-1CFF-5643-939E-217C01CDF565}" type="slidenum">
               <a:rPr lang="en-US" smtClean="0"/>
               <a:pPr/>
-              <a:t>67</a:t>
+              <a:t>69</a:t>
             </a:fld>
             <a:endParaRPr lang="en-US" dirty="0"/>
           </a:p>
@@ -40921,7 +42099,190 @@
 </p:sld>
 </file>
 
-<file path=ppt/slides/slide68.xml><?xml version="1.0" encoding="utf-8"?>
+<file path=ppt/slides/slide7.xml><?xml version="1.0" encoding="utf-8"?>
+<p:sld xmlns:a="http://schemas.openxmlformats.org/drawingml/2006/main" xmlns:r="http://schemas.openxmlformats.org/officeDocument/2006/relationships" xmlns:p="http://schemas.openxmlformats.org/presentationml/2006/main">
+  <p:cSld>
+    <p:spTree>
+      <p:nvGrpSpPr>
+        <p:cNvPr id="1" name=""/>
+        <p:cNvGrpSpPr/>
+        <p:nvPr/>
+      </p:nvGrpSpPr>
+      <p:grpSpPr>
+        <a:xfrm>
+          <a:off x="0" y="0"/>
+          <a:ext cx="0" cy="0"/>
+          <a:chOff x="0" y="0"/>
+          <a:chExt cx="0" cy="0"/>
+        </a:xfrm>
+      </p:grpSpPr>
+      <p:sp>
+        <p:nvSpPr>
+          <p:cNvPr id="16" name="Title 15">
+            <a:extLst>
+              <a:ext uri="{FF2B5EF4-FFF2-40B4-BE49-F238E27FC236}">
+                <a16:creationId xmlns:a16="http://schemas.microsoft.com/office/drawing/2014/main" id="{BFD68236-2DF3-4941-ABB4-93B649770EEF}"/>
+              </a:ext>
+            </a:extLst>
+          </p:cNvPr>
+          <p:cNvSpPr>
+            <a:spLocks noGrp="1"/>
+          </p:cNvSpPr>
+          <p:nvPr>
+            <p:ph type="title"/>
+          </p:nvPr>
+        </p:nvSpPr>
+        <p:spPr>
+          <a:xfrm>
+            <a:off x="1640156" y="613274"/>
+            <a:ext cx="8911687" cy="1280890"/>
+          </a:xfrm>
+        </p:spPr>
+        <p:txBody>
+          <a:bodyPr/>
+          <a:lstStyle/>
+          <a:p>
+            <a:r>
+              <a:rPr lang="de-DE" b="1" dirty="0"/>
+              <a:t>Log-Ratio Transformations</a:t>
+            </a:r>
+            <a:endParaRPr lang="en-US" b="1" dirty="0"/>
+          </a:p>
+        </p:txBody>
+      </p:sp>
+      <p:sp>
+        <p:nvSpPr>
+          <p:cNvPr id="8" name="Slide Number Placeholder 7">
+            <a:extLst>
+              <a:ext uri="{FF2B5EF4-FFF2-40B4-BE49-F238E27FC236}">
+                <a16:creationId xmlns:a16="http://schemas.microsoft.com/office/drawing/2014/main" id="{0EDD2C64-4C29-4476-ABF6-96B082C0E166}"/>
+              </a:ext>
+            </a:extLst>
+          </p:cNvPr>
+          <p:cNvSpPr>
+            <a:spLocks noGrp="1"/>
+          </p:cNvSpPr>
+          <p:nvPr>
+            <p:ph type="sldNum" sz="quarter" idx="12"/>
+          </p:nvPr>
+        </p:nvSpPr>
+        <p:spPr/>
+        <p:txBody>
+          <a:bodyPr/>
+          <a:lstStyle/>
+          <a:p>
+            <a:fld id="{D57F1E4F-1CFF-5643-939E-217C01CDF565}" type="slidenum">
+              <a:rPr lang="en-US" smtClean="0"/>
+              <a:pPr/>
+              <a:t>7</a:t>
+            </a:fld>
+            <a:endParaRPr lang="en-US" dirty="0"/>
+          </a:p>
+        </p:txBody>
+      </p:sp>
+      <p:sp>
+        <p:nvSpPr>
+          <p:cNvPr id="17" name="TextBox 16">
+            <a:extLst>
+              <a:ext uri="{FF2B5EF4-FFF2-40B4-BE49-F238E27FC236}">
+                <a16:creationId xmlns:a16="http://schemas.microsoft.com/office/drawing/2014/main" id="{391BB8BD-AFC8-43A6-801D-D06E61729BAE}"/>
+              </a:ext>
+            </a:extLst>
+          </p:cNvPr>
+          <p:cNvSpPr txBox="1"/>
+          <p:nvPr/>
+        </p:nvSpPr>
+        <p:spPr>
+          <a:xfrm>
+            <a:off x="1694844" y="1229380"/>
+            <a:ext cx="1788736" cy="300082"/>
+          </a:xfrm>
+          <a:prstGeom prst="rect">
+            <a:avLst/>
+          </a:prstGeom>
+          <a:noFill/>
+        </p:spPr>
+        <p:txBody>
+          <a:bodyPr wrap="square" rtlCol="0">
+            <a:spAutoFit/>
+          </a:bodyPr>
+          <a:lstStyle/>
+          <a:p>
+            <a:r>
+              <a:rPr lang="de-DE" sz="1350" dirty="0"/>
+              <a:t>Stand: 22.01.22</a:t>
+            </a:r>
+            <a:endParaRPr lang="en-US" sz="1350" dirty="0"/>
+          </a:p>
+        </p:txBody>
+      </p:sp>
+      <p:sp>
+        <p:nvSpPr>
+          <p:cNvPr id="5" name="TextBox 4">
+            <a:extLst>
+              <a:ext uri="{FF2B5EF4-FFF2-40B4-BE49-F238E27FC236}">
+                <a16:creationId xmlns:a16="http://schemas.microsoft.com/office/drawing/2014/main" id="{3433A140-A782-4B43-8154-51F77E0557E9}"/>
+              </a:ext>
+            </a:extLst>
+          </p:cNvPr>
+          <p:cNvSpPr txBox="1"/>
+          <p:nvPr/>
+        </p:nvSpPr>
+        <p:spPr>
+          <a:xfrm>
+            <a:off x="1694844" y="1529462"/>
+            <a:ext cx="4962075" cy="1477328"/>
+          </a:xfrm>
+          <a:prstGeom prst="rect">
+            <a:avLst/>
+          </a:prstGeom>
+          <a:noFill/>
+        </p:spPr>
+        <p:txBody>
+          <a:bodyPr wrap="square" rtlCol="0">
+            <a:spAutoFit/>
+          </a:bodyPr>
+          <a:lstStyle/>
+          <a:p>
+            <a:r>
+              <a:rPr lang="de-DE" dirty="0"/>
+              <a:t>Which ones exist</a:t>
+            </a:r>
+          </a:p>
+          <a:p>
+            <a:r>
+              <a:rPr lang="de-DE" dirty="0"/>
+              <a:t>Characteristics</a:t>
+            </a:r>
+          </a:p>
+          <a:p>
+            <a:r>
+              <a:rPr lang="de-DE" dirty="0"/>
+              <a:t>What are they doing?</a:t>
+            </a:r>
+          </a:p>
+          <a:p>
+            <a:r>
+              <a:rPr lang="de-DE" dirty="0"/>
+              <a:t>Q: do they improve machine learning performances?</a:t>
+            </a:r>
+          </a:p>
+        </p:txBody>
+      </p:sp>
+    </p:spTree>
+    <p:extLst>
+      <p:ext uri="{BB962C8B-B14F-4D97-AF65-F5344CB8AC3E}">
+        <p14:creationId xmlns:p14="http://schemas.microsoft.com/office/powerpoint/2010/main" val="1591942023"/>
+      </p:ext>
+    </p:extLst>
+  </p:cSld>
+  <p:clrMapOvr>
+    <a:masterClrMapping/>
+  </p:clrMapOvr>
+</p:sld>
+</file>
+
+<file path=ppt/slides/slide70.xml><?xml version="1.0" encoding="utf-8"?>
 <p:sld xmlns:a="http://schemas.openxmlformats.org/drawingml/2006/main" xmlns:r="http://schemas.openxmlformats.org/officeDocument/2006/relationships" xmlns:p="http://schemas.openxmlformats.org/presentationml/2006/main">
   <p:cSld>
     <p:spTree>
@@ -41288,7 +42649,7 @@
           <a:p>
             <a:fld id="{524BA6AA-761D-44D9-9696-AC66CE044BF5}" type="datetime1">
               <a:rPr lang="en-US" smtClean="0"/>
-              <a:t>5/13/2022</a:t>
+              <a:t>5/19/2022</a:t>
             </a:fld>
             <a:endParaRPr lang="en-US" dirty="0"/>
           </a:p>
@@ -41346,7 +42707,7 @@
             <a:fld id="{D57F1E4F-1CFF-5643-939E-217C01CDF565}" type="slidenum">
               <a:rPr lang="en-US" smtClean="0"/>
               <a:pPr/>
-              <a:t>68</a:t>
+              <a:t>70</a:t>
             </a:fld>
             <a:endParaRPr lang="en-US" dirty="0"/>
           </a:p>
@@ -41356,189 +42717,6 @@
     <p:extLst>
       <p:ext uri="{BB962C8B-B14F-4D97-AF65-F5344CB8AC3E}">
         <p14:creationId xmlns:p14="http://schemas.microsoft.com/office/powerpoint/2010/main" val="1870852049"/>
-      </p:ext>
-    </p:extLst>
-  </p:cSld>
-  <p:clrMapOvr>
-    <a:masterClrMapping/>
-  </p:clrMapOvr>
-</p:sld>
-</file>
-
-<file path=ppt/slides/slide7.xml><?xml version="1.0" encoding="utf-8"?>
-<p:sld xmlns:a="http://schemas.openxmlformats.org/drawingml/2006/main" xmlns:r="http://schemas.openxmlformats.org/officeDocument/2006/relationships" xmlns:p="http://schemas.openxmlformats.org/presentationml/2006/main">
-  <p:cSld>
-    <p:spTree>
-      <p:nvGrpSpPr>
-        <p:cNvPr id="1" name=""/>
-        <p:cNvGrpSpPr/>
-        <p:nvPr/>
-      </p:nvGrpSpPr>
-      <p:grpSpPr>
-        <a:xfrm>
-          <a:off x="0" y="0"/>
-          <a:ext cx="0" cy="0"/>
-          <a:chOff x="0" y="0"/>
-          <a:chExt cx="0" cy="0"/>
-        </a:xfrm>
-      </p:grpSpPr>
-      <p:sp>
-        <p:nvSpPr>
-          <p:cNvPr id="16" name="Title 15">
-            <a:extLst>
-              <a:ext uri="{FF2B5EF4-FFF2-40B4-BE49-F238E27FC236}">
-                <a16:creationId xmlns:a16="http://schemas.microsoft.com/office/drawing/2014/main" id="{BFD68236-2DF3-4941-ABB4-93B649770EEF}"/>
-              </a:ext>
-            </a:extLst>
-          </p:cNvPr>
-          <p:cNvSpPr>
-            <a:spLocks noGrp="1"/>
-          </p:cNvSpPr>
-          <p:nvPr>
-            <p:ph type="title"/>
-          </p:nvPr>
-        </p:nvSpPr>
-        <p:spPr>
-          <a:xfrm>
-            <a:off x="1640156" y="613274"/>
-            <a:ext cx="8911687" cy="1280890"/>
-          </a:xfrm>
-        </p:spPr>
-        <p:txBody>
-          <a:bodyPr/>
-          <a:lstStyle/>
-          <a:p>
-            <a:r>
-              <a:rPr lang="de-DE" b="1" dirty="0"/>
-              <a:t>Log-Ratio Transformations</a:t>
-            </a:r>
-            <a:endParaRPr lang="en-US" b="1" dirty="0"/>
-          </a:p>
-        </p:txBody>
-      </p:sp>
-      <p:sp>
-        <p:nvSpPr>
-          <p:cNvPr id="8" name="Slide Number Placeholder 7">
-            <a:extLst>
-              <a:ext uri="{FF2B5EF4-FFF2-40B4-BE49-F238E27FC236}">
-                <a16:creationId xmlns:a16="http://schemas.microsoft.com/office/drawing/2014/main" id="{0EDD2C64-4C29-4476-ABF6-96B082C0E166}"/>
-              </a:ext>
-            </a:extLst>
-          </p:cNvPr>
-          <p:cNvSpPr>
-            <a:spLocks noGrp="1"/>
-          </p:cNvSpPr>
-          <p:nvPr>
-            <p:ph type="sldNum" sz="quarter" idx="12"/>
-          </p:nvPr>
-        </p:nvSpPr>
-        <p:spPr/>
-        <p:txBody>
-          <a:bodyPr/>
-          <a:lstStyle/>
-          <a:p>
-            <a:fld id="{D57F1E4F-1CFF-5643-939E-217C01CDF565}" type="slidenum">
-              <a:rPr lang="en-US" smtClean="0"/>
-              <a:pPr/>
-              <a:t>7</a:t>
-            </a:fld>
-            <a:endParaRPr lang="en-US" dirty="0"/>
-          </a:p>
-        </p:txBody>
-      </p:sp>
-      <p:sp>
-        <p:nvSpPr>
-          <p:cNvPr id="17" name="TextBox 16">
-            <a:extLst>
-              <a:ext uri="{FF2B5EF4-FFF2-40B4-BE49-F238E27FC236}">
-                <a16:creationId xmlns:a16="http://schemas.microsoft.com/office/drawing/2014/main" id="{391BB8BD-AFC8-43A6-801D-D06E61729BAE}"/>
-              </a:ext>
-            </a:extLst>
-          </p:cNvPr>
-          <p:cNvSpPr txBox="1"/>
-          <p:nvPr/>
-        </p:nvSpPr>
-        <p:spPr>
-          <a:xfrm>
-            <a:off x="1694844" y="1229380"/>
-            <a:ext cx="1788736" cy="300082"/>
-          </a:xfrm>
-          <a:prstGeom prst="rect">
-            <a:avLst/>
-          </a:prstGeom>
-          <a:noFill/>
-        </p:spPr>
-        <p:txBody>
-          <a:bodyPr wrap="square" rtlCol="0">
-            <a:spAutoFit/>
-          </a:bodyPr>
-          <a:lstStyle/>
-          <a:p>
-            <a:r>
-              <a:rPr lang="de-DE" sz="1350" dirty="0"/>
-              <a:t>Stand: 22.01.22</a:t>
-            </a:r>
-            <a:endParaRPr lang="en-US" sz="1350" dirty="0"/>
-          </a:p>
-        </p:txBody>
-      </p:sp>
-      <p:sp>
-        <p:nvSpPr>
-          <p:cNvPr id="5" name="TextBox 4">
-            <a:extLst>
-              <a:ext uri="{FF2B5EF4-FFF2-40B4-BE49-F238E27FC236}">
-                <a16:creationId xmlns:a16="http://schemas.microsoft.com/office/drawing/2014/main" id="{3433A140-A782-4B43-8154-51F77E0557E9}"/>
-              </a:ext>
-            </a:extLst>
-          </p:cNvPr>
-          <p:cNvSpPr txBox="1"/>
-          <p:nvPr/>
-        </p:nvSpPr>
-        <p:spPr>
-          <a:xfrm>
-            <a:off x="1694844" y="1529462"/>
-            <a:ext cx="4962075" cy="1477328"/>
-          </a:xfrm>
-          <a:prstGeom prst="rect">
-            <a:avLst/>
-          </a:prstGeom>
-          <a:noFill/>
-        </p:spPr>
-        <p:txBody>
-          <a:bodyPr wrap="square" rtlCol="0">
-            <a:spAutoFit/>
-          </a:bodyPr>
-          <a:lstStyle/>
-          <a:p>
-            <a:r>
-              <a:rPr lang="de-DE" dirty="0"/>
-              <a:t>Which ones exist</a:t>
-            </a:r>
-          </a:p>
-          <a:p>
-            <a:r>
-              <a:rPr lang="de-DE" dirty="0"/>
-              <a:t>Characteristics</a:t>
-            </a:r>
-          </a:p>
-          <a:p>
-            <a:r>
-              <a:rPr lang="de-DE" dirty="0"/>
-              <a:t>What are they doing?</a:t>
-            </a:r>
-          </a:p>
-          <a:p>
-            <a:r>
-              <a:rPr lang="de-DE" dirty="0"/>
-              <a:t>Q: do they improve machine learning performances?</a:t>
-            </a:r>
-          </a:p>
-        </p:txBody>
-      </p:sp>
-    </p:spTree>
-    <p:extLst>
-      <p:ext uri="{BB962C8B-B14F-4D97-AF65-F5344CB8AC3E}">
-        <p14:creationId xmlns:p14="http://schemas.microsoft.com/office/powerpoint/2010/main" val="1591942023"/>
       </p:ext>
     </p:extLst>
   </p:cSld>
@@ -41622,7 +42800,7 @@
           <a:p>
             <a:fld id="{A70B3D3E-FC47-4E47-BC37-6E33025EDD36}" type="datetime1">
               <a:rPr lang="en-US" smtClean="0"/>
-              <a:t>5/13/2022</a:t>
+              <a:t>5/19/2022</a:t>
             </a:fld>
             <a:endParaRPr lang="en-US" dirty="0"/>
           </a:p>

--- a/doc/Project_structure_notes.pptx
+++ b/doc/Project_structure_notes.pptx
@@ -7298,7 +7298,7 @@
           <a:p>
             <a:fld id="{0D3712C0-BD94-4EDD-81B8-404EF18DF498}" type="datetimeFigureOut">
               <a:rPr lang="en-US" smtClean="0"/>
-              <a:t>5/24/2022</a:t>
+              <a:t>6/19/2022</a:t>
             </a:fld>
             <a:endParaRPr lang="en-US"/>
           </a:p>
@@ -11203,7 +11203,7 @@
           <a:p>
             <a:fld id="{843A20DD-8926-4B91-8D72-D1DC7F5C31EF}" type="datetime1">
               <a:rPr lang="en-US" smtClean="0"/>
-              <a:t>5/24/2022</a:t>
+              <a:t>6/19/2022</a:t>
             </a:fld>
             <a:endParaRPr lang="en-US" dirty="0"/>
           </a:p>
@@ -11546,7 +11546,7 @@
           <a:p>
             <a:fld id="{D2DD2B10-BCB9-40E5-8141-F17001376370}" type="datetime1">
               <a:rPr lang="en-US" smtClean="0"/>
-              <a:t>5/24/2022</a:t>
+              <a:t>6/19/2022</a:t>
             </a:fld>
             <a:endParaRPr lang="en-US" dirty="0"/>
           </a:p>
@@ -11952,7 +11952,7 @@
           <a:p>
             <a:fld id="{927FFA6D-4E8C-437E-BCA1-3CF73EB8B252}" type="datetime1">
               <a:rPr lang="en-US" smtClean="0"/>
-              <a:t>5/24/2022</a:t>
+              <a:t>6/19/2022</a:t>
             </a:fld>
             <a:endParaRPr lang="en-US" dirty="0"/>
           </a:p>
@@ -12293,7 +12293,7 @@
           <a:p>
             <a:fld id="{A2C7F92B-2A35-4C09-8346-C40AAA997302}" type="datetime1">
               <a:rPr lang="en-US" smtClean="0"/>
-              <a:t>5/24/2022</a:t>
+              <a:t>6/19/2022</a:t>
             </a:fld>
             <a:endParaRPr lang="en-US" dirty="0"/>
           </a:p>
@@ -12619,7 +12619,7 @@
           <a:p>
             <a:fld id="{A2C7F92B-2A35-4C09-8346-C40AAA997302}" type="datetime1">
               <a:rPr lang="en-US" smtClean="0"/>
-              <a:t>5/24/2022</a:t>
+              <a:t>6/19/2022</a:t>
             </a:fld>
             <a:endParaRPr lang="en-US" dirty="0"/>
           </a:p>
@@ -13021,7 +13021,7 @@
           <a:p>
             <a:fld id="{A2C7F92B-2A35-4C09-8346-C40AAA997302}" type="datetime1">
               <a:rPr lang="en-US" smtClean="0"/>
-              <a:t>5/24/2022</a:t>
+              <a:t>6/19/2022</a:t>
             </a:fld>
             <a:endParaRPr lang="en-US" dirty="0"/>
           </a:p>
@@ -13284,7 +13284,7 @@
           <a:p>
             <a:fld id="{8A427DC1-41D9-41ED-AAB7-DF919DFB0B7D}" type="datetime1">
               <a:rPr lang="en-US" smtClean="0"/>
-              <a:t>5/24/2022</a:t>
+              <a:t>6/19/2022</a:t>
             </a:fld>
             <a:endParaRPr lang="en-US" dirty="0"/>
           </a:p>
@@ -13551,7 +13551,7 @@
           <a:p>
             <a:fld id="{49530F64-B6F9-41E5-8499-9B56B7F93996}" type="datetime1">
               <a:rPr lang="en-US" smtClean="0"/>
-              <a:t>5/24/2022</a:t>
+              <a:t>6/19/2022</a:t>
             </a:fld>
             <a:endParaRPr lang="en-US" dirty="0"/>
           </a:p>
@@ -13822,7 +13822,7 @@
             <a:fld id="{36D18B76-5E8B-4456-8722-FC5B14B0F354}" type="datetime1">
               <a:rPr lang="en-US" smtClean="0"/>
               <a:pPr/>
-              <a:t>5/24/2022</a:t>
+              <a:t>6/19/2022</a:t>
             </a:fld>
             <a:endParaRPr lang="en-US" dirty="0"/>
           </a:p>
@@ -14160,7 +14160,7 @@
           <a:p>
             <a:fld id="{3E914A3D-A565-477F-8682-1AE6EFE36557}" type="datetime1">
               <a:rPr lang="en-US" smtClean="0"/>
-              <a:t>5/24/2022</a:t>
+              <a:t>6/19/2022</a:t>
             </a:fld>
             <a:endParaRPr lang="en-US" dirty="0"/>
           </a:p>
@@ -14488,7 +14488,7 @@
           <a:p>
             <a:fld id="{D45A6A21-0914-4A46-BCF1-163E9A00E688}" type="datetime1">
               <a:rPr lang="en-US" smtClean="0"/>
-              <a:t>5/24/2022</a:t>
+              <a:t>6/19/2022</a:t>
             </a:fld>
             <a:endParaRPr lang="en-US" dirty="0"/>
           </a:p>
@@ -14950,7 +14950,7 @@
           <a:p>
             <a:fld id="{6BDD7FCB-B1A7-4982-8C8B-674E644B14B0}" type="datetime1">
               <a:rPr lang="en-US" smtClean="0"/>
-              <a:t>5/24/2022</a:t>
+              <a:t>6/19/2022</a:t>
             </a:fld>
             <a:endParaRPr lang="en-US" dirty="0"/>
           </a:p>
@@ -15170,7 +15170,7 @@
             <a:fld id="{4C731089-17FC-4C04-87B1-2157F67F0117}" type="datetime1">
               <a:rPr lang="en-US" smtClean="0"/>
               <a:pPr/>
-              <a:t>5/24/2022</a:t>
+              <a:t>6/19/2022</a:t>
             </a:fld>
             <a:endParaRPr lang="en-US" dirty="0"/>
           </a:p>
@@ -15356,7 +15356,7 @@
           <a:p>
             <a:fld id="{1278D66F-D6E5-4434-B311-7DA25CA81F5A}" type="datetime1">
               <a:rPr lang="en-US" smtClean="0"/>
-              <a:t>5/24/2022</a:t>
+              <a:t>6/19/2022</a:t>
             </a:fld>
             <a:endParaRPr lang="en-US" dirty="0"/>
           </a:p>
@@ -15694,7 +15694,7 @@
           <a:p>
             <a:fld id="{2253374B-0B0C-42C0-A0DF-1550CE3AA116}" type="datetime1">
               <a:rPr lang="en-US" smtClean="0"/>
-              <a:t>5/24/2022</a:t>
+              <a:t>6/19/2022</a:t>
             </a:fld>
             <a:endParaRPr lang="en-US" dirty="0"/>
           </a:p>
@@ -16044,7 +16044,7 @@
           <a:p>
             <a:fld id="{F589A7BC-DDDD-4FB0-A8E7-5046A2EF84B8}" type="datetime1">
               <a:rPr lang="en-US" smtClean="0"/>
-              <a:t>5/24/2022</a:t>
+              <a:t>6/19/2022</a:t>
             </a:fld>
             <a:endParaRPr lang="en-US" dirty="0"/>
           </a:p>
@@ -18166,7 +18166,7 @@
           <a:p>
             <a:fld id="{A2C7F92B-2A35-4C09-8346-C40AAA997302}" type="datetime1">
               <a:rPr lang="en-US" smtClean="0"/>
-              <a:t>5/24/2022</a:t>
+              <a:t>6/19/2022</a:t>
             </a:fld>
             <a:endParaRPr lang="en-US" dirty="0"/>
           </a:p>
@@ -18784,7 +18784,7 @@
           <a:p>
             <a:fld id="{EFFFF5E6-438B-4B86-AF1B-DB82D6C33C1C}" type="datetime1">
               <a:rPr lang="en-US" smtClean="0"/>
-              <a:t>5/24/2022</a:t>
+              <a:t>6/19/2022</a:t>
             </a:fld>
             <a:endParaRPr lang="en-US" dirty="0"/>
           </a:p>
@@ -19154,7 +19154,7 @@
             <a:fld id="{36D18B76-5E8B-4456-8722-FC5B14B0F354}" type="datetime1">
               <a:rPr lang="en-US" smtClean="0"/>
               <a:pPr/>
-              <a:t>5/24/2022</a:t>
+              <a:t>6/19/2022</a:t>
             </a:fld>
             <a:endParaRPr lang="en-US" dirty="0"/>
           </a:p>
@@ -20282,7 +20282,7 @@
             <a:fld id="{36D18B76-5E8B-4456-8722-FC5B14B0F354}" type="datetime1">
               <a:rPr lang="en-US" smtClean="0"/>
               <a:pPr/>
-              <a:t>5/24/2022</a:t>
+              <a:t>6/19/2022</a:t>
             </a:fld>
             <a:endParaRPr lang="en-US" dirty="0"/>
           </a:p>
@@ -21311,7 +21311,7 @@
             <a:fld id="{36D18B76-5E8B-4456-8722-FC5B14B0F354}" type="datetime1">
               <a:rPr lang="en-US" smtClean="0"/>
               <a:pPr/>
-              <a:t>5/24/2022</a:t>
+              <a:t>6/19/2022</a:t>
             </a:fld>
             <a:endParaRPr lang="en-US" dirty="0"/>
           </a:p>
@@ -21635,7 +21635,7 @@
           </p:nvSpPr>
           <p:spPr>
             <a:xfrm>
-              <a:off x="1761522" y="2276227"/>
+              <a:off x="1759460" y="2826003"/>
               <a:ext cx="1171546" cy="877304"/>
             </a:xfrm>
             <a:prstGeom prst="rect">
@@ -21665,56 +21665,7 @@
               <a:pPr algn="ctr"/>
               <a:r>
                 <a:rPr lang="de-DE" b="1" dirty="0"/>
-                <a:t>CRC</a:t>
-              </a:r>
-            </a:p>
-          </p:txBody>
-        </p:sp>
-        <p:sp>
-          <p:nvSpPr>
-            <p:cNvPr id="41" name="Rectangle 40">
-              <a:extLst>
-                <a:ext uri="{FF2B5EF4-FFF2-40B4-BE49-F238E27FC236}">
-                  <a16:creationId xmlns:a16="http://schemas.microsoft.com/office/drawing/2014/main" id="{E918B024-2A4C-7CBA-612C-05C73991E6AE}"/>
-                </a:ext>
-              </a:extLst>
-            </p:cNvPr>
-            <p:cNvSpPr/>
-            <p:nvPr/>
-          </p:nvSpPr>
-          <p:spPr>
-            <a:xfrm>
-              <a:off x="1772032" y="3327509"/>
-              <a:ext cx="1171546" cy="877304"/>
-            </a:xfrm>
-            <a:prstGeom prst="rect">
-              <a:avLst/>
-            </a:prstGeom>
-          </p:spPr>
-          <p:style>
-            <a:lnRef idx="2">
-              <a:schemeClr val="accent1">
-                <a:shade val="50000"/>
-              </a:schemeClr>
-            </a:lnRef>
-            <a:fillRef idx="1">
-              <a:schemeClr val="accent1"/>
-            </a:fillRef>
-            <a:effectRef idx="0">
-              <a:schemeClr val="accent1"/>
-            </a:effectRef>
-            <a:fontRef idx="minor">
-              <a:schemeClr val="lt1"/>
-            </a:fontRef>
-          </p:style>
-          <p:txBody>
-            <a:bodyPr rtlCol="0" anchor="ctr"/>
-            <a:lstStyle/>
-            <a:p>
-              <a:pPr algn="ctr"/>
-              <a:r>
-                <a:rPr lang="de-DE" b="1" dirty="0"/>
-                <a:t>PCOS</a:t>
+                <a:t>Small </a:t>
               </a:r>
             </a:p>
           </p:txBody>
@@ -21763,7 +21714,7 @@
               <a:pPr algn="ctr"/>
               <a:r>
                 <a:rPr lang="de-DE" b="1" dirty="0"/>
-                <a:t>EstMB</a:t>
+                <a:t>Large</a:t>
               </a:r>
             </a:p>
           </p:txBody>
@@ -21961,14 +21912,16 @@
               </a:extLst>
             </p:cNvPr>
             <p:cNvCxnSpPr>
+              <a:cxnSpLocks/>
               <a:stCxn id="11" idx="3"/>
+              <a:endCxn id="45" idx="1"/>
             </p:cNvCxnSpPr>
             <p:nvPr/>
           </p:nvCxnSpPr>
           <p:spPr>
-            <a:xfrm>
-              <a:off x="2933068" y="2714879"/>
-              <a:ext cx="824164" cy="0"/>
+            <a:xfrm flipV="1">
+              <a:off x="2931006" y="2714879"/>
+              <a:ext cx="836736" cy="549776"/>
             </a:xfrm>
             <a:prstGeom prst="straightConnector1">
               <a:avLst/>
@@ -22010,94 +21963,8 @@
           </p:nvCxnSpPr>
           <p:spPr>
             <a:xfrm>
-              <a:off x="2933068" y="2714879"/>
-              <a:ext cx="834674" cy="1059429"/>
-            </a:xfrm>
-            <a:prstGeom prst="straightConnector1">
-              <a:avLst/>
-            </a:prstGeom>
-            <a:ln>
-              <a:tailEnd type="triangle"/>
-            </a:ln>
-          </p:spPr>
-          <p:style>
-            <a:lnRef idx="1">
-              <a:schemeClr val="dk1"/>
-            </a:lnRef>
-            <a:fillRef idx="0">
-              <a:schemeClr val="dk1"/>
-            </a:fillRef>
-            <a:effectRef idx="0">
-              <a:schemeClr val="dk1"/>
-            </a:effectRef>
-            <a:fontRef idx="minor">
-              <a:schemeClr val="tx1"/>
-            </a:fontRef>
-          </p:style>
-        </p:cxnSp>
-        <p:cxnSp>
-          <p:nvCxnSpPr>
-            <p:cNvPr id="52" name="Straight Arrow Connector 51">
-              <a:extLst>
-                <a:ext uri="{FF2B5EF4-FFF2-40B4-BE49-F238E27FC236}">
-                  <a16:creationId xmlns:a16="http://schemas.microsoft.com/office/drawing/2014/main" id="{C1E1AACB-53E9-957B-14B4-30CCEC94C773}"/>
-                </a:ext>
-              </a:extLst>
-            </p:cNvPr>
-            <p:cNvCxnSpPr>
-              <a:cxnSpLocks/>
-              <a:stCxn id="41" idx="3"/>
-              <a:endCxn id="45" idx="1"/>
-            </p:cNvCxnSpPr>
-            <p:nvPr/>
-          </p:nvCxnSpPr>
-          <p:spPr>
-            <a:xfrm flipV="1">
-              <a:off x="2943578" y="2714879"/>
-              <a:ext cx="824164" cy="1051282"/>
-            </a:xfrm>
-            <a:prstGeom prst="straightConnector1">
-              <a:avLst/>
-            </a:prstGeom>
-            <a:ln>
-              <a:tailEnd type="triangle"/>
-            </a:ln>
-          </p:spPr>
-          <p:style>
-            <a:lnRef idx="1">
-              <a:schemeClr val="dk1"/>
-            </a:lnRef>
-            <a:fillRef idx="0">
-              <a:schemeClr val="dk1"/>
-            </a:fillRef>
-            <a:effectRef idx="0">
-              <a:schemeClr val="dk1"/>
-            </a:effectRef>
-            <a:fontRef idx="minor">
-              <a:schemeClr val="tx1"/>
-            </a:fontRef>
-          </p:style>
-        </p:cxnSp>
-        <p:cxnSp>
-          <p:nvCxnSpPr>
-            <p:cNvPr id="53" name="Straight Arrow Connector 52">
-              <a:extLst>
-                <a:ext uri="{FF2B5EF4-FFF2-40B4-BE49-F238E27FC236}">
-                  <a16:creationId xmlns:a16="http://schemas.microsoft.com/office/drawing/2014/main" id="{0CDAA157-D067-71DD-8861-DC43C7C88140}"/>
-                </a:ext>
-              </a:extLst>
-            </p:cNvPr>
-            <p:cNvCxnSpPr>
-              <a:cxnSpLocks/>
-              <a:stCxn id="41" idx="3"/>
-              <a:endCxn id="46" idx="1"/>
-            </p:cNvCxnSpPr>
-            <p:nvPr/>
-          </p:nvCxnSpPr>
-          <p:spPr>
-            <a:xfrm>
-              <a:off x="2943578" y="3766161"/>
-              <a:ext cx="824164" cy="8147"/>
+              <a:off x="2931006" y="3264655"/>
+              <a:ext cx="836736" cy="509653"/>
             </a:xfrm>
             <a:prstGeom prst="straightConnector1">
               <a:avLst/>
@@ -22213,8 +22080,8 @@
           </p:nvSpPr>
           <p:spPr>
             <a:xfrm>
-              <a:off x="5352910" y="3335656"/>
-              <a:ext cx="1743304" cy="877304"/>
+              <a:off x="5309478" y="3335656"/>
+              <a:ext cx="1824050" cy="877304"/>
             </a:xfrm>
             <a:prstGeom prst="rect">
               <a:avLst/>
@@ -22243,7 +22110,7 @@
               <a:pPr algn="ctr"/>
               <a:r>
                 <a:rPr lang="de-DE" b="1" dirty="0"/>
-                <a:t>pseudocount</a:t>
+                <a:t>zCompositions</a:t>
               </a:r>
             </a:p>
           </p:txBody>
@@ -22267,7 +22134,7 @@
           <p:spPr>
             <a:xfrm>
               <a:off x="4939288" y="2714879"/>
-              <a:ext cx="413622" cy="1059429"/>
+              <a:ext cx="370190" cy="1059429"/>
             </a:xfrm>
             <a:prstGeom prst="straightConnector1">
               <a:avLst/>
@@ -22310,7 +22177,7 @@
           <p:spPr>
             <a:xfrm>
               <a:off x="4939288" y="3774308"/>
-              <a:ext cx="413622" cy="0"/>
+              <a:ext cx="370190" cy="0"/>
             </a:xfrm>
             <a:prstGeom prst="straightConnector1">
               <a:avLst/>
@@ -22352,7 +22219,7 @@
           <p:spPr>
             <a:xfrm flipV="1">
               <a:off x="4935884" y="3774308"/>
-              <a:ext cx="417026" cy="1088422"/>
+              <a:ext cx="373594" cy="1088422"/>
             </a:xfrm>
             <a:prstGeom prst="straightConnector1">
               <a:avLst/>
@@ -22394,8 +22261,8 @@
           </p:nvCxnSpPr>
           <p:spPr>
             <a:xfrm flipV="1">
-              <a:off x="7096214" y="2349041"/>
-              <a:ext cx="465706" cy="1425267"/>
+              <a:off x="7133528" y="2349041"/>
+              <a:ext cx="428392" cy="1425267"/>
             </a:xfrm>
             <a:prstGeom prst="straightConnector1">
               <a:avLst/>
@@ -22717,8 +22584,8 @@
           </p:nvCxnSpPr>
           <p:spPr>
             <a:xfrm flipV="1">
-              <a:off x="7096214" y="3111812"/>
-              <a:ext cx="465706" cy="662496"/>
+              <a:off x="7133528" y="3111812"/>
+              <a:ext cx="428392" cy="662496"/>
             </a:xfrm>
             <a:prstGeom prst="straightConnector1">
               <a:avLst/>
@@ -22760,8 +22627,8 @@
           </p:nvCxnSpPr>
           <p:spPr>
             <a:xfrm>
-              <a:off x="7096214" y="3774308"/>
-              <a:ext cx="465706" cy="109570"/>
+              <a:off x="7133528" y="3774308"/>
+              <a:ext cx="428392" cy="109570"/>
             </a:xfrm>
             <a:prstGeom prst="straightConnector1">
               <a:avLst/>
@@ -22803,8 +22670,8 @@
           </p:nvCxnSpPr>
           <p:spPr>
             <a:xfrm>
-              <a:off x="7096214" y="3774308"/>
-              <a:ext cx="465706" cy="887544"/>
+              <a:off x="7133528" y="3774308"/>
+              <a:ext cx="428392" cy="887544"/>
             </a:xfrm>
             <a:prstGeom prst="straightConnector1">
               <a:avLst/>
@@ -22846,8 +22713,8 @@
           </p:nvCxnSpPr>
           <p:spPr>
             <a:xfrm>
-              <a:off x="7096214" y="3774308"/>
-              <a:ext cx="465706" cy="1675902"/>
+              <a:off x="7133528" y="3774308"/>
+              <a:ext cx="428392" cy="1675902"/>
             </a:xfrm>
             <a:prstGeom prst="straightConnector1">
               <a:avLst/>
@@ -23550,12 +23417,12 @@
           </p:nvCxnSpPr>
           <p:spPr>
             <a:xfrm rot="16200000" flipH="1">
-              <a:off x="7644212" y="2793310"/>
-              <a:ext cx="1066178" cy="3905478"/>
+              <a:off x="7642682" y="2791780"/>
+              <a:ext cx="1066178" cy="3908537"/>
             </a:xfrm>
             <a:prstGeom prst="bentConnector3">
               <a:avLst>
-                <a:gd name="adj1" fmla="val 163349"/>
+                <a:gd name="adj1" fmla="val 166273"/>
               </a:avLst>
             </a:prstGeom>
             <a:ln>
@@ -23661,7 +23528,7 @@
             <a:fld id="{36D18B76-5E8B-4456-8722-FC5B14B0F354}" type="datetime1">
               <a:rPr lang="en-US" smtClean="0"/>
               <a:pPr/>
-              <a:t>5/24/2022</a:t>
+              <a:t>6/19/2022</a:t>
             </a:fld>
             <a:endParaRPr lang="en-US" dirty="0"/>
           </a:p>
@@ -25209,7 +25076,7 @@
           <a:p>
             <a:fld id="{1278D66F-D6E5-4434-B311-7DA25CA81F5A}" type="datetime1">
               <a:rPr lang="en-US" smtClean="0"/>
-              <a:t>5/24/2022</a:t>
+              <a:t>6/19/2022</a:t>
             </a:fld>
             <a:endParaRPr lang="en-US" dirty="0"/>
           </a:p>
@@ -28252,7 +28119,7 @@
           <a:p>
             <a:fld id="{BCCEB706-B4FB-4DF7-BDF7-514AEA7F06D0}" type="datetime1">
               <a:rPr lang="en-US" smtClean="0"/>
-              <a:t>5/24/2022</a:t>
+              <a:t>6/19/2022</a:t>
             </a:fld>
             <a:endParaRPr lang="en-US" dirty="0"/>
           </a:p>
@@ -33642,7 +33509,7 @@
           <a:p>
             <a:fld id="{7BB4AFEC-4BE7-4504-8846-4BF0CCFD9721}" type="datetime1">
               <a:rPr lang="en-US" smtClean="0"/>
-              <a:t>5/24/2022</a:t>
+              <a:t>6/19/2022</a:t>
             </a:fld>
             <a:endParaRPr lang="en-US" dirty="0"/>
           </a:p>
@@ -36033,7 +35900,7 @@
             <a:fld id="{36D18B76-5E8B-4456-8722-FC5B14B0F354}" type="datetime1">
               <a:rPr lang="en-US" smtClean="0"/>
               <a:pPr/>
-              <a:t>5/24/2022</a:t>
+              <a:t>6/19/2022</a:t>
             </a:fld>
             <a:endParaRPr lang="en-US" dirty="0"/>
           </a:p>
@@ -36332,7 +36199,7 @@
             <a:fld id="{36D18B76-5E8B-4456-8722-FC5B14B0F354}" type="datetime1">
               <a:rPr lang="en-US" smtClean="0"/>
               <a:pPr/>
-              <a:t>5/24/2022</a:t>
+              <a:t>6/19/2022</a:t>
             </a:fld>
             <a:endParaRPr lang="en-US" dirty="0"/>
           </a:p>
@@ -37451,7 +37318,7 @@
             <a:fld id="{36D18B76-5E8B-4456-8722-FC5B14B0F354}" type="datetime1">
               <a:rPr lang="en-US" smtClean="0"/>
               <a:pPr/>
-              <a:t>5/24/2022</a:t>
+              <a:t>6/19/2022</a:t>
             </a:fld>
             <a:endParaRPr lang="en-US" dirty="0"/>
           </a:p>
@@ -37631,7 +37498,7 @@
             <a:fld id="{36D18B76-5E8B-4456-8722-FC5B14B0F354}" type="datetime1">
               <a:rPr lang="en-US" smtClean="0"/>
               <a:pPr/>
-              <a:t>5/24/2022</a:t>
+              <a:t>6/19/2022</a:t>
             </a:fld>
             <a:endParaRPr lang="en-US" dirty="0"/>
           </a:p>
@@ -38067,7 +37934,7 @@
             <a:fld id="{36D18B76-5E8B-4456-8722-FC5B14B0F354}" type="datetime1">
               <a:rPr lang="en-US" smtClean="0"/>
               <a:pPr/>
-              <a:t>5/24/2022</a:t>
+              <a:t>6/19/2022</a:t>
             </a:fld>
             <a:endParaRPr lang="en-US" dirty="0"/>
           </a:p>
@@ -38248,7 +38115,7 @@
             <a:fld id="{36D18B76-5E8B-4456-8722-FC5B14B0F354}" type="datetime1">
               <a:rPr lang="en-US" smtClean="0"/>
               <a:pPr/>
-              <a:t>5/24/2022</a:t>
+              <a:t>6/19/2022</a:t>
             </a:fld>
             <a:endParaRPr lang="en-US" dirty="0"/>
           </a:p>
@@ -38490,7 +38357,7 @@
             <a:fld id="{36D18B76-5E8B-4456-8722-FC5B14B0F354}" type="datetime1">
               <a:rPr lang="en-US" smtClean="0"/>
               <a:pPr/>
-              <a:t>5/24/2022</a:t>
+              <a:t>6/19/2022</a:t>
             </a:fld>
             <a:endParaRPr lang="en-US" dirty="0"/>
           </a:p>
@@ -38901,7 +38768,7 @@
             <a:fld id="{36D18B76-5E8B-4456-8722-FC5B14B0F354}" type="datetime1">
               <a:rPr lang="en-US" smtClean="0"/>
               <a:pPr/>
-              <a:t>5/24/2022</a:t>
+              <a:t>6/19/2022</a:t>
             </a:fld>
             <a:endParaRPr lang="en-US" dirty="0"/>
           </a:p>
@@ -39313,7 +39180,7 @@
             <a:fld id="{36D18B76-5E8B-4456-8722-FC5B14B0F354}" type="datetime1">
               <a:rPr lang="en-US" smtClean="0"/>
               <a:pPr/>
-              <a:t>5/24/2022</a:t>
+              <a:t>6/19/2022</a:t>
             </a:fld>
             <a:endParaRPr lang="en-US" dirty="0"/>
           </a:p>
@@ -39725,7 +39592,7 @@
             <a:fld id="{36D18B76-5E8B-4456-8722-FC5B14B0F354}" type="datetime1">
               <a:rPr lang="en-US" smtClean="0"/>
               <a:pPr/>
-              <a:t>5/24/2022</a:t>
+              <a:t>6/19/2022</a:t>
             </a:fld>
             <a:endParaRPr lang="en-US" dirty="0"/>
           </a:p>
@@ -40104,7 +39971,7 @@
             <a:fld id="{36D18B76-5E8B-4456-8722-FC5B14B0F354}" type="datetime1">
               <a:rPr lang="en-US" smtClean="0"/>
               <a:pPr/>
-              <a:t>5/24/2022</a:t>
+              <a:t>6/19/2022</a:t>
             </a:fld>
             <a:endParaRPr lang="en-US" dirty="0"/>
           </a:p>
@@ -41144,7 +41011,7 @@
           <a:p>
             <a:fld id="{1F2A6BD5-D000-45AE-BE81-365EBD12526C}" type="datetime1">
               <a:rPr lang="en-US" smtClean="0"/>
-              <a:t>5/24/2022</a:t>
+              <a:t>6/19/2022</a:t>
             </a:fld>
             <a:endParaRPr lang="en-US" dirty="0"/>
           </a:p>
@@ -43567,7 +43434,7 @@
           <a:p>
             <a:fld id="{5A2DBB50-F561-45B0-9BE5-95A455D2CD8B}" type="datetime1">
               <a:rPr lang="en-US" smtClean="0"/>
-              <a:t>5/24/2022</a:t>
+              <a:t>6/19/2022</a:t>
             </a:fld>
             <a:endParaRPr lang="en-US" dirty="0"/>
           </a:p>
@@ -43760,7 +43627,7 @@
           <a:p>
             <a:fld id="{BDD716FE-4A5D-4A13-A8EE-37F9C34BE666}" type="datetime1">
               <a:rPr lang="en-US" smtClean="0"/>
-              <a:t>5/24/2022</a:t>
+              <a:t>6/19/2022</a:t>
             </a:fld>
             <a:endParaRPr lang="en-US" dirty="0"/>
           </a:p>
@@ -44036,7 +43903,7 @@
           <a:p>
             <a:fld id="{5A2DBB50-F561-45B0-9BE5-95A455D2CD8B}" type="datetime1">
               <a:rPr lang="en-US" smtClean="0"/>
-              <a:t>5/24/2022</a:t>
+              <a:t>6/19/2022</a:t>
             </a:fld>
             <a:endParaRPr lang="en-US" dirty="0"/>
           </a:p>
@@ -44244,7 +44111,7 @@
           <a:p>
             <a:fld id="{5A2DBB50-F561-45B0-9BE5-95A455D2CD8B}" type="datetime1">
               <a:rPr lang="en-US" smtClean="0"/>
-              <a:t>5/24/2022</a:t>
+              <a:t>6/19/2022</a:t>
             </a:fld>
             <a:endParaRPr lang="en-US" dirty="0"/>
           </a:p>
@@ -44675,7 +44542,7 @@
             <a:fld id="{36D18B76-5E8B-4456-8722-FC5B14B0F354}" type="datetime1">
               <a:rPr lang="en-US" smtClean="0"/>
               <a:pPr/>
-              <a:t>5/24/2022</a:t>
+              <a:t>6/19/2022</a:t>
             </a:fld>
             <a:endParaRPr lang="en-US" dirty="0"/>
           </a:p>
@@ -44879,7 +44746,7 @@
           <a:p>
             <a:fld id="{93673764-947C-4E64-9BD5-474B9E9D9329}" type="datetime1">
               <a:rPr lang="en-US" smtClean="0"/>
-              <a:t>5/24/2022</a:t>
+              <a:t>6/19/2022</a:t>
             </a:fld>
             <a:endParaRPr lang="en-US" dirty="0"/>
           </a:p>
@@ -45324,7 +45191,7 @@
           <a:p>
             <a:fld id="{524BA6AA-761D-44D9-9696-AC66CE044BF5}" type="datetime1">
               <a:rPr lang="en-US" smtClean="0"/>
-              <a:t>5/24/2022</a:t>
+              <a:t>6/19/2022</a:t>
             </a:fld>
             <a:endParaRPr lang="en-US" dirty="0"/>
           </a:p>
@@ -45475,7 +45342,7 @@
           <a:p>
             <a:fld id="{A70B3D3E-FC47-4E47-BC37-6E33025EDD36}" type="datetime1">
               <a:rPr lang="en-US" smtClean="0"/>
-              <a:t>5/24/2022</a:t>
+              <a:t>6/19/2022</a:t>
             </a:fld>
             <a:endParaRPr lang="en-US" dirty="0"/>
           </a:p>

--- a/doc/Project_structure_notes.pptx
+++ b/doc/Project_structure_notes.pptx
@@ -5,7 +5,7 @@
     <p:sldMasterId id="2147483702" r:id="rId1"/>
   </p:sldMasterIdLst>
   <p:notesMasterIdLst>
-    <p:notesMasterId r:id="rId74"/>
+    <p:notesMasterId r:id="rId73"/>
   </p:notesMasterIdLst>
   <p:sldIdLst>
     <p:sldId id="256" r:id="rId2"/>
@@ -79,7 +79,6 @@
     <p:sldId id="270" r:id="rId70"/>
     <p:sldId id="284" r:id="rId71"/>
     <p:sldId id="257" r:id="rId72"/>
-    <p:sldId id="268" r:id="rId73"/>
   </p:sldIdLst>
   <p:sldSz cx="12192000" cy="6858000"/>
   <p:notesSz cx="6858000" cy="9144000"/>
@@ -302,7 +301,6 @@
             <p14:sldId id="270"/>
             <p14:sldId id="284"/>
             <p14:sldId id="257"/>
-            <p14:sldId id="268"/>
           </p14:sldIdLst>
         </p14:section>
       </p14:sectionLst>
@@ -7298,7 +7296,7 @@
           <a:p>
             <a:fld id="{0D3712C0-BD94-4EDD-81B8-404EF18DF498}" type="datetimeFigureOut">
               <a:rPr lang="en-US" smtClean="0"/>
-              <a:t>6/19/2022</a:t>
+              <a:t>6/23/2022</a:t>
             </a:fld>
             <a:endParaRPr lang="en-US"/>
           </a:p>
@@ -11203,7 +11201,7 @@
           <a:p>
             <a:fld id="{843A20DD-8926-4B91-8D72-D1DC7F5C31EF}" type="datetime1">
               <a:rPr lang="en-US" smtClean="0"/>
-              <a:t>6/19/2022</a:t>
+              <a:t>6/23/2022</a:t>
             </a:fld>
             <a:endParaRPr lang="en-US" dirty="0"/>
           </a:p>
@@ -11546,7 +11544,7 @@
           <a:p>
             <a:fld id="{D2DD2B10-BCB9-40E5-8141-F17001376370}" type="datetime1">
               <a:rPr lang="en-US" smtClean="0"/>
-              <a:t>6/19/2022</a:t>
+              <a:t>6/23/2022</a:t>
             </a:fld>
             <a:endParaRPr lang="en-US" dirty="0"/>
           </a:p>
@@ -11952,7 +11950,7 @@
           <a:p>
             <a:fld id="{927FFA6D-4E8C-437E-BCA1-3CF73EB8B252}" type="datetime1">
               <a:rPr lang="en-US" smtClean="0"/>
-              <a:t>6/19/2022</a:t>
+              <a:t>6/23/2022</a:t>
             </a:fld>
             <a:endParaRPr lang="en-US" dirty="0"/>
           </a:p>
@@ -12293,7 +12291,7 @@
           <a:p>
             <a:fld id="{A2C7F92B-2A35-4C09-8346-C40AAA997302}" type="datetime1">
               <a:rPr lang="en-US" smtClean="0"/>
-              <a:t>6/19/2022</a:t>
+              <a:t>6/23/2022</a:t>
             </a:fld>
             <a:endParaRPr lang="en-US" dirty="0"/>
           </a:p>
@@ -12619,7 +12617,7 @@
           <a:p>
             <a:fld id="{A2C7F92B-2A35-4C09-8346-C40AAA997302}" type="datetime1">
               <a:rPr lang="en-US" smtClean="0"/>
-              <a:t>6/19/2022</a:t>
+              <a:t>6/23/2022</a:t>
             </a:fld>
             <a:endParaRPr lang="en-US" dirty="0"/>
           </a:p>
@@ -13021,7 +13019,7 @@
           <a:p>
             <a:fld id="{A2C7F92B-2A35-4C09-8346-C40AAA997302}" type="datetime1">
               <a:rPr lang="en-US" smtClean="0"/>
-              <a:t>6/19/2022</a:t>
+              <a:t>6/23/2022</a:t>
             </a:fld>
             <a:endParaRPr lang="en-US" dirty="0"/>
           </a:p>
@@ -13284,7 +13282,7 @@
           <a:p>
             <a:fld id="{8A427DC1-41D9-41ED-AAB7-DF919DFB0B7D}" type="datetime1">
               <a:rPr lang="en-US" smtClean="0"/>
-              <a:t>6/19/2022</a:t>
+              <a:t>6/23/2022</a:t>
             </a:fld>
             <a:endParaRPr lang="en-US" dirty="0"/>
           </a:p>
@@ -13551,7 +13549,7 @@
           <a:p>
             <a:fld id="{49530F64-B6F9-41E5-8499-9B56B7F93996}" type="datetime1">
               <a:rPr lang="en-US" smtClean="0"/>
-              <a:t>6/19/2022</a:t>
+              <a:t>6/23/2022</a:t>
             </a:fld>
             <a:endParaRPr lang="en-US" dirty="0"/>
           </a:p>
@@ -13822,7 +13820,7 @@
             <a:fld id="{36D18B76-5E8B-4456-8722-FC5B14B0F354}" type="datetime1">
               <a:rPr lang="en-US" smtClean="0"/>
               <a:pPr/>
-              <a:t>6/19/2022</a:t>
+              <a:t>6/23/2022</a:t>
             </a:fld>
             <a:endParaRPr lang="en-US" dirty="0"/>
           </a:p>
@@ -14160,7 +14158,7 @@
           <a:p>
             <a:fld id="{3E914A3D-A565-477F-8682-1AE6EFE36557}" type="datetime1">
               <a:rPr lang="en-US" smtClean="0"/>
-              <a:t>6/19/2022</a:t>
+              <a:t>6/23/2022</a:t>
             </a:fld>
             <a:endParaRPr lang="en-US" dirty="0"/>
           </a:p>
@@ -14488,7 +14486,7 @@
           <a:p>
             <a:fld id="{D45A6A21-0914-4A46-BCF1-163E9A00E688}" type="datetime1">
               <a:rPr lang="en-US" smtClean="0"/>
-              <a:t>6/19/2022</a:t>
+              <a:t>6/23/2022</a:t>
             </a:fld>
             <a:endParaRPr lang="en-US" dirty="0"/>
           </a:p>
@@ -14950,7 +14948,7 @@
           <a:p>
             <a:fld id="{6BDD7FCB-B1A7-4982-8C8B-674E644B14B0}" type="datetime1">
               <a:rPr lang="en-US" smtClean="0"/>
-              <a:t>6/19/2022</a:t>
+              <a:t>6/23/2022</a:t>
             </a:fld>
             <a:endParaRPr lang="en-US" dirty="0"/>
           </a:p>
@@ -15170,7 +15168,7 @@
             <a:fld id="{4C731089-17FC-4C04-87B1-2157F67F0117}" type="datetime1">
               <a:rPr lang="en-US" smtClean="0"/>
               <a:pPr/>
-              <a:t>6/19/2022</a:t>
+              <a:t>6/23/2022</a:t>
             </a:fld>
             <a:endParaRPr lang="en-US" dirty="0"/>
           </a:p>
@@ -15356,7 +15354,7 @@
           <a:p>
             <a:fld id="{1278D66F-D6E5-4434-B311-7DA25CA81F5A}" type="datetime1">
               <a:rPr lang="en-US" smtClean="0"/>
-              <a:t>6/19/2022</a:t>
+              <a:t>6/23/2022</a:t>
             </a:fld>
             <a:endParaRPr lang="en-US" dirty="0"/>
           </a:p>
@@ -15694,7 +15692,7 @@
           <a:p>
             <a:fld id="{2253374B-0B0C-42C0-A0DF-1550CE3AA116}" type="datetime1">
               <a:rPr lang="en-US" smtClean="0"/>
-              <a:t>6/19/2022</a:t>
+              <a:t>6/23/2022</a:t>
             </a:fld>
             <a:endParaRPr lang="en-US" dirty="0"/>
           </a:p>
@@ -16044,7 +16042,7 @@
           <a:p>
             <a:fld id="{F589A7BC-DDDD-4FB0-A8E7-5046A2EF84B8}" type="datetime1">
               <a:rPr lang="en-US" smtClean="0"/>
-              <a:t>6/19/2022</a:t>
+              <a:t>6/23/2022</a:t>
             </a:fld>
             <a:endParaRPr lang="en-US" dirty="0"/>
           </a:p>
@@ -18166,7 +18164,7 @@
           <a:p>
             <a:fld id="{A2C7F92B-2A35-4C09-8346-C40AAA997302}" type="datetime1">
               <a:rPr lang="en-US" smtClean="0"/>
-              <a:t>6/19/2022</a:t>
+              <a:t>6/23/2022</a:t>
             </a:fld>
             <a:endParaRPr lang="en-US" dirty="0"/>
           </a:p>
@@ -18784,7 +18782,7 @@
           <a:p>
             <a:fld id="{EFFFF5E6-438B-4B86-AF1B-DB82D6C33C1C}" type="datetime1">
               <a:rPr lang="en-US" smtClean="0"/>
-              <a:t>6/19/2022</a:t>
+              <a:t>6/23/2022</a:t>
             </a:fld>
             <a:endParaRPr lang="en-US" dirty="0"/>
           </a:p>
@@ -19154,7 +19152,7 @@
             <a:fld id="{36D18B76-5E8B-4456-8722-FC5B14B0F354}" type="datetime1">
               <a:rPr lang="en-US" smtClean="0"/>
               <a:pPr/>
-              <a:t>6/19/2022</a:t>
+              <a:t>6/23/2022</a:t>
             </a:fld>
             <a:endParaRPr lang="en-US" dirty="0"/>
           </a:p>
@@ -20282,7 +20280,7 @@
             <a:fld id="{36D18B76-5E8B-4456-8722-FC5B14B0F354}" type="datetime1">
               <a:rPr lang="en-US" smtClean="0"/>
               <a:pPr/>
-              <a:t>6/19/2022</a:t>
+              <a:t>6/23/2022</a:t>
             </a:fld>
             <a:endParaRPr lang="en-US" dirty="0"/>
           </a:p>
@@ -21311,7 +21309,7 @@
             <a:fld id="{36D18B76-5E8B-4456-8722-FC5B14B0F354}" type="datetime1">
               <a:rPr lang="en-US" smtClean="0"/>
               <a:pPr/>
-              <a:t>6/19/2022</a:t>
+              <a:t>6/23/2022</a:t>
             </a:fld>
             <a:endParaRPr lang="en-US" dirty="0"/>
           </a:p>
@@ -23528,7 +23526,7 @@
             <a:fld id="{36D18B76-5E8B-4456-8722-FC5B14B0F354}" type="datetime1">
               <a:rPr lang="en-US" smtClean="0"/>
               <a:pPr/>
-              <a:t>6/19/2022</a:t>
+              <a:t>6/23/2022</a:t>
             </a:fld>
             <a:endParaRPr lang="en-US" dirty="0"/>
           </a:p>
@@ -25076,7 +25074,7 @@
           <a:p>
             <a:fld id="{1278D66F-D6E5-4434-B311-7DA25CA81F5A}" type="datetime1">
               <a:rPr lang="en-US" smtClean="0"/>
-              <a:t>6/19/2022</a:t>
+              <a:t>6/23/2022</a:t>
             </a:fld>
             <a:endParaRPr lang="en-US" dirty="0"/>
           </a:p>
@@ -28119,7 +28117,7 @@
           <a:p>
             <a:fld id="{BCCEB706-B4FB-4DF7-BDF7-514AEA7F06D0}" type="datetime1">
               <a:rPr lang="en-US" smtClean="0"/>
-              <a:t>6/19/2022</a:t>
+              <a:t>6/23/2022</a:t>
             </a:fld>
             <a:endParaRPr lang="en-US" dirty="0"/>
           </a:p>
@@ -33509,7 +33507,7 @@
           <a:p>
             <a:fld id="{7BB4AFEC-4BE7-4504-8846-4BF0CCFD9721}" type="datetime1">
               <a:rPr lang="en-US" smtClean="0"/>
-              <a:t>6/19/2022</a:t>
+              <a:t>6/23/2022</a:t>
             </a:fld>
             <a:endParaRPr lang="en-US" dirty="0"/>
           </a:p>
@@ -35900,7 +35898,7 @@
             <a:fld id="{36D18B76-5E8B-4456-8722-FC5B14B0F354}" type="datetime1">
               <a:rPr lang="en-US" smtClean="0"/>
               <a:pPr/>
-              <a:t>6/19/2022</a:t>
+              <a:t>6/23/2022</a:t>
             </a:fld>
             <a:endParaRPr lang="en-US" dirty="0"/>
           </a:p>
@@ -36199,7 +36197,7 @@
             <a:fld id="{36D18B76-5E8B-4456-8722-FC5B14B0F354}" type="datetime1">
               <a:rPr lang="en-US" smtClean="0"/>
               <a:pPr/>
-              <a:t>6/19/2022</a:t>
+              <a:t>6/23/2022</a:t>
             </a:fld>
             <a:endParaRPr lang="en-US" dirty="0"/>
           </a:p>
@@ -37318,7 +37316,7 @@
             <a:fld id="{36D18B76-5E8B-4456-8722-FC5B14B0F354}" type="datetime1">
               <a:rPr lang="en-US" smtClean="0"/>
               <a:pPr/>
-              <a:t>6/19/2022</a:t>
+              <a:t>6/23/2022</a:t>
             </a:fld>
             <a:endParaRPr lang="en-US" dirty="0"/>
           </a:p>
@@ -37498,7 +37496,7 @@
             <a:fld id="{36D18B76-5E8B-4456-8722-FC5B14B0F354}" type="datetime1">
               <a:rPr lang="en-US" smtClean="0"/>
               <a:pPr/>
-              <a:t>6/19/2022</a:t>
+              <a:t>6/23/2022</a:t>
             </a:fld>
             <a:endParaRPr lang="en-US" dirty="0"/>
           </a:p>
@@ -37934,7 +37932,7 @@
             <a:fld id="{36D18B76-5E8B-4456-8722-FC5B14B0F354}" type="datetime1">
               <a:rPr lang="en-US" smtClean="0"/>
               <a:pPr/>
-              <a:t>6/19/2022</a:t>
+              <a:t>6/23/2022</a:t>
             </a:fld>
             <a:endParaRPr lang="en-US" dirty="0"/>
           </a:p>
@@ -38115,7 +38113,7 @@
             <a:fld id="{36D18B76-5E8B-4456-8722-FC5B14B0F354}" type="datetime1">
               <a:rPr lang="en-US" smtClean="0"/>
               <a:pPr/>
-              <a:t>6/19/2022</a:t>
+              <a:t>6/23/2022</a:t>
             </a:fld>
             <a:endParaRPr lang="en-US" dirty="0"/>
           </a:p>
@@ -38357,7 +38355,7 @@
             <a:fld id="{36D18B76-5E8B-4456-8722-FC5B14B0F354}" type="datetime1">
               <a:rPr lang="en-US" smtClean="0"/>
               <a:pPr/>
-              <a:t>6/19/2022</a:t>
+              <a:t>6/23/2022</a:t>
             </a:fld>
             <a:endParaRPr lang="en-US" dirty="0"/>
           </a:p>
@@ -38768,7 +38766,7 @@
             <a:fld id="{36D18B76-5E8B-4456-8722-FC5B14B0F354}" type="datetime1">
               <a:rPr lang="en-US" smtClean="0"/>
               <a:pPr/>
-              <a:t>6/19/2022</a:t>
+              <a:t>6/23/2022</a:t>
             </a:fld>
             <a:endParaRPr lang="en-US" dirty="0"/>
           </a:p>
@@ -39180,7 +39178,7 @@
             <a:fld id="{36D18B76-5E8B-4456-8722-FC5B14B0F354}" type="datetime1">
               <a:rPr lang="en-US" smtClean="0"/>
               <a:pPr/>
-              <a:t>6/19/2022</a:t>
+              <a:t>6/23/2022</a:t>
             </a:fld>
             <a:endParaRPr lang="en-US" dirty="0"/>
           </a:p>
@@ -39592,7 +39590,7 @@
             <a:fld id="{36D18B76-5E8B-4456-8722-FC5B14B0F354}" type="datetime1">
               <a:rPr lang="en-US" smtClean="0"/>
               <a:pPr/>
-              <a:t>6/19/2022</a:t>
+              <a:t>6/23/2022</a:t>
             </a:fld>
             <a:endParaRPr lang="en-US" dirty="0"/>
           </a:p>
@@ -39971,7 +39969,7 @@
             <a:fld id="{36D18B76-5E8B-4456-8722-FC5B14B0F354}" type="datetime1">
               <a:rPr lang="en-US" smtClean="0"/>
               <a:pPr/>
-              <a:t>6/19/2022</a:t>
+              <a:t>6/23/2022</a:t>
             </a:fld>
             <a:endParaRPr lang="en-US" dirty="0"/>
           </a:p>
@@ -41011,7 +41009,7 @@
           <a:p>
             <a:fld id="{1F2A6BD5-D000-45AE-BE81-365EBD12526C}" type="datetime1">
               <a:rPr lang="en-US" smtClean="0"/>
-              <a:t>6/19/2022</a:t>
+              <a:t>6/23/2022</a:t>
             </a:fld>
             <a:endParaRPr lang="en-US" dirty="0"/>
           </a:p>
@@ -43434,7 +43432,7 @@
           <a:p>
             <a:fld id="{5A2DBB50-F561-45B0-9BE5-95A455D2CD8B}" type="datetime1">
               <a:rPr lang="en-US" smtClean="0"/>
-              <a:t>6/19/2022</a:t>
+              <a:t>6/23/2022</a:t>
             </a:fld>
             <a:endParaRPr lang="en-US" dirty="0"/>
           </a:p>
@@ -43627,7 +43625,7 @@
           <a:p>
             <a:fld id="{BDD716FE-4A5D-4A13-A8EE-37F9C34BE666}" type="datetime1">
               <a:rPr lang="en-US" smtClean="0"/>
-              <a:t>6/19/2022</a:t>
+              <a:t>6/23/2022</a:t>
             </a:fld>
             <a:endParaRPr lang="en-US" dirty="0"/>
           </a:p>
@@ -43903,7 +43901,7 @@
           <a:p>
             <a:fld id="{5A2DBB50-F561-45B0-9BE5-95A455D2CD8B}" type="datetime1">
               <a:rPr lang="en-US" smtClean="0"/>
-              <a:t>6/19/2022</a:t>
+              <a:t>6/23/2022</a:t>
             </a:fld>
             <a:endParaRPr lang="en-US" dirty="0"/>
           </a:p>
@@ -44111,7 +44109,7 @@
           <a:p>
             <a:fld id="{5A2DBB50-F561-45B0-9BE5-95A455D2CD8B}" type="datetime1">
               <a:rPr lang="en-US" smtClean="0"/>
-              <a:t>6/19/2022</a:t>
+              <a:t>6/23/2022</a:t>
             </a:fld>
             <a:endParaRPr lang="en-US" dirty="0"/>
           </a:p>
@@ -44542,7 +44540,7 @@
             <a:fld id="{36D18B76-5E8B-4456-8722-FC5B14B0F354}" type="datetime1">
               <a:rPr lang="en-US" smtClean="0"/>
               <a:pPr/>
-              <a:t>6/19/2022</a:t>
+              <a:t>6/23/2022</a:t>
             </a:fld>
             <a:endParaRPr lang="en-US" dirty="0"/>
           </a:p>
@@ -44746,7 +44744,7 @@
           <a:p>
             <a:fld id="{93673764-947C-4E64-9BD5-474B9E9D9329}" type="datetime1">
               <a:rPr lang="en-US" smtClean="0"/>
-              <a:t>6/19/2022</a:t>
+              <a:t>6/23/2022</a:t>
             </a:fld>
             <a:endParaRPr lang="en-US" dirty="0"/>
           </a:p>
@@ -44815,450 +44813,6 @@
     <p:extLst>
       <p:ext uri="{BB962C8B-B14F-4D97-AF65-F5344CB8AC3E}">
         <p14:creationId xmlns:p14="http://schemas.microsoft.com/office/powerpoint/2010/main" val="2900572126"/>
-      </p:ext>
-    </p:extLst>
-  </p:cSld>
-  <p:clrMapOvr>
-    <a:masterClrMapping/>
-  </p:clrMapOvr>
-</p:sld>
-</file>
-
-<file path=ppt/slides/slide72.xml><?xml version="1.0" encoding="utf-8"?>
-<p:sld xmlns:a="http://schemas.openxmlformats.org/drawingml/2006/main" xmlns:r="http://schemas.openxmlformats.org/officeDocument/2006/relationships" xmlns:p="http://schemas.openxmlformats.org/presentationml/2006/main">
-  <p:cSld>
-    <p:spTree>
-      <p:nvGrpSpPr>
-        <p:cNvPr id="1" name=""/>
-        <p:cNvGrpSpPr/>
-        <p:nvPr/>
-      </p:nvGrpSpPr>
-      <p:grpSpPr>
-        <a:xfrm>
-          <a:off x="0" y="0"/>
-          <a:ext cx="0" cy="0"/>
-          <a:chOff x="0" y="0"/>
-          <a:chExt cx="0" cy="0"/>
-        </a:xfrm>
-      </p:grpSpPr>
-      <p:pic>
-        <p:nvPicPr>
-          <p:cNvPr id="7" name="Graphic 6" descr="Address Book with solid fill">
-            <a:extLst>
-              <a:ext uri="{FF2B5EF4-FFF2-40B4-BE49-F238E27FC236}">
-                <a16:creationId xmlns:a16="http://schemas.microsoft.com/office/drawing/2014/main" id="{6851D747-2228-4FF5-B24C-C5389E1FC273}"/>
-              </a:ext>
-            </a:extLst>
-          </p:cNvPr>
-          <p:cNvPicPr>
-            <a:picLocks noChangeAspect="1"/>
-          </p:cNvPicPr>
-          <p:nvPr/>
-        </p:nvPicPr>
-        <p:blipFill>
-          <a:blip r:embed="rId2">
-            <a:extLst>
-              <a:ext uri="{28A0092B-C50C-407E-A947-70E740481C1C}">
-                <a14:useLocalDpi xmlns:a14="http://schemas.microsoft.com/office/drawing/2010/main" val="0"/>
-              </a:ext>
-              <a:ext uri="{96DAC541-7B7A-43D3-8B79-37D633B846F1}">
-                <asvg:svgBlip xmlns:asvg="http://schemas.microsoft.com/office/drawing/2016/SVG/main" r:embed="rId3"/>
-              </a:ext>
-            </a:extLst>
-          </a:blip>
-          <a:stretch>
-            <a:fillRect/>
-          </a:stretch>
-        </p:blipFill>
-        <p:spPr>
-          <a:xfrm rot="790859">
-            <a:off x="7602449" y="1181536"/>
-            <a:ext cx="4311293" cy="4311293"/>
-          </a:xfrm>
-          <a:custGeom>
-            <a:avLst/>
-            <a:gdLst/>
-            <a:ahLst/>
-            <a:cxnLst/>
-            <a:rect l="l" t="t" r="r" b="b"/>
-            <a:pathLst>
-              <a:path w="4114800" h="5712488">
-                <a:moveTo>
-                  <a:pt x="133155" y="0"/>
-                </a:moveTo>
-                <a:lnTo>
-                  <a:pt x="3981645" y="0"/>
-                </a:lnTo>
-                <a:cubicBezTo>
-                  <a:pt x="4055184" y="0"/>
-                  <a:pt x="4114800" y="59616"/>
-                  <a:pt x="4114800" y="133155"/>
-                </a:cubicBezTo>
-                <a:lnTo>
-                  <a:pt x="4114800" y="5579333"/>
-                </a:lnTo>
-                <a:cubicBezTo>
-                  <a:pt x="4114800" y="5652872"/>
-                  <a:pt x="4055184" y="5712488"/>
-                  <a:pt x="3981645" y="5712488"/>
-                </a:cubicBezTo>
-                <a:lnTo>
-                  <a:pt x="133155" y="5712488"/>
-                </a:lnTo>
-                <a:cubicBezTo>
-                  <a:pt x="59616" y="5712488"/>
-                  <a:pt x="0" y="5652872"/>
-                  <a:pt x="0" y="5579333"/>
-                </a:cubicBezTo>
-                <a:lnTo>
-                  <a:pt x="0" y="133155"/>
-                </a:lnTo>
-                <a:cubicBezTo>
-                  <a:pt x="0" y="59616"/>
-                  <a:pt x="59616" y="0"/>
-                  <a:pt x="133155" y="0"/>
-                </a:cubicBezTo>
-                <a:close/>
-              </a:path>
-            </a:pathLst>
-          </a:custGeom>
-        </p:spPr>
-      </p:pic>
-      <p:sp>
-        <p:nvSpPr>
-          <p:cNvPr id="32" name="TextBox 31">
-            <a:extLst>
-              <a:ext uri="{FF2B5EF4-FFF2-40B4-BE49-F238E27FC236}">
-                <a16:creationId xmlns:a16="http://schemas.microsoft.com/office/drawing/2014/main" id="{A3B93664-412E-47BE-9D0B-5944E25B61FD}"/>
-              </a:ext>
-            </a:extLst>
-          </p:cNvPr>
-          <p:cNvSpPr txBox="1"/>
-          <p:nvPr/>
-        </p:nvSpPr>
-        <p:spPr>
-          <a:xfrm>
-            <a:off x="1735587" y="4901796"/>
-            <a:ext cx="6254527" cy="710451"/>
-          </a:xfrm>
-          <a:prstGeom prst="rect">
-            <a:avLst/>
-          </a:prstGeom>
-          <a:noFill/>
-        </p:spPr>
-        <p:txBody>
-          <a:bodyPr wrap="square">
-            <a:spAutoFit/>
-          </a:bodyPr>
-          <a:lstStyle/>
-          <a:p>
-            <a:pPr>
-              <a:lnSpc>
-                <a:spcPct val="90000"/>
-              </a:lnSpc>
-              <a:spcAft>
-                <a:spcPts val="450"/>
-              </a:spcAft>
-            </a:pPr>
-            <a:r>
-              <a:rPr lang="en-US" sz="2000" i="1" dirty="0"/>
-              <a:t>Bioinformatics</a:t>
-            </a:r>
-          </a:p>
-          <a:p>
-            <a:pPr lvl="1">
-              <a:lnSpc>
-                <a:spcPct val="90000"/>
-              </a:lnSpc>
-              <a:spcAft>
-                <a:spcPts val="450"/>
-              </a:spcAft>
-            </a:pPr>
-            <a:r>
-              <a:rPr lang="en-US" sz="2000" dirty="0"/>
-              <a:t>Lucas </a:t>
-            </a:r>
-            <a:r>
-              <a:rPr lang="en-US" sz="2000" dirty="0" err="1"/>
-              <a:t>Moitinho</a:t>
-            </a:r>
-            <a:r>
-              <a:rPr lang="en-US" sz="2000" dirty="0"/>
-              <a:t>-Silva (l.silva@ikmb.uni-kiel.de)</a:t>
-            </a:r>
-          </a:p>
-        </p:txBody>
-      </p:sp>
-      <p:sp>
-        <p:nvSpPr>
-          <p:cNvPr id="33" name="TextBox 32">
-            <a:extLst>
-              <a:ext uri="{FF2B5EF4-FFF2-40B4-BE49-F238E27FC236}">
-                <a16:creationId xmlns:a16="http://schemas.microsoft.com/office/drawing/2014/main" id="{E4D5FC6B-D426-470A-8ABC-B88774E75115}"/>
-              </a:ext>
-            </a:extLst>
-          </p:cNvPr>
-          <p:cNvSpPr txBox="1"/>
-          <p:nvPr/>
-        </p:nvSpPr>
-        <p:spPr>
-          <a:xfrm>
-            <a:off x="1795986" y="2286804"/>
-            <a:ext cx="5998185" cy="710451"/>
-          </a:xfrm>
-          <a:prstGeom prst="rect">
-            <a:avLst/>
-          </a:prstGeom>
-          <a:noFill/>
-        </p:spPr>
-        <p:txBody>
-          <a:bodyPr wrap="square">
-            <a:spAutoFit/>
-          </a:bodyPr>
-          <a:lstStyle/>
-          <a:p>
-            <a:pPr>
-              <a:lnSpc>
-                <a:spcPct val="90000"/>
-              </a:lnSpc>
-              <a:spcAft>
-                <a:spcPts val="450"/>
-              </a:spcAft>
-            </a:pPr>
-            <a:r>
-              <a:rPr lang="en-US" sz="2000" i="1" dirty="0"/>
-              <a:t>Supervisor</a:t>
-            </a:r>
-          </a:p>
-          <a:p>
-            <a:pPr lvl="1">
-              <a:lnSpc>
-                <a:spcPct val="90000"/>
-              </a:lnSpc>
-              <a:spcAft>
-                <a:spcPts val="450"/>
-              </a:spcAft>
-            </a:pPr>
-            <a:r>
-              <a:rPr lang="en-US" sz="2000" dirty="0"/>
-              <a:t>Oliver </a:t>
-            </a:r>
-            <a:r>
-              <a:rPr lang="en-US" sz="2000" dirty="0" err="1"/>
-              <a:t>Asmets</a:t>
-            </a:r>
-            <a:r>
-              <a:rPr lang="en-US" sz="2000" dirty="0"/>
-              <a:t> ()</a:t>
-            </a:r>
-          </a:p>
-        </p:txBody>
-      </p:sp>
-      <p:sp>
-        <p:nvSpPr>
-          <p:cNvPr id="35" name="TextBox 34">
-            <a:extLst>
-              <a:ext uri="{FF2B5EF4-FFF2-40B4-BE49-F238E27FC236}">
-                <a16:creationId xmlns:a16="http://schemas.microsoft.com/office/drawing/2014/main" id="{47287ECE-C4E5-4B11-BB50-8930F2931B5E}"/>
-              </a:ext>
-            </a:extLst>
-          </p:cNvPr>
-          <p:cNvSpPr txBox="1"/>
-          <p:nvPr/>
-        </p:nvSpPr>
-        <p:spPr>
-          <a:xfrm>
-            <a:off x="1795986" y="979308"/>
-            <a:ext cx="6194128" cy="710451"/>
-          </a:xfrm>
-          <a:prstGeom prst="rect">
-            <a:avLst/>
-          </a:prstGeom>
-          <a:noFill/>
-        </p:spPr>
-        <p:txBody>
-          <a:bodyPr wrap="square">
-            <a:spAutoFit/>
-          </a:bodyPr>
-          <a:lstStyle/>
-          <a:p>
-            <a:pPr>
-              <a:lnSpc>
-                <a:spcPct val="90000"/>
-              </a:lnSpc>
-              <a:spcAft>
-                <a:spcPts val="450"/>
-              </a:spcAft>
-            </a:pPr>
-            <a:r>
-              <a:rPr lang="en-US" sz="2000" i="1" dirty="0"/>
-              <a:t>Project holder</a:t>
-            </a:r>
-          </a:p>
-          <a:p>
-            <a:pPr lvl="1">
-              <a:lnSpc>
-                <a:spcPct val="90000"/>
-              </a:lnSpc>
-              <a:spcAft>
-                <a:spcPts val="450"/>
-              </a:spcAft>
-            </a:pPr>
-            <a:r>
-              <a:rPr lang="en-US" sz="2000" dirty="0"/>
-              <a:t>Elin Org ()</a:t>
-            </a:r>
-          </a:p>
-        </p:txBody>
-      </p:sp>
-      <p:sp>
-        <p:nvSpPr>
-          <p:cNvPr id="9" name="TextBox 8">
-            <a:extLst>
-              <a:ext uri="{FF2B5EF4-FFF2-40B4-BE49-F238E27FC236}">
-                <a16:creationId xmlns:a16="http://schemas.microsoft.com/office/drawing/2014/main" id="{B51BD5DE-2048-480E-95D0-CF0A8C48246C}"/>
-              </a:ext>
-            </a:extLst>
-          </p:cNvPr>
-          <p:cNvSpPr txBox="1"/>
-          <p:nvPr/>
-        </p:nvSpPr>
-        <p:spPr>
-          <a:xfrm>
-            <a:off x="1735587" y="3520816"/>
-            <a:ext cx="5840870" cy="710451"/>
-          </a:xfrm>
-          <a:prstGeom prst="rect">
-            <a:avLst/>
-          </a:prstGeom>
-          <a:noFill/>
-        </p:spPr>
-        <p:txBody>
-          <a:bodyPr wrap="square">
-            <a:spAutoFit/>
-          </a:bodyPr>
-          <a:lstStyle/>
-          <a:p>
-            <a:pPr>
-              <a:lnSpc>
-                <a:spcPct val="90000"/>
-              </a:lnSpc>
-              <a:spcAft>
-                <a:spcPts val="450"/>
-              </a:spcAft>
-            </a:pPr>
-            <a:r>
-              <a:rPr lang="en-US" sz="2000" i="1" dirty="0"/>
-              <a:t>Supervisor Kiel</a:t>
-            </a:r>
-          </a:p>
-          <a:p>
-            <a:pPr lvl="1">
-              <a:lnSpc>
-                <a:spcPct val="90000"/>
-              </a:lnSpc>
-              <a:spcAft>
-                <a:spcPts val="450"/>
-              </a:spcAft>
-            </a:pPr>
-            <a:r>
-              <a:rPr lang="en-US" sz="2000" dirty="0"/>
-              <a:t>Tal Dagan ()</a:t>
-            </a:r>
-          </a:p>
-        </p:txBody>
-      </p:sp>
-      <p:sp>
-        <p:nvSpPr>
-          <p:cNvPr id="4" name="Date Placeholder 3">
-            <a:extLst>
-              <a:ext uri="{FF2B5EF4-FFF2-40B4-BE49-F238E27FC236}">
-                <a16:creationId xmlns:a16="http://schemas.microsoft.com/office/drawing/2014/main" id="{FBA103E6-1C0F-49CA-AC5E-C9ACBAF44FEA}"/>
-              </a:ext>
-            </a:extLst>
-          </p:cNvPr>
-          <p:cNvSpPr>
-            <a:spLocks noGrp="1"/>
-          </p:cNvSpPr>
-          <p:nvPr>
-            <p:ph type="dt" sz="half" idx="10"/>
-          </p:nvPr>
-        </p:nvSpPr>
-        <p:spPr/>
-        <p:txBody>
-          <a:bodyPr/>
-          <a:lstStyle/>
-          <a:p>
-            <a:fld id="{524BA6AA-761D-44D9-9696-AC66CE044BF5}" type="datetime1">
-              <a:rPr lang="en-US" smtClean="0"/>
-              <a:t>6/19/2022</a:t>
-            </a:fld>
-            <a:endParaRPr lang="en-US" dirty="0"/>
-          </a:p>
-        </p:txBody>
-      </p:sp>
-      <p:sp>
-        <p:nvSpPr>
-          <p:cNvPr id="5" name="Footer Placeholder 4">
-            <a:extLst>
-              <a:ext uri="{FF2B5EF4-FFF2-40B4-BE49-F238E27FC236}">
-                <a16:creationId xmlns:a16="http://schemas.microsoft.com/office/drawing/2014/main" id="{CA895326-8C62-4A87-A680-A746500235F0}"/>
-              </a:ext>
-            </a:extLst>
-          </p:cNvPr>
-          <p:cNvSpPr>
-            <a:spLocks noGrp="1"/>
-          </p:cNvSpPr>
-          <p:nvPr>
-            <p:ph type="ftr" sz="quarter" idx="11"/>
-          </p:nvPr>
-        </p:nvSpPr>
-        <p:spPr/>
-        <p:txBody>
-          <a:bodyPr/>
-          <a:lstStyle/>
-          <a:p>
-            <a:r>
-              <a:rPr lang="en-US" dirty="0"/>
-              <a:t>jennifer.neumaier@t-online.de</a:t>
-            </a:r>
-          </a:p>
-        </p:txBody>
-      </p:sp>
-      <p:sp>
-        <p:nvSpPr>
-          <p:cNvPr id="6" name="Slide Number Placeholder 5">
-            <a:extLst>
-              <a:ext uri="{FF2B5EF4-FFF2-40B4-BE49-F238E27FC236}">
-                <a16:creationId xmlns:a16="http://schemas.microsoft.com/office/drawing/2014/main" id="{9912DB58-738B-4637-8F7F-69BE65B9060C}"/>
-              </a:ext>
-            </a:extLst>
-          </p:cNvPr>
-          <p:cNvSpPr>
-            <a:spLocks noGrp="1"/>
-          </p:cNvSpPr>
-          <p:nvPr>
-            <p:ph type="sldNum" sz="quarter" idx="12"/>
-          </p:nvPr>
-        </p:nvSpPr>
-        <p:spPr/>
-        <p:txBody>
-          <a:bodyPr/>
-          <a:lstStyle/>
-          <a:p>
-            <a:fld id="{D57F1E4F-1CFF-5643-939E-217C01CDF565}" type="slidenum">
-              <a:rPr lang="en-US" smtClean="0"/>
-              <a:pPr/>
-              <a:t>72</a:t>
-            </a:fld>
-            <a:endParaRPr lang="en-US" dirty="0"/>
-          </a:p>
-        </p:txBody>
-      </p:sp>
-    </p:spTree>
-    <p:extLst>
-      <p:ext uri="{BB962C8B-B14F-4D97-AF65-F5344CB8AC3E}">
-        <p14:creationId xmlns:p14="http://schemas.microsoft.com/office/powerpoint/2010/main" val="1870852049"/>
       </p:ext>
     </p:extLst>
   </p:cSld>
@@ -45342,7 +44896,7 @@
           <a:p>
             <a:fld id="{A70B3D3E-FC47-4E47-BC37-6E33025EDD36}" type="datetime1">
               <a:rPr lang="en-US" smtClean="0"/>
-              <a:t>6/19/2022</a:t>
+              <a:t>6/23/2022</a:t>
             </a:fld>
             <a:endParaRPr lang="en-US" dirty="0"/>
           </a:p>
